--- a/Documentation/4th Year Project Presentation.pptx
+++ b/Documentation/4th Year Project Presentation.pptx
@@ -7,13 +7,20 @@
   <p:sldIdLst>
     <p:sldId id="256" r:id="rId2"/>
     <p:sldId id="257" r:id="rId3"/>
-    <p:sldId id="258" r:id="rId4"/>
-    <p:sldId id="259" r:id="rId5"/>
-    <p:sldId id="260" r:id="rId6"/>
+    <p:sldId id="265" r:id="rId4"/>
+    <p:sldId id="260" r:id="rId5"/>
+    <p:sldId id="266" r:id="rId6"/>
     <p:sldId id="261" r:id="rId7"/>
-    <p:sldId id="262" r:id="rId8"/>
-    <p:sldId id="264" r:id="rId9"/>
-    <p:sldId id="263" r:id="rId10"/>
+    <p:sldId id="267" r:id="rId8"/>
+    <p:sldId id="258" r:id="rId9"/>
+    <p:sldId id="259" r:id="rId10"/>
+    <p:sldId id="262" r:id="rId11"/>
+    <p:sldId id="268" r:id="rId12"/>
+    <p:sldId id="269" r:id="rId13"/>
+    <p:sldId id="271" r:id="rId14"/>
+    <p:sldId id="270" r:id="rId15"/>
+    <p:sldId id="264" r:id="rId16"/>
+    <p:sldId id="263" r:id="rId17"/>
   </p:sldIdLst>
   <p:sldSz cx="12192000" cy="6858000"/>
   <p:notesSz cx="6858000" cy="9144000"/>
@@ -124,8 +131,8 @@
 <pc:chgInfo xmlns:a="http://schemas.openxmlformats.org/drawingml/2006/main" xmlns:r="http://schemas.openxmlformats.org/officeDocument/2006/relationships" xmlns:ac="http://schemas.microsoft.com/office/drawing/2013/main/command" xmlns:pc="http://schemas.microsoft.com/office/powerpoint/2013/main/command">
   <pc:docChgLst>
     <pc:chgData name="Souporno Ghosh" userId="e9e722df7c9c76e5" providerId="LiveId" clId="{7E4CF494-4069-4614-9DAF-4322F70DDEBD}"/>
-    <pc:docChg chg="undo custSel addSld delSld modSld">
-      <pc:chgData name="Souporno Ghosh" userId="e9e722df7c9c76e5" providerId="LiveId" clId="{7E4CF494-4069-4614-9DAF-4322F70DDEBD}" dt="2021-03-24T19:36:25.150" v="441" actId="20577"/>
+    <pc:docChg chg="undo redo custSel addSld delSld modSld sldOrd">
+      <pc:chgData name="Souporno Ghosh" userId="e9e722df7c9c76e5" providerId="LiveId" clId="{7E4CF494-4069-4614-9DAF-4322F70DDEBD}" dt="2021-03-26T17:07:51.810" v="1786" actId="680"/>
       <pc:docMkLst>
         <pc:docMk/>
       </pc:docMkLst>
@@ -167,18 +174,26 @@
           </ac:spMkLst>
         </pc:spChg>
       </pc:sldChg>
-      <pc:sldChg chg="modSp new mod">
-        <pc:chgData name="Souporno Ghosh" userId="e9e722df7c9c76e5" providerId="LiveId" clId="{7E4CF494-4069-4614-9DAF-4322F70DDEBD}" dt="2021-03-24T19:36:25.150" v="441" actId="20577"/>
+      <pc:sldChg chg="modSp new mod ord">
+        <pc:chgData name="Souporno Ghosh" userId="e9e722df7c9c76e5" providerId="LiveId" clId="{7E4CF494-4069-4614-9DAF-4322F70DDEBD}" dt="2021-03-26T16:35:20.669" v="1064"/>
         <pc:sldMkLst>
           <pc:docMk/>
           <pc:sldMk cId="98565076" sldId="258"/>
         </pc:sldMkLst>
         <pc:spChg chg="mod">
-          <ac:chgData name="Souporno Ghosh" userId="e9e722df7c9c76e5" providerId="LiveId" clId="{7E4CF494-4069-4614-9DAF-4322F70DDEBD}" dt="2021-03-24T19:36:25.150" v="441" actId="20577"/>
+          <ac:chgData name="Souporno Ghosh" userId="e9e722df7c9c76e5" providerId="LiveId" clId="{7E4CF494-4069-4614-9DAF-4322F70DDEBD}" dt="2021-03-26T16:08:46.114" v="596" actId="2711"/>
           <ac:spMkLst>
             <pc:docMk/>
             <pc:sldMk cId="98565076" sldId="258"/>
             <ac:spMk id="2" creationId="{FBAAA32B-BD42-4446-809A-7EC9BA53ACA7}"/>
+          </ac:spMkLst>
+        </pc:spChg>
+        <pc:spChg chg="mod">
+          <ac:chgData name="Souporno Ghosh" userId="e9e722df7c9c76e5" providerId="LiveId" clId="{7E4CF494-4069-4614-9DAF-4322F70DDEBD}" dt="2021-03-26T16:09:05.514" v="598" actId="1076"/>
+          <ac:spMkLst>
+            <pc:docMk/>
+            <pc:sldMk cId="98565076" sldId="258"/>
+            <ac:spMk id="3" creationId="{E0643363-7A65-4963-9491-D6A5839A5585}"/>
           </ac:spMkLst>
         </pc:spChg>
       </pc:sldChg>
@@ -197,50 +212,82 @@
           </ac:spMkLst>
         </pc:spChg>
       </pc:sldChg>
-      <pc:sldChg chg="modSp new mod">
-        <pc:chgData name="Souporno Ghosh" userId="e9e722df7c9c76e5" providerId="LiveId" clId="{7E4CF494-4069-4614-9DAF-4322F70DDEBD}" dt="2021-03-24T18:39:53.844" v="231" actId="20577"/>
+      <pc:sldChg chg="modSp new mod ord">
+        <pc:chgData name="Souporno Ghosh" userId="e9e722df7c9c76e5" providerId="LiveId" clId="{7E4CF494-4069-4614-9DAF-4322F70DDEBD}" dt="2021-03-26T16:14:41.299" v="655" actId="20577"/>
         <pc:sldMkLst>
           <pc:docMk/>
           <pc:sldMk cId="4201603467" sldId="260"/>
         </pc:sldMkLst>
         <pc:spChg chg="mod">
-          <ac:chgData name="Souporno Ghosh" userId="e9e722df7c9c76e5" providerId="LiveId" clId="{7E4CF494-4069-4614-9DAF-4322F70DDEBD}" dt="2021-03-24T18:39:53.844" v="231" actId="20577"/>
+          <ac:chgData name="Souporno Ghosh" userId="e9e722df7c9c76e5" providerId="LiveId" clId="{7E4CF494-4069-4614-9DAF-4322F70DDEBD}" dt="2021-03-26T16:13:05.283" v="601" actId="20577"/>
           <ac:spMkLst>
             <pc:docMk/>
             <pc:sldMk cId="4201603467" sldId="260"/>
             <ac:spMk id="2" creationId="{45A89841-D178-4B1E-8FB7-A968CC75D3E5}"/>
           </ac:spMkLst>
         </pc:spChg>
+        <pc:spChg chg="mod">
+          <ac:chgData name="Souporno Ghosh" userId="e9e722df7c9c76e5" providerId="LiveId" clId="{7E4CF494-4069-4614-9DAF-4322F70DDEBD}" dt="2021-03-26T16:14:41.299" v="655" actId="20577"/>
+          <ac:spMkLst>
+            <pc:docMk/>
+            <pc:sldMk cId="4201603467" sldId="260"/>
+            <ac:spMk id="3" creationId="{C69C6BB9-394E-4389-98FC-04D2A8AC46E7}"/>
+          </ac:spMkLst>
+        </pc:spChg>
       </pc:sldChg>
-      <pc:sldChg chg="modSp new mod">
-        <pc:chgData name="Souporno Ghosh" userId="e9e722df7c9c76e5" providerId="LiveId" clId="{7E4CF494-4069-4614-9DAF-4322F70DDEBD}" dt="2021-03-24T19:03:46.881" v="284" actId="20577"/>
+      <pc:sldChg chg="modSp new mod ord">
+        <pc:chgData name="Souporno Ghosh" userId="e9e722df7c9c76e5" providerId="LiveId" clId="{7E4CF494-4069-4614-9DAF-4322F70DDEBD}" dt="2021-03-26T16:35:27.648" v="1066"/>
         <pc:sldMkLst>
           <pc:docMk/>
           <pc:sldMk cId="1124173596" sldId="261"/>
         </pc:sldMkLst>
         <pc:spChg chg="mod">
-          <ac:chgData name="Souporno Ghosh" userId="e9e722df7c9c76e5" providerId="LiveId" clId="{7E4CF494-4069-4614-9DAF-4322F70DDEBD}" dt="2021-03-24T19:03:46.881" v="284" actId="20577"/>
+          <ac:chgData name="Souporno Ghosh" userId="e9e722df7c9c76e5" providerId="LiveId" clId="{7E4CF494-4069-4614-9DAF-4322F70DDEBD}" dt="2021-03-26T16:27:15.390" v="966" actId="20577"/>
           <ac:spMkLst>
             <pc:docMk/>
             <pc:sldMk cId="1124173596" sldId="261"/>
             <ac:spMk id="2" creationId="{643A320E-D976-47E4-929C-B3785801B479}"/>
           </ac:spMkLst>
         </pc:spChg>
+        <pc:spChg chg="mod">
+          <ac:chgData name="Souporno Ghosh" userId="e9e722df7c9c76e5" providerId="LiveId" clId="{7E4CF494-4069-4614-9DAF-4322F70DDEBD}" dt="2021-03-26T16:29:06.869" v="1036" actId="20577"/>
+          <ac:spMkLst>
+            <pc:docMk/>
+            <pc:sldMk cId="1124173596" sldId="261"/>
+            <ac:spMk id="3" creationId="{DDDF508F-4344-4318-A1AF-BCE8A393EBAF}"/>
+          </ac:spMkLst>
+        </pc:spChg>
       </pc:sldChg>
-      <pc:sldChg chg="modSp new mod">
-        <pc:chgData name="Souporno Ghosh" userId="e9e722df7c9c76e5" providerId="LiveId" clId="{7E4CF494-4069-4614-9DAF-4322F70DDEBD}" dt="2021-03-24T19:03:57.641" v="300" actId="20577"/>
+      <pc:sldChg chg="addSp delSp modSp new mod">
+        <pc:chgData name="Souporno Ghosh" userId="e9e722df7c9c76e5" providerId="LiveId" clId="{7E4CF494-4069-4614-9DAF-4322F70DDEBD}" dt="2021-03-26T16:54:29.442" v="1571" actId="1076"/>
         <pc:sldMkLst>
           <pc:docMk/>
           <pc:sldMk cId="3148733716" sldId="262"/>
         </pc:sldMkLst>
         <pc:spChg chg="mod">
-          <ac:chgData name="Souporno Ghosh" userId="e9e722df7c9c76e5" providerId="LiveId" clId="{7E4CF494-4069-4614-9DAF-4322F70DDEBD}" dt="2021-03-24T19:03:57.641" v="300" actId="20577"/>
+          <ac:chgData name="Souporno Ghosh" userId="e9e722df7c9c76e5" providerId="LiveId" clId="{7E4CF494-4069-4614-9DAF-4322F70DDEBD}" dt="2021-03-26T16:54:16.724" v="1560" actId="21"/>
           <ac:spMkLst>
             <pc:docMk/>
             <pc:sldMk cId="3148733716" sldId="262"/>
             <ac:spMk id="2" creationId="{0DC8E74A-8FBA-48C4-A822-E3ADE557B88C}"/>
           </ac:spMkLst>
         </pc:spChg>
+        <pc:spChg chg="mod">
+          <ac:chgData name="Souporno Ghosh" userId="e9e722df7c9c76e5" providerId="LiveId" clId="{7E4CF494-4069-4614-9DAF-4322F70DDEBD}" dt="2021-03-26T16:54:17.762" v="1563" actId="21"/>
+          <ac:spMkLst>
+            <pc:docMk/>
+            <pc:sldMk cId="3148733716" sldId="262"/>
+            <ac:spMk id="3" creationId="{6EA92CA0-D082-4220-A25D-35242FF375F5}"/>
+          </ac:spMkLst>
+        </pc:spChg>
+        <pc:picChg chg="add del mod">
+          <ac:chgData name="Souporno Ghosh" userId="e9e722df7c9c76e5" providerId="LiveId" clId="{7E4CF494-4069-4614-9DAF-4322F70DDEBD}" dt="2021-03-26T16:54:29.442" v="1571" actId="1076"/>
+          <ac:picMkLst>
+            <pc:docMk/>
+            <pc:sldMk cId="3148733716" sldId="262"/>
+            <ac:picMk id="4" creationId="{D5E65E33-B36B-40F6-91E5-EB45CEB3B9A2}"/>
+          </ac:picMkLst>
+        </pc:picChg>
       </pc:sldChg>
       <pc:sldChg chg="modSp new mod">
         <pc:chgData name="Souporno Ghosh" userId="e9e722df7c9c76e5" providerId="LiveId" clId="{7E4CF494-4069-4614-9DAF-4322F70DDEBD}" dt="2021-03-24T19:04:08.512" v="316" actId="20577"/>
@@ -258,13 +305,13 @@
         </pc:spChg>
       </pc:sldChg>
       <pc:sldChg chg="modSp new mod">
-        <pc:chgData name="Souporno Ghosh" userId="e9e722df7c9c76e5" providerId="LiveId" clId="{7E4CF494-4069-4614-9DAF-4322F70DDEBD}" dt="2021-03-24T19:04:38.155" v="349" actId="20577"/>
+        <pc:chgData name="Souporno Ghosh" userId="e9e722df7c9c76e5" providerId="LiveId" clId="{7E4CF494-4069-4614-9DAF-4322F70DDEBD}" dt="2021-03-26T16:55:27.743" v="1614" actId="20577"/>
         <pc:sldMkLst>
           <pc:docMk/>
           <pc:sldMk cId="353132920" sldId="264"/>
         </pc:sldMkLst>
         <pc:spChg chg="mod">
-          <ac:chgData name="Souporno Ghosh" userId="e9e722df7c9c76e5" providerId="LiveId" clId="{7E4CF494-4069-4614-9DAF-4322F70DDEBD}" dt="2021-03-24T19:04:38.155" v="349" actId="20577"/>
+          <ac:chgData name="Souporno Ghosh" userId="e9e722df7c9c76e5" providerId="LiveId" clId="{7E4CF494-4069-4614-9DAF-4322F70DDEBD}" dt="2021-03-26T16:55:27.743" v="1614" actId="20577"/>
           <ac:spMkLst>
             <pc:docMk/>
             <pc:sldMk cId="353132920" sldId="264"/>
@@ -277,6 +324,198 @@
         <pc:sldMkLst>
           <pc:docMk/>
           <pc:sldMk cId="4175159345" sldId="264"/>
+        </pc:sldMkLst>
+      </pc:sldChg>
+      <pc:sldChg chg="modSp new mod">
+        <pc:chgData name="Souporno Ghosh" userId="e9e722df7c9c76e5" providerId="LiveId" clId="{7E4CF494-4069-4614-9DAF-4322F70DDEBD}" dt="2021-03-26T16:16:06.342" v="752" actId="20577"/>
+        <pc:sldMkLst>
+          <pc:docMk/>
+          <pc:sldMk cId="1740807983" sldId="265"/>
+        </pc:sldMkLst>
+        <pc:spChg chg="mod">
+          <ac:chgData name="Souporno Ghosh" userId="e9e722df7c9c76e5" providerId="LiveId" clId="{7E4CF494-4069-4614-9DAF-4322F70DDEBD}" dt="2021-03-26T16:14:55.561" v="669" actId="20577"/>
+          <ac:spMkLst>
+            <pc:docMk/>
+            <pc:sldMk cId="1740807983" sldId="265"/>
+            <ac:spMk id="2" creationId="{DBCC1EB3-BDD3-4D3F-A6DA-32CA58C394B5}"/>
+          </ac:spMkLst>
+        </pc:spChg>
+        <pc:spChg chg="mod">
+          <ac:chgData name="Souporno Ghosh" userId="e9e722df7c9c76e5" providerId="LiveId" clId="{7E4CF494-4069-4614-9DAF-4322F70DDEBD}" dt="2021-03-26T16:16:06.342" v="752" actId="20577"/>
+          <ac:spMkLst>
+            <pc:docMk/>
+            <pc:sldMk cId="1740807983" sldId="265"/>
+            <ac:spMk id="3" creationId="{4DEB95E1-32C5-408A-AA5D-D2891327DA28}"/>
+          </ac:spMkLst>
+        </pc:spChg>
+      </pc:sldChg>
+      <pc:sldChg chg="modSp new mod">
+        <pc:chgData name="Souporno Ghosh" userId="e9e722df7c9c76e5" providerId="LiveId" clId="{7E4CF494-4069-4614-9DAF-4322F70DDEBD}" dt="2021-03-26T16:17:30.495" v="856" actId="20577"/>
+        <pc:sldMkLst>
+          <pc:docMk/>
+          <pc:sldMk cId="1716320188" sldId="266"/>
+        </pc:sldMkLst>
+        <pc:spChg chg="mod">
+          <ac:chgData name="Souporno Ghosh" userId="e9e722df7c9c76e5" providerId="LiveId" clId="{7E4CF494-4069-4614-9DAF-4322F70DDEBD}" dt="2021-03-26T16:16:35.256" v="795" actId="20577"/>
+          <ac:spMkLst>
+            <pc:docMk/>
+            <pc:sldMk cId="1716320188" sldId="266"/>
+            <ac:spMk id="2" creationId="{6D8269B7-E799-4838-AD49-925420035CB4}"/>
+          </ac:spMkLst>
+        </pc:spChg>
+        <pc:spChg chg="mod">
+          <ac:chgData name="Souporno Ghosh" userId="e9e722df7c9c76e5" providerId="LiveId" clId="{7E4CF494-4069-4614-9DAF-4322F70DDEBD}" dt="2021-03-26T16:17:30.495" v="856" actId="20577"/>
+          <ac:spMkLst>
+            <pc:docMk/>
+            <pc:sldMk cId="1716320188" sldId="266"/>
+            <ac:spMk id="3" creationId="{316EA5F6-470D-4404-A64D-43C58B55C5A6}"/>
+          </ac:spMkLst>
+        </pc:spChg>
+      </pc:sldChg>
+      <pc:sldChg chg="modSp new mod ord">
+        <pc:chgData name="Souporno Ghosh" userId="e9e722df7c9c76e5" providerId="LiveId" clId="{7E4CF494-4069-4614-9DAF-4322F70DDEBD}" dt="2021-03-26T16:43:32.817" v="1347" actId="2711"/>
+        <pc:sldMkLst>
+          <pc:docMk/>
+          <pc:sldMk cId="3098385368" sldId="267"/>
+        </pc:sldMkLst>
+        <pc:spChg chg="mod">
+          <ac:chgData name="Souporno Ghosh" userId="e9e722df7c9c76e5" providerId="LiveId" clId="{7E4CF494-4069-4614-9DAF-4322F70DDEBD}" dt="2021-03-26T16:43:32.817" v="1347" actId="2711"/>
+          <ac:spMkLst>
+            <pc:docMk/>
+            <pc:sldMk cId="3098385368" sldId="267"/>
+            <ac:spMk id="2" creationId="{323FA6F3-109C-4DE0-B86F-5C0467EBD8FD}"/>
+          </ac:spMkLst>
+        </pc:spChg>
+        <pc:spChg chg="mod">
+          <ac:chgData name="Souporno Ghosh" userId="e9e722df7c9c76e5" providerId="LiveId" clId="{7E4CF494-4069-4614-9DAF-4322F70DDEBD}" dt="2021-03-26T16:43:25.656" v="1346" actId="20577"/>
+          <ac:spMkLst>
+            <pc:docMk/>
+            <pc:sldMk cId="3098385368" sldId="267"/>
+            <ac:spMk id="3" creationId="{46EF48B6-9995-458D-AA70-B7B974D14D25}"/>
+          </ac:spMkLst>
+        </pc:spChg>
+      </pc:sldChg>
+      <pc:sldChg chg="modSp new mod">
+        <pc:chgData name="Souporno Ghosh" userId="e9e722df7c9c76e5" providerId="LiveId" clId="{7E4CF494-4069-4614-9DAF-4322F70DDEBD}" dt="2021-03-26T16:55:22.157" v="1613" actId="20577"/>
+        <pc:sldMkLst>
+          <pc:docMk/>
+          <pc:sldMk cId="817125723" sldId="268"/>
+        </pc:sldMkLst>
+        <pc:spChg chg="mod">
+          <ac:chgData name="Souporno Ghosh" userId="e9e722df7c9c76e5" providerId="LiveId" clId="{7E4CF494-4069-4614-9DAF-4322F70DDEBD}" dt="2021-03-26T16:54:58.754" v="1591" actId="20577"/>
+          <ac:spMkLst>
+            <pc:docMk/>
+            <pc:sldMk cId="817125723" sldId="268"/>
+            <ac:spMk id="2" creationId="{412A804F-D373-469B-BF0E-330FEF49775D}"/>
+          </ac:spMkLst>
+        </pc:spChg>
+        <pc:spChg chg="mod">
+          <ac:chgData name="Souporno Ghosh" userId="e9e722df7c9c76e5" providerId="LiveId" clId="{7E4CF494-4069-4614-9DAF-4322F70DDEBD}" dt="2021-03-26T16:55:22.157" v="1613" actId="20577"/>
+          <ac:spMkLst>
+            <pc:docMk/>
+            <pc:sldMk cId="817125723" sldId="268"/>
+            <ac:spMk id="3" creationId="{8258DF25-4811-4199-84D3-FE57EA47BE57}"/>
+          </ac:spMkLst>
+        </pc:spChg>
+      </pc:sldChg>
+      <pc:sldChg chg="addSp delSp modSp new del mod">
+        <pc:chgData name="Souporno Ghosh" userId="e9e722df7c9c76e5" providerId="LiveId" clId="{7E4CF494-4069-4614-9DAF-4322F70DDEBD}" dt="2021-03-26T16:54:36.071" v="1572" actId="47"/>
+        <pc:sldMkLst>
+          <pc:docMk/>
+          <pc:sldMk cId="1261631755" sldId="269"/>
+        </pc:sldMkLst>
+        <pc:spChg chg="mod">
+          <ac:chgData name="Souporno Ghosh" userId="e9e722df7c9c76e5" providerId="LiveId" clId="{7E4CF494-4069-4614-9DAF-4322F70DDEBD}" dt="2021-03-26T16:54:16.460" v="1559"/>
+          <ac:spMkLst>
+            <pc:docMk/>
+            <pc:sldMk cId="1261631755" sldId="269"/>
+            <ac:spMk id="2" creationId="{F61C0E6E-3487-4602-871B-22C06D1D19F2}"/>
+          </ac:spMkLst>
+        </pc:spChg>
+        <pc:spChg chg="add del">
+          <ac:chgData name="Souporno Ghosh" userId="e9e722df7c9c76e5" providerId="LiveId" clId="{7E4CF494-4069-4614-9DAF-4322F70DDEBD}" dt="2021-03-26T16:54:19.066" v="1567"/>
+          <ac:spMkLst>
+            <pc:docMk/>
+            <pc:sldMk cId="1261631755" sldId="269"/>
+            <ac:spMk id="3" creationId="{8F45C909-AECB-46C8-91B0-00D2F9871FAF}"/>
+          </ac:spMkLst>
+        </pc:spChg>
+        <pc:spChg chg="mod">
+          <ac:chgData name="Souporno Ghosh" userId="e9e722df7c9c76e5" providerId="LiveId" clId="{7E4CF494-4069-4614-9DAF-4322F70DDEBD}" dt="2021-03-26T16:54:17.478" v="1562"/>
+          <ac:spMkLst>
+            <pc:docMk/>
+            <pc:sldMk cId="1261631755" sldId="269"/>
+            <ac:spMk id="4" creationId="{2414A1D7-E70F-4218-B0C1-554FF727EC94}"/>
+          </ac:spMkLst>
+        </pc:spChg>
+        <pc:picChg chg="add del mod">
+          <ac:chgData name="Souporno Ghosh" userId="e9e722df7c9c76e5" providerId="LiveId" clId="{7E4CF494-4069-4614-9DAF-4322F70DDEBD}" dt="2021-03-26T16:54:19.066" v="1567"/>
+          <ac:picMkLst>
+            <pc:docMk/>
+            <pc:sldMk cId="1261631755" sldId="269"/>
+            <ac:picMk id="5" creationId="{A075E1F1-9B55-42D2-9358-6BB4BBB2143F}"/>
+          </ac:picMkLst>
+        </pc:picChg>
+      </pc:sldChg>
+      <pc:sldChg chg="addSp delSp modSp new mod">
+        <pc:chgData name="Souporno Ghosh" userId="e9e722df7c9c76e5" providerId="LiveId" clId="{7E4CF494-4069-4614-9DAF-4322F70DDEBD}" dt="2021-03-26T17:07:45.758" v="1785" actId="1076"/>
+        <pc:sldMkLst>
+          <pc:docMk/>
+          <pc:sldMk cId="1510136491" sldId="269"/>
+        </pc:sldMkLst>
+        <pc:spChg chg="mod">
+          <ac:chgData name="Souporno Ghosh" userId="e9e722df7c9c76e5" providerId="LiveId" clId="{7E4CF494-4069-4614-9DAF-4322F70DDEBD}" dt="2021-03-26T17:00:40.051" v="1699" actId="20577"/>
+          <ac:spMkLst>
+            <pc:docMk/>
+            <pc:sldMk cId="1510136491" sldId="269"/>
+            <ac:spMk id="2" creationId="{9166B2DA-65B0-4CCB-A4D1-561F9792A84A}"/>
+          </ac:spMkLst>
+        </pc:spChg>
+        <pc:spChg chg="del">
+          <ac:chgData name="Souporno Ghosh" userId="e9e722df7c9c76e5" providerId="LiveId" clId="{7E4CF494-4069-4614-9DAF-4322F70DDEBD}" dt="2021-03-26T17:00:11.118" v="1676" actId="1032"/>
+          <ac:spMkLst>
+            <pc:docMk/>
+            <pc:sldMk cId="1510136491" sldId="269"/>
+            <ac:spMk id="3" creationId="{BC3B383D-E45D-4219-BDD0-539374D41308}"/>
+          </ac:spMkLst>
+        </pc:spChg>
+        <pc:spChg chg="add mod">
+          <ac:chgData name="Souporno Ghosh" userId="e9e722df7c9c76e5" providerId="LiveId" clId="{7E4CF494-4069-4614-9DAF-4322F70DDEBD}" dt="2021-03-26T17:07:45.758" v="1785" actId="1076"/>
+          <ac:spMkLst>
+            <pc:docMk/>
+            <pc:sldMk cId="1510136491" sldId="269"/>
+            <ac:spMk id="6" creationId="{60E45A0A-05A8-47C5-AFCA-94F0FEA1E6EF}"/>
+          </ac:spMkLst>
+        </pc:spChg>
+        <pc:graphicFrameChg chg="add del mod modGraphic">
+          <ac:chgData name="Souporno Ghosh" userId="e9e722df7c9c76e5" providerId="LiveId" clId="{7E4CF494-4069-4614-9DAF-4322F70DDEBD}" dt="2021-03-26T17:06:27.297" v="1771" actId="478"/>
+          <ac:graphicFrameMkLst>
+            <pc:docMk/>
+            <pc:sldMk cId="1510136491" sldId="269"/>
+            <ac:graphicFrameMk id="4" creationId="{A1CDB85A-13B7-413D-8D15-6681AE417D9B}"/>
+          </ac:graphicFrameMkLst>
+        </pc:graphicFrameChg>
+      </pc:sldChg>
+      <pc:sldChg chg="modSp new mod">
+        <pc:chgData name="Souporno Ghosh" userId="e9e722df7c9c76e5" providerId="LiveId" clId="{7E4CF494-4069-4614-9DAF-4322F70DDEBD}" dt="2021-03-26T16:56:27.650" v="1675" actId="20577"/>
+        <pc:sldMkLst>
+          <pc:docMk/>
+          <pc:sldMk cId="305898157" sldId="270"/>
+        </pc:sldMkLst>
+        <pc:spChg chg="mod">
+          <ac:chgData name="Souporno Ghosh" userId="e9e722df7c9c76e5" providerId="LiveId" clId="{7E4CF494-4069-4614-9DAF-4322F70DDEBD}" dt="2021-03-26T16:56:27.650" v="1675" actId="20577"/>
+          <ac:spMkLst>
+            <pc:docMk/>
+            <pc:sldMk cId="305898157" sldId="270"/>
+            <ac:spMk id="2" creationId="{381CC4B7-5A8D-4F09-91BF-BC61DC7733A9}"/>
+          </ac:spMkLst>
+        </pc:spChg>
+      </pc:sldChg>
+      <pc:sldChg chg="new">
+        <pc:chgData name="Souporno Ghosh" userId="e9e722df7c9c76e5" providerId="LiveId" clId="{7E4CF494-4069-4614-9DAF-4322F70DDEBD}" dt="2021-03-26T17:07:51.810" v="1786" actId="680"/>
+        <pc:sldMkLst>
+          <pc:docMk/>
+          <pc:sldMk cId="2499631946" sldId="271"/>
         </pc:sldMkLst>
       </pc:sldChg>
     </pc:docChg>
@@ -433,7 +672,7 @@
           <a:p>
             <a:fld id="{21D9AB09-D600-4578-8243-21B8A8CCB975}" type="datetimeFigureOut">
               <a:rPr lang="en-IN" smtClean="0"/>
-              <a:t>25-03-2021</a:t>
+              <a:t>26-03-2021</a:t>
             </a:fld>
             <a:endParaRPr lang="en-IN"/>
           </a:p>
@@ -633,7 +872,7 @@
           <a:p>
             <a:fld id="{21D9AB09-D600-4578-8243-21B8A8CCB975}" type="datetimeFigureOut">
               <a:rPr lang="en-IN" smtClean="0"/>
-              <a:t>25-03-2021</a:t>
+              <a:t>26-03-2021</a:t>
             </a:fld>
             <a:endParaRPr lang="en-IN"/>
           </a:p>
@@ -843,7 +1082,7 @@
           <a:p>
             <a:fld id="{21D9AB09-D600-4578-8243-21B8A8CCB975}" type="datetimeFigureOut">
               <a:rPr lang="en-IN" smtClean="0"/>
-              <a:t>25-03-2021</a:t>
+              <a:t>26-03-2021</a:t>
             </a:fld>
             <a:endParaRPr lang="en-IN"/>
           </a:p>
@@ -1043,7 +1282,7 @@
           <a:p>
             <a:fld id="{21D9AB09-D600-4578-8243-21B8A8CCB975}" type="datetimeFigureOut">
               <a:rPr lang="en-IN" smtClean="0"/>
-              <a:t>25-03-2021</a:t>
+              <a:t>26-03-2021</a:t>
             </a:fld>
             <a:endParaRPr lang="en-IN"/>
           </a:p>
@@ -1319,7 +1558,7 @@
           <a:p>
             <a:fld id="{21D9AB09-D600-4578-8243-21B8A8CCB975}" type="datetimeFigureOut">
               <a:rPr lang="en-IN" smtClean="0"/>
-              <a:t>25-03-2021</a:t>
+              <a:t>26-03-2021</a:t>
             </a:fld>
             <a:endParaRPr lang="en-IN"/>
           </a:p>
@@ -1587,7 +1826,7 @@
           <a:p>
             <a:fld id="{21D9AB09-D600-4578-8243-21B8A8CCB975}" type="datetimeFigureOut">
               <a:rPr lang="en-IN" smtClean="0"/>
-              <a:t>25-03-2021</a:t>
+              <a:t>26-03-2021</a:t>
             </a:fld>
             <a:endParaRPr lang="en-IN"/>
           </a:p>
@@ -2002,7 +2241,7 @@
           <a:p>
             <a:fld id="{21D9AB09-D600-4578-8243-21B8A8CCB975}" type="datetimeFigureOut">
               <a:rPr lang="en-IN" smtClean="0"/>
-              <a:t>25-03-2021</a:t>
+              <a:t>26-03-2021</a:t>
             </a:fld>
             <a:endParaRPr lang="en-IN"/>
           </a:p>
@@ -2144,7 +2383,7 @@
           <a:p>
             <a:fld id="{21D9AB09-D600-4578-8243-21B8A8CCB975}" type="datetimeFigureOut">
               <a:rPr lang="en-IN" smtClean="0"/>
-              <a:t>25-03-2021</a:t>
+              <a:t>26-03-2021</a:t>
             </a:fld>
             <a:endParaRPr lang="en-IN"/>
           </a:p>
@@ -2257,7 +2496,7 @@
           <a:p>
             <a:fld id="{21D9AB09-D600-4578-8243-21B8A8CCB975}" type="datetimeFigureOut">
               <a:rPr lang="en-IN" smtClean="0"/>
-              <a:t>25-03-2021</a:t>
+              <a:t>26-03-2021</a:t>
             </a:fld>
             <a:endParaRPr lang="en-IN"/>
           </a:p>
@@ -2570,7 +2809,7 @@
           <a:p>
             <a:fld id="{21D9AB09-D600-4578-8243-21B8A8CCB975}" type="datetimeFigureOut">
               <a:rPr lang="en-IN" smtClean="0"/>
-              <a:t>25-03-2021</a:t>
+              <a:t>26-03-2021</a:t>
             </a:fld>
             <a:endParaRPr lang="en-IN"/>
           </a:p>
@@ -2859,7 +3098,7 @@
           <a:p>
             <a:fld id="{21D9AB09-D600-4578-8243-21B8A8CCB975}" type="datetimeFigureOut">
               <a:rPr lang="en-IN" smtClean="0"/>
-              <a:t>25-03-2021</a:t>
+              <a:t>26-03-2021</a:t>
             </a:fld>
             <a:endParaRPr lang="en-IN"/>
           </a:p>
@@ -3102,7 +3341,7 @@
           <a:p>
             <a:fld id="{21D9AB09-D600-4578-8243-21B8A8CCB975}" type="datetimeFigureOut">
               <a:rPr lang="en-IN" smtClean="0"/>
-              <a:t>25-03-2021</a:t>
+              <a:t>26-03-2021</a:t>
             </a:fld>
             <a:endParaRPr lang="en-IN"/>
           </a:p>
@@ -3699,6 +3938,1257 @@
 </p:sld>
 </file>
 
+<file path=ppt/slides/slide10.xml><?xml version="1.0" encoding="utf-8"?>
+<p:sld xmlns:a="http://schemas.openxmlformats.org/drawingml/2006/main" xmlns:r="http://schemas.openxmlformats.org/officeDocument/2006/relationships" xmlns:p="http://schemas.openxmlformats.org/presentationml/2006/main">
+  <p:cSld>
+    <p:spTree>
+      <p:nvGrpSpPr>
+        <p:cNvPr id="1" name=""/>
+        <p:cNvGrpSpPr/>
+        <p:nvPr/>
+      </p:nvGrpSpPr>
+      <p:grpSpPr>
+        <a:xfrm>
+          <a:off x="0" y="0"/>
+          <a:ext cx="0" cy="0"/>
+          <a:chOff x="0" y="0"/>
+          <a:chExt cx="0" cy="0"/>
+        </a:xfrm>
+      </p:grpSpPr>
+      <p:sp>
+        <p:nvSpPr>
+          <p:cNvPr id="2" name="Title 1">
+            <a:extLst>
+              <a:ext uri="{FF2B5EF4-FFF2-40B4-BE49-F238E27FC236}">
+                <a16:creationId xmlns:a16="http://schemas.microsoft.com/office/drawing/2014/main" id="{0DC8E74A-8FBA-48C4-A822-E3ADE557B88C}"/>
+              </a:ext>
+            </a:extLst>
+          </p:cNvPr>
+          <p:cNvSpPr>
+            <a:spLocks noGrp="1"/>
+          </p:cNvSpPr>
+          <p:nvPr>
+            <p:ph type="title"/>
+          </p:nvPr>
+        </p:nvSpPr>
+        <p:spPr/>
+        <p:txBody>
+          <a:bodyPr/>
+          <a:lstStyle/>
+          <a:p>
+            <a:r>
+              <a:rPr lang="en-US" dirty="0"/>
+              <a:t>About VGG16 Model</a:t>
+            </a:r>
+            <a:endParaRPr lang="en-IN" dirty="0"/>
+          </a:p>
+        </p:txBody>
+      </p:sp>
+      <p:sp>
+        <p:nvSpPr>
+          <p:cNvPr id="3" name="Content Placeholder 2">
+            <a:extLst>
+              <a:ext uri="{FF2B5EF4-FFF2-40B4-BE49-F238E27FC236}">
+                <a16:creationId xmlns:a16="http://schemas.microsoft.com/office/drawing/2014/main" id="{6EA92CA0-D082-4220-A25D-35242FF375F5}"/>
+              </a:ext>
+            </a:extLst>
+          </p:cNvPr>
+          <p:cNvSpPr>
+            <a:spLocks noGrp="1"/>
+          </p:cNvSpPr>
+          <p:nvPr>
+            <p:ph idx="1"/>
+          </p:nvPr>
+        </p:nvSpPr>
+        <p:spPr/>
+        <p:txBody>
+          <a:bodyPr/>
+          <a:lstStyle/>
+          <a:p>
+            <a:r>
+              <a:rPr lang="en-US" dirty="0"/>
+              <a:t>Proposed by </a:t>
+            </a:r>
+            <a:r>
+              <a:rPr lang="en-US" dirty="0" err="1"/>
+              <a:t>Simonyan</a:t>
+            </a:r>
+            <a:r>
+              <a:rPr lang="en-US" dirty="0"/>
+              <a:t> and Zisserman in 2014</a:t>
+            </a:r>
+          </a:p>
+          <a:p>
+            <a:endParaRPr lang="en-US" dirty="0"/>
+          </a:p>
+          <a:p>
+            <a:r>
+              <a:rPr lang="en-US" dirty="0"/>
+              <a:t>92.7% accuracy with the ImageNet Database</a:t>
+            </a:r>
+          </a:p>
+          <a:p>
+            <a:endParaRPr lang="en-IN" dirty="0"/>
+          </a:p>
+          <a:p>
+            <a:r>
+              <a:rPr lang="en-IN" dirty="0"/>
+              <a:t>16 Neural Network Layers </a:t>
+            </a:r>
+          </a:p>
+          <a:p>
+            <a:pPr lvl="1"/>
+            <a:r>
+              <a:rPr lang="en-IN" dirty="0"/>
+              <a:t>13 Convolutional Networks</a:t>
+            </a:r>
+          </a:p>
+          <a:p>
+            <a:pPr lvl="1"/>
+            <a:r>
+              <a:rPr lang="en-IN" dirty="0"/>
+              <a:t>3 Dense Networks</a:t>
+            </a:r>
+          </a:p>
+        </p:txBody>
+      </p:sp>
+      <p:pic>
+        <p:nvPicPr>
+          <p:cNvPr id="4" name="Picture 3">
+            <a:extLst>
+              <a:ext uri="{FF2B5EF4-FFF2-40B4-BE49-F238E27FC236}">
+                <a16:creationId xmlns:a16="http://schemas.microsoft.com/office/drawing/2014/main" id="{D5E65E33-B36B-40F6-91E5-EB45CEB3B9A2}"/>
+              </a:ext>
+            </a:extLst>
+          </p:cNvPr>
+          <p:cNvPicPr/>
+          <p:nvPr/>
+        </p:nvPicPr>
+        <p:blipFill>
+          <a:blip r:embed="rId2">
+            <a:grayscl/>
+            <a:extLst>
+              <a:ext uri="{BEBA8EAE-BF5A-486C-A8C5-ECC9F3942E4B}">
+                <a14:imgProps xmlns:a14="http://schemas.microsoft.com/office/drawing/2010/main">
+                  <a14:imgLayer r:embed="rId3">
+                    <a14:imgEffect>
+                      <a14:colorTemperature colorTemp="11200"/>
+                    </a14:imgEffect>
+                    <a14:imgEffect>
+                      <a14:saturation sat="400000"/>
+                    </a14:imgEffect>
+                    <a14:imgEffect>
+                      <a14:brightnessContrast bright="20000" contrast="40000"/>
+                    </a14:imgEffect>
+                  </a14:imgLayer>
+                </a14:imgProps>
+              </a:ext>
+            </a:extLst>
+          </a:blip>
+          <a:stretch>
+            <a:fillRect/>
+          </a:stretch>
+        </p:blipFill>
+        <p:spPr>
+          <a:xfrm rot="5400000">
+            <a:off x="6982326" y="2004596"/>
+            <a:ext cx="5188197" cy="2541079"/>
+          </a:xfrm>
+          <a:prstGeom prst="rect">
+            <a:avLst/>
+          </a:prstGeom>
+          <a:ln>
+            <a:solidFill>
+              <a:schemeClr val="tx1"/>
+            </a:solidFill>
+          </a:ln>
+        </p:spPr>
+      </p:pic>
+    </p:spTree>
+    <p:extLst>
+      <p:ext uri="{BB962C8B-B14F-4D97-AF65-F5344CB8AC3E}">
+        <p14:creationId xmlns:p14="http://schemas.microsoft.com/office/powerpoint/2010/main" val="3148733716"/>
+      </p:ext>
+    </p:extLst>
+  </p:cSld>
+  <p:clrMapOvr>
+    <a:masterClrMapping/>
+  </p:clrMapOvr>
+</p:sld>
+</file>
+
+<file path=ppt/slides/slide11.xml><?xml version="1.0" encoding="utf-8"?>
+<p:sld xmlns:a="http://schemas.openxmlformats.org/drawingml/2006/main" xmlns:r="http://schemas.openxmlformats.org/officeDocument/2006/relationships" xmlns:p="http://schemas.openxmlformats.org/presentationml/2006/main">
+  <p:cSld>
+    <p:spTree>
+      <p:nvGrpSpPr>
+        <p:cNvPr id="1" name=""/>
+        <p:cNvGrpSpPr/>
+        <p:nvPr/>
+      </p:nvGrpSpPr>
+      <p:grpSpPr>
+        <a:xfrm>
+          <a:off x="0" y="0"/>
+          <a:ext cx="0" cy="0"/>
+          <a:chOff x="0" y="0"/>
+          <a:chExt cx="0" cy="0"/>
+        </a:xfrm>
+      </p:grpSpPr>
+      <p:sp>
+        <p:nvSpPr>
+          <p:cNvPr id="2" name="Title 1">
+            <a:extLst>
+              <a:ext uri="{FF2B5EF4-FFF2-40B4-BE49-F238E27FC236}">
+                <a16:creationId xmlns:a16="http://schemas.microsoft.com/office/drawing/2014/main" id="{412A804F-D373-469B-BF0E-330FEF49775D}"/>
+              </a:ext>
+            </a:extLst>
+          </p:cNvPr>
+          <p:cNvSpPr>
+            <a:spLocks noGrp="1"/>
+          </p:cNvSpPr>
+          <p:nvPr>
+            <p:ph type="title"/>
+          </p:nvPr>
+        </p:nvSpPr>
+        <p:spPr/>
+        <p:txBody>
+          <a:bodyPr/>
+          <a:lstStyle/>
+          <a:p>
+            <a:r>
+              <a:rPr lang="en-US" dirty="0"/>
+              <a:t>Challenges of VGG16</a:t>
+            </a:r>
+            <a:endParaRPr lang="en-IN" dirty="0"/>
+          </a:p>
+        </p:txBody>
+      </p:sp>
+      <p:sp>
+        <p:nvSpPr>
+          <p:cNvPr id="3" name="Content Placeholder 2">
+            <a:extLst>
+              <a:ext uri="{FF2B5EF4-FFF2-40B4-BE49-F238E27FC236}">
+                <a16:creationId xmlns:a16="http://schemas.microsoft.com/office/drawing/2014/main" id="{8258DF25-4811-4199-84D3-FE57EA47BE57}"/>
+              </a:ext>
+            </a:extLst>
+          </p:cNvPr>
+          <p:cNvSpPr>
+            <a:spLocks noGrp="1"/>
+          </p:cNvSpPr>
+          <p:nvPr>
+            <p:ph idx="1"/>
+          </p:nvPr>
+        </p:nvSpPr>
+        <p:spPr/>
+        <p:txBody>
+          <a:bodyPr/>
+          <a:lstStyle/>
+          <a:p>
+            <a:r>
+              <a:rPr lang="en-US" dirty="0"/>
+              <a:t>Slow to Train</a:t>
+            </a:r>
+          </a:p>
+          <a:p>
+            <a:r>
+              <a:rPr lang="en-US" dirty="0"/>
+              <a:t>Big Size</a:t>
+            </a:r>
+            <a:endParaRPr lang="en-IN" dirty="0"/>
+          </a:p>
+        </p:txBody>
+      </p:sp>
+    </p:spTree>
+    <p:extLst>
+      <p:ext uri="{BB962C8B-B14F-4D97-AF65-F5344CB8AC3E}">
+        <p14:creationId xmlns:p14="http://schemas.microsoft.com/office/powerpoint/2010/main" val="817125723"/>
+      </p:ext>
+    </p:extLst>
+  </p:cSld>
+  <p:clrMapOvr>
+    <a:masterClrMapping/>
+  </p:clrMapOvr>
+</p:sld>
+</file>
+
+<file path=ppt/slides/slide12.xml><?xml version="1.0" encoding="utf-8"?>
+<p:sld xmlns:a="http://schemas.openxmlformats.org/drawingml/2006/main" xmlns:r="http://schemas.openxmlformats.org/officeDocument/2006/relationships" xmlns:p="http://schemas.openxmlformats.org/presentationml/2006/main">
+  <p:cSld>
+    <p:spTree>
+      <p:nvGrpSpPr>
+        <p:cNvPr id="1" name=""/>
+        <p:cNvGrpSpPr/>
+        <p:nvPr/>
+      </p:nvGrpSpPr>
+      <p:grpSpPr>
+        <a:xfrm>
+          <a:off x="0" y="0"/>
+          <a:ext cx="0" cy="0"/>
+          <a:chOff x="0" y="0"/>
+          <a:chExt cx="0" cy="0"/>
+        </a:xfrm>
+      </p:grpSpPr>
+      <p:sp>
+        <p:nvSpPr>
+          <p:cNvPr id="2" name="Title 1">
+            <a:extLst>
+              <a:ext uri="{FF2B5EF4-FFF2-40B4-BE49-F238E27FC236}">
+                <a16:creationId xmlns:a16="http://schemas.microsoft.com/office/drawing/2014/main" id="{9166B2DA-65B0-4CCB-A4D1-561F9792A84A}"/>
+              </a:ext>
+            </a:extLst>
+          </p:cNvPr>
+          <p:cNvSpPr>
+            <a:spLocks noGrp="1"/>
+          </p:cNvSpPr>
+          <p:nvPr>
+            <p:ph type="title"/>
+          </p:nvPr>
+        </p:nvSpPr>
+        <p:spPr/>
+        <p:txBody>
+          <a:bodyPr/>
+          <a:lstStyle/>
+          <a:p>
+            <a:r>
+              <a:rPr lang="en-US" dirty="0"/>
+              <a:t>The Architecture of VGG</a:t>
+            </a:r>
+            <a:endParaRPr lang="en-IN" dirty="0"/>
+          </a:p>
+        </p:txBody>
+      </p:sp>
+      <p:sp>
+        <p:nvSpPr>
+          <p:cNvPr id="6" name="Content Placeholder 5">
+            <a:extLst>
+              <a:ext uri="{FF2B5EF4-FFF2-40B4-BE49-F238E27FC236}">
+                <a16:creationId xmlns:a16="http://schemas.microsoft.com/office/drawing/2014/main" id="{60E45A0A-05A8-47C5-AFCA-94F0FEA1E6EF}"/>
+              </a:ext>
+            </a:extLst>
+          </p:cNvPr>
+          <p:cNvSpPr>
+            <a:spLocks noGrp="1"/>
+          </p:cNvSpPr>
+          <p:nvPr>
+            <p:ph idx="1"/>
+          </p:nvPr>
+        </p:nvSpPr>
+        <p:spPr>
+          <a:xfrm>
+            <a:off x="838200" y="1690688"/>
+            <a:ext cx="10515600" cy="4351338"/>
+          </a:xfrm>
+        </p:spPr>
+        <p:txBody>
+          <a:bodyPr>
+            <a:normAutofit fontScale="92500" lnSpcReduction="10000"/>
+          </a:bodyPr>
+          <a:lstStyle/>
+          <a:p>
+            <a:pPr marL="342900" indent="-342900">
+              <a:buFont typeface="+mj-lt"/>
+              <a:buAutoNum type="arabicPeriod"/>
+            </a:pPr>
+            <a:r>
+              <a:rPr lang="en-IN" sz="1800" dirty="0">
+                <a:solidFill>
+                  <a:srgbClr val="000000"/>
+                </a:solidFill>
+                <a:effectLst/>
+                <a:latin typeface="Ubuntu Mono" panose="020B0509030602030204" pitchFamily="49" charset="0"/>
+                <a:ea typeface="Times New Roman" panose="02020603050405020304" pitchFamily="18" charset="0"/>
+              </a:rPr>
+              <a:t>import </a:t>
+            </a:r>
+            <a:r>
+              <a:rPr lang="en-IN" sz="1800" dirty="0" err="1">
+                <a:solidFill>
+                  <a:srgbClr val="000000"/>
+                </a:solidFill>
+                <a:effectLst/>
+                <a:latin typeface="Ubuntu Mono" panose="020B0509030602030204" pitchFamily="49" charset="0"/>
+                <a:ea typeface="Times New Roman" panose="02020603050405020304" pitchFamily="18" charset="0"/>
+              </a:rPr>
+              <a:t>keras</a:t>
+            </a:r>
+            <a:endParaRPr lang="en-IN" sz="1800" dirty="0">
+              <a:latin typeface="Times New Roman" panose="02020603050405020304" pitchFamily="18" charset="0"/>
+              <a:ea typeface="Times New Roman" panose="02020603050405020304" pitchFamily="18" charset="0"/>
+            </a:endParaRPr>
+          </a:p>
+          <a:p>
+            <a:pPr marL="342900" indent="-342900">
+              <a:buFont typeface="+mj-lt"/>
+              <a:buAutoNum type="arabicPeriod"/>
+            </a:pPr>
+            <a:r>
+              <a:rPr lang="en-IN" sz="1800" dirty="0">
+                <a:solidFill>
+                  <a:srgbClr val="000000"/>
+                </a:solidFill>
+                <a:effectLst/>
+                <a:latin typeface="Ubuntu Mono" panose="020B0509030602030204" pitchFamily="49" charset="0"/>
+                <a:ea typeface="Times New Roman" panose="02020603050405020304" pitchFamily="18" charset="0"/>
+              </a:rPr>
+              <a:t>import </a:t>
+            </a:r>
+            <a:r>
+              <a:rPr lang="en-IN" sz="1800" dirty="0" err="1">
+                <a:solidFill>
+                  <a:srgbClr val="000000"/>
+                </a:solidFill>
+                <a:effectLst/>
+                <a:latin typeface="Ubuntu Mono" panose="020B0509030602030204" pitchFamily="49" charset="0"/>
+                <a:ea typeface="Times New Roman" panose="02020603050405020304" pitchFamily="18" charset="0"/>
+              </a:rPr>
+              <a:t>os</a:t>
+            </a:r>
+            <a:endParaRPr lang="en-IN" sz="1800" dirty="0">
+              <a:solidFill>
+                <a:srgbClr val="000000"/>
+              </a:solidFill>
+              <a:effectLst/>
+              <a:latin typeface="Ubuntu Mono" panose="020B0509030602030204" pitchFamily="49" charset="0"/>
+              <a:ea typeface="Times New Roman" panose="02020603050405020304" pitchFamily="18" charset="0"/>
+            </a:endParaRPr>
+          </a:p>
+          <a:p>
+            <a:pPr marL="342900" indent="-342900">
+              <a:buFont typeface="+mj-lt"/>
+              <a:buAutoNum type="arabicPeriod"/>
+            </a:pPr>
+            <a:endParaRPr lang="en-IN" sz="1800" dirty="0">
+              <a:solidFill>
+                <a:srgbClr val="000000"/>
+              </a:solidFill>
+              <a:effectLst/>
+              <a:latin typeface="Ubuntu Mono" panose="020B0509030602030204" pitchFamily="49" charset="0"/>
+              <a:ea typeface="Times New Roman" panose="02020603050405020304" pitchFamily="18" charset="0"/>
+            </a:endParaRPr>
+          </a:p>
+          <a:p>
+            <a:pPr marL="342900" indent="-342900">
+              <a:buFont typeface="+mj-lt"/>
+              <a:buAutoNum type="arabicPeriod"/>
+            </a:pPr>
+            <a:r>
+              <a:rPr lang="en-IN" sz="1800" dirty="0">
+                <a:solidFill>
+                  <a:srgbClr val="000000"/>
+                </a:solidFill>
+                <a:effectLst/>
+                <a:latin typeface="Ubuntu Mono" panose="020B0509030602030204" pitchFamily="49" charset="0"/>
+                <a:ea typeface="Times New Roman" panose="02020603050405020304" pitchFamily="18" charset="0"/>
+              </a:rPr>
+              <a:t>from </a:t>
+            </a:r>
+            <a:r>
+              <a:rPr lang="en-IN" sz="1800" dirty="0" err="1">
+                <a:solidFill>
+                  <a:srgbClr val="000000"/>
+                </a:solidFill>
+                <a:effectLst/>
+                <a:latin typeface="Ubuntu Mono" panose="020B0509030602030204" pitchFamily="49" charset="0"/>
+                <a:ea typeface="Times New Roman" panose="02020603050405020304" pitchFamily="18" charset="0"/>
+              </a:rPr>
+              <a:t>keras.models</a:t>
+            </a:r>
+            <a:r>
+              <a:rPr lang="en-IN" sz="1800" dirty="0">
+                <a:solidFill>
+                  <a:srgbClr val="000000"/>
+                </a:solidFill>
+                <a:effectLst/>
+                <a:latin typeface="Ubuntu Mono" panose="020B0509030602030204" pitchFamily="49" charset="0"/>
+                <a:ea typeface="Times New Roman" panose="02020603050405020304" pitchFamily="18" charset="0"/>
+              </a:rPr>
+              <a:t> import Sequential</a:t>
+            </a:r>
+            <a:endParaRPr lang="en-IN" sz="1800" dirty="0">
+              <a:effectLst/>
+              <a:latin typeface="Times New Roman" panose="02020603050405020304" pitchFamily="18" charset="0"/>
+              <a:ea typeface="Times New Roman" panose="02020603050405020304" pitchFamily="18" charset="0"/>
+            </a:endParaRPr>
+          </a:p>
+          <a:p>
+            <a:pPr marL="342900" indent="-342900">
+              <a:buFont typeface="+mj-lt"/>
+              <a:buAutoNum type="arabicPeriod"/>
+            </a:pPr>
+            <a:r>
+              <a:rPr lang="en-IN" sz="1800" dirty="0">
+                <a:solidFill>
+                  <a:srgbClr val="000000"/>
+                </a:solidFill>
+                <a:effectLst/>
+                <a:latin typeface="Ubuntu Mono" panose="020B0509030602030204" pitchFamily="49" charset="0"/>
+                <a:ea typeface="Times New Roman" panose="02020603050405020304" pitchFamily="18" charset="0"/>
+              </a:rPr>
+              <a:t>from </a:t>
+            </a:r>
+            <a:r>
+              <a:rPr lang="en-IN" sz="1800" dirty="0" err="1">
+                <a:solidFill>
+                  <a:srgbClr val="000000"/>
+                </a:solidFill>
+                <a:effectLst/>
+                <a:latin typeface="Ubuntu Mono" panose="020B0509030602030204" pitchFamily="49" charset="0"/>
+                <a:ea typeface="Times New Roman" panose="02020603050405020304" pitchFamily="18" charset="0"/>
+              </a:rPr>
+              <a:t>keras.layers</a:t>
+            </a:r>
+            <a:r>
+              <a:rPr lang="en-IN" sz="1800" dirty="0">
+                <a:solidFill>
+                  <a:srgbClr val="000000"/>
+                </a:solidFill>
+                <a:effectLst/>
+                <a:latin typeface="Ubuntu Mono" panose="020B0509030602030204" pitchFamily="49" charset="0"/>
+                <a:ea typeface="Times New Roman" panose="02020603050405020304" pitchFamily="18" charset="0"/>
+              </a:rPr>
+              <a:t> import Dense, Conv2D, MaxPool2D, Flatten</a:t>
+            </a:r>
+            <a:endParaRPr lang="en-IN" sz="1800" dirty="0">
+              <a:effectLst/>
+              <a:latin typeface="Times New Roman" panose="02020603050405020304" pitchFamily="18" charset="0"/>
+              <a:ea typeface="Times New Roman" panose="02020603050405020304" pitchFamily="18" charset="0"/>
+            </a:endParaRPr>
+          </a:p>
+          <a:p>
+            <a:pPr marL="342900" indent="-342900">
+              <a:buFont typeface="+mj-lt"/>
+              <a:buAutoNum type="arabicPeriod"/>
+            </a:pPr>
+            <a:r>
+              <a:rPr lang="en-IN" sz="1800" dirty="0">
+                <a:solidFill>
+                  <a:srgbClr val="000000"/>
+                </a:solidFill>
+                <a:effectLst/>
+                <a:latin typeface="Ubuntu Mono" panose="020B0509030602030204" pitchFamily="49" charset="0"/>
+                <a:ea typeface="Times New Roman" panose="02020603050405020304" pitchFamily="18" charset="0"/>
+              </a:rPr>
+              <a:t>from </a:t>
+            </a:r>
+            <a:r>
+              <a:rPr lang="en-IN" sz="1800" dirty="0" err="1">
+                <a:solidFill>
+                  <a:srgbClr val="000000"/>
+                </a:solidFill>
+                <a:effectLst/>
+                <a:latin typeface="Ubuntu Mono" panose="020B0509030602030204" pitchFamily="49" charset="0"/>
+                <a:ea typeface="Times New Roman" panose="02020603050405020304" pitchFamily="18" charset="0"/>
+              </a:rPr>
+              <a:t>keras.preprocessing.image</a:t>
+            </a:r>
+            <a:r>
+              <a:rPr lang="en-IN" sz="1800" dirty="0">
+                <a:solidFill>
+                  <a:srgbClr val="000000"/>
+                </a:solidFill>
+                <a:effectLst/>
+                <a:latin typeface="Ubuntu Mono" panose="020B0509030602030204" pitchFamily="49" charset="0"/>
+                <a:ea typeface="Times New Roman" panose="02020603050405020304" pitchFamily="18" charset="0"/>
+              </a:rPr>
+              <a:t> import </a:t>
+            </a:r>
+            <a:r>
+              <a:rPr lang="en-IN" sz="1800" dirty="0" err="1">
+                <a:solidFill>
+                  <a:srgbClr val="000000"/>
+                </a:solidFill>
+                <a:effectLst/>
+                <a:latin typeface="Ubuntu Mono" panose="020B0509030602030204" pitchFamily="49" charset="0"/>
+                <a:ea typeface="Times New Roman" panose="02020603050405020304" pitchFamily="18" charset="0"/>
+              </a:rPr>
+              <a:t>ImageDataGenerator</a:t>
+            </a:r>
+            <a:endParaRPr lang="en-IN" sz="1800" dirty="0">
+              <a:effectLst/>
+              <a:latin typeface="Times New Roman" panose="02020603050405020304" pitchFamily="18" charset="0"/>
+              <a:ea typeface="Times New Roman" panose="02020603050405020304" pitchFamily="18" charset="0"/>
+            </a:endParaRPr>
+          </a:p>
+          <a:p>
+            <a:pPr marL="342900" indent="-342900">
+              <a:buFont typeface="+mj-lt"/>
+              <a:buAutoNum type="arabicPeriod"/>
+            </a:pPr>
+            <a:r>
+              <a:rPr lang="en-IN" sz="1800" dirty="0">
+                <a:solidFill>
+                  <a:srgbClr val="000000"/>
+                </a:solidFill>
+                <a:effectLst/>
+                <a:latin typeface="Ubuntu Mono" panose="020B0509030602030204" pitchFamily="49" charset="0"/>
+                <a:ea typeface="Times New Roman" panose="02020603050405020304" pitchFamily="18" charset="0"/>
+              </a:rPr>
+              <a:t>from </a:t>
+            </a:r>
+            <a:r>
+              <a:rPr lang="en-IN" sz="1800" dirty="0" err="1">
+                <a:solidFill>
+                  <a:srgbClr val="000000"/>
+                </a:solidFill>
+                <a:effectLst/>
+                <a:latin typeface="Ubuntu Mono" panose="020B0509030602030204" pitchFamily="49" charset="0"/>
+                <a:ea typeface="Times New Roman" panose="02020603050405020304" pitchFamily="18" charset="0"/>
+              </a:rPr>
+              <a:t>keras.callbacks</a:t>
+            </a:r>
+            <a:r>
+              <a:rPr lang="en-IN" sz="1800" dirty="0">
+                <a:solidFill>
+                  <a:srgbClr val="000000"/>
+                </a:solidFill>
+                <a:effectLst/>
+                <a:latin typeface="Ubuntu Mono" panose="020B0509030602030204" pitchFamily="49" charset="0"/>
+                <a:ea typeface="Times New Roman" panose="02020603050405020304" pitchFamily="18" charset="0"/>
+              </a:rPr>
+              <a:t> import </a:t>
+            </a:r>
+            <a:r>
+              <a:rPr lang="en-IN" sz="1800" dirty="0" err="1">
+                <a:solidFill>
+                  <a:srgbClr val="000000"/>
+                </a:solidFill>
+                <a:effectLst/>
+                <a:latin typeface="Ubuntu Mono" panose="020B0509030602030204" pitchFamily="49" charset="0"/>
+                <a:ea typeface="Times New Roman" panose="02020603050405020304" pitchFamily="18" charset="0"/>
+              </a:rPr>
+              <a:t>ModelCheckpoint</a:t>
+            </a:r>
+            <a:r>
+              <a:rPr lang="en-IN" sz="1800" dirty="0">
+                <a:solidFill>
+                  <a:srgbClr val="000000"/>
+                </a:solidFill>
+                <a:effectLst/>
+                <a:latin typeface="Ubuntu Mono" panose="020B0509030602030204" pitchFamily="49" charset="0"/>
+                <a:ea typeface="Times New Roman" panose="02020603050405020304" pitchFamily="18" charset="0"/>
+              </a:rPr>
+              <a:t>, </a:t>
+            </a:r>
+            <a:r>
+              <a:rPr lang="en-IN" sz="1800" dirty="0" err="1">
+                <a:solidFill>
+                  <a:srgbClr val="000000"/>
+                </a:solidFill>
+                <a:effectLst/>
+                <a:latin typeface="Ubuntu Mono" panose="020B0509030602030204" pitchFamily="49" charset="0"/>
+                <a:ea typeface="Times New Roman" panose="02020603050405020304" pitchFamily="18" charset="0"/>
+              </a:rPr>
+              <a:t>EarlyStopping</a:t>
+            </a:r>
+            <a:endParaRPr lang="en-IN" sz="1800" dirty="0">
+              <a:effectLst/>
+              <a:latin typeface="Times New Roman" panose="02020603050405020304" pitchFamily="18" charset="0"/>
+              <a:ea typeface="Times New Roman" panose="02020603050405020304" pitchFamily="18" charset="0"/>
+            </a:endParaRPr>
+          </a:p>
+          <a:p>
+            <a:pPr marL="342900" indent="-342900">
+              <a:buFont typeface="+mj-lt"/>
+              <a:buAutoNum type="arabicPeriod"/>
+            </a:pPr>
+            <a:r>
+              <a:rPr lang="en-IN" sz="1800" dirty="0">
+                <a:solidFill>
+                  <a:srgbClr val="000000"/>
+                </a:solidFill>
+                <a:effectLst/>
+                <a:latin typeface="Ubuntu Mono" panose="020B0509030602030204" pitchFamily="49" charset="0"/>
+                <a:ea typeface="Times New Roman" panose="02020603050405020304" pitchFamily="18" charset="0"/>
+              </a:rPr>
+              <a:t>from </a:t>
+            </a:r>
+            <a:r>
+              <a:rPr lang="en-IN" sz="1800" dirty="0" err="1">
+                <a:solidFill>
+                  <a:srgbClr val="000000"/>
+                </a:solidFill>
+                <a:effectLst/>
+                <a:latin typeface="Ubuntu Mono" panose="020B0509030602030204" pitchFamily="49" charset="0"/>
+                <a:ea typeface="Times New Roman" panose="02020603050405020304" pitchFamily="18" charset="0"/>
+              </a:rPr>
+              <a:t>keras.preprocessing</a:t>
+            </a:r>
+            <a:r>
+              <a:rPr lang="en-IN" sz="1800" dirty="0">
+                <a:solidFill>
+                  <a:srgbClr val="000000"/>
+                </a:solidFill>
+                <a:effectLst/>
+                <a:latin typeface="Ubuntu Mono" panose="020B0509030602030204" pitchFamily="49" charset="0"/>
+                <a:ea typeface="Times New Roman" panose="02020603050405020304" pitchFamily="18" charset="0"/>
+              </a:rPr>
+              <a:t> import image</a:t>
+            </a:r>
+            <a:endParaRPr lang="en-IN" sz="1800" dirty="0">
+              <a:effectLst/>
+              <a:latin typeface="Times New Roman" panose="02020603050405020304" pitchFamily="18" charset="0"/>
+              <a:ea typeface="Times New Roman" panose="02020603050405020304" pitchFamily="18" charset="0"/>
+            </a:endParaRPr>
+          </a:p>
+          <a:p>
+            <a:pPr marL="342900" indent="-342900">
+              <a:buFont typeface="+mj-lt"/>
+              <a:buAutoNum type="arabicPeriod"/>
+            </a:pPr>
+            <a:r>
+              <a:rPr lang="en-IN" sz="1800" dirty="0">
+                <a:solidFill>
+                  <a:srgbClr val="000000"/>
+                </a:solidFill>
+                <a:effectLst/>
+                <a:latin typeface="Ubuntu Mono" panose="020B0509030602030204" pitchFamily="49" charset="0"/>
+                <a:ea typeface="Times New Roman" panose="02020603050405020304" pitchFamily="18" charset="0"/>
+              </a:rPr>
+              <a:t>from </a:t>
+            </a:r>
+            <a:r>
+              <a:rPr lang="en-IN" sz="1800" dirty="0" err="1">
+                <a:solidFill>
+                  <a:srgbClr val="000000"/>
+                </a:solidFill>
+                <a:effectLst/>
+                <a:latin typeface="Ubuntu Mono" panose="020B0509030602030204" pitchFamily="49" charset="0"/>
+                <a:ea typeface="Times New Roman" panose="02020603050405020304" pitchFamily="18" charset="0"/>
+              </a:rPr>
+              <a:t>keras.models</a:t>
+            </a:r>
+            <a:r>
+              <a:rPr lang="en-IN" sz="1800" dirty="0">
+                <a:solidFill>
+                  <a:srgbClr val="000000"/>
+                </a:solidFill>
+                <a:effectLst/>
+                <a:latin typeface="Ubuntu Mono" panose="020B0509030602030204" pitchFamily="49" charset="0"/>
+                <a:ea typeface="Times New Roman" panose="02020603050405020304" pitchFamily="18" charset="0"/>
+              </a:rPr>
+              <a:t> import </a:t>
+            </a:r>
+            <a:r>
+              <a:rPr lang="en-IN" sz="1800" dirty="0" err="1">
+                <a:solidFill>
+                  <a:srgbClr val="000000"/>
+                </a:solidFill>
+                <a:effectLst/>
+                <a:latin typeface="Ubuntu Mono" panose="020B0509030602030204" pitchFamily="49" charset="0"/>
+                <a:ea typeface="Times New Roman" panose="02020603050405020304" pitchFamily="18" charset="0"/>
+              </a:rPr>
+              <a:t>load_model</a:t>
+            </a:r>
+            <a:endParaRPr lang="en-IN" sz="1800" dirty="0">
+              <a:effectLst/>
+              <a:latin typeface="Times New Roman" panose="02020603050405020304" pitchFamily="18" charset="0"/>
+              <a:ea typeface="Times New Roman" panose="02020603050405020304" pitchFamily="18" charset="0"/>
+            </a:endParaRPr>
+          </a:p>
+          <a:p>
+            <a:pPr marL="342900" indent="-342900">
+              <a:buFont typeface="+mj-lt"/>
+              <a:buAutoNum type="arabicPeriod"/>
+            </a:pPr>
+            <a:r>
+              <a:rPr lang="en-IN" sz="1800" dirty="0">
+                <a:effectLst/>
+                <a:latin typeface="Ubuntu Mono" panose="020B0509030602030204" pitchFamily="49" charset="0"/>
+                <a:ea typeface="Times New Roman" panose="02020603050405020304" pitchFamily="18" charset="0"/>
+                <a:cs typeface="Times New Roman" panose="02020603050405020304" pitchFamily="18" charset="0"/>
+              </a:rPr>
+              <a:t>from </a:t>
+            </a:r>
+            <a:r>
+              <a:rPr lang="en-IN" sz="1800" dirty="0" err="1">
+                <a:effectLst/>
+                <a:latin typeface="Ubuntu Mono" panose="020B0509030602030204" pitchFamily="49" charset="0"/>
+                <a:ea typeface="Times New Roman" panose="02020603050405020304" pitchFamily="18" charset="0"/>
+                <a:cs typeface="Times New Roman" panose="02020603050405020304" pitchFamily="18" charset="0"/>
+              </a:rPr>
+              <a:t>keras.optimizers</a:t>
+            </a:r>
+            <a:r>
+              <a:rPr lang="en-IN" sz="1800" dirty="0">
+                <a:effectLst/>
+                <a:latin typeface="Ubuntu Mono" panose="020B0509030602030204" pitchFamily="49" charset="0"/>
+                <a:ea typeface="Times New Roman" panose="02020603050405020304" pitchFamily="18" charset="0"/>
+                <a:cs typeface="Times New Roman" panose="02020603050405020304" pitchFamily="18" charset="0"/>
+              </a:rPr>
+              <a:t> import Adam</a:t>
+            </a:r>
+          </a:p>
+          <a:p>
+            <a:pPr marL="342900" indent="-342900">
+              <a:buFont typeface="+mj-lt"/>
+              <a:buAutoNum type="arabicPeriod"/>
+            </a:pPr>
+            <a:endParaRPr lang="en-IN" sz="1800" dirty="0">
+              <a:latin typeface="Ubuntu Mono" panose="020B0509030602030204" pitchFamily="49" charset="0"/>
+              <a:ea typeface="Times New Roman" panose="02020603050405020304" pitchFamily="18" charset="0"/>
+              <a:cs typeface="Times New Roman" panose="02020603050405020304" pitchFamily="18" charset="0"/>
+            </a:endParaRPr>
+          </a:p>
+          <a:p>
+            <a:pPr marL="342900" indent="-342900">
+              <a:buFont typeface="+mj-lt"/>
+              <a:buAutoNum type="arabicPeriod"/>
+            </a:pPr>
+            <a:r>
+              <a:rPr lang="en-IN" sz="1800" dirty="0">
+                <a:solidFill>
+                  <a:srgbClr val="000000"/>
+                </a:solidFill>
+                <a:effectLst/>
+                <a:latin typeface="Ubuntu Mono" panose="020B0509030602030204" pitchFamily="49" charset="0"/>
+                <a:ea typeface="Times New Roman" panose="02020603050405020304" pitchFamily="18" charset="0"/>
+              </a:rPr>
+              <a:t>import </a:t>
+            </a:r>
+            <a:r>
+              <a:rPr lang="en-IN" sz="1800" dirty="0" err="1">
+                <a:solidFill>
+                  <a:srgbClr val="000000"/>
+                </a:solidFill>
+                <a:effectLst/>
+                <a:latin typeface="Ubuntu Mono" panose="020B0509030602030204" pitchFamily="49" charset="0"/>
+                <a:ea typeface="Times New Roman" panose="02020603050405020304" pitchFamily="18" charset="0"/>
+              </a:rPr>
+              <a:t>numpy</a:t>
+            </a:r>
+            <a:r>
+              <a:rPr lang="en-IN" sz="1800" dirty="0">
+                <a:solidFill>
+                  <a:srgbClr val="000000"/>
+                </a:solidFill>
+                <a:effectLst/>
+                <a:latin typeface="Ubuntu Mono" panose="020B0509030602030204" pitchFamily="49" charset="0"/>
+                <a:ea typeface="Times New Roman" panose="02020603050405020304" pitchFamily="18" charset="0"/>
+              </a:rPr>
+              <a:t> as np</a:t>
+            </a:r>
+            <a:endParaRPr lang="en-IN" sz="1800" dirty="0">
+              <a:effectLst/>
+              <a:latin typeface="Times New Roman" panose="02020603050405020304" pitchFamily="18" charset="0"/>
+              <a:ea typeface="Times New Roman" panose="02020603050405020304" pitchFamily="18" charset="0"/>
+            </a:endParaRPr>
+          </a:p>
+          <a:p>
+            <a:pPr marL="342900" indent="-342900">
+              <a:buFont typeface="+mj-lt"/>
+              <a:buAutoNum type="arabicPeriod"/>
+            </a:pPr>
+            <a:r>
+              <a:rPr lang="en-IN" sz="1800" dirty="0">
+                <a:solidFill>
+                  <a:srgbClr val="000000"/>
+                </a:solidFill>
+                <a:effectLst/>
+                <a:latin typeface="Ubuntu Mono" panose="020B0509030602030204" pitchFamily="49" charset="0"/>
+                <a:ea typeface="Times New Roman" panose="02020603050405020304" pitchFamily="18" charset="0"/>
+              </a:rPr>
+              <a:t>import </a:t>
+            </a:r>
+            <a:r>
+              <a:rPr lang="en-IN" sz="1800" dirty="0" err="1">
+                <a:solidFill>
+                  <a:srgbClr val="000000"/>
+                </a:solidFill>
+                <a:effectLst/>
+                <a:latin typeface="Ubuntu Mono" panose="020B0509030602030204" pitchFamily="49" charset="0"/>
+                <a:ea typeface="Times New Roman" panose="02020603050405020304" pitchFamily="18" charset="0"/>
+              </a:rPr>
+              <a:t>matplotlib.pyplot</a:t>
+            </a:r>
+            <a:r>
+              <a:rPr lang="en-IN" sz="1800" dirty="0">
+                <a:solidFill>
+                  <a:srgbClr val="000000"/>
+                </a:solidFill>
+                <a:effectLst/>
+                <a:latin typeface="Ubuntu Mono" panose="020B0509030602030204" pitchFamily="49" charset="0"/>
+                <a:ea typeface="Times New Roman" panose="02020603050405020304" pitchFamily="18" charset="0"/>
+              </a:rPr>
+              <a:t> as </a:t>
+            </a:r>
+            <a:r>
+              <a:rPr lang="en-IN" sz="1800" dirty="0" err="1">
+                <a:solidFill>
+                  <a:srgbClr val="000000"/>
+                </a:solidFill>
+                <a:effectLst/>
+                <a:latin typeface="Ubuntu Mono" panose="020B0509030602030204" pitchFamily="49" charset="0"/>
+                <a:ea typeface="Times New Roman" panose="02020603050405020304" pitchFamily="18" charset="0"/>
+              </a:rPr>
+              <a:t>plt</a:t>
+            </a:r>
+            <a:endParaRPr lang="en-IN" sz="1800" dirty="0">
+              <a:effectLst/>
+              <a:latin typeface="Times New Roman" panose="02020603050405020304" pitchFamily="18" charset="0"/>
+              <a:ea typeface="Times New Roman" panose="02020603050405020304" pitchFamily="18" charset="0"/>
+            </a:endParaRPr>
+          </a:p>
+          <a:p>
+            <a:pPr marL="342900" indent="-342900">
+              <a:buFont typeface="+mj-lt"/>
+              <a:buAutoNum type="arabicPeriod"/>
+            </a:pPr>
+            <a:endParaRPr lang="en-IN" sz="1800" dirty="0">
+              <a:effectLst/>
+              <a:latin typeface="Times New Roman" panose="02020603050405020304" pitchFamily="18" charset="0"/>
+              <a:ea typeface="Times New Roman" panose="02020603050405020304" pitchFamily="18" charset="0"/>
+            </a:endParaRPr>
+          </a:p>
+          <a:p>
+            <a:endParaRPr lang="en-IN" dirty="0"/>
+          </a:p>
+        </p:txBody>
+      </p:sp>
+    </p:spTree>
+    <p:extLst>
+      <p:ext uri="{BB962C8B-B14F-4D97-AF65-F5344CB8AC3E}">
+        <p14:creationId xmlns:p14="http://schemas.microsoft.com/office/powerpoint/2010/main" val="1510136491"/>
+      </p:ext>
+    </p:extLst>
+  </p:cSld>
+  <p:clrMapOvr>
+    <a:masterClrMapping/>
+  </p:clrMapOvr>
+</p:sld>
+</file>
+
+<file path=ppt/slides/slide13.xml><?xml version="1.0" encoding="utf-8"?>
+<p:sld xmlns:a="http://schemas.openxmlformats.org/drawingml/2006/main" xmlns:r="http://schemas.openxmlformats.org/officeDocument/2006/relationships" xmlns:p="http://schemas.openxmlformats.org/presentationml/2006/main">
+  <p:cSld>
+    <p:spTree>
+      <p:nvGrpSpPr>
+        <p:cNvPr id="1" name=""/>
+        <p:cNvGrpSpPr/>
+        <p:nvPr/>
+      </p:nvGrpSpPr>
+      <p:grpSpPr>
+        <a:xfrm>
+          <a:off x="0" y="0"/>
+          <a:ext cx="0" cy="0"/>
+          <a:chOff x="0" y="0"/>
+          <a:chExt cx="0" cy="0"/>
+        </a:xfrm>
+      </p:grpSpPr>
+      <p:sp>
+        <p:nvSpPr>
+          <p:cNvPr id="2" name="Title 1">
+            <a:extLst>
+              <a:ext uri="{FF2B5EF4-FFF2-40B4-BE49-F238E27FC236}">
+                <a16:creationId xmlns:a16="http://schemas.microsoft.com/office/drawing/2014/main" id="{DA0678D2-152F-4259-B7AC-D7F433E2B510}"/>
+              </a:ext>
+            </a:extLst>
+          </p:cNvPr>
+          <p:cNvSpPr>
+            <a:spLocks noGrp="1"/>
+          </p:cNvSpPr>
+          <p:nvPr>
+            <p:ph type="title"/>
+          </p:nvPr>
+        </p:nvSpPr>
+        <p:spPr/>
+        <p:txBody>
+          <a:bodyPr/>
+          <a:lstStyle/>
+          <a:p>
+            <a:endParaRPr lang="en-IN"/>
+          </a:p>
+        </p:txBody>
+      </p:sp>
+      <p:sp>
+        <p:nvSpPr>
+          <p:cNvPr id="3" name="Content Placeholder 2">
+            <a:extLst>
+              <a:ext uri="{FF2B5EF4-FFF2-40B4-BE49-F238E27FC236}">
+                <a16:creationId xmlns:a16="http://schemas.microsoft.com/office/drawing/2014/main" id="{A20B69D3-F76D-4A92-95E6-D62EF864FABF}"/>
+              </a:ext>
+            </a:extLst>
+          </p:cNvPr>
+          <p:cNvSpPr>
+            <a:spLocks noGrp="1"/>
+          </p:cNvSpPr>
+          <p:nvPr>
+            <p:ph idx="1"/>
+          </p:nvPr>
+        </p:nvSpPr>
+        <p:spPr/>
+        <p:txBody>
+          <a:bodyPr/>
+          <a:lstStyle/>
+          <a:p>
+            <a:endParaRPr lang="en-IN"/>
+          </a:p>
+        </p:txBody>
+      </p:sp>
+    </p:spTree>
+    <p:extLst>
+      <p:ext uri="{BB962C8B-B14F-4D97-AF65-F5344CB8AC3E}">
+        <p14:creationId xmlns:p14="http://schemas.microsoft.com/office/powerpoint/2010/main" val="2499631946"/>
+      </p:ext>
+    </p:extLst>
+  </p:cSld>
+  <p:clrMapOvr>
+    <a:masterClrMapping/>
+  </p:clrMapOvr>
+</p:sld>
+</file>
+
+<file path=ppt/slides/slide14.xml><?xml version="1.0" encoding="utf-8"?>
+<p:sld xmlns:a="http://schemas.openxmlformats.org/drawingml/2006/main" xmlns:r="http://schemas.openxmlformats.org/officeDocument/2006/relationships" xmlns:p="http://schemas.openxmlformats.org/presentationml/2006/main">
+  <p:cSld>
+    <p:spTree>
+      <p:nvGrpSpPr>
+        <p:cNvPr id="1" name=""/>
+        <p:cNvGrpSpPr/>
+        <p:nvPr/>
+      </p:nvGrpSpPr>
+      <p:grpSpPr>
+        <a:xfrm>
+          <a:off x="0" y="0"/>
+          <a:ext cx="0" cy="0"/>
+          <a:chOff x="0" y="0"/>
+          <a:chExt cx="0" cy="0"/>
+        </a:xfrm>
+      </p:grpSpPr>
+      <p:sp>
+        <p:nvSpPr>
+          <p:cNvPr id="2" name="Title 1">
+            <a:extLst>
+              <a:ext uri="{FF2B5EF4-FFF2-40B4-BE49-F238E27FC236}">
+                <a16:creationId xmlns:a16="http://schemas.microsoft.com/office/drawing/2014/main" id="{381CC4B7-5A8D-4F09-91BF-BC61DC7733A9}"/>
+              </a:ext>
+            </a:extLst>
+          </p:cNvPr>
+          <p:cNvSpPr>
+            <a:spLocks noGrp="1"/>
+          </p:cNvSpPr>
+          <p:nvPr>
+            <p:ph type="title"/>
+          </p:nvPr>
+        </p:nvSpPr>
+        <p:spPr/>
+        <p:txBody>
+          <a:bodyPr/>
+          <a:lstStyle/>
+          <a:p>
+            <a:r>
+              <a:rPr lang="en-US" dirty="0"/>
+              <a:t>Feature Extraction</a:t>
+            </a:r>
+            <a:endParaRPr lang="en-IN" dirty="0"/>
+          </a:p>
+        </p:txBody>
+      </p:sp>
+      <p:sp>
+        <p:nvSpPr>
+          <p:cNvPr id="3" name="Content Placeholder 2">
+            <a:extLst>
+              <a:ext uri="{FF2B5EF4-FFF2-40B4-BE49-F238E27FC236}">
+                <a16:creationId xmlns:a16="http://schemas.microsoft.com/office/drawing/2014/main" id="{C220D63B-EC69-4EA9-9819-1F982DA39252}"/>
+              </a:ext>
+            </a:extLst>
+          </p:cNvPr>
+          <p:cNvSpPr>
+            <a:spLocks noGrp="1"/>
+          </p:cNvSpPr>
+          <p:nvPr>
+            <p:ph idx="1"/>
+          </p:nvPr>
+        </p:nvSpPr>
+        <p:spPr/>
+        <p:txBody>
+          <a:bodyPr/>
+          <a:lstStyle/>
+          <a:p>
+            <a:endParaRPr lang="en-IN"/>
+          </a:p>
+        </p:txBody>
+      </p:sp>
+    </p:spTree>
+    <p:extLst>
+      <p:ext uri="{BB962C8B-B14F-4D97-AF65-F5344CB8AC3E}">
+        <p14:creationId xmlns:p14="http://schemas.microsoft.com/office/powerpoint/2010/main" val="305898157"/>
+      </p:ext>
+    </p:extLst>
+  </p:cSld>
+  <p:clrMapOvr>
+    <a:masterClrMapping/>
+  </p:clrMapOvr>
+</p:sld>
+</file>
+
+<file path=ppt/slides/slide15.xml><?xml version="1.0" encoding="utf-8"?>
+<p:sld xmlns:a="http://schemas.openxmlformats.org/drawingml/2006/main" xmlns:r="http://schemas.openxmlformats.org/officeDocument/2006/relationships" xmlns:p="http://schemas.openxmlformats.org/presentationml/2006/main">
+  <p:cSld>
+    <p:spTree>
+      <p:nvGrpSpPr>
+        <p:cNvPr id="1" name=""/>
+        <p:cNvGrpSpPr/>
+        <p:nvPr/>
+      </p:nvGrpSpPr>
+      <p:grpSpPr>
+        <a:xfrm>
+          <a:off x="0" y="0"/>
+          <a:ext cx="0" cy="0"/>
+          <a:chOff x="0" y="0"/>
+          <a:chExt cx="0" cy="0"/>
+        </a:xfrm>
+      </p:grpSpPr>
+      <p:sp>
+        <p:nvSpPr>
+          <p:cNvPr id="2" name="Title 1">
+            <a:extLst>
+              <a:ext uri="{FF2B5EF4-FFF2-40B4-BE49-F238E27FC236}">
+                <a16:creationId xmlns:a16="http://schemas.microsoft.com/office/drawing/2014/main" id="{ED6B1ED7-9AF7-48E9-91F7-11DA2210943E}"/>
+              </a:ext>
+            </a:extLst>
+          </p:cNvPr>
+          <p:cNvSpPr>
+            <a:spLocks noGrp="1"/>
+          </p:cNvSpPr>
+          <p:nvPr>
+            <p:ph type="title"/>
+          </p:nvPr>
+        </p:nvSpPr>
+        <p:spPr/>
+        <p:txBody>
+          <a:bodyPr/>
+          <a:lstStyle/>
+          <a:p>
+            <a:r>
+              <a:rPr lang="en-US" dirty="0"/>
+              <a:t>Program Walkthrough</a:t>
+            </a:r>
+            <a:endParaRPr lang="en-IN" dirty="0"/>
+          </a:p>
+        </p:txBody>
+      </p:sp>
+      <p:sp>
+        <p:nvSpPr>
+          <p:cNvPr id="3" name="Content Placeholder 2">
+            <a:extLst>
+              <a:ext uri="{FF2B5EF4-FFF2-40B4-BE49-F238E27FC236}">
+                <a16:creationId xmlns:a16="http://schemas.microsoft.com/office/drawing/2014/main" id="{9649E26D-8AB1-4E98-9C9D-DFBD7BDCD9CC}"/>
+              </a:ext>
+            </a:extLst>
+          </p:cNvPr>
+          <p:cNvSpPr>
+            <a:spLocks noGrp="1"/>
+          </p:cNvSpPr>
+          <p:nvPr>
+            <p:ph idx="1"/>
+          </p:nvPr>
+        </p:nvSpPr>
+        <p:spPr/>
+        <p:txBody>
+          <a:bodyPr/>
+          <a:lstStyle/>
+          <a:p>
+            <a:endParaRPr lang="en-IN"/>
+          </a:p>
+        </p:txBody>
+      </p:sp>
+    </p:spTree>
+    <p:extLst>
+      <p:ext uri="{BB962C8B-B14F-4D97-AF65-F5344CB8AC3E}">
+        <p14:creationId xmlns:p14="http://schemas.microsoft.com/office/powerpoint/2010/main" val="353132920"/>
+      </p:ext>
+    </p:extLst>
+  </p:cSld>
+  <p:clrMapOvr>
+    <a:masterClrMapping/>
+  </p:clrMapOvr>
+</p:sld>
+</file>
+
+<file path=ppt/slides/slide16.xml><?xml version="1.0" encoding="utf-8"?>
+<p:sld xmlns:a="http://schemas.openxmlformats.org/drawingml/2006/main" xmlns:r="http://schemas.openxmlformats.org/officeDocument/2006/relationships" xmlns:p="http://schemas.openxmlformats.org/presentationml/2006/main">
+  <p:cSld>
+    <p:spTree>
+      <p:nvGrpSpPr>
+        <p:cNvPr id="1" name=""/>
+        <p:cNvGrpSpPr/>
+        <p:nvPr/>
+      </p:nvGrpSpPr>
+      <p:grpSpPr>
+        <a:xfrm>
+          <a:off x="0" y="0"/>
+          <a:ext cx="0" cy="0"/>
+          <a:chOff x="0" y="0"/>
+          <a:chExt cx="0" cy="0"/>
+        </a:xfrm>
+      </p:grpSpPr>
+      <p:sp>
+        <p:nvSpPr>
+          <p:cNvPr id="2" name="Title 1">
+            <a:extLst>
+              <a:ext uri="{FF2B5EF4-FFF2-40B4-BE49-F238E27FC236}">
+                <a16:creationId xmlns:a16="http://schemas.microsoft.com/office/drawing/2014/main" id="{C5B74EA3-70A7-4D58-A313-F6A23AE5AE60}"/>
+              </a:ext>
+            </a:extLst>
+          </p:cNvPr>
+          <p:cNvSpPr>
+            <a:spLocks noGrp="1"/>
+          </p:cNvSpPr>
+          <p:nvPr>
+            <p:ph type="title"/>
+          </p:nvPr>
+        </p:nvSpPr>
+        <p:spPr/>
+        <p:txBody>
+          <a:bodyPr/>
+          <a:lstStyle/>
+          <a:p>
+            <a:r>
+              <a:rPr lang="en-US" dirty="0"/>
+              <a:t>What comes next</a:t>
+            </a:r>
+            <a:endParaRPr lang="en-IN" dirty="0"/>
+          </a:p>
+        </p:txBody>
+      </p:sp>
+      <p:sp>
+        <p:nvSpPr>
+          <p:cNvPr id="3" name="Content Placeholder 2">
+            <a:extLst>
+              <a:ext uri="{FF2B5EF4-FFF2-40B4-BE49-F238E27FC236}">
+                <a16:creationId xmlns:a16="http://schemas.microsoft.com/office/drawing/2014/main" id="{409F4B5A-1492-49E3-B2C9-138CE0C0895E}"/>
+              </a:ext>
+            </a:extLst>
+          </p:cNvPr>
+          <p:cNvSpPr>
+            <a:spLocks noGrp="1"/>
+          </p:cNvSpPr>
+          <p:nvPr>
+            <p:ph idx="1"/>
+          </p:nvPr>
+        </p:nvSpPr>
+        <p:spPr/>
+        <p:txBody>
+          <a:bodyPr/>
+          <a:lstStyle/>
+          <a:p>
+            <a:endParaRPr lang="en-IN"/>
+          </a:p>
+        </p:txBody>
+      </p:sp>
+    </p:spTree>
+    <p:extLst>
+      <p:ext uri="{BB962C8B-B14F-4D97-AF65-F5344CB8AC3E}">
+        <p14:creationId xmlns:p14="http://schemas.microsoft.com/office/powerpoint/2010/main" val="1737215722"/>
+      </p:ext>
+    </p:extLst>
+  </p:cSld>
+  <p:clrMapOvr>
+    <a:masterClrMapping/>
+  </p:clrMapOvr>
+</p:sld>
+</file>
+
 <file path=ppt/slides/slide2.xml><?xml version="1.0" encoding="utf-8"?>
 <p:sld xmlns:a="http://schemas.openxmlformats.org/drawingml/2006/main" xmlns:r="http://schemas.openxmlformats.org/officeDocument/2006/relationships" xmlns:p="http://schemas.openxmlformats.org/presentationml/2006/main">
   <p:cSld>
@@ -3848,7 +5338,7 @@
           <p:cNvPr id="2" name="Title 1">
             <a:extLst>
               <a:ext uri="{FF2B5EF4-FFF2-40B4-BE49-F238E27FC236}">
-                <a16:creationId xmlns:a16="http://schemas.microsoft.com/office/drawing/2014/main" id="{FBAAA32B-BD42-4446-809A-7EC9BA53ACA7}"/>
+                <a16:creationId xmlns:a16="http://schemas.microsoft.com/office/drawing/2014/main" id="{DBCC1EB3-BDD3-4D3F-A6DA-32CA58C394B5}"/>
               </a:ext>
             </a:extLst>
           </p:cNvPr>
@@ -3866,7 +5356,7 @@
           <a:p>
             <a:r>
               <a:rPr lang="en-US" dirty="0"/>
-              <a:t>Background</a:t>
+              <a:t>Software Used</a:t>
             </a:r>
             <a:endParaRPr lang="en-IN" dirty="0"/>
           </a:p>
@@ -3877,7 +5367,7 @@
           <p:cNvPr id="3" name="Content Placeholder 2">
             <a:extLst>
               <a:ext uri="{FF2B5EF4-FFF2-40B4-BE49-F238E27FC236}">
-                <a16:creationId xmlns:a16="http://schemas.microsoft.com/office/drawing/2014/main" id="{E0643363-7A65-4963-9491-D6A5839A5585}"/>
+                <a16:creationId xmlns:a16="http://schemas.microsoft.com/office/drawing/2014/main" id="{4DEB95E1-32C5-408A-AA5D-D2891327DA28}"/>
               </a:ext>
             </a:extLst>
           </p:cNvPr>
@@ -3890,17 +5380,74 @@
         </p:nvSpPr>
         <p:spPr/>
         <p:txBody>
-          <a:bodyPr/>
-          <a:lstStyle/>
-          <a:p>
-            <a:endParaRPr lang="en-IN"/>
+          <a:bodyPr>
+            <a:normAutofit lnSpcReduction="10000"/>
+          </a:bodyPr>
+          <a:lstStyle/>
+          <a:p>
+            <a:r>
+              <a:rPr lang="en-US" dirty="0"/>
+              <a:t>Python 3.8</a:t>
+            </a:r>
+          </a:p>
+          <a:p>
+            <a:r>
+              <a:rPr lang="en-US" dirty="0"/>
+              <a:t>TensorFlow 2.0</a:t>
+            </a:r>
+          </a:p>
+          <a:p>
+            <a:r>
+              <a:rPr lang="en-US" dirty="0" err="1"/>
+              <a:t>Keras</a:t>
+            </a:r>
+            <a:endParaRPr lang="en-US" dirty="0"/>
+          </a:p>
+          <a:p>
+            <a:r>
+              <a:rPr lang="en-US" dirty="0"/>
+              <a:t>NumPy</a:t>
+            </a:r>
+          </a:p>
+          <a:p>
+            <a:r>
+              <a:rPr lang="en-US" dirty="0"/>
+              <a:t>Pandas</a:t>
+            </a:r>
+          </a:p>
+          <a:p>
+            <a:r>
+              <a:rPr lang="en-US" dirty="0"/>
+              <a:t>Mat Plot Lib</a:t>
+            </a:r>
+          </a:p>
+          <a:p>
+            <a:r>
+              <a:rPr lang="en-US" dirty="0" err="1"/>
+              <a:t>PyPlot</a:t>
+            </a:r>
+            <a:endParaRPr lang="en-US" dirty="0"/>
+          </a:p>
+          <a:p>
+            <a:r>
+              <a:rPr lang="en-US" dirty="0" err="1"/>
+              <a:t>SeaBorn</a:t>
+            </a:r>
+            <a:endParaRPr lang="en-US" dirty="0"/>
+          </a:p>
+          <a:p>
+            <a:r>
+              <a:rPr lang="en-US" dirty="0"/>
+              <a:t>VGG16</a:t>
+            </a:r>
+            <a:endParaRPr lang="en-IN" dirty="0"/>
           </a:p>
         </p:txBody>
       </p:sp>
     </p:spTree>
     <p:extLst>
       <p:ext uri="{BB962C8B-B14F-4D97-AF65-F5344CB8AC3E}">
-        <p14:creationId xmlns:p14="http://schemas.microsoft.com/office/powerpoint/2010/main" val="98565076"/>
+        <p14:creationId xmlns:p14="http://schemas.microsoft.com/office/powerpoint/2010/main" val="1740807983"/>
       </p:ext>
     </p:extLst>
   </p:cSld>
@@ -3932,7 +5479,7 @@
           <p:cNvPr id="2" name="Title 1">
             <a:extLst>
               <a:ext uri="{FF2B5EF4-FFF2-40B4-BE49-F238E27FC236}">
-                <a16:creationId xmlns:a16="http://schemas.microsoft.com/office/drawing/2014/main" id="{D2B92511-C113-4CD4-A7C5-CE0DDE291C15}"/>
+                <a16:creationId xmlns:a16="http://schemas.microsoft.com/office/drawing/2014/main" id="{45A89841-D178-4B1E-8FB7-A968CC75D3E5}"/>
               </a:ext>
             </a:extLst>
           </p:cNvPr>
@@ -3950,7 +5497,7 @@
           <a:p>
             <a:r>
               <a:rPr lang="en-US" dirty="0"/>
-              <a:t>Summary of Present Work</a:t>
+              <a:t>Hardware Used</a:t>
             </a:r>
             <a:endParaRPr lang="en-IN" dirty="0"/>
           </a:p>
@@ -3961,7 +5508,7 @@
           <p:cNvPr id="3" name="Content Placeholder 2">
             <a:extLst>
               <a:ext uri="{FF2B5EF4-FFF2-40B4-BE49-F238E27FC236}">
-                <a16:creationId xmlns:a16="http://schemas.microsoft.com/office/drawing/2014/main" id="{473B03CB-A011-4FAD-974F-93AB0C7BF162}"/>
+                <a16:creationId xmlns:a16="http://schemas.microsoft.com/office/drawing/2014/main" id="{C69C6BB9-394E-4389-98FC-04D2A8AC46E7}"/>
               </a:ext>
             </a:extLst>
           </p:cNvPr>
@@ -3977,14 +5524,45 @@
           <a:bodyPr/>
           <a:lstStyle/>
           <a:p>
-            <a:endParaRPr lang="en-IN"/>
+            <a:r>
+              <a:rPr lang="en-IN" dirty="0"/>
+              <a:t>HP Pavilion with Intel i5 Quad-Core, Integrated Graphics Card, 8GB RAM</a:t>
+            </a:r>
+          </a:p>
+          <a:p>
+            <a:r>
+              <a:rPr lang="en-IN" dirty="0"/>
+              <a:t>Dell G3 with 2.6GHz Hexa-Core Intel i7 Processor, Integrated Graphics Card, 8GB RAM</a:t>
+            </a:r>
+          </a:p>
+          <a:p>
+            <a:r>
+              <a:rPr lang="en-IN" dirty="0"/>
+              <a:t>Asus </a:t>
+            </a:r>
+            <a:r>
+              <a:rPr lang="en-IN" dirty="0" err="1"/>
+              <a:t>Vivibook</a:t>
+            </a:r>
+            <a:r>
+              <a:rPr lang="en-IN" dirty="0"/>
+              <a:t> 2GHz Quad-Core AMD </a:t>
+            </a:r>
+            <a:r>
+              <a:rPr lang="en-IN" dirty="0" err="1"/>
+              <a:t>Ryzen</a:t>
+            </a:r>
+            <a:r>
+              <a:rPr lang="en-IN" dirty="0"/>
+              <a:t> 5 Processor, Integrated Graphics Card, 8GB RAM</a:t>
+            </a:r>
           </a:p>
         </p:txBody>
       </p:sp>
     </p:spTree>
     <p:extLst>
       <p:ext uri="{BB962C8B-B14F-4D97-AF65-F5344CB8AC3E}">
-        <p14:creationId xmlns:p14="http://schemas.microsoft.com/office/powerpoint/2010/main" val="4232411944"/>
+        <p14:creationId xmlns:p14="http://schemas.microsoft.com/office/powerpoint/2010/main" val="4201603467"/>
       </p:ext>
     </p:extLst>
   </p:cSld>
@@ -4016,7 +5594,7 @@
           <p:cNvPr id="2" name="Title 1">
             <a:extLst>
               <a:ext uri="{FF2B5EF4-FFF2-40B4-BE49-F238E27FC236}">
-                <a16:creationId xmlns:a16="http://schemas.microsoft.com/office/drawing/2014/main" id="{45A89841-D178-4B1E-8FB7-A968CC75D3E5}"/>
+                <a16:creationId xmlns:a16="http://schemas.microsoft.com/office/drawing/2014/main" id="{6D8269B7-E799-4838-AD49-925420035CB4}"/>
               </a:ext>
             </a:extLst>
           </p:cNvPr>
@@ -4034,7 +5612,7 @@
           <a:p>
             <a:r>
               <a:rPr lang="en-US" dirty="0"/>
-              <a:t>Hardware and Software Used</a:t>
+              <a:t>Significance of the Hardware</a:t>
             </a:r>
             <a:endParaRPr lang="en-IN" dirty="0"/>
           </a:p>
@@ -4045,7 +5623,7 @@
           <p:cNvPr id="3" name="Content Placeholder 2">
             <a:extLst>
               <a:ext uri="{FF2B5EF4-FFF2-40B4-BE49-F238E27FC236}">
-                <a16:creationId xmlns:a16="http://schemas.microsoft.com/office/drawing/2014/main" id="{C69C6BB9-394E-4389-98FC-04D2A8AC46E7}"/>
+                <a16:creationId xmlns:a16="http://schemas.microsoft.com/office/drawing/2014/main" id="{316EA5F6-470D-4404-A64D-43C58B55C5A6}"/>
               </a:ext>
             </a:extLst>
           </p:cNvPr>
@@ -4061,14 +5639,26 @@
           <a:bodyPr/>
           <a:lstStyle/>
           <a:p>
-            <a:endParaRPr lang="en-IN"/>
+            <a:r>
+              <a:rPr lang="en-US" dirty="0"/>
+              <a:t>RAM and Processor for Processing Speed</a:t>
+            </a:r>
+          </a:p>
+          <a:p>
+            <a:r>
+              <a:rPr lang="en-US" dirty="0"/>
+              <a:t>GPU Might Help!</a:t>
+            </a:r>
+          </a:p>
+          <a:p>
+            <a:endParaRPr lang="en-IN" dirty="0"/>
           </a:p>
         </p:txBody>
       </p:sp>
     </p:spTree>
     <p:extLst>
       <p:ext uri="{BB962C8B-B14F-4D97-AF65-F5344CB8AC3E}">
-        <p14:creationId xmlns:p14="http://schemas.microsoft.com/office/powerpoint/2010/main" val="4201603467"/>
+        <p14:creationId xmlns:p14="http://schemas.microsoft.com/office/powerpoint/2010/main" val="1716320188"/>
       </p:ext>
     </p:extLst>
   </p:cSld>
@@ -4118,7 +5708,7 @@
           <a:p>
             <a:r>
               <a:rPr lang="en-US" dirty="0"/>
-              <a:t>About the Data Set</a:t>
+              <a:t>Collection of Data Set</a:t>
             </a:r>
             <a:endParaRPr lang="en-IN" dirty="0"/>
           </a:p>
@@ -4145,7 +5735,25 @@
           <a:bodyPr/>
           <a:lstStyle/>
           <a:p>
-            <a:endParaRPr lang="en-IN"/>
+            <a:r>
+              <a:rPr lang="en-US" dirty="0"/>
+              <a:t>121 volunteers</a:t>
+            </a:r>
+          </a:p>
+          <a:p>
+            <a:r>
+              <a:rPr lang="en-US" dirty="0"/>
+              <a:t>Handwritten Passage</a:t>
+            </a:r>
+          </a:p>
+          <a:p>
+            <a:r>
+              <a:rPr lang="en-US" dirty="0"/>
+              <a:t>Bangla Text in our project</a:t>
+            </a:r>
+          </a:p>
+          <a:p>
+            <a:endParaRPr lang="en-US" dirty="0"/>
           </a:p>
         </p:txBody>
       </p:sp>
@@ -4184,7 +5792,7 @@
           <p:cNvPr id="2" name="Title 1">
             <a:extLst>
               <a:ext uri="{FF2B5EF4-FFF2-40B4-BE49-F238E27FC236}">
-                <a16:creationId xmlns:a16="http://schemas.microsoft.com/office/drawing/2014/main" id="{0DC8E74A-8FBA-48C4-A822-E3ADE557B88C}"/>
+                <a16:creationId xmlns:a16="http://schemas.microsoft.com/office/drawing/2014/main" id="{323FA6F3-109C-4DE0-B86F-5C0467EBD8FD}"/>
               </a:ext>
             </a:extLst>
           </p:cNvPr>
@@ -4201,42 +5809,152 @@
           <a:lstStyle/>
           <a:p>
             <a:r>
-              <a:rPr lang="en-US" dirty="0"/>
-              <a:t>About the Model</a:t>
-            </a:r>
+              <a:rPr lang="en-US" dirty="0">
+                <a:latin typeface="Garamond" panose="02020404030301010803" pitchFamily="18" charset="0"/>
+              </a:rPr>
+              <a:t>Preparation of Data Set</a:t>
+            </a:r>
+            <a:endParaRPr lang="en-IN" dirty="0">
+              <a:latin typeface="Garamond" panose="02020404030301010803" pitchFamily="18" charset="0"/>
+            </a:endParaRPr>
+          </a:p>
+        </p:txBody>
+      </p:sp>
+      <p:sp>
+        <p:nvSpPr>
+          <p:cNvPr id="3" name="Content Placeholder 2">
+            <a:extLst>
+              <a:ext uri="{FF2B5EF4-FFF2-40B4-BE49-F238E27FC236}">
+                <a16:creationId xmlns:a16="http://schemas.microsoft.com/office/drawing/2014/main" id="{46EF48B6-9995-458D-AA70-B7B974D14D25}"/>
+              </a:ext>
+            </a:extLst>
+          </p:cNvPr>
+          <p:cNvSpPr>
+            <a:spLocks noGrp="1"/>
+          </p:cNvSpPr>
+          <p:nvPr>
+            <p:ph idx="1"/>
+          </p:nvPr>
+        </p:nvSpPr>
+        <p:spPr/>
+        <p:txBody>
+          <a:bodyPr>
+            <a:normAutofit lnSpcReduction="10000"/>
+          </a:bodyPr>
+          <a:lstStyle/>
+          <a:p>
+            <a:r>
+              <a:rPr lang="en-US" dirty="0">
+                <a:latin typeface="Frank Ruhl Hofshi" panose="00000500000000000000" pitchFamily="50" charset="-79"/>
+                <a:cs typeface="Frank Ruhl Hofshi" panose="00000500000000000000" pitchFamily="50" charset="-79"/>
+              </a:rPr>
+              <a:t>Noise Eliminated</a:t>
+            </a:r>
+          </a:p>
+          <a:p>
+            <a:r>
+              <a:rPr lang="en-US" dirty="0">
+                <a:latin typeface="Frank Ruhl Hofshi" panose="00000500000000000000" pitchFamily="50" charset="-79"/>
+                <a:cs typeface="Frank Ruhl Hofshi" panose="00000500000000000000" pitchFamily="50" charset="-79"/>
+              </a:rPr>
+              <a:t>Word-sized Segments</a:t>
+            </a:r>
+          </a:p>
+          <a:p>
+            <a:r>
+              <a:rPr lang="en-US" dirty="0">
+                <a:latin typeface="Frank Ruhl Hofshi" panose="00000500000000000000" pitchFamily="50" charset="-79"/>
+                <a:cs typeface="Frank Ruhl Hofshi" panose="00000500000000000000" pitchFamily="50" charset="-79"/>
+              </a:rPr>
+              <a:t>Each </a:t>
+            </a:r>
+            <a:r>
+              <a:rPr lang="en-US" dirty="0" err="1">
+                <a:latin typeface="Frank Ruhl Hofshi" panose="00000500000000000000" pitchFamily="50" charset="-79"/>
+                <a:cs typeface="Frank Ruhl Hofshi" panose="00000500000000000000" pitchFamily="50" charset="-79"/>
+              </a:rPr>
+              <a:t>DataSet</a:t>
+            </a:r>
+            <a:r>
+              <a:rPr lang="en-US" dirty="0">
+                <a:latin typeface="Frank Ruhl Hofshi" panose="00000500000000000000" pitchFamily="50" charset="-79"/>
+                <a:cs typeface="Frank Ruhl Hofshi" panose="00000500000000000000" pitchFamily="50" charset="-79"/>
+              </a:rPr>
+              <a:t> has 20 Folders</a:t>
+            </a:r>
+          </a:p>
+          <a:p>
+            <a:r>
+              <a:rPr lang="en-US" dirty="0">
+                <a:latin typeface="Frank Ruhl Hofshi" panose="00000500000000000000" pitchFamily="50" charset="-79"/>
+                <a:cs typeface="Frank Ruhl Hofshi" panose="00000500000000000000" pitchFamily="50" charset="-79"/>
+              </a:rPr>
+              <a:t>Every Folder has Data for 2 Authors</a:t>
+            </a:r>
+          </a:p>
+          <a:p>
+            <a:r>
+              <a:rPr lang="en-US" dirty="0">
+                <a:latin typeface="Frank Ruhl Hofshi" panose="00000500000000000000" pitchFamily="50" charset="-79"/>
+                <a:cs typeface="Frank Ruhl Hofshi" panose="00000500000000000000" pitchFamily="50" charset="-79"/>
+              </a:rPr>
+              <a:t>5 Sets of Data for Each Author Pair</a:t>
+            </a:r>
+          </a:p>
+          <a:p>
+            <a:r>
+              <a:rPr lang="en-US" dirty="0">
+                <a:latin typeface="Frank Ruhl Hofshi" panose="00000500000000000000" pitchFamily="50" charset="-79"/>
+                <a:cs typeface="Frank Ruhl Hofshi" panose="00000500000000000000" pitchFamily="50" charset="-79"/>
+              </a:rPr>
+              <a:t>3 Training Sets and 2 Testing Sets</a:t>
+            </a:r>
+          </a:p>
+          <a:p>
+            <a:r>
+              <a:rPr lang="en-US" dirty="0">
+                <a:latin typeface="Frank Ruhl Hofshi" panose="00000500000000000000" pitchFamily="50" charset="-79"/>
+                <a:cs typeface="Frank Ruhl Hofshi" panose="00000500000000000000" pitchFamily="50" charset="-79"/>
+              </a:rPr>
+              <a:t>Tag Image File Format</a:t>
+            </a:r>
+          </a:p>
+          <a:p>
+            <a:r>
+              <a:rPr lang="en-US" dirty="0">
+                <a:latin typeface="Frank Ruhl Hofshi" panose="00000500000000000000" pitchFamily="50" charset="-79"/>
+                <a:cs typeface="Frank Ruhl Hofshi" panose="00000500000000000000" pitchFamily="50" charset="-79"/>
+              </a:rPr>
+              <a:t>Format: &lt;Author Code&gt;_&lt;Set Number&gt;_&lt;Image Number&gt;</a:t>
+            </a:r>
+          </a:p>
+          <a:p>
+            <a:r>
+              <a:rPr lang="en-US" dirty="0">
+                <a:latin typeface="Frank Ruhl Hofshi" panose="00000500000000000000" pitchFamily="50" charset="-79"/>
+                <a:cs typeface="Frank Ruhl Hofshi" panose="00000500000000000000" pitchFamily="50" charset="-79"/>
+              </a:rPr>
+              <a:t>5 Data Sets in Total</a:t>
+            </a:r>
+          </a:p>
+          <a:p>
+            <a:endParaRPr lang="en-US" dirty="0"/>
+          </a:p>
+          <a:p>
+            <a:endParaRPr lang="en-US" dirty="0"/>
+          </a:p>
+          <a:p>
+            <a:endParaRPr lang="en-US" dirty="0"/>
+          </a:p>
+          <a:p>
             <a:endParaRPr lang="en-IN" dirty="0"/>
-          </a:p>
-        </p:txBody>
-      </p:sp>
-      <p:sp>
-        <p:nvSpPr>
-          <p:cNvPr id="3" name="Content Placeholder 2">
-            <a:extLst>
-              <a:ext uri="{FF2B5EF4-FFF2-40B4-BE49-F238E27FC236}">
-                <a16:creationId xmlns:a16="http://schemas.microsoft.com/office/drawing/2014/main" id="{6EA92CA0-D082-4220-A25D-35242FF375F5}"/>
-              </a:ext>
-            </a:extLst>
-          </p:cNvPr>
-          <p:cNvSpPr>
-            <a:spLocks noGrp="1"/>
-          </p:cNvSpPr>
-          <p:nvPr>
-            <p:ph idx="1"/>
-          </p:nvPr>
-        </p:nvSpPr>
-        <p:spPr/>
-        <p:txBody>
-          <a:bodyPr/>
-          <a:lstStyle/>
-          <a:p>
-            <a:endParaRPr lang="en-IN"/>
           </a:p>
         </p:txBody>
       </p:sp>
     </p:spTree>
     <p:extLst>
       <p:ext uri="{BB962C8B-B14F-4D97-AF65-F5344CB8AC3E}">
-        <p14:creationId xmlns:p14="http://schemas.microsoft.com/office/powerpoint/2010/main" val="3148733716"/>
+        <p14:creationId xmlns:p14="http://schemas.microsoft.com/office/powerpoint/2010/main" val="3098385368"/>
       </p:ext>
     </p:extLst>
   </p:cSld>
@@ -4268,7 +5986,7 @@
           <p:cNvPr id="2" name="Title 1">
             <a:extLst>
               <a:ext uri="{FF2B5EF4-FFF2-40B4-BE49-F238E27FC236}">
-                <a16:creationId xmlns:a16="http://schemas.microsoft.com/office/drawing/2014/main" id="{ED6B1ED7-9AF7-48E9-91F7-11DA2210943E}"/>
+                <a16:creationId xmlns:a16="http://schemas.microsoft.com/office/drawing/2014/main" id="{FBAAA32B-BD42-4446-809A-7EC9BA53ACA7}"/>
               </a:ext>
             </a:extLst>
           </p:cNvPr>
@@ -4285,14 +6003,14 @@
           <a:lstStyle/>
           <a:p>
             <a:r>
-              <a:rPr lang="en-US" dirty="0"/>
-              <a:t>Program </a:t>
-            </a:r>
-            <a:r>
-              <a:rPr lang="en-US" dirty="0" err="1"/>
-              <a:t>Walktthrough</a:t>
-            </a:r>
-            <a:endParaRPr lang="en-IN" dirty="0"/>
+              <a:rPr lang="en-US" dirty="0">
+                <a:latin typeface="Garamond" panose="02020404030301010803" pitchFamily="18" charset="0"/>
+              </a:rPr>
+              <a:t>Background</a:t>
+            </a:r>
+            <a:endParaRPr lang="en-IN" dirty="0">
+              <a:latin typeface="Garamond" panose="02020404030301010803" pitchFamily="18" charset="0"/>
+            </a:endParaRPr>
           </a:p>
         </p:txBody>
       </p:sp>
@@ -4301,7 +6019,7 @@
           <p:cNvPr id="3" name="Content Placeholder 2">
             <a:extLst>
               <a:ext uri="{FF2B5EF4-FFF2-40B4-BE49-F238E27FC236}">
-                <a16:creationId xmlns:a16="http://schemas.microsoft.com/office/drawing/2014/main" id="{9649E26D-8AB1-4E98-9C9D-DFBD7BDCD9CC}"/>
+                <a16:creationId xmlns:a16="http://schemas.microsoft.com/office/drawing/2014/main" id="{E0643363-7A65-4963-9491-D6A5839A5585}"/>
               </a:ext>
             </a:extLst>
           </p:cNvPr>
@@ -4312,19 +6030,234 @@
             <p:ph idx="1"/>
           </p:nvPr>
         </p:nvSpPr>
-        <p:spPr/>
-        <p:txBody>
-          <a:bodyPr/>
-          <a:lstStyle/>
-          <a:p>
-            <a:endParaRPr lang="en-IN"/>
+        <p:spPr>
+          <a:xfrm>
+            <a:off x="838200" y="1690688"/>
+            <a:ext cx="10515600" cy="4351338"/>
+          </a:xfrm>
+        </p:spPr>
+        <p:txBody>
+          <a:bodyPr>
+            <a:normAutofit fontScale="92500" lnSpcReduction="10000"/>
+          </a:bodyPr>
+          <a:lstStyle/>
+          <a:p>
+            <a:r>
+              <a:rPr lang="en-US" dirty="0">
+                <a:latin typeface="Frank Ruhl Hofshi" panose="00000500000000000000" pitchFamily="50" charset="-79"/>
+                <a:cs typeface="Frank Ruhl Hofshi" panose="00000500000000000000" pitchFamily="50" charset="-79"/>
+              </a:rPr>
+              <a:t>Works on Image Recognition and CNN</a:t>
+            </a:r>
+          </a:p>
+          <a:p>
+            <a:pPr lvl="1"/>
+            <a:r>
+              <a:rPr lang="en-US" sz="1800" dirty="0">
+                <a:effectLst/>
+                <a:latin typeface="Frank Ruhl Hofshi" panose="00000500000000000000" pitchFamily="50" charset="-79"/>
+                <a:ea typeface="Times New Roman" panose="02020603050405020304" pitchFamily="18" charset="0"/>
+                <a:cs typeface="Frank Ruhl Hofshi" panose="00000500000000000000" pitchFamily="50" charset="-79"/>
+              </a:rPr>
+              <a:t>ImageNet classification with deep Convolutional Neural Networks</a:t>
+            </a:r>
+            <a:endParaRPr lang="en-IN" sz="1800" dirty="0">
+              <a:effectLst/>
+              <a:latin typeface="Frank Ruhl Hofshi" panose="00000500000000000000" pitchFamily="50" charset="-79"/>
+              <a:ea typeface="Times New Roman" panose="02020603050405020304" pitchFamily="18" charset="0"/>
+              <a:cs typeface="Frank Ruhl Hofshi" panose="00000500000000000000" pitchFamily="50" charset="-79"/>
+            </a:endParaRPr>
+          </a:p>
+          <a:p>
+            <a:pPr lvl="1"/>
+            <a:r>
+              <a:rPr lang="en-IN" sz="1800" dirty="0">
+                <a:effectLst/>
+                <a:latin typeface="Frank Ruhl Hofshi" panose="00000500000000000000" pitchFamily="50" charset="-79"/>
+                <a:ea typeface="Times New Roman" panose="02020603050405020304" pitchFamily="18" charset="0"/>
+                <a:cs typeface="Frank Ruhl Hofshi" panose="00000500000000000000" pitchFamily="50" charset="-79"/>
+              </a:rPr>
+              <a:t>Very Deep Convolutional Networks for Large-Scale Image Recognition</a:t>
+            </a:r>
+            <a:endParaRPr lang="en-US" dirty="0">
+              <a:latin typeface="Frank Ruhl Hofshi" panose="00000500000000000000" pitchFamily="50" charset="-79"/>
+              <a:cs typeface="Frank Ruhl Hofshi" panose="00000500000000000000" pitchFamily="50" charset="-79"/>
+            </a:endParaRPr>
+          </a:p>
+          <a:p>
+            <a:r>
+              <a:rPr lang="en-US" dirty="0">
+                <a:latin typeface="Frank Ruhl Hofshi" panose="00000500000000000000" pitchFamily="50" charset="-79"/>
+                <a:cs typeface="Frank Ruhl Hofshi" panose="00000500000000000000" pitchFamily="50" charset="-79"/>
+              </a:rPr>
+              <a:t>Works on Character Recognition</a:t>
+            </a:r>
+          </a:p>
+          <a:p>
+            <a:pPr lvl="1"/>
+            <a:r>
+              <a:rPr lang="en-US" sz="1800" dirty="0">
+                <a:effectLst/>
+                <a:latin typeface="Frank Ruhl Hofshi" panose="00000500000000000000" pitchFamily="50" charset="-79"/>
+                <a:ea typeface="Times New Roman" panose="02020603050405020304" pitchFamily="18" charset="0"/>
+                <a:cs typeface="Frank Ruhl Hofshi" panose="00000500000000000000" pitchFamily="50" charset="-79"/>
+              </a:rPr>
+              <a:t>Automatic Visual Features for Writer Identification: A Deep Learning Approach</a:t>
+            </a:r>
+          </a:p>
+          <a:p>
+            <a:pPr lvl="1"/>
+            <a:r>
+              <a:rPr lang="en-US" sz="1800" dirty="0">
+                <a:effectLst/>
+                <a:latin typeface="Frank Ruhl Hofshi" panose="00000500000000000000" pitchFamily="50" charset="-79"/>
+                <a:ea typeface="Times New Roman" panose="02020603050405020304" pitchFamily="18" charset="0"/>
+                <a:cs typeface="Frank Ruhl Hofshi" panose="00000500000000000000" pitchFamily="50" charset="-79"/>
+              </a:rPr>
+              <a:t>Handwritten Character Recognition of South Indian Scripts: A Review</a:t>
+            </a:r>
+            <a:endParaRPr lang="en-US" sz="1800" dirty="0">
+              <a:latin typeface="Frank Ruhl Hofshi" panose="00000500000000000000" pitchFamily="50" charset="-79"/>
+              <a:ea typeface="Times New Roman" panose="02020603050405020304" pitchFamily="18" charset="0"/>
+              <a:cs typeface="Frank Ruhl Hofshi" panose="00000500000000000000" pitchFamily="50" charset="-79"/>
+            </a:endParaRPr>
+          </a:p>
+          <a:p>
+            <a:pPr lvl="1"/>
+            <a:r>
+              <a:rPr lang="en-US" sz="1800" dirty="0">
+                <a:effectLst/>
+                <a:latin typeface="Frank Ruhl Hofshi" panose="00000500000000000000" pitchFamily="50" charset="-79"/>
+                <a:ea typeface="Times New Roman" panose="02020603050405020304" pitchFamily="18" charset="0"/>
+                <a:cs typeface="Frank Ruhl Hofshi" panose="00000500000000000000" pitchFamily="50" charset="-79"/>
+              </a:rPr>
+              <a:t>A High Performance Domain Specific </a:t>
+            </a:r>
+            <a:r>
+              <a:rPr lang="en-US" sz="1800" dirty="0" err="1">
+                <a:effectLst/>
+                <a:latin typeface="Frank Ruhl Hofshi" panose="00000500000000000000" pitchFamily="50" charset="-79"/>
+                <a:ea typeface="Times New Roman" panose="02020603050405020304" pitchFamily="18" charset="0"/>
+                <a:cs typeface="Frank Ruhl Hofshi" panose="00000500000000000000" pitchFamily="50" charset="-79"/>
+              </a:rPr>
+              <a:t>Ocr</a:t>
+            </a:r>
+            <a:r>
+              <a:rPr lang="en-US" sz="1800" dirty="0">
+                <a:effectLst/>
+                <a:latin typeface="Frank Ruhl Hofshi" panose="00000500000000000000" pitchFamily="50" charset="-79"/>
+                <a:ea typeface="Times New Roman" panose="02020603050405020304" pitchFamily="18" charset="0"/>
+                <a:cs typeface="Frank Ruhl Hofshi" panose="00000500000000000000" pitchFamily="50" charset="-79"/>
+              </a:rPr>
+              <a:t> For Bangla Script</a:t>
+            </a:r>
+          </a:p>
+          <a:p>
+            <a:pPr lvl="1"/>
+            <a:r>
+              <a:rPr lang="en-US" sz="1800" dirty="0">
+                <a:effectLst/>
+                <a:latin typeface="Frank Ruhl Hofshi" panose="00000500000000000000" pitchFamily="50" charset="-79"/>
+                <a:ea typeface="Times New Roman" panose="02020603050405020304" pitchFamily="18" charset="0"/>
+                <a:cs typeface="Frank Ruhl Hofshi" panose="00000500000000000000" pitchFamily="50" charset="-79"/>
+              </a:rPr>
+              <a:t>Bangla character recognition based on </a:t>
+            </a:r>
+            <a:r>
+              <a:rPr lang="en-US" sz="1800" dirty="0" err="1">
+                <a:effectLst/>
+                <a:latin typeface="Frank Ruhl Hofshi" panose="00000500000000000000" pitchFamily="50" charset="-79"/>
+                <a:ea typeface="Times New Roman" panose="02020603050405020304" pitchFamily="18" charset="0"/>
+                <a:cs typeface="Frank Ruhl Hofshi" panose="00000500000000000000" pitchFamily="50" charset="-79"/>
+              </a:rPr>
+              <a:t>Mobilenet</a:t>
+            </a:r>
+            <a:r>
+              <a:rPr lang="en-US" sz="1800" dirty="0">
+                <a:effectLst/>
+                <a:latin typeface="Frank Ruhl Hofshi" panose="00000500000000000000" pitchFamily="50" charset="-79"/>
+                <a:ea typeface="Times New Roman" panose="02020603050405020304" pitchFamily="18" charset="0"/>
+                <a:cs typeface="Frank Ruhl Hofshi" panose="00000500000000000000" pitchFamily="50" charset="-79"/>
+              </a:rPr>
+              <a:t> v1 and Inception v3</a:t>
+            </a:r>
+            <a:endParaRPr lang="en-US" sz="1800" dirty="0">
+              <a:latin typeface="Frank Ruhl Hofshi" panose="00000500000000000000" pitchFamily="50" charset="-79"/>
+              <a:ea typeface="Times New Roman" panose="02020603050405020304" pitchFamily="18" charset="0"/>
+              <a:cs typeface="Frank Ruhl Hofshi" panose="00000500000000000000" pitchFamily="50" charset="-79"/>
+            </a:endParaRPr>
+          </a:p>
+          <a:p>
+            <a:pPr lvl="1"/>
+            <a:r>
+              <a:rPr lang="en-US" sz="1800" dirty="0">
+                <a:effectLst/>
+                <a:latin typeface="Frank Ruhl Hofshi" panose="00000500000000000000" pitchFamily="50" charset="-79"/>
+                <a:ea typeface="Times New Roman" panose="02020603050405020304" pitchFamily="18" charset="0"/>
+                <a:cs typeface="Frank Ruhl Hofshi" panose="00000500000000000000" pitchFamily="50" charset="-79"/>
+              </a:rPr>
+              <a:t>CNN implementation based on Bangla numeral character recognition</a:t>
+            </a:r>
+            <a:endParaRPr lang="en-US" dirty="0">
+              <a:latin typeface="Frank Ruhl Hofshi" panose="00000500000000000000" pitchFamily="50" charset="-79"/>
+              <a:cs typeface="Frank Ruhl Hofshi" panose="00000500000000000000" pitchFamily="50" charset="-79"/>
+            </a:endParaRPr>
+          </a:p>
+          <a:p>
+            <a:r>
+              <a:rPr lang="en-US" dirty="0">
+                <a:latin typeface="Frank Ruhl Hofshi" panose="00000500000000000000" pitchFamily="50" charset="-79"/>
+                <a:cs typeface="Frank Ruhl Hofshi" panose="00000500000000000000" pitchFamily="50" charset="-79"/>
+              </a:rPr>
+              <a:t>Works on Writer Recognition</a:t>
+            </a:r>
+          </a:p>
+          <a:p>
+            <a:pPr lvl="1"/>
+            <a:r>
+              <a:rPr lang="en-US" sz="1800" dirty="0">
+                <a:effectLst/>
+                <a:latin typeface="Frank Ruhl Hofshi" panose="00000500000000000000" pitchFamily="50" charset="-79"/>
+                <a:ea typeface="Times New Roman" panose="02020603050405020304" pitchFamily="18" charset="0"/>
+                <a:cs typeface="Frank Ruhl Hofshi" panose="00000500000000000000" pitchFamily="50" charset="-79"/>
+              </a:rPr>
+              <a:t>Offline writer identification using convolutional neural network activation features</a:t>
+            </a:r>
+          </a:p>
+          <a:p>
+            <a:pPr lvl="1"/>
+            <a:r>
+              <a:rPr lang="en-US" sz="1800" dirty="0">
+                <a:effectLst/>
+                <a:latin typeface="Frank Ruhl Hofshi" panose="00000500000000000000" pitchFamily="50" charset="-79"/>
+                <a:ea typeface="Times New Roman" panose="02020603050405020304" pitchFamily="18" charset="0"/>
+                <a:cs typeface="Frank Ruhl Hofshi" panose="00000500000000000000" pitchFamily="50" charset="-79"/>
+              </a:rPr>
+              <a:t>Writer identification using an HMM-based handwriting recognition system: To normalize the input or not</a:t>
+            </a:r>
+          </a:p>
+          <a:p>
+            <a:pPr lvl="1"/>
+            <a:r>
+              <a:rPr lang="en-US" sz="1800" dirty="0">
+                <a:effectLst/>
+                <a:latin typeface="Frank Ruhl Hofshi" panose="00000500000000000000" pitchFamily="50" charset="-79"/>
+                <a:ea typeface="Times New Roman" panose="02020603050405020304" pitchFamily="18" charset="0"/>
+                <a:cs typeface="Frank Ruhl Hofshi" panose="00000500000000000000" pitchFamily="50" charset="-79"/>
+              </a:rPr>
+              <a:t>Offline Text-Independent Writer Identification Based on Scale Invariant Feature Transform</a:t>
+            </a:r>
+            <a:endParaRPr lang="en-IN" dirty="0">
+              <a:latin typeface="Frank Ruhl Hofshi" panose="00000500000000000000" pitchFamily="50" charset="-79"/>
+              <a:cs typeface="Frank Ruhl Hofshi" panose="00000500000000000000" pitchFamily="50" charset="-79"/>
+            </a:endParaRPr>
           </a:p>
         </p:txBody>
       </p:sp>
     </p:spTree>
     <p:extLst>
       <p:ext uri="{BB962C8B-B14F-4D97-AF65-F5344CB8AC3E}">
-        <p14:creationId xmlns:p14="http://schemas.microsoft.com/office/powerpoint/2010/main" val="353132920"/>
+        <p14:creationId xmlns:p14="http://schemas.microsoft.com/office/powerpoint/2010/main" val="98565076"/>
       </p:ext>
     </p:extLst>
   </p:cSld>
@@ -4356,7 +6289,7 @@
           <p:cNvPr id="2" name="Title 1">
             <a:extLst>
               <a:ext uri="{FF2B5EF4-FFF2-40B4-BE49-F238E27FC236}">
-                <a16:creationId xmlns:a16="http://schemas.microsoft.com/office/drawing/2014/main" id="{C5B74EA3-70A7-4D58-A313-F6A23AE5AE60}"/>
+                <a16:creationId xmlns:a16="http://schemas.microsoft.com/office/drawing/2014/main" id="{D2B92511-C113-4CD4-A7C5-CE0DDE291C15}"/>
               </a:ext>
             </a:extLst>
           </p:cNvPr>
@@ -4374,7 +6307,7 @@
           <a:p>
             <a:r>
               <a:rPr lang="en-US" dirty="0"/>
-              <a:t>What comes next</a:t>
+              <a:t>Summary of Present Work</a:t>
             </a:r>
             <a:endParaRPr lang="en-IN" dirty="0"/>
           </a:p>
@@ -4385,7 +6318,7 @@
           <p:cNvPr id="3" name="Content Placeholder 2">
             <a:extLst>
               <a:ext uri="{FF2B5EF4-FFF2-40B4-BE49-F238E27FC236}">
-                <a16:creationId xmlns:a16="http://schemas.microsoft.com/office/drawing/2014/main" id="{409F4B5A-1492-49E3-B2C9-138CE0C0895E}"/>
+                <a16:creationId xmlns:a16="http://schemas.microsoft.com/office/drawing/2014/main" id="{473B03CB-A011-4FAD-974F-93AB0C7BF162}"/>
               </a:ext>
             </a:extLst>
           </p:cNvPr>
@@ -4408,7 +6341,7 @@
     </p:spTree>
     <p:extLst>
       <p:ext uri="{BB962C8B-B14F-4D97-AF65-F5344CB8AC3E}">
-        <p14:creationId xmlns:p14="http://schemas.microsoft.com/office/powerpoint/2010/main" val="1737215722"/>
+        <p14:creationId xmlns:p14="http://schemas.microsoft.com/office/powerpoint/2010/main" val="4232411944"/>
       </p:ext>
     </p:extLst>
   </p:cSld>

--- a/Documentation/4th Year Project Presentation.pptx
+++ b/Documentation/4th Year Project Presentation.pptx
@@ -10,17 +10,16 @@
     <p:sldId id="265" r:id="rId4"/>
     <p:sldId id="260" r:id="rId5"/>
     <p:sldId id="266" r:id="rId6"/>
-    <p:sldId id="261" r:id="rId7"/>
-    <p:sldId id="267" r:id="rId8"/>
-    <p:sldId id="258" r:id="rId9"/>
-    <p:sldId id="259" r:id="rId10"/>
+    <p:sldId id="258" r:id="rId7"/>
+    <p:sldId id="259" r:id="rId8"/>
+    <p:sldId id="261" r:id="rId9"/>
+    <p:sldId id="267" r:id="rId10"/>
     <p:sldId id="262" r:id="rId11"/>
-    <p:sldId id="268" r:id="rId12"/>
-    <p:sldId id="269" r:id="rId13"/>
-    <p:sldId id="271" r:id="rId14"/>
-    <p:sldId id="270" r:id="rId15"/>
-    <p:sldId id="264" r:id="rId16"/>
-    <p:sldId id="263" r:id="rId17"/>
+    <p:sldId id="277" r:id="rId12"/>
+    <p:sldId id="268" r:id="rId13"/>
+    <p:sldId id="270" r:id="rId14"/>
+    <p:sldId id="264" r:id="rId15"/>
+    <p:sldId id="263" r:id="rId16"/>
   </p:sldIdLst>
   <p:sldSz cx="12192000" cy="6858000"/>
   <p:notesSz cx="6858000" cy="9144000"/>
@@ -3935,6 +3934,289 @@
   <p:clrMapOvr>
     <a:masterClrMapping/>
   </p:clrMapOvr>
+  <p:timing>
+    <p:tnLst>
+      <p:par>
+        <p:cTn id="1" dur="indefinite" restart="never" nodeType="tmRoot">
+          <p:childTnLst>
+            <p:seq concurrent="1" nextAc="seek">
+              <p:cTn id="2" dur="indefinite" nodeType="mainSeq">
+                <p:childTnLst>
+                  <p:par>
+                    <p:cTn id="3" fill="hold">
+                      <p:stCondLst>
+                        <p:cond delay="indefinite"/>
+                      </p:stCondLst>
+                      <p:childTnLst>
+                        <p:par>
+                          <p:cTn id="4" fill="hold">
+                            <p:stCondLst>
+                              <p:cond delay="0"/>
+                            </p:stCondLst>
+                            <p:childTnLst>
+                              <p:par>
+                                <p:cTn id="5" presetID="1" presetClass="entr" presetSubtype="0" fill="hold" nodeType="clickEffect">
+                                  <p:stCondLst>
+                                    <p:cond delay="0"/>
+                                  </p:stCondLst>
+                                  <p:childTnLst>
+                                    <p:set>
+                                      <p:cBhvr>
+                                        <p:cTn id="6" dur="1" fill="hold">
+                                          <p:stCondLst>
+                                            <p:cond delay="0"/>
+                                          </p:stCondLst>
+                                        </p:cTn>
+                                        <p:tgtEl>
+                                          <p:spTgt spid="3">
+                                            <p:txEl>
+                                              <p:pRg st="0" end="0"/>
+                                            </p:txEl>
+                                          </p:spTgt>
+                                        </p:tgtEl>
+                                        <p:attrNameLst>
+                                          <p:attrName>style.visibility</p:attrName>
+                                        </p:attrNameLst>
+                                      </p:cBhvr>
+                                      <p:to>
+                                        <p:strVal val="visible"/>
+                                      </p:to>
+                                    </p:set>
+                                  </p:childTnLst>
+                                </p:cTn>
+                              </p:par>
+                              <p:par>
+                                <p:cTn id="7" presetID="1" presetClass="entr" presetSubtype="0" fill="hold" nodeType="withEffect">
+                                  <p:stCondLst>
+                                    <p:cond delay="0"/>
+                                  </p:stCondLst>
+                                  <p:childTnLst>
+                                    <p:set>
+                                      <p:cBhvr>
+                                        <p:cTn id="8" dur="1" fill="hold">
+                                          <p:stCondLst>
+                                            <p:cond delay="0"/>
+                                          </p:stCondLst>
+                                        </p:cTn>
+                                        <p:tgtEl>
+                                          <p:spTgt spid="3">
+                                            <p:txEl>
+                                              <p:pRg st="1" end="1"/>
+                                            </p:txEl>
+                                          </p:spTgt>
+                                        </p:tgtEl>
+                                        <p:attrNameLst>
+                                          <p:attrName>style.visibility</p:attrName>
+                                        </p:attrNameLst>
+                                      </p:cBhvr>
+                                      <p:to>
+                                        <p:strVal val="visible"/>
+                                      </p:to>
+                                    </p:set>
+                                  </p:childTnLst>
+                                </p:cTn>
+                              </p:par>
+                              <p:par>
+                                <p:cTn id="9" presetID="1" presetClass="entr" presetSubtype="0" fill="hold" nodeType="withEffect">
+                                  <p:stCondLst>
+                                    <p:cond delay="0"/>
+                                  </p:stCondLst>
+                                  <p:childTnLst>
+                                    <p:set>
+                                      <p:cBhvr>
+                                        <p:cTn id="10" dur="1" fill="hold">
+                                          <p:stCondLst>
+                                            <p:cond delay="0"/>
+                                          </p:stCondLst>
+                                        </p:cTn>
+                                        <p:tgtEl>
+                                          <p:spTgt spid="3">
+                                            <p:txEl>
+                                              <p:pRg st="2" end="2"/>
+                                            </p:txEl>
+                                          </p:spTgt>
+                                        </p:tgtEl>
+                                        <p:attrNameLst>
+                                          <p:attrName>style.visibility</p:attrName>
+                                        </p:attrNameLst>
+                                      </p:cBhvr>
+                                      <p:to>
+                                        <p:strVal val="visible"/>
+                                      </p:to>
+                                    </p:set>
+                                  </p:childTnLst>
+                                </p:cTn>
+                              </p:par>
+                              <p:par>
+                                <p:cTn id="11" presetID="1" presetClass="entr" presetSubtype="0" fill="hold" nodeType="withEffect">
+                                  <p:stCondLst>
+                                    <p:cond delay="0"/>
+                                  </p:stCondLst>
+                                  <p:childTnLst>
+                                    <p:set>
+                                      <p:cBhvr>
+                                        <p:cTn id="12" dur="1" fill="hold">
+                                          <p:stCondLst>
+                                            <p:cond delay="0"/>
+                                          </p:stCondLst>
+                                        </p:cTn>
+                                        <p:tgtEl>
+                                          <p:spTgt spid="3">
+                                            <p:txEl>
+                                              <p:pRg st="3" end="3"/>
+                                            </p:txEl>
+                                          </p:spTgt>
+                                        </p:tgtEl>
+                                        <p:attrNameLst>
+                                          <p:attrName>style.visibility</p:attrName>
+                                        </p:attrNameLst>
+                                      </p:cBhvr>
+                                      <p:to>
+                                        <p:strVal val="visible"/>
+                                      </p:to>
+                                    </p:set>
+                                  </p:childTnLst>
+                                </p:cTn>
+                              </p:par>
+                              <p:par>
+                                <p:cTn id="13" presetID="1" presetClass="entr" presetSubtype="0" fill="hold" nodeType="withEffect">
+                                  <p:stCondLst>
+                                    <p:cond delay="0"/>
+                                  </p:stCondLst>
+                                  <p:childTnLst>
+                                    <p:set>
+                                      <p:cBhvr>
+                                        <p:cTn id="14" dur="1" fill="hold">
+                                          <p:stCondLst>
+                                            <p:cond delay="0"/>
+                                          </p:stCondLst>
+                                        </p:cTn>
+                                        <p:tgtEl>
+                                          <p:spTgt spid="3">
+                                            <p:txEl>
+                                              <p:pRg st="4" end="4"/>
+                                            </p:txEl>
+                                          </p:spTgt>
+                                        </p:tgtEl>
+                                        <p:attrNameLst>
+                                          <p:attrName>style.visibility</p:attrName>
+                                        </p:attrNameLst>
+                                      </p:cBhvr>
+                                      <p:to>
+                                        <p:strVal val="visible"/>
+                                      </p:to>
+                                    </p:set>
+                                  </p:childTnLst>
+                                </p:cTn>
+                              </p:par>
+                            </p:childTnLst>
+                          </p:cTn>
+                        </p:par>
+                      </p:childTnLst>
+                    </p:cTn>
+                  </p:par>
+                  <p:par>
+                    <p:cTn id="15" fill="hold">
+                      <p:stCondLst>
+                        <p:cond delay="indefinite"/>
+                      </p:stCondLst>
+                      <p:childTnLst>
+                        <p:par>
+                          <p:cTn id="16" fill="hold">
+                            <p:stCondLst>
+                              <p:cond delay="0"/>
+                            </p:stCondLst>
+                            <p:childTnLst>
+                              <p:par>
+                                <p:cTn id="17" presetID="1" presetClass="entr" presetSubtype="0" fill="hold" nodeType="clickEffect">
+                                  <p:stCondLst>
+                                    <p:cond delay="0"/>
+                                  </p:stCondLst>
+                                  <p:childTnLst>
+                                    <p:set>
+                                      <p:cBhvr>
+                                        <p:cTn id="18" dur="1" fill="hold">
+                                          <p:stCondLst>
+                                            <p:cond delay="0"/>
+                                          </p:stCondLst>
+                                        </p:cTn>
+                                        <p:tgtEl>
+                                          <p:spTgt spid="3">
+                                            <p:txEl>
+                                              <p:pRg st="5" end="5"/>
+                                            </p:txEl>
+                                          </p:spTgt>
+                                        </p:tgtEl>
+                                        <p:attrNameLst>
+                                          <p:attrName>style.visibility</p:attrName>
+                                        </p:attrNameLst>
+                                      </p:cBhvr>
+                                      <p:to>
+                                        <p:strVal val="visible"/>
+                                      </p:to>
+                                    </p:set>
+                                  </p:childTnLst>
+                                </p:cTn>
+                              </p:par>
+                              <p:par>
+                                <p:cTn id="19" presetID="1" presetClass="entr" presetSubtype="0" fill="hold" nodeType="withEffect">
+                                  <p:stCondLst>
+                                    <p:cond delay="0"/>
+                                  </p:stCondLst>
+                                  <p:childTnLst>
+                                    <p:set>
+                                      <p:cBhvr>
+                                        <p:cTn id="20" dur="1" fill="hold">
+                                          <p:stCondLst>
+                                            <p:cond delay="0"/>
+                                          </p:stCondLst>
+                                        </p:cTn>
+                                        <p:tgtEl>
+                                          <p:spTgt spid="3">
+                                            <p:txEl>
+                                              <p:pRg st="6" end="6"/>
+                                            </p:txEl>
+                                          </p:spTgt>
+                                        </p:tgtEl>
+                                        <p:attrNameLst>
+                                          <p:attrName>style.visibility</p:attrName>
+                                        </p:attrNameLst>
+                                      </p:cBhvr>
+                                      <p:to>
+                                        <p:strVal val="visible"/>
+                                      </p:to>
+                                    </p:set>
+                                  </p:childTnLst>
+                                </p:cTn>
+                              </p:par>
+                            </p:childTnLst>
+                          </p:cTn>
+                        </p:par>
+                      </p:childTnLst>
+                    </p:cTn>
+                  </p:par>
+                </p:childTnLst>
+              </p:cTn>
+              <p:prevCondLst>
+                <p:cond evt="onPrev" delay="0">
+                  <p:tgtEl>
+                    <p:sldTgt/>
+                  </p:tgtEl>
+                </p:cond>
+              </p:prevCondLst>
+              <p:nextCondLst>
+                <p:cond evt="onNext" delay="0">
+                  <p:tgtEl>
+                    <p:sldTgt/>
+                  </p:tgtEl>
+                </p:cond>
+              </p:nextCondLst>
+            </p:seq>
+          </p:childTnLst>
+        </p:cTn>
+      </p:par>
+    </p:tnLst>
+  </p:timing>
 </p:sld>
 </file>
 
@@ -3977,10 +4259,14 @@
           <a:lstStyle/>
           <a:p>
             <a:r>
-              <a:rPr lang="en-US" dirty="0"/>
+              <a:rPr lang="en-US" dirty="0">
+                <a:latin typeface="Garamond" panose="02020404030301010803" pitchFamily="18" charset="0"/>
+              </a:rPr>
               <a:t>About VGG16 Model</a:t>
             </a:r>
-            <a:endParaRPr lang="en-IN" dirty="0"/>
+            <a:endParaRPr lang="en-IN" dirty="0">
+              <a:latin typeface="Garamond" panose="02020404030301010803" pitchFamily="18" charset="0"/>
+            </a:endParaRPr>
           </a:p>
         </p:txBody>
       </p:sp>
@@ -4000,54 +4286,87 @@
             <p:ph idx="1"/>
           </p:nvPr>
         </p:nvSpPr>
-        <p:spPr/>
+        <p:spPr>
+          <a:xfrm>
+            <a:off x="838200" y="1825625"/>
+            <a:ext cx="7131908" cy="4351338"/>
+          </a:xfrm>
+        </p:spPr>
         <p:txBody>
           <a:bodyPr/>
           <a:lstStyle/>
           <a:p>
             <a:r>
-              <a:rPr lang="en-US" dirty="0"/>
+              <a:rPr lang="en-US" dirty="0">
+                <a:latin typeface="Frank Ruhl Hofshi" panose="00000500000000000000" pitchFamily="50" charset="-79"/>
+                <a:cs typeface="Frank Ruhl Hofshi" panose="00000500000000000000" pitchFamily="50" charset="-79"/>
+              </a:rPr>
               <a:t>Proposed by </a:t>
             </a:r>
             <a:r>
-              <a:rPr lang="en-US" dirty="0" err="1"/>
+              <a:rPr lang="en-US" dirty="0" err="1">
+                <a:latin typeface="Frank Ruhl Hofshi" panose="00000500000000000000" pitchFamily="50" charset="-79"/>
+                <a:cs typeface="Frank Ruhl Hofshi" panose="00000500000000000000" pitchFamily="50" charset="-79"/>
+              </a:rPr>
               <a:t>Simonyan</a:t>
             </a:r>
             <a:r>
-              <a:rPr lang="en-US" dirty="0"/>
+              <a:rPr lang="en-US" dirty="0">
+                <a:latin typeface="Frank Ruhl Hofshi" panose="00000500000000000000" pitchFamily="50" charset="-79"/>
+                <a:cs typeface="Frank Ruhl Hofshi" panose="00000500000000000000" pitchFamily="50" charset="-79"/>
+              </a:rPr>
               <a:t> and Zisserman in 2014</a:t>
             </a:r>
           </a:p>
           <a:p>
-            <a:endParaRPr lang="en-US" dirty="0"/>
-          </a:p>
-          <a:p>
-            <a:r>
-              <a:rPr lang="en-US" dirty="0"/>
+            <a:r>
+              <a:rPr lang="en-US" dirty="0">
+                <a:latin typeface="Frank Ruhl Hofshi" panose="00000500000000000000" pitchFamily="50" charset="-79"/>
+                <a:cs typeface="Frank Ruhl Hofshi" panose="00000500000000000000" pitchFamily="50" charset="-79"/>
+              </a:rPr>
               <a:t>92.7% accuracy with the ImageNet Database</a:t>
             </a:r>
-          </a:p>
-          <a:p>
-            <a:endParaRPr lang="en-IN" dirty="0"/>
-          </a:p>
-          <a:p>
-            <a:r>
-              <a:rPr lang="en-IN" dirty="0"/>
+            <a:endParaRPr lang="en-IN" dirty="0">
+              <a:latin typeface="Frank Ruhl Hofshi" panose="00000500000000000000" pitchFamily="50" charset="-79"/>
+              <a:cs typeface="Frank Ruhl Hofshi" panose="00000500000000000000" pitchFamily="50" charset="-79"/>
+            </a:endParaRPr>
+          </a:p>
+          <a:p>
+            <a:r>
+              <a:rPr lang="en-IN" dirty="0">
+                <a:latin typeface="Frank Ruhl Hofshi" panose="00000500000000000000" pitchFamily="50" charset="-79"/>
+                <a:cs typeface="Frank Ruhl Hofshi" panose="00000500000000000000" pitchFamily="50" charset="-79"/>
+              </a:rPr>
               <a:t>16 Neural Network Layers </a:t>
             </a:r>
           </a:p>
           <a:p>
             <a:pPr lvl="1"/>
             <a:r>
-              <a:rPr lang="en-IN" dirty="0"/>
+              <a:rPr lang="en-IN" dirty="0">
+                <a:latin typeface="Frank Ruhl Hofshi" panose="00000500000000000000" pitchFamily="50" charset="-79"/>
+                <a:cs typeface="Frank Ruhl Hofshi" panose="00000500000000000000" pitchFamily="50" charset="-79"/>
+              </a:rPr>
               <a:t>13 Convolutional Networks</a:t>
             </a:r>
           </a:p>
           <a:p>
             <a:pPr lvl="1"/>
             <a:r>
-              <a:rPr lang="en-IN" dirty="0"/>
+              <a:rPr lang="en-IN" dirty="0">
+                <a:latin typeface="Frank Ruhl Hofshi" panose="00000500000000000000" pitchFamily="50" charset="-79"/>
+                <a:cs typeface="Frank Ruhl Hofshi" panose="00000500000000000000" pitchFamily="50" charset="-79"/>
+              </a:rPr>
               <a:t>3 Dense Networks</a:t>
+            </a:r>
+          </a:p>
+          <a:p>
+            <a:r>
+              <a:rPr lang="en-IN" dirty="0">
+                <a:latin typeface="Frank Ruhl Hofshi" panose="00000500000000000000" pitchFamily="50" charset="-79"/>
+                <a:cs typeface="Frank Ruhl Hofshi" panose="00000500000000000000" pitchFamily="50" charset="-79"/>
+              </a:rPr>
+              <a:t>Takes 224 x 224 pixel Images with RGB as an Input</a:t>
             </a:r>
           </a:p>
         </p:txBody>
@@ -4091,8 +4410,8 @@
         </p:blipFill>
         <p:spPr>
           <a:xfrm rot="5400000">
-            <a:off x="6982326" y="2004596"/>
-            <a:ext cx="5188197" cy="2541079"/>
+            <a:off x="6937895" y="1897192"/>
+            <a:ext cx="5657973" cy="2901570"/>
           </a:xfrm>
           <a:prstGeom prst="rect">
             <a:avLst/>
@@ -4114,10 +4433,1243 @@
   <p:clrMapOvr>
     <a:masterClrMapping/>
   </p:clrMapOvr>
+  <p:timing>
+    <p:tnLst>
+      <p:par>
+        <p:cTn id="1" dur="indefinite" restart="never" nodeType="tmRoot">
+          <p:childTnLst>
+            <p:seq concurrent="1" nextAc="seek">
+              <p:cTn id="2" dur="indefinite" nodeType="mainSeq">
+                <p:childTnLst>
+                  <p:par>
+                    <p:cTn id="3" fill="hold">
+                      <p:stCondLst>
+                        <p:cond delay="indefinite"/>
+                      </p:stCondLst>
+                      <p:childTnLst>
+                        <p:par>
+                          <p:cTn id="4" fill="hold">
+                            <p:stCondLst>
+                              <p:cond delay="0"/>
+                            </p:stCondLst>
+                            <p:childTnLst>
+                              <p:par>
+                                <p:cTn id="5" presetID="1" presetClass="entr" presetSubtype="0" fill="hold" grpId="0" nodeType="clickEffect">
+                                  <p:stCondLst>
+                                    <p:cond delay="500"/>
+                                  </p:stCondLst>
+                                  <p:childTnLst>
+                                    <p:set>
+                                      <p:cBhvr>
+                                        <p:cTn id="6" dur="1" fill="hold">
+                                          <p:stCondLst>
+                                            <p:cond delay="0"/>
+                                          </p:stCondLst>
+                                        </p:cTn>
+                                        <p:tgtEl>
+                                          <p:spTgt spid="3">
+                                            <p:txEl>
+                                              <p:pRg st="0" end="0"/>
+                                            </p:txEl>
+                                          </p:spTgt>
+                                        </p:tgtEl>
+                                        <p:attrNameLst>
+                                          <p:attrName>style.visibility</p:attrName>
+                                        </p:attrNameLst>
+                                      </p:cBhvr>
+                                      <p:to>
+                                        <p:strVal val="visible"/>
+                                      </p:to>
+                                    </p:set>
+                                  </p:childTnLst>
+                                </p:cTn>
+                              </p:par>
+                            </p:childTnLst>
+                          </p:cTn>
+                        </p:par>
+                      </p:childTnLst>
+                    </p:cTn>
+                  </p:par>
+                  <p:par>
+                    <p:cTn id="7" fill="hold">
+                      <p:stCondLst>
+                        <p:cond delay="indefinite"/>
+                      </p:stCondLst>
+                      <p:childTnLst>
+                        <p:par>
+                          <p:cTn id="8" fill="hold">
+                            <p:stCondLst>
+                              <p:cond delay="0"/>
+                            </p:stCondLst>
+                            <p:childTnLst>
+                              <p:par>
+                                <p:cTn id="9" presetID="1" presetClass="entr" presetSubtype="0" fill="hold" grpId="0" nodeType="clickEffect">
+                                  <p:stCondLst>
+                                    <p:cond delay="500"/>
+                                  </p:stCondLst>
+                                  <p:childTnLst>
+                                    <p:set>
+                                      <p:cBhvr>
+                                        <p:cTn id="10" dur="1" fill="hold">
+                                          <p:stCondLst>
+                                            <p:cond delay="0"/>
+                                          </p:stCondLst>
+                                        </p:cTn>
+                                        <p:tgtEl>
+                                          <p:spTgt spid="3">
+                                            <p:txEl>
+                                              <p:pRg st="1" end="1"/>
+                                            </p:txEl>
+                                          </p:spTgt>
+                                        </p:tgtEl>
+                                        <p:attrNameLst>
+                                          <p:attrName>style.visibility</p:attrName>
+                                        </p:attrNameLst>
+                                      </p:cBhvr>
+                                      <p:to>
+                                        <p:strVal val="visible"/>
+                                      </p:to>
+                                    </p:set>
+                                  </p:childTnLst>
+                                </p:cTn>
+                              </p:par>
+                            </p:childTnLst>
+                          </p:cTn>
+                        </p:par>
+                      </p:childTnLst>
+                    </p:cTn>
+                  </p:par>
+                  <p:par>
+                    <p:cTn id="11" fill="hold">
+                      <p:stCondLst>
+                        <p:cond delay="indefinite"/>
+                      </p:stCondLst>
+                      <p:childTnLst>
+                        <p:par>
+                          <p:cTn id="12" fill="hold">
+                            <p:stCondLst>
+                              <p:cond delay="0"/>
+                            </p:stCondLst>
+                            <p:childTnLst>
+                              <p:par>
+                                <p:cTn id="13" presetID="1" presetClass="entr" presetSubtype="0" fill="hold" grpId="0" nodeType="clickEffect">
+                                  <p:stCondLst>
+                                    <p:cond delay="500"/>
+                                  </p:stCondLst>
+                                  <p:childTnLst>
+                                    <p:set>
+                                      <p:cBhvr>
+                                        <p:cTn id="14" dur="1" fill="hold">
+                                          <p:stCondLst>
+                                            <p:cond delay="0"/>
+                                          </p:stCondLst>
+                                        </p:cTn>
+                                        <p:tgtEl>
+                                          <p:spTgt spid="3">
+                                            <p:txEl>
+                                              <p:pRg st="2" end="2"/>
+                                            </p:txEl>
+                                          </p:spTgt>
+                                        </p:tgtEl>
+                                        <p:attrNameLst>
+                                          <p:attrName>style.visibility</p:attrName>
+                                        </p:attrNameLst>
+                                      </p:cBhvr>
+                                      <p:to>
+                                        <p:strVal val="visible"/>
+                                      </p:to>
+                                    </p:set>
+                                  </p:childTnLst>
+                                </p:cTn>
+                              </p:par>
+                            </p:childTnLst>
+                          </p:cTn>
+                        </p:par>
+                      </p:childTnLst>
+                    </p:cTn>
+                  </p:par>
+                  <p:par>
+                    <p:cTn id="15" fill="hold">
+                      <p:stCondLst>
+                        <p:cond delay="indefinite"/>
+                      </p:stCondLst>
+                      <p:childTnLst>
+                        <p:par>
+                          <p:cTn id="16" fill="hold">
+                            <p:stCondLst>
+                              <p:cond delay="0"/>
+                            </p:stCondLst>
+                            <p:childTnLst>
+                              <p:par>
+                                <p:cTn id="17" presetID="1" presetClass="entr" presetSubtype="0" fill="hold" grpId="0" nodeType="clickEffect">
+                                  <p:stCondLst>
+                                    <p:cond delay="500"/>
+                                  </p:stCondLst>
+                                  <p:childTnLst>
+                                    <p:set>
+                                      <p:cBhvr>
+                                        <p:cTn id="18" dur="1" fill="hold">
+                                          <p:stCondLst>
+                                            <p:cond delay="0"/>
+                                          </p:stCondLst>
+                                        </p:cTn>
+                                        <p:tgtEl>
+                                          <p:spTgt spid="3">
+                                            <p:txEl>
+                                              <p:pRg st="3" end="3"/>
+                                            </p:txEl>
+                                          </p:spTgt>
+                                        </p:tgtEl>
+                                        <p:attrNameLst>
+                                          <p:attrName>style.visibility</p:attrName>
+                                        </p:attrNameLst>
+                                      </p:cBhvr>
+                                      <p:to>
+                                        <p:strVal val="visible"/>
+                                      </p:to>
+                                    </p:set>
+                                  </p:childTnLst>
+                                </p:cTn>
+                              </p:par>
+                              <p:par>
+                                <p:cTn id="19" presetID="1" presetClass="entr" presetSubtype="0" fill="hold" grpId="0" nodeType="withEffect">
+                                  <p:stCondLst>
+                                    <p:cond delay="500"/>
+                                  </p:stCondLst>
+                                  <p:childTnLst>
+                                    <p:set>
+                                      <p:cBhvr>
+                                        <p:cTn id="20" dur="1" fill="hold">
+                                          <p:stCondLst>
+                                            <p:cond delay="0"/>
+                                          </p:stCondLst>
+                                        </p:cTn>
+                                        <p:tgtEl>
+                                          <p:spTgt spid="3">
+                                            <p:txEl>
+                                              <p:pRg st="4" end="4"/>
+                                            </p:txEl>
+                                          </p:spTgt>
+                                        </p:tgtEl>
+                                        <p:attrNameLst>
+                                          <p:attrName>style.visibility</p:attrName>
+                                        </p:attrNameLst>
+                                      </p:cBhvr>
+                                      <p:to>
+                                        <p:strVal val="visible"/>
+                                      </p:to>
+                                    </p:set>
+                                  </p:childTnLst>
+                                </p:cTn>
+                              </p:par>
+                            </p:childTnLst>
+                          </p:cTn>
+                        </p:par>
+                      </p:childTnLst>
+                    </p:cTn>
+                  </p:par>
+                  <p:par>
+                    <p:cTn id="21" fill="hold">
+                      <p:stCondLst>
+                        <p:cond delay="indefinite"/>
+                      </p:stCondLst>
+                      <p:childTnLst>
+                        <p:par>
+                          <p:cTn id="22" fill="hold">
+                            <p:stCondLst>
+                              <p:cond delay="0"/>
+                            </p:stCondLst>
+                            <p:childTnLst>
+                              <p:par>
+                                <p:cTn id="23" presetID="1" presetClass="entr" presetSubtype="0" fill="hold" grpId="0" nodeType="clickEffect">
+                                  <p:stCondLst>
+                                    <p:cond delay="500"/>
+                                  </p:stCondLst>
+                                  <p:childTnLst>
+                                    <p:set>
+                                      <p:cBhvr>
+                                        <p:cTn id="24" dur="1" fill="hold">
+                                          <p:stCondLst>
+                                            <p:cond delay="0"/>
+                                          </p:stCondLst>
+                                        </p:cTn>
+                                        <p:tgtEl>
+                                          <p:spTgt spid="3">
+                                            <p:txEl>
+                                              <p:pRg st="5" end="5"/>
+                                            </p:txEl>
+                                          </p:spTgt>
+                                        </p:tgtEl>
+                                        <p:attrNameLst>
+                                          <p:attrName>style.visibility</p:attrName>
+                                        </p:attrNameLst>
+                                      </p:cBhvr>
+                                      <p:to>
+                                        <p:strVal val="visible"/>
+                                      </p:to>
+                                    </p:set>
+                                  </p:childTnLst>
+                                </p:cTn>
+                              </p:par>
+                            </p:childTnLst>
+                          </p:cTn>
+                        </p:par>
+                      </p:childTnLst>
+                    </p:cTn>
+                  </p:par>
+                </p:childTnLst>
+              </p:cTn>
+              <p:prevCondLst>
+                <p:cond evt="onPrev" delay="0">
+                  <p:tgtEl>
+                    <p:sldTgt/>
+                  </p:tgtEl>
+                </p:cond>
+              </p:prevCondLst>
+              <p:nextCondLst>
+                <p:cond evt="onNext" delay="0">
+                  <p:tgtEl>
+                    <p:sldTgt/>
+                  </p:tgtEl>
+                </p:cond>
+              </p:nextCondLst>
+            </p:seq>
+          </p:childTnLst>
+        </p:cTn>
+      </p:par>
+    </p:tnLst>
+    <p:bldLst>
+      <p:bldP spid="3" grpId="0" uiExpand="1" build="p"/>
+    </p:bldLst>
+  </p:timing>
 </p:sld>
 </file>
 
 <file path=ppt/slides/slide11.xml><?xml version="1.0" encoding="utf-8"?>
+<p:sld xmlns:a="http://schemas.openxmlformats.org/drawingml/2006/main" xmlns:r="http://schemas.openxmlformats.org/officeDocument/2006/relationships" xmlns:p="http://schemas.openxmlformats.org/presentationml/2006/main">
+  <p:cSld>
+    <p:spTree>
+      <p:nvGrpSpPr>
+        <p:cNvPr id="1" name=""/>
+        <p:cNvGrpSpPr/>
+        <p:nvPr/>
+      </p:nvGrpSpPr>
+      <p:grpSpPr>
+        <a:xfrm>
+          <a:off x="0" y="0"/>
+          <a:ext cx="0" cy="0"/>
+          <a:chOff x="0" y="0"/>
+          <a:chExt cx="0" cy="0"/>
+        </a:xfrm>
+      </p:grpSpPr>
+      <p:sp>
+        <p:nvSpPr>
+          <p:cNvPr id="2" name="Title 1">
+            <a:extLst>
+              <a:ext uri="{FF2B5EF4-FFF2-40B4-BE49-F238E27FC236}">
+                <a16:creationId xmlns:a16="http://schemas.microsoft.com/office/drawing/2014/main" id="{FEB1DB65-5D07-4BF5-B13B-F9F7ADF75BFC}"/>
+              </a:ext>
+            </a:extLst>
+          </p:cNvPr>
+          <p:cNvSpPr>
+            <a:spLocks noGrp="1"/>
+          </p:cNvSpPr>
+          <p:nvPr>
+            <p:ph type="title"/>
+          </p:nvPr>
+        </p:nvSpPr>
+        <p:spPr>
+          <a:xfrm>
+            <a:off x="838200" y="365125"/>
+            <a:ext cx="10515600" cy="1228897"/>
+          </a:xfrm>
+        </p:spPr>
+        <p:txBody>
+          <a:bodyPr/>
+          <a:lstStyle/>
+          <a:p>
+            <a:r>
+              <a:rPr lang="en-IN" dirty="0">
+                <a:latin typeface="Garamond" panose="02020404030301010803" pitchFamily="18" charset="0"/>
+              </a:rPr>
+              <a:t>Architecture of VGG16 Model</a:t>
+            </a:r>
+          </a:p>
+        </p:txBody>
+      </p:sp>
+      <p:sp>
+        <p:nvSpPr>
+          <p:cNvPr id="3" name="Content Placeholder 2">
+            <a:extLst>
+              <a:ext uri="{FF2B5EF4-FFF2-40B4-BE49-F238E27FC236}">
+                <a16:creationId xmlns:a16="http://schemas.microsoft.com/office/drawing/2014/main" id="{51C31B64-8BBB-4289-A9CA-B5659A1A566C}"/>
+              </a:ext>
+            </a:extLst>
+          </p:cNvPr>
+          <p:cNvSpPr>
+            <a:spLocks noGrp="1"/>
+          </p:cNvSpPr>
+          <p:nvPr>
+            <p:ph idx="1"/>
+          </p:nvPr>
+        </p:nvSpPr>
+        <p:spPr>
+          <a:xfrm>
+            <a:off x="838200" y="1742303"/>
+            <a:ext cx="10515600" cy="4434660"/>
+          </a:xfrm>
+        </p:spPr>
+        <p:txBody>
+          <a:bodyPr>
+            <a:normAutofit fontScale="77500" lnSpcReduction="20000"/>
+          </a:bodyPr>
+          <a:lstStyle/>
+          <a:p>
+            <a:pPr marL="514350" indent="-514350">
+              <a:buFont typeface="+mj-lt"/>
+              <a:buAutoNum type="arabicPeriod"/>
+            </a:pPr>
+            <a:r>
+              <a:rPr lang="en-IN" dirty="0">
+                <a:latin typeface="Frank Ruhl Hofshi" panose="00000500000000000000" pitchFamily="50" charset="-79"/>
+                <a:cs typeface="Frank Ruhl Hofshi" panose="00000500000000000000" pitchFamily="50" charset="-79"/>
+              </a:rPr>
+              <a:t>Input: 224 x 224 RGB Images</a:t>
+            </a:r>
+          </a:p>
+          <a:p>
+            <a:pPr marL="514350" indent="-514350">
+              <a:buFont typeface="+mj-lt"/>
+              <a:buAutoNum type="arabicPeriod"/>
+            </a:pPr>
+            <a:endParaRPr lang="en-IN" dirty="0">
+              <a:latin typeface="Frank Ruhl Hofshi" panose="00000500000000000000" pitchFamily="50" charset="-79"/>
+              <a:cs typeface="Frank Ruhl Hofshi" panose="00000500000000000000" pitchFamily="50" charset="-79"/>
+            </a:endParaRPr>
+          </a:p>
+          <a:p>
+            <a:pPr marL="514350" indent="-514350">
+              <a:buFont typeface="+mj-lt"/>
+              <a:buAutoNum type="arabicPeriod"/>
+            </a:pPr>
+            <a:r>
+              <a:rPr lang="en-IN" dirty="0">
+                <a:latin typeface="Frank Ruhl Hofshi" panose="00000500000000000000" pitchFamily="50" charset="-79"/>
+                <a:cs typeface="Frank Ruhl Hofshi" panose="00000500000000000000" pitchFamily="50" charset="-79"/>
+              </a:rPr>
+              <a:t>2 </a:t>
+            </a:r>
+            <a:r>
+              <a:rPr lang="en-IN" dirty="0" err="1">
+                <a:latin typeface="Frank Ruhl Hofshi" panose="00000500000000000000" pitchFamily="50" charset="-79"/>
+                <a:cs typeface="Frank Ruhl Hofshi" panose="00000500000000000000" pitchFamily="50" charset="-79"/>
+              </a:rPr>
+              <a:t>ConvNets</a:t>
+            </a:r>
+            <a:r>
+              <a:rPr lang="en-IN" dirty="0">
+                <a:latin typeface="Frank Ruhl Hofshi" panose="00000500000000000000" pitchFamily="50" charset="-79"/>
+                <a:cs typeface="Frank Ruhl Hofshi" panose="00000500000000000000" pitchFamily="50" charset="-79"/>
+              </a:rPr>
+              <a:t> with 64 filters and </a:t>
+            </a:r>
+            <a:r>
+              <a:rPr lang="en-IN" dirty="0" err="1">
+                <a:latin typeface="Frank Ruhl Hofshi" panose="00000500000000000000" pitchFamily="50" charset="-79"/>
+                <a:cs typeface="Frank Ruhl Hofshi" panose="00000500000000000000" pitchFamily="50" charset="-79"/>
+              </a:rPr>
+              <a:t>ReLU</a:t>
+            </a:r>
+            <a:r>
+              <a:rPr lang="en-IN" dirty="0">
+                <a:latin typeface="Frank Ruhl Hofshi" panose="00000500000000000000" pitchFamily="50" charset="-79"/>
+                <a:cs typeface="Frank Ruhl Hofshi" panose="00000500000000000000" pitchFamily="50" charset="-79"/>
+              </a:rPr>
+              <a:t> Activation Function; Output is </a:t>
+            </a:r>
+            <a:r>
+              <a:rPr lang="en-IN" dirty="0" err="1">
+                <a:latin typeface="Frank Ruhl Hofshi" panose="00000500000000000000" pitchFamily="50" charset="-79"/>
+                <a:cs typeface="Frank Ruhl Hofshi" panose="00000500000000000000" pitchFamily="50" charset="-79"/>
+              </a:rPr>
+              <a:t>MaxPooled</a:t>
+            </a:r>
+            <a:endParaRPr lang="en-IN" dirty="0">
+              <a:latin typeface="Frank Ruhl Hofshi" panose="00000500000000000000" pitchFamily="50" charset="-79"/>
+              <a:cs typeface="Frank Ruhl Hofshi" panose="00000500000000000000" pitchFamily="50" charset="-79"/>
+            </a:endParaRPr>
+          </a:p>
+          <a:p>
+            <a:pPr marL="514350" indent="-514350">
+              <a:buFont typeface="+mj-lt"/>
+              <a:buAutoNum type="arabicPeriod"/>
+            </a:pPr>
+            <a:r>
+              <a:rPr lang="en-IN" dirty="0">
+                <a:latin typeface="Frank Ruhl Hofshi" panose="00000500000000000000" pitchFamily="50" charset="-79"/>
+                <a:cs typeface="Frank Ruhl Hofshi" panose="00000500000000000000" pitchFamily="50" charset="-79"/>
+              </a:rPr>
+              <a:t>2 </a:t>
+            </a:r>
+            <a:r>
+              <a:rPr lang="en-IN" dirty="0" err="1">
+                <a:latin typeface="Frank Ruhl Hofshi" panose="00000500000000000000" pitchFamily="50" charset="-79"/>
+                <a:cs typeface="Frank Ruhl Hofshi" panose="00000500000000000000" pitchFamily="50" charset="-79"/>
+              </a:rPr>
+              <a:t>ConvNets</a:t>
+            </a:r>
+            <a:r>
+              <a:rPr lang="en-IN" dirty="0">
+                <a:latin typeface="Frank Ruhl Hofshi" panose="00000500000000000000" pitchFamily="50" charset="-79"/>
+                <a:cs typeface="Frank Ruhl Hofshi" panose="00000500000000000000" pitchFamily="50" charset="-79"/>
+              </a:rPr>
+              <a:t> with 128 filters and </a:t>
+            </a:r>
+            <a:r>
+              <a:rPr lang="en-IN" dirty="0" err="1">
+                <a:latin typeface="Frank Ruhl Hofshi" panose="00000500000000000000" pitchFamily="50" charset="-79"/>
+                <a:cs typeface="Frank Ruhl Hofshi" panose="00000500000000000000" pitchFamily="50" charset="-79"/>
+              </a:rPr>
+              <a:t>ReLU</a:t>
+            </a:r>
+            <a:r>
+              <a:rPr lang="en-IN" dirty="0">
+                <a:latin typeface="Frank Ruhl Hofshi" panose="00000500000000000000" pitchFamily="50" charset="-79"/>
+                <a:cs typeface="Frank Ruhl Hofshi" panose="00000500000000000000" pitchFamily="50" charset="-79"/>
+              </a:rPr>
+              <a:t> Activation Function; Output is </a:t>
+            </a:r>
+            <a:r>
+              <a:rPr lang="en-IN" dirty="0" err="1">
+                <a:latin typeface="Frank Ruhl Hofshi" panose="00000500000000000000" pitchFamily="50" charset="-79"/>
+                <a:cs typeface="Frank Ruhl Hofshi" panose="00000500000000000000" pitchFamily="50" charset="-79"/>
+              </a:rPr>
+              <a:t>MaxPooled</a:t>
+            </a:r>
+            <a:endParaRPr lang="en-IN" dirty="0">
+              <a:latin typeface="Frank Ruhl Hofshi" panose="00000500000000000000" pitchFamily="50" charset="-79"/>
+              <a:cs typeface="Frank Ruhl Hofshi" panose="00000500000000000000" pitchFamily="50" charset="-79"/>
+            </a:endParaRPr>
+          </a:p>
+          <a:p>
+            <a:pPr marL="514350" indent="-514350">
+              <a:buFont typeface="+mj-lt"/>
+              <a:buAutoNum type="arabicPeriod"/>
+            </a:pPr>
+            <a:r>
+              <a:rPr lang="en-IN" dirty="0">
+                <a:latin typeface="Frank Ruhl Hofshi" panose="00000500000000000000" pitchFamily="50" charset="-79"/>
+                <a:cs typeface="Frank Ruhl Hofshi" panose="00000500000000000000" pitchFamily="50" charset="-79"/>
+              </a:rPr>
+              <a:t>3 </a:t>
+            </a:r>
+            <a:r>
+              <a:rPr lang="en-IN" dirty="0" err="1">
+                <a:latin typeface="Frank Ruhl Hofshi" panose="00000500000000000000" pitchFamily="50" charset="-79"/>
+                <a:cs typeface="Frank Ruhl Hofshi" panose="00000500000000000000" pitchFamily="50" charset="-79"/>
+              </a:rPr>
+              <a:t>ConvNets</a:t>
+            </a:r>
+            <a:r>
+              <a:rPr lang="en-IN" dirty="0">
+                <a:latin typeface="Frank Ruhl Hofshi" panose="00000500000000000000" pitchFamily="50" charset="-79"/>
+                <a:cs typeface="Frank Ruhl Hofshi" panose="00000500000000000000" pitchFamily="50" charset="-79"/>
+              </a:rPr>
+              <a:t> with 256 filters and </a:t>
+            </a:r>
+            <a:r>
+              <a:rPr lang="en-IN" dirty="0" err="1">
+                <a:latin typeface="Frank Ruhl Hofshi" panose="00000500000000000000" pitchFamily="50" charset="-79"/>
+                <a:cs typeface="Frank Ruhl Hofshi" panose="00000500000000000000" pitchFamily="50" charset="-79"/>
+              </a:rPr>
+              <a:t>ReLU</a:t>
+            </a:r>
+            <a:r>
+              <a:rPr lang="en-IN" dirty="0">
+                <a:latin typeface="Frank Ruhl Hofshi" panose="00000500000000000000" pitchFamily="50" charset="-79"/>
+                <a:cs typeface="Frank Ruhl Hofshi" panose="00000500000000000000" pitchFamily="50" charset="-79"/>
+              </a:rPr>
+              <a:t> Activation Function; Output is </a:t>
+            </a:r>
+            <a:r>
+              <a:rPr lang="en-IN" dirty="0" err="1">
+                <a:latin typeface="Frank Ruhl Hofshi" panose="00000500000000000000" pitchFamily="50" charset="-79"/>
+                <a:cs typeface="Frank Ruhl Hofshi" panose="00000500000000000000" pitchFamily="50" charset="-79"/>
+              </a:rPr>
+              <a:t>MaxPooled</a:t>
+            </a:r>
+            <a:endParaRPr lang="en-IN" dirty="0">
+              <a:latin typeface="Frank Ruhl Hofshi" panose="00000500000000000000" pitchFamily="50" charset="-79"/>
+              <a:cs typeface="Frank Ruhl Hofshi" panose="00000500000000000000" pitchFamily="50" charset="-79"/>
+            </a:endParaRPr>
+          </a:p>
+          <a:p>
+            <a:pPr marL="514350" indent="-514350">
+              <a:buFont typeface="+mj-lt"/>
+              <a:buAutoNum type="arabicPeriod"/>
+            </a:pPr>
+            <a:r>
+              <a:rPr lang="en-IN" dirty="0">
+                <a:latin typeface="Frank Ruhl Hofshi" panose="00000500000000000000" pitchFamily="50" charset="-79"/>
+                <a:cs typeface="Frank Ruhl Hofshi" panose="00000500000000000000" pitchFamily="50" charset="-79"/>
+              </a:rPr>
+              <a:t>3 </a:t>
+            </a:r>
+            <a:r>
+              <a:rPr lang="en-IN" dirty="0" err="1">
+                <a:latin typeface="Frank Ruhl Hofshi" panose="00000500000000000000" pitchFamily="50" charset="-79"/>
+                <a:cs typeface="Frank Ruhl Hofshi" panose="00000500000000000000" pitchFamily="50" charset="-79"/>
+              </a:rPr>
+              <a:t>ConvNets</a:t>
+            </a:r>
+            <a:r>
+              <a:rPr lang="en-IN" dirty="0">
+                <a:latin typeface="Frank Ruhl Hofshi" panose="00000500000000000000" pitchFamily="50" charset="-79"/>
+                <a:cs typeface="Frank Ruhl Hofshi" panose="00000500000000000000" pitchFamily="50" charset="-79"/>
+              </a:rPr>
+              <a:t> with 512 filters and </a:t>
+            </a:r>
+            <a:r>
+              <a:rPr lang="en-IN" dirty="0" err="1">
+                <a:latin typeface="Frank Ruhl Hofshi" panose="00000500000000000000" pitchFamily="50" charset="-79"/>
+                <a:cs typeface="Frank Ruhl Hofshi" panose="00000500000000000000" pitchFamily="50" charset="-79"/>
+              </a:rPr>
+              <a:t>ReLU</a:t>
+            </a:r>
+            <a:r>
+              <a:rPr lang="en-IN" dirty="0">
+                <a:latin typeface="Frank Ruhl Hofshi" panose="00000500000000000000" pitchFamily="50" charset="-79"/>
+                <a:cs typeface="Frank Ruhl Hofshi" panose="00000500000000000000" pitchFamily="50" charset="-79"/>
+              </a:rPr>
+              <a:t> Activation Function; Output is </a:t>
+            </a:r>
+            <a:r>
+              <a:rPr lang="en-IN" dirty="0" err="1">
+                <a:latin typeface="Frank Ruhl Hofshi" panose="00000500000000000000" pitchFamily="50" charset="-79"/>
+                <a:cs typeface="Frank Ruhl Hofshi" panose="00000500000000000000" pitchFamily="50" charset="-79"/>
+              </a:rPr>
+              <a:t>MaxPooled</a:t>
+            </a:r>
+            <a:endParaRPr lang="en-IN" dirty="0">
+              <a:latin typeface="Frank Ruhl Hofshi" panose="00000500000000000000" pitchFamily="50" charset="-79"/>
+              <a:cs typeface="Frank Ruhl Hofshi" panose="00000500000000000000" pitchFamily="50" charset="-79"/>
+            </a:endParaRPr>
+          </a:p>
+          <a:p>
+            <a:pPr marL="514350" indent="-514350">
+              <a:buFont typeface="+mj-lt"/>
+              <a:buAutoNum type="arabicPeriod"/>
+            </a:pPr>
+            <a:r>
+              <a:rPr lang="en-IN" dirty="0">
+                <a:latin typeface="Frank Ruhl Hofshi" panose="00000500000000000000" pitchFamily="50" charset="-79"/>
+                <a:cs typeface="Frank Ruhl Hofshi" panose="00000500000000000000" pitchFamily="50" charset="-79"/>
+              </a:rPr>
+              <a:t>3 </a:t>
+            </a:r>
+            <a:r>
+              <a:rPr lang="en-IN" dirty="0" err="1">
+                <a:latin typeface="Frank Ruhl Hofshi" panose="00000500000000000000" pitchFamily="50" charset="-79"/>
+                <a:cs typeface="Frank Ruhl Hofshi" panose="00000500000000000000" pitchFamily="50" charset="-79"/>
+              </a:rPr>
+              <a:t>ConvNets</a:t>
+            </a:r>
+            <a:r>
+              <a:rPr lang="en-IN" dirty="0">
+                <a:latin typeface="Frank Ruhl Hofshi" panose="00000500000000000000" pitchFamily="50" charset="-79"/>
+                <a:cs typeface="Frank Ruhl Hofshi" panose="00000500000000000000" pitchFamily="50" charset="-79"/>
+              </a:rPr>
+              <a:t> with 512 filters and </a:t>
+            </a:r>
+            <a:r>
+              <a:rPr lang="en-IN" dirty="0" err="1">
+                <a:latin typeface="Frank Ruhl Hofshi" panose="00000500000000000000" pitchFamily="50" charset="-79"/>
+                <a:cs typeface="Frank Ruhl Hofshi" panose="00000500000000000000" pitchFamily="50" charset="-79"/>
+              </a:rPr>
+              <a:t>ReLU</a:t>
+            </a:r>
+            <a:r>
+              <a:rPr lang="en-IN" dirty="0">
+                <a:latin typeface="Frank Ruhl Hofshi" panose="00000500000000000000" pitchFamily="50" charset="-79"/>
+                <a:cs typeface="Frank Ruhl Hofshi" panose="00000500000000000000" pitchFamily="50" charset="-79"/>
+              </a:rPr>
+              <a:t> Activation Function; Output is </a:t>
+            </a:r>
+            <a:r>
+              <a:rPr lang="en-IN" dirty="0" err="1">
+                <a:latin typeface="Frank Ruhl Hofshi" panose="00000500000000000000" pitchFamily="50" charset="-79"/>
+                <a:cs typeface="Frank Ruhl Hofshi" panose="00000500000000000000" pitchFamily="50" charset="-79"/>
+              </a:rPr>
+              <a:t>MaxPooled</a:t>
+            </a:r>
+            <a:endParaRPr lang="en-IN" dirty="0">
+              <a:latin typeface="Frank Ruhl Hofshi" panose="00000500000000000000" pitchFamily="50" charset="-79"/>
+              <a:cs typeface="Frank Ruhl Hofshi" panose="00000500000000000000" pitchFamily="50" charset="-79"/>
+            </a:endParaRPr>
+          </a:p>
+          <a:p>
+            <a:pPr marL="514350" indent="-514350">
+              <a:buFont typeface="+mj-lt"/>
+              <a:buAutoNum type="arabicPeriod"/>
+            </a:pPr>
+            <a:r>
+              <a:rPr lang="en-IN" dirty="0">
+                <a:latin typeface="Frank Ruhl Hofshi" panose="00000500000000000000" pitchFamily="50" charset="-79"/>
+                <a:cs typeface="Frank Ruhl Hofshi" panose="00000500000000000000" pitchFamily="50" charset="-79"/>
+              </a:rPr>
+              <a:t>2 Dense Neural Nets with 4096 units and </a:t>
+            </a:r>
+            <a:r>
+              <a:rPr lang="en-IN" dirty="0" err="1">
+                <a:latin typeface="Frank Ruhl Hofshi" panose="00000500000000000000" pitchFamily="50" charset="-79"/>
+                <a:cs typeface="Frank Ruhl Hofshi" panose="00000500000000000000" pitchFamily="50" charset="-79"/>
+              </a:rPr>
+              <a:t>ReLU</a:t>
+            </a:r>
+            <a:r>
+              <a:rPr lang="en-IN" dirty="0">
+                <a:latin typeface="Frank Ruhl Hofshi" panose="00000500000000000000" pitchFamily="50" charset="-79"/>
+                <a:cs typeface="Frank Ruhl Hofshi" panose="00000500000000000000" pitchFamily="50" charset="-79"/>
+              </a:rPr>
+              <a:t> Activation Function</a:t>
+            </a:r>
+          </a:p>
+          <a:p>
+            <a:pPr marL="514350" indent="-514350">
+              <a:buFont typeface="+mj-lt"/>
+              <a:buAutoNum type="arabicPeriod"/>
+            </a:pPr>
+            <a:r>
+              <a:rPr lang="en-IN" dirty="0">
+                <a:latin typeface="Frank Ruhl Hofshi" panose="00000500000000000000" pitchFamily="50" charset="-79"/>
+                <a:cs typeface="Frank Ruhl Hofshi" panose="00000500000000000000" pitchFamily="50" charset="-79"/>
+              </a:rPr>
+              <a:t>1 Dense Neural Net with 1000 units and SoftMax Activation Function</a:t>
+            </a:r>
+          </a:p>
+          <a:p>
+            <a:pPr marL="514350" indent="-514350">
+              <a:buFont typeface="+mj-lt"/>
+              <a:buAutoNum type="arabicPeriod"/>
+            </a:pPr>
+            <a:endParaRPr lang="en-IN" dirty="0">
+              <a:latin typeface="Frank Ruhl Hofshi" panose="00000500000000000000" pitchFamily="50" charset="-79"/>
+              <a:cs typeface="Frank Ruhl Hofshi" panose="00000500000000000000" pitchFamily="50" charset="-79"/>
+            </a:endParaRPr>
+          </a:p>
+          <a:p>
+            <a:pPr marL="514350" indent="-514350">
+              <a:buFont typeface="+mj-lt"/>
+              <a:buAutoNum type="arabicPeriod"/>
+            </a:pPr>
+            <a:r>
+              <a:rPr lang="en-IN" dirty="0">
+                <a:latin typeface="Frank Ruhl Hofshi" panose="00000500000000000000" pitchFamily="50" charset="-79"/>
+                <a:cs typeface="Frank Ruhl Hofshi" panose="00000500000000000000" pitchFamily="50" charset="-79"/>
+              </a:rPr>
+              <a:t>Output: Category (1000 in the ImageNet Database)</a:t>
+            </a:r>
+          </a:p>
+          <a:p>
+            <a:pPr marL="514350" indent="-514350">
+              <a:buFont typeface="+mj-lt"/>
+              <a:buAutoNum type="arabicPeriod"/>
+            </a:pPr>
+            <a:endParaRPr lang="en-IN" dirty="0"/>
+          </a:p>
+          <a:p>
+            <a:pPr marL="514350" indent="-514350">
+              <a:buFont typeface="+mj-lt"/>
+              <a:buAutoNum type="arabicPeriod"/>
+            </a:pPr>
+            <a:endParaRPr lang="en-IN" dirty="0"/>
+          </a:p>
+          <a:p>
+            <a:pPr marL="514350" indent="-514350">
+              <a:buFont typeface="+mj-lt"/>
+              <a:buAutoNum type="arabicPeriod"/>
+            </a:pPr>
+            <a:endParaRPr lang="en-IN" dirty="0"/>
+          </a:p>
+          <a:p>
+            <a:pPr marL="514350" indent="-514350">
+              <a:buFont typeface="+mj-lt"/>
+              <a:buAutoNum type="arabicPeriod"/>
+            </a:pPr>
+            <a:endParaRPr lang="en-IN" dirty="0"/>
+          </a:p>
+        </p:txBody>
+      </p:sp>
+    </p:spTree>
+    <p:extLst>
+      <p:ext uri="{BB962C8B-B14F-4D97-AF65-F5344CB8AC3E}">
+        <p14:creationId xmlns:p14="http://schemas.microsoft.com/office/powerpoint/2010/main" val="2814224944"/>
+      </p:ext>
+    </p:extLst>
+  </p:cSld>
+  <p:clrMapOvr>
+    <a:masterClrMapping/>
+  </p:clrMapOvr>
+  <p:timing>
+    <p:tnLst>
+      <p:par>
+        <p:cTn id="1" dur="indefinite" restart="never" nodeType="tmRoot">
+          <p:childTnLst>
+            <p:seq concurrent="1" nextAc="seek">
+              <p:cTn id="2" dur="indefinite" nodeType="mainSeq">
+                <p:childTnLst>
+                  <p:par>
+                    <p:cTn id="3" fill="hold">
+                      <p:stCondLst>
+                        <p:cond delay="indefinite"/>
+                      </p:stCondLst>
+                      <p:childTnLst>
+                        <p:par>
+                          <p:cTn id="4" fill="hold">
+                            <p:stCondLst>
+                              <p:cond delay="0"/>
+                            </p:stCondLst>
+                            <p:childTnLst>
+                              <p:par>
+                                <p:cTn id="5" presetID="1" presetClass="entr" presetSubtype="0" fill="hold" grpId="0" nodeType="clickEffect">
+                                  <p:stCondLst>
+                                    <p:cond delay="0"/>
+                                  </p:stCondLst>
+                                  <p:childTnLst>
+                                    <p:set>
+                                      <p:cBhvr>
+                                        <p:cTn id="6" dur="1" fill="hold">
+                                          <p:stCondLst>
+                                            <p:cond delay="0"/>
+                                          </p:stCondLst>
+                                        </p:cTn>
+                                        <p:tgtEl>
+                                          <p:spTgt spid="3">
+                                            <p:txEl>
+                                              <p:pRg st="0" end="0"/>
+                                            </p:txEl>
+                                          </p:spTgt>
+                                        </p:tgtEl>
+                                        <p:attrNameLst>
+                                          <p:attrName>style.visibility</p:attrName>
+                                        </p:attrNameLst>
+                                      </p:cBhvr>
+                                      <p:to>
+                                        <p:strVal val="visible"/>
+                                      </p:to>
+                                    </p:set>
+                                  </p:childTnLst>
+                                </p:cTn>
+                              </p:par>
+                              <p:par>
+                                <p:cTn id="7" presetID="1" presetClass="entr" presetSubtype="0" fill="hold" grpId="0" nodeType="withEffect">
+                                  <p:stCondLst>
+                                    <p:cond delay="0"/>
+                                  </p:stCondLst>
+                                  <p:childTnLst>
+                                    <p:set>
+                                      <p:cBhvr>
+                                        <p:cTn id="8" dur="1" fill="hold">
+                                          <p:stCondLst>
+                                            <p:cond delay="0"/>
+                                          </p:stCondLst>
+                                        </p:cTn>
+                                        <p:tgtEl>
+                                          <p:spTgt spid="3">
+                                            <p:txEl>
+                                              <p:pRg st="10" end="10"/>
+                                            </p:txEl>
+                                          </p:spTgt>
+                                        </p:tgtEl>
+                                        <p:attrNameLst>
+                                          <p:attrName>style.visibility</p:attrName>
+                                        </p:attrNameLst>
+                                      </p:cBhvr>
+                                      <p:to>
+                                        <p:strVal val="visible"/>
+                                      </p:to>
+                                    </p:set>
+                                  </p:childTnLst>
+                                </p:cTn>
+                              </p:par>
+                            </p:childTnLst>
+                          </p:cTn>
+                        </p:par>
+                      </p:childTnLst>
+                    </p:cTn>
+                  </p:par>
+                  <p:par>
+                    <p:cTn id="9" fill="hold">
+                      <p:stCondLst>
+                        <p:cond delay="indefinite"/>
+                      </p:stCondLst>
+                      <p:childTnLst>
+                        <p:par>
+                          <p:cTn id="10" fill="hold">
+                            <p:stCondLst>
+                              <p:cond delay="0"/>
+                            </p:stCondLst>
+                            <p:childTnLst>
+                              <p:par>
+                                <p:cTn id="11" presetID="1" presetClass="entr" presetSubtype="0" fill="hold" grpId="0" nodeType="clickEffect">
+                                  <p:stCondLst>
+                                    <p:cond delay="0"/>
+                                  </p:stCondLst>
+                                  <p:childTnLst>
+                                    <p:set>
+                                      <p:cBhvr>
+                                        <p:cTn id="12" dur="1" fill="hold">
+                                          <p:stCondLst>
+                                            <p:cond delay="0"/>
+                                          </p:stCondLst>
+                                        </p:cTn>
+                                        <p:tgtEl>
+                                          <p:spTgt spid="3">
+                                            <p:txEl>
+                                              <p:pRg st="2" end="2"/>
+                                            </p:txEl>
+                                          </p:spTgt>
+                                        </p:tgtEl>
+                                        <p:attrNameLst>
+                                          <p:attrName>style.visibility</p:attrName>
+                                        </p:attrNameLst>
+                                      </p:cBhvr>
+                                      <p:to>
+                                        <p:strVal val="visible"/>
+                                      </p:to>
+                                    </p:set>
+                                  </p:childTnLst>
+                                </p:cTn>
+                              </p:par>
+                            </p:childTnLst>
+                          </p:cTn>
+                        </p:par>
+                      </p:childTnLst>
+                    </p:cTn>
+                  </p:par>
+                  <p:par>
+                    <p:cTn id="13" fill="hold">
+                      <p:stCondLst>
+                        <p:cond delay="indefinite"/>
+                      </p:stCondLst>
+                      <p:childTnLst>
+                        <p:par>
+                          <p:cTn id="14" fill="hold">
+                            <p:stCondLst>
+                              <p:cond delay="0"/>
+                            </p:stCondLst>
+                            <p:childTnLst>
+                              <p:par>
+                                <p:cTn id="15" presetID="1" presetClass="entr" presetSubtype="0" fill="hold" grpId="0" nodeType="clickEffect">
+                                  <p:stCondLst>
+                                    <p:cond delay="0"/>
+                                  </p:stCondLst>
+                                  <p:childTnLst>
+                                    <p:set>
+                                      <p:cBhvr>
+                                        <p:cTn id="16" dur="1" fill="hold">
+                                          <p:stCondLst>
+                                            <p:cond delay="0"/>
+                                          </p:stCondLst>
+                                        </p:cTn>
+                                        <p:tgtEl>
+                                          <p:spTgt spid="3">
+                                            <p:txEl>
+                                              <p:pRg st="3" end="3"/>
+                                            </p:txEl>
+                                          </p:spTgt>
+                                        </p:tgtEl>
+                                        <p:attrNameLst>
+                                          <p:attrName>style.visibility</p:attrName>
+                                        </p:attrNameLst>
+                                      </p:cBhvr>
+                                      <p:to>
+                                        <p:strVal val="visible"/>
+                                      </p:to>
+                                    </p:set>
+                                  </p:childTnLst>
+                                </p:cTn>
+                              </p:par>
+                            </p:childTnLst>
+                          </p:cTn>
+                        </p:par>
+                      </p:childTnLst>
+                    </p:cTn>
+                  </p:par>
+                  <p:par>
+                    <p:cTn id="17" fill="hold">
+                      <p:stCondLst>
+                        <p:cond delay="indefinite"/>
+                      </p:stCondLst>
+                      <p:childTnLst>
+                        <p:par>
+                          <p:cTn id="18" fill="hold">
+                            <p:stCondLst>
+                              <p:cond delay="0"/>
+                            </p:stCondLst>
+                            <p:childTnLst>
+                              <p:par>
+                                <p:cTn id="19" presetID="1" presetClass="entr" presetSubtype="0" fill="hold" grpId="0" nodeType="clickEffect">
+                                  <p:stCondLst>
+                                    <p:cond delay="0"/>
+                                  </p:stCondLst>
+                                  <p:childTnLst>
+                                    <p:set>
+                                      <p:cBhvr>
+                                        <p:cTn id="20" dur="1" fill="hold">
+                                          <p:stCondLst>
+                                            <p:cond delay="0"/>
+                                          </p:stCondLst>
+                                        </p:cTn>
+                                        <p:tgtEl>
+                                          <p:spTgt spid="3">
+                                            <p:txEl>
+                                              <p:pRg st="4" end="4"/>
+                                            </p:txEl>
+                                          </p:spTgt>
+                                        </p:tgtEl>
+                                        <p:attrNameLst>
+                                          <p:attrName>style.visibility</p:attrName>
+                                        </p:attrNameLst>
+                                      </p:cBhvr>
+                                      <p:to>
+                                        <p:strVal val="visible"/>
+                                      </p:to>
+                                    </p:set>
+                                  </p:childTnLst>
+                                </p:cTn>
+                              </p:par>
+                            </p:childTnLst>
+                          </p:cTn>
+                        </p:par>
+                      </p:childTnLst>
+                    </p:cTn>
+                  </p:par>
+                  <p:par>
+                    <p:cTn id="21" fill="hold">
+                      <p:stCondLst>
+                        <p:cond delay="indefinite"/>
+                      </p:stCondLst>
+                      <p:childTnLst>
+                        <p:par>
+                          <p:cTn id="22" fill="hold">
+                            <p:stCondLst>
+                              <p:cond delay="0"/>
+                            </p:stCondLst>
+                            <p:childTnLst>
+                              <p:par>
+                                <p:cTn id="23" presetID="1" presetClass="entr" presetSubtype="0" fill="hold" grpId="0" nodeType="clickEffect">
+                                  <p:stCondLst>
+                                    <p:cond delay="0"/>
+                                  </p:stCondLst>
+                                  <p:childTnLst>
+                                    <p:set>
+                                      <p:cBhvr>
+                                        <p:cTn id="24" dur="1" fill="hold">
+                                          <p:stCondLst>
+                                            <p:cond delay="0"/>
+                                          </p:stCondLst>
+                                        </p:cTn>
+                                        <p:tgtEl>
+                                          <p:spTgt spid="3">
+                                            <p:txEl>
+                                              <p:pRg st="5" end="5"/>
+                                            </p:txEl>
+                                          </p:spTgt>
+                                        </p:tgtEl>
+                                        <p:attrNameLst>
+                                          <p:attrName>style.visibility</p:attrName>
+                                        </p:attrNameLst>
+                                      </p:cBhvr>
+                                      <p:to>
+                                        <p:strVal val="visible"/>
+                                      </p:to>
+                                    </p:set>
+                                  </p:childTnLst>
+                                </p:cTn>
+                              </p:par>
+                            </p:childTnLst>
+                          </p:cTn>
+                        </p:par>
+                      </p:childTnLst>
+                    </p:cTn>
+                  </p:par>
+                  <p:par>
+                    <p:cTn id="25" fill="hold">
+                      <p:stCondLst>
+                        <p:cond delay="indefinite"/>
+                      </p:stCondLst>
+                      <p:childTnLst>
+                        <p:par>
+                          <p:cTn id="26" fill="hold">
+                            <p:stCondLst>
+                              <p:cond delay="0"/>
+                            </p:stCondLst>
+                            <p:childTnLst>
+                              <p:par>
+                                <p:cTn id="27" presetID="1" presetClass="entr" presetSubtype="0" fill="hold" grpId="0" nodeType="clickEffect">
+                                  <p:stCondLst>
+                                    <p:cond delay="0"/>
+                                  </p:stCondLst>
+                                  <p:childTnLst>
+                                    <p:set>
+                                      <p:cBhvr>
+                                        <p:cTn id="28" dur="1" fill="hold">
+                                          <p:stCondLst>
+                                            <p:cond delay="0"/>
+                                          </p:stCondLst>
+                                        </p:cTn>
+                                        <p:tgtEl>
+                                          <p:spTgt spid="3">
+                                            <p:txEl>
+                                              <p:pRg st="6" end="6"/>
+                                            </p:txEl>
+                                          </p:spTgt>
+                                        </p:tgtEl>
+                                        <p:attrNameLst>
+                                          <p:attrName>style.visibility</p:attrName>
+                                        </p:attrNameLst>
+                                      </p:cBhvr>
+                                      <p:to>
+                                        <p:strVal val="visible"/>
+                                      </p:to>
+                                    </p:set>
+                                  </p:childTnLst>
+                                </p:cTn>
+                              </p:par>
+                            </p:childTnLst>
+                          </p:cTn>
+                        </p:par>
+                      </p:childTnLst>
+                    </p:cTn>
+                  </p:par>
+                  <p:par>
+                    <p:cTn id="29" fill="hold">
+                      <p:stCondLst>
+                        <p:cond delay="indefinite"/>
+                      </p:stCondLst>
+                      <p:childTnLst>
+                        <p:par>
+                          <p:cTn id="30" fill="hold">
+                            <p:stCondLst>
+                              <p:cond delay="0"/>
+                            </p:stCondLst>
+                            <p:childTnLst>
+                              <p:par>
+                                <p:cTn id="31" presetID="1" presetClass="entr" presetSubtype="0" fill="hold" grpId="0" nodeType="clickEffect">
+                                  <p:stCondLst>
+                                    <p:cond delay="0"/>
+                                  </p:stCondLst>
+                                  <p:childTnLst>
+                                    <p:set>
+                                      <p:cBhvr>
+                                        <p:cTn id="32" dur="1" fill="hold">
+                                          <p:stCondLst>
+                                            <p:cond delay="0"/>
+                                          </p:stCondLst>
+                                        </p:cTn>
+                                        <p:tgtEl>
+                                          <p:spTgt spid="3">
+                                            <p:txEl>
+                                              <p:pRg st="7" end="7"/>
+                                            </p:txEl>
+                                          </p:spTgt>
+                                        </p:tgtEl>
+                                        <p:attrNameLst>
+                                          <p:attrName>style.visibility</p:attrName>
+                                        </p:attrNameLst>
+                                      </p:cBhvr>
+                                      <p:to>
+                                        <p:strVal val="visible"/>
+                                      </p:to>
+                                    </p:set>
+                                  </p:childTnLst>
+                                </p:cTn>
+                              </p:par>
+                            </p:childTnLst>
+                          </p:cTn>
+                        </p:par>
+                      </p:childTnLst>
+                    </p:cTn>
+                  </p:par>
+                  <p:par>
+                    <p:cTn id="33" fill="hold">
+                      <p:stCondLst>
+                        <p:cond delay="indefinite"/>
+                      </p:stCondLst>
+                      <p:childTnLst>
+                        <p:par>
+                          <p:cTn id="34" fill="hold">
+                            <p:stCondLst>
+                              <p:cond delay="0"/>
+                            </p:stCondLst>
+                            <p:childTnLst>
+                              <p:par>
+                                <p:cTn id="35" presetID="1" presetClass="entr" presetSubtype="0" fill="hold" grpId="0" nodeType="clickEffect">
+                                  <p:stCondLst>
+                                    <p:cond delay="0"/>
+                                  </p:stCondLst>
+                                  <p:childTnLst>
+                                    <p:set>
+                                      <p:cBhvr>
+                                        <p:cTn id="36" dur="1" fill="hold">
+                                          <p:stCondLst>
+                                            <p:cond delay="0"/>
+                                          </p:stCondLst>
+                                        </p:cTn>
+                                        <p:tgtEl>
+                                          <p:spTgt spid="3">
+                                            <p:txEl>
+                                              <p:pRg st="8" end="8"/>
+                                            </p:txEl>
+                                          </p:spTgt>
+                                        </p:tgtEl>
+                                        <p:attrNameLst>
+                                          <p:attrName>style.visibility</p:attrName>
+                                        </p:attrNameLst>
+                                      </p:cBhvr>
+                                      <p:to>
+                                        <p:strVal val="visible"/>
+                                      </p:to>
+                                    </p:set>
+                                  </p:childTnLst>
+                                </p:cTn>
+                              </p:par>
+                            </p:childTnLst>
+                          </p:cTn>
+                        </p:par>
+                      </p:childTnLst>
+                    </p:cTn>
+                  </p:par>
+                </p:childTnLst>
+              </p:cTn>
+              <p:prevCondLst>
+                <p:cond evt="onPrev" delay="0">
+                  <p:tgtEl>
+                    <p:sldTgt/>
+                  </p:tgtEl>
+                </p:cond>
+              </p:prevCondLst>
+              <p:nextCondLst>
+                <p:cond evt="onNext" delay="0">
+                  <p:tgtEl>
+                    <p:sldTgt/>
+                  </p:tgtEl>
+                </p:cond>
+              </p:nextCondLst>
+            </p:seq>
+          </p:childTnLst>
+        </p:cTn>
+      </p:par>
+    </p:tnLst>
+    <p:bldLst>
+      <p:bldP spid="3" grpId="0" uiExpand="1" build="p"/>
+    </p:bldLst>
+  </p:timing>
+</p:sld>
+</file>
+
+<file path=ppt/slides/slide12.xml><?xml version="1.0" encoding="utf-8"?>
 <p:sld xmlns:a="http://schemas.openxmlformats.org/drawingml/2006/main" xmlns:r="http://schemas.openxmlformats.org/officeDocument/2006/relationships" xmlns:p="http://schemas.openxmlformats.org/presentationml/2006/main">
   <p:cSld>
     <p:spTree>
@@ -4156,10 +5708,14 @@
           <a:lstStyle/>
           <a:p>
             <a:r>
-              <a:rPr lang="en-US" dirty="0"/>
+              <a:rPr lang="en-US" dirty="0">
+                <a:latin typeface="Garamond" panose="02020404030301010803" pitchFamily="18" charset="0"/>
+              </a:rPr>
               <a:t>Challenges of VGG16</a:t>
             </a:r>
-            <a:endParaRPr lang="en-IN" dirty="0"/>
+            <a:endParaRPr lang="en-IN" dirty="0">
+              <a:latin typeface="Garamond" panose="02020404030301010803" pitchFamily="18" charset="0"/>
+            </a:endParaRPr>
           </a:p>
         </p:txBody>
       </p:sp>
@@ -4185,16 +5741,25 @@
           <a:lstStyle/>
           <a:p>
             <a:r>
-              <a:rPr lang="en-US" dirty="0"/>
+              <a:rPr lang="en-US" dirty="0">
+                <a:latin typeface="Frank Ruhl Hofshi" panose="00000500000000000000" pitchFamily="50" charset="-79"/>
+                <a:cs typeface="Frank Ruhl Hofshi" panose="00000500000000000000" pitchFamily="50" charset="-79"/>
+              </a:rPr>
               <a:t>Slow to Train</a:t>
             </a:r>
           </a:p>
           <a:p>
             <a:r>
-              <a:rPr lang="en-US" dirty="0"/>
+              <a:rPr lang="en-US" dirty="0">
+                <a:latin typeface="Frank Ruhl Hofshi" panose="00000500000000000000" pitchFamily="50" charset="-79"/>
+                <a:cs typeface="Frank Ruhl Hofshi" panose="00000500000000000000" pitchFamily="50" charset="-79"/>
+              </a:rPr>
               <a:t>Big Size</a:t>
             </a:r>
-            <a:endParaRPr lang="en-IN" dirty="0"/>
+            <a:endParaRPr lang="en-IN" dirty="0">
+              <a:latin typeface="Frank Ruhl Hofshi" panose="00000500000000000000" pitchFamily="50" charset="-79"/>
+              <a:cs typeface="Frank Ruhl Hofshi" panose="00000500000000000000" pitchFamily="50" charset="-79"/>
+            </a:endParaRPr>
           </a:p>
         </p:txBody>
       </p:sp>
@@ -4208,736 +5773,141 @@
   <p:clrMapOvr>
     <a:masterClrMapping/>
   </p:clrMapOvr>
-</p:sld>
-</file>
-
-<file path=ppt/slides/slide12.xml><?xml version="1.0" encoding="utf-8"?>
-<p:sld xmlns:a="http://schemas.openxmlformats.org/drawingml/2006/main" xmlns:r="http://schemas.openxmlformats.org/officeDocument/2006/relationships" xmlns:p="http://schemas.openxmlformats.org/presentationml/2006/main">
-  <p:cSld>
-    <p:spTree>
-      <p:nvGrpSpPr>
-        <p:cNvPr id="1" name=""/>
-        <p:cNvGrpSpPr/>
-        <p:nvPr/>
-      </p:nvGrpSpPr>
-      <p:grpSpPr>
-        <a:xfrm>
-          <a:off x="0" y="0"/>
-          <a:ext cx="0" cy="0"/>
-          <a:chOff x="0" y="0"/>
-          <a:chExt cx="0" cy="0"/>
-        </a:xfrm>
-      </p:grpSpPr>
-      <p:sp>
-        <p:nvSpPr>
-          <p:cNvPr id="2" name="Title 1">
-            <a:extLst>
-              <a:ext uri="{FF2B5EF4-FFF2-40B4-BE49-F238E27FC236}">
-                <a16:creationId xmlns:a16="http://schemas.microsoft.com/office/drawing/2014/main" id="{9166B2DA-65B0-4CCB-A4D1-561F9792A84A}"/>
-              </a:ext>
-            </a:extLst>
-          </p:cNvPr>
-          <p:cNvSpPr>
-            <a:spLocks noGrp="1"/>
-          </p:cNvSpPr>
-          <p:nvPr>
-            <p:ph type="title"/>
-          </p:nvPr>
-        </p:nvSpPr>
-        <p:spPr/>
-        <p:txBody>
-          <a:bodyPr/>
-          <a:lstStyle/>
-          <a:p>
-            <a:r>
-              <a:rPr lang="en-US" dirty="0"/>
-              <a:t>The Architecture of VGG</a:t>
-            </a:r>
-            <a:endParaRPr lang="en-IN" dirty="0"/>
-          </a:p>
-        </p:txBody>
-      </p:sp>
-      <p:sp>
-        <p:nvSpPr>
-          <p:cNvPr id="6" name="Content Placeholder 5">
-            <a:extLst>
-              <a:ext uri="{FF2B5EF4-FFF2-40B4-BE49-F238E27FC236}">
-                <a16:creationId xmlns:a16="http://schemas.microsoft.com/office/drawing/2014/main" id="{60E45A0A-05A8-47C5-AFCA-94F0FEA1E6EF}"/>
-              </a:ext>
-            </a:extLst>
-          </p:cNvPr>
-          <p:cNvSpPr>
-            <a:spLocks noGrp="1"/>
-          </p:cNvSpPr>
-          <p:nvPr>
-            <p:ph idx="1"/>
-          </p:nvPr>
-        </p:nvSpPr>
-        <p:spPr>
-          <a:xfrm>
-            <a:off x="838200" y="1690688"/>
-            <a:ext cx="10515600" cy="4351338"/>
-          </a:xfrm>
-        </p:spPr>
-        <p:txBody>
-          <a:bodyPr>
-            <a:normAutofit fontScale="92500" lnSpcReduction="10000"/>
-          </a:bodyPr>
-          <a:lstStyle/>
-          <a:p>
-            <a:pPr marL="342900" indent="-342900">
-              <a:buFont typeface="+mj-lt"/>
-              <a:buAutoNum type="arabicPeriod"/>
-            </a:pPr>
-            <a:r>
-              <a:rPr lang="en-IN" sz="1800" dirty="0">
-                <a:solidFill>
-                  <a:srgbClr val="000000"/>
-                </a:solidFill>
-                <a:effectLst/>
-                <a:latin typeface="Ubuntu Mono" panose="020B0509030602030204" pitchFamily="49" charset="0"/>
-                <a:ea typeface="Times New Roman" panose="02020603050405020304" pitchFamily="18" charset="0"/>
-              </a:rPr>
-              <a:t>import </a:t>
-            </a:r>
-            <a:r>
-              <a:rPr lang="en-IN" sz="1800" dirty="0" err="1">
-                <a:solidFill>
-                  <a:srgbClr val="000000"/>
-                </a:solidFill>
-                <a:effectLst/>
-                <a:latin typeface="Ubuntu Mono" panose="020B0509030602030204" pitchFamily="49" charset="0"/>
-                <a:ea typeface="Times New Roman" panose="02020603050405020304" pitchFamily="18" charset="0"/>
-              </a:rPr>
-              <a:t>keras</a:t>
-            </a:r>
-            <a:endParaRPr lang="en-IN" sz="1800" dirty="0">
-              <a:latin typeface="Times New Roman" panose="02020603050405020304" pitchFamily="18" charset="0"/>
-              <a:ea typeface="Times New Roman" panose="02020603050405020304" pitchFamily="18" charset="0"/>
-            </a:endParaRPr>
-          </a:p>
-          <a:p>
-            <a:pPr marL="342900" indent="-342900">
-              <a:buFont typeface="+mj-lt"/>
-              <a:buAutoNum type="arabicPeriod"/>
-            </a:pPr>
-            <a:r>
-              <a:rPr lang="en-IN" sz="1800" dirty="0">
-                <a:solidFill>
-                  <a:srgbClr val="000000"/>
-                </a:solidFill>
-                <a:effectLst/>
-                <a:latin typeface="Ubuntu Mono" panose="020B0509030602030204" pitchFamily="49" charset="0"/>
-                <a:ea typeface="Times New Roman" panose="02020603050405020304" pitchFamily="18" charset="0"/>
-              </a:rPr>
-              <a:t>import </a:t>
-            </a:r>
-            <a:r>
-              <a:rPr lang="en-IN" sz="1800" dirty="0" err="1">
-                <a:solidFill>
-                  <a:srgbClr val="000000"/>
-                </a:solidFill>
-                <a:effectLst/>
-                <a:latin typeface="Ubuntu Mono" panose="020B0509030602030204" pitchFamily="49" charset="0"/>
-                <a:ea typeface="Times New Roman" panose="02020603050405020304" pitchFamily="18" charset="0"/>
-              </a:rPr>
-              <a:t>os</a:t>
-            </a:r>
-            <a:endParaRPr lang="en-IN" sz="1800" dirty="0">
-              <a:solidFill>
-                <a:srgbClr val="000000"/>
-              </a:solidFill>
-              <a:effectLst/>
-              <a:latin typeface="Ubuntu Mono" panose="020B0509030602030204" pitchFamily="49" charset="0"/>
-              <a:ea typeface="Times New Roman" panose="02020603050405020304" pitchFamily="18" charset="0"/>
-            </a:endParaRPr>
-          </a:p>
-          <a:p>
-            <a:pPr marL="342900" indent="-342900">
-              <a:buFont typeface="+mj-lt"/>
-              <a:buAutoNum type="arabicPeriod"/>
-            </a:pPr>
-            <a:endParaRPr lang="en-IN" sz="1800" dirty="0">
-              <a:solidFill>
-                <a:srgbClr val="000000"/>
-              </a:solidFill>
-              <a:effectLst/>
-              <a:latin typeface="Ubuntu Mono" panose="020B0509030602030204" pitchFamily="49" charset="0"/>
-              <a:ea typeface="Times New Roman" panose="02020603050405020304" pitchFamily="18" charset="0"/>
-            </a:endParaRPr>
-          </a:p>
-          <a:p>
-            <a:pPr marL="342900" indent="-342900">
-              <a:buFont typeface="+mj-lt"/>
-              <a:buAutoNum type="arabicPeriod"/>
-            </a:pPr>
-            <a:r>
-              <a:rPr lang="en-IN" sz="1800" dirty="0">
-                <a:solidFill>
-                  <a:srgbClr val="000000"/>
-                </a:solidFill>
-                <a:effectLst/>
-                <a:latin typeface="Ubuntu Mono" panose="020B0509030602030204" pitchFamily="49" charset="0"/>
-                <a:ea typeface="Times New Roman" panose="02020603050405020304" pitchFamily="18" charset="0"/>
-              </a:rPr>
-              <a:t>from </a:t>
-            </a:r>
-            <a:r>
-              <a:rPr lang="en-IN" sz="1800" dirty="0" err="1">
-                <a:solidFill>
-                  <a:srgbClr val="000000"/>
-                </a:solidFill>
-                <a:effectLst/>
-                <a:latin typeface="Ubuntu Mono" panose="020B0509030602030204" pitchFamily="49" charset="0"/>
-                <a:ea typeface="Times New Roman" panose="02020603050405020304" pitchFamily="18" charset="0"/>
-              </a:rPr>
-              <a:t>keras.models</a:t>
-            </a:r>
-            <a:r>
-              <a:rPr lang="en-IN" sz="1800" dirty="0">
-                <a:solidFill>
-                  <a:srgbClr val="000000"/>
-                </a:solidFill>
-                <a:effectLst/>
-                <a:latin typeface="Ubuntu Mono" panose="020B0509030602030204" pitchFamily="49" charset="0"/>
-                <a:ea typeface="Times New Roman" panose="02020603050405020304" pitchFamily="18" charset="0"/>
-              </a:rPr>
-              <a:t> import Sequential</a:t>
-            </a:r>
-            <a:endParaRPr lang="en-IN" sz="1800" dirty="0">
-              <a:effectLst/>
-              <a:latin typeface="Times New Roman" panose="02020603050405020304" pitchFamily="18" charset="0"/>
-              <a:ea typeface="Times New Roman" panose="02020603050405020304" pitchFamily="18" charset="0"/>
-            </a:endParaRPr>
-          </a:p>
-          <a:p>
-            <a:pPr marL="342900" indent="-342900">
-              <a:buFont typeface="+mj-lt"/>
-              <a:buAutoNum type="arabicPeriod"/>
-            </a:pPr>
-            <a:r>
-              <a:rPr lang="en-IN" sz="1800" dirty="0">
-                <a:solidFill>
-                  <a:srgbClr val="000000"/>
-                </a:solidFill>
-                <a:effectLst/>
-                <a:latin typeface="Ubuntu Mono" panose="020B0509030602030204" pitchFamily="49" charset="0"/>
-                <a:ea typeface="Times New Roman" panose="02020603050405020304" pitchFamily="18" charset="0"/>
-              </a:rPr>
-              <a:t>from </a:t>
-            </a:r>
-            <a:r>
-              <a:rPr lang="en-IN" sz="1800" dirty="0" err="1">
-                <a:solidFill>
-                  <a:srgbClr val="000000"/>
-                </a:solidFill>
-                <a:effectLst/>
-                <a:latin typeface="Ubuntu Mono" panose="020B0509030602030204" pitchFamily="49" charset="0"/>
-                <a:ea typeface="Times New Roman" panose="02020603050405020304" pitchFamily="18" charset="0"/>
-              </a:rPr>
-              <a:t>keras.layers</a:t>
-            </a:r>
-            <a:r>
-              <a:rPr lang="en-IN" sz="1800" dirty="0">
-                <a:solidFill>
-                  <a:srgbClr val="000000"/>
-                </a:solidFill>
-                <a:effectLst/>
-                <a:latin typeface="Ubuntu Mono" panose="020B0509030602030204" pitchFamily="49" charset="0"/>
-                <a:ea typeface="Times New Roman" panose="02020603050405020304" pitchFamily="18" charset="0"/>
-              </a:rPr>
-              <a:t> import Dense, Conv2D, MaxPool2D, Flatten</a:t>
-            </a:r>
-            <a:endParaRPr lang="en-IN" sz="1800" dirty="0">
-              <a:effectLst/>
-              <a:latin typeface="Times New Roman" panose="02020603050405020304" pitchFamily="18" charset="0"/>
-              <a:ea typeface="Times New Roman" panose="02020603050405020304" pitchFamily="18" charset="0"/>
-            </a:endParaRPr>
-          </a:p>
-          <a:p>
-            <a:pPr marL="342900" indent="-342900">
-              <a:buFont typeface="+mj-lt"/>
-              <a:buAutoNum type="arabicPeriod"/>
-            </a:pPr>
-            <a:r>
-              <a:rPr lang="en-IN" sz="1800" dirty="0">
-                <a:solidFill>
-                  <a:srgbClr val="000000"/>
-                </a:solidFill>
-                <a:effectLst/>
-                <a:latin typeface="Ubuntu Mono" panose="020B0509030602030204" pitchFamily="49" charset="0"/>
-                <a:ea typeface="Times New Roman" panose="02020603050405020304" pitchFamily="18" charset="0"/>
-              </a:rPr>
-              <a:t>from </a:t>
-            </a:r>
-            <a:r>
-              <a:rPr lang="en-IN" sz="1800" dirty="0" err="1">
-                <a:solidFill>
-                  <a:srgbClr val="000000"/>
-                </a:solidFill>
-                <a:effectLst/>
-                <a:latin typeface="Ubuntu Mono" panose="020B0509030602030204" pitchFamily="49" charset="0"/>
-                <a:ea typeface="Times New Roman" panose="02020603050405020304" pitchFamily="18" charset="0"/>
-              </a:rPr>
-              <a:t>keras.preprocessing.image</a:t>
-            </a:r>
-            <a:r>
-              <a:rPr lang="en-IN" sz="1800" dirty="0">
-                <a:solidFill>
-                  <a:srgbClr val="000000"/>
-                </a:solidFill>
-                <a:effectLst/>
-                <a:latin typeface="Ubuntu Mono" panose="020B0509030602030204" pitchFamily="49" charset="0"/>
-                <a:ea typeface="Times New Roman" panose="02020603050405020304" pitchFamily="18" charset="0"/>
-              </a:rPr>
-              <a:t> import </a:t>
-            </a:r>
-            <a:r>
-              <a:rPr lang="en-IN" sz="1800" dirty="0" err="1">
-                <a:solidFill>
-                  <a:srgbClr val="000000"/>
-                </a:solidFill>
-                <a:effectLst/>
-                <a:latin typeface="Ubuntu Mono" panose="020B0509030602030204" pitchFamily="49" charset="0"/>
-                <a:ea typeface="Times New Roman" panose="02020603050405020304" pitchFamily="18" charset="0"/>
-              </a:rPr>
-              <a:t>ImageDataGenerator</a:t>
-            </a:r>
-            <a:endParaRPr lang="en-IN" sz="1800" dirty="0">
-              <a:effectLst/>
-              <a:latin typeface="Times New Roman" panose="02020603050405020304" pitchFamily="18" charset="0"/>
-              <a:ea typeface="Times New Roman" panose="02020603050405020304" pitchFamily="18" charset="0"/>
-            </a:endParaRPr>
-          </a:p>
-          <a:p>
-            <a:pPr marL="342900" indent="-342900">
-              <a:buFont typeface="+mj-lt"/>
-              <a:buAutoNum type="arabicPeriod"/>
-            </a:pPr>
-            <a:r>
-              <a:rPr lang="en-IN" sz="1800" dirty="0">
-                <a:solidFill>
-                  <a:srgbClr val="000000"/>
-                </a:solidFill>
-                <a:effectLst/>
-                <a:latin typeface="Ubuntu Mono" panose="020B0509030602030204" pitchFamily="49" charset="0"/>
-                <a:ea typeface="Times New Roman" panose="02020603050405020304" pitchFamily="18" charset="0"/>
-              </a:rPr>
-              <a:t>from </a:t>
-            </a:r>
-            <a:r>
-              <a:rPr lang="en-IN" sz="1800" dirty="0" err="1">
-                <a:solidFill>
-                  <a:srgbClr val="000000"/>
-                </a:solidFill>
-                <a:effectLst/>
-                <a:latin typeface="Ubuntu Mono" panose="020B0509030602030204" pitchFamily="49" charset="0"/>
-                <a:ea typeface="Times New Roman" panose="02020603050405020304" pitchFamily="18" charset="0"/>
-              </a:rPr>
-              <a:t>keras.callbacks</a:t>
-            </a:r>
-            <a:r>
-              <a:rPr lang="en-IN" sz="1800" dirty="0">
-                <a:solidFill>
-                  <a:srgbClr val="000000"/>
-                </a:solidFill>
-                <a:effectLst/>
-                <a:latin typeface="Ubuntu Mono" panose="020B0509030602030204" pitchFamily="49" charset="0"/>
-                <a:ea typeface="Times New Roman" panose="02020603050405020304" pitchFamily="18" charset="0"/>
-              </a:rPr>
-              <a:t> import </a:t>
-            </a:r>
-            <a:r>
-              <a:rPr lang="en-IN" sz="1800" dirty="0" err="1">
-                <a:solidFill>
-                  <a:srgbClr val="000000"/>
-                </a:solidFill>
-                <a:effectLst/>
-                <a:latin typeface="Ubuntu Mono" panose="020B0509030602030204" pitchFamily="49" charset="0"/>
-                <a:ea typeface="Times New Roman" panose="02020603050405020304" pitchFamily="18" charset="0"/>
-              </a:rPr>
-              <a:t>ModelCheckpoint</a:t>
-            </a:r>
-            <a:r>
-              <a:rPr lang="en-IN" sz="1800" dirty="0">
-                <a:solidFill>
-                  <a:srgbClr val="000000"/>
-                </a:solidFill>
-                <a:effectLst/>
-                <a:latin typeface="Ubuntu Mono" panose="020B0509030602030204" pitchFamily="49" charset="0"/>
-                <a:ea typeface="Times New Roman" panose="02020603050405020304" pitchFamily="18" charset="0"/>
-              </a:rPr>
-              <a:t>, </a:t>
-            </a:r>
-            <a:r>
-              <a:rPr lang="en-IN" sz="1800" dirty="0" err="1">
-                <a:solidFill>
-                  <a:srgbClr val="000000"/>
-                </a:solidFill>
-                <a:effectLst/>
-                <a:latin typeface="Ubuntu Mono" panose="020B0509030602030204" pitchFamily="49" charset="0"/>
-                <a:ea typeface="Times New Roman" panose="02020603050405020304" pitchFamily="18" charset="0"/>
-              </a:rPr>
-              <a:t>EarlyStopping</a:t>
-            </a:r>
-            <a:endParaRPr lang="en-IN" sz="1800" dirty="0">
-              <a:effectLst/>
-              <a:latin typeface="Times New Roman" panose="02020603050405020304" pitchFamily="18" charset="0"/>
-              <a:ea typeface="Times New Roman" panose="02020603050405020304" pitchFamily="18" charset="0"/>
-            </a:endParaRPr>
-          </a:p>
-          <a:p>
-            <a:pPr marL="342900" indent="-342900">
-              <a:buFont typeface="+mj-lt"/>
-              <a:buAutoNum type="arabicPeriod"/>
-            </a:pPr>
-            <a:r>
-              <a:rPr lang="en-IN" sz="1800" dirty="0">
-                <a:solidFill>
-                  <a:srgbClr val="000000"/>
-                </a:solidFill>
-                <a:effectLst/>
-                <a:latin typeface="Ubuntu Mono" panose="020B0509030602030204" pitchFamily="49" charset="0"/>
-                <a:ea typeface="Times New Roman" panose="02020603050405020304" pitchFamily="18" charset="0"/>
-              </a:rPr>
-              <a:t>from </a:t>
-            </a:r>
-            <a:r>
-              <a:rPr lang="en-IN" sz="1800" dirty="0" err="1">
-                <a:solidFill>
-                  <a:srgbClr val="000000"/>
-                </a:solidFill>
-                <a:effectLst/>
-                <a:latin typeface="Ubuntu Mono" panose="020B0509030602030204" pitchFamily="49" charset="0"/>
-                <a:ea typeface="Times New Roman" panose="02020603050405020304" pitchFamily="18" charset="0"/>
-              </a:rPr>
-              <a:t>keras.preprocessing</a:t>
-            </a:r>
-            <a:r>
-              <a:rPr lang="en-IN" sz="1800" dirty="0">
-                <a:solidFill>
-                  <a:srgbClr val="000000"/>
-                </a:solidFill>
-                <a:effectLst/>
-                <a:latin typeface="Ubuntu Mono" panose="020B0509030602030204" pitchFamily="49" charset="0"/>
-                <a:ea typeface="Times New Roman" panose="02020603050405020304" pitchFamily="18" charset="0"/>
-              </a:rPr>
-              <a:t> import image</a:t>
-            </a:r>
-            <a:endParaRPr lang="en-IN" sz="1800" dirty="0">
-              <a:effectLst/>
-              <a:latin typeface="Times New Roman" panose="02020603050405020304" pitchFamily="18" charset="0"/>
-              <a:ea typeface="Times New Roman" panose="02020603050405020304" pitchFamily="18" charset="0"/>
-            </a:endParaRPr>
-          </a:p>
-          <a:p>
-            <a:pPr marL="342900" indent="-342900">
-              <a:buFont typeface="+mj-lt"/>
-              <a:buAutoNum type="arabicPeriod"/>
-            </a:pPr>
-            <a:r>
-              <a:rPr lang="en-IN" sz="1800" dirty="0">
-                <a:solidFill>
-                  <a:srgbClr val="000000"/>
-                </a:solidFill>
-                <a:effectLst/>
-                <a:latin typeface="Ubuntu Mono" panose="020B0509030602030204" pitchFamily="49" charset="0"/>
-                <a:ea typeface="Times New Roman" panose="02020603050405020304" pitchFamily="18" charset="0"/>
-              </a:rPr>
-              <a:t>from </a:t>
-            </a:r>
-            <a:r>
-              <a:rPr lang="en-IN" sz="1800" dirty="0" err="1">
-                <a:solidFill>
-                  <a:srgbClr val="000000"/>
-                </a:solidFill>
-                <a:effectLst/>
-                <a:latin typeface="Ubuntu Mono" panose="020B0509030602030204" pitchFamily="49" charset="0"/>
-                <a:ea typeface="Times New Roman" panose="02020603050405020304" pitchFamily="18" charset="0"/>
-              </a:rPr>
-              <a:t>keras.models</a:t>
-            </a:r>
-            <a:r>
-              <a:rPr lang="en-IN" sz="1800" dirty="0">
-                <a:solidFill>
-                  <a:srgbClr val="000000"/>
-                </a:solidFill>
-                <a:effectLst/>
-                <a:latin typeface="Ubuntu Mono" panose="020B0509030602030204" pitchFamily="49" charset="0"/>
-                <a:ea typeface="Times New Roman" panose="02020603050405020304" pitchFamily="18" charset="0"/>
-              </a:rPr>
-              <a:t> import </a:t>
-            </a:r>
-            <a:r>
-              <a:rPr lang="en-IN" sz="1800" dirty="0" err="1">
-                <a:solidFill>
-                  <a:srgbClr val="000000"/>
-                </a:solidFill>
-                <a:effectLst/>
-                <a:latin typeface="Ubuntu Mono" panose="020B0509030602030204" pitchFamily="49" charset="0"/>
-                <a:ea typeface="Times New Roman" panose="02020603050405020304" pitchFamily="18" charset="0"/>
-              </a:rPr>
-              <a:t>load_model</a:t>
-            </a:r>
-            <a:endParaRPr lang="en-IN" sz="1800" dirty="0">
-              <a:effectLst/>
-              <a:latin typeface="Times New Roman" panose="02020603050405020304" pitchFamily="18" charset="0"/>
-              <a:ea typeface="Times New Roman" panose="02020603050405020304" pitchFamily="18" charset="0"/>
-            </a:endParaRPr>
-          </a:p>
-          <a:p>
-            <a:pPr marL="342900" indent="-342900">
-              <a:buFont typeface="+mj-lt"/>
-              <a:buAutoNum type="arabicPeriod"/>
-            </a:pPr>
-            <a:r>
-              <a:rPr lang="en-IN" sz="1800" dirty="0">
-                <a:effectLst/>
-                <a:latin typeface="Ubuntu Mono" panose="020B0509030602030204" pitchFamily="49" charset="0"/>
-                <a:ea typeface="Times New Roman" panose="02020603050405020304" pitchFamily="18" charset="0"/>
-                <a:cs typeface="Times New Roman" panose="02020603050405020304" pitchFamily="18" charset="0"/>
-              </a:rPr>
-              <a:t>from </a:t>
-            </a:r>
-            <a:r>
-              <a:rPr lang="en-IN" sz="1800" dirty="0" err="1">
-                <a:effectLst/>
-                <a:latin typeface="Ubuntu Mono" panose="020B0509030602030204" pitchFamily="49" charset="0"/>
-                <a:ea typeface="Times New Roman" panose="02020603050405020304" pitchFamily="18" charset="0"/>
-                <a:cs typeface="Times New Roman" panose="02020603050405020304" pitchFamily="18" charset="0"/>
-              </a:rPr>
-              <a:t>keras.optimizers</a:t>
-            </a:r>
-            <a:r>
-              <a:rPr lang="en-IN" sz="1800" dirty="0">
-                <a:effectLst/>
-                <a:latin typeface="Ubuntu Mono" panose="020B0509030602030204" pitchFamily="49" charset="0"/>
-                <a:ea typeface="Times New Roman" panose="02020603050405020304" pitchFamily="18" charset="0"/>
-                <a:cs typeface="Times New Roman" panose="02020603050405020304" pitchFamily="18" charset="0"/>
-              </a:rPr>
-              <a:t> import Adam</a:t>
-            </a:r>
-          </a:p>
-          <a:p>
-            <a:pPr marL="342900" indent="-342900">
-              <a:buFont typeface="+mj-lt"/>
-              <a:buAutoNum type="arabicPeriod"/>
-            </a:pPr>
-            <a:endParaRPr lang="en-IN" sz="1800" dirty="0">
-              <a:latin typeface="Ubuntu Mono" panose="020B0509030602030204" pitchFamily="49" charset="0"/>
-              <a:ea typeface="Times New Roman" panose="02020603050405020304" pitchFamily="18" charset="0"/>
-              <a:cs typeface="Times New Roman" panose="02020603050405020304" pitchFamily="18" charset="0"/>
-            </a:endParaRPr>
-          </a:p>
-          <a:p>
-            <a:pPr marL="342900" indent="-342900">
-              <a:buFont typeface="+mj-lt"/>
-              <a:buAutoNum type="arabicPeriod"/>
-            </a:pPr>
-            <a:r>
-              <a:rPr lang="en-IN" sz="1800" dirty="0">
-                <a:solidFill>
-                  <a:srgbClr val="000000"/>
-                </a:solidFill>
-                <a:effectLst/>
-                <a:latin typeface="Ubuntu Mono" panose="020B0509030602030204" pitchFamily="49" charset="0"/>
-                <a:ea typeface="Times New Roman" panose="02020603050405020304" pitchFamily="18" charset="0"/>
-              </a:rPr>
-              <a:t>import </a:t>
-            </a:r>
-            <a:r>
-              <a:rPr lang="en-IN" sz="1800" dirty="0" err="1">
-                <a:solidFill>
-                  <a:srgbClr val="000000"/>
-                </a:solidFill>
-                <a:effectLst/>
-                <a:latin typeface="Ubuntu Mono" panose="020B0509030602030204" pitchFamily="49" charset="0"/>
-                <a:ea typeface="Times New Roman" panose="02020603050405020304" pitchFamily="18" charset="0"/>
-              </a:rPr>
-              <a:t>numpy</a:t>
-            </a:r>
-            <a:r>
-              <a:rPr lang="en-IN" sz="1800" dirty="0">
-                <a:solidFill>
-                  <a:srgbClr val="000000"/>
-                </a:solidFill>
-                <a:effectLst/>
-                <a:latin typeface="Ubuntu Mono" panose="020B0509030602030204" pitchFamily="49" charset="0"/>
-                <a:ea typeface="Times New Roman" panose="02020603050405020304" pitchFamily="18" charset="0"/>
-              </a:rPr>
-              <a:t> as np</a:t>
-            </a:r>
-            <a:endParaRPr lang="en-IN" sz="1800" dirty="0">
-              <a:effectLst/>
-              <a:latin typeface="Times New Roman" panose="02020603050405020304" pitchFamily="18" charset="0"/>
-              <a:ea typeface="Times New Roman" panose="02020603050405020304" pitchFamily="18" charset="0"/>
-            </a:endParaRPr>
-          </a:p>
-          <a:p>
-            <a:pPr marL="342900" indent="-342900">
-              <a:buFont typeface="+mj-lt"/>
-              <a:buAutoNum type="arabicPeriod"/>
-            </a:pPr>
-            <a:r>
-              <a:rPr lang="en-IN" sz="1800" dirty="0">
-                <a:solidFill>
-                  <a:srgbClr val="000000"/>
-                </a:solidFill>
-                <a:effectLst/>
-                <a:latin typeface="Ubuntu Mono" panose="020B0509030602030204" pitchFamily="49" charset="0"/>
-                <a:ea typeface="Times New Roman" panose="02020603050405020304" pitchFamily="18" charset="0"/>
-              </a:rPr>
-              <a:t>import </a:t>
-            </a:r>
-            <a:r>
-              <a:rPr lang="en-IN" sz="1800" dirty="0" err="1">
-                <a:solidFill>
-                  <a:srgbClr val="000000"/>
-                </a:solidFill>
-                <a:effectLst/>
-                <a:latin typeface="Ubuntu Mono" panose="020B0509030602030204" pitchFamily="49" charset="0"/>
-                <a:ea typeface="Times New Roman" panose="02020603050405020304" pitchFamily="18" charset="0"/>
-              </a:rPr>
-              <a:t>matplotlib.pyplot</a:t>
-            </a:r>
-            <a:r>
-              <a:rPr lang="en-IN" sz="1800" dirty="0">
-                <a:solidFill>
-                  <a:srgbClr val="000000"/>
-                </a:solidFill>
-                <a:effectLst/>
-                <a:latin typeface="Ubuntu Mono" panose="020B0509030602030204" pitchFamily="49" charset="0"/>
-                <a:ea typeface="Times New Roman" panose="02020603050405020304" pitchFamily="18" charset="0"/>
-              </a:rPr>
-              <a:t> as </a:t>
-            </a:r>
-            <a:r>
-              <a:rPr lang="en-IN" sz="1800" dirty="0" err="1">
-                <a:solidFill>
-                  <a:srgbClr val="000000"/>
-                </a:solidFill>
-                <a:effectLst/>
-                <a:latin typeface="Ubuntu Mono" panose="020B0509030602030204" pitchFamily="49" charset="0"/>
-                <a:ea typeface="Times New Roman" panose="02020603050405020304" pitchFamily="18" charset="0"/>
-              </a:rPr>
-              <a:t>plt</a:t>
-            </a:r>
-            <a:endParaRPr lang="en-IN" sz="1800" dirty="0">
-              <a:effectLst/>
-              <a:latin typeface="Times New Roman" panose="02020603050405020304" pitchFamily="18" charset="0"/>
-              <a:ea typeface="Times New Roman" panose="02020603050405020304" pitchFamily="18" charset="0"/>
-            </a:endParaRPr>
-          </a:p>
-          <a:p>
-            <a:pPr marL="342900" indent="-342900">
-              <a:buFont typeface="+mj-lt"/>
-              <a:buAutoNum type="arabicPeriod"/>
-            </a:pPr>
-            <a:endParaRPr lang="en-IN" sz="1800" dirty="0">
-              <a:effectLst/>
-              <a:latin typeface="Times New Roman" panose="02020603050405020304" pitchFamily="18" charset="0"/>
-              <a:ea typeface="Times New Roman" panose="02020603050405020304" pitchFamily="18" charset="0"/>
-            </a:endParaRPr>
-          </a:p>
-          <a:p>
-            <a:endParaRPr lang="en-IN" dirty="0"/>
-          </a:p>
-        </p:txBody>
-      </p:sp>
-    </p:spTree>
-    <p:extLst>
-      <p:ext uri="{BB962C8B-B14F-4D97-AF65-F5344CB8AC3E}">
-        <p14:creationId xmlns:p14="http://schemas.microsoft.com/office/powerpoint/2010/main" val="1510136491"/>
-      </p:ext>
-    </p:extLst>
-  </p:cSld>
-  <p:clrMapOvr>
-    <a:masterClrMapping/>
-  </p:clrMapOvr>
+  <p:timing>
+    <p:tnLst>
+      <p:par>
+        <p:cTn id="1" dur="indefinite" restart="never" nodeType="tmRoot">
+          <p:childTnLst>
+            <p:seq concurrent="1" nextAc="seek">
+              <p:cTn id="2" dur="indefinite" nodeType="mainSeq">
+                <p:childTnLst>
+                  <p:par>
+                    <p:cTn id="3" fill="hold">
+                      <p:stCondLst>
+                        <p:cond delay="indefinite"/>
+                      </p:stCondLst>
+                      <p:childTnLst>
+                        <p:par>
+                          <p:cTn id="4" fill="hold">
+                            <p:stCondLst>
+                              <p:cond delay="0"/>
+                            </p:stCondLst>
+                            <p:childTnLst>
+                              <p:par>
+                                <p:cTn id="5" presetID="1" presetClass="entr" presetSubtype="0" fill="hold" grpId="0" nodeType="clickEffect">
+                                  <p:stCondLst>
+                                    <p:cond delay="0"/>
+                                  </p:stCondLst>
+                                  <p:childTnLst>
+                                    <p:set>
+                                      <p:cBhvr>
+                                        <p:cTn id="6" dur="1" fill="hold">
+                                          <p:stCondLst>
+                                            <p:cond delay="0"/>
+                                          </p:stCondLst>
+                                        </p:cTn>
+                                        <p:tgtEl>
+                                          <p:spTgt spid="3">
+                                            <p:txEl>
+                                              <p:pRg st="0" end="0"/>
+                                            </p:txEl>
+                                          </p:spTgt>
+                                        </p:tgtEl>
+                                        <p:attrNameLst>
+                                          <p:attrName>style.visibility</p:attrName>
+                                        </p:attrNameLst>
+                                      </p:cBhvr>
+                                      <p:to>
+                                        <p:strVal val="visible"/>
+                                      </p:to>
+                                    </p:set>
+                                  </p:childTnLst>
+                                </p:cTn>
+                              </p:par>
+                            </p:childTnLst>
+                          </p:cTn>
+                        </p:par>
+                      </p:childTnLst>
+                    </p:cTn>
+                  </p:par>
+                  <p:par>
+                    <p:cTn id="7" fill="hold">
+                      <p:stCondLst>
+                        <p:cond delay="indefinite"/>
+                      </p:stCondLst>
+                      <p:childTnLst>
+                        <p:par>
+                          <p:cTn id="8" fill="hold">
+                            <p:stCondLst>
+                              <p:cond delay="0"/>
+                            </p:stCondLst>
+                            <p:childTnLst>
+                              <p:par>
+                                <p:cTn id="9" presetID="1" presetClass="entr" presetSubtype="0" fill="hold" grpId="0" nodeType="clickEffect">
+                                  <p:stCondLst>
+                                    <p:cond delay="0"/>
+                                  </p:stCondLst>
+                                  <p:childTnLst>
+                                    <p:set>
+                                      <p:cBhvr>
+                                        <p:cTn id="10" dur="1" fill="hold">
+                                          <p:stCondLst>
+                                            <p:cond delay="0"/>
+                                          </p:stCondLst>
+                                        </p:cTn>
+                                        <p:tgtEl>
+                                          <p:spTgt spid="3">
+                                            <p:txEl>
+                                              <p:pRg st="1" end="1"/>
+                                            </p:txEl>
+                                          </p:spTgt>
+                                        </p:tgtEl>
+                                        <p:attrNameLst>
+                                          <p:attrName>style.visibility</p:attrName>
+                                        </p:attrNameLst>
+                                      </p:cBhvr>
+                                      <p:to>
+                                        <p:strVal val="visible"/>
+                                      </p:to>
+                                    </p:set>
+                                  </p:childTnLst>
+                                </p:cTn>
+                              </p:par>
+                            </p:childTnLst>
+                          </p:cTn>
+                        </p:par>
+                      </p:childTnLst>
+                    </p:cTn>
+                  </p:par>
+                </p:childTnLst>
+              </p:cTn>
+              <p:prevCondLst>
+                <p:cond evt="onPrev" delay="0">
+                  <p:tgtEl>
+                    <p:sldTgt/>
+                  </p:tgtEl>
+                </p:cond>
+              </p:prevCondLst>
+              <p:nextCondLst>
+                <p:cond evt="onNext" delay="0">
+                  <p:tgtEl>
+                    <p:sldTgt/>
+                  </p:tgtEl>
+                </p:cond>
+              </p:nextCondLst>
+            </p:seq>
+          </p:childTnLst>
+        </p:cTn>
+      </p:par>
+    </p:tnLst>
+    <p:bldLst>
+      <p:bldP spid="3" grpId="0" build="p"/>
+    </p:bldLst>
+  </p:timing>
 </p:sld>
 </file>
 
 <file path=ppt/slides/slide13.xml><?xml version="1.0" encoding="utf-8"?>
-<p:sld xmlns:a="http://schemas.openxmlformats.org/drawingml/2006/main" xmlns:r="http://schemas.openxmlformats.org/officeDocument/2006/relationships" xmlns:p="http://schemas.openxmlformats.org/presentationml/2006/main">
-  <p:cSld>
-    <p:spTree>
-      <p:nvGrpSpPr>
-        <p:cNvPr id="1" name=""/>
-        <p:cNvGrpSpPr/>
-        <p:nvPr/>
-      </p:nvGrpSpPr>
-      <p:grpSpPr>
-        <a:xfrm>
-          <a:off x="0" y="0"/>
-          <a:ext cx="0" cy="0"/>
-          <a:chOff x="0" y="0"/>
-          <a:chExt cx="0" cy="0"/>
-        </a:xfrm>
-      </p:grpSpPr>
-      <p:sp>
-        <p:nvSpPr>
-          <p:cNvPr id="2" name="Title 1">
-            <a:extLst>
-              <a:ext uri="{FF2B5EF4-FFF2-40B4-BE49-F238E27FC236}">
-                <a16:creationId xmlns:a16="http://schemas.microsoft.com/office/drawing/2014/main" id="{DA0678D2-152F-4259-B7AC-D7F433E2B510}"/>
-              </a:ext>
-            </a:extLst>
-          </p:cNvPr>
-          <p:cNvSpPr>
-            <a:spLocks noGrp="1"/>
-          </p:cNvSpPr>
-          <p:nvPr>
-            <p:ph type="title"/>
-          </p:nvPr>
-        </p:nvSpPr>
-        <p:spPr/>
-        <p:txBody>
-          <a:bodyPr/>
-          <a:lstStyle/>
-          <a:p>
-            <a:endParaRPr lang="en-IN"/>
-          </a:p>
-        </p:txBody>
-      </p:sp>
-      <p:sp>
-        <p:nvSpPr>
-          <p:cNvPr id="3" name="Content Placeholder 2">
-            <a:extLst>
-              <a:ext uri="{FF2B5EF4-FFF2-40B4-BE49-F238E27FC236}">
-                <a16:creationId xmlns:a16="http://schemas.microsoft.com/office/drawing/2014/main" id="{A20B69D3-F76D-4A92-95E6-D62EF864FABF}"/>
-              </a:ext>
-            </a:extLst>
-          </p:cNvPr>
-          <p:cNvSpPr>
-            <a:spLocks noGrp="1"/>
-          </p:cNvSpPr>
-          <p:nvPr>
-            <p:ph idx="1"/>
-          </p:nvPr>
-        </p:nvSpPr>
-        <p:spPr/>
-        <p:txBody>
-          <a:bodyPr/>
-          <a:lstStyle/>
-          <a:p>
-            <a:endParaRPr lang="en-IN"/>
-          </a:p>
-        </p:txBody>
-      </p:sp>
-    </p:spTree>
-    <p:extLst>
-      <p:ext uri="{BB962C8B-B14F-4D97-AF65-F5344CB8AC3E}">
-        <p14:creationId xmlns:p14="http://schemas.microsoft.com/office/powerpoint/2010/main" val="2499631946"/>
-      </p:ext>
-    </p:extLst>
-  </p:cSld>
-  <p:clrMapOvr>
-    <a:masterClrMapping/>
-  </p:clrMapOvr>
-</p:sld>
-</file>
-
-<file path=ppt/slides/slide14.xml><?xml version="1.0" encoding="utf-8"?>
 <p:sld xmlns:a="http://schemas.openxmlformats.org/drawingml/2006/main" xmlns:r="http://schemas.openxmlformats.org/officeDocument/2006/relationships" xmlns:p="http://schemas.openxmlformats.org/presentationml/2006/main">
   <p:cSld>
     <p:spTree>
@@ -4976,10 +5946,14 @@
           <a:lstStyle/>
           <a:p>
             <a:r>
-              <a:rPr lang="en-US" dirty="0"/>
+              <a:rPr lang="en-US" dirty="0">
+                <a:latin typeface="Garamond" panose="02020404030301010803" pitchFamily="18" charset="0"/>
+              </a:rPr>
               <a:t>Feature Extraction</a:t>
             </a:r>
-            <a:endParaRPr lang="en-IN" dirty="0"/>
+            <a:endParaRPr lang="en-IN" dirty="0">
+              <a:latin typeface="Garamond" panose="02020404030301010803" pitchFamily="18" charset="0"/>
+            </a:endParaRPr>
           </a:p>
         </p:txBody>
       </p:sp>
@@ -5004,7 +5978,10 @@
           <a:bodyPr/>
           <a:lstStyle/>
           <a:p>
-            <a:endParaRPr lang="en-IN"/>
+            <a:endParaRPr lang="en-IN" dirty="0">
+              <a:latin typeface="Frank Ruhl Hofshi" panose="00000500000000000000" pitchFamily="50" charset="-79"/>
+              <a:cs typeface="Frank Ruhl Hofshi" panose="00000500000000000000" pitchFamily="50" charset="-79"/>
+            </a:endParaRPr>
           </a:p>
         </p:txBody>
       </p:sp>
@@ -5021,7 +5998,7 @@
 </p:sld>
 </file>
 
-<file path=ppt/slides/slide15.xml><?xml version="1.0" encoding="utf-8"?>
+<file path=ppt/slides/slide14.xml><?xml version="1.0" encoding="utf-8"?>
 <p:sld xmlns:a="http://schemas.openxmlformats.org/drawingml/2006/main" xmlns:r="http://schemas.openxmlformats.org/officeDocument/2006/relationships" xmlns:p="http://schemas.openxmlformats.org/presentationml/2006/main">
   <p:cSld>
     <p:spTree>
@@ -5060,10 +6037,14 @@
           <a:lstStyle/>
           <a:p>
             <a:r>
-              <a:rPr lang="en-US" dirty="0"/>
+              <a:rPr lang="en-US" dirty="0">
+                <a:latin typeface="Garamond" panose="02020404030301010803" pitchFamily="18" charset="0"/>
+              </a:rPr>
               <a:t>Program Walkthrough</a:t>
             </a:r>
-            <a:endParaRPr lang="en-IN" dirty="0"/>
+            <a:endParaRPr lang="en-IN" dirty="0">
+              <a:latin typeface="Garamond" panose="02020404030301010803" pitchFamily="18" charset="0"/>
+            </a:endParaRPr>
           </a:p>
         </p:txBody>
       </p:sp>
@@ -5088,7 +6069,10 @@
           <a:bodyPr/>
           <a:lstStyle/>
           <a:p>
-            <a:endParaRPr lang="en-IN"/>
+            <a:endParaRPr lang="en-IN" dirty="0">
+              <a:latin typeface="Frank Ruhl Hofshi" panose="00000500000000000000" pitchFamily="50" charset="-79"/>
+              <a:cs typeface="Frank Ruhl Hofshi" panose="00000500000000000000" pitchFamily="50" charset="-79"/>
+            </a:endParaRPr>
           </a:p>
         </p:txBody>
       </p:sp>
@@ -5105,7 +6089,7 @@
 </p:sld>
 </file>
 
-<file path=ppt/slides/slide16.xml><?xml version="1.0" encoding="utf-8"?>
+<file path=ppt/slides/slide15.xml><?xml version="1.0" encoding="utf-8"?>
 <p:sld xmlns:a="http://schemas.openxmlformats.org/drawingml/2006/main" xmlns:r="http://schemas.openxmlformats.org/officeDocument/2006/relationships" xmlns:p="http://schemas.openxmlformats.org/presentationml/2006/main">
   <p:cSld>
     <p:spTree>
@@ -5144,10 +6128,14 @@
           <a:lstStyle/>
           <a:p>
             <a:r>
-              <a:rPr lang="en-US" dirty="0"/>
+              <a:rPr lang="en-US" dirty="0">
+                <a:latin typeface="Garamond" panose="02020404030301010803" pitchFamily="18" charset="0"/>
+              </a:rPr>
               <a:t>What comes next</a:t>
             </a:r>
-            <a:endParaRPr lang="en-IN" dirty="0"/>
+            <a:endParaRPr lang="en-IN" dirty="0">
+              <a:latin typeface="Garamond" panose="02020404030301010803" pitchFamily="18" charset="0"/>
+            </a:endParaRPr>
           </a:p>
         </p:txBody>
       </p:sp>
@@ -5172,7 +6160,10 @@
           <a:bodyPr/>
           <a:lstStyle/>
           <a:p>
-            <a:endParaRPr lang="en-IN"/>
+            <a:endParaRPr lang="en-IN" dirty="0">
+              <a:latin typeface="Frank Ruhl Hofshi" panose="00000500000000000000" pitchFamily="50" charset="-79"/>
+              <a:cs typeface="Frank Ruhl Hofshi" panose="00000500000000000000" pitchFamily="50" charset="-79"/>
+            </a:endParaRPr>
           </a:p>
         </p:txBody>
       </p:sp>
@@ -5313,6 +6304,235 @@
   <p:clrMapOvr>
     <a:masterClrMapping/>
   </p:clrMapOvr>
+  <p:timing>
+    <p:tnLst>
+      <p:par>
+        <p:cTn id="1" dur="indefinite" restart="never" nodeType="tmRoot">
+          <p:childTnLst>
+            <p:seq concurrent="1" nextAc="seek">
+              <p:cTn id="2" dur="indefinite" nodeType="mainSeq">
+                <p:childTnLst>
+                  <p:par>
+                    <p:cTn id="3" fill="hold">
+                      <p:stCondLst>
+                        <p:cond delay="indefinite"/>
+                      </p:stCondLst>
+                      <p:childTnLst>
+                        <p:par>
+                          <p:cTn id="4" fill="hold">
+                            <p:stCondLst>
+                              <p:cond delay="0"/>
+                            </p:stCondLst>
+                            <p:childTnLst>
+                              <p:par>
+                                <p:cTn id="5" presetID="1" presetClass="entr" presetSubtype="0" fill="hold" grpId="0" nodeType="clickEffect">
+                                  <p:stCondLst>
+                                    <p:cond delay="0"/>
+                                  </p:stCondLst>
+                                  <p:childTnLst>
+                                    <p:set>
+                                      <p:cBhvr>
+                                        <p:cTn id="6" dur="1" fill="hold">
+                                          <p:stCondLst>
+                                            <p:cond delay="0"/>
+                                          </p:stCondLst>
+                                        </p:cTn>
+                                        <p:tgtEl>
+                                          <p:spTgt spid="3">
+                                            <p:txEl>
+                                              <p:pRg st="0" end="0"/>
+                                            </p:txEl>
+                                          </p:spTgt>
+                                        </p:tgtEl>
+                                        <p:attrNameLst>
+                                          <p:attrName>style.visibility</p:attrName>
+                                        </p:attrNameLst>
+                                      </p:cBhvr>
+                                      <p:to>
+                                        <p:strVal val="visible"/>
+                                      </p:to>
+                                    </p:set>
+                                  </p:childTnLst>
+                                </p:cTn>
+                              </p:par>
+                            </p:childTnLst>
+                          </p:cTn>
+                        </p:par>
+                      </p:childTnLst>
+                    </p:cTn>
+                  </p:par>
+                  <p:par>
+                    <p:cTn id="7" fill="hold">
+                      <p:stCondLst>
+                        <p:cond delay="indefinite"/>
+                      </p:stCondLst>
+                      <p:childTnLst>
+                        <p:par>
+                          <p:cTn id="8" fill="hold">
+                            <p:stCondLst>
+                              <p:cond delay="0"/>
+                            </p:stCondLst>
+                            <p:childTnLst>
+                              <p:par>
+                                <p:cTn id="9" presetID="1" presetClass="entr" presetSubtype="0" fill="hold" grpId="0" nodeType="clickEffect">
+                                  <p:stCondLst>
+                                    <p:cond delay="0"/>
+                                  </p:stCondLst>
+                                  <p:childTnLst>
+                                    <p:set>
+                                      <p:cBhvr>
+                                        <p:cTn id="10" dur="1" fill="hold">
+                                          <p:stCondLst>
+                                            <p:cond delay="0"/>
+                                          </p:stCondLst>
+                                        </p:cTn>
+                                        <p:tgtEl>
+                                          <p:spTgt spid="3">
+                                            <p:txEl>
+                                              <p:pRg st="1" end="1"/>
+                                            </p:txEl>
+                                          </p:spTgt>
+                                        </p:tgtEl>
+                                        <p:attrNameLst>
+                                          <p:attrName>style.visibility</p:attrName>
+                                        </p:attrNameLst>
+                                      </p:cBhvr>
+                                      <p:to>
+                                        <p:strVal val="visible"/>
+                                      </p:to>
+                                    </p:set>
+                                  </p:childTnLst>
+                                </p:cTn>
+                              </p:par>
+                            </p:childTnLst>
+                          </p:cTn>
+                        </p:par>
+                      </p:childTnLst>
+                    </p:cTn>
+                  </p:par>
+                  <p:par>
+                    <p:cTn id="11" fill="hold">
+                      <p:stCondLst>
+                        <p:cond delay="indefinite"/>
+                      </p:stCondLst>
+                      <p:childTnLst>
+                        <p:par>
+                          <p:cTn id="12" fill="hold">
+                            <p:stCondLst>
+                              <p:cond delay="0"/>
+                            </p:stCondLst>
+                            <p:childTnLst>
+                              <p:par>
+                                <p:cTn id="13" presetID="1" presetClass="entr" presetSubtype="0" fill="hold" grpId="0" nodeType="clickEffect">
+                                  <p:stCondLst>
+                                    <p:cond delay="0"/>
+                                  </p:stCondLst>
+                                  <p:childTnLst>
+                                    <p:set>
+                                      <p:cBhvr>
+                                        <p:cTn id="14" dur="1" fill="hold">
+                                          <p:stCondLst>
+                                            <p:cond delay="0"/>
+                                          </p:stCondLst>
+                                        </p:cTn>
+                                        <p:tgtEl>
+                                          <p:spTgt spid="3">
+                                            <p:txEl>
+                                              <p:pRg st="2" end="2"/>
+                                            </p:txEl>
+                                          </p:spTgt>
+                                        </p:tgtEl>
+                                        <p:attrNameLst>
+                                          <p:attrName>style.visibility</p:attrName>
+                                        </p:attrNameLst>
+                                      </p:cBhvr>
+                                      <p:to>
+                                        <p:strVal val="visible"/>
+                                      </p:to>
+                                    </p:set>
+                                  </p:childTnLst>
+                                </p:cTn>
+                              </p:par>
+                            </p:childTnLst>
+                          </p:cTn>
+                        </p:par>
+                      </p:childTnLst>
+                    </p:cTn>
+                  </p:par>
+                  <p:par>
+                    <p:cTn id="15" fill="hold">
+                      <p:stCondLst>
+                        <p:cond delay="indefinite"/>
+                      </p:stCondLst>
+                      <p:childTnLst>
+                        <p:par>
+                          <p:cTn id="16" fill="hold">
+                            <p:stCondLst>
+                              <p:cond delay="0"/>
+                            </p:stCondLst>
+                            <p:childTnLst>
+                              <p:par>
+                                <p:cTn id="17" presetID="1" presetClass="entr" presetSubtype="0" fill="hold" grpId="0" nodeType="clickEffect">
+                                  <p:stCondLst>
+                                    <p:cond delay="0"/>
+                                  </p:stCondLst>
+                                  <p:childTnLst>
+                                    <p:set>
+                                      <p:cBhvr>
+                                        <p:cTn id="18" dur="1" fill="hold">
+                                          <p:stCondLst>
+                                            <p:cond delay="0"/>
+                                          </p:stCondLst>
+                                        </p:cTn>
+                                        <p:tgtEl>
+                                          <p:spTgt spid="3">
+                                            <p:txEl>
+                                              <p:pRg st="3" end="3"/>
+                                            </p:txEl>
+                                          </p:spTgt>
+                                        </p:tgtEl>
+                                        <p:attrNameLst>
+                                          <p:attrName>style.visibility</p:attrName>
+                                        </p:attrNameLst>
+                                      </p:cBhvr>
+                                      <p:to>
+                                        <p:strVal val="visible"/>
+                                      </p:to>
+                                    </p:set>
+                                  </p:childTnLst>
+                                </p:cTn>
+                              </p:par>
+                            </p:childTnLst>
+                          </p:cTn>
+                        </p:par>
+                      </p:childTnLst>
+                    </p:cTn>
+                  </p:par>
+                </p:childTnLst>
+              </p:cTn>
+              <p:prevCondLst>
+                <p:cond evt="onPrev" delay="0">
+                  <p:tgtEl>
+                    <p:sldTgt/>
+                  </p:tgtEl>
+                </p:cond>
+              </p:prevCondLst>
+              <p:nextCondLst>
+                <p:cond evt="onNext" delay="0">
+                  <p:tgtEl>
+                    <p:sldTgt/>
+                  </p:tgtEl>
+                </p:cond>
+              </p:nextCondLst>
+            </p:seq>
+          </p:childTnLst>
+        </p:cTn>
+      </p:par>
+    </p:tnLst>
+    <p:bldLst>
+      <p:bldP spid="3" grpId="0" build="p"/>
+    </p:bldLst>
+  </p:timing>
 </p:sld>
 </file>
 
@@ -5355,10 +6575,14 @@
           <a:lstStyle/>
           <a:p>
             <a:r>
-              <a:rPr lang="en-US" dirty="0"/>
+              <a:rPr lang="en-US" dirty="0">
+                <a:latin typeface="Garamond" panose="02020404030301010803" pitchFamily="18" charset="0"/>
+              </a:rPr>
               <a:t>Software Used</a:t>
             </a:r>
-            <a:endParaRPr lang="en-IN" dirty="0"/>
+            <a:endParaRPr lang="en-IN" dirty="0">
+              <a:latin typeface="Garamond" panose="02020404030301010803" pitchFamily="18" charset="0"/>
+            </a:endParaRPr>
           </a:p>
         </p:txBody>
       </p:sp>
@@ -5386,61 +6610,100 @@
           <a:lstStyle/>
           <a:p>
             <a:r>
-              <a:rPr lang="en-US" dirty="0"/>
+              <a:rPr lang="en-US" dirty="0">
+                <a:latin typeface="Frank Ruhl Hofshi" panose="00000500000000000000" pitchFamily="50" charset="-79"/>
+                <a:cs typeface="Frank Ruhl Hofshi" panose="00000500000000000000" pitchFamily="50" charset="-79"/>
+              </a:rPr>
               <a:t>Python 3.8</a:t>
             </a:r>
           </a:p>
           <a:p>
             <a:r>
-              <a:rPr lang="en-US" dirty="0"/>
+              <a:rPr lang="en-US" dirty="0">
+                <a:latin typeface="Frank Ruhl Hofshi" panose="00000500000000000000" pitchFamily="50" charset="-79"/>
+                <a:cs typeface="Frank Ruhl Hofshi" panose="00000500000000000000" pitchFamily="50" charset="-79"/>
+              </a:rPr>
               <a:t>TensorFlow 2.0</a:t>
             </a:r>
           </a:p>
           <a:p>
             <a:r>
-              <a:rPr lang="en-US" dirty="0" err="1"/>
+              <a:rPr lang="en-US" dirty="0" err="1">
+                <a:latin typeface="Frank Ruhl Hofshi" panose="00000500000000000000" pitchFamily="50" charset="-79"/>
+                <a:cs typeface="Frank Ruhl Hofshi" panose="00000500000000000000" pitchFamily="50" charset="-79"/>
+              </a:rPr>
               <a:t>Keras</a:t>
             </a:r>
-            <a:endParaRPr lang="en-US" dirty="0"/>
-          </a:p>
-          <a:p>
-            <a:r>
-              <a:rPr lang="en-US" dirty="0"/>
+            <a:endParaRPr lang="en-US" dirty="0">
+              <a:latin typeface="Frank Ruhl Hofshi" panose="00000500000000000000" pitchFamily="50" charset="-79"/>
+              <a:cs typeface="Frank Ruhl Hofshi" panose="00000500000000000000" pitchFamily="50" charset="-79"/>
+            </a:endParaRPr>
+          </a:p>
+          <a:p>
+            <a:r>
+              <a:rPr lang="en-US" dirty="0">
+                <a:latin typeface="Frank Ruhl Hofshi" panose="00000500000000000000" pitchFamily="50" charset="-79"/>
+                <a:cs typeface="Frank Ruhl Hofshi" panose="00000500000000000000" pitchFamily="50" charset="-79"/>
+              </a:rPr>
               <a:t>NumPy</a:t>
             </a:r>
           </a:p>
           <a:p>
             <a:r>
-              <a:rPr lang="en-US" dirty="0"/>
+              <a:rPr lang="en-US" dirty="0">
+                <a:latin typeface="Frank Ruhl Hofshi" panose="00000500000000000000" pitchFamily="50" charset="-79"/>
+                <a:cs typeface="Frank Ruhl Hofshi" panose="00000500000000000000" pitchFamily="50" charset="-79"/>
+              </a:rPr>
               <a:t>Pandas</a:t>
             </a:r>
           </a:p>
           <a:p>
             <a:r>
-              <a:rPr lang="en-US" dirty="0"/>
+              <a:rPr lang="en-US" dirty="0">
+                <a:latin typeface="Frank Ruhl Hofshi" panose="00000500000000000000" pitchFamily="50" charset="-79"/>
+                <a:cs typeface="Frank Ruhl Hofshi" panose="00000500000000000000" pitchFamily="50" charset="-79"/>
+              </a:rPr>
               <a:t>Mat Plot Lib</a:t>
             </a:r>
           </a:p>
           <a:p>
             <a:r>
-              <a:rPr lang="en-US" dirty="0" err="1"/>
+              <a:rPr lang="en-US" dirty="0" err="1">
+                <a:latin typeface="Frank Ruhl Hofshi" panose="00000500000000000000" pitchFamily="50" charset="-79"/>
+                <a:cs typeface="Frank Ruhl Hofshi" panose="00000500000000000000" pitchFamily="50" charset="-79"/>
+              </a:rPr>
               <a:t>PyPlot</a:t>
             </a:r>
-            <a:endParaRPr lang="en-US" dirty="0"/>
-          </a:p>
-          <a:p>
-            <a:r>
-              <a:rPr lang="en-US" dirty="0" err="1"/>
+            <a:endParaRPr lang="en-US" dirty="0">
+              <a:latin typeface="Frank Ruhl Hofshi" panose="00000500000000000000" pitchFamily="50" charset="-79"/>
+              <a:cs typeface="Frank Ruhl Hofshi" panose="00000500000000000000" pitchFamily="50" charset="-79"/>
+            </a:endParaRPr>
+          </a:p>
+          <a:p>
+            <a:r>
+              <a:rPr lang="en-US" dirty="0" err="1">
+                <a:latin typeface="Frank Ruhl Hofshi" panose="00000500000000000000" pitchFamily="50" charset="-79"/>
+                <a:cs typeface="Frank Ruhl Hofshi" panose="00000500000000000000" pitchFamily="50" charset="-79"/>
+              </a:rPr>
               <a:t>SeaBorn</a:t>
             </a:r>
-            <a:endParaRPr lang="en-US" dirty="0"/>
-          </a:p>
-          <a:p>
-            <a:r>
-              <a:rPr lang="en-US" dirty="0"/>
+            <a:endParaRPr lang="en-US" dirty="0">
+              <a:latin typeface="Frank Ruhl Hofshi" panose="00000500000000000000" pitchFamily="50" charset="-79"/>
+              <a:cs typeface="Frank Ruhl Hofshi" panose="00000500000000000000" pitchFamily="50" charset="-79"/>
+            </a:endParaRPr>
+          </a:p>
+          <a:p>
+            <a:r>
+              <a:rPr lang="en-US" dirty="0">
+                <a:latin typeface="Frank Ruhl Hofshi" panose="00000500000000000000" pitchFamily="50" charset="-79"/>
+                <a:cs typeface="Frank Ruhl Hofshi" panose="00000500000000000000" pitchFamily="50" charset="-79"/>
+              </a:rPr>
               <a:t>VGG16</a:t>
             </a:r>
-            <a:endParaRPr lang="en-IN" dirty="0"/>
+            <a:endParaRPr lang="en-IN" dirty="0">
+              <a:latin typeface="Frank Ruhl Hofshi" panose="00000500000000000000" pitchFamily="50" charset="-79"/>
+              <a:cs typeface="Frank Ruhl Hofshi" panose="00000500000000000000" pitchFamily="50" charset="-79"/>
+            </a:endParaRPr>
           </a:p>
         </p:txBody>
       </p:sp>
@@ -5454,6 +6717,480 @@
   <p:clrMapOvr>
     <a:masterClrMapping/>
   </p:clrMapOvr>
+  <p:timing>
+    <p:tnLst>
+      <p:par>
+        <p:cTn id="1" dur="indefinite" restart="never" nodeType="tmRoot">
+          <p:childTnLst>
+            <p:seq concurrent="1" nextAc="seek">
+              <p:cTn id="2" dur="indefinite" nodeType="mainSeq">
+                <p:childTnLst>
+                  <p:par>
+                    <p:cTn id="3" fill="hold">
+                      <p:stCondLst>
+                        <p:cond delay="indefinite"/>
+                      </p:stCondLst>
+                      <p:childTnLst>
+                        <p:par>
+                          <p:cTn id="4" fill="hold">
+                            <p:stCondLst>
+                              <p:cond delay="0"/>
+                            </p:stCondLst>
+                            <p:childTnLst>
+                              <p:par>
+                                <p:cTn id="5" presetID="1" presetClass="entr" presetSubtype="0" fill="hold" grpId="0" nodeType="clickEffect">
+                                  <p:stCondLst>
+                                    <p:cond delay="0"/>
+                                  </p:stCondLst>
+                                  <p:childTnLst>
+                                    <p:set>
+                                      <p:cBhvr>
+                                        <p:cTn id="6" dur="1" fill="hold">
+                                          <p:stCondLst>
+                                            <p:cond delay="0"/>
+                                          </p:stCondLst>
+                                        </p:cTn>
+                                        <p:tgtEl>
+                                          <p:spTgt spid="3">
+                                            <p:txEl>
+                                              <p:pRg st="0" end="0"/>
+                                            </p:txEl>
+                                          </p:spTgt>
+                                        </p:tgtEl>
+                                        <p:attrNameLst>
+                                          <p:attrName>style.visibility</p:attrName>
+                                        </p:attrNameLst>
+                                      </p:cBhvr>
+                                      <p:to>
+                                        <p:strVal val="visible"/>
+                                      </p:to>
+                                    </p:set>
+                                  </p:childTnLst>
+                                </p:cTn>
+                              </p:par>
+                            </p:childTnLst>
+                          </p:cTn>
+                        </p:par>
+                      </p:childTnLst>
+                    </p:cTn>
+                  </p:par>
+                  <p:par>
+                    <p:cTn id="7" fill="hold">
+                      <p:stCondLst>
+                        <p:cond delay="indefinite"/>
+                      </p:stCondLst>
+                      <p:childTnLst>
+                        <p:par>
+                          <p:cTn id="8" fill="hold">
+                            <p:stCondLst>
+                              <p:cond delay="0"/>
+                            </p:stCondLst>
+                            <p:childTnLst>
+                              <p:par>
+                                <p:cTn id="9" presetID="1" presetClass="entr" presetSubtype="0" fill="hold" grpId="0" nodeType="clickEffect">
+                                  <p:stCondLst>
+                                    <p:cond delay="0"/>
+                                  </p:stCondLst>
+                                  <p:childTnLst>
+                                    <p:set>
+                                      <p:cBhvr>
+                                        <p:cTn id="10" dur="1" fill="hold">
+                                          <p:stCondLst>
+                                            <p:cond delay="0"/>
+                                          </p:stCondLst>
+                                        </p:cTn>
+                                        <p:tgtEl>
+                                          <p:spTgt spid="3">
+                                            <p:txEl>
+                                              <p:pRg st="1" end="1"/>
+                                            </p:txEl>
+                                          </p:spTgt>
+                                        </p:tgtEl>
+                                        <p:attrNameLst>
+                                          <p:attrName>style.visibility</p:attrName>
+                                        </p:attrNameLst>
+                                      </p:cBhvr>
+                                      <p:to>
+                                        <p:strVal val="visible"/>
+                                      </p:to>
+                                    </p:set>
+                                  </p:childTnLst>
+                                </p:cTn>
+                              </p:par>
+                            </p:childTnLst>
+                          </p:cTn>
+                        </p:par>
+                      </p:childTnLst>
+                    </p:cTn>
+                  </p:par>
+                  <p:par>
+                    <p:cTn id="11" fill="hold">
+                      <p:stCondLst>
+                        <p:cond delay="indefinite"/>
+                      </p:stCondLst>
+                      <p:childTnLst>
+                        <p:par>
+                          <p:cTn id="12" fill="hold">
+                            <p:stCondLst>
+                              <p:cond delay="0"/>
+                            </p:stCondLst>
+                            <p:childTnLst>
+                              <p:par>
+                                <p:cTn id="13" presetID="1" presetClass="entr" presetSubtype="0" fill="hold" grpId="0" nodeType="clickEffect">
+                                  <p:stCondLst>
+                                    <p:cond delay="0"/>
+                                  </p:stCondLst>
+                                  <p:childTnLst>
+                                    <p:set>
+                                      <p:cBhvr>
+                                        <p:cTn id="14" dur="1" fill="hold">
+                                          <p:stCondLst>
+                                            <p:cond delay="0"/>
+                                          </p:stCondLst>
+                                        </p:cTn>
+                                        <p:tgtEl>
+                                          <p:spTgt spid="3">
+                                            <p:txEl>
+                                              <p:pRg st="2" end="2"/>
+                                            </p:txEl>
+                                          </p:spTgt>
+                                        </p:tgtEl>
+                                        <p:attrNameLst>
+                                          <p:attrName>style.visibility</p:attrName>
+                                        </p:attrNameLst>
+                                      </p:cBhvr>
+                                      <p:to>
+                                        <p:strVal val="visible"/>
+                                      </p:to>
+                                    </p:set>
+                                  </p:childTnLst>
+                                </p:cTn>
+                              </p:par>
+                            </p:childTnLst>
+                          </p:cTn>
+                        </p:par>
+                      </p:childTnLst>
+                    </p:cTn>
+                  </p:par>
+                  <p:par>
+                    <p:cTn id="15" fill="hold">
+                      <p:stCondLst>
+                        <p:cond delay="indefinite"/>
+                      </p:stCondLst>
+                      <p:childTnLst>
+                        <p:par>
+                          <p:cTn id="16" fill="hold">
+                            <p:stCondLst>
+                              <p:cond delay="0"/>
+                            </p:stCondLst>
+                            <p:childTnLst>
+                              <p:par>
+                                <p:cTn id="17" presetID="1" presetClass="entr" presetSubtype="0" fill="hold" grpId="0" nodeType="clickEffect">
+                                  <p:stCondLst>
+                                    <p:cond delay="0"/>
+                                  </p:stCondLst>
+                                  <p:childTnLst>
+                                    <p:set>
+                                      <p:cBhvr>
+                                        <p:cTn id="18" dur="1" fill="hold">
+                                          <p:stCondLst>
+                                            <p:cond delay="0"/>
+                                          </p:stCondLst>
+                                        </p:cTn>
+                                        <p:tgtEl>
+                                          <p:spTgt spid="3">
+                                            <p:txEl>
+                                              <p:pRg st="3" end="3"/>
+                                            </p:txEl>
+                                          </p:spTgt>
+                                        </p:tgtEl>
+                                        <p:attrNameLst>
+                                          <p:attrName>style.visibility</p:attrName>
+                                        </p:attrNameLst>
+                                      </p:cBhvr>
+                                      <p:to>
+                                        <p:strVal val="visible"/>
+                                      </p:to>
+                                    </p:set>
+                                  </p:childTnLst>
+                                </p:cTn>
+                              </p:par>
+                            </p:childTnLst>
+                          </p:cTn>
+                        </p:par>
+                      </p:childTnLst>
+                    </p:cTn>
+                  </p:par>
+                  <p:par>
+                    <p:cTn id="19" fill="hold">
+                      <p:stCondLst>
+                        <p:cond delay="indefinite"/>
+                      </p:stCondLst>
+                      <p:childTnLst>
+                        <p:par>
+                          <p:cTn id="20" fill="hold">
+                            <p:stCondLst>
+                              <p:cond delay="0"/>
+                            </p:stCondLst>
+                            <p:childTnLst>
+                              <p:par>
+                                <p:cTn id="21" presetID="1" presetClass="entr" presetSubtype="0" fill="hold" grpId="0" nodeType="clickEffect">
+                                  <p:stCondLst>
+                                    <p:cond delay="0"/>
+                                  </p:stCondLst>
+                                  <p:childTnLst>
+                                    <p:set>
+                                      <p:cBhvr>
+                                        <p:cTn id="22" dur="1" fill="hold">
+                                          <p:stCondLst>
+                                            <p:cond delay="0"/>
+                                          </p:stCondLst>
+                                        </p:cTn>
+                                        <p:tgtEl>
+                                          <p:spTgt spid="3">
+                                            <p:txEl>
+                                              <p:pRg st="4" end="4"/>
+                                            </p:txEl>
+                                          </p:spTgt>
+                                        </p:tgtEl>
+                                        <p:attrNameLst>
+                                          <p:attrName>style.visibility</p:attrName>
+                                        </p:attrNameLst>
+                                      </p:cBhvr>
+                                      <p:to>
+                                        <p:strVal val="visible"/>
+                                      </p:to>
+                                    </p:set>
+                                  </p:childTnLst>
+                                </p:cTn>
+                              </p:par>
+                            </p:childTnLst>
+                          </p:cTn>
+                        </p:par>
+                      </p:childTnLst>
+                    </p:cTn>
+                  </p:par>
+                  <p:par>
+                    <p:cTn id="23" fill="hold">
+                      <p:stCondLst>
+                        <p:cond delay="indefinite"/>
+                      </p:stCondLst>
+                      <p:childTnLst>
+                        <p:par>
+                          <p:cTn id="24" fill="hold">
+                            <p:stCondLst>
+                              <p:cond delay="0"/>
+                            </p:stCondLst>
+                            <p:childTnLst>
+                              <p:par>
+                                <p:cTn id="25" presetID="1" presetClass="entr" presetSubtype="0" fill="hold" grpId="0" nodeType="clickEffect">
+                                  <p:stCondLst>
+                                    <p:cond delay="0"/>
+                                  </p:stCondLst>
+                                  <p:childTnLst>
+                                    <p:set>
+                                      <p:cBhvr>
+                                        <p:cTn id="26" dur="1" fill="hold">
+                                          <p:stCondLst>
+                                            <p:cond delay="0"/>
+                                          </p:stCondLst>
+                                        </p:cTn>
+                                        <p:tgtEl>
+                                          <p:spTgt spid="3">
+                                            <p:txEl>
+                                              <p:pRg st="5" end="5"/>
+                                            </p:txEl>
+                                          </p:spTgt>
+                                        </p:tgtEl>
+                                        <p:attrNameLst>
+                                          <p:attrName>style.visibility</p:attrName>
+                                        </p:attrNameLst>
+                                      </p:cBhvr>
+                                      <p:to>
+                                        <p:strVal val="visible"/>
+                                      </p:to>
+                                    </p:set>
+                                  </p:childTnLst>
+                                </p:cTn>
+                              </p:par>
+                            </p:childTnLst>
+                          </p:cTn>
+                        </p:par>
+                      </p:childTnLst>
+                    </p:cTn>
+                  </p:par>
+                  <p:par>
+                    <p:cTn id="27" fill="hold">
+                      <p:stCondLst>
+                        <p:cond delay="indefinite"/>
+                      </p:stCondLst>
+                      <p:childTnLst>
+                        <p:par>
+                          <p:cTn id="28" fill="hold">
+                            <p:stCondLst>
+                              <p:cond delay="0"/>
+                            </p:stCondLst>
+                            <p:childTnLst>
+                              <p:par>
+                                <p:cTn id="29" presetID="1" presetClass="entr" presetSubtype="0" fill="hold" grpId="0" nodeType="clickEffect">
+                                  <p:stCondLst>
+                                    <p:cond delay="0"/>
+                                  </p:stCondLst>
+                                  <p:childTnLst>
+                                    <p:set>
+                                      <p:cBhvr>
+                                        <p:cTn id="30" dur="1" fill="hold">
+                                          <p:stCondLst>
+                                            <p:cond delay="0"/>
+                                          </p:stCondLst>
+                                        </p:cTn>
+                                        <p:tgtEl>
+                                          <p:spTgt spid="3">
+                                            <p:txEl>
+                                              <p:pRg st="6" end="6"/>
+                                            </p:txEl>
+                                          </p:spTgt>
+                                        </p:tgtEl>
+                                        <p:attrNameLst>
+                                          <p:attrName>style.visibility</p:attrName>
+                                        </p:attrNameLst>
+                                      </p:cBhvr>
+                                      <p:to>
+                                        <p:strVal val="visible"/>
+                                      </p:to>
+                                    </p:set>
+                                  </p:childTnLst>
+                                </p:cTn>
+                              </p:par>
+                            </p:childTnLst>
+                          </p:cTn>
+                        </p:par>
+                      </p:childTnLst>
+                    </p:cTn>
+                  </p:par>
+                  <p:par>
+                    <p:cTn id="31" fill="hold">
+                      <p:stCondLst>
+                        <p:cond delay="indefinite"/>
+                      </p:stCondLst>
+                      <p:childTnLst>
+                        <p:par>
+                          <p:cTn id="32" fill="hold">
+                            <p:stCondLst>
+                              <p:cond delay="0"/>
+                            </p:stCondLst>
+                            <p:childTnLst>
+                              <p:par>
+                                <p:cTn id="33" presetID="1" presetClass="entr" presetSubtype="0" fill="hold" grpId="0" nodeType="clickEffect">
+                                  <p:stCondLst>
+                                    <p:cond delay="0"/>
+                                  </p:stCondLst>
+                                  <p:childTnLst>
+                                    <p:set>
+                                      <p:cBhvr>
+                                        <p:cTn id="34" dur="1" fill="hold">
+                                          <p:stCondLst>
+                                            <p:cond delay="0"/>
+                                          </p:stCondLst>
+                                        </p:cTn>
+                                        <p:tgtEl>
+                                          <p:spTgt spid="3">
+                                            <p:txEl>
+                                              <p:pRg st="7" end="7"/>
+                                            </p:txEl>
+                                          </p:spTgt>
+                                        </p:tgtEl>
+                                        <p:attrNameLst>
+                                          <p:attrName>style.visibility</p:attrName>
+                                        </p:attrNameLst>
+                                      </p:cBhvr>
+                                      <p:to>
+                                        <p:strVal val="visible"/>
+                                      </p:to>
+                                    </p:set>
+                                  </p:childTnLst>
+                                </p:cTn>
+                              </p:par>
+                            </p:childTnLst>
+                          </p:cTn>
+                        </p:par>
+                      </p:childTnLst>
+                    </p:cTn>
+                  </p:par>
+                  <p:par>
+                    <p:cTn id="35" fill="hold">
+                      <p:stCondLst>
+                        <p:cond delay="indefinite"/>
+                      </p:stCondLst>
+                      <p:childTnLst>
+                        <p:par>
+                          <p:cTn id="36" fill="hold">
+                            <p:stCondLst>
+                              <p:cond delay="0"/>
+                            </p:stCondLst>
+                            <p:childTnLst>
+                              <p:par>
+                                <p:cTn id="37" presetID="1" presetClass="entr" presetSubtype="0" fill="hold" grpId="0" nodeType="clickEffect">
+                                  <p:stCondLst>
+                                    <p:cond delay="0"/>
+                                  </p:stCondLst>
+                                  <p:childTnLst>
+                                    <p:set>
+                                      <p:cBhvr>
+                                        <p:cTn id="38" dur="1" fill="hold">
+                                          <p:stCondLst>
+                                            <p:cond delay="0"/>
+                                          </p:stCondLst>
+                                        </p:cTn>
+                                        <p:tgtEl>
+                                          <p:spTgt spid="3">
+                                            <p:txEl>
+                                              <p:pRg st="8" end="8"/>
+                                            </p:txEl>
+                                          </p:spTgt>
+                                        </p:tgtEl>
+                                        <p:attrNameLst>
+                                          <p:attrName>style.visibility</p:attrName>
+                                        </p:attrNameLst>
+                                      </p:cBhvr>
+                                      <p:to>
+                                        <p:strVal val="visible"/>
+                                      </p:to>
+                                    </p:set>
+                                  </p:childTnLst>
+                                </p:cTn>
+                              </p:par>
+                            </p:childTnLst>
+                          </p:cTn>
+                        </p:par>
+                      </p:childTnLst>
+                    </p:cTn>
+                  </p:par>
+                </p:childTnLst>
+              </p:cTn>
+              <p:prevCondLst>
+                <p:cond evt="onPrev" delay="0">
+                  <p:tgtEl>
+                    <p:sldTgt/>
+                  </p:tgtEl>
+                </p:cond>
+              </p:prevCondLst>
+              <p:nextCondLst>
+                <p:cond evt="onNext" delay="0">
+                  <p:tgtEl>
+                    <p:sldTgt/>
+                  </p:tgtEl>
+                </p:cond>
+              </p:nextCondLst>
+            </p:seq>
+          </p:childTnLst>
+        </p:cTn>
+      </p:par>
+    </p:tnLst>
+    <p:bldLst>
+      <p:bldP spid="3" grpId="0" build="p"/>
+    </p:bldLst>
+  </p:timing>
 </p:sld>
 </file>
 
@@ -5496,10 +7233,14 @@
           <a:lstStyle/>
           <a:p>
             <a:r>
-              <a:rPr lang="en-US" dirty="0"/>
+              <a:rPr lang="en-US" dirty="0">
+                <a:latin typeface="Garamond" panose="02020404030301010803" pitchFamily="18" charset="0"/>
+              </a:rPr>
               <a:t>Hardware Used</a:t>
             </a:r>
-            <a:endParaRPr lang="en-IN" dirty="0"/>
+            <a:endParaRPr lang="en-IN" dirty="0">
+              <a:latin typeface="Garamond" panose="02020404030301010803" pitchFamily="18" charset="0"/>
+            </a:endParaRPr>
           </a:p>
         </p:txBody>
       </p:sp>
@@ -5525,35 +7266,56 @@
           <a:lstStyle/>
           <a:p>
             <a:r>
-              <a:rPr lang="en-IN" dirty="0"/>
+              <a:rPr lang="en-IN" dirty="0">
+                <a:latin typeface="Frank Ruhl Hofshi" panose="00000500000000000000" pitchFamily="50" charset="-79"/>
+                <a:cs typeface="Frank Ruhl Hofshi" panose="00000500000000000000" pitchFamily="50" charset="-79"/>
+              </a:rPr>
               <a:t>HP Pavilion with Intel i5 Quad-Core, Integrated Graphics Card, 8GB RAM</a:t>
             </a:r>
           </a:p>
           <a:p>
             <a:r>
-              <a:rPr lang="en-IN" dirty="0"/>
+              <a:rPr lang="en-IN" dirty="0">
+                <a:latin typeface="Frank Ruhl Hofshi" panose="00000500000000000000" pitchFamily="50" charset="-79"/>
+                <a:cs typeface="Frank Ruhl Hofshi" panose="00000500000000000000" pitchFamily="50" charset="-79"/>
+              </a:rPr>
               <a:t>Dell G3 with 2.6GHz Hexa-Core Intel i7 Processor, Integrated Graphics Card, 8GB RAM</a:t>
             </a:r>
           </a:p>
           <a:p>
             <a:r>
-              <a:rPr lang="en-IN" dirty="0"/>
+              <a:rPr lang="en-IN" dirty="0">
+                <a:latin typeface="Frank Ruhl Hofshi" panose="00000500000000000000" pitchFamily="50" charset="-79"/>
+                <a:cs typeface="Frank Ruhl Hofshi" panose="00000500000000000000" pitchFamily="50" charset="-79"/>
+              </a:rPr>
               <a:t>Asus </a:t>
             </a:r>
             <a:r>
-              <a:rPr lang="en-IN" dirty="0" err="1"/>
+              <a:rPr lang="en-IN" dirty="0" err="1">
+                <a:latin typeface="Frank Ruhl Hofshi" panose="00000500000000000000" pitchFamily="50" charset="-79"/>
+                <a:cs typeface="Frank Ruhl Hofshi" panose="00000500000000000000" pitchFamily="50" charset="-79"/>
+              </a:rPr>
               <a:t>Vivibook</a:t>
             </a:r>
             <a:r>
-              <a:rPr lang="en-IN" dirty="0"/>
+              <a:rPr lang="en-IN" dirty="0">
+                <a:latin typeface="Frank Ruhl Hofshi" panose="00000500000000000000" pitchFamily="50" charset="-79"/>
+                <a:cs typeface="Frank Ruhl Hofshi" panose="00000500000000000000" pitchFamily="50" charset="-79"/>
+              </a:rPr>
               <a:t> 2GHz Quad-Core AMD </a:t>
             </a:r>
             <a:r>
-              <a:rPr lang="en-IN" dirty="0" err="1"/>
+              <a:rPr lang="en-IN" dirty="0" err="1">
+                <a:latin typeface="Frank Ruhl Hofshi" panose="00000500000000000000" pitchFamily="50" charset="-79"/>
+                <a:cs typeface="Frank Ruhl Hofshi" panose="00000500000000000000" pitchFamily="50" charset="-79"/>
+              </a:rPr>
               <a:t>Ryzen</a:t>
             </a:r>
             <a:r>
-              <a:rPr lang="en-IN" dirty="0"/>
+              <a:rPr lang="en-IN" dirty="0">
+                <a:latin typeface="Frank Ruhl Hofshi" panose="00000500000000000000" pitchFamily="50" charset="-79"/>
+                <a:cs typeface="Frank Ruhl Hofshi" panose="00000500000000000000" pitchFamily="50" charset="-79"/>
+              </a:rPr>
               <a:t> 5 Processor, Integrated Graphics Card, 8GB RAM</a:t>
             </a:r>
           </a:p>
@@ -5569,6 +7331,186 @@
   <p:clrMapOvr>
     <a:masterClrMapping/>
   </p:clrMapOvr>
+  <p:timing>
+    <p:tnLst>
+      <p:par>
+        <p:cTn id="1" dur="indefinite" restart="never" nodeType="tmRoot">
+          <p:childTnLst>
+            <p:seq concurrent="1" nextAc="seek">
+              <p:cTn id="2" dur="indefinite" nodeType="mainSeq">
+                <p:childTnLst>
+                  <p:par>
+                    <p:cTn id="3" fill="hold">
+                      <p:stCondLst>
+                        <p:cond delay="indefinite"/>
+                      </p:stCondLst>
+                      <p:childTnLst>
+                        <p:par>
+                          <p:cTn id="4" fill="hold">
+                            <p:stCondLst>
+                              <p:cond delay="0"/>
+                            </p:stCondLst>
+                            <p:childTnLst>
+                              <p:par>
+                                <p:cTn id="5" presetID="1" presetClass="entr" presetSubtype="0" fill="hold" grpId="0" nodeType="clickEffect">
+                                  <p:stCondLst>
+                                    <p:cond delay="0"/>
+                                  </p:stCondLst>
+                                  <p:childTnLst>
+                                    <p:set>
+                                      <p:cBhvr>
+                                        <p:cTn id="6" dur="1" fill="hold">
+                                          <p:stCondLst>
+                                            <p:cond delay="0"/>
+                                          </p:stCondLst>
+                                        </p:cTn>
+                                        <p:tgtEl>
+                                          <p:spTgt spid="3">
+                                            <p:txEl>
+                                              <p:pRg st="0" end="0"/>
+                                            </p:txEl>
+                                          </p:spTgt>
+                                        </p:tgtEl>
+                                        <p:attrNameLst>
+                                          <p:attrName>style.visibility</p:attrName>
+                                        </p:attrNameLst>
+                                      </p:cBhvr>
+                                      <p:to>
+                                        <p:strVal val="visible"/>
+                                      </p:to>
+                                    </p:set>
+                                  </p:childTnLst>
+                                </p:cTn>
+                              </p:par>
+                            </p:childTnLst>
+                          </p:cTn>
+                        </p:par>
+                      </p:childTnLst>
+                    </p:cTn>
+                  </p:par>
+                  <p:par>
+                    <p:cTn id="7" fill="hold">
+                      <p:stCondLst>
+                        <p:cond delay="indefinite"/>
+                      </p:stCondLst>
+                      <p:childTnLst>
+                        <p:par>
+                          <p:cTn id="8" fill="hold">
+                            <p:stCondLst>
+                              <p:cond delay="0"/>
+                            </p:stCondLst>
+                            <p:childTnLst>
+                              <p:par>
+                                <p:cTn id="9" presetID="1" presetClass="entr" presetSubtype="0" fill="hold" grpId="0" nodeType="clickEffect">
+                                  <p:stCondLst>
+                                    <p:cond delay="0"/>
+                                  </p:stCondLst>
+                                  <p:childTnLst>
+                                    <p:set>
+                                      <p:cBhvr>
+                                        <p:cTn id="10" dur="1" fill="hold">
+                                          <p:stCondLst>
+                                            <p:cond delay="0"/>
+                                          </p:stCondLst>
+                                        </p:cTn>
+                                        <p:tgtEl>
+                                          <p:spTgt spid="3">
+                                            <p:txEl>
+                                              <p:pRg st="1" end="1"/>
+                                            </p:txEl>
+                                          </p:spTgt>
+                                        </p:tgtEl>
+                                        <p:attrNameLst>
+                                          <p:attrName>style.visibility</p:attrName>
+                                        </p:attrNameLst>
+                                      </p:cBhvr>
+                                      <p:to>
+                                        <p:strVal val="visible"/>
+                                      </p:to>
+                                    </p:set>
+                                  </p:childTnLst>
+                                </p:cTn>
+                              </p:par>
+                            </p:childTnLst>
+                          </p:cTn>
+                        </p:par>
+                      </p:childTnLst>
+                    </p:cTn>
+                  </p:par>
+                  <p:par>
+                    <p:cTn id="11" fill="hold">
+                      <p:stCondLst>
+                        <p:cond delay="indefinite"/>
+                      </p:stCondLst>
+                      <p:childTnLst>
+                        <p:par>
+                          <p:cTn id="12" fill="hold">
+                            <p:stCondLst>
+                              <p:cond delay="0"/>
+                            </p:stCondLst>
+                            <p:childTnLst>
+                              <p:par>
+                                <p:cTn id="13" presetID="1" presetClass="entr" presetSubtype="0" fill="hold" grpId="0" nodeType="clickEffect">
+                                  <p:stCondLst>
+                                    <p:cond delay="0"/>
+                                  </p:stCondLst>
+                                  <p:childTnLst>
+                                    <p:set>
+                                      <p:cBhvr>
+                                        <p:cTn id="14" dur="1" fill="hold">
+                                          <p:stCondLst>
+                                            <p:cond delay="0"/>
+                                          </p:stCondLst>
+                                        </p:cTn>
+                                        <p:tgtEl>
+                                          <p:spTgt spid="3">
+                                            <p:txEl>
+                                              <p:pRg st="2" end="2"/>
+                                            </p:txEl>
+                                          </p:spTgt>
+                                        </p:tgtEl>
+                                        <p:attrNameLst>
+                                          <p:attrName>style.visibility</p:attrName>
+                                        </p:attrNameLst>
+                                      </p:cBhvr>
+                                      <p:to>
+                                        <p:strVal val="visible"/>
+                                      </p:to>
+                                    </p:set>
+                                  </p:childTnLst>
+                                </p:cTn>
+                              </p:par>
+                            </p:childTnLst>
+                          </p:cTn>
+                        </p:par>
+                      </p:childTnLst>
+                    </p:cTn>
+                  </p:par>
+                </p:childTnLst>
+              </p:cTn>
+              <p:prevCondLst>
+                <p:cond evt="onPrev" delay="0">
+                  <p:tgtEl>
+                    <p:sldTgt/>
+                  </p:tgtEl>
+                </p:cond>
+              </p:prevCondLst>
+              <p:nextCondLst>
+                <p:cond evt="onNext" delay="0">
+                  <p:tgtEl>
+                    <p:sldTgt/>
+                  </p:tgtEl>
+                </p:cond>
+              </p:nextCondLst>
+            </p:seq>
+          </p:childTnLst>
+        </p:cTn>
+      </p:par>
+    </p:tnLst>
+    <p:bldLst>
+      <p:bldP spid="3" grpId="0" build="p"/>
+    </p:bldLst>
+  </p:timing>
 </p:sld>
 </file>
 
@@ -5611,10 +7553,14 @@
           <a:lstStyle/>
           <a:p>
             <a:r>
-              <a:rPr lang="en-US" dirty="0"/>
+              <a:rPr lang="en-US" dirty="0">
+                <a:latin typeface="Garamond" panose="02020404030301010803" pitchFamily="18" charset="0"/>
+              </a:rPr>
               <a:t>Significance of the Hardware</a:t>
             </a:r>
-            <a:endParaRPr lang="en-IN" dirty="0"/>
+            <a:endParaRPr lang="en-IN" dirty="0">
+              <a:latin typeface="Garamond" panose="02020404030301010803" pitchFamily="18" charset="0"/>
+            </a:endParaRPr>
           </a:p>
         </p:txBody>
       </p:sp>
@@ -5640,13 +7586,19 @@
           <a:lstStyle/>
           <a:p>
             <a:r>
-              <a:rPr lang="en-US" dirty="0"/>
+              <a:rPr lang="en-US" dirty="0">
+                <a:latin typeface="Frank Ruhl Hofshi" panose="00000500000000000000" pitchFamily="50" charset="-79"/>
+                <a:cs typeface="Frank Ruhl Hofshi" panose="00000500000000000000" pitchFamily="50" charset="-79"/>
+              </a:rPr>
               <a:t>RAM and Processor for Processing Speed</a:t>
             </a:r>
           </a:p>
           <a:p>
             <a:r>
-              <a:rPr lang="en-US" dirty="0"/>
+              <a:rPr lang="en-US" dirty="0">
+                <a:latin typeface="Frank Ruhl Hofshi" panose="00000500000000000000" pitchFamily="50" charset="-79"/>
+                <a:cs typeface="Frank Ruhl Hofshi" panose="00000500000000000000" pitchFamily="50" charset="-79"/>
+              </a:rPr>
               <a:t>GPU Might Help!</a:t>
             </a:r>
           </a:p>
@@ -5665,10 +7617,1025 @@
   <p:clrMapOvr>
     <a:masterClrMapping/>
   </p:clrMapOvr>
+  <p:timing>
+    <p:tnLst>
+      <p:par>
+        <p:cTn id="1" dur="indefinite" restart="never" nodeType="tmRoot">
+          <p:childTnLst>
+            <p:seq concurrent="1" nextAc="seek">
+              <p:cTn id="2" dur="indefinite" nodeType="mainSeq">
+                <p:childTnLst>
+                  <p:par>
+                    <p:cTn id="3" fill="hold">
+                      <p:stCondLst>
+                        <p:cond delay="indefinite"/>
+                      </p:stCondLst>
+                      <p:childTnLst>
+                        <p:par>
+                          <p:cTn id="4" fill="hold">
+                            <p:stCondLst>
+                              <p:cond delay="0"/>
+                            </p:stCondLst>
+                            <p:childTnLst>
+                              <p:par>
+                                <p:cTn id="5" presetID="1" presetClass="entr" presetSubtype="0" fill="hold" grpId="0" nodeType="clickEffect">
+                                  <p:stCondLst>
+                                    <p:cond delay="0"/>
+                                  </p:stCondLst>
+                                  <p:childTnLst>
+                                    <p:set>
+                                      <p:cBhvr>
+                                        <p:cTn id="6" dur="1" fill="hold">
+                                          <p:stCondLst>
+                                            <p:cond delay="0"/>
+                                          </p:stCondLst>
+                                        </p:cTn>
+                                        <p:tgtEl>
+                                          <p:spTgt spid="3">
+                                            <p:txEl>
+                                              <p:pRg st="0" end="0"/>
+                                            </p:txEl>
+                                          </p:spTgt>
+                                        </p:tgtEl>
+                                        <p:attrNameLst>
+                                          <p:attrName>style.visibility</p:attrName>
+                                        </p:attrNameLst>
+                                      </p:cBhvr>
+                                      <p:to>
+                                        <p:strVal val="visible"/>
+                                      </p:to>
+                                    </p:set>
+                                  </p:childTnLst>
+                                </p:cTn>
+                              </p:par>
+                            </p:childTnLst>
+                          </p:cTn>
+                        </p:par>
+                      </p:childTnLst>
+                    </p:cTn>
+                  </p:par>
+                  <p:par>
+                    <p:cTn id="7" fill="hold">
+                      <p:stCondLst>
+                        <p:cond delay="indefinite"/>
+                      </p:stCondLst>
+                      <p:childTnLst>
+                        <p:par>
+                          <p:cTn id="8" fill="hold">
+                            <p:stCondLst>
+                              <p:cond delay="0"/>
+                            </p:stCondLst>
+                            <p:childTnLst>
+                              <p:par>
+                                <p:cTn id="9" presetID="1" presetClass="entr" presetSubtype="0" fill="hold" grpId="0" nodeType="clickEffect">
+                                  <p:stCondLst>
+                                    <p:cond delay="0"/>
+                                  </p:stCondLst>
+                                  <p:childTnLst>
+                                    <p:set>
+                                      <p:cBhvr>
+                                        <p:cTn id="10" dur="1" fill="hold">
+                                          <p:stCondLst>
+                                            <p:cond delay="0"/>
+                                          </p:stCondLst>
+                                        </p:cTn>
+                                        <p:tgtEl>
+                                          <p:spTgt spid="3">
+                                            <p:txEl>
+                                              <p:pRg st="1" end="1"/>
+                                            </p:txEl>
+                                          </p:spTgt>
+                                        </p:tgtEl>
+                                        <p:attrNameLst>
+                                          <p:attrName>style.visibility</p:attrName>
+                                        </p:attrNameLst>
+                                      </p:cBhvr>
+                                      <p:to>
+                                        <p:strVal val="visible"/>
+                                      </p:to>
+                                    </p:set>
+                                  </p:childTnLst>
+                                </p:cTn>
+                              </p:par>
+                            </p:childTnLst>
+                          </p:cTn>
+                        </p:par>
+                      </p:childTnLst>
+                    </p:cTn>
+                  </p:par>
+                </p:childTnLst>
+              </p:cTn>
+              <p:prevCondLst>
+                <p:cond evt="onPrev" delay="0">
+                  <p:tgtEl>
+                    <p:sldTgt/>
+                  </p:tgtEl>
+                </p:cond>
+              </p:prevCondLst>
+              <p:nextCondLst>
+                <p:cond evt="onNext" delay="0">
+                  <p:tgtEl>
+                    <p:sldTgt/>
+                  </p:tgtEl>
+                </p:cond>
+              </p:nextCondLst>
+            </p:seq>
+          </p:childTnLst>
+        </p:cTn>
+      </p:par>
+    </p:tnLst>
+    <p:bldLst>
+      <p:bldP spid="3" grpId="0" build="p"/>
+    </p:bldLst>
+  </p:timing>
 </p:sld>
 </file>
 
 <file path=ppt/slides/slide6.xml><?xml version="1.0" encoding="utf-8"?>
+<p:sld xmlns:a="http://schemas.openxmlformats.org/drawingml/2006/main" xmlns:r="http://schemas.openxmlformats.org/officeDocument/2006/relationships" xmlns:p="http://schemas.openxmlformats.org/presentationml/2006/main">
+  <p:cSld>
+    <p:spTree>
+      <p:nvGrpSpPr>
+        <p:cNvPr id="1" name=""/>
+        <p:cNvGrpSpPr/>
+        <p:nvPr/>
+      </p:nvGrpSpPr>
+      <p:grpSpPr>
+        <a:xfrm>
+          <a:off x="0" y="0"/>
+          <a:ext cx="0" cy="0"/>
+          <a:chOff x="0" y="0"/>
+          <a:chExt cx="0" cy="0"/>
+        </a:xfrm>
+      </p:grpSpPr>
+      <p:sp>
+        <p:nvSpPr>
+          <p:cNvPr id="2" name="Title 1">
+            <a:extLst>
+              <a:ext uri="{FF2B5EF4-FFF2-40B4-BE49-F238E27FC236}">
+                <a16:creationId xmlns:a16="http://schemas.microsoft.com/office/drawing/2014/main" id="{FBAAA32B-BD42-4446-809A-7EC9BA53ACA7}"/>
+              </a:ext>
+            </a:extLst>
+          </p:cNvPr>
+          <p:cNvSpPr>
+            <a:spLocks noGrp="1"/>
+          </p:cNvSpPr>
+          <p:nvPr>
+            <p:ph type="title"/>
+          </p:nvPr>
+        </p:nvSpPr>
+        <p:spPr/>
+        <p:txBody>
+          <a:bodyPr/>
+          <a:lstStyle/>
+          <a:p>
+            <a:r>
+              <a:rPr lang="en-US" dirty="0">
+                <a:latin typeface="Garamond" panose="02020404030301010803" pitchFamily="18" charset="0"/>
+              </a:rPr>
+              <a:t>Background</a:t>
+            </a:r>
+            <a:endParaRPr lang="en-IN" dirty="0">
+              <a:latin typeface="Garamond" panose="02020404030301010803" pitchFamily="18" charset="0"/>
+            </a:endParaRPr>
+          </a:p>
+        </p:txBody>
+      </p:sp>
+      <p:sp>
+        <p:nvSpPr>
+          <p:cNvPr id="3" name="Content Placeholder 2">
+            <a:extLst>
+              <a:ext uri="{FF2B5EF4-FFF2-40B4-BE49-F238E27FC236}">
+                <a16:creationId xmlns:a16="http://schemas.microsoft.com/office/drawing/2014/main" id="{E0643363-7A65-4963-9491-D6A5839A5585}"/>
+              </a:ext>
+            </a:extLst>
+          </p:cNvPr>
+          <p:cNvSpPr>
+            <a:spLocks noGrp="1"/>
+          </p:cNvSpPr>
+          <p:nvPr>
+            <p:ph idx="1"/>
+          </p:nvPr>
+        </p:nvSpPr>
+        <p:spPr>
+          <a:xfrm>
+            <a:off x="838200" y="1690688"/>
+            <a:ext cx="10515600" cy="4351338"/>
+          </a:xfrm>
+        </p:spPr>
+        <p:txBody>
+          <a:bodyPr>
+            <a:normAutofit fontScale="92500" lnSpcReduction="10000"/>
+          </a:bodyPr>
+          <a:lstStyle/>
+          <a:p>
+            <a:r>
+              <a:rPr lang="en-US" dirty="0">
+                <a:latin typeface="Frank Ruhl Hofshi" panose="00000500000000000000" pitchFamily="50" charset="-79"/>
+                <a:cs typeface="Frank Ruhl Hofshi" panose="00000500000000000000" pitchFamily="50" charset="-79"/>
+              </a:rPr>
+              <a:t>Works on Image Recognition and CNN</a:t>
+            </a:r>
+          </a:p>
+          <a:p>
+            <a:pPr lvl="1"/>
+            <a:r>
+              <a:rPr lang="en-US" sz="1800" dirty="0">
+                <a:effectLst/>
+                <a:latin typeface="Frank Ruhl Hofshi" panose="00000500000000000000" pitchFamily="50" charset="-79"/>
+                <a:ea typeface="Times New Roman" panose="02020603050405020304" pitchFamily="18" charset="0"/>
+                <a:cs typeface="Frank Ruhl Hofshi" panose="00000500000000000000" pitchFamily="50" charset="-79"/>
+              </a:rPr>
+              <a:t>ImageNet classification with deep Convolutional Neural Networks</a:t>
+            </a:r>
+            <a:endParaRPr lang="en-IN" sz="1800" dirty="0">
+              <a:effectLst/>
+              <a:latin typeface="Frank Ruhl Hofshi" panose="00000500000000000000" pitchFamily="50" charset="-79"/>
+              <a:ea typeface="Times New Roman" panose="02020603050405020304" pitchFamily="18" charset="0"/>
+              <a:cs typeface="Frank Ruhl Hofshi" panose="00000500000000000000" pitchFamily="50" charset="-79"/>
+            </a:endParaRPr>
+          </a:p>
+          <a:p>
+            <a:pPr lvl="1"/>
+            <a:r>
+              <a:rPr lang="en-IN" sz="1800" dirty="0">
+                <a:effectLst/>
+                <a:latin typeface="Frank Ruhl Hofshi" panose="00000500000000000000" pitchFamily="50" charset="-79"/>
+                <a:ea typeface="Times New Roman" panose="02020603050405020304" pitchFamily="18" charset="0"/>
+                <a:cs typeface="Frank Ruhl Hofshi" panose="00000500000000000000" pitchFamily="50" charset="-79"/>
+              </a:rPr>
+              <a:t>Very Deep Convolutional Networks for Large-Scale Image Recognition</a:t>
+            </a:r>
+            <a:endParaRPr lang="en-US" dirty="0">
+              <a:latin typeface="Frank Ruhl Hofshi" panose="00000500000000000000" pitchFamily="50" charset="-79"/>
+              <a:cs typeface="Frank Ruhl Hofshi" panose="00000500000000000000" pitchFamily="50" charset="-79"/>
+            </a:endParaRPr>
+          </a:p>
+          <a:p>
+            <a:r>
+              <a:rPr lang="en-US" dirty="0">
+                <a:latin typeface="Frank Ruhl Hofshi" panose="00000500000000000000" pitchFamily="50" charset="-79"/>
+                <a:cs typeface="Frank Ruhl Hofshi" panose="00000500000000000000" pitchFamily="50" charset="-79"/>
+              </a:rPr>
+              <a:t>Works on Character Recognition</a:t>
+            </a:r>
+          </a:p>
+          <a:p>
+            <a:pPr lvl="1"/>
+            <a:r>
+              <a:rPr lang="en-US" sz="1800" dirty="0">
+                <a:effectLst/>
+                <a:latin typeface="Frank Ruhl Hofshi" panose="00000500000000000000" pitchFamily="50" charset="-79"/>
+                <a:ea typeface="Times New Roman" panose="02020603050405020304" pitchFamily="18" charset="0"/>
+                <a:cs typeface="Frank Ruhl Hofshi" panose="00000500000000000000" pitchFamily="50" charset="-79"/>
+              </a:rPr>
+              <a:t>Automatic Visual Features for Writer Identification: A Deep Learning Approach</a:t>
+            </a:r>
+          </a:p>
+          <a:p>
+            <a:pPr lvl="1"/>
+            <a:r>
+              <a:rPr lang="en-US" sz="1800" dirty="0">
+                <a:effectLst/>
+                <a:latin typeface="Frank Ruhl Hofshi" panose="00000500000000000000" pitchFamily="50" charset="-79"/>
+                <a:ea typeface="Times New Roman" panose="02020603050405020304" pitchFamily="18" charset="0"/>
+                <a:cs typeface="Frank Ruhl Hofshi" panose="00000500000000000000" pitchFamily="50" charset="-79"/>
+              </a:rPr>
+              <a:t>Handwritten Character Recognition of South Indian Scripts: A Review</a:t>
+            </a:r>
+            <a:endParaRPr lang="en-US" sz="1800" dirty="0">
+              <a:latin typeface="Frank Ruhl Hofshi" panose="00000500000000000000" pitchFamily="50" charset="-79"/>
+              <a:ea typeface="Times New Roman" panose="02020603050405020304" pitchFamily="18" charset="0"/>
+              <a:cs typeface="Frank Ruhl Hofshi" panose="00000500000000000000" pitchFamily="50" charset="-79"/>
+            </a:endParaRPr>
+          </a:p>
+          <a:p>
+            <a:pPr lvl="1"/>
+            <a:r>
+              <a:rPr lang="en-US" sz="1800" dirty="0">
+                <a:effectLst/>
+                <a:latin typeface="Frank Ruhl Hofshi" panose="00000500000000000000" pitchFamily="50" charset="-79"/>
+                <a:ea typeface="Times New Roman" panose="02020603050405020304" pitchFamily="18" charset="0"/>
+                <a:cs typeface="Frank Ruhl Hofshi" panose="00000500000000000000" pitchFamily="50" charset="-79"/>
+              </a:rPr>
+              <a:t>A High Performance Domain Specific </a:t>
+            </a:r>
+            <a:r>
+              <a:rPr lang="en-US" sz="1800" dirty="0" err="1">
+                <a:effectLst/>
+                <a:latin typeface="Frank Ruhl Hofshi" panose="00000500000000000000" pitchFamily="50" charset="-79"/>
+                <a:ea typeface="Times New Roman" panose="02020603050405020304" pitchFamily="18" charset="0"/>
+                <a:cs typeface="Frank Ruhl Hofshi" panose="00000500000000000000" pitchFamily="50" charset="-79"/>
+              </a:rPr>
+              <a:t>Ocr</a:t>
+            </a:r>
+            <a:r>
+              <a:rPr lang="en-US" sz="1800" dirty="0">
+                <a:effectLst/>
+                <a:latin typeface="Frank Ruhl Hofshi" panose="00000500000000000000" pitchFamily="50" charset="-79"/>
+                <a:ea typeface="Times New Roman" panose="02020603050405020304" pitchFamily="18" charset="0"/>
+                <a:cs typeface="Frank Ruhl Hofshi" panose="00000500000000000000" pitchFamily="50" charset="-79"/>
+              </a:rPr>
+              <a:t> For Bangla Script</a:t>
+            </a:r>
+          </a:p>
+          <a:p>
+            <a:pPr lvl="1"/>
+            <a:r>
+              <a:rPr lang="en-US" sz="1800" dirty="0">
+                <a:effectLst/>
+                <a:latin typeface="Frank Ruhl Hofshi" panose="00000500000000000000" pitchFamily="50" charset="-79"/>
+                <a:ea typeface="Times New Roman" panose="02020603050405020304" pitchFamily="18" charset="0"/>
+                <a:cs typeface="Frank Ruhl Hofshi" panose="00000500000000000000" pitchFamily="50" charset="-79"/>
+              </a:rPr>
+              <a:t>Bangla character recognition based on </a:t>
+            </a:r>
+            <a:r>
+              <a:rPr lang="en-US" sz="1800" dirty="0" err="1">
+                <a:effectLst/>
+                <a:latin typeface="Frank Ruhl Hofshi" panose="00000500000000000000" pitchFamily="50" charset="-79"/>
+                <a:ea typeface="Times New Roman" panose="02020603050405020304" pitchFamily="18" charset="0"/>
+                <a:cs typeface="Frank Ruhl Hofshi" panose="00000500000000000000" pitchFamily="50" charset="-79"/>
+              </a:rPr>
+              <a:t>Mobilenet</a:t>
+            </a:r>
+            <a:r>
+              <a:rPr lang="en-US" sz="1800" dirty="0">
+                <a:effectLst/>
+                <a:latin typeface="Frank Ruhl Hofshi" panose="00000500000000000000" pitchFamily="50" charset="-79"/>
+                <a:ea typeface="Times New Roman" panose="02020603050405020304" pitchFamily="18" charset="0"/>
+                <a:cs typeface="Frank Ruhl Hofshi" panose="00000500000000000000" pitchFamily="50" charset="-79"/>
+              </a:rPr>
+              <a:t> v1 and Inception v3</a:t>
+            </a:r>
+            <a:endParaRPr lang="en-US" sz="1800" dirty="0">
+              <a:latin typeface="Frank Ruhl Hofshi" panose="00000500000000000000" pitchFamily="50" charset="-79"/>
+              <a:ea typeface="Times New Roman" panose="02020603050405020304" pitchFamily="18" charset="0"/>
+              <a:cs typeface="Frank Ruhl Hofshi" panose="00000500000000000000" pitchFamily="50" charset="-79"/>
+            </a:endParaRPr>
+          </a:p>
+          <a:p>
+            <a:pPr lvl="1"/>
+            <a:r>
+              <a:rPr lang="en-US" sz="1800" dirty="0">
+                <a:effectLst/>
+                <a:latin typeface="Frank Ruhl Hofshi" panose="00000500000000000000" pitchFamily="50" charset="-79"/>
+                <a:ea typeface="Times New Roman" panose="02020603050405020304" pitchFamily="18" charset="0"/>
+                <a:cs typeface="Frank Ruhl Hofshi" panose="00000500000000000000" pitchFamily="50" charset="-79"/>
+              </a:rPr>
+              <a:t>CNN implementation based on Bangla numeral character recognition</a:t>
+            </a:r>
+            <a:endParaRPr lang="en-US" dirty="0">
+              <a:latin typeface="Frank Ruhl Hofshi" panose="00000500000000000000" pitchFamily="50" charset="-79"/>
+              <a:cs typeface="Frank Ruhl Hofshi" panose="00000500000000000000" pitchFamily="50" charset="-79"/>
+            </a:endParaRPr>
+          </a:p>
+          <a:p>
+            <a:r>
+              <a:rPr lang="en-US" dirty="0">
+                <a:latin typeface="Frank Ruhl Hofshi" panose="00000500000000000000" pitchFamily="50" charset="-79"/>
+                <a:cs typeface="Frank Ruhl Hofshi" panose="00000500000000000000" pitchFamily="50" charset="-79"/>
+              </a:rPr>
+              <a:t>Works on Writer Recognition</a:t>
+            </a:r>
+          </a:p>
+          <a:p>
+            <a:pPr lvl="1"/>
+            <a:r>
+              <a:rPr lang="en-US" sz="1800" dirty="0">
+                <a:effectLst/>
+                <a:latin typeface="Frank Ruhl Hofshi" panose="00000500000000000000" pitchFamily="50" charset="-79"/>
+                <a:ea typeface="Times New Roman" panose="02020603050405020304" pitchFamily="18" charset="0"/>
+                <a:cs typeface="Frank Ruhl Hofshi" panose="00000500000000000000" pitchFamily="50" charset="-79"/>
+              </a:rPr>
+              <a:t>Offline writer identification using convolutional neural network activation features</a:t>
+            </a:r>
+          </a:p>
+          <a:p>
+            <a:pPr lvl="1"/>
+            <a:r>
+              <a:rPr lang="en-US" sz="1800" dirty="0">
+                <a:effectLst/>
+                <a:latin typeface="Frank Ruhl Hofshi" panose="00000500000000000000" pitchFamily="50" charset="-79"/>
+                <a:ea typeface="Times New Roman" panose="02020603050405020304" pitchFamily="18" charset="0"/>
+                <a:cs typeface="Frank Ruhl Hofshi" panose="00000500000000000000" pitchFamily="50" charset="-79"/>
+              </a:rPr>
+              <a:t>Writer identification using an HMM-based handwriting recognition system: To normalize the input or not</a:t>
+            </a:r>
+          </a:p>
+          <a:p>
+            <a:pPr lvl="1"/>
+            <a:r>
+              <a:rPr lang="en-US" sz="1800" dirty="0">
+                <a:effectLst/>
+                <a:latin typeface="Frank Ruhl Hofshi" panose="00000500000000000000" pitchFamily="50" charset="-79"/>
+                <a:ea typeface="Times New Roman" panose="02020603050405020304" pitchFamily="18" charset="0"/>
+                <a:cs typeface="Frank Ruhl Hofshi" panose="00000500000000000000" pitchFamily="50" charset="-79"/>
+              </a:rPr>
+              <a:t>Offline Text-Independent Writer Identification Based on Scale Invariant Feature Transform</a:t>
+            </a:r>
+            <a:endParaRPr lang="en-IN" dirty="0">
+              <a:latin typeface="Frank Ruhl Hofshi" panose="00000500000000000000" pitchFamily="50" charset="-79"/>
+              <a:cs typeface="Frank Ruhl Hofshi" panose="00000500000000000000" pitchFamily="50" charset="-79"/>
+            </a:endParaRPr>
+          </a:p>
+        </p:txBody>
+      </p:sp>
+    </p:spTree>
+    <p:extLst>
+      <p:ext uri="{BB962C8B-B14F-4D97-AF65-F5344CB8AC3E}">
+        <p14:creationId xmlns:p14="http://schemas.microsoft.com/office/powerpoint/2010/main" val="98565076"/>
+      </p:ext>
+    </p:extLst>
+  </p:cSld>
+  <p:clrMapOvr>
+    <a:masterClrMapping/>
+  </p:clrMapOvr>
+  <p:timing>
+    <p:tnLst>
+      <p:par>
+        <p:cTn id="1" dur="indefinite" restart="never" nodeType="tmRoot">
+          <p:childTnLst>
+            <p:seq concurrent="1" nextAc="seek">
+              <p:cTn id="2" dur="indefinite" nodeType="mainSeq">
+                <p:childTnLst>
+                  <p:par>
+                    <p:cTn id="3" fill="hold">
+                      <p:stCondLst>
+                        <p:cond delay="indefinite"/>
+                      </p:stCondLst>
+                      <p:childTnLst>
+                        <p:par>
+                          <p:cTn id="4" fill="hold">
+                            <p:stCondLst>
+                              <p:cond delay="0"/>
+                            </p:stCondLst>
+                            <p:childTnLst>
+                              <p:par>
+                                <p:cTn id="5" presetID="1" presetClass="entr" presetSubtype="0" fill="hold" grpId="0" nodeType="clickEffect">
+                                  <p:stCondLst>
+                                    <p:cond delay="0"/>
+                                  </p:stCondLst>
+                                  <p:childTnLst>
+                                    <p:set>
+                                      <p:cBhvr>
+                                        <p:cTn id="6" dur="1" fill="hold">
+                                          <p:stCondLst>
+                                            <p:cond delay="0"/>
+                                          </p:stCondLst>
+                                        </p:cTn>
+                                        <p:tgtEl>
+                                          <p:spTgt spid="3">
+                                            <p:txEl>
+                                              <p:pRg st="0" end="0"/>
+                                            </p:txEl>
+                                          </p:spTgt>
+                                        </p:tgtEl>
+                                        <p:attrNameLst>
+                                          <p:attrName>style.visibility</p:attrName>
+                                        </p:attrNameLst>
+                                      </p:cBhvr>
+                                      <p:to>
+                                        <p:strVal val="visible"/>
+                                      </p:to>
+                                    </p:set>
+                                  </p:childTnLst>
+                                </p:cTn>
+                              </p:par>
+                              <p:par>
+                                <p:cTn id="7" presetID="1" presetClass="entr" presetSubtype="0" fill="hold" grpId="0" nodeType="withEffect">
+                                  <p:stCondLst>
+                                    <p:cond delay="0"/>
+                                  </p:stCondLst>
+                                  <p:childTnLst>
+                                    <p:set>
+                                      <p:cBhvr>
+                                        <p:cTn id="8" dur="1" fill="hold">
+                                          <p:stCondLst>
+                                            <p:cond delay="0"/>
+                                          </p:stCondLst>
+                                        </p:cTn>
+                                        <p:tgtEl>
+                                          <p:spTgt spid="3">
+                                            <p:txEl>
+                                              <p:pRg st="1" end="1"/>
+                                            </p:txEl>
+                                          </p:spTgt>
+                                        </p:tgtEl>
+                                        <p:attrNameLst>
+                                          <p:attrName>style.visibility</p:attrName>
+                                        </p:attrNameLst>
+                                      </p:cBhvr>
+                                      <p:to>
+                                        <p:strVal val="visible"/>
+                                      </p:to>
+                                    </p:set>
+                                  </p:childTnLst>
+                                </p:cTn>
+                              </p:par>
+                              <p:par>
+                                <p:cTn id="9" presetID="1" presetClass="entr" presetSubtype="0" fill="hold" grpId="0" nodeType="withEffect">
+                                  <p:stCondLst>
+                                    <p:cond delay="0"/>
+                                  </p:stCondLst>
+                                  <p:childTnLst>
+                                    <p:set>
+                                      <p:cBhvr>
+                                        <p:cTn id="10" dur="1" fill="hold">
+                                          <p:stCondLst>
+                                            <p:cond delay="0"/>
+                                          </p:stCondLst>
+                                        </p:cTn>
+                                        <p:tgtEl>
+                                          <p:spTgt spid="3">
+                                            <p:txEl>
+                                              <p:pRg st="2" end="2"/>
+                                            </p:txEl>
+                                          </p:spTgt>
+                                        </p:tgtEl>
+                                        <p:attrNameLst>
+                                          <p:attrName>style.visibility</p:attrName>
+                                        </p:attrNameLst>
+                                      </p:cBhvr>
+                                      <p:to>
+                                        <p:strVal val="visible"/>
+                                      </p:to>
+                                    </p:set>
+                                  </p:childTnLst>
+                                </p:cTn>
+                              </p:par>
+                            </p:childTnLst>
+                          </p:cTn>
+                        </p:par>
+                      </p:childTnLst>
+                    </p:cTn>
+                  </p:par>
+                  <p:par>
+                    <p:cTn id="11" fill="hold">
+                      <p:stCondLst>
+                        <p:cond delay="indefinite"/>
+                      </p:stCondLst>
+                      <p:childTnLst>
+                        <p:par>
+                          <p:cTn id="12" fill="hold">
+                            <p:stCondLst>
+                              <p:cond delay="0"/>
+                            </p:stCondLst>
+                            <p:childTnLst>
+                              <p:par>
+                                <p:cTn id="13" presetID="1" presetClass="entr" presetSubtype="0" fill="hold" grpId="0" nodeType="clickEffect">
+                                  <p:stCondLst>
+                                    <p:cond delay="0"/>
+                                  </p:stCondLst>
+                                  <p:childTnLst>
+                                    <p:set>
+                                      <p:cBhvr>
+                                        <p:cTn id="14" dur="1" fill="hold">
+                                          <p:stCondLst>
+                                            <p:cond delay="0"/>
+                                          </p:stCondLst>
+                                        </p:cTn>
+                                        <p:tgtEl>
+                                          <p:spTgt spid="3">
+                                            <p:txEl>
+                                              <p:pRg st="3" end="3"/>
+                                            </p:txEl>
+                                          </p:spTgt>
+                                        </p:tgtEl>
+                                        <p:attrNameLst>
+                                          <p:attrName>style.visibility</p:attrName>
+                                        </p:attrNameLst>
+                                      </p:cBhvr>
+                                      <p:to>
+                                        <p:strVal val="visible"/>
+                                      </p:to>
+                                    </p:set>
+                                  </p:childTnLst>
+                                </p:cTn>
+                              </p:par>
+                              <p:par>
+                                <p:cTn id="15" presetID="1" presetClass="entr" presetSubtype="0" fill="hold" grpId="0" nodeType="withEffect">
+                                  <p:stCondLst>
+                                    <p:cond delay="0"/>
+                                  </p:stCondLst>
+                                  <p:childTnLst>
+                                    <p:set>
+                                      <p:cBhvr>
+                                        <p:cTn id="16" dur="1" fill="hold">
+                                          <p:stCondLst>
+                                            <p:cond delay="0"/>
+                                          </p:stCondLst>
+                                        </p:cTn>
+                                        <p:tgtEl>
+                                          <p:spTgt spid="3">
+                                            <p:txEl>
+                                              <p:pRg st="4" end="4"/>
+                                            </p:txEl>
+                                          </p:spTgt>
+                                        </p:tgtEl>
+                                        <p:attrNameLst>
+                                          <p:attrName>style.visibility</p:attrName>
+                                        </p:attrNameLst>
+                                      </p:cBhvr>
+                                      <p:to>
+                                        <p:strVal val="visible"/>
+                                      </p:to>
+                                    </p:set>
+                                  </p:childTnLst>
+                                </p:cTn>
+                              </p:par>
+                              <p:par>
+                                <p:cTn id="17" presetID="1" presetClass="entr" presetSubtype="0" fill="hold" grpId="0" nodeType="withEffect">
+                                  <p:stCondLst>
+                                    <p:cond delay="0"/>
+                                  </p:stCondLst>
+                                  <p:childTnLst>
+                                    <p:set>
+                                      <p:cBhvr>
+                                        <p:cTn id="18" dur="1" fill="hold">
+                                          <p:stCondLst>
+                                            <p:cond delay="0"/>
+                                          </p:stCondLst>
+                                        </p:cTn>
+                                        <p:tgtEl>
+                                          <p:spTgt spid="3">
+                                            <p:txEl>
+                                              <p:pRg st="5" end="5"/>
+                                            </p:txEl>
+                                          </p:spTgt>
+                                        </p:tgtEl>
+                                        <p:attrNameLst>
+                                          <p:attrName>style.visibility</p:attrName>
+                                        </p:attrNameLst>
+                                      </p:cBhvr>
+                                      <p:to>
+                                        <p:strVal val="visible"/>
+                                      </p:to>
+                                    </p:set>
+                                  </p:childTnLst>
+                                </p:cTn>
+                              </p:par>
+                              <p:par>
+                                <p:cTn id="19" presetID="1" presetClass="entr" presetSubtype="0" fill="hold" grpId="0" nodeType="withEffect">
+                                  <p:stCondLst>
+                                    <p:cond delay="0"/>
+                                  </p:stCondLst>
+                                  <p:childTnLst>
+                                    <p:set>
+                                      <p:cBhvr>
+                                        <p:cTn id="20" dur="1" fill="hold">
+                                          <p:stCondLst>
+                                            <p:cond delay="0"/>
+                                          </p:stCondLst>
+                                        </p:cTn>
+                                        <p:tgtEl>
+                                          <p:spTgt spid="3">
+                                            <p:txEl>
+                                              <p:pRg st="6" end="6"/>
+                                            </p:txEl>
+                                          </p:spTgt>
+                                        </p:tgtEl>
+                                        <p:attrNameLst>
+                                          <p:attrName>style.visibility</p:attrName>
+                                        </p:attrNameLst>
+                                      </p:cBhvr>
+                                      <p:to>
+                                        <p:strVal val="visible"/>
+                                      </p:to>
+                                    </p:set>
+                                  </p:childTnLst>
+                                </p:cTn>
+                              </p:par>
+                              <p:par>
+                                <p:cTn id="21" presetID="1" presetClass="entr" presetSubtype="0" fill="hold" grpId="0" nodeType="withEffect">
+                                  <p:stCondLst>
+                                    <p:cond delay="0"/>
+                                  </p:stCondLst>
+                                  <p:childTnLst>
+                                    <p:set>
+                                      <p:cBhvr>
+                                        <p:cTn id="22" dur="1" fill="hold">
+                                          <p:stCondLst>
+                                            <p:cond delay="0"/>
+                                          </p:stCondLst>
+                                        </p:cTn>
+                                        <p:tgtEl>
+                                          <p:spTgt spid="3">
+                                            <p:txEl>
+                                              <p:pRg st="7" end="7"/>
+                                            </p:txEl>
+                                          </p:spTgt>
+                                        </p:tgtEl>
+                                        <p:attrNameLst>
+                                          <p:attrName>style.visibility</p:attrName>
+                                        </p:attrNameLst>
+                                      </p:cBhvr>
+                                      <p:to>
+                                        <p:strVal val="visible"/>
+                                      </p:to>
+                                    </p:set>
+                                  </p:childTnLst>
+                                </p:cTn>
+                              </p:par>
+                              <p:par>
+                                <p:cTn id="23" presetID="1" presetClass="entr" presetSubtype="0" fill="hold" grpId="0" nodeType="withEffect">
+                                  <p:stCondLst>
+                                    <p:cond delay="0"/>
+                                  </p:stCondLst>
+                                  <p:childTnLst>
+                                    <p:set>
+                                      <p:cBhvr>
+                                        <p:cTn id="24" dur="1" fill="hold">
+                                          <p:stCondLst>
+                                            <p:cond delay="0"/>
+                                          </p:stCondLst>
+                                        </p:cTn>
+                                        <p:tgtEl>
+                                          <p:spTgt spid="3">
+                                            <p:txEl>
+                                              <p:pRg st="8" end="8"/>
+                                            </p:txEl>
+                                          </p:spTgt>
+                                        </p:tgtEl>
+                                        <p:attrNameLst>
+                                          <p:attrName>style.visibility</p:attrName>
+                                        </p:attrNameLst>
+                                      </p:cBhvr>
+                                      <p:to>
+                                        <p:strVal val="visible"/>
+                                      </p:to>
+                                    </p:set>
+                                  </p:childTnLst>
+                                </p:cTn>
+                              </p:par>
+                            </p:childTnLst>
+                          </p:cTn>
+                        </p:par>
+                      </p:childTnLst>
+                    </p:cTn>
+                  </p:par>
+                  <p:par>
+                    <p:cTn id="25" fill="hold">
+                      <p:stCondLst>
+                        <p:cond delay="indefinite"/>
+                      </p:stCondLst>
+                      <p:childTnLst>
+                        <p:par>
+                          <p:cTn id="26" fill="hold">
+                            <p:stCondLst>
+                              <p:cond delay="0"/>
+                            </p:stCondLst>
+                            <p:childTnLst>
+                              <p:par>
+                                <p:cTn id="27" presetID="1" presetClass="entr" presetSubtype="0" fill="hold" grpId="0" nodeType="clickEffect">
+                                  <p:stCondLst>
+                                    <p:cond delay="0"/>
+                                  </p:stCondLst>
+                                  <p:childTnLst>
+                                    <p:set>
+                                      <p:cBhvr>
+                                        <p:cTn id="28" dur="1" fill="hold">
+                                          <p:stCondLst>
+                                            <p:cond delay="0"/>
+                                          </p:stCondLst>
+                                        </p:cTn>
+                                        <p:tgtEl>
+                                          <p:spTgt spid="3">
+                                            <p:txEl>
+                                              <p:pRg st="9" end="9"/>
+                                            </p:txEl>
+                                          </p:spTgt>
+                                        </p:tgtEl>
+                                        <p:attrNameLst>
+                                          <p:attrName>style.visibility</p:attrName>
+                                        </p:attrNameLst>
+                                      </p:cBhvr>
+                                      <p:to>
+                                        <p:strVal val="visible"/>
+                                      </p:to>
+                                    </p:set>
+                                  </p:childTnLst>
+                                </p:cTn>
+                              </p:par>
+                              <p:par>
+                                <p:cTn id="29" presetID="1" presetClass="entr" presetSubtype="0" fill="hold" grpId="0" nodeType="withEffect">
+                                  <p:stCondLst>
+                                    <p:cond delay="0"/>
+                                  </p:stCondLst>
+                                  <p:childTnLst>
+                                    <p:set>
+                                      <p:cBhvr>
+                                        <p:cTn id="30" dur="1" fill="hold">
+                                          <p:stCondLst>
+                                            <p:cond delay="0"/>
+                                          </p:stCondLst>
+                                        </p:cTn>
+                                        <p:tgtEl>
+                                          <p:spTgt spid="3">
+                                            <p:txEl>
+                                              <p:pRg st="10" end="10"/>
+                                            </p:txEl>
+                                          </p:spTgt>
+                                        </p:tgtEl>
+                                        <p:attrNameLst>
+                                          <p:attrName>style.visibility</p:attrName>
+                                        </p:attrNameLst>
+                                      </p:cBhvr>
+                                      <p:to>
+                                        <p:strVal val="visible"/>
+                                      </p:to>
+                                    </p:set>
+                                  </p:childTnLst>
+                                </p:cTn>
+                              </p:par>
+                              <p:par>
+                                <p:cTn id="31" presetID="1" presetClass="entr" presetSubtype="0" fill="hold" grpId="0" nodeType="withEffect">
+                                  <p:stCondLst>
+                                    <p:cond delay="0"/>
+                                  </p:stCondLst>
+                                  <p:childTnLst>
+                                    <p:set>
+                                      <p:cBhvr>
+                                        <p:cTn id="32" dur="1" fill="hold">
+                                          <p:stCondLst>
+                                            <p:cond delay="0"/>
+                                          </p:stCondLst>
+                                        </p:cTn>
+                                        <p:tgtEl>
+                                          <p:spTgt spid="3">
+                                            <p:txEl>
+                                              <p:pRg st="11" end="11"/>
+                                            </p:txEl>
+                                          </p:spTgt>
+                                        </p:tgtEl>
+                                        <p:attrNameLst>
+                                          <p:attrName>style.visibility</p:attrName>
+                                        </p:attrNameLst>
+                                      </p:cBhvr>
+                                      <p:to>
+                                        <p:strVal val="visible"/>
+                                      </p:to>
+                                    </p:set>
+                                  </p:childTnLst>
+                                </p:cTn>
+                              </p:par>
+                              <p:par>
+                                <p:cTn id="33" presetID="1" presetClass="entr" presetSubtype="0" fill="hold" grpId="0" nodeType="withEffect">
+                                  <p:stCondLst>
+                                    <p:cond delay="0"/>
+                                  </p:stCondLst>
+                                  <p:childTnLst>
+                                    <p:set>
+                                      <p:cBhvr>
+                                        <p:cTn id="34" dur="1" fill="hold">
+                                          <p:stCondLst>
+                                            <p:cond delay="0"/>
+                                          </p:stCondLst>
+                                        </p:cTn>
+                                        <p:tgtEl>
+                                          <p:spTgt spid="3">
+                                            <p:txEl>
+                                              <p:pRg st="12" end="12"/>
+                                            </p:txEl>
+                                          </p:spTgt>
+                                        </p:tgtEl>
+                                        <p:attrNameLst>
+                                          <p:attrName>style.visibility</p:attrName>
+                                        </p:attrNameLst>
+                                      </p:cBhvr>
+                                      <p:to>
+                                        <p:strVal val="visible"/>
+                                      </p:to>
+                                    </p:set>
+                                  </p:childTnLst>
+                                </p:cTn>
+                              </p:par>
+                            </p:childTnLst>
+                          </p:cTn>
+                        </p:par>
+                      </p:childTnLst>
+                    </p:cTn>
+                  </p:par>
+                </p:childTnLst>
+              </p:cTn>
+              <p:prevCondLst>
+                <p:cond evt="onPrev" delay="0">
+                  <p:tgtEl>
+                    <p:sldTgt/>
+                  </p:tgtEl>
+                </p:cond>
+              </p:prevCondLst>
+              <p:nextCondLst>
+                <p:cond evt="onNext" delay="0">
+                  <p:tgtEl>
+                    <p:sldTgt/>
+                  </p:tgtEl>
+                </p:cond>
+              </p:nextCondLst>
+            </p:seq>
+          </p:childTnLst>
+        </p:cTn>
+      </p:par>
+    </p:tnLst>
+    <p:bldLst>
+      <p:bldP spid="3" grpId="0" build="p"/>
+    </p:bldLst>
+  </p:timing>
+</p:sld>
+</file>
+
+<file path=ppt/slides/slide7.xml><?xml version="1.0" encoding="utf-8"?>
+<p:sld xmlns:a="http://schemas.openxmlformats.org/drawingml/2006/main" xmlns:r="http://schemas.openxmlformats.org/officeDocument/2006/relationships" xmlns:p="http://schemas.openxmlformats.org/presentationml/2006/main">
+  <p:cSld>
+    <p:spTree>
+      <p:nvGrpSpPr>
+        <p:cNvPr id="1" name=""/>
+        <p:cNvGrpSpPr/>
+        <p:nvPr/>
+      </p:nvGrpSpPr>
+      <p:grpSpPr>
+        <a:xfrm>
+          <a:off x="0" y="0"/>
+          <a:ext cx="0" cy="0"/>
+          <a:chOff x="0" y="0"/>
+          <a:chExt cx="0" cy="0"/>
+        </a:xfrm>
+      </p:grpSpPr>
+      <p:sp>
+        <p:nvSpPr>
+          <p:cNvPr id="2" name="Title 1">
+            <a:extLst>
+              <a:ext uri="{FF2B5EF4-FFF2-40B4-BE49-F238E27FC236}">
+                <a16:creationId xmlns:a16="http://schemas.microsoft.com/office/drawing/2014/main" id="{D2B92511-C113-4CD4-A7C5-CE0DDE291C15}"/>
+              </a:ext>
+            </a:extLst>
+          </p:cNvPr>
+          <p:cNvSpPr>
+            <a:spLocks noGrp="1"/>
+          </p:cNvSpPr>
+          <p:nvPr>
+            <p:ph type="title"/>
+          </p:nvPr>
+        </p:nvSpPr>
+        <p:spPr/>
+        <p:txBody>
+          <a:bodyPr/>
+          <a:lstStyle/>
+          <a:p>
+            <a:r>
+              <a:rPr lang="en-US" dirty="0">
+                <a:latin typeface="Garamond" panose="02020404030301010803" pitchFamily="18" charset="0"/>
+              </a:rPr>
+              <a:t>Summary of Present Work</a:t>
+            </a:r>
+            <a:endParaRPr lang="en-IN" dirty="0">
+              <a:latin typeface="Garamond" panose="02020404030301010803" pitchFamily="18" charset="0"/>
+            </a:endParaRPr>
+          </a:p>
+        </p:txBody>
+      </p:sp>
+      <p:sp>
+        <p:nvSpPr>
+          <p:cNvPr id="3" name="Content Placeholder 2">
+            <a:extLst>
+              <a:ext uri="{FF2B5EF4-FFF2-40B4-BE49-F238E27FC236}">
+                <a16:creationId xmlns:a16="http://schemas.microsoft.com/office/drawing/2014/main" id="{473B03CB-A011-4FAD-974F-93AB0C7BF162}"/>
+              </a:ext>
+            </a:extLst>
+          </p:cNvPr>
+          <p:cNvSpPr>
+            <a:spLocks noGrp="1"/>
+          </p:cNvSpPr>
+          <p:nvPr>
+            <p:ph idx="1"/>
+          </p:nvPr>
+        </p:nvSpPr>
+        <p:spPr/>
+        <p:txBody>
+          <a:bodyPr/>
+          <a:lstStyle/>
+          <a:p>
+            <a:endParaRPr lang="en-IN" dirty="0">
+              <a:latin typeface="Frank Ruhl Hofshi" panose="00000500000000000000" pitchFamily="50" charset="-79"/>
+              <a:cs typeface="Frank Ruhl Hofshi" panose="00000500000000000000" pitchFamily="50" charset="-79"/>
+            </a:endParaRPr>
+          </a:p>
+        </p:txBody>
+      </p:sp>
+    </p:spTree>
+    <p:extLst>
+      <p:ext uri="{BB962C8B-B14F-4D97-AF65-F5344CB8AC3E}">
+        <p14:creationId xmlns:p14="http://schemas.microsoft.com/office/powerpoint/2010/main" val="4232411944"/>
+      </p:ext>
+    </p:extLst>
+  </p:cSld>
+  <p:clrMapOvr>
+    <a:masterClrMapping/>
+  </p:clrMapOvr>
+</p:sld>
+</file>
+
+<file path=ppt/slides/slide8.xml><?xml version="1.0" encoding="utf-8"?>
 <p:sld xmlns:a="http://schemas.openxmlformats.org/drawingml/2006/main" xmlns:r="http://schemas.openxmlformats.org/officeDocument/2006/relationships" xmlns:p="http://schemas.openxmlformats.org/presentationml/2006/main">
   <p:cSld>
     <p:spTree>
@@ -5707,10 +8674,14 @@
           <a:lstStyle/>
           <a:p>
             <a:r>
-              <a:rPr lang="en-US" dirty="0"/>
+              <a:rPr lang="en-US" dirty="0">
+                <a:latin typeface="Garamond" panose="02020404030301010803" pitchFamily="18" charset="0"/>
+              </a:rPr>
               <a:t>Collection of Data Set</a:t>
             </a:r>
-            <a:endParaRPr lang="en-IN" dirty="0"/>
+            <a:endParaRPr lang="en-IN" dirty="0">
+              <a:latin typeface="Garamond" panose="02020404030301010803" pitchFamily="18" charset="0"/>
+            </a:endParaRPr>
           </a:p>
         </p:txBody>
       </p:sp>
@@ -5736,20 +8707,38 @@
           <a:lstStyle/>
           <a:p>
             <a:r>
-              <a:rPr lang="en-US" dirty="0"/>
+              <a:rPr lang="en-US" dirty="0">
+                <a:latin typeface="Frank Ruhl Hofshi" panose="00000500000000000000" pitchFamily="50" charset="-79"/>
+                <a:cs typeface="Frank Ruhl Hofshi" panose="00000500000000000000" pitchFamily="50" charset="-79"/>
+              </a:rPr>
               <a:t>121 volunteers</a:t>
             </a:r>
           </a:p>
           <a:p>
             <a:r>
-              <a:rPr lang="en-US" dirty="0"/>
+              <a:rPr lang="en-US" dirty="0">
+                <a:latin typeface="Frank Ruhl Hofshi" panose="00000500000000000000" pitchFamily="50" charset="-79"/>
+                <a:cs typeface="Frank Ruhl Hofshi" panose="00000500000000000000" pitchFamily="50" charset="-79"/>
+              </a:rPr>
+              <a:t>3 Language: English, Hindi, Bangla</a:t>
+            </a:r>
+          </a:p>
+          <a:p>
+            <a:r>
+              <a:rPr lang="en-US" dirty="0">
+                <a:latin typeface="Frank Ruhl Hofshi" panose="00000500000000000000" pitchFamily="50" charset="-79"/>
+                <a:cs typeface="Frank Ruhl Hofshi" panose="00000500000000000000" pitchFamily="50" charset="-79"/>
+              </a:rPr>
               <a:t>Handwritten Passage</a:t>
             </a:r>
           </a:p>
           <a:p>
             <a:r>
-              <a:rPr lang="en-US" dirty="0"/>
-              <a:t>Bangla Text in our project</a:t>
+              <a:rPr lang="en-US" dirty="0">
+                <a:latin typeface="Frank Ruhl Hofshi" panose="00000500000000000000" pitchFamily="50" charset="-79"/>
+                <a:cs typeface="Frank Ruhl Hofshi" panose="00000500000000000000" pitchFamily="50" charset="-79"/>
+              </a:rPr>
+              <a:t>Bangla Text only in our project</a:t>
             </a:r>
           </a:p>
           <a:p>
@@ -5767,10 +8756,239 @@
   <p:clrMapOvr>
     <a:masterClrMapping/>
   </p:clrMapOvr>
+  <p:timing>
+    <p:tnLst>
+      <p:par>
+        <p:cTn id="1" dur="indefinite" restart="never" nodeType="tmRoot">
+          <p:childTnLst>
+            <p:seq concurrent="1" nextAc="seek">
+              <p:cTn id="2" dur="indefinite" nodeType="mainSeq">
+                <p:childTnLst>
+                  <p:par>
+                    <p:cTn id="3" fill="hold">
+                      <p:stCondLst>
+                        <p:cond delay="indefinite"/>
+                      </p:stCondLst>
+                      <p:childTnLst>
+                        <p:par>
+                          <p:cTn id="4" fill="hold">
+                            <p:stCondLst>
+                              <p:cond delay="0"/>
+                            </p:stCondLst>
+                            <p:childTnLst>
+                              <p:par>
+                                <p:cTn id="5" presetID="1" presetClass="entr" presetSubtype="0" fill="hold" grpId="0" nodeType="clickEffect">
+                                  <p:stCondLst>
+                                    <p:cond delay="0"/>
+                                  </p:stCondLst>
+                                  <p:childTnLst>
+                                    <p:set>
+                                      <p:cBhvr>
+                                        <p:cTn id="6" dur="1" fill="hold">
+                                          <p:stCondLst>
+                                            <p:cond delay="0"/>
+                                          </p:stCondLst>
+                                        </p:cTn>
+                                        <p:tgtEl>
+                                          <p:spTgt spid="3">
+                                            <p:txEl>
+                                              <p:pRg st="0" end="0"/>
+                                            </p:txEl>
+                                          </p:spTgt>
+                                        </p:tgtEl>
+                                        <p:attrNameLst>
+                                          <p:attrName>style.visibility</p:attrName>
+                                        </p:attrNameLst>
+                                      </p:cBhvr>
+                                      <p:to>
+                                        <p:strVal val="visible"/>
+                                      </p:to>
+                                    </p:set>
+                                  </p:childTnLst>
+                                </p:cTn>
+                              </p:par>
+                            </p:childTnLst>
+                          </p:cTn>
+                        </p:par>
+                      </p:childTnLst>
+                    </p:cTn>
+                  </p:par>
+                  <p:par>
+                    <p:cTn id="7" fill="hold">
+                      <p:stCondLst>
+                        <p:cond delay="indefinite"/>
+                      </p:stCondLst>
+                      <p:childTnLst>
+                        <p:par>
+                          <p:cTn id="8" fill="hold">
+                            <p:stCondLst>
+                              <p:cond delay="0"/>
+                            </p:stCondLst>
+                            <p:childTnLst>
+                              <p:par>
+                                <p:cTn id="9" presetID="1" presetClass="entr" presetSubtype="0" fill="hold" grpId="0" nodeType="clickEffect">
+                                  <p:stCondLst>
+                                    <p:cond delay="0"/>
+                                  </p:stCondLst>
+                                  <p:childTnLst>
+                                    <p:set>
+                                      <p:cBhvr>
+                                        <p:cTn id="10" dur="1" fill="hold">
+                                          <p:stCondLst>
+                                            <p:cond delay="0"/>
+                                          </p:stCondLst>
+                                        </p:cTn>
+                                        <p:tgtEl>
+                                          <p:spTgt spid="3">
+                                            <p:txEl>
+                                              <p:pRg st="1" end="1"/>
+                                            </p:txEl>
+                                          </p:spTgt>
+                                        </p:tgtEl>
+                                        <p:attrNameLst>
+                                          <p:attrName>style.visibility</p:attrName>
+                                        </p:attrNameLst>
+                                      </p:cBhvr>
+                                      <p:to>
+                                        <p:strVal val="visible"/>
+                                      </p:to>
+                                    </p:set>
+                                  </p:childTnLst>
+                                </p:cTn>
+                              </p:par>
+                            </p:childTnLst>
+                          </p:cTn>
+                        </p:par>
+                      </p:childTnLst>
+                    </p:cTn>
+                  </p:par>
+                  <p:par>
+                    <p:cTn id="11" fill="hold">
+                      <p:stCondLst>
+                        <p:cond delay="indefinite"/>
+                      </p:stCondLst>
+                      <p:childTnLst>
+                        <p:par>
+                          <p:cTn id="12" fill="hold">
+                            <p:stCondLst>
+                              <p:cond delay="0"/>
+                            </p:stCondLst>
+                            <p:childTnLst>
+                              <p:par>
+                                <p:cTn id="13" presetID="1" presetClass="entr" presetSubtype="0" fill="hold" grpId="0" nodeType="clickEffect">
+                                  <p:stCondLst>
+                                    <p:cond delay="0"/>
+                                  </p:stCondLst>
+                                  <p:childTnLst>
+                                    <p:set>
+                                      <p:cBhvr>
+                                        <p:cTn id="14" dur="1" fill="hold">
+                                          <p:stCondLst>
+                                            <p:cond delay="0"/>
+                                          </p:stCondLst>
+                                        </p:cTn>
+                                        <p:tgtEl>
+                                          <p:spTgt spid="3">
+                                            <p:txEl>
+                                              <p:pRg st="2" end="2"/>
+                                            </p:txEl>
+                                          </p:spTgt>
+                                        </p:tgtEl>
+                                        <p:attrNameLst>
+                                          <p:attrName>style.visibility</p:attrName>
+                                        </p:attrNameLst>
+                                      </p:cBhvr>
+                                      <p:to>
+                                        <p:strVal val="visible"/>
+                                      </p:to>
+                                    </p:set>
+                                  </p:childTnLst>
+                                </p:cTn>
+                              </p:par>
+                            </p:childTnLst>
+                          </p:cTn>
+                        </p:par>
+                      </p:childTnLst>
+                    </p:cTn>
+                  </p:par>
+                  <p:par>
+                    <p:cTn id="15" fill="hold">
+                      <p:stCondLst>
+                        <p:cond delay="indefinite"/>
+                      </p:stCondLst>
+                      <p:childTnLst>
+                        <p:par>
+                          <p:cTn id="16" fill="hold">
+                            <p:stCondLst>
+                              <p:cond delay="0"/>
+                            </p:stCondLst>
+                            <p:childTnLst>
+                              <p:par>
+                                <p:cTn id="17" presetID="1" presetClass="entr" presetSubtype="0" fill="hold" grpId="0" nodeType="clickEffect">
+                                  <p:stCondLst>
+                                    <p:cond delay="0"/>
+                                  </p:stCondLst>
+                                  <p:childTnLst>
+                                    <p:set>
+                                      <p:cBhvr>
+                                        <p:cTn id="18" dur="1" fill="hold">
+                                          <p:stCondLst>
+                                            <p:cond delay="0"/>
+                                          </p:stCondLst>
+                                        </p:cTn>
+                                        <p:tgtEl>
+                                          <p:spTgt spid="3">
+                                            <p:txEl>
+                                              <p:pRg st="3" end="3"/>
+                                            </p:txEl>
+                                          </p:spTgt>
+                                        </p:tgtEl>
+                                        <p:attrNameLst>
+                                          <p:attrName>style.visibility</p:attrName>
+                                        </p:attrNameLst>
+                                      </p:cBhvr>
+                                      <p:to>
+                                        <p:strVal val="visible"/>
+                                      </p:to>
+                                    </p:set>
+                                  </p:childTnLst>
+                                </p:cTn>
+                              </p:par>
+                            </p:childTnLst>
+                          </p:cTn>
+                        </p:par>
+                      </p:childTnLst>
+                    </p:cTn>
+                  </p:par>
+                </p:childTnLst>
+              </p:cTn>
+              <p:prevCondLst>
+                <p:cond evt="onPrev" delay="0">
+                  <p:tgtEl>
+                    <p:sldTgt/>
+                  </p:tgtEl>
+                </p:cond>
+              </p:prevCondLst>
+              <p:nextCondLst>
+                <p:cond evt="onNext" delay="0">
+                  <p:tgtEl>
+                    <p:sldTgt/>
+                  </p:tgtEl>
+                </p:cond>
+              </p:nextCondLst>
+            </p:seq>
+          </p:childTnLst>
+        </p:cTn>
+      </p:par>
+    </p:tnLst>
+    <p:bldLst>
+      <p:bldP spid="3" grpId="0" build="p"/>
+    </p:bldLst>
+  </p:timing>
 </p:sld>
 </file>
 
-<file path=ppt/slides/slide7.xml><?xml version="1.0" encoding="utf-8"?>
+<file path=ppt/slides/slide9.xml><?xml version="1.0" encoding="utf-8"?>
 <p:sld xmlns:a="http://schemas.openxmlformats.org/drawingml/2006/main" xmlns:r="http://schemas.openxmlformats.org/officeDocument/2006/relationships" xmlns:p="http://schemas.openxmlformats.org/presentationml/2006/main">
   <p:cSld>
     <p:spTree>
@@ -5836,10 +9054,15 @@
             <p:ph idx="1"/>
           </p:nvPr>
         </p:nvSpPr>
-        <p:spPr/>
+        <p:spPr>
+          <a:xfrm>
+            <a:off x="838200" y="1690688"/>
+            <a:ext cx="10515600" cy="4486275"/>
+          </a:xfrm>
+        </p:spPr>
         <p:txBody>
           <a:bodyPr>
-            <a:normAutofit lnSpcReduction="10000"/>
+            <a:normAutofit fontScale="77500" lnSpcReduction="20000"/>
           </a:bodyPr>
           <a:lstStyle/>
           <a:p>
@@ -5859,6 +9082,44 @@
               </a:rPr>
               <a:t>Word-sized Segments</a:t>
             </a:r>
+          </a:p>
+          <a:p>
+            <a:endParaRPr lang="en-US" dirty="0">
+              <a:latin typeface="Frank Ruhl Hofshi" panose="00000500000000000000" pitchFamily="50" charset="-79"/>
+              <a:cs typeface="Frank Ruhl Hofshi" panose="00000500000000000000" pitchFamily="50" charset="-79"/>
+            </a:endParaRPr>
+          </a:p>
+          <a:p>
+            <a:pPr marL="0" indent="0">
+              <a:buNone/>
+            </a:pPr>
+            <a:r>
+              <a:rPr lang="en-US" b="1" dirty="0">
+                <a:latin typeface="Frank Ruhl Hofshi" panose="00000500000000000000" pitchFamily="50" charset="-79"/>
+                <a:cs typeface="Frank Ruhl Hofshi" panose="00000500000000000000" pitchFamily="50" charset="-79"/>
+              </a:rPr>
+              <a:t>Folder </a:t>
+            </a:r>
+            <a:r>
+              <a:rPr lang="en-US" b="1" dirty="0" err="1">
+                <a:latin typeface="Frank Ruhl Hofshi" panose="00000500000000000000" pitchFamily="50" charset="-79"/>
+                <a:cs typeface="Frank Ruhl Hofshi" panose="00000500000000000000" pitchFamily="50" charset="-79"/>
+              </a:rPr>
+              <a:t>Organisation</a:t>
+            </a:r>
+            <a:endParaRPr lang="en-US" b="1" dirty="0">
+              <a:latin typeface="Frank Ruhl Hofshi" panose="00000500000000000000" pitchFamily="50" charset="-79"/>
+              <a:cs typeface="Frank Ruhl Hofshi" panose="00000500000000000000" pitchFamily="50" charset="-79"/>
+            </a:endParaRPr>
+          </a:p>
+          <a:p>
+            <a:pPr marL="0" indent="0">
+              <a:buNone/>
+            </a:pPr>
+            <a:endParaRPr lang="en-US" b="1" dirty="0">
+              <a:latin typeface="Frank Ruhl Hofshi" panose="00000500000000000000" pitchFamily="50" charset="-79"/>
+              <a:cs typeface="Frank Ruhl Hofshi" panose="00000500000000000000" pitchFamily="50" charset="-79"/>
+            </a:endParaRPr>
           </a:p>
           <a:p>
             <a:r>
@@ -5961,393 +9222,529 @@
   <p:clrMapOvr>
     <a:masterClrMapping/>
   </p:clrMapOvr>
-</p:sld>
-</file>
-
-<file path=ppt/slides/slide8.xml><?xml version="1.0" encoding="utf-8"?>
-<p:sld xmlns:a="http://schemas.openxmlformats.org/drawingml/2006/main" xmlns:r="http://schemas.openxmlformats.org/officeDocument/2006/relationships" xmlns:p="http://schemas.openxmlformats.org/presentationml/2006/main">
-  <p:cSld>
-    <p:spTree>
-      <p:nvGrpSpPr>
-        <p:cNvPr id="1" name=""/>
-        <p:cNvGrpSpPr/>
-        <p:nvPr/>
-      </p:nvGrpSpPr>
-      <p:grpSpPr>
-        <a:xfrm>
-          <a:off x="0" y="0"/>
-          <a:ext cx="0" cy="0"/>
-          <a:chOff x="0" y="0"/>
-          <a:chExt cx="0" cy="0"/>
-        </a:xfrm>
-      </p:grpSpPr>
-      <p:sp>
-        <p:nvSpPr>
-          <p:cNvPr id="2" name="Title 1">
-            <a:extLst>
-              <a:ext uri="{FF2B5EF4-FFF2-40B4-BE49-F238E27FC236}">
-                <a16:creationId xmlns:a16="http://schemas.microsoft.com/office/drawing/2014/main" id="{FBAAA32B-BD42-4446-809A-7EC9BA53ACA7}"/>
-              </a:ext>
-            </a:extLst>
-          </p:cNvPr>
-          <p:cNvSpPr>
-            <a:spLocks noGrp="1"/>
-          </p:cNvSpPr>
-          <p:nvPr>
-            <p:ph type="title"/>
-          </p:nvPr>
-        </p:nvSpPr>
-        <p:spPr/>
-        <p:txBody>
-          <a:bodyPr/>
-          <a:lstStyle/>
-          <a:p>
-            <a:r>
-              <a:rPr lang="en-US" dirty="0">
-                <a:latin typeface="Garamond" panose="02020404030301010803" pitchFamily="18" charset="0"/>
-              </a:rPr>
-              <a:t>Background</a:t>
-            </a:r>
-            <a:endParaRPr lang="en-IN" dirty="0">
-              <a:latin typeface="Garamond" panose="02020404030301010803" pitchFamily="18" charset="0"/>
-            </a:endParaRPr>
-          </a:p>
-        </p:txBody>
-      </p:sp>
-      <p:sp>
-        <p:nvSpPr>
-          <p:cNvPr id="3" name="Content Placeholder 2">
-            <a:extLst>
-              <a:ext uri="{FF2B5EF4-FFF2-40B4-BE49-F238E27FC236}">
-                <a16:creationId xmlns:a16="http://schemas.microsoft.com/office/drawing/2014/main" id="{E0643363-7A65-4963-9491-D6A5839A5585}"/>
-              </a:ext>
-            </a:extLst>
-          </p:cNvPr>
-          <p:cNvSpPr>
-            <a:spLocks noGrp="1"/>
-          </p:cNvSpPr>
-          <p:nvPr>
-            <p:ph idx="1"/>
-          </p:nvPr>
-        </p:nvSpPr>
-        <p:spPr>
-          <a:xfrm>
-            <a:off x="838200" y="1690688"/>
-            <a:ext cx="10515600" cy="4351338"/>
-          </a:xfrm>
-        </p:spPr>
-        <p:txBody>
-          <a:bodyPr>
-            <a:normAutofit fontScale="92500" lnSpcReduction="10000"/>
-          </a:bodyPr>
-          <a:lstStyle/>
-          <a:p>
-            <a:r>
-              <a:rPr lang="en-US" dirty="0">
-                <a:latin typeface="Frank Ruhl Hofshi" panose="00000500000000000000" pitchFamily="50" charset="-79"/>
-                <a:cs typeface="Frank Ruhl Hofshi" panose="00000500000000000000" pitchFamily="50" charset="-79"/>
-              </a:rPr>
-              <a:t>Works on Image Recognition and CNN</a:t>
-            </a:r>
-          </a:p>
-          <a:p>
-            <a:pPr lvl="1"/>
-            <a:r>
-              <a:rPr lang="en-US" sz="1800" dirty="0">
-                <a:effectLst/>
-                <a:latin typeface="Frank Ruhl Hofshi" panose="00000500000000000000" pitchFamily="50" charset="-79"/>
-                <a:ea typeface="Times New Roman" panose="02020603050405020304" pitchFamily="18" charset="0"/>
-                <a:cs typeface="Frank Ruhl Hofshi" panose="00000500000000000000" pitchFamily="50" charset="-79"/>
-              </a:rPr>
-              <a:t>ImageNet classification with deep Convolutional Neural Networks</a:t>
-            </a:r>
-            <a:endParaRPr lang="en-IN" sz="1800" dirty="0">
-              <a:effectLst/>
-              <a:latin typeface="Frank Ruhl Hofshi" panose="00000500000000000000" pitchFamily="50" charset="-79"/>
-              <a:ea typeface="Times New Roman" panose="02020603050405020304" pitchFamily="18" charset="0"/>
-              <a:cs typeface="Frank Ruhl Hofshi" panose="00000500000000000000" pitchFamily="50" charset="-79"/>
-            </a:endParaRPr>
-          </a:p>
-          <a:p>
-            <a:pPr lvl="1"/>
-            <a:r>
-              <a:rPr lang="en-IN" sz="1800" dirty="0">
-                <a:effectLst/>
-                <a:latin typeface="Frank Ruhl Hofshi" panose="00000500000000000000" pitchFamily="50" charset="-79"/>
-                <a:ea typeface="Times New Roman" panose="02020603050405020304" pitchFamily="18" charset="0"/>
-                <a:cs typeface="Frank Ruhl Hofshi" panose="00000500000000000000" pitchFamily="50" charset="-79"/>
-              </a:rPr>
-              <a:t>Very Deep Convolutional Networks for Large-Scale Image Recognition</a:t>
-            </a:r>
-            <a:endParaRPr lang="en-US" dirty="0">
-              <a:latin typeface="Frank Ruhl Hofshi" panose="00000500000000000000" pitchFamily="50" charset="-79"/>
-              <a:cs typeface="Frank Ruhl Hofshi" panose="00000500000000000000" pitchFamily="50" charset="-79"/>
-            </a:endParaRPr>
-          </a:p>
-          <a:p>
-            <a:r>
-              <a:rPr lang="en-US" dirty="0">
-                <a:latin typeface="Frank Ruhl Hofshi" panose="00000500000000000000" pitchFamily="50" charset="-79"/>
-                <a:cs typeface="Frank Ruhl Hofshi" panose="00000500000000000000" pitchFamily="50" charset="-79"/>
-              </a:rPr>
-              <a:t>Works on Character Recognition</a:t>
-            </a:r>
-          </a:p>
-          <a:p>
-            <a:pPr lvl="1"/>
-            <a:r>
-              <a:rPr lang="en-US" sz="1800" dirty="0">
-                <a:effectLst/>
-                <a:latin typeface="Frank Ruhl Hofshi" panose="00000500000000000000" pitchFamily="50" charset="-79"/>
-                <a:ea typeface="Times New Roman" panose="02020603050405020304" pitchFamily="18" charset="0"/>
-                <a:cs typeface="Frank Ruhl Hofshi" panose="00000500000000000000" pitchFamily="50" charset="-79"/>
-              </a:rPr>
-              <a:t>Automatic Visual Features for Writer Identification: A Deep Learning Approach</a:t>
-            </a:r>
-          </a:p>
-          <a:p>
-            <a:pPr lvl="1"/>
-            <a:r>
-              <a:rPr lang="en-US" sz="1800" dirty="0">
-                <a:effectLst/>
-                <a:latin typeface="Frank Ruhl Hofshi" panose="00000500000000000000" pitchFamily="50" charset="-79"/>
-                <a:ea typeface="Times New Roman" panose="02020603050405020304" pitchFamily="18" charset="0"/>
-                <a:cs typeface="Frank Ruhl Hofshi" panose="00000500000000000000" pitchFamily="50" charset="-79"/>
-              </a:rPr>
-              <a:t>Handwritten Character Recognition of South Indian Scripts: A Review</a:t>
-            </a:r>
-            <a:endParaRPr lang="en-US" sz="1800" dirty="0">
-              <a:latin typeface="Frank Ruhl Hofshi" panose="00000500000000000000" pitchFamily="50" charset="-79"/>
-              <a:ea typeface="Times New Roman" panose="02020603050405020304" pitchFamily="18" charset="0"/>
-              <a:cs typeface="Frank Ruhl Hofshi" panose="00000500000000000000" pitchFamily="50" charset="-79"/>
-            </a:endParaRPr>
-          </a:p>
-          <a:p>
-            <a:pPr lvl="1"/>
-            <a:r>
-              <a:rPr lang="en-US" sz="1800" dirty="0">
-                <a:effectLst/>
-                <a:latin typeface="Frank Ruhl Hofshi" panose="00000500000000000000" pitchFamily="50" charset="-79"/>
-                <a:ea typeface="Times New Roman" panose="02020603050405020304" pitchFamily="18" charset="0"/>
-                <a:cs typeface="Frank Ruhl Hofshi" panose="00000500000000000000" pitchFamily="50" charset="-79"/>
-              </a:rPr>
-              <a:t>A High Performance Domain Specific </a:t>
-            </a:r>
-            <a:r>
-              <a:rPr lang="en-US" sz="1800" dirty="0" err="1">
-                <a:effectLst/>
-                <a:latin typeface="Frank Ruhl Hofshi" panose="00000500000000000000" pitchFamily="50" charset="-79"/>
-                <a:ea typeface="Times New Roman" panose="02020603050405020304" pitchFamily="18" charset="0"/>
-                <a:cs typeface="Frank Ruhl Hofshi" panose="00000500000000000000" pitchFamily="50" charset="-79"/>
-              </a:rPr>
-              <a:t>Ocr</a:t>
-            </a:r>
-            <a:r>
-              <a:rPr lang="en-US" sz="1800" dirty="0">
-                <a:effectLst/>
-                <a:latin typeface="Frank Ruhl Hofshi" panose="00000500000000000000" pitchFamily="50" charset="-79"/>
-                <a:ea typeface="Times New Roman" panose="02020603050405020304" pitchFamily="18" charset="0"/>
-                <a:cs typeface="Frank Ruhl Hofshi" panose="00000500000000000000" pitchFamily="50" charset="-79"/>
-              </a:rPr>
-              <a:t> For Bangla Script</a:t>
-            </a:r>
-          </a:p>
-          <a:p>
-            <a:pPr lvl="1"/>
-            <a:r>
-              <a:rPr lang="en-US" sz="1800" dirty="0">
-                <a:effectLst/>
-                <a:latin typeface="Frank Ruhl Hofshi" panose="00000500000000000000" pitchFamily="50" charset="-79"/>
-                <a:ea typeface="Times New Roman" panose="02020603050405020304" pitchFamily="18" charset="0"/>
-                <a:cs typeface="Frank Ruhl Hofshi" panose="00000500000000000000" pitchFamily="50" charset="-79"/>
-              </a:rPr>
-              <a:t>Bangla character recognition based on </a:t>
-            </a:r>
-            <a:r>
-              <a:rPr lang="en-US" sz="1800" dirty="0" err="1">
-                <a:effectLst/>
-                <a:latin typeface="Frank Ruhl Hofshi" panose="00000500000000000000" pitchFamily="50" charset="-79"/>
-                <a:ea typeface="Times New Roman" panose="02020603050405020304" pitchFamily="18" charset="0"/>
-                <a:cs typeface="Frank Ruhl Hofshi" panose="00000500000000000000" pitchFamily="50" charset="-79"/>
-              </a:rPr>
-              <a:t>Mobilenet</a:t>
-            </a:r>
-            <a:r>
-              <a:rPr lang="en-US" sz="1800" dirty="0">
-                <a:effectLst/>
-                <a:latin typeface="Frank Ruhl Hofshi" panose="00000500000000000000" pitchFamily="50" charset="-79"/>
-                <a:ea typeface="Times New Roman" panose="02020603050405020304" pitchFamily="18" charset="0"/>
-                <a:cs typeface="Frank Ruhl Hofshi" panose="00000500000000000000" pitchFamily="50" charset="-79"/>
-              </a:rPr>
-              <a:t> v1 and Inception v3</a:t>
-            </a:r>
-            <a:endParaRPr lang="en-US" sz="1800" dirty="0">
-              <a:latin typeface="Frank Ruhl Hofshi" panose="00000500000000000000" pitchFamily="50" charset="-79"/>
-              <a:ea typeface="Times New Roman" panose="02020603050405020304" pitchFamily="18" charset="0"/>
-              <a:cs typeface="Frank Ruhl Hofshi" panose="00000500000000000000" pitchFamily="50" charset="-79"/>
-            </a:endParaRPr>
-          </a:p>
-          <a:p>
-            <a:pPr lvl="1"/>
-            <a:r>
-              <a:rPr lang="en-US" sz="1800" dirty="0">
-                <a:effectLst/>
-                <a:latin typeface="Frank Ruhl Hofshi" panose="00000500000000000000" pitchFamily="50" charset="-79"/>
-                <a:ea typeface="Times New Roman" panose="02020603050405020304" pitchFamily="18" charset="0"/>
-                <a:cs typeface="Frank Ruhl Hofshi" panose="00000500000000000000" pitchFamily="50" charset="-79"/>
-              </a:rPr>
-              <a:t>CNN implementation based on Bangla numeral character recognition</a:t>
-            </a:r>
-            <a:endParaRPr lang="en-US" dirty="0">
-              <a:latin typeface="Frank Ruhl Hofshi" panose="00000500000000000000" pitchFamily="50" charset="-79"/>
-              <a:cs typeface="Frank Ruhl Hofshi" panose="00000500000000000000" pitchFamily="50" charset="-79"/>
-            </a:endParaRPr>
-          </a:p>
-          <a:p>
-            <a:r>
-              <a:rPr lang="en-US" dirty="0">
-                <a:latin typeface="Frank Ruhl Hofshi" panose="00000500000000000000" pitchFamily="50" charset="-79"/>
-                <a:cs typeface="Frank Ruhl Hofshi" panose="00000500000000000000" pitchFamily="50" charset="-79"/>
-              </a:rPr>
-              <a:t>Works on Writer Recognition</a:t>
-            </a:r>
-          </a:p>
-          <a:p>
-            <a:pPr lvl="1"/>
-            <a:r>
-              <a:rPr lang="en-US" sz="1800" dirty="0">
-                <a:effectLst/>
-                <a:latin typeface="Frank Ruhl Hofshi" panose="00000500000000000000" pitchFamily="50" charset="-79"/>
-                <a:ea typeface="Times New Roman" panose="02020603050405020304" pitchFamily="18" charset="0"/>
-                <a:cs typeface="Frank Ruhl Hofshi" panose="00000500000000000000" pitchFamily="50" charset="-79"/>
-              </a:rPr>
-              <a:t>Offline writer identification using convolutional neural network activation features</a:t>
-            </a:r>
-          </a:p>
-          <a:p>
-            <a:pPr lvl="1"/>
-            <a:r>
-              <a:rPr lang="en-US" sz="1800" dirty="0">
-                <a:effectLst/>
-                <a:latin typeface="Frank Ruhl Hofshi" panose="00000500000000000000" pitchFamily="50" charset="-79"/>
-                <a:ea typeface="Times New Roman" panose="02020603050405020304" pitchFamily="18" charset="0"/>
-                <a:cs typeface="Frank Ruhl Hofshi" panose="00000500000000000000" pitchFamily="50" charset="-79"/>
-              </a:rPr>
-              <a:t>Writer identification using an HMM-based handwriting recognition system: To normalize the input or not</a:t>
-            </a:r>
-          </a:p>
-          <a:p>
-            <a:pPr lvl="1"/>
-            <a:r>
-              <a:rPr lang="en-US" sz="1800" dirty="0">
-                <a:effectLst/>
-                <a:latin typeface="Frank Ruhl Hofshi" panose="00000500000000000000" pitchFamily="50" charset="-79"/>
-                <a:ea typeface="Times New Roman" panose="02020603050405020304" pitchFamily="18" charset="0"/>
-                <a:cs typeface="Frank Ruhl Hofshi" panose="00000500000000000000" pitchFamily="50" charset="-79"/>
-              </a:rPr>
-              <a:t>Offline Text-Independent Writer Identification Based on Scale Invariant Feature Transform</a:t>
-            </a:r>
-            <a:endParaRPr lang="en-IN" dirty="0">
-              <a:latin typeface="Frank Ruhl Hofshi" panose="00000500000000000000" pitchFamily="50" charset="-79"/>
-              <a:cs typeface="Frank Ruhl Hofshi" panose="00000500000000000000" pitchFamily="50" charset="-79"/>
-            </a:endParaRPr>
-          </a:p>
-        </p:txBody>
-      </p:sp>
-    </p:spTree>
-    <p:extLst>
-      <p:ext uri="{BB962C8B-B14F-4D97-AF65-F5344CB8AC3E}">
-        <p14:creationId xmlns:p14="http://schemas.microsoft.com/office/powerpoint/2010/main" val="98565076"/>
-      </p:ext>
-    </p:extLst>
-  </p:cSld>
-  <p:clrMapOvr>
-    <a:masterClrMapping/>
-  </p:clrMapOvr>
-</p:sld>
-</file>
-
-<file path=ppt/slides/slide9.xml><?xml version="1.0" encoding="utf-8"?>
-<p:sld xmlns:a="http://schemas.openxmlformats.org/drawingml/2006/main" xmlns:r="http://schemas.openxmlformats.org/officeDocument/2006/relationships" xmlns:p="http://schemas.openxmlformats.org/presentationml/2006/main">
-  <p:cSld>
-    <p:spTree>
-      <p:nvGrpSpPr>
-        <p:cNvPr id="1" name=""/>
-        <p:cNvGrpSpPr/>
-        <p:nvPr/>
-      </p:nvGrpSpPr>
-      <p:grpSpPr>
-        <a:xfrm>
-          <a:off x="0" y="0"/>
-          <a:ext cx="0" cy="0"/>
-          <a:chOff x="0" y="0"/>
-          <a:chExt cx="0" cy="0"/>
-        </a:xfrm>
-      </p:grpSpPr>
-      <p:sp>
-        <p:nvSpPr>
-          <p:cNvPr id="2" name="Title 1">
-            <a:extLst>
-              <a:ext uri="{FF2B5EF4-FFF2-40B4-BE49-F238E27FC236}">
-                <a16:creationId xmlns:a16="http://schemas.microsoft.com/office/drawing/2014/main" id="{D2B92511-C113-4CD4-A7C5-CE0DDE291C15}"/>
-              </a:ext>
-            </a:extLst>
-          </p:cNvPr>
-          <p:cNvSpPr>
-            <a:spLocks noGrp="1"/>
-          </p:cNvSpPr>
-          <p:nvPr>
-            <p:ph type="title"/>
-          </p:nvPr>
-        </p:nvSpPr>
-        <p:spPr/>
-        <p:txBody>
-          <a:bodyPr/>
-          <a:lstStyle/>
-          <a:p>
-            <a:r>
-              <a:rPr lang="en-US" dirty="0"/>
-              <a:t>Summary of Present Work</a:t>
-            </a:r>
-            <a:endParaRPr lang="en-IN" dirty="0"/>
-          </a:p>
-        </p:txBody>
-      </p:sp>
-      <p:sp>
-        <p:nvSpPr>
-          <p:cNvPr id="3" name="Content Placeholder 2">
-            <a:extLst>
-              <a:ext uri="{FF2B5EF4-FFF2-40B4-BE49-F238E27FC236}">
-                <a16:creationId xmlns:a16="http://schemas.microsoft.com/office/drawing/2014/main" id="{473B03CB-A011-4FAD-974F-93AB0C7BF162}"/>
-              </a:ext>
-            </a:extLst>
-          </p:cNvPr>
-          <p:cNvSpPr>
-            <a:spLocks noGrp="1"/>
-          </p:cNvSpPr>
-          <p:nvPr>
-            <p:ph idx="1"/>
-          </p:nvPr>
-        </p:nvSpPr>
-        <p:spPr/>
-        <p:txBody>
-          <a:bodyPr/>
-          <a:lstStyle/>
-          <a:p>
-            <a:endParaRPr lang="en-IN"/>
-          </a:p>
-        </p:txBody>
-      </p:sp>
-    </p:spTree>
-    <p:extLst>
-      <p:ext uri="{BB962C8B-B14F-4D97-AF65-F5344CB8AC3E}">
-        <p14:creationId xmlns:p14="http://schemas.microsoft.com/office/powerpoint/2010/main" val="4232411944"/>
-      </p:ext>
-    </p:extLst>
-  </p:cSld>
-  <p:clrMapOvr>
-    <a:masterClrMapping/>
-  </p:clrMapOvr>
+  <p:timing>
+    <p:tnLst>
+      <p:par>
+        <p:cTn id="1" dur="indefinite" restart="never" nodeType="tmRoot">
+          <p:childTnLst>
+            <p:seq concurrent="1" nextAc="seek">
+              <p:cTn id="2" dur="indefinite" nodeType="mainSeq">
+                <p:childTnLst>
+                  <p:par>
+                    <p:cTn id="3" fill="hold">
+                      <p:stCondLst>
+                        <p:cond delay="indefinite"/>
+                      </p:stCondLst>
+                      <p:childTnLst>
+                        <p:par>
+                          <p:cTn id="4" fill="hold">
+                            <p:stCondLst>
+                              <p:cond delay="0"/>
+                            </p:stCondLst>
+                            <p:childTnLst>
+                              <p:par>
+                                <p:cTn id="5" presetID="1" presetClass="entr" presetSubtype="0" fill="hold" grpId="0" nodeType="clickEffect">
+                                  <p:stCondLst>
+                                    <p:cond delay="0"/>
+                                  </p:stCondLst>
+                                  <p:childTnLst>
+                                    <p:set>
+                                      <p:cBhvr>
+                                        <p:cTn id="6" dur="1" fill="hold">
+                                          <p:stCondLst>
+                                            <p:cond delay="0"/>
+                                          </p:stCondLst>
+                                        </p:cTn>
+                                        <p:tgtEl>
+                                          <p:spTgt spid="3">
+                                            <p:txEl>
+                                              <p:pRg st="0" end="0"/>
+                                            </p:txEl>
+                                          </p:spTgt>
+                                        </p:tgtEl>
+                                        <p:attrNameLst>
+                                          <p:attrName>style.visibility</p:attrName>
+                                        </p:attrNameLst>
+                                      </p:cBhvr>
+                                      <p:to>
+                                        <p:strVal val="visible"/>
+                                      </p:to>
+                                    </p:set>
+                                  </p:childTnLst>
+                                </p:cTn>
+                              </p:par>
+                            </p:childTnLst>
+                          </p:cTn>
+                        </p:par>
+                      </p:childTnLst>
+                    </p:cTn>
+                  </p:par>
+                  <p:par>
+                    <p:cTn id="7" fill="hold">
+                      <p:stCondLst>
+                        <p:cond delay="indefinite"/>
+                      </p:stCondLst>
+                      <p:childTnLst>
+                        <p:par>
+                          <p:cTn id="8" fill="hold">
+                            <p:stCondLst>
+                              <p:cond delay="0"/>
+                            </p:stCondLst>
+                            <p:childTnLst>
+                              <p:par>
+                                <p:cTn id="9" presetID="1" presetClass="entr" presetSubtype="0" fill="hold" grpId="0" nodeType="clickEffect">
+                                  <p:stCondLst>
+                                    <p:cond delay="0"/>
+                                  </p:stCondLst>
+                                  <p:childTnLst>
+                                    <p:set>
+                                      <p:cBhvr>
+                                        <p:cTn id="10" dur="1" fill="hold">
+                                          <p:stCondLst>
+                                            <p:cond delay="0"/>
+                                          </p:stCondLst>
+                                        </p:cTn>
+                                        <p:tgtEl>
+                                          <p:spTgt spid="3">
+                                            <p:txEl>
+                                              <p:pRg st="1" end="1"/>
+                                            </p:txEl>
+                                          </p:spTgt>
+                                        </p:tgtEl>
+                                        <p:attrNameLst>
+                                          <p:attrName>style.visibility</p:attrName>
+                                        </p:attrNameLst>
+                                      </p:cBhvr>
+                                      <p:to>
+                                        <p:strVal val="visible"/>
+                                      </p:to>
+                                    </p:set>
+                                  </p:childTnLst>
+                                </p:cTn>
+                              </p:par>
+                            </p:childTnLst>
+                          </p:cTn>
+                        </p:par>
+                      </p:childTnLst>
+                    </p:cTn>
+                  </p:par>
+                  <p:par>
+                    <p:cTn id="11" fill="hold">
+                      <p:stCondLst>
+                        <p:cond delay="indefinite"/>
+                      </p:stCondLst>
+                      <p:childTnLst>
+                        <p:par>
+                          <p:cTn id="12" fill="hold">
+                            <p:stCondLst>
+                              <p:cond delay="0"/>
+                            </p:stCondLst>
+                            <p:childTnLst>
+                              <p:par>
+                                <p:cTn id="13" presetID="1" presetClass="entr" presetSubtype="0" fill="hold" grpId="0" nodeType="clickEffect">
+                                  <p:stCondLst>
+                                    <p:cond delay="0"/>
+                                  </p:stCondLst>
+                                  <p:childTnLst>
+                                    <p:set>
+                                      <p:cBhvr>
+                                        <p:cTn id="14" dur="1" fill="hold">
+                                          <p:stCondLst>
+                                            <p:cond delay="0"/>
+                                          </p:stCondLst>
+                                        </p:cTn>
+                                        <p:tgtEl>
+                                          <p:spTgt spid="3">
+                                            <p:txEl>
+                                              <p:pRg st="3" end="3"/>
+                                            </p:txEl>
+                                          </p:spTgt>
+                                        </p:tgtEl>
+                                        <p:attrNameLst>
+                                          <p:attrName>style.visibility</p:attrName>
+                                        </p:attrNameLst>
+                                      </p:cBhvr>
+                                      <p:to>
+                                        <p:strVal val="visible"/>
+                                      </p:to>
+                                    </p:set>
+                                  </p:childTnLst>
+                                </p:cTn>
+                              </p:par>
+                            </p:childTnLst>
+                          </p:cTn>
+                        </p:par>
+                      </p:childTnLst>
+                    </p:cTn>
+                  </p:par>
+                  <p:par>
+                    <p:cTn id="15" fill="hold">
+                      <p:stCondLst>
+                        <p:cond delay="indefinite"/>
+                      </p:stCondLst>
+                      <p:childTnLst>
+                        <p:par>
+                          <p:cTn id="16" fill="hold">
+                            <p:stCondLst>
+                              <p:cond delay="0"/>
+                            </p:stCondLst>
+                            <p:childTnLst>
+                              <p:par>
+                                <p:cTn id="17" presetID="1" presetClass="entr" presetSubtype="0" fill="hold" grpId="0" nodeType="clickEffect">
+                                  <p:stCondLst>
+                                    <p:cond delay="0"/>
+                                  </p:stCondLst>
+                                  <p:childTnLst>
+                                    <p:set>
+                                      <p:cBhvr>
+                                        <p:cTn id="18" dur="1" fill="hold">
+                                          <p:stCondLst>
+                                            <p:cond delay="0"/>
+                                          </p:stCondLst>
+                                        </p:cTn>
+                                        <p:tgtEl>
+                                          <p:spTgt spid="3">
+                                            <p:txEl>
+                                              <p:pRg st="5" end="5"/>
+                                            </p:txEl>
+                                          </p:spTgt>
+                                        </p:tgtEl>
+                                        <p:attrNameLst>
+                                          <p:attrName>style.visibility</p:attrName>
+                                        </p:attrNameLst>
+                                      </p:cBhvr>
+                                      <p:to>
+                                        <p:strVal val="visible"/>
+                                      </p:to>
+                                    </p:set>
+                                  </p:childTnLst>
+                                </p:cTn>
+                              </p:par>
+                            </p:childTnLst>
+                          </p:cTn>
+                        </p:par>
+                      </p:childTnLst>
+                    </p:cTn>
+                  </p:par>
+                  <p:par>
+                    <p:cTn id="19" fill="hold">
+                      <p:stCondLst>
+                        <p:cond delay="indefinite"/>
+                      </p:stCondLst>
+                      <p:childTnLst>
+                        <p:par>
+                          <p:cTn id="20" fill="hold">
+                            <p:stCondLst>
+                              <p:cond delay="0"/>
+                            </p:stCondLst>
+                            <p:childTnLst>
+                              <p:par>
+                                <p:cTn id="21" presetID="1" presetClass="entr" presetSubtype="0" fill="hold" grpId="0" nodeType="clickEffect">
+                                  <p:stCondLst>
+                                    <p:cond delay="0"/>
+                                  </p:stCondLst>
+                                  <p:childTnLst>
+                                    <p:set>
+                                      <p:cBhvr>
+                                        <p:cTn id="22" dur="1" fill="hold">
+                                          <p:stCondLst>
+                                            <p:cond delay="0"/>
+                                          </p:stCondLst>
+                                        </p:cTn>
+                                        <p:tgtEl>
+                                          <p:spTgt spid="3">
+                                            <p:txEl>
+                                              <p:pRg st="6" end="6"/>
+                                            </p:txEl>
+                                          </p:spTgt>
+                                        </p:tgtEl>
+                                        <p:attrNameLst>
+                                          <p:attrName>style.visibility</p:attrName>
+                                        </p:attrNameLst>
+                                      </p:cBhvr>
+                                      <p:to>
+                                        <p:strVal val="visible"/>
+                                      </p:to>
+                                    </p:set>
+                                  </p:childTnLst>
+                                </p:cTn>
+                              </p:par>
+                            </p:childTnLst>
+                          </p:cTn>
+                        </p:par>
+                      </p:childTnLst>
+                    </p:cTn>
+                  </p:par>
+                  <p:par>
+                    <p:cTn id="23" fill="hold">
+                      <p:stCondLst>
+                        <p:cond delay="indefinite"/>
+                      </p:stCondLst>
+                      <p:childTnLst>
+                        <p:par>
+                          <p:cTn id="24" fill="hold">
+                            <p:stCondLst>
+                              <p:cond delay="0"/>
+                            </p:stCondLst>
+                            <p:childTnLst>
+                              <p:par>
+                                <p:cTn id="25" presetID="1" presetClass="entr" presetSubtype="0" fill="hold" grpId="0" nodeType="clickEffect">
+                                  <p:stCondLst>
+                                    <p:cond delay="0"/>
+                                  </p:stCondLst>
+                                  <p:childTnLst>
+                                    <p:set>
+                                      <p:cBhvr>
+                                        <p:cTn id="26" dur="1" fill="hold">
+                                          <p:stCondLst>
+                                            <p:cond delay="0"/>
+                                          </p:stCondLst>
+                                        </p:cTn>
+                                        <p:tgtEl>
+                                          <p:spTgt spid="3">
+                                            <p:txEl>
+                                              <p:pRg st="7" end="7"/>
+                                            </p:txEl>
+                                          </p:spTgt>
+                                        </p:tgtEl>
+                                        <p:attrNameLst>
+                                          <p:attrName>style.visibility</p:attrName>
+                                        </p:attrNameLst>
+                                      </p:cBhvr>
+                                      <p:to>
+                                        <p:strVal val="visible"/>
+                                      </p:to>
+                                    </p:set>
+                                  </p:childTnLst>
+                                </p:cTn>
+                              </p:par>
+                            </p:childTnLst>
+                          </p:cTn>
+                        </p:par>
+                      </p:childTnLst>
+                    </p:cTn>
+                  </p:par>
+                  <p:par>
+                    <p:cTn id="27" fill="hold">
+                      <p:stCondLst>
+                        <p:cond delay="indefinite"/>
+                      </p:stCondLst>
+                      <p:childTnLst>
+                        <p:par>
+                          <p:cTn id="28" fill="hold">
+                            <p:stCondLst>
+                              <p:cond delay="0"/>
+                            </p:stCondLst>
+                            <p:childTnLst>
+                              <p:par>
+                                <p:cTn id="29" presetID="1" presetClass="entr" presetSubtype="0" fill="hold" grpId="0" nodeType="clickEffect">
+                                  <p:stCondLst>
+                                    <p:cond delay="0"/>
+                                  </p:stCondLst>
+                                  <p:childTnLst>
+                                    <p:set>
+                                      <p:cBhvr>
+                                        <p:cTn id="30" dur="1" fill="hold">
+                                          <p:stCondLst>
+                                            <p:cond delay="0"/>
+                                          </p:stCondLst>
+                                        </p:cTn>
+                                        <p:tgtEl>
+                                          <p:spTgt spid="3">
+                                            <p:txEl>
+                                              <p:pRg st="8" end="8"/>
+                                            </p:txEl>
+                                          </p:spTgt>
+                                        </p:tgtEl>
+                                        <p:attrNameLst>
+                                          <p:attrName>style.visibility</p:attrName>
+                                        </p:attrNameLst>
+                                      </p:cBhvr>
+                                      <p:to>
+                                        <p:strVal val="visible"/>
+                                      </p:to>
+                                    </p:set>
+                                  </p:childTnLst>
+                                </p:cTn>
+                              </p:par>
+                            </p:childTnLst>
+                          </p:cTn>
+                        </p:par>
+                      </p:childTnLst>
+                    </p:cTn>
+                  </p:par>
+                  <p:par>
+                    <p:cTn id="31" fill="hold">
+                      <p:stCondLst>
+                        <p:cond delay="indefinite"/>
+                      </p:stCondLst>
+                      <p:childTnLst>
+                        <p:par>
+                          <p:cTn id="32" fill="hold">
+                            <p:stCondLst>
+                              <p:cond delay="0"/>
+                            </p:stCondLst>
+                            <p:childTnLst>
+                              <p:par>
+                                <p:cTn id="33" presetID="1" presetClass="entr" presetSubtype="0" fill="hold" grpId="0" nodeType="clickEffect">
+                                  <p:stCondLst>
+                                    <p:cond delay="0"/>
+                                  </p:stCondLst>
+                                  <p:childTnLst>
+                                    <p:set>
+                                      <p:cBhvr>
+                                        <p:cTn id="34" dur="1" fill="hold">
+                                          <p:stCondLst>
+                                            <p:cond delay="0"/>
+                                          </p:stCondLst>
+                                        </p:cTn>
+                                        <p:tgtEl>
+                                          <p:spTgt spid="3">
+                                            <p:txEl>
+                                              <p:pRg st="9" end="9"/>
+                                            </p:txEl>
+                                          </p:spTgt>
+                                        </p:tgtEl>
+                                        <p:attrNameLst>
+                                          <p:attrName>style.visibility</p:attrName>
+                                        </p:attrNameLst>
+                                      </p:cBhvr>
+                                      <p:to>
+                                        <p:strVal val="visible"/>
+                                      </p:to>
+                                    </p:set>
+                                  </p:childTnLst>
+                                </p:cTn>
+                              </p:par>
+                            </p:childTnLst>
+                          </p:cTn>
+                        </p:par>
+                      </p:childTnLst>
+                    </p:cTn>
+                  </p:par>
+                  <p:par>
+                    <p:cTn id="35" fill="hold">
+                      <p:stCondLst>
+                        <p:cond delay="indefinite"/>
+                      </p:stCondLst>
+                      <p:childTnLst>
+                        <p:par>
+                          <p:cTn id="36" fill="hold">
+                            <p:stCondLst>
+                              <p:cond delay="0"/>
+                            </p:stCondLst>
+                            <p:childTnLst>
+                              <p:par>
+                                <p:cTn id="37" presetID="1" presetClass="entr" presetSubtype="0" fill="hold" grpId="0" nodeType="clickEffect">
+                                  <p:stCondLst>
+                                    <p:cond delay="0"/>
+                                  </p:stCondLst>
+                                  <p:childTnLst>
+                                    <p:set>
+                                      <p:cBhvr>
+                                        <p:cTn id="38" dur="1" fill="hold">
+                                          <p:stCondLst>
+                                            <p:cond delay="0"/>
+                                          </p:stCondLst>
+                                        </p:cTn>
+                                        <p:tgtEl>
+                                          <p:spTgt spid="3">
+                                            <p:txEl>
+                                              <p:pRg st="10" end="10"/>
+                                            </p:txEl>
+                                          </p:spTgt>
+                                        </p:tgtEl>
+                                        <p:attrNameLst>
+                                          <p:attrName>style.visibility</p:attrName>
+                                        </p:attrNameLst>
+                                      </p:cBhvr>
+                                      <p:to>
+                                        <p:strVal val="visible"/>
+                                      </p:to>
+                                    </p:set>
+                                  </p:childTnLst>
+                                </p:cTn>
+                              </p:par>
+                            </p:childTnLst>
+                          </p:cTn>
+                        </p:par>
+                      </p:childTnLst>
+                    </p:cTn>
+                  </p:par>
+                  <p:par>
+                    <p:cTn id="39" fill="hold">
+                      <p:stCondLst>
+                        <p:cond delay="indefinite"/>
+                      </p:stCondLst>
+                      <p:childTnLst>
+                        <p:par>
+                          <p:cTn id="40" fill="hold">
+                            <p:stCondLst>
+                              <p:cond delay="0"/>
+                            </p:stCondLst>
+                            <p:childTnLst>
+                              <p:par>
+                                <p:cTn id="41" presetID="1" presetClass="entr" presetSubtype="0" fill="hold" grpId="0" nodeType="clickEffect">
+                                  <p:stCondLst>
+                                    <p:cond delay="0"/>
+                                  </p:stCondLst>
+                                  <p:childTnLst>
+                                    <p:set>
+                                      <p:cBhvr>
+                                        <p:cTn id="42" dur="1" fill="hold">
+                                          <p:stCondLst>
+                                            <p:cond delay="0"/>
+                                          </p:stCondLst>
+                                        </p:cTn>
+                                        <p:tgtEl>
+                                          <p:spTgt spid="3">
+                                            <p:txEl>
+                                              <p:pRg st="11" end="11"/>
+                                            </p:txEl>
+                                          </p:spTgt>
+                                        </p:tgtEl>
+                                        <p:attrNameLst>
+                                          <p:attrName>style.visibility</p:attrName>
+                                        </p:attrNameLst>
+                                      </p:cBhvr>
+                                      <p:to>
+                                        <p:strVal val="visible"/>
+                                      </p:to>
+                                    </p:set>
+                                  </p:childTnLst>
+                                </p:cTn>
+                              </p:par>
+                            </p:childTnLst>
+                          </p:cTn>
+                        </p:par>
+                      </p:childTnLst>
+                    </p:cTn>
+                  </p:par>
+                </p:childTnLst>
+              </p:cTn>
+              <p:prevCondLst>
+                <p:cond evt="onPrev" delay="0">
+                  <p:tgtEl>
+                    <p:sldTgt/>
+                  </p:tgtEl>
+                </p:cond>
+              </p:prevCondLst>
+              <p:nextCondLst>
+                <p:cond evt="onNext" delay="0">
+                  <p:tgtEl>
+                    <p:sldTgt/>
+                  </p:tgtEl>
+                </p:cond>
+              </p:nextCondLst>
+            </p:seq>
+          </p:childTnLst>
+        </p:cTn>
+      </p:par>
+    </p:tnLst>
+    <p:bldLst>
+      <p:bldP spid="3" grpId="0" build="p"/>
+    </p:bldLst>
+  </p:timing>
 </p:sld>
 </file>
 

--- a/Documentation/4th Year Project Presentation.pptx
+++ b/Documentation/4th Year Project Presentation.pptx
@@ -5,7 +5,7 @@
     <p:sldMasterId id="2147483731" r:id="rId1"/>
   </p:sldMasterIdLst>
   <p:notesMasterIdLst>
-    <p:notesMasterId r:id="rId18"/>
+    <p:notesMasterId r:id="rId21"/>
   </p:notesMasterIdLst>
   <p:sldIdLst>
     <p:sldId id="256" r:id="rId2"/>
@@ -15,15 +15,18 @@
     <p:sldId id="266" r:id="rId6"/>
     <p:sldId id="258" r:id="rId7"/>
     <p:sldId id="259" r:id="rId8"/>
-    <p:sldId id="261" r:id="rId9"/>
-    <p:sldId id="267" r:id="rId10"/>
-    <p:sldId id="262" r:id="rId11"/>
-    <p:sldId id="268" r:id="rId12"/>
-    <p:sldId id="278" r:id="rId13"/>
-    <p:sldId id="279" r:id="rId14"/>
-    <p:sldId id="270" r:id="rId15"/>
-    <p:sldId id="280" r:id="rId16"/>
-    <p:sldId id="263" r:id="rId17"/>
+    <p:sldId id="281" r:id="rId9"/>
+    <p:sldId id="282" r:id="rId10"/>
+    <p:sldId id="283" r:id="rId11"/>
+    <p:sldId id="261" r:id="rId12"/>
+    <p:sldId id="267" r:id="rId13"/>
+    <p:sldId id="262" r:id="rId14"/>
+    <p:sldId id="268" r:id="rId15"/>
+    <p:sldId id="278" r:id="rId16"/>
+    <p:sldId id="279" r:id="rId17"/>
+    <p:sldId id="270" r:id="rId18"/>
+    <p:sldId id="280" r:id="rId19"/>
+    <p:sldId id="263" r:id="rId20"/>
   </p:sldIdLst>
   <p:sldSz cx="12192000" cy="6858000"/>
   <p:notesSz cx="6858000" cy="9144000"/>
@@ -8133,7 +8136,7 @@
           <a:p>
             <a:fld id="{E0460530-21AB-4667-8DDF-0CFD1A19A456}" type="slidenum">
               <a:rPr lang="en-IN" smtClean="0"/>
-              <a:t>8</a:t>
+              <a:t>11</a:t>
             </a:fld>
             <a:endParaRPr lang="en-IN"/>
           </a:p>
@@ -8314,7 +8317,7 @@
           <a:p>
             <a:fld id="{E0460530-21AB-4667-8DDF-0CFD1A19A456}" type="slidenum">
               <a:rPr lang="en-IN" smtClean="0"/>
-              <a:t>9</a:t>
+              <a:t>12</a:t>
             </a:fld>
             <a:endParaRPr lang="en-IN"/>
           </a:p>
@@ -8566,7 +8569,7 @@
           <a:p>
             <a:fld id="{E0460530-21AB-4667-8DDF-0CFD1A19A456}" type="slidenum">
               <a:rPr lang="en-IN" smtClean="0"/>
-              <a:t>10</a:t>
+              <a:t>13</a:t>
             </a:fld>
             <a:endParaRPr lang="en-IN"/>
           </a:p>
@@ -8829,7 +8832,7 @@
           <a:p>
             <a:fld id="{E0460530-21AB-4667-8DDF-0CFD1A19A456}" type="slidenum">
               <a:rPr lang="en-IN" smtClean="0"/>
-              <a:t>11</a:t>
+              <a:t>14</a:t>
             </a:fld>
             <a:endParaRPr lang="en-IN"/>
           </a:p>
@@ -8839,6 +8842,90 @@
     <p:extLst>
       <p:ext uri="{BB962C8B-B14F-4D97-AF65-F5344CB8AC3E}">
         <p14:creationId xmlns:p14="http://schemas.microsoft.com/office/powerpoint/2010/main" val="654931584"/>
+      </p:ext>
+    </p:extLst>
+  </p:cSld>
+  <p:clrMapOvr>
+    <a:masterClrMapping/>
+  </p:clrMapOvr>
+</p:notes>
+</file>
+
+<file path=ppt/notesSlides/notesSlide5.xml><?xml version="1.0" encoding="utf-8"?>
+<p:notes xmlns:a="http://schemas.openxmlformats.org/drawingml/2006/main" xmlns:r="http://schemas.openxmlformats.org/officeDocument/2006/relationships" xmlns:p="http://schemas.openxmlformats.org/presentationml/2006/main">
+  <p:cSld>
+    <p:spTree>
+      <p:nvGrpSpPr>
+        <p:cNvPr id="1" name=""/>
+        <p:cNvGrpSpPr/>
+        <p:nvPr/>
+      </p:nvGrpSpPr>
+      <p:grpSpPr>
+        <a:xfrm>
+          <a:off x="0" y="0"/>
+          <a:ext cx="0" cy="0"/>
+          <a:chOff x="0" y="0"/>
+          <a:chExt cx="0" cy="0"/>
+        </a:xfrm>
+      </p:grpSpPr>
+      <p:sp>
+        <p:nvSpPr>
+          <p:cNvPr id="2" name="Slide Image Placeholder 1"/>
+          <p:cNvSpPr>
+            <a:spLocks noGrp="1" noRot="1" noChangeAspect="1"/>
+          </p:cNvSpPr>
+          <p:nvPr>
+            <p:ph type="sldImg"/>
+          </p:nvPr>
+        </p:nvSpPr>
+        <p:spPr/>
+      </p:sp>
+      <p:sp>
+        <p:nvSpPr>
+          <p:cNvPr id="3" name="Notes Placeholder 2"/>
+          <p:cNvSpPr>
+            <a:spLocks noGrp="1"/>
+          </p:cNvSpPr>
+          <p:nvPr>
+            <p:ph type="body" idx="1"/>
+          </p:nvPr>
+        </p:nvSpPr>
+        <p:spPr/>
+        <p:txBody>
+          <a:bodyPr/>
+          <a:lstStyle/>
+          <a:p>
+            <a:endParaRPr lang="en-IN" dirty="0"/>
+          </a:p>
+        </p:txBody>
+      </p:sp>
+      <p:sp>
+        <p:nvSpPr>
+          <p:cNvPr id="4" name="Slide Number Placeholder 3"/>
+          <p:cNvSpPr>
+            <a:spLocks noGrp="1"/>
+          </p:cNvSpPr>
+          <p:nvPr>
+            <p:ph type="sldNum" sz="quarter" idx="5"/>
+          </p:nvPr>
+        </p:nvSpPr>
+        <p:spPr/>
+        <p:txBody>
+          <a:bodyPr/>
+          <a:lstStyle/>
+          <a:p>
+            <a:fld id="{E0460530-21AB-4667-8DDF-0CFD1A19A456}" type="slidenum">
+              <a:rPr lang="en-IN" smtClean="0"/>
+              <a:t>19</a:t>
+            </a:fld>
+            <a:endParaRPr lang="en-IN"/>
+          </a:p>
+        </p:txBody>
+      </p:sp>
+    </p:spTree>
+    <p:extLst>
+      <p:ext uri="{BB962C8B-B14F-4D97-AF65-F5344CB8AC3E}">
+        <p14:creationId xmlns:p14="http://schemas.microsoft.com/office/powerpoint/2010/main" val="63072498"/>
       </p:ext>
     </p:extLst>
   </p:cSld>
@@ -8979,7 +9066,7 @@
           <a:p>
             <a:fld id="{21D9AB09-D600-4578-8243-21B8A8CCB975}" type="datetimeFigureOut">
               <a:rPr lang="en-IN" smtClean="0"/>
-              <a:t>27-03-2021</a:t>
+              <a:t>28-03-2021</a:t>
             </a:fld>
             <a:endParaRPr lang="en-IN"/>
           </a:p>
@@ -9149,7 +9236,7 @@
           <a:p>
             <a:fld id="{21D9AB09-D600-4578-8243-21B8A8CCB975}" type="datetimeFigureOut">
               <a:rPr lang="en-IN" smtClean="0"/>
-              <a:t>27-03-2021</a:t>
+              <a:t>28-03-2021</a:t>
             </a:fld>
             <a:endParaRPr lang="en-IN"/>
           </a:p>
@@ -9329,7 +9416,7 @@
           <a:p>
             <a:fld id="{21D9AB09-D600-4578-8243-21B8A8CCB975}" type="datetimeFigureOut">
               <a:rPr lang="en-IN" smtClean="0"/>
-              <a:t>27-03-2021</a:t>
+              <a:t>28-03-2021</a:t>
             </a:fld>
             <a:endParaRPr lang="en-IN"/>
           </a:p>
@@ -9499,7 +9586,7 @@
           <a:p>
             <a:fld id="{21D9AB09-D600-4578-8243-21B8A8CCB975}" type="datetimeFigureOut">
               <a:rPr lang="en-IN" smtClean="0"/>
-              <a:t>27-03-2021</a:t>
+              <a:t>28-03-2021</a:t>
             </a:fld>
             <a:endParaRPr lang="en-IN"/>
           </a:p>
@@ -9745,7 +9832,7 @@
           <a:p>
             <a:fld id="{21D9AB09-D600-4578-8243-21B8A8CCB975}" type="datetimeFigureOut">
               <a:rPr lang="en-IN" smtClean="0"/>
-              <a:t>27-03-2021</a:t>
+              <a:t>28-03-2021</a:t>
             </a:fld>
             <a:endParaRPr lang="en-IN"/>
           </a:p>
@@ -9977,7 +10064,7 @@
           <a:p>
             <a:fld id="{21D9AB09-D600-4578-8243-21B8A8CCB975}" type="datetimeFigureOut">
               <a:rPr lang="en-IN" smtClean="0"/>
-              <a:t>27-03-2021</a:t>
+              <a:t>28-03-2021</a:t>
             </a:fld>
             <a:endParaRPr lang="en-IN"/>
           </a:p>
@@ -10344,7 +10431,7 @@
           <a:p>
             <a:fld id="{21D9AB09-D600-4578-8243-21B8A8CCB975}" type="datetimeFigureOut">
               <a:rPr lang="en-IN" smtClean="0"/>
-              <a:t>27-03-2021</a:t>
+              <a:t>28-03-2021</a:t>
             </a:fld>
             <a:endParaRPr lang="en-IN"/>
           </a:p>
@@ -10462,7 +10549,7 @@
           <a:p>
             <a:fld id="{21D9AB09-D600-4578-8243-21B8A8CCB975}" type="datetimeFigureOut">
               <a:rPr lang="en-IN" smtClean="0"/>
-              <a:t>27-03-2021</a:t>
+              <a:t>28-03-2021</a:t>
             </a:fld>
             <a:endParaRPr lang="en-IN"/>
           </a:p>
@@ -10557,7 +10644,7 @@
           <a:p>
             <a:fld id="{21D9AB09-D600-4578-8243-21B8A8CCB975}" type="datetimeFigureOut">
               <a:rPr lang="en-IN" smtClean="0"/>
-              <a:t>27-03-2021</a:t>
+              <a:t>28-03-2021</a:t>
             </a:fld>
             <a:endParaRPr lang="en-IN"/>
           </a:p>
@@ -10834,7 +10921,7 @@
           <a:p>
             <a:fld id="{21D9AB09-D600-4578-8243-21B8A8CCB975}" type="datetimeFigureOut">
               <a:rPr lang="en-IN" smtClean="0"/>
-              <a:t>27-03-2021</a:t>
+              <a:t>28-03-2021</a:t>
             </a:fld>
             <a:endParaRPr lang="en-IN"/>
           </a:p>
@@ -11091,7 +11178,7 @@
           <a:p>
             <a:fld id="{21D9AB09-D600-4578-8243-21B8A8CCB975}" type="datetimeFigureOut">
               <a:rPr lang="en-IN" smtClean="0"/>
-              <a:t>27-03-2021</a:t>
+              <a:t>28-03-2021</a:t>
             </a:fld>
             <a:endParaRPr lang="en-IN"/>
           </a:p>
@@ -11332,7 +11419,7 @@
           <a:p>
             <a:fld id="{21D9AB09-D600-4578-8243-21B8A8CCB975}" type="datetimeFigureOut">
               <a:rPr lang="en-IN" smtClean="0"/>
-              <a:t>27-03-2021</a:t>
+              <a:t>28-03-2021</a:t>
             </a:fld>
             <a:endParaRPr lang="en-IN"/>
           </a:p>
@@ -12199,6 +12286,1391 @@
 </file>
 
 <file path=ppt/slides/slide10.xml><?xml version="1.0" encoding="utf-8"?>
+<p:sld xmlns:a="http://schemas.openxmlformats.org/drawingml/2006/main" xmlns:r="http://schemas.openxmlformats.org/officeDocument/2006/relationships" xmlns:p="http://schemas.openxmlformats.org/presentationml/2006/main">
+  <p:cSld>
+    <p:spTree>
+      <p:nvGrpSpPr>
+        <p:cNvPr id="1" name=""/>
+        <p:cNvGrpSpPr/>
+        <p:nvPr/>
+      </p:nvGrpSpPr>
+      <p:grpSpPr>
+        <a:xfrm>
+          <a:off x="0" y="0"/>
+          <a:ext cx="0" cy="0"/>
+          <a:chOff x="0" y="0"/>
+          <a:chExt cx="0" cy="0"/>
+        </a:xfrm>
+      </p:grpSpPr>
+      <p:sp>
+        <p:nvSpPr>
+          <p:cNvPr id="2" name="Title 1">
+            <a:extLst>
+              <a:ext uri="{FF2B5EF4-FFF2-40B4-BE49-F238E27FC236}">
+                <a16:creationId xmlns:a16="http://schemas.microsoft.com/office/drawing/2014/main" id="{FF947F9E-45E4-42E9-A1B4-4FDAE2D811F4}"/>
+              </a:ext>
+            </a:extLst>
+          </p:cNvPr>
+          <p:cNvSpPr>
+            <a:spLocks noGrp="1"/>
+          </p:cNvSpPr>
+          <p:nvPr>
+            <p:ph type="title"/>
+          </p:nvPr>
+        </p:nvSpPr>
+        <p:spPr/>
+        <p:txBody>
+          <a:bodyPr/>
+          <a:lstStyle/>
+          <a:p>
+            <a:r>
+              <a:rPr lang="en-US" dirty="0">
+                <a:latin typeface="Garamond" panose="02020404030301010803" pitchFamily="18" charset="0"/>
+              </a:rPr>
+              <a:t>Our Contribution to Present Work</a:t>
+            </a:r>
+            <a:endParaRPr lang="en-IN" dirty="0"/>
+          </a:p>
+        </p:txBody>
+      </p:sp>
+      <p:sp>
+        <p:nvSpPr>
+          <p:cNvPr id="3" name="Content Placeholder 2">
+            <a:extLst>
+              <a:ext uri="{FF2B5EF4-FFF2-40B4-BE49-F238E27FC236}">
+                <a16:creationId xmlns:a16="http://schemas.microsoft.com/office/drawing/2014/main" id="{3EA79CA9-68AB-4609-AE0D-6BC3D39E5268}"/>
+              </a:ext>
+            </a:extLst>
+          </p:cNvPr>
+          <p:cNvSpPr>
+            <a:spLocks noGrp="1"/>
+          </p:cNvSpPr>
+          <p:nvPr>
+            <p:ph idx="1"/>
+          </p:nvPr>
+        </p:nvSpPr>
+        <p:spPr/>
+        <p:txBody>
+          <a:bodyPr/>
+          <a:lstStyle/>
+          <a:p>
+            <a:r>
+              <a:rPr lang="en-US" dirty="0">
+                <a:latin typeface="Frank Ruhl Hofshi" panose="00000500000000000000" pitchFamily="50" charset="-79"/>
+                <a:cs typeface="Frank Ruhl Hofshi" panose="00000500000000000000" pitchFamily="50" charset="-79"/>
+              </a:rPr>
+              <a:t>Writer verification</a:t>
+            </a:r>
+          </a:p>
+          <a:p>
+            <a:r>
+              <a:rPr lang="en-US" dirty="0">
+                <a:latin typeface="Frank Ruhl Hofshi" panose="00000500000000000000" pitchFamily="50" charset="-79"/>
+                <a:cs typeface="Frank Ruhl Hofshi" panose="00000500000000000000" pitchFamily="50" charset="-79"/>
+              </a:rPr>
+              <a:t>Percentage of Similarities with the author</a:t>
+            </a:r>
+          </a:p>
+          <a:p>
+            <a:r>
+              <a:rPr lang="en-IN" dirty="0">
+                <a:latin typeface="Frank Ruhl Hofshi" panose="00000500000000000000" pitchFamily="50" charset="-79"/>
+                <a:cs typeface="Frank Ruhl Hofshi" panose="00000500000000000000" pitchFamily="50" charset="-79"/>
+              </a:rPr>
+              <a:t>Unique Dataset with 121 volunteers</a:t>
+            </a:r>
+          </a:p>
+          <a:p>
+            <a:endParaRPr lang="en-IN" dirty="0"/>
+          </a:p>
+        </p:txBody>
+      </p:sp>
+    </p:spTree>
+    <p:extLst>
+      <p:ext uri="{BB962C8B-B14F-4D97-AF65-F5344CB8AC3E}">
+        <p14:creationId xmlns:p14="http://schemas.microsoft.com/office/powerpoint/2010/main" val="346754489"/>
+      </p:ext>
+    </p:extLst>
+  </p:cSld>
+  <p:clrMapOvr>
+    <a:masterClrMapping/>
+  </p:clrMapOvr>
+  <p:timing>
+    <p:tnLst>
+      <p:par>
+        <p:cTn id="1" dur="indefinite" restart="never" nodeType="tmRoot">
+          <p:childTnLst>
+            <p:seq concurrent="1" nextAc="seek">
+              <p:cTn id="2" dur="indefinite" nodeType="mainSeq">
+                <p:childTnLst>
+                  <p:par>
+                    <p:cTn id="3" fill="hold">
+                      <p:stCondLst>
+                        <p:cond delay="indefinite"/>
+                      </p:stCondLst>
+                      <p:childTnLst>
+                        <p:par>
+                          <p:cTn id="4" fill="hold">
+                            <p:stCondLst>
+                              <p:cond delay="0"/>
+                            </p:stCondLst>
+                            <p:childTnLst>
+                              <p:par>
+                                <p:cTn id="5" presetID="1" presetClass="entr" presetSubtype="0" fill="hold" nodeType="clickEffect">
+                                  <p:stCondLst>
+                                    <p:cond delay="0"/>
+                                  </p:stCondLst>
+                                  <p:childTnLst>
+                                    <p:set>
+                                      <p:cBhvr>
+                                        <p:cTn id="6" dur="1" fill="hold">
+                                          <p:stCondLst>
+                                            <p:cond delay="0"/>
+                                          </p:stCondLst>
+                                        </p:cTn>
+                                        <p:tgtEl>
+                                          <p:spTgt spid="3">
+                                            <p:txEl>
+                                              <p:pRg st="0" end="0"/>
+                                            </p:txEl>
+                                          </p:spTgt>
+                                        </p:tgtEl>
+                                        <p:attrNameLst>
+                                          <p:attrName>style.visibility</p:attrName>
+                                        </p:attrNameLst>
+                                      </p:cBhvr>
+                                      <p:to>
+                                        <p:strVal val="visible"/>
+                                      </p:to>
+                                    </p:set>
+                                  </p:childTnLst>
+                                </p:cTn>
+                              </p:par>
+                            </p:childTnLst>
+                          </p:cTn>
+                        </p:par>
+                      </p:childTnLst>
+                    </p:cTn>
+                  </p:par>
+                  <p:par>
+                    <p:cTn id="7" fill="hold">
+                      <p:stCondLst>
+                        <p:cond delay="indefinite"/>
+                      </p:stCondLst>
+                      <p:childTnLst>
+                        <p:par>
+                          <p:cTn id="8" fill="hold">
+                            <p:stCondLst>
+                              <p:cond delay="0"/>
+                            </p:stCondLst>
+                            <p:childTnLst>
+                              <p:par>
+                                <p:cTn id="9" presetID="1" presetClass="entr" presetSubtype="0" fill="hold" nodeType="clickEffect">
+                                  <p:stCondLst>
+                                    <p:cond delay="0"/>
+                                  </p:stCondLst>
+                                  <p:childTnLst>
+                                    <p:set>
+                                      <p:cBhvr>
+                                        <p:cTn id="10" dur="1" fill="hold">
+                                          <p:stCondLst>
+                                            <p:cond delay="0"/>
+                                          </p:stCondLst>
+                                        </p:cTn>
+                                        <p:tgtEl>
+                                          <p:spTgt spid="3">
+                                            <p:txEl>
+                                              <p:pRg st="1" end="1"/>
+                                            </p:txEl>
+                                          </p:spTgt>
+                                        </p:tgtEl>
+                                        <p:attrNameLst>
+                                          <p:attrName>style.visibility</p:attrName>
+                                        </p:attrNameLst>
+                                      </p:cBhvr>
+                                      <p:to>
+                                        <p:strVal val="visible"/>
+                                      </p:to>
+                                    </p:set>
+                                  </p:childTnLst>
+                                </p:cTn>
+                              </p:par>
+                            </p:childTnLst>
+                          </p:cTn>
+                        </p:par>
+                      </p:childTnLst>
+                    </p:cTn>
+                  </p:par>
+                  <p:par>
+                    <p:cTn id="11" fill="hold">
+                      <p:stCondLst>
+                        <p:cond delay="indefinite"/>
+                      </p:stCondLst>
+                      <p:childTnLst>
+                        <p:par>
+                          <p:cTn id="12" fill="hold">
+                            <p:stCondLst>
+                              <p:cond delay="0"/>
+                            </p:stCondLst>
+                            <p:childTnLst>
+                              <p:par>
+                                <p:cTn id="13" presetID="1" presetClass="entr" presetSubtype="0" fill="hold" nodeType="clickEffect">
+                                  <p:stCondLst>
+                                    <p:cond delay="0"/>
+                                  </p:stCondLst>
+                                  <p:childTnLst>
+                                    <p:set>
+                                      <p:cBhvr>
+                                        <p:cTn id="14" dur="1" fill="hold">
+                                          <p:stCondLst>
+                                            <p:cond delay="0"/>
+                                          </p:stCondLst>
+                                        </p:cTn>
+                                        <p:tgtEl>
+                                          <p:spTgt spid="3">
+                                            <p:txEl>
+                                              <p:pRg st="2" end="2"/>
+                                            </p:txEl>
+                                          </p:spTgt>
+                                        </p:tgtEl>
+                                        <p:attrNameLst>
+                                          <p:attrName>style.visibility</p:attrName>
+                                        </p:attrNameLst>
+                                      </p:cBhvr>
+                                      <p:to>
+                                        <p:strVal val="visible"/>
+                                      </p:to>
+                                    </p:set>
+                                  </p:childTnLst>
+                                </p:cTn>
+                              </p:par>
+                            </p:childTnLst>
+                          </p:cTn>
+                        </p:par>
+                      </p:childTnLst>
+                    </p:cTn>
+                  </p:par>
+                </p:childTnLst>
+              </p:cTn>
+              <p:prevCondLst>
+                <p:cond evt="onPrev" delay="0">
+                  <p:tgtEl>
+                    <p:sldTgt/>
+                  </p:tgtEl>
+                </p:cond>
+              </p:prevCondLst>
+              <p:nextCondLst>
+                <p:cond evt="onNext" delay="0">
+                  <p:tgtEl>
+                    <p:sldTgt/>
+                  </p:tgtEl>
+                </p:cond>
+              </p:nextCondLst>
+            </p:seq>
+          </p:childTnLst>
+        </p:cTn>
+      </p:par>
+    </p:tnLst>
+  </p:timing>
+</p:sld>
+</file>
+
+<file path=ppt/slides/slide11.xml><?xml version="1.0" encoding="utf-8"?>
+<p:sld xmlns:a="http://schemas.openxmlformats.org/drawingml/2006/main" xmlns:r="http://schemas.openxmlformats.org/officeDocument/2006/relationships" xmlns:p="http://schemas.openxmlformats.org/presentationml/2006/main">
+  <p:cSld>
+    <p:spTree>
+      <p:nvGrpSpPr>
+        <p:cNvPr id="1" name=""/>
+        <p:cNvGrpSpPr/>
+        <p:nvPr/>
+      </p:nvGrpSpPr>
+      <p:grpSpPr>
+        <a:xfrm>
+          <a:off x="0" y="0"/>
+          <a:ext cx="0" cy="0"/>
+          <a:chOff x="0" y="0"/>
+          <a:chExt cx="0" cy="0"/>
+        </a:xfrm>
+      </p:grpSpPr>
+      <p:sp>
+        <p:nvSpPr>
+          <p:cNvPr id="2" name="Title 1">
+            <a:extLst>
+              <a:ext uri="{FF2B5EF4-FFF2-40B4-BE49-F238E27FC236}">
+                <a16:creationId xmlns:a16="http://schemas.microsoft.com/office/drawing/2014/main" id="{643A320E-D976-47E4-929C-B3785801B479}"/>
+              </a:ext>
+            </a:extLst>
+          </p:cNvPr>
+          <p:cNvSpPr>
+            <a:spLocks noGrp="1"/>
+          </p:cNvSpPr>
+          <p:nvPr>
+            <p:ph type="title"/>
+          </p:nvPr>
+        </p:nvSpPr>
+        <p:spPr/>
+        <p:txBody>
+          <a:bodyPr/>
+          <a:lstStyle/>
+          <a:p>
+            <a:r>
+              <a:rPr lang="en-US" dirty="0">
+                <a:latin typeface="Garamond" panose="02020404030301010803" pitchFamily="18" charset="0"/>
+              </a:rPr>
+              <a:t>Collection of Data Set</a:t>
+            </a:r>
+            <a:endParaRPr lang="en-IN" dirty="0">
+              <a:latin typeface="Garamond" panose="02020404030301010803" pitchFamily="18" charset="0"/>
+            </a:endParaRPr>
+          </a:p>
+        </p:txBody>
+      </p:sp>
+      <p:sp>
+        <p:nvSpPr>
+          <p:cNvPr id="3" name="Content Placeholder 2">
+            <a:extLst>
+              <a:ext uri="{FF2B5EF4-FFF2-40B4-BE49-F238E27FC236}">
+                <a16:creationId xmlns:a16="http://schemas.microsoft.com/office/drawing/2014/main" id="{DDDF508F-4344-4318-A1AF-BCE8A393EBAF}"/>
+              </a:ext>
+            </a:extLst>
+          </p:cNvPr>
+          <p:cNvSpPr>
+            <a:spLocks noGrp="1"/>
+          </p:cNvSpPr>
+          <p:nvPr>
+            <p:ph idx="1"/>
+          </p:nvPr>
+        </p:nvSpPr>
+        <p:spPr/>
+        <p:txBody>
+          <a:bodyPr/>
+          <a:lstStyle/>
+          <a:p>
+            <a:r>
+              <a:rPr lang="en-US" dirty="0">
+                <a:latin typeface="Frank Ruhl Hofshi" panose="00000500000000000000" pitchFamily="50" charset="-79"/>
+                <a:cs typeface="Frank Ruhl Hofshi" panose="00000500000000000000" pitchFamily="50" charset="-79"/>
+              </a:rPr>
+              <a:t>121 volunteers</a:t>
+            </a:r>
+          </a:p>
+          <a:p>
+            <a:r>
+              <a:rPr lang="en-US" dirty="0">
+                <a:latin typeface="Frank Ruhl Hofshi" panose="00000500000000000000" pitchFamily="50" charset="-79"/>
+                <a:cs typeface="Frank Ruhl Hofshi" panose="00000500000000000000" pitchFamily="50" charset="-79"/>
+              </a:rPr>
+              <a:t>3 Language: English, Hindi, Bangla</a:t>
+            </a:r>
+          </a:p>
+          <a:p>
+            <a:r>
+              <a:rPr lang="en-US" dirty="0">
+                <a:latin typeface="Frank Ruhl Hofshi" panose="00000500000000000000" pitchFamily="50" charset="-79"/>
+                <a:cs typeface="Frank Ruhl Hofshi" panose="00000500000000000000" pitchFamily="50" charset="-79"/>
+              </a:rPr>
+              <a:t>Handwritten Passage</a:t>
+            </a:r>
+          </a:p>
+          <a:p>
+            <a:r>
+              <a:rPr lang="en-US" dirty="0">
+                <a:latin typeface="Frank Ruhl Hofshi" panose="00000500000000000000" pitchFamily="50" charset="-79"/>
+                <a:cs typeface="Frank Ruhl Hofshi" panose="00000500000000000000" pitchFamily="50" charset="-79"/>
+              </a:rPr>
+              <a:t>Passages scanned into images</a:t>
+            </a:r>
+          </a:p>
+          <a:p>
+            <a:r>
+              <a:rPr lang="en-US" dirty="0">
+                <a:latin typeface="Frank Ruhl Hofshi" panose="00000500000000000000" pitchFamily="50" charset="-79"/>
+                <a:cs typeface="Frank Ruhl Hofshi" panose="00000500000000000000" pitchFamily="50" charset="-79"/>
+              </a:rPr>
+              <a:t>Bangla Text only in our project</a:t>
+            </a:r>
+          </a:p>
+          <a:p>
+            <a:endParaRPr lang="en-US" dirty="0"/>
+          </a:p>
+        </p:txBody>
+      </p:sp>
+    </p:spTree>
+    <p:extLst>
+      <p:ext uri="{BB962C8B-B14F-4D97-AF65-F5344CB8AC3E}">
+        <p14:creationId xmlns:p14="http://schemas.microsoft.com/office/powerpoint/2010/main" val="1124173596"/>
+      </p:ext>
+    </p:extLst>
+  </p:cSld>
+  <p:clrMapOvr>
+    <a:masterClrMapping/>
+  </p:clrMapOvr>
+  <p:timing>
+    <p:tnLst>
+      <p:par>
+        <p:cTn id="1" dur="indefinite" restart="never" nodeType="tmRoot">
+          <p:childTnLst>
+            <p:seq concurrent="1" nextAc="seek">
+              <p:cTn id="2" dur="indefinite" nodeType="mainSeq">
+                <p:childTnLst>
+                  <p:par>
+                    <p:cTn id="3" fill="hold">
+                      <p:stCondLst>
+                        <p:cond delay="indefinite"/>
+                      </p:stCondLst>
+                      <p:childTnLst>
+                        <p:par>
+                          <p:cTn id="4" fill="hold">
+                            <p:stCondLst>
+                              <p:cond delay="0"/>
+                            </p:stCondLst>
+                            <p:childTnLst>
+                              <p:par>
+                                <p:cTn id="5" presetID="1" presetClass="entr" presetSubtype="0" fill="hold" grpId="0" nodeType="clickEffect">
+                                  <p:stCondLst>
+                                    <p:cond delay="0"/>
+                                  </p:stCondLst>
+                                  <p:childTnLst>
+                                    <p:set>
+                                      <p:cBhvr>
+                                        <p:cTn id="6" dur="1" fill="hold">
+                                          <p:stCondLst>
+                                            <p:cond delay="0"/>
+                                          </p:stCondLst>
+                                        </p:cTn>
+                                        <p:tgtEl>
+                                          <p:spTgt spid="3">
+                                            <p:txEl>
+                                              <p:pRg st="0" end="0"/>
+                                            </p:txEl>
+                                          </p:spTgt>
+                                        </p:tgtEl>
+                                        <p:attrNameLst>
+                                          <p:attrName>style.visibility</p:attrName>
+                                        </p:attrNameLst>
+                                      </p:cBhvr>
+                                      <p:to>
+                                        <p:strVal val="visible"/>
+                                      </p:to>
+                                    </p:set>
+                                  </p:childTnLst>
+                                </p:cTn>
+                              </p:par>
+                            </p:childTnLst>
+                          </p:cTn>
+                        </p:par>
+                      </p:childTnLst>
+                    </p:cTn>
+                  </p:par>
+                  <p:par>
+                    <p:cTn id="7" fill="hold">
+                      <p:stCondLst>
+                        <p:cond delay="indefinite"/>
+                      </p:stCondLst>
+                      <p:childTnLst>
+                        <p:par>
+                          <p:cTn id="8" fill="hold">
+                            <p:stCondLst>
+                              <p:cond delay="0"/>
+                            </p:stCondLst>
+                            <p:childTnLst>
+                              <p:par>
+                                <p:cTn id="9" presetID="1" presetClass="entr" presetSubtype="0" fill="hold" grpId="0" nodeType="clickEffect">
+                                  <p:stCondLst>
+                                    <p:cond delay="0"/>
+                                  </p:stCondLst>
+                                  <p:childTnLst>
+                                    <p:set>
+                                      <p:cBhvr>
+                                        <p:cTn id="10" dur="1" fill="hold">
+                                          <p:stCondLst>
+                                            <p:cond delay="0"/>
+                                          </p:stCondLst>
+                                        </p:cTn>
+                                        <p:tgtEl>
+                                          <p:spTgt spid="3">
+                                            <p:txEl>
+                                              <p:pRg st="1" end="1"/>
+                                            </p:txEl>
+                                          </p:spTgt>
+                                        </p:tgtEl>
+                                        <p:attrNameLst>
+                                          <p:attrName>style.visibility</p:attrName>
+                                        </p:attrNameLst>
+                                      </p:cBhvr>
+                                      <p:to>
+                                        <p:strVal val="visible"/>
+                                      </p:to>
+                                    </p:set>
+                                  </p:childTnLst>
+                                </p:cTn>
+                              </p:par>
+                            </p:childTnLst>
+                          </p:cTn>
+                        </p:par>
+                      </p:childTnLst>
+                    </p:cTn>
+                  </p:par>
+                  <p:par>
+                    <p:cTn id="11" fill="hold">
+                      <p:stCondLst>
+                        <p:cond delay="indefinite"/>
+                      </p:stCondLst>
+                      <p:childTnLst>
+                        <p:par>
+                          <p:cTn id="12" fill="hold">
+                            <p:stCondLst>
+                              <p:cond delay="0"/>
+                            </p:stCondLst>
+                            <p:childTnLst>
+                              <p:par>
+                                <p:cTn id="13" presetID="1" presetClass="entr" presetSubtype="0" fill="hold" grpId="0" nodeType="clickEffect">
+                                  <p:stCondLst>
+                                    <p:cond delay="0"/>
+                                  </p:stCondLst>
+                                  <p:childTnLst>
+                                    <p:set>
+                                      <p:cBhvr>
+                                        <p:cTn id="14" dur="1" fill="hold">
+                                          <p:stCondLst>
+                                            <p:cond delay="0"/>
+                                          </p:stCondLst>
+                                        </p:cTn>
+                                        <p:tgtEl>
+                                          <p:spTgt spid="3">
+                                            <p:txEl>
+                                              <p:pRg st="2" end="2"/>
+                                            </p:txEl>
+                                          </p:spTgt>
+                                        </p:tgtEl>
+                                        <p:attrNameLst>
+                                          <p:attrName>style.visibility</p:attrName>
+                                        </p:attrNameLst>
+                                      </p:cBhvr>
+                                      <p:to>
+                                        <p:strVal val="visible"/>
+                                      </p:to>
+                                    </p:set>
+                                  </p:childTnLst>
+                                </p:cTn>
+                              </p:par>
+                            </p:childTnLst>
+                          </p:cTn>
+                        </p:par>
+                      </p:childTnLst>
+                    </p:cTn>
+                  </p:par>
+                  <p:par>
+                    <p:cTn id="15" fill="hold">
+                      <p:stCondLst>
+                        <p:cond delay="indefinite"/>
+                      </p:stCondLst>
+                      <p:childTnLst>
+                        <p:par>
+                          <p:cTn id="16" fill="hold">
+                            <p:stCondLst>
+                              <p:cond delay="0"/>
+                            </p:stCondLst>
+                            <p:childTnLst>
+                              <p:par>
+                                <p:cTn id="17" presetID="1" presetClass="entr" presetSubtype="0" fill="hold" grpId="0" nodeType="clickEffect">
+                                  <p:stCondLst>
+                                    <p:cond delay="0"/>
+                                  </p:stCondLst>
+                                  <p:childTnLst>
+                                    <p:set>
+                                      <p:cBhvr>
+                                        <p:cTn id="18" dur="1" fill="hold">
+                                          <p:stCondLst>
+                                            <p:cond delay="0"/>
+                                          </p:stCondLst>
+                                        </p:cTn>
+                                        <p:tgtEl>
+                                          <p:spTgt spid="3">
+                                            <p:txEl>
+                                              <p:pRg st="3" end="3"/>
+                                            </p:txEl>
+                                          </p:spTgt>
+                                        </p:tgtEl>
+                                        <p:attrNameLst>
+                                          <p:attrName>style.visibility</p:attrName>
+                                        </p:attrNameLst>
+                                      </p:cBhvr>
+                                      <p:to>
+                                        <p:strVal val="visible"/>
+                                      </p:to>
+                                    </p:set>
+                                  </p:childTnLst>
+                                </p:cTn>
+                              </p:par>
+                            </p:childTnLst>
+                          </p:cTn>
+                        </p:par>
+                      </p:childTnLst>
+                    </p:cTn>
+                  </p:par>
+                  <p:par>
+                    <p:cTn id="19" fill="hold">
+                      <p:stCondLst>
+                        <p:cond delay="indefinite"/>
+                      </p:stCondLst>
+                      <p:childTnLst>
+                        <p:par>
+                          <p:cTn id="20" fill="hold">
+                            <p:stCondLst>
+                              <p:cond delay="0"/>
+                            </p:stCondLst>
+                            <p:childTnLst>
+                              <p:par>
+                                <p:cTn id="21" presetID="1" presetClass="entr" presetSubtype="0" fill="hold" grpId="0" nodeType="clickEffect">
+                                  <p:stCondLst>
+                                    <p:cond delay="0"/>
+                                  </p:stCondLst>
+                                  <p:childTnLst>
+                                    <p:set>
+                                      <p:cBhvr>
+                                        <p:cTn id="22" dur="1" fill="hold">
+                                          <p:stCondLst>
+                                            <p:cond delay="0"/>
+                                          </p:stCondLst>
+                                        </p:cTn>
+                                        <p:tgtEl>
+                                          <p:spTgt spid="3">
+                                            <p:txEl>
+                                              <p:pRg st="4" end="4"/>
+                                            </p:txEl>
+                                          </p:spTgt>
+                                        </p:tgtEl>
+                                        <p:attrNameLst>
+                                          <p:attrName>style.visibility</p:attrName>
+                                        </p:attrNameLst>
+                                      </p:cBhvr>
+                                      <p:to>
+                                        <p:strVal val="visible"/>
+                                      </p:to>
+                                    </p:set>
+                                  </p:childTnLst>
+                                </p:cTn>
+                              </p:par>
+                            </p:childTnLst>
+                          </p:cTn>
+                        </p:par>
+                      </p:childTnLst>
+                    </p:cTn>
+                  </p:par>
+                </p:childTnLst>
+              </p:cTn>
+              <p:prevCondLst>
+                <p:cond evt="onPrev" delay="0">
+                  <p:tgtEl>
+                    <p:sldTgt/>
+                  </p:tgtEl>
+                </p:cond>
+              </p:prevCondLst>
+              <p:nextCondLst>
+                <p:cond evt="onNext" delay="0">
+                  <p:tgtEl>
+                    <p:sldTgt/>
+                  </p:tgtEl>
+                </p:cond>
+              </p:nextCondLst>
+            </p:seq>
+          </p:childTnLst>
+        </p:cTn>
+      </p:par>
+    </p:tnLst>
+    <p:bldLst>
+      <p:bldP spid="3" grpId="0" build="p"/>
+    </p:bldLst>
+  </p:timing>
+</p:sld>
+</file>
+
+<file path=ppt/slides/slide12.xml><?xml version="1.0" encoding="utf-8"?>
+<p:sld xmlns:a="http://schemas.openxmlformats.org/drawingml/2006/main" xmlns:r="http://schemas.openxmlformats.org/officeDocument/2006/relationships" xmlns:p="http://schemas.openxmlformats.org/presentationml/2006/main">
+  <p:cSld>
+    <p:spTree>
+      <p:nvGrpSpPr>
+        <p:cNvPr id="1" name=""/>
+        <p:cNvGrpSpPr/>
+        <p:nvPr/>
+      </p:nvGrpSpPr>
+      <p:grpSpPr>
+        <a:xfrm>
+          <a:off x="0" y="0"/>
+          <a:ext cx="0" cy="0"/>
+          <a:chOff x="0" y="0"/>
+          <a:chExt cx="0" cy="0"/>
+        </a:xfrm>
+      </p:grpSpPr>
+      <p:sp>
+        <p:nvSpPr>
+          <p:cNvPr id="2" name="Title 1">
+            <a:extLst>
+              <a:ext uri="{FF2B5EF4-FFF2-40B4-BE49-F238E27FC236}">
+                <a16:creationId xmlns:a16="http://schemas.microsoft.com/office/drawing/2014/main" id="{323FA6F3-109C-4DE0-B86F-5C0467EBD8FD}"/>
+              </a:ext>
+            </a:extLst>
+          </p:cNvPr>
+          <p:cNvSpPr>
+            <a:spLocks noGrp="1"/>
+          </p:cNvSpPr>
+          <p:nvPr>
+            <p:ph type="title"/>
+          </p:nvPr>
+        </p:nvSpPr>
+        <p:spPr/>
+        <p:txBody>
+          <a:bodyPr/>
+          <a:lstStyle/>
+          <a:p>
+            <a:r>
+              <a:rPr lang="en-US" dirty="0">
+                <a:latin typeface="Garamond" panose="02020404030301010803" pitchFamily="18" charset="0"/>
+              </a:rPr>
+              <a:t>Preparation of Data Set</a:t>
+            </a:r>
+            <a:endParaRPr lang="en-IN" dirty="0">
+              <a:latin typeface="Garamond" panose="02020404030301010803" pitchFamily="18" charset="0"/>
+            </a:endParaRPr>
+          </a:p>
+        </p:txBody>
+      </p:sp>
+      <p:sp>
+        <p:nvSpPr>
+          <p:cNvPr id="3" name="Content Placeholder 2">
+            <a:extLst>
+              <a:ext uri="{FF2B5EF4-FFF2-40B4-BE49-F238E27FC236}">
+                <a16:creationId xmlns:a16="http://schemas.microsoft.com/office/drawing/2014/main" id="{46EF48B6-9995-458D-AA70-B7B974D14D25}"/>
+              </a:ext>
+            </a:extLst>
+          </p:cNvPr>
+          <p:cNvSpPr>
+            <a:spLocks noGrp="1"/>
+          </p:cNvSpPr>
+          <p:nvPr>
+            <p:ph idx="1"/>
+          </p:nvPr>
+        </p:nvSpPr>
+        <p:spPr>
+          <a:xfrm>
+            <a:off x="838200" y="1690688"/>
+            <a:ext cx="10515600" cy="4486275"/>
+          </a:xfrm>
+        </p:spPr>
+        <p:txBody>
+          <a:bodyPr>
+            <a:normAutofit fontScale="92500" lnSpcReduction="20000"/>
+          </a:bodyPr>
+          <a:lstStyle/>
+          <a:p>
+            <a:r>
+              <a:rPr lang="en-US" dirty="0">
+                <a:latin typeface="Frank Ruhl Hofshi" panose="00000500000000000000" pitchFamily="50" charset="-79"/>
+                <a:cs typeface="Frank Ruhl Hofshi" panose="00000500000000000000" pitchFamily="50" charset="-79"/>
+              </a:rPr>
+              <a:t>Data Segmented into Word-Sized Images</a:t>
+            </a:r>
+          </a:p>
+          <a:p>
+            <a:endParaRPr lang="en-US" dirty="0">
+              <a:latin typeface="Frank Ruhl Hofshi" panose="00000500000000000000" pitchFamily="50" charset="-79"/>
+              <a:cs typeface="Frank Ruhl Hofshi" panose="00000500000000000000" pitchFamily="50" charset="-79"/>
+            </a:endParaRPr>
+          </a:p>
+          <a:p>
+            <a:pPr marL="0" indent="0">
+              <a:buNone/>
+            </a:pPr>
+            <a:r>
+              <a:rPr lang="en-US" b="1" dirty="0">
+                <a:latin typeface="Frank Ruhl Hofshi" panose="00000500000000000000" pitchFamily="50" charset="-79"/>
+                <a:cs typeface="Frank Ruhl Hofshi" panose="00000500000000000000" pitchFamily="50" charset="-79"/>
+              </a:rPr>
+              <a:t>Folder </a:t>
+            </a:r>
+            <a:r>
+              <a:rPr lang="en-IN" b="1" dirty="0">
+                <a:latin typeface="Frank Ruhl Hofshi" panose="00000500000000000000" pitchFamily="50" charset="-79"/>
+                <a:cs typeface="Frank Ruhl Hofshi" panose="00000500000000000000" pitchFamily="50" charset="-79"/>
+              </a:rPr>
+              <a:t>Organisation</a:t>
+            </a:r>
+          </a:p>
+          <a:p>
+            <a:pPr marL="0" indent="0">
+              <a:buNone/>
+            </a:pPr>
+            <a:endParaRPr lang="en-US" b="1" dirty="0">
+              <a:latin typeface="Frank Ruhl Hofshi" panose="00000500000000000000" pitchFamily="50" charset="-79"/>
+              <a:cs typeface="Frank Ruhl Hofshi" panose="00000500000000000000" pitchFamily="50" charset="-79"/>
+            </a:endParaRPr>
+          </a:p>
+          <a:p>
+            <a:r>
+              <a:rPr lang="en-US" dirty="0">
+                <a:latin typeface="Frank Ruhl Hofshi" panose="00000500000000000000" pitchFamily="50" charset="-79"/>
+                <a:cs typeface="Frank Ruhl Hofshi" panose="00000500000000000000" pitchFamily="50" charset="-79"/>
+              </a:rPr>
+              <a:t>Each Dataset has 20 Folders</a:t>
+            </a:r>
+          </a:p>
+          <a:p>
+            <a:r>
+              <a:rPr lang="en-US" dirty="0">
+                <a:latin typeface="Frank Ruhl Hofshi" panose="00000500000000000000" pitchFamily="50" charset="-79"/>
+                <a:cs typeface="Frank Ruhl Hofshi" panose="00000500000000000000" pitchFamily="50" charset="-79"/>
+              </a:rPr>
+              <a:t>Every Folder has Data for 2 Authors</a:t>
+            </a:r>
+          </a:p>
+          <a:p>
+            <a:r>
+              <a:rPr lang="en-US" dirty="0">
+                <a:latin typeface="Frank Ruhl Hofshi" panose="00000500000000000000" pitchFamily="50" charset="-79"/>
+                <a:cs typeface="Frank Ruhl Hofshi" panose="00000500000000000000" pitchFamily="50" charset="-79"/>
+              </a:rPr>
+              <a:t>5 Sets of Data for Each Author Pair</a:t>
+            </a:r>
+          </a:p>
+          <a:p>
+            <a:r>
+              <a:rPr lang="en-US" dirty="0">
+                <a:latin typeface="Frank Ruhl Hofshi" panose="00000500000000000000" pitchFamily="50" charset="-79"/>
+                <a:cs typeface="Frank Ruhl Hofshi" panose="00000500000000000000" pitchFamily="50" charset="-79"/>
+              </a:rPr>
+              <a:t>3 Training Sets and 2 Testing Sets</a:t>
+            </a:r>
+          </a:p>
+          <a:p>
+            <a:r>
+              <a:rPr lang="en-US" dirty="0">
+                <a:latin typeface="Frank Ruhl Hofshi" panose="00000500000000000000" pitchFamily="50" charset="-79"/>
+                <a:cs typeface="Frank Ruhl Hofshi" panose="00000500000000000000" pitchFamily="50" charset="-79"/>
+              </a:rPr>
+              <a:t>Tag Image File Format</a:t>
+            </a:r>
+          </a:p>
+          <a:p>
+            <a:r>
+              <a:rPr lang="en-US" dirty="0">
+                <a:latin typeface="Frank Ruhl Hofshi" panose="00000500000000000000" pitchFamily="50" charset="-79"/>
+                <a:cs typeface="Frank Ruhl Hofshi" panose="00000500000000000000" pitchFamily="50" charset="-79"/>
+              </a:rPr>
+              <a:t>Format: &lt;Author Code&gt;_&lt;Set Number&gt;_&lt;Image Number&gt;</a:t>
+            </a:r>
+          </a:p>
+          <a:p>
+            <a:r>
+              <a:rPr lang="en-US" dirty="0">
+                <a:latin typeface="Frank Ruhl Hofshi" panose="00000500000000000000" pitchFamily="50" charset="-79"/>
+                <a:cs typeface="Frank Ruhl Hofshi" panose="00000500000000000000" pitchFamily="50" charset="-79"/>
+              </a:rPr>
+              <a:t>5 Data Sets in Total</a:t>
+            </a:r>
+          </a:p>
+          <a:p>
+            <a:endParaRPr lang="en-US" dirty="0"/>
+          </a:p>
+          <a:p>
+            <a:endParaRPr lang="en-US" dirty="0"/>
+          </a:p>
+          <a:p>
+            <a:endParaRPr lang="en-US" dirty="0"/>
+          </a:p>
+          <a:p>
+            <a:endParaRPr lang="en-IN" dirty="0"/>
+          </a:p>
+        </p:txBody>
+      </p:sp>
+    </p:spTree>
+    <p:extLst>
+      <p:ext uri="{BB962C8B-B14F-4D97-AF65-F5344CB8AC3E}">
+        <p14:creationId xmlns:p14="http://schemas.microsoft.com/office/powerpoint/2010/main" val="3098385368"/>
+      </p:ext>
+    </p:extLst>
+  </p:cSld>
+  <p:clrMapOvr>
+    <a:masterClrMapping/>
+  </p:clrMapOvr>
+  <p:timing>
+    <p:tnLst>
+      <p:par>
+        <p:cTn id="1" dur="indefinite" restart="never" nodeType="tmRoot">
+          <p:childTnLst>
+            <p:seq concurrent="1" nextAc="seek">
+              <p:cTn id="2" dur="indefinite" nodeType="mainSeq">
+                <p:childTnLst>
+                  <p:par>
+                    <p:cTn id="3" fill="hold">
+                      <p:stCondLst>
+                        <p:cond delay="indefinite"/>
+                      </p:stCondLst>
+                      <p:childTnLst>
+                        <p:par>
+                          <p:cTn id="4" fill="hold">
+                            <p:stCondLst>
+                              <p:cond delay="0"/>
+                            </p:stCondLst>
+                            <p:childTnLst>
+                              <p:par>
+                                <p:cTn id="5" presetID="1" presetClass="entr" presetSubtype="0" fill="hold" grpId="0" nodeType="clickEffect">
+                                  <p:stCondLst>
+                                    <p:cond delay="0"/>
+                                  </p:stCondLst>
+                                  <p:childTnLst>
+                                    <p:set>
+                                      <p:cBhvr>
+                                        <p:cTn id="6" dur="1" fill="hold">
+                                          <p:stCondLst>
+                                            <p:cond delay="0"/>
+                                          </p:stCondLst>
+                                        </p:cTn>
+                                        <p:tgtEl>
+                                          <p:spTgt spid="3">
+                                            <p:txEl>
+                                              <p:pRg st="0" end="0"/>
+                                            </p:txEl>
+                                          </p:spTgt>
+                                        </p:tgtEl>
+                                        <p:attrNameLst>
+                                          <p:attrName>style.visibility</p:attrName>
+                                        </p:attrNameLst>
+                                      </p:cBhvr>
+                                      <p:to>
+                                        <p:strVal val="visible"/>
+                                      </p:to>
+                                    </p:set>
+                                  </p:childTnLst>
+                                </p:cTn>
+                              </p:par>
+                            </p:childTnLst>
+                          </p:cTn>
+                        </p:par>
+                      </p:childTnLst>
+                    </p:cTn>
+                  </p:par>
+                  <p:par>
+                    <p:cTn id="7" fill="hold">
+                      <p:stCondLst>
+                        <p:cond delay="indefinite"/>
+                      </p:stCondLst>
+                      <p:childTnLst>
+                        <p:par>
+                          <p:cTn id="8" fill="hold">
+                            <p:stCondLst>
+                              <p:cond delay="0"/>
+                            </p:stCondLst>
+                            <p:childTnLst>
+                              <p:par>
+                                <p:cTn id="9" presetID="1" presetClass="entr" presetSubtype="0" fill="hold" grpId="0" nodeType="clickEffect">
+                                  <p:stCondLst>
+                                    <p:cond delay="0"/>
+                                  </p:stCondLst>
+                                  <p:childTnLst>
+                                    <p:set>
+                                      <p:cBhvr>
+                                        <p:cTn id="10" dur="1" fill="hold">
+                                          <p:stCondLst>
+                                            <p:cond delay="0"/>
+                                          </p:stCondLst>
+                                        </p:cTn>
+                                        <p:tgtEl>
+                                          <p:spTgt spid="3">
+                                            <p:txEl>
+                                              <p:pRg st="2" end="2"/>
+                                            </p:txEl>
+                                          </p:spTgt>
+                                        </p:tgtEl>
+                                        <p:attrNameLst>
+                                          <p:attrName>style.visibility</p:attrName>
+                                        </p:attrNameLst>
+                                      </p:cBhvr>
+                                      <p:to>
+                                        <p:strVal val="visible"/>
+                                      </p:to>
+                                    </p:set>
+                                  </p:childTnLst>
+                                </p:cTn>
+                              </p:par>
+                            </p:childTnLst>
+                          </p:cTn>
+                        </p:par>
+                      </p:childTnLst>
+                    </p:cTn>
+                  </p:par>
+                  <p:par>
+                    <p:cTn id="11" fill="hold">
+                      <p:stCondLst>
+                        <p:cond delay="indefinite"/>
+                      </p:stCondLst>
+                      <p:childTnLst>
+                        <p:par>
+                          <p:cTn id="12" fill="hold">
+                            <p:stCondLst>
+                              <p:cond delay="0"/>
+                            </p:stCondLst>
+                            <p:childTnLst>
+                              <p:par>
+                                <p:cTn id="13" presetID="1" presetClass="entr" presetSubtype="0" fill="hold" grpId="0" nodeType="clickEffect">
+                                  <p:stCondLst>
+                                    <p:cond delay="0"/>
+                                  </p:stCondLst>
+                                  <p:childTnLst>
+                                    <p:set>
+                                      <p:cBhvr>
+                                        <p:cTn id="14" dur="1" fill="hold">
+                                          <p:stCondLst>
+                                            <p:cond delay="0"/>
+                                          </p:stCondLst>
+                                        </p:cTn>
+                                        <p:tgtEl>
+                                          <p:spTgt spid="3">
+                                            <p:txEl>
+                                              <p:pRg st="4" end="4"/>
+                                            </p:txEl>
+                                          </p:spTgt>
+                                        </p:tgtEl>
+                                        <p:attrNameLst>
+                                          <p:attrName>style.visibility</p:attrName>
+                                        </p:attrNameLst>
+                                      </p:cBhvr>
+                                      <p:to>
+                                        <p:strVal val="visible"/>
+                                      </p:to>
+                                    </p:set>
+                                  </p:childTnLst>
+                                </p:cTn>
+                              </p:par>
+                            </p:childTnLst>
+                          </p:cTn>
+                        </p:par>
+                      </p:childTnLst>
+                    </p:cTn>
+                  </p:par>
+                  <p:par>
+                    <p:cTn id="15" fill="hold">
+                      <p:stCondLst>
+                        <p:cond delay="indefinite"/>
+                      </p:stCondLst>
+                      <p:childTnLst>
+                        <p:par>
+                          <p:cTn id="16" fill="hold">
+                            <p:stCondLst>
+                              <p:cond delay="0"/>
+                            </p:stCondLst>
+                            <p:childTnLst>
+                              <p:par>
+                                <p:cTn id="17" presetID="1" presetClass="entr" presetSubtype="0" fill="hold" grpId="0" nodeType="clickEffect">
+                                  <p:stCondLst>
+                                    <p:cond delay="0"/>
+                                  </p:stCondLst>
+                                  <p:childTnLst>
+                                    <p:set>
+                                      <p:cBhvr>
+                                        <p:cTn id="18" dur="1" fill="hold">
+                                          <p:stCondLst>
+                                            <p:cond delay="0"/>
+                                          </p:stCondLst>
+                                        </p:cTn>
+                                        <p:tgtEl>
+                                          <p:spTgt spid="3">
+                                            <p:txEl>
+                                              <p:pRg st="5" end="5"/>
+                                            </p:txEl>
+                                          </p:spTgt>
+                                        </p:tgtEl>
+                                        <p:attrNameLst>
+                                          <p:attrName>style.visibility</p:attrName>
+                                        </p:attrNameLst>
+                                      </p:cBhvr>
+                                      <p:to>
+                                        <p:strVal val="visible"/>
+                                      </p:to>
+                                    </p:set>
+                                  </p:childTnLst>
+                                </p:cTn>
+                              </p:par>
+                            </p:childTnLst>
+                          </p:cTn>
+                        </p:par>
+                      </p:childTnLst>
+                    </p:cTn>
+                  </p:par>
+                  <p:par>
+                    <p:cTn id="19" fill="hold">
+                      <p:stCondLst>
+                        <p:cond delay="indefinite"/>
+                      </p:stCondLst>
+                      <p:childTnLst>
+                        <p:par>
+                          <p:cTn id="20" fill="hold">
+                            <p:stCondLst>
+                              <p:cond delay="0"/>
+                            </p:stCondLst>
+                            <p:childTnLst>
+                              <p:par>
+                                <p:cTn id="21" presetID="1" presetClass="entr" presetSubtype="0" fill="hold" grpId="0" nodeType="clickEffect">
+                                  <p:stCondLst>
+                                    <p:cond delay="0"/>
+                                  </p:stCondLst>
+                                  <p:childTnLst>
+                                    <p:set>
+                                      <p:cBhvr>
+                                        <p:cTn id="22" dur="1" fill="hold">
+                                          <p:stCondLst>
+                                            <p:cond delay="0"/>
+                                          </p:stCondLst>
+                                        </p:cTn>
+                                        <p:tgtEl>
+                                          <p:spTgt spid="3">
+                                            <p:txEl>
+                                              <p:pRg st="6" end="6"/>
+                                            </p:txEl>
+                                          </p:spTgt>
+                                        </p:tgtEl>
+                                        <p:attrNameLst>
+                                          <p:attrName>style.visibility</p:attrName>
+                                        </p:attrNameLst>
+                                      </p:cBhvr>
+                                      <p:to>
+                                        <p:strVal val="visible"/>
+                                      </p:to>
+                                    </p:set>
+                                  </p:childTnLst>
+                                </p:cTn>
+                              </p:par>
+                            </p:childTnLst>
+                          </p:cTn>
+                        </p:par>
+                      </p:childTnLst>
+                    </p:cTn>
+                  </p:par>
+                  <p:par>
+                    <p:cTn id="23" fill="hold">
+                      <p:stCondLst>
+                        <p:cond delay="indefinite"/>
+                      </p:stCondLst>
+                      <p:childTnLst>
+                        <p:par>
+                          <p:cTn id="24" fill="hold">
+                            <p:stCondLst>
+                              <p:cond delay="0"/>
+                            </p:stCondLst>
+                            <p:childTnLst>
+                              <p:par>
+                                <p:cTn id="25" presetID="1" presetClass="entr" presetSubtype="0" fill="hold" grpId="0" nodeType="clickEffect">
+                                  <p:stCondLst>
+                                    <p:cond delay="0"/>
+                                  </p:stCondLst>
+                                  <p:childTnLst>
+                                    <p:set>
+                                      <p:cBhvr>
+                                        <p:cTn id="26" dur="1" fill="hold">
+                                          <p:stCondLst>
+                                            <p:cond delay="0"/>
+                                          </p:stCondLst>
+                                        </p:cTn>
+                                        <p:tgtEl>
+                                          <p:spTgt spid="3">
+                                            <p:txEl>
+                                              <p:pRg st="7" end="7"/>
+                                            </p:txEl>
+                                          </p:spTgt>
+                                        </p:tgtEl>
+                                        <p:attrNameLst>
+                                          <p:attrName>style.visibility</p:attrName>
+                                        </p:attrNameLst>
+                                      </p:cBhvr>
+                                      <p:to>
+                                        <p:strVal val="visible"/>
+                                      </p:to>
+                                    </p:set>
+                                  </p:childTnLst>
+                                </p:cTn>
+                              </p:par>
+                            </p:childTnLst>
+                          </p:cTn>
+                        </p:par>
+                      </p:childTnLst>
+                    </p:cTn>
+                  </p:par>
+                  <p:par>
+                    <p:cTn id="27" fill="hold">
+                      <p:stCondLst>
+                        <p:cond delay="indefinite"/>
+                      </p:stCondLst>
+                      <p:childTnLst>
+                        <p:par>
+                          <p:cTn id="28" fill="hold">
+                            <p:stCondLst>
+                              <p:cond delay="0"/>
+                            </p:stCondLst>
+                            <p:childTnLst>
+                              <p:par>
+                                <p:cTn id="29" presetID="1" presetClass="entr" presetSubtype="0" fill="hold" grpId="0" nodeType="clickEffect">
+                                  <p:stCondLst>
+                                    <p:cond delay="0"/>
+                                  </p:stCondLst>
+                                  <p:childTnLst>
+                                    <p:set>
+                                      <p:cBhvr>
+                                        <p:cTn id="30" dur="1" fill="hold">
+                                          <p:stCondLst>
+                                            <p:cond delay="0"/>
+                                          </p:stCondLst>
+                                        </p:cTn>
+                                        <p:tgtEl>
+                                          <p:spTgt spid="3">
+                                            <p:txEl>
+                                              <p:pRg st="8" end="8"/>
+                                            </p:txEl>
+                                          </p:spTgt>
+                                        </p:tgtEl>
+                                        <p:attrNameLst>
+                                          <p:attrName>style.visibility</p:attrName>
+                                        </p:attrNameLst>
+                                      </p:cBhvr>
+                                      <p:to>
+                                        <p:strVal val="visible"/>
+                                      </p:to>
+                                    </p:set>
+                                  </p:childTnLst>
+                                </p:cTn>
+                              </p:par>
+                            </p:childTnLst>
+                          </p:cTn>
+                        </p:par>
+                      </p:childTnLst>
+                    </p:cTn>
+                  </p:par>
+                  <p:par>
+                    <p:cTn id="31" fill="hold">
+                      <p:stCondLst>
+                        <p:cond delay="indefinite"/>
+                      </p:stCondLst>
+                      <p:childTnLst>
+                        <p:par>
+                          <p:cTn id="32" fill="hold">
+                            <p:stCondLst>
+                              <p:cond delay="0"/>
+                            </p:stCondLst>
+                            <p:childTnLst>
+                              <p:par>
+                                <p:cTn id="33" presetID="1" presetClass="entr" presetSubtype="0" fill="hold" grpId="0" nodeType="clickEffect">
+                                  <p:stCondLst>
+                                    <p:cond delay="0"/>
+                                  </p:stCondLst>
+                                  <p:childTnLst>
+                                    <p:set>
+                                      <p:cBhvr>
+                                        <p:cTn id="34" dur="1" fill="hold">
+                                          <p:stCondLst>
+                                            <p:cond delay="0"/>
+                                          </p:stCondLst>
+                                        </p:cTn>
+                                        <p:tgtEl>
+                                          <p:spTgt spid="3">
+                                            <p:txEl>
+                                              <p:pRg st="9" end="9"/>
+                                            </p:txEl>
+                                          </p:spTgt>
+                                        </p:tgtEl>
+                                        <p:attrNameLst>
+                                          <p:attrName>style.visibility</p:attrName>
+                                        </p:attrNameLst>
+                                      </p:cBhvr>
+                                      <p:to>
+                                        <p:strVal val="visible"/>
+                                      </p:to>
+                                    </p:set>
+                                  </p:childTnLst>
+                                </p:cTn>
+                              </p:par>
+                            </p:childTnLst>
+                          </p:cTn>
+                        </p:par>
+                      </p:childTnLst>
+                    </p:cTn>
+                  </p:par>
+                  <p:par>
+                    <p:cTn id="35" fill="hold">
+                      <p:stCondLst>
+                        <p:cond delay="indefinite"/>
+                      </p:stCondLst>
+                      <p:childTnLst>
+                        <p:par>
+                          <p:cTn id="36" fill="hold">
+                            <p:stCondLst>
+                              <p:cond delay="0"/>
+                            </p:stCondLst>
+                            <p:childTnLst>
+                              <p:par>
+                                <p:cTn id="37" presetID="1" presetClass="entr" presetSubtype="0" fill="hold" grpId="0" nodeType="clickEffect">
+                                  <p:stCondLst>
+                                    <p:cond delay="0"/>
+                                  </p:stCondLst>
+                                  <p:childTnLst>
+                                    <p:set>
+                                      <p:cBhvr>
+                                        <p:cTn id="38" dur="1" fill="hold">
+                                          <p:stCondLst>
+                                            <p:cond delay="0"/>
+                                          </p:stCondLst>
+                                        </p:cTn>
+                                        <p:tgtEl>
+                                          <p:spTgt spid="3">
+                                            <p:txEl>
+                                              <p:pRg st="10" end="10"/>
+                                            </p:txEl>
+                                          </p:spTgt>
+                                        </p:tgtEl>
+                                        <p:attrNameLst>
+                                          <p:attrName>style.visibility</p:attrName>
+                                        </p:attrNameLst>
+                                      </p:cBhvr>
+                                      <p:to>
+                                        <p:strVal val="visible"/>
+                                      </p:to>
+                                    </p:set>
+                                  </p:childTnLst>
+                                </p:cTn>
+                              </p:par>
+                            </p:childTnLst>
+                          </p:cTn>
+                        </p:par>
+                      </p:childTnLst>
+                    </p:cTn>
+                  </p:par>
+                </p:childTnLst>
+              </p:cTn>
+              <p:prevCondLst>
+                <p:cond evt="onPrev" delay="0">
+                  <p:tgtEl>
+                    <p:sldTgt/>
+                  </p:tgtEl>
+                </p:cond>
+              </p:prevCondLst>
+              <p:nextCondLst>
+                <p:cond evt="onNext" delay="0">
+                  <p:tgtEl>
+                    <p:sldTgt/>
+                  </p:tgtEl>
+                </p:cond>
+              </p:nextCondLst>
+            </p:seq>
+          </p:childTnLst>
+        </p:cTn>
+      </p:par>
+    </p:tnLst>
+    <p:bldLst>
+      <p:bldP spid="3" grpId="0" build="p"/>
+    </p:bldLst>
+  </p:timing>
+</p:sld>
+</file>
+
+<file path=ppt/slides/slide13.xml><?xml version="1.0" encoding="utf-8"?>
 <p:sld xmlns:a="http://schemas.openxmlformats.org/drawingml/2006/main" xmlns:r="http://schemas.openxmlformats.org/officeDocument/2006/relationships" xmlns:p="http://schemas.openxmlformats.org/presentationml/2006/main">
   <p:cSld>
     <p:spTree>
@@ -12815,7 +14287,7 @@
 </p:sld>
 </file>
 
-<file path=ppt/slides/slide11.xml><?xml version="1.0" encoding="utf-8"?>
+<file path=ppt/slides/slide14.xml><?xml version="1.0" encoding="utf-8"?>
 <p:sld xmlns:a="http://schemas.openxmlformats.org/drawingml/2006/main" xmlns:r="http://schemas.openxmlformats.org/officeDocument/2006/relationships" xmlns:p="http://schemas.openxmlformats.org/presentationml/2006/main">
   <p:cSld>
     <p:spTree>
@@ -13053,7 +14525,7 @@
 </p:sld>
 </file>
 
-<file path=ppt/slides/slide12.xml><?xml version="1.0" encoding="utf-8"?>
+<file path=ppt/slides/slide15.xml><?xml version="1.0" encoding="utf-8"?>
 <p:sld xmlns:a="http://schemas.openxmlformats.org/drawingml/2006/main" xmlns:r="http://schemas.openxmlformats.org/officeDocument/2006/relationships" xmlns:p="http://schemas.openxmlformats.org/presentationml/2006/main">
   <p:cSld>
     <p:spTree>
@@ -13163,7 +14635,7 @@
 </p:sld>
 </file>
 
-<file path=ppt/slides/slide13.xml><?xml version="1.0" encoding="utf-8"?>
+<file path=ppt/slides/slide16.xml><?xml version="1.0" encoding="utf-8"?>
 <p:sld xmlns:a="http://schemas.openxmlformats.org/drawingml/2006/main" xmlns:r="http://schemas.openxmlformats.org/officeDocument/2006/relationships" xmlns:p="http://schemas.openxmlformats.org/presentationml/2006/main">
   <p:cSld>
     <p:spTree>
@@ -13746,7 +15218,7 @@
 </p:sld>
 </file>
 
-<file path=ppt/slides/slide14.xml><?xml version="1.0" encoding="utf-8"?>
+<file path=ppt/slides/slide17.xml><?xml version="1.0" encoding="utf-8"?>
 <p:sld xmlns:a="http://schemas.openxmlformats.org/drawingml/2006/main" xmlns:r="http://schemas.openxmlformats.org/officeDocument/2006/relationships" xmlns:p="http://schemas.openxmlformats.org/presentationml/2006/main">
   <p:cSld>
     <p:spTree>
@@ -14325,7 +15797,7 @@
 </p:sld>
 </file>
 
-<file path=ppt/slides/slide15.xml><?xml version="1.0" encoding="utf-8"?>
+<file path=ppt/slides/slide18.xml><?xml version="1.0" encoding="utf-8"?>
 <p:sld xmlns:a="http://schemas.openxmlformats.org/drawingml/2006/main" xmlns:r="http://schemas.openxmlformats.org/officeDocument/2006/relationships" xmlns:p="http://schemas.openxmlformats.org/presentationml/2006/main">
   <p:cSld>
     <p:spTree>
@@ -14709,7 +16181,7 @@
 </p:sld>
 </file>
 
-<file path=ppt/slides/slide16.xml><?xml version="1.0" encoding="utf-8"?>
+<file path=ppt/slides/slide19.xml><?xml version="1.0" encoding="utf-8"?>
 <p:sld xmlns:a="http://schemas.openxmlformats.org/drawingml/2006/main" xmlns:r="http://schemas.openxmlformats.org/officeDocument/2006/relationships" xmlns:p="http://schemas.openxmlformats.org/presentationml/2006/main">
   <p:cSld>
     <p:spTree>
@@ -17678,6 +19150,66 @@
           <a:bodyPr/>
           <a:lstStyle/>
           <a:p>
+            <a:r>
+              <a:rPr lang="en-US" dirty="0">
+                <a:latin typeface="Frank Ruhl Hofshi" panose="00000500000000000000" pitchFamily="50" charset="-79"/>
+                <a:cs typeface="Frank Ruhl Hofshi" panose="00000500000000000000" pitchFamily="50" charset="-79"/>
+              </a:rPr>
+              <a:t>Lack of Work</a:t>
+            </a:r>
+          </a:p>
+          <a:p>
+            <a:r>
+              <a:rPr lang="en-US" dirty="0">
+                <a:latin typeface="Frank Ruhl Hofshi" panose="00000500000000000000" pitchFamily="50" charset="-79"/>
+                <a:cs typeface="Frank Ruhl Hofshi" panose="00000500000000000000" pitchFamily="50" charset="-79"/>
+              </a:rPr>
+              <a:t>Adak et al.</a:t>
+            </a:r>
+          </a:p>
+          <a:p>
+            <a:endParaRPr lang="en-US" dirty="0">
+              <a:latin typeface="Frank Ruhl Hofshi" panose="00000500000000000000" pitchFamily="50" charset="-79"/>
+              <a:cs typeface="Frank Ruhl Hofshi" panose="00000500000000000000" pitchFamily="50" charset="-79"/>
+            </a:endParaRPr>
+          </a:p>
+          <a:p>
+            <a:pPr marL="0" indent="0">
+              <a:buNone/>
+            </a:pPr>
+            <a:r>
+              <a:rPr lang="en-US" b="1" dirty="0">
+                <a:latin typeface="Frank Ruhl Hofshi" panose="00000500000000000000" pitchFamily="50" charset="-79"/>
+                <a:cs typeface="Frank Ruhl Hofshi" panose="00000500000000000000" pitchFamily="50" charset="-79"/>
+              </a:rPr>
+              <a:t>Summary of Adak et al.</a:t>
+            </a:r>
+          </a:p>
+          <a:p>
+            <a:r>
+              <a:rPr lang="en-US" dirty="0">
+                <a:latin typeface="Frank Ruhl Hofshi" panose="00000500000000000000" pitchFamily="50" charset="-79"/>
+                <a:cs typeface="Frank Ruhl Hofshi" panose="00000500000000000000" pitchFamily="50" charset="-79"/>
+              </a:rPr>
+              <a:t>High intra-variable handwriting-based writer identification/verification</a:t>
+            </a:r>
+          </a:p>
+          <a:p>
+            <a:r>
+              <a:rPr lang="en-US" dirty="0">
+                <a:latin typeface="Frank Ruhl Hofshi" panose="00000500000000000000" pitchFamily="50" charset="-79"/>
+                <a:cs typeface="Frank Ruhl Hofshi" panose="00000500000000000000" pitchFamily="50" charset="-79"/>
+              </a:rPr>
+              <a:t>Both handcrafted and auto-derived feature-based models are considered</a:t>
+            </a:r>
+          </a:p>
+          <a:p>
+            <a:endParaRPr lang="en-US" dirty="0">
+              <a:latin typeface="Frank Ruhl Hofshi" panose="00000500000000000000" pitchFamily="50" charset="-79"/>
+              <a:cs typeface="Frank Ruhl Hofshi" panose="00000500000000000000" pitchFamily="50" charset="-79"/>
+            </a:endParaRPr>
+          </a:p>
+          <a:p>
             <a:endParaRPr lang="en-IN" dirty="0">
               <a:latin typeface="Frank Ruhl Hofshi" panose="00000500000000000000" pitchFamily="50" charset="-79"/>
               <a:cs typeface="Frank Ruhl Hofshi" panose="00000500000000000000" pitchFamily="50" charset="-79"/>
@@ -17689,139 +19221,6 @@
     <p:extLst>
       <p:ext uri="{BB962C8B-B14F-4D97-AF65-F5344CB8AC3E}">
         <p14:creationId xmlns:p14="http://schemas.microsoft.com/office/powerpoint/2010/main" val="4232411944"/>
-      </p:ext>
-    </p:extLst>
-  </p:cSld>
-  <p:clrMapOvr>
-    <a:masterClrMapping/>
-  </p:clrMapOvr>
-</p:sld>
-</file>
-
-<file path=ppt/slides/slide8.xml><?xml version="1.0" encoding="utf-8"?>
-<p:sld xmlns:a="http://schemas.openxmlformats.org/drawingml/2006/main" xmlns:r="http://schemas.openxmlformats.org/officeDocument/2006/relationships" xmlns:p="http://schemas.openxmlformats.org/presentationml/2006/main">
-  <p:cSld>
-    <p:spTree>
-      <p:nvGrpSpPr>
-        <p:cNvPr id="1" name=""/>
-        <p:cNvGrpSpPr/>
-        <p:nvPr/>
-      </p:nvGrpSpPr>
-      <p:grpSpPr>
-        <a:xfrm>
-          <a:off x="0" y="0"/>
-          <a:ext cx="0" cy="0"/>
-          <a:chOff x="0" y="0"/>
-          <a:chExt cx="0" cy="0"/>
-        </a:xfrm>
-      </p:grpSpPr>
-      <p:sp>
-        <p:nvSpPr>
-          <p:cNvPr id="2" name="Title 1">
-            <a:extLst>
-              <a:ext uri="{FF2B5EF4-FFF2-40B4-BE49-F238E27FC236}">
-                <a16:creationId xmlns:a16="http://schemas.microsoft.com/office/drawing/2014/main" id="{643A320E-D976-47E4-929C-B3785801B479}"/>
-              </a:ext>
-            </a:extLst>
-          </p:cNvPr>
-          <p:cNvSpPr>
-            <a:spLocks noGrp="1"/>
-          </p:cNvSpPr>
-          <p:nvPr>
-            <p:ph type="title"/>
-          </p:nvPr>
-        </p:nvSpPr>
-        <p:spPr/>
-        <p:txBody>
-          <a:bodyPr/>
-          <a:lstStyle/>
-          <a:p>
-            <a:r>
-              <a:rPr lang="en-US" dirty="0">
-                <a:latin typeface="Garamond" panose="02020404030301010803" pitchFamily="18" charset="0"/>
-              </a:rPr>
-              <a:t>Collection of Data Set</a:t>
-            </a:r>
-            <a:endParaRPr lang="en-IN" dirty="0">
-              <a:latin typeface="Garamond" panose="02020404030301010803" pitchFamily="18" charset="0"/>
-            </a:endParaRPr>
-          </a:p>
-        </p:txBody>
-      </p:sp>
-      <p:sp>
-        <p:nvSpPr>
-          <p:cNvPr id="3" name="Content Placeholder 2">
-            <a:extLst>
-              <a:ext uri="{FF2B5EF4-FFF2-40B4-BE49-F238E27FC236}">
-                <a16:creationId xmlns:a16="http://schemas.microsoft.com/office/drawing/2014/main" id="{DDDF508F-4344-4318-A1AF-BCE8A393EBAF}"/>
-              </a:ext>
-            </a:extLst>
-          </p:cNvPr>
-          <p:cNvSpPr>
-            <a:spLocks noGrp="1"/>
-          </p:cNvSpPr>
-          <p:nvPr>
-            <p:ph idx="1"/>
-          </p:nvPr>
-        </p:nvSpPr>
-        <p:spPr/>
-        <p:txBody>
-          <a:bodyPr/>
-          <a:lstStyle/>
-          <a:p>
-            <a:r>
-              <a:rPr lang="en-US" dirty="0">
-                <a:latin typeface="Frank Ruhl Hofshi" panose="00000500000000000000" pitchFamily="50" charset="-79"/>
-                <a:cs typeface="Frank Ruhl Hofshi" panose="00000500000000000000" pitchFamily="50" charset="-79"/>
-              </a:rPr>
-              <a:t>121 volunteers</a:t>
-            </a:r>
-          </a:p>
-          <a:p>
-            <a:r>
-              <a:rPr lang="en-US" dirty="0">
-                <a:latin typeface="Frank Ruhl Hofshi" panose="00000500000000000000" pitchFamily="50" charset="-79"/>
-                <a:cs typeface="Frank Ruhl Hofshi" panose="00000500000000000000" pitchFamily="50" charset="-79"/>
-              </a:rPr>
-              <a:t>3 Language: English, Hindi, Bangla</a:t>
-            </a:r>
-          </a:p>
-          <a:p>
-            <a:r>
-              <a:rPr lang="en-US" dirty="0">
-                <a:latin typeface="Frank Ruhl Hofshi" panose="00000500000000000000" pitchFamily="50" charset="-79"/>
-                <a:cs typeface="Frank Ruhl Hofshi" panose="00000500000000000000" pitchFamily="50" charset="-79"/>
-              </a:rPr>
-              <a:t>Handwritten Passage</a:t>
-            </a:r>
-          </a:p>
-          <a:p>
-            <a:r>
-              <a:rPr lang="en-US" dirty="0">
-                <a:latin typeface="Frank Ruhl Hofshi" panose="00000500000000000000" pitchFamily="50" charset="-79"/>
-                <a:cs typeface="Frank Ruhl Hofshi" panose="00000500000000000000" pitchFamily="50" charset="-79"/>
-              </a:rPr>
-              <a:t>Passages scanned into images</a:t>
-            </a:r>
-          </a:p>
-          <a:p>
-            <a:r>
-              <a:rPr lang="en-US" dirty="0">
-                <a:latin typeface="Frank Ruhl Hofshi" panose="00000500000000000000" pitchFamily="50" charset="-79"/>
-                <a:cs typeface="Frank Ruhl Hofshi" panose="00000500000000000000" pitchFamily="50" charset="-79"/>
-              </a:rPr>
-              <a:t>Bangla Text only in our project</a:t>
-            </a:r>
-          </a:p>
-          <a:p>
-            <a:endParaRPr lang="en-US" dirty="0"/>
-          </a:p>
-        </p:txBody>
-      </p:sp>
-    </p:spTree>
-    <p:extLst>
-      <p:ext uri="{BB962C8B-B14F-4D97-AF65-F5344CB8AC3E}">
-        <p14:creationId xmlns:p14="http://schemas.microsoft.com/office/powerpoint/2010/main" val="1124173596"/>
       </p:ext>
     </p:extLst>
   </p:cSld>
@@ -17849,7 +19248,7 @@
                             </p:stCondLst>
                             <p:childTnLst>
                               <p:par>
-                                <p:cTn id="5" presetID="1" presetClass="entr" presetSubtype="0" fill="hold" grpId="0" nodeType="clickEffect">
+                                <p:cTn id="5" presetID="1" presetClass="entr" presetSubtype="0" fill="hold" nodeType="clickEffect">
                                   <p:stCondLst>
                                     <p:cond delay="0"/>
                                   </p:stCondLst>
@@ -17898,7 +19297,7 @@
                             </p:stCondLst>
                             <p:childTnLst>
                               <p:par>
-                                <p:cTn id="9" presetID="1" presetClass="entr" presetSubtype="0" fill="hold" grpId="0" nodeType="clickEffect">
+                                <p:cTn id="9" presetID="1" presetClass="entr" presetSubtype="0" fill="hold" nodeType="clickEffect">
                                   <p:stCondLst>
                                     <p:cond delay="0"/>
                                   </p:stCondLst>
@@ -17947,7 +19346,7 @@
                             </p:stCondLst>
                             <p:childTnLst>
                               <p:par>
-                                <p:cTn id="13" presetID="1" presetClass="entr" presetSubtype="0" fill="hold" grpId="0" nodeType="clickEffect">
+                                <p:cTn id="13" presetID="1" presetClass="entr" presetSubtype="0" fill="hold" nodeType="clickEffect">
                                   <p:stCondLst>
                                     <p:cond delay="0"/>
                                   </p:stCondLst>
@@ -17962,7 +19361,7 @@
                                         <p:tgtEl>
                                           <p:spTgt spid="3">
                                             <p:txEl>
-                                              <p:pRg st="2" end="2"/>
+                                              <p:pRg st="3" end="3"/>
                                             </p:txEl>
                                           </p:spTgt>
                                         </p:tgtEl>
@@ -17996,7 +19395,7 @@
                             </p:stCondLst>
                             <p:childTnLst>
                               <p:par>
-                                <p:cTn id="17" presetID="1" presetClass="entr" presetSubtype="0" fill="hold" grpId="0" nodeType="clickEffect">
+                                <p:cTn id="17" presetID="1" presetClass="entr" presetSubtype="0" fill="hold" nodeType="clickEffect">
                                   <p:stCondLst>
                                     <p:cond delay="0"/>
                                   </p:stCondLst>
@@ -18011,7 +19410,7 @@
                                         <p:tgtEl>
                                           <p:spTgt spid="3">
                                             <p:txEl>
-                                              <p:pRg st="3" end="3"/>
+                                              <p:pRg st="4" end="4"/>
                                             </p:txEl>
                                           </p:spTgt>
                                         </p:tgtEl>
@@ -18045,7 +19444,7 @@
                             </p:stCondLst>
                             <p:childTnLst>
                               <p:par>
-                                <p:cTn id="21" presetID="1" presetClass="entr" presetSubtype="0" fill="hold" grpId="0" nodeType="clickEffect">
+                                <p:cTn id="21" presetID="1" presetClass="entr" presetSubtype="0" fill="hold" nodeType="clickEffect">
                                   <p:stCondLst>
                                     <p:cond delay="0"/>
                                   </p:stCondLst>
@@ -18060,7 +19459,7 @@
                                         <p:tgtEl>
                                           <p:spTgt spid="3">
                                             <p:txEl>
-                                              <p:pRg st="4" end="4"/>
+                                              <p:pRg st="5" end="5"/>
                                             </p:txEl>
                                           </p:spTgt>
                                         </p:tgtEl>
@@ -18102,14 +19501,11 @@
         </p:cTn>
       </p:par>
     </p:tnLst>
-    <p:bldLst>
-      <p:bldP spid="3" grpId="0" build="p"/>
-    </p:bldLst>
   </p:timing>
 </p:sld>
 </file>
 
-<file path=ppt/slides/slide9.xml><?xml version="1.0" encoding="utf-8"?>
+<file path=ppt/slides/slide8.xml><?xml version="1.0" encoding="utf-8"?>
 <p:sld xmlns:a="http://schemas.openxmlformats.org/drawingml/2006/main" xmlns:r="http://schemas.openxmlformats.org/officeDocument/2006/relationships" xmlns:p="http://schemas.openxmlformats.org/presentationml/2006/main">
   <p:cSld>
     <p:spTree>
@@ -18131,7 +19527,7 @@
           <p:cNvPr id="2" name="Title 1">
             <a:extLst>
               <a:ext uri="{FF2B5EF4-FFF2-40B4-BE49-F238E27FC236}">
-                <a16:creationId xmlns:a16="http://schemas.microsoft.com/office/drawing/2014/main" id="{323FA6F3-109C-4DE0-B86F-5C0467EBD8FD}"/>
+                <a16:creationId xmlns:a16="http://schemas.microsoft.com/office/drawing/2014/main" id="{C5872436-0191-4215-8794-3E7446DE5AF3}"/>
               </a:ext>
             </a:extLst>
           </p:cNvPr>
@@ -18151,7 +19547,7 @@
               <a:rPr lang="en-US" dirty="0">
                 <a:latin typeface="Garamond" panose="02020404030301010803" pitchFamily="18" charset="0"/>
               </a:rPr>
-              <a:t>Preparation of Data Set</a:t>
+              <a:t>Summary of Present Work: Adak et al.</a:t>
             </a:r>
             <a:endParaRPr lang="en-IN" dirty="0">
               <a:latin typeface="Garamond" panose="02020404030301010803" pitchFamily="18" charset="0"/>
@@ -18164,7 +19560,7 @@
           <p:cNvPr id="3" name="Content Placeholder 2">
             <a:extLst>
               <a:ext uri="{FF2B5EF4-FFF2-40B4-BE49-F238E27FC236}">
-                <a16:creationId xmlns:a16="http://schemas.microsoft.com/office/drawing/2014/main" id="{46EF48B6-9995-458D-AA70-B7B974D14D25}"/>
+                <a16:creationId xmlns:a16="http://schemas.microsoft.com/office/drawing/2014/main" id="{4A25DC9A-62BA-4694-B3AB-CC5E355497A0}"/>
               </a:ext>
             </a:extLst>
           </p:cNvPr>
@@ -18175,16 +19571,9 @@
             <p:ph idx="1"/>
           </p:nvPr>
         </p:nvSpPr>
-        <p:spPr>
-          <a:xfrm>
-            <a:off x="838200" y="1690688"/>
-            <a:ext cx="10515600" cy="4486275"/>
-          </a:xfrm>
-        </p:spPr>
+        <p:spPr/>
         <p:txBody>
-          <a:bodyPr>
-            <a:normAutofit fontScale="92500" lnSpcReduction="20000"/>
-          </a:bodyPr>
+          <a:bodyPr/>
           <a:lstStyle/>
           <a:p>
             <a:r>
@@ -18192,124 +19581,75 @@
                 <a:latin typeface="Frank Ruhl Hofshi" panose="00000500000000000000" pitchFamily="50" charset="-79"/>
                 <a:cs typeface="Frank Ruhl Hofshi" panose="00000500000000000000" pitchFamily="50" charset="-79"/>
               </a:rPr>
-              <a:t>Data Segmented into Word-Sized Images</a:t>
-            </a:r>
-          </a:p>
-          <a:p>
+              <a:t>2 Offline Bangla intra-variable handwriting databases from 2 different sets of 100 writers</a:t>
+            </a:r>
+          </a:p>
+          <a:p>
+            <a:pPr lvl="1"/>
+            <a:r>
+              <a:rPr lang="en-US" dirty="0">
+                <a:latin typeface="Frank Ruhl Hofshi" panose="00000500000000000000" pitchFamily="50" charset="-79"/>
+                <a:cs typeface="Frank Ruhl Hofshi" panose="00000500000000000000" pitchFamily="50" charset="-79"/>
+              </a:rPr>
+              <a:t>Controlled</a:t>
+            </a:r>
+          </a:p>
+          <a:p>
+            <a:pPr lvl="1"/>
+            <a:r>
+              <a:rPr lang="en-US" dirty="0">
+                <a:latin typeface="Frank Ruhl Hofshi" panose="00000500000000000000" pitchFamily="50" charset="-79"/>
+                <a:cs typeface="Frank Ruhl Hofshi" panose="00000500000000000000" pitchFamily="50" charset="-79"/>
+              </a:rPr>
+              <a:t>Uncontrolled</a:t>
+            </a:r>
+          </a:p>
+          <a:p>
+            <a:pPr lvl="1"/>
             <a:endParaRPr lang="en-US" dirty="0">
               <a:latin typeface="Frank Ruhl Hofshi" panose="00000500000000000000" pitchFamily="50" charset="-79"/>
               <a:cs typeface="Frank Ruhl Hofshi" panose="00000500000000000000" pitchFamily="50" charset="-79"/>
             </a:endParaRPr>
           </a:p>
           <a:p>
-            <a:pPr marL="0" indent="0">
-              <a:buNone/>
-            </a:pPr>
-            <a:r>
-              <a:rPr lang="en-US" b="1" dirty="0">
-                <a:latin typeface="Frank Ruhl Hofshi" panose="00000500000000000000" pitchFamily="50" charset="-79"/>
-                <a:cs typeface="Frank Ruhl Hofshi" panose="00000500000000000000" pitchFamily="50" charset="-79"/>
-              </a:rPr>
-              <a:t>Folder </a:t>
-            </a:r>
-            <a:r>
-              <a:rPr lang="en-IN" b="1" dirty="0">
-                <a:latin typeface="Frank Ruhl Hofshi" panose="00000500000000000000" pitchFamily="50" charset="-79"/>
-                <a:cs typeface="Frank Ruhl Hofshi" panose="00000500000000000000" pitchFamily="50" charset="-79"/>
-              </a:rPr>
-              <a:t>Organisation</a:t>
-            </a:r>
-          </a:p>
-          <a:p>
-            <a:pPr marL="0" indent="0">
-              <a:buNone/>
-            </a:pPr>
-            <a:endParaRPr lang="en-US" b="1" dirty="0">
-              <a:latin typeface="Frank Ruhl Hofshi" panose="00000500000000000000" pitchFamily="50" charset="-79"/>
-              <a:cs typeface="Frank Ruhl Hofshi" panose="00000500000000000000" pitchFamily="50" charset="-79"/>
-            </a:endParaRPr>
-          </a:p>
-          <a:p>
             <a:r>
               <a:rPr lang="en-US" dirty="0">
                 <a:latin typeface="Frank Ruhl Hofshi" panose="00000500000000000000" pitchFamily="50" charset="-79"/>
                 <a:cs typeface="Frank Ruhl Hofshi" panose="00000500000000000000" pitchFamily="50" charset="-79"/>
               </a:rPr>
-              <a:t>Each Dataset has 20 Folders</a:t>
-            </a:r>
-          </a:p>
-          <a:p>
+              <a:t>2 Primary Tasks</a:t>
+            </a:r>
+          </a:p>
+          <a:p>
+            <a:pPr lvl="1"/>
             <a:r>
               <a:rPr lang="en-US" dirty="0">
                 <a:latin typeface="Frank Ruhl Hofshi" panose="00000500000000000000" pitchFamily="50" charset="-79"/>
                 <a:cs typeface="Frank Ruhl Hofshi" panose="00000500000000000000" pitchFamily="50" charset="-79"/>
               </a:rPr>
-              <a:t>Every Folder has Data for 2 Authors</a:t>
-            </a:r>
-          </a:p>
-          <a:p>
+              <a:t>Writer Identification: Multi-class Classification </a:t>
+            </a:r>
+          </a:p>
+          <a:p>
+            <a:pPr lvl="1"/>
             <a:r>
               <a:rPr lang="en-US" dirty="0">
                 <a:latin typeface="Frank Ruhl Hofshi" panose="00000500000000000000" pitchFamily="50" charset="-79"/>
                 <a:cs typeface="Frank Ruhl Hofshi" panose="00000500000000000000" pitchFamily="50" charset="-79"/>
               </a:rPr>
-              <a:t>5 Sets of Data for Each Author Pair</a:t>
-            </a:r>
-          </a:p>
-          <a:p>
-            <a:r>
-              <a:rPr lang="en-US" dirty="0">
-                <a:latin typeface="Frank Ruhl Hofshi" panose="00000500000000000000" pitchFamily="50" charset="-79"/>
-                <a:cs typeface="Frank Ruhl Hofshi" panose="00000500000000000000" pitchFamily="50" charset="-79"/>
-              </a:rPr>
-              <a:t>3 Training Sets and 2 Testing Sets</a:t>
-            </a:r>
-          </a:p>
-          <a:p>
-            <a:r>
-              <a:rPr lang="en-US" dirty="0">
-                <a:latin typeface="Frank Ruhl Hofshi" panose="00000500000000000000" pitchFamily="50" charset="-79"/>
-                <a:cs typeface="Frank Ruhl Hofshi" panose="00000500000000000000" pitchFamily="50" charset="-79"/>
-              </a:rPr>
-              <a:t>Tag Image File Format</a:t>
-            </a:r>
-          </a:p>
-          <a:p>
-            <a:r>
-              <a:rPr lang="en-US" dirty="0">
-                <a:latin typeface="Frank Ruhl Hofshi" panose="00000500000000000000" pitchFamily="50" charset="-79"/>
-                <a:cs typeface="Frank Ruhl Hofshi" panose="00000500000000000000" pitchFamily="50" charset="-79"/>
-              </a:rPr>
-              <a:t>Format: &lt;Author Code&gt;_&lt;Set Number&gt;_&lt;Image Number&gt;</a:t>
-            </a:r>
-          </a:p>
-          <a:p>
-            <a:r>
-              <a:rPr lang="en-US" dirty="0">
-                <a:latin typeface="Frank Ruhl Hofshi" panose="00000500000000000000" pitchFamily="50" charset="-79"/>
-                <a:cs typeface="Frank Ruhl Hofshi" panose="00000500000000000000" pitchFamily="50" charset="-79"/>
-              </a:rPr>
-              <a:t>5 Data Sets in Total</a:t>
-            </a:r>
-          </a:p>
-          <a:p>
-            <a:endParaRPr lang="en-US" dirty="0"/>
-          </a:p>
-          <a:p>
-            <a:endParaRPr lang="en-US" dirty="0"/>
-          </a:p>
-          <a:p>
-            <a:endParaRPr lang="en-US" dirty="0"/>
-          </a:p>
-          <a:p>
-            <a:endParaRPr lang="en-IN" dirty="0"/>
+              <a:t>Writer Verification: Binary Classification </a:t>
+            </a:r>
+            <a:endParaRPr lang="en-IN" dirty="0">
+              <a:latin typeface="Frank Ruhl Hofshi" panose="00000500000000000000" pitchFamily="50" charset="-79"/>
+              <a:cs typeface="Frank Ruhl Hofshi" panose="00000500000000000000" pitchFamily="50" charset="-79"/>
+            </a:endParaRPr>
           </a:p>
         </p:txBody>
       </p:sp>
     </p:spTree>
     <p:extLst>
       <p:ext uri="{BB962C8B-B14F-4D97-AF65-F5344CB8AC3E}">
-        <p14:creationId xmlns:p14="http://schemas.microsoft.com/office/powerpoint/2010/main" val="3098385368"/>
+        <p14:creationId xmlns:p14="http://schemas.microsoft.com/office/powerpoint/2010/main" val="1092332634"/>
       </p:ext>
     </p:extLst>
   </p:cSld>
@@ -18337,7 +19677,7 @@
                             </p:stCondLst>
                             <p:childTnLst>
                               <p:par>
-                                <p:cTn id="5" presetID="1" presetClass="entr" presetSubtype="0" fill="hold" grpId="0" nodeType="clickEffect">
+                                <p:cTn id="5" presetID="1" presetClass="entr" presetSubtype="0" fill="hold" nodeType="clickEffect">
                                   <p:stCondLst>
                                     <p:cond delay="0"/>
                                   </p:stCondLst>
@@ -18386,7 +19726,7 @@
                             </p:stCondLst>
                             <p:childTnLst>
                               <p:par>
-                                <p:cTn id="9" presetID="1" presetClass="entr" presetSubtype="0" fill="hold" grpId="0" nodeType="clickEffect">
+                                <p:cTn id="9" presetID="1" presetClass="entr" presetSubtype="0" fill="hold" nodeType="clickEffect">
                                   <p:stCondLst>
                                     <p:cond delay="0"/>
                                   </p:stCondLst>
@@ -18394,6 +19734,37 @@
                                     <p:set>
                                       <p:cBhvr>
                                         <p:cTn id="10" dur="1" fill="hold">
+                                          <p:stCondLst>
+                                            <p:cond delay="0"/>
+                                          </p:stCondLst>
+                                        </p:cTn>
+                                        <p:tgtEl>
+                                          <p:spTgt spid="3">
+                                            <p:txEl>
+                                              <p:pRg st="1" end="1"/>
+                                            </p:txEl>
+                                          </p:spTgt>
+                                        </p:tgtEl>
+                                        <p:attrNameLst>
+                                          <p:attrName>style.visibility</p:attrName>
+                                        </p:attrNameLst>
+                                      </p:cBhvr>
+                                      <p:to>
+                                        <p:strVal val="visible"/>
+                                      </p:to>
+                                    </p:set>
+                                  </p:childTnLst>
+                                </p:cTn>
+                              </p:par>
+                              <p:par>
+                                <p:cTn id="11" presetID="1" presetClass="entr" presetSubtype="0" fill="hold" nodeType="withEffect">
+                                  <p:stCondLst>
+                                    <p:cond delay="0"/>
+                                  </p:stCondLst>
+                                  <p:childTnLst>
+                                    <p:set>
+                                      <p:cBhvr>
+                                        <p:cTn id="12" dur="1" fill="hold">
                                           <p:stCondLst>
                                             <p:cond delay="0"/>
                                           </p:stCondLst>
@@ -18423,26 +19794,26 @@
                     </p:cTn>
                   </p:par>
                   <p:par>
-                    <p:cTn id="11" fill="hold">
+                    <p:cTn id="13" fill="hold">
                       <p:stCondLst>
                         <p:cond delay="indefinite"/>
                       </p:stCondLst>
                       <p:childTnLst>
                         <p:par>
-                          <p:cTn id="12" fill="hold">
+                          <p:cTn id="14" fill="hold">
                             <p:stCondLst>
                               <p:cond delay="0"/>
                             </p:stCondLst>
                             <p:childTnLst>
                               <p:par>
-                                <p:cTn id="13" presetID="1" presetClass="entr" presetSubtype="0" fill="hold" grpId="0" nodeType="clickEffect">
+                                <p:cTn id="15" presetID="1" presetClass="entr" presetSubtype="0" fill="hold" nodeType="clickEffect">
                                   <p:stCondLst>
                                     <p:cond delay="0"/>
                                   </p:stCondLst>
                                   <p:childTnLst>
                                     <p:set>
                                       <p:cBhvr>
-                                        <p:cTn id="14" dur="1" fill="hold">
+                                        <p:cTn id="16" dur="1" fill="hold">
                                           <p:stCondLst>
                                             <p:cond delay="0"/>
                                           </p:stCondLst>
@@ -18472,26 +19843,26 @@
                     </p:cTn>
                   </p:par>
                   <p:par>
-                    <p:cTn id="15" fill="hold">
+                    <p:cTn id="17" fill="hold">
                       <p:stCondLst>
                         <p:cond delay="indefinite"/>
                       </p:stCondLst>
                       <p:childTnLst>
                         <p:par>
-                          <p:cTn id="16" fill="hold">
+                          <p:cTn id="18" fill="hold">
                             <p:stCondLst>
                               <p:cond delay="0"/>
                             </p:stCondLst>
                             <p:childTnLst>
                               <p:par>
-                                <p:cTn id="17" presetID="1" presetClass="entr" presetSubtype="0" fill="hold" grpId="0" nodeType="clickEffect">
+                                <p:cTn id="19" presetID="1" presetClass="entr" presetSubtype="0" fill="hold" nodeType="clickEffect">
                                   <p:stCondLst>
                                     <p:cond delay="0"/>
                                   </p:stCondLst>
                                   <p:childTnLst>
                                     <p:set>
                                       <p:cBhvr>
-                                        <p:cTn id="18" dur="1" fill="hold">
+                                        <p:cTn id="20" dur="1" fill="hold">
                                           <p:stCondLst>
                                             <p:cond delay="0"/>
                                           </p:stCondLst>
@@ -18521,26 +19892,26 @@
                     </p:cTn>
                   </p:par>
                   <p:par>
-                    <p:cTn id="19" fill="hold">
+                    <p:cTn id="21" fill="hold">
                       <p:stCondLst>
                         <p:cond delay="indefinite"/>
                       </p:stCondLst>
                       <p:childTnLst>
                         <p:par>
-                          <p:cTn id="20" fill="hold">
+                          <p:cTn id="22" fill="hold">
                             <p:stCondLst>
                               <p:cond delay="0"/>
                             </p:stCondLst>
                             <p:childTnLst>
                               <p:par>
-                                <p:cTn id="21" presetID="1" presetClass="entr" presetSubtype="0" fill="hold" grpId="0" nodeType="clickEffect">
+                                <p:cTn id="23" presetID="1" presetClass="entr" presetSubtype="0" fill="hold" nodeType="clickEffect">
                                   <p:stCondLst>
                                     <p:cond delay="0"/>
                                   </p:stCondLst>
                                   <p:childTnLst>
                                     <p:set>
                                       <p:cBhvr>
-                                        <p:cTn id="22" dur="1" fill="hold">
+                                        <p:cTn id="24" dur="1" fill="hold">
                                           <p:stCondLst>
                                             <p:cond delay="0"/>
                                           </p:stCondLst>
@@ -18549,202 +19920,6 @@
                                           <p:spTgt spid="3">
                                             <p:txEl>
                                               <p:pRg st="6" end="6"/>
-                                            </p:txEl>
-                                          </p:spTgt>
-                                        </p:tgtEl>
-                                        <p:attrNameLst>
-                                          <p:attrName>style.visibility</p:attrName>
-                                        </p:attrNameLst>
-                                      </p:cBhvr>
-                                      <p:to>
-                                        <p:strVal val="visible"/>
-                                      </p:to>
-                                    </p:set>
-                                  </p:childTnLst>
-                                </p:cTn>
-                              </p:par>
-                            </p:childTnLst>
-                          </p:cTn>
-                        </p:par>
-                      </p:childTnLst>
-                    </p:cTn>
-                  </p:par>
-                  <p:par>
-                    <p:cTn id="23" fill="hold">
-                      <p:stCondLst>
-                        <p:cond delay="indefinite"/>
-                      </p:stCondLst>
-                      <p:childTnLst>
-                        <p:par>
-                          <p:cTn id="24" fill="hold">
-                            <p:stCondLst>
-                              <p:cond delay="0"/>
-                            </p:stCondLst>
-                            <p:childTnLst>
-                              <p:par>
-                                <p:cTn id="25" presetID="1" presetClass="entr" presetSubtype="0" fill="hold" grpId="0" nodeType="clickEffect">
-                                  <p:stCondLst>
-                                    <p:cond delay="0"/>
-                                  </p:stCondLst>
-                                  <p:childTnLst>
-                                    <p:set>
-                                      <p:cBhvr>
-                                        <p:cTn id="26" dur="1" fill="hold">
-                                          <p:stCondLst>
-                                            <p:cond delay="0"/>
-                                          </p:stCondLst>
-                                        </p:cTn>
-                                        <p:tgtEl>
-                                          <p:spTgt spid="3">
-                                            <p:txEl>
-                                              <p:pRg st="7" end="7"/>
-                                            </p:txEl>
-                                          </p:spTgt>
-                                        </p:tgtEl>
-                                        <p:attrNameLst>
-                                          <p:attrName>style.visibility</p:attrName>
-                                        </p:attrNameLst>
-                                      </p:cBhvr>
-                                      <p:to>
-                                        <p:strVal val="visible"/>
-                                      </p:to>
-                                    </p:set>
-                                  </p:childTnLst>
-                                </p:cTn>
-                              </p:par>
-                            </p:childTnLst>
-                          </p:cTn>
-                        </p:par>
-                      </p:childTnLst>
-                    </p:cTn>
-                  </p:par>
-                  <p:par>
-                    <p:cTn id="27" fill="hold">
-                      <p:stCondLst>
-                        <p:cond delay="indefinite"/>
-                      </p:stCondLst>
-                      <p:childTnLst>
-                        <p:par>
-                          <p:cTn id="28" fill="hold">
-                            <p:stCondLst>
-                              <p:cond delay="0"/>
-                            </p:stCondLst>
-                            <p:childTnLst>
-                              <p:par>
-                                <p:cTn id="29" presetID="1" presetClass="entr" presetSubtype="0" fill="hold" grpId="0" nodeType="clickEffect">
-                                  <p:stCondLst>
-                                    <p:cond delay="0"/>
-                                  </p:stCondLst>
-                                  <p:childTnLst>
-                                    <p:set>
-                                      <p:cBhvr>
-                                        <p:cTn id="30" dur="1" fill="hold">
-                                          <p:stCondLst>
-                                            <p:cond delay="0"/>
-                                          </p:stCondLst>
-                                        </p:cTn>
-                                        <p:tgtEl>
-                                          <p:spTgt spid="3">
-                                            <p:txEl>
-                                              <p:pRg st="8" end="8"/>
-                                            </p:txEl>
-                                          </p:spTgt>
-                                        </p:tgtEl>
-                                        <p:attrNameLst>
-                                          <p:attrName>style.visibility</p:attrName>
-                                        </p:attrNameLst>
-                                      </p:cBhvr>
-                                      <p:to>
-                                        <p:strVal val="visible"/>
-                                      </p:to>
-                                    </p:set>
-                                  </p:childTnLst>
-                                </p:cTn>
-                              </p:par>
-                            </p:childTnLst>
-                          </p:cTn>
-                        </p:par>
-                      </p:childTnLst>
-                    </p:cTn>
-                  </p:par>
-                  <p:par>
-                    <p:cTn id="31" fill="hold">
-                      <p:stCondLst>
-                        <p:cond delay="indefinite"/>
-                      </p:stCondLst>
-                      <p:childTnLst>
-                        <p:par>
-                          <p:cTn id="32" fill="hold">
-                            <p:stCondLst>
-                              <p:cond delay="0"/>
-                            </p:stCondLst>
-                            <p:childTnLst>
-                              <p:par>
-                                <p:cTn id="33" presetID="1" presetClass="entr" presetSubtype="0" fill="hold" grpId="0" nodeType="clickEffect">
-                                  <p:stCondLst>
-                                    <p:cond delay="0"/>
-                                  </p:stCondLst>
-                                  <p:childTnLst>
-                                    <p:set>
-                                      <p:cBhvr>
-                                        <p:cTn id="34" dur="1" fill="hold">
-                                          <p:stCondLst>
-                                            <p:cond delay="0"/>
-                                          </p:stCondLst>
-                                        </p:cTn>
-                                        <p:tgtEl>
-                                          <p:spTgt spid="3">
-                                            <p:txEl>
-                                              <p:pRg st="9" end="9"/>
-                                            </p:txEl>
-                                          </p:spTgt>
-                                        </p:tgtEl>
-                                        <p:attrNameLst>
-                                          <p:attrName>style.visibility</p:attrName>
-                                        </p:attrNameLst>
-                                      </p:cBhvr>
-                                      <p:to>
-                                        <p:strVal val="visible"/>
-                                      </p:to>
-                                    </p:set>
-                                  </p:childTnLst>
-                                </p:cTn>
-                              </p:par>
-                            </p:childTnLst>
-                          </p:cTn>
-                        </p:par>
-                      </p:childTnLst>
-                    </p:cTn>
-                  </p:par>
-                  <p:par>
-                    <p:cTn id="35" fill="hold">
-                      <p:stCondLst>
-                        <p:cond delay="indefinite"/>
-                      </p:stCondLst>
-                      <p:childTnLst>
-                        <p:par>
-                          <p:cTn id="36" fill="hold">
-                            <p:stCondLst>
-                              <p:cond delay="0"/>
-                            </p:stCondLst>
-                            <p:childTnLst>
-                              <p:par>
-                                <p:cTn id="37" presetID="1" presetClass="entr" presetSubtype="0" fill="hold" grpId="0" nodeType="clickEffect">
-                                  <p:stCondLst>
-                                    <p:cond delay="0"/>
-                                  </p:stCondLst>
-                                  <p:childTnLst>
-                                    <p:set>
-                                      <p:cBhvr>
-                                        <p:cTn id="38" dur="1" fill="hold">
-                                          <p:stCondLst>
-                                            <p:cond delay="0"/>
-                                          </p:stCondLst>
-                                        </p:cTn>
-                                        <p:tgtEl>
-                                          <p:spTgt spid="3">
-                                            <p:txEl>
-                                              <p:pRg st="10" end="10"/>
                                             </p:txEl>
                                           </p:spTgt>
                                         </p:tgtEl>
@@ -18786,9 +19961,309 @@
         </p:cTn>
       </p:par>
     </p:tnLst>
-    <p:bldLst>
-      <p:bldP spid="3" grpId="0" build="p"/>
-    </p:bldLst>
+  </p:timing>
+</p:sld>
+</file>
+
+<file path=ppt/slides/slide9.xml><?xml version="1.0" encoding="utf-8"?>
+<p:sld xmlns:a="http://schemas.openxmlformats.org/drawingml/2006/main" xmlns:r="http://schemas.openxmlformats.org/officeDocument/2006/relationships" xmlns:p="http://schemas.openxmlformats.org/presentationml/2006/main">
+  <p:cSld>
+    <p:spTree>
+      <p:nvGrpSpPr>
+        <p:cNvPr id="1" name=""/>
+        <p:cNvGrpSpPr/>
+        <p:nvPr/>
+      </p:nvGrpSpPr>
+      <p:grpSpPr>
+        <a:xfrm>
+          <a:off x="0" y="0"/>
+          <a:ext cx="0" cy="0"/>
+          <a:chOff x="0" y="0"/>
+          <a:chExt cx="0" cy="0"/>
+        </a:xfrm>
+      </p:grpSpPr>
+      <p:sp>
+        <p:nvSpPr>
+          <p:cNvPr id="2" name="Title 1">
+            <a:extLst>
+              <a:ext uri="{FF2B5EF4-FFF2-40B4-BE49-F238E27FC236}">
+                <a16:creationId xmlns:a16="http://schemas.microsoft.com/office/drawing/2014/main" id="{60A0D986-15BD-47AA-A093-39C14BD2E700}"/>
+              </a:ext>
+            </a:extLst>
+          </p:cNvPr>
+          <p:cNvSpPr>
+            <a:spLocks noGrp="1"/>
+          </p:cNvSpPr>
+          <p:nvPr>
+            <p:ph type="title"/>
+          </p:nvPr>
+        </p:nvSpPr>
+        <p:spPr/>
+        <p:txBody>
+          <a:bodyPr/>
+          <a:lstStyle/>
+          <a:p>
+            <a:r>
+              <a:rPr lang="en-US" dirty="0">
+                <a:latin typeface="Garamond" panose="02020404030301010803" pitchFamily="18" charset="0"/>
+              </a:rPr>
+              <a:t>Summary of Present Work: Adak et al.</a:t>
+            </a:r>
+            <a:endParaRPr lang="en-IN" dirty="0">
+              <a:latin typeface="Garamond" panose="02020404030301010803" pitchFamily="18" charset="0"/>
+            </a:endParaRPr>
+          </a:p>
+        </p:txBody>
+      </p:sp>
+      <p:sp>
+        <p:nvSpPr>
+          <p:cNvPr id="3" name="Content Placeholder 2">
+            <a:extLst>
+              <a:ext uri="{FF2B5EF4-FFF2-40B4-BE49-F238E27FC236}">
+                <a16:creationId xmlns:a16="http://schemas.microsoft.com/office/drawing/2014/main" id="{A4A83809-7AD3-401B-91A8-B38FDA02955B}"/>
+              </a:ext>
+            </a:extLst>
+          </p:cNvPr>
+          <p:cNvSpPr>
+            <a:spLocks noGrp="1"/>
+          </p:cNvSpPr>
+          <p:nvPr>
+            <p:ph idx="1"/>
+          </p:nvPr>
+        </p:nvSpPr>
+        <p:spPr/>
+        <p:txBody>
+          <a:bodyPr>
+            <a:normAutofit/>
+          </a:bodyPr>
+          <a:lstStyle/>
+          <a:p>
+            <a:pPr marL="0" indent="0">
+              <a:buNone/>
+            </a:pPr>
+            <a:r>
+              <a:rPr lang="en-US" b="1" dirty="0">
+                <a:latin typeface="Frank Ruhl Hofshi" panose="00000500000000000000" pitchFamily="50" charset="-79"/>
+                <a:cs typeface="Frank Ruhl Hofshi" panose="00000500000000000000" pitchFamily="50" charset="-79"/>
+              </a:rPr>
+              <a:t>Strategies</a:t>
+            </a:r>
+          </a:p>
+          <a:p>
+            <a:r>
+              <a:rPr lang="en-US" dirty="0">
+                <a:latin typeface="Frank Ruhl Hofshi" panose="00000500000000000000" pitchFamily="50" charset="-79"/>
+                <a:cs typeface="Frank Ruhl Hofshi" panose="00000500000000000000" pitchFamily="50" charset="-79"/>
+              </a:rPr>
+              <a:t>Handcrafted Feature-Based Identification/Verification</a:t>
+            </a:r>
+          </a:p>
+          <a:p>
+            <a:r>
+              <a:rPr lang="en-US" dirty="0">
+                <a:latin typeface="Frank Ruhl Hofshi" panose="00000500000000000000" pitchFamily="50" charset="-79"/>
+                <a:cs typeface="Frank Ruhl Hofshi" panose="00000500000000000000" pitchFamily="50" charset="-79"/>
+              </a:rPr>
+              <a:t>Auto-Derived Feature-Based Identification/Verification</a:t>
+            </a:r>
+          </a:p>
+          <a:p>
+            <a:endParaRPr lang="en-IN" dirty="0">
+              <a:latin typeface="Frank Ruhl Hofshi" panose="00000500000000000000" pitchFamily="50" charset="-79"/>
+              <a:cs typeface="Frank Ruhl Hofshi" panose="00000500000000000000" pitchFamily="50" charset="-79"/>
+            </a:endParaRPr>
+          </a:p>
+        </p:txBody>
+      </p:sp>
+    </p:spTree>
+    <p:extLst>
+      <p:ext uri="{BB962C8B-B14F-4D97-AF65-F5344CB8AC3E}">
+        <p14:creationId xmlns:p14="http://schemas.microsoft.com/office/powerpoint/2010/main" val="3397303208"/>
+      </p:ext>
+    </p:extLst>
+  </p:cSld>
+  <p:clrMapOvr>
+    <a:masterClrMapping/>
+  </p:clrMapOvr>
+  <p:timing>
+    <p:tnLst>
+      <p:par>
+        <p:cTn id="1" dur="indefinite" restart="never" nodeType="tmRoot">
+          <p:childTnLst>
+            <p:seq concurrent="1" nextAc="seek">
+              <p:cTn id="2" dur="indefinite" nodeType="mainSeq">
+                <p:childTnLst>
+                  <p:par>
+                    <p:cTn id="3" fill="hold">
+                      <p:stCondLst>
+                        <p:cond delay="indefinite"/>
+                        <p:cond evt="onBegin" delay="0">
+                          <p:tn val="2"/>
+                        </p:cond>
+                      </p:stCondLst>
+                      <p:childTnLst>
+                        <p:par>
+                          <p:cTn id="4" fill="hold">
+                            <p:stCondLst>
+                              <p:cond delay="0"/>
+                            </p:stCondLst>
+                            <p:childTnLst>
+                              <p:par>
+                                <p:cTn id="5" presetID="1" presetClass="entr" presetSubtype="0" fill="hold" nodeType="withEffect">
+                                  <p:stCondLst>
+                                    <p:cond delay="0"/>
+                                  </p:stCondLst>
+                                  <p:childTnLst>
+                                    <p:set>
+                                      <p:cBhvr>
+                                        <p:cTn id="6" dur="1" fill="hold">
+                                          <p:stCondLst>
+                                            <p:cond delay="0"/>
+                                          </p:stCondLst>
+                                        </p:cTn>
+                                        <p:tgtEl>
+                                          <p:spTgt spid="3">
+                                            <p:txEl>
+                                              <p:pRg st="0" end="0"/>
+                                            </p:txEl>
+                                          </p:spTgt>
+                                        </p:tgtEl>
+                                        <p:attrNameLst>
+                                          <p:attrName>style.visibility</p:attrName>
+                                        </p:attrNameLst>
+                                      </p:cBhvr>
+                                      <p:to>
+                                        <p:strVal val="visible"/>
+                                      </p:to>
+                                    </p:set>
+                                  </p:childTnLst>
+                                </p:cTn>
+                              </p:par>
+                            </p:childTnLst>
+                          </p:cTn>
+                        </p:par>
+                      </p:childTnLst>
+                    </p:cTn>
+                  </p:par>
+                  <p:par>
+                    <p:cTn id="7" fill="hold">
+                      <p:stCondLst>
+                        <p:cond delay="indefinite"/>
+                      </p:stCondLst>
+                      <p:childTnLst>
+                        <p:par>
+                          <p:cTn id="8" fill="hold">
+                            <p:stCondLst>
+                              <p:cond delay="0"/>
+                            </p:stCondLst>
+                            <p:childTnLst>
+                              <p:par>
+                                <p:cTn id="9" presetID="1" presetClass="entr" presetSubtype="0" fill="hold" nodeType="clickEffect">
+                                  <p:stCondLst>
+                                    <p:cond delay="0"/>
+                                  </p:stCondLst>
+                                  <p:childTnLst>
+                                    <p:set>
+                                      <p:cBhvr>
+                                        <p:cTn id="10" dur="1" fill="hold">
+                                          <p:stCondLst>
+                                            <p:cond delay="0"/>
+                                          </p:stCondLst>
+                                        </p:cTn>
+                                        <p:tgtEl>
+                                          <p:spTgt spid="3">
+                                            <p:txEl>
+                                              <p:pRg st="1" end="1"/>
+                                            </p:txEl>
+                                          </p:spTgt>
+                                        </p:tgtEl>
+                                        <p:attrNameLst>
+                                          <p:attrName>style.visibility</p:attrName>
+                                        </p:attrNameLst>
+                                      </p:cBhvr>
+                                      <p:to>
+                                        <p:strVal val="visible"/>
+                                      </p:to>
+                                    </p:set>
+                                  </p:childTnLst>
+                                </p:cTn>
+                              </p:par>
+                            </p:childTnLst>
+                          </p:cTn>
+                        </p:par>
+                      </p:childTnLst>
+                    </p:cTn>
+                  </p:par>
+                  <p:par>
+                    <p:cTn id="11" fill="hold">
+                      <p:stCondLst>
+                        <p:cond delay="indefinite"/>
+                      </p:stCondLst>
+                      <p:childTnLst>
+                        <p:par>
+                          <p:cTn id="12" fill="hold">
+                            <p:stCondLst>
+                              <p:cond delay="0"/>
+                            </p:stCondLst>
+                            <p:childTnLst>
+                              <p:par>
+                                <p:cTn id="13" presetID="1" presetClass="entr" presetSubtype="0" fill="hold" nodeType="clickEffect">
+                                  <p:stCondLst>
+                                    <p:cond delay="0"/>
+                                  </p:stCondLst>
+                                  <p:childTnLst>
+                                    <p:set>
+                                      <p:cBhvr>
+                                        <p:cTn id="14" dur="1" fill="hold">
+                                          <p:stCondLst>
+                                            <p:cond delay="0"/>
+                                          </p:stCondLst>
+                                        </p:cTn>
+                                        <p:tgtEl>
+                                          <p:spTgt spid="3">
+                                            <p:txEl>
+                                              <p:pRg st="2" end="2"/>
+                                            </p:txEl>
+                                          </p:spTgt>
+                                        </p:tgtEl>
+                                        <p:attrNameLst>
+                                          <p:attrName>style.visibility</p:attrName>
+                                        </p:attrNameLst>
+                                      </p:cBhvr>
+                                      <p:to>
+                                        <p:strVal val="visible"/>
+                                      </p:to>
+                                    </p:set>
+                                  </p:childTnLst>
+                                </p:cTn>
+                              </p:par>
+                            </p:childTnLst>
+                          </p:cTn>
+                        </p:par>
+                      </p:childTnLst>
+                    </p:cTn>
+                  </p:par>
+                </p:childTnLst>
+              </p:cTn>
+              <p:prevCondLst>
+                <p:cond evt="onPrev" delay="0">
+                  <p:tgtEl>
+                    <p:sldTgt/>
+                  </p:tgtEl>
+                </p:cond>
+              </p:prevCondLst>
+              <p:nextCondLst>
+                <p:cond evt="onNext" delay="0">
+                  <p:tgtEl>
+                    <p:sldTgt/>
+                  </p:tgtEl>
+                </p:cond>
+              </p:nextCondLst>
+            </p:seq>
+          </p:childTnLst>
+        </p:cTn>
+      </p:par>
+    </p:tnLst>
   </p:timing>
 </p:sld>
 </file>

--- a/Documentation/4th Year Project Presentation.pptx
+++ b/Documentation/4th Year Project Presentation.pptx
@@ -14632,6 +14632,81 @@
   <p:clrMapOvr>
     <a:masterClrMapping/>
   </p:clrMapOvr>
+  <p:timing>
+    <p:tnLst>
+      <p:par>
+        <p:cTn id="1" dur="indefinite" restart="never" nodeType="tmRoot">
+          <p:childTnLst>
+            <p:seq concurrent="1" nextAc="seek">
+              <p:cTn id="2" dur="indefinite" nodeType="mainSeq">
+                <p:childTnLst>
+                  <p:par>
+                    <p:cTn id="3" fill="hold">
+                      <p:stCondLst>
+                        <p:cond delay="indefinite"/>
+                      </p:stCondLst>
+                      <p:childTnLst>
+                        <p:par>
+                          <p:cTn id="4" fill="hold">
+                            <p:stCondLst>
+                              <p:cond delay="0"/>
+                            </p:stCondLst>
+                            <p:childTnLst>
+                              <p:par>
+                                <p:cTn id="5" presetID="1" presetClass="entr" presetSubtype="0" fill="hold" nodeType="clickEffect">
+                                  <p:stCondLst>
+                                    <p:cond delay="0"/>
+                                  </p:stCondLst>
+                                  <p:childTnLst>
+                                    <p:set>
+                                      <p:cBhvr>
+                                        <p:cTn id="6" dur="1" fill="hold">
+                                          <p:stCondLst>
+                                            <p:cond delay="0"/>
+                                          </p:stCondLst>
+                                        </p:cTn>
+                                        <p:tgtEl>
+                                          <p:spTgt spid="1026"/>
+                                        </p:tgtEl>
+                                        <p:attrNameLst>
+                                          <p:attrName>style.visibility</p:attrName>
+                                        </p:attrNameLst>
+                                      </p:cBhvr>
+                                      <p:to>
+                                        <p:strVal val="visible"/>
+                                      </p:to>
+                                    </p:set>
+                                  </p:childTnLst>
+                                </p:cTn>
+                              </p:par>
+                            </p:childTnLst>
+                          </p:cTn>
+                        </p:par>
+                      </p:childTnLst>
+                    </p:cTn>
+                  </p:par>
+                </p:childTnLst>
+              </p:cTn>
+              <p:prevCondLst>
+                <p:cond evt="onPrev" delay="0">
+                  <p:tgtEl>
+                    <p:sldTgt/>
+                  </p:tgtEl>
+                </p:cond>
+              </p:prevCondLst>
+              <p:nextCondLst>
+                <p:cond evt="onNext" delay="0">
+                  <p:tgtEl>
+                    <p:sldTgt/>
+                  </p:tgtEl>
+                </p:cond>
+              </p:nextCondLst>
+            </p:seq>
+          </p:childTnLst>
+        </p:cTn>
+      </p:par>
+    </p:tnLst>
+  </p:timing>
 </p:sld>
 </file>
 
@@ -14736,6 +14811,9 @@
                     <p:cTn id="3" fill="hold">
                       <p:stCondLst>
                         <p:cond delay="indefinite"/>
+                        <p:cond evt="onBegin" delay="0">
+                          <p:tn val="2"/>
+                        </p:cond>
                       </p:stCondLst>
                       <p:childTnLst>
                         <p:par>
@@ -14745,7 +14823,7 @@
                             </p:stCondLst>
                             <p:childTnLst>
                               <p:par>
-                                <p:cTn id="5" presetID="1" presetClass="entr" presetSubtype="0" fill="hold" grpId="0" nodeType="clickEffect">
+                                <p:cTn id="5" presetID="1" presetClass="entr" presetSubtype="0" fill="hold" grpId="0" nodeType="withEffect">
                                   <p:stCondLst>
                                     <p:cond delay="0"/>
                                   </p:stCondLst>

--- a/Documentation/4th Year Project Presentation.pptx
+++ b/Documentation/4th Year Project Presentation.pptx
@@ -2441,25 +2441,24 @@
           </a:pPr>
           <a:r>
             <a:rPr lang="en-IN" b="1" dirty="0">
-              <a:latin typeface="Frank Ruhl Hofshi" panose="00000500000000000000" pitchFamily="50" charset="-79"/>
-              <a:cs typeface="Frank Ruhl Hofshi" panose="00000500000000000000" pitchFamily="50" charset="-79"/>
+              <a:latin typeface="Frank Ruhl Libre" panose="00000500000000000000" pitchFamily="2" charset="-79"/>
+              <a:cs typeface="Frank Ruhl Libre" panose="00000500000000000000" pitchFamily="2" charset="-79"/>
             </a:rPr>
             <a:t>Input:</a:t>
           </a:r>
           <a:br>
             <a:rPr lang="en-IN" b="1" dirty="0">
-              <a:latin typeface="Frank Ruhl Hofshi" panose="00000500000000000000" pitchFamily="50" charset="-79"/>
-              <a:cs typeface="Frank Ruhl Hofshi" panose="00000500000000000000" pitchFamily="50" charset="-79"/>
+              <a:latin typeface="Frank Ruhl Libre" panose="00000500000000000000" pitchFamily="2" charset="-79"/>
+              <a:cs typeface="Frank Ruhl Libre" panose="00000500000000000000" pitchFamily="2" charset="-79"/>
             </a:rPr>
           </a:br>
           <a:r>
             <a:rPr lang="en-IN" b="1" dirty="0">
-              <a:latin typeface="Frank Ruhl Hofshi" panose="00000500000000000000" pitchFamily="50" charset="-79"/>
-              <a:cs typeface="Frank Ruhl Hofshi" panose="00000500000000000000" pitchFamily="50" charset="-79"/>
+              <a:latin typeface="Frank Ruhl Libre" panose="00000500000000000000" pitchFamily="2" charset="-79"/>
+              <a:cs typeface="Frank Ruhl Libre" panose="00000500000000000000" pitchFamily="2" charset="-79"/>
             </a:rPr>
             <a:t>224 x 224 RGB Images</a:t>
           </a:r>
-          <a:endParaRPr lang="en-IN" b="1" dirty="0"/>
         </a:p>
       </dgm:t>
     </dgm:pt>
@@ -2520,12 +2519,11 @@
           </a:pPr>
           <a:r>
             <a:rPr lang="en-IN" dirty="0">
-              <a:latin typeface="Frank Ruhl Hofshi" panose="00000500000000000000" pitchFamily="50" charset="-79"/>
-              <a:cs typeface="Frank Ruhl Hofshi" panose="00000500000000000000" pitchFamily="50" charset="-79"/>
+              <a:latin typeface="Frank Ruhl Libre" panose="00000500000000000000" pitchFamily="2" charset="-79"/>
+              <a:cs typeface="Frank Ruhl Libre" panose="00000500000000000000" pitchFamily="2" charset="-79"/>
             </a:rPr>
             <a:t>2 ConvNets with 64 filters and ReLU Activation Function; Output is MaxPooled</a:t>
           </a:r>
-          <a:endParaRPr lang="en-IN" dirty="0"/>
         </a:p>
       </dgm:t>
     </dgm:pt>
@@ -2582,8 +2580,8 @@
         <a:p>
           <a:r>
             <a:rPr lang="en-IN" dirty="0">
-              <a:latin typeface="Frank Ruhl Hofshi" panose="00000500000000000000" pitchFamily="50" charset="-79"/>
-              <a:cs typeface="Frank Ruhl Hofshi" panose="00000500000000000000" pitchFamily="50" charset="-79"/>
+              <a:latin typeface="Frank Ruhl Libre" panose="00000500000000000000" pitchFamily="2" charset="-79"/>
+              <a:cs typeface="Frank Ruhl Libre" panose="00000500000000000000" pitchFamily="2" charset="-79"/>
             </a:rPr>
             <a:t>2 ConvNets with 128 filters and ReLU Activation Function; Output is MaxPooled</a:t>
           </a:r>
@@ -2643,8 +2641,8 @@
         <a:p>
           <a:r>
             <a:rPr lang="en-IN" dirty="0">
-              <a:latin typeface="Frank Ruhl Hofshi" panose="00000500000000000000" pitchFamily="50" charset="-79"/>
-              <a:cs typeface="Frank Ruhl Hofshi" panose="00000500000000000000" pitchFamily="50" charset="-79"/>
+              <a:latin typeface="Frank Ruhl Libre" panose="00000500000000000000" pitchFamily="2" charset="-79"/>
+              <a:cs typeface="Frank Ruhl Libre" panose="00000500000000000000" pitchFamily="2" charset="-79"/>
             </a:rPr>
             <a:t>3 ConvNets with 256 filters and ReLU Activation Function; Output is MaxPooled</a:t>
           </a:r>
@@ -2704,8 +2702,8 @@
         <a:p>
           <a:r>
             <a:rPr lang="en-IN" dirty="0">
-              <a:latin typeface="Frank Ruhl Hofshi" panose="00000500000000000000" pitchFamily="50" charset="-79"/>
-              <a:cs typeface="Frank Ruhl Hofshi" panose="00000500000000000000" pitchFamily="50" charset="-79"/>
+              <a:latin typeface="Frank Ruhl Libre" panose="00000500000000000000" pitchFamily="2" charset="-79"/>
+              <a:cs typeface="Frank Ruhl Libre" panose="00000500000000000000" pitchFamily="2" charset="-79"/>
             </a:rPr>
             <a:t>3 ConvNets with 512 filters and ReLU Activation Function; Output is MaxPooled</a:t>
           </a:r>
@@ -2765,8 +2763,8 @@
         <a:p>
           <a:r>
             <a:rPr lang="en-IN" dirty="0">
-              <a:latin typeface="Frank Ruhl Hofshi" panose="00000500000000000000" pitchFamily="50" charset="-79"/>
-              <a:cs typeface="Frank Ruhl Hofshi" panose="00000500000000000000" pitchFamily="50" charset="-79"/>
+              <a:latin typeface="Frank Ruhl Libre" panose="00000500000000000000" pitchFamily="2" charset="-79"/>
+              <a:cs typeface="Frank Ruhl Libre" panose="00000500000000000000" pitchFamily="2" charset="-79"/>
             </a:rPr>
             <a:t>3 ConvNets with 512 filters and ReLU Activation Function; Output is MaxPooled</a:t>
           </a:r>
@@ -2826,8 +2824,8 @@
         <a:p>
           <a:r>
             <a:rPr lang="en-IN" dirty="0">
-              <a:latin typeface="Frank Ruhl Hofshi" panose="00000500000000000000" pitchFamily="50" charset="-79"/>
-              <a:cs typeface="Frank Ruhl Hofshi" panose="00000500000000000000" pitchFamily="50" charset="-79"/>
+              <a:latin typeface="Frank Ruhl Libre" panose="00000500000000000000" pitchFamily="2" charset="-79"/>
+              <a:cs typeface="Frank Ruhl Libre" panose="00000500000000000000" pitchFamily="2" charset="-79"/>
             </a:rPr>
             <a:t>2 Dense Neural Nets with 4096 units and ReLU Activation Function</a:t>
           </a:r>
@@ -2887,8 +2885,8 @@
         <a:p>
           <a:r>
             <a:rPr lang="en-IN" dirty="0">
-              <a:latin typeface="Frank Ruhl Hofshi" panose="00000500000000000000" pitchFamily="50" charset="-79"/>
-              <a:cs typeface="Frank Ruhl Hofshi" panose="00000500000000000000" pitchFamily="50" charset="-79"/>
+              <a:latin typeface="Frank Ruhl Libre" panose="00000500000000000000" pitchFamily="2" charset="-79"/>
+              <a:cs typeface="Frank Ruhl Libre" panose="00000500000000000000" pitchFamily="2" charset="-79"/>
             </a:rPr>
             <a:t>1 Dense Neural Net with 1000 units and SoftMax Activation Function</a:t>
           </a:r>
@@ -2945,25 +2943,24 @@
           </a:pPr>
           <a:r>
             <a:rPr lang="en-IN" b="1" dirty="0">
-              <a:latin typeface="Frank Ruhl Hofshi" panose="00000500000000000000" pitchFamily="50" charset="-79"/>
-              <a:cs typeface="Frank Ruhl Hofshi" panose="00000500000000000000" pitchFamily="50" charset="-79"/>
+              <a:latin typeface="Frank Ruhl Libre" panose="00000500000000000000" pitchFamily="2" charset="-79"/>
+              <a:cs typeface="Frank Ruhl Libre" panose="00000500000000000000" pitchFamily="2" charset="-79"/>
             </a:rPr>
             <a:t>Output:</a:t>
           </a:r>
           <a:br>
             <a:rPr lang="en-IN" b="1" dirty="0">
-              <a:latin typeface="Frank Ruhl Hofshi" panose="00000500000000000000" pitchFamily="50" charset="-79"/>
-              <a:cs typeface="Frank Ruhl Hofshi" panose="00000500000000000000" pitchFamily="50" charset="-79"/>
+              <a:latin typeface="Frank Ruhl Libre" panose="00000500000000000000" pitchFamily="2" charset="-79"/>
+              <a:cs typeface="Frank Ruhl Libre" panose="00000500000000000000" pitchFamily="2" charset="-79"/>
             </a:rPr>
           </a:br>
           <a:r>
             <a:rPr lang="en-IN" b="1" dirty="0">
-              <a:latin typeface="Frank Ruhl Hofshi" panose="00000500000000000000" pitchFamily="50" charset="-79"/>
-              <a:cs typeface="Frank Ruhl Hofshi" panose="00000500000000000000" pitchFamily="50" charset="-79"/>
+              <a:latin typeface="Frank Ruhl Libre" panose="00000500000000000000" pitchFamily="2" charset="-79"/>
+              <a:cs typeface="Frank Ruhl Libre" panose="00000500000000000000" pitchFamily="2" charset="-79"/>
             </a:rPr>
             <a:t>Category (1000 in the ImageNet Database)</a:t>
           </a:r>
-          <a:endParaRPr lang="en-IN" b="1" dirty="0"/>
         </a:p>
       </dgm:t>
     </dgm:pt>
@@ -3196,25 +3193,24 @@
           </a:pPr>
           <a:r>
             <a:rPr lang="en-IN" b="1" dirty="0">
-              <a:latin typeface="Frank Ruhl Hofshi" panose="00000500000000000000" pitchFamily="50" charset="-79"/>
-              <a:cs typeface="Frank Ruhl Hofshi" panose="00000500000000000000" pitchFamily="50" charset="-79"/>
+              <a:latin typeface="Frank Ruhl Libre" panose="00000500000000000000" pitchFamily="2" charset="-79"/>
+              <a:cs typeface="Frank Ruhl Libre" panose="00000500000000000000" pitchFamily="2" charset="-79"/>
             </a:rPr>
             <a:t>Input:</a:t>
           </a:r>
           <a:br>
             <a:rPr lang="en-IN" b="1" dirty="0">
-              <a:latin typeface="Frank Ruhl Hofshi" panose="00000500000000000000" pitchFamily="50" charset="-79"/>
-              <a:cs typeface="Frank Ruhl Hofshi" panose="00000500000000000000" pitchFamily="50" charset="-79"/>
+              <a:latin typeface="Frank Ruhl Libre" panose="00000500000000000000" pitchFamily="2" charset="-79"/>
+              <a:cs typeface="Frank Ruhl Libre" panose="00000500000000000000" pitchFamily="2" charset="-79"/>
             </a:rPr>
           </a:br>
           <a:r>
             <a:rPr lang="en-IN" b="1" dirty="0">
-              <a:latin typeface="Frank Ruhl Hofshi" panose="00000500000000000000" pitchFamily="50" charset="-79"/>
-              <a:cs typeface="Frank Ruhl Hofshi" panose="00000500000000000000" pitchFamily="50" charset="-79"/>
+              <a:latin typeface="Frank Ruhl Libre" panose="00000500000000000000" pitchFamily="2" charset="-79"/>
+              <a:cs typeface="Frank Ruhl Libre" panose="00000500000000000000" pitchFamily="2" charset="-79"/>
             </a:rPr>
             <a:t>224 x 224 RGB Images</a:t>
           </a:r>
-          <a:endParaRPr lang="en-IN" b="1" dirty="0"/>
         </a:p>
       </dgm:t>
     </dgm:pt>
@@ -3275,12 +3271,11 @@
           </a:pPr>
           <a:r>
             <a:rPr lang="en-IN" dirty="0">
-              <a:latin typeface="Frank Ruhl Hofshi" panose="00000500000000000000" pitchFamily="50" charset="-79"/>
-              <a:cs typeface="Frank Ruhl Hofshi" panose="00000500000000000000" pitchFamily="50" charset="-79"/>
+              <a:latin typeface="Frank Ruhl Libre" panose="00000500000000000000" pitchFamily="2" charset="-79"/>
+              <a:cs typeface="Frank Ruhl Libre" panose="00000500000000000000" pitchFamily="2" charset="-79"/>
             </a:rPr>
             <a:t>2 ConvNets with 64 filters and ReLU Activation Function; Output is MaxPooled</a:t>
           </a:r>
-          <a:endParaRPr lang="en-IN" dirty="0"/>
         </a:p>
       </dgm:t>
     </dgm:pt>
@@ -3337,8 +3332,8 @@
         <a:p>
           <a:r>
             <a:rPr lang="en-IN" dirty="0">
-              <a:latin typeface="Frank Ruhl Hofshi" panose="00000500000000000000" pitchFamily="50" charset="-79"/>
-              <a:cs typeface="Frank Ruhl Hofshi" panose="00000500000000000000" pitchFamily="50" charset="-79"/>
+              <a:latin typeface="Frank Ruhl Libre" panose="00000500000000000000" pitchFamily="2" charset="-79"/>
+              <a:cs typeface="Frank Ruhl Libre" panose="00000500000000000000" pitchFamily="2" charset="-79"/>
             </a:rPr>
             <a:t>2 ConvNets with 128 filters and ReLU Activation Function; Output is MaxPooled</a:t>
           </a:r>
@@ -3398,8 +3393,8 @@
         <a:p>
           <a:r>
             <a:rPr lang="en-IN" dirty="0">
-              <a:latin typeface="Frank Ruhl Hofshi" panose="00000500000000000000" pitchFamily="50" charset="-79"/>
-              <a:cs typeface="Frank Ruhl Hofshi" panose="00000500000000000000" pitchFamily="50" charset="-79"/>
+              <a:latin typeface="Frank Ruhl Libre" panose="00000500000000000000" pitchFamily="2" charset="-79"/>
+              <a:cs typeface="Frank Ruhl Libre" panose="00000500000000000000" pitchFamily="2" charset="-79"/>
             </a:rPr>
             <a:t>3 ConvNets with 256 filters and ReLU Activation Function; Output is MaxPooled</a:t>
           </a:r>
@@ -3459,8 +3454,8 @@
         <a:p>
           <a:r>
             <a:rPr lang="en-IN" dirty="0">
-              <a:latin typeface="Frank Ruhl Hofshi" panose="00000500000000000000" pitchFamily="50" charset="-79"/>
-              <a:cs typeface="Frank Ruhl Hofshi" panose="00000500000000000000" pitchFamily="50" charset="-79"/>
+              <a:latin typeface="Frank Ruhl Libre" panose="00000500000000000000" pitchFamily="2" charset="-79"/>
+              <a:cs typeface="Frank Ruhl Libre" panose="00000500000000000000" pitchFamily="2" charset="-79"/>
             </a:rPr>
             <a:t>3 ConvNets with 512 filters and ReLU Activation Function; Output is MaxPooled</a:t>
           </a:r>
@@ -3520,8 +3515,8 @@
         <a:p>
           <a:r>
             <a:rPr lang="en-IN" dirty="0">
-              <a:latin typeface="Frank Ruhl Hofshi" panose="00000500000000000000" pitchFamily="50" charset="-79"/>
-              <a:cs typeface="Frank Ruhl Hofshi" panose="00000500000000000000" pitchFamily="50" charset="-79"/>
+              <a:latin typeface="Frank Ruhl Libre" panose="00000500000000000000" pitchFamily="2" charset="-79"/>
+              <a:cs typeface="Frank Ruhl Libre" panose="00000500000000000000" pitchFamily="2" charset="-79"/>
             </a:rPr>
             <a:t>3 ConvNets with 512 filters and ReLU Activation Function; Output is MaxPooled</a:t>
           </a:r>
@@ -3581,8 +3576,8 @@
         <a:p>
           <a:r>
             <a:rPr lang="en-IN" dirty="0">
-              <a:latin typeface="Frank Ruhl Hofshi" panose="00000500000000000000" pitchFamily="50" charset="-79"/>
-              <a:cs typeface="Frank Ruhl Hofshi" panose="00000500000000000000" pitchFamily="50" charset="-79"/>
+              <a:latin typeface="Frank Ruhl Libre" panose="00000500000000000000" pitchFamily="2" charset="-79"/>
+              <a:cs typeface="Frank Ruhl Libre" panose="00000500000000000000" pitchFamily="2" charset="-79"/>
             </a:rPr>
             <a:t>2 Dense Neural Nets with 4096 units and ReLU Activation Function</a:t>
           </a:r>
@@ -3642,8 +3637,8 @@
         <a:p>
           <a:r>
             <a:rPr lang="en-IN" dirty="0">
-              <a:latin typeface="Frank Ruhl Hofshi" panose="00000500000000000000" pitchFamily="50" charset="-79"/>
-              <a:cs typeface="Frank Ruhl Hofshi" panose="00000500000000000000" pitchFamily="50" charset="-79"/>
+              <a:latin typeface="Frank Ruhl Libre" panose="00000500000000000000" pitchFamily="2" charset="-79"/>
+              <a:cs typeface="Frank Ruhl Libre" panose="00000500000000000000" pitchFamily="2" charset="-79"/>
             </a:rPr>
             <a:t>1 Dense Neural Net with 1000 units and SoftMax Activation Function</a:t>
           </a:r>
@@ -3700,25 +3695,24 @@
           </a:pPr>
           <a:r>
             <a:rPr lang="en-IN" b="1" dirty="0">
-              <a:latin typeface="Frank Ruhl Hofshi" panose="00000500000000000000" pitchFamily="50" charset="-79"/>
-              <a:cs typeface="Frank Ruhl Hofshi" panose="00000500000000000000" pitchFamily="50" charset="-79"/>
+              <a:latin typeface="Frank Ruhl Libre" panose="00000500000000000000" pitchFamily="2" charset="-79"/>
+              <a:cs typeface="Frank Ruhl Libre" panose="00000500000000000000" pitchFamily="2" charset="-79"/>
             </a:rPr>
             <a:t>Output:</a:t>
           </a:r>
           <a:br>
             <a:rPr lang="en-IN" b="1" dirty="0">
-              <a:latin typeface="Frank Ruhl Hofshi" panose="00000500000000000000" pitchFamily="50" charset="-79"/>
-              <a:cs typeface="Frank Ruhl Hofshi" panose="00000500000000000000" pitchFamily="50" charset="-79"/>
+              <a:latin typeface="Frank Ruhl Libre" panose="00000500000000000000" pitchFamily="2" charset="-79"/>
+              <a:cs typeface="Frank Ruhl Libre" panose="00000500000000000000" pitchFamily="2" charset="-79"/>
             </a:rPr>
           </a:br>
           <a:r>
             <a:rPr lang="en-IN" b="1" dirty="0">
-              <a:latin typeface="Frank Ruhl Hofshi" panose="00000500000000000000" pitchFamily="50" charset="-79"/>
-              <a:cs typeface="Frank Ruhl Hofshi" panose="00000500000000000000" pitchFamily="50" charset="-79"/>
+              <a:latin typeface="Frank Ruhl Libre" panose="00000500000000000000" pitchFamily="2" charset="-79"/>
+              <a:cs typeface="Frank Ruhl Libre" panose="00000500000000000000" pitchFamily="2" charset="-79"/>
             </a:rPr>
             <a:t>Category (1000 in the ImageNet Database)</a:t>
           </a:r>
-          <a:endParaRPr lang="en-IN" b="1" dirty="0"/>
         </a:p>
       </dgm:t>
     </dgm:pt>
@@ -4024,25 +4018,24 @@
           </a:pPr>
           <a:r>
             <a:rPr lang="en-IN" sz="1200" b="1" kern="1200" dirty="0">
-              <a:latin typeface="Frank Ruhl Hofshi" panose="00000500000000000000" pitchFamily="50" charset="-79"/>
-              <a:cs typeface="Frank Ruhl Hofshi" panose="00000500000000000000" pitchFamily="50" charset="-79"/>
+              <a:latin typeface="Frank Ruhl Libre" panose="00000500000000000000" pitchFamily="2" charset="-79"/>
+              <a:cs typeface="Frank Ruhl Libre" panose="00000500000000000000" pitchFamily="2" charset="-79"/>
             </a:rPr>
             <a:t>Input:</a:t>
           </a:r>
           <a:br>
             <a:rPr lang="en-IN" sz="1200" b="1" kern="1200" dirty="0">
-              <a:latin typeface="Frank Ruhl Hofshi" panose="00000500000000000000" pitchFamily="50" charset="-79"/>
-              <a:cs typeface="Frank Ruhl Hofshi" panose="00000500000000000000" pitchFamily="50" charset="-79"/>
+              <a:latin typeface="Frank Ruhl Libre" panose="00000500000000000000" pitchFamily="2" charset="-79"/>
+              <a:cs typeface="Frank Ruhl Libre" panose="00000500000000000000" pitchFamily="2" charset="-79"/>
             </a:rPr>
           </a:br>
           <a:r>
             <a:rPr lang="en-IN" sz="1200" b="1" kern="1200" dirty="0">
-              <a:latin typeface="Frank Ruhl Hofshi" panose="00000500000000000000" pitchFamily="50" charset="-79"/>
-              <a:cs typeface="Frank Ruhl Hofshi" panose="00000500000000000000" pitchFamily="50" charset="-79"/>
+              <a:latin typeface="Frank Ruhl Libre" panose="00000500000000000000" pitchFamily="2" charset="-79"/>
+              <a:cs typeface="Frank Ruhl Libre" panose="00000500000000000000" pitchFamily="2" charset="-79"/>
             </a:rPr>
             <a:t>224 x 224 RGB Images</a:t>
           </a:r>
-          <a:endParaRPr lang="en-IN" sz="1200" b="1" kern="1200" dirty="0"/>
         </a:p>
       </dsp:txBody>
       <dsp:txXfrm>
@@ -4110,25 +4103,24 @@
           </a:pPr>
           <a:r>
             <a:rPr lang="en-IN" sz="1200" b="1" kern="1200" dirty="0">
-              <a:latin typeface="Frank Ruhl Hofshi" panose="00000500000000000000" pitchFamily="50" charset="-79"/>
-              <a:cs typeface="Frank Ruhl Hofshi" panose="00000500000000000000" pitchFamily="50" charset="-79"/>
+              <a:latin typeface="Frank Ruhl Libre" panose="00000500000000000000" pitchFamily="2" charset="-79"/>
+              <a:cs typeface="Frank Ruhl Libre" panose="00000500000000000000" pitchFamily="2" charset="-79"/>
             </a:rPr>
             <a:t>Output:</a:t>
           </a:r>
           <a:br>
             <a:rPr lang="en-IN" sz="1200" b="1" kern="1200" dirty="0">
-              <a:latin typeface="Frank Ruhl Hofshi" panose="00000500000000000000" pitchFamily="50" charset="-79"/>
-              <a:cs typeface="Frank Ruhl Hofshi" panose="00000500000000000000" pitchFamily="50" charset="-79"/>
+              <a:latin typeface="Frank Ruhl Libre" panose="00000500000000000000" pitchFamily="2" charset="-79"/>
+              <a:cs typeface="Frank Ruhl Libre" panose="00000500000000000000" pitchFamily="2" charset="-79"/>
             </a:rPr>
           </a:br>
           <a:r>
             <a:rPr lang="en-IN" sz="1200" b="1" kern="1200" dirty="0">
-              <a:latin typeface="Frank Ruhl Hofshi" panose="00000500000000000000" pitchFamily="50" charset="-79"/>
-              <a:cs typeface="Frank Ruhl Hofshi" panose="00000500000000000000" pitchFamily="50" charset="-79"/>
+              <a:latin typeface="Frank Ruhl Libre" panose="00000500000000000000" pitchFamily="2" charset="-79"/>
+              <a:cs typeface="Frank Ruhl Libre" panose="00000500000000000000" pitchFamily="2" charset="-79"/>
             </a:rPr>
             <a:t>Category (1000 in the ImageNet Database)</a:t>
           </a:r>
-          <a:endParaRPr lang="en-IN" sz="1200" b="1" kern="1200" dirty="0"/>
         </a:p>
       </dsp:txBody>
       <dsp:txXfrm>
@@ -4192,12 +4184,11 @@
           </a:pPr>
           <a:r>
             <a:rPr lang="en-IN" sz="1200" kern="1200" dirty="0">
-              <a:latin typeface="Frank Ruhl Hofshi" panose="00000500000000000000" pitchFamily="50" charset="-79"/>
-              <a:cs typeface="Frank Ruhl Hofshi" panose="00000500000000000000" pitchFamily="50" charset="-79"/>
+              <a:latin typeface="Frank Ruhl Libre" panose="00000500000000000000" pitchFamily="2" charset="-79"/>
+              <a:cs typeface="Frank Ruhl Libre" panose="00000500000000000000" pitchFamily="2" charset="-79"/>
             </a:rPr>
             <a:t>2 ConvNets with 64 filters and ReLU Activation Function; Output is MaxPooled</a:t>
           </a:r>
-          <a:endParaRPr lang="en-IN" sz="1200" kern="1200" dirty="0"/>
         </a:p>
       </dsp:txBody>
       <dsp:txXfrm>
@@ -4260,8 +4251,8 @@
           </a:pPr>
           <a:r>
             <a:rPr lang="en-IN" sz="1200" kern="1200" dirty="0">
-              <a:latin typeface="Frank Ruhl Hofshi" panose="00000500000000000000" pitchFamily="50" charset="-79"/>
-              <a:cs typeface="Frank Ruhl Hofshi" panose="00000500000000000000" pitchFamily="50" charset="-79"/>
+              <a:latin typeface="Frank Ruhl Libre" panose="00000500000000000000" pitchFamily="2" charset="-79"/>
+              <a:cs typeface="Frank Ruhl Libre" panose="00000500000000000000" pitchFamily="2" charset="-79"/>
             </a:rPr>
             <a:t>2 ConvNets with 128 filters and ReLU Activation Function; Output is MaxPooled</a:t>
           </a:r>
@@ -4327,8 +4318,8 @@
           </a:pPr>
           <a:r>
             <a:rPr lang="en-IN" sz="1200" kern="1200" dirty="0">
-              <a:latin typeface="Frank Ruhl Hofshi" panose="00000500000000000000" pitchFamily="50" charset="-79"/>
-              <a:cs typeface="Frank Ruhl Hofshi" panose="00000500000000000000" pitchFamily="50" charset="-79"/>
+              <a:latin typeface="Frank Ruhl Libre" panose="00000500000000000000" pitchFamily="2" charset="-79"/>
+              <a:cs typeface="Frank Ruhl Libre" panose="00000500000000000000" pitchFamily="2" charset="-79"/>
             </a:rPr>
             <a:t>3 ConvNets with 256 filters and ReLU Activation Function; Output is MaxPooled</a:t>
           </a:r>
@@ -4394,8 +4385,8 @@
           </a:pPr>
           <a:r>
             <a:rPr lang="en-IN" sz="1200" kern="1200" dirty="0">
-              <a:latin typeface="Frank Ruhl Hofshi" panose="00000500000000000000" pitchFamily="50" charset="-79"/>
-              <a:cs typeface="Frank Ruhl Hofshi" panose="00000500000000000000" pitchFamily="50" charset="-79"/>
+              <a:latin typeface="Frank Ruhl Libre" panose="00000500000000000000" pitchFamily="2" charset="-79"/>
+              <a:cs typeface="Frank Ruhl Libre" panose="00000500000000000000" pitchFamily="2" charset="-79"/>
             </a:rPr>
             <a:t>3 ConvNets with 512 filters and ReLU Activation Function; Output is MaxPooled</a:t>
           </a:r>
@@ -4461,8 +4452,8 @@
           </a:pPr>
           <a:r>
             <a:rPr lang="en-IN" sz="1200" kern="1200" dirty="0">
-              <a:latin typeface="Frank Ruhl Hofshi" panose="00000500000000000000" pitchFamily="50" charset="-79"/>
-              <a:cs typeface="Frank Ruhl Hofshi" panose="00000500000000000000" pitchFamily="50" charset="-79"/>
+              <a:latin typeface="Frank Ruhl Libre" panose="00000500000000000000" pitchFamily="2" charset="-79"/>
+              <a:cs typeface="Frank Ruhl Libre" panose="00000500000000000000" pitchFamily="2" charset="-79"/>
             </a:rPr>
             <a:t>3 ConvNets with 512 filters and ReLU Activation Function; Output is MaxPooled</a:t>
           </a:r>
@@ -4528,8 +4519,8 @@
           </a:pPr>
           <a:r>
             <a:rPr lang="en-IN" sz="1200" kern="1200" dirty="0">
-              <a:latin typeface="Frank Ruhl Hofshi" panose="00000500000000000000" pitchFamily="50" charset="-79"/>
-              <a:cs typeface="Frank Ruhl Hofshi" panose="00000500000000000000" pitchFamily="50" charset="-79"/>
+              <a:latin typeface="Frank Ruhl Libre" panose="00000500000000000000" pitchFamily="2" charset="-79"/>
+              <a:cs typeface="Frank Ruhl Libre" panose="00000500000000000000" pitchFamily="2" charset="-79"/>
             </a:rPr>
             <a:t>2 Dense Neural Nets with 4096 units and ReLU Activation Function</a:t>
           </a:r>
@@ -4595,8 +4586,8 @@
           </a:pPr>
           <a:r>
             <a:rPr lang="en-IN" sz="1200" kern="1200" dirty="0">
-              <a:latin typeface="Frank Ruhl Hofshi" panose="00000500000000000000" pitchFamily="50" charset="-79"/>
-              <a:cs typeface="Frank Ruhl Hofshi" panose="00000500000000000000" pitchFamily="50" charset="-79"/>
+              <a:latin typeface="Frank Ruhl Libre" panose="00000500000000000000" pitchFamily="2" charset="-79"/>
+              <a:cs typeface="Frank Ruhl Libre" panose="00000500000000000000" pitchFamily="2" charset="-79"/>
             </a:rPr>
             <a:t>1 Dense Neural Net with 1000 units and SoftMax Activation Function</a:t>
           </a:r>
@@ -4719,25 +4710,24 @@
           </a:pPr>
           <a:r>
             <a:rPr lang="en-IN" sz="1200" b="1" kern="1200" dirty="0">
-              <a:latin typeface="Frank Ruhl Hofshi" panose="00000500000000000000" pitchFamily="50" charset="-79"/>
-              <a:cs typeface="Frank Ruhl Hofshi" panose="00000500000000000000" pitchFamily="50" charset="-79"/>
+              <a:latin typeface="Frank Ruhl Libre" panose="00000500000000000000" pitchFamily="2" charset="-79"/>
+              <a:cs typeface="Frank Ruhl Libre" panose="00000500000000000000" pitchFamily="2" charset="-79"/>
             </a:rPr>
             <a:t>Input:</a:t>
           </a:r>
           <a:br>
             <a:rPr lang="en-IN" sz="1200" b="1" kern="1200" dirty="0">
-              <a:latin typeface="Frank Ruhl Hofshi" panose="00000500000000000000" pitchFamily="50" charset="-79"/>
-              <a:cs typeface="Frank Ruhl Hofshi" panose="00000500000000000000" pitchFamily="50" charset="-79"/>
+              <a:latin typeface="Frank Ruhl Libre" panose="00000500000000000000" pitchFamily="2" charset="-79"/>
+              <a:cs typeface="Frank Ruhl Libre" panose="00000500000000000000" pitchFamily="2" charset="-79"/>
             </a:rPr>
           </a:br>
           <a:r>
             <a:rPr lang="en-IN" sz="1200" b="1" kern="1200" dirty="0">
-              <a:latin typeface="Frank Ruhl Hofshi" panose="00000500000000000000" pitchFamily="50" charset="-79"/>
-              <a:cs typeface="Frank Ruhl Hofshi" panose="00000500000000000000" pitchFamily="50" charset="-79"/>
+              <a:latin typeface="Frank Ruhl Libre" panose="00000500000000000000" pitchFamily="2" charset="-79"/>
+              <a:cs typeface="Frank Ruhl Libre" panose="00000500000000000000" pitchFamily="2" charset="-79"/>
             </a:rPr>
             <a:t>224 x 224 RGB Images</a:t>
           </a:r>
-          <a:endParaRPr lang="en-IN" sz="1200" b="1" kern="1200" dirty="0"/>
         </a:p>
       </dsp:txBody>
       <dsp:txXfrm>
@@ -4805,25 +4795,24 @@
           </a:pPr>
           <a:r>
             <a:rPr lang="en-IN" sz="1200" b="1" kern="1200" dirty="0">
-              <a:latin typeface="Frank Ruhl Hofshi" panose="00000500000000000000" pitchFamily="50" charset="-79"/>
-              <a:cs typeface="Frank Ruhl Hofshi" panose="00000500000000000000" pitchFamily="50" charset="-79"/>
+              <a:latin typeface="Frank Ruhl Libre" panose="00000500000000000000" pitchFamily="2" charset="-79"/>
+              <a:cs typeface="Frank Ruhl Libre" panose="00000500000000000000" pitchFamily="2" charset="-79"/>
             </a:rPr>
             <a:t>Output:</a:t>
           </a:r>
           <a:br>
             <a:rPr lang="en-IN" sz="1200" b="1" kern="1200" dirty="0">
-              <a:latin typeface="Frank Ruhl Hofshi" panose="00000500000000000000" pitchFamily="50" charset="-79"/>
-              <a:cs typeface="Frank Ruhl Hofshi" panose="00000500000000000000" pitchFamily="50" charset="-79"/>
+              <a:latin typeface="Frank Ruhl Libre" panose="00000500000000000000" pitchFamily="2" charset="-79"/>
+              <a:cs typeface="Frank Ruhl Libre" panose="00000500000000000000" pitchFamily="2" charset="-79"/>
             </a:rPr>
           </a:br>
           <a:r>
             <a:rPr lang="en-IN" sz="1200" b="1" kern="1200" dirty="0">
-              <a:latin typeface="Frank Ruhl Hofshi" panose="00000500000000000000" pitchFamily="50" charset="-79"/>
-              <a:cs typeface="Frank Ruhl Hofshi" panose="00000500000000000000" pitchFamily="50" charset="-79"/>
+              <a:latin typeface="Frank Ruhl Libre" panose="00000500000000000000" pitchFamily="2" charset="-79"/>
+              <a:cs typeface="Frank Ruhl Libre" panose="00000500000000000000" pitchFamily="2" charset="-79"/>
             </a:rPr>
             <a:t>Category (1000 in the ImageNet Database)</a:t>
           </a:r>
-          <a:endParaRPr lang="en-IN" sz="1200" b="1" kern="1200" dirty="0"/>
         </a:p>
       </dsp:txBody>
       <dsp:txXfrm>
@@ -4887,12 +4876,11 @@
           </a:pPr>
           <a:r>
             <a:rPr lang="en-IN" sz="1200" kern="1200" dirty="0">
-              <a:latin typeface="Frank Ruhl Hofshi" panose="00000500000000000000" pitchFamily="50" charset="-79"/>
-              <a:cs typeface="Frank Ruhl Hofshi" panose="00000500000000000000" pitchFamily="50" charset="-79"/>
+              <a:latin typeface="Frank Ruhl Libre" panose="00000500000000000000" pitchFamily="2" charset="-79"/>
+              <a:cs typeface="Frank Ruhl Libre" panose="00000500000000000000" pitchFamily="2" charset="-79"/>
             </a:rPr>
             <a:t>2 ConvNets with 64 filters and ReLU Activation Function; Output is MaxPooled</a:t>
           </a:r>
-          <a:endParaRPr lang="en-IN" sz="1200" kern="1200" dirty="0"/>
         </a:p>
       </dsp:txBody>
       <dsp:txXfrm>
@@ -4955,8 +4943,8 @@
           </a:pPr>
           <a:r>
             <a:rPr lang="en-IN" sz="1200" kern="1200" dirty="0">
-              <a:latin typeface="Frank Ruhl Hofshi" panose="00000500000000000000" pitchFamily="50" charset="-79"/>
-              <a:cs typeface="Frank Ruhl Hofshi" panose="00000500000000000000" pitchFamily="50" charset="-79"/>
+              <a:latin typeface="Frank Ruhl Libre" panose="00000500000000000000" pitchFamily="2" charset="-79"/>
+              <a:cs typeface="Frank Ruhl Libre" panose="00000500000000000000" pitchFamily="2" charset="-79"/>
             </a:rPr>
             <a:t>2 ConvNets with 128 filters and ReLU Activation Function; Output is MaxPooled</a:t>
           </a:r>
@@ -5022,8 +5010,8 @@
           </a:pPr>
           <a:r>
             <a:rPr lang="en-IN" sz="1200" kern="1200" dirty="0">
-              <a:latin typeface="Frank Ruhl Hofshi" panose="00000500000000000000" pitchFamily="50" charset="-79"/>
-              <a:cs typeface="Frank Ruhl Hofshi" panose="00000500000000000000" pitchFamily="50" charset="-79"/>
+              <a:latin typeface="Frank Ruhl Libre" panose="00000500000000000000" pitchFamily="2" charset="-79"/>
+              <a:cs typeface="Frank Ruhl Libre" panose="00000500000000000000" pitchFamily="2" charset="-79"/>
             </a:rPr>
             <a:t>3 ConvNets with 256 filters and ReLU Activation Function; Output is MaxPooled</a:t>
           </a:r>
@@ -5089,8 +5077,8 @@
           </a:pPr>
           <a:r>
             <a:rPr lang="en-IN" sz="1200" kern="1200" dirty="0">
-              <a:latin typeface="Frank Ruhl Hofshi" panose="00000500000000000000" pitchFamily="50" charset="-79"/>
-              <a:cs typeface="Frank Ruhl Hofshi" panose="00000500000000000000" pitchFamily="50" charset="-79"/>
+              <a:latin typeface="Frank Ruhl Libre" panose="00000500000000000000" pitchFamily="2" charset="-79"/>
+              <a:cs typeface="Frank Ruhl Libre" panose="00000500000000000000" pitchFamily="2" charset="-79"/>
             </a:rPr>
             <a:t>3 ConvNets with 512 filters and ReLU Activation Function; Output is MaxPooled</a:t>
           </a:r>
@@ -5156,8 +5144,8 @@
           </a:pPr>
           <a:r>
             <a:rPr lang="en-IN" sz="1200" kern="1200" dirty="0">
-              <a:latin typeface="Frank Ruhl Hofshi" panose="00000500000000000000" pitchFamily="50" charset="-79"/>
-              <a:cs typeface="Frank Ruhl Hofshi" panose="00000500000000000000" pitchFamily="50" charset="-79"/>
+              <a:latin typeface="Frank Ruhl Libre" panose="00000500000000000000" pitchFamily="2" charset="-79"/>
+              <a:cs typeface="Frank Ruhl Libre" panose="00000500000000000000" pitchFamily="2" charset="-79"/>
             </a:rPr>
             <a:t>3 ConvNets with 512 filters and ReLU Activation Function; Output is MaxPooled</a:t>
           </a:r>
@@ -5223,8 +5211,8 @@
           </a:pPr>
           <a:r>
             <a:rPr lang="en-IN" sz="1200" kern="1200" dirty="0">
-              <a:latin typeface="Frank Ruhl Hofshi" panose="00000500000000000000" pitchFamily="50" charset="-79"/>
-              <a:cs typeface="Frank Ruhl Hofshi" panose="00000500000000000000" pitchFamily="50" charset="-79"/>
+              <a:latin typeface="Frank Ruhl Libre" panose="00000500000000000000" pitchFamily="2" charset="-79"/>
+              <a:cs typeface="Frank Ruhl Libre" panose="00000500000000000000" pitchFamily="2" charset="-79"/>
             </a:rPr>
             <a:t>2 Dense Neural Nets with 4096 units and ReLU Activation Function</a:t>
           </a:r>
@@ -5290,8 +5278,8 @@
           </a:pPr>
           <a:r>
             <a:rPr lang="en-IN" sz="1200" kern="1200" dirty="0">
-              <a:latin typeface="Frank Ruhl Hofshi" panose="00000500000000000000" pitchFamily="50" charset="-79"/>
-              <a:cs typeface="Frank Ruhl Hofshi" panose="00000500000000000000" pitchFamily="50" charset="-79"/>
+              <a:latin typeface="Frank Ruhl Libre" panose="00000500000000000000" pitchFamily="2" charset="-79"/>
+              <a:cs typeface="Frank Ruhl Libre" panose="00000500000000000000" pitchFamily="2" charset="-79"/>
             </a:rPr>
             <a:t>1 Dense Neural Net with 1000 units and SoftMax Activation Function</a:t>
           </a:r>
@@ -11894,8 +11882,8 @@
           <a:p>
             <a:r>
               <a:rPr lang="en-US" b="1" dirty="0">
-                <a:latin typeface="Frank Ruhl Hofshi" panose="00000500000000000000" pitchFamily="50" charset="-79"/>
-                <a:cs typeface="Frank Ruhl Hofshi" panose="00000500000000000000" pitchFamily="50" charset="-79"/>
+                <a:latin typeface="Frank Ruhl Libre" panose="00000500000000000000" pitchFamily="2" charset="-79"/>
+                <a:cs typeface="Frank Ruhl Libre" panose="00000500000000000000" pitchFamily="2" charset="-79"/>
               </a:rPr>
               <a:t>Project by</a:t>
             </a:r>
@@ -11903,8 +11891,8 @@
           <a:p>
             <a:r>
               <a:rPr lang="en-US" dirty="0">
-                <a:latin typeface="Frank Ruhl Hofshi" panose="00000500000000000000" pitchFamily="50" charset="-79"/>
-                <a:cs typeface="Frank Ruhl Hofshi" panose="00000500000000000000" pitchFamily="50" charset="-79"/>
+                <a:latin typeface="Frank Ruhl Libre" panose="00000500000000000000" pitchFamily="2" charset="-79"/>
+                <a:cs typeface="Frank Ruhl Libre" panose="00000500000000000000" pitchFamily="2" charset="-79"/>
               </a:rPr>
               <a:t>Souporno Ghosh</a:t>
             </a:r>
@@ -11912,28 +11900,28 @@
           <a:p>
             <a:r>
               <a:rPr lang="en-US" dirty="0">
-                <a:latin typeface="Frank Ruhl Hofshi" panose="00000500000000000000" pitchFamily="50" charset="-79"/>
-                <a:cs typeface="Frank Ruhl Hofshi" panose="00000500000000000000" pitchFamily="50" charset="-79"/>
+                <a:latin typeface="Frank Ruhl Libre" panose="00000500000000000000" pitchFamily="2" charset="-79"/>
+                <a:cs typeface="Frank Ruhl Libre" panose="00000500000000000000" pitchFamily="2" charset="-79"/>
               </a:rPr>
               <a:t>Soumya </a:t>
             </a:r>
             <a:r>
               <a:rPr lang="en-US" dirty="0" err="1">
-                <a:latin typeface="Frank Ruhl Hofshi" panose="00000500000000000000" pitchFamily="50" charset="-79"/>
-                <a:cs typeface="Frank Ruhl Hofshi" panose="00000500000000000000" pitchFamily="50" charset="-79"/>
+                <a:latin typeface="Frank Ruhl Libre" panose="00000500000000000000" pitchFamily="2" charset="-79"/>
+                <a:cs typeface="Frank Ruhl Libre" panose="00000500000000000000" pitchFamily="2" charset="-79"/>
               </a:rPr>
               <a:t>Nasipuri</a:t>
             </a:r>
             <a:endParaRPr lang="en-US" dirty="0">
-              <a:latin typeface="Frank Ruhl Hofshi" panose="00000500000000000000" pitchFamily="50" charset="-79"/>
-              <a:cs typeface="Frank Ruhl Hofshi" panose="00000500000000000000" pitchFamily="50" charset="-79"/>
+              <a:latin typeface="Frank Ruhl Libre" panose="00000500000000000000" pitchFamily="2" charset="-79"/>
+              <a:cs typeface="Frank Ruhl Libre" panose="00000500000000000000" pitchFamily="2" charset="-79"/>
             </a:endParaRPr>
           </a:p>
           <a:p>
             <a:r>
               <a:rPr lang="en-US" dirty="0">
-                <a:latin typeface="Frank Ruhl Hofshi" panose="00000500000000000000" pitchFamily="50" charset="-79"/>
-                <a:cs typeface="Frank Ruhl Hofshi" panose="00000500000000000000" pitchFamily="50" charset="-79"/>
+                <a:latin typeface="Frank Ruhl Libre" panose="00000500000000000000" pitchFamily="2" charset="-79"/>
+                <a:cs typeface="Frank Ruhl Libre" panose="00000500000000000000" pitchFamily="2" charset="-79"/>
               </a:rPr>
               <a:t>Rahul Roy</a:t>
             </a:r>
@@ -11941,35 +11929,35 @@
           <a:p>
             <a:r>
               <a:rPr lang="en-US" dirty="0" err="1">
-                <a:latin typeface="Frank Ruhl Hofshi" panose="00000500000000000000" pitchFamily="50" charset="-79"/>
-                <a:cs typeface="Frank Ruhl Hofshi" panose="00000500000000000000" pitchFamily="50" charset="-79"/>
+                <a:latin typeface="Frank Ruhl Libre" panose="00000500000000000000" pitchFamily="2" charset="-79"/>
+                <a:cs typeface="Frank Ruhl Libre" panose="00000500000000000000" pitchFamily="2" charset="-79"/>
               </a:rPr>
               <a:t>Sharanya</a:t>
             </a:r>
             <a:r>
               <a:rPr lang="en-US" dirty="0">
-                <a:latin typeface="Frank Ruhl Hofshi" panose="00000500000000000000" pitchFamily="50" charset="-79"/>
-                <a:cs typeface="Frank Ruhl Hofshi" panose="00000500000000000000" pitchFamily="50" charset="-79"/>
+                <a:latin typeface="Frank Ruhl Libre" panose="00000500000000000000" pitchFamily="2" charset="-79"/>
+                <a:cs typeface="Frank Ruhl Libre" panose="00000500000000000000" pitchFamily="2" charset="-79"/>
               </a:rPr>
               <a:t> </a:t>
             </a:r>
             <a:r>
               <a:rPr lang="en-US" dirty="0" err="1">
-                <a:latin typeface="Frank Ruhl Hofshi" panose="00000500000000000000" pitchFamily="50" charset="-79"/>
-                <a:cs typeface="Frank Ruhl Hofshi" panose="00000500000000000000" pitchFamily="50" charset="-79"/>
+                <a:latin typeface="Frank Ruhl Libre" panose="00000500000000000000" pitchFamily="2" charset="-79"/>
+                <a:cs typeface="Frank Ruhl Libre" panose="00000500000000000000" pitchFamily="2" charset="-79"/>
               </a:rPr>
               <a:t>Saha</a:t>
             </a:r>
             <a:endParaRPr lang="en-US" dirty="0">
-              <a:latin typeface="Frank Ruhl Hofshi" panose="00000500000000000000" pitchFamily="50" charset="-79"/>
-              <a:cs typeface="Frank Ruhl Hofshi" panose="00000500000000000000" pitchFamily="50" charset="-79"/>
+              <a:latin typeface="Frank Ruhl Libre" panose="00000500000000000000" pitchFamily="2" charset="-79"/>
+              <a:cs typeface="Frank Ruhl Libre" panose="00000500000000000000" pitchFamily="2" charset="-79"/>
             </a:endParaRPr>
           </a:p>
           <a:p>
             <a:r>
               <a:rPr lang="en-US" b="1" dirty="0">
-                <a:latin typeface="Frank Ruhl Hofshi" panose="00000500000000000000" pitchFamily="50" charset="-79"/>
-                <a:cs typeface="Frank Ruhl Hofshi" panose="00000500000000000000" pitchFamily="50" charset="-79"/>
+                <a:latin typeface="Frank Ruhl Libre" panose="00000500000000000000" pitchFamily="2" charset="-79"/>
+                <a:cs typeface="Frank Ruhl Libre" panose="00000500000000000000" pitchFamily="2" charset="-79"/>
               </a:rPr>
               <a:t>Under the Guidance of</a:t>
             </a:r>
@@ -11977,14 +11965,14 @@
           <a:p>
             <a:r>
               <a:rPr lang="en-US" dirty="0">
-                <a:latin typeface="Frank Ruhl Hofshi" panose="00000500000000000000" pitchFamily="50" charset="-79"/>
-                <a:cs typeface="Frank Ruhl Hofshi" panose="00000500000000000000" pitchFamily="50" charset="-79"/>
+                <a:latin typeface="Frank Ruhl Libre" panose="00000500000000000000" pitchFamily="2" charset="-79"/>
+                <a:cs typeface="Frank Ruhl Libre" panose="00000500000000000000" pitchFamily="2" charset="-79"/>
               </a:rPr>
               <a:t>Prof. Jaya Paul</a:t>
             </a:r>
             <a:endParaRPr lang="en-IN" dirty="0">
-              <a:latin typeface="Frank Ruhl Hofshi" panose="00000500000000000000" pitchFamily="50" charset="-79"/>
-              <a:cs typeface="Frank Ruhl Hofshi" panose="00000500000000000000" pitchFamily="50" charset="-79"/>
+              <a:latin typeface="Frank Ruhl Libre" panose="00000500000000000000" pitchFamily="2" charset="-79"/>
+              <a:cs typeface="Frank Ruhl Libre" panose="00000500000000000000" pitchFamily="2" charset="-79"/>
             </a:endParaRPr>
           </a:p>
         </p:txBody>
@@ -12356,8 +12344,8 @@
           <a:p>
             <a:r>
               <a:rPr lang="en-US" dirty="0">
-                <a:latin typeface="Frank Ruhl Hofshi" panose="00000500000000000000" pitchFamily="50" charset="-79"/>
-                <a:cs typeface="Frank Ruhl Hofshi" panose="00000500000000000000" pitchFamily="50" charset="-79"/>
+                <a:latin typeface="Frank Ruhl Libre" panose="00000500000000000000" pitchFamily="2" charset="-79"/>
+                <a:cs typeface="Frank Ruhl Libre" panose="00000500000000000000" pitchFamily="2" charset="-79"/>
               </a:rPr>
               <a:t>Writer verification</a:t>
             </a:r>
@@ -12365,8 +12353,8 @@
           <a:p>
             <a:r>
               <a:rPr lang="en-US" dirty="0">
-                <a:latin typeface="Frank Ruhl Hofshi" panose="00000500000000000000" pitchFamily="50" charset="-79"/>
-                <a:cs typeface="Frank Ruhl Hofshi" panose="00000500000000000000" pitchFamily="50" charset="-79"/>
+                <a:latin typeface="Frank Ruhl Libre" panose="00000500000000000000" pitchFamily="2" charset="-79"/>
+                <a:cs typeface="Frank Ruhl Libre" panose="00000500000000000000" pitchFamily="2" charset="-79"/>
               </a:rPr>
               <a:t>Percentage of Similarities with the author</a:t>
             </a:r>
@@ -12374,14 +12362,17 @@
           <a:p>
             <a:r>
               <a:rPr lang="en-IN" dirty="0">
-                <a:latin typeface="Frank Ruhl Hofshi" panose="00000500000000000000" pitchFamily="50" charset="-79"/>
-                <a:cs typeface="Frank Ruhl Hofshi" panose="00000500000000000000" pitchFamily="50" charset="-79"/>
+                <a:latin typeface="Frank Ruhl Libre" panose="00000500000000000000" pitchFamily="2" charset="-79"/>
+                <a:cs typeface="Frank Ruhl Libre" panose="00000500000000000000" pitchFamily="2" charset="-79"/>
               </a:rPr>
               <a:t>Unique Dataset with 121 volunteers</a:t>
             </a:r>
           </a:p>
           <a:p>
-            <a:endParaRPr lang="en-IN" dirty="0"/>
+            <a:endParaRPr lang="en-IN" dirty="0">
+              <a:latin typeface="Frank Ruhl Libre" panose="00000500000000000000" pitchFamily="2" charset="-79"/>
+              <a:cs typeface="Frank Ruhl Libre" panose="00000500000000000000" pitchFamily="2" charset="-79"/>
+            </a:endParaRPr>
           </a:p>
         </p:txBody>
       </p:sp>
@@ -12648,8 +12639,8 @@
           <a:p>
             <a:r>
               <a:rPr lang="en-US" dirty="0">
-                <a:latin typeface="Frank Ruhl Hofshi" panose="00000500000000000000" pitchFamily="50" charset="-79"/>
-                <a:cs typeface="Frank Ruhl Hofshi" panose="00000500000000000000" pitchFamily="50" charset="-79"/>
+                <a:latin typeface="Frank Ruhl Libre" panose="00000500000000000000" pitchFamily="2" charset="-79"/>
+                <a:cs typeface="Frank Ruhl Libre" panose="00000500000000000000" pitchFamily="2" charset="-79"/>
               </a:rPr>
               <a:t>121 volunteers</a:t>
             </a:r>
@@ -12657,8 +12648,8 @@
           <a:p>
             <a:r>
               <a:rPr lang="en-US" dirty="0">
-                <a:latin typeface="Frank Ruhl Hofshi" panose="00000500000000000000" pitchFamily="50" charset="-79"/>
-                <a:cs typeface="Frank Ruhl Hofshi" panose="00000500000000000000" pitchFamily="50" charset="-79"/>
+                <a:latin typeface="Frank Ruhl Libre" panose="00000500000000000000" pitchFamily="2" charset="-79"/>
+                <a:cs typeface="Frank Ruhl Libre" panose="00000500000000000000" pitchFamily="2" charset="-79"/>
               </a:rPr>
               <a:t>3 Language: English, Hindi, Bangla</a:t>
             </a:r>
@@ -12666,8 +12657,8 @@
           <a:p>
             <a:r>
               <a:rPr lang="en-US" dirty="0">
-                <a:latin typeface="Frank Ruhl Hofshi" panose="00000500000000000000" pitchFamily="50" charset="-79"/>
-                <a:cs typeface="Frank Ruhl Hofshi" panose="00000500000000000000" pitchFamily="50" charset="-79"/>
+                <a:latin typeface="Frank Ruhl Libre" panose="00000500000000000000" pitchFamily="2" charset="-79"/>
+                <a:cs typeface="Frank Ruhl Libre" panose="00000500000000000000" pitchFamily="2" charset="-79"/>
               </a:rPr>
               <a:t>Handwritten Passage</a:t>
             </a:r>
@@ -12675,8 +12666,8 @@
           <a:p>
             <a:r>
               <a:rPr lang="en-US" dirty="0">
-                <a:latin typeface="Frank Ruhl Hofshi" panose="00000500000000000000" pitchFamily="50" charset="-79"/>
-                <a:cs typeface="Frank Ruhl Hofshi" panose="00000500000000000000" pitchFamily="50" charset="-79"/>
+                <a:latin typeface="Frank Ruhl Libre" panose="00000500000000000000" pitchFamily="2" charset="-79"/>
+                <a:cs typeface="Frank Ruhl Libre" panose="00000500000000000000" pitchFamily="2" charset="-79"/>
               </a:rPr>
               <a:t>Passages scanned into images</a:t>
             </a:r>
@@ -12684,14 +12675,17 @@
           <a:p>
             <a:r>
               <a:rPr lang="en-US" dirty="0">
-                <a:latin typeface="Frank Ruhl Hofshi" panose="00000500000000000000" pitchFamily="50" charset="-79"/>
-                <a:cs typeface="Frank Ruhl Hofshi" panose="00000500000000000000" pitchFamily="50" charset="-79"/>
+                <a:latin typeface="Frank Ruhl Libre" panose="00000500000000000000" pitchFamily="2" charset="-79"/>
+                <a:cs typeface="Frank Ruhl Libre" panose="00000500000000000000" pitchFamily="2" charset="-79"/>
               </a:rPr>
               <a:t>Bangla Text only in our project</a:t>
             </a:r>
           </a:p>
           <a:p>
-            <a:endParaRPr lang="en-US" dirty="0"/>
+            <a:endParaRPr lang="en-US" dirty="0">
+              <a:latin typeface="Frank Ruhl Libre" panose="00000500000000000000" pitchFamily="2" charset="-79"/>
+              <a:cs typeface="Frank Ruhl Libre" panose="00000500000000000000" pitchFamily="2" charset="-79"/>
+            </a:endParaRPr>
           </a:p>
         </p:txBody>
       </p:sp>
@@ -13066,16 +13060,16 @@
           <a:p>
             <a:r>
               <a:rPr lang="en-US" dirty="0">
-                <a:latin typeface="Frank Ruhl Hofshi" panose="00000500000000000000" pitchFamily="50" charset="-79"/>
-                <a:cs typeface="Frank Ruhl Hofshi" panose="00000500000000000000" pitchFamily="50" charset="-79"/>
+                <a:latin typeface="Frank Ruhl Libre" panose="00000500000000000000" pitchFamily="2" charset="-79"/>
+                <a:cs typeface="Frank Ruhl Libre" panose="00000500000000000000" pitchFamily="2" charset="-79"/>
               </a:rPr>
               <a:t>Data Segmented into Word-Sized Images</a:t>
             </a:r>
           </a:p>
           <a:p>
             <a:endParaRPr lang="en-US" dirty="0">
-              <a:latin typeface="Frank Ruhl Hofshi" panose="00000500000000000000" pitchFamily="50" charset="-79"/>
-              <a:cs typeface="Frank Ruhl Hofshi" panose="00000500000000000000" pitchFamily="50" charset="-79"/>
+              <a:latin typeface="Frank Ruhl Libre" panose="00000500000000000000" pitchFamily="2" charset="-79"/>
+              <a:cs typeface="Frank Ruhl Libre" panose="00000500000000000000" pitchFamily="2" charset="-79"/>
             </a:endParaRPr>
           </a:p>
           <a:p>
@@ -13084,15 +13078,15 @@
             </a:pPr>
             <a:r>
               <a:rPr lang="en-US" b="1" dirty="0">
-                <a:latin typeface="Frank Ruhl Hofshi" panose="00000500000000000000" pitchFamily="50" charset="-79"/>
-                <a:cs typeface="Frank Ruhl Hofshi" panose="00000500000000000000" pitchFamily="50" charset="-79"/>
+                <a:latin typeface="Frank Ruhl Libre" panose="00000500000000000000" pitchFamily="2" charset="-79"/>
+                <a:cs typeface="Frank Ruhl Libre" panose="00000500000000000000" pitchFamily="2" charset="-79"/>
               </a:rPr>
               <a:t>Folder </a:t>
             </a:r>
             <a:r>
               <a:rPr lang="en-IN" b="1" dirty="0">
-                <a:latin typeface="Frank Ruhl Hofshi" panose="00000500000000000000" pitchFamily="50" charset="-79"/>
-                <a:cs typeface="Frank Ruhl Hofshi" panose="00000500000000000000" pitchFamily="50" charset="-79"/>
+                <a:latin typeface="Frank Ruhl Libre" panose="00000500000000000000" pitchFamily="2" charset="-79"/>
+                <a:cs typeface="Frank Ruhl Libre" panose="00000500000000000000" pitchFamily="2" charset="-79"/>
               </a:rPr>
               <a:t>Organisation</a:t>
             </a:r>
@@ -13102,15 +13096,15 @@
               <a:buNone/>
             </a:pPr>
             <a:endParaRPr lang="en-US" b="1" dirty="0">
-              <a:latin typeface="Frank Ruhl Hofshi" panose="00000500000000000000" pitchFamily="50" charset="-79"/>
-              <a:cs typeface="Frank Ruhl Hofshi" panose="00000500000000000000" pitchFamily="50" charset="-79"/>
+              <a:latin typeface="Frank Ruhl Libre" panose="00000500000000000000" pitchFamily="2" charset="-79"/>
+              <a:cs typeface="Frank Ruhl Libre" panose="00000500000000000000" pitchFamily="2" charset="-79"/>
             </a:endParaRPr>
           </a:p>
           <a:p>
             <a:r>
               <a:rPr lang="en-US" dirty="0">
-                <a:latin typeface="Frank Ruhl Hofshi" panose="00000500000000000000" pitchFamily="50" charset="-79"/>
-                <a:cs typeface="Frank Ruhl Hofshi" panose="00000500000000000000" pitchFamily="50" charset="-79"/>
+                <a:latin typeface="Frank Ruhl Libre" panose="00000500000000000000" pitchFamily="2" charset="-79"/>
+                <a:cs typeface="Frank Ruhl Libre" panose="00000500000000000000" pitchFamily="2" charset="-79"/>
               </a:rPr>
               <a:t>Each Dataset has 20 Folders</a:t>
             </a:r>
@@ -13118,8 +13112,8 @@
           <a:p>
             <a:r>
               <a:rPr lang="en-US" dirty="0">
-                <a:latin typeface="Frank Ruhl Hofshi" panose="00000500000000000000" pitchFamily="50" charset="-79"/>
-                <a:cs typeface="Frank Ruhl Hofshi" panose="00000500000000000000" pitchFamily="50" charset="-79"/>
+                <a:latin typeface="Frank Ruhl Libre" panose="00000500000000000000" pitchFamily="2" charset="-79"/>
+                <a:cs typeface="Frank Ruhl Libre" panose="00000500000000000000" pitchFamily="2" charset="-79"/>
               </a:rPr>
               <a:t>Every Folder has Data for 2 Authors</a:t>
             </a:r>
@@ -13127,8 +13121,8 @@
           <a:p>
             <a:r>
               <a:rPr lang="en-US" dirty="0">
-                <a:latin typeface="Frank Ruhl Hofshi" panose="00000500000000000000" pitchFamily="50" charset="-79"/>
-                <a:cs typeface="Frank Ruhl Hofshi" panose="00000500000000000000" pitchFamily="50" charset="-79"/>
+                <a:latin typeface="Frank Ruhl Libre" panose="00000500000000000000" pitchFamily="2" charset="-79"/>
+                <a:cs typeface="Frank Ruhl Libre" panose="00000500000000000000" pitchFamily="2" charset="-79"/>
               </a:rPr>
               <a:t>5 Sets of Data for Each Author Pair</a:t>
             </a:r>
@@ -13136,8 +13130,8 @@
           <a:p>
             <a:r>
               <a:rPr lang="en-US" dirty="0">
-                <a:latin typeface="Frank Ruhl Hofshi" panose="00000500000000000000" pitchFamily="50" charset="-79"/>
-                <a:cs typeface="Frank Ruhl Hofshi" panose="00000500000000000000" pitchFamily="50" charset="-79"/>
+                <a:latin typeface="Frank Ruhl Libre" panose="00000500000000000000" pitchFamily="2" charset="-79"/>
+                <a:cs typeface="Frank Ruhl Libre" panose="00000500000000000000" pitchFamily="2" charset="-79"/>
               </a:rPr>
               <a:t>3 Training Sets and 2 Testing Sets</a:t>
             </a:r>
@@ -13145,8 +13139,8 @@
           <a:p>
             <a:r>
               <a:rPr lang="en-US" dirty="0">
-                <a:latin typeface="Frank Ruhl Hofshi" panose="00000500000000000000" pitchFamily="50" charset="-79"/>
-                <a:cs typeface="Frank Ruhl Hofshi" panose="00000500000000000000" pitchFamily="50" charset="-79"/>
+                <a:latin typeface="Frank Ruhl Libre" panose="00000500000000000000" pitchFamily="2" charset="-79"/>
+                <a:cs typeface="Frank Ruhl Libre" panose="00000500000000000000" pitchFamily="2" charset="-79"/>
               </a:rPr>
               <a:t>Tag Image File Format</a:t>
             </a:r>
@@ -13154,8 +13148,8 @@
           <a:p>
             <a:r>
               <a:rPr lang="en-US" dirty="0">
-                <a:latin typeface="Frank Ruhl Hofshi" panose="00000500000000000000" pitchFamily="50" charset="-79"/>
-                <a:cs typeface="Frank Ruhl Hofshi" panose="00000500000000000000" pitchFamily="50" charset="-79"/>
+                <a:latin typeface="Frank Ruhl Libre" panose="00000500000000000000" pitchFamily="2" charset="-79"/>
+                <a:cs typeface="Frank Ruhl Libre" panose="00000500000000000000" pitchFamily="2" charset="-79"/>
               </a:rPr>
               <a:t>Format: &lt;Author Code&gt;_&lt;Set Number&gt;_&lt;Image Number&gt;</a:t>
             </a:r>
@@ -13163,23 +13157,35 @@
           <a:p>
             <a:r>
               <a:rPr lang="en-US" dirty="0">
-                <a:latin typeface="Frank Ruhl Hofshi" panose="00000500000000000000" pitchFamily="50" charset="-79"/>
-                <a:cs typeface="Frank Ruhl Hofshi" panose="00000500000000000000" pitchFamily="50" charset="-79"/>
+                <a:latin typeface="Frank Ruhl Libre" panose="00000500000000000000" pitchFamily="2" charset="-79"/>
+                <a:cs typeface="Frank Ruhl Libre" panose="00000500000000000000" pitchFamily="2" charset="-79"/>
               </a:rPr>
               <a:t>5 Data Sets in Total</a:t>
             </a:r>
           </a:p>
           <a:p>
-            <a:endParaRPr lang="en-US" dirty="0"/>
-          </a:p>
-          <a:p>
-            <a:endParaRPr lang="en-US" dirty="0"/>
-          </a:p>
-          <a:p>
-            <a:endParaRPr lang="en-US" dirty="0"/>
-          </a:p>
-          <a:p>
-            <a:endParaRPr lang="en-IN" dirty="0"/>
+            <a:endParaRPr lang="en-US" dirty="0">
+              <a:latin typeface="Frank Ruhl Libre" panose="00000500000000000000" pitchFamily="2" charset="-79"/>
+              <a:cs typeface="Frank Ruhl Libre" panose="00000500000000000000" pitchFamily="2" charset="-79"/>
+            </a:endParaRPr>
+          </a:p>
+          <a:p>
+            <a:endParaRPr lang="en-US" dirty="0">
+              <a:latin typeface="Frank Ruhl Libre" panose="00000500000000000000" pitchFamily="2" charset="-79"/>
+              <a:cs typeface="Frank Ruhl Libre" panose="00000500000000000000" pitchFamily="2" charset="-79"/>
+            </a:endParaRPr>
+          </a:p>
+          <a:p>
+            <a:endParaRPr lang="en-US" dirty="0">
+              <a:latin typeface="Frank Ruhl Libre" panose="00000500000000000000" pitchFamily="2" charset="-79"/>
+              <a:cs typeface="Frank Ruhl Libre" panose="00000500000000000000" pitchFamily="2" charset="-79"/>
+            </a:endParaRPr>
+          </a:p>
+          <a:p>
+            <a:endParaRPr lang="en-IN" dirty="0">
+              <a:latin typeface="Frank Ruhl Libre" panose="00000500000000000000" pitchFamily="2" charset="-79"/>
+              <a:cs typeface="Frank Ruhl Libre" panose="00000500000000000000" pitchFamily="2" charset="-79"/>
+            </a:endParaRPr>
           </a:p>
         </p:txBody>
       </p:sp>
@@ -13748,22 +13754,22 @@
           <a:p>
             <a:r>
               <a:rPr lang="en-US" dirty="0">
-                <a:latin typeface="Frank Ruhl Hofshi" panose="00000500000000000000" pitchFamily="50" charset="-79"/>
-                <a:cs typeface="Frank Ruhl Hofshi" panose="00000500000000000000" pitchFamily="50" charset="-79"/>
+                <a:latin typeface="Frank Ruhl Libre" panose="00000500000000000000" pitchFamily="2" charset="-79"/>
+                <a:cs typeface="Frank Ruhl Libre" panose="00000500000000000000" pitchFamily="2" charset="-79"/>
               </a:rPr>
               <a:t>Proposed by </a:t>
             </a:r>
             <a:r>
               <a:rPr lang="en-US" dirty="0" err="1">
-                <a:latin typeface="Frank Ruhl Hofshi" panose="00000500000000000000" pitchFamily="50" charset="-79"/>
-                <a:cs typeface="Frank Ruhl Hofshi" panose="00000500000000000000" pitchFamily="50" charset="-79"/>
+                <a:latin typeface="Frank Ruhl Libre" panose="00000500000000000000" pitchFamily="2" charset="-79"/>
+                <a:cs typeface="Frank Ruhl Libre" panose="00000500000000000000" pitchFamily="2" charset="-79"/>
               </a:rPr>
               <a:t>Simonyan</a:t>
             </a:r>
             <a:r>
               <a:rPr lang="en-US" dirty="0">
-                <a:latin typeface="Frank Ruhl Hofshi" panose="00000500000000000000" pitchFamily="50" charset="-79"/>
-                <a:cs typeface="Frank Ruhl Hofshi" panose="00000500000000000000" pitchFamily="50" charset="-79"/>
+                <a:latin typeface="Frank Ruhl Libre" panose="00000500000000000000" pitchFamily="2" charset="-79"/>
+                <a:cs typeface="Frank Ruhl Libre" panose="00000500000000000000" pitchFamily="2" charset="-79"/>
               </a:rPr>
               <a:t> and Zisserman in 2014</a:t>
             </a:r>
@@ -13771,8 +13777,8 @@
           <a:p>
             <a:r>
               <a:rPr lang="en-US" dirty="0">
-                <a:latin typeface="Frank Ruhl Hofshi" panose="00000500000000000000" pitchFamily="50" charset="-79"/>
-                <a:cs typeface="Frank Ruhl Hofshi" panose="00000500000000000000" pitchFamily="50" charset="-79"/>
+                <a:latin typeface="Frank Ruhl Libre" panose="00000500000000000000" pitchFamily="2" charset="-79"/>
+                <a:cs typeface="Frank Ruhl Libre" panose="00000500000000000000" pitchFamily="2" charset="-79"/>
               </a:rPr>
               <a:t>92.7% accuracy with the ImageNet Database</a:t>
             </a:r>
@@ -13780,36 +13786,36 @@
           <a:p>
             <a:r>
               <a:rPr lang="en-US" dirty="0">
-                <a:latin typeface="Frank Ruhl Hofshi" panose="00000500000000000000" pitchFamily="50" charset="-79"/>
-                <a:cs typeface="Frank Ruhl Hofshi" panose="00000500000000000000" pitchFamily="50" charset="-79"/>
+                <a:latin typeface="Frank Ruhl Libre" panose="00000500000000000000" pitchFamily="2" charset="-79"/>
+                <a:cs typeface="Frank Ruhl Libre" panose="00000500000000000000" pitchFamily="2" charset="-79"/>
               </a:rPr>
               <a:t>1</a:t>
             </a:r>
             <a:r>
               <a:rPr lang="en-US" baseline="30000" dirty="0">
-                <a:latin typeface="Frank Ruhl Hofshi" panose="00000500000000000000" pitchFamily="50" charset="-79"/>
-                <a:cs typeface="Frank Ruhl Hofshi" panose="00000500000000000000" pitchFamily="50" charset="-79"/>
+                <a:latin typeface="Frank Ruhl Libre" panose="00000500000000000000" pitchFamily="2" charset="-79"/>
+                <a:cs typeface="Frank Ruhl Libre" panose="00000500000000000000" pitchFamily="2" charset="-79"/>
               </a:rPr>
               <a:t>st</a:t>
             </a:r>
             <a:r>
               <a:rPr lang="en-US" dirty="0">
-                <a:latin typeface="Frank Ruhl Hofshi" panose="00000500000000000000" pitchFamily="50" charset="-79"/>
-                <a:cs typeface="Frank Ruhl Hofshi" panose="00000500000000000000" pitchFamily="50" charset="-79"/>
+                <a:latin typeface="Frank Ruhl Libre" panose="00000500000000000000" pitchFamily="2" charset="-79"/>
+                <a:cs typeface="Frank Ruhl Libre" panose="00000500000000000000" pitchFamily="2" charset="-79"/>
               </a:rPr>
               <a:t> and 2</a:t>
             </a:r>
             <a:r>
               <a:rPr lang="en-US" baseline="30000" dirty="0">
-                <a:latin typeface="Frank Ruhl Hofshi" panose="00000500000000000000" pitchFamily="50" charset="-79"/>
-                <a:cs typeface="Frank Ruhl Hofshi" panose="00000500000000000000" pitchFamily="50" charset="-79"/>
+                <a:latin typeface="Frank Ruhl Libre" panose="00000500000000000000" pitchFamily="2" charset="-79"/>
+                <a:cs typeface="Frank Ruhl Libre" panose="00000500000000000000" pitchFamily="2" charset="-79"/>
               </a:rPr>
               <a:t>nd</a:t>
             </a:r>
             <a:r>
               <a:rPr lang="en-US" dirty="0">
-                <a:latin typeface="Frank Ruhl Hofshi" panose="00000500000000000000" pitchFamily="50" charset="-79"/>
-                <a:cs typeface="Frank Ruhl Hofshi" panose="00000500000000000000" pitchFamily="50" charset="-79"/>
+                <a:latin typeface="Frank Ruhl Libre" panose="00000500000000000000" pitchFamily="2" charset="-79"/>
+                <a:cs typeface="Frank Ruhl Libre" panose="00000500000000000000" pitchFamily="2" charset="-79"/>
               </a:rPr>
               <a:t> place in ILSVRC 2014</a:t>
             </a:r>
@@ -13817,21 +13823,21 @@
           <a:p>
             <a:r>
               <a:rPr lang="en-US" dirty="0">
-                <a:latin typeface="Frank Ruhl Hofshi" panose="00000500000000000000" pitchFamily="50" charset="-79"/>
-                <a:cs typeface="Frank Ruhl Hofshi" panose="00000500000000000000" pitchFamily="50" charset="-79"/>
+                <a:latin typeface="Frank Ruhl Libre" panose="00000500000000000000" pitchFamily="2" charset="-79"/>
+                <a:cs typeface="Frank Ruhl Libre" panose="00000500000000000000" pitchFamily="2" charset="-79"/>
               </a:rPr>
               <a:t>VGG = Visual Geometry Group </a:t>
             </a:r>
             <a:endParaRPr lang="en-IN" dirty="0">
-              <a:latin typeface="Frank Ruhl Hofshi" panose="00000500000000000000" pitchFamily="50" charset="-79"/>
-              <a:cs typeface="Frank Ruhl Hofshi" panose="00000500000000000000" pitchFamily="50" charset="-79"/>
+              <a:latin typeface="Frank Ruhl Libre" panose="00000500000000000000" pitchFamily="2" charset="-79"/>
+              <a:cs typeface="Frank Ruhl Libre" panose="00000500000000000000" pitchFamily="2" charset="-79"/>
             </a:endParaRPr>
           </a:p>
           <a:p>
             <a:r>
               <a:rPr lang="en-IN" dirty="0">
-                <a:latin typeface="Frank Ruhl Hofshi" panose="00000500000000000000" pitchFamily="50" charset="-79"/>
-                <a:cs typeface="Frank Ruhl Hofshi" panose="00000500000000000000" pitchFamily="50" charset="-79"/>
+                <a:latin typeface="Frank Ruhl Libre" panose="00000500000000000000" pitchFamily="2" charset="-79"/>
+                <a:cs typeface="Frank Ruhl Libre" panose="00000500000000000000" pitchFamily="2" charset="-79"/>
               </a:rPr>
               <a:t>16 Neural Network Layers </a:t>
             </a:r>
@@ -13840,8 +13846,8 @@
             <a:pPr lvl="1"/>
             <a:r>
               <a:rPr lang="en-IN" dirty="0">
-                <a:latin typeface="Frank Ruhl Hofshi" panose="00000500000000000000" pitchFamily="50" charset="-79"/>
-                <a:cs typeface="Frank Ruhl Hofshi" panose="00000500000000000000" pitchFamily="50" charset="-79"/>
+                <a:latin typeface="Frank Ruhl Libre" panose="00000500000000000000" pitchFamily="2" charset="-79"/>
+                <a:cs typeface="Frank Ruhl Libre" panose="00000500000000000000" pitchFamily="2" charset="-79"/>
               </a:rPr>
               <a:t>13 Convolutional Networks</a:t>
             </a:r>
@@ -13850,8 +13856,8 @@
             <a:pPr lvl="1"/>
             <a:r>
               <a:rPr lang="en-IN" dirty="0">
-                <a:latin typeface="Frank Ruhl Hofshi" panose="00000500000000000000" pitchFamily="50" charset="-79"/>
-                <a:cs typeface="Frank Ruhl Hofshi" panose="00000500000000000000" pitchFamily="50" charset="-79"/>
+                <a:latin typeface="Frank Ruhl Libre" panose="00000500000000000000" pitchFamily="2" charset="-79"/>
+                <a:cs typeface="Frank Ruhl Libre" panose="00000500000000000000" pitchFamily="2" charset="-79"/>
               </a:rPr>
               <a:t>3 Dense Networks</a:t>
             </a:r>
@@ -13859,8 +13865,8 @@
           <a:p>
             <a:r>
               <a:rPr lang="en-IN" dirty="0">
-                <a:latin typeface="Frank Ruhl Hofshi" panose="00000500000000000000" pitchFamily="50" charset="-79"/>
-                <a:cs typeface="Frank Ruhl Hofshi" panose="00000500000000000000" pitchFamily="50" charset="-79"/>
+                <a:latin typeface="Frank Ruhl Libre" panose="00000500000000000000" pitchFamily="2" charset="-79"/>
+                <a:cs typeface="Frank Ruhl Libre" panose="00000500000000000000" pitchFamily="2" charset="-79"/>
               </a:rPr>
               <a:t>Takes 224 x 224 pixel Images with RGB as an Input</a:t>
             </a:r>
@@ -14360,8 +14366,8 @@
           <a:p>
             <a:r>
               <a:rPr lang="en-US" dirty="0">
-                <a:latin typeface="Frank Ruhl Hofshi" panose="00000500000000000000" pitchFamily="50" charset="-79"/>
-                <a:cs typeface="Frank Ruhl Hofshi" panose="00000500000000000000" pitchFamily="50" charset="-79"/>
+                <a:latin typeface="Frank Ruhl Libre" panose="00000500000000000000" pitchFamily="2" charset="-79"/>
+                <a:cs typeface="Frank Ruhl Libre" panose="00000500000000000000" pitchFamily="2" charset="-79"/>
               </a:rPr>
               <a:t>Slow to Train</a:t>
             </a:r>
@@ -14369,14 +14375,14 @@
           <a:p>
             <a:r>
               <a:rPr lang="en-US" dirty="0">
-                <a:latin typeface="Frank Ruhl Hofshi" panose="00000500000000000000" pitchFamily="50" charset="-79"/>
-                <a:cs typeface="Frank Ruhl Hofshi" panose="00000500000000000000" pitchFamily="50" charset="-79"/>
+                <a:latin typeface="Frank Ruhl Libre" panose="00000500000000000000" pitchFamily="2" charset="-79"/>
+                <a:cs typeface="Frank Ruhl Libre" panose="00000500000000000000" pitchFamily="2" charset="-79"/>
               </a:rPr>
               <a:t>Huge Weights</a:t>
             </a:r>
             <a:endParaRPr lang="en-IN" dirty="0">
-              <a:latin typeface="Frank Ruhl Hofshi" panose="00000500000000000000" pitchFamily="50" charset="-79"/>
-              <a:cs typeface="Frank Ruhl Hofshi" panose="00000500000000000000" pitchFamily="50" charset="-79"/>
+              <a:latin typeface="Frank Ruhl Libre" panose="00000500000000000000" pitchFamily="2" charset="-79"/>
+              <a:cs typeface="Frank Ruhl Libre" panose="00000500000000000000" pitchFamily="2" charset="-79"/>
             </a:endParaRPr>
           </a:p>
         </p:txBody>
@@ -14774,7 +14780,7 @@
             <p:ph idx="1"/>
             <p:extLst>
               <p:ext uri="{D42A27DB-BD31-4B8C-83A1-F6EECF244321}">
-                <p14:modId xmlns:p14="http://schemas.microsoft.com/office/powerpoint/2010/main" val="4244401937"/>
+                <p14:modId xmlns:p14="http://schemas.microsoft.com/office/powerpoint/2010/main" val="1617434689"/>
               </p:ext>
             </p:extLst>
           </p:nvPr>
@@ -15362,7 +15368,7 @@
             <p:ph idx="1"/>
             <p:extLst>
               <p:ext uri="{D42A27DB-BD31-4B8C-83A1-F6EECF244321}">
-                <p14:modId xmlns:p14="http://schemas.microsoft.com/office/powerpoint/2010/main" val="594212567"/>
+                <p14:modId xmlns:p14="http://schemas.microsoft.com/office/powerpoint/2010/main" val="1417299341"/>
               </p:ext>
             </p:extLst>
           </p:nvPr>
@@ -15953,8 +15959,8 @@
           <a:p>
             <a:r>
               <a:rPr lang="en-US" dirty="0">
-                <a:latin typeface="Frank Ruhl Hofshi" panose="00000500000000000000" pitchFamily="50" charset="-79"/>
-                <a:cs typeface="Frank Ruhl Hofshi" panose="00000500000000000000" pitchFamily="50" charset="-79"/>
+                <a:latin typeface="Frank Ruhl Libre" panose="00000500000000000000" pitchFamily="2" charset="-79"/>
+                <a:cs typeface="Frank Ruhl Libre" panose="00000500000000000000" pitchFamily="2" charset="-79"/>
               </a:rPr>
               <a:t>1 x 7 x 7 x 512</a:t>
             </a:r>
@@ -15962,8 +15968,8 @@
           <a:p>
             <a:r>
               <a:rPr lang="en-US" dirty="0">
-                <a:latin typeface="Frank Ruhl Hofshi" panose="00000500000000000000" pitchFamily="50" charset="-79"/>
-                <a:cs typeface="Frank Ruhl Hofshi" panose="00000500000000000000" pitchFamily="50" charset="-79"/>
+                <a:latin typeface="Frank Ruhl Libre" panose="00000500000000000000" pitchFamily="2" charset="-79"/>
+                <a:cs typeface="Frank Ruhl Libre" panose="00000500000000000000" pitchFamily="2" charset="-79"/>
               </a:rPr>
               <a:t>Flattened</a:t>
             </a:r>
@@ -15972,22 +15978,25 @@
             <a:r>
               <a:rPr lang="en-IN" dirty="0">
                 <a:effectLst/>
-                <a:latin typeface="Frank Ruhl Hofshi" panose="00000500000000000000" pitchFamily="50" charset="-79"/>
+                <a:latin typeface="Frank Ruhl Libre" panose="00000500000000000000" pitchFamily="2" charset="-79"/>
                 <a:ea typeface="Times New Roman" panose="02020603050405020304" pitchFamily="18" charset="0"/>
-                <a:cs typeface="Frank Ruhl Hofshi" panose="00000500000000000000" pitchFamily="50" charset="-79"/>
+                <a:cs typeface="Frank Ruhl Libre" panose="00000500000000000000" pitchFamily="2" charset="-79"/>
               </a:rPr>
               <a:t>25088 x 1</a:t>
             </a:r>
             <a:r>
               <a:rPr lang="en-US" dirty="0">
-                <a:latin typeface="Frank Ruhl Hofshi" panose="00000500000000000000" pitchFamily="50" charset="-79"/>
-                <a:cs typeface="Frank Ruhl Hofshi" panose="00000500000000000000" pitchFamily="50" charset="-79"/>
+                <a:latin typeface="Frank Ruhl Libre" panose="00000500000000000000" pitchFamily="2" charset="-79"/>
+                <a:cs typeface="Frank Ruhl Libre" panose="00000500000000000000" pitchFamily="2" charset="-79"/>
               </a:rPr>
               <a:t> </a:t>
             </a:r>
           </a:p>
           <a:p>
-            <a:endParaRPr lang="en-IN" dirty="0"/>
+            <a:endParaRPr lang="en-IN" dirty="0">
+              <a:latin typeface="Frank Ruhl Libre" panose="00000500000000000000" pitchFamily="2" charset="-79"/>
+              <a:cs typeface="Frank Ruhl Libre" panose="00000500000000000000" pitchFamily="2" charset="-79"/>
+            </a:endParaRPr>
           </a:p>
         </p:txBody>
       </p:sp>
@@ -16332,8 +16341,8 @@
           <a:p>
             <a:r>
               <a:rPr lang="en-US" dirty="0">
-                <a:latin typeface="Frank Ruhl Hofshi" panose="00000500000000000000" pitchFamily="50" charset="-79"/>
-                <a:cs typeface="Frank Ruhl Hofshi" panose="00000500000000000000" pitchFamily="50" charset="-79"/>
+                <a:latin typeface="Frank Ruhl Libre" panose="00000500000000000000" pitchFamily="2" charset="-79"/>
+                <a:cs typeface="Frank Ruhl Libre" panose="00000500000000000000" pitchFamily="2" charset="-79"/>
               </a:rPr>
               <a:t>Loop through all the training and test sets to extract features</a:t>
             </a:r>
@@ -16341,8 +16350,8 @@
           <a:p>
             <a:r>
               <a:rPr lang="en-US" dirty="0">
-                <a:latin typeface="Frank Ruhl Hofshi" panose="00000500000000000000" pitchFamily="50" charset="-79"/>
-                <a:cs typeface="Frank Ruhl Hofshi" panose="00000500000000000000" pitchFamily="50" charset="-79"/>
+                <a:latin typeface="Frank Ruhl Libre" panose="00000500000000000000" pitchFamily="2" charset="-79"/>
+                <a:cs typeface="Frank Ruhl Libre" panose="00000500000000000000" pitchFamily="2" charset="-79"/>
               </a:rPr>
               <a:t>Update the model</a:t>
             </a:r>
@@ -16350,8 +16359,8 @@
           <a:p>
             <a:r>
               <a:rPr lang="en-US" dirty="0">
-                <a:latin typeface="Frank Ruhl Hofshi" panose="00000500000000000000" pitchFamily="50" charset="-79"/>
-                <a:cs typeface="Frank Ruhl Hofshi" panose="00000500000000000000" pitchFamily="50" charset="-79"/>
+                <a:latin typeface="Frank Ruhl Libre" panose="00000500000000000000" pitchFamily="2" charset="-79"/>
+                <a:cs typeface="Frank Ruhl Libre" panose="00000500000000000000" pitchFamily="2" charset="-79"/>
               </a:rPr>
               <a:t>Use training pair sets to train the model</a:t>
             </a:r>
@@ -16359,8 +16368,8 @@
           <a:p>
             <a:r>
               <a:rPr lang="en-US" dirty="0">
-                <a:latin typeface="Frank Ruhl Hofshi" panose="00000500000000000000" pitchFamily="50" charset="-79"/>
-                <a:cs typeface="Frank Ruhl Hofshi" panose="00000500000000000000" pitchFamily="50" charset="-79"/>
+                <a:latin typeface="Frank Ruhl Libre" panose="00000500000000000000" pitchFamily="2" charset="-79"/>
+                <a:cs typeface="Frank Ruhl Libre" panose="00000500000000000000" pitchFamily="2" charset="-79"/>
               </a:rPr>
               <a:t>Measure accuracy with the testing pair sets</a:t>
             </a:r>
@@ -16368,8 +16377,8 @@
           <a:p>
             <a:r>
               <a:rPr lang="en-US" dirty="0">
-                <a:latin typeface="Frank Ruhl Hofshi" panose="00000500000000000000" pitchFamily="50" charset="-79"/>
-                <a:cs typeface="Frank Ruhl Hofshi" panose="00000500000000000000" pitchFamily="50" charset="-79"/>
+                <a:latin typeface="Frank Ruhl Libre" panose="00000500000000000000" pitchFamily="2" charset="-79"/>
+                <a:cs typeface="Frank Ruhl Libre" panose="00000500000000000000" pitchFamily="2" charset="-79"/>
               </a:rPr>
               <a:t>Predict with an unknown Writer Pair</a:t>
             </a:r>
@@ -16377,14 +16386,14 @@
           <a:p>
             <a:r>
               <a:rPr lang="en-US" dirty="0">
-                <a:latin typeface="Frank Ruhl Hofshi" panose="00000500000000000000" pitchFamily="50" charset="-79"/>
-                <a:cs typeface="Frank Ruhl Hofshi" panose="00000500000000000000" pitchFamily="50" charset="-79"/>
+                <a:latin typeface="Frank Ruhl Libre" panose="00000500000000000000" pitchFamily="2" charset="-79"/>
+                <a:cs typeface="Frank Ruhl Libre" panose="00000500000000000000" pitchFamily="2" charset="-79"/>
               </a:rPr>
               <a:t>Compare with other works</a:t>
             </a:r>
             <a:endParaRPr lang="en-IN" dirty="0">
-              <a:latin typeface="Frank Ruhl Hofshi" panose="00000500000000000000" pitchFamily="50" charset="-79"/>
-              <a:cs typeface="Frank Ruhl Hofshi" panose="00000500000000000000" pitchFamily="50" charset="-79"/>
+              <a:latin typeface="Frank Ruhl Libre" panose="00000500000000000000" pitchFamily="2" charset="-79"/>
+              <a:cs typeface="Frank Ruhl Libre" panose="00000500000000000000" pitchFamily="2" charset="-79"/>
             </a:endParaRPr>
           </a:p>
         </p:txBody>
@@ -16802,8 +16811,8 @@
           <a:p>
             <a:r>
               <a:rPr lang="en-US" dirty="0">
-                <a:latin typeface="Frank Ruhl Hofshi" panose="00000500000000000000" pitchFamily="50" charset="-79"/>
-                <a:cs typeface="Frank Ruhl Hofshi" panose="00000500000000000000" pitchFamily="50" charset="-79"/>
+                <a:latin typeface="Frank Ruhl Libre" panose="00000500000000000000" pitchFamily="2" charset="-79"/>
+                <a:cs typeface="Frank Ruhl Libre" panose="00000500000000000000" pitchFamily="2" charset="-79"/>
               </a:rPr>
               <a:t>Shortage of Research in Native Indian Language Recognition</a:t>
             </a:r>
@@ -16811,8 +16820,8 @@
           <a:p>
             <a:r>
               <a:rPr lang="en-US" dirty="0">
-                <a:latin typeface="Frank Ruhl Hofshi" panose="00000500000000000000" pitchFamily="50" charset="-79"/>
-                <a:cs typeface="Frank Ruhl Hofshi" panose="00000500000000000000" pitchFamily="50" charset="-79"/>
+                <a:latin typeface="Frank Ruhl Libre" panose="00000500000000000000" pitchFamily="2" charset="-79"/>
+                <a:cs typeface="Frank Ruhl Libre" panose="00000500000000000000" pitchFamily="2" charset="-79"/>
               </a:rPr>
               <a:t>Authentication of Manuscripts</a:t>
             </a:r>
@@ -16820,8 +16829,8 @@
           <a:p>
             <a:r>
               <a:rPr lang="en-US" dirty="0">
-                <a:latin typeface="Frank Ruhl Hofshi" panose="00000500000000000000" pitchFamily="50" charset="-79"/>
-                <a:cs typeface="Frank Ruhl Hofshi" panose="00000500000000000000" pitchFamily="50" charset="-79"/>
+                <a:latin typeface="Frank Ruhl Libre" panose="00000500000000000000" pitchFamily="2" charset="-79"/>
+                <a:cs typeface="Frank Ruhl Libre" panose="00000500000000000000" pitchFamily="2" charset="-79"/>
               </a:rPr>
               <a:t>Forensic Analysis and Law Enforcement</a:t>
             </a:r>
@@ -16829,16 +16838,16 @@
           <a:p>
             <a:r>
               <a:rPr lang="en-US" dirty="0">
-                <a:latin typeface="Frank Ruhl Hofshi" panose="00000500000000000000" pitchFamily="50" charset="-79"/>
-                <a:cs typeface="Frank Ruhl Hofshi" panose="00000500000000000000" pitchFamily="50" charset="-79"/>
+                <a:latin typeface="Frank Ruhl Libre" panose="00000500000000000000" pitchFamily="2" charset="-79"/>
+                <a:cs typeface="Frank Ruhl Libre" panose="00000500000000000000" pitchFamily="2" charset="-79"/>
               </a:rPr>
               <a:t>Plagiarism Verification</a:t>
             </a:r>
           </a:p>
           <a:p>
             <a:endParaRPr lang="en-IN" dirty="0">
-              <a:latin typeface="Frank Ruhl Hofshi" panose="00000500000000000000" pitchFamily="50" charset="-79"/>
-              <a:cs typeface="Frank Ruhl Hofshi" panose="00000500000000000000" pitchFamily="50" charset="-79"/>
+              <a:latin typeface="Frank Ruhl Libre" panose="00000500000000000000" pitchFamily="2" charset="-79"/>
+              <a:cs typeface="Frank Ruhl Libre" panose="00000500000000000000" pitchFamily="2" charset="-79"/>
             </a:endParaRPr>
           </a:p>
         </p:txBody>
@@ -17154,14 +17163,14 @@
         <p:spPr/>
         <p:txBody>
           <a:bodyPr>
-            <a:normAutofit lnSpcReduction="10000"/>
+            <a:normAutofit/>
           </a:bodyPr>
           <a:lstStyle/>
           <a:p>
             <a:r>
               <a:rPr lang="en-US" dirty="0">
-                <a:latin typeface="Frank Ruhl Hofshi" panose="00000500000000000000" pitchFamily="50" charset="-79"/>
-                <a:cs typeface="Frank Ruhl Hofshi" panose="00000500000000000000" pitchFamily="50" charset="-79"/>
+                <a:latin typeface="Frank Ruhl Libre" panose="00000500000000000000" pitchFamily="2" charset="-79"/>
+                <a:cs typeface="Frank Ruhl Libre" panose="00000500000000000000" pitchFamily="2" charset="-79"/>
               </a:rPr>
               <a:t>Python 3.8</a:t>
             </a:r>
@@ -17169,8 +17178,8 @@
           <a:p>
             <a:r>
               <a:rPr lang="en-US" dirty="0">
-                <a:latin typeface="Frank Ruhl Hofshi" panose="00000500000000000000" pitchFamily="50" charset="-79"/>
-                <a:cs typeface="Frank Ruhl Hofshi" panose="00000500000000000000" pitchFamily="50" charset="-79"/>
+                <a:latin typeface="Frank Ruhl Libre" panose="00000500000000000000" pitchFamily="2" charset="-79"/>
+                <a:cs typeface="Frank Ruhl Libre" panose="00000500000000000000" pitchFamily="2" charset="-79"/>
               </a:rPr>
               <a:t>TensorFlow 2.0</a:t>
             </a:r>
@@ -17178,21 +17187,21 @@
           <a:p>
             <a:r>
               <a:rPr lang="en-US" dirty="0" err="1">
-                <a:latin typeface="Frank Ruhl Hofshi" panose="00000500000000000000" pitchFamily="50" charset="-79"/>
-                <a:cs typeface="Frank Ruhl Hofshi" panose="00000500000000000000" pitchFamily="50" charset="-79"/>
+                <a:latin typeface="Frank Ruhl Libre" panose="00000500000000000000" pitchFamily="2" charset="-79"/>
+                <a:cs typeface="Frank Ruhl Libre" panose="00000500000000000000" pitchFamily="2" charset="-79"/>
               </a:rPr>
               <a:t>Keras</a:t>
             </a:r>
             <a:endParaRPr lang="en-US" dirty="0">
-              <a:latin typeface="Frank Ruhl Hofshi" panose="00000500000000000000" pitchFamily="50" charset="-79"/>
-              <a:cs typeface="Frank Ruhl Hofshi" panose="00000500000000000000" pitchFamily="50" charset="-79"/>
+              <a:latin typeface="Frank Ruhl Libre" panose="00000500000000000000" pitchFamily="2" charset="-79"/>
+              <a:cs typeface="Frank Ruhl Libre" panose="00000500000000000000" pitchFamily="2" charset="-79"/>
             </a:endParaRPr>
           </a:p>
           <a:p>
             <a:r>
               <a:rPr lang="en-US" dirty="0">
-                <a:latin typeface="Frank Ruhl Hofshi" panose="00000500000000000000" pitchFamily="50" charset="-79"/>
-                <a:cs typeface="Frank Ruhl Hofshi" panose="00000500000000000000" pitchFamily="50" charset="-79"/>
+                <a:latin typeface="Frank Ruhl Libre" panose="00000500000000000000" pitchFamily="2" charset="-79"/>
+                <a:cs typeface="Frank Ruhl Libre" panose="00000500000000000000" pitchFamily="2" charset="-79"/>
               </a:rPr>
               <a:t>NumPy</a:t>
             </a:r>
@@ -17200,58 +17209,36 @@
           <a:p>
             <a:r>
               <a:rPr lang="en-US" dirty="0">
-                <a:latin typeface="Frank Ruhl Hofshi" panose="00000500000000000000" pitchFamily="50" charset="-79"/>
-                <a:cs typeface="Frank Ruhl Hofshi" panose="00000500000000000000" pitchFamily="50" charset="-79"/>
+                <a:latin typeface="Frank Ruhl Libre" panose="00000500000000000000" pitchFamily="2" charset="-79"/>
+                <a:cs typeface="Frank Ruhl Libre" panose="00000500000000000000" pitchFamily="2" charset="-79"/>
               </a:rPr>
               <a:t>Pandas</a:t>
             </a:r>
           </a:p>
           <a:p>
             <a:r>
-              <a:rPr lang="en-US" dirty="0">
-                <a:latin typeface="Frank Ruhl Hofshi" panose="00000500000000000000" pitchFamily="50" charset="-79"/>
-                <a:cs typeface="Frank Ruhl Hofshi" panose="00000500000000000000" pitchFamily="50" charset="-79"/>
+              <a:rPr lang="en-US" dirty="0" err="1">
+                <a:latin typeface="Frank Ruhl Libre" panose="00000500000000000000" pitchFamily="2" charset="-79"/>
+                <a:cs typeface="Frank Ruhl Libre" panose="00000500000000000000" pitchFamily="2" charset="-79"/>
               </a:rPr>
-              <a:t>Mat Plot Lib</a:t>
-            </a:r>
+              <a:t>Matplolib</a:t>
+            </a:r>
+            <a:endParaRPr lang="en-US" dirty="0">
+              <a:latin typeface="Frank Ruhl Libre" panose="00000500000000000000" pitchFamily="2" charset="-79"/>
+              <a:cs typeface="Frank Ruhl Libre" panose="00000500000000000000" pitchFamily="2" charset="-79"/>
+            </a:endParaRPr>
           </a:p>
           <a:p>
             <a:r>
               <a:rPr lang="en-US" dirty="0" err="1">
-                <a:latin typeface="Frank Ruhl Hofshi" panose="00000500000000000000" pitchFamily="50" charset="-79"/>
-                <a:cs typeface="Frank Ruhl Hofshi" panose="00000500000000000000" pitchFamily="50" charset="-79"/>
-              </a:rPr>
-              <a:t>PyPlot</a:t>
-            </a:r>
-            <a:endParaRPr lang="en-US" dirty="0">
-              <a:latin typeface="Frank Ruhl Hofshi" panose="00000500000000000000" pitchFamily="50" charset="-79"/>
-              <a:cs typeface="Frank Ruhl Hofshi" panose="00000500000000000000" pitchFamily="50" charset="-79"/>
-            </a:endParaRPr>
-          </a:p>
-          <a:p>
-            <a:r>
-              <a:rPr lang="en-US" dirty="0" err="1">
-                <a:latin typeface="Frank Ruhl Hofshi" panose="00000500000000000000" pitchFamily="50" charset="-79"/>
-                <a:cs typeface="Frank Ruhl Hofshi" panose="00000500000000000000" pitchFamily="50" charset="-79"/>
+                <a:latin typeface="Frank Ruhl Libre" panose="00000500000000000000" pitchFamily="2" charset="-79"/>
+                <a:cs typeface="Frank Ruhl Libre" panose="00000500000000000000" pitchFamily="2" charset="-79"/>
               </a:rPr>
               <a:t>SeaBorn</a:t>
             </a:r>
             <a:endParaRPr lang="en-US" dirty="0">
-              <a:latin typeface="Frank Ruhl Hofshi" panose="00000500000000000000" pitchFamily="50" charset="-79"/>
-              <a:cs typeface="Frank Ruhl Hofshi" panose="00000500000000000000" pitchFamily="50" charset="-79"/>
-            </a:endParaRPr>
-          </a:p>
-          <a:p>
-            <a:r>
-              <a:rPr lang="en-US" dirty="0">
-                <a:latin typeface="Frank Ruhl Hofshi" panose="00000500000000000000" pitchFamily="50" charset="-79"/>
-                <a:cs typeface="Frank Ruhl Hofshi" panose="00000500000000000000" pitchFamily="50" charset="-79"/>
-              </a:rPr>
-              <a:t>VGG16</a:t>
-            </a:r>
-            <a:endParaRPr lang="en-IN" dirty="0">
-              <a:latin typeface="Frank Ruhl Hofshi" panose="00000500000000000000" pitchFamily="50" charset="-79"/>
-              <a:cs typeface="Frank Ruhl Hofshi" panose="00000500000000000000" pitchFamily="50" charset="-79"/>
+              <a:latin typeface="Frank Ruhl Libre" panose="00000500000000000000" pitchFamily="2" charset="-79"/>
+              <a:cs typeface="Frank Ruhl Libre" panose="00000500000000000000" pitchFamily="2" charset="-79"/>
             </a:endParaRPr>
           </a:p>
         </p:txBody>
@@ -17617,104 +17604,6 @@
                       </p:childTnLst>
                     </p:cTn>
                   </p:par>
-                  <p:par>
-                    <p:cTn id="31" fill="hold">
-                      <p:stCondLst>
-                        <p:cond delay="indefinite"/>
-                      </p:stCondLst>
-                      <p:childTnLst>
-                        <p:par>
-                          <p:cTn id="32" fill="hold">
-                            <p:stCondLst>
-                              <p:cond delay="0"/>
-                            </p:stCondLst>
-                            <p:childTnLst>
-                              <p:par>
-                                <p:cTn id="33" presetID="1" presetClass="entr" presetSubtype="0" fill="hold" grpId="0" nodeType="clickEffect">
-                                  <p:stCondLst>
-                                    <p:cond delay="0"/>
-                                  </p:stCondLst>
-                                  <p:childTnLst>
-                                    <p:set>
-                                      <p:cBhvr>
-                                        <p:cTn id="34" dur="1" fill="hold">
-                                          <p:stCondLst>
-                                            <p:cond delay="0"/>
-                                          </p:stCondLst>
-                                        </p:cTn>
-                                        <p:tgtEl>
-                                          <p:spTgt spid="3">
-                                            <p:txEl>
-                                              <p:pRg st="7" end="7"/>
-                                            </p:txEl>
-                                          </p:spTgt>
-                                        </p:tgtEl>
-                                        <p:attrNameLst>
-                                          <p:attrName>style.visibility</p:attrName>
-                                        </p:attrNameLst>
-                                      </p:cBhvr>
-                                      <p:to>
-                                        <p:strVal val="visible"/>
-                                      </p:to>
-                                    </p:set>
-                                  </p:childTnLst>
-                                </p:cTn>
-                              </p:par>
-                            </p:childTnLst>
-                          </p:cTn>
-                        </p:par>
-                      </p:childTnLst>
-                    </p:cTn>
-                  </p:par>
-                  <p:par>
-                    <p:cTn id="35" fill="hold">
-                      <p:stCondLst>
-                        <p:cond delay="indefinite"/>
-                      </p:stCondLst>
-                      <p:childTnLst>
-                        <p:par>
-                          <p:cTn id="36" fill="hold">
-                            <p:stCondLst>
-                              <p:cond delay="0"/>
-                            </p:stCondLst>
-                            <p:childTnLst>
-                              <p:par>
-                                <p:cTn id="37" presetID="1" presetClass="entr" presetSubtype="0" fill="hold" grpId="0" nodeType="clickEffect">
-                                  <p:stCondLst>
-                                    <p:cond delay="0"/>
-                                  </p:stCondLst>
-                                  <p:childTnLst>
-                                    <p:set>
-                                      <p:cBhvr>
-                                        <p:cTn id="38" dur="1" fill="hold">
-                                          <p:stCondLst>
-                                            <p:cond delay="0"/>
-                                          </p:stCondLst>
-                                        </p:cTn>
-                                        <p:tgtEl>
-                                          <p:spTgt spid="3">
-                                            <p:txEl>
-                                              <p:pRg st="8" end="8"/>
-                                            </p:txEl>
-                                          </p:spTgt>
-                                        </p:tgtEl>
-                                        <p:attrNameLst>
-                                          <p:attrName>style.visibility</p:attrName>
-                                        </p:attrNameLst>
-                                      </p:cBhvr>
-                                      <p:to>
-                                        <p:strVal val="visible"/>
-                                      </p:to>
-                                    </p:set>
-                                  </p:childTnLst>
-                                </p:cTn>
-                              </p:par>
-                            </p:childTnLst>
-                          </p:cTn>
-                        </p:par>
-                      </p:childTnLst>
-                    </p:cTn>
-                  </p:par>
                 </p:childTnLst>
               </p:cTn>
               <p:prevCondLst>
@@ -17816,17 +17705,17 @@
           <a:p>
             <a:r>
               <a:rPr lang="en-IN" dirty="0">
-                <a:latin typeface="Frank Ruhl Hofshi" panose="00000500000000000000" pitchFamily="50" charset="-79"/>
-                <a:cs typeface="Frank Ruhl Hofshi" panose="00000500000000000000" pitchFamily="50" charset="-79"/>
+                <a:latin typeface="Frank Ruhl Libre" panose="00000500000000000000" pitchFamily="2" charset="-79"/>
+                <a:cs typeface="Frank Ruhl Libre" panose="00000500000000000000" pitchFamily="2" charset="-79"/>
               </a:rPr>
-              <a:t>HP Pavilion with Intel i5 Quad-Core, Integrated Graphics Card, 8GB RAM</a:t>
+              <a:t>HP Pavilion with 2.7GHz Quad-Core Intel i5, Integrated Graphics Card, 8GB RAM</a:t>
             </a:r>
           </a:p>
           <a:p>
             <a:r>
               <a:rPr lang="en-IN" dirty="0">
-                <a:latin typeface="Frank Ruhl Hofshi" panose="00000500000000000000" pitchFamily="50" charset="-79"/>
-                <a:cs typeface="Frank Ruhl Hofshi" panose="00000500000000000000" pitchFamily="50" charset="-79"/>
+                <a:latin typeface="Frank Ruhl Libre" panose="00000500000000000000" pitchFamily="2" charset="-79"/>
+                <a:cs typeface="Frank Ruhl Libre" panose="00000500000000000000" pitchFamily="2" charset="-79"/>
               </a:rPr>
               <a:t>Dell G3 with 2.6GHz Hexa-Core Intel i7 Processor, Integrated Graphics Card, 8GB RAM</a:t>
             </a:r>
@@ -17834,36 +17723,36 @@
           <a:p>
             <a:r>
               <a:rPr lang="en-IN" dirty="0">
-                <a:latin typeface="Frank Ruhl Hofshi" panose="00000500000000000000" pitchFamily="50" charset="-79"/>
-                <a:cs typeface="Frank Ruhl Hofshi" panose="00000500000000000000" pitchFamily="50" charset="-79"/>
+                <a:latin typeface="Frank Ruhl Libre" panose="00000500000000000000" pitchFamily="2" charset="-79"/>
+                <a:cs typeface="Frank Ruhl Libre" panose="00000500000000000000" pitchFamily="2" charset="-79"/>
               </a:rPr>
               <a:t>Asus </a:t>
             </a:r>
             <a:r>
               <a:rPr lang="en-IN" dirty="0" err="1">
-                <a:latin typeface="Frank Ruhl Hofshi" panose="00000500000000000000" pitchFamily="50" charset="-79"/>
-                <a:cs typeface="Frank Ruhl Hofshi" panose="00000500000000000000" pitchFamily="50" charset="-79"/>
+                <a:latin typeface="Frank Ruhl Libre" panose="00000500000000000000" pitchFamily="2" charset="-79"/>
+                <a:cs typeface="Frank Ruhl Libre" panose="00000500000000000000" pitchFamily="2" charset="-79"/>
               </a:rPr>
-              <a:t>Vivibook</a:t>
+              <a:t>Vivobook</a:t>
             </a:r>
             <a:r>
               <a:rPr lang="en-IN" dirty="0">
-                <a:latin typeface="Frank Ruhl Hofshi" panose="00000500000000000000" pitchFamily="50" charset="-79"/>
-                <a:cs typeface="Frank Ruhl Hofshi" panose="00000500000000000000" pitchFamily="50" charset="-79"/>
+                <a:latin typeface="Frank Ruhl Libre" panose="00000500000000000000" pitchFamily="2" charset="-79"/>
+                <a:cs typeface="Frank Ruhl Libre" panose="00000500000000000000" pitchFamily="2" charset="-79"/>
               </a:rPr>
               <a:t> 2GHz Quad-Core AMD </a:t>
             </a:r>
             <a:r>
               <a:rPr lang="en-IN" dirty="0" err="1">
-                <a:latin typeface="Frank Ruhl Hofshi" panose="00000500000000000000" pitchFamily="50" charset="-79"/>
-                <a:cs typeface="Frank Ruhl Hofshi" panose="00000500000000000000" pitchFamily="50" charset="-79"/>
+                <a:latin typeface="Frank Ruhl Libre" panose="00000500000000000000" pitchFamily="2" charset="-79"/>
+                <a:cs typeface="Frank Ruhl Libre" panose="00000500000000000000" pitchFamily="2" charset="-79"/>
               </a:rPr>
               <a:t>Ryzen</a:t>
             </a:r>
             <a:r>
               <a:rPr lang="en-IN" dirty="0">
-                <a:latin typeface="Frank Ruhl Hofshi" panose="00000500000000000000" pitchFamily="50" charset="-79"/>
-                <a:cs typeface="Frank Ruhl Hofshi" panose="00000500000000000000" pitchFamily="50" charset="-79"/>
+                <a:latin typeface="Frank Ruhl Libre" panose="00000500000000000000" pitchFamily="2" charset="-79"/>
+                <a:cs typeface="Frank Ruhl Libre" panose="00000500000000000000" pitchFamily="2" charset="-79"/>
               </a:rPr>
               <a:t> 5 Processor, Integrated Graphics Card, 8GB RAM</a:t>
             </a:r>
@@ -18136,8 +18025,8 @@
           <a:p>
             <a:r>
               <a:rPr lang="en-US" dirty="0">
-                <a:latin typeface="Frank Ruhl Hofshi" panose="00000500000000000000" pitchFamily="50" charset="-79"/>
-                <a:cs typeface="Frank Ruhl Hofshi" panose="00000500000000000000" pitchFamily="50" charset="-79"/>
+                <a:latin typeface="Frank Ruhl Libre" panose="00000500000000000000" pitchFamily="2" charset="-79"/>
+                <a:cs typeface="Frank Ruhl Libre" panose="00000500000000000000" pitchFamily="2" charset="-79"/>
               </a:rPr>
               <a:t>RAM and Processor for Processing Speed</a:t>
             </a:r>
@@ -18145,29 +18034,32 @@
           <a:p>
             <a:r>
               <a:rPr lang="en-US" dirty="0">
-                <a:latin typeface="Frank Ruhl Hofshi" panose="00000500000000000000" pitchFamily="50" charset="-79"/>
-                <a:cs typeface="Frank Ruhl Hofshi" panose="00000500000000000000" pitchFamily="50" charset="-79"/>
+                <a:latin typeface="Frank Ruhl Libre" panose="00000500000000000000" pitchFamily="2" charset="-79"/>
+                <a:cs typeface="Frank Ruhl Libre" panose="00000500000000000000" pitchFamily="2" charset="-79"/>
               </a:rPr>
               <a:t>GPU Might Help!</a:t>
             </a:r>
           </a:p>
           <a:p>
             <a:endParaRPr lang="en-US" dirty="0">
-              <a:latin typeface="Frank Ruhl Hofshi" panose="00000500000000000000" pitchFamily="50" charset="-79"/>
-              <a:cs typeface="Frank Ruhl Hofshi" panose="00000500000000000000" pitchFamily="50" charset="-79"/>
+              <a:latin typeface="Frank Ruhl Libre" panose="00000500000000000000" pitchFamily="2" charset="-79"/>
+              <a:cs typeface="Frank Ruhl Libre" panose="00000500000000000000" pitchFamily="2" charset="-79"/>
             </a:endParaRPr>
           </a:p>
           <a:p>
             <a:r>
               <a:rPr lang="en-US" dirty="0">
-                <a:latin typeface="Frank Ruhl Hofshi" panose="00000500000000000000" pitchFamily="50" charset="-79"/>
-                <a:cs typeface="Frank Ruhl Hofshi" panose="00000500000000000000" pitchFamily="50" charset="-79"/>
+                <a:latin typeface="Frank Ruhl Libre" panose="00000500000000000000" pitchFamily="2" charset="-79"/>
+                <a:cs typeface="Frank Ruhl Libre" panose="00000500000000000000" pitchFamily="2" charset="-79"/>
               </a:rPr>
               <a:t>Cloud Platforms is a great alternative!</a:t>
             </a:r>
           </a:p>
           <a:p>
-            <a:endParaRPr lang="en-IN" dirty="0"/>
+            <a:endParaRPr lang="en-IN" dirty="0">
+              <a:latin typeface="Frank Ruhl Libre" panose="00000500000000000000" pitchFamily="2" charset="-79"/>
+              <a:cs typeface="Frank Ruhl Libre" panose="00000500000000000000" pitchFamily="2" charset="-79"/>
+            </a:endParaRPr>
           </a:p>
         </p:txBody>
       </p:sp>
@@ -18444,8 +18336,8 @@
           <a:p>
             <a:r>
               <a:rPr lang="en-US" dirty="0">
-                <a:latin typeface="Frank Ruhl Hofshi" panose="00000500000000000000" pitchFamily="50" charset="-79"/>
-                <a:cs typeface="Frank Ruhl Hofshi" panose="00000500000000000000" pitchFamily="50" charset="-79"/>
+                <a:latin typeface="Frank Ruhl Libre" panose="00000500000000000000" pitchFamily="2" charset="-79"/>
+                <a:cs typeface="Frank Ruhl Libre" panose="00000500000000000000" pitchFamily="2" charset="-79"/>
               </a:rPr>
               <a:t>Works on Image Recognition and CNN</a:t>
             </a:r>
@@ -18455,17 +18347,17 @@
             <a:r>
               <a:rPr lang="en-US" sz="1800" dirty="0">
                 <a:effectLst/>
-                <a:latin typeface="Frank Ruhl Hofshi" panose="00000500000000000000" pitchFamily="50" charset="-79"/>
+                <a:latin typeface="Frank Ruhl Libre" panose="00000500000000000000" pitchFamily="2" charset="-79"/>
                 <a:ea typeface="Times New Roman" panose="02020603050405020304" pitchFamily="18" charset="0"/>
-                <a:cs typeface="Frank Ruhl Hofshi" panose="00000500000000000000" pitchFamily="50" charset="-79"/>
+                <a:cs typeface="Frank Ruhl Libre" panose="00000500000000000000" pitchFamily="2" charset="-79"/>
               </a:rPr>
               <a:t>ImageNet classification with deep Convolutional Neural Networks</a:t>
             </a:r>
             <a:endParaRPr lang="en-IN" sz="1800" dirty="0">
               <a:effectLst/>
-              <a:latin typeface="Frank Ruhl Hofshi" panose="00000500000000000000" pitchFamily="50" charset="-79"/>
+              <a:latin typeface="Frank Ruhl Libre" panose="00000500000000000000" pitchFamily="2" charset="-79"/>
               <a:ea typeface="Times New Roman" panose="02020603050405020304" pitchFamily="18" charset="0"/>
-              <a:cs typeface="Frank Ruhl Hofshi" panose="00000500000000000000" pitchFamily="50" charset="-79"/>
+              <a:cs typeface="Frank Ruhl Libre" panose="00000500000000000000" pitchFamily="2" charset="-79"/>
             </a:endParaRPr>
           </a:p>
           <a:p>
@@ -18473,22 +18365,22 @@
             <a:r>
               <a:rPr lang="en-IN" sz="1800" dirty="0">
                 <a:effectLst/>
-                <a:latin typeface="Frank Ruhl Hofshi" panose="00000500000000000000" pitchFamily="50" charset="-79"/>
+                <a:latin typeface="Frank Ruhl Libre" panose="00000500000000000000" pitchFamily="2" charset="-79"/>
                 <a:ea typeface="Times New Roman" panose="02020603050405020304" pitchFamily="18" charset="0"/>
-                <a:cs typeface="Frank Ruhl Hofshi" panose="00000500000000000000" pitchFamily="50" charset="-79"/>
+                <a:cs typeface="Frank Ruhl Libre" panose="00000500000000000000" pitchFamily="2" charset="-79"/>
               </a:rPr>
               <a:t>Very Deep Convolutional Networks for Large-Scale Image Recognition</a:t>
             </a:r>
             <a:endParaRPr lang="en-US" dirty="0">
-              <a:latin typeface="Frank Ruhl Hofshi" panose="00000500000000000000" pitchFamily="50" charset="-79"/>
-              <a:cs typeface="Frank Ruhl Hofshi" panose="00000500000000000000" pitchFamily="50" charset="-79"/>
+              <a:latin typeface="Frank Ruhl Libre" panose="00000500000000000000" pitchFamily="2" charset="-79"/>
+              <a:cs typeface="Frank Ruhl Libre" panose="00000500000000000000" pitchFamily="2" charset="-79"/>
             </a:endParaRPr>
           </a:p>
           <a:p>
             <a:r>
               <a:rPr lang="en-US" dirty="0">
-                <a:latin typeface="Frank Ruhl Hofshi" panose="00000500000000000000" pitchFamily="50" charset="-79"/>
-                <a:cs typeface="Frank Ruhl Hofshi" panose="00000500000000000000" pitchFamily="50" charset="-79"/>
+                <a:latin typeface="Frank Ruhl Libre" panose="00000500000000000000" pitchFamily="2" charset="-79"/>
+                <a:cs typeface="Frank Ruhl Libre" panose="00000500000000000000" pitchFamily="2" charset="-79"/>
               </a:rPr>
               <a:t>Works on Character Recognition</a:t>
             </a:r>
@@ -18498,9 +18390,9 @@
             <a:r>
               <a:rPr lang="en-US" sz="1800" dirty="0">
                 <a:effectLst/>
-                <a:latin typeface="Frank Ruhl Hofshi" panose="00000500000000000000" pitchFamily="50" charset="-79"/>
+                <a:latin typeface="Frank Ruhl Libre" panose="00000500000000000000" pitchFamily="2" charset="-79"/>
                 <a:ea typeface="Times New Roman" panose="02020603050405020304" pitchFamily="18" charset="0"/>
-                <a:cs typeface="Frank Ruhl Hofshi" panose="00000500000000000000" pitchFamily="50" charset="-79"/>
+                <a:cs typeface="Frank Ruhl Libre" panose="00000500000000000000" pitchFamily="2" charset="-79"/>
               </a:rPr>
               <a:t>Automatic Visual Features for Writer Identification: A Deep Learning Approach</a:t>
             </a:r>
@@ -18510,16 +18402,16 @@
             <a:r>
               <a:rPr lang="en-US" sz="1800" dirty="0">
                 <a:effectLst/>
-                <a:latin typeface="Frank Ruhl Hofshi" panose="00000500000000000000" pitchFamily="50" charset="-79"/>
+                <a:latin typeface="Frank Ruhl Libre" panose="00000500000000000000" pitchFamily="2" charset="-79"/>
                 <a:ea typeface="Times New Roman" panose="02020603050405020304" pitchFamily="18" charset="0"/>
-                <a:cs typeface="Frank Ruhl Hofshi" panose="00000500000000000000" pitchFamily="50" charset="-79"/>
+                <a:cs typeface="Frank Ruhl Libre" panose="00000500000000000000" pitchFamily="2" charset="-79"/>
               </a:rPr>
               <a:t>Handwritten Character Recognition of South Indian Scripts: A Review</a:t>
             </a:r>
             <a:endParaRPr lang="en-US" sz="1800" dirty="0">
-              <a:latin typeface="Frank Ruhl Hofshi" panose="00000500000000000000" pitchFamily="50" charset="-79"/>
+              <a:latin typeface="Frank Ruhl Libre" panose="00000500000000000000" pitchFamily="2" charset="-79"/>
               <a:ea typeface="Times New Roman" panose="02020603050405020304" pitchFamily="18" charset="0"/>
-              <a:cs typeface="Frank Ruhl Hofshi" panose="00000500000000000000" pitchFamily="50" charset="-79"/>
+              <a:cs typeface="Frank Ruhl Libre" panose="00000500000000000000" pitchFamily="2" charset="-79"/>
             </a:endParaRPr>
           </a:p>
           <a:p>
@@ -18527,27 +18419,27 @@
             <a:r>
               <a:rPr lang="en-US" sz="1800" dirty="0">
                 <a:effectLst/>
-                <a:latin typeface="Frank Ruhl Hofshi" panose="00000500000000000000" pitchFamily="50" charset="-79"/>
+                <a:latin typeface="Frank Ruhl Libre" panose="00000500000000000000" pitchFamily="2" charset="-79"/>
                 <a:ea typeface="Times New Roman" panose="02020603050405020304" pitchFamily="18" charset="0"/>
-                <a:cs typeface="Frank Ruhl Hofshi" panose="00000500000000000000" pitchFamily="50" charset="-79"/>
+                <a:cs typeface="Frank Ruhl Libre" panose="00000500000000000000" pitchFamily="2" charset="-79"/>
               </a:rPr>
               <a:t>A High Performance Domain Specific </a:t>
             </a:r>
             <a:r>
               <a:rPr lang="en-US" sz="1800" dirty="0" err="1">
                 <a:effectLst/>
-                <a:latin typeface="Frank Ruhl Hofshi" panose="00000500000000000000" pitchFamily="50" charset="-79"/>
+                <a:latin typeface="Frank Ruhl Libre" panose="00000500000000000000" pitchFamily="2" charset="-79"/>
                 <a:ea typeface="Times New Roman" panose="02020603050405020304" pitchFamily="18" charset="0"/>
-                <a:cs typeface="Frank Ruhl Hofshi" panose="00000500000000000000" pitchFamily="50" charset="-79"/>
+                <a:cs typeface="Frank Ruhl Libre" panose="00000500000000000000" pitchFamily="2" charset="-79"/>
               </a:rPr>
               <a:t>Ocr</a:t>
             </a:r>
             <a:r>
               <a:rPr lang="en-US" sz="1800" dirty="0">
                 <a:effectLst/>
-                <a:latin typeface="Frank Ruhl Hofshi" panose="00000500000000000000" pitchFamily="50" charset="-79"/>
+                <a:latin typeface="Frank Ruhl Libre" panose="00000500000000000000" pitchFamily="2" charset="-79"/>
                 <a:ea typeface="Times New Roman" panose="02020603050405020304" pitchFamily="18" charset="0"/>
-                <a:cs typeface="Frank Ruhl Hofshi" panose="00000500000000000000" pitchFamily="50" charset="-79"/>
+                <a:cs typeface="Frank Ruhl Libre" panose="00000500000000000000" pitchFamily="2" charset="-79"/>
               </a:rPr>
               <a:t> For Bangla Script</a:t>
             </a:r>
@@ -18557,34 +18449,34 @@
             <a:r>
               <a:rPr lang="en-US" sz="1800" dirty="0">
                 <a:effectLst/>
-                <a:latin typeface="Frank Ruhl Hofshi" panose="00000500000000000000" pitchFamily="50" charset="-79"/>
+                <a:latin typeface="Frank Ruhl Libre" panose="00000500000000000000" pitchFamily="2" charset="-79"/>
                 <a:ea typeface="Times New Roman" panose="02020603050405020304" pitchFamily="18" charset="0"/>
-                <a:cs typeface="Frank Ruhl Hofshi" panose="00000500000000000000" pitchFamily="50" charset="-79"/>
+                <a:cs typeface="Frank Ruhl Libre" panose="00000500000000000000" pitchFamily="2" charset="-79"/>
               </a:rPr>
               <a:t>Bangla character recognition based on </a:t>
             </a:r>
             <a:r>
               <a:rPr lang="en-US" sz="1800" dirty="0" err="1">
                 <a:effectLst/>
-                <a:latin typeface="Frank Ruhl Hofshi" panose="00000500000000000000" pitchFamily="50" charset="-79"/>
+                <a:latin typeface="Frank Ruhl Libre" panose="00000500000000000000" pitchFamily="2" charset="-79"/>
                 <a:ea typeface="Times New Roman" panose="02020603050405020304" pitchFamily="18" charset="0"/>
-                <a:cs typeface="Frank Ruhl Hofshi" panose="00000500000000000000" pitchFamily="50" charset="-79"/>
+                <a:cs typeface="Frank Ruhl Libre" panose="00000500000000000000" pitchFamily="2" charset="-79"/>
               </a:rPr>
               <a:t>Mobilenet</a:t>
             </a:r>
             <a:r>
               <a:rPr lang="en-US" sz="1800" dirty="0">
                 <a:effectLst/>
-                <a:latin typeface="Frank Ruhl Hofshi" panose="00000500000000000000" pitchFamily="50" charset="-79"/>
+                <a:latin typeface="Frank Ruhl Libre" panose="00000500000000000000" pitchFamily="2" charset="-79"/>
                 <a:ea typeface="Times New Roman" panose="02020603050405020304" pitchFamily="18" charset="0"/>
-                <a:cs typeface="Frank Ruhl Hofshi" panose="00000500000000000000" pitchFamily="50" charset="-79"/>
+                <a:cs typeface="Frank Ruhl Libre" panose="00000500000000000000" pitchFamily="2" charset="-79"/>
               </a:rPr>
               <a:t> v1 and Inception v3</a:t>
             </a:r>
             <a:endParaRPr lang="en-US" sz="1800" dirty="0">
-              <a:latin typeface="Frank Ruhl Hofshi" panose="00000500000000000000" pitchFamily="50" charset="-79"/>
+              <a:latin typeface="Frank Ruhl Libre" panose="00000500000000000000" pitchFamily="2" charset="-79"/>
               <a:ea typeface="Times New Roman" panose="02020603050405020304" pitchFamily="18" charset="0"/>
-              <a:cs typeface="Frank Ruhl Hofshi" panose="00000500000000000000" pitchFamily="50" charset="-79"/>
+              <a:cs typeface="Frank Ruhl Libre" panose="00000500000000000000" pitchFamily="2" charset="-79"/>
             </a:endParaRPr>
           </a:p>
           <a:p>
@@ -18592,22 +18484,22 @@
             <a:r>
               <a:rPr lang="en-US" sz="1800" dirty="0">
                 <a:effectLst/>
-                <a:latin typeface="Frank Ruhl Hofshi" panose="00000500000000000000" pitchFamily="50" charset="-79"/>
+                <a:latin typeface="Frank Ruhl Libre" panose="00000500000000000000" pitchFamily="2" charset="-79"/>
                 <a:ea typeface="Times New Roman" panose="02020603050405020304" pitchFamily="18" charset="0"/>
-                <a:cs typeface="Frank Ruhl Hofshi" panose="00000500000000000000" pitchFamily="50" charset="-79"/>
+                <a:cs typeface="Frank Ruhl Libre" panose="00000500000000000000" pitchFamily="2" charset="-79"/>
               </a:rPr>
               <a:t>CNN implementation based on Bangla numeral character recognition</a:t>
             </a:r>
             <a:endParaRPr lang="en-US" dirty="0">
-              <a:latin typeface="Frank Ruhl Hofshi" panose="00000500000000000000" pitchFamily="50" charset="-79"/>
-              <a:cs typeface="Frank Ruhl Hofshi" panose="00000500000000000000" pitchFamily="50" charset="-79"/>
+              <a:latin typeface="Frank Ruhl Libre" panose="00000500000000000000" pitchFamily="2" charset="-79"/>
+              <a:cs typeface="Frank Ruhl Libre" panose="00000500000000000000" pitchFamily="2" charset="-79"/>
             </a:endParaRPr>
           </a:p>
           <a:p>
             <a:r>
               <a:rPr lang="en-US" dirty="0">
-                <a:latin typeface="Frank Ruhl Hofshi" panose="00000500000000000000" pitchFamily="50" charset="-79"/>
-                <a:cs typeface="Frank Ruhl Hofshi" panose="00000500000000000000" pitchFamily="50" charset="-79"/>
+                <a:latin typeface="Frank Ruhl Libre" panose="00000500000000000000" pitchFamily="2" charset="-79"/>
+                <a:cs typeface="Frank Ruhl Libre" panose="00000500000000000000" pitchFamily="2" charset="-79"/>
               </a:rPr>
               <a:t>Works on Writer Recognition</a:t>
             </a:r>
@@ -18617,9 +18509,9 @@
             <a:r>
               <a:rPr lang="en-US" sz="1800" dirty="0">
                 <a:effectLst/>
-                <a:latin typeface="Frank Ruhl Hofshi" panose="00000500000000000000" pitchFamily="50" charset="-79"/>
+                <a:latin typeface="Frank Ruhl Libre" panose="00000500000000000000" pitchFamily="2" charset="-79"/>
                 <a:ea typeface="Times New Roman" panose="02020603050405020304" pitchFamily="18" charset="0"/>
-                <a:cs typeface="Frank Ruhl Hofshi" panose="00000500000000000000" pitchFamily="50" charset="-79"/>
+                <a:cs typeface="Frank Ruhl Libre" panose="00000500000000000000" pitchFamily="2" charset="-79"/>
               </a:rPr>
               <a:t>Offline writer identification using convolutional neural network activation features</a:t>
             </a:r>
@@ -18629,9 +18521,9 @@
             <a:r>
               <a:rPr lang="en-US" sz="1800" dirty="0">
                 <a:effectLst/>
-                <a:latin typeface="Frank Ruhl Hofshi" panose="00000500000000000000" pitchFamily="50" charset="-79"/>
+                <a:latin typeface="Frank Ruhl Libre" panose="00000500000000000000" pitchFamily="2" charset="-79"/>
                 <a:ea typeface="Times New Roman" panose="02020603050405020304" pitchFamily="18" charset="0"/>
-                <a:cs typeface="Frank Ruhl Hofshi" panose="00000500000000000000" pitchFamily="50" charset="-79"/>
+                <a:cs typeface="Frank Ruhl Libre" panose="00000500000000000000" pitchFamily="2" charset="-79"/>
               </a:rPr>
               <a:t>Writer identification using an HMM-based handwriting recognition system: To normalize the input or not</a:t>
             </a:r>
@@ -18641,15 +18533,15 @@
             <a:r>
               <a:rPr lang="en-US" sz="1800" dirty="0">
                 <a:effectLst/>
-                <a:latin typeface="Frank Ruhl Hofshi" panose="00000500000000000000" pitchFamily="50" charset="-79"/>
+                <a:latin typeface="Frank Ruhl Libre" panose="00000500000000000000" pitchFamily="2" charset="-79"/>
                 <a:ea typeface="Times New Roman" panose="02020603050405020304" pitchFamily="18" charset="0"/>
-                <a:cs typeface="Frank Ruhl Hofshi" panose="00000500000000000000" pitchFamily="50" charset="-79"/>
+                <a:cs typeface="Frank Ruhl Libre" panose="00000500000000000000" pitchFamily="2" charset="-79"/>
               </a:rPr>
               <a:t>Offline Text-Independent Writer Identification Based on Scale Invariant Feature Transform</a:t>
             </a:r>
             <a:endParaRPr lang="en-IN" dirty="0">
-              <a:latin typeface="Frank Ruhl Hofshi" panose="00000500000000000000" pitchFamily="50" charset="-79"/>
-              <a:cs typeface="Frank Ruhl Hofshi" panose="00000500000000000000" pitchFamily="50" charset="-79"/>
+              <a:latin typeface="Frank Ruhl Libre" panose="00000500000000000000" pitchFamily="2" charset="-79"/>
+              <a:cs typeface="Frank Ruhl Libre" panose="00000500000000000000" pitchFamily="2" charset="-79"/>
             </a:endParaRPr>
           </a:p>
         </p:txBody>
@@ -19230,8 +19122,8 @@
           <a:p>
             <a:r>
               <a:rPr lang="en-US" dirty="0">
-                <a:latin typeface="Frank Ruhl Hofshi" panose="00000500000000000000" pitchFamily="50" charset="-79"/>
-                <a:cs typeface="Frank Ruhl Hofshi" panose="00000500000000000000" pitchFamily="50" charset="-79"/>
+                <a:latin typeface="Frank Ruhl Libre" panose="00000500000000000000" pitchFamily="2" charset="-79"/>
+                <a:cs typeface="Frank Ruhl Libre" panose="00000500000000000000" pitchFamily="2" charset="-79"/>
               </a:rPr>
               <a:t>Lack of Work</a:t>
             </a:r>
@@ -19239,16 +19131,16 @@
           <a:p>
             <a:r>
               <a:rPr lang="en-US" dirty="0">
-                <a:latin typeface="Frank Ruhl Hofshi" panose="00000500000000000000" pitchFamily="50" charset="-79"/>
-                <a:cs typeface="Frank Ruhl Hofshi" panose="00000500000000000000" pitchFamily="50" charset="-79"/>
+                <a:latin typeface="Frank Ruhl Libre" panose="00000500000000000000" pitchFamily="2" charset="-79"/>
+                <a:cs typeface="Frank Ruhl Libre" panose="00000500000000000000" pitchFamily="2" charset="-79"/>
               </a:rPr>
               <a:t>Adak et al.</a:t>
             </a:r>
           </a:p>
           <a:p>
             <a:endParaRPr lang="en-US" dirty="0">
-              <a:latin typeface="Frank Ruhl Hofshi" panose="00000500000000000000" pitchFamily="50" charset="-79"/>
-              <a:cs typeface="Frank Ruhl Hofshi" panose="00000500000000000000" pitchFamily="50" charset="-79"/>
+              <a:latin typeface="Frank Ruhl Libre" panose="00000500000000000000" pitchFamily="2" charset="-79"/>
+              <a:cs typeface="Frank Ruhl Libre" panose="00000500000000000000" pitchFamily="2" charset="-79"/>
             </a:endParaRPr>
           </a:p>
           <a:p>
@@ -19257,8 +19149,8 @@
             </a:pPr>
             <a:r>
               <a:rPr lang="en-US" b="1" dirty="0">
-                <a:latin typeface="Frank Ruhl Hofshi" panose="00000500000000000000" pitchFamily="50" charset="-79"/>
-                <a:cs typeface="Frank Ruhl Hofshi" panose="00000500000000000000" pitchFamily="50" charset="-79"/>
+                <a:latin typeface="Frank Ruhl Libre" panose="00000500000000000000" pitchFamily="2" charset="-79"/>
+                <a:cs typeface="Frank Ruhl Libre" panose="00000500000000000000" pitchFamily="2" charset="-79"/>
               </a:rPr>
               <a:t>Summary of Adak et al.</a:t>
             </a:r>
@@ -19266,8 +19158,8 @@
           <a:p>
             <a:r>
               <a:rPr lang="en-US" dirty="0">
-                <a:latin typeface="Frank Ruhl Hofshi" panose="00000500000000000000" pitchFamily="50" charset="-79"/>
-                <a:cs typeface="Frank Ruhl Hofshi" panose="00000500000000000000" pitchFamily="50" charset="-79"/>
+                <a:latin typeface="Frank Ruhl Libre" panose="00000500000000000000" pitchFamily="2" charset="-79"/>
+                <a:cs typeface="Frank Ruhl Libre" panose="00000500000000000000" pitchFamily="2" charset="-79"/>
               </a:rPr>
               <a:t>High intra-variable handwriting-based writer identification/verification</a:t>
             </a:r>
@@ -19275,22 +19167,22 @@
           <a:p>
             <a:r>
               <a:rPr lang="en-US" dirty="0">
-                <a:latin typeface="Frank Ruhl Hofshi" panose="00000500000000000000" pitchFamily="50" charset="-79"/>
-                <a:cs typeface="Frank Ruhl Hofshi" panose="00000500000000000000" pitchFamily="50" charset="-79"/>
+                <a:latin typeface="Frank Ruhl Libre" panose="00000500000000000000" pitchFamily="2" charset="-79"/>
+                <a:cs typeface="Frank Ruhl Libre" panose="00000500000000000000" pitchFamily="2" charset="-79"/>
               </a:rPr>
               <a:t>Both handcrafted and auto-derived feature-based models are considered</a:t>
             </a:r>
           </a:p>
           <a:p>
             <a:endParaRPr lang="en-US" dirty="0">
-              <a:latin typeface="Frank Ruhl Hofshi" panose="00000500000000000000" pitchFamily="50" charset="-79"/>
-              <a:cs typeface="Frank Ruhl Hofshi" panose="00000500000000000000" pitchFamily="50" charset="-79"/>
+              <a:latin typeface="Frank Ruhl Libre" panose="00000500000000000000" pitchFamily="2" charset="-79"/>
+              <a:cs typeface="Frank Ruhl Libre" panose="00000500000000000000" pitchFamily="2" charset="-79"/>
             </a:endParaRPr>
           </a:p>
           <a:p>
             <a:endParaRPr lang="en-IN" dirty="0">
-              <a:latin typeface="Frank Ruhl Hofshi" panose="00000500000000000000" pitchFamily="50" charset="-79"/>
-              <a:cs typeface="Frank Ruhl Hofshi" panose="00000500000000000000" pitchFamily="50" charset="-79"/>
+              <a:latin typeface="Frank Ruhl Libre" panose="00000500000000000000" pitchFamily="2" charset="-79"/>
+              <a:cs typeface="Frank Ruhl Libre" panose="00000500000000000000" pitchFamily="2" charset="-79"/>
             </a:endParaRPr>
           </a:p>
         </p:txBody>
@@ -19656,8 +19548,8 @@
           <a:p>
             <a:r>
               <a:rPr lang="en-US" dirty="0">
-                <a:latin typeface="Frank Ruhl Hofshi" panose="00000500000000000000" pitchFamily="50" charset="-79"/>
-                <a:cs typeface="Frank Ruhl Hofshi" panose="00000500000000000000" pitchFamily="50" charset="-79"/>
+                <a:latin typeface="Frank Ruhl Libre" panose="00000500000000000000" pitchFamily="2" charset="-79"/>
+                <a:cs typeface="Frank Ruhl Libre" panose="00000500000000000000" pitchFamily="2" charset="-79"/>
               </a:rPr>
               <a:t>2 Offline Bangla intra-variable handwriting databases from 2 different sets of 100 writers</a:t>
             </a:r>
@@ -19666,8 +19558,8 @@
             <a:pPr lvl="1"/>
             <a:r>
               <a:rPr lang="en-US" dirty="0">
-                <a:latin typeface="Frank Ruhl Hofshi" panose="00000500000000000000" pitchFamily="50" charset="-79"/>
-                <a:cs typeface="Frank Ruhl Hofshi" panose="00000500000000000000" pitchFamily="50" charset="-79"/>
+                <a:latin typeface="Frank Ruhl Libre" panose="00000500000000000000" pitchFamily="2" charset="-79"/>
+                <a:cs typeface="Frank Ruhl Libre" panose="00000500000000000000" pitchFamily="2" charset="-79"/>
               </a:rPr>
               <a:t>Controlled</a:t>
             </a:r>
@@ -19676,8 +19568,8 @@
             <a:pPr lvl="1"/>
             <a:r>
               <a:rPr lang="en-US" dirty="0">
-                <a:latin typeface="Frank Ruhl Hofshi" panose="00000500000000000000" pitchFamily="50" charset="-79"/>
-                <a:cs typeface="Frank Ruhl Hofshi" panose="00000500000000000000" pitchFamily="50" charset="-79"/>
+                <a:latin typeface="Frank Ruhl Libre" panose="00000500000000000000" pitchFamily="2" charset="-79"/>
+                <a:cs typeface="Frank Ruhl Libre" panose="00000500000000000000" pitchFamily="2" charset="-79"/>
               </a:rPr>
               <a:t>Uncontrolled</a:t>
             </a:r>
@@ -19685,15 +19577,15 @@
           <a:p>
             <a:pPr lvl="1"/>
             <a:endParaRPr lang="en-US" dirty="0">
-              <a:latin typeface="Frank Ruhl Hofshi" panose="00000500000000000000" pitchFamily="50" charset="-79"/>
-              <a:cs typeface="Frank Ruhl Hofshi" panose="00000500000000000000" pitchFamily="50" charset="-79"/>
+              <a:latin typeface="Frank Ruhl Libre" panose="00000500000000000000" pitchFamily="2" charset="-79"/>
+              <a:cs typeface="Frank Ruhl Libre" panose="00000500000000000000" pitchFamily="2" charset="-79"/>
             </a:endParaRPr>
           </a:p>
           <a:p>
             <a:r>
               <a:rPr lang="en-US" dirty="0">
-                <a:latin typeface="Frank Ruhl Hofshi" panose="00000500000000000000" pitchFamily="50" charset="-79"/>
-                <a:cs typeface="Frank Ruhl Hofshi" panose="00000500000000000000" pitchFamily="50" charset="-79"/>
+                <a:latin typeface="Frank Ruhl Libre" panose="00000500000000000000" pitchFamily="2" charset="-79"/>
+                <a:cs typeface="Frank Ruhl Libre" panose="00000500000000000000" pitchFamily="2" charset="-79"/>
               </a:rPr>
               <a:t>2 Primary Tasks</a:t>
             </a:r>
@@ -19702,8 +19594,8 @@
             <a:pPr lvl="1"/>
             <a:r>
               <a:rPr lang="en-US" dirty="0">
-                <a:latin typeface="Frank Ruhl Hofshi" panose="00000500000000000000" pitchFamily="50" charset="-79"/>
-                <a:cs typeface="Frank Ruhl Hofshi" panose="00000500000000000000" pitchFamily="50" charset="-79"/>
+                <a:latin typeface="Frank Ruhl Libre" panose="00000500000000000000" pitchFamily="2" charset="-79"/>
+                <a:cs typeface="Frank Ruhl Libre" panose="00000500000000000000" pitchFamily="2" charset="-79"/>
               </a:rPr>
               <a:t>Writer Identification: Multi-class Classification </a:t>
             </a:r>
@@ -19712,14 +19604,14 @@
             <a:pPr lvl="1"/>
             <a:r>
               <a:rPr lang="en-US" dirty="0">
-                <a:latin typeface="Frank Ruhl Hofshi" panose="00000500000000000000" pitchFamily="50" charset="-79"/>
-                <a:cs typeface="Frank Ruhl Hofshi" panose="00000500000000000000" pitchFamily="50" charset="-79"/>
+                <a:latin typeface="Frank Ruhl Libre" panose="00000500000000000000" pitchFamily="2" charset="-79"/>
+                <a:cs typeface="Frank Ruhl Libre" panose="00000500000000000000" pitchFamily="2" charset="-79"/>
               </a:rPr>
               <a:t>Writer Verification: Binary Classification </a:t>
             </a:r>
             <a:endParaRPr lang="en-IN" dirty="0">
-              <a:latin typeface="Frank Ruhl Hofshi" panose="00000500000000000000" pitchFamily="50" charset="-79"/>
-              <a:cs typeface="Frank Ruhl Hofshi" panose="00000500000000000000" pitchFamily="50" charset="-79"/>
+              <a:latin typeface="Frank Ruhl Libre" panose="00000500000000000000" pitchFamily="2" charset="-79"/>
+              <a:cs typeface="Frank Ruhl Libre" panose="00000500000000000000" pitchFamily="2" charset="-79"/>
             </a:endParaRPr>
           </a:p>
         </p:txBody>
@@ -20121,8 +20013,8 @@
             </a:pPr>
             <a:r>
               <a:rPr lang="en-US" b="1" dirty="0">
-                <a:latin typeface="Frank Ruhl Hofshi" panose="00000500000000000000" pitchFamily="50" charset="-79"/>
-                <a:cs typeface="Frank Ruhl Hofshi" panose="00000500000000000000" pitchFamily="50" charset="-79"/>
+                <a:latin typeface="Frank Ruhl Libre" panose="00000500000000000000" pitchFamily="2" charset="-79"/>
+                <a:cs typeface="Frank Ruhl Libre" panose="00000500000000000000" pitchFamily="2" charset="-79"/>
               </a:rPr>
               <a:t>Strategies</a:t>
             </a:r>
@@ -20130,8 +20022,8 @@
           <a:p>
             <a:r>
               <a:rPr lang="en-US" dirty="0">
-                <a:latin typeface="Frank Ruhl Hofshi" panose="00000500000000000000" pitchFamily="50" charset="-79"/>
-                <a:cs typeface="Frank Ruhl Hofshi" panose="00000500000000000000" pitchFamily="50" charset="-79"/>
+                <a:latin typeface="Frank Ruhl Libre" panose="00000500000000000000" pitchFamily="2" charset="-79"/>
+                <a:cs typeface="Frank Ruhl Libre" panose="00000500000000000000" pitchFamily="2" charset="-79"/>
               </a:rPr>
               <a:t>Handcrafted Feature-Based Identification/Verification</a:t>
             </a:r>
@@ -20139,16 +20031,16 @@
           <a:p>
             <a:r>
               <a:rPr lang="en-US" dirty="0">
-                <a:latin typeface="Frank Ruhl Hofshi" panose="00000500000000000000" pitchFamily="50" charset="-79"/>
-                <a:cs typeface="Frank Ruhl Hofshi" panose="00000500000000000000" pitchFamily="50" charset="-79"/>
+                <a:latin typeface="Frank Ruhl Libre" panose="00000500000000000000" pitchFamily="2" charset="-79"/>
+                <a:cs typeface="Frank Ruhl Libre" panose="00000500000000000000" pitchFamily="2" charset="-79"/>
               </a:rPr>
               <a:t>Auto-Derived Feature-Based Identification/Verification</a:t>
             </a:r>
           </a:p>
           <a:p>
             <a:endParaRPr lang="en-IN" dirty="0">
-              <a:latin typeface="Frank Ruhl Hofshi" panose="00000500000000000000" pitchFamily="50" charset="-79"/>
-              <a:cs typeface="Frank Ruhl Hofshi" panose="00000500000000000000" pitchFamily="50" charset="-79"/>
+              <a:latin typeface="Frank Ruhl Libre" panose="00000500000000000000" pitchFamily="2" charset="-79"/>
+              <a:cs typeface="Frank Ruhl Libre" panose="00000500000000000000" pitchFamily="2" charset="-79"/>
             </a:endParaRPr>
           </a:p>
         </p:txBody>

--- a/Documentation/4th Year Project Presentation.pptx
+++ b/Documentation/4th Year Project Presentation.pptx
@@ -5,7 +5,7 @@
     <p:sldMasterId id="2147483731" r:id="rId1"/>
   </p:sldMasterIdLst>
   <p:notesMasterIdLst>
-    <p:notesMasterId r:id="rId21"/>
+    <p:notesMasterId r:id="rId22"/>
   </p:notesMasterIdLst>
   <p:sldIdLst>
     <p:sldId id="256" r:id="rId2"/>
@@ -27,6 +27,7 @@
     <p:sldId id="270" r:id="rId18"/>
     <p:sldId id="280" r:id="rId19"/>
     <p:sldId id="263" r:id="rId20"/>
+    <p:sldId id="285" r:id="rId21"/>
   </p:sldIdLst>
   <p:sldSz cx="12192000" cy="6858000"/>
   <p:notesSz cx="6858000" cy="9144000"/>
@@ -2503,7 +2504,10 @@
       </dgm:prSet>
       <dgm:spPr>
         <a:solidFill>
-          <a:schemeClr val="dk1"/>
+          <a:schemeClr val="tx1">
+            <a:lumMod val="50000"/>
+            <a:lumOff val="50000"/>
+          </a:schemeClr>
         </a:solidFill>
         <a:ln>
           <a:noFill/>
@@ -2568,7 +2572,10 @@
       </dgm:prSet>
       <dgm:spPr>
         <a:solidFill>
-          <a:schemeClr val="dk1"/>
+          <a:schemeClr val="tx1">
+            <a:lumMod val="50000"/>
+            <a:lumOff val="50000"/>
+          </a:schemeClr>
         </a:solidFill>
         <a:ln>
           <a:noFill/>
@@ -2629,7 +2636,10 @@
       </dgm:prSet>
       <dgm:spPr>
         <a:solidFill>
-          <a:schemeClr val="dk1"/>
+          <a:schemeClr val="tx1">
+            <a:lumMod val="50000"/>
+            <a:lumOff val="50000"/>
+          </a:schemeClr>
         </a:solidFill>
         <a:ln>
           <a:noFill/>
@@ -2690,7 +2700,10 @@
       </dgm:prSet>
       <dgm:spPr>
         <a:solidFill>
-          <a:schemeClr val="dk1"/>
+          <a:schemeClr val="tx1">
+            <a:lumMod val="50000"/>
+            <a:lumOff val="50000"/>
+          </a:schemeClr>
         </a:solidFill>
         <a:ln>
           <a:noFill/>
@@ -2751,7 +2764,10 @@
       </dgm:prSet>
       <dgm:spPr>
         <a:solidFill>
-          <a:schemeClr val="dk1"/>
+          <a:schemeClr val="tx1">
+            <a:lumMod val="50000"/>
+            <a:lumOff val="50000"/>
+          </a:schemeClr>
         </a:solidFill>
         <a:ln>
           <a:noFill/>
@@ -3255,7 +3271,10 @@
       </dgm:prSet>
       <dgm:spPr>
         <a:solidFill>
-          <a:schemeClr val="dk1"/>
+          <a:schemeClr val="tx1">
+            <a:lumMod val="50000"/>
+            <a:lumOff val="50000"/>
+          </a:schemeClr>
         </a:solidFill>
         <a:ln>
           <a:noFill/>
@@ -3320,7 +3339,10 @@
       </dgm:prSet>
       <dgm:spPr>
         <a:solidFill>
-          <a:schemeClr val="dk1"/>
+          <a:schemeClr val="tx1">
+            <a:lumMod val="50000"/>
+            <a:lumOff val="50000"/>
+          </a:schemeClr>
         </a:solidFill>
         <a:ln>
           <a:noFill/>
@@ -3381,7 +3403,10 @@
       </dgm:prSet>
       <dgm:spPr>
         <a:solidFill>
-          <a:schemeClr val="dk1"/>
+          <a:schemeClr val="tx1">
+            <a:lumMod val="50000"/>
+            <a:lumOff val="50000"/>
+          </a:schemeClr>
         </a:solidFill>
         <a:ln>
           <a:noFill/>
@@ -3442,7 +3467,10 @@
       </dgm:prSet>
       <dgm:spPr>
         <a:solidFill>
-          <a:schemeClr val="dk1"/>
+          <a:schemeClr val="tx1">
+            <a:lumMod val="50000"/>
+            <a:lumOff val="50000"/>
+          </a:schemeClr>
         </a:solidFill>
         <a:ln>
           <a:noFill/>
@@ -3503,7 +3531,10 @@
       </dgm:prSet>
       <dgm:spPr>
         <a:solidFill>
-          <a:schemeClr val="dk1"/>
+          <a:schemeClr val="tx1">
+            <a:lumMod val="50000"/>
+            <a:lumOff val="50000"/>
+          </a:schemeClr>
         </a:solidFill>
         <a:ln>
           <a:noFill/>
@@ -3904,7 +3935,7 @@
   <dgm:whole/>
   <dgm:extLst>
     <a:ext uri="http://schemas.microsoft.com/office/drawing/2008/diagram">
-      <dsp:dataModelExt xmlns:dsp="http://schemas.microsoft.com/office/drawing/2008/diagram" relId="rId6" minVer="http://schemas.openxmlformats.org/drawingml/2006/diagram"/>
+      <dsp:dataModelExt xmlns:dsp="http://schemas.microsoft.com/office/drawing/2008/diagram" relId="rId7" minVer="http://schemas.openxmlformats.org/drawingml/2006/diagram"/>
     </a:ext>
   </dgm:extLst>
 </dgm:dataModel>
@@ -4142,7 +4173,10 @@
           <a:avLst/>
         </a:prstGeom>
         <a:solidFill>
-          <a:schemeClr val="dk1"/>
+          <a:schemeClr val="tx1">
+            <a:lumMod val="50000"/>
+            <a:lumOff val="50000"/>
+          </a:schemeClr>
         </a:solidFill>
         <a:ln>
           <a:noFill/>
@@ -4210,7 +4244,10 @@
           <a:avLst/>
         </a:prstGeom>
         <a:solidFill>
-          <a:schemeClr val="dk1"/>
+          <a:schemeClr val="tx1">
+            <a:lumMod val="50000"/>
+            <a:lumOff val="50000"/>
+          </a:schemeClr>
         </a:solidFill>
         <a:ln>
           <a:noFill/>
@@ -4277,7 +4314,10 @@
           <a:avLst/>
         </a:prstGeom>
         <a:solidFill>
-          <a:schemeClr val="dk1"/>
+          <a:schemeClr val="tx1">
+            <a:lumMod val="50000"/>
+            <a:lumOff val="50000"/>
+          </a:schemeClr>
         </a:solidFill>
         <a:ln>
           <a:noFill/>
@@ -4344,7 +4384,10 @@
           <a:avLst/>
         </a:prstGeom>
         <a:solidFill>
-          <a:schemeClr val="dk1"/>
+          <a:schemeClr val="tx1">
+            <a:lumMod val="50000"/>
+            <a:lumOff val="50000"/>
+          </a:schemeClr>
         </a:solidFill>
         <a:ln>
           <a:noFill/>
@@ -4411,7 +4454,10 @@
           <a:avLst/>
         </a:prstGeom>
         <a:solidFill>
-          <a:schemeClr val="dk1"/>
+          <a:schemeClr val="tx1">
+            <a:lumMod val="50000"/>
+            <a:lumOff val="50000"/>
+          </a:schemeClr>
         </a:solidFill>
         <a:ln>
           <a:noFill/>
@@ -4834,7 +4880,10 @@
           <a:avLst/>
         </a:prstGeom>
         <a:solidFill>
-          <a:schemeClr val="dk1"/>
+          <a:schemeClr val="tx1">
+            <a:lumMod val="50000"/>
+            <a:lumOff val="50000"/>
+          </a:schemeClr>
         </a:solidFill>
         <a:ln>
           <a:noFill/>
@@ -4902,7 +4951,10 @@
           <a:avLst/>
         </a:prstGeom>
         <a:solidFill>
-          <a:schemeClr val="dk1"/>
+          <a:schemeClr val="tx1">
+            <a:lumMod val="50000"/>
+            <a:lumOff val="50000"/>
+          </a:schemeClr>
         </a:solidFill>
         <a:ln>
           <a:noFill/>
@@ -4969,7 +5021,10 @@
           <a:avLst/>
         </a:prstGeom>
         <a:solidFill>
-          <a:schemeClr val="dk1"/>
+          <a:schemeClr val="tx1">
+            <a:lumMod val="50000"/>
+            <a:lumOff val="50000"/>
+          </a:schemeClr>
         </a:solidFill>
         <a:ln>
           <a:noFill/>
@@ -5036,7 +5091,10 @@
           <a:avLst/>
         </a:prstGeom>
         <a:solidFill>
-          <a:schemeClr val="dk1"/>
+          <a:schemeClr val="tx1">
+            <a:lumMod val="50000"/>
+            <a:lumOff val="50000"/>
+          </a:schemeClr>
         </a:solidFill>
         <a:ln>
           <a:noFill/>
@@ -5103,7 +5161,10 @@
           <a:avLst/>
         </a:prstGeom>
         <a:solidFill>
-          <a:schemeClr val="dk1"/>
+          <a:schemeClr val="tx1">
+            <a:lumMod val="50000"/>
+            <a:lumOff val="50000"/>
+          </a:schemeClr>
         </a:solidFill>
         <a:ln>
           <a:noFill/>
@@ -8066,7 +8127,7 @@
           <a:p>
             <a:r>
               <a:rPr lang="en-US" dirty="0"/>
-              <a:t>Good afternoon. I am Souporno and I will take over from here. The dataset we used was provided to us by our project supervisor. </a:t>
+              <a:t>Good afternoon. I am Souporno and I will take over from here. I’ll discuss a little about the dataset that we used. The dataset we used was provided to us by our project supervisor. </a:t>
             </a:r>
           </a:p>
           <a:p>
@@ -8189,13 +8250,25 @@
           <a:p>
             <a:r>
               <a:rPr lang="en-US" dirty="0"/>
-              <a:t>Before the data can be processed, it needs to be prepared.</a:t>
+              <a:t>Now, before the data can be processed, it needs to be prepared.</a:t>
             </a:r>
           </a:p>
           <a:p>
             <a:r>
               <a:rPr lang="en-US" dirty="0"/>
-              <a:t># The images were segmented into word sized images. Segmentation was done as a final year project by Mondal et al in 2020. </a:t>
+              <a:t># The images were segmented into word sized images. Segmentation was done as a final year project by Mondal et al in 2020 in the project titled “</a:t>
+            </a:r>
+            <a:r>
+              <a:rPr lang="en-US" sz="1800" dirty="0">
+                <a:effectLst/>
+                <a:latin typeface="Times New Roman" panose="02020603050405020304" pitchFamily="18" charset="0"/>
+                <a:ea typeface="Times New Roman" panose="02020603050405020304" pitchFamily="18" charset="0"/>
+              </a:rPr>
+              <a:t>Preprocess the handwritten document image for preparing writer recognition</a:t>
+            </a:r>
+            <a:r>
+              <a:rPr lang="en-US" dirty="0"/>
+              <a:t>”. </a:t>
             </a:r>
           </a:p>
           <a:p>
@@ -8840,6 +8913,90 @@
 </file>
 
 <file path=ppt/notesSlides/notesSlide5.xml><?xml version="1.0" encoding="utf-8"?>
+<p:notes xmlns:a="http://schemas.openxmlformats.org/drawingml/2006/main" xmlns:r="http://schemas.openxmlformats.org/officeDocument/2006/relationships" xmlns:p="http://schemas.openxmlformats.org/presentationml/2006/main">
+  <p:cSld>
+    <p:spTree>
+      <p:nvGrpSpPr>
+        <p:cNvPr id="1" name=""/>
+        <p:cNvGrpSpPr/>
+        <p:nvPr/>
+      </p:nvGrpSpPr>
+      <p:grpSpPr>
+        <a:xfrm>
+          <a:off x="0" y="0"/>
+          <a:ext cx="0" cy="0"/>
+          <a:chOff x="0" y="0"/>
+          <a:chExt cx="0" cy="0"/>
+        </a:xfrm>
+      </p:grpSpPr>
+      <p:sp>
+        <p:nvSpPr>
+          <p:cNvPr id="2" name="Slide Image Placeholder 1"/>
+          <p:cNvSpPr>
+            <a:spLocks noGrp="1" noRot="1" noChangeAspect="1"/>
+          </p:cNvSpPr>
+          <p:nvPr>
+            <p:ph type="sldImg"/>
+          </p:nvPr>
+        </p:nvSpPr>
+        <p:spPr/>
+      </p:sp>
+      <p:sp>
+        <p:nvSpPr>
+          <p:cNvPr id="3" name="Notes Placeholder 2"/>
+          <p:cNvSpPr>
+            <a:spLocks noGrp="1"/>
+          </p:cNvSpPr>
+          <p:nvPr>
+            <p:ph type="body" idx="1"/>
+          </p:nvPr>
+        </p:nvSpPr>
+        <p:spPr/>
+        <p:txBody>
+          <a:bodyPr/>
+          <a:lstStyle/>
+          <a:p>
+            <a:endParaRPr lang="en-IN" dirty="0"/>
+          </a:p>
+        </p:txBody>
+      </p:sp>
+      <p:sp>
+        <p:nvSpPr>
+          <p:cNvPr id="4" name="Slide Number Placeholder 3"/>
+          <p:cNvSpPr>
+            <a:spLocks noGrp="1"/>
+          </p:cNvSpPr>
+          <p:nvPr>
+            <p:ph type="sldNum" sz="quarter" idx="5"/>
+          </p:nvPr>
+        </p:nvSpPr>
+        <p:spPr/>
+        <p:txBody>
+          <a:bodyPr/>
+          <a:lstStyle/>
+          <a:p>
+            <a:fld id="{E0460530-21AB-4667-8DDF-0CFD1A19A456}" type="slidenum">
+              <a:rPr lang="en-IN" smtClean="0"/>
+              <a:t>17</a:t>
+            </a:fld>
+            <a:endParaRPr lang="en-IN"/>
+          </a:p>
+        </p:txBody>
+      </p:sp>
+    </p:spTree>
+    <p:extLst>
+      <p:ext uri="{BB962C8B-B14F-4D97-AF65-F5344CB8AC3E}">
+        <p14:creationId xmlns:p14="http://schemas.microsoft.com/office/powerpoint/2010/main" val="2003245128"/>
+      </p:ext>
+    </p:extLst>
+  </p:cSld>
+  <p:clrMapOvr>
+    <a:masterClrMapping/>
+  </p:clrMapOvr>
+</p:notes>
+</file>
+
+<file path=ppt/notesSlides/notesSlide6.xml><?xml version="1.0" encoding="utf-8"?>
 <p:notes xmlns:a="http://schemas.openxmlformats.org/drawingml/2006/main" xmlns:r="http://schemas.openxmlformats.org/officeDocument/2006/relationships" xmlns:p="http://schemas.openxmlformats.org/presentationml/2006/main">
   <p:cSld>
     <p:spTree>
@@ -14780,7 +14937,7 @@
             <p:ph idx="1"/>
             <p:extLst>
               <p:ext uri="{D42A27DB-BD31-4B8C-83A1-F6EECF244321}">
-                <p14:modId xmlns:p14="http://schemas.microsoft.com/office/powerpoint/2010/main" val="1617434689"/>
+                <p14:modId xmlns:p14="http://schemas.microsoft.com/office/powerpoint/2010/main" val="2390518283"/>
               </p:ext>
             </p:extLst>
           </p:nvPr>
@@ -14970,33 +15127,15 @@
                                   </p:childTnLst>
                                 </p:cTn>
                               </p:par>
-                            </p:childTnLst>
-                          </p:cTn>
-                        </p:par>
-                      </p:childTnLst>
-                    </p:cTn>
-                  </p:par>
-                  <p:par>
-                    <p:cTn id="15" fill="hold">
-                      <p:stCondLst>
-                        <p:cond delay="indefinite"/>
-                      </p:stCondLst>
-                      <p:childTnLst>
-                        <p:par>
-                          <p:cTn id="16" fill="hold">
-                            <p:stCondLst>
-                              <p:cond delay="0"/>
-                            </p:stCondLst>
-                            <p:childTnLst>
                               <p:par>
-                                <p:cTn id="17" presetID="1" presetClass="entr" presetSubtype="0" fill="hold" grpId="0" nodeType="clickEffect">
+                                <p:cTn id="15" presetID="1" presetClass="entr" presetSubtype="0" fill="hold" grpId="0" nodeType="withEffect">
                                   <p:stCondLst>
                                     <p:cond delay="0"/>
                                   </p:stCondLst>
                                   <p:childTnLst>
                                     <p:set>
                                       <p:cBhvr>
-                                        <p:cTn id="18" dur="1" fill="hold">
+                                        <p:cTn id="16" dur="1" fill="hold">
                                           <p:stCondLst>
                                             <p:cond delay="0"/>
                                           </p:stCondLst>
@@ -15019,26 +15158,70 @@
                                   </p:childTnLst>
                                 </p:cTn>
                               </p:par>
-                            </p:childTnLst>
-                          </p:cTn>
-                        </p:par>
-                      </p:childTnLst>
-                    </p:cTn>
-                  </p:par>
-                  <p:par>
-                    <p:cTn id="19" fill="hold">
-                      <p:stCondLst>
-                        <p:cond delay="indefinite"/>
-                      </p:stCondLst>
-                      <p:childTnLst>
-                        <p:par>
-                          <p:cTn id="20" fill="hold">
-                            <p:stCondLst>
-                              <p:cond delay="0"/>
-                            </p:stCondLst>
-                            <p:childTnLst>
                               <p:par>
-                                <p:cTn id="21" presetID="1" presetClass="entr" presetSubtype="0" fill="hold" grpId="0" nodeType="clickEffect">
+                                <p:cTn id="17" presetID="1" presetClass="entr" presetSubtype="0" fill="hold" grpId="0" nodeType="withEffect">
+                                  <p:stCondLst>
+                                    <p:cond delay="0"/>
+                                  </p:stCondLst>
+                                  <p:childTnLst>
+                                    <p:set>
+                                      <p:cBhvr>
+                                        <p:cTn id="18" dur="1" fill="hold">
+                                          <p:stCondLst>
+                                            <p:cond delay="0"/>
+                                          </p:stCondLst>
+                                        </p:cTn>
+                                        <p:tgtEl>
+                                          <p:spTgt spid="4">
+                                            <p:graphicEl>
+                                              <a:dgm id="{AD8B0F8D-AAE5-4F60-A41D-93EC1E6ABB5E}"/>
+                                            </p:graphicEl>
+                                          </p:spTgt>
+                                        </p:tgtEl>
+                                        <p:attrNameLst>
+                                          <p:attrName>style.visibility</p:attrName>
+                                        </p:attrNameLst>
+                                      </p:cBhvr>
+                                      <p:to>
+                                        <p:strVal val="visible"/>
+                                      </p:to>
+                                    </p:set>
+                                  </p:childTnLst>
+                                </p:cTn>
+                              </p:par>
+                              <p:par>
+                                <p:cTn id="19" presetID="1" presetClass="entr" presetSubtype="0" fill="hold" grpId="0" nodeType="withEffect">
+                                  <p:stCondLst>
+                                    <p:cond delay="0"/>
+                                  </p:stCondLst>
+                                  <p:childTnLst>
+                                    <p:set>
+                                      <p:cBhvr>
+                                        <p:cTn id="20" dur="1" fill="hold">
+                                          <p:stCondLst>
+                                            <p:cond delay="0"/>
+                                          </p:stCondLst>
+                                        </p:cTn>
+                                        <p:tgtEl>
+                                          <p:spTgt spid="4">
+                                            <p:graphicEl>
+                                              <a:dgm id="{CD4E6B0E-CFDA-4812-A9AF-D4830B79426A}"/>
+                                            </p:graphicEl>
+                                          </p:spTgt>
+                                        </p:tgtEl>
+                                        <p:attrNameLst>
+                                          <p:attrName>style.visibility</p:attrName>
+                                        </p:attrNameLst>
+                                      </p:cBhvr>
+                                      <p:to>
+                                        <p:strVal val="visible"/>
+                                      </p:to>
+                                    </p:set>
+                                  </p:childTnLst>
+                                </p:cTn>
+                              </p:par>
+                              <p:par>
+                                <p:cTn id="21" presetID="1" presetClass="entr" presetSubtype="0" fill="hold" grpId="0" nodeType="withEffect">
                                   <p:stCondLst>
                                     <p:cond delay="0"/>
                                   </p:stCondLst>
@@ -15053,7 +15236,7 @@
                                         <p:tgtEl>
                                           <p:spTgt spid="4">
                                             <p:graphicEl>
-                                              <a:dgm id="{AD8B0F8D-AAE5-4F60-A41D-93EC1E6ABB5E}"/>
+                                              <a:dgm id="{625ED39A-34F2-4EEA-9FCA-73AB69E87EBE}"/>
                                             </p:graphicEl>
                                           </p:spTgt>
                                         </p:tgtEl>
@@ -15102,104 +15285,6 @@
                                         <p:tgtEl>
                                           <p:spTgt spid="4">
                                             <p:graphicEl>
-                                              <a:dgm id="{CD4E6B0E-CFDA-4812-A9AF-D4830B79426A}"/>
-                                            </p:graphicEl>
-                                          </p:spTgt>
-                                        </p:tgtEl>
-                                        <p:attrNameLst>
-                                          <p:attrName>style.visibility</p:attrName>
-                                        </p:attrNameLst>
-                                      </p:cBhvr>
-                                      <p:to>
-                                        <p:strVal val="visible"/>
-                                      </p:to>
-                                    </p:set>
-                                  </p:childTnLst>
-                                </p:cTn>
-                              </p:par>
-                            </p:childTnLst>
-                          </p:cTn>
-                        </p:par>
-                      </p:childTnLst>
-                    </p:cTn>
-                  </p:par>
-                  <p:par>
-                    <p:cTn id="27" fill="hold">
-                      <p:stCondLst>
-                        <p:cond delay="indefinite"/>
-                      </p:stCondLst>
-                      <p:childTnLst>
-                        <p:par>
-                          <p:cTn id="28" fill="hold">
-                            <p:stCondLst>
-                              <p:cond delay="0"/>
-                            </p:stCondLst>
-                            <p:childTnLst>
-                              <p:par>
-                                <p:cTn id="29" presetID="1" presetClass="entr" presetSubtype="0" fill="hold" grpId="0" nodeType="clickEffect">
-                                  <p:stCondLst>
-                                    <p:cond delay="0"/>
-                                  </p:stCondLst>
-                                  <p:childTnLst>
-                                    <p:set>
-                                      <p:cBhvr>
-                                        <p:cTn id="30" dur="1" fill="hold">
-                                          <p:stCondLst>
-                                            <p:cond delay="0"/>
-                                          </p:stCondLst>
-                                        </p:cTn>
-                                        <p:tgtEl>
-                                          <p:spTgt spid="4">
-                                            <p:graphicEl>
-                                              <a:dgm id="{625ED39A-34F2-4EEA-9FCA-73AB69E87EBE}"/>
-                                            </p:graphicEl>
-                                          </p:spTgt>
-                                        </p:tgtEl>
-                                        <p:attrNameLst>
-                                          <p:attrName>style.visibility</p:attrName>
-                                        </p:attrNameLst>
-                                      </p:cBhvr>
-                                      <p:to>
-                                        <p:strVal val="visible"/>
-                                      </p:to>
-                                    </p:set>
-                                  </p:childTnLst>
-                                </p:cTn>
-                              </p:par>
-                            </p:childTnLst>
-                          </p:cTn>
-                        </p:par>
-                      </p:childTnLst>
-                    </p:cTn>
-                  </p:par>
-                  <p:par>
-                    <p:cTn id="31" fill="hold">
-                      <p:stCondLst>
-                        <p:cond delay="indefinite"/>
-                      </p:stCondLst>
-                      <p:childTnLst>
-                        <p:par>
-                          <p:cTn id="32" fill="hold">
-                            <p:stCondLst>
-                              <p:cond delay="0"/>
-                            </p:stCondLst>
-                            <p:childTnLst>
-                              <p:par>
-                                <p:cTn id="33" presetID="1" presetClass="entr" presetSubtype="0" fill="hold" grpId="0" nodeType="clickEffect">
-                                  <p:stCondLst>
-                                    <p:cond delay="0"/>
-                                  </p:stCondLst>
-                                  <p:childTnLst>
-                                    <p:set>
-                                      <p:cBhvr>
-                                        <p:cTn id="34" dur="1" fill="hold">
-                                          <p:stCondLst>
-                                            <p:cond delay="0"/>
-                                          </p:stCondLst>
-                                        </p:cTn>
-                                        <p:tgtEl>
-                                          <p:spTgt spid="4">
-                                            <p:graphicEl>
                                               <a:dgm id="{34B7AA53-A65D-427C-AF67-E094BBB0A8A8}"/>
                                             </p:graphicEl>
                                           </p:spTgt>
@@ -15215,33 +15300,15 @@
                                   </p:childTnLst>
                                 </p:cTn>
                               </p:par>
-                            </p:childTnLst>
-                          </p:cTn>
-                        </p:par>
-                      </p:childTnLst>
-                    </p:cTn>
-                  </p:par>
-                  <p:par>
-                    <p:cTn id="35" fill="hold">
-                      <p:stCondLst>
-                        <p:cond delay="indefinite"/>
-                      </p:stCondLst>
-                      <p:childTnLst>
-                        <p:par>
-                          <p:cTn id="36" fill="hold">
-                            <p:stCondLst>
-                              <p:cond delay="0"/>
-                            </p:stCondLst>
-                            <p:childTnLst>
                               <p:par>
-                                <p:cTn id="37" presetID="1" presetClass="entr" presetSubtype="0" fill="hold" grpId="0" nodeType="clickEffect">
+                                <p:cTn id="27" presetID="1" presetClass="entr" presetSubtype="0" fill="hold" grpId="0" nodeType="withEffect">
                                   <p:stCondLst>
                                     <p:cond delay="0"/>
                                   </p:stCondLst>
                                   <p:childTnLst>
                                     <p:set>
                                       <p:cBhvr>
-                                        <p:cTn id="38" dur="1" fill="hold">
+                                        <p:cTn id="28" dur="1" fill="hold">
                                           <p:stCondLst>
                                             <p:cond delay="0"/>
                                           </p:stCondLst>
@@ -15368,7 +15435,7 @@
             <p:ph idx="1"/>
             <p:extLst>
               <p:ext uri="{D42A27DB-BD31-4B8C-83A1-F6EECF244321}">
-                <p14:modId xmlns:p14="http://schemas.microsoft.com/office/powerpoint/2010/main" val="1417299341"/>
+                <p14:modId xmlns:p14="http://schemas.microsoft.com/office/powerpoint/2010/main" val="988192226"/>
               </p:ext>
             </p:extLst>
           </p:nvPr>
@@ -15379,7 +15446,7 @@
         </p:xfrm>
         <a:graphic>
           <a:graphicData uri="http://schemas.openxmlformats.org/drawingml/2006/diagram">
-            <dgm:relIds xmlns:dgm="http://schemas.openxmlformats.org/drawingml/2006/diagram" xmlns:r="http://schemas.openxmlformats.org/officeDocument/2006/relationships" r:dm="rId2" r:lo="rId3" r:qs="rId4" r:cs="rId5"/>
+            <dgm:relIds xmlns:dgm="http://schemas.openxmlformats.org/drawingml/2006/diagram" xmlns:r="http://schemas.openxmlformats.org/officeDocument/2006/relationships" r:dm="rId3" r:lo="rId4" r:qs="rId5" r:cs="rId6"/>
           </a:graphicData>
         </a:graphic>
       </p:graphicFrame>
@@ -15469,8 +15536,8 @@
             <a:pPr algn="ctr"/>
             <a:r>
               <a:rPr lang="en-US" sz="1200" b="1" dirty="0">
-                <a:latin typeface="Frank Ruhl Hofshi" panose="00000500000000000000" pitchFamily="50" charset="-79"/>
-                <a:cs typeface="Frank Ruhl Hofshi" panose="00000500000000000000" pitchFamily="50" charset="-79"/>
+                <a:latin typeface="Frank Ruhl Libre" panose="00000500000000000000" pitchFamily="2" charset="-79"/>
+                <a:cs typeface="Frank Ruhl Libre" panose="00000500000000000000" pitchFamily="2" charset="-79"/>
               </a:rPr>
               <a:t>Output:</a:t>
             </a:r>
@@ -15479,14 +15546,169 @@
             <a:pPr algn="ctr"/>
             <a:r>
               <a:rPr lang="en-US" sz="1200" b="1" dirty="0">
-                <a:latin typeface="Frank Ruhl Hofshi" panose="00000500000000000000" pitchFamily="50" charset="-79"/>
-                <a:cs typeface="Frank Ruhl Hofshi" panose="00000500000000000000" pitchFamily="50" charset="-79"/>
+                <a:latin typeface="Frank Ruhl Libre" panose="00000500000000000000" pitchFamily="2" charset="-79"/>
+                <a:cs typeface="Frank Ruhl Libre" panose="00000500000000000000" pitchFamily="2" charset="-79"/>
               </a:rPr>
               <a:t>Feature Matrix</a:t>
             </a:r>
             <a:endParaRPr lang="en-IN" sz="1200" b="1" dirty="0">
-              <a:latin typeface="Frank Ruhl Hofshi" panose="00000500000000000000" pitchFamily="50" charset="-79"/>
-              <a:cs typeface="Frank Ruhl Hofshi" panose="00000500000000000000" pitchFamily="50" charset="-79"/>
+              <a:latin typeface="Frank Ruhl Libre" panose="00000500000000000000" pitchFamily="2" charset="-79"/>
+              <a:cs typeface="Frank Ruhl Libre" panose="00000500000000000000" pitchFamily="2" charset="-79"/>
+            </a:endParaRPr>
+          </a:p>
+        </p:txBody>
+      </p:sp>
+      <p:sp>
+        <p:nvSpPr>
+          <p:cNvPr id="5" name="Rectangle: Rounded Corners 4">
+            <a:extLst>
+              <a:ext uri="{FF2B5EF4-FFF2-40B4-BE49-F238E27FC236}">
+                <a16:creationId xmlns:a16="http://schemas.microsoft.com/office/drawing/2014/main" id="{18E8EED0-2883-4CC1-801D-D11CDB17F6D1}"/>
+              </a:ext>
+            </a:extLst>
+          </p:cNvPr>
+          <p:cNvSpPr/>
+          <p:nvPr/>
+        </p:nvSpPr>
+        <p:spPr>
+          <a:xfrm>
+            <a:off x="2023840" y="3130094"/>
+            <a:ext cx="1119600" cy="1742400"/>
+          </a:xfrm>
+          <a:prstGeom prst="roundRect">
+            <a:avLst/>
+          </a:prstGeom>
+          <a:solidFill>
+            <a:schemeClr val="bg2"/>
+          </a:solidFill>
+          <a:ln>
+            <a:solidFill>
+              <a:schemeClr val="bg2">
+                <a:lumMod val="50000"/>
+              </a:schemeClr>
+            </a:solidFill>
+          </a:ln>
+        </p:spPr>
+        <p:style>
+          <a:lnRef idx="2">
+            <a:schemeClr val="accent3">
+              <a:shade val="50000"/>
+            </a:schemeClr>
+          </a:lnRef>
+          <a:fillRef idx="1">
+            <a:schemeClr val="accent3"/>
+          </a:fillRef>
+          <a:effectRef idx="0">
+            <a:schemeClr val="accent3"/>
+          </a:effectRef>
+          <a:fontRef idx="minor">
+            <a:schemeClr val="lt1"/>
+          </a:fontRef>
+        </p:style>
+        <p:txBody>
+          <a:bodyPr rtlCol="0" anchor="ctr"/>
+          <a:lstStyle/>
+          <a:p>
+            <a:pPr algn="ctr"/>
+            <a:r>
+              <a:rPr lang="en-US" sz="1200" dirty="0">
+                <a:solidFill>
+                  <a:schemeClr val="tx1"/>
+                </a:solidFill>
+                <a:latin typeface="Frank Ruhl Libre" panose="00000500000000000000" pitchFamily="2" charset="-79"/>
+                <a:cs typeface="Frank Ruhl Libre" panose="00000500000000000000" pitchFamily="2" charset="-79"/>
+              </a:rPr>
+              <a:t>Image Preprocessing</a:t>
+            </a:r>
+            <a:endParaRPr lang="en-IN" sz="1200" dirty="0">
+              <a:solidFill>
+                <a:schemeClr val="tx1"/>
+              </a:solidFill>
+              <a:latin typeface="Frank Ruhl Libre" panose="00000500000000000000" pitchFamily="2" charset="-79"/>
+              <a:cs typeface="Frank Ruhl Libre" panose="00000500000000000000" pitchFamily="2" charset="-79"/>
+            </a:endParaRPr>
+          </a:p>
+        </p:txBody>
+      </p:sp>
+      <p:sp>
+        <p:nvSpPr>
+          <p:cNvPr id="6" name="Rectangle: Rounded Corners 5">
+            <a:extLst>
+              <a:ext uri="{FF2B5EF4-FFF2-40B4-BE49-F238E27FC236}">
+                <a16:creationId xmlns:a16="http://schemas.microsoft.com/office/drawing/2014/main" id="{B0154475-49F6-4E35-BE38-2E142F85D112}"/>
+              </a:ext>
+            </a:extLst>
+          </p:cNvPr>
+          <p:cNvSpPr/>
+          <p:nvPr/>
+        </p:nvSpPr>
+        <p:spPr>
+          <a:xfrm>
+            <a:off x="838200" y="3130094"/>
+            <a:ext cx="1119600" cy="1742400"/>
+          </a:xfrm>
+          <a:prstGeom prst="roundRect">
+            <a:avLst/>
+          </a:prstGeom>
+          <a:solidFill>
+            <a:schemeClr val="bg1"/>
+          </a:solidFill>
+          <a:ln>
+            <a:solidFill>
+              <a:schemeClr val="tx1"/>
+            </a:solidFill>
+          </a:ln>
+        </p:spPr>
+        <p:style>
+          <a:lnRef idx="2">
+            <a:schemeClr val="accent1">
+              <a:shade val="50000"/>
+            </a:schemeClr>
+          </a:lnRef>
+          <a:fillRef idx="1">
+            <a:schemeClr val="accent1"/>
+          </a:fillRef>
+          <a:effectRef idx="0">
+            <a:schemeClr val="accent1"/>
+          </a:effectRef>
+          <a:fontRef idx="minor">
+            <a:schemeClr val="lt1"/>
+          </a:fontRef>
+        </p:style>
+        <p:txBody>
+          <a:bodyPr rtlCol="0" anchor="ctr"/>
+          <a:lstStyle/>
+          <a:p>
+            <a:pPr algn="ctr"/>
+            <a:r>
+              <a:rPr lang="en-US" sz="1200" b="1" dirty="0">
+                <a:solidFill>
+                  <a:schemeClr val="tx1"/>
+                </a:solidFill>
+                <a:latin typeface="Frank Ruhl Libre" panose="00000500000000000000" pitchFamily="2" charset="-79"/>
+                <a:cs typeface="Frank Ruhl Libre" panose="00000500000000000000" pitchFamily="2" charset="-79"/>
+              </a:rPr>
+              <a:t>Input:</a:t>
+            </a:r>
+          </a:p>
+          <a:p>
+            <a:pPr algn="ctr"/>
+            <a:r>
+              <a:rPr lang="en-US" sz="1200" b="1" dirty="0">
+                <a:solidFill>
+                  <a:schemeClr val="tx1"/>
+                </a:solidFill>
+                <a:latin typeface="Frank Ruhl Libre" panose="00000500000000000000" pitchFamily="2" charset="-79"/>
+                <a:cs typeface="Frank Ruhl Libre" panose="00000500000000000000" pitchFamily="2" charset="-79"/>
+              </a:rPr>
+              <a:t>RAW TIFF Images</a:t>
+            </a:r>
+            <a:endParaRPr lang="en-IN" sz="1200" b="1" dirty="0">
+              <a:solidFill>
+                <a:schemeClr val="tx1"/>
+              </a:solidFill>
+              <a:latin typeface="Frank Ruhl Libre" panose="00000500000000000000" pitchFamily="2" charset="-79"/>
+              <a:cs typeface="Frank Ruhl Libre" panose="00000500000000000000" pitchFamily="2" charset="-79"/>
             </a:endParaRPr>
           </a:p>
         </p:txBody>
@@ -15533,6 +15755,40 @@
                                         <p:tgtEl>
                                           <p:spTgt spid="7">
                                             <p:graphicEl>
+                                              <a:dgm id="{34B7AA53-A65D-427C-AF67-E094BBB0A8A8}"/>
+                                            </p:graphicEl>
+                                          </p:spTgt>
+                                        </p:tgtEl>
+                                      </p:cBhvr>
+                                    </p:animEffect>
+                                    <p:animScale>
+                                      <p:cBhvr>
+                                        <p:cTn id="7" dur="250" autoRev="1" fill="hold"/>
+                                        <p:tgtEl>
+                                          <p:spTgt spid="7">
+                                            <p:graphicEl>
+                                              <a:dgm id="{34B7AA53-A65D-427C-AF67-E094BBB0A8A8}"/>
+                                            </p:graphicEl>
+                                          </p:spTgt>
+                                        </p:tgtEl>
+                                      </p:cBhvr>
+                                      <p:by x="105000" y="105000"/>
+                                    </p:animScale>
+                                  </p:childTnLst>
+                                </p:cTn>
+                              </p:par>
+                              <p:par>
+                                <p:cTn id="8" presetID="26" presetClass="emph" presetSubtype="0" fill="hold" grpId="5" nodeType="withEffect">
+                                  <p:stCondLst>
+                                    <p:cond delay="0"/>
+                                  </p:stCondLst>
+                                  <p:childTnLst>
+                                    <p:animEffect transition="out" filter="fade">
+                                      <p:cBhvr>
+                                        <p:cTn id="9" dur="500" tmFilter="0, 0; .2, .5; .8, .5; 1, 0"/>
+                                        <p:tgtEl>
+                                          <p:spTgt spid="7">
+                                            <p:graphicEl>
                                               <a:dgm id="{E7CDB7BA-C1AA-4C9F-8313-4DFD5ED03041}"/>
                                             </p:graphicEl>
                                           </p:spTgt>
@@ -15541,7 +15797,7 @@
                                     </p:animEffect>
                                     <p:animScale>
                                       <p:cBhvr>
-                                        <p:cTn id="7" dur="250" autoRev="1" fill="hold"/>
+                                        <p:cTn id="10" dur="250" autoRev="1" fill="hold"/>
                                         <p:tgtEl>
                                           <p:spTgt spid="7">
                                             <p:graphicEl>
@@ -15559,20 +15815,54 @@
                           </p:cTn>
                         </p:par>
                         <p:par>
-                          <p:cTn id="8" fill="hold">
+                          <p:cTn id="11" fill="hold">
                             <p:stCondLst>
                               <p:cond delay="500"/>
                             </p:stCondLst>
                             <p:childTnLst>
                               <p:par>
-                                <p:cTn id="9" presetID="26" presetClass="emph" presetSubtype="0" fill="hold" grpId="2" nodeType="afterEffect">
+                                <p:cTn id="12" presetID="26" presetClass="emph" presetSubtype="0" fill="hold" grpId="2" nodeType="afterEffect">
                                   <p:stCondLst>
                                     <p:cond delay="0"/>
                                   </p:stCondLst>
                                   <p:childTnLst>
                                     <p:animEffect transition="out" filter="fade">
                                       <p:cBhvr>
-                                        <p:cTn id="10" dur="500" tmFilter="0, 0; .2, .5; .8, .5; 1, 0"/>
+                                        <p:cTn id="13" dur="500" tmFilter="0, 0; .2, .5; .8, .5; 1, 0"/>
+                                        <p:tgtEl>
+                                          <p:spTgt spid="7">
+                                            <p:graphicEl>
+                                              <a:dgm id="{34B7AA53-A65D-427C-AF67-E094BBB0A8A8}"/>
+                                            </p:graphicEl>
+                                          </p:spTgt>
+                                        </p:tgtEl>
+                                      </p:cBhvr>
+                                    </p:animEffect>
+                                    <p:animScale>
+                                      <p:cBhvr>
+                                        <p:cTn id="14" dur="250" autoRev="1" fill="hold"/>
+                                        <p:tgtEl>
+                                          <p:spTgt spid="7">
+                                            <p:graphicEl>
+                                              <a:dgm id="{34B7AA53-A65D-427C-AF67-E094BBB0A8A8}"/>
+                                            </p:graphicEl>
+                                          </p:spTgt>
+                                        </p:tgtEl>
+                                      </p:cBhvr>
+                                      <p:by x="105000" y="105000"/>
+                                    </p:animScale>
+                                  </p:childTnLst>
+                                </p:cTn>
+                              </p:par>
+                              <p:par>
+                                <p:cTn id="15" presetID="26" presetClass="emph" presetSubtype="0" fill="hold" grpId="2" nodeType="withEffect">
+                                  <p:stCondLst>
+                                    <p:cond delay="0"/>
+                                  </p:stCondLst>
+                                  <p:childTnLst>
+                                    <p:animEffect transition="out" filter="fade">
+                                      <p:cBhvr>
+                                        <p:cTn id="16" dur="500" tmFilter="0, 0; .2, .5; .8, .5; 1, 0"/>
                                         <p:tgtEl>
                                           <p:spTgt spid="7">
                                             <p:graphicEl>
@@ -15584,7 +15874,7 @@
                                     </p:animEffect>
                                     <p:animScale>
                                       <p:cBhvr>
-                                        <p:cTn id="11" dur="250" autoRev="1" fill="hold"/>
+                                        <p:cTn id="17" dur="250" autoRev="1" fill="hold"/>
                                         <p:tgtEl>
                                           <p:spTgt spid="7">
                                             <p:graphicEl>
@@ -15602,20 +15892,54 @@
                           </p:cTn>
                         </p:par>
                         <p:par>
-                          <p:cTn id="12" fill="hold">
+                          <p:cTn id="18" fill="hold">
                             <p:stCondLst>
                               <p:cond delay="1000"/>
                             </p:stCondLst>
                             <p:childTnLst>
                               <p:par>
-                                <p:cTn id="13" presetID="26" presetClass="emph" presetSubtype="0" fill="hold" grpId="3" nodeType="afterEffect">
+                                <p:cTn id="19" presetID="26" presetClass="emph" presetSubtype="0" fill="hold" grpId="6" nodeType="afterEffect">
                                   <p:stCondLst>
                                     <p:cond delay="0"/>
                                   </p:stCondLst>
                                   <p:childTnLst>
                                     <p:animEffect transition="out" filter="fade">
                                       <p:cBhvr>
-                                        <p:cTn id="14" dur="500" tmFilter="0, 0; .2, .5; .8, .5; 1, 0"/>
+                                        <p:cTn id="20" dur="500" tmFilter="0, 0; .2, .5; .8, .5; 1, 0"/>
+                                        <p:tgtEl>
+                                          <p:spTgt spid="7">
+                                            <p:graphicEl>
+                                              <a:dgm id="{34B7AA53-A65D-427C-AF67-E094BBB0A8A8}"/>
+                                            </p:graphicEl>
+                                          </p:spTgt>
+                                        </p:tgtEl>
+                                      </p:cBhvr>
+                                    </p:animEffect>
+                                    <p:animScale>
+                                      <p:cBhvr>
+                                        <p:cTn id="21" dur="250" autoRev="1" fill="hold"/>
+                                        <p:tgtEl>
+                                          <p:spTgt spid="7">
+                                            <p:graphicEl>
+                                              <a:dgm id="{34B7AA53-A65D-427C-AF67-E094BBB0A8A8}"/>
+                                            </p:graphicEl>
+                                          </p:spTgt>
+                                        </p:tgtEl>
+                                      </p:cBhvr>
+                                      <p:by x="105000" y="105000"/>
+                                    </p:animScale>
+                                  </p:childTnLst>
+                                </p:cTn>
+                              </p:par>
+                              <p:par>
+                                <p:cTn id="22" presetID="26" presetClass="emph" presetSubtype="0" fill="hold" grpId="6" nodeType="withEffect">
+                                  <p:stCondLst>
+                                    <p:cond delay="0"/>
+                                  </p:stCondLst>
+                                  <p:childTnLst>
+                                    <p:animEffect transition="out" filter="fade">
+                                      <p:cBhvr>
+                                        <p:cTn id="23" dur="500" tmFilter="0, 0; .2, .5; .8, .5; 1, 0"/>
                                         <p:tgtEl>
                                           <p:spTgt spid="7">
                                             <p:graphicEl>
@@ -15627,7 +15951,7 @@
                                     </p:animEffect>
                                     <p:animScale>
                                       <p:cBhvr>
-                                        <p:cTn id="15" dur="250" autoRev="1" fill="hold"/>
+                                        <p:cTn id="24" dur="250" autoRev="1" fill="hold"/>
                                         <p:tgtEl>
                                           <p:spTgt spid="7">
                                             <p:graphicEl>
@@ -15648,26 +15972,57 @@
                     </p:cTn>
                   </p:par>
                   <p:par>
-                    <p:cTn id="16" fill="hold">
+                    <p:cTn id="25" fill="hold">
                       <p:stCondLst>
                         <p:cond delay="indefinite"/>
                       </p:stCondLst>
                       <p:childTnLst>
                         <p:par>
-                          <p:cTn id="17" fill="hold">
+                          <p:cTn id="26" fill="hold">
                             <p:stCondLst>
                               <p:cond delay="0"/>
                             </p:stCondLst>
                             <p:childTnLst>
                               <p:par>
-                                <p:cTn id="18" presetID="1" presetClass="exit" presetSubtype="0" fill="hold" grpId="0" nodeType="clickEffect">
+                                <p:cTn id="27" presetID="1" presetClass="exit" presetSubtype="0" fill="hold" grpId="0" nodeType="clickEffect">
                                   <p:stCondLst>
                                     <p:cond delay="0"/>
                                   </p:stCondLst>
                                   <p:childTnLst>
                                     <p:set>
                                       <p:cBhvr>
-                                        <p:cTn id="19" dur="1" fill="hold">
+                                        <p:cTn id="28" dur="1" fill="hold">
+                                          <p:stCondLst>
+                                            <p:cond delay="0"/>
+                                          </p:stCondLst>
+                                        </p:cTn>
+                                        <p:tgtEl>
+                                          <p:spTgt spid="7">
+                                            <p:graphicEl>
+                                              <a:dgm id="{34B7AA53-A65D-427C-AF67-E094BBB0A8A8}"/>
+                                            </p:graphicEl>
+                                          </p:spTgt>
+                                        </p:tgtEl>
+                                        <p:attrNameLst>
+                                          <p:attrName>style.visibility</p:attrName>
+                                        </p:attrNameLst>
+                                      </p:cBhvr>
+                                      <p:to>
+                                        <p:strVal val="hidden"/>
+                                      </p:to>
+                                    </p:set>
+                                  </p:childTnLst>
+                                </p:cTn>
+                              </p:par>
+                              <p:par>
+                                <p:cTn id="29" presetID="1" presetClass="exit" presetSubtype="0" fill="hold" grpId="0" nodeType="withEffect">
+                                  <p:stCondLst>
+                                    <p:cond delay="0"/>
+                                  </p:stCondLst>
+                                  <p:childTnLst>
+                                    <p:set>
+                                      <p:cBhvr>
+                                        <p:cTn id="30" dur="1" fill="hold">
                                           <p:stCondLst>
                                             <p:cond delay="0"/>
                                           </p:stCondLst>
@@ -15691,14 +16046,14 @@
                                 </p:cTn>
                               </p:par>
                               <p:par>
-                                <p:cTn id="20" presetID="1" presetClass="exit" presetSubtype="0" fill="hold" grpId="4" nodeType="withEffect">
+                                <p:cTn id="31" presetID="1" presetClass="exit" presetSubtype="0" fill="hold" grpId="7" nodeType="withEffect">
                                   <p:stCondLst>
                                     <p:cond delay="0"/>
                                   </p:stCondLst>
                                   <p:childTnLst>
                                     <p:set>
                                       <p:cBhvr>
-                                        <p:cTn id="21" dur="1" fill="hold">
+                                        <p:cTn id="32" dur="1" fill="hold">
                                           <p:stCondLst>
                                             <p:cond delay="0"/>
                                           </p:stCondLst>
@@ -15722,14 +16077,14 @@
                                 </p:cTn>
                               </p:par>
                               <p:par>
-                                <p:cTn id="22" presetID="1" presetClass="entr" presetSubtype="0" fill="hold" grpId="0" nodeType="withEffect">
+                                <p:cTn id="33" presetID="1" presetClass="entr" presetSubtype="0" fill="hold" grpId="0" nodeType="withEffect">
                                   <p:stCondLst>
                                     <p:cond delay="0"/>
                                   </p:stCondLst>
                                   <p:childTnLst>
                                     <p:set>
                                       <p:cBhvr>
-                                        <p:cTn id="23" dur="1" fill="hold">
+                                        <p:cTn id="34" dur="1" fill="hold">
                                           <p:stCondLst>
                                             <p:cond delay="0"/>
                                           </p:stCondLst>
@@ -15755,26 +16110,298 @@
                     </p:cTn>
                   </p:par>
                   <p:par>
-                    <p:cTn id="24" fill="hold">
+                    <p:cTn id="35" fill="hold">
                       <p:stCondLst>
                         <p:cond delay="indefinite"/>
                       </p:stCondLst>
                       <p:childTnLst>
                         <p:par>
-                          <p:cTn id="25" fill="hold">
+                          <p:cTn id="36" fill="hold">
                             <p:stCondLst>
                               <p:cond delay="0"/>
                             </p:stCondLst>
                             <p:childTnLst>
                               <p:par>
-                                <p:cTn id="26" presetID="1" presetClass="exit" presetSubtype="0" fill="hold" grpId="1" nodeType="clickEffect">
+                                <p:cTn id="37" presetID="42" presetClass="path" presetSubtype="0" accel="50000" decel="50000" fill="hold" grpId="8" nodeType="clickEffect">
+                                  <p:stCondLst>
+                                    <p:cond delay="0"/>
+                                  </p:stCondLst>
+                                  <p:childTnLst>
+                                    <p:animMotion origin="layout" path="M 0 -3.33333E-6 L 0.19245 -0.00185 " pathEditMode="relative" rAng="0" ptsTypes="AA">
+                                      <p:cBhvr>
+                                        <p:cTn id="38" dur="500" fill="hold"/>
+                                        <p:tgtEl>
+                                          <p:spTgt spid="7">
+                                            <p:graphicEl>
+                                              <a:dgm id="{A90B5234-9E99-4CF9-B3DE-EECB06B1CB86}"/>
+                                            </p:graphicEl>
+                                          </p:spTgt>
+                                        </p:tgtEl>
+                                        <p:attrNameLst>
+                                          <p:attrName>ppt_x</p:attrName>
+                                          <p:attrName>ppt_y</p:attrName>
+                                        </p:attrNameLst>
+                                      </p:cBhvr>
+                                      <p:rCtr x="9622" y="-93"/>
+                                    </p:animMotion>
+                                  </p:childTnLst>
+                                </p:cTn>
+                              </p:par>
+                              <p:par>
+                                <p:cTn id="39" presetID="42" presetClass="path" presetSubtype="0" accel="50000" decel="50000" fill="hold" grpId="8" nodeType="withEffect">
+                                  <p:stCondLst>
+                                    <p:cond delay="0"/>
+                                  </p:stCondLst>
+                                  <p:childTnLst>
+                                    <p:animMotion origin="layout" path="M 0 -3.33333E-6 L 0.19336 -0.00046 " pathEditMode="relative" rAng="0" ptsTypes="AA">
+                                      <p:cBhvr>
+                                        <p:cTn id="40" dur="500" fill="hold"/>
+                                        <p:tgtEl>
+                                          <p:spTgt spid="7">
+                                            <p:graphicEl>
+                                              <a:dgm id="{49F7626A-BFFE-4DF6-99F2-5D5FD64550D2}"/>
+                                            </p:graphicEl>
+                                          </p:spTgt>
+                                        </p:tgtEl>
+                                        <p:attrNameLst>
+                                          <p:attrName>ppt_x</p:attrName>
+                                          <p:attrName>ppt_y</p:attrName>
+                                        </p:attrNameLst>
+                                      </p:cBhvr>
+                                      <p:rCtr x="9661" y="-23"/>
+                                    </p:animMotion>
+                                  </p:childTnLst>
+                                </p:cTn>
+                              </p:par>
+                              <p:par>
+                                <p:cTn id="41" presetID="42" presetClass="path" presetSubtype="0" accel="50000" decel="50000" fill="hold" grpId="8" nodeType="withEffect">
+                                  <p:stCondLst>
+                                    <p:cond delay="0"/>
+                                  </p:stCondLst>
+                                  <p:childTnLst>
+                                    <p:animMotion origin="layout" path="M 0 -3.33333E-6 L 0.19245 -0.00046 " pathEditMode="relative" rAng="0" ptsTypes="AA">
+                                      <p:cBhvr>
+                                        <p:cTn id="42" dur="500" fill="hold"/>
+                                        <p:tgtEl>
+                                          <p:spTgt spid="7">
+                                            <p:graphicEl>
+                                              <a:dgm id="{773C2485-C07B-4416-945B-E0AC8917480F}"/>
+                                            </p:graphicEl>
+                                          </p:spTgt>
+                                        </p:tgtEl>
+                                        <p:attrNameLst>
+                                          <p:attrName>ppt_x</p:attrName>
+                                          <p:attrName>ppt_y</p:attrName>
+                                        </p:attrNameLst>
+                                      </p:cBhvr>
+                                      <p:rCtr x="9622" y="-23"/>
+                                    </p:animMotion>
+                                  </p:childTnLst>
+                                </p:cTn>
+                              </p:par>
+                              <p:par>
+                                <p:cTn id="43" presetID="42" presetClass="path" presetSubtype="0" accel="50000" decel="50000" fill="hold" grpId="8" nodeType="withEffect">
+                                  <p:stCondLst>
+                                    <p:cond delay="0"/>
+                                  </p:stCondLst>
+                                  <p:childTnLst>
+                                    <p:animMotion origin="layout" path="M 0 -3.33333E-6 L 0.19336 -0.00046 " pathEditMode="relative" rAng="0" ptsTypes="AA">
+                                      <p:cBhvr>
+                                        <p:cTn id="44" dur="500" fill="hold"/>
+                                        <p:tgtEl>
+                                          <p:spTgt spid="7">
+                                            <p:graphicEl>
+                                              <a:dgm id="{02CECB3B-8336-4FE6-B4CE-C312AAD0F583}"/>
+                                            </p:graphicEl>
+                                          </p:spTgt>
+                                        </p:tgtEl>
+                                        <p:attrNameLst>
+                                          <p:attrName>ppt_x</p:attrName>
+                                          <p:attrName>ppt_y</p:attrName>
+                                        </p:attrNameLst>
+                                      </p:cBhvr>
+                                      <p:rCtr x="9661" y="-23"/>
+                                    </p:animMotion>
+                                  </p:childTnLst>
+                                </p:cTn>
+                              </p:par>
+                              <p:par>
+                                <p:cTn id="45" presetID="42" presetClass="path" presetSubtype="0" accel="50000" decel="50000" fill="hold" grpId="8" nodeType="withEffect">
+                                  <p:stCondLst>
+                                    <p:cond delay="0"/>
+                                  </p:stCondLst>
+                                  <p:childTnLst>
+                                    <p:animMotion origin="layout" path="M 0 -3.33333E-6 L 0.19245 -0.00046 " pathEditMode="relative" rAng="0" ptsTypes="AA">
+                                      <p:cBhvr>
+                                        <p:cTn id="46" dur="500" fill="hold"/>
+                                        <p:tgtEl>
+                                          <p:spTgt spid="7">
+                                            <p:graphicEl>
+                                              <a:dgm id="{AD8B0F8D-AAE5-4F60-A41D-93EC1E6ABB5E}"/>
+                                            </p:graphicEl>
+                                          </p:spTgt>
+                                        </p:tgtEl>
+                                        <p:attrNameLst>
+                                          <p:attrName>ppt_x</p:attrName>
+                                          <p:attrName>ppt_y</p:attrName>
+                                        </p:attrNameLst>
+                                      </p:cBhvr>
+                                      <p:rCtr x="9622" y="-23"/>
+                                    </p:animMotion>
+                                  </p:childTnLst>
+                                </p:cTn>
+                              </p:par>
+                              <p:par>
+                                <p:cTn id="47" presetID="42" presetClass="path" presetSubtype="0" accel="50000" decel="50000" fill="hold" grpId="8" nodeType="withEffect">
+                                  <p:stCondLst>
+                                    <p:cond delay="0"/>
+                                  </p:stCondLst>
+                                  <p:childTnLst>
+                                    <p:animMotion origin="layout" path="M 0 -3.33333E-6 L 0.19245 -0.00046 " pathEditMode="relative" rAng="0" ptsTypes="AA">
+                                      <p:cBhvr>
+                                        <p:cTn id="48" dur="500" fill="hold"/>
+                                        <p:tgtEl>
+                                          <p:spTgt spid="7">
+                                            <p:graphicEl>
+                                              <a:dgm id="{CD4E6B0E-CFDA-4812-A9AF-D4830B79426A}"/>
+                                            </p:graphicEl>
+                                          </p:spTgt>
+                                        </p:tgtEl>
+                                        <p:attrNameLst>
+                                          <p:attrName>ppt_x</p:attrName>
+                                          <p:attrName>ppt_y</p:attrName>
+                                        </p:attrNameLst>
+                                      </p:cBhvr>
+                                      <p:rCtr x="9622" y="-23"/>
+                                    </p:animMotion>
+                                  </p:childTnLst>
+                                </p:cTn>
+                              </p:par>
+                              <p:par>
+                                <p:cTn id="49" presetID="42" presetClass="path" presetSubtype="0" accel="50000" decel="50000" fill="hold" grpId="8" nodeType="withEffect">
+                                  <p:stCondLst>
+                                    <p:cond delay="0"/>
+                                  </p:stCondLst>
+                                  <p:childTnLst>
+                                    <p:animMotion origin="layout" path="M 0 -3.33333E-6 L 0.19245 -0.00046 " pathEditMode="relative" rAng="0" ptsTypes="AA">
+                                      <p:cBhvr>
+                                        <p:cTn id="50" dur="500" fill="hold"/>
+                                        <p:tgtEl>
+                                          <p:spTgt spid="7">
+                                            <p:graphicEl>
+                                              <a:dgm id="{625ED39A-34F2-4EEA-9FCA-73AB69E87EBE}"/>
+                                            </p:graphicEl>
+                                          </p:spTgt>
+                                        </p:tgtEl>
+                                        <p:attrNameLst>
+                                          <p:attrName>ppt_x</p:attrName>
+                                          <p:attrName>ppt_y</p:attrName>
+                                        </p:attrNameLst>
+                                      </p:cBhvr>
+                                      <p:rCtr x="9622" y="-23"/>
+                                    </p:animMotion>
+                                  </p:childTnLst>
+                                </p:cTn>
+                              </p:par>
+                            </p:childTnLst>
+                          </p:cTn>
+                        </p:par>
+                        <p:par>
+                          <p:cTn id="51" fill="hold">
+                            <p:stCondLst>
+                              <p:cond delay="500"/>
+                            </p:stCondLst>
+                            <p:childTnLst>
+                              <p:par>
+                                <p:cTn id="52" presetID="1" presetClass="entr" presetSubtype="0" fill="hold" grpId="0" nodeType="afterEffect">
                                   <p:stCondLst>
                                     <p:cond delay="0"/>
                                   </p:stCondLst>
                                   <p:childTnLst>
                                     <p:set>
                                       <p:cBhvr>
-                                        <p:cTn id="27" dur="1" fill="hold">
+                                        <p:cTn id="53" dur="1" fill="hold">
+                                          <p:stCondLst>
+                                            <p:cond delay="0"/>
+                                          </p:stCondLst>
+                                        </p:cTn>
+                                        <p:tgtEl>
+                                          <p:spTgt spid="5"/>
+                                        </p:tgtEl>
+                                        <p:attrNameLst>
+                                          <p:attrName>style.visibility</p:attrName>
+                                        </p:attrNameLst>
+                                      </p:cBhvr>
+                                      <p:to>
+                                        <p:strVal val="visible"/>
+                                      </p:to>
+                                    </p:set>
+                                  </p:childTnLst>
+                                </p:cTn>
+                              </p:par>
+                            </p:childTnLst>
+                          </p:cTn>
+                        </p:par>
+                        <p:par>
+                          <p:cTn id="54" fill="hold">
+                            <p:stCondLst>
+                              <p:cond delay="500"/>
+                            </p:stCondLst>
+                            <p:childTnLst>
+                              <p:par>
+                                <p:cTn id="55" presetID="1" presetClass="entr" presetSubtype="0" fill="hold" grpId="0" nodeType="afterEffect">
+                                  <p:stCondLst>
+                                    <p:cond delay="0"/>
+                                  </p:stCondLst>
+                                  <p:childTnLst>
+                                    <p:set>
+                                      <p:cBhvr>
+                                        <p:cTn id="56" dur="1" fill="hold">
+                                          <p:stCondLst>
+                                            <p:cond delay="0"/>
+                                          </p:stCondLst>
+                                        </p:cTn>
+                                        <p:tgtEl>
+                                          <p:spTgt spid="6"/>
+                                        </p:tgtEl>
+                                        <p:attrNameLst>
+                                          <p:attrName>style.visibility</p:attrName>
+                                        </p:attrNameLst>
+                                      </p:cBhvr>
+                                      <p:to>
+                                        <p:strVal val="visible"/>
+                                      </p:to>
+                                    </p:set>
+                                  </p:childTnLst>
+                                </p:cTn>
+                              </p:par>
+                            </p:childTnLst>
+                          </p:cTn>
+                        </p:par>
+                      </p:childTnLst>
+                    </p:cTn>
+                  </p:par>
+                  <p:par>
+                    <p:cTn id="57" fill="hold">
+                      <p:stCondLst>
+                        <p:cond delay="indefinite"/>
+                      </p:stCondLst>
+                      <p:childTnLst>
+                        <p:par>
+                          <p:cTn id="58" fill="hold">
+                            <p:stCondLst>
+                              <p:cond delay="0"/>
+                            </p:stCondLst>
+                            <p:childTnLst>
+                              <p:par>
+                                <p:cTn id="59" presetID="1" presetClass="exit" presetSubtype="0" fill="hold" grpId="1" nodeType="clickEffect">
+                                  <p:stCondLst>
+                                    <p:cond delay="0"/>
+                                  </p:stCondLst>
+                                  <p:childTnLst>
+                                    <p:set>
+                                      <p:cBhvr>
+                                        <p:cTn id="60" dur="1" fill="hold">
                                           <p:stCondLst>
                                             <p:cond delay="0"/>
                                           </p:stCondLst>
@@ -15794,14 +16421,14 @@
                                 </p:cTn>
                               </p:par>
                               <p:par>
-                                <p:cTn id="28" presetID="1" presetClass="entr" presetSubtype="0" fill="hold" grpId="0" nodeType="withEffect">
+                                <p:cTn id="61" presetID="1" presetClass="entr" presetSubtype="0" fill="hold" grpId="0" nodeType="withEffect">
                                   <p:stCondLst>
                                     <p:cond delay="0"/>
                                   </p:stCondLst>
                                   <p:childTnLst>
                                     <p:set>
                                       <p:cBhvr>
-                                        <p:cTn id="29" dur="1" fill="hold">
+                                        <p:cTn id="62" dur="1" fill="hold">
                                           <p:stCondLst>
                                             <p:cond delay="0"/>
                                           </p:stCondLst>
@@ -15848,7 +16475,7 @@
       </p:par>
     </p:tnLst>
     <p:bldLst>
-      <p:bldGraphic spid="7" grpId="0" uiExpand="1">
+      <p:bldGraphic spid="7" grpId="0">
         <p:bldSub>
           <a:bldDgm bld="one"/>
         </p:bldSub>
@@ -15858,17 +16485,27 @@
           <a:bldDgm bld="one"/>
         </p:bldSub>
       </p:bldGraphic>
-      <p:bldGraphic spid="7" grpId="2" uiExpand="1">
+      <p:bldGraphic spid="7" grpId="2">
         <p:bldSub>
           <a:bldDgm bld="one"/>
         </p:bldSub>
       </p:bldGraphic>
-      <p:bldGraphic spid="7" grpId="3" uiExpand="1">
+      <p:bldGraphic spid="7" grpId="5" uiExpand="1">
         <p:bldSub>
           <a:bldDgm bld="one"/>
         </p:bldSub>
       </p:bldGraphic>
-      <p:bldGraphic spid="7" grpId="4" uiExpand="1">
+      <p:bldGraphic spid="7" grpId="6">
+        <p:bldSub>
+          <a:bldDgm bld="one"/>
+        </p:bldSub>
+      </p:bldGraphic>
+      <p:bldGraphic spid="7" grpId="7" uiExpand="1">
+        <p:bldSub>
+          <a:bldDgm bld="one"/>
+        </p:bldSub>
+      </p:bldGraphic>
+      <p:bldGraphic spid="7" grpId="8">
         <p:bldSub>
           <a:bldDgm bld="one"/>
         </p:bldSub>
@@ -15876,6 +16513,8 @@
       <p:bldP spid="10" grpId="0" animBg="1"/>
       <p:bldP spid="10" grpId="1" animBg="1"/>
       <p:bldP spid="11" grpId="0" animBg="1"/>
+      <p:bldP spid="5" grpId="0" animBg="1"/>
+      <p:bldP spid="6" grpId="0" animBg="1"/>
     </p:bldLst>
   </p:timing>
 </p:sld>
@@ -17091,6 +17730,97 @@
       <p:bldP spid="3" grpId="0" build="p"/>
     </p:bldLst>
   </p:timing>
+</p:sld>
+</file>
+
+<file path=ppt/slides/slide20.xml><?xml version="1.0" encoding="utf-8"?>
+<p:sld xmlns:a="http://schemas.openxmlformats.org/drawingml/2006/main" xmlns:r="http://schemas.openxmlformats.org/officeDocument/2006/relationships" xmlns:p="http://schemas.openxmlformats.org/presentationml/2006/main">
+  <p:cSld>
+    <p:spTree>
+      <p:nvGrpSpPr>
+        <p:cNvPr id="1" name=""/>
+        <p:cNvGrpSpPr/>
+        <p:nvPr/>
+      </p:nvGrpSpPr>
+      <p:grpSpPr>
+        <a:xfrm>
+          <a:off x="0" y="0"/>
+          <a:ext cx="0" cy="0"/>
+          <a:chOff x="0" y="0"/>
+          <a:chExt cx="0" cy="0"/>
+        </a:xfrm>
+      </p:grpSpPr>
+      <p:sp>
+        <p:nvSpPr>
+          <p:cNvPr id="2" name="Title 1">
+            <a:extLst>
+              <a:ext uri="{FF2B5EF4-FFF2-40B4-BE49-F238E27FC236}">
+                <a16:creationId xmlns:a16="http://schemas.microsoft.com/office/drawing/2014/main" id="{4FB831A3-6027-49CB-8F12-CD43FF930F52}"/>
+              </a:ext>
+            </a:extLst>
+          </p:cNvPr>
+          <p:cNvSpPr>
+            <a:spLocks noGrp="1"/>
+          </p:cNvSpPr>
+          <p:nvPr>
+            <p:ph type="title"/>
+          </p:nvPr>
+        </p:nvSpPr>
+        <p:spPr>
+          <a:xfrm>
+            <a:off x="831850" y="1709739"/>
+            <a:ext cx="10515600" cy="2288103"/>
+          </a:xfrm>
+        </p:spPr>
+        <p:txBody>
+          <a:bodyPr/>
+          <a:lstStyle/>
+          <a:p>
+            <a:pPr algn="ctr"/>
+            <a:r>
+              <a:rPr lang="en-IN" dirty="0">
+                <a:latin typeface="Garamond" panose="02020404030301010803" pitchFamily="18" charset="0"/>
+              </a:rPr>
+              <a:t>Le Fin</a:t>
+            </a:r>
+          </a:p>
+        </p:txBody>
+      </p:sp>
+      <p:sp>
+        <p:nvSpPr>
+          <p:cNvPr id="3" name="Text Placeholder 2">
+            <a:extLst>
+              <a:ext uri="{FF2B5EF4-FFF2-40B4-BE49-F238E27FC236}">
+                <a16:creationId xmlns:a16="http://schemas.microsoft.com/office/drawing/2014/main" id="{DFC23F52-8F73-47DB-8BF0-ED459F5980EF}"/>
+              </a:ext>
+            </a:extLst>
+          </p:cNvPr>
+          <p:cNvSpPr>
+            <a:spLocks noGrp="1"/>
+          </p:cNvSpPr>
+          <p:nvPr>
+            <p:ph type="body" idx="1"/>
+          </p:nvPr>
+        </p:nvSpPr>
+        <p:spPr/>
+        <p:txBody>
+          <a:bodyPr/>
+          <a:lstStyle/>
+          <a:p>
+            <a:endParaRPr lang="en-IN" dirty="0"/>
+          </a:p>
+        </p:txBody>
+      </p:sp>
+    </p:spTree>
+    <p:extLst>
+      <p:ext uri="{BB962C8B-B14F-4D97-AF65-F5344CB8AC3E}">
+        <p14:creationId xmlns:p14="http://schemas.microsoft.com/office/powerpoint/2010/main" val="1210464209"/>
+      </p:ext>
+    </p:extLst>
+  </p:cSld>
+  <p:clrMapOvr>
+    <a:masterClrMapping/>
+  </p:clrMapOvr>
 </p:sld>
 </file>
 

--- a/Documentation/4th Year Project Presentation.pptx
+++ b/Documentation/4th Year Project Presentation.pptx
@@ -7813,7 +7813,7 @@
           <a:p>
             <a:fld id="{35183334-D245-4844-9ECA-AD7663113EE6}" type="datetimeFigureOut">
               <a:rPr lang="en-IN" smtClean="0"/>
-              <a:t>28-03-2021</a:t>
+              <a:t>29-03-2021</a:t>
             </a:fld>
             <a:endParaRPr lang="en-IN"/>
           </a:p>
@@ -8338,7 +8338,7 @@
           <a:p>
             <a:r>
               <a:rPr lang="en-US" dirty="0"/>
-              <a:t># The format of labels of images is Author Code underscore Set Number underscore Image Number. So the first image of the first set of the first number is labeled as 0000_01_0.tiff.</a:t>
+              <a:t># The format of labels of images is Author Code underscore Set Number underscore Image Number. So the first image of the first set of the first author number is labeled as 0000_01_0.tiff.</a:t>
             </a:r>
           </a:p>
           <a:p>
@@ -8550,7 +8550,7 @@
                 <a:latin typeface="Times New Roman" panose="02020603050405020304" pitchFamily="18" charset="0"/>
                 <a:ea typeface="Times New Roman" panose="02020603050405020304" pitchFamily="18" charset="0"/>
               </a:rPr>
-              <a:t># The VGG in the name stands for Visual Geometry Group Lab, where the model was conceived</a:t>
+              <a:t># The VGG in the name stands for Visual Geometry Group, which is the name of the laboratory where the model was conceived</a:t>
             </a:r>
             <a:r>
               <a:rPr lang="en-IN" sz="1800" dirty="0">
@@ -8695,7 +8695,7 @@
           <a:p>
             <a:r>
               <a:rPr lang="en-US" dirty="0"/>
-              <a:t>Now, while VGG16 is highly accurate and hence very popular for image recognition. However, it has a couple of unfortunate drawbacks.</a:t>
+              <a:t>Now, while VGG16 is highly accurate and hence very popular for image recognition, it has a couple of unfortunate drawbacks.</a:t>
             </a:r>
           </a:p>
           <a:p>
@@ -8753,7 +8753,23 @@
                 <a:latin typeface="Times New Roman" panose="02020603050405020304" pitchFamily="18" charset="0"/>
                 <a:ea typeface="Times New Roman" panose="02020603050405020304" pitchFamily="18" charset="0"/>
               </a:rPr>
-              <a:t># The model also very big weights. The size of VGG16 trained ImageNet weights is 528 MB. So, it takes quite a lot of disk space and bandwidth that makes it inefficient with respect to space.</a:t>
+              <a:t># The model also has very big weights. The size of VGG16 trained ImageNet weights is five hundred and </a:t>
+            </a:r>
+            <a:r>
+              <a:rPr lang="en-IN" sz="1800">
+                <a:effectLst/>
+                <a:latin typeface="Times New Roman" panose="02020603050405020304" pitchFamily="18" charset="0"/>
+                <a:ea typeface="Times New Roman" panose="02020603050405020304" pitchFamily="18" charset="0"/>
+              </a:rPr>
+              <a:t>twenty eight </a:t>
+            </a:r>
+            <a:r>
+              <a:rPr lang="en-IN" sz="1800" dirty="0">
+                <a:effectLst/>
+                <a:latin typeface="Times New Roman" panose="02020603050405020304" pitchFamily="18" charset="0"/>
+                <a:ea typeface="Times New Roman" panose="02020603050405020304" pitchFamily="18" charset="0"/>
+              </a:rPr>
+              <a:t>MB. So, it takes quite a lot of disk space and bandwidth that makes it inefficient with respect to space.</a:t>
             </a:r>
           </a:p>
           <a:p>
@@ -8804,21 +8820,8 @@
                 <a:latin typeface="Times New Roman" panose="02020603050405020304" pitchFamily="18" charset="0"/>
                 <a:ea typeface="Times New Roman" panose="02020603050405020304" pitchFamily="18" charset="0"/>
               </a:rPr>
-              <a:t>Now, I’ll hand over control to Soumya. He will discuss more on the </a:t>
-            </a:r>
-            <a:r>
-              <a:rPr lang="en-IN" sz="1800">
-                <a:effectLst/>
-                <a:latin typeface="Times New Roman" panose="02020603050405020304" pitchFamily="18" charset="0"/>
-                <a:ea typeface="Times New Roman" panose="02020603050405020304" pitchFamily="18" charset="0"/>
-              </a:rPr>
-              <a:t>model’s architecture.</a:t>
-            </a:r>
-            <a:endParaRPr lang="en-IN" sz="1800" dirty="0">
-              <a:effectLst/>
-              <a:latin typeface="Times New Roman" panose="02020603050405020304" pitchFamily="18" charset="0"/>
-              <a:ea typeface="Times New Roman" panose="02020603050405020304" pitchFamily="18" charset="0"/>
-            </a:endParaRPr>
+              <a:t>Now, I’ll hand over control to Soumya. He will discuss more on the model’s architecture.</a:t>
+            </a:r>
           </a:p>
           <a:p>
             <a:pPr marL="0" marR="0" lvl="0" indent="0" algn="l" defTabSz="914400" rtl="0" eaLnBrk="1" fontAlgn="auto" latinLnBrk="0" hangingPunct="1">
@@ -8977,6 +8980,90 @@
           <a:p>
             <a:fld id="{E0460530-21AB-4667-8DDF-0CFD1A19A456}" type="slidenum">
               <a:rPr lang="en-IN" smtClean="0"/>
+              <a:t>15</a:t>
+            </a:fld>
+            <a:endParaRPr lang="en-IN"/>
+          </a:p>
+        </p:txBody>
+      </p:sp>
+    </p:spTree>
+    <p:extLst>
+      <p:ext uri="{BB962C8B-B14F-4D97-AF65-F5344CB8AC3E}">
+        <p14:creationId xmlns:p14="http://schemas.microsoft.com/office/powerpoint/2010/main" val="1666022349"/>
+      </p:ext>
+    </p:extLst>
+  </p:cSld>
+  <p:clrMapOvr>
+    <a:masterClrMapping/>
+  </p:clrMapOvr>
+</p:notes>
+</file>
+
+<file path=ppt/notesSlides/notesSlide6.xml><?xml version="1.0" encoding="utf-8"?>
+<p:notes xmlns:a="http://schemas.openxmlformats.org/drawingml/2006/main" xmlns:r="http://schemas.openxmlformats.org/officeDocument/2006/relationships" xmlns:p="http://schemas.openxmlformats.org/presentationml/2006/main">
+  <p:cSld>
+    <p:spTree>
+      <p:nvGrpSpPr>
+        <p:cNvPr id="1" name=""/>
+        <p:cNvGrpSpPr/>
+        <p:nvPr/>
+      </p:nvGrpSpPr>
+      <p:grpSpPr>
+        <a:xfrm>
+          <a:off x="0" y="0"/>
+          <a:ext cx="0" cy="0"/>
+          <a:chOff x="0" y="0"/>
+          <a:chExt cx="0" cy="0"/>
+        </a:xfrm>
+      </p:grpSpPr>
+      <p:sp>
+        <p:nvSpPr>
+          <p:cNvPr id="2" name="Slide Image Placeholder 1"/>
+          <p:cNvSpPr>
+            <a:spLocks noGrp="1" noRot="1" noChangeAspect="1"/>
+          </p:cNvSpPr>
+          <p:nvPr>
+            <p:ph type="sldImg"/>
+          </p:nvPr>
+        </p:nvSpPr>
+        <p:spPr/>
+      </p:sp>
+      <p:sp>
+        <p:nvSpPr>
+          <p:cNvPr id="3" name="Notes Placeholder 2"/>
+          <p:cNvSpPr>
+            <a:spLocks noGrp="1"/>
+          </p:cNvSpPr>
+          <p:nvPr>
+            <p:ph type="body" idx="1"/>
+          </p:nvPr>
+        </p:nvSpPr>
+        <p:spPr/>
+        <p:txBody>
+          <a:bodyPr/>
+          <a:lstStyle/>
+          <a:p>
+            <a:endParaRPr lang="en-IN" dirty="0"/>
+          </a:p>
+        </p:txBody>
+      </p:sp>
+      <p:sp>
+        <p:nvSpPr>
+          <p:cNvPr id="4" name="Slide Number Placeholder 3"/>
+          <p:cNvSpPr>
+            <a:spLocks noGrp="1"/>
+          </p:cNvSpPr>
+          <p:nvPr>
+            <p:ph type="sldNum" sz="quarter" idx="5"/>
+          </p:nvPr>
+        </p:nvSpPr>
+        <p:spPr/>
+        <p:txBody>
+          <a:bodyPr/>
+          <a:lstStyle/>
+          <a:p>
+            <a:fld id="{E0460530-21AB-4667-8DDF-0CFD1A19A456}" type="slidenum">
+              <a:rPr lang="en-IN" smtClean="0"/>
               <a:t>17</a:t>
             </a:fld>
             <a:endParaRPr lang="en-IN"/>
@@ -8996,7 +9083,7 @@
 </p:notes>
 </file>
 
-<file path=ppt/notesSlides/notesSlide6.xml><?xml version="1.0" encoding="utf-8"?>
+<file path=ppt/notesSlides/notesSlide7.xml><?xml version="1.0" encoding="utf-8"?>
 <p:notes xmlns:a="http://schemas.openxmlformats.org/drawingml/2006/main" xmlns:r="http://schemas.openxmlformats.org/officeDocument/2006/relationships" xmlns:p="http://schemas.openxmlformats.org/presentationml/2006/main">
   <p:cSld>
     <p:spTree>
@@ -9211,7 +9298,7 @@
           <a:p>
             <a:fld id="{21D9AB09-D600-4578-8243-21B8A8CCB975}" type="datetimeFigureOut">
               <a:rPr lang="en-IN" smtClean="0"/>
-              <a:t>28-03-2021</a:t>
+              <a:t>29-03-2021</a:t>
             </a:fld>
             <a:endParaRPr lang="en-IN"/>
           </a:p>
@@ -9381,7 +9468,7 @@
           <a:p>
             <a:fld id="{21D9AB09-D600-4578-8243-21B8A8CCB975}" type="datetimeFigureOut">
               <a:rPr lang="en-IN" smtClean="0"/>
-              <a:t>28-03-2021</a:t>
+              <a:t>29-03-2021</a:t>
             </a:fld>
             <a:endParaRPr lang="en-IN"/>
           </a:p>
@@ -9561,7 +9648,7 @@
           <a:p>
             <a:fld id="{21D9AB09-D600-4578-8243-21B8A8CCB975}" type="datetimeFigureOut">
               <a:rPr lang="en-IN" smtClean="0"/>
-              <a:t>28-03-2021</a:t>
+              <a:t>29-03-2021</a:t>
             </a:fld>
             <a:endParaRPr lang="en-IN"/>
           </a:p>
@@ -9731,7 +9818,7 @@
           <a:p>
             <a:fld id="{21D9AB09-D600-4578-8243-21B8A8CCB975}" type="datetimeFigureOut">
               <a:rPr lang="en-IN" smtClean="0"/>
-              <a:t>28-03-2021</a:t>
+              <a:t>29-03-2021</a:t>
             </a:fld>
             <a:endParaRPr lang="en-IN"/>
           </a:p>
@@ -9977,7 +10064,7 @@
           <a:p>
             <a:fld id="{21D9AB09-D600-4578-8243-21B8A8CCB975}" type="datetimeFigureOut">
               <a:rPr lang="en-IN" smtClean="0"/>
-              <a:t>28-03-2021</a:t>
+              <a:t>29-03-2021</a:t>
             </a:fld>
             <a:endParaRPr lang="en-IN"/>
           </a:p>
@@ -10209,7 +10296,7 @@
           <a:p>
             <a:fld id="{21D9AB09-D600-4578-8243-21B8A8CCB975}" type="datetimeFigureOut">
               <a:rPr lang="en-IN" smtClean="0"/>
-              <a:t>28-03-2021</a:t>
+              <a:t>29-03-2021</a:t>
             </a:fld>
             <a:endParaRPr lang="en-IN"/>
           </a:p>
@@ -10576,7 +10663,7 @@
           <a:p>
             <a:fld id="{21D9AB09-D600-4578-8243-21B8A8CCB975}" type="datetimeFigureOut">
               <a:rPr lang="en-IN" smtClean="0"/>
-              <a:t>28-03-2021</a:t>
+              <a:t>29-03-2021</a:t>
             </a:fld>
             <a:endParaRPr lang="en-IN"/>
           </a:p>
@@ -10694,7 +10781,7 @@
           <a:p>
             <a:fld id="{21D9AB09-D600-4578-8243-21B8A8CCB975}" type="datetimeFigureOut">
               <a:rPr lang="en-IN" smtClean="0"/>
-              <a:t>28-03-2021</a:t>
+              <a:t>29-03-2021</a:t>
             </a:fld>
             <a:endParaRPr lang="en-IN"/>
           </a:p>
@@ -10789,7 +10876,7 @@
           <a:p>
             <a:fld id="{21D9AB09-D600-4578-8243-21B8A8CCB975}" type="datetimeFigureOut">
               <a:rPr lang="en-IN" smtClean="0"/>
-              <a:t>28-03-2021</a:t>
+              <a:t>29-03-2021</a:t>
             </a:fld>
             <a:endParaRPr lang="en-IN"/>
           </a:p>
@@ -11066,7 +11153,7 @@
           <a:p>
             <a:fld id="{21D9AB09-D600-4578-8243-21B8A8CCB975}" type="datetimeFigureOut">
               <a:rPr lang="en-IN" smtClean="0"/>
-              <a:t>28-03-2021</a:t>
+              <a:t>29-03-2021</a:t>
             </a:fld>
             <a:endParaRPr lang="en-IN"/>
           </a:p>
@@ -11323,7 +11410,7 @@
           <a:p>
             <a:fld id="{21D9AB09-D600-4578-8243-21B8A8CCB975}" type="datetimeFigureOut">
               <a:rPr lang="en-IN" smtClean="0"/>
-              <a:t>28-03-2021</a:t>
+              <a:t>29-03-2021</a:t>
             </a:fld>
             <a:endParaRPr lang="en-IN"/>
           </a:p>
@@ -11564,7 +11651,7 @@
           <a:p>
             <a:fld id="{21D9AB09-D600-4578-8243-21B8A8CCB975}" type="datetimeFigureOut">
               <a:rPr lang="en-IN" smtClean="0"/>
-              <a:t>28-03-2021</a:t>
+              <a:t>29-03-2021</a:t>
             </a:fld>
             <a:endParaRPr lang="en-IN"/>
           </a:p>
@@ -14753,7 +14840,7 @@
           </p:nvPr>
         </p:nvPicPr>
         <p:blipFill>
-          <a:blip r:embed="rId2">
+          <a:blip r:embed="rId3">
             <a:extLst>
               <a:ext uri="{28A0092B-C50C-407E-A947-70E740481C1C}">
                 <a14:useLocalDpi xmlns:a14="http://schemas.microsoft.com/office/drawing/2010/main" val="0"/>

--- a/Documentation/4th Year Project Presentation.pptx
+++ b/Documentation/4th Year Project Presentation.pptx
@@ -8127,44 +8127,267 @@
           <a:p>
             <a:r>
               <a:rPr lang="en-US" dirty="0"/>
-              <a:t>Good afternoon. I am Souporno and I will take over from here. I’ll discuss a little about the dataset that we used. The dataset we used was provided to us by our project supervisor. </a:t>
+              <a:t>Good afternoon. I am Rahul Roy. I will take over from here and discuss a little about the background of the articles we took reference.</a:t>
             </a:r>
           </a:p>
           <a:p>
             <a:r>
               <a:rPr lang="en-US" dirty="0"/>
-              <a:t># The original Dataset had 121 volunteers. </a:t>
-            </a:r>
+              <a:t>To decide what approach we should take to recognize the writer from the handwriting, we decided to survey related literature.</a:t>
+            </a:r>
+          </a:p>
+          <a:p>
+            <a:endParaRPr lang="en-US" dirty="0"/>
           </a:p>
           <a:p>
             <a:r>
               <a:rPr lang="en-US" dirty="0"/>
-              <a:t># There were 3 languages: English, Hindi and Bangla. </a:t>
+              <a:t>#First, we look into image recognition basics to find out the best way to approach the image recognition problem.</a:t>
             </a:r>
           </a:p>
           <a:p>
             <a:r>
               <a:rPr lang="en-US" dirty="0"/>
-              <a:t># The dataset contains handwritten passages. </a:t>
-            </a:r>
-          </a:p>
-          <a:p>
+              <a:t>-We looked into the validity of Deep Convolutional Neural Networks for image recognition as discussed by </a:t>
+            </a:r>
+            <a:r>
+              <a:rPr lang="en-US" dirty="0" err="1"/>
+              <a:t>Krizhevsky</a:t>
+            </a:r>
             <a:r>
               <a:rPr lang="en-US" dirty="0"/>
-              <a:t># The passages were then scanned into digital images.</a:t>
-            </a:r>
-          </a:p>
-          <a:p>
-            <a:r>
-              <a:rPr lang="en-IN" dirty="0"/>
-              <a:t># For our project, we will be working on Bangla text only.</a:t>
-            </a:r>
-          </a:p>
-          <a:p>
-            <a:r>
-              <a:rPr lang="en-IN" dirty="0"/>
-              <a:t>#</a:t>
-            </a:r>
+              <a:t>  et al in “ImageNet Classification with Deep Convolutional Neural Networks”</a:t>
+            </a:r>
+          </a:p>
+          <a:p>
+            <a:r>
+              <a:rPr lang="en-US" dirty="0"/>
+              <a:t>-Additionally, we referenced the original article “Very Deep Convolutional Networks for Large-Scale Image Recognition” where the VGG16 was first proposed. We will be discussing about VGG16 in details later in this presentation.</a:t>
+            </a:r>
+            <a:br>
+              <a:rPr lang="en-US" dirty="0"/>
+            </a:br>
+            <a:endParaRPr lang="en-US" dirty="0"/>
+          </a:p>
+          <a:p>
+            <a:r>
+              <a:rPr lang="en-US" dirty="0"/>
+              <a:t>#To understand how handwriting can be treated as images, we looked into articles on handwritten character recognition. </a:t>
+            </a:r>
+            <a:br>
+              <a:rPr lang="en-US" dirty="0"/>
+            </a:br>
+            <a:r>
+              <a:rPr lang="en-US" dirty="0"/>
+              <a:t>-we referred to </a:t>
+            </a:r>
+            <a:r>
+              <a:rPr lang="en-US" dirty="0" err="1"/>
+              <a:t>Rehman</a:t>
+            </a:r>
+            <a:r>
+              <a:rPr lang="en-US" dirty="0"/>
+              <a:t> et all, which is about Arabic Character Recognition.</a:t>
+            </a:r>
+          </a:p>
+          <a:p>
+            <a:r>
+              <a:rPr lang="en-US" dirty="0"/>
+              <a:t>-we also referred to John et al</a:t>
+            </a:r>
+          </a:p>
+          <a:p>
+            <a:r>
+              <a:rPr lang="en-US" dirty="0"/>
+              <a:t>-Coming</a:t>
+            </a:r>
+            <a:r>
+              <a:rPr lang="en-US" baseline="0" dirty="0"/>
+              <a:t> to the next article,</a:t>
+            </a:r>
+            <a:r>
+              <a:rPr lang="en-US" dirty="0"/>
+              <a:t> </a:t>
+            </a:r>
+            <a:r>
+              <a:rPr lang="en-US" dirty="0" err="1"/>
+              <a:t>Hasnat</a:t>
+            </a:r>
+            <a:r>
+              <a:rPr lang="en-US" dirty="0"/>
+              <a:t> et al. proposed a domain specific OCR which classify machine printed as well as handwritten Bangla characters. For feature extraction, they apply Discrete Cosine Transform (DCT) technique over the input image, and for classification, Hidden Markov Model (HMM) was use.</a:t>
+            </a:r>
+          </a:p>
+          <a:p>
+            <a:r>
+              <a:rPr lang="en-US" dirty="0"/>
+              <a:t>-Finally, Paul et al. has attempted Bangla character recognition with </a:t>
+            </a:r>
+            <a:r>
+              <a:rPr lang="en-US" dirty="0" err="1"/>
+              <a:t>Mobilenet</a:t>
+            </a:r>
+            <a:r>
+              <a:rPr lang="en-US" dirty="0"/>
+              <a:t> v1 and Inception v3 and Bangla number recognition with Convolutional Neural Networks. </a:t>
+            </a:r>
+            <a:br>
+              <a:rPr lang="en-US" dirty="0"/>
+            </a:br>
+            <a:endParaRPr lang="en-US" dirty="0"/>
+          </a:p>
+          <a:p>
+            <a:r>
+              <a:rPr lang="en-US" dirty="0"/>
+              <a:t>#now we will be looking at works on Writer Recognition</a:t>
+            </a:r>
+            <a:br>
+              <a:rPr lang="en-US" dirty="0"/>
+            </a:br>
+            <a:r>
+              <a:rPr lang="en-US" dirty="0"/>
+              <a:t>-</a:t>
+            </a:r>
+            <a:r>
+              <a:rPr lang="en-US" dirty="0" err="1"/>
+              <a:t>Christlein</a:t>
+            </a:r>
+            <a:r>
+              <a:rPr lang="en-US" dirty="0"/>
+              <a:t>  et al. in “Offline writer identification using convolutional neural network activation features” attempted author recognition with Convolutional Neural Network.</a:t>
+            </a:r>
+          </a:p>
+          <a:p>
+            <a:r>
+              <a:rPr lang="en-US" dirty="0"/>
+              <a:t>-</a:t>
+            </a:r>
+            <a:r>
+              <a:rPr lang="en-US" dirty="0" err="1"/>
+              <a:t>Schlapbache</a:t>
+            </a:r>
+            <a:r>
+              <a:rPr lang="en-US" dirty="0"/>
+              <a:t>  et al. in “Writer identification using an HMM-based handwriting recognition system: To normalize the input or not“ </a:t>
+            </a:r>
+            <a:r>
+              <a:rPr lang="en-US" dirty="0" err="1"/>
+              <a:t>analysed</a:t>
+            </a:r>
+            <a:r>
+              <a:rPr lang="en-US" dirty="0"/>
+              <a:t> HMM based handwriting recognition systems and studied the effect of </a:t>
+            </a:r>
+            <a:r>
+              <a:rPr lang="en-US" dirty="0" err="1"/>
+              <a:t>normalisation</a:t>
+            </a:r>
+            <a:r>
+              <a:rPr lang="en-US" dirty="0"/>
+              <a:t> operations </a:t>
+            </a:r>
+          </a:p>
+          <a:p>
+            <a:r>
+              <a:rPr lang="en-US" dirty="0"/>
+              <a:t>-Lastly, Wu et al. in “Offline Text-Independent Writer Identification Based on Scale Invariant Feature Transform” attempted writer identification on English and Chinese languages</a:t>
+            </a:r>
+          </a:p>
+          <a:p>
+            <a:endParaRPr lang="en-US" dirty="0"/>
+          </a:p>
+          <a:p>
+            <a:r>
+              <a:rPr lang="en-US" dirty="0"/>
+              <a:t>While the works are different from what we are trying achieve, they help us find an appropriate way to approach our problem. </a:t>
+            </a:r>
+          </a:p>
+          <a:p>
+            <a:endParaRPr lang="en-IN" dirty="0"/>
+          </a:p>
+        </p:txBody>
+      </p:sp>
+      <p:sp>
+        <p:nvSpPr>
+          <p:cNvPr id="4" name="Slide Number Placeholder 3"/>
+          <p:cNvSpPr>
+            <a:spLocks noGrp="1"/>
+          </p:cNvSpPr>
+          <p:nvPr>
+            <p:ph type="sldNum" sz="quarter" idx="10"/>
+          </p:nvPr>
+        </p:nvSpPr>
+        <p:spPr/>
+        <p:txBody>
+          <a:bodyPr/>
+          <a:lstStyle/>
+          <a:p>
+            <a:fld id="{E0460530-21AB-4667-8DDF-0CFD1A19A456}" type="slidenum">
+              <a:rPr lang="en-IN" smtClean="0"/>
+              <a:t>6</a:t>
+            </a:fld>
+            <a:endParaRPr lang="en-IN"/>
+          </a:p>
+        </p:txBody>
+      </p:sp>
+    </p:spTree>
+    <p:extLst>
+      <p:ext uri="{BB962C8B-B14F-4D97-AF65-F5344CB8AC3E}">
+        <p14:creationId xmlns:p14="http://schemas.microsoft.com/office/powerpoint/2010/main" val="3487186477"/>
+      </p:ext>
+    </p:extLst>
+  </p:cSld>
+  <p:clrMapOvr>
+    <a:masterClrMapping/>
+  </p:clrMapOvr>
+</p:notes>
+</file>
+
+<file path=ppt/notesSlides/notesSlide10.xml><?xml version="1.0" encoding="utf-8"?>
+<p:notes xmlns:a="http://schemas.openxmlformats.org/drawingml/2006/main" xmlns:r="http://schemas.openxmlformats.org/officeDocument/2006/relationships" xmlns:p="http://schemas.openxmlformats.org/presentationml/2006/main">
+  <p:cSld>
+    <p:spTree>
+      <p:nvGrpSpPr>
+        <p:cNvPr id="1" name=""/>
+        <p:cNvGrpSpPr/>
+        <p:nvPr/>
+      </p:nvGrpSpPr>
+      <p:grpSpPr>
+        <a:xfrm>
+          <a:off x="0" y="0"/>
+          <a:ext cx="0" cy="0"/>
+          <a:chOff x="0" y="0"/>
+          <a:chExt cx="0" cy="0"/>
+        </a:xfrm>
+      </p:grpSpPr>
+      <p:sp>
+        <p:nvSpPr>
+          <p:cNvPr id="2" name="Slide Image Placeholder 1"/>
+          <p:cNvSpPr>
+            <a:spLocks noGrp="1" noRot="1" noChangeAspect="1"/>
+          </p:cNvSpPr>
+          <p:nvPr>
+            <p:ph type="sldImg"/>
+          </p:nvPr>
+        </p:nvSpPr>
+        <p:spPr/>
+      </p:sp>
+      <p:sp>
+        <p:nvSpPr>
+          <p:cNvPr id="3" name="Notes Placeholder 2"/>
+          <p:cNvSpPr>
+            <a:spLocks noGrp="1"/>
+          </p:cNvSpPr>
+          <p:nvPr>
+            <p:ph type="body" idx="1"/>
+          </p:nvPr>
+        </p:nvSpPr>
+        <p:spPr/>
+        <p:txBody>
+          <a:bodyPr/>
+          <a:lstStyle/>
+          <a:p>
+            <a:endParaRPr lang="en-IN" dirty="0"/>
           </a:p>
         </p:txBody>
       </p:sp>
@@ -8185,7 +8408,7 @@
           <a:p>
             <a:fld id="{E0460530-21AB-4667-8DDF-0CFD1A19A456}" type="slidenum">
               <a:rPr lang="en-IN" smtClean="0"/>
-              <a:t>11</a:t>
+              <a:t>15</a:t>
             </a:fld>
             <a:endParaRPr lang="en-IN"/>
           </a:p>
@@ -8194,7 +8417,175 @@
     </p:spTree>
     <p:extLst>
       <p:ext uri="{BB962C8B-B14F-4D97-AF65-F5344CB8AC3E}">
-        <p14:creationId xmlns:p14="http://schemas.microsoft.com/office/powerpoint/2010/main" val="202743528"/>
+        <p14:creationId xmlns:p14="http://schemas.microsoft.com/office/powerpoint/2010/main" val="1666022349"/>
+      </p:ext>
+    </p:extLst>
+  </p:cSld>
+  <p:clrMapOvr>
+    <a:masterClrMapping/>
+  </p:clrMapOvr>
+</p:notes>
+</file>
+
+<file path=ppt/notesSlides/notesSlide11.xml><?xml version="1.0" encoding="utf-8"?>
+<p:notes xmlns:a="http://schemas.openxmlformats.org/drawingml/2006/main" xmlns:r="http://schemas.openxmlformats.org/officeDocument/2006/relationships" xmlns:p="http://schemas.openxmlformats.org/presentationml/2006/main">
+  <p:cSld>
+    <p:spTree>
+      <p:nvGrpSpPr>
+        <p:cNvPr id="1" name=""/>
+        <p:cNvGrpSpPr/>
+        <p:nvPr/>
+      </p:nvGrpSpPr>
+      <p:grpSpPr>
+        <a:xfrm>
+          <a:off x="0" y="0"/>
+          <a:ext cx="0" cy="0"/>
+          <a:chOff x="0" y="0"/>
+          <a:chExt cx="0" cy="0"/>
+        </a:xfrm>
+      </p:grpSpPr>
+      <p:sp>
+        <p:nvSpPr>
+          <p:cNvPr id="2" name="Slide Image Placeholder 1"/>
+          <p:cNvSpPr>
+            <a:spLocks noGrp="1" noRot="1" noChangeAspect="1"/>
+          </p:cNvSpPr>
+          <p:nvPr>
+            <p:ph type="sldImg"/>
+          </p:nvPr>
+        </p:nvSpPr>
+        <p:spPr/>
+      </p:sp>
+      <p:sp>
+        <p:nvSpPr>
+          <p:cNvPr id="3" name="Notes Placeholder 2"/>
+          <p:cNvSpPr>
+            <a:spLocks noGrp="1"/>
+          </p:cNvSpPr>
+          <p:nvPr>
+            <p:ph type="body" idx="1"/>
+          </p:nvPr>
+        </p:nvSpPr>
+        <p:spPr/>
+        <p:txBody>
+          <a:bodyPr/>
+          <a:lstStyle/>
+          <a:p>
+            <a:endParaRPr lang="en-IN" dirty="0"/>
+          </a:p>
+        </p:txBody>
+      </p:sp>
+      <p:sp>
+        <p:nvSpPr>
+          <p:cNvPr id="4" name="Slide Number Placeholder 3"/>
+          <p:cNvSpPr>
+            <a:spLocks noGrp="1"/>
+          </p:cNvSpPr>
+          <p:nvPr>
+            <p:ph type="sldNum" sz="quarter" idx="5"/>
+          </p:nvPr>
+        </p:nvSpPr>
+        <p:spPr/>
+        <p:txBody>
+          <a:bodyPr/>
+          <a:lstStyle/>
+          <a:p>
+            <a:fld id="{E0460530-21AB-4667-8DDF-0CFD1A19A456}" type="slidenum">
+              <a:rPr lang="en-IN" smtClean="0"/>
+              <a:t>17</a:t>
+            </a:fld>
+            <a:endParaRPr lang="en-IN"/>
+          </a:p>
+        </p:txBody>
+      </p:sp>
+    </p:spTree>
+    <p:extLst>
+      <p:ext uri="{BB962C8B-B14F-4D97-AF65-F5344CB8AC3E}">
+        <p14:creationId xmlns:p14="http://schemas.microsoft.com/office/powerpoint/2010/main" val="2003245128"/>
+      </p:ext>
+    </p:extLst>
+  </p:cSld>
+  <p:clrMapOvr>
+    <a:masterClrMapping/>
+  </p:clrMapOvr>
+</p:notes>
+</file>
+
+<file path=ppt/notesSlides/notesSlide12.xml><?xml version="1.0" encoding="utf-8"?>
+<p:notes xmlns:a="http://schemas.openxmlformats.org/drawingml/2006/main" xmlns:r="http://schemas.openxmlformats.org/officeDocument/2006/relationships" xmlns:p="http://schemas.openxmlformats.org/presentationml/2006/main">
+  <p:cSld>
+    <p:spTree>
+      <p:nvGrpSpPr>
+        <p:cNvPr id="1" name=""/>
+        <p:cNvGrpSpPr/>
+        <p:nvPr/>
+      </p:nvGrpSpPr>
+      <p:grpSpPr>
+        <a:xfrm>
+          <a:off x="0" y="0"/>
+          <a:ext cx="0" cy="0"/>
+          <a:chOff x="0" y="0"/>
+          <a:chExt cx="0" cy="0"/>
+        </a:xfrm>
+      </p:grpSpPr>
+      <p:sp>
+        <p:nvSpPr>
+          <p:cNvPr id="2" name="Slide Image Placeholder 1"/>
+          <p:cNvSpPr>
+            <a:spLocks noGrp="1" noRot="1" noChangeAspect="1"/>
+          </p:cNvSpPr>
+          <p:nvPr>
+            <p:ph type="sldImg"/>
+          </p:nvPr>
+        </p:nvSpPr>
+        <p:spPr/>
+      </p:sp>
+      <p:sp>
+        <p:nvSpPr>
+          <p:cNvPr id="3" name="Notes Placeholder 2"/>
+          <p:cNvSpPr>
+            <a:spLocks noGrp="1"/>
+          </p:cNvSpPr>
+          <p:nvPr>
+            <p:ph type="body" idx="1"/>
+          </p:nvPr>
+        </p:nvSpPr>
+        <p:spPr/>
+        <p:txBody>
+          <a:bodyPr/>
+          <a:lstStyle/>
+          <a:p>
+            <a:endParaRPr lang="en-IN" dirty="0"/>
+          </a:p>
+        </p:txBody>
+      </p:sp>
+      <p:sp>
+        <p:nvSpPr>
+          <p:cNvPr id="4" name="Slide Number Placeholder 3"/>
+          <p:cNvSpPr>
+            <a:spLocks noGrp="1"/>
+          </p:cNvSpPr>
+          <p:nvPr>
+            <p:ph type="sldNum" sz="quarter" idx="5"/>
+          </p:nvPr>
+        </p:nvSpPr>
+        <p:spPr/>
+        <p:txBody>
+          <a:bodyPr/>
+          <a:lstStyle/>
+          <a:p>
+            <a:fld id="{E0460530-21AB-4667-8DDF-0CFD1A19A456}" type="slidenum">
+              <a:rPr lang="en-IN" smtClean="0"/>
+              <a:t>19</a:t>
+            </a:fld>
+            <a:endParaRPr lang="en-IN"/>
+          </a:p>
+        </p:txBody>
+      </p:sp>
+    </p:spTree>
+    <p:extLst>
+      <p:ext uri="{BB962C8B-B14F-4D97-AF65-F5344CB8AC3E}">
+        <p14:creationId xmlns:p14="http://schemas.microsoft.com/office/powerpoint/2010/main" val="63072498"/>
       </p:ext>
     </p:extLst>
   </p:cSld>
@@ -8250,113 +8641,48 @@
           <a:p>
             <a:r>
               <a:rPr lang="en-US" dirty="0"/>
-              <a:t>Now, before the data can be processed, it needs to be prepared.</a:t>
-            </a:r>
+              <a:t>#Now,</a:t>
+            </a:r>
+            <a:r>
+              <a:rPr lang="en-US" baseline="0" dirty="0"/>
+              <a:t> we will be discussing a summery of the present work which we are referring.</a:t>
+            </a:r>
+            <a:endParaRPr lang="en-US" dirty="0"/>
+          </a:p>
+          <a:p>
+            <a:endParaRPr lang="en-US" dirty="0"/>
           </a:p>
           <a:p>
             <a:r>
               <a:rPr lang="en-US" dirty="0"/>
-              <a:t># The images were segmented into word sized images. Segmentation was done as a final year project by Mondal et al in 2020 in the project titled “</a:t>
-            </a:r>
-            <a:r>
-              <a:rPr lang="en-US" sz="1800" dirty="0">
-                <a:effectLst/>
-                <a:latin typeface="Times New Roman" panose="02020603050405020304" pitchFamily="18" charset="0"/>
-                <a:ea typeface="Times New Roman" panose="02020603050405020304" pitchFamily="18" charset="0"/>
-              </a:rPr>
-              <a:t>Preprocess the handwritten document image for preparing writer recognition</a:t>
-            </a:r>
+              <a:t>#As mentioned earlier, the work done in the field of Bangla character recognition is very limited. For reference and guidance, we looked into the work of Adak  et al, ”An Empirical Study on Writer Identification and Verification from Intra-Variable </a:t>
+            </a:r>
+          </a:p>
+          <a:p>
             <a:r>
               <a:rPr lang="en-US" dirty="0"/>
-              <a:t>”. </a:t>
-            </a:r>
-          </a:p>
-          <a:p>
-            <a:r>
+              <a:t>Individual Handwriting”</a:t>
+            </a:r>
+            <a:br>
               <a:rPr lang="en-US" dirty="0"/>
-              <a:t>[Noise Removal: Gaussian Blur and </a:t>
-            </a:r>
-            <a:r>
-              <a:rPr lang="en-IN" noProof="0" dirty="0"/>
-              <a:t>Normalisation</a:t>
-            </a:r>
-            <a:r>
+            </a:br>
+            <a:br>
               <a:rPr lang="en-US" dirty="0"/>
-              <a:t> -&gt; Paragraph Separation: Rectangular Structural Element Filtering -&gt; Word Cropping: Anisotropic filter]</a:t>
-            </a:r>
-          </a:p>
-          <a:p>
+            </a:br>
+            <a:r>
+              <a:rPr lang="en-US" dirty="0"/>
+              <a:t>#In the article, high intra-variable handwriting-based writer identification/verification is attempted</a:t>
+            </a:r>
+            <a:br>
+              <a:rPr lang="en-US" dirty="0"/>
+            </a:br>
             <a:endParaRPr lang="en-US" dirty="0"/>
           </a:p>
           <a:p>
             <a:r>
               <a:rPr lang="en-US" dirty="0"/>
-              <a:t># The segmented images were then organized into folders in the following way.</a:t>
-            </a:r>
-          </a:p>
-          <a:p>
-            <a:endParaRPr lang="en-US" dirty="0"/>
-          </a:p>
-          <a:p>
-            <a:r>
-              <a:rPr lang="en-US" dirty="0"/>
-              <a:t># Every </a:t>
-            </a:r>
-            <a:r>
-              <a:rPr lang="en-US" dirty="0" err="1"/>
-              <a:t>DataSet</a:t>
-            </a:r>
-            <a:r>
-              <a:rPr lang="en-US" dirty="0"/>
-              <a:t> has 20 folders. </a:t>
-            </a:r>
-          </a:p>
-          <a:p>
-            <a:r>
-              <a:rPr lang="en-US" dirty="0"/>
-              <a:t># Every folder has data for a pair of authors. </a:t>
-            </a:r>
-          </a:p>
-          <a:p>
-            <a:r>
-              <a:rPr lang="en-US" dirty="0"/>
-              <a:t># There are five sets of data for each of the author pairs.</a:t>
-            </a:r>
-          </a:p>
-          <a:p>
-            <a:r>
-              <a:rPr lang="en-US" dirty="0"/>
-              <a:t># The five sets are divided into three training sets and two testing sets.</a:t>
-            </a:r>
-          </a:p>
-          <a:p>
-            <a:r>
-              <a:rPr lang="en-US" dirty="0"/>
-              <a:t># The images are stored as dot tiff files, that is Tag Image File Format.</a:t>
-            </a:r>
-          </a:p>
-          <a:p>
-            <a:r>
-              <a:rPr lang="en-US" dirty="0"/>
-              <a:t># The format of labels of images is Author Code underscore Set Number underscore Image Number. So the first image of the first set of the first author number is labeled as 0000_01_0.tiff.</a:t>
-            </a:r>
-          </a:p>
-          <a:p>
-            <a:r>
-              <a:rPr lang="en-US" dirty="0"/>
-              <a:t># There are five data sets in total.</a:t>
-            </a:r>
-          </a:p>
-          <a:p>
-            <a:r>
-              <a:rPr lang="en-US" dirty="0"/>
-              <a:t>#</a:t>
-            </a:r>
-          </a:p>
-          <a:p>
-            <a:endParaRPr lang="en-IN" dirty="0"/>
-          </a:p>
-          <a:p>
+              <a:t>#Both handcrafted and auto-derived feature-based models are considered to study writer identification/verification performance.</a:t>
+            </a:r>
             <a:endParaRPr lang="en-IN" dirty="0"/>
           </a:p>
         </p:txBody>
@@ -8368,7 +8694,7 @@
             <a:spLocks noGrp="1"/>
           </p:cNvSpPr>
           <p:nvPr>
-            <p:ph type="sldNum" sz="quarter" idx="5"/>
+            <p:ph type="sldNum" sz="quarter" idx="10"/>
           </p:nvPr>
         </p:nvSpPr>
         <p:spPr/>
@@ -8378,7 +8704,7 @@
           <a:p>
             <a:fld id="{E0460530-21AB-4667-8DDF-0CFD1A19A456}" type="slidenum">
               <a:rPr lang="en-IN" smtClean="0"/>
-              <a:t>12</a:t>
+              <a:t>7</a:t>
             </a:fld>
             <a:endParaRPr lang="en-IN"/>
           </a:p>
@@ -8387,7 +8713,7 @@
     </p:spTree>
     <p:extLst>
       <p:ext uri="{BB962C8B-B14F-4D97-AF65-F5344CB8AC3E}">
-        <p14:creationId xmlns:p14="http://schemas.microsoft.com/office/powerpoint/2010/main" val="3973513208"/>
+        <p14:creationId xmlns:p14="http://schemas.microsoft.com/office/powerpoint/2010/main" val="4055110514"/>
       </p:ext>
     </p:extLst>
   </p:cSld>
@@ -8442,174 +8768,51 @@
           <a:lstStyle/>
           <a:p>
             <a:r>
-              <a:rPr lang="en-IN" dirty="0"/>
-              <a:t>Now we shall talk about VGG16, since it is the primary neural network model that we will be using in our project.</a:t>
-            </a:r>
-          </a:p>
-          <a:p>
-            <a:r>
-              <a:rPr lang="en-IN" dirty="0"/>
-              <a:t># The VGG16 model was first proposed by </a:t>
-            </a:r>
-            <a:r>
-              <a:rPr lang="en-IN" sz="1800" dirty="0">
-                <a:effectLst/>
-                <a:latin typeface="Times New Roman" panose="02020603050405020304" pitchFamily="18" charset="0"/>
-                <a:ea typeface="Times New Roman" panose="02020603050405020304" pitchFamily="18" charset="0"/>
-              </a:rPr>
-              <a:t>Karen </a:t>
-            </a:r>
-            <a:r>
-              <a:rPr lang="en-IN" sz="1800" dirty="0" err="1">
-                <a:effectLst/>
-                <a:latin typeface="Times New Roman" panose="02020603050405020304" pitchFamily="18" charset="0"/>
-                <a:ea typeface="Times New Roman" panose="02020603050405020304" pitchFamily="18" charset="0"/>
-              </a:rPr>
-              <a:t>Simonyan</a:t>
-            </a:r>
-            <a:r>
-              <a:rPr lang="en-IN" sz="1800" dirty="0">
-                <a:effectLst/>
-                <a:latin typeface="Times New Roman" panose="02020603050405020304" pitchFamily="18" charset="0"/>
-                <a:ea typeface="Times New Roman" panose="02020603050405020304" pitchFamily="18" charset="0"/>
-              </a:rPr>
-              <a:t> and Andrew Zisserman of Oxford University’s </a:t>
-            </a:r>
-            <a:r>
-              <a:rPr lang="en-US" sz="4000" dirty="0">
-                <a:latin typeface="Frank Ruhl Hofshi" panose="00000500000000000000" pitchFamily="50" charset="-79"/>
-                <a:cs typeface="Frank Ruhl Hofshi" panose="00000500000000000000" pitchFamily="50" charset="-79"/>
-              </a:rPr>
-              <a:t>Visual Geometry Group Lab</a:t>
-            </a:r>
-            <a:r>
-              <a:rPr lang="en-IN" sz="1800" dirty="0">
-                <a:effectLst/>
-                <a:latin typeface="Times New Roman" panose="02020603050405020304" pitchFamily="18" charset="0"/>
-                <a:ea typeface="Times New Roman" panose="02020603050405020304" pitchFamily="18" charset="0"/>
-              </a:rPr>
-              <a:t> </a:t>
-            </a:r>
-            <a:r>
-              <a:rPr lang="en-IN" dirty="0"/>
-              <a:t>in a scholarly article titled </a:t>
-            </a:r>
-            <a:r>
-              <a:rPr lang="en-IN" sz="1800" dirty="0">
-                <a:effectLst/>
-                <a:latin typeface="Times New Roman" panose="02020603050405020304" pitchFamily="18" charset="0"/>
-                <a:ea typeface="Times New Roman" panose="02020603050405020304" pitchFamily="18" charset="0"/>
-              </a:rPr>
-              <a:t>"Very Deep Networks for Large Scale Image Recognition“ in 2014.</a:t>
-            </a:r>
-          </a:p>
-          <a:p>
-            <a:r>
-              <a:rPr lang="en-IN" sz="1800" dirty="0">
-                <a:effectLst/>
-                <a:latin typeface="Times New Roman" panose="02020603050405020304" pitchFamily="18" charset="0"/>
-                <a:ea typeface="Times New Roman" panose="02020603050405020304" pitchFamily="18" charset="0"/>
-              </a:rPr>
-              <a:t># It has 92.7% accuracy on top 5 accuracy tests with the </a:t>
-            </a:r>
-            <a:r>
-              <a:rPr lang="en-IN" sz="1800" dirty="0" err="1">
-                <a:effectLst/>
-                <a:latin typeface="Times New Roman" panose="02020603050405020304" pitchFamily="18" charset="0"/>
-                <a:ea typeface="Times New Roman" panose="02020603050405020304" pitchFamily="18" charset="0"/>
-              </a:rPr>
-              <a:t>Imagenet</a:t>
-            </a:r>
-            <a:r>
-              <a:rPr lang="en-IN" sz="1800" dirty="0">
-                <a:effectLst/>
-                <a:latin typeface="Times New Roman" panose="02020603050405020304" pitchFamily="18" charset="0"/>
-                <a:ea typeface="Times New Roman" panose="02020603050405020304" pitchFamily="18" charset="0"/>
-              </a:rPr>
-              <a:t> database</a:t>
-            </a:r>
-          </a:p>
-          <a:p>
-            <a:r>
-              <a:rPr lang="en-US" sz="2800" dirty="0"/>
-              <a:t># This model won the first and second place in 2014 </a:t>
-            </a:r>
-            <a:r>
-              <a:rPr lang="en-IN" sz="4000" dirty="0"/>
-              <a:t>ImageNet Large Scale Visual Recognition Challenge</a:t>
-            </a:r>
-            <a:r>
-              <a:rPr lang="en-US" sz="2800" dirty="0"/>
-              <a:t>.</a:t>
-            </a:r>
-          </a:p>
-          <a:p>
-            <a:r>
-              <a:rPr lang="en-US" sz="2800" dirty="0">
-                <a:effectLst/>
-                <a:latin typeface="Times New Roman" panose="02020603050405020304" pitchFamily="18" charset="0"/>
-                <a:ea typeface="Times New Roman" panose="02020603050405020304" pitchFamily="18" charset="0"/>
-              </a:rPr>
-              <a:t># The VGG in the name stands for Visual Geometry Group, which is the name of the laboratory where the model was conceived</a:t>
-            </a:r>
-            <a:r>
-              <a:rPr lang="en-IN" sz="1800" dirty="0">
-                <a:effectLst/>
-                <a:latin typeface="Times New Roman" panose="02020603050405020304" pitchFamily="18" charset="0"/>
-                <a:ea typeface="Times New Roman" panose="02020603050405020304" pitchFamily="18" charset="0"/>
-              </a:rPr>
-              <a:t>.</a:t>
-            </a:r>
-          </a:p>
-          <a:p>
-            <a:r>
-              <a:rPr lang="en-IN" sz="1800" dirty="0">
-                <a:effectLst/>
-                <a:latin typeface="Times New Roman" panose="02020603050405020304" pitchFamily="18" charset="0"/>
-                <a:ea typeface="Times New Roman" panose="02020603050405020304" pitchFamily="18" charset="0"/>
-              </a:rPr>
-              <a:t># The 16 in the name signifies the 16 Neural Network Layers.</a:t>
+              <a:rPr lang="en-US" dirty="0"/>
+              <a:t>#</a:t>
+            </a:r>
+          </a:p>
+          <a:p>
+            <a:r>
+              <a:rPr lang="en-US" dirty="0"/>
+              <a:t>#Here, two offline Bangla intra-variable handwriting databases from two different sets of 100 writers are used:</a:t>
+            </a:r>
+          </a:p>
+          <a:p>
+            <a:r>
+              <a:rPr lang="en-US" dirty="0"/>
+              <a:t>-One is Controlled</a:t>
+            </a:r>
+          </a:p>
+          <a:p>
+            <a:r>
+              <a:rPr lang="en-US" dirty="0"/>
+              <a:t>-Another is Uncontrolled</a:t>
             </a:r>
             <a:br>
-              <a:rPr lang="en-IN" sz="1800" dirty="0">
-                <a:effectLst/>
-                <a:latin typeface="Times New Roman" panose="02020603050405020304" pitchFamily="18" charset="0"/>
-                <a:ea typeface="Times New Roman" panose="02020603050405020304" pitchFamily="18" charset="0"/>
-              </a:rPr>
+              <a:rPr lang="en-US" dirty="0"/>
             </a:br>
-            <a:r>
-              <a:rPr lang="en-IN" sz="1800" dirty="0">
-                <a:effectLst/>
-                <a:latin typeface="Times New Roman" panose="02020603050405020304" pitchFamily="18" charset="0"/>
-                <a:ea typeface="Times New Roman" panose="02020603050405020304" pitchFamily="18" charset="0"/>
-              </a:rPr>
-              <a:t># Out of these Layers 13 are Convolutional Networks and 3 are Densely connected Networks.</a:t>
-            </a:r>
-          </a:p>
-          <a:p>
-            <a:r>
-              <a:rPr lang="en-IN" sz="1800" dirty="0">
-                <a:effectLst/>
-                <a:latin typeface="Times New Roman" panose="02020603050405020304" pitchFamily="18" charset="0"/>
-                <a:ea typeface="Times New Roman" panose="02020603050405020304" pitchFamily="18" charset="0"/>
-              </a:rPr>
-              <a:t># The model takes 224 cross 224 images in RGB channels as an input.</a:t>
-            </a:r>
-          </a:p>
-          <a:p>
-            <a:r>
-              <a:rPr lang="en-IN" sz="1800" dirty="0">
-                <a:effectLst/>
-                <a:latin typeface="Times New Roman" panose="02020603050405020304" pitchFamily="18" charset="0"/>
-                <a:ea typeface="Times New Roman" panose="02020603050405020304" pitchFamily="18" charset="0"/>
-              </a:rPr>
-              <a:t>#</a:t>
-            </a:r>
-            <a:endParaRPr lang="en-US" sz="2800" dirty="0">
-              <a:effectLst/>
-              <a:latin typeface="Times New Roman" panose="02020603050405020304" pitchFamily="18" charset="0"/>
-              <a:ea typeface="Times New Roman" panose="02020603050405020304" pitchFamily="18" charset="0"/>
-            </a:endParaRPr>
+            <a:br>
+              <a:rPr lang="en-US" dirty="0"/>
+            </a:br>
+            <a:r>
+              <a:rPr lang="en-US" dirty="0"/>
+              <a:t>#This article have two major tasks:</a:t>
+            </a:r>
+          </a:p>
+          <a:p>
+            <a:r>
+              <a:rPr lang="en-US" dirty="0"/>
+              <a:t>-Writer Identification: where multi-class classification was used and the task was to assign writer id to the unknown handwritten specimens. </a:t>
+            </a:r>
+            <a:br>
+              <a:rPr lang="en-US" dirty="0"/>
+            </a:br>
+            <a:r>
+              <a:rPr lang="en-US" dirty="0"/>
+              <a:t>-next task is Writer Verification: a binary classification was used where the task is to answer “yes” or “no” to the handwritten samples. </a:t>
+            </a:r>
+            <a:endParaRPr lang="en-IN" dirty="0"/>
           </a:p>
         </p:txBody>
       </p:sp>
@@ -8620,7 +8823,7 @@
             <a:spLocks noGrp="1"/>
           </p:cNvSpPr>
           <p:nvPr>
-            <p:ph type="sldNum" sz="quarter" idx="5"/>
+            <p:ph type="sldNum" sz="quarter" idx="10"/>
           </p:nvPr>
         </p:nvSpPr>
         <p:spPr/>
@@ -8630,7 +8833,7 @@
           <a:p>
             <a:fld id="{E0460530-21AB-4667-8DDF-0CFD1A19A456}" type="slidenum">
               <a:rPr lang="en-IN" smtClean="0"/>
-              <a:t>13</a:t>
+              <a:t>8</a:t>
             </a:fld>
             <a:endParaRPr lang="en-IN"/>
           </a:p>
@@ -8639,7 +8842,7 @@
     </p:spTree>
     <p:extLst>
       <p:ext uri="{BB962C8B-B14F-4D97-AF65-F5344CB8AC3E}">
-        <p14:creationId xmlns:p14="http://schemas.microsoft.com/office/powerpoint/2010/main" val="1568027492"/>
+        <p14:creationId xmlns:p14="http://schemas.microsoft.com/office/powerpoint/2010/main" val="1763261037"/>
       </p:ext>
     </p:extLst>
   </p:cSld>
@@ -8695,186 +8898,26 @@
           <a:p>
             <a:r>
               <a:rPr lang="en-US" dirty="0"/>
-              <a:t>Now, while VGG16 is highly accurate and hence very popular for image recognition, it has a couple of unfortunate drawbacks.</a:t>
-            </a:r>
-          </a:p>
-          <a:p>
-            <a:pPr marL="0" marR="0" lvl="0" indent="0" algn="l" defTabSz="914400" rtl="0" eaLnBrk="1" fontAlgn="auto" latinLnBrk="0" hangingPunct="1">
-              <a:lnSpc>
-                <a:spcPct val="100000"/>
-              </a:lnSpc>
-              <a:spcBef>
-                <a:spcPts val="0"/>
-              </a:spcBef>
-              <a:spcAft>
-                <a:spcPts val="0"/>
-              </a:spcAft>
-              <a:buClrTx/>
-              <a:buSzTx/>
-              <a:buFontTx/>
-              <a:buNone/>
-              <a:tabLst/>
-              <a:defRPr/>
-            </a:pPr>
+              <a:t>#Coming to the strategies used by Adak et al</a:t>
+            </a:r>
+          </a:p>
+          <a:p>
             <a:r>
               <a:rPr lang="en-US" dirty="0"/>
-              <a:t># </a:t>
-            </a:r>
-            <a:r>
-              <a:rPr lang="en-IN" sz="1800" dirty="0">
-                <a:effectLst/>
-                <a:latin typeface="Times New Roman" panose="02020603050405020304" pitchFamily="18" charset="0"/>
-                <a:ea typeface="Times New Roman" panose="02020603050405020304" pitchFamily="18" charset="0"/>
-              </a:rPr>
-              <a:t>The model is very slow to train. The original VGG model was trained for 2 to 3 weeks on an NVidia Titan GPU.</a:t>
-            </a:r>
-          </a:p>
-          <a:p>
-            <a:pPr marL="0" marR="0" lvl="0" indent="0" algn="l" defTabSz="914400" rtl="0" eaLnBrk="1" fontAlgn="auto" latinLnBrk="0" hangingPunct="1">
-              <a:lnSpc>
-                <a:spcPct val="100000"/>
-              </a:lnSpc>
-              <a:spcBef>
-                <a:spcPts val="0"/>
-              </a:spcBef>
-              <a:spcAft>
-                <a:spcPts val="0"/>
-              </a:spcAft>
-              <a:buClrTx/>
-              <a:buSzTx/>
-              <a:buFontTx/>
-              <a:buNone/>
-              <a:tabLst/>
-              <a:defRPr/>
-            </a:pPr>
-            <a:r>
-              <a:rPr lang="en-IN" sz="1800" dirty="0">
-                <a:effectLst/>
-                <a:latin typeface="Times New Roman" panose="02020603050405020304" pitchFamily="18" charset="0"/>
-                <a:ea typeface="Times New Roman" panose="02020603050405020304" pitchFamily="18" charset="0"/>
-              </a:rPr>
-              <a:t># The model also has very big weights. The size of VGG16 trained ImageNet weights is five hundred and </a:t>
-            </a:r>
-            <a:r>
-              <a:rPr lang="en-IN" sz="1800">
-                <a:effectLst/>
-                <a:latin typeface="Times New Roman" panose="02020603050405020304" pitchFamily="18" charset="0"/>
-                <a:ea typeface="Times New Roman" panose="02020603050405020304" pitchFamily="18" charset="0"/>
-              </a:rPr>
-              <a:t>twenty eight </a:t>
-            </a:r>
-            <a:r>
-              <a:rPr lang="en-IN" sz="1800" dirty="0">
-                <a:effectLst/>
-                <a:latin typeface="Times New Roman" panose="02020603050405020304" pitchFamily="18" charset="0"/>
-                <a:ea typeface="Times New Roman" panose="02020603050405020304" pitchFamily="18" charset="0"/>
-              </a:rPr>
-              <a:t>MB. So, it takes quite a lot of disk space and bandwidth that makes it inefficient with respect to space.</a:t>
-            </a:r>
-          </a:p>
-          <a:p>
-            <a:pPr marL="0" marR="0" lvl="0" indent="0" algn="l" defTabSz="914400" rtl="0" eaLnBrk="1" fontAlgn="auto" latinLnBrk="0" hangingPunct="1">
-              <a:lnSpc>
-                <a:spcPct val="100000"/>
-              </a:lnSpc>
-              <a:spcBef>
-                <a:spcPts val="0"/>
-              </a:spcBef>
-              <a:spcAft>
-                <a:spcPts val="0"/>
-              </a:spcAft>
-              <a:buClrTx/>
-              <a:buSzTx/>
-              <a:buFontTx/>
-              <a:buNone/>
-              <a:tabLst/>
-              <a:defRPr/>
-            </a:pPr>
-            <a:endParaRPr lang="en-IN" sz="1800" dirty="0">
-              <a:effectLst/>
-              <a:latin typeface="Times New Roman" panose="02020603050405020304" pitchFamily="18" charset="0"/>
-              <a:ea typeface="Times New Roman" panose="02020603050405020304" pitchFamily="18" charset="0"/>
-            </a:endParaRPr>
-          </a:p>
-          <a:p>
-            <a:pPr marL="0" marR="0" lvl="0" indent="0" algn="l" defTabSz="914400" rtl="0" eaLnBrk="1" fontAlgn="auto" latinLnBrk="0" hangingPunct="1">
-              <a:lnSpc>
-                <a:spcPct val="100000"/>
-              </a:lnSpc>
-              <a:spcBef>
-                <a:spcPts val="0"/>
-              </a:spcBef>
-              <a:spcAft>
-                <a:spcPts val="0"/>
-              </a:spcAft>
-              <a:buClrTx/>
-              <a:buSzTx/>
-              <a:buFontTx/>
-              <a:buNone/>
-              <a:tabLst/>
-              <a:defRPr/>
-            </a:pPr>
-            <a:r>
-              <a:rPr lang="en-IN" sz="1800" dirty="0">
-                <a:effectLst/>
-                <a:latin typeface="Times New Roman" panose="02020603050405020304" pitchFamily="18" charset="0"/>
-                <a:ea typeface="Times New Roman" panose="02020603050405020304" pitchFamily="18" charset="0"/>
-              </a:rPr>
-              <a:t>Now, I’ll hand over control to Soumya. He will discuss more on the model’s architecture.</a:t>
-            </a:r>
-          </a:p>
-          <a:p>
-            <a:pPr marL="0" marR="0" lvl="0" indent="0" algn="l" defTabSz="914400" rtl="0" eaLnBrk="1" fontAlgn="auto" latinLnBrk="0" hangingPunct="1">
-              <a:lnSpc>
-                <a:spcPct val="100000"/>
-              </a:lnSpc>
-              <a:spcBef>
-                <a:spcPts val="0"/>
-              </a:spcBef>
-              <a:spcAft>
-                <a:spcPts val="0"/>
-              </a:spcAft>
-              <a:buClrTx/>
-              <a:buSzTx/>
-              <a:buFontTx/>
-              <a:buNone/>
-              <a:tabLst/>
-              <a:defRPr/>
-            </a:pPr>
-            <a:r>
-              <a:rPr lang="en-IN" sz="1800" dirty="0">
-                <a:effectLst/>
-                <a:latin typeface="Times New Roman" panose="02020603050405020304" pitchFamily="18" charset="0"/>
-                <a:ea typeface="Times New Roman" panose="02020603050405020304" pitchFamily="18" charset="0"/>
-              </a:rPr>
-              <a:t>#</a:t>
-            </a:r>
-          </a:p>
-          <a:p>
-            <a:pPr marL="0" marR="0" lvl="0" indent="0" algn="l" defTabSz="914400" rtl="0" eaLnBrk="1" fontAlgn="auto" latinLnBrk="0" hangingPunct="1">
-              <a:lnSpc>
-                <a:spcPct val="100000"/>
-              </a:lnSpc>
-              <a:spcBef>
-                <a:spcPts val="0"/>
-              </a:spcBef>
-              <a:spcAft>
-                <a:spcPts val="0"/>
-              </a:spcAft>
-              <a:buClrTx/>
-              <a:buSzTx/>
-              <a:buFontTx/>
-              <a:buNone/>
-              <a:tabLst/>
-              <a:defRPr/>
-            </a:pPr>
-            <a:endParaRPr lang="en-IN" sz="1800" dirty="0">
-              <a:effectLst/>
-              <a:latin typeface="Times New Roman" panose="02020603050405020304" pitchFamily="18" charset="0"/>
-              <a:ea typeface="Times New Roman" panose="02020603050405020304" pitchFamily="18" charset="0"/>
-            </a:endParaRPr>
-          </a:p>
-          <a:p>
+              <a:t>#Both writer identification and writer verification were tried out with two methods:</a:t>
+            </a:r>
+          </a:p>
+          <a:p>
+            <a:r>
+              <a:rPr lang="en-US" dirty="0"/>
+              <a:t>-Handcrafted Feature-Based Identification which is done using various processes</a:t>
+            </a:r>
+          </a:p>
+          <a:p>
+            <a:r>
+              <a:rPr lang="en-US" dirty="0"/>
+              <a:t>-Next, Auto-Derived Feature-Based Identification where many models are used including VGG16, which we have used in our project.</a:t>
+            </a:r>
             <a:endParaRPr lang="en-IN" dirty="0"/>
           </a:p>
         </p:txBody>
@@ -8886,7 +8929,7 @@
             <a:spLocks noGrp="1"/>
           </p:cNvSpPr>
           <p:nvPr>
-            <p:ph type="sldNum" sz="quarter" idx="5"/>
+            <p:ph type="sldNum" sz="quarter" idx="10"/>
           </p:nvPr>
         </p:nvSpPr>
         <p:spPr/>
@@ -8896,7 +8939,7 @@
           <a:p>
             <a:fld id="{E0460530-21AB-4667-8DDF-0CFD1A19A456}" type="slidenum">
               <a:rPr lang="en-IN" smtClean="0"/>
-              <a:t>14</a:t>
+              <a:t>9</a:t>
             </a:fld>
             <a:endParaRPr lang="en-IN"/>
           </a:p>
@@ -8905,7 +8948,7 @@
     </p:spTree>
     <p:extLst>
       <p:ext uri="{BB962C8B-B14F-4D97-AF65-F5344CB8AC3E}">
-        <p14:creationId xmlns:p14="http://schemas.microsoft.com/office/powerpoint/2010/main" val="654931584"/>
+        <p14:creationId xmlns:p14="http://schemas.microsoft.com/office/powerpoint/2010/main" val="1945181403"/>
       </p:ext>
     </p:extLst>
   </p:cSld>
@@ -8959,6 +9002,53 @@
           <a:bodyPr/>
           <a:lstStyle/>
           <a:p>
+            <a:r>
+              <a:rPr lang="en-US" dirty="0"/>
+              <a:t>#Lastly I would like to mention our contributions to the present work:</a:t>
+            </a:r>
+          </a:p>
+          <a:p>
+            <a:r>
+              <a:rPr lang="en-US" dirty="0"/>
+              <a:t>-Here we are taking two samples of writings from unknown authors and check weather they are matching or not.</a:t>
+            </a:r>
+          </a:p>
+          <a:p>
+            <a:r>
+              <a:rPr lang="en-US" dirty="0"/>
+              <a:t>-Unlike Adak et </a:t>
+            </a:r>
+            <a:r>
+              <a:rPr lang="en-US" dirty="0" err="1"/>
+              <a:t>al’s</a:t>
+            </a:r>
+            <a:r>
+              <a:rPr lang="en-US" dirty="0"/>
+              <a:t> work, we would be measuring the percentage of similarity between the two samples.</a:t>
+            </a:r>
+          </a:p>
+          <a:p>
+            <a:r>
+              <a:rPr lang="en-US" dirty="0"/>
+              <a:t>-We have been provided with an unique dataset which contains writings from 121 volunteers, by our mentors.</a:t>
+            </a:r>
+          </a:p>
+          <a:p>
+            <a:endParaRPr lang="en-US" dirty="0"/>
+          </a:p>
+          <a:p>
+            <a:r>
+              <a:rPr lang="en-US" dirty="0"/>
+              <a:t>That’s my time, now I will hand over the control to </a:t>
+            </a:r>
+            <a:r>
+              <a:rPr lang="en-US" dirty="0" err="1"/>
+              <a:t>Souporno</a:t>
+            </a:r>
+            <a:r>
+              <a:rPr lang="en-US" dirty="0"/>
+              <a:t> Ghosh and he will discuss more about Collection of Data Set</a:t>
+            </a:r>
             <a:endParaRPr lang="en-IN" dirty="0"/>
           </a:p>
         </p:txBody>
@@ -8970,7 +9060,7 @@
             <a:spLocks noGrp="1"/>
           </p:cNvSpPr>
           <p:nvPr>
-            <p:ph type="sldNum" sz="quarter" idx="5"/>
+            <p:ph type="sldNum" sz="quarter" idx="10"/>
           </p:nvPr>
         </p:nvSpPr>
         <p:spPr/>
@@ -8980,7 +9070,7 @@
           <a:p>
             <a:fld id="{E0460530-21AB-4667-8DDF-0CFD1A19A456}" type="slidenum">
               <a:rPr lang="en-IN" smtClean="0"/>
-              <a:t>15</a:t>
+              <a:t>10</a:t>
             </a:fld>
             <a:endParaRPr lang="en-IN"/>
           </a:p>
@@ -8989,7 +9079,7 @@
     </p:spTree>
     <p:extLst>
       <p:ext uri="{BB962C8B-B14F-4D97-AF65-F5344CB8AC3E}">
-        <p14:creationId xmlns:p14="http://schemas.microsoft.com/office/powerpoint/2010/main" val="1666022349"/>
+        <p14:creationId xmlns:p14="http://schemas.microsoft.com/office/powerpoint/2010/main" val="3878524442"/>
       </p:ext>
     </p:extLst>
   </p:cSld>
@@ -9043,7 +9133,46 @@
           <a:bodyPr/>
           <a:lstStyle/>
           <a:p>
-            <a:endParaRPr lang="en-IN" dirty="0"/>
+            <a:r>
+              <a:rPr lang="en-US" dirty="0"/>
+              <a:t>Good afternoon. I am Souporno and I will take over from here. I’ll discuss a little about the dataset that we used. The dataset we used was provided to us by our project supervisor. </a:t>
+            </a:r>
+          </a:p>
+          <a:p>
+            <a:r>
+              <a:rPr lang="en-US" dirty="0"/>
+              <a:t># The original Dataset had 121 volunteers. </a:t>
+            </a:r>
+          </a:p>
+          <a:p>
+            <a:r>
+              <a:rPr lang="en-US" dirty="0"/>
+              <a:t># There were 3 languages: English, Hindi and Bangla. </a:t>
+            </a:r>
+          </a:p>
+          <a:p>
+            <a:r>
+              <a:rPr lang="en-US" dirty="0"/>
+              <a:t># The dataset contains handwritten passages. </a:t>
+            </a:r>
+          </a:p>
+          <a:p>
+            <a:r>
+              <a:rPr lang="en-US" dirty="0"/>
+              <a:t># The passages were then scanned into digital images.</a:t>
+            </a:r>
+          </a:p>
+          <a:p>
+            <a:r>
+              <a:rPr lang="en-IN" dirty="0"/>
+              <a:t># For our project, we will be working on Bangla text only.</a:t>
+            </a:r>
+          </a:p>
+          <a:p>
+            <a:r>
+              <a:rPr lang="en-IN" dirty="0"/>
+              <a:t>#</a:t>
+            </a:r>
           </a:p>
         </p:txBody>
       </p:sp>
@@ -9064,7 +9193,7 @@
           <a:p>
             <a:fld id="{E0460530-21AB-4667-8DDF-0CFD1A19A456}" type="slidenum">
               <a:rPr lang="en-IN" smtClean="0"/>
-              <a:t>17</a:t>
+              <a:t>11</a:t>
             </a:fld>
             <a:endParaRPr lang="en-IN"/>
           </a:p>
@@ -9073,7 +9202,7 @@
     </p:spTree>
     <p:extLst>
       <p:ext uri="{BB962C8B-B14F-4D97-AF65-F5344CB8AC3E}">
-        <p14:creationId xmlns:p14="http://schemas.microsoft.com/office/powerpoint/2010/main" val="2003245128"/>
+        <p14:creationId xmlns:p14="http://schemas.microsoft.com/office/powerpoint/2010/main" val="202743528"/>
       </p:ext>
     </p:extLst>
   </p:cSld>
@@ -9127,6 +9256,115 @@
           <a:bodyPr/>
           <a:lstStyle/>
           <a:p>
+            <a:r>
+              <a:rPr lang="en-US" dirty="0"/>
+              <a:t>Now, before the data can be processed, it needs to be prepared.</a:t>
+            </a:r>
+          </a:p>
+          <a:p>
+            <a:r>
+              <a:rPr lang="en-US" dirty="0"/>
+              <a:t># The images were segmented into word sized images. Segmentation was done as a final year project by Mondal et al in 2020 in the project titled “</a:t>
+            </a:r>
+            <a:r>
+              <a:rPr lang="en-US" sz="1800" dirty="0">
+                <a:effectLst/>
+                <a:latin typeface="Times New Roman" panose="02020603050405020304" pitchFamily="18" charset="0"/>
+                <a:ea typeface="Times New Roman" panose="02020603050405020304" pitchFamily="18" charset="0"/>
+              </a:rPr>
+              <a:t>Preprocess the handwritten document image for preparing writer recognition</a:t>
+            </a:r>
+            <a:r>
+              <a:rPr lang="en-US" dirty="0"/>
+              <a:t>”. </a:t>
+            </a:r>
+          </a:p>
+          <a:p>
+            <a:r>
+              <a:rPr lang="en-US" dirty="0"/>
+              <a:t>[Noise Removal: Gaussian Blur and </a:t>
+            </a:r>
+            <a:r>
+              <a:rPr lang="en-IN" noProof="0" dirty="0"/>
+              <a:t>Normalisation</a:t>
+            </a:r>
+            <a:r>
+              <a:rPr lang="en-US" dirty="0"/>
+              <a:t> -&gt; Paragraph Separation: Rectangular Structural Element Filtering -&gt; Word Cropping: Anisotropic filter]</a:t>
+            </a:r>
+          </a:p>
+          <a:p>
+            <a:endParaRPr lang="en-US" dirty="0"/>
+          </a:p>
+          <a:p>
+            <a:r>
+              <a:rPr lang="en-US" dirty="0"/>
+              <a:t># The segmented images were then organized into folders in the following way.</a:t>
+            </a:r>
+          </a:p>
+          <a:p>
+            <a:endParaRPr lang="en-US" dirty="0"/>
+          </a:p>
+          <a:p>
+            <a:r>
+              <a:rPr lang="en-US" dirty="0"/>
+              <a:t># Every </a:t>
+            </a:r>
+            <a:r>
+              <a:rPr lang="en-US" dirty="0" err="1"/>
+              <a:t>DataSet</a:t>
+            </a:r>
+            <a:r>
+              <a:rPr lang="en-US" dirty="0"/>
+              <a:t> has 20 folders. </a:t>
+            </a:r>
+          </a:p>
+          <a:p>
+            <a:r>
+              <a:rPr lang="en-US" dirty="0"/>
+              <a:t># Every folder has data for a pair of authors. </a:t>
+            </a:r>
+          </a:p>
+          <a:p>
+            <a:r>
+              <a:rPr lang="en-US" dirty="0"/>
+              <a:t># There are five sets of data for each of the author pairs.</a:t>
+            </a:r>
+          </a:p>
+          <a:p>
+            <a:r>
+              <a:rPr lang="en-US" dirty="0"/>
+              <a:t># The five sets are divided into three training sets and two testing sets.</a:t>
+            </a:r>
+          </a:p>
+          <a:p>
+            <a:r>
+              <a:rPr lang="en-US" dirty="0"/>
+              <a:t># The images are stored as dot tiff files, that is Tag Image File Format.</a:t>
+            </a:r>
+          </a:p>
+          <a:p>
+            <a:r>
+              <a:rPr lang="en-US" dirty="0"/>
+              <a:t># The format of labels of images is Author Code underscore Set Number underscore Image Number. So the first image of the first set of the first author number is labeled as 0000_01_0.tiff.</a:t>
+            </a:r>
+          </a:p>
+          <a:p>
+            <a:r>
+              <a:rPr lang="en-US" dirty="0"/>
+              <a:t># There are five data sets in total.</a:t>
+            </a:r>
+          </a:p>
+          <a:p>
+            <a:r>
+              <a:rPr lang="en-US" dirty="0"/>
+              <a:t>#</a:t>
+            </a:r>
+          </a:p>
+          <a:p>
+            <a:endParaRPr lang="en-IN" dirty="0"/>
+          </a:p>
+          <a:p>
             <a:endParaRPr lang="en-IN" dirty="0"/>
           </a:p>
         </p:txBody>
@@ -9148,7 +9386,7 @@
           <a:p>
             <a:fld id="{E0460530-21AB-4667-8DDF-0CFD1A19A456}" type="slidenum">
               <a:rPr lang="en-IN" smtClean="0"/>
-              <a:t>19</a:t>
+              <a:t>12</a:t>
             </a:fld>
             <a:endParaRPr lang="en-IN"/>
           </a:p>
@@ -9157,7 +9395,525 @@
     </p:spTree>
     <p:extLst>
       <p:ext uri="{BB962C8B-B14F-4D97-AF65-F5344CB8AC3E}">
-        <p14:creationId xmlns:p14="http://schemas.microsoft.com/office/powerpoint/2010/main" val="63072498"/>
+        <p14:creationId xmlns:p14="http://schemas.microsoft.com/office/powerpoint/2010/main" val="3973513208"/>
+      </p:ext>
+    </p:extLst>
+  </p:cSld>
+  <p:clrMapOvr>
+    <a:masterClrMapping/>
+  </p:clrMapOvr>
+</p:notes>
+</file>
+
+<file path=ppt/notesSlides/notesSlide8.xml><?xml version="1.0" encoding="utf-8"?>
+<p:notes xmlns:a="http://schemas.openxmlformats.org/drawingml/2006/main" xmlns:r="http://schemas.openxmlformats.org/officeDocument/2006/relationships" xmlns:p="http://schemas.openxmlformats.org/presentationml/2006/main">
+  <p:cSld>
+    <p:spTree>
+      <p:nvGrpSpPr>
+        <p:cNvPr id="1" name=""/>
+        <p:cNvGrpSpPr/>
+        <p:nvPr/>
+      </p:nvGrpSpPr>
+      <p:grpSpPr>
+        <a:xfrm>
+          <a:off x="0" y="0"/>
+          <a:ext cx="0" cy="0"/>
+          <a:chOff x="0" y="0"/>
+          <a:chExt cx="0" cy="0"/>
+        </a:xfrm>
+      </p:grpSpPr>
+      <p:sp>
+        <p:nvSpPr>
+          <p:cNvPr id="2" name="Slide Image Placeholder 1"/>
+          <p:cNvSpPr>
+            <a:spLocks noGrp="1" noRot="1" noChangeAspect="1"/>
+          </p:cNvSpPr>
+          <p:nvPr>
+            <p:ph type="sldImg"/>
+          </p:nvPr>
+        </p:nvSpPr>
+        <p:spPr/>
+      </p:sp>
+      <p:sp>
+        <p:nvSpPr>
+          <p:cNvPr id="3" name="Notes Placeholder 2"/>
+          <p:cNvSpPr>
+            <a:spLocks noGrp="1"/>
+          </p:cNvSpPr>
+          <p:nvPr>
+            <p:ph type="body" idx="1"/>
+          </p:nvPr>
+        </p:nvSpPr>
+        <p:spPr/>
+        <p:txBody>
+          <a:bodyPr/>
+          <a:lstStyle/>
+          <a:p>
+            <a:r>
+              <a:rPr lang="en-IN" dirty="0"/>
+              <a:t>Now we shall talk about VGG16, since it is the primary neural network model that we will be using in our project.</a:t>
+            </a:r>
+          </a:p>
+          <a:p>
+            <a:r>
+              <a:rPr lang="en-IN" dirty="0"/>
+              <a:t># The VGG16 model was first proposed by </a:t>
+            </a:r>
+            <a:r>
+              <a:rPr lang="en-IN" sz="1800" dirty="0">
+                <a:effectLst/>
+                <a:latin typeface="Times New Roman" panose="02020603050405020304" pitchFamily="18" charset="0"/>
+                <a:ea typeface="Times New Roman" panose="02020603050405020304" pitchFamily="18" charset="0"/>
+              </a:rPr>
+              <a:t>Karen </a:t>
+            </a:r>
+            <a:r>
+              <a:rPr lang="en-IN" sz="1800" dirty="0" err="1">
+                <a:effectLst/>
+                <a:latin typeface="Times New Roman" panose="02020603050405020304" pitchFamily="18" charset="0"/>
+                <a:ea typeface="Times New Roman" panose="02020603050405020304" pitchFamily="18" charset="0"/>
+              </a:rPr>
+              <a:t>Simonyan</a:t>
+            </a:r>
+            <a:r>
+              <a:rPr lang="en-IN" sz="1800" dirty="0">
+                <a:effectLst/>
+                <a:latin typeface="Times New Roman" panose="02020603050405020304" pitchFamily="18" charset="0"/>
+                <a:ea typeface="Times New Roman" panose="02020603050405020304" pitchFamily="18" charset="0"/>
+              </a:rPr>
+              <a:t> and Andrew Zisserman of Oxford University’s </a:t>
+            </a:r>
+            <a:r>
+              <a:rPr lang="en-US" sz="4000" dirty="0">
+                <a:latin typeface="Frank Ruhl Hofshi" panose="00000500000000000000" pitchFamily="50" charset="-79"/>
+                <a:cs typeface="Frank Ruhl Hofshi" panose="00000500000000000000" pitchFamily="50" charset="-79"/>
+              </a:rPr>
+              <a:t>Visual Geometry Group Lab</a:t>
+            </a:r>
+            <a:r>
+              <a:rPr lang="en-IN" sz="1800" dirty="0">
+                <a:effectLst/>
+                <a:latin typeface="Times New Roman" panose="02020603050405020304" pitchFamily="18" charset="0"/>
+                <a:ea typeface="Times New Roman" panose="02020603050405020304" pitchFamily="18" charset="0"/>
+              </a:rPr>
+              <a:t> </a:t>
+            </a:r>
+            <a:r>
+              <a:rPr lang="en-IN" dirty="0"/>
+              <a:t>in a scholarly article titled </a:t>
+            </a:r>
+            <a:r>
+              <a:rPr lang="en-IN" sz="1800" dirty="0">
+                <a:effectLst/>
+                <a:latin typeface="Times New Roman" panose="02020603050405020304" pitchFamily="18" charset="0"/>
+                <a:ea typeface="Times New Roman" panose="02020603050405020304" pitchFamily="18" charset="0"/>
+              </a:rPr>
+              <a:t>"Very Deep Networks for Large Scale Image Recognition“ in 2014.</a:t>
+            </a:r>
+          </a:p>
+          <a:p>
+            <a:r>
+              <a:rPr lang="en-IN" sz="1800" dirty="0">
+                <a:effectLst/>
+                <a:latin typeface="Times New Roman" panose="02020603050405020304" pitchFamily="18" charset="0"/>
+                <a:ea typeface="Times New Roman" panose="02020603050405020304" pitchFamily="18" charset="0"/>
+              </a:rPr>
+              <a:t># It has 92.7% accuracy on top 5 accuracy tests with the </a:t>
+            </a:r>
+            <a:r>
+              <a:rPr lang="en-IN" sz="1800" dirty="0" err="1">
+                <a:effectLst/>
+                <a:latin typeface="Times New Roman" panose="02020603050405020304" pitchFamily="18" charset="0"/>
+                <a:ea typeface="Times New Roman" panose="02020603050405020304" pitchFamily="18" charset="0"/>
+              </a:rPr>
+              <a:t>Imagenet</a:t>
+            </a:r>
+            <a:r>
+              <a:rPr lang="en-IN" sz="1800" dirty="0">
+                <a:effectLst/>
+                <a:latin typeface="Times New Roman" panose="02020603050405020304" pitchFamily="18" charset="0"/>
+                <a:ea typeface="Times New Roman" panose="02020603050405020304" pitchFamily="18" charset="0"/>
+              </a:rPr>
+              <a:t> database</a:t>
+            </a:r>
+          </a:p>
+          <a:p>
+            <a:r>
+              <a:rPr lang="en-US" sz="2800" dirty="0"/>
+              <a:t># This model won the first and second place in 2014 </a:t>
+            </a:r>
+            <a:r>
+              <a:rPr lang="en-IN" sz="4000" dirty="0"/>
+              <a:t>ImageNet Large Scale Visual Recognition Challenge</a:t>
+            </a:r>
+            <a:r>
+              <a:rPr lang="en-US" sz="2800" dirty="0"/>
+              <a:t>.</a:t>
+            </a:r>
+          </a:p>
+          <a:p>
+            <a:r>
+              <a:rPr lang="en-US" sz="2800" dirty="0">
+                <a:effectLst/>
+                <a:latin typeface="Times New Roman" panose="02020603050405020304" pitchFamily="18" charset="0"/>
+                <a:ea typeface="Times New Roman" panose="02020603050405020304" pitchFamily="18" charset="0"/>
+              </a:rPr>
+              <a:t># The VGG in the name stands for Visual Geometry Group, which is the name of the laboratory where the model was conceived</a:t>
+            </a:r>
+            <a:r>
+              <a:rPr lang="en-IN" sz="1800" dirty="0">
+                <a:effectLst/>
+                <a:latin typeface="Times New Roman" panose="02020603050405020304" pitchFamily="18" charset="0"/>
+                <a:ea typeface="Times New Roman" panose="02020603050405020304" pitchFamily="18" charset="0"/>
+              </a:rPr>
+              <a:t>.</a:t>
+            </a:r>
+          </a:p>
+          <a:p>
+            <a:r>
+              <a:rPr lang="en-IN" sz="1800" dirty="0">
+                <a:effectLst/>
+                <a:latin typeface="Times New Roman" panose="02020603050405020304" pitchFamily="18" charset="0"/>
+                <a:ea typeface="Times New Roman" panose="02020603050405020304" pitchFamily="18" charset="0"/>
+              </a:rPr>
+              <a:t># The 16 in the name signifies the 16 Neural Network Layers.</a:t>
+            </a:r>
+            <a:br>
+              <a:rPr lang="en-IN" sz="1800" dirty="0">
+                <a:effectLst/>
+                <a:latin typeface="Times New Roman" panose="02020603050405020304" pitchFamily="18" charset="0"/>
+                <a:ea typeface="Times New Roman" panose="02020603050405020304" pitchFamily="18" charset="0"/>
+              </a:rPr>
+            </a:br>
+            <a:r>
+              <a:rPr lang="en-IN" sz="1800" dirty="0">
+                <a:effectLst/>
+                <a:latin typeface="Times New Roman" panose="02020603050405020304" pitchFamily="18" charset="0"/>
+                <a:ea typeface="Times New Roman" panose="02020603050405020304" pitchFamily="18" charset="0"/>
+              </a:rPr>
+              <a:t># Out of these Layers 13 are Convolutional Networks and 3 are Densely connected Networks.</a:t>
+            </a:r>
+          </a:p>
+          <a:p>
+            <a:r>
+              <a:rPr lang="en-IN" sz="1800" dirty="0">
+                <a:effectLst/>
+                <a:latin typeface="Times New Roman" panose="02020603050405020304" pitchFamily="18" charset="0"/>
+                <a:ea typeface="Times New Roman" panose="02020603050405020304" pitchFamily="18" charset="0"/>
+              </a:rPr>
+              <a:t># The model takes 224 cross 224 images in RGB channels as an input.</a:t>
+            </a:r>
+          </a:p>
+          <a:p>
+            <a:r>
+              <a:rPr lang="en-IN" sz="1800" dirty="0">
+                <a:effectLst/>
+                <a:latin typeface="Times New Roman" panose="02020603050405020304" pitchFamily="18" charset="0"/>
+                <a:ea typeface="Times New Roman" panose="02020603050405020304" pitchFamily="18" charset="0"/>
+              </a:rPr>
+              <a:t>#</a:t>
+            </a:r>
+            <a:endParaRPr lang="en-US" sz="2800" dirty="0">
+              <a:effectLst/>
+              <a:latin typeface="Times New Roman" panose="02020603050405020304" pitchFamily="18" charset="0"/>
+              <a:ea typeface="Times New Roman" panose="02020603050405020304" pitchFamily="18" charset="0"/>
+            </a:endParaRPr>
+          </a:p>
+        </p:txBody>
+      </p:sp>
+      <p:sp>
+        <p:nvSpPr>
+          <p:cNvPr id="4" name="Slide Number Placeholder 3"/>
+          <p:cNvSpPr>
+            <a:spLocks noGrp="1"/>
+          </p:cNvSpPr>
+          <p:nvPr>
+            <p:ph type="sldNum" sz="quarter" idx="5"/>
+          </p:nvPr>
+        </p:nvSpPr>
+        <p:spPr/>
+        <p:txBody>
+          <a:bodyPr/>
+          <a:lstStyle/>
+          <a:p>
+            <a:fld id="{E0460530-21AB-4667-8DDF-0CFD1A19A456}" type="slidenum">
+              <a:rPr lang="en-IN" smtClean="0"/>
+              <a:t>13</a:t>
+            </a:fld>
+            <a:endParaRPr lang="en-IN"/>
+          </a:p>
+        </p:txBody>
+      </p:sp>
+    </p:spTree>
+    <p:extLst>
+      <p:ext uri="{BB962C8B-B14F-4D97-AF65-F5344CB8AC3E}">
+        <p14:creationId xmlns:p14="http://schemas.microsoft.com/office/powerpoint/2010/main" val="1568027492"/>
+      </p:ext>
+    </p:extLst>
+  </p:cSld>
+  <p:clrMapOvr>
+    <a:masterClrMapping/>
+  </p:clrMapOvr>
+</p:notes>
+</file>
+
+<file path=ppt/notesSlides/notesSlide9.xml><?xml version="1.0" encoding="utf-8"?>
+<p:notes xmlns:a="http://schemas.openxmlformats.org/drawingml/2006/main" xmlns:r="http://schemas.openxmlformats.org/officeDocument/2006/relationships" xmlns:p="http://schemas.openxmlformats.org/presentationml/2006/main">
+  <p:cSld>
+    <p:spTree>
+      <p:nvGrpSpPr>
+        <p:cNvPr id="1" name=""/>
+        <p:cNvGrpSpPr/>
+        <p:nvPr/>
+      </p:nvGrpSpPr>
+      <p:grpSpPr>
+        <a:xfrm>
+          <a:off x="0" y="0"/>
+          <a:ext cx="0" cy="0"/>
+          <a:chOff x="0" y="0"/>
+          <a:chExt cx="0" cy="0"/>
+        </a:xfrm>
+      </p:grpSpPr>
+      <p:sp>
+        <p:nvSpPr>
+          <p:cNvPr id="2" name="Slide Image Placeholder 1"/>
+          <p:cNvSpPr>
+            <a:spLocks noGrp="1" noRot="1" noChangeAspect="1"/>
+          </p:cNvSpPr>
+          <p:nvPr>
+            <p:ph type="sldImg"/>
+          </p:nvPr>
+        </p:nvSpPr>
+        <p:spPr/>
+      </p:sp>
+      <p:sp>
+        <p:nvSpPr>
+          <p:cNvPr id="3" name="Notes Placeholder 2"/>
+          <p:cNvSpPr>
+            <a:spLocks noGrp="1"/>
+          </p:cNvSpPr>
+          <p:nvPr>
+            <p:ph type="body" idx="1"/>
+          </p:nvPr>
+        </p:nvSpPr>
+        <p:spPr/>
+        <p:txBody>
+          <a:bodyPr/>
+          <a:lstStyle/>
+          <a:p>
+            <a:r>
+              <a:rPr lang="en-US" dirty="0"/>
+              <a:t>Now, while VGG16 is highly accurate and hence very popular for image recognition, it has a couple of unfortunate drawbacks.</a:t>
+            </a:r>
+          </a:p>
+          <a:p>
+            <a:pPr marL="0" marR="0" lvl="0" indent="0" algn="l" defTabSz="914400" rtl="0" eaLnBrk="1" fontAlgn="auto" latinLnBrk="0" hangingPunct="1">
+              <a:lnSpc>
+                <a:spcPct val="100000"/>
+              </a:lnSpc>
+              <a:spcBef>
+                <a:spcPts val="0"/>
+              </a:spcBef>
+              <a:spcAft>
+                <a:spcPts val="0"/>
+              </a:spcAft>
+              <a:buClrTx/>
+              <a:buSzTx/>
+              <a:buFontTx/>
+              <a:buNone/>
+              <a:tabLst/>
+              <a:defRPr/>
+            </a:pPr>
+            <a:r>
+              <a:rPr lang="en-US" dirty="0"/>
+              <a:t># </a:t>
+            </a:r>
+            <a:r>
+              <a:rPr lang="en-IN" sz="1800" dirty="0">
+                <a:effectLst/>
+                <a:latin typeface="Times New Roman" panose="02020603050405020304" pitchFamily="18" charset="0"/>
+                <a:ea typeface="Times New Roman" panose="02020603050405020304" pitchFamily="18" charset="0"/>
+              </a:rPr>
+              <a:t>The model is very slow to train. The original VGG model was trained for 2 to 3 weeks on an NVidia Titan GPU.</a:t>
+            </a:r>
+          </a:p>
+          <a:p>
+            <a:pPr marL="0" marR="0" lvl="0" indent="0" algn="l" defTabSz="914400" rtl="0" eaLnBrk="1" fontAlgn="auto" latinLnBrk="0" hangingPunct="1">
+              <a:lnSpc>
+                <a:spcPct val="100000"/>
+              </a:lnSpc>
+              <a:spcBef>
+                <a:spcPts val="0"/>
+              </a:spcBef>
+              <a:spcAft>
+                <a:spcPts val="0"/>
+              </a:spcAft>
+              <a:buClrTx/>
+              <a:buSzTx/>
+              <a:buFontTx/>
+              <a:buNone/>
+              <a:tabLst/>
+              <a:defRPr/>
+            </a:pPr>
+            <a:r>
+              <a:rPr lang="en-IN" sz="1800" dirty="0">
+                <a:effectLst/>
+                <a:latin typeface="Times New Roman" panose="02020603050405020304" pitchFamily="18" charset="0"/>
+                <a:ea typeface="Times New Roman" panose="02020603050405020304" pitchFamily="18" charset="0"/>
+              </a:rPr>
+              <a:t># The model also has very big weights. The size of VGG16 trained ImageNet weights is five hundred and </a:t>
+            </a:r>
+            <a:r>
+              <a:rPr lang="en-IN" sz="1800">
+                <a:effectLst/>
+                <a:latin typeface="Times New Roman" panose="02020603050405020304" pitchFamily="18" charset="0"/>
+                <a:ea typeface="Times New Roman" panose="02020603050405020304" pitchFamily="18" charset="0"/>
+              </a:rPr>
+              <a:t>twenty eight </a:t>
+            </a:r>
+            <a:r>
+              <a:rPr lang="en-IN" sz="1800" dirty="0">
+                <a:effectLst/>
+                <a:latin typeface="Times New Roman" panose="02020603050405020304" pitchFamily="18" charset="0"/>
+                <a:ea typeface="Times New Roman" panose="02020603050405020304" pitchFamily="18" charset="0"/>
+              </a:rPr>
+              <a:t>MB. So, it takes quite a lot of disk space and bandwidth that makes it inefficient with respect to space.</a:t>
+            </a:r>
+          </a:p>
+          <a:p>
+            <a:pPr marL="0" marR="0" lvl="0" indent="0" algn="l" defTabSz="914400" rtl="0" eaLnBrk="1" fontAlgn="auto" latinLnBrk="0" hangingPunct="1">
+              <a:lnSpc>
+                <a:spcPct val="100000"/>
+              </a:lnSpc>
+              <a:spcBef>
+                <a:spcPts val="0"/>
+              </a:spcBef>
+              <a:spcAft>
+                <a:spcPts val="0"/>
+              </a:spcAft>
+              <a:buClrTx/>
+              <a:buSzTx/>
+              <a:buFontTx/>
+              <a:buNone/>
+              <a:tabLst/>
+              <a:defRPr/>
+            </a:pPr>
+            <a:endParaRPr lang="en-IN" sz="1800" dirty="0">
+              <a:effectLst/>
+              <a:latin typeface="Times New Roman" panose="02020603050405020304" pitchFamily="18" charset="0"/>
+              <a:ea typeface="Times New Roman" panose="02020603050405020304" pitchFamily="18" charset="0"/>
+            </a:endParaRPr>
+          </a:p>
+          <a:p>
+            <a:pPr marL="0" marR="0" lvl="0" indent="0" algn="l" defTabSz="914400" rtl="0" eaLnBrk="1" fontAlgn="auto" latinLnBrk="0" hangingPunct="1">
+              <a:lnSpc>
+                <a:spcPct val="100000"/>
+              </a:lnSpc>
+              <a:spcBef>
+                <a:spcPts val="0"/>
+              </a:spcBef>
+              <a:spcAft>
+                <a:spcPts val="0"/>
+              </a:spcAft>
+              <a:buClrTx/>
+              <a:buSzTx/>
+              <a:buFontTx/>
+              <a:buNone/>
+              <a:tabLst/>
+              <a:defRPr/>
+            </a:pPr>
+            <a:r>
+              <a:rPr lang="en-IN" sz="1800" dirty="0">
+                <a:effectLst/>
+                <a:latin typeface="Times New Roman" panose="02020603050405020304" pitchFamily="18" charset="0"/>
+                <a:ea typeface="Times New Roman" panose="02020603050405020304" pitchFamily="18" charset="0"/>
+              </a:rPr>
+              <a:t>Now, I’ll hand over control to Soumya. He will discuss more on the model’s architecture.</a:t>
+            </a:r>
+          </a:p>
+          <a:p>
+            <a:pPr marL="0" marR="0" lvl="0" indent="0" algn="l" defTabSz="914400" rtl="0" eaLnBrk="1" fontAlgn="auto" latinLnBrk="0" hangingPunct="1">
+              <a:lnSpc>
+                <a:spcPct val="100000"/>
+              </a:lnSpc>
+              <a:spcBef>
+                <a:spcPts val="0"/>
+              </a:spcBef>
+              <a:spcAft>
+                <a:spcPts val="0"/>
+              </a:spcAft>
+              <a:buClrTx/>
+              <a:buSzTx/>
+              <a:buFontTx/>
+              <a:buNone/>
+              <a:tabLst/>
+              <a:defRPr/>
+            </a:pPr>
+            <a:r>
+              <a:rPr lang="en-IN" sz="1800" dirty="0">
+                <a:effectLst/>
+                <a:latin typeface="Times New Roman" panose="02020603050405020304" pitchFamily="18" charset="0"/>
+                <a:ea typeface="Times New Roman" panose="02020603050405020304" pitchFamily="18" charset="0"/>
+              </a:rPr>
+              <a:t>#</a:t>
+            </a:r>
+          </a:p>
+          <a:p>
+            <a:pPr marL="0" marR="0" lvl="0" indent="0" algn="l" defTabSz="914400" rtl="0" eaLnBrk="1" fontAlgn="auto" latinLnBrk="0" hangingPunct="1">
+              <a:lnSpc>
+                <a:spcPct val="100000"/>
+              </a:lnSpc>
+              <a:spcBef>
+                <a:spcPts val="0"/>
+              </a:spcBef>
+              <a:spcAft>
+                <a:spcPts val="0"/>
+              </a:spcAft>
+              <a:buClrTx/>
+              <a:buSzTx/>
+              <a:buFontTx/>
+              <a:buNone/>
+              <a:tabLst/>
+              <a:defRPr/>
+            </a:pPr>
+            <a:endParaRPr lang="en-IN" sz="1800" dirty="0">
+              <a:effectLst/>
+              <a:latin typeface="Times New Roman" panose="02020603050405020304" pitchFamily="18" charset="0"/>
+              <a:ea typeface="Times New Roman" panose="02020603050405020304" pitchFamily="18" charset="0"/>
+            </a:endParaRPr>
+          </a:p>
+          <a:p>
+            <a:endParaRPr lang="en-IN" dirty="0"/>
+          </a:p>
+        </p:txBody>
+      </p:sp>
+      <p:sp>
+        <p:nvSpPr>
+          <p:cNvPr id="4" name="Slide Number Placeholder 3"/>
+          <p:cNvSpPr>
+            <a:spLocks noGrp="1"/>
+          </p:cNvSpPr>
+          <p:nvPr>
+            <p:ph type="sldNum" sz="quarter" idx="5"/>
+          </p:nvPr>
+        </p:nvSpPr>
+        <p:spPr/>
+        <p:txBody>
+          <a:bodyPr/>
+          <a:lstStyle/>
+          <a:p>
+            <a:fld id="{E0460530-21AB-4667-8DDF-0CFD1A19A456}" type="slidenum">
+              <a:rPr lang="en-IN" smtClean="0"/>
+              <a:t>14</a:t>
+            </a:fld>
+            <a:endParaRPr lang="en-IN"/>
+          </a:p>
+        </p:txBody>
+      </p:sp>
+    </p:spTree>
+    <p:extLst>
+      <p:ext uri="{BB962C8B-B14F-4D97-AF65-F5344CB8AC3E}">
+        <p14:creationId xmlns:p14="http://schemas.microsoft.com/office/powerpoint/2010/main" val="654931584"/>
       </p:ext>
     </p:extLst>
   </p:cSld>
@@ -19424,39 +20180,26 @@
                                   </p:childTnLst>
                                 </p:cTn>
                               </p:par>
+                            </p:childTnLst>
+                          </p:cTn>
+                        </p:par>
+                      </p:childTnLst>
+                    </p:cTn>
+                  </p:par>
+                  <p:par>
+                    <p:cTn id="7" fill="hold">
+                      <p:stCondLst>
+                        <p:cond delay="indefinite"/>
+                      </p:stCondLst>
+                      <p:childTnLst>
+                        <p:par>
+                          <p:cTn id="8" fill="hold">
+                            <p:stCondLst>
+                              <p:cond delay="0"/>
+                            </p:stCondLst>
+                            <p:childTnLst>
                               <p:par>
-                                <p:cTn id="7" presetID="1" presetClass="entr" presetSubtype="0" fill="hold" grpId="0" nodeType="withEffect">
-                                  <p:stCondLst>
-                                    <p:cond delay="0"/>
-                                  </p:stCondLst>
-                                  <p:childTnLst>
-                                    <p:set>
-                                      <p:cBhvr>
-                                        <p:cTn id="8" dur="1" fill="hold">
-                                          <p:stCondLst>
-                                            <p:cond delay="0"/>
-                                          </p:stCondLst>
-                                        </p:cTn>
-                                        <p:tgtEl>
-                                          <p:spTgt spid="3">
-                                            <p:txEl>
-                                              <p:pRg st="1" end="1"/>
-                                            </p:txEl>
-                                          </p:spTgt>
-                                        </p:tgtEl>
-                                        <p:attrNameLst>
-                                          <p:attrName>style.visibility</p:attrName>
-                                        </p:attrNameLst>
-                                      </p:cBhvr>
-                                      <p:to>
-                                        <p:strVal val="visible"/>
-                                      </p:to>
-                                    </p:set>
-                                  </p:childTnLst>
-                                </p:cTn>
-                              </p:par>
-                              <p:par>
-                                <p:cTn id="9" presetID="1" presetClass="entr" presetSubtype="0" fill="hold" grpId="0" nodeType="withEffect">
+                                <p:cTn id="9" presetID="1" presetClass="entr" presetSubtype="0" fill="hold" grpId="0" nodeType="clickEffect">
                                   <p:stCondLst>
                                     <p:cond delay="0"/>
                                   </p:stCondLst>
@@ -19471,7 +20214,7 @@
                                         <p:tgtEl>
                                           <p:spTgt spid="3">
                                             <p:txEl>
-                                              <p:pRg st="2" end="2"/>
+                                              <p:pRg st="1" end="1"/>
                                             </p:txEl>
                                           </p:spTgt>
                                         </p:tgtEl>
@@ -19520,6 +20263,55 @@
                                         <p:tgtEl>
                                           <p:spTgt spid="3">
                                             <p:txEl>
+                                              <p:pRg st="2" end="2"/>
+                                            </p:txEl>
+                                          </p:spTgt>
+                                        </p:tgtEl>
+                                        <p:attrNameLst>
+                                          <p:attrName>style.visibility</p:attrName>
+                                        </p:attrNameLst>
+                                      </p:cBhvr>
+                                      <p:to>
+                                        <p:strVal val="visible"/>
+                                      </p:to>
+                                    </p:set>
+                                  </p:childTnLst>
+                                </p:cTn>
+                              </p:par>
+                            </p:childTnLst>
+                          </p:cTn>
+                        </p:par>
+                      </p:childTnLst>
+                    </p:cTn>
+                  </p:par>
+                  <p:par>
+                    <p:cTn id="15" fill="hold">
+                      <p:stCondLst>
+                        <p:cond delay="indefinite"/>
+                      </p:stCondLst>
+                      <p:childTnLst>
+                        <p:par>
+                          <p:cTn id="16" fill="hold">
+                            <p:stCondLst>
+                              <p:cond delay="0"/>
+                            </p:stCondLst>
+                            <p:childTnLst>
+                              <p:par>
+                                <p:cTn id="17" presetID="1" presetClass="entr" presetSubtype="0" fill="hold" grpId="0" nodeType="clickEffect">
+                                  <p:stCondLst>
+                                    <p:cond delay="0"/>
+                                  </p:stCondLst>
+                                  <p:childTnLst>
+                                    <p:set>
+                                      <p:cBhvr>
+                                        <p:cTn id="18" dur="1" fill="hold">
+                                          <p:stCondLst>
+                                            <p:cond delay="0"/>
+                                          </p:stCondLst>
+                                        </p:cTn>
+                                        <p:tgtEl>
+                                          <p:spTgt spid="3">
+                                            <p:txEl>
                                               <p:pRg st="3" end="3"/>
                                             </p:txEl>
                                           </p:spTgt>
@@ -19535,15 +20327,33 @@
                                   </p:childTnLst>
                                 </p:cTn>
                               </p:par>
+                            </p:childTnLst>
+                          </p:cTn>
+                        </p:par>
+                      </p:childTnLst>
+                    </p:cTn>
+                  </p:par>
+                  <p:par>
+                    <p:cTn id="19" fill="hold">
+                      <p:stCondLst>
+                        <p:cond delay="indefinite"/>
+                      </p:stCondLst>
+                      <p:childTnLst>
+                        <p:par>
+                          <p:cTn id="20" fill="hold">
+                            <p:stCondLst>
+                              <p:cond delay="0"/>
+                            </p:stCondLst>
+                            <p:childTnLst>
                               <p:par>
-                                <p:cTn id="15" presetID="1" presetClass="entr" presetSubtype="0" fill="hold" grpId="0" nodeType="withEffect">
+                                <p:cTn id="21" presetID="1" presetClass="entr" presetSubtype="0" fill="hold" grpId="0" nodeType="clickEffect">
                                   <p:stCondLst>
                                     <p:cond delay="0"/>
                                   </p:stCondLst>
                                   <p:childTnLst>
                                     <p:set>
                                       <p:cBhvr>
-                                        <p:cTn id="16" dur="1" fill="hold">
+                                        <p:cTn id="22" dur="1" fill="hold">
                                           <p:stCondLst>
                                             <p:cond delay="0"/>
                                           </p:stCondLst>
@@ -19566,15 +20376,33 @@
                                   </p:childTnLst>
                                 </p:cTn>
                               </p:par>
+                            </p:childTnLst>
+                          </p:cTn>
+                        </p:par>
+                      </p:childTnLst>
+                    </p:cTn>
+                  </p:par>
+                  <p:par>
+                    <p:cTn id="23" fill="hold">
+                      <p:stCondLst>
+                        <p:cond delay="indefinite"/>
+                      </p:stCondLst>
+                      <p:childTnLst>
+                        <p:par>
+                          <p:cTn id="24" fill="hold">
+                            <p:stCondLst>
+                              <p:cond delay="0"/>
+                            </p:stCondLst>
+                            <p:childTnLst>
                               <p:par>
-                                <p:cTn id="17" presetID="1" presetClass="entr" presetSubtype="0" fill="hold" grpId="0" nodeType="withEffect">
+                                <p:cTn id="25" presetID="1" presetClass="entr" presetSubtype="0" fill="hold" grpId="0" nodeType="clickEffect">
                                   <p:stCondLst>
                                     <p:cond delay="0"/>
                                   </p:stCondLst>
                                   <p:childTnLst>
                                     <p:set>
                                       <p:cBhvr>
-                                        <p:cTn id="18" dur="1" fill="hold">
+                                        <p:cTn id="26" dur="1" fill="hold">
                                           <p:stCondLst>
                                             <p:cond delay="0"/>
                                           </p:stCondLst>
@@ -19597,15 +20425,33 @@
                                   </p:childTnLst>
                                 </p:cTn>
                               </p:par>
+                            </p:childTnLst>
+                          </p:cTn>
+                        </p:par>
+                      </p:childTnLst>
+                    </p:cTn>
+                  </p:par>
+                  <p:par>
+                    <p:cTn id="27" fill="hold">
+                      <p:stCondLst>
+                        <p:cond delay="indefinite"/>
+                      </p:stCondLst>
+                      <p:childTnLst>
+                        <p:par>
+                          <p:cTn id="28" fill="hold">
+                            <p:stCondLst>
+                              <p:cond delay="0"/>
+                            </p:stCondLst>
+                            <p:childTnLst>
                               <p:par>
-                                <p:cTn id="19" presetID="1" presetClass="entr" presetSubtype="0" fill="hold" grpId="0" nodeType="withEffect">
+                                <p:cTn id="29" presetID="1" presetClass="entr" presetSubtype="0" fill="hold" grpId="0" nodeType="clickEffect">
                                   <p:stCondLst>
                                     <p:cond delay="0"/>
                                   </p:stCondLst>
                                   <p:childTnLst>
                                     <p:set>
                                       <p:cBhvr>
-                                        <p:cTn id="20" dur="1" fill="hold">
+                                        <p:cTn id="30" dur="1" fill="hold">
                                           <p:stCondLst>
                                             <p:cond delay="0"/>
                                           </p:stCondLst>
@@ -19628,15 +20474,33 @@
                                   </p:childTnLst>
                                 </p:cTn>
                               </p:par>
+                            </p:childTnLst>
+                          </p:cTn>
+                        </p:par>
+                      </p:childTnLst>
+                    </p:cTn>
+                  </p:par>
+                  <p:par>
+                    <p:cTn id="31" fill="hold">
+                      <p:stCondLst>
+                        <p:cond delay="indefinite"/>
+                      </p:stCondLst>
+                      <p:childTnLst>
+                        <p:par>
+                          <p:cTn id="32" fill="hold">
+                            <p:stCondLst>
+                              <p:cond delay="0"/>
+                            </p:stCondLst>
+                            <p:childTnLst>
                               <p:par>
-                                <p:cTn id="21" presetID="1" presetClass="entr" presetSubtype="0" fill="hold" grpId="0" nodeType="withEffect">
+                                <p:cTn id="33" presetID="1" presetClass="entr" presetSubtype="0" fill="hold" grpId="0" nodeType="clickEffect">
                                   <p:stCondLst>
                                     <p:cond delay="0"/>
                                   </p:stCondLst>
                                   <p:childTnLst>
                                     <p:set>
                                       <p:cBhvr>
-                                        <p:cTn id="22" dur="1" fill="hold">
+                                        <p:cTn id="34" dur="1" fill="hold">
                                           <p:stCondLst>
                                             <p:cond delay="0"/>
                                           </p:stCondLst>
@@ -19660,14 +20524,14 @@
                                 </p:cTn>
                               </p:par>
                               <p:par>
-                                <p:cTn id="23" presetID="1" presetClass="entr" presetSubtype="0" fill="hold" grpId="0" nodeType="withEffect">
+                                <p:cTn id="35" presetID="1" presetClass="entr" presetSubtype="0" fill="hold" grpId="0" nodeType="withEffect">
                                   <p:stCondLst>
                                     <p:cond delay="0"/>
                                   </p:stCondLst>
                                   <p:childTnLst>
                                     <p:set>
                                       <p:cBhvr>
-                                        <p:cTn id="24" dur="1" fill="hold">
+                                        <p:cTn id="36" dur="1" fill="hold">
                                           <p:stCondLst>
                                             <p:cond delay="0"/>
                                           </p:stCondLst>
@@ -19697,26 +20561,26 @@
                     </p:cTn>
                   </p:par>
                   <p:par>
-                    <p:cTn id="25" fill="hold">
+                    <p:cTn id="37" fill="hold">
                       <p:stCondLst>
                         <p:cond delay="indefinite"/>
                       </p:stCondLst>
                       <p:childTnLst>
                         <p:par>
-                          <p:cTn id="26" fill="hold">
+                          <p:cTn id="38" fill="hold">
                             <p:stCondLst>
                               <p:cond delay="0"/>
                             </p:stCondLst>
                             <p:childTnLst>
                               <p:par>
-                                <p:cTn id="27" presetID="1" presetClass="entr" presetSubtype="0" fill="hold" grpId="0" nodeType="clickEffect">
+                                <p:cTn id="39" presetID="1" presetClass="entr" presetSubtype="0" fill="hold" grpId="0" nodeType="clickEffect">
                                   <p:stCondLst>
                                     <p:cond delay="0"/>
                                   </p:stCondLst>
                                   <p:childTnLst>
                                     <p:set>
                                       <p:cBhvr>
-                                        <p:cTn id="28" dur="1" fill="hold">
+                                        <p:cTn id="40" dur="1" fill="hold">
                                           <p:stCondLst>
                                             <p:cond delay="0"/>
                                           </p:stCondLst>
@@ -19739,15 +20603,33 @@
                                   </p:childTnLst>
                                 </p:cTn>
                               </p:par>
+                            </p:childTnLst>
+                          </p:cTn>
+                        </p:par>
+                      </p:childTnLst>
+                    </p:cTn>
+                  </p:par>
+                  <p:par>
+                    <p:cTn id="41" fill="hold">
+                      <p:stCondLst>
+                        <p:cond delay="indefinite"/>
+                      </p:stCondLst>
+                      <p:childTnLst>
+                        <p:par>
+                          <p:cTn id="42" fill="hold">
+                            <p:stCondLst>
+                              <p:cond delay="0"/>
+                            </p:stCondLst>
+                            <p:childTnLst>
                               <p:par>
-                                <p:cTn id="29" presetID="1" presetClass="entr" presetSubtype="0" fill="hold" grpId="0" nodeType="withEffect">
+                                <p:cTn id="43" presetID="1" presetClass="entr" presetSubtype="0" fill="hold" grpId="0" nodeType="clickEffect">
                                   <p:stCondLst>
                                     <p:cond delay="0"/>
                                   </p:stCondLst>
                                   <p:childTnLst>
                                     <p:set>
                                       <p:cBhvr>
-                                        <p:cTn id="30" dur="1" fill="hold">
+                                        <p:cTn id="44" dur="1" fill="hold">
                                           <p:stCondLst>
                                             <p:cond delay="0"/>
                                           </p:stCondLst>
@@ -19770,15 +20652,33 @@
                                   </p:childTnLst>
                                 </p:cTn>
                               </p:par>
+                            </p:childTnLst>
+                          </p:cTn>
+                        </p:par>
+                      </p:childTnLst>
+                    </p:cTn>
+                  </p:par>
+                  <p:par>
+                    <p:cTn id="45" fill="hold">
+                      <p:stCondLst>
+                        <p:cond delay="indefinite"/>
+                      </p:stCondLst>
+                      <p:childTnLst>
+                        <p:par>
+                          <p:cTn id="46" fill="hold">
+                            <p:stCondLst>
+                              <p:cond delay="0"/>
+                            </p:stCondLst>
+                            <p:childTnLst>
                               <p:par>
-                                <p:cTn id="31" presetID="1" presetClass="entr" presetSubtype="0" fill="hold" grpId="0" nodeType="withEffect">
+                                <p:cTn id="47" presetID="1" presetClass="entr" presetSubtype="0" fill="hold" grpId="0" nodeType="clickEffect">
                                   <p:stCondLst>
                                     <p:cond delay="0"/>
                                   </p:stCondLst>
                                   <p:childTnLst>
                                     <p:set>
                                       <p:cBhvr>
-                                        <p:cTn id="32" dur="1" fill="hold">
+                                        <p:cTn id="48" dur="1" fill="hold">
                                           <p:stCondLst>
                                             <p:cond delay="0"/>
                                           </p:stCondLst>
@@ -19801,15 +20701,33 @@
                                   </p:childTnLst>
                                 </p:cTn>
                               </p:par>
+                            </p:childTnLst>
+                          </p:cTn>
+                        </p:par>
+                      </p:childTnLst>
+                    </p:cTn>
+                  </p:par>
+                  <p:par>
+                    <p:cTn id="49" fill="hold">
+                      <p:stCondLst>
+                        <p:cond delay="indefinite"/>
+                      </p:stCondLst>
+                      <p:childTnLst>
+                        <p:par>
+                          <p:cTn id="50" fill="hold">
+                            <p:stCondLst>
+                              <p:cond delay="0"/>
+                            </p:stCondLst>
+                            <p:childTnLst>
                               <p:par>
-                                <p:cTn id="33" presetID="1" presetClass="entr" presetSubtype="0" fill="hold" grpId="0" nodeType="withEffect">
+                                <p:cTn id="51" presetID="1" presetClass="entr" presetSubtype="0" fill="hold" grpId="0" nodeType="clickEffect">
                                   <p:stCondLst>
                                     <p:cond delay="0"/>
                                   </p:stCondLst>
                                   <p:childTnLst>
                                     <p:set>
                                       <p:cBhvr>
-                                        <p:cTn id="34" dur="1" fill="hold">
+                                        <p:cTn id="52" dur="1" fill="hold">
                                           <p:stCondLst>
                                             <p:cond delay="0"/>
                                           </p:stCondLst>
@@ -19860,7 +20778,7 @@
       </p:par>
     </p:tnLst>
     <p:bldLst>
-      <p:bldP spid="3" grpId="0" build="p"/>
+      <p:bldP spid="3" grpId="0" uiExpand="1" build="p"/>
     </p:bldLst>
   </p:timing>
 </p:sld>

--- a/Documentation/4th Year Project Presentation.pptx
+++ b/Documentation/4th Year Project Presentation.pptx
@@ -5,29 +5,33 @@
     <p:sldMasterId id="2147483731" r:id="rId1"/>
   </p:sldMasterIdLst>
   <p:notesMasterIdLst>
-    <p:notesMasterId r:id="rId22"/>
+    <p:notesMasterId r:id="rId26"/>
   </p:notesMasterIdLst>
   <p:sldIdLst>
     <p:sldId id="256" r:id="rId2"/>
-    <p:sldId id="257" r:id="rId3"/>
-    <p:sldId id="265" r:id="rId4"/>
-    <p:sldId id="260" r:id="rId5"/>
-    <p:sldId id="266" r:id="rId6"/>
-    <p:sldId id="258" r:id="rId7"/>
-    <p:sldId id="259" r:id="rId8"/>
-    <p:sldId id="281" r:id="rId9"/>
-    <p:sldId id="282" r:id="rId10"/>
-    <p:sldId id="283" r:id="rId11"/>
-    <p:sldId id="261" r:id="rId12"/>
-    <p:sldId id="267" r:id="rId13"/>
-    <p:sldId id="262" r:id="rId14"/>
-    <p:sldId id="268" r:id="rId15"/>
-    <p:sldId id="278" r:id="rId16"/>
-    <p:sldId id="279" r:id="rId17"/>
-    <p:sldId id="270" r:id="rId18"/>
-    <p:sldId id="280" r:id="rId19"/>
-    <p:sldId id="263" r:id="rId20"/>
-    <p:sldId id="285" r:id="rId21"/>
+    <p:sldId id="287" r:id="rId3"/>
+    <p:sldId id="257" r:id="rId4"/>
+    <p:sldId id="265" r:id="rId5"/>
+    <p:sldId id="260" r:id="rId6"/>
+    <p:sldId id="266" r:id="rId7"/>
+    <p:sldId id="288" r:id="rId8"/>
+    <p:sldId id="258" r:id="rId9"/>
+    <p:sldId id="259" r:id="rId10"/>
+    <p:sldId id="281" r:id="rId11"/>
+    <p:sldId id="282" r:id="rId12"/>
+    <p:sldId id="283" r:id="rId13"/>
+    <p:sldId id="289" r:id="rId14"/>
+    <p:sldId id="261" r:id="rId15"/>
+    <p:sldId id="267" r:id="rId16"/>
+    <p:sldId id="262" r:id="rId17"/>
+    <p:sldId id="268" r:id="rId18"/>
+    <p:sldId id="290" r:id="rId19"/>
+    <p:sldId id="278" r:id="rId20"/>
+    <p:sldId id="279" r:id="rId21"/>
+    <p:sldId id="270" r:id="rId22"/>
+    <p:sldId id="280" r:id="rId23"/>
+    <p:sldId id="263" r:id="rId24"/>
+    <p:sldId id="285" r:id="rId25"/>
   </p:sldIdLst>
   <p:sldSz cx="12192000" cy="6858000"/>
   <p:notesSz cx="6858000" cy="9144000"/>
@@ -8324,7 +8328,7 @@
           <a:p>
             <a:fld id="{E0460530-21AB-4667-8DDF-0CFD1A19A456}" type="slidenum">
               <a:rPr lang="en-IN" smtClean="0"/>
-              <a:t>6</a:t>
+              <a:t>8</a:t>
             </a:fld>
             <a:endParaRPr lang="en-IN"/>
           </a:p>
@@ -8387,6 +8391,121 @@
           <a:bodyPr/>
           <a:lstStyle/>
           <a:p>
+            <a:r>
+              <a:rPr lang="en-US" dirty="0"/>
+              <a:t>Now, while VGG16 is highly accurate and hence very popular for image recognition, it has a couple of unfortunate drawbacks.</a:t>
+            </a:r>
+          </a:p>
+          <a:p>
+            <a:pPr marL="0" marR="0" lvl="0" indent="0" algn="l" defTabSz="914400" rtl="0" eaLnBrk="1" fontAlgn="auto" latinLnBrk="0" hangingPunct="1">
+              <a:lnSpc>
+                <a:spcPct val="100000"/>
+              </a:lnSpc>
+              <a:spcBef>
+                <a:spcPts val="0"/>
+              </a:spcBef>
+              <a:spcAft>
+                <a:spcPts val="0"/>
+              </a:spcAft>
+              <a:buClrTx/>
+              <a:buSzTx/>
+              <a:buFontTx/>
+              <a:buNone/>
+              <a:tabLst/>
+              <a:defRPr/>
+            </a:pPr>
+            <a:r>
+              <a:rPr lang="en-US" dirty="0"/>
+              <a:t># </a:t>
+            </a:r>
+            <a:r>
+              <a:rPr lang="en-IN" sz="1800" dirty="0">
+                <a:effectLst/>
+                <a:latin typeface="Times New Roman" panose="02020603050405020304" pitchFamily="18" charset="0"/>
+                <a:ea typeface="Times New Roman" panose="02020603050405020304" pitchFamily="18" charset="0"/>
+              </a:rPr>
+              <a:t>The model is very slow to train. The original VGG model was trained for 2 to 3 weeks on an NVidia Titan GPU.</a:t>
+            </a:r>
+          </a:p>
+          <a:p>
+            <a:pPr marL="0" marR="0" lvl="0" indent="0" algn="l" defTabSz="914400" rtl="0" eaLnBrk="1" fontAlgn="auto" latinLnBrk="0" hangingPunct="1">
+              <a:lnSpc>
+                <a:spcPct val="100000"/>
+              </a:lnSpc>
+              <a:spcBef>
+                <a:spcPts val="0"/>
+              </a:spcBef>
+              <a:spcAft>
+                <a:spcPts val="0"/>
+              </a:spcAft>
+              <a:buClrTx/>
+              <a:buSzTx/>
+              <a:buFontTx/>
+              <a:buNone/>
+              <a:tabLst/>
+              <a:defRPr/>
+            </a:pPr>
+            <a:r>
+              <a:rPr lang="en-IN" sz="1800" dirty="0">
+                <a:effectLst/>
+                <a:latin typeface="Times New Roman" panose="02020603050405020304" pitchFamily="18" charset="0"/>
+                <a:ea typeface="Times New Roman" panose="02020603050405020304" pitchFamily="18" charset="0"/>
+              </a:rPr>
+              <a:t># The model also has very big weights. The size of VGG16 trained ImageNet weights is five hundred and twenty eight MB. So, it takes quite a lot of disk space and bandwidth that makes it inefficient with respect to space.</a:t>
+            </a:r>
+          </a:p>
+          <a:p>
+            <a:pPr marL="0" marR="0" lvl="0" indent="0" algn="l" defTabSz="914400" rtl="0" eaLnBrk="1" fontAlgn="auto" latinLnBrk="0" hangingPunct="1">
+              <a:lnSpc>
+                <a:spcPct val="100000"/>
+              </a:lnSpc>
+              <a:spcBef>
+                <a:spcPts val="0"/>
+              </a:spcBef>
+              <a:spcAft>
+                <a:spcPts val="0"/>
+              </a:spcAft>
+              <a:buClrTx/>
+              <a:buSzTx/>
+              <a:buFontTx/>
+              <a:buNone/>
+              <a:tabLst/>
+              <a:defRPr/>
+            </a:pPr>
+            <a:r>
+              <a:rPr lang="en-IN" sz="1800" dirty="0">
+                <a:effectLst/>
+                <a:latin typeface="Times New Roman" panose="02020603050405020304" pitchFamily="18" charset="0"/>
+                <a:ea typeface="Times New Roman" panose="02020603050405020304" pitchFamily="18" charset="0"/>
+              </a:rPr>
+              <a:t>#</a:t>
+            </a:r>
+          </a:p>
+          <a:p>
+            <a:pPr marL="0" marR="0" lvl="0" indent="0" algn="l" defTabSz="914400" rtl="0" eaLnBrk="1" fontAlgn="auto" latinLnBrk="0" hangingPunct="1">
+              <a:lnSpc>
+                <a:spcPct val="100000"/>
+              </a:lnSpc>
+              <a:spcBef>
+                <a:spcPts val="0"/>
+              </a:spcBef>
+              <a:spcAft>
+                <a:spcPts val="0"/>
+              </a:spcAft>
+              <a:buClrTx/>
+              <a:buSzTx/>
+              <a:buFontTx/>
+              <a:buNone/>
+              <a:tabLst/>
+              <a:defRPr/>
+            </a:pPr>
+            <a:endParaRPr lang="en-IN" sz="1800" dirty="0">
+              <a:effectLst/>
+              <a:latin typeface="Times New Roman" panose="02020603050405020304" pitchFamily="18" charset="0"/>
+              <a:ea typeface="Times New Roman" panose="02020603050405020304" pitchFamily="18" charset="0"/>
+            </a:endParaRPr>
+          </a:p>
+          <a:p>
             <a:endParaRPr lang="en-IN" dirty="0"/>
           </a:p>
         </p:txBody>
@@ -8408,7 +8527,7 @@
           <a:p>
             <a:fld id="{E0460530-21AB-4667-8DDF-0CFD1A19A456}" type="slidenum">
               <a:rPr lang="en-IN" smtClean="0"/>
-              <a:t>15</a:t>
+              <a:t>17</a:t>
             </a:fld>
             <a:endParaRPr lang="en-IN"/>
           </a:p>
@@ -8417,7 +8536,7 @@
     </p:spTree>
     <p:extLst>
       <p:ext uri="{BB962C8B-B14F-4D97-AF65-F5344CB8AC3E}">
-        <p14:creationId xmlns:p14="http://schemas.microsoft.com/office/powerpoint/2010/main" val="1666022349"/>
+        <p14:creationId xmlns:p14="http://schemas.microsoft.com/office/powerpoint/2010/main" val="654931584"/>
       </p:ext>
     </p:extLst>
   </p:cSld>
@@ -8471,6 +8590,60 @@
           <a:bodyPr/>
           <a:lstStyle/>
           <a:p>
+            <a:pPr marL="0" marR="0" lvl="0" indent="0" algn="l" defTabSz="914400" rtl="0" eaLnBrk="1" fontAlgn="auto" latinLnBrk="0" hangingPunct="1">
+              <a:lnSpc>
+                <a:spcPct val="100000"/>
+              </a:lnSpc>
+              <a:spcBef>
+                <a:spcPts val="0"/>
+              </a:spcBef>
+              <a:spcAft>
+                <a:spcPts val="0"/>
+              </a:spcAft>
+              <a:buClrTx/>
+              <a:buSzTx/>
+              <a:buFontTx/>
+              <a:buNone/>
+              <a:tabLst/>
+              <a:defRPr/>
+            </a:pPr>
+            <a:r>
+              <a:rPr lang="en-IN" sz="1200" dirty="0">
+                <a:effectLst/>
+                <a:latin typeface="Times New Roman" panose="02020603050405020304" pitchFamily="18" charset="0"/>
+                <a:ea typeface="Times New Roman" panose="02020603050405020304" pitchFamily="18" charset="0"/>
+              </a:rPr>
+              <a:t>Now, I’ll hand over control to Soumya. He will discuss more on the model’s architecture, extracting features and what we will have to do after this.</a:t>
+            </a:r>
+          </a:p>
+          <a:p>
+            <a:pPr marL="0" marR="0" lvl="0" indent="0" algn="l" defTabSz="914400" rtl="0" eaLnBrk="1" fontAlgn="auto" latinLnBrk="0" hangingPunct="1">
+              <a:lnSpc>
+                <a:spcPct val="100000"/>
+              </a:lnSpc>
+              <a:spcBef>
+                <a:spcPts val="0"/>
+              </a:spcBef>
+              <a:spcAft>
+                <a:spcPts val="0"/>
+              </a:spcAft>
+              <a:buClrTx/>
+              <a:buSzTx/>
+              <a:buFontTx/>
+              <a:buNone/>
+              <a:tabLst/>
+              <a:defRPr/>
+            </a:pPr>
+            <a:r>
+              <a:rPr lang="en-IN" sz="1200" dirty="0">
+                <a:effectLst/>
+                <a:latin typeface="Times New Roman" panose="02020603050405020304" pitchFamily="18" charset="0"/>
+                <a:ea typeface="Times New Roman" panose="02020603050405020304" pitchFamily="18" charset="0"/>
+              </a:rPr>
+              <a:t>#</a:t>
+            </a:r>
+          </a:p>
+          <a:p>
             <a:endParaRPr lang="en-IN" dirty="0"/>
           </a:p>
         </p:txBody>
@@ -8492,7 +8665,7 @@
           <a:p>
             <a:fld id="{E0460530-21AB-4667-8DDF-0CFD1A19A456}" type="slidenum">
               <a:rPr lang="en-IN" smtClean="0"/>
-              <a:t>17</a:t>
+              <a:t>18</a:t>
             </a:fld>
             <a:endParaRPr lang="en-IN"/>
           </a:p>
@@ -8501,7 +8674,7 @@
     </p:spTree>
     <p:extLst>
       <p:ext uri="{BB962C8B-B14F-4D97-AF65-F5344CB8AC3E}">
-        <p14:creationId xmlns:p14="http://schemas.microsoft.com/office/powerpoint/2010/main" val="2003245128"/>
+        <p14:creationId xmlns:p14="http://schemas.microsoft.com/office/powerpoint/2010/main" val="1259981314"/>
       </p:ext>
     </p:extLst>
   </p:cSld>
@@ -8577,6 +8750,174 @@
             <a:fld id="{E0460530-21AB-4667-8DDF-0CFD1A19A456}" type="slidenum">
               <a:rPr lang="en-IN" smtClean="0"/>
               <a:t>19</a:t>
+            </a:fld>
+            <a:endParaRPr lang="en-IN"/>
+          </a:p>
+        </p:txBody>
+      </p:sp>
+    </p:spTree>
+    <p:extLst>
+      <p:ext uri="{BB962C8B-B14F-4D97-AF65-F5344CB8AC3E}">
+        <p14:creationId xmlns:p14="http://schemas.microsoft.com/office/powerpoint/2010/main" val="1666022349"/>
+      </p:ext>
+    </p:extLst>
+  </p:cSld>
+  <p:clrMapOvr>
+    <a:masterClrMapping/>
+  </p:clrMapOvr>
+</p:notes>
+</file>
+
+<file path=ppt/notesSlides/notesSlide13.xml><?xml version="1.0" encoding="utf-8"?>
+<p:notes xmlns:a="http://schemas.openxmlformats.org/drawingml/2006/main" xmlns:r="http://schemas.openxmlformats.org/officeDocument/2006/relationships" xmlns:p="http://schemas.openxmlformats.org/presentationml/2006/main">
+  <p:cSld>
+    <p:spTree>
+      <p:nvGrpSpPr>
+        <p:cNvPr id="1" name=""/>
+        <p:cNvGrpSpPr/>
+        <p:nvPr/>
+      </p:nvGrpSpPr>
+      <p:grpSpPr>
+        <a:xfrm>
+          <a:off x="0" y="0"/>
+          <a:ext cx="0" cy="0"/>
+          <a:chOff x="0" y="0"/>
+          <a:chExt cx="0" cy="0"/>
+        </a:xfrm>
+      </p:grpSpPr>
+      <p:sp>
+        <p:nvSpPr>
+          <p:cNvPr id="2" name="Slide Image Placeholder 1"/>
+          <p:cNvSpPr>
+            <a:spLocks noGrp="1" noRot="1" noChangeAspect="1"/>
+          </p:cNvSpPr>
+          <p:nvPr>
+            <p:ph type="sldImg"/>
+          </p:nvPr>
+        </p:nvSpPr>
+        <p:spPr/>
+      </p:sp>
+      <p:sp>
+        <p:nvSpPr>
+          <p:cNvPr id="3" name="Notes Placeholder 2"/>
+          <p:cNvSpPr>
+            <a:spLocks noGrp="1"/>
+          </p:cNvSpPr>
+          <p:nvPr>
+            <p:ph type="body" idx="1"/>
+          </p:nvPr>
+        </p:nvSpPr>
+        <p:spPr/>
+        <p:txBody>
+          <a:bodyPr/>
+          <a:lstStyle/>
+          <a:p>
+            <a:endParaRPr lang="en-IN" dirty="0"/>
+          </a:p>
+        </p:txBody>
+      </p:sp>
+      <p:sp>
+        <p:nvSpPr>
+          <p:cNvPr id="4" name="Slide Number Placeholder 3"/>
+          <p:cNvSpPr>
+            <a:spLocks noGrp="1"/>
+          </p:cNvSpPr>
+          <p:nvPr>
+            <p:ph type="sldNum" sz="quarter" idx="5"/>
+          </p:nvPr>
+        </p:nvSpPr>
+        <p:spPr/>
+        <p:txBody>
+          <a:bodyPr/>
+          <a:lstStyle/>
+          <a:p>
+            <a:fld id="{E0460530-21AB-4667-8DDF-0CFD1A19A456}" type="slidenum">
+              <a:rPr lang="en-IN" smtClean="0"/>
+              <a:t>21</a:t>
+            </a:fld>
+            <a:endParaRPr lang="en-IN"/>
+          </a:p>
+        </p:txBody>
+      </p:sp>
+    </p:spTree>
+    <p:extLst>
+      <p:ext uri="{BB962C8B-B14F-4D97-AF65-F5344CB8AC3E}">
+        <p14:creationId xmlns:p14="http://schemas.microsoft.com/office/powerpoint/2010/main" val="2003245128"/>
+      </p:ext>
+    </p:extLst>
+  </p:cSld>
+  <p:clrMapOvr>
+    <a:masterClrMapping/>
+  </p:clrMapOvr>
+</p:notes>
+</file>
+
+<file path=ppt/notesSlides/notesSlide14.xml><?xml version="1.0" encoding="utf-8"?>
+<p:notes xmlns:a="http://schemas.openxmlformats.org/drawingml/2006/main" xmlns:r="http://schemas.openxmlformats.org/officeDocument/2006/relationships" xmlns:p="http://schemas.openxmlformats.org/presentationml/2006/main">
+  <p:cSld>
+    <p:spTree>
+      <p:nvGrpSpPr>
+        <p:cNvPr id="1" name=""/>
+        <p:cNvGrpSpPr/>
+        <p:nvPr/>
+      </p:nvGrpSpPr>
+      <p:grpSpPr>
+        <a:xfrm>
+          <a:off x="0" y="0"/>
+          <a:ext cx="0" cy="0"/>
+          <a:chOff x="0" y="0"/>
+          <a:chExt cx="0" cy="0"/>
+        </a:xfrm>
+      </p:grpSpPr>
+      <p:sp>
+        <p:nvSpPr>
+          <p:cNvPr id="2" name="Slide Image Placeholder 1"/>
+          <p:cNvSpPr>
+            <a:spLocks noGrp="1" noRot="1" noChangeAspect="1"/>
+          </p:cNvSpPr>
+          <p:nvPr>
+            <p:ph type="sldImg"/>
+          </p:nvPr>
+        </p:nvSpPr>
+        <p:spPr/>
+      </p:sp>
+      <p:sp>
+        <p:nvSpPr>
+          <p:cNvPr id="3" name="Notes Placeholder 2"/>
+          <p:cNvSpPr>
+            <a:spLocks noGrp="1"/>
+          </p:cNvSpPr>
+          <p:nvPr>
+            <p:ph type="body" idx="1"/>
+          </p:nvPr>
+        </p:nvSpPr>
+        <p:spPr/>
+        <p:txBody>
+          <a:bodyPr/>
+          <a:lstStyle/>
+          <a:p>
+            <a:endParaRPr lang="en-IN" dirty="0"/>
+          </a:p>
+        </p:txBody>
+      </p:sp>
+      <p:sp>
+        <p:nvSpPr>
+          <p:cNvPr id="4" name="Slide Number Placeholder 3"/>
+          <p:cNvSpPr>
+            <a:spLocks noGrp="1"/>
+          </p:cNvSpPr>
+          <p:nvPr>
+            <p:ph type="sldNum" sz="quarter" idx="5"/>
+          </p:nvPr>
+        </p:nvSpPr>
+        <p:spPr/>
+        <p:txBody>
+          <a:bodyPr/>
+          <a:lstStyle/>
+          <a:p>
+            <a:fld id="{E0460530-21AB-4667-8DDF-0CFD1A19A456}" type="slidenum">
+              <a:rPr lang="en-IN" smtClean="0"/>
+              <a:t>23</a:t>
             </a:fld>
             <a:endParaRPr lang="en-IN"/>
           </a:p>
@@ -8704,7 +9045,7 @@
           <a:p>
             <a:fld id="{E0460530-21AB-4667-8DDF-0CFD1A19A456}" type="slidenum">
               <a:rPr lang="en-IN" smtClean="0"/>
-              <a:t>7</a:t>
+              <a:t>9</a:t>
             </a:fld>
             <a:endParaRPr lang="en-IN"/>
           </a:p>
@@ -8833,7 +9174,7 @@
           <a:p>
             <a:fld id="{E0460530-21AB-4667-8DDF-0CFD1A19A456}" type="slidenum">
               <a:rPr lang="en-IN" smtClean="0"/>
-              <a:t>8</a:t>
+              <a:t>10</a:t>
             </a:fld>
             <a:endParaRPr lang="en-IN"/>
           </a:p>
@@ -8939,7 +9280,7 @@
           <a:p>
             <a:fld id="{E0460530-21AB-4667-8DDF-0CFD1A19A456}" type="slidenum">
               <a:rPr lang="en-IN" smtClean="0"/>
-              <a:t>9</a:t>
+              <a:t>11</a:t>
             </a:fld>
             <a:endParaRPr lang="en-IN"/>
           </a:p>
@@ -9070,7 +9411,7 @@
           <a:p>
             <a:fld id="{E0460530-21AB-4667-8DDF-0CFD1A19A456}" type="slidenum">
               <a:rPr lang="en-IN" smtClean="0"/>
-              <a:t>10</a:t>
+              <a:t>12</a:t>
             </a:fld>
             <a:endParaRPr lang="en-IN"/>
           </a:p>
@@ -9134,45 +9475,22 @@
           <a:lstStyle/>
           <a:p>
             <a:r>
+              <a:rPr lang="en-IN" dirty="0"/>
+              <a:t>Souporno:</a:t>
+            </a:r>
+          </a:p>
+          <a:p>
+            <a:r>
               <a:rPr lang="en-US" dirty="0"/>
-              <a:t>Good afternoon. I am Souporno and I will take over from here. I’ll discuss a little about the dataset that we used. The dataset we used was provided to us by our project supervisor. </a:t>
+              <a:t>Good afternoon. I am Souporno and I will take over from here. As Rahul Mentioned, I’ll take a little about the dataset and a little about the VGG16 model.</a:t>
             </a:r>
           </a:p>
           <a:p>
             <a:r>
               <a:rPr lang="en-US" dirty="0"/>
-              <a:t># The original Dataset had 121 volunteers. </a:t>
-            </a:r>
-          </a:p>
-          <a:p>
-            <a:r>
-              <a:rPr lang="en-US" dirty="0"/>
-              <a:t># There were 3 languages: English, Hindi and Bangla. </a:t>
-            </a:r>
-          </a:p>
-          <a:p>
-            <a:r>
-              <a:rPr lang="en-US" dirty="0"/>
-              <a:t># The dataset contains handwritten passages. </a:t>
-            </a:r>
-          </a:p>
-          <a:p>
-            <a:r>
-              <a:rPr lang="en-US" dirty="0"/>
-              <a:t># The passages were then scanned into digital images.</a:t>
-            </a:r>
-          </a:p>
-          <a:p>
-            <a:r>
-              <a:rPr lang="en-IN" dirty="0"/>
-              <a:t># For our project, we will be working on Bangla text only.</a:t>
-            </a:r>
-          </a:p>
-          <a:p>
-            <a:r>
-              <a:rPr lang="en-IN" dirty="0"/>
               <a:t>#</a:t>
             </a:r>
+            <a:endParaRPr lang="en-IN" dirty="0"/>
           </a:p>
         </p:txBody>
       </p:sp>
@@ -9193,7 +9511,7 @@
           <a:p>
             <a:fld id="{E0460530-21AB-4667-8DDF-0CFD1A19A456}" type="slidenum">
               <a:rPr lang="en-IN" smtClean="0"/>
-              <a:t>11</a:t>
+              <a:t>13</a:t>
             </a:fld>
             <a:endParaRPr lang="en-IN"/>
           </a:p>
@@ -9202,7 +9520,7 @@
     </p:spTree>
     <p:extLst>
       <p:ext uri="{BB962C8B-B14F-4D97-AF65-F5344CB8AC3E}">
-        <p14:creationId xmlns:p14="http://schemas.microsoft.com/office/powerpoint/2010/main" val="202743528"/>
+        <p14:creationId xmlns:p14="http://schemas.microsoft.com/office/powerpoint/2010/main" val="2970683661"/>
       </p:ext>
     </p:extLst>
   </p:cSld>
@@ -9258,114 +9576,44 @@
           <a:p>
             <a:r>
               <a:rPr lang="en-US" dirty="0"/>
-              <a:t>Now, before the data can be processed, it needs to be prepared.</a:t>
+              <a:t>So, the dataset we used was provided to us by our project supervisor. </a:t>
             </a:r>
           </a:p>
           <a:p>
             <a:r>
               <a:rPr lang="en-US" dirty="0"/>
-              <a:t># The images were segmented into word sized images. Segmentation was done as a final year project by Mondal et al in 2020 in the project titled “</a:t>
-            </a:r>
-            <a:r>
-              <a:rPr lang="en-US" sz="1800" dirty="0">
-                <a:effectLst/>
-                <a:latin typeface="Times New Roman" panose="02020603050405020304" pitchFamily="18" charset="0"/>
-                <a:ea typeface="Times New Roman" panose="02020603050405020304" pitchFamily="18" charset="0"/>
-              </a:rPr>
-              <a:t>Preprocess the handwritten document image for preparing writer recognition</a:t>
-            </a:r>
+              <a:t># The original Dataset had 121 volunteers. </a:t>
+            </a:r>
+          </a:p>
+          <a:p>
             <a:r>
               <a:rPr lang="en-US" dirty="0"/>
-              <a:t>”. </a:t>
+              <a:t># There were 3 languages: English, Hindi and Bangla. </a:t>
             </a:r>
           </a:p>
           <a:p>
             <a:r>
               <a:rPr lang="en-US" dirty="0"/>
-              <a:t>[Noise Removal: Gaussian Blur and </a:t>
-            </a:r>
-            <a:r>
-              <a:rPr lang="en-IN" noProof="0" dirty="0"/>
-              <a:t>Normalisation</a:t>
-            </a:r>
+              <a:t># The dataset contains handwritten passages. </a:t>
+            </a:r>
+          </a:p>
+          <a:p>
             <a:r>
               <a:rPr lang="en-US" dirty="0"/>
-              <a:t> -&gt; Paragraph Separation: Rectangular Structural Element Filtering -&gt; Word Cropping: Anisotropic filter]</a:t>
-            </a:r>
-          </a:p>
-          <a:p>
-            <a:endParaRPr lang="en-US" dirty="0"/>
-          </a:p>
-          <a:p>
-            <a:r>
-              <a:rPr lang="en-US" dirty="0"/>
-              <a:t># The segmented images were then organized into folders in the following way.</a:t>
-            </a:r>
-          </a:p>
-          <a:p>
-            <a:endParaRPr lang="en-US" dirty="0"/>
-          </a:p>
-          <a:p>
-            <a:r>
-              <a:rPr lang="en-US" dirty="0"/>
-              <a:t># Every </a:t>
-            </a:r>
-            <a:r>
-              <a:rPr lang="en-US" dirty="0" err="1"/>
-              <a:t>DataSet</a:t>
-            </a:r>
-            <a:r>
-              <a:rPr lang="en-US" dirty="0"/>
-              <a:t> has 20 folders. </a:t>
-            </a:r>
-          </a:p>
-          <a:p>
-            <a:r>
-              <a:rPr lang="en-US" dirty="0"/>
-              <a:t># Every folder has data for a pair of authors. </a:t>
-            </a:r>
-          </a:p>
-          <a:p>
-            <a:r>
-              <a:rPr lang="en-US" dirty="0"/>
-              <a:t># There are five sets of data for each of the author pairs.</a:t>
-            </a:r>
-          </a:p>
-          <a:p>
-            <a:r>
-              <a:rPr lang="en-US" dirty="0"/>
-              <a:t># The five sets are divided into three training sets and two testing sets.</a:t>
-            </a:r>
-          </a:p>
-          <a:p>
-            <a:r>
-              <a:rPr lang="en-US" dirty="0"/>
-              <a:t># The images are stored as dot tiff files, that is Tag Image File Format.</a:t>
-            </a:r>
-          </a:p>
-          <a:p>
-            <a:r>
-              <a:rPr lang="en-US" dirty="0"/>
-              <a:t># The format of labels of images is Author Code underscore Set Number underscore Image Number. So the first image of the first set of the first author number is labeled as 0000_01_0.tiff.</a:t>
-            </a:r>
-          </a:p>
-          <a:p>
-            <a:r>
-              <a:rPr lang="en-US" dirty="0"/>
-              <a:t># There are five data sets in total.</a:t>
-            </a:r>
-          </a:p>
-          <a:p>
-            <a:r>
-              <a:rPr lang="en-US" dirty="0"/>
+              <a:t># The passages were then scanned into digital images.</a:t>
+            </a:r>
+          </a:p>
+          <a:p>
+            <a:r>
+              <a:rPr lang="en-IN" dirty="0"/>
+              <a:t># For our project, we will be working on Bangla text only.</a:t>
+            </a:r>
+          </a:p>
+          <a:p>
+            <a:r>
+              <a:rPr lang="en-IN" dirty="0"/>
               <a:t>#</a:t>
             </a:r>
-          </a:p>
-          <a:p>
-            <a:endParaRPr lang="en-IN" dirty="0"/>
-          </a:p>
-          <a:p>
-            <a:endParaRPr lang="en-IN" dirty="0"/>
           </a:p>
         </p:txBody>
       </p:sp>
@@ -9386,7 +9634,7 @@
           <a:p>
             <a:fld id="{E0460530-21AB-4667-8DDF-0CFD1A19A456}" type="slidenum">
               <a:rPr lang="en-IN" smtClean="0"/>
-              <a:t>12</a:t>
+              <a:t>14</a:t>
             </a:fld>
             <a:endParaRPr lang="en-IN"/>
           </a:p>
@@ -9395,7 +9643,7 @@
     </p:spTree>
     <p:extLst>
       <p:ext uri="{BB962C8B-B14F-4D97-AF65-F5344CB8AC3E}">
-        <p14:creationId xmlns:p14="http://schemas.microsoft.com/office/powerpoint/2010/main" val="3973513208"/>
+        <p14:creationId xmlns:p14="http://schemas.microsoft.com/office/powerpoint/2010/main" val="202743528"/>
       </p:ext>
     </p:extLst>
   </p:cSld>
@@ -9450,174 +9698,115 @@
           <a:lstStyle/>
           <a:p>
             <a:r>
-              <a:rPr lang="en-IN" dirty="0"/>
-              <a:t>Now we shall talk about VGG16, since it is the primary neural network model that we will be using in our project.</a:t>
-            </a:r>
-          </a:p>
-          <a:p>
-            <a:r>
-              <a:rPr lang="en-IN" dirty="0"/>
-              <a:t># The VGG16 model was first proposed by </a:t>
-            </a:r>
-            <a:r>
-              <a:rPr lang="en-IN" sz="1800" dirty="0">
+              <a:rPr lang="en-US" dirty="0"/>
+              <a:t>Now, before the data can be processed, it needs to be prepared.</a:t>
+            </a:r>
+          </a:p>
+          <a:p>
+            <a:r>
+              <a:rPr lang="en-US" dirty="0"/>
+              <a:t># The images were segmented into word sized images. Segmentation was done as a final year project by Mondal et al in 2020 in the project titled “</a:t>
+            </a:r>
+            <a:r>
+              <a:rPr lang="en-US" sz="1800" dirty="0">
                 <a:effectLst/>
                 <a:latin typeface="Times New Roman" panose="02020603050405020304" pitchFamily="18" charset="0"/>
                 <a:ea typeface="Times New Roman" panose="02020603050405020304" pitchFamily="18" charset="0"/>
               </a:rPr>
-              <a:t>Karen </a:t>
-            </a:r>
-            <a:r>
-              <a:rPr lang="en-IN" sz="1800" dirty="0" err="1">
-                <a:effectLst/>
-                <a:latin typeface="Times New Roman" panose="02020603050405020304" pitchFamily="18" charset="0"/>
-                <a:ea typeface="Times New Roman" panose="02020603050405020304" pitchFamily="18" charset="0"/>
-              </a:rPr>
-              <a:t>Simonyan</a:t>
-            </a:r>
-            <a:r>
-              <a:rPr lang="en-IN" sz="1800" dirty="0">
-                <a:effectLst/>
-                <a:latin typeface="Times New Roman" panose="02020603050405020304" pitchFamily="18" charset="0"/>
-                <a:ea typeface="Times New Roman" panose="02020603050405020304" pitchFamily="18" charset="0"/>
-              </a:rPr>
-              <a:t> and Andrew Zisserman of Oxford University’s </a:t>
-            </a:r>
-            <a:r>
-              <a:rPr lang="en-US" sz="4000" dirty="0">
-                <a:latin typeface="Frank Ruhl Hofshi" panose="00000500000000000000" pitchFamily="50" charset="-79"/>
-                <a:cs typeface="Frank Ruhl Hofshi" panose="00000500000000000000" pitchFamily="50" charset="-79"/>
-              </a:rPr>
-              <a:t>Visual Geometry Group Lab</a:t>
-            </a:r>
-            <a:r>
-              <a:rPr lang="en-IN" sz="1800" dirty="0">
-                <a:effectLst/>
-                <a:latin typeface="Times New Roman" panose="02020603050405020304" pitchFamily="18" charset="0"/>
-                <a:ea typeface="Times New Roman" panose="02020603050405020304" pitchFamily="18" charset="0"/>
-              </a:rPr>
-              <a:t> </a:t>
-            </a:r>
-            <a:r>
-              <a:rPr lang="en-IN" dirty="0"/>
-              <a:t>in a scholarly article titled </a:t>
-            </a:r>
-            <a:r>
-              <a:rPr lang="en-IN" sz="1800" dirty="0">
-                <a:effectLst/>
-                <a:latin typeface="Times New Roman" panose="02020603050405020304" pitchFamily="18" charset="0"/>
-                <a:ea typeface="Times New Roman" panose="02020603050405020304" pitchFamily="18" charset="0"/>
-              </a:rPr>
-              <a:t>"Very Deep Networks for Large Scale Image Recognition“ in 2014.</a:t>
-            </a:r>
-          </a:p>
-          <a:p>
-            <a:r>
-              <a:rPr lang="en-IN" sz="1800" dirty="0">
-                <a:effectLst/>
-                <a:latin typeface="Times New Roman" panose="02020603050405020304" pitchFamily="18" charset="0"/>
-                <a:ea typeface="Times New Roman" panose="02020603050405020304" pitchFamily="18" charset="0"/>
-              </a:rPr>
-              <a:t># It has 92.7% accuracy on top 5 accuracy tests with the </a:t>
-            </a:r>
-            <a:r>
-              <a:rPr lang="en-IN" sz="1800" dirty="0" err="1">
-                <a:effectLst/>
-                <a:latin typeface="Times New Roman" panose="02020603050405020304" pitchFamily="18" charset="0"/>
-                <a:ea typeface="Times New Roman" panose="02020603050405020304" pitchFamily="18" charset="0"/>
-              </a:rPr>
-              <a:t>Imagenet</a:t>
-            </a:r>
-            <a:r>
-              <a:rPr lang="en-IN" sz="1800" dirty="0">
-                <a:effectLst/>
-                <a:latin typeface="Times New Roman" panose="02020603050405020304" pitchFamily="18" charset="0"/>
-                <a:ea typeface="Times New Roman" panose="02020603050405020304" pitchFamily="18" charset="0"/>
-              </a:rPr>
-              <a:t> database</a:t>
-            </a:r>
-          </a:p>
-          <a:p>
-            <a:r>
-              <a:rPr lang="en-US" sz="2800" dirty="0"/>
-              <a:t># This model won the first and second place in 2014 </a:t>
-            </a:r>
-            <a:r>
-              <a:rPr lang="en-IN" sz="4000" dirty="0"/>
-              <a:t>ImageNet Large Scale Visual Recognition Challenge</a:t>
-            </a:r>
-            <a:r>
-              <a:rPr lang="en-US" sz="2800" dirty="0"/>
-              <a:t>.</a:t>
-            </a:r>
-          </a:p>
-          <a:p>
-            <a:r>
-              <a:rPr lang="en-US" sz="2800" dirty="0">
-                <a:effectLst/>
-                <a:latin typeface="Times New Roman" panose="02020603050405020304" pitchFamily="18" charset="0"/>
-                <a:ea typeface="Times New Roman" panose="02020603050405020304" pitchFamily="18" charset="0"/>
-              </a:rPr>
-              <a:t># The VGG in the name stands for Visual Geometry Group, which is the name of the laboratory where the model was conceived</a:t>
-            </a:r>
-            <a:r>
-              <a:rPr lang="en-IN" sz="1800" dirty="0">
-                <a:effectLst/>
-                <a:latin typeface="Times New Roman" panose="02020603050405020304" pitchFamily="18" charset="0"/>
-                <a:ea typeface="Times New Roman" panose="02020603050405020304" pitchFamily="18" charset="0"/>
-              </a:rPr>
-              <a:t>.</a:t>
-            </a:r>
-          </a:p>
-          <a:p>
-            <a:r>
-              <a:rPr lang="en-IN" sz="1800" dirty="0">
-                <a:effectLst/>
-                <a:latin typeface="Times New Roman" panose="02020603050405020304" pitchFamily="18" charset="0"/>
-                <a:ea typeface="Times New Roman" panose="02020603050405020304" pitchFamily="18" charset="0"/>
-              </a:rPr>
-              <a:t># The 16 in the name signifies the 16 Neural Network Layers.</a:t>
-            </a:r>
-            <a:br>
-              <a:rPr lang="en-IN" sz="1800" dirty="0">
-                <a:effectLst/>
-                <a:latin typeface="Times New Roman" panose="02020603050405020304" pitchFamily="18" charset="0"/>
-                <a:ea typeface="Times New Roman" panose="02020603050405020304" pitchFamily="18" charset="0"/>
-              </a:rPr>
-            </a:br>
-            <a:r>
-              <a:rPr lang="en-IN" sz="1800" dirty="0">
-                <a:effectLst/>
-                <a:latin typeface="Times New Roman" panose="02020603050405020304" pitchFamily="18" charset="0"/>
-                <a:ea typeface="Times New Roman" panose="02020603050405020304" pitchFamily="18" charset="0"/>
-              </a:rPr>
-              <a:t># Out of these Layers 13 are Convolutional Networks and 3 are Densely connected Networks.</a:t>
-            </a:r>
-          </a:p>
-          <a:p>
-            <a:r>
-              <a:rPr lang="en-IN" sz="1800" dirty="0">
-                <a:effectLst/>
-                <a:latin typeface="Times New Roman" panose="02020603050405020304" pitchFamily="18" charset="0"/>
-                <a:ea typeface="Times New Roman" panose="02020603050405020304" pitchFamily="18" charset="0"/>
-              </a:rPr>
-              <a:t># The model takes 224 cross 224 images in RGB channels as an input.</a:t>
-            </a:r>
-          </a:p>
-          <a:p>
-            <a:r>
-              <a:rPr lang="en-IN" sz="1800" dirty="0">
-                <a:effectLst/>
-                <a:latin typeface="Times New Roman" panose="02020603050405020304" pitchFamily="18" charset="0"/>
-                <a:ea typeface="Times New Roman" panose="02020603050405020304" pitchFamily="18" charset="0"/>
-              </a:rPr>
+              <a:t>Preprocess the handwritten document image for preparing writer recognition</a:t>
+            </a:r>
+            <a:r>
+              <a:rPr lang="en-US" dirty="0"/>
+              <a:t>”. </a:t>
+            </a:r>
+          </a:p>
+          <a:p>
+            <a:r>
+              <a:rPr lang="en-US" dirty="0"/>
+              <a:t>[Noise Removal: Gaussian Blur and </a:t>
+            </a:r>
+            <a:r>
+              <a:rPr lang="en-IN" noProof="0" dirty="0"/>
+              <a:t>Normalisation</a:t>
+            </a:r>
+            <a:r>
+              <a:rPr lang="en-US" dirty="0"/>
+              <a:t> -&gt; Paragraph Separation: Rectangular Structural Element Filtering -&gt; Word Cropping: Anisotropic filter]</a:t>
+            </a:r>
+          </a:p>
+          <a:p>
+            <a:endParaRPr lang="en-US" dirty="0"/>
+          </a:p>
+          <a:p>
+            <a:r>
+              <a:rPr lang="en-US" dirty="0"/>
+              <a:t># The segmented images were then organized into folders in the following way.</a:t>
+            </a:r>
+          </a:p>
+          <a:p>
+            <a:endParaRPr lang="en-US" dirty="0"/>
+          </a:p>
+          <a:p>
+            <a:r>
+              <a:rPr lang="en-US" dirty="0"/>
+              <a:t># Every </a:t>
+            </a:r>
+            <a:r>
+              <a:rPr lang="en-US" dirty="0" err="1"/>
+              <a:t>DataSet</a:t>
+            </a:r>
+            <a:r>
+              <a:rPr lang="en-US" dirty="0"/>
+              <a:t> has 20 folders. </a:t>
+            </a:r>
+          </a:p>
+          <a:p>
+            <a:r>
+              <a:rPr lang="en-US" dirty="0"/>
+              <a:t># Every folder has data for a pair of authors. </a:t>
+            </a:r>
+          </a:p>
+          <a:p>
+            <a:r>
+              <a:rPr lang="en-US" dirty="0"/>
+              <a:t># There are five sets of data for each of the author pairs.</a:t>
+            </a:r>
+          </a:p>
+          <a:p>
+            <a:r>
+              <a:rPr lang="en-US" dirty="0"/>
+              <a:t># The five sets are divided into three training sets and two testing sets.</a:t>
+            </a:r>
+          </a:p>
+          <a:p>
+            <a:r>
+              <a:rPr lang="en-US" dirty="0"/>
+              <a:t># The images are stored as dot tiff files, that is Tag Image File Format.</a:t>
+            </a:r>
+          </a:p>
+          <a:p>
+            <a:r>
+              <a:rPr lang="en-US" dirty="0"/>
+              <a:t># The format of labels of images is Author Code underscore Set Number underscore Image Number. So the first image of the first set of the first author number is labeled as 0000_01_0.tiff.</a:t>
+            </a:r>
+          </a:p>
+          <a:p>
+            <a:r>
+              <a:rPr lang="en-US" dirty="0"/>
+              <a:t># There are five data sets in total.</a:t>
+            </a:r>
+          </a:p>
+          <a:p>
+            <a:r>
+              <a:rPr lang="en-US" dirty="0"/>
               <a:t>#</a:t>
             </a:r>
-            <a:endParaRPr lang="en-US" sz="2800" dirty="0">
-              <a:effectLst/>
-              <a:latin typeface="Times New Roman" panose="02020603050405020304" pitchFamily="18" charset="0"/>
-              <a:ea typeface="Times New Roman" panose="02020603050405020304" pitchFamily="18" charset="0"/>
-            </a:endParaRPr>
+          </a:p>
+          <a:p>
+            <a:endParaRPr lang="en-IN" dirty="0"/>
+          </a:p>
+          <a:p>
+            <a:endParaRPr lang="en-IN" dirty="0"/>
           </a:p>
         </p:txBody>
       </p:sp>
@@ -9638,7 +9827,7 @@
           <a:p>
             <a:fld id="{E0460530-21AB-4667-8DDF-0CFD1A19A456}" type="slidenum">
               <a:rPr lang="en-IN" smtClean="0"/>
-              <a:t>13</a:t>
+              <a:t>15</a:t>
             </a:fld>
             <a:endParaRPr lang="en-IN"/>
           </a:p>
@@ -9647,7 +9836,7 @@
     </p:spTree>
     <p:extLst>
       <p:ext uri="{BB962C8B-B14F-4D97-AF65-F5344CB8AC3E}">
-        <p14:creationId xmlns:p14="http://schemas.microsoft.com/office/powerpoint/2010/main" val="1568027492"/>
+        <p14:creationId xmlns:p14="http://schemas.microsoft.com/office/powerpoint/2010/main" val="3973513208"/>
       </p:ext>
     </p:extLst>
   </p:cSld>
@@ -9702,31 +9891,14 @@
           <a:lstStyle/>
           <a:p>
             <a:r>
-              <a:rPr lang="en-US" dirty="0"/>
-              <a:t>Now, while VGG16 is highly accurate and hence very popular for image recognition, it has a couple of unfortunate drawbacks.</a:t>
-            </a:r>
-          </a:p>
-          <a:p>
-            <a:pPr marL="0" marR="0" lvl="0" indent="0" algn="l" defTabSz="914400" rtl="0" eaLnBrk="1" fontAlgn="auto" latinLnBrk="0" hangingPunct="1">
-              <a:lnSpc>
-                <a:spcPct val="100000"/>
-              </a:lnSpc>
-              <a:spcBef>
-                <a:spcPts val="0"/>
-              </a:spcBef>
-              <a:spcAft>
-                <a:spcPts val="0"/>
-              </a:spcAft>
-              <a:buClrTx/>
-              <a:buSzTx/>
-              <a:buFontTx/>
-              <a:buNone/>
-              <a:tabLst/>
-              <a:defRPr/>
-            </a:pPr>
-            <a:r>
-              <a:rPr lang="en-US" dirty="0"/>
-              <a:t># </a:t>
+              <a:rPr lang="en-IN" dirty="0"/>
+              <a:t>Now we shall talk about VGG16, since it is the primary neural network model that we will be using in our project.</a:t>
+            </a:r>
+          </a:p>
+          <a:p>
+            <a:r>
+              <a:rPr lang="en-IN" dirty="0"/>
+              <a:t># The VGG16 model was first proposed by </a:t>
             </a:r>
             <a:r>
               <a:rPr lang="en-IN" sz="1800" dirty="0">
@@ -9734,42 +9906,30 @@
                 <a:latin typeface="Times New Roman" panose="02020603050405020304" pitchFamily="18" charset="0"/>
                 <a:ea typeface="Times New Roman" panose="02020603050405020304" pitchFamily="18" charset="0"/>
               </a:rPr>
-              <a:t>The model is very slow to train. The original VGG model was trained for 2 to 3 weeks on an NVidia Titan GPU.</a:t>
-            </a:r>
-          </a:p>
-          <a:p>
-            <a:pPr marL="0" marR="0" lvl="0" indent="0" algn="l" defTabSz="914400" rtl="0" eaLnBrk="1" fontAlgn="auto" latinLnBrk="0" hangingPunct="1">
-              <a:lnSpc>
-                <a:spcPct val="100000"/>
-              </a:lnSpc>
-              <a:spcBef>
-                <a:spcPts val="0"/>
-              </a:spcBef>
-              <a:spcAft>
-                <a:spcPts val="0"/>
-              </a:spcAft>
-              <a:buClrTx/>
-              <a:buSzTx/>
-              <a:buFontTx/>
-              <a:buNone/>
-              <a:tabLst/>
-              <a:defRPr/>
-            </a:pPr>
+              <a:t>Karen </a:t>
+            </a:r>
+            <a:r>
+              <a:rPr lang="en-IN" sz="1800" dirty="0" err="1">
+                <a:effectLst/>
+                <a:latin typeface="Times New Roman" panose="02020603050405020304" pitchFamily="18" charset="0"/>
+                <a:ea typeface="Times New Roman" panose="02020603050405020304" pitchFamily="18" charset="0"/>
+              </a:rPr>
+              <a:t>Simonyan</a:t>
+            </a:r>
             <a:r>
               <a:rPr lang="en-IN" sz="1800" dirty="0">
                 <a:effectLst/>
                 <a:latin typeface="Times New Roman" panose="02020603050405020304" pitchFamily="18" charset="0"/>
                 <a:ea typeface="Times New Roman" panose="02020603050405020304" pitchFamily="18" charset="0"/>
               </a:rPr>
-              <a:t># The model also has very big weights. The size of VGG16 trained ImageNet weights is five hundred and </a:t>
-            </a:r>
-            <a:r>
-              <a:rPr lang="en-IN" sz="1800">
-                <a:effectLst/>
-                <a:latin typeface="Times New Roman" panose="02020603050405020304" pitchFamily="18" charset="0"/>
-                <a:ea typeface="Times New Roman" panose="02020603050405020304" pitchFamily="18" charset="0"/>
+              <a:t> and Andrew Zisserman of Oxford University’s </a:t>
+            </a:r>
+            <a:r>
+              <a:rPr lang="en-US" sz="4000" dirty="0">
+                <a:latin typeface="Frank Ruhl Hofshi" panose="00000500000000000000" pitchFamily="50" charset="-79"/>
+                <a:cs typeface="Frank Ruhl Hofshi" panose="00000500000000000000" pitchFamily="50" charset="-79"/>
               </a:rPr>
-              <a:t>twenty eight </a:t>
+              <a:t>Visual Geometry Group Lab</a:t>
             </a:r>
             <a:r>
               <a:rPr lang="en-IN" sz="1800" dirty="0">
@@ -9777,78 +9937,115 @@
                 <a:latin typeface="Times New Roman" panose="02020603050405020304" pitchFamily="18" charset="0"/>
                 <a:ea typeface="Times New Roman" panose="02020603050405020304" pitchFamily="18" charset="0"/>
               </a:rPr>
-              <a:t>MB. So, it takes quite a lot of disk space and bandwidth that makes it inefficient with respect to space.</a:t>
-            </a:r>
-          </a:p>
-          <a:p>
-            <a:pPr marL="0" marR="0" lvl="0" indent="0" algn="l" defTabSz="914400" rtl="0" eaLnBrk="1" fontAlgn="auto" latinLnBrk="0" hangingPunct="1">
-              <a:lnSpc>
-                <a:spcPct val="100000"/>
-              </a:lnSpc>
-              <a:spcBef>
-                <a:spcPts val="0"/>
-              </a:spcBef>
-              <a:spcAft>
-                <a:spcPts val="0"/>
-              </a:spcAft>
-              <a:buClrTx/>
-              <a:buSzTx/>
-              <a:buFontTx/>
-              <a:buNone/>
-              <a:tabLst/>
-              <a:defRPr/>
-            </a:pPr>
-            <a:endParaRPr lang="en-IN" sz="1800" dirty="0">
-              <a:effectLst/>
-              <a:latin typeface="Times New Roman" panose="02020603050405020304" pitchFamily="18" charset="0"/>
-              <a:ea typeface="Times New Roman" panose="02020603050405020304" pitchFamily="18" charset="0"/>
-            </a:endParaRPr>
-          </a:p>
-          <a:p>
-            <a:pPr marL="0" marR="0" lvl="0" indent="0" algn="l" defTabSz="914400" rtl="0" eaLnBrk="1" fontAlgn="auto" latinLnBrk="0" hangingPunct="1">
-              <a:lnSpc>
-                <a:spcPct val="100000"/>
-              </a:lnSpc>
-              <a:spcBef>
-                <a:spcPts val="0"/>
-              </a:spcBef>
-              <a:spcAft>
-                <a:spcPts val="0"/>
-              </a:spcAft>
-              <a:buClrTx/>
-              <a:buSzTx/>
-              <a:buFontTx/>
-              <a:buNone/>
-              <a:tabLst/>
-              <a:defRPr/>
-            </a:pPr>
+              <a:t> </a:t>
+            </a:r>
+            <a:r>
+              <a:rPr lang="en-IN" dirty="0"/>
+              <a:t>in a scholarly article titled </a:t>
+            </a:r>
             <a:r>
               <a:rPr lang="en-IN" sz="1800" dirty="0">
                 <a:effectLst/>
                 <a:latin typeface="Times New Roman" panose="02020603050405020304" pitchFamily="18" charset="0"/>
                 <a:ea typeface="Times New Roman" panose="02020603050405020304" pitchFamily="18" charset="0"/>
               </a:rPr>
-              <a:t>Now, I’ll hand over control to Soumya. He will discuss more on the model’s architecture.</a:t>
-            </a:r>
-          </a:p>
-          <a:p>
-            <a:pPr marL="0" marR="0" lvl="0" indent="0" algn="l" defTabSz="914400" rtl="0" eaLnBrk="1" fontAlgn="auto" latinLnBrk="0" hangingPunct="1">
-              <a:lnSpc>
-                <a:spcPct val="100000"/>
-              </a:lnSpc>
-              <a:spcBef>
-                <a:spcPts val="0"/>
-              </a:spcBef>
-              <a:spcAft>
-                <a:spcPts val="0"/>
-              </a:spcAft>
-              <a:buClrTx/>
-              <a:buSzTx/>
-              <a:buFontTx/>
-              <a:buNone/>
-              <a:tabLst/>
-              <a:defRPr/>
-            </a:pPr>
+              <a:t>"Very Deep Networks for Large Scale Image Recognition“ in 2014.</a:t>
+            </a:r>
+          </a:p>
+          <a:p>
+            <a:r>
+              <a:rPr lang="en-IN" sz="1800" dirty="0">
+                <a:effectLst/>
+                <a:latin typeface="Times New Roman" panose="02020603050405020304" pitchFamily="18" charset="0"/>
+                <a:ea typeface="Times New Roman" panose="02020603050405020304" pitchFamily="18" charset="0"/>
+              </a:rPr>
+              <a:t># It has 92.7% accuracy on top 5 accuracy tests with the </a:t>
+            </a:r>
+            <a:r>
+              <a:rPr lang="en-IN" sz="1800" dirty="0" err="1">
+                <a:effectLst/>
+                <a:latin typeface="Times New Roman" panose="02020603050405020304" pitchFamily="18" charset="0"/>
+                <a:ea typeface="Times New Roman" panose="02020603050405020304" pitchFamily="18" charset="0"/>
+              </a:rPr>
+              <a:t>Imagenet</a:t>
+            </a:r>
+            <a:r>
+              <a:rPr lang="en-IN" sz="1800" dirty="0">
+                <a:effectLst/>
+                <a:latin typeface="Times New Roman" panose="02020603050405020304" pitchFamily="18" charset="0"/>
+                <a:ea typeface="Times New Roman" panose="02020603050405020304" pitchFamily="18" charset="0"/>
+              </a:rPr>
+              <a:t> database</a:t>
+            </a:r>
+          </a:p>
+          <a:p>
+            <a:r>
+              <a:rPr lang="en-US" sz="2800" dirty="0"/>
+              <a:t># This model won the first and second place in 2014 </a:t>
+            </a:r>
+            <a:r>
+              <a:rPr lang="en-IN" sz="4000" dirty="0"/>
+              <a:t>ImageNet Large Scale Visual Recognition Challenge</a:t>
+            </a:r>
+            <a:r>
+              <a:rPr lang="en-US" sz="2800" dirty="0"/>
+              <a:t>.</a:t>
+            </a:r>
+          </a:p>
+          <a:p>
+            <a:r>
+              <a:rPr lang="en-US" sz="2800" dirty="0">
+                <a:effectLst/>
+                <a:latin typeface="Times New Roman" panose="02020603050405020304" pitchFamily="18" charset="0"/>
+                <a:ea typeface="Times New Roman" panose="02020603050405020304" pitchFamily="18" charset="0"/>
+              </a:rPr>
+              <a:t># The VGG in the name stands for Visual Geometry Group, which is the name of the laboratory where the model was conceived</a:t>
+            </a:r>
+            <a:r>
+              <a:rPr lang="en-IN" sz="1800" dirty="0">
+                <a:effectLst/>
+                <a:latin typeface="Times New Roman" panose="02020603050405020304" pitchFamily="18" charset="0"/>
+                <a:ea typeface="Times New Roman" panose="02020603050405020304" pitchFamily="18" charset="0"/>
+              </a:rPr>
+              <a:t>.</a:t>
+            </a:r>
+          </a:p>
+          <a:p>
+            <a:r>
+              <a:rPr lang="en-IN" sz="1800" dirty="0">
+                <a:effectLst/>
+                <a:latin typeface="Times New Roman" panose="02020603050405020304" pitchFamily="18" charset="0"/>
+                <a:ea typeface="Times New Roman" panose="02020603050405020304" pitchFamily="18" charset="0"/>
+              </a:rPr>
+              <a:t># The 16 in the name signifies the 16 Neural Network Layers.</a:t>
+            </a:r>
+            <a:br>
+              <a:rPr lang="en-IN" sz="1800" dirty="0">
+                <a:effectLst/>
+                <a:latin typeface="Times New Roman" panose="02020603050405020304" pitchFamily="18" charset="0"/>
+                <a:ea typeface="Times New Roman" panose="02020603050405020304" pitchFamily="18" charset="0"/>
+              </a:rPr>
+            </a:br>
+            <a:r>
+              <a:rPr lang="en-IN" sz="1800" dirty="0">
+                <a:effectLst/>
+                <a:latin typeface="Times New Roman" panose="02020603050405020304" pitchFamily="18" charset="0"/>
+                <a:ea typeface="Times New Roman" panose="02020603050405020304" pitchFamily="18" charset="0"/>
+              </a:rPr>
+              <a:t># Out of these Layers 13 are Convolutional Networks and 3 are Densely connected Networks.</a:t>
+            </a:r>
+          </a:p>
+          <a:p>
+            <a:r>
+              <a:rPr lang="en-IN" sz="1800" dirty="0">
+                <a:effectLst/>
+                <a:latin typeface="Times New Roman" panose="02020603050405020304" pitchFamily="18" charset="0"/>
+                <a:ea typeface="Times New Roman" panose="02020603050405020304" pitchFamily="18" charset="0"/>
+              </a:rPr>
+              <a:t># The model takes 224 cross 224 images in RGB channels as an input.</a:t>
+            </a:r>
+          </a:p>
+          <a:p>
             <a:r>
               <a:rPr lang="en-IN" sz="1800" dirty="0">
                 <a:effectLst/>
@@ -9857,33 +10054,11 @@
               </a:rPr>
               <a:t>#</a:t>
             </a:r>
-          </a:p>
-          <a:p>
-            <a:pPr marL="0" marR="0" lvl="0" indent="0" algn="l" defTabSz="914400" rtl="0" eaLnBrk="1" fontAlgn="auto" latinLnBrk="0" hangingPunct="1">
-              <a:lnSpc>
-                <a:spcPct val="100000"/>
-              </a:lnSpc>
-              <a:spcBef>
-                <a:spcPts val="0"/>
-              </a:spcBef>
-              <a:spcAft>
-                <a:spcPts val="0"/>
-              </a:spcAft>
-              <a:buClrTx/>
-              <a:buSzTx/>
-              <a:buFontTx/>
-              <a:buNone/>
-              <a:tabLst/>
-              <a:defRPr/>
-            </a:pPr>
-            <a:endParaRPr lang="en-IN" sz="1800" dirty="0">
+            <a:endParaRPr lang="en-US" sz="2800" dirty="0">
               <a:effectLst/>
               <a:latin typeface="Times New Roman" panose="02020603050405020304" pitchFamily="18" charset="0"/>
               <a:ea typeface="Times New Roman" panose="02020603050405020304" pitchFamily="18" charset="0"/>
             </a:endParaRPr>
-          </a:p>
-          <a:p>
-            <a:endParaRPr lang="en-IN" dirty="0"/>
           </a:p>
         </p:txBody>
       </p:sp>
@@ -9904,7 +10079,7 @@
           <a:p>
             <a:fld id="{E0460530-21AB-4667-8DDF-0CFD1A19A456}" type="slidenum">
               <a:rPr lang="en-IN" smtClean="0"/>
-              <a:t>14</a:t>
+              <a:t>16</a:t>
             </a:fld>
             <a:endParaRPr lang="en-IN"/>
           </a:p>
@@ -9913,7 +10088,7 @@
     </p:spTree>
     <p:extLst>
       <p:ext uri="{BB962C8B-B14F-4D97-AF65-F5344CB8AC3E}">
-        <p14:creationId xmlns:p14="http://schemas.microsoft.com/office/powerpoint/2010/main" val="654931584"/>
+        <p14:creationId xmlns:p14="http://schemas.microsoft.com/office/powerpoint/2010/main" val="1568027492"/>
       </p:ext>
     </p:extLst>
   </p:cSld>
@@ -13295,6 +13470,769 @@
           <p:cNvPr id="2" name="Title 1">
             <a:extLst>
               <a:ext uri="{FF2B5EF4-FFF2-40B4-BE49-F238E27FC236}">
+                <a16:creationId xmlns:a16="http://schemas.microsoft.com/office/drawing/2014/main" id="{C5872436-0191-4215-8794-3E7446DE5AF3}"/>
+              </a:ext>
+            </a:extLst>
+          </p:cNvPr>
+          <p:cNvSpPr>
+            <a:spLocks noGrp="1"/>
+          </p:cNvSpPr>
+          <p:nvPr>
+            <p:ph type="title"/>
+          </p:nvPr>
+        </p:nvSpPr>
+        <p:spPr/>
+        <p:txBody>
+          <a:bodyPr/>
+          <a:lstStyle/>
+          <a:p>
+            <a:r>
+              <a:rPr lang="en-US" dirty="0">
+                <a:latin typeface="Garamond" panose="02020404030301010803" pitchFamily="18" charset="0"/>
+              </a:rPr>
+              <a:t>Summary of Present Work: Adak et al.</a:t>
+            </a:r>
+            <a:endParaRPr lang="en-IN" dirty="0">
+              <a:latin typeface="Garamond" panose="02020404030301010803" pitchFamily="18" charset="0"/>
+            </a:endParaRPr>
+          </a:p>
+        </p:txBody>
+      </p:sp>
+      <p:sp>
+        <p:nvSpPr>
+          <p:cNvPr id="3" name="Content Placeholder 2">
+            <a:extLst>
+              <a:ext uri="{FF2B5EF4-FFF2-40B4-BE49-F238E27FC236}">
+                <a16:creationId xmlns:a16="http://schemas.microsoft.com/office/drawing/2014/main" id="{4A25DC9A-62BA-4694-B3AB-CC5E355497A0}"/>
+              </a:ext>
+            </a:extLst>
+          </p:cNvPr>
+          <p:cNvSpPr>
+            <a:spLocks noGrp="1"/>
+          </p:cNvSpPr>
+          <p:nvPr>
+            <p:ph idx="1"/>
+          </p:nvPr>
+        </p:nvSpPr>
+        <p:spPr/>
+        <p:txBody>
+          <a:bodyPr/>
+          <a:lstStyle/>
+          <a:p>
+            <a:r>
+              <a:rPr lang="en-US" dirty="0">
+                <a:latin typeface="Frank Ruhl Libre" panose="00000500000000000000" pitchFamily="2" charset="-79"/>
+                <a:cs typeface="Frank Ruhl Libre" panose="00000500000000000000" pitchFamily="2" charset="-79"/>
+              </a:rPr>
+              <a:t>2 Offline Bangla intra-variable handwriting databases from 2 different sets of 100 writers</a:t>
+            </a:r>
+          </a:p>
+          <a:p>
+            <a:pPr lvl="1"/>
+            <a:r>
+              <a:rPr lang="en-US" dirty="0">
+                <a:latin typeface="Frank Ruhl Libre" panose="00000500000000000000" pitchFamily="2" charset="-79"/>
+                <a:cs typeface="Frank Ruhl Libre" panose="00000500000000000000" pitchFamily="2" charset="-79"/>
+              </a:rPr>
+              <a:t>Controlled</a:t>
+            </a:r>
+          </a:p>
+          <a:p>
+            <a:pPr lvl="1"/>
+            <a:r>
+              <a:rPr lang="en-US" dirty="0">
+                <a:latin typeface="Frank Ruhl Libre" panose="00000500000000000000" pitchFamily="2" charset="-79"/>
+                <a:cs typeface="Frank Ruhl Libre" panose="00000500000000000000" pitchFamily="2" charset="-79"/>
+              </a:rPr>
+              <a:t>Uncontrolled</a:t>
+            </a:r>
+          </a:p>
+          <a:p>
+            <a:pPr lvl="1"/>
+            <a:endParaRPr lang="en-US" dirty="0">
+              <a:latin typeface="Frank Ruhl Libre" panose="00000500000000000000" pitchFamily="2" charset="-79"/>
+              <a:cs typeface="Frank Ruhl Libre" panose="00000500000000000000" pitchFamily="2" charset="-79"/>
+            </a:endParaRPr>
+          </a:p>
+          <a:p>
+            <a:r>
+              <a:rPr lang="en-US" dirty="0">
+                <a:latin typeface="Frank Ruhl Libre" panose="00000500000000000000" pitchFamily="2" charset="-79"/>
+                <a:cs typeface="Frank Ruhl Libre" panose="00000500000000000000" pitchFamily="2" charset="-79"/>
+              </a:rPr>
+              <a:t>2 Primary Tasks</a:t>
+            </a:r>
+          </a:p>
+          <a:p>
+            <a:pPr lvl="1"/>
+            <a:r>
+              <a:rPr lang="en-US" dirty="0">
+                <a:latin typeface="Frank Ruhl Libre" panose="00000500000000000000" pitchFamily="2" charset="-79"/>
+                <a:cs typeface="Frank Ruhl Libre" panose="00000500000000000000" pitchFamily="2" charset="-79"/>
+              </a:rPr>
+              <a:t>Writer Identification: Multi-class Classification </a:t>
+            </a:r>
+          </a:p>
+          <a:p>
+            <a:pPr lvl="1"/>
+            <a:r>
+              <a:rPr lang="en-US" dirty="0">
+                <a:latin typeface="Frank Ruhl Libre" panose="00000500000000000000" pitchFamily="2" charset="-79"/>
+                <a:cs typeface="Frank Ruhl Libre" panose="00000500000000000000" pitchFamily="2" charset="-79"/>
+              </a:rPr>
+              <a:t>Writer Verification: Binary Classification </a:t>
+            </a:r>
+            <a:endParaRPr lang="en-IN" dirty="0">
+              <a:latin typeface="Frank Ruhl Libre" panose="00000500000000000000" pitchFamily="2" charset="-79"/>
+              <a:cs typeface="Frank Ruhl Libre" panose="00000500000000000000" pitchFamily="2" charset="-79"/>
+            </a:endParaRPr>
+          </a:p>
+        </p:txBody>
+      </p:sp>
+    </p:spTree>
+    <p:extLst>
+      <p:ext uri="{BB962C8B-B14F-4D97-AF65-F5344CB8AC3E}">
+        <p14:creationId xmlns:p14="http://schemas.microsoft.com/office/powerpoint/2010/main" val="1092332634"/>
+      </p:ext>
+    </p:extLst>
+  </p:cSld>
+  <p:clrMapOvr>
+    <a:masterClrMapping/>
+  </p:clrMapOvr>
+  <p:timing>
+    <p:tnLst>
+      <p:par>
+        <p:cTn id="1" dur="indefinite" restart="never" nodeType="tmRoot">
+          <p:childTnLst>
+            <p:seq concurrent="1" nextAc="seek">
+              <p:cTn id="2" dur="indefinite" nodeType="mainSeq">
+                <p:childTnLst>
+                  <p:par>
+                    <p:cTn id="3" fill="hold">
+                      <p:stCondLst>
+                        <p:cond delay="indefinite"/>
+                      </p:stCondLst>
+                      <p:childTnLst>
+                        <p:par>
+                          <p:cTn id="4" fill="hold">
+                            <p:stCondLst>
+                              <p:cond delay="0"/>
+                            </p:stCondLst>
+                            <p:childTnLst>
+                              <p:par>
+                                <p:cTn id="5" presetID="1" presetClass="entr" presetSubtype="0" fill="hold" nodeType="clickEffect">
+                                  <p:stCondLst>
+                                    <p:cond delay="0"/>
+                                  </p:stCondLst>
+                                  <p:childTnLst>
+                                    <p:set>
+                                      <p:cBhvr>
+                                        <p:cTn id="6" dur="1" fill="hold">
+                                          <p:stCondLst>
+                                            <p:cond delay="0"/>
+                                          </p:stCondLst>
+                                        </p:cTn>
+                                        <p:tgtEl>
+                                          <p:spTgt spid="3">
+                                            <p:txEl>
+                                              <p:pRg st="0" end="0"/>
+                                            </p:txEl>
+                                          </p:spTgt>
+                                        </p:tgtEl>
+                                        <p:attrNameLst>
+                                          <p:attrName>style.visibility</p:attrName>
+                                        </p:attrNameLst>
+                                      </p:cBhvr>
+                                      <p:to>
+                                        <p:strVal val="visible"/>
+                                      </p:to>
+                                    </p:set>
+                                  </p:childTnLst>
+                                </p:cTn>
+                              </p:par>
+                            </p:childTnLst>
+                          </p:cTn>
+                        </p:par>
+                      </p:childTnLst>
+                    </p:cTn>
+                  </p:par>
+                  <p:par>
+                    <p:cTn id="7" fill="hold">
+                      <p:stCondLst>
+                        <p:cond delay="indefinite"/>
+                      </p:stCondLst>
+                      <p:childTnLst>
+                        <p:par>
+                          <p:cTn id="8" fill="hold">
+                            <p:stCondLst>
+                              <p:cond delay="0"/>
+                            </p:stCondLst>
+                            <p:childTnLst>
+                              <p:par>
+                                <p:cTn id="9" presetID="1" presetClass="entr" presetSubtype="0" fill="hold" nodeType="clickEffect">
+                                  <p:stCondLst>
+                                    <p:cond delay="0"/>
+                                  </p:stCondLst>
+                                  <p:childTnLst>
+                                    <p:set>
+                                      <p:cBhvr>
+                                        <p:cTn id="10" dur="1" fill="hold">
+                                          <p:stCondLst>
+                                            <p:cond delay="0"/>
+                                          </p:stCondLst>
+                                        </p:cTn>
+                                        <p:tgtEl>
+                                          <p:spTgt spid="3">
+                                            <p:txEl>
+                                              <p:pRg st="1" end="1"/>
+                                            </p:txEl>
+                                          </p:spTgt>
+                                        </p:tgtEl>
+                                        <p:attrNameLst>
+                                          <p:attrName>style.visibility</p:attrName>
+                                        </p:attrNameLst>
+                                      </p:cBhvr>
+                                      <p:to>
+                                        <p:strVal val="visible"/>
+                                      </p:to>
+                                    </p:set>
+                                  </p:childTnLst>
+                                </p:cTn>
+                              </p:par>
+                              <p:par>
+                                <p:cTn id="11" presetID="1" presetClass="entr" presetSubtype="0" fill="hold" nodeType="withEffect">
+                                  <p:stCondLst>
+                                    <p:cond delay="0"/>
+                                  </p:stCondLst>
+                                  <p:childTnLst>
+                                    <p:set>
+                                      <p:cBhvr>
+                                        <p:cTn id="12" dur="1" fill="hold">
+                                          <p:stCondLst>
+                                            <p:cond delay="0"/>
+                                          </p:stCondLst>
+                                        </p:cTn>
+                                        <p:tgtEl>
+                                          <p:spTgt spid="3">
+                                            <p:txEl>
+                                              <p:pRg st="2" end="2"/>
+                                            </p:txEl>
+                                          </p:spTgt>
+                                        </p:tgtEl>
+                                        <p:attrNameLst>
+                                          <p:attrName>style.visibility</p:attrName>
+                                        </p:attrNameLst>
+                                      </p:cBhvr>
+                                      <p:to>
+                                        <p:strVal val="visible"/>
+                                      </p:to>
+                                    </p:set>
+                                  </p:childTnLst>
+                                </p:cTn>
+                              </p:par>
+                            </p:childTnLst>
+                          </p:cTn>
+                        </p:par>
+                      </p:childTnLst>
+                    </p:cTn>
+                  </p:par>
+                  <p:par>
+                    <p:cTn id="13" fill="hold">
+                      <p:stCondLst>
+                        <p:cond delay="indefinite"/>
+                      </p:stCondLst>
+                      <p:childTnLst>
+                        <p:par>
+                          <p:cTn id="14" fill="hold">
+                            <p:stCondLst>
+                              <p:cond delay="0"/>
+                            </p:stCondLst>
+                            <p:childTnLst>
+                              <p:par>
+                                <p:cTn id="15" presetID="1" presetClass="entr" presetSubtype="0" fill="hold" nodeType="clickEffect">
+                                  <p:stCondLst>
+                                    <p:cond delay="0"/>
+                                  </p:stCondLst>
+                                  <p:childTnLst>
+                                    <p:set>
+                                      <p:cBhvr>
+                                        <p:cTn id="16" dur="1" fill="hold">
+                                          <p:stCondLst>
+                                            <p:cond delay="0"/>
+                                          </p:stCondLst>
+                                        </p:cTn>
+                                        <p:tgtEl>
+                                          <p:spTgt spid="3">
+                                            <p:txEl>
+                                              <p:pRg st="4" end="4"/>
+                                            </p:txEl>
+                                          </p:spTgt>
+                                        </p:tgtEl>
+                                        <p:attrNameLst>
+                                          <p:attrName>style.visibility</p:attrName>
+                                        </p:attrNameLst>
+                                      </p:cBhvr>
+                                      <p:to>
+                                        <p:strVal val="visible"/>
+                                      </p:to>
+                                    </p:set>
+                                  </p:childTnLst>
+                                </p:cTn>
+                              </p:par>
+                            </p:childTnLst>
+                          </p:cTn>
+                        </p:par>
+                      </p:childTnLst>
+                    </p:cTn>
+                  </p:par>
+                  <p:par>
+                    <p:cTn id="17" fill="hold">
+                      <p:stCondLst>
+                        <p:cond delay="indefinite"/>
+                      </p:stCondLst>
+                      <p:childTnLst>
+                        <p:par>
+                          <p:cTn id="18" fill="hold">
+                            <p:stCondLst>
+                              <p:cond delay="0"/>
+                            </p:stCondLst>
+                            <p:childTnLst>
+                              <p:par>
+                                <p:cTn id="19" presetID="1" presetClass="entr" presetSubtype="0" fill="hold" nodeType="clickEffect">
+                                  <p:stCondLst>
+                                    <p:cond delay="0"/>
+                                  </p:stCondLst>
+                                  <p:childTnLst>
+                                    <p:set>
+                                      <p:cBhvr>
+                                        <p:cTn id="20" dur="1" fill="hold">
+                                          <p:stCondLst>
+                                            <p:cond delay="0"/>
+                                          </p:stCondLst>
+                                        </p:cTn>
+                                        <p:tgtEl>
+                                          <p:spTgt spid="3">
+                                            <p:txEl>
+                                              <p:pRg st="5" end="5"/>
+                                            </p:txEl>
+                                          </p:spTgt>
+                                        </p:tgtEl>
+                                        <p:attrNameLst>
+                                          <p:attrName>style.visibility</p:attrName>
+                                        </p:attrNameLst>
+                                      </p:cBhvr>
+                                      <p:to>
+                                        <p:strVal val="visible"/>
+                                      </p:to>
+                                    </p:set>
+                                  </p:childTnLst>
+                                </p:cTn>
+                              </p:par>
+                            </p:childTnLst>
+                          </p:cTn>
+                        </p:par>
+                      </p:childTnLst>
+                    </p:cTn>
+                  </p:par>
+                  <p:par>
+                    <p:cTn id="21" fill="hold">
+                      <p:stCondLst>
+                        <p:cond delay="indefinite"/>
+                      </p:stCondLst>
+                      <p:childTnLst>
+                        <p:par>
+                          <p:cTn id="22" fill="hold">
+                            <p:stCondLst>
+                              <p:cond delay="0"/>
+                            </p:stCondLst>
+                            <p:childTnLst>
+                              <p:par>
+                                <p:cTn id="23" presetID="1" presetClass="entr" presetSubtype="0" fill="hold" nodeType="clickEffect">
+                                  <p:stCondLst>
+                                    <p:cond delay="0"/>
+                                  </p:stCondLst>
+                                  <p:childTnLst>
+                                    <p:set>
+                                      <p:cBhvr>
+                                        <p:cTn id="24" dur="1" fill="hold">
+                                          <p:stCondLst>
+                                            <p:cond delay="0"/>
+                                          </p:stCondLst>
+                                        </p:cTn>
+                                        <p:tgtEl>
+                                          <p:spTgt spid="3">
+                                            <p:txEl>
+                                              <p:pRg st="6" end="6"/>
+                                            </p:txEl>
+                                          </p:spTgt>
+                                        </p:tgtEl>
+                                        <p:attrNameLst>
+                                          <p:attrName>style.visibility</p:attrName>
+                                        </p:attrNameLst>
+                                      </p:cBhvr>
+                                      <p:to>
+                                        <p:strVal val="visible"/>
+                                      </p:to>
+                                    </p:set>
+                                  </p:childTnLst>
+                                </p:cTn>
+                              </p:par>
+                            </p:childTnLst>
+                          </p:cTn>
+                        </p:par>
+                      </p:childTnLst>
+                    </p:cTn>
+                  </p:par>
+                </p:childTnLst>
+              </p:cTn>
+              <p:prevCondLst>
+                <p:cond evt="onPrev" delay="0">
+                  <p:tgtEl>
+                    <p:sldTgt/>
+                  </p:tgtEl>
+                </p:cond>
+              </p:prevCondLst>
+              <p:nextCondLst>
+                <p:cond evt="onNext" delay="0">
+                  <p:tgtEl>
+                    <p:sldTgt/>
+                  </p:tgtEl>
+                </p:cond>
+              </p:nextCondLst>
+            </p:seq>
+          </p:childTnLst>
+        </p:cTn>
+      </p:par>
+    </p:tnLst>
+  </p:timing>
+</p:sld>
+</file>
+
+<file path=ppt/slides/slide11.xml><?xml version="1.0" encoding="utf-8"?>
+<p:sld xmlns:a="http://schemas.openxmlformats.org/drawingml/2006/main" xmlns:r="http://schemas.openxmlformats.org/officeDocument/2006/relationships" xmlns:p="http://schemas.openxmlformats.org/presentationml/2006/main">
+  <p:cSld>
+    <p:spTree>
+      <p:nvGrpSpPr>
+        <p:cNvPr id="1" name=""/>
+        <p:cNvGrpSpPr/>
+        <p:nvPr/>
+      </p:nvGrpSpPr>
+      <p:grpSpPr>
+        <a:xfrm>
+          <a:off x="0" y="0"/>
+          <a:ext cx="0" cy="0"/>
+          <a:chOff x="0" y="0"/>
+          <a:chExt cx="0" cy="0"/>
+        </a:xfrm>
+      </p:grpSpPr>
+      <p:sp>
+        <p:nvSpPr>
+          <p:cNvPr id="2" name="Title 1">
+            <a:extLst>
+              <a:ext uri="{FF2B5EF4-FFF2-40B4-BE49-F238E27FC236}">
+                <a16:creationId xmlns:a16="http://schemas.microsoft.com/office/drawing/2014/main" id="{60A0D986-15BD-47AA-A093-39C14BD2E700}"/>
+              </a:ext>
+            </a:extLst>
+          </p:cNvPr>
+          <p:cNvSpPr>
+            <a:spLocks noGrp="1"/>
+          </p:cNvSpPr>
+          <p:nvPr>
+            <p:ph type="title"/>
+          </p:nvPr>
+        </p:nvSpPr>
+        <p:spPr/>
+        <p:txBody>
+          <a:bodyPr/>
+          <a:lstStyle/>
+          <a:p>
+            <a:r>
+              <a:rPr lang="en-US" dirty="0">
+                <a:latin typeface="Garamond" panose="02020404030301010803" pitchFamily="18" charset="0"/>
+              </a:rPr>
+              <a:t>Summary of Present Work: Adak et al.</a:t>
+            </a:r>
+            <a:endParaRPr lang="en-IN" dirty="0">
+              <a:latin typeface="Garamond" panose="02020404030301010803" pitchFamily="18" charset="0"/>
+            </a:endParaRPr>
+          </a:p>
+        </p:txBody>
+      </p:sp>
+      <p:sp>
+        <p:nvSpPr>
+          <p:cNvPr id="3" name="Content Placeholder 2">
+            <a:extLst>
+              <a:ext uri="{FF2B5EF4-FFF2-40B4-BE49-F238E27FC236}">
+                <a16:creationId xmlns:a16="http://schemas.microsoft.com/office/drawing/2014/main" id="{A4A83809-7AD3-401B-91A8-B38FDA02955B}"/>
+              </a:ext>
+            </a:extLst>
+          </p:cNvPr>
+          <p:cNvSpPr>
+            <a:spLocks noGrp="1"/>
+          </p:cNvSpPr>
+          <p:nvPr>
+            <p:ph idx="1"/>
+          </p:nvPr>
+        </p:nvSpPr>
+        <p:spPr/>
+        <p:txBody>
+          <a:bodyPr>
+            <a:normAutofit/>
+          </a:bodyPr>
+          <a:lstStyle/>
+          <a:p>
+            <a:pPr marL="0" indent="0">
+              <a:buNone/>
+            </a:pPr>
+            <a:r>
+              <a:rPr lang="en-US" b="1" dirty="0">
+                <a:latin typeface="Frank Ruhl Libre" panose="00000500000000000000" pitchFamily="2" charset="-79"/>
+                <a:cs typeface="Frank Ruhl Libre" panose="00000500000000000000" pitchFamily="2" charset="-79"/>
+              </a:rPr>
+              <a:t>Strategies</a:t>
+            </a:r>
+          </a:p>
+          <a:p>
+            <a:r>
+              <a:rPr lang="en-US" dirty="0">
+                <a:latin typeface="Frank Ruhl Libre" panose="00000500000000000000" pitchFamily="2" charset="-79"/>
+                <a:cs typeface="Frank Ruhl Libre" panose="00000500000000000000" pitchFamily="2" charset="-79"/>
+              </a:rPr>
+              <a:t>Handcrafted Feature-Based Identification/Verification</a:t>
+            </a:r>
+          </a:p>
+          <a:p>
+            <a:r>
+              <a:rPr lang="en-US" dirty="0">
+                <a:latin typeface="Frank Ruhl Libre" panose="00000500000000000000" pitchFamily="2" charset="-79"/>
+                <a:cs typeface="Frank Ruhl Libre" panose="00000500000000000000" pitchFamily="2" charset="-79"/>
+              </a:rPr>
+              <a:t>Auto-Derived Feature-Based Identification/Verification</a:t>
+            </a:r>
+          </a:p>
+          <a:p>
+            <a:endParaRPr lang="en-IN" dirty="0">
+              <a:latin typeface="Frank Ruhl Libre" panose="00000500000000000000" pitchFamily="2" charset="-79"/>
+              <a:cs typeface="Frank Ruhl Libre" panose="00000500000000000000" pitchFamily="2" charset="-79"/>
+            </a:endParaRPr>
+          </a:p>
+        </p:txBody>
+      </p:sp>
+    </p:spTree>
+    <p:extLst>
+      <p:ext uri="{BB962C8B-B14F-4D97-AF65-F5344CB8AC3E}">
+        <p14:creationId xmlns:p14="http://schemas.microsoft.com/office/powerpoint/2010/main" val="3397303208"/>
+      </p:ext>
+    </p:extLst>
+  </p:cSld>
+  <p:clrMapOvr>
+    <a:masterClrMapping/>
+  </p:clrMapOvr>
+  <p:timing>
+    <p:tnLst>
+      <p:par>
+        <p:cTn id="1" dur="indefinite" restart="never" nodeType="tmRoot">
+          <p:childTnLst>
+            <p:seq concurrent="1" nextAc="seek">
+              <p:cTn id="2" dur="indefinite" nodeType="mainSeq">
+                <p:childTnLst>
+                  <p:par>
+                    <p:cTn id="3" fill="hold">
+                      <p:stCondLst>
+                        <p:cond delay="indefinite"/>
+                        <p:cond evt="onBegin" delay="0">
+                          <p:tn val="2"/>
+                        </p:cond>
+                      </p:stCondLst>
+                      <p:childTnLst>
+                        <p:par>
+                          <p:cTn id="4" fill="hold">
+                            <p:stCondLst>
+                              <p:cond delay="0"/>
+                            </p:stCondLst>
+                            <p:childTnLst>
+                              <p:par>
+                                <p:cTn id="5" presetID="1" presetClass="entr" presetSubtype="0" fill="hold" nodeType="withEffect">
+                                  <p:stCondLst>
+                                    <p:cond delay="0"/>
+                                  </p:stCondLst>
+                                  <p:childTnLst>
+                                    <p:set>
+                                      <p:cBhvr>
+                                        <p:cTn id="6" dur="1" fill="hold">
+                                          <p:stCondLst>
+                                            <p:cond delay="0"/>
+                                          </p:stCondLst>
+                                        </p:cTn>
+                                        <p:tgtEl>
+                                          <p:spTgt spid="3">
+                                            <p:txEl>
+                                              <p:pRg st="0" end="0"/>
+                                            </p:txEl>
+                                          </p:spTgt>
+                                        </p:tgtEl>
+                                        <p:attrNameLst>
+                                          <p:attrName>style.visibility</p:attrName>
+                                        </p:attrNameLst>
+                                      </p:cBhvr>
+                                      <p:to>
+                                        <p:strVal val="visible"/>
+                                      </p:to>
+                                    </p:set>
+                                  </p:childTnLst>
+                                </p:cTn>
+                              </p:par>
+                            </p:childTnLst>
+                          </p:cTn>
+                        </p:par>
+                      </p:childTnLst>
+                    </p:cTn>
+                  </p:par>
+                  <p:par>
+                    <p:cTn id="7" fill="hold">
+                      <p:stCondLst>
+                        <p:cond delay="indefinite"/>
+                      </p:stCondLst>
+                      <p:childTnLst>
+                        <p:par>
+                          <p:cTn id="8" fill="hold">
+                            <p:stCondLst>
+                              <p:cond delay="0"/>
+                            </p:stCondLst>
+                            <p:childTnLst>
+                              <p:par>
+                                <p:cTn id="9" presetID="1" presetClass="entr" presetSubtype="0" fill="hold" nodeType="clickEffect">
+                                  <p:stCondLst>
+                                    <p:cond delay="0"/>
+                                  </p:stCondLst>
+                                  <p:childTnLst>
+                                    <p:set>
+                                      <p:cBhvr>
+                                        <p:cTn id="10" dur="1" fill="hold">
+                                          <p:stCondLst>
+                                            <p:cond delay="0"/>
+                                          </p:stCondLst>
+                                        </p:cTn>
+                                        <p:tgtEl>
+                                          <p:spTgt spid="3">
+                                            <p:txEl>
+                                              <p:pRg st="1" end="1"/>
+                                            </p:txEl>
+                                          </p:spTgt>
+                                        </p:tgtEl>
+                                        <p:attrNameLst>
+                                          <p:attrName>style.visibility</p:attrName>
+                                        </p:attrNameLst>
+                                      </p:cBhvr>
+                                      <p:to>
+                                        <p:strVal val="visible"/>
+                                      </p:to>
+                                    </p:set>
+                                  </p:childTnLst>
+                                </p:cTn>
+                              </p:par>
+                            </p:childTnLst>
+                          </p:cTn>
+                        </p:par>
+                      </p:childTnLst>
+                    </p:cTn>
+                  </p:par>
+                  <p:par>
+                    <p:cTn id="11" fill="hold">
+                      <p:stCondLst>
+                        <p:cond delay="indefinite"/>
+                      </p:stCondLst>
+                      <p:childTnLst>
+                        <p:par>
+                          <p:cTn id="12" fill="hold">
+                            <p:stCondLst>
+                              <p:cond delay="0"/>
+                            </p:stCondLst>
+                            <p:childTnLst>
+                              <p:par>
+                                <p:cTn id="13" presetID="1" presetClass="entr" presetSubtype="0" fill="hold" nodeType="clickEffect">
+                                  <p:stCondLst>
+                                    <p:cond delay="0"/>
+                                  </p:stCondLst>
+                                  <p:childTnLst>
+                                    <p:set>
+                                      <p:cBhvr>
+                                        <p:cTn id="14" dur="1" fill="hold">
+                                          <p:stCondLst>
+                                            <p:cond delay="0"/>
+                                          </p:stCondLst>
+                                        </p:cTn>
+                                        <p:tgtEl>
+                                          <p:spTgt spid="3">
+                                            <p:txEl>
+                                              <p:pRg st="2" end="2"/>
+                                            </p:txEl>
+                                          </p:spTgt>
+                                        </p:tgtEl>
+                                        <p:attrNameLst>
+                                          <p:attrName>style.visibility</p:attrName>
+                                        </p:attrNameLst>
+                                      </p:cBhvr>
+                                      <p:to>
+                                        <p:strVal val="visible"/>
+                                      </p:to>
+                                    </p:set>
+                                  </p:childTnLst>
+                                </p:cTn>
+                              </p:par>
+                            </p:childTnLst>
+                          </p:cTn>
+                        </p:par>
+                      </p:childTnLst>
+                    </p:cTn>
+                  </p:par>
+                </p:childTnLst>
+              </p:cTn>
+              <p:prevCondLst>
+                <p:cond evt="onPrev" delay="0">
+                  <p:tgtEl>
+                    <p:sldTgt/>
+                  </p:tgtEl>
+                </p:cond>
+              </p:prevCondLst>
+              <p:nextCondLst>
+                <p:cond evt="onNext" delay="0">
+                  <p:tgtEl>
+                    <p:sldTgt/>
+                  </p:tgtEl>
+                </p:cond>
+              </p:nextCondLst>
+            </p:seq>
+          </p:childTnLst>
+        </p:cTn>
+      </p:par>
+    </p:tnLst>
+  </p:timing>
+</p:sld>
+</file>
+
+<file path=ppt/slides/slide12.xml><?xml version="1.0" encoding="utf-8"?>
+<p:sld xmlns:a="http://schemas.openxmlformats.org/drawingml/2006/main" xmlns:r="http://schemas.openxmlformats.org/officeDocument/2006/relationships" xmlns:p="http://schemas.openxmlformats.org/presentationml/2006/main">
+  <p:cSld>
+    <p:spTree>
+      <p:nvGrpSpPr>
+        <p:cNvPr id="1" name=""/>
+        <p:cNvGrpSpPr/>
+        <p:nvPr/>
+      </p:nvGrpSpPr>
+      <p:grpSpPr>
+        <a:xfrm>
+          <a:off x="0" y="0"/>
+          <a:ext cx="0" cy="0"/>
+          <a:chOff x="0" y="0"/>
+          <a:chExt cx="0" cy="0"/>
+        </a:xfrm>
+      </p:grpSpPr>
+      <p:sp>
+        <p:nvSpPr>
+          <p:cNvPr id="2" name="Title 1">
+            <a:extLst>
+              <a:ext uri="{FF2B5EF4-FFF2-40B4-BE49-F238E27FC236}">
                 <a16:creationId xmlns:a16="http://schemas.microsoft.com/office/drawing/2014/main" id="{FF947F9E-45E4-42E9-A1B4-4FDAE2D811F4}"/>
               </a:ext>
             </a:extLst>
@@ -13566,7 +14504,98 @@
 </p:sld>
 </file>
 
-<file path=ppt/slides/slide11.xml><?xml version="1.0" encoding="utf-8"?>
+<file path=ppt/slides/slide13.xml><?xml version="1.0" encoding="utf-8"?>
+<p:sld xmlns:a="http://schemas.openxmlformats.org/drawingml/2006/main" xmlns:r="http://schemas.openxmlformats.org/officeDocument/2006/relationships" xmlns:p="http://schemas.openxmlformats.org/presentationml/2006/main">
+  <p:cSld>
+    <p:spTree>
+      <p:nvGrpSpPr>
+        <p:cNvPr id="1" name=""/>
+        <p:cNvGrpSpPr/>
+        <p:nvPr/>
+      </p:nvGrpSpPr>
+      <p:grpSpPr>
+        <a:xfrm>
+          <a:off x="0" y="0"/>
+          <a:ext cx="0" cy="0"/>
+          <a:chOff x="0" y="0"/>
+          <a:chExt cx="0" cy="0"/>
+        </a:xfrm>
+      </p:grpSpPr>
+      <p:sp>
+        <p:nvSpPr>
+          <p:cNvPr id="2" name="Title 1">
+            <a:extLst>
+              <a:ext uri="{FF2B5EF4-FFF2-40B4-BE49-F238E27FC236}">
+                <a16:creationId xmlns:a16="http://schemas.microsoft.com/office/drawing/2014/main" id="{D05353AF-E2C1-4CFA-A936-D3C1C864F3C1}"/>
+              </a:ext>
+            </a:extLst>
+          </p:cNvPr>
+          <p:cNvSpPr>
+            <a:spLocks noGrp="1"/>
+          </p:cNvSpPr>
+          <p:nvPr>
+            <p:ph type="title"/>
+          </p:nvPr>
+        </p:nvSpPr>
+        <p:spPr/>
+        <p:txBody>
+          <a:bodyPr/>
+          <a:lstStyle/>
+          <a:p>
+            <a:r>
+              <a:rPr lang="en-IN" dirty="0">
+                <a:latin typeface="Garamond" panose="02020404030301010803" pitchFamily="18" charset="0"/>
+              </a:rPr>
+              <a:t>Presenter: Souporno Ghosh</a:t>
+            </a:r>
+          </a:p>
+        </p:txBody>
+      </p:sp>
+      <p:sp>
+        <p:nvSpPr>
+          <p:cNvPr id="3" name="Text Placeholder 2">
+            <a:extLst>
+              <a:ext uri="{FF2B5EF4-FFF2-40B4-BE49-F238E27FC236}">
+                <a16:creationId xmlns:a16="http://schemas.microsoft.com/office/drawing/2014/main" id="{EB9E7E25-708B-4040-9DB2-B698355EB3F2}"/>
+              </a:ext>
+            </a:extLst>
+          </p:cNvPr>
+          <p:cNvSpPr>
+            <a:spLocks noGrp="1"/>
+          </p:cNvSpPr>
+          <p:nvPr>
+            <p:ph type="body" idx="1"/>
+          </p:nvPr>
+        </p:nvSpPr>
+        <p:spPr/>
+        <p:txBody>
+          <a:bodyPr/>
+          <a:lstStyle/>
+          <a:p>
+            <a:r>
+              <a:rPr lang="en-IN" dirty="0">
+                <a:latin typeface="Frank Ruhl Libre" panose="00000500000000000000" pitchFamily="2" charset="-79"/>
+                <a:cs typeface="Frank Ruhl Libre" panose="00000500000000000000" pitchFamily="2" charset="-79"/>
+              </a:rPr>
+              <a:t>About Data Set, About VGG16</a:t>
+            </a:r>
+          </a:p>
+        </p:txBody>
+      </p:sp>
+    </p:spTree>
+    <p:extLst>
+      <p:ext uri="{BB962C8B-B14F-4D97-AF65-F5344CB8AC3E}">
+        <p14:creationId xmlns:p14="http://schemas.microsoft.com/office/powerpoint/2010/main" val="3610940099"/>
+      </p:ext>
+    </p:extLst>
+  </p:cSld>
+  <p:clrMapOvr>
+    <a:masterClrMapping/>
+  </p:clrMapOvr>
+</p:sld>
+</file>
+
+<file path=ppt/slides/slide14.xml><?xml version="1.0" encoding="utf-8"?>
 <p:sld xmlns:a="http://schemas.openxmlformats.org/drawingml/2006/main" xmlns:r="http://schemas.openxmlformats.org/officeDocument/2006/relationships" xmlns:p="http://schemas.openxmlformats.org/presentationml/2006/main">
   <p:cSld>
     <p:spTree>
@@ -13980,7 +15009,7 @@
 </p:sld>
 </file>
 
-<file path=ppt/slides/slide12.xml><?xml version="1.0" encoding="utf-8"?>
+<file path=ppt/slides/slide15.xml><?xml version="1.0" encoding="utf-8"?>
 <p:sld xmlns:a="http://schemas.openxmlformats.org/drawingml/2006/main" xmlns:r="http://schemas.openxmlformats.org/officeDocument/2006/relationships" xmlns:p="http://schemas.openxmlformats.org/presentationml/2006/main">
   <p:cSld>
     <p:spTree>
@@ -14676,7 +15705,7 @@
 </p:sld>
 </file>
 
-<file path=ppt/slides/slide13.xml><?xml version="1.0" encoding="utf-8"?>
+<file path=ppt/slides/slide16.xml><?xml version="1.0" encoding="utf-8"?>
 <p:sld xmlns:a="http://schemas.openxmlformats.org/drawingml/2006/main" xmlns:r="http://schemas.openxmlformats.org/officeDocument/2006/relationships" xmlns:p="http://schemas.openxmlformats.org/presentationml/2006/main">
   <p:cSld>
     <p:spTree>
@@ -15293,7 +16322,7 @@
 </p:sld>
 </file>
 
-<file path=ppt/slides/slide14.xml><?xml version="1.0" encoding="utf-8"?>
+<file path=ppt/slides/slide17.xml><?xml version="1.0" encoding="utf-8"?>
 <p:sld xmlns:a="http://schemas.openxmlformats.org/drawingml/2006/main" xmlns:r="http://schemas.openxmlformats.org/officeDocument/2006/relationships" xmlns:p="http://schemas.openxmlformats.org/presentationml/2006/main">
   <p:cSld>
     <p:spTree>
@@ -15531,7 +16560,107 @@
 </p:sld>
 </file>
 
-<file path=ppt/slides/slide15.xml><?xml version="1.0" encoding="utf-8"?>
+<file path=ppt/slides/slide18.xml><?xml version="1.0" encoding="utf-8"?>
+<p:sld xmlns:a="http://schemas.openxmlformats.org/drawingml/2006/main" xmlns:r="http://schemas.openxmlformats.org/officeDocument/2006/relationships" xmlns:p="http://schemas.openxmlformats.org/presentationml/2006/main">
+  <p:cSld>
+    <p:spTree>
+      <p:nvGrpSpPr>
+        <p:cNvPr id="1" name=""/>
+        <p:cNvGrpSpPr/>
+        <p:nvPr/>
+      </p:nvGrpSpPr>
+      <p:grpSpPr>
+        <a:xfrm>
+          <a:off x="0" y="0"/>
+          <a:ext cx="0" cy="0"/>
+          <a:chOff x="0" y="0"/>
+          <a:chExt cx="0" cy="0"/>
+        </a:xfrm>
+      </p:grpSpPr>
+      <p:sp>
+        <p:nvSpPr>
+          <p:cNvPr id="2" name="Title 1">
+            <a:extLst>
+              <a:ext uri="{FF2B5EF4-FFF2-40B4-BE49-F238E27FC236}">
+                <a16:creationId xmlns:a16="http://schemas.microsoft.com/office/drawing/2014/main" id="{D05353AF-E2C1-4CFA-A936-D3C1C864F3C1}"/>
+              </a:ext>
+            </a:extLst>
+          </p:cNvPr>
+          <p:cNvSpPr>
+            <a:spLocks noGrp="1"/>
+          </p:cNvSpPr>
+          <p:nvPr>
+            <p:ph type="title"/>
+          </p:nvPr>
+        </p:nvSpPr>
+        <p:spPr/>
+        <p:txBody>
+          <a:bodyPr/>
+          <a:lstStyle/>
+          <a:p>
+            <a:r>
+              <a:rPr lang="en-IN" dirty="0">
+                <a:latin typeface="Garamond" panose="02020404030301010803" pitchFamily="18" charset="0"/>
+              </a:rPr>
+              <a:t>Presenter: Soumya </a:t>
+            </a:r>
+            <a:r>
+              <a:rPr lang="en-IN" dirty="0" err="1">
+                <a:latin typeface="Garamond" panose="02020404030301010803" pitchFamily="18" charset="0"/>
+              </a:rPr>
+              <a:t>Nasipuri</a:t>
+            </a:r>
+            <a:endParaRPr lang="en-IN" dirty="0">
+              <a:latin typeface="Garamond" panose="02020404030301010803" pitchFamily="18" charset="0"/>
+            </a:endParaRPr>
+          </a:p>
+        </p:txBody>
+      </p:sp>
+      <p:sp>
+        <p:nvSpPr>
+          <p:cNvPr id="3" name="Text Placeholder 2">
+            <a:extLst>
+              <a:ext uri="{FF2B5EF4-FFF2-40B4-BE49-F238E27FC236}">
+                <a16:creationId xmlns:a16="http://schemas.microsoft.com/office/drawing/2014/main" id="{EB9E7E25-708B-4040-9DB2-B698355EB3F2}"/>
+              </a:ext>
+            </a:extLst>
+          </p:cNvPr>
+          <p:cNvSpPr>
+            <a:spLocks noGrp="1"/>
+          </p:cNvSpPr>
+          <p:nvPr>
+            <p:ph type="body" idx="1"/>
+          </p:nvPr>
+        </p:nvSpPr>
+        <p:spPr/>
+        <p:txBody>
+          <a:bodyPr/>
+          <a:lstStyle/>
+          <a:p>
+            <a:r>
+              <a:rPr lang="en-IN" dirty="0">
+                <a:latin typeface="Frank Ruhl Libre" panose="00000500000000000000" pitchFamily="2" charset="-79"/>
+                <a:cs typeface="Frank Ruhl Libre" panose="00000500000000000000" pitchFamily="2" charset="-79"/>
+              </a:rPr>
+              <a:t>Architecture of VGG16, Feature Extraction, What Comes Next</a:t>
+            </a:r>
+          </a:p>
+        </p:txBody>
+      </p:sp>
+    </p:spTree>
+    <p:extLst>
+      <p:ext uri="{BB962C8B-B14F-4D97-AF65-F5344CB8AC3E}">
+        <p14:creationId xmlns:p14="http://schemas.microsoft.com/office/powerpoint/2010/main" val="2098099901"/>
+      </p:ext>
+    </p:extLst>
+  </p:cSld>
+  <p:clrMapOvr>
+    <a:masterClrMapping/>
+  </p:clrMapOvr>
+</p:sld>
+</file>
+
+<file path=ppt/slides/slide19.xml><?xml version="1.0" encoding="utf-8"?>
 <p:sld xmlns:a="http://schemas.openxmlformats.org/drawingml/2006/main" xmlns:r="http://schemas.openxmlformats.org/officeDocument/2006/relationships" xmlns:p="http://schemas.openxmlformats.org/presentationml/2006/main">
   <p:cSld>
     <p:spTree>
@@ -15716,7 +16845,119 @@
 </p:sld>
 </file>
 
-<file path=ppt/slides/slide16.xml><?xml version="1.0" encoding="utf-8"?>
+<file path=ppt/slides/slide2.xml><?xml version="1.0" encoding="utf-8"?>
+<p:sld xmlns:a="http://schemas.openxmlformats.org/drawingml/2006/main" xmlns:r="http://schemas.openxmlformats.org/officeDocument/2006/relationships" xmlns:p="http://schemas.openxmlformats.org/presentationml/2006/main">
+  <p:cSld>
+    <p:spTree>
+      <p:nvGrpSpPr>
+        <p:cNvPr id="1" name=""/>
+        <p:cNvGrpSpPr/>
+        <p:nvPr/>
+      </p:nvGrpSpPr>
+      <p:grpSpPr>
+        <a:xfrm>
+          <a:off x="0" y="0"/>
+          <a:ext cx="0" cy="0"/>
+          <a:chOff x="0" y="0"/>
+          <a:chExt cx="0" cy="0"/>
+        </a:xfrm>
+      </p:grpSpPr>
+      <p:sp>
+        <p:nvSpPr>
+          <p:cNvPr id="2" name="Title 1">
+            <a:extLst>
+              <a:ext uri="{FF2B5EF4-FFF2-40B4-BE49-F238E27FC236}">
+                <a16:creationId xmlns:a16="http://schemas.microsoft.com/office/drawing/2014/main" id="{D05353AF-E2C1-4CFA-A936-D3C1C864F3C1}"/>
+              </a:ext>
+            </a:extLst>
+          </p:cNvPr>
+          <p:cNvSpPr>
+            <a:spLocks noGrp="1"/>
+          </p:cNvSpPr>
+          <p:nvPr>
+            <p:ph type="title"/>
+          </p:nvPr>
+        </p:nvSpPr>
+        <p:spPr/>
+        <p:txBody>
+          <a:bodyPr/>
+          <a:lstStyle/>
+          <a:p>
+            <a:r>
+              <a:rPr lang="en-IN" dirty="0">
+                <a:latin typeface="Garamond" panose="02020404030301010803" pitchFamily="18" charset="0"/>
+              </a:rPr>
+              <a:t>Presenter: </a:t>
+            </a:r>
+            <a:r>
+              <a:rPr lang="en-IN" dirty="0" err="1">
+                <a:latin typeface="Garamond" panose="02020404030301010803" pitchFamily="18" charset="0"/>
+              </a:rPr>
+              <a:t>Sharanya</a:t>
+            </a:r>
+            <a:r>
+              <a:rPr lang="en-IN" dirty="0">
+                <a:latin typeface="Garamond" panose="02020404030301010803" pitchFamily="18" charset="0"/>
+              </a:rPr>
+              <a:t> </a:t>
+            </a:r>
+            <a:r>
+              <a:rPr lang="en-IN" dirty="0" err="1">
+                <a:latin typeface="Garamond" panose="02020404030301010803" pitchFamily="18" charset="0"/>
+              </a:rPr>
+              <a:t>Saha</a:t>
+            </a:r>
+            <a:endParaRPr lang="en-IN" dirty="0">
+              <a:latin typeface="Garamond" panose="02020404030301010803" pitchFamily="18" charset="0"/>
+            </a:endParaRPr>
+          </a:p>
+        </p:txBody>
+      </p:sp>
+      <p:sp>
+        <p:nvSpPr>
+          <p:cNvPr id="3" name="Text Placeholder 2">
+            <a:extLst>
+              <a:ext uri="{FF2B5EF4-FFF2-40B4-BE49-F238E27FC236}">
+                <a16:creationId xmlns:a16="http://schemas.microsoft.com/office/drawing/2014/main" id="{EB9E7E25-708B-4040-9DB2-B698355EB3F2}"/>
+              </a:ext>
+            </a:extLst>
+          </p:cNvPr>
+          <p:cNvSpPr>
+            <a:spLocks noGrp="1"/>
+          </p:cNvSpPr>
+          <p:nvPr>
+            <p:ph type="body" idx="1"/>
+          </p:nvPr>
+        </p:nvSpPr>
+        <p:spPr/>
+        <p:txBody>
+          <a:bodyPr/>
+          <a:lstStyle/>
+          <a:p>
+            <a:r>
+              <a:rPr lang="en-IN" dirty="0">
+                <a:latin typeface="Frank Ruhl Libre" panose="00000500000000000000" pitchFamily="2" charset="-79"/>
+                <a:cs typeface="Frank Ruhl Libre" panose="00000500000000000000" pitchFamily="2" charset="-79"/>
+              </a:rPr>
+              <a:t>Motivation, Software Used, Hardware Used, Significance of Hardware</a:t>
+            </a:r>
+          </a:p>
+        </p:txBody>
+      </p:sp>
+    </p:spTree>
+    <p:extLst>
+      <p:ext uri="{BB962C8B-B14F-4D97-AF65-F5344CB8AC3E}">
+        <p14:creationId xmlns:p14="http://schemas.microsoft.com/office/powerpoint/2010/main" val="510334689"/>
+      </p:ext>
+    </p:extLst>
+  </p:cSld>
+  <p:clrMapOvr>
+    <a:masterClrMapping/>
+  </p:clrMapOvr>
+</p:sld>
+</file>
+
+<file path=ppt/slides/slide20.xml><?xml version="1.0" encoding="utf-8"?>
 <p:sld xmlns:a="http://schemas.openxmlformats.org/drawingml/2006/main" xmlns:r="http://schemas.openxmlformats.org/officeDocument/2006/relationships" xmlns:p="http://schemas.openxmlformats.org/presentationml/2006/main">
   <p:cSld>
     <p:spTree>
@@ -16212,7 +17453,7 @@
 </p:sld>
 </file>
 
-<file path=ppt/slides/slide17.xml><?xml version="1.0" encoding="utf-8"?>
+<file path=ppt/slides/slide21.xml><?xml version="1.0" encoding="utf-8"?>
 <p:sld xmlns:a="http://schemas.openxmlformats.org/drawingml/2006/main" xmlns:r="http://schemas.openxmlformats.org/officeDocument/2006/relationships" xmlns:p="http://schemas.openxmlformats.org/presentationml/2006/main">
   <p:cSld>
     <p:spTree>
@@ -17363,7 +18604,7 @@
 </p:sld>
 </file>
 
-<file path=ppt/slides/slide18.xml><?xml version="1.0" encoding="utf-8"?>
+<file path=ppt/slides/slide22.xml><?xml version="1.0" encoding="utf-8"?>
 <p:sld xmlns:a="http://schemas.openxmlformats.org/drawingml/2006/main" xmlns:r="http://schemas.openxmlformats.org/officeDocument/2006/relationships" xmlns:p="http://schemas.openxmlformats.org/presentationml/2006/main">
   <p:cSld>
     <p:spTree>
@@ -17750,7 +18991,7 @@
 </p:sld>
 </file>
 
-<file path=ppt/slides/slide19.xml><?xml version="1.0" encoding="utf-8"?>
+<file path=ppt/slides/slide23.xml><?xml version="1.0" encoding="utf-8"?>
 <p:sld xmlns:a="http://schemas.openxmlformats.org/drawingml/2006/main" xmlns:r="http://schemas.openxmlformats.org/officeDocument/2006/relationships" xmlns:p="http://schemas.openxmlformats.org/presentationml/2006/main">
   <p:cSld>
     <p:spTree>
@@ -18220,7 +19461,98 @@
 </p:sld>
 </file>
 
-<file path=ppt/slides/slide2.xml><?xml version="1.0" encoding="utf-8"?>
+<file path=ppt/slides/slide24.xml><?xml version="1.0" encoding="utf-8"?>
+<p:sld xmlns:a="http://schemas.openxmlformats.org/drawingml/2006/main" xmlns:r="http://schemas.openxmlformats.org/officeDocument/2006/relationships" xmlns:p="http://schemas.openxmlformats.org/presentationml/2006/main">
+  <p:cSld>
+    <p:spTree>
+      <p:nvGrpSpPr>
+        <p:cNvPr id="1" name=""/>
+        <p:cNvGrpSpPr/>
+        <p:nvPr/>
+      </p:nvGrpSpPr>
+      <p:grpSpPr>
+        <a:xfrm>
+          <a:off x="0" y="0"/>
+          <a:ext cx="0" cy="0"/>
+          <a:chOff x="0" y="0"/>
+          <a:chExt cx="0" cy="0"/>
+        </a:xfrm>
+      </p:grpSpPr>
+      <p:sp>
+        <p:nvSpPr>
+          <p:cNvPr id="2" name="Title 1">
+            <a:extLst>
+              <a:ext uri="{FF2B5EF4-FFF2-40B4-BE49-F238E27FC236}">
+                <a16:creationId xmlns:a16="http://schemas.microsoft.com/office/drawing/2014/main" id="{4FB831A3-6027-49CB-8F12-CD43FF930F52}"/>
+              </a:ext>
+            </a:extLst>
+          </p:cNvPr>
+          <p:cNvSpPr>
+            <a:spLocks noGrp="1"/>
+          </p:cNvSpPr>
+          <p:nvPr>
+            <p:ph type="title"/>
+          </p:nvPr>
+        </p:nvSpPr>
+        <p:spPr>
+          <a:xfrm>
+            <a:off x="831850" y="1709739"/>
+            <a:ext cx="10515600" cy="2288103"/>
+          </a:xfrm>
+        </p:spPr>
+        <p:txBody>
+          <a:bodyPr/>
+          <a:lstStyle/>
+          <a:p>
+            <a:pPr algn="ctr"/>
+            <a:r>
+              <a:rPr lang="en-IN" dirty="0">
+                <a:latin typeface="Garamond" panose="02020404030301010803" pitchFamily="18" charset="0"/>
+              </a:rPr>
+              <a:t>Le Fin</a:t>
+            </a:r>
+          </a:p>
+        </p:txBody>
+      </p:sp>
+      <p:sp>
+        <p:nvSpPr>
+          <p:cNvPr id="3" name="Text Placeholder 2">
+            <a:extLst>
+              <a:ext uri="{FF2B5EF4-FFF2-40B4-BE49-F238E27FC236}">
+                <a16:creationId xmlns:a16="http://schemas.microsoft.com/office/drawing/2014/main" id="{DFC23F52-8F73-47DB-8BF0-ED459F5980EF}"/>
+              </a:ext>
+            </a:extLst>
+          </p:cNvPr>
+          <p:cNvSpPr>
+            <a:spLocks noGrp="1"/>
+          </p:cNvSpPr>
+          <p:nvPr>
+            <p:ph type="body" idx="1"/>
+          </p:nvPr>
+        </p:nvSpPr>
+        <p:spPr/>
+        <p:txBody>
+          <a:bodyPr/>
+          <a:lstStyle/>
+          <a:p>
+            <a:endParaRPr lang="en-IN" dirty="0"/>
+          </a:p>
+        </p:txBody>
+      </p:sp>
+    </p:spTree>
+    <p:extLst>
+      <p:ext uri="{BB962C8B-B14F-4D97-AF65-F5344CB8AC3E}">
+        <p14:creationId xmlns:p14="http://schemas.microsoft.com/office/powerpoint/2010/main" val="1210464209"/>
+      </p:ext>
+    </p:extLst>
+  </p:cSld>
+  <p:clrMapOvr>
+    <a:masterClrMapping/>
+  </p:clrMapOvr>
+</p:sld>
+</file>
+
+<file path=ppt/slides/slide3.xml><?xml version="1.0" encoding="utf-8"?>
 <p:sld xmlns:a="http://schemas.openxmlformats.org/drawingml/2006/main" xmlns:r="http://schemas.openxmlformats.org/officeDocument/2006/relationships" xmlns:p="http://schemas.openxmlformats.org/presentationml/2006/main">
   <p:cSld>
     <p:spTree>
@@ -18576,98 +19908,7 @@
 </p:sld>
 </file>
 
-<file path=ppt/slides/slide20.xml><?xml version="1.0" encoding="utf-8"?>
-<p:sld xmlns:a="http://schemas.openxmlformats.org/drawingml/2006/main" xmlns:r="http://schemas.openxmlformats.org/officeDocument/2006/relationships" xmlns:p="http://schemas.openxmlformats.org/presentationml/2006/main">
-  <p:cSld>
-    <p:spTree>
-      <p:nvGrpSpPr>
-        <p:cNvPr id="1" name=""/>
-        <p:cNvGrpSpPr/>
-        <p:nvPr/>
-      </p:nvGrpSpPr>
-      <p:grpSpPr>
-        <a:xfrm>
-          <a:off x="0" y="0"/>
-          <a:ext cx="0" cy="0"/>
-          <a:chOff x="0" y="0"/>
-          <a:chExt cx="0" cy="0"/>
-        </a:xfrm>
-      </p:grpSpPr>
-      <p:sp>
-        <p:nvSpPr>
-          <p:cNvPr id="2" name="Title 1">
-            <a:extLst>
-              <a:ext uri="{FF2B5EF4-FFF2-40B4-BE49-F238E27FC236}">
-                <a16:creationId xmlns:a16="http://schemas.microsoft.com/office/drawing/2014/main" id="{4FB831A3-6027-49CB-8F12-CD43FF930F52}"/>
-              </a:ext>
-            </a:extLst>
-          </p:cNvPr>
-          <p:cNvSpPr>
-            <a:spLocks noGrp="1"/>
-          </p:cNvSpPr>
-          <p:nvPr>
-            <p:ph type="title"/>
-          </p:nvPr>
-        </p:nvSpPr>
-        <p:spPr>
-          <a:xfrm>
-            <a:off x="831850" y="1709739"/>
-            <a:ext cx="10515600" cy="2288103"/>
-          </a:xfrm>
-        </p:spPr>
-        <p:txBody>
-          <a:bodyPr/>
-          <a:lstStyle/>
-          <a:p>
-            <a:pPr algn="ctr"/>
-            <a:r>
-              <a:rPr lang="en-IN" dirty="0">
-                <a:latin typeface="Garamond" panose="02020404030301010803" pitchFamily="18" charset="0"/>
-              </a:rPr>
-              <a:t>Le Fin</a:t>
-            </a:r>
-          </a:p>
-        </p:txBody>
-      </p:sp>
-      <p:sp>
-        <p:nvSpPr>
-          <p:cNvPr id="3" name="Text Placeholder 2">
-            <a:extLst>
-              <a:ext uri="{FF2B5EF4-FFF2-40B4-BE49-F238E27FC236}">
-                <a16:creationId xmlns:a16="http://schemas.microsoft.com/office/drawing/2014/main" id="{DFC23F52-8F73-47DB-8BF0-ED459F5980EF}"/>
-              </a:ext>
-            </a:extLst>
-          </p:cNvPr>
-          <p:cNvSpPr>
-            <a:spLocks noGrp="1"/>
-          </p:cNvSpPr>
-          <p:nvPr>
-            <p:ph type="body" idx="1"/>
-          </p:nvPr>
-        </p:nvSpPr>
-        <p:spPr/>
-        <p:txBody>
-          <a:bodyPr/>
-          <a:lstStyle/>
-          <a:p>
-            <a:endParaRPr lang="en-IN" dirty="0"/>
-          </a:p>
-        </p:txBody>
-      </p:sp>
-    </p:spTree>
-    <p:extLst>
-      <p:ext uri="{BB962C8B-B14F-4D97-AF65-F5344CB8AC3E}">
-        <p14:creationId xmlns:p14="http://schemas.microsoft.com/office/powerpoint/2010/main" val="1210464209"/>
-      </p:ext>
-    </p:extLst>
-  </p:cSld>
-  <p:clrMapOvr>
-    <a:masterClrMapping/>
-  </p:clrMapOvr>
-</p:sld>
-</file>
-
-<file path=ppt/slides/slide3.xml><?xml version="1.0" encoding="utf-8"?>
+<file path=ppt/slides/slide4.xml><?xml version="1.0" encoding="utf-8"?>
 <p:sld xmlns:a="http://schemas.openxmlformats.org/drawingml/2006/main" xmlns:r="http://schemas.openxmlformats.org/officeDocument/2006/relationships" xmlns:p="http://schemas.openxmlformats.org/presentationml/2006/main">
   <p:cSld>
     <p:spTree>
@@ -19205,7 +20446,7 @@
 </p:sld>
 </file>
 
-<file path=ppt/slides/slide4.xml><?xml version="1.0" encoding="utf-8"?>
+<file path=ppt/slides/slide5.xml><?xml version="1.0" encoding="utf-8"?>
 <p:sld xmlns:a="http://schemas.openxmlformats.org/drawingml/2006/main" xmlns:r="http://schemas.openxmlformats.org/officeDocument/2006/relationships" xmlns:p="http://schemas.openxmlformats.org/presentationml/2006/main">
   <p:cSld>
     <p:spTree>
@@ -19525,7 +20766,7 @@
 </p:sld>
 </file>
 
-<file path=ppt/slides/slide5.xml><?xml version="1.0" encoding="utf-8"?>
+<file path=ppt/slides/slide6.xml><?xml version="1.0" encoding="utf-8"?>
 <p:sld xmlns:a="http://schemas.openxmlformats.org/drawingml/2006/main" xmlns:r="http://schemas.openxmlformats.org/officeDocument/2006/relationships" xmlns:p="http://schemas.openxmlformats.org/presentationml/2006/main">
   <p:cSld>
     <p:spTree>
@@ -19829,7 +21070,98 @@
 </p:sld>
 </file>
 
-<file path=ppt/slides/slide6.xml><?xml version="1.0" encoding="utf-8"?>
+<file path=ppt/slides/slide7.xml><?xml version="1.0" encoding="utf-8"?>
+<p:sld xmlns:a="http://schemas.openxmlformats.org/drawingml/2006/main" xmlns:r="http://schemas.openxmlformats.org/officeDocument/2006/relationships" xmlns:p="http://schemas.openxmlformats.org/presentationml/2006/main">
+  <p:cSld>
+    <p:spTree>
+      <p:nvGrpSpPr>
+        <p:cNvPr id="1" name=""/>
+        <p:cNvGrpSpPr/>
+        <p:nvPr/>
+      </p:nvGrpSpPr>
+      <p:grpSpPr>
+        <a:xfrm>
+          <a:off x="0" y="0"/>
+          <a:ext cx="0" cy="0"/>
+          <a:chOff x="0" y="0"/>
+          <a:chExt cx="0" cy="0"/>
+        </a:xfrm>
+      </p:grpSpPr>
+      <p:sp>
+        <p:nvSpPr>
+          <p:cNvPr id="2" name="Title 1">
+            <a:extLst>
+              <a:ext uri="{FF2B5EF4-FFF2-40B4-BE49-F238E27FC236}">
+                <a16:creationId xmlns:a16="http://schemas.microsoft.com/office/drawing/2014/main" id="{D05353AF-E2C1-4CFA-A936-D3C1C864F3C1}"/>
+              </a:ext>
+            </a:extLst>
+          </p:cNvPr>
+          <p:cNvSpPr>
+            <a:spLocks noGrp="1"/>
+          </p:cNvSpPr>
+          <p:nvPr>
+            <p:ph type="title"/>
+          </p:nvPr>
+        </p:nvSpPr>
+        <p:spPr/>
+        <p:txBody>
+          <a:bodyPr/>
+          <a:lstStyle/>
+          <a:p>
+            <a:r>
+              <a:rPr lang="en-IN" dirty="0">
+                <a:latin typeface="Garamond" panose="02020404030301010803" pitchFamily="18" charset="0"/>
+              </a:rPr>
+              <a:t>Presenter: Rahul Roy</a:t>
+            </a:r>
+          </a:p>
+        </p:txBody>
+      </p:sp>
+      <p:sp>
+        <p:nvSpPr>
+          <p:cNvPr id="3" name="Text Placeholder 2">
+            <a:extLst>
+              <a:ext uri="{FF2B5EF4-FFF2-40B4-BE49-F238E27FC236}">
+                <a16:creationId xmlns:a16="http://schemas.microsoft.com/office/drawing/2014/main" id="{EB9E7E25-708B-4040-9DB2-B698355EB3F2}"/>
+              </a:ext>
+            </a:extLst>
+          </p:cNvPr>
+          <p:cNvSpPr>
+            <a:spLocks noGrp="1"/>
+          </p:cNvSpPr>
+          <p:nvPr>
+            <p:ph type="body" idx="1"/>
+          </p:nvPr>
+        </p:nvSpPr>
+        <p:spPr/>
+        <p:txBody>
+          <a:bodyPr/>
+          <a:lstStyle/>
+          <a:p>
+            <a:r>
+              <a:rPr lang="en-IN" dirty="0">
+                <a:latin typeface="Frank Ruhl Libre" panose="00000500000000000000" pitchFamily="2" charset="-79"/>
+                <a:cs typeface="Frank Ruhl Libre" panose="00000500000000000000" pitchFamily="2" charset="-79"/>
+              </a:rPr>
+              <a:t>Background, Summary of Present Work, Our Contribution</a:t>
+            </a:r>
+          </a:p>
+        </p:txBody>
+      </p:sp>
+    </p:spTree>
+    <p:extLst>
+      <p:ext uri="{BB962C8B-B14F-4D97-AF65-F5344CB8AC3E}">
+        <p14:creationId xmlns:p14="http://schemas.microsoft.com/office/powerpoint/2010/main" val="1542004898"/>
+      </p:ext>
+    </p:extLst>
+  </p:cSld>
+  <p:clrMapOvr>
+    <a:masterClrMapping/>
+  </p:clrMapOvr>
+</p:sld>
+</file>
+
+<file path=ppt/slides/slide8.xml><?xml version="1.0" encoding="utf-8"?>
 <p:sld xmlns:a="http://schemas.openxmlformats.org/drawingml/2006/main" xmlns:r="http://schemas.openxmlformats.org/officeDocument/2006/relationships" xmlns:p="http://schemas.openxmlformats.org/presentationml/2006/main">
   <p:cSld>
     <p:spTree>
@@ -20784,7 +22116,7 @@
 </p:sld>
 </file>
 
-<file path=ppt/slides/slide7.xml><?xml version="1.0" encoding="utf-8"?>
+<file path=ppt/slides/slide9.xml><?xml version="1.0" encoding="utf-8"?>
 <p:sld xmlns:a="http://schemas.openxmlformats.org/drawingml/2006/main" xmlns:r="http://schemas.openxmlformats.org/officeDocument/2006/relationships" xmlns:p="http://schemas.openxmlformats.org/presentationml/2006/main">
   <p:cSld>
     <p:spTree>
@@ -21165,769 +22497,6 @@
                                           <p:spTgt spid="3">
                                             <p:txEl>
                                               <p:pRg st="5" end="5"/>
-                                            </p:txEl>
-                                          </p:spTgt>
-                                        </p:tgtEl>
-                                        <p:attrNameLst>
-                                          <p:attrName>style.visibility</p:attrName>
-                                        </p:attrNameLst>
-                                      </p:cBhvr>
-                                      <p:to>
-                                        <p:strVal val="visible"/>
-                                      </p:to>
-                                    </p:set>
-                                  </p:childTnLst>
-                                </p:cTn>
-                              </p:par>
-                            </p:childTnLst>
-                          </p:cTn>
-                        </p:par>
-                      </p:childTnLst>
-                    </p:cTn>
-                  </p:par>
-                </p:childTnLst>
-              </p:cTn>
-              <p:prevCondLst>
-                <p:cond evt="onPrev" delay="0">
-                  <p:tgtEl>
-                    <p:sldTgt/>
-                  </p:tgtEl>
-                </p:cond>
-              </p:prevCondLst>
-              <p:nextCondLst>
-                <p:cond evt="onNext" delay="0">
-                  <p:tgtEl>
-                    <p:sldTgt/>
-                  </p:tgtEl>
-                </p:cond>
-              </p:nextCondLst>
-            </p:seq>
-          </p:childTnLst>
-        </p:cTn>
-      </p:par>
-    </p:tnLst>
-  </p:timing>
-</p:sld>
-</file>
-
-<file path=ppt/slides/slide8.xml><?xml version="1.0" encoding="utf-8"?>
-<p:sld xmlns:a="http://schemas.openxmlformats.org/drawingml/2006/main" xmlns:r="http://schemas.openxmlformats.org/officeDocument/2006/relationships" xmlns:p="http://schemas.openxmlformats.org/presentationml/2006/main">
-  <p:cSld>
-    <p:spTree>
-      <p:nvGrpSpPr>
-        <p:cNvPr id="1" name=""/>
-        <p:cNvGrpSpPr/>
-        <p:nvPr/>
-      </p:nvGrpSpPr>
-      <p:grpSpPr>
-        <a:xfrm>
-          <a:off x="0" y="0"/>
-          <a:ext cx="0" cy="0"/>
-          <a:chOff x="0" y="0"/>
-          <a:chExt cx="0" cy="0"/>
-        </a:xfrm>
-      </p:grpSpPr>
-      <p:sp>
-        <p:nvSpPr>
-          <p:cNvPr id="2" name="Title 1">
-            <a:extLst>
-              <a:ext uri="{FF2B5EF4-FFF2-40B4-BE49-F238E27FC236}">
-                <a16:creationId xmlns:a16="http://schemas.microsoft.com/office/drawing/2014/main" id="{C5872436-0191-4215-8794-3E7446DE5AF3}"/>
-              </a:ext>
-            </a:extLst>
-          </p:cNvPr>
-          <p:cNvSpPr>
-            <a:spLocks noGrp="1"/>
-          </p:cNvSpPr>
-          <p:nvPr>
-            <p:ph type="title"/>
-          </p:nvPr>
-        </p:nvSpPr>
-        <p:spPr/>
-        <p:txBody>
-          <a:bodyPr/>
-          <a:lstStyle/>
-          <a:p>
-            <a:r>
-              <a:rPr lang="en-US" dirty="0">
-                <a:latin typeface="Garamond" panose="02020404030301010803" pitchFamily="18" charset="0"/>
-              </a:rPr>
-              <a:t>Summary of Present Work: Adak et al.</a:t>
-            </a:r>
-            <a:endParaRPr lang="en-IN" dirty="0">
-              <a:latin typeface="Garamond" panose="02020404030301010803" pitchFamily="18" charset="0"/>
-            </a:endParaRPr>
-          </a:p>
-        </p:txBody>
-      </p:sp>
-      <p:sp>
-        <p:nvSpPr>
-          <p:cNvPr id="3" name="Content Placeholder 2">
-            <a:extLst>
-              <a:ext uri="{FF2B5EF4-FFF2-40B4-BE49-F238E27FC236}">
-                <a16:creationId xmlns:a16="http://schemas.microsoft.com/office/drawing/2014/main" id="{4A25DC9A-62BA-4694-B3AB-CC5E355497A0}"/>
-              </a:ext>
-            </a:extLst>
-          </p:cNvPr>
-          <p:cNvSpPr>
-            <a:spLocks noGrp="1"/>
-          </p:cNvSpPr>
-          <p:nvPr>
-            <p:ph idx="1"/>
-          </p:nvPr>
-        </p:nvSpPr>
-        <p:spPr/>
-        <p:txBody>
-          <a:bodyPr/>
-          <a:lstStyle/>
-          <a:p>
-            <a:r>
-              <a:rPr lang="en-US" dirty="0">
-                <a:latin typeface="Frank Ruhl Libre" panose="00000500000000000000" pitchFamily="2" charset="-79"/>
-                <a:cs typeface="Frank Ruhl Libre" panose="00000500000000000000" pitchFamily="2" charset="-79"/>
-              </a:rPr>
-              <a:t>2 Offline Bangla intra-variable handwriting databases from 2 different sets of 100 writers</a:t>
-            </a:r>
-          </a:p>
-          <a:p>
-            <a:pPr lvl="1"/>
-            <a:r>
-              <a:rPr lang="en-US" dirty="0">
-                <a:latin typeface="Frank Ruhl Libre" panose="00000500000000000000" pitchFamily="2" charset="-79"/>
-                <a:cs typeface="Frank Ruhl Libre" panose="00000500000000000000" pitchFamily="2" charset="-79"/>
-              </a:rPr>
-              <a:t>Controlled</a:t>
-            </a:r>
-          </a:p>
-          <a:p>
-            <a:pPr lvl="1"/>
-            <a:r>
-              <a:rPr lang="en-US" dirty="0">
-                <a:latin typeface="Frank Ruhl Libre" panose="00000500000000000000" pitchFamily="2" charset="-79"/>
-                <a:cs typeface="Frank Ruhl Libre" panose="00000500000000000000" pitchFamily="2" charset="-79"/>
-              </a:rPr>
-              <a:t>Uncontrolled</a:t>
-            </a:r>
-          </a:p>
-          <a:p>
-            <a:pPr lvl="1"/>
-            <a:endParaRPr lang="en-US" dirty="0">
-              <a:latin typeface="Frank Ruhl Libre" panose="00000500000000000000" pitchFamily="2" charset="-79"/>
-              <a:cs typeface="Frank Ruhl Libre" panose="00000500000000000000" pitchFamily="2" charset="-79"/>
-            </a:endParaRPr>
-          </a:p>
-          <a:p>
-            <a:r>
-              <a:rPr lang="en-US" dirty="0">
-                <a:latin typeface="Frank Ruhl Libre" panose="00000500000000000000" pitchFamily="2" charset="-79"/>
-                <a:cs typeface="Frank Ruhl Libre" panose="00000500000000000000" pitchFamily="2" charset="-79"/>
-              </a:rPr>
-              <a:t>2 Primary Tasks</a:t>
-            </a:r>
-          </a:p>
-          <a:p>
-            <a:pPr lvl="1"/>
-            <a:r>
-              <a:rPr lang="en-US" dirty="0">
-                <a:latin typeface="Frank Ruhl Libre" panose="00000500000000000000" pitchFamily="2" charset="-79"/>
-                <a:cs typeface="Frank Ruhl Libre" panose="00000500000000000000" pitchFamily="2" charset="-79"/>
-              </a:rPr>
-              <a:t>Writer Identification: Multi-class Classification </a:t>
-            </a:r>
-          </a:p>
-          <a:p>
-            <a:pPr lvl="1"/>
-            <a:r>
-              <a:rPr lang="en-US" dirty="0">
-                <a:latin typeface="Frank Ruhl Libre" panose="00000500000000000000" pitchFamily="2" charset="-79"/>
-                <a:cs typeface="Frank Ruhl Libre" panose="00000500000000000000" pitchFamily="2" charset="-79"/>
-              </a:rPr>
-              <a:t>Writer Verification: Binary Classification </a:t>
-            </a:r>
-            <a:endParaRPr lang="en-IN" dirty="0">
-              <a:latin typeface="Frank Ruhl Libre" panose="00000500000000000000" pitchFamily="2" charset="-79"/>
-              <a:cs typeface="Frank Ruhl Libre" panose="00000500000000000000" pitchFamily="2" charset="-79"/>
-            </a:endParaRPr>
-          </a:p>
-        </p:txBody>
-      </p:sp>
-    </p:spTree>
-    <p:extLst>
-      <p:ext uri="{BB962C8B-B14F-4D97-AF65-F5344CB8AC3E}">
-        <p14:creationId xmlns:p14="http://schemas.microsoft.com/office/powerpoint/2010/main" val="1092332634"/>
-      </p:ext>
-    </p:extLst>
-  </p:cSld>
-  <p:clrMapOvr>
-    <a:masterClrMapping/>
-  </p:clrMapOvr>
-  <p:timing>
-    <p:tnLst>
-      <p:par>
-        <p:cTn id="1" dur="indefinite" restart="never" nodeType="tmRoot">
-          <p:childTnLst>
-            <p:seq concurrent="1" nextAc="seek">
-              <p:cTn id="2" dur="indefinite" nodeType="mainSeq">
-                <p:childTnLst>
-                  <p:par>
-                    <p:cTn id="3" fill="hold">
-                      <p:stCondLst>
-                        <p:cond delay="indefinite"/>
-                      </p:stCondLst>
-                      <p:childTnLst>
-                        <p:par>
-                          <p:cTn id="4" fill="hold">
-                            <p:stCondLst>
-                              <p:cond delay="0"/>
-                            </p:stCondLst>
-                            <p:childTnLst>
-                              <p:par>
-                                <p:cTn id="5" presetID="1" presetClass="entr" presetSubtype="0" fill="hold" nodeType="clickEffect">
-                                  <p:stCondLst>
-                                    <p:cond delay="0"/>
-                                  </p:stCondLst>
-                                  <p:childTnLst>
-                                    <p:set>
-                                      <p:cBhvr>
-                                        <p:cTn id="6" dur="1" fill="hold">
-                                          <p:stCondLst>
-                                            <p:cond delay="0"/>
-                                          </p:stCondLst>
-                                        </p:cTn>
-                                        <p:tgtEl>
-                                          <p:spTgt spid="3">
-                                            <p:txEl>
-                                              <p:pRg st="0" end="0"/>
-                                            </p:txEl>
-                                          </p:spTgt>
-                                        </p:tgtEl>
-                                        <p:attrNameLst>
-                                          <p:attrName>style.visibility</p:attrName>
-                                        </p:attrNameLst>
-                                      </p:cBhvr>
-                                      <p:to>
-                                        <p:strVal val="visible"/>
-                                      </p:to>
-                                    </p:set>
-                                  </p:childTnLst>
-                                </p:cTn>
-                              </p:par>
-                            </p:childTnLst>
-                          </p:cTn>
-                        </p:par>
-                      </p:childTnLst>
-                    </p:cTn>
-                  </p:par>
-                  <p:par>
-                    <p:cTn id="7" fill="hold">
-                      <p:stCondLst>
-                        <p:cond delay="indefinite"/>
-                      </p:stCondLst>
-                      <p:childTnLst>
-                        <p:par>
-                          <p:cTn id="8" fill="hold">
-                            <p:stCondLst>
-                              <p:cond delay="0"/>
-                            </p:stCondLst>
-                            <p:childTnLst>
-                              <p:par>
-                                <p:cTn id="9" presetID="1" presetClass="entr" presetSubtype="0" fill="hold" nodeType="clickEffect">
-                                  <p:stCondLst>
-                                    <p:cond delay="0"/>
-                                  </p:stCondLst>
-                                  <p:childTnLst>
-                                    <p:set>
-                                      <p:cBhvr>
-                                        <p:cTn id="10" dur="1" fill="hold">
-                                          <p:stCondLst>
-                                            <p:cond delay="0"/>
-                                          </p:stCondLst>
-                                        </p:cTn>
-                                        <p:tgtEl>
-                                          <p:spTgt spid="3">
-                                            <p:txEl>
-                                              <p:pRg st="1" end="1"/>
-                                            </p:txEl>
-                                          </p:spTgt>
-                                        </p:tgtEl>
-                                        <p:attrNameLst>
-                                          <p:attrName>style.visibility</p:attrName>
-                                        </p:attrNameLst>
-                                      </p:cBhvr>
-                                      <p:to>
-                                        <p:strVal val="visible"/>
-                                      </p:to>
-                                    </p:set>
-                                  </p:childTnLst>
-                                </p:cTn>
-                              </p:par>
-                              <p:par>
-                                <p:cTn id="11" presetID="1" presetClass="entr" presetSubtype="0" fill="hold" nodeType="withEffect">
-                                  <p:stCondLst>
-                                    <p:cond delay="0"/>
-                                  </p:stCondLst>
-                                  <p:childTnLst>
-                                    <p:set>
-                                      <p:cBhvr>
-                                        <p:cTn id="12" dur="1" fill="hold">
-                                          <p:stCondLst>
-                                            <p:cond delay="0"/>
-                                          </p:stCondLst>
-                                        </p:cTn>
-                                        <p:tgtEl>
-                                          <p:spTgt spid="3">
-                                            <p:txEl>
-                                              <p:pRg st="2" end="2"/>
-                                            </p:txEl>
-                                          </p:spTgt>
-                                        </p:tgtEl>
-                                        <p:attrNameLst>
-                                          <p:attrName>style.visibility</p:attrName>
-                                        </p:attrNameLst>
-                                      </p:cBhvr>
-                                      <p:to>
-                                        <p:strVal val="visible"/>
-                                      </p:to>
-                                    </p:set>
-                                  </p:childTnLst>
-                                </p:cTn>
-                              </p:par>
-                            </p:childTnLst>
-                          </p:cTn>
-                        </p:par>
-                      </p:childTnLst>
-                    </p:cTn>
-                  </p:par>
-                  <p:par>
-                    <p:cTn id="13" fill="hold">
-                      <p:stCondLst>
-                        <p:cond delay="indefinite"/>
-                      </p:stCondLst>
-                      <p:childTnLst>
-                        <p:par>
-                          <p:cTn id="14" fill="hold">
-                            <p:stCondLst>
-                              <p:cond delay="0"/>
-                            </p:stCondLst>
-                            <p:childTnLst>
-                              <p:par>
-                                <p:cTn id="15" presetID="1" presetClass="entr" presetSubtype="0" fill="hold" nodeType="clickEffect">
-                                  <p:stCondLst>
-                                    <p:cond delay="0"/>
-                                  </p:stCondLst>
-                                  <p:childTnLst>
-                                    <p:set>
-                                      <p:cBhvr>
-                                        <p:cTn id="16" dur="1" fill="hold">
-                                          <p:stCondLst>
-                                            <p:cond delay="0"/>
-                                          </p:stCondLst>
-                                        </p:cTn>
-                                        <p:tgtEl>
-                                          <p:spTgt spid="3">
-                                            <p:txEl>
-                                              <p:pRg st="4" end="4"/>
-                                            </p:txEl>
-                                          </p:spTgt>
-                                        </p:tgtEl>
-                                        <p:attrNameLst>
-                                          <p:attrName>style.visibility</p:attrName>
-                                        </p:attrNameLst>
-                                      </p:cBhvr>
-                                      <p:to>
-                                        <p:strVal val="visible"/>
-                                      </p:to>
-                                    </p:set>
-                                  </p:childTnLst>
-                                </p:cTn>
-                              </p:par>
-                            </p:childTnLst>
-                          </p:cTn>
-                        </p:par>
-                      </p:childTnLst>
-                    </p:cTn>
-                  </p:par>
-                  <p:par>
-                    <p:cTn id="17" fill="hold">
-                      <p:stCondLst>
-                        <p:cond delay="indefinite"/>
-                      </p:stCondLst>
-                      <p:childTnLst>
-                        <p:par>
-                          <p:cTn id="18" fill="hold">
-                            <p:stCondLst>
-                              <p:cond delay="0"/>
-                            </p:stCondLst>
-                            <p:childTnLst>
-                              <p:par>
-                                <p:cTn id="19" presetID="1" presetClass="entr" presetSubtype="0" fill="hold" nodeType="clickEffect">
-                                  <p:stCondLst>
-                                    <p:cond delay="0"/>
-                                  </p:stCondLst>
-                                  <p:childTnLst>
-                                    <p:set>
-                                      <p:cBhvr>
-                                        <p:cTn id="20" dur="1" fill="hold">
-                                          <p:stCondLst>
-                                            <p:cond delay="0"/>
-                                          </p:stCondLst>
-                                        </p:cTn>
-                                        <p:tgtEl>
-                                          <p:spTgt spid="3">
-                                            <p:txEl>
-                                              <p:pRg st="5" end="5"/>
-                                            </p:txEl>
-                                          </p:spTgt>
-                                        </p:tgtEl>
-                                        <p:attrNameLst>
-                                          <p:attrName>style.visibility</p:attrName>
-                                        </p:attrNameLst>
-                                      </p:cBhvr>
-                                      <p:to>
-                                        <p:strVal val="visible"/>
-                                      </p:to>
-                                    </p:set>
-                                  </p:childTnLst>
-                                </p:cTn>
-                              </p:par>
-                            </p:childTnLst>
-                          </p:cTn>
-                        </p:par>
-                      </p:childTnLst>
-                    </p:cTn>
-                  </p:par>
-                  <p:par>
-                    <p:cTn id="21" fill="hold">
-                      <p:stCondLst>
-                        <p:cond delay="indefinite"/>
-                      </p:stCondLst>
-                      <p:childTnLst>
-                        <p:par>
-                          <p:cTn id="22" fill="hold">
-                            <p:stCondLst>
-                              <p:cond delay="0"/>
-                            </p:stCondLst>
-                            <p:childTnLst>
-                              <p:par>
-                                <p:cTn id="23" presetID="1" presetClass="entr" presetSubtype="0" fill="hold" nodeType="clickEffect">
-                                  <p:stCondLst>
-                                    <p:cond delay="0"/>
-                                  </p:stCondLst>
-                                  <p:childTnLst>
-                                    <p:set>
-                                      <p:cBhvr>
-                                        <p:cTn id="24" dur="1" fill="hold">
-                                          <p:stCondLst>
-                                            <p:cond delay="0"/>
-                                          </p:stCondLst>
-                                        </p:cTn>
-                                        <p:tgtEl>
-                                          <p:spTgt spid="3">
-                                            <p:txEl>
-                                              <p:pRg st="6" end="6"/>
-                                            </p:txEl>
-                                          </p:spTgt>
-                                        </p:tgtEl>
-                                        <p:attrNameLst>
-                                          <p:attrName>style.visibility</p:attrName>
-                                        </p:attrNameLst>
-                                      </p:cBhvr>
-                                      <p:to>
-                                        <p:strVal val="visible"/>
-                                      </p:to>
-                                    </p:set>
-                                  </p:childTnLst>
-                                </p:cTn>
-                              </p:par>
-                            </p:childTnLst>
-                          </p:cTn>
-                        </p:par>
-                      </p:childTnLst>
-                    </p:cTn>
-                  </p:par>
-                </p:childTnLst>
-              </p:cTn>
-              <p:prevCondLst>
-                <p:cond evt="onPrev" delay="0">
-                  <p:tgtEl>
-                    <p:sldTgt/>
-                  </p:tgtEl>
-                </p:cond>
-              </p:prevCondLst>
-              <p:nextCondLst>
-                <p:cond evt="onNext" delay="0">
-                  <p:tgtEl>
-                    <p:sldTgt/>
-                  </p:tgtEl>
-                </p:cond>
-              </p:nextCondLst>
-            </p:seq>
-          </p:childTnLst>
-        </p:cTn>
-      </p:par>
-    </p:tnLst>
-  </p:timing>
-</p:sld>
-</file>
-
-<file path=ppt/slides/slide9.xml><?xml version="1.0" encoding="utf-8"?>
-<p:sld xmlns:a="http://schemas.openxmlformats.org/drawingml/2006/main" xmlns:r="http://schemas.openxmlformats.org/officeDocument/2006/relationships" xmlns:p="http://schemas.openxmlformats.org/presentationml/2006/main">
-  <p:cSld>
-    <p:spTree>
-      <p:nvGrpSpPr>
-        <p:cNvPr id="1" name=""/>
-        <p:cNvGrpSpPr/>
-        <p:nvPr/>
-      </p:nvGrpSpPr>
-      <p:grpSpPr>
-        <a:xfrm>
-          <a:off x="0" y="0"/>
-          <a:ext cx="0" cy="0"/>
-          <a:chOff x="0" y="0"/>
-          <a:chExt cx="0" cy="0"/>
-        </a:xfrm>
-      </p:grpSpPr>
-      <p:sp>
-        <p:nvSpPr>
-          <p:cNvPr id="2" name="Title 1">
-            <a:extLst>
-              <a:ext uri="{FF2B5EF4-FFF2-40B4-BE49-F238E27FC236}">
-                <a16:creationId xmlns:a16="http://schemas.microsoft.com/office/drawing/2014/main" id="{60A0D986-15BD-47AA-A093-39C14BD2E700}"/>
-              </a:ext>
-            </a:extLst>
-          </p:cNvPr>
-          <p:cNvSpPr>
-            <a:spLocks noGrp="1"/>
-          </p:cNvSpPr>
-          <p:nvPr>
-            <p:ph type="title"/>
-          </p:nvPr>
-        </p:nvSpPr>
-        <p:spPr/>
-        <p:txBody>
-          <a:bodyPr/>
-          <a:lstStyle/>
-          <a:p>
-            <a:r>
-              <a:rPr lang="en-US" dirty="0">
-                <a:latin typeface="Garamond" panose="02020404030301010803" pitchFamily="18" charset="0"/>
-              </a:rPr>
-              <a:t>Summary of Present Work: Adak et al.</a:t>
-            </a:r>
-            <a:endParaRPr lang="en-IN" dirty="0">
-              <a:latin typeface="Garamond" panose="02020404030301010803" pitchFamily="18" charset="0"/>
-            </a:endParaRPr>
-          </a:p>
-        </p:txBody>
-      </p:sp>
-      <p:sp>
-        <p:nvSpPr>
-          <p:cNvPr id="3" name="Content Placeholder 2">
-            <a:extLst>
-              <a:ext uri="{FF2B5EF4-FFF2-40B4-BE49-F238E27FC236}">
-                <a16:creationId xmlns:a16="http://schemas.microsoft.com/office/drawing/2014/main" id="{A4A83809-7AD3-401B-91A8-B38FDA02955B}"/>
-              </a:ext>
-            </a:extLst>
-          </p:cNvPr>
-          <p:cNvSpPr>
-            <a:spLocks noGrp="1"/>
-          </p:cNvSpPr>
-          <p:nvPr>
-            <p:ph idx="1"/>
-          </p:nvPr>
-        </p:nvSpPr>
-        <p:spPr/>
-        <p:txBody>
-          <a:bodyPr>
-            <a:normAutofit/>
-          </a:bodyPr>
-          <a:lstStyle/>
-          <a:p>
-            <a:pPr marL="0" indent="0">
-              <a:buNone/>
-            </a:pPr>
-            <a:r>
-              <a:rPr lang="en-US" b="1" dirty="0">
-                <a:latin typeface="Frank Ruhl Libre" panose="00000500000000000000" pitchFamily="2" charset="-79"/>
-                <a:cs typeface="Frank Ruhl Libre" panose="00000500000000000000" pitchFamily="2" charset="-79"/>
-              </a:rPr>
-              <a:t>Strategies</a:t>
-            </a:r>
-          </a:p>
-          <a:p>
-            <a:r>
-              <a:rPr lang="en-US" dirty="0">
-                <a:latin typeface="Frank Ruhl Libre" panose="00000500000000000000" pitchFamily="2" charset="-79"/>
-                <a:cs typeface="Frank Ruhl Libre" panose="00000500000000000000" pitchFamily="2" charset="-79"/>
-              </a:rPr>
-              <a:t>Handcrafted Feature-Based Identification/Verification</a:t>
-            </a:r>
-          </a:p>
-          <a:p>
-            <a:r>
-              <a:rPr lang="en-US" dirty="0">
-                <a:latin typeface="Frank Ruhl Libre" panose="00000500000000000000" pitchFamily="2" charset="-79"/>
-                <a:cs typeface="Frank Ruhl Libre" panose="00000500000000000000" pitchFamily="2" charset="-79"/>
-              </a:rPr>
-              <a:t>Auto-Derived Feature-Based Identification/Verification</a:t>
-            </a:r>
-          </a:p>
-          <a:p>
-            <a:endParaRPr lang="en-IN" dirty="0">
-              <a:latin typeface="Frank Ruhl Libre" panose="00000500000000000000" pitchFamily="2" charset="-79"/>
-              <a:cs typeface="Frank Ruhl Libre" panose="00000500000000000000" pitchFamily="2" charset="-79"/>
-            </a:endParaRPr>
-          </a:p>
-        </p:txBody>
-      </p:sp>
-    </p:spTree>
-    <p:extLst>
-      <p:ext uri="{BB962C8B-B14F-4D97-AF65-F5344CB8AC3E}">
-        <p14:creationId xmlns:p14="http://schemas.microsoft.com/office/powerpoint/2010/main" val="3397303208"/>
-      </p:ext>
-    </p:extLst>
-  </p:cSld>
-  <p:clrMapOvr>
-    <a:masterClrMapping/>
-  </p:clrMapOvr>
-  <p:timing>
-    <p:tnLst>
-      <p:par>
-        <p:cTn id="1" dur="indefinite" restart="never" nodeType="tmRoot">
-          <p:childTnLst>
-            <p:seq concurrent="1" nextAc="seek">
-              <p:cTn id="2" dur="indefinite" nodeType="mainSeq">
-                <p:childTnLst>
-                  <p:par>
-                    <p:cTn id="3" fill="hold">
-                      <p:stCondLst>
-                        <p:cond delay="indefinite"/>
-                        <p:cond evt="onBegin" delay="0">
-                          <p:tn val="2"/>
-                        </p:cond>
-                      </p:stCondLst>
-                      <p:childTnLst>
-                        <p:par>
-                          <p:cTn id="4" fill="hold">
-                            <p:stCondLst>
-                              <p:cond delay="0"/>
-                            </p:stCondLst>
-                            <p:childTnLst>
-                              <p:par>
-                                <p:cTn id="5" presetID="1" presetClass="entr" presetSubtype="0" fill="hold" nodeType="withEffect">
-                                  <p:stCondLst>
-                                    <p:cond delay="0"/>
-                                  </p:stCondLst>
-                                  <p:childTnLst>
-                                    <p:set>
-                                      <p:cBhvr>
-                                        <p:cTn id="6" dur="1" fill="hold">
-                                          <p:stCondLst>
-                                            <p:cond delay="0"/>
-                                          </p:stCondLst>
-                                        </p:cTn>
-                                        <p:tgtEl>
-                                          <p:spTgt spid="3">
-                                            <p:txEl>
-                                              <p:pRg st="0" end="0"/>
-                                            </p:txEl>
-                                          </p:spTgt>
-                                        </p:tgtEl>
-                                        <p:attrNameLst>
-                                          <p:attrName>style.visibility</p:attrName>
-                                        </p:attrNameLst>
-                                      </p:cBhvr>
-                                      <p:to>
-                                        <p:strVal val="visible"/>
-                                      </p:to>
-                                    </p:set>
-                                  </p:childTnLst>
-                                </p:cTn>
-                              </p:par>
-                            </p:childTnLst>
-                          </p:cTn>
-                        </p:par>
-                      </p:childTnLst>
-                    </p:cTn>
-                  </p:par>
-                  <p:par>
-                    <p:cTn id="7" fill="hold">
-                      <p:stCondLst>
-                        <p:cond delay="indefinite"/>
-                      </p:stCondLst>
-                      <p:childTnLst>
-                        <p:par>
-                          <p:cTn id="8" fill="hold">
-                            <p:stCondLst>
-                              <p:cond delay="0"/>
-                            </p:stCondLst>
-                            <p:childTnLst>
-                              <p:par>
-                                <p:cTn id="9" presetID="1" presetClass="entr" presetSubtype="0" fill="hold" nodeType="clickEffect">
-                                  <p:stCondLst>
-                                    <p:cond delay="0"/>
-                                  </p:stCondLst>
-                                  <p:childTnLst>
-                                    <p:set>
-                                      <p:cBhvr>
-                                        <p:cTn id="10" dur="1" fill="hold">
-                                          <p:stCondLst>
-                                            <p:cond delay="0"/>
-                                          </p:stCondLst>
-                                        </p:cTn>
-                                        <p:tgtEl>
-                                          <p:spTgt spid="3">
-                                            <p:txEl>
-                                              <p:pRg st="1" end="1"/>
-                                            </p:txEl>
-                                          </p:spTgt>
-                                        </p:tgtEl>
-                                        <p:attrNameLst>
-                                          <p:attrName>style.visibility</p:attrName>
-                                        </p:attrNameLst>
-                                      </p:cBhvr>
-                                      <p:to>
-                                        <p:strVal val="visible"/>
-                                      </p:to>
-                                    </p:set>
-                                  </p:childTnLst>
-                                </p:cTn>
-                              </p:par>
-                            </p:childTnLst>
-                          </p:cTn>
-                        </p:par>
-                      </p:childTnLst>
-                    </p:cTn>
-                  </p:par>
-                  <p:par>
-                    <p:cTn id="11" fill="hold">
-                      <p:stCondLst>
-                        <p:cond delay="indefinite"/>
-                      </p:stCondLst>
-                      <p:childTnLst>
-                        <p:par>
-                          <p:cTn id="12" fill="hold">
-                            <p:stCondLst>
-                              <p:cond delay="0"/>
-                            </p:stCondLst>
-                            <p:childTnLst>
-                              <p:par>
-                                <p:cTn id="13" presetID="1" presetClass="entr" presetSubtype="0" fill="hold" nodeType="clickEffect">
-                                  <p:stCondLst>
-                                    <p:cond delay="0"/>
-                                  </p:stCondLst>
-                                  <p:childTnLst>
-                                    <p:set>
-                                      <p:cBhvr>
-                                        <p:cTn id="14" dur="1" fill="hold">
-                                          <p:stCondLst>
-                                            <p:cond delay="0"/>
-                                          </p:stCondLst>
-                                        </p:cTn>
-                                        <p:tgtEl>
-                                          <p:spTgt spid="3">
-                                            <p:txEl>
-                                              <p:pRg st="2" end="2"/>
                                             </p:txEl>
                                           </p:spTgt>
                                         </p:tgtEl>

--- a/Documentation/4th Year Project Presentation.pptx
+++ b/Documentation/4th Year Project Presentation.pptx
@@ -19506,11 +19506,14 @@
           <a:p>
             <a:pPr algn="ctr"/>
             <a:r>
-              <a:rPr lang="en-IN" dirty="0">
+              <a:rPr lang="en-IN">
                 <a:latin typeface="Garamond" panose="02020404030301010803" pitchFamily="18" charset="0"/>
               </a:rPr>
-              <a:t>Le Fin</a:t>
-            </a:r>
+              <a:t>Thank You</a:t>
+            </a:r>
+            <a:endParaRPr lang="en-IN" dirty="0">
+              <a:latin typeface="Garamond" panose="02020404030301010803" pitchFamily="18" charset="0"/>
+            </a:endParaRPr>
           </a:p>
         </p:txBody>
       </p:sp>

--- a/Documentation/4th Year Project Presentation.pptx
+++ b/Documentation/4th Year Project Presentation.pptx
@@ -5,7 +5,7 @@
     <p:sldMasterId id="2147483731" r:id="rId1"/>
   </p:sldMasterIdLst>
   <p:notesMasterIdLst>
-    <p:notesMasterId r:id="rId26"/>
+    <p:notesMasterId r:id="rId27"/>
   </p:notesMasterIdLst>
   <p:sldIdLst>
     <p:sldId id="256" r:id="rId2"/>
@@ -17,21 +17,22 @@
     <p:sldId id="288" r:id="rId8"/>
     <p:sldId id="258" r:id="rId9"/>
     <p:sldId id="259" r:id="rId10"/>
-    <p:sldId id="281" r:id="rId11"/>
-    <p:sldId id="282" r:id="rId12"/>
-    <p:sldId id="283" r:id="rId13"/>
-    <p:sldId id="289" r:id="rId14"/>
-    <p:sldId id="261" r:id="rId15"/>
-    <p:sldId id="267" r:id="rId16"/>
-    <p:sldId id="262" r:id="rId17"/>
-    <p:sldId id="268" r:id="rId18"/>
-    <p:sldId id="290" r:id="rId19"/>
-    <p:sldId id="278" r:id="rId20"/>
-    <p:sldId id="279" r:id="rId21"/>
-    <p:sldId id="270" r:id="rId22"/>
-    <p:sldId id="280" r:id="rId23"/>
-    <p:sldId id="263" r:id="rId24"/>
-    <p:sldId id="285" r:id="rId25"/>
+    <p:sldId id="283" r:id="rId11"/>
+    <p:sldId id="289" r:id="rId12"/>
+    <p:sldId id="261" r:id="rId13"/>
+    <p:sldId id="267" r:id="rId14"/>
+    <p:sldId id="291" r:id="rId15"/>
+    <p:sldId id="262" r:id="rId16"/>
+    <p:sldId id="268" r:id="rId17"/>
+    <p:sldId id="290" r:id="rId18"/>
+    <p:sldId id="278" r:id="rId19"/>
+    <p:sldId id="279" r:id="rId20"/>
+    <p:sldId id="270" r:id="rId21"/>
+    <p:sldId id="280" r:id="rId22"/>
+    <p:sldId id="263" r:id="rId23"/>
+    <p:sldId id="292" r:id="rId24"/>
+    <p:sldId id="293" r:id="rId25"/>
+    <p:sldId id="285" r:id="rId26"/>
   </p:sldIdLst>
   <p:sldSz cx="12192000" cy="6858000"/>
   <p:notesSz cx="6858000" cy="9144000"/>
@@ -8391,12 +8392,6 @@
           <a:bodyPr/>
           <a:lstStyle/>
           <a:p>
-            <a:r>
-              <a:rPr lang="en-US" dirty="0"/>
-              <a:t>Now, while VGG16 is highly accurate and hence very popular for image recognition, it has a couple of unfortunate drawbacks.</a:t>
-            </a:r>
-          </a:p>
-          <a:p>
             <a:pPr marL="0" marR="0" lvl="0" indent="0" algn="l" defTabSz="914400" rtl="0" eaLnBrk="1" fontAlgn="auto" latinLnBrk="0" hangingPunct="1">
               <a:lnSpc>
                 <a:spcPct val="100000"/>
@@ -8415,16 +8410,12 @@
               <a:defRPr/>
             </a:pPr>
             <a:r>
-              <a:rPr lang="en-US" dirty="0"/>
-              <a:t># </a:t>
-            </a:r>
-            <a:r>
-              <a:rPr lang="en-IN" sz="1800" dirty="0">
+              <a:rPr lang="en-IN" sz="1200" dirty="0">
                 <a:effectLst/>
                 <a:latin typeface="Times New Roman" panose="02020603050405020304" pitchFamily="18" charset="0"/>
                 <a:ea typeface="Times New Roman" panose="02020603050405020304" pitchFamily="18" charset="0"/>
               </a:rPr>
-              <a:t>The model is very slow to train. The original VGG model was trained for 2 to 3 weeks on an NVidia Titan GPU.</a:t>
+              <a:t>Now, I’ll hand over control to Soumya. He will discuss more on the model’s architecture, extracting features and what we will have to do after this.</a:t>
             </a:r>
           </a:p>
           <a:p>
@@ -8446,64 +8437,13 @@
               <a:defRPr/>
             </a:pPr>
             <a:r>
-              <a:rPr lang="en-IN" sz="1800" dirty="0">
-                <a:effectLst/>
-                <a:latin typeface="Times New Roman" panose="02020603050405020304" pitchFamily="18" charset="0"/>
-                <a:ea typeface="Times New Roman" panose="02020603050405020304" pitchFamily="18" charset="0"/>
-              </a:rPr>
-              <a:t># The model also has very big weights. The size of VGG16 trained ImageNet weights is five hundred and twenty eight MB. So, it takes quite a lot of disk space and bandwidth that makes it inefficient with respect to space.</a:t>
-            </a:r>
-          </a:p>
-          <a:p>
-            <a:pPr marL="0" marR="0" lvl="0" indent="0" algn="l" defTabSz="914400" rtl="0" eaLnBrk="1" fontAlgn="auto" latinLnBrk="0" hangingPunct="1">
-              <a:lnSpc>
-                <a:spcPct val="100000"/>
-              </a:lnSpc>
-              <a:spcBef>
-                <a:spcPts val="0"/>
-              </a:spcBef>
-              <a:spcAft>
-                <a:spcPts val="0"/>
-              </a:spcAft>
-              <a:buClrTx/>
-              <a:buSzTx/>
-              <a:buFontTx/>
-              <a:buNone/>
-              <a:tabLst/>
-              <a:defRPr/>
-            </a:pPr>
-            <a:r>
-              <a:rPr lang="en-IN" sz="1800" dirty="0">
+              <a:rPr lang="en-IN" sz="1200" dirty="0">
                 <a:effectLst/>
                 <a:latin typeface="Times New Roman" panose="02020603050405020304" pitchFamily="18" charset="0"/>
                 <a:ea typeface="Times New Roman" panose="02020603050405020304" pitchFamily="18" charset="0"/>
               </a:rPr>
               <a:t>#</a:t>
             </a:r>
-          </a:p>
-          <a:p>
-            <a:pPr marL="0" marR="0" lvl="0" indent="0" algn="l" defTabSz="914400" rtl="0" eaLnBrk="1" fontAlgn="auto" latinLnBrk="0" hangingPunct="1">
-              <a:lnSpc>
-                <a:spcPct val="100000"/>
-              </a:lnSpc>
-              <a:spcBef>
-                <a:spcPts val="0"/>
-              </a:spcBef>
-              <a:spcAft>
-                <a:spcPts val="0"/>
-              </a:spcAft>
-              <a:buClrTx/>
-              <a:buSzTx/>
-              <a:buFontTx/>
-              <a:buNone/>
-              <a:tabLst/>
-              <a:defRPr/>
-            </a:pPr>
-            <a:endParaRPr lang="en-IN" sz="1800" dirty="0">
-              <a:effectLst/>
-              <a:latin typeface="Times New Roman" panose="02020603050405020304" pitchFamily="18" charset="0"/>
-              <a:ea typeface="Times New Roman" panose="02020603050405020304" pitchFamily="18" charset="0"/>
-            </a:endParaRPr>
           </a:p>
           <a:p>
             <a:endParaRPr lang="en-IN" dirty="0"/>
@@ -8536,7 +8476,7 @@
     </p:spTree>
     <p:extLst>
       <p:ext uri="{BB962C8B-B14F-4D97-AF65-F5344CB8AC3E}">
-        <p14:creationId xmlns:p14="http://schemas.microsoft.com/office/powerpoint/2010/main" val="654931584"/>
+        <p14:creationId xmlns:p14="http://schemas.microsoft.com/office/powerpoint/2010/main" val="1259981314"/>
       </p:ext>
     </p:extLst>
   </p:cSld>
@@ -8590,60 +8530,6 @@
           <a:bodyPr/>
           <a:lstStyle/>
           <a:p>
-            <a:pPr marL="0" marR="0" lvl="0" indent="0" algn="l" defTabSz="914400" rtl="0" eaLnBrk="1" fontAlgn="auto" latinLnBrk="0" hangingPunct="1">
-              <a:lnSpc>
-                <a:spcPct val="100000"/>
-              </a:lnSpc>
-              <a:spcBef>
-                <a:spcPts val="0"/>
-              </a:spcBef>
-              <a:spcAft>
-                <a:spcPts val="0"/>
-              </a:spcAft>
-              <a:buClrTx/>
-              <a:buSzTx/>
-              <a:buFontTx/>
-              <a:buNone/>
-              <a:tabLst/>
-              <a:defRPr/>
-            </a:pPr>
-            <a:r>
-              <a:rPr lang="en-IN" sz="1200" dirty="0">
-                <a:effectLst/>
-                <a:latin typeface="Times New Roman" panose="02020603050405020304" pitchFamily="18" charset="0"/>
-                <a:ea typeface="Times New Roman" panose="02020603050405020304" pitchFamily="18" charset="0"/>
-              </a:rPr>
-              <a:t>Now, I’ll hand over control to Soumya. He will discuss more on the model’s architecture, extracting features and what we will have to do after this.</a:t>
-            </a:r>
-          </a:p>
-          <a:p>
-            <a:pPr marL="0" marR="0" lvl="0" indent="0" algn="l" defTabSz="914400" rtl="0" eaLnBrk="1" fontAlgn="auto" latinLnBrk="0" hangingPunct="1">
-              <a:lnSpc>
-                <a:spcPct val="100000"/>
-              </a:lnSpc>
-              <a:spcBef>
-                <a:spcPts val="0"/>
-              </a:spcBef>
-              <a:spcAft>
-                <a:spcPts val="0"/>
-              </a:spcAft>
-              <a:buClrTx/>
-              <a:buSzTx/>
-              <a:buFontTx/>
-              <a:buNone/>
-              <a:tabLst/>
-              <a:defRPr/>
-            </a:pPr>
-            <a:r>
-              <a:rPr lang="en-IN" sz="1200" dirty="0">
-                <a:effectLst/>
-                <a:latin typeface="Times New Roman" panose="02020603050405020304" pitchFamily="18" charset="0"/>
-                <a:ea typeface="Times New Roman" panose="02020603050405020304" pitchFamily="18" charset="0"/>
-              </a:rPr>
-              <a:t>#</a:t>
-            </a:r>
-          </a:p>
-          <a:p>
             <a:endParaRPr lang="en-IN" dirty="0"/>
           </a:p>
         </p:txBody>
@@ -8674,7 +8560,7 @@
     </p:spTree>
     <p:extLst>
       <p:ext uri="{BB962C8B-B14F-4D97-AF65-F5344CB8AC3E}">
-        <p14:creationId xmlns:p14="http://schemas.microsoft.com/office/powerpoint/2010/main" val="1259981314"/>
+        <p14:creationId xmlns:p14="http://schemas.microsoft.com/office/powerpoint/2010/main" val="1666022349"/>
       </p:ext>
     </p:extLst>
   </p:cSld>
@@ -8749,7 +8635,7 @@
           <a:p>
             <a:fld id="{E0460530-21AB-4667-8DDF-0CFD1A19A456}" type="slidenum">
               <a:rPr lang="en-IN" smtClean="0"/>
-              <a:t>19</a:t>
+              <a:t>20</a:t>
             </a:fld>
             <a:endParaRPr lang="en-IN"/>
           </a:p>
@@ -8758,7 +8644,7 @@
     </p:spTree>
     <p:extLst>
       <p:ext uri="{BB962C8B-B14F-4D97-AF65-F5344CB8AC3E}">
-        <p14:creationId xmlns:p14="http://schemas.microsoft.com/office/powerpoint/2010/main" val="1666022349"/>
+        <p14:creationId xmlns:p14="http://schemas.microsoft.com/office/powerpoint/2010/main" val="2003245128"/>
       </p:ext>
     </p:extLst>
   </p:cSld>
@@ -8833,91 +8719,7 @@
           <a:p>
             <a:fld id="{E0460530-21AB-4667-8DDF-0CFD1A19A456}" type="slidenum">
               <a:rPr lang="en-IN" smtClean="0"/>
-              <a:t>21</a:t>
-            </a:fld>
-            <a:endParaRPr lang="en-IN"/>
-          </a:p>
-        </p:txBody>
-      </p:sp>
-    </p:spTree>
-    <p:extLst>
-      <p:ext uri="{BB962C8B-B14F-4D97-AF65-F5344CB8AC3E}">
-        <p14:creationId xmlns:p14="http://schemas.microsoft.com/office/powerpoint/2010/main" val="2003245128"/>
-      </p:ext>
-    </p:extLst>
-  </p:cSld>
-  <p:clrMapOvr>
-    <a:masterClrMapping/>
-  </p:clrMapOvr>
-</p:notes>
-</file>
-
-<file path=ppt/notesSlides/notesSlide14.xml><?xml version="1.0" encoding="utf-8"?>
-<p:notes xmlns:a="http://schemas.openxmlformats.org/drawingml/2006/main" xmlns:r="http://schemas.openxmlformats.org/officeDocument/2006/relationships" xmlns:p="http://schemas.openxmlformats.org/presentationml/2006/main">
-  <p:cSld>
-    <p:spTree>
-      <p:nvGrpSpPr>
-        <p:cNvPr id="1" name=""/>
-        <p:cNvGrpSpPr/>
-        <p:nvPr/>
-      </p:nvGrpSpPr>
-      <p:grpSpPr>
-        <a:xfrm>
-          <a:off x="0" y="0"/>
-          <a:ext cx="0" cy="0"/>
-          <a:chOff x="0" y="0"/>
-          <a:chExt cx="0" cy="0"/>
-        </a:xfrm>
-      </p:grpSpPr>
-      <p:sp>
-        <p:nvSpPr>
-          <p:cNvPr id="2" name="Slide Image Placeholder 1"/>
-          <p:cNvSpPr>
-            <a:spLocks noGrp="1" noRot="1" noChangeAspect="1"/>
-          </p:cNvSpPr>
-          <p:nvPr>
-            <p:ph type="sldImg"/>
-          </p:nvPr>
-        </p:nvSpPr>
-        <p:spPr/>
-      </p:sp>
-      <p:sp>
-        <p:nvSpPr>
-          <p:cNvPr id="3" name="Notes Placeholder 2"/>
-          <p:cNvSpPr>
-            <a:spLocks noGrp="1"/>
-          </p:cNvSpPr>
-          <p:nvPr>
-            <p:ph type="body" idx="1"/>
-          </p:nvPr>
-        </p:nvSpPr>
-        <p:spPr/>
-        <p:txBody>
-          <a:bodyPr/>
-          <a:lstStyle/>
-          <a:p>
-            <a:endParaRPr lang="en-IN" dirty="0"/>
-          </a:p>
-        </p:txBody>
-      </p:sp>
-      <p:sp>
-        <p:nvSpPr>
-          <p:cNvPr id="4" name="Slide Number Placeholder 3"/>
-          <p:cNvSpPr>
-            <a:spLocks noGrp="1"/>
-          </p:cNvSpPr>
-          <p:nvPr>
-            <p:ph type="sldNum" sz="quarter" idx="5"/>
-          </p:nvPr>
-        </p:nvSpPr>
-        <p:spPr/>
-        <p:txBody>
-          <a:bodyPr/>
-          <a:lstStyle/>
-          <a:p>
-            <a:fld id="{E0460530-21AB-4667-8DDF-0CFD1A19A456}" type="slidenum">
-              <a:rPr lang="en-IN" smtClean="0"/>
-              <a:t>23</a:t>
+              <a:t>22</a:t>
             </a:fld>
             <a:endParaRPr lang="en-IN"/>
           </a:p>
@@ -9110,48 +8912,64 @@
           <a:p>
             <a:r>
               <a:rPr lang="en-US" dirty="0"/>
-              <a:t>#</a:t>
+              <a:t>#Lastly I would like to mention our contributions to the present work:</a:t>
             </a:r>
           </a:p>
           <a:p>
             <a:r>
               <a:rPr lang="en-US" dirty="0"/>
-              <a:t>#Here, two offline Bangla intra-variable handwriting databases from two different sets of 100 writers are used:</a:t>
+              <a:t>-Here we are taking two samples of writings from unknown authors and check weather they are matching or not.</a:t>
             </a:r>
           </a:p>
           <a:p>
             <a:r>
               <a:rPr lang="en-US" dirty="0"/>
-              <a:t>-One is Controlled</a:t>
-            </a:r>
-          </a:p>
-          <a:p>
+              <a:t>-While Adak et </a:t>
+            </a:r>
+            <a:r>
+              <a:rPr lang="en-US" dirty="0" err="1"/>
+              <a:t>al’s</a:t>
+            </a:r>
             <a:r>
               <a:rPr lang="en-US" dirty="0"/>
-              <a:t>-Another is Uncontrolled</a:t>
-            </a:r>
-            <a:br>
+              <a:t> work used character and stroke level feature, we used word level feature for writer verification</a:t>
+            </a:r>
+          </a:p>
+          <a:p>
+            <a:r>
               <a:rPr lang="en-US" dirty="0"/>
-            </a:br>
-            <a:br>
+              <a:t>-Adding to Adak et </a:t>
+            </a:r>
+            <a:r>
+              <a:rPr lang="en-US" dirty="0" err="1"/>
+              <a:t>al’s</a:t>
+            </a:r>
+            <a:r>
               <a:rPr lang="en-US" dirty="0"/>
-            </a:br>
+              <a:t> work, we would be measuring the percentage of similarity between the two samples.</a:t>
+            </a:r>
+          </a:p>
+          <a:p>
             <a:r>
               <a:rPr lang="en-US" dirty="0"/>
-              <a:t>#This article have two major tasks:</a:t>
-            </a:r>
+              <a:t>-We have been provided with an unique dataset which contains writings from 121 volunteers, by our mentors.</a:t>
+            </a:r>
+          </a:p>
+          <a:p>
+            <a:endParaRPr lang="en-US" dirty="0"/>
           </a:p>
           <a:p>
             <a:r>
               <a:rPr lang="en-US" dirty="0"/>
-              <a:t>-Writer Identification: where multi-class classification was used and the task was to assign writer id to the unknown handwritten specimens. </a:t>
-            </a:r>
-            <a:br>
+              <a:t>That’s my time, now I will hand over the control to </a:t>
+            </a:r>
+            <a:r>
+              <a:rPr lang="en-US" dirty="0" err="1"/>
+              <a:t>Souporno</a:t>
+            </a:r>
+            <a:r>
               <a:rPr lang="en-US" dirty="0"/>
-            </a:br>
-            <a:r>
-              <a:rPr lang="en-US" dirty="0"/>
-              <a:t>-next task is Writer Verification: a binary classification was used where the task is to answer “yes” or “no” to the handwritten samples. </a:t>
+              <a:t> Ghosh and he will discuss more about Collection of Data Set</a:t>
             </a:r>
             <a:endParaRPr lang="en-IN" dirty="0"/>
           </a:p>
@@ -9183,7 +9001,7 @@
     </p:spTree>
     <p:extLst>
       <p:ext uri="{BB962C8B-B14F-4D97-AF65-F5344CB8AC3E}">
-        <p14:creationId xmlns:p14="http://schemas.microsoft.com/office/powerpoint/2010/main" val="1763261037"/>
+        <p14:creationId xmlns:p14="http://schemas.microsoft.com/office/powerpoint/2010/main" val="3878524442"/>
       </p:ext>
     </p:extLst>
   </p:cSld>
@@ -9238,26 +9056,20 @@
           <a:lstStyle/>
           <a:p>
             <a:r>
+              <a:rPr lang="en-IN" dirty="0"/>
+              <a:t>Souporno:</a:t>
+            </a:r>
+          </a:p>
+          <a:p>
+            <a:r>
               <a:rPr lang="en-US" dirty="0"/>
-              <a:t>#Coming to the strategies used by Adak et al</a:t>
+              <a:t>Good afternoon. Thank you, Rahul. I am Souporno and I will take over from here. As Rahul Mentioned, I’ll take a little about the dataset and a little about the VGG16 model.</a:t>
             </a:r>
           </a:p>
           <a:p>
             <a:r>
               <a:rPr lang="en-US" dirty="0"/>
-              <a:t>#Both writer identification and writer verification were tried out with two methods:</a:t>
-            </a:r>
-          </a:p>
-          <a:p>
-            <a:r>
-              <a:rPr lang="en-US" dirty="0"/>
-              <a:t>-Handcrafted Feature-Based Identification which is done using various processes</a:t>
-            </a:r>
-          </a:p>
-          <a:p>
-            <a:r>
-              <a:rPr lang="en-US" dirty="0"/>
-              <a:t>-Next, Auto-Derived Feature-Based Identification where many models are used including VGG16, which we have used in our project.</a:t>
+              <a:t>#</a:t>
             </a:r>
             <a:endParaRPr lang="en-IN" dirty="0"/>
           </a:p>
@@ -9270,7 +9082,7 @@
             <a:spLocks noGrp="1"/>
           </p:cNvSpPr>
           <p:nvPr>
-            <p:ph type="sldNum" sz="quarter" idx="10"/>
+            <p:ph type="sldNum" sz="quarter" idx="5"/>
           </p:nvPr>
         </p:nvSpPr>
         <p:spPr/>
@@ -9289,7 +9101,7 @@
     </p:spTree>
     <p:extLst>
       <p:ext uri="{BB962C8B-B14F-4D97-AF65-F5344CB8AC3E}">
-        <p14:creationId xmlns:p14="http://schemas.microsoft.com/office/powerpoint/2010/main" val="1945181403"/>
+        <p14:creationId xmlns:p14="http://schemas.microsoft.com/office/powerpoint/2010/main" val="2970683661"/>
       </p:ext>
     </p:extLst>
   </p:cSld>
@@ -9345,52 +9157,44 @@
           <a:p>
             <a:r>
               <a:rPr lang="en-US" dirty="0"/>
-              <a:t>#Lastly I would like to mention our contributions to the present work:</a:t>
+              <a:t>So, the dataset we used was provided to us by our project supervisor. </a:t>
             </a:r>
           </a:p>
           <a:p>
             <a:r>
               <a:rPr lang="en-US" dirty="0"/>
-              <a:t>-Here we are taking two samples of writings from unknown authors and check weather they are matching or not.</a:t>
+              <a:t># The original Dataset had 121 volunteers. </a:t>
             </a:r>
           </a:p>
           <a:p>
             <a:r>
               <a:rPr lang="en-US" dirty="0"/>
-              <a:t>-Unlike Adak et </a:t>
-            </a:r>
-            <a:r>
-              <a:rPr lang="en-US" dirty="0" err="1"/>
-              <a:t>al’s</a:t>
-            </a:r>
+              <a:t># There were 3 languages: English, Hindi and Bangla. </a:t>
+            </a:r>
+          </a:p>
+          <a:p>
             <a:r>
               <a:rPr lang="en-US" dirty="0"/>
-              <a:t> work, we would be measuring the percentage of similarity between the two samples.</a:t>
+              <a:t># The dataset contains handwritten passages. </a:t>
             </a:r>
           </a:p>
           <a:p>
             <a:r>
               <a:rPr lang="en-US" dirty="0"/>
-              <a:t>-We have been provided with an unique dataset which contains writings from 121 volunteers, by our mentors.</a:t>
-            </a:r>
-          </a:p>
-          <a:p>
-            <a:endParaRPr lang="en-US" dirty="0"/>
-          </a:p>
-          <a:p>
-            <a:r>
-              <a:rPr lang="en-US" dirty="0"/>
-              <a:t>That’s my time, now I will hand over the control to </a:t>
-            </a:r>
-            <a:r>
-              <a:rPr lang="en-US" dirty="0" err="1"/>
-              <a:t>Souporno</a:t>
-            </a:r>
-            <a:r>
-              <a:rPr lang="en-US" dirty="0"/>
-              <a:t> Ghosh and he will discuss more about Collection of Data Set</a:t>
-            </a:r>
-            <a:endParaRPr lang="en-IN" dirty="0"/>
+              <a:t># The passages were then scanned into digital images.</a:t>
+            </a:r>
+          </a:p>
+          <a:p>
+            <a:r>
+              <a:rPr lang="en-IN" dirty="0"/>
+              <a:t># For our project, we will be working on Bangla text only.</a:t>
+            </a:r>
+          </a:p>
+          <a:p>
+            <a:r>
+              <a:rPr lang="en-IN" dirty="0"/>
+              <a:t>#</a:t>
+            </a:r>
           </a:p>
         </p:txBody>
       </p:sp>
@@ -9401,7 +9205,7 @@
             <a:spLocks noGrp="1"/>
           </p:cNvSpPr>
           <p:nvPr>
-            <p:ph type="sldNum" sz="quarter" idx="10"/>
+            <p:ph type="sldNum" sz="quarter" idx="5"/>
           </p:nvPr>
         </p:nvSpPr>
         <p:spPr/>
@@ -9420,7 +9224,7 @@
     </p:spTree>
     <p:extLst>
       <p:ext uri="{BB962C8B-B14F-4D97-AF65-F5344CB8AC3E}">
-        <p14:creationId xmlns:p14="http://schemas.microsoft.com/office/powerpoint/2010/main" val="3878524442"/>
+        <p14:creationId xmlns:p14="http://schemas.microsoft.com/office/powerpoint/2010/main" val="202743528"/>
       </p:ext>
     </p:extLst>
   </p:cSld>
@@ -9475,14 +9279,108 @@
           <a:lstStyle/>
           <a:p>
             <a:r>
-              <a:rPr lang="en-IN" dirty="0"/>
-              <a:t>Souporno:</a:t>
-            </a:r>
-          </a:p>
-          <a:p>
-            <a:r>
               <a:rPr lang="en-US" dirty="0"/>
-              <a:t>Good afternoon. I am Souporno and I will take over from here. As Rahul Mentioned, I’ll take a little about the dataset and a little about the VGG16 model.</a:t>
+              <a:t>Now, before the data can be processed, it needs to be prepared.</a:t>
+            </a:r>
+          </a:p>
+          <a:p>
+            <a:r>
+              <a:rPr lang="en-US" dirty="0"/>
+              <a:t># The images were segmented into word sized images. Segmentation was done as a final year project by Mondal et al in 2020 in the project titled “</a:t>
+            </a:r>
+            <a:r>
+              <a:rPr lang="en-US" sz="1800" dirty="0">
+                <a:effectLst/>
+                <a:latin typeface="Times New Roman" panose="02020603050405020304" pitchFamily="18" charset="0"/>
+                <a:ea typeface="Times New Roman" panose="02020603050405020304" pitchFamily="18" charset="0"/>
+              </a:rPr>
+              <a:t>Preprocess the handwritten document image for preparing writer recognition</a:t>
+            </a:r>
+            <a:r>
+              <a:rPr lang="en-US" dirty="0"/>
+              <a:t>”. </a:t>
+            </a:r>
+          </a:p>
+          <a:p>
+            <a:r>
+              <a:rPr lang="en-US" dirty="0"/>
+              <a:t>[Noise Removal: Gaussian Blur and </a:t>
+            </a:r>
+            <a:r>
+              <a:rPr lang="en-IN" noProof="0" dirty="0"/>
+              <a:t>Normalisation</a:t>
+            </a:r>
+            <a:r>
+              <a:rPr lang="en-US" dirty="0"/>
+              <a:t> -&gt; Paragraph Separation: Rectangular Structural Element Filtering -&gt; Word Cropping: Anisotropic filter]</a:t>
+            </a:r>
+          </a:p>
+          <a:p>
+            <a:r>
+              <a:rPr lang="en-US" dirty="0"/>
+              <a:t>[]</a:t>
+            </a:r>
+          </a:p>
+          <a:p>
+            <a:endParaRPr lang="en-US" dirty="0"/>
+          </a:p>
+          <a:p>
+            <a:r>
+              <a:rPr lang="en-US" dirty="0"/>
+              <a:t># The segmented images were then organized into folders in the following way.</a:t>
+            </a:r>
+          </a:p>
+          <a:p>
+            <a:endParaRPr lang="en-US" dirty="0"/>
+          </a:p>
+          <a:p>
+            <a:r>
+              <a:rPr lang="en-US" dirty="0"/>
+              <a:t># Every </a:t>
+            </a:r>
+            <a:r>
+              <a:rPr lang="en-US" dirty="0" err="1"/>
+              <a:t>DataSet</a:t>
+            </a:r>
+            <a:r>
+              <a:rPr lang="en-US" dirty="0"/>
+              <a:t> has 20 folders. </a:t>
+            </a:r>
+          </a:p>
+          <a:p>
+            <a:r>
+              <a:rPr lang="en-US" dirty="0"/>
+              <a:t># Every folder has data for a pair of authors. </a:t>
+            </a:r>
+          </a:p>
+          <a:p>
+            <a:r>
+              <a:rPr lang="en-US" dirty="0"/>
+              <a:t># There are five sets of data for each of the author pairs.</a:t>
+            </a:r>
+          </a:p>
+          <a:p>
+            <a:r>
+              <a:rPr lang="en-US" dirty="0"/>
+              <a:t># The five sets are divided into three training sets and two testing sets.</a:t>
+            </a:r>
+          </a:p>
+          <a:p>
+            <a:r>
+              <a:rPr lang="en-US" dirty="0"/>
+              <a:t># The images are stored as dot tiff files, that is Tag Image File Format.</a:t>
+            </a:r>
+          </a:p>
+          <a:p>
+            <a:r>
+              <a:rPr lang="en-US" dirty="0"/>
+              <a:t># The format of labels of images is Author Code underscore Set Number underscore Image Number. So the first image of the first set of the first author number is labeled as 0000_01_0.tiff.</a:t>
+            </a:r>
+          </a:p>
+          <a:p>
+            <a:r>
+              <a:rPr lang="en-US" dirty="0"/>
+              <a:t># There are five data sets in total.</a:t>
             </a:r>
           </a:p>
           <a:p>
@@ -9490,6 +9388,11 @@
               <a:rPr lang="en-US" dirty="0"/>
               <a:t>#</a:t>
             </a:r>
+          </a:p>
+          <a:p>
+            <a:endParaRPr lang="en-IN" dirty="0"/>
+          </a:p>
+          <a:p>
             <a:endParaRPr lang="en-IN" dirty="0"/>
           </a:p>
         </p:txBody>
@@ -9520,7 +9423,7 @@
     </p:spTree>
     <p:extLst>
       <p:ext uri="{BB962C8B-B14F-4D97-AF65-F5344CB8AC3E}">
-        <p14:creationId xmlns:p14="http://schemas.microsoft.com/office/powerpoint/2010/main" val="2970683661"/>
+        <p14:creationId xmlns:p14="http://schemas.microsoft.com/office/powerpoint/2010/main" val="3973513208"/>
       </p:ext>
     </p:extLst>
   </p:cSld>
@@ -9575,38 +9478,38 @@
           <a:lstStyle/>
           <a:p>
             <a:r>
+              <a:rPr lang="en-IN" dirty="0"/>
+              <a:t>This is an example of what the segmented image looks like.</a:t>
+            </a:r>
+          </a:p>
+          <a:p>
+            <a:r>
+              <a:rPr lang="en-IN" dirty="0"/>
+              <a:t># This is the image labelled 0000_01_0.tiff that I mentioned earlier, that is this is actually the </a:t>
+            </a:r>
+            <a:r>
               <a:rPr lang="en-US" dirty="0"/>
-              <a:t>So, the dataset we used was provided to us by our project supervisor. </a:t>
-            </a:r>
-          </a:p>
-          <a:p>
-            <a:r>
-              <a:rPr lang="en-US" dirty="0"/>
-              <a:t># The original Dataset had 121 volunteers. </a:t>
-            </a:r>
-          </a:p>
-          <a:p>
-            <a:r>
-              <a:rPr lang="en-US" dirty="0"/>
-              <a:t># There were 3 languages: English, Hindi and Bangla. </a:t>
-            </a:r>
-          </a:p>
-          <a:p>
-            <a:r>
-              <a:rPr lang="en-US" dirty="0"/>
-              <a:t># The dataset contains handwritten passages. </a:t>
-            </a:r>
-          </a:p>
-          <a:p>
-            <a:r>
-              <a:rPr lang="en-US" dirty="0"/>
-              <a:t># The passages were then scanned into digital images.</a:t>
-            </a:r>
-          </a:p>
-          <a:p>
+              <a:t>first image of the first set of the first author number</a:t>
+            </a:r>
             <a:r>
               <a:rPr lang="en-IN" dirty="0"/>
-              <a:t># For our project, we will be working on Bangla text only.</a:t>
+              <a:t>. Fun fact: It says ”</a:t>
+            </a:r>
+            <a:r>
+              <a:rPr lang="en-IN" dirty="0" err="1"/>
+              <a:t>ekti</a:t>
+            </a:r>
+            <a:r>
+              <a:rPr lang="en-IN" dirty="0"/>
+              <a:t> </a:t>
+            </a:r>
+            <a:r>
+              <a:rPr lang="en-IN" dirty="0" err="1"/>
+              <a:t>shohore</a:t>
+            </a:r>
+            <a:r>
+              <a:rPr lang="en-IN" dirty="0"/>
+              <a:t>”, which means “In a city” in Bangla.</a:t>
             </a:r>
           </a:p>
           <a:p>
@@ -9643,7 +9546,7 @@
     </p:spTree>
     <p:extLst>
       <p:ext uri="{BB962C8B-B14F-4D97-AF65-F5344CB8AC3E}">
-        <p14:creationId xmlns:p14="http://schemas.microsoft.com/office/powerpoint/2010/main" val="202743528"/>
+        <p14:creationId xmlns:p14="http://schemas.microsoft.com/office/powerpoint/2010/main" val="1801472914"/>
       </p:ext>
     </p:extLst>
   </p:cSld>
@@ -9698,115 +9601,174 @@
           <a:lstStyle/>
           <a:p>
             <a:r>
-              <a:rPr lang="en-US" dirty="0"/>
-              <a:t>Now, before the data can be processed, it needs to be prepared.</a:t>
-            </a:r>
-          </a:p>
-          <a:p>
-            <a:r>
-              <a:rPr lang="en-US" dirty="0"/>
-              <a:t># The images were segmented into word sized images. Segmentation was done as a final year project by Mondal et al in 2020 in the project titled “</a:t>
-            </a:r>
-            <a:r>
-              <a:rPr lang="en-US" sz="1800" dirty="0">
+              <a:rPr lang="en-IN" dirty="0"/>
+              <a:t>Now we shall talk about VGG16, since it is the primary neural network model that we will be using in our project.</a:t>
+            </a:r>
+          </a:p>
+          <a:p>
+            <a:r>
+              <a:rPr lang="en-IN" dirty="0"/>
+              <a:t># The VGG16 model was first proposed by </a:t>
+            </a:r>
+            <a:r>
+              <a:rPr lang="en-IN" sz="1800" dirty="0">
                 <a:effectLst/>
                 <a:latin typeface="Times New Roman" panose="02020603050405020304" pitchFamily="18" charset="0"/>
                 <a:ea typeface="Times New Roman" panose="02020603050405020304" pitchFamily="18" charset="0"/>
               </a:rPr>
-              <a:t>Preprocess the handwritten document image for preparing writer recognition</a:t>
-            </a:r>
-            <a:r>
-              <a:rPr lang="en-US" dirty="0"/>
-              <a:t>”. </a:t>
-            </a:r>
-          </a:p>
-          <a:p>
-            <a:r>
-              <a:rPr lang="en-US" dirty="0"/>
-              <a:t>[Noise Removal: Gaussian Blur and </a:t>
-            </a:r>
-            <a:r>
-              <a:rPr lang="en-IN" noProof="0" dirty="0"/>
-              <a:t>Normalisation</a:t>
-            </a:r>
-            <a:r>
-              <a:rPr lang="en-US" dirty="0"/>
-              <a:t> -&gt; Paragraph Separation: Rectangular Structural Element Filtering -&gt; Word Cropping: Anisotropic filter]</a:t>
-            </a:r>
-          </a:p>
-          <a:p>
-            <a:endParaRPr lang="en-US" dirty="0"/>
-          </a:p>
-          <a:p>
-            <a:r>
-              <a:rPr lang="en-US" dirty="0"/>
-              <a:t># The segmented images were then organized into folders in the following way.</a:t>
-            </a:r>
-          </a:p>
-          <a:p>
-            <a:endParaRPr lang="en-US" dirty="0"/>
-          </a:p>
-          <a:p>
-            <a:r>
-              <a:rPr lang="en-US" dirty="0"/>
-              <a:t># Every </a:t>
-            </a:r>
-            <a:r>
-              <a:rPr lang="en-US" dirty="0" err="1"/>
-              <a:t>DataSet</a:t>
-            </a:r>
-            <a:r>
-              <a:rPr lang="en-US" dirty="0"/>
-              <a:t> has 20 folders. </a:t>
-            </a:r>
-          </a:p>
-          <a:p>
-            <a:r>
-              <a:rPr lang="en-US" dirty="0"/>
-              <a:t># Every folder has data for a pair of authors. </a:t>
-            </a:r>
-          </a:p>
-          <a:p>
-            <a:r>
-              <a:rPr lang="en-US" dirty="0"/>
-              <a:t># There are five sets of data for each of the author pairs.</a:t>
-            </a:r>
-          </a:p>
-          <a:p>
-            <a:r>
-              <a:rPr lang="en-US" dirty="0"/>
-              <a:t># The five sets are divided into three training sets and two testing sets.</a:t>
-            </a:r>
-          </a:p>
-          <a:p>
-            <a:r>
-              <a:rPr lang="en-US" dirty="0"/>
-              <a:t># The images are stored as dot tiff files, that is Tag Image File Format.</a:t>
-            </a:r>
-          </a:p>
-          <a:p>
-            <a:r>
-              <a:rPr lang="en-US" dirty="0"/>
-              <a:t># The format of labels of images is Author Code underscore Set Number underscore Image Number. So the first image of the first set of the first author number is labeled as 0000_01_0.tiff.</a:t>
-            </a:r>
-          </a:p>
-          <a:p>
-            <a:r>
-              <a:rPr lang="en-US" dirty="0"/>
-              <a:t># There are five data sets in total.</a:t>
-            </a:r>
-          </a:p>
-          <a:p>
-            <a:r>
-              <a:rPr lang="en-US" dirty="0"/>
+              <a:t>Karen </a:t>
+            </a:r>
+            <a:r>
+              <a:rPr lang="en-IN" sz="1800" dirty="0" err="1">
+                <a:effectLst/>
+                <a:latin typeface="Times New Roman" panose="02020603050405020304" pitchFamily="18" charset="0"/>
+                <a:ea typeface="Times New Roman" panose="02020603050405020304" pitchFamily="18" charset="0"/>
+              </a:rPr>
+              <a:t>Simonyan</a:t>
+            </a:r>
+            <a:r>
+              <a:rPr lang="en-IN" sz="1800" dirty="0">
+                <a:effectLst/>
+                <a:latin typeface="Times New Roman" panose="02020603050405020304" pitchFamily="18" charset="0"/>
+                <a:ea typeface="Times New Roman" panose="02020603050405020304" pitchFamily="18" charset="0"/>
+              </a:rPr>
+              <a:t> and Andrew Zisserman of Oxford University’s </a:t>
+            </a:r>
+            <a:r>
+              <a:rPr lang="en-US" sz="4000" dirty="0">
+                <a:latin typeface="Frank Ruhl Hofshi" panose="00000500000000000000" pitchFamily="50" charset="-79"/>
+                <a:cs typeface="Frank Ruhl Hofshi" panose="00000500000000000000" pitchFamily="50" charset="-79"/>
+              </a:rPr>
+              <a:t>Visual Geometry Group Lab</a:t>
+            </a:r>
+            <a:r>
+              <a:rPr lang="en-IN" sz="1800" dirty="0">
+                <a:effectLst/>
+                <a:latin typeface="Times New Roman" panose="02020603050405020304" pitchFamily="18" charset="0"/>
+                <a:ea typeface="Times New Roman" panose="02020603050405020304" pitchFamily="18" charset="0"/>
+              </a:rPr>
+              <a:t> </a:t>
+            </a:r>
+            <a:r>
+              <a:rPr lang="en-IN" dirty="0"/>
+              <a:t>in a scholarly article titled </a:t>
+            </a:r>
+            <a:r>
+              <a:rPr lang="en-IN" sz="1800" dirty="0">
+                <a:effectLst/>
+                <a:latin typeface="Times New Roman" panose="02020603050405020304" pitchFamily="18" charset="0"/>
+                <a:ea typeface="Times New Roman" panose="02020603050405020304" pitchFamily="18" charset="0"/>
+              </a:rPr>
+              <a:t>"Very Deep Networks for Large Scale Image Recognition“ in 2014.</a:t>
+            </a:r>
+          </a:p>
+          <a:p>
+            <a:r>
+              <a:rPr lang="en-IN" sz="1800" dirty="0">
+                <a:effectLst/>
+                <a:latin typeface="Times New Roman" panose="02020603050405020304" pitchFamily="18" charset="0"/>
+                <a:ea typeface="Times New Roman" panose="02020603050405020304" pitchFamily="18" charset="0"/>
+              </a:rPr>
+              <a:t># It has 92.7% accuracy on top 5 accuracy tests with the </a:t>
+            </a:r>
+            <a:r>
+              <a:rPr lang="en-IN" sz="1800" dirty="0" err="1">
+                <a:effectLst/>
+                <a:latin typeface="Times New Roman" panose="02020603050405020304" pitchFamily="18" charset="0"/>
+                <a:ea typeface="Times New Roman" panose="02020603050405020304" pitchFamily="18" charset="0"/>
+              </a:rPr>
+              <a:t>Imagenet</a:t>
+            </a:r>
+            <a:r>
+              <a:rPr lang="en-IN" sz="1800" dirty="0">
+                <a:effectLst/>
+                <a:latin typeface="Times New Roman" panose="02020603050405020304" pitchFamily="18" charset="0"/>
+                <a:ea typeface="Times New Roman" panose="02020603050405020304" pitchFamily="18" charset="0"/>
+              </a:rPr>
+              <a:t> database</a:t>
+            </a:r>
+          </a:p>
+          <a:p>
+            <a:r>
+              <a:rPr lang="en-US" sz="2800" dirty="0"/>
+              <a:t># This model won the first and second place in 2014 </a:t>
+            </a:r>
+            <a:r>
+              <a:rPr lang="en-IN" sz="4000" dirty="0"/>
+              <a:t>ImageNet Large Scale Visual Recognition Challenge</a:t>
+            </a:r>
+            <a:r>
+              <a:rPr lang="en-US" sz="2800" dirty="0"/>
+              <a:t>.</a:t>
+            </a:r>
+          </a:p>
+          <a:p>
+            <a:r>
+              <a:rPr lang="en-US" sz="2800" dirty="0">
+                <a:effectLst/>
+                <a:latin typeface="Times New Roman" panose="02020603050405020304" pitchFamily="18" charset="0"/>
+                <a:ea typeface="Times New Roman" panose="02020603050405020304" pitchFamily="18" charset="0"/>
+              </a:rPr>
+              <a:t># The VGG in the name stands for Visual Geometry Group, which is the name of the laboratory where the model was conceived</a:t>
+            </a:r>
+            <a:r>
+              <a:rPr lang="en-IN" sz="1800" dirty="0">
+                <a:effectLst/>
+                <a:latin typeface="Times New Roman" panose="02020603050405020304" pitchFamily="18" charset="0"/>
+                <a:ea typeface="Times New Roman" panose="02020603050405020304" pitchFamily="18" charset="0"/>
+              </a:rPr>
+              <a:t>.</a:t>
+            </a:r>
+          </a:p>
+          <a:p>
+            <a:r>
+              <a:rPr lang="en-IN" sz="1800" dirty="0">
+                <a:effectLst/>
+                <a:latin typeface="Times New Roman" panose="02020603050405020304" pitchFamily="18" charset="0"/>
+                <a:ea typeface="Times New Roman" panose="02020603050405020304" pitchFamily="18" charset="0"/>
+              </a:rPr>
+              <a:t># The 16 in the name signifies the 16 Neural Network Layers.</a:t>
+            </a:r>
+            <a:br>
+              <a:rPr lang="en-IN" sz="1800" dirty="0">
+                <a:effectLst/>
+                <a:latin typeface="Times New Roman" panose="02020603050405020304" pitchFamily="18" charset="0"/>
+                <a:ea typeface="Times New Roman" panose="02020603050405020304" pitchFamily="18" charset="0"/>
+              </a:rPr>
+            </a:br>
+            <a:r>
+              <a:rPr lang="en-IN" sz="1800" dirty="0">
+                <a:effectLst/>
+                <a:latin typeface="Times New Roman" panose="02020603050405020304" pitchFamily="18" charset="0"/>
+                <a:ea typeface="Times New Roman" panose="02020603050405020304" pitchFamily="18" charset="0"/>
+              </a:rPr>
+              <a:t># Out of these Layers 13 are Convolutional Networks and 3 are Densely connected Networks.</a:t>
+            </a:r>
+          </a:p>
+          <a:p>
+            <a:r>
+              <a:rPr lang="en-IN" sz="1800" dirty="0">
+                <a:effectLst/>
+                <a:latin typeface="Times New Roman" panose="02020603050405020304" pitchFamily="18" charset="0"/>
+                <a:ea typeface="Times New Roman" panose="02020603050405020304" pitchFamily="18" charset="0"/>
+              </a:rPr>
+              <a:t># The model takes 224 cross 224 images in RGB channels as an input.</a:t>
+            </a:r>
+          </a:p>
+          <a:p>
+            <a:r>
+              <a:rPr lang="en-IN" sz="1800" dirty="0">
+                <a:effectLst/>
+                <a:latin typeface="Times New Roman" panose="02020603050405020304" pitchFamily="18" charset="0"/>
+                <a:ea typeface="Times New Roman" panose="02020603050405020304" pitchFamily="18" charset="0"/>
+              </a:rPr>
               <a:t>#</a:t>
             </a:r>
-          </a:p>
-          <a:p>
-            <a:endParaRPr lang="en-IN" dirty="0"/>
-          </a:p>
-          <a:p>
-            <a:endParaRPr lang="en-IN" dirty="0"/>
+            <a:endParaRPr lang="en-US" sz="2800" dirty="0">
+              <a:effectLst/>
+              <a:latin typeface="Times New Roman" panose="02020603050405020304" pitchFamily="18" charset="0"/>
+              <a:ea typeface="Times New Roman" panose="02020603050405020304" pitchFamily="18" charset="0"/>
+            </a:endParaRPr>
           </a:p>
         </p:txBody>
       </p:sp>
@@ -9836,7 +9798,7 @@
     </p:spTree>
     <p:extLst>
       <p:ext uri="{BB962C8B-B14F-4D97-AF65-F5344CB8AC3E}">
-        <p14:creationId xmlns:p14="http://schemas.microsoft.com/office/powerpoint/2010/main" val="3973513208"/>
+        <p14:creationId xmlns:p14="http://schemas.microsoft.com/office/powerpoint/2010/main" val="1568027492"/>
       </p:ext>
     </p:extLst>
   </p:cSld>
@@ -9891,14 +9853,31 @@
           <a:lstStyle/>
           <a:p>
             <a:r>
-              <a:rPr lang="en-IN" dirty="0"/>
-              <a:t>Now we shall talk about VGG16, since it is the primary neural network model that we will be using in our project.</a:t>
-            </a:r>
-          </a:p>
-          <a:p>
-            <a:r>
-              <a:rPr lang="en-IN" dirty="0"/>
-              <a:t># The VGG16 model was first proposed by </a:t>
+              <a:rPr lang="en-US" dirty="0"/>
+              <a:t>Now, while VGG16 is highly accurate and hence very popular for image recognition, it has a couple of unfortunate drawbacks.</a:t>
+            </a:r>
+          </a:p>
+          <a:p>
+            <a:pPr marL="0" marR="0" lvl="0" indent="0" algn="l" defTabSz="914400" rtl="0" eaLnBrk="1" fontAlgn="auto" latinLnBrk="0" hangingPunct="1">
+              <a:lnSpc>
+                <a:spcPct val="100000"/>
+              </a:lnSpc>
+              <a:spcBef>
+                <a:spcPts val="0"/>
+              </a:spcBef>
+              <a:spcAft>
+                <a:spcPts val="0"/>
+              </a:spcAft>
+              <a:buClrTx/>
+              <a:buSzTx/>
+              <a:buFontTx/>
+              <a:buNone/>
+              <a:tabLst/>
+              <a:defRPr/>
+            </a:pPr>
+            <a:r>
+              <a:rPr lang="en-US" dirty="0"/>
+              <a:t># </a:t>
             </a:r>
             <a:r>
               <a:rPr lang="en-IN" sz="1800" dirty="0">
@@ -9906,146 +9885,54 @@
                 <a:latin typeface="Times New Roman" panose="02020603050405020304" pitchFamily="18" charset="0"/>
                 <a:ea typeface="Times New Roman" panose="02020603050405020304" pitchFamily="18" charset="0"/>
               </a:rPr>
-              <a:t>Karen </a:t>
-            </a:r>
-            <a:r>
-              <a:rPr lang="en-IN" sz="1800" dirty="0" err="1">
-                <a:effectLst/>
-                <a:latin typeface="Times New Roman" panose="02020603050405020304" pitchFamily="18" charset="0"/>
-                <a:ea typeface="Times New Roman" panose="02020603050405020304" pitchFamily="18" charset="0"/>
-              </a:rPr>
-              <a:t>Simonyan</a:t>
-            </a:r>
+              <a:t>The model is very slow to train. The original VGG model was trained for 2 to 3 weeks on an NVidia Titan GPU.</a:t>
+            </a:r>
+          </a:p>
+          <a:p>
+            <a:pPr marL="0" marR="0" lvl="0" indent="0" algn="l" defTabSz="914400" rtl="0" eaLnBrk="1" fontAlgn="auto" latinLnBrk="0" hangingPunct="1">
+              <a:lnSpc>
+                <a:spcPct val="100000"/>
+              </a:lnSpc>
+              <a:spcBef>
+                <a:spcPts val="0"/>
+              </a:spcBef>
+              <a:spcAft>
+                <a:spcPts val="0"/>
+              </a:spcAft>
+              <a:buClrTx/>
+              <a:buSzTx/>
+              <a:buFontTx/>
+              <a:buNone/>
+              <a:tabLst/>
+              <a:defRPr/>
+            </a:pPr>
             <a:r>
               <a:rPr lang="en-IN" sz="1800" dirty="0">
                 <a:effectLst/>
                 <a:latin typeface="Times New Roman" panose="02020603050405020304" pitchFamily="18" charset="0"/>
                 <a:ea typeface="Times New Roman" panose="02020603050405020304" pitchFamily="18" charset="0"/>
               </a:rPr>
-              <a:t> and Andrew Zisserman of Oxford University’s </a:t>
-            </a:r>
-            <a:r>
-              <a:rPr lang="en-US" sz="4000" dirty="0">
-                <a:latin typeface="Frank Ruhl Hofshi" panose="00000500000000000000" pitchFamily="50" charset="-79"/>
-                <a:cs typeface="Frank Ruhl Hofshi" panose="00000500000000000000" pitchFamily="50" charset="-79"/>
-              </a:rPr>
-              <a:t>Visual Geometry Group Lab</a:t>
-            </a:r>
-            <a:r>
-              <a:rPr lang="en-IN" sz="1800" dirty="0">
-                <a:effectLst/>
-                <a:latin typeface="Times New Roman" panose="02020603050405020304" pitchFamily="18" charset="0"/>
-                <a:ea typeface="Times New Roman" panose="02020603050405020304" pitchFamily="18" charset="0"/>
-              </a:rPr>
-              <a:t> </a:t>
-            </a:r>
-            <a:r>
-              <a:rPr lang="en-IN" dirty="0"/>
-              <a:t>in a scholarly article titled </a:t>
-            </a:r>
-            <a:r>
-              <a:rPr lang="en-IN" sz="1800" dirty="0">
-                <a:effectLst/>
-                <a:latin typeface="Times New Roman" panose="02020603050405020304" pitchFamily="18" charset="0"/>
-                <a:ea typeface="Times New Roman" panose="02020603050405020304" pitchFamily="18" charset="0"/>
-              </a:rPr>
-              <a:t>"Very Deep Networks for Large Scale Image Recognition“ in 2014.</a:t>
-            </a:r>
-          </a:p>
-          <a:p>
-            <a:r>
-              <a:rPr lang="en-IN" sz="1800" dirty="0">
-                <a:effectLst/>
-                <a:latin typeface="Times New Roman" panose="02020603050405020304" pitchFamily="18" charset="0"/>
-                <a:ea typeface="Times New Roman" panose="02020603050405020304" pitchFamily="18" charset="0"/>
-              </a:rPr>
-              <a:t># It has 92.7% accuracy on top 5 accuracy tests with the </a:t>
-            </a:r>
-            <a:r>
-              <a:rPr lang="en-IN" sz="1800" dirty="0" err="1">
-                <a:effectLst/>
-                <a:latin typeface="Times New Roman" panose="02020603050405020304" pitchFamily="18" charset="0"/>
-                <a:ea typeface="Times New Roman" panose="02020603050405020304" pitchFamily="18" charset="0"/>
-              </a:rPr>
-              <a:t>Imagenet</a:t>
-            </a:r>
-            <a:r>
-              <a:rPr lang="en-IN" sz="1800" dirty="0">
-                <a:effectLst/>
-                <a:latin typeface="Times New Roman" panose="02020603050405020304" pitchFamily="18" charset="0"/>
-                <a:ea typeface="Times New Roman" panose="02020603050405020304" pitchFamily="18" charset="0"/>
-              </a:rPr>
-              <a:t> database</a:t>
-            </a:r>
-          </a:p>
-          <a:p>
-            <a:r>
-              <a:rPr lang="en-US" sz="2800" dirty="0"/>
-              <a:t># This model won the first and second place in 2014 </a:t>
-            </a:r>
-            <a:r>
-              <a:rPr lang="en-IN" sz="4000" dirty="0"/>
-              <a:t>ImageNet Large Scale Visual Recognition Challenge</a:t>
-            </a:r>
-            <a:r>
-              <a:rPr lang="en-US" sz="2800" dirty="0"/>
-              <a:t>.</a:t>
-            </a:r>
-          </a:p>
-          <a:p>
-            <a:r>
-              <a:rPr lang="en-US" sz="2800" dirty="0">
-                <a:effectLst/>
-                <a:latin typeface="Times New Roman" panose="02020603050405020304" pitchFamily="18" charset="0"/>
-                <a:ea typeface="Times New Roman" panose="02020603050405020304" pitchFamily="18" charset="0"/>
-              </a:rPr>
-              <a:t># The VGG in the name stands for Visual Geometry Group, which is the name of the laboratory where the model was conceived</a:t>
-            </a:r>
-            <a:r>
-              <a:rPr lang="en-IN" sz="1800" dirty="0">
-                <a:effectLst/>
-                <a:latin typeface="Times New Roman" panose="02020603050405020304" pitchFamily="18" charset="0"/>
-                <a:ea typeface="Times New Roman" panose="02020603050405020304" pitchFamily="18" charset="0"/>
-              </a:rPr>
-              <a:t>.</a:t>
-            </a:r>
-          </a:p>
-          <a:p>
-            <a:r>
-              <a:rPr lang="en-IN" sz="1800" dirty="0">
-                <a:effectLst/>
-                <a:latin typeface="Times New Roman" panose="02020603050405020304" pitchFamily="18" charset="0"/>
-                <a:ea typeface="Times New Roman" panose="02020603050405020304" pitchFamily="18" charset="0"/>
-              </a:rPr>
-              <a:t># The 16 in the name signifies the 16 Neural Network Layers.</a:t>
-            </a:r>
-            <a:br>
-              <a:rPr lang="en-IN" sz="1800" dirty="0">
-                <a:effectLst/>
-                <a:latin typeface="Times New Roman" panose="02020603050405020304" pitchFamily="18" charset="0"/>
-                <a:ea typeface="Times New Roman" panose="02020603050405020304" pitchFamily="18" charset="0"/>
-              </a:rPr>
-            </a:br>
-            <a:r>
-              <a:rPr lang="en-IN" sz="1800" dirty="0">
-                <a:effectLst/>
-                <a:latin typeface="Times New Roman" panose="02020603050405020304" pitchFamily="18" charset="0"/>
-                <a:ea typeface="Times New Roman" panose="02020603050405020304" pitchFamily="18" charset="0"/>
-              </a:rPr>
-              <a:t># Out of these Layers 13 are Convolutional Networks and 3 are Densely connected Networks.</a:t>
-            </a:r>
-          </a:p>
-          <a:p>
-            <a:r>
-              <a:rPr lang="en-IN" sz="1800" dirty="0">
-                <a:effectLst/>
-                <a:latin typeface="Times New Roman" panose="02020603050405020304" pitchFamily="18" charset="0"/>
-                <a:ea typeface="Times New Roman" panose="02020603050405020304" pitchFamily="18" charset="0"/>
-              </a:rPr>
-              <a:t># The model takes 224 cross 224 images in RGB channels as an input.</a:t>
-            </a:r>
-          </a:p>
-          <a:p>
+              <a:t># The model also has very big weights. The size of VGG16 trained ImageNet weights is five hundred and twenty eight MB. So, it takes quite a lot of disk space and bandwidth that makes it inefficient with respect to space.</a:t>
+            </a:r>
+          </a:p>
+          <a:p>
+            <a:pPr marL="0" marR="0" lvl="0" indent="0" algn="l" defTabSz="914400" rtl="0" eaLnBrk="1" fontAlgn="auto" latinLnBrk="0" hangingPunct="1">
+              <a:lnSpc>
+                <a:spcPct val="100000"/>
+              </a:lnSpc>
+              <a:spcBef>
+                <a:spcPts val="0"/>
+              </a:spcBef>
+              <a:spcAft>
+                <a:spcPts val="0"/>
+              </a:spcAft>
+              <a:buClrTx/>
+              <a:buSzTx/>
+              <a:buFontTx/>
+              <a:buNone/>
+              <a:tabLst/>
+              <a:defRPr/>
+            </a:pPr>
             <a:r>
               <a:rPr lang="en-IN" sz="1800" dirty="0">
                 <a:effectLst/>
@@ -10054,11 +9941,33 @@
               </a:rPr>
               <a:t>#</a:t>
             </a:r>
-            <a:endParaRPr lang="en-US" sz="2800" dirty="0">
+          </a:p>
+          <a:p>
+            <a:pPr marL="0" marR="0" lvl="0" indent="0" algn="l" defTabSz="914400" rtl="0" eaLnBrk="1" fontAlgn="auto" latinLnBrk="0" hangingPunct="1">
+              <a:lnSpc>
+                <a:spcPct val="100000"/>
+              </a:lnSpc>
+              <a:spcBef>
+                <a:spcPts val="0"/>
+              </a:spcBef>
+              <a:spcAft>
+                <a:spcPts val="0"/>
+              </a:spcAft>
+              <a:buClrTx/>
+              <a:buSzTx/>
+              <a:buFontTx/>
+              <a:buNone/>
+              <a:tabLst/>
+              <a:defRPr/>
+            </a:pPr>
+            <a:endParaRPr lang="en-IN" sz="1800" dirty="0">
               <a:effectLst/>
               <a:latin typeface="Times New Roman" panose="02020603050405020304" pitchFamily="18" charset="0"/>
               <a:ea typeface="Times New Roman" panose="02020603050405020304" pitchFamily="18" charset="0"/>
             </a:endParaRPr>
+          </a:p>
+          <a:p>
+            <a:endParaRPr lang="en-IN" dirty="0"/>
           </a:p>
         </p:txBody>
       </p:sp>
@@ -10088,7 +9997,7 @@
     </p:spTree>
     <p:extLst>
       <p:ext uri="{BB962C8B-B14F-4D97-AF65-F5344CB8AC3E}">
-        <p14:creationId xmlns:p14="http://schemas.microsoft.com/office/powerpoint/2010/main" val="1568027492"/>
+        <p14:creationId xmlns:p14="http://schemas.microsoft.com/office/powerpoint/2010/main" val="654931584"/>
       </p:ext>
     </p:extLst>
   </p:cSld>
@@ -13016,14 +12925,11 @@
           <a:lstStyle/>
           <a:p>
             <a:r>
-              <a:rPr lang="en-US" dirty="0">
+              <a:rPr lang="en-IN" dirty="0">
                 <a:latin typeface="Garamond" panose="02020404030301010803" pitchFamily="18" charset="0"/>
               </a:rPr>
-              <a:t>Automated Handwriting Verification of Bengali Language with Deep Learning</a:t>
-            </a:r>
-            <a:endParaRPr lang="en-IN" dirty="0">
-              <a:latin typeface="Garamond" panose="02020404030301010803" pitchFamily="18" charset="0"/>
-            </a:endParaRPr>
+              <a:t>Writer Verification on Multi-Language Script using Deep Learning</a:t>
+            </a:r>
           </a:p>
         </p:txBody>
       </p:sp>
@@ -13470,769 +13376,6 @@
           <p:cNvPr id="2" name="Title 1">
             <a:extLst>
               <a:ext uri="{FF2B5EF4-FFF2-40B4-BE49-F238E27FC236}">
-                <a16:creationId xmlns:a16="http://schemas.microsoft.com/office/drawing/2014/main" id="{C5872436-0191-4215-8794-3E7446DE5AF3}"/>
-              </a:ext>
-            </a:extLst>
-          </p:cNvPr>
-          <p:cNvSpPr>
-            <a:spLocks noGrp="1"/>
-          </p:cNvSpPr>
-          <p:nvPr>
-            <p:ph type="title"/>
-          </p:nvPr>
-        </p:nvSpPr>
-        <p:spPr/>
-        <p:txBody>
-          <a:bodyPr/>
-          <a:lstStyle/>
-          <a:p>
-            <a:r>
-              <a:rPr lang="en-US" dirty="0">
-                <a:latin typeface="Garamond" panose="02020404030301010803" pitchFamily="18" charset="0"/>
-              </a:rPr>
-              <a:t>Summary of Present Work: Adak et al.</a:t>
-            </a:r>
-            <a:endParaRPr lang="en-IN" dirty="0">
-              <a:latin typeface="Garamond" panose="02020404030301010803" pitchFamily="18" charset="0"/>
-            </a:endParaRPr>
-          </a:p>
-        </p:txBody>
-      </p:sp>
-      <p:sp>
-        <p:nvSpPr>
-          <p:cNvPr id="3" name="Content Placeholder 2">
-            <a:extLst>
-              <a:ext uri="{FF2B5EF4-FFF2-40B4-BE49-F238E27FC236}">
-                <a16:creationId xmlns:a16="http://schemas.microsoft.com/office/drawing/2014/main" id="{4A25DC9A-62BA-4694-B3AB-CC5E355497A0}"/>
-              </a:ext>
-            </a:extLst>
-          </p:cNvPr>
-          <p:cNvSpPr>
-            <a:spLocks noGrp="1"/>
-          </p:cNvSpPr>
-          <p:nvPr>
-            <p:ph idx="1"/>
-          </p:nvPr>
-        </p:nvSpPr>
-        <p:spPr/>
-        <p:txBody>
-          <a:bodyPr/>
-          <a:lstStyle/>
-          <a:p>
-            <a:r>
-              <a:rPr lang="en-US" dirty="0">
-                <a:latin typeface="Frank Ruhl Libre" panose="00000500000000000000" pitchFamily="2" charset="-79"/>
-                <a:cs typeface="Frank Ruhl Libre" panose="00000500000000000000" pitchFamily="2" charset="-79"/>
-              </a:rPr>
-              <a:t>2 Offline Bangla intra-variable handwriting databases from 2 different sets of 100 writers</a:t>
-            </a:r>
-          </a:p>
-          <a:p>
-            <a:pPr lvl="1"/>
-            <a:r>
-              <a:rPr lang="en-US" dirty="0">
-                <a:latin typeface="Frank Ruhl Libre" panose="00000500000000000000" pitchFamily="2" charset="-79"/>
-                <a:cs typeface="Frank Ruhl Libre" panose="00000500000000000000" pitchFamily="2" charset="-79"/>
-              </a:rPr>
-              <a:t>Controlled</a:t>
-            </a:r>
-          </a:p>
-          <a:p>
-            <a:pPr lvl="1"/>
-            <a:r>
-              <a:rPr lang="en-US" dirty="0">
-                <a:latin typeface="Frank Ruhl Libre" panose="00000500000000000000" pitchFamily="2" charset="-79"/>
-                <a:cs typeface="Frank Ruhl Libre" panose="00000500000000000000" pitchFamily="2" charset="-79"/>
-              </a:rPr>
-              <a:t>Uncontrolled</a:t>
-            </a:r>
-          </a:p>
-          <a:p>
-            <a:pPr lvl="1"/>
-            <a:endParaRPr lang="en-US" dirty="0">
-              <a:latin typeface="Frank Ruhl Libre" panose="00000500000000000000" pitchFamily="2" charset="-79"/>
-              <a:cs typeface="Frank Ruhl Libre" panose="00000500000000000000" pitchFamily="2" charset="-79"/>
-            </a:endParaRPr>
-          </a:p>
-          <a:p>
-            <a:r>
-              <a:rPr lang="en-US" dirty="0">
-                <a:latin typeface="Frank Ruhl Libre" panose="00000500000000000000" pitchFamily="2" charset="-79"/>
-                <a:cs typeface="Frank Ruhl Libre" panose="00000500000000000000" pitchFamily="2" charset="-79"/>
-              </a:rPr>
-              <a:t>2 Primary Tasks</a:t>
-            </a:r>
-          </a:p>
-          <a:p>
-            <a:pPr lvl="1"/>
-            <a:r>
-              <a:rPr lang="en-US" dirty="0">
-                <a:latin typeface="Frank Ruhl Libre" panose="00000500000000000000" pitchFamily="2" charset="-79"/>
-                <a:cs typeface="Frank Ruhl Libre" panose="00000500000000000000" pitchFamily="2" charset="-79"/>
-              </a:rPr>
-              <a:t>Writer Identification: Multi-class Classification </a:t>
-            </a:r>
-          </a:p>
-          <a:p>
-            <a:pPr lvl="1"/>
-            <a:r>
-              <a:rPr lang="en-US" dirty="0">
-                <a:latin typeface="Frank Ruhl Libre" panose="00000500000000000000" pitchFamily="2" charset="-79"/>
-                <a:cs typeface="Frank Ruhl Libre" panose="00000500000000000000" pitchFamily="2" charset="-79"/>
-              </a:rPr>
-              <a:t>Writer Verification: Binary Classification </a:t>
-            </a:r>
-            <a:endParaRPr lang="en-IN" dirty="0">
-              <a:latin typeface="Frank Ruhl Libre" panose="00000500000000000000" pitchFamily="2" charset="-79"/>
-              <a:cs typeface="Frank Ruhl Libre" panose="00000500000000000000" pitchFamily="2" charset="-79"/>
-            </a:endParaRPr>
-          </a:p>
-        </p:txBody>
-      </p:sp>
-    </p:spTree>
-    <p:extLst>
-      <p:ext uri="{BB962C8B-B14F-4D97-AF65-F5344CB8AC3E}">
-        <p14:creationId xmlns:p14="http://schemas.microsoft.com/office/powerpoint/2010/main" val="1092332634"/>
-      </p:ext>
-    </p:extLst>
-  </p:cSld>
-  <p:clrMapOvr>
-    <a:masterClrMapping/>
-  </p:clrMapOvr>
-  <p:timing>
-    <p:tnLst>
-      <p:par>
-        <p:cTn id="1" dur="indefinite" restart="never" nodeType="tmRoot">
-          <p:childTnLst>
-            <p:seq concurrent="1" nextAc="seek">
-              <p:cTn id="2" dur="indefinite" nodeType="mainSeq">
-                <p:childTnLst>
-                  <p:par>
-                    <p:cTn id="3" fill="hold">
-                      <p:stCondLst>
-                        <p:cond delay="indefinite"/>
-                      </p:stCondLst>
-                      <p:childTnLst>
-                        <p:par>
-                          <p:cTn id="4" fill="hold">
-                            <p:stCondLst>
-                              <p:cond delay="0"/>
-                            </p:stCondLst>
-                            <p:childTnLst>
-                              <p:par>
-                                <p:cTn id="5" presetID="1" presetClass="entr" presetSubtype="0" fill="hold" nodeType="clickEffect">
-                                  <p:stCondLst>
-                                    <p:cond delay="0"/>
-                                  </p:stCondLst>
-                                  <p:childTnLst>
-                                    <p:set>
-                                      <p:cBhvr>
-                                        <p:cTn id="6" dur="1" fill="hold">
-                                          <p:stCondLst>
-                                            <p:cond delay="0"/>
-                                          </p:stCondLst>
-                                        </p:cTn>
-                                        <p:tgtEl>
-                                          <p:spTgt spid="3">
-                                            <p:txEl>
-                                              <p:pRg st="0" end="0"/>
-                                            </p:txEl>
-                                          </p:spTgt>
-                                        </p:tgtEl>
-                                        <p:attrNameLst>
-                                          <p:attrName>style.visibility</p:attrName>
-                                        </p:attrNameLst>
-                                      </p:cBhvr>
-                                      <p:to>
-                                        <p:strVal val="visible"/>
-                                      </p:to>
-                                    </p:set>
-                                  </p:childTnLst>
-                                </p:cTn>
-                              </p:par>
-                            </p:childTnLst>
-                          </p:cTn>
-                        </p:par>
-                      </p:childTnLst>
-                    </p:cTn>
-                  </p:par>
-                  <p:par>
-                    <p:cTn id="7" fill="hold">
-                      <p:stCondLst>
-                        <p:cond delay="indefinite"/>
-                      </p:stCondLst>
-                      <p:childTnLst>
-                        <p:par>
-                          <p:cTn id="8" fill="hold">
-                            <p:stCondLst>
-                              <p:cond delay="0"/>
-                            </p:stCondLst>
-                            <p:childTnLst>
-                              <p:par>
-                                <p:cTn id="9" presetID="1" presetClass="entr" presetSubtype="0" fill="hold" nodeType="clickEffect">
-                                  <p:stCondLst>
-                                    <p:cond delay="0"/>
-                                  </p:stCondLst>
-                                  <p:childTnLst>
-                                    <p:set>
-                                      <p:cBhvr>
-                                        <p:cTn id="10" dur="1" fill="hold">
-                                          <p:stCondLst>
-                                            <p:cond delay="0"/>
-                                          </p:stCondLst>
-                                        </p:cTn>
-                                        <p:tgtEl>
-                                          <p:spTgt spid="3">
-                                            <p:txEl>
-                                              <p:pRg st="1" end="1"/>
-                                            </p:txEl>
-                                          </p:spTgt>
-                                        </p:tgtEl>
-                                        <p:attrNameLst>
-                                          <p:attrName>style.visibility</p:attrName>
-                                        </p:attrNameLst>
-                                      </p:cBhvr>
-                                      <p:to>
-                                        <p:strVal val="visible"/>
-                                      </p:to>
-                                    </p:set>
-                                  </p:childTnLst>
-                                </p:cTn>
-                              </p:par>
-                              <p:par>
-                                <p:cTn id="11" presetID="1" presetClass="entr" presetSubtype="0" fill="hold" nodeType="withEffect">
-                                  <p:stCondLst>
-                                    <p:cond delay="0"/>
-                                  </p:stCondLst>
-                                  <p:childTnLst>
-                                    <p:set>
-                                      <p:cBhvr>
-                                        <p:cTn id="12" dur="1" fill="hold">
-                                          <p:stCondLst>
-                                            <p:cond delay="0"/>
-                                          </p:stCondLst>
-                                        </p:cTn>
-                                        <p:tgtEl>
-                                          <p:spTgt spid="3">
-                                            <p:txEl>
-                                              <p:pRg st="2" end="2"/>
-                                            </p:txEl>
-                                          </p:spTgt>
-                                        </p:tgtEl>
-                                        <p:attrNameLst>
-                                          <p:attrName>style.visibility</p:attrName>
-                                        </p:attrNameLst>
-                                      </p:cBhvr>
-                                      <p:to>
-                                        <p:strVal val="visible"/>
-                                      </p:to>
-                                    </p:set>
-                                  </p:childTnLst>
-                                </p:cTn>
-                              </p:par>
-                            </p:childTnLst>
-                          </p:cTn>
-                        </p:par>
-                      </p:childTnLst>
-                    </p:cTn>
-                  </p:par>
-                  <p:par>
-                    <p:cTn id="13" fill="hold">
-                      <p:stCondLst>
-                        <p:cond delay="indefinite"/>
-                      </p:stCondLst>
-                      <p:childTnLst>
-                        <p:par>
-                          <p:cTn id="14" fill="hold">
-                            <p:stCondLst>
-                              <p:cond delay="0"/>
-                            </p:stCondLst>
-                            <p:childTnLst>
-                              <p:par>
-                                <p:cTn id="15" presetID="1" presetClass="entr" presetSubtype="0" fill="hold" nodeType="clickEffect">
-                                  <p:stCondLst>
-                                    <p:cond delay="0"/>
-                                  </p:stCondLst>
-                                  <p:childTnLst>
-                                    <p:set>
-                                      <p:cBhvr>
-                                        <p:cTn id="16" dur="1" fill="hold">
-                                          <p:stCondLst>
-                                            <p:cond delay="0"/>
-                                          </p:stCondLst>
-                                        </p:cTn>
-                                        <p:tgtEl>
-                                          <p:spTgt spid="3">
-                                            <p:txEl>
-                                              <p:pRg st="4" end="4"/>
-                                            </p:txEl>
-                                          </p:spTgt>
-                                        </p:tgtEl>
-                                        <p:attrNameLst>
-                                          <p:attrName>style.visibility</p:attrName>
-                                        </p:attrNameLst>
-                                      </p:cBhvr>
-                                      <p:to>
-                                        <p:strVal val="visible"/>
-                                      </p:to>
-                                    </p:set>
-                                  </p:childTnLst>
-                                </p:cTn>
-                              </p:par>
-                            </p:childTnLst>
-                          </p:cTn>
-                        </p:par>
-                      </p:childTnLst>
-                    </p:cTn>
-                  </p:par>
-                  <p:par>
-                    <p:cTn id="17" fill="hold">
-                      <p:stCondLst>
-                        <p:cond delay="indefinite"/>
-                      </p:stCondLst>
-                      <p:childTnLst>
-                        <p:par>
-                          <p:cTn id="18" fill="hold">
-                            <p:stCondLst>
-                              <p:cond delay="0"/>
-                            </p:stCondLst>
-                            <p:childTnLst>
-                              <p:par>
-                                <p:cTn id="19" presetID="1" presetClass="entr" presetSubtype="0" fill="hold" nodeType="clickEffect">
-                                  <p:stCondLst>
-                                    <p:cond delay="0"/>
-                                  </p:stCondLst>
-                                  <p:childTnLst>
-                                    <p:set>
-                                      <p:cBhvr>
-                                        <p:cTn id="20" dur="1" fill="hold">
-                                          <p:stCondLst>
-                                            <p:cond delay="0"/>
-                                          </p:stCondLst>
-                                        </p:cTn>
-                                        <p:tgtEl>
-                                          <p:spTgt spid="3">
-                                            <p:txEl>
-                                              <p:pRg st="5" end="5"/>
-                                            </p:txEl>
-                                          </p:spTgt>
-                                        </p:tgtEl>
-                                        <p:attrNameLst>
-                                          <p:attrName>style.visibility</p:attrName>
-                                        </p:attrNameLst>
-                                      </p:cBhvr>
-                                      <p:to>
-                                        <p:strVal val="visible"/>
-                                      </p:to>
-                                    </p:set>
-                                  </p:childTnLst>
-                                </p:cTn>
-                              </p:par>
-                            </p:childTnLst>
-                          </p:cTn>
-                        </p:par>
-                      </p:childTnLst>
-                    </p:cTn>
-                  </p:par>
-                  <p:par>
-                    <p:cTn id="21" fill="hold">
-                      <p:stCondLst>
-                        <p:cond delay="indefinite"/>
-                      </p:stCondLst>
-                      <p:childTnLst>
-                        <p:par>
-                          <p:cTn id="22" fill="hold">
-                            <p:stCondLst>
-                              <p:cond delay="0"/>
-                            </p:stCondLst>
-                            <p:childTnLst>
-                              <p:par>
-                                <p:cTn id="23" presetID="1" presetClass="entr" presetSubtype="0" fill="hold" nodeType="clickEffect">
-                                  <p:stCondLst>
-                                    <p:cond delay="0"/>
-                                  </p:stCondLst>
-                                  <p:childTnLst>
-                                    <p:set>
-                                      <p:cBhvr>
-                                        <p:cTn id="24" dur="1" fill="hold">
-                                          <p:stCondLst>
-                                            <p:cond delay="0"/>
-                                          </p:stCondLst>
-                                        </p:cTn>
-                                        <p:tgtEl>
-                                          <p:spTgt spid="3">
-                                            <p:txEl>
-                                              <p:pRg st="6" end="6"/>
-                                            </p:txEl>
-                                          </p:spTgt>
-                                        </p:tgtEl>
-                                        <p:attrNameLst>
-                                          <p:attrName>style.visibility</p:attrName>
-                                        </p:attrNameLst>
-                                      </p:cBhvr>
-                                      <p:to>
-                                        <p:strVal val="visible"/>
-                                      </p:to>
-                                    </p:set>
-                                  </p:childTnLst>
-                                </p:cTn>
-                              </p:par>
-                            </p:childTnLst>
-                          </p:cTn>
-                        </p:par>
-                      </p:childTnLst>
-                    </p:cTn>
-                  </p:par>
-                </p:childTnLst>
-              </p:cTn>
-              <p:prevCondLst>
-                <p:cond evt="onPrev" delay="0">
-                  <p:tgtEl>
-                    <p:sldTgt/>
-                  </p:tgtEl>
-                </p:cond>
-              </p:prevCondLst>
-              <p:nextCondLst>
-                <p:cond evt="onNext" delay="0">
-                  <p:tgtEl>
-                    <p:sldTgt/>
-                  </p:tgtEl>
-                </p:cond>
-              </p:nextCondLst>
-            </p:seq>
-          </p:childTnLst>
-        </p:cTn>
-      </p:par>
-    </p:tnLst>
-  </p:timing>
-</p:sld>
-</file>
-
-<file path=ppt/slides/slide11.xml><?xml version="1.0" encoding="utf-8"?>
-<p:sld xmlns:a="http://schemas.openxmlformats.org/drawingml/2006/main" xmlns:r="http://schemas.openxmlformats.org/officeDocument/2006/relationships" xmlns:p="http://schemas.openxmlformats.org/presentationml/2006/main">
-  <p:cSld>
-    <p:spTree>
-      <p:nvGrpSpPr>
-        <p:cNvPr id="1" name=""/>
-        <p:cNvGrpSpPr/>
-        <p:nvPr/>
-      </p:nvGrpSpPr>
-      <p:grpSpPr>
-        <a:xfrm>
-          <a:off x="0" y="0"/>
-          <a:ext cx="0" cy="0"/>
-          <a:chOff x="0" y="0"/>
-          <a:chExt cx="0" cy="0"/>
-        </a:xfrm>
-      </p:grpSpPr>
-      <p:sp>
-        <p:nvSpPr>
-          <p:cNvPr id="2" name="Title 1">
-            <a:extLst>
-              <a:ext uri="{FF2B5EF4-FFF2-40B4-BE49-F238E27FC236}">
-                <a16:creationId xmlns:a16="http://schemas.microsoft.com/office/drawing/2014/main" id="{60A0D986-15BD-47AA-A093-39C14BD2E700}"/>
-              </a:ext>
-            </a:extLst>
-          </p:cNvPr>
-          <p:cNvSpPr>
-            <a:spLocks noGrp="1"/>
-          </p:cNvSpPr>
-          <p:nvPr>
-            <p:ph type="title"/>
-          </p:nvPr>
-        </p:nvSpPr>
-        <p:spPr/>
-        <p:txBody>
-          <a:bodyPr/>
-          <a:lstStyle/>
-          <a:p>
-            <a:r>
-              <a:rPr lang="en-US" dirty="0">
-                <a:latin typeface="Garamond" panose="02020404030301010803" pitchFamily="18" charset="0"/>
-              </a:rPr>
-              <a:t>Summary of Present Work: Adak et al.</a:t>
-            </a:r>
-            <a:endParaRPr lang="en-IN" dirty="0">
-              <a:latin typeface="Garamond" panose="02020404030301010803" pitchFamily="18" charset="0"/>
-            </a:endParaRPr>
-          </a:p>
-        </p:txBody>
-      </p:sp>
-      <p:sp>
-        <p:nvSpPr>
-          <p:cNvPr id="3" name="Content Placeholder 2">
-            <a:extLst>
-              <a:ext uri="{FF2B5EF4-FFF2-40B4-BE49-F238E27FC236}">
-                <a16:creationId xmlns:a16="http://schemas.microsoft.com/office/drawing/2014/main" id="{A4A83809-7AD3-401B-91A8-B38FDA02955B}"/>
-              </a:ext>
-            </a:extLst>
-          </p:cNvPr>
-          <p:cNvSpPr>
-            <a:spLocks noGrp="1"/>
-          </p:cNvSpPr>
-          <p:nvPr>
-            <p:ph idx="1"/>
-          </p:nvPr>
-        </p:nvSpPr>
-        <p:spPr/>
-        <p:txBody>
-          <a:bodyPr>
-            <a:normAutofit/>
-          </a:bodyPr>
-          <a:lstStyle/>
-          <a:p>
-            <a:pPr marL="0" indent="0">
-              <a:buNone/>
-            </a:pPr>
-            <a:r>
-              <a:rPr lang="en-US" b="1" dirty="0">
-                <a:latin typeface="Frank Ruhl Libre" panose="00000500000000000000" pitchFamily="2" charset="-79"/>
-                <a:cs typeface="Frank Ruhl Libre" panose="00000500000000000000" pitchFamily="2" charset="-79"/>
-              </a:rPr>
-              <a:t>Strategies</a:t>
-            </a:r>
-          </a:p>
-          <a:p>
-            <a:r>
-              <a:rPr lang="en-US" dirty="0">
-                <a:latin typeface="Frank Ruhl Libre" panose="00000500000000000000" pitchFamily="2" charset="-79"/>
-                <a:cs typeface="Frank Ruhl Libre" panose="00000500000000000000" pitchFamily="2" charset="-79"/>
-              </a:rPr>
-              <a:t>Handcrafted Feature-Based Identification/Verification</a:t>
-            </a:r>
-          </a:p>
-          <a:p>
-            <a:r>
-              <a:rPr lang="en-US" dirty="0">
-                <a:latin typeface="Frank Ruhl Libre" panose="00000500000000000000" pitchFamily="2" charset="-79"/>
-                <a:cs typeface="Frank Ruhl Libre" panose="00000500000000000000" pitchFamily="2" charset="-79"/>
-              </a:rPr>
-              <a:t>Auto-Derived Feature-Based Identification/Verification</a:t>
-            </a:r>
-          </a:p>
-          <a:p>
-            <a:endParaRPr lang="en-IN" dirty="0">
-              <a:latin typeface="Frank Ruhl Libre" panose="00000500000000000000" pitchFamily="2" charset="-79"/>
-              <a:cs typeface="Frank Ruhl Libre" panose="00000500000000000000" pitchFamily="2" charset="-79"/>
-            </a:endParaRPr>
-          </a:p>
-        </p:txBody>
-      </p:sp>
-    </p:spTree>
-    <p:extLst>
-      <p:ext uri="{BB962C8B-B14F-4D97-AF65-F5344CB8AC3E}">
-        <p14:creationId xmlns:p14="http://schemas.microsoft.com/office/powerpoint/2010/main" val="3397303208"/>
-      </p:ext>
-    </p:extLst>
-  </p:cSld>
-  <p:clrMapOvr>
-    <a:masterClrMapping/>
-  </p:clrMapOvr>
-  <p:timing>
-    <p:tnLst>
-      <p:par>
-        <p:cTn id="1" dur="indefinite" restart="never" nodeType="tmRoot">
-          <p:childTnLst>
-            <p:seq concurrent="1" nextAc="seek">
-              <p:cTn id="2" dur="indefinite" nodeType="mainSeq">
-                <p:childTnLst>
-                  <p:par>
-                    <p:cTn id="3" fill="hold">
-                      <p:stCondLst>
-                        <p:cond delay="indefinite"/>
-                        <p:cond evt="onBegin" delay="0">
-                          <p:tn val="2"/>
-                        </p:cond>
-                      </p:stCondLst>
-                      <p:childTnLst>
-                        <p:par>
-                          <p:cTn id="4" fill="hold">
-                            <p:stCondLst>
-                              <p:cond delay="0"/>
-                            </p:stCondLst>
-                            <p:childTnLst>
-                              <p:par>
-                                <p:cTn id="5" presetID="1" presetClass="entr" presetSubtype="0" fill="hold" nodeType="withEffect">
-                                  <p:stCondLst>
-                                    <p:cond delay="0"/>
-                                  </p:stCondLst>
-                                  <p:childTnLst>
-                                    <p:set>
-                                      <p:cBhvr>
-                                        <p:cTn id="6" dur="1" fill="hold">
-                                          <p:stCondLst>
-                                            <p:cond delay="0"/>
-                                          </p:stCondLst>
-                                        </p:cTn>
-                                        <p:tgtEl>
-                                          <p:spTgt spid="3">
-                                            <p:txEl>
-                                              <p:pRg st="0" end="0"/>
-                                            </p:txEl>
-                                          </p:spTgt>
-                                        </p:tgtEl>
-                                        <p:attrNameLst>
-                                          <p:attrName>style.visibility</p:attrName>
-                                        </p:attrNameLst>
-                                      </p:cBhvr>
-                                      <p:to>
-                                        <p:strVal val="visible"/>
-                                      </p:to>
-                                    </p:set>
-                                  </p:childTnLst>
-                                </p:cTn>
-                              </p:par>
-                            </p:childTnLst>
-                          </p:cTn>
-                        </p:par>
-                      </p:childTnLst>
-                    </p:cTn>
-                  </p:par>
-                  <p:par>
-                    <p:cTn id="7" fill="hold">
-                      <p:stCondLst>
-                        <p:cond delay="indefinite"/>
-                      </p:stCondLst>
-                      <p:childTnLst>
-                        <p:par>
-                          <p:cTn id="8" fill="hold">
-                            <p:stCondLst>
-                              <p:cond delay="0"/>
-                            </p:stCondLst>
-                            <p:childTnLst>
-                              <p:par>
-                                <p:cTn id="9" presetID="1" presetClass="entr" presetSubtype="0" fill="hold" nodeType="clickEffect">
-                                  <p:stCondLst>
-                                    <p:cond delay="0"/>
-                                  </p:stCondLst>
-                                  <p:childTnLst>
-                                    <p:set>
-                                      <p:cBhvr>
-                                        <p:cTn id="10" dur="1" fill="hold">
-                                          <p:stCondLst>
-                                            <p:cond delay="0"/>
-                                          </p:stCondLst>
-                                        </p:cTn>
-                                        <p:tgtEl>
-                                          <p:spTgt spid="3">
-                                            <p:txEl>
-                                              <p:pRg st="1" end="1"/>
-                                            </p:txEl>
-                                          </p:spTgt>
-                                        </p:tgtEl>
-                                        <p:attrNameLst>
-                                          <p:attrName>style.visibility</p:attrName>
-                                        </p:attrNameLst>
-                                      </p:cBhvr>
-                                      <p:to>
-                                        <p:strVal val="visible"/>
-                                      </p:to>
-                                    </p:set>
-                                  </p:childTnLst>
-                                </p:cTn>
-                              </p:par>
-                            </p:childTnLst>
-                          </p:cTn>
-                        </p:par>
-                      </p:childTnLst>
-                    </p:cTn>
-                  </p:par>
-                  <p:par>
-                    <p:cTn id="11" fill="hold">
-                      <p:stCondLst>
-                        <p:cond delay="indefinite"/>
-                      </p:stCondLst>
-                      <p:childTnLst>
-                        <p:par>
-                          <p:cTn id="12" fill="hold">
-                            <p:stCondLst>
-                              <p:cond delay="0"/>
-                            </p:stCondLst>
-                            <p:childTnLst>
-                              <p:par>
-                                <p:cTn id="13" presetID="1" presetClass="entr" presetSubtype="0" fill="hold" nodeType="clickEffect">
-                                  <p:stCondLst>
-                                    <p:cond delay="0"/>
-                                  </p:stCondLst>
-                                  <p:childTnLst>
-                                    <p:set>
-                                      <p:cBhvr>
-                                        <p:cTn id="14" dur="1" fill="hold">
-                                          <p:stCondLst>
-                                            <p:cond delay="0"/>
-                                          </p:stCondLst>
-                                        </p:cTn>
-                                        <p:tgtEl>
-                                          <p:spTgt spid="3">
-                                            <p:txEl>
-                                              <p:pRg st="2" end="2"/>
-                                            </p:txEl>
-                                          </p:spTgt>
-                                        </p:tgtEl>
-                                        <p:attrNameLst>
-                                          <p:attrName>style.visibility</p:attrName>
-                                        </p:attrNameLst>
-                                      </p:cBhvr>
-                                      <p:to>
-                                        <p:strVal val="visible"/>
-                                      </p:to>
-                                    </p:set>
-                                  </p:childTnLst>
-                                </p:cTn>
-                              </p:par>
-                            </p:childTnLst>
-                          </p:cTn>
-                        </p:par>
-                      </p:childTnLst>
-                    </p:cTn>
-                  </p:par>
-                </p:childTnLst>
-              </p:cTn>
-              <p:prevCondLst>
-                <p:cond evt="onPrev" delay="0">
-                  <p:tgtEl>
-                    <p:sldTgt/>
-                  </p:tgtEl>
-                </p:cond>
-              </p:prevCondLst>
-              <p:nextCondLst>
-                <p:cond evt="onNext" delay="0">
-                  <p:tgtEl>
-                    <p:sldTgt/>
-                  </p:tgtEl>
-                </p:cond>
-              </p:nextCondLst>
-            </p:seq>
-          </p:childTnLst>
-        </p:cTn>
-      </p:par>
-    </p:tnLst>
-  </p:timing>
-</p:sld>
-</file>
-
-<file path=ppt/slides/slide12.xml><?xml version="1.0" encoding="utf-8"?>
-<p:sld xmlns:a="http://schemas.openxmlformats.org/drawingml/2006/main" xmlns:r="http://schemas.openxmlformats.org/officeDocument/2006/relationships" xmlns:p="http://schemas.openxmlformats.org/presentationml/2006/main">
-  <p:cSld>
-    <p:spTree>
-      <p:nvGrpSpPr>
-        <p:cNvPr id="1" name=""/>
-        <p:cNvGrpSpPr/>
-        <p:nvPr/>
-      </p:nvGrpSpPr>
-      <p:grpSpPr>
-        <a:xfrm>
-          <a:off x="0" y="0"/>
-          <a:ext cx="0" cy="0"/>
-          <a:chOff x="0" y="0"/>
-          <a:chExt cx="0" cy="0"/>
-        </a:xfrm>
-      </p:grpSpPr>
-      <p:sp>
-        <p:nvSpPr>
-          <p:cNvPr id="2" name="Title 1">
-            <a:extLst>
-              <a:ext uri="{FF2B5EF4-FFF2-40B4-BE49-F238E27FC236}">
                 <a16:creationId xmlns:a16="http://schemas.microsoft.com/office/drawing/2014/main" id="{FF947F9E-45E4-42E9-A1B4-4FDAE2D811F4}"/>
               </a:ext>
             </a:extLst>
@@ -14286,6 +13429,15 @@
                 <a:cs typeface="Frank Ruhl Libre" panose="00000500000000000000" pitchFamily="2" charset="-79"/>
               </a:rPr>
               <a:t>Writer verification</a:t>
+            </a:r>
+          </a:p>
+          <a:p>
+            <a:r>
+              <a:rPr lang="en-US" dirty="0">
+                <a:latin typeface="Frank Ruhl Libre" panose="00000500000000000000" pitchFamily="2" charset="-79"/>
+                <a:cs typeface="Frank Ruhl Libre" panose="00000500000000000000" pitchFamily="2" charset="-79"/>
+              </a:rPr>
+              <a:t>Verification on Word Level Features</a:t>
             </a:r>
           </a:p>
           <a:p>
@@ -14479,6 +13631,55 @@
                       </p:childTnLst>
                     </p:cTn>
                   </p:par>
+                  <p:par>
+                    <p:cTn id="15" fill="hold">
+                      <p:stCondLst>
+                        <p:cond delay="indefinite"/>
+                      </p:stCondLst>
+                      <p:childTnLst>
+                        <p:par>
+                          <p:cTn id="16" fill="hold">
+                            <p:stCondLst>
+                              <p:cond delay="0"/>
+                            </p:stCondLst>
+                            <p:childTnLst>
+                              <p:par>
+                                <p:cTn id="17" presetID="1" presetClass="entr" presetSubtype="0" fill="hold" nodeType="clickEffect">
+                                  <p:stCondLst>
+                                    <p:cond delay="0"/>
+                                  </p:stCondLst>
+                                  <p:childTnLst>
+                                    <p:set>
+                                      <p:cBhvr>
+                                        <p:cTn id="18" dur="1" fill="hold">
+                                          <p:stCondLst>
+                                            <p:cond delay="0"/>
+                                          </p:stCondLst>
+                                        </p:cTn>
+                                        <p:tgtEl>
+                                          <p:spTgt spid="3">
+                                            <p:txEl>
+                                              <p:pRg st="3" end="3"/>
+                                            </p:txEl>
+                                          </p:spTgt>
+                                        </p:tgtEl>
+                                        <p:attrNameLst>
+                                          <p:attrName>style.visibility</p:attrName>
+                                        </p:attrNameLst>
+                                      </p:cBhvr>
+                                      <p:to>
+                                        <p:strVal val="visible"/>
+                                      </p:to>
+                                    </p:set>
+                                  </p:childTnLst>
+                                </p:cTn>
+                              </p:par>
+                            </p:childTnLst>
+                          </p:cTn>
+                        </p:par>
+                      </p:childTnLst>
+                    </p:cTn>
+                  </p:par>
                 </p:childTnLst>
               </p:cTn>
               <p:prevCondLst>
@@ -14504,7 +13705,7 @@
 </p:sld>
 </file>
 
-<file path=ppt/slides/slide13.xml><?xml version="1.0" encoding="utf-8"?>
+<file path=ppt/slides/slide11.xml><?xml version="1.0" encoding="utf-8"?>
 <p:sld xmlns:a="http://schemas.openxmlformats.org/drawingml/2006/main" xmlns:r="http://schemas.openxmlformats.org/officeDocument/2006/relationships" xmlns:p="http://schemas.openxmlformats.org/presentationml/2006/main">
   <p:cSld>
     <p:spTree>
@@ -14595,7 +13796,7 @@
 </p:sld>
 </file>
 
-<file path=ppt/slides/slide14.xml><?xml version="1.0" encoding="utf-8"?>
+<file path=ppt/slides/slide12.xml><?xml version="1.0" encoding="utf-8"?>
 <p:sld xmlns:a="http://schemas.openxmlformats.org/drawingml/2006/main" xmlns:r="http://schemas.openxmlformats.org/officeDocument/2006/relationships" xmlns:p="http://schemas.openxmlformats.org/presentationml/2006/main">
   <p:cSld>
     <p:spTree>
@@ -15009,7 +14210,7 @@
 </p:sld>
 </file>
 
-<file path=ppt/slides/slide15.xml><?xml version="1.0" encoding="utf-8"?>
+<file path=ppt/slides/slide13.xml><?xml version="1.0" encoding="utf-8"?>
 <p:sld xmlns:a="http://schemas.openxmlformats.org/drawingml/2006/main" xmlns:r="http://schemas.openxmlformats.org/officeDocument/2006/relationships" xmlns:p="http://schemas.openxmlformats.org/presentationml/2006/main">
   <p:cSld>
     <p:spTree>
@@ -15092,7 +14293,7 @@
                 <a:latin typeface="Frank Ruhl Libre" panose="00000500000000000000" pitchFamily="2" charset="-79"/>
                 <a:cs typeface="Frank Ruhl Libre" panose="00000500000000000000" pitchFamily="2" charset="-79"/>
               </a:rPr>
-              <a:t>Data Segmented into Word-Sized Images</a:t>
+              <a:t>Data Segmented into Word-Sized Images [12]</a:t>
             </a:r>
           </a:p>
           <a:p>
@@ -15705,7 +14906,255 @@
 </p:sld>
 </file>
 
-<file path=ppt/slides/slide16.xml><?xml version="1.0" encoding="utf-8"?>
+<file path=ppt/slides/slide14.xml><?xml version="1.0" encoding="utf-8"?>
+<p:sld xmlns:a="http://schemas.openxmlformats.org/drawingml/2006/main" xmlns:r="http://schemas.openxmlformats.org/officeDocument/2006/relationships" xmlns:p="http://schemas.openxmlformats.org/presentationml/2006/main">
+  <p:cSld>
+    <p:spTree>
+      <p:nvGrpSpPr>
+        <p:cNvPr id="1" name=""/>
+        <p:cNvGrpSpPr/>
+        <p:nvPr/>
+      </p:nvGrpSpPr>
+      <p:grpSpPr>
+        <a:xfrm>
+          <a:off x="0" y="0"/>
+          <a:ext cx="0" cy="0"/>
+          <a:chOff x="0" y="0"/>
+          <a:chExt cx="0" cy="0"/>
+        </a:xfrm>
+      </p:grpSpPr>
+      <p:sp>
+        <p:nvSpPr>
+          <p:cNvPr id="2" name="Title 1">
+            <a:extLst>
+              <a:ext uri="{FF2B5EF4-FFF2-40B4-BE49-F238E27FC236}">
+                <a16:creationId xmlns:a16="http://schemas.microsoft.com/office/drawing/2014/main" id="{F7A0676A-EF31-4666-BDC3-56D932FF6412}"/>
+              </a:ext>
+            </a:extLst>
+          </p:cNvPr>
+          <p:cNvSpPr>
+            <a:spLocks noGrp="1"/>
+          </p:cNvSpPr>
+          <p:nvPr>
+            <p:ph type="title"/>
+          </p:nvPr>
+        </p:nvSpPr>
+        <p:spPr/>
+        <p:txBody>
+          <a:bodyPr/>
+          <a:lstStyle/>
+          <a:p>
+            <a:r>
+              <a:rPr lang="en-IN" dirty="0">
+                <a:latin typeface="Garamond" panose="02020404030301010803" pitchFamily="18" charset="0"/>
+              </a:rPr>
+              <a:t>Example Data</a:t>
+            </a:r>
+          </a:p>
+        </p:txBody>
+      </p:sp>
+      <p:pic>
+        <p:nvPicPr>
+          <p:cNvPr id="5" name="Content Placeholder 4">
+            <a:extLst>
+              <a:ext uri="{FF2B5EF4-FFF2-40B4-BE49-F238E27FC236}">
+                <a16:creationId xmlns:a16="http://schemas.microsoft.com/office/drawing/2014/main" id="{EA22EF6E-2BA1-4985-9D45-C5CA509A320A}"/>
+              </a:ext>
+            </a:extLst>
+          </p:cNvPr>
+          <p:cNvPicPr>
+            <a:picLocks noGrp="1" noChangeAspect="1"/>
+          </p:cNvPicPr>
+          <p:nvPr>
+            <p:ph idx="1"/>
+          </p:nvPr>
+        </p:nvPicPr>
+        <p:blipFill>
+          <a:blip r:embed="rId3">
+            <a:extLst>
+              <a:ext uri="{28A0092B-C50C-407E-A947-70E740481C1C}">
+                <a14:useLocalDpi xmlns:a14="http://schemas.microsoft.com/office/drawing/2010/main" val="0"/>
+              </a:ext>
+            </a:extLst>
+          </a:blip>
+          <a:stretch>
+            <a:fillRect/>
+          </a:stretch>
+        </p:blipFill>
+        <p:spPr>
+          <a:xfrm>
+            <a:off x="2273655" y="2524710"/>
+            <a:ext cx="7644685" cy="1325563"/>
+          </a:xfrm>
+          <a:ln>
+            <a:solidFill>
+              <a:schemeClr val="tx1"/>
+            </a:solidFill>
+          </a:ln>
+        </p:spPr>
+      </p:pic>
+      <p:sp>
+        <p:nvSpPr>
+          <p:cNvPr id="7" name="TextBox 6">
+            <a:extLst>
+              <a:ext uri="{FF2B5EF4-FFF2-40B4-BE49-F238E27FC236}">
+                <a16:creationId xmlns:a16="http://schemas.microsoft.com/office/drawing/2014/main" id="{0459E266-0F98-4222-B171-72A35AE46F00}"/>
+              </a:ext>
+            </a:extLst>
+          </p:cNvPr>
+          <p:cNvSpPr txBox="1"/>
+          <p:nvPr/>
+        </p:nvSpPr>
+        <p:spPr>
+          <a:xfrm>
+            <a:off x="4050630" y="4122821"/>
+            <a:ext cx="4090736" cy="584775"/>
+          </a:xfrm>
+          <a:prstGeom prst="rect">
+            <a:avLst/>
+          </a:prstGeom>
+          <a:noFill/>
+        </p:spPr>
+        <p:txBody>
+          <a:bodyPr wrap="square" rtlCol="0">
+            <a:spAutoFit/>
+          </a:bodyPr>
+          <a:lstStyle/>
+          <a:p>
+            <a:pPr algn="ctr"/>
+            <a:r>
+              <a:rPr lang="en-US" sz="3200" i="1" dirty="0">
+                <a:latin typeface="Frank Ruhl Libre" panose="00000500000000000000" pitchFamily="2" charset="-79"/>
+                <a:cs typeface="Frank Ruhl Libre" panose="00000500000000000000" pitchFamily="2" charset="-79"/>
+              </a:rPr>
+              <a:t>Fig 1. 0000_01_0.tiff</a:t>
+            </a:r>
+            <a:endParaRPr lang="en-IN" sz="3200" i="1" dirty="0">
+              <a:latin typeface="Frank Ruhl Libre" panose="00000500000000000000" pitchFamily="2" charset="-79"/>
+              <a:cs typeface="Frank Ruhl Libre" panose="00000500000000000000" pitchFamily="2" charset="-79"/>
+            </a:endParaRPr>
+          </a:p>
+        </p:txBody>
+      </p:sp>
+    </p:spTree>
+    <p:extLst>
+      <p:ext uri="{BB962C8B-B14F-4D97-AF65-F5344CB8AC3E}">
+        <p14:creationId xmlns:p14="http://schemas.microsoft.com/office/powerpoint/2010/main" val="1495582415"/>
+      </p:ext>
+    </p:extLst>
+  </p:cSld>
+  <p:clrMapOvr>
+    <a:masterClrMapping/>
+  </p:clrMapOvr>
+  <p:timing>
+    <p:tnLst>
+      <p:par>
+        <p:cTn id="1" dur="indefinite" restart="never" nodeType="tmRoot">
+          <p:childTnLst>
+            <p:seq concurrent="1" nextAc="seek">
+              <p:cTn id="2" dur="indefinite" nodeType="mainSeq">
+                <p:childTnLst>
+                  <p:par>
+                    <p:cTn id="3" fill="hold">
+                      <p:stCondLst>
+                        <p:cond delay="indefinite"/>
+                      </p:stCondLst>
+                      <p:childTnLst>
+                        <p:par>
+                          <p:cTn id="4" fill="hold">
+                            <p:stCondLst>
+                              <p:cond delay="0"/>
+                            </p:stCondLst>
+                            <p:childTnLst>
+                              <p:par>
+                                <p:cTn id="5" presetID="1" presetClass="entr" presetSubtype="0" fill="hold" nodeType="clickEffect">
+                                  <p:stCondLst>
+                                    <p:cond delay="0"/>
+                                  </p:stCondLst>
+                                  <p:childTnLst>
+                                    <p:set>
+                                      <p:cBhvr>
+                                        <p:cTn id="6" dur="1" fill="hold">
+                                          <p:stCondLst>
+                                            <p:cond delay="0"/>
+                                          </p:stCondLst>
+                                        </p:cTn>
+                                        <p:tgtEl>
+                                          <p:spTgt spid="5"/>
+                                        </p:tgtEl>
+                                        <p:attrNameLst>
+                                          <p:attrName>style.visibility</p:attrName>
+                                        </p:attrNameLst>
+                                      </p:cBhvr>
+                                      <p:to>
+                                        <p:strVal val="visible"/>
+                                      </p:to>
+                                    </p:set>
+                                  </p:childTnLst>
+                                </p:cTn>
+                              </p:par>
+                              <p:par>
+                                <p:cTn id="7" presetID="1" presetClass="entr" presetSubtype="0" fill="hold" grpId="0" nodeType="withEffect">
+                                  <p:stCondLst>
+                                    <p:cond delay="0"/>
+                                  </p:stCondLst>
+                                  <p:childTnLst>
+                                    <p:set>
+                                      <p:cBhvr>
+                                        <p:cTn id="8" dur="1" fill="hold">
+                                          <p:stCondLst>
+                                            <p:cond delay="0"/>
+                                          </p:stCondLst>
+                                        </p:cTn>
+                                        <p:tgtEl>
+                                          <p:spTgt spid="7"/>
+                                        </p:tgtEl>
+                                        <p:attrNameLst>
+                                          <p:attrName>style.visibility</p:attrName>
+                                        </p:attrNameLst>
+                                      </p:cBhvr>
+                                      <p:to>
+                                        <p:strVal val="visible"/>
+                                      </p:to>
+                                    </p:set>
+                                  </p:childTnLst>
+                                </p:cTn>
+                              </p:par>
+                            </p:childTnLst>
+                          </p:cTn>
+                        </p:par>
+                      </p:childTnLst>
+                    </p:cTn>
+                  </p:par>
+                </p:childTnLst>
+              </p:cTn>
+              <p:prevCondLst>
+                <p:cond evt="onPrev" delay="0">
+                  <p:tgtEl>
+                    <p:sldTgt/>
+                  </p:tgtEl>
+                </p:cond>
+              </p:prevCondLst>
+              <p:nextCondLst>
+                <p:cond evt="onNext" delay="0">
+                  <p:tgtEl>
+                    <p:sldTgt/>
+                  </p:tgtEl>
+                </p:cond>
+              </p:nextCondLst>
+            </p:seq>
+          </p:childTnLst>
+        </p:cTn>
+      </p:par>
+    </p:tnLst>
+    <p:bldLst>
+      <p:bldP spid="7" grpId="0"/>
+    </p:bldLst>
+  </p:timing>
+</p:sld>
+</file>
+
+<file path=ppt/slides/slide15.xml><?xml version="1.0" encoding="utf-8"?>
 <p:sld xmlns:a="http://schemas.openxmlformats.org/drawingml/2006/main" xmlns:r="http://schemas.openxmlformats.org/officeDocument/2006/relationships" xmlns:p="http://schemas.openxmlformats.org/presentationml/2006/main">
   <p:cSld>
     <p:spTree>
@@ -16322,7 +15771,7 @@
 </p:sld>
 </file>
 
-<file path=ppt/slides/slide17.xml><?xml version="1.0" encoding="utf-8"?>
+<file path=ppt/slides/slide16.xml><?xml version="1.0" encoding="utf-8"?>
 <p:sld xmlns:a="http://schemas.openxmlformats.org/drawingml/2006/main" xmlns:r="http://schemas.openxmlformats.org/officeDocument/2006/relationships" xmlns:p="http://schemas.openxmlformats.org/presentationml/2006/main">
   <p:cSld>
     <p:spTree>
@@ -16560,7 +16009,7 @@
 </p:sld>
 </file>
 
-<file path=ppt/slides/slide18.xml><?xml version="1.0" encoding="utf-8"?>
+<file path=ppt/slides/slide17.xml><?xml version="1.0" encoding="utf-8"?>
 <p:sld xmlns:a="http://schemas.openxmlformats.org/drawingml/2006/main" xmlns:r="http://schemas.openxmlformats.org/officeDocument/2006/relationships" xmlns:p="http://schemas.openxmlformats.org/presentationml/2006/main">
   <p:cSld>
     <p:spTree>
@@ -16660,7 +16109,7 @@
 </p:sld>
 </file>
 
-<file path=ppt/slides/slide19.xml><?xml version="1.0" encoding="utf-8"?>
+<file path=ppt/slides/slide18.xml><?xml version="1.0" encoding="utf-8"?>
 <p:sld xmlns:a="http://schemas.openxmlformats.org/drawingml/2006/main" xmlns:r="http://schemas.openxmlformats.org/officeDocument/2006/relationships" xmlns:p="http://schemas.openxmlformats.org/presentationml/2006/main">
   <p:cSld>
     <p:spTree>
@@ -16845,119 +16294,7 @@
 </p:sld>
 </file>
 
-<file path=ppt/slides/slide2.xml><?xml version="1.0" encoding="utf-8"?>
-<p:sld xmlns:a="http://schemas.openxmlformats.org/drawingml/2006/main" xmlns:r="http://schemas.openxmlformats.org/officeDocument/2006/relationships" xmlns:p="http://schemas.openxmlformats.org/presentationml/2006/main">
-  <p:cSld>
-    <p:spTree>
-      <p:nvGrpSpPr>
-        <p:cNvPr id="1" name=""/>
-        <p:cNvGrpSpPr/>
-        <p:nvPr/>
-      </p:nvGrpSpPr>
-      <p:grpSpPr>
-        <a:xfrm>
-          <a:off x="0" y="0"/>
-          <a:ext cx="0" cy="0"/>
-          <a:chOff x="0" y="0"/>
-          <a:chExt cx="0" cy="0"/>
-        </a:xfrm>
-      </p:grpSpPr>
-      <p:sp>
-        <p:nvSpPr>
-          <p:cNvPr id="2" name="Title 1">
-            <a:extLst>
-              <a:ext uri="{FF2B5EF4-FFF2-40B4-BE49-F238E27FC236}">
-                <a16:creationId xmlns:a16="http://schemas.microsoft.com/office/drawing/2014/main" id="{D05353AF-E2C1-4CFA-A936-D3C1C864F3C1}"/>
-              </a:ext>
-            </a:extLst>
-          </p:cNvPr>
-          <p:cNvSpPr>
-            <a:spLocks noGrp="1"/>
-          </p:cNvSpPr>
-          <p:nvPr>
-            <p:ph type="title"/>
-          </p:nvPr>
-        </p:nvSpPr>
-        <p:spPr/>
-        <p:txBody>
-          <a:bodyPr/>
-          <a:lstStyle/>
-          <a:p>
-            <a:r>
-              <a:rPr lang="en-IN" dirty="0">
-                <a:latin typeface="Garamond" panose="02020404030301010803" pitchFamily="18" charset="0"/>
-              </a:rPr>
-              <a:t>Presenter: </a:t>
-            </a:r>
-            <a:r>
-              <a:rPr lang="en-IN" dirty="0" err="1">
-                <a:latin typeface="Garamond" panose="02020404030301010803" pitchFamily="18" charset="0"/>
-              </a:rPr>
-              <a:t>Sharanya</a:t>
-            </a:r>
-            <a:r>
-              <a:rPr lang="en-IN" dirty="0">
-                <a:latin typeface="Garamond" panose="02020404030301010803" pitchFamily="18" charset="0"/>
-              </a:rPr>
-              <a:t> </a:t>
-            </a:r>
-            <a:r>
-              <a:rPr lang="en-IN" dirty="0" err="1">
-                <a:latin typeface="Garamond" panose="02020404030301010803" pitchFamily="18" charset="0"/>
-              </a:rPr>
-              <a:t>Saha</a:t>
-            </a:r>
-            <a:endParaRPr lang="en-IN" dirty="0">
-              <a:latin typeface="Garamond" panose="02020404030301010803" pitchFamily="18" charset="0"/>
-            </a:endParaRPr>
-          </a:p>
-        </p:txBody>
-      </p:sp>
-      <p:sp>
-        <p:nvSpPr>
-          <p:cNvPr id="3" name="Text Placeholder 2">
-            <a:extLst>
-              <a:ext uri="{FF2B5EF4-FFF2-40B4-BE49-F238E27FC236}">
-                <a16:creationId xmlns:a16="http://schemas.microsoft.com/office/drawing/2014/main" id="{EB9E7E25-708B-4040-9DB2-B698355EB3F2}"/>
-              </a:ext>
-            </a:extLst>
-          </p:cNvPr>
-          <p:cNvSpPr>
-            <a:spLocks noGrp="1"/>
-          </p:cNvSpPr>
-          <p:nvPr>
-            <p:ph type="body" idx="1"/>
-          </p:nvPr>
-        </p:nvSpPr>
-        <p:spPr/>
-        <p:txBody>
-          <a:bodyPr/>
-          <a:lstStyle/>
-          <a:p>
-            <a:r>
-              <a:rPr lang="en-IN" dirty="0">
-                <a:latin typeface="Frank Ruhl Libre" panose="00000500000000000000" pitchFamily="2" charset="-79"/>
-                <a:cs typeface="Frank Ruhl Libre" panose="00000500000000000000" pitchFamily="2" charset="-79"/>
-              </a:rPr>
-              <a:t>Motivation, Software Used, Hardware Used, Significance of Hardware</a:t>
-            </a:r>
-          </a:p>
-        </p:txBody>
-      </p:sp>
-    </p:spTree>
-    <p:extLst>
-      <p:ext uri="{BB962C8B-B14F-4D97-AF65-F5344CB8AC3E}">
-        <p14:creationId xmlns:p14="http://schemas.microsoft.com/office/powerpoint/2010/main" val="510334689"/>
-      </p:ext>
-    </p:extLst>
-  </p:cSld>
-  <p:clrMapOvr>
-    <a:masterClrMapping/>
-  </p:clrMapOvr>
-</p:sld>
-</file>
-
-<file path=ppt/slides/slide20.xml><?xml version="1.0" encoding="utf-8"?>
+<file path=ppt/slides/slide19.xml><?xml version="1.0" encoding="utf-8"?>
 <p:sld xmlns:a="http://schemas.openxmlformats.org/drawingml/2006/main" xmlns:r="http://schemas.openxmlformats.org/officeDocument/2006/relationships" xmlns:p="http://schemas.openxmlformats.org/presentationml/2006/main">
   <p:cSld>
     <p:spTree>
@@ -17453,7 +16790,119 @@
 </p:sld>
 </file>
 
-<file path=ppt/slides/slide21.xml><?xml version="1.0" encoding="utf-8"?>
+<file path=ppt/slides/slide2.xml><?xml version="1.0" encoding="utf-8"?>
+<p:sld xmlns:a="http://schemas.openxmlformats.org/drawingml/2006/main" xmlns:r="http://schemas.openxmlformats.org/officeDocument/2006/relationships" xmlns:p="http://schemas.openxmlformats.org/presentationml/2006/main">
+  <p:cSld>
+    <p:spTree>
+      <p:nvGrpSpPr>
+        <p:cNvPr id="1" name=""/>
+        <p:cNvGrpSpPr/>
+        <p:nvPr/>
+      </p:nvGrpSpPr>
+      <p:grpSpPr>
+        <a:xfrm>
+          <a:off x="0" y="0"/>
+          <a:ext cx="0" cy="0"/>
+          <a:chOff x="0" y="0"/>
+          <a:chExt cx="0" cy="0"/>
+        </a:xfrm>
+      </p:grpSpPr>
+      <p:sp>
+        <p:nvSpPr>
+          <p:cNvPr id="2" name="Title 1">
+            <a:extLst>
+              <a:ext uri="{FF2B5EF4-FFF2-40B4-BE49-F238E27FC236}">
+                <a16:creationId xmlns:a16="http://schemas.microsoft.com/office/drawing/2014/main" id="{D05353AF-E2C1-4CFA-A936-D3C1C864F3C1}"/>
+              </a:ext>
+            </a:extLst>
+          </p:cNvPr>
+          <p:cNvSpPr>
+            <a:spLocks noGrp="1"/>
+          </p:cNvSpPr>
+          <p:nvPr>
+            <p:ph type="title"/>
+          </p:nvPr>
+        </p:nvSpPr>
+        <p:spPr/>
+        <p:txBody>
+          <a:bodyPr/>
+          <a:lstStyle/>
+          <a:p>
+            <a:r>
+              <a:rPr lang="en-IN" dirty="0">
+                <a:latin typeface="Garamond" panose="02020404030301010803" pitchFamily="18" charset="0"/>
+              </a:rPr>
+              <a:t>Presenter: </a:t>
+            </a:r>
+            <a:r>
+              <a:rPr lang="en-IN" dirty="0" err="1">
+                <a:latin typeface="Garamond" panose="02020404030301010803" pitchFamily="18" charset="0"/>
+              </a:rPr>
+              <a:t>Sharanya</a:t>
+            </a:r>
+            <a:r>
+              <a:rPr lang="en-IN" dirty="0">
+                <a:latin typeface="Garamond" panose="02020404030301010803" pitchFamily="18" charset="0"/>
+              </a:rPr>
+              <a:t> </a:t>
+            </a:r>
+            <a:r>
+              <a:rPr lang="en-IN" dirty="0" err="1">
+                <a:latin typeface="Garamond" panose="02020404030301010803" pitchFamily="18" charset="0"/>
+              </a:rPr>
+              <a:t>Saha</a:t>
+            </a:r>
+            <a:endParaRPr lang="en-IN" dirty="0">
+              <a:latin typeface="Garamond" panose="02020404030301010803" pitchFamily="18" charset="0"/>
+            </a:endParaRPr>
+          </a:p>
+        </p:txBody>
+      </p:sp>
+      <p:sp>
+        <p:nvSpPr>
+          <p:cNvPr id="3" name="Text Placeholder 2">
+            <a:extLst>
+              <a:ext uri="{FF2B5EF4-FFF2-40B4-BE49-F238E27FC236}">
+                <a16:creationId xmlns:a16="http://schemas.microsoft.com/office/drawing/2014/main" id="{EB9E7E25-708B-4040-9DB2-B698355EB3F2}"/>
+              </a:ext>
+            </a:extLst>
+          </p:cNvPr>
+          <p:cNvSpPr>
+            <a:spLocks noGrp="1"/>
+          </p:cNvSpPr>
+          <p:nvPr>
+            <p:ph type="body" idx="1"/>
+          </p:nvPr>
+        </p:nvSpPr>
+        <p:spPr/>
+        <p:txBody>
+          <a:bodyPr/>
+          <a:lstStyle/>
+          <a:p>
+            <a:r>
+              <a:rPr lang="en-IN" dirty="0">
+                <a:latin typeface="Frank Ruhl Libre" panose="00000500000000000000" pitchFamily="2" charset="-79"/>
+                <a:cs typeface="Frank Ruhl Libre" panose="00000500000000000000" pitchFamily="2" charset="-79"/>
+              </a:rPr>
+              <a:t>Motivation, Software Used, Hardware Used, Significance of Hardware</a:t>
+            </a:r>
+          </a:p>
+        </p:txBody>
+      </p:sp>
+    </p:spTree>
+    <p:extLst>
+      <p:ext uri="{BB962C8B-B14F-4D97-AF65-F5344CB8AC3E}">
+        <p14:creationId xmlns:p14="http://schemas.microsoft.com/office/powerpoint/2010/main" val="510334689"/>
+      </p:ext>
+    </p:extLst>
+  </p:cSld>
+  <p:clrMapOvr>
+    <a:masterClrMapping/>
+  </p:clrMapOvr>
+</p:sld>
+</file>
+
+<file path=ppt/slides/slide20.xml><?xml version="1.0" encoding="utf-8"?>
 <p:sld xmlns:a="http://schemas.openxmlformats.org/drawingml/2006/main" xmlns:r="http://schemas.openxmlformats.org/officeDocument/2006/relationships" xmlns:p="http://schemas.openxmlformats.org/presentationml/2006/main">
   <p:cSld>
     <p:spTree>
@@ -18604,7 +18053,7 @@
 </p:sld>
 </file>
 
-<file path=ppt/slides/slide22.xml><?xml version="1.0" encoding="utf-8"?>
+<file path=ppt/slides/slide21.xml><?xml version="1.0" encoding="utf-8"?>
 <p:sld xmlns:a="http://schemas.openxmlformats.org/drawingml/2006/main" xmlns:r="http://schemas.openxmlformats.org/officeDocument/2006/relationships" xmlns:p="http://schemas.openxmlformats.org/presentationml/2006/main">
   <p:cSld>
     <p:spTree>
@@ -18723,39 +18172,6 @@
           </a:p>
         </p:txBody>
       </p:sp>
-      <p:pic>
-        <p:nvPicPr>
-          <p:cNvPr id="4" name="Picture 3">
-            <a:extLst>
-              <a:ext uri="{FF2B5EF4-FFF2-40B4-BE49-F238E27FC236}">
-                <a16:creationId xmlns:a16="http://schemas.microsoft.com/office/drawing/2014/main" id="{53B108B5-B7A6-41A5-BC0E-745E2B8BB091}"/>
-              </a:ext>
-            </a:extLst>
-          </p:cNvPr>
-          <p:cNvPicPr/>
-          <p:nvPr/>
-        </p:nvPicPr>
-        <p:blipFill>
-          <a:blip r:embed="rId2"/>
-          <a:stretch>
-            <a:fillRect/>
-          </a:stretch>
-        </p:blipFill>
-        <p:spPr>
-          <a:xfrm>
-            <a:off x="3766656" y="2084125"/>
-            <a:ext cx="7704589" cy="3297442"/>
-          </a:xfrm>
-          <a:prstGeom prst="rect">
-            <a:avLst/>
-          </a:prstGeom>
-          <a:ln>
-            <a:solidFill>
-              <a:schemeClr val="tx1"/>
-            </a:solidFill>
-          </a:ln>
-        </p:spPr>
-      </p:pic>
     </p:spTree>
     <p:extLst>
       <p:ext uri="{BB962C8B-B14F-4D97-AF65-F5344CB8AC3E}">
@@ -18921,51 +18337,6 @@
                       </p:childTnLst>
                     </p:cTn>
                   </p:par>
-                  <p:par>
-                    <p:cTn id="15" fill="hold">
-                      <p:stCondLst>
-                        <p:cond delay="indefinite"/>
-                      </p:stCondLst>
-                      <p:childTnLst>
-                        <p:par>
-                          <p:cTn id="16" fill="hold">
-                            <p:stCondLst>
-                              <p:cond delay="0"/>
-                            </p:stCondLst>
-                            <p:childTnLst>
-                              <p:par>
-                                <p:cTn id="17" presetID="1" presetClass="entr" presetSubtype="0" fill="hold" nodeType="clickEffect">
-                                  <p:stCondLst>
-                                    <p:cond delay="0"/>
-                                  </p:stCondLst>
-                                  <p:childTnLst>
-                                    <p:set>
-                                      <p:cBhvr>
-                                        <p:cTn id="18" dur="1" fill="hold">
-                                          <p:stCondLst>
-                                            <p:cond delay="0"/>
-                                          </p:stCondLst>
-                                        </p:cTn>
-                                        <p:tgtEl>
-                                          <p:spTgt spid="4"/>
-                                        </p:tgtEl>
-                                        <p:attrNameLst>
-                                          <p:attrName>style.visibility</p:attrName>
-                                        </p:attrNameLst>
-                                      </p:cBhvr>
-                                      <p:to>
-                                        <p:strVal val="visible"/>
-                                      </p:to>
-                                    </p:set>
-                                  </p:childTnLst>
-                                </p:cTn>
-                              </p:par>
-                            </p:childTnLst>
-                          </p:cTn>
-                        </p:par>
-                      </p:childTnLst>
-                    </p:cTn>
-                  </p:par>
                 </p:childTnLst>
               </p:cTn>
               <p:prevCondLst>
@@ -18991,7 +18362,7 @@
 </p:sld>
 </file>
 
-<file path=ppt/slides/slide23.xml><?xml version="1.0" encoding="utf-8"?>
+<file path=ppt/slides/slide22.xml><?xml version="1.0" encoding="utf-8"?>
 <p:sld xmlns:a="http://schemas.openxmlformats.org/drawingml/2006/main" xmlns:r="http://schemas.openxmlformats.org/officeDocument/2006/relationships" xmlns:p="http://schemas.openxmlformats.org/presentationml/2006/main">
   <p:cSld>
     <p:spTree>
@@ -19461,7 +18832,1012 @@
 </p:sld>
 </file>
 
+<file path=ppt/slides/slide23.xml><?xml version="1.0" encoding="utf-8"?>
+<p:sld xmlns:a="http://schemas.openxmlformats.org/drawingml/2006/main" xmlns:r="http://schemas.openxmlformats.org/officeDocument/2006/relationships" xmlns:p="http://schemas.openxmlformats.org/presentationml/2006/main">
+  <p:cSld>
+    <p:spTree>
+      <p:nvGrpSpPr>
+        <p:cNvPr id="1" name=""/>
+        <p:cNvGrpSpPr/>
+        <p:nvPr/>
+      </p:nvGrpSpPr>
+      <p:grpSpPr>
+        <a:xfrm>
+          <a:off x="0" y="0"/>
+          <a:ext cx="0" cy="0"/>
+          <a:chOff x="0" y="0"/>
+          <a:chExt cx="0" cy="0"/>
+        </a:xfrm>
+      </p:grpSpPr>
+      <p:sp>
+        <p:nvSpPr>
+          <p:cNvPr id="2" name="Title 1">
+            <a:extLst>
+              <a:ext uri="{FF2B5EF4-FFF2-40B4-BE49-F238E27FC236}">
+                <a16:creationId xmlns:a16="http://schemas.microsoft.com/office/drawing/2014/main" id="{19CB3116-31E8-44EF-B4FA-FD02BE80C6A1}"/>
+              </a:ext>
+            </a:extLst>
+          </p:cNvPr>
+          <p:cNvSpPr>
+            <a:spLocks noGrp="1"/>
+          </p:cNvSpPr>
+          <p:nvPr>
+            <p:ph type="title"/>
+          </p:nvPr>
+        </p:nvSpPr>
+        <p:spPr/>
+        <p:txBody>
+          <a:bodyPr/>
+          <a:lstStyle/>
+          <a:p>
+            <a:r>
+              <a:rPr lang="en-IN" dirty="0">
+                <a:latin typeface="Garamond" panose="02020404030301010803" pitchFamily="18" charset="0"/>
+              </a:rPr>
+              <a:t>References</a:t>
+            </a:r>
+          </a:p>
+        </p:txBody>
+      </p:sp>
+      <p:sp>
+        <p:nvSpPr>
+          <p:cNvPr id="3" name="Content Placeholder 2">
+            <a:extLst>
+              <a:ext uri="{FF2B5EF4-FFF2-40B4-BE49-F238E27FC236}">
+                <a16:creationId xmlns:a16="http://schemas.microsoft.com/office/drawing/2014/main" id="{0BB96C96-DB7F-47B7-A444-CF741F8725CC}"/>
+              </a:ext>
+            </a:extLst>
+          </p:cNvPr>
+          <p:cNvSpPr>
+            <a:spLocks noGrp="1"/>
+          </p:cNvSpPr>
+          <p:nvPr>
+            <p:ph idx="1"/>
+          </p:nvPr>
+        </p:nvSpPr>
+        <p:spPr>
+          <a:xfrm>
+            <a:off x="838200" y="1459832"/>
+            <a:ext cx="10515600" cy="4717131"/>
+          </a:xfrm>
+        </p:spPr>
+        <p:txBody>
+          <a:bodyPr>
+            <a:normAutofit fontScale="85000" lnSpcReduction="10000"/>
+          </a:bodyPr>
+          <a:lstStyle/>
+          <a:p>
+            <a:pPr marL="0" lvl="0" indent="0" algn="just">
+              <a:lnSpc>
+                <a:spcPct val="107000"/>
+              </a:lnSpc>
+              <a:buNone/>
+            </a:pPr>
+            <a:r>
+              <a:rPr lang="en-IN" sz="1900" dirty="0">
+                <a:effectLst/>
+                <a:latin typeface="Frank Ruhl Libre" panose="00000500000000000000" pitchFamily="2" charset="-79"/>
+                <a:ea typeface="Times New Roman" panose="02020603050405020304" pitchFamily="18" charset="0"/>
+                <a:cs typeface="Frank Ruhl Libre" panose="00000500000000000000" pitchFamily="2" charset="-79"/>
+              </a:rPr>
+              <a:t>[1]	A</a:t>
+            </a:r>
+            <a:r>
+              <a:rPr lang="en-US" sz="1900" dirty="0">
+                <a:effectLst/>
+                <a:latin typeface="Frank Ruhl Libre" panose="00000500000000000000" pitchFamily="2" charset="-79"/>
+                <a:ea typeface="Times New Roman" panose="02020603050405020304" pitchFamily="18" charset="0"/>
+                <a:cs typeface="Frank Ruhl Libre" panose="00000500000000000000" pitchFamily="2" charset="-79"/>
+              </a:rPr>
+              <a:t>. </a:t>
+            </a:r>
+            <a:r>
+              <a:rPr lang="en-US" sz="1900" dirty="0" err="1">
+                <a:effectLst/>
+                <a:latin typeface="Frank Ruhl Libre" panose="00000500000000000000" pitchFamily="2" charset="-79"/>
+                <a:ea typeface="Times New Roman" panose="02020603050405020304" pitchFamily="18" charset="0"/>
+                <a:cs typeface="Frank Ruhl Libre" panose="00000500000000000000" pitchFamily="2" charset="-79"/>
+              </a:rPr>
+              <a:t>Krizhevsky</a:t>
+            </a:r>
+            <a:r>
+              <a:rPr lang="en-US" sz="1900" dirty="0">
+                <a:effectLst/>
+                <a:latin typeface="Frank Ruhl Libre" panose="00000500000000000000" pitchFamily="2" charset="-79"/>
+                <a:ea typeface="Times New Roman" panose="02020603050405020304" pitchFamily="18" charset="0"/>
+                <a:cs typeface="Frank Ruhl Libre" panose="00000500000000000000" pitchFamily="2" charset="-79"/>
+              </a:rPr>
+              <a:t>, I. </a:t>
+            </a:r>
+            <a:r>
+              <a:rPr lang="en-US" sz="1900" dirty="0" err="1">
+                <a:effectLst/>
+                <a:latin typeface="Frank Ruhl Libre" panose="00000500000000000000" pitchFamily="2" charset="-79"/>
+                <a:ea typeface="Times New Roman" panose="02020603050405020304" pitchFamily="18" charset="0"/>
+                <a:cs typeface="Frank Ruhl Libre" panose="00000500000000000000" pitchFamily="2" charset="-79"/>
+              </a:rPr>
+              <a:t>Sutskever</a:t>
+            </a:r>
+            <a:r>
+              <a:rPr lang="en-US" sz="1900" dirty="0">
+                <a:effectLst/>
+                <a:latin typeface="Frank Ruhl Libre" panose="00000500000000000000" pitchFamily="2" charset="-79"/>
+                <a:ea typeface="Times New Roman" panose="02020603050405020304" pitchFamily="18" charset="0"/>
+                <a:cs typeface="Frank Ruhl Libre" panose="00000500000000000000" pitchFamily="2" charset="-79"/>
+              </a:rPr>
+              <a:t> and G. E. Hinton, “ImageNet classification with deep Convolutional Neural Networks”, </a:t>
+            </a:r>
+            <a:r>
+              <a:rPr lang="en-US" sz="1900" i="1" dirty="0">
+                <a:effectLst/>
+                <a:latin typeface="Frank Ruhl Libre" panose="00000500000000000000" pitchFamily="2" charset="-79"/>
+                <a:ea typeface="Times New Roman" panose="02020603050405020304" pitchFamily="18" charset="0"/>
+                <a:cs typeface="Frank Ruhl Libre" panose="00000500000000000000" pitchFamily="2" charset="-79"/>
+              </a:rPr>
+              <a:t>Communications of the ACM</a:t>
+            </a:r>
+            <a:r>
+              <a:rPr lang="en-US" sz="1900" dirty="0">
+                <a:effectLst/>
+                <a:latin typeface="Frank Ruhl Libre" panose="00000500000000000000" pitchFamily="2" charset="-79"/>
+                <a:ea typeface="Times New Roman" panose="02020603050405020304" pitchFamily="18" charset="0"/>
+                <a:cs typeface="Frank Ruhl Libre" panose="00000500000000000000" pitchFamily="2" charset="-79"/>
+              </a:rPr>
+              <a:t>, Vol. 60 Issue 6, pp. 84–90, May 2017, </a:t>
+            </a:r>
+            <a:r>
+              <a:rPr lang="en-US" sz="1900" dirty="0" err="1">
+                <a:effectLst/>
+                <a:latin typeface="Frank Ruhl Libre" panose="00000500000000000000" pitchFamily="2" charset="-79"/>
+                <a:ea typeface="Times New Roman" panose="02020603050405020304" pitchFamily="18" charset="0"/>
+                <a:cs typeface="Frank Ruhl Libre" panose="00000500000000000000" pitchFamily="2" charset="-79"/>
+              </a:rPr>
+              <a:t>doi</a:t>
+            </a:r>
+            <a:r>
+              <a:rPr lang="en-US" sz="1900" dirty="0">
+                <a:effectLst/>
+                <a:latin typeface="Frank Ruhl Libre" panose="00000500000000000000" pitchFamily="2" charset="-79"/>
+                <a:ea typeface="Times New Roman" panose="02020603050405020304" pitchFamily="18" charset="0"/>
+                <a:cs typeface="Frank Ruhl Libre" panose="00000500000000000000" pitchFamily="2" charset="-79"/>
+              </a:rPr>
+              <a:t>: 10.1145/3065386.</a:t>
+            </a:r>
+            <a:endParaRPr lang="en-IN" sz="1900" dirty="0">
+              <a:effectLst/>
+              <a:latin typeface="Frank Ruhl Libre" panose="00000500000000000000" pitchFamily="2" charset="-79"/>
+              <a:ea typeface="Times New Roman" panose="02020603050405020304" pitchFamily="18" charset="0"/>
+              <a:cs typeface="Frank Ruhl Libre" panose="00000500000000000000" pitchFamily="2" charset="-79"/>
+            </a:endParaRPr>
+          </a:p>
+          <a:p>
+            <a:pPr marL="0" lvl="0" indent="0" algn="just">
+              <a:lnSpc>
+                <a:spcPct val="107000"/>
+              </a:lnSpc>
+              <a:buNone/>
+            </a:pPr>
+            <a:r>
+              <a:rPr lang="en-IN" sz="1900" dirty="0">
+                <a:effectLst/>
+                <a:latin typeface="Frank Ruhl Libre" panose="00000500000000000000" pitchFamily="2" charset="-79"/>
+                <a:ea typeface="Times New Roman" panose="02020603050405020304" pitchFamily="18" charset="0"/>
+                <a:cs typeface="Frank Ruhl Libre" panose="00000500000000000000" pitchFamily="2" charset="-79"/>
+              </a:rPr>
+              <a:t>[2]	K. </a:t>
+            </a:r>
+            <a:r>
+              <a:rPr lang="en-IN" sz="1900" dirty="0" err="1">
+                <a:effectLst/>
+                <a:latin typeface="Frank Ruhl Libre" panose="00000500000000000000" pitchFamily="2" charset="-79"/>
+                <a:ea typeface="Times New Roman" panose="02020603050405020304" pitchFamily="18" charset="0"/>
+                <a:cs typeface="Frank Ruhl Libre" panose="00000500000000000000" pitchFamily="2" charset="-79"/>
+              </a:rPr>
+              <a:t>Simonyan</a:t>
+            </a:r>
+            <a:r>
+              <a:rPr lang="en-IN" sz="1900" dirty="0">
+                <a:effectLst/>
+                <a:latin typeface="Frank Ruhl Libre" panose="00000500000000000000" pitchFamily="2" charset="-79"/>
+                <a:ea typeface="Times New Roman" panose="02020603050405020304" pitchFamily="18" charset="0"/>
+                <a:cs typeface="Frank Ruhl Libre" panose="00000500000000000000" pitchFamily="2" charset="-79"/>
+              </a:rPr>
+              <a:t> and A. Zisserman, “Very Deep Convolutional Networks for Large-Scale Image Recognition”, in </a:t>
+            </a:r>
+            <a:r>
+              <a:rPr lang="en-IN" sz="1900" i="1" dirty="0">
+                <a:effectLst/>
+                <a:latin typeface="Frank Ruhl Libre" panose="00000500000000000000" pitchFamily="2" charset="-79"/>
+                <a:ea typeface="Times New Roman" panose="02020603050405020304" pitchFamily="18" charset="0"/>
+                <a:cs typeface="Frank Ruhl Libre" panose="00000500000000000000" pitchFamily="2" charset="-79"/>
+              </a:rPr>
+              <a:t>Proc. International Conference on Learning Representations (ICLR 2015)</a:t>
+            </a:r>
+            <a:r>
+              <a:rPr lang="en-IN" sz="1900" dirty="0">
+                <a:effectLst/>
+                <a:latin typeface="Frank Ruhl Libre" panose="00000500000000000000" pitchFamily="2" charset="-79"/>
+                <a:ea typeface="Times New Roman" panose="02020603050405020304" pitchFamily="18" charset="0"/>
+                <a:cs typeface="Frank Ruhl Libre" panose="00000500000000000000" pitchFamily="2" charset="-79"/>
+              </a:rPr>
+              <a:t>, 2015 [Online], Available: </a:t>
+            </a:r>
+            <a:r>
+              <a:rPr lang="en-IN" sz="1900" u="sng" dirty="0">
+                <a:solidFill>
+                  <a:srgbClr val="0563C1"/>
+                </a:solidFill>
+                <a:effectLst/>
+                <a:latin typeface="Frank Ruhl Libre" panose="00000500000000000000" pitchFamily="2" charset="-79"/>
+                <a:ea typeface="Times New Roman" panose="02020603050405020304" pitchFamily="18" charset="0"/>
+                <a:cs typeface="Frank Ruhl Libre" panose="00000500000000000000" pitchFamily="2" charset="-79"/>
+                <a:hlinkClick r:id="rId2"/>
+              </a:rPr>
+              <a:t>http://arxiv.org/abs/1409.1556</a:t>
+            </a:r>
+            <a:r>
+              <a:rPr lang="en-IN" sz="1900" u="sng" dirty="0">
+                <a:solidFill>
+                  <a:srgbClr val="000000"/>
+                </a:solidFill>
+                <a:effectLst/>
+                <a:latin typeface="Frank Ruhl Libre" panose="00000500000000000000" pitchFamily="2" charset="-79"/>
+                <a:ea typeface="Times New Roman" panose="02020603050405020304" pitchFamily="18" charset="0"/>
+                <a:cs typeface="Frank Ruhl Libre" panose="00000500000000000000" pitchFamily="2" charset="-79"/>
+              </a:rPr>
+              <a:t>.</a:t>
+            </a:r>
+            <a:endParaRPr lang="en-IN" sz="1900" dirty="0">
+              <a:effectLst/>
+              <a:latin typeface="Frank Ruhl Libre" panose="00000500000000000000" pitchFamily="2" charset="-79"/>
+              <a:ea typeface="Times New Roman" panose="02020603050405020304" pitchFamily="18" charset="0"/>
+              <a:cs typeface="Frank Ruhl Libre" panose="00000500000000000000" pitchFamily="2" charset="-79"/>
+            </a:endParaRPr>
+          </a:p>
+          <a:p>
+            <a:pPr marL="0" lvl="0" indent="0" algn="just">
+              <a:lnSpc>
+                <a:spcPct val="107000"/>
+              </a:lnSpc>
+              <a:buNone/>
+            </a:pPr>
+            <a:r>
+              <a:rPr lang="en-US" sz="1900" dirty="0">
+                <a:effectLst/>
+                <a:latin typeface="Frank Ruhl Libre" panose="00000500000000000000" pitchFamily="2" charset="-79"/>
+                <a:ea typeface="Times New Roman" panose="02020603050405020304" pitchFamily="18" charset="0"/>
+                <a:cs typeface="Frank Ruhl Libre" panose="00000500000000000000" pitchFamily="2" charset="-79"/>
+              </a:rPr>
+              <a:t>[3]	A. Rehman, S. Naz, M. I. Razzak and I. A. Hameed, "Automatic Visual Features for Writer Identification: A Deep Learning Approach," </a:t>
+            </a:r>
+            <a:r>
+              <a:rPr lang="en-US" sz="1900" i="1" dirty="0">
+                <a:effectLst/>
+                <a:latin typeface="Frank Ruhl Libre" panose="00000500000000000000" pitchFamily="2" charset="-79"/>
+                <a:ea typeface="Times New Roman" panose="02020603050405020304" pitchFamily="18" charset="0"/>
+                <a:cs typeface="Frank Ruhl Libre" panose="00000500000000000000" pitchFamily="2" charset="-79"/>
+              </a:rPr>
+              <a:t>IEEE Access</a:t>
+            </a:r>
+            <a:r>
+              <a:rPr lang="en-US" sz="1900" dirty="0">
+                <a:effectLst/>
+                <a:latin typeface="Frank Ruhl Libre" panose="00000500000000000000" pitchFamily="2" charset="-79"/>
+                <a:ea typeface="Times New Roman" panose="02020603050405020304" pitchFamily="18" charset="0"/>
+                <a:cs typeface="Frank Ruhl Libre" panose="00000500000000000000" pitchFamily="2" charset="-79"/>
+              </a:rPr>
+              <a:t>, Vol. 7, 2019, pp. 17149-17157, Jan. 21, 2019, </a:t>
+            </a:r>
+            <a:r>
+              <a:rPr lang="en-US" sz="1900" dirty="0" err="1">
+                <a:effectLst/>
+                <a:latin typeface="Frank Ruhl Libre" panose="00000500000000000000" pitchFamily="2" charset="-79"/>
+                <a:ea typeface="Times New Roman" panose="02020603050405020304" pitchFamily="18" charset="0"/>
+                <a:cs typeface="Frank Ruhl Libre" panose="00000500000000000000" pitchFamily="2" charset="-79"/>
+              </a:rPr>
+              <a:t>doi</a:t>
+            </a:r>
+            <a:r>
+              <a:rPr lang="en-US" sz="1900" dirty="0">
+                <a:effectLst/>
+                <a:latin typeface="Frank Ruhl Libre" panose="00000500000000000000" pitchFamily="2" charset="-79"/>
+                <a:ea typeface="Times New Roman" panose="02020603050405020304" pitchFamily="18" charset="0"/>
+                <a:cs typeface="Frank Ruhl Libre" panose="00000500000000000000" pitchFamily="2" charset="-79"/>
+              </a:rPr>
+              <a:t>: 10.1109/ACCESS.2018.2890810.</a:t>
+            </a:r>
+            <a:endParaRPr lang="en-IN" sz="1900" dirty="0">
+              <a:effectLst/>
+              <a:latin typeface="Frank Ruhl Libre" panose="00000500000000000000" pitchFamily="2" charset="-79"/>
+              <a:ea typeface="Times New Roman" panose="02020603050405020304" pitchFamily="18" charset="0"/>
+              <a:cs typeface="Frank Ruhl Libre" panose="00000500000000000000" pitchFamily="2" charset="-79"/>
+            </a:endParaRPr>
+          </a:p>
+          <a:p>
+            <a:pPr marL="0" lvl="0" indent="0" algn="just">
+              <a:lnSpc>
+                <a:spcPct val="107000"/>
+              </a:lnSpc>
+              <a:buNone/>
+            </a:pPr>
+            <a:r>
+              <a:rPr lang="en-US" sz="1900" dirty="0">
+                <a:effectLst/>
+                <a:latin typeface="Frank Ruhl Libre" panose="00000500000000000000" pitchFamily="2" charset="-79"/>
+                <a:ea typeface="Times New Roman" panose="02020603050405020304" pitchFamily="18" charset="0"/>
+                <a:cs typeface="Frank Ruhl Libre" panose="00000500000000000000" pitchFamily="2" charset="-79"/>
+              </a:rPr>
+              <a:t>[4]	J. John, Pramod K. V. and K. Balakrishnan, “Handwritten Character Recognition of South Indian Scripts: A Review”, in </a:t>
+            </a:r>
+            <a:r>
+              <a:rPr lang="en-US" sz="1900" i="1" dirty="0">
+                <a:effectLst/>
+                <a:latin typeface="Frank Ruhl Libre" panose="00000500000000000000" pitchFamily="2" charset="-79"/>
+                <a:ea typeface="Times New Roman" panose="02020603050405020304" pitchFamily="18" charset="0"/>
+                <a:cs typeface="Frank Ruhl Libre" panose="00000500000000000000" pitchFamily="2" charset="-79"/>
+              </a:rPr>
+              <a:t>Proc. National Conference on Indian Language Computing</a:t>
+            </a:r>
+            <a:r>
+              <a:rPr lang="en-US" sz="1900" dirty="0">
+                <a:effectLst/>
+                <a:latin typeface="Frank Ruhl Libre" panose="00000500000000000000" pitchFamily="2" charset="-79"/>
+                <a:ea typeface="Times New Roman" panose="02020603050405020304" pitchFamily="18" charset="0"/>
+                <a:cs typeface="Frank Ruhl Libre" panose="00000500000000000000" pitchFamily="2" charset="-79"/>
+              </a:rPr>
+              <a:t>, Feb. 19-20, 2011.</a:t>
+            </a:r>
+            <a:endParaRPr lang="en-IN" sz="1900" dirty="0">
+              <a:effectLst/>
+              <a:latin typeface="Frank Ruhl Libre" panose="00000500000000000000" pitchFamily="2" charset="-79"/>
+              <a:ea typeface="Times New Roman" panose="02020603050405020304" pitchFamily="18" charset="0"/>
+              <a:cs typeface="Frank Ruhl Libre" panose="00000500000000000000" pitchFamily="2" charset="-79"/>
+            </a:endParaRPr>
+          </a:p>
+          <a:p>
+            <a:pPr marL="0" lvl="0" indent="0" algn="just">
+              <a:lnSpc>
+                <a:spcPct val="107000"/>
+              </a:lnSpc>
+              <a:buNone/>
+            </a:pPr>
+            <a:r>
+              <a:rPr lang="en-US" sz="1900" dirty="0">
+                <a:effectLst/>
+                <a:latin typeface="Frank Ruhl Libre" panose="00000500000000000000" pitchFamily="2" charset="-79"/>
+                <a:ea typeface="Times New Roman" panose="02020603050405020304" pitchFamily="18" charset="0"/>
+                <a:cs typeface="Frank Ruhl Libre" panose="00000500000000000000" pitchFamily="2" charset="-79"/>
+              </a:rPr>
+              <a:t>[5]	 M. A. </a:t>
+            </a:r>
+            <a:r>
+              <a:rPr lang="en-US" sz="1900" dirty="0" err="1">
+                <a:effectLst/>
+                <a:latin typeface="Frank Ruhl Libre" panose="00000500000000000000" pitchFamily="2" charset="-79"/>
+                <a:ea typeface="Times New Roman" panose="02020603050405020304" pitchFamily="18" charset="0"/>
+                <a:cs typeface="Frank Ruhl Libre" panose="00000500000000000000" pitchFamily="2" charset="-79"/>
+              </a:rPr>
+              <a:t>Hasnat</a:t>
+            </a:r>
+            <a:r>
+              <a:rPr lang="en-US" sz="1900" dirty="0">
+                <a:effectLst/>
+                <a:latin typeface="Frank Ruhl Libre" panose="00000500000000000000" pitchFamily="2" charset="-79"/>
+                <a:ea typeface="Times New Roman" panose="02020603050405020304" pitchFamily="18" charset="0"/>
+                <a:cs typeface="Frank Ruhl Libre" panose="00000500000000000000" pitchFamily="2" charset="-79"/>
+              </a:rPr>
+              <a:t>, S. M. Habib, M. Khan, Eds., “A High Performance Domain Specific </a:t>
+            </a:r>
+            <a:r>
+              <a:rPr lang="en-US" sz="1900" dirty="0" err="1">
+                <a:effectLst/>
+                <a:latin typeface="Frank Ruhl Libre" panose="00000500000000000000" pitchFamily="2" charset="-79"/>
+                <a:ea typeface="Times New Roman" panose="02020603050405020304" pitchFamily="18" charset="0"/>
+                <a:cs typeface="Frank Ruhl Libre" panose="00000500000000000000" pitchFamily="2" charset="-79"/>
+              </a:rPr>
+              <a:t>Ocr</a:t>
+            </a:r>
+            <a:r>
+              <a:rPr lang="en-US" sz="1900" dirty="0">
+                <a:effectLst/>
+                <a:latin typeface="Frank Ruhl Libre" panose="00000500000000000000" pitchFamily="2" charset="-79"/>
+                <a:ea typeface="Times New Roman" panose="02020603050405020304" pitchFamily="18" charset="0"/>
+                <a:cs typeface="Frank Ruhl Libre" panose="00000500000000000000" pitchFamily="2" charset="-79"/>
+              </a:rPr>
+              <a:t> For Bangla Script”, </a:t>
+            </a:r>
+            <a:r>
+              <a:rPr lang="en-US" sz="1900" i="1" dirty="0">
+                <a:effectLst/>
+                <a:latin typeface="Frank Ruhl Libre" panose="00000500000000000000" pitchFamily="2" charset="-79"/>
+                <a:ea typeface="Times New Roman" panose="02020603050405020304" pitchFamily="18" charset="0"/>
+                <a:cs typeface="Frank Ruhl Libre" panose="00000500000000000000" pitchFamily="2" charset="-79"/>
+              </a:rPr>
+              <a:t>Novel Algorithms and Techniques In Telecommunications, Automation and Industrial Electronics</a:t>
+            </a:r>
+            <a:r>
+              <a:rPr lang="en-US" sz="1900" dirty="0">
+                <a:effectLst/>
+                <a:latin typeface="Frank Ruhl Libre" panose="00000500000000000000" pitchFamily="2" charset="-79"/>
+                <a:ea typeface="Times New Roman" panose="02020603050405020304" pitchFamily="18" charset="0"/>
+                <a:cs typeface="Frank Ruhl Libre" panose="00000500000000000000" pitchFamily="2" charset="-79"/>
+              </a:rPr>
+              <a:t>, Dordrecht: Springer, 2008, </a:t>
+            </a:r>
+            <a:r>
+              <a:rPr lang="en-US" sz="1900" dirty="0" err="1">
+                <a:effectLst/>
+                <a:latin typeface="Frank Ruhl Libre" panose="00000500000000000000" pitchFamily="2" charset="-79"/>
+                <a:ea typeface="Times New Roman" panose="02020603050405020304" pitchFamily="18" charset="0"/>
+                <a:cs typeface="Frank Ruhl Libre" panose="00000500000000000000" pitchFamily="2" charset="-79"/>
+              </a:rPr>
+              <a:t>doi</a:t>
+            </a:r>
+            <a:r>
+              <a:rPr lang="en-US" sz="1900" dirty="0">
+                <a:effectLst/>
+                <a:latin typeface="Frank Ruhl Libre" panose="00000500000000000000" pitchFamily="2" charset="-79"/>
+                <a:ea typeface="Times New Roman" panose="02020603050405020304" pitchFamily="18" charset="0"/>
+                <a:cs typeface="Frank Ruhl Libre" panose="00000500000000000000" pitchFamily="2" charset="-79"/>
+              </a:rPr>
+              <a:t>: 10.1007/978-1-4020-8737-0_31.</a:t>
+            </a:r>
+            <a:endParaRPr lang="en-IN" sz="1900" dirty="0">
+              <a:effectLst/>
+              <a:latin typeface="Frank Ruhl Libre" panose="00000500000000000000" pitchFamily="2" charset="-79"/>
+              <a:ea typeface="Times New Roman" panose="02020603050405020304" pitchFamily="18" charset="0"/>
+              <a:cs typeface="Frank Ruhl Libre" panose="00000500000000000000" pitchFamily="2" charset="-79"/>
+            </a:endParaRPr>
+          </a:p>
+          <a:p>
+            <a:pPr marL="0" lvl="0" indent="0" algn="just">
+              <a:lnSpc>
+                <a:spcPct val="107000"/>
+              </a:lnSpc>
+              <a:buNone/>
+            </a:pPr>
+            <a:r>
+              <a:rPr lang="en-US" sz="1900" dirty="0">
+                <a:effectLst/>
+                <a:latin typeface="Frank Ruhl Libre" panose="00000500000000000000" pitchFamily="2" charset="-79"/>
+                <a:ea typeface="Times New Roman" panose="02020603050405020304" pitchFamily="18" charset="0"/>
+                <a:cs typeface="Frank Ruhl Libre" panose="00000500000000000000" pitchFamily="2" charset="-79"/>
+              </a:rPr>
+              <a:t>[6]	J. Paul, A. Roy and A. Sarkar, “Bangla character recognition based on </a:t>
+            </a:r>
+            <a:r>
+              <a:rPr lang="en-US" sz="1900" dirty="0" err="1">
+                <a:effectLst/>
+                <a:latin typeface="Frank Ruhl Libre" panose="00000500000000000000" pitchFamily="2" charset="-79"/>
+                <a:ea typeface="Times New Roman" panose="02020603050405020304" pitchFamily="18" charset="0"/>
+                <a:cs typeface="Frank Ruhl Libre" panose="00000500000000000000" pitchFamily="2" charset="-79"/>
+              </a:rPr>
+              <a:t>Mobilenet</a:t>
+            </a:r>
+            <a:r>
+              <a:rPr lang="en-US" sz="1900" dirty="0">
+                <a:effectLst/>
+                <a:latin typeface="Frank Ruhl Libre" panose="00000500000000000000" pitchFamily="2" charset="-79"/>
+                <a:ea typeface="Times New Roman" panose="02020603050405020304" pitchFamily="18" charset="0"/>
+                <a:cs typeface="Frank Ruhl Libre" panose="00000500000000000000" pitchFamily="2" charset="-79"/>
+              </a:rPr>
+              <a:t> v1 and Inception v3”, in </a:t>
+            </a:r>
+            <a:r>
+              <a:rPr lang="en-US" sz="1900" i="1" dirty="0">
+                <a:effectLst/>
+                <a:latin typeface="Frank Ruhl Libre" panose="00000500000000000000" pitchFamily="2" charset="-79"/>
+                <a:ea typeface="Times New Roman" panose="02020603050405020304" pitchFamily="18" charset="0"/>
+                <a:cs typeface="Frank Ruhl Libre" panose="00000500000000000000" pitchFamily="2" charset="-79"/>
+              </a:rPr>
+              <a:t>Proc. International Conference on Emerging Technologies for Sustainable Development (ICETSD ‘19)</a:t>
+            </a:r>
+            <a:r>
+              <a:rPr lang="en-US" sz="1900" dirty="0">
+                <a:effectLst/>
+                <a:latin typeface="Frank Ruhl Libre" panose="00000500000000000000" pitchFamily="2" charset="-79"/>
+                <a:ea typeface="Times New Roman" panose="02020603050405020304" pitchFamily="18" charset="0"/>
+                <a:cs typeface="Frank Ruhl Libre" panose="00000500000000000000" pitchFamily="2" charset="-79"/>
+              </a:rPr>
+              <a:t>, Mar. 5-6, 2019, pp. 511-514.</a:t>
+            </a:r>
+            <a:endParaRPr lang="en-IN" sz="1900" dirty="0">
+              <a:effectLst/>
+              <a:latin typeface="Frank Ruhl Libre" panose="00000500000000000000" pitchFamily="2" charset="-79"/>
+              <a:ea typeface="Times New Roman" panose="02020603050405020304" pitchFamily="18" charset="0"/>
+              <a:cs typeface="Frank Ruhl Libre" panose="00000500000000000000" pitchFamily="2" charset="-79"/>
+            </a:endParaRPr>
+          </a:p>
+          <a:p>
+            <a:pPr marL="342900" lvl="0" indent="-342900" algn="just">
+              <a:lnSpc>
+                <a:spcPct val="107000"/>
+              </a:lnSpc>
+              <a:spcAft>
+                <a:spcPts val="800"/>
+              </a:spcAft>
+              <a:buFont typeface="+mj-lt"/>
+              <a:buAutoNum type="arabicPeriod"/>
+            </a:pPr>
+            <a:endParaRPr lang="en-IN" sz="1050" dirty="0">
+              <a:effectLst/>
+              <a:latin typeface="Frank Ruhl Libre" panose="00000500000000000000" pitchFamily="2" charset="-79"/>
+              <a:ea typeface="Times New Roman" panose="02020603050405020304" pitchFamily="18" charset="0"/>
+              <a:cs typeface="Frank Ruhl Libre" panose="00000500000000000000" pitchFamily="2" charset="-79"/>
+            </a:endParaRPr>
+          </a:p>
+        </p:txBody>
+      </p:sp>
+    </p:spTree>
+    <p:extLst>
+      <p:ext uri="{BB962C8B-B14F-4D97-AF65-F5344CB8AC3E}">
+        <p14:creationId xmlns:p14="http://schemas.microsoft.com/office/powerpoint/2010/main" val="1436324521"/>
+      </p:ext>
+    </p:extLst>
+  </p:cSld>
+  <p:clrMapOvr>
+    <a:masterClrMapping/>
+  </p:clrMapOvr>
+</p:sld>
+</file>
+
 <file path=ppt/slides/slide24.xml><?xml version="1.0" encoding="utf-8"?>
+<p:sld xmlns:a="http://schemas.openxmlformats.org/drawingml/2006/main" xmlns:r="http://schemas.openxmlformats.org/officeDocument/2006/relationships" xmlns:p="http://schemas.openxmlformats.org/presentationml/2006/main">
+  <p:cSld>
+    <p:spTree>
+      <p:nvGrpSpPr>
+        <p:cNvPr id="1" name=""/>
+        <p:cNvGrpSpPr/>
+        <p:nvPr/>
+      </p:nvGrpSpPr>
+      <p:grpSpPr>
+        <a:xfrm>
+          <a:off x="0" y="0"/>
+          <a:ext cx="0" cy="0"/>
+          <a:chOff x="0" y="0"/>
+          <a:chExt cx="0" cy="0"/>
+        </a:xfrm>
+      </p:grpSpPr>
+      <p:sp>
+        <p:nvSpPr>
+          <p:cNvPr id="2" name="Title 1">
+            <a:extLst>
+              <a:ext uri="{FF2B5EF4-FFF2-40B4-BE49-F238E27FC236}">
+                <a16:creationId xmlns:a16="http://schemas.microsoft.com/office/drawing/2014/main" id="{0EB1F61A-A5C0-4140-BC9F-1BA55EF558A1}"/>
+              </a:ext>
+            </a:extLst>
+          </p:cNvPr>
+          <p:cNvSpPr>
+            <a:spLocks noGrp="1"/>
+          </p:cNvSpPr>
+          <p:nvPr>
+            <p:ph type="title"/>
+          </p:nvPr>
+        </p:nvSpPr>
+        <p:spPr/>
+        <p:txBody>
+          <a:bodyPr/>
+          <a:lstStyle/>
+          <a:p>
+            <a:r>
+              <a:rPr lang="en-IN" dirty="0">
+                <a:latin typeface="Garamond" panose="02020404030301010803" pitchFamily="18" charset="0"/>
+              </a:rPr>
+              <a:t>Reference</a:t>
+            </a:r>
+          </a:p>
+        </p:txBody>
+      </p:sp>
+      <p:sp>
+        <p:nvSpPr>
+          <p:cNvPr id="3" name="Content Placeholder 2">
+            <a:extLst>
+              <a:ext uri="{FF2B5EF4-FFF2-40B4-BE49-F238E27FC236}">
+                <a16:creationId xmlns:a16="http://schemas.microsoft.com/office/drawing/2014/main" id="{8B6E8F3D-B0D1-4A59-A38D-D713809A0E53}"/>
+              </a:ext>
+            </a:extLst>
+          </p:cNvPr>
+          <p:cNvSpPr>
+            <a:spLocks noGrp="1"/>
+          </p:cNvSpPr>
+          <p:nvPr>
+            <p:ph idx="1"/>
+          </p:nvPr>
+        </p:nvSpPr>
+        <p:spPr/>
+        <p:txBody>
+          <a:bodyPr>
+            <a:normAutofit fontScale="25000" lnSpcReduction="20000"/>
+          </a:bodyPr>
+          <a:lstStyle/>
+          <a:p>
+            <a:pPr marL="0" lvl="0" indent="0" algn="just">
+              <a:lnSpc>
+                <a:spcPct val="107000"/>
+              </a:lnSpc>
+              <a:buNone/>
+            </a:pPr>
+            <a:r>
+              <a:rPr lang="en-US" sz="6400" dirty="0">
+                <a:effectLst/>
+                <a:latin typeface="Frank Ruhl Libre" panose="00000500000000000000" pitchFamily="2" charset="-79"/>
+                <a:ea typeface="Times New Roman" panose="02020603050405020304" pitchFamily="18" charset="0"/>
+                <a:cs typeface="Frank Ruhl Libre" panose="00000500000000000000" pitchFamily="2" charset="-79"/>
+              </a:rPr>
+              <a:t>[7]	J. Paul, A. </a:t>
+            </a:r>
+            <a:r>
+              <a:rPr lang="en-US" sz="6400" dirty="0" err="1">
+                <a:effectLst/>
+                <a:latin typeface="Frank Ruhl Libre" panose="00000500000000000000" pitchFamily="2" charset="-79"/>
+                <a:ea typeface="Times New Roman" panose="02020603050405020304" pitchFamily="18" charset="0"/>
+                <a:cs typeface="Frank Ruhl Libre" panose="00000500000000000000" pitchFamily="2" charset="-79"/>
+              </a:rPr>
+              <a:t>Dattachaudhuri</a:t>
+            </a:r>
+            <a:r>
+              <a:rPr lang="en-US" sz="6400" dirty="0">
+                <a:effectLst/>
+                <a:latin typeface="Frank Ruhl Libre" panose="00000500000000000000" pitchFamily="2" charset="-79"/>
+                <a:ea typeface="Times New Roman" panose="02020603050405020304" pitchFamily="18" charset="0"/>
+                <a:cs typeface="Frank Ruhl Libre" panose="00000500000000000000" pitchFamily="2" charset="-79"/>
+              </a:rPr>
+              <a:t> and A. Sarkar, “CNN implementation based on Bangla numeral character recognition”, in </a:t>
+            </a:r>
+            <a:r>
+              <a:rPr lang="en-US" sz="6400" i="1" dirty="0">
+                <a:effectLst/>
+                <a:latin typeface="Frank Ruhl Libre" panose="00000500000000000000" pitchFamily="2" charset="-79"/>
+                <a:ea typeface="Times New Roman" panose="02020603050405020304" pitchFamily="18" charset="0"/>
+                <a:cs typeface="Frank Ruhl Libre" panose="00000500000000000000" pitchFamily="2" charset="-79"/>
+              </a:rPr>
+              <a:t>Proc. International Conference on Emerging Technologies for Sustainable Development</a:t>
+            </a:r>
+            <a:r>
+              <a:rPr lang="en-US" sz="6400" dirty="0">
+                <a:effectLst/>
+                <a:latin typeface="Frank Ruhl Libre" panose="00000500000000000000" pitchFamily="2" charset="-79"/>
+                <a:ea typeface="Times New Roman" panose="02020603050405020304" pitchFamily="18" charset="0"/>
+                <a:cs typeface="Frank Ruhl Libre" panose="00000500000000000000" pitchFamily="2" charset="-79"/>
+              </a:rPr>
+              <a:t> </a:t>
+            </a:r>
+            <a:r>
+              <a:rPr lang="en-US" sz="6400" i="1" dirty="0">
+                <a:effectLst/>
+                <a:latin typeface="Frank Ruhl Libre" panose="00000500000000000000" pitchFamily="2" charset="-79"/>
+                <a:ea typeface="Times New Roman" panose="02020603050405020304" pitchFamily="18" charset="0"/>
+                <a:cs typeface="Frank Ruhl Libre" panose="00000500000000000000" pitchFamily="2" charset="-79"/>
+              </a:rPr>
+              <a:t>(ICETSD ‘19)</a:t>
+            </a:r>
+            <a:r>
+              <a:rPr lang="en-US" sz="6400" dirty="0">
+                <a:effectLst/>
+                <a:latin typeface="Frank Ruhl Libre" panose="00000500000000000000" pitchFamily="2" charset="-79"/>
+                <a:ea typeface="Times New Roman" panose="02020603050405020304" pitchFamily="18" charset="0"/>
+                <a:cs typeface="Frank Ruhl Libre" panose="00000500000000000000" pitchFamily="2" charset="-79"/>
+              </a:rPr>
+              <a:t>, Mar. 5-6, 2019, pp. 520-523. </a:t>
+            </a:r>
+            <a:endParaRPr lang="en-IN" sz="6400" dirty="0">
+              <a:effectLst/>
+              <a:latin typeface="Frank Ruhl Libre" panose="00000500000000000000" pitchFamily="2" charset="-79"/>
+              <a:ea typeface="Times New Roman" panose="02020603050405020304" pitchFamily="18" charset="0"/>
+              <a:cs typeface="Frank Ruhl Libre" panose="00000500000000000000" pitchFamily="2" charset="-79"/>
+            </a:endParaRPr>
+          </a:p>
+          <a:p>
+            <a:pPr marL="0" lvl="0" indent="0" algn="just">
+              <a:lnSpc>
+                <a:spcPct val="107000"/>
+              </a:lnSpc>
+              <a:buNone/>
+            </a:pPr>
+            <a:r>
+              <a:rPr lang="en-US" sz="6400" dirty="0">
+                <a:effectLst/>
+                <a:latin typeface="Frank Ruhl Libre" panose="00000500000000000000" pitchFamily="2" charset="-79"/>
+                <a:ea typeface="Times New Roman" panose="02020603050405020304" pitchFamily="18" charset="0"/>
+                <a:cs typeface="Frank Ruhl Libre" panose="00000500000000000000" pitchFamily="2" charset="-79"/>
+              </a:rPr>
+              <a:t>[8]	V. </a:t>
+            </a:r>
+            <a:r>
+              <a:rPr lang="en-US" sz="6400" dirty="0" err="1">
+                <a:effectLst/>
+                <a:latin typeface="Frank Ruhl Libre" panose="00000500000000000000" pitchFamily="2" charset="-79"/>
+                <a:ea typeface="Times New Roman" panose="02020603050405020304" pitchFamily="18" charset="0"/>
+                <a:cs typeface="Frank Ruhl Libre" panose="00000500000000000000" pitchFamily="2" charset="-79"/>
+              </a:rPr>
+              <a:t>Christlein</a:t>
+            </a:r>
+            <a:r>
+              <a:rPr lang="en-US" sz="6400" dirty="0">
+                <a:effectLst/>
+                <a:latin typeface="Frank Ruhl Libre" panose="00000500000000000000" pitchFamily="2" charset="-79"/>
+                <a:ea typeface="Times New Roman" panose="02020603050405020304" pitchFamily="18" charset="0"/>
+                <a:cs typeface="Frank Ruhl Libre" panose="00000500000000000000" pitchFamily="2" charset="-79"/>
+              </a:rPr>
+              <a:t>, D. </a:t>
+            </a:r>
+            <a:r>
+              <a:rPr lang="en-US" sz="6400" dirty="0" err="1">
+                <a:effectLst/>
+                <a:latin typeface="Frank Ruhl Libre" panose="00000500000000000000" pitchFamily="2" charset="-79"/>
+                <a:ea typeface="Times New Roman" panose="02020603050405020304" pitchFamily="18" charset="0"/>
+                <a:cs typeface="Frank Ruhl Libre" panose="00000500000000000000" pitchFamily="2" charset="-79"/>
+              </a:rPr>
+              <a:t>Bernecker</a:t>
+            </a:r>
+            <a:r>
+              <a:rPr lang="en-US" sz="6400" dirty="0">
+                <a:effectLst/>
+                <a:latin typeface="Frank Ruhl Libre" panose="00000500000000000000" pitchFamily="2" charset="-79"/>
+                <a:ea typeface="Times New Roman" panose="02020603050405020304" pitchFamily="18" charset="0"/>
+                <a:cs typeface="Frank Ruhl Libre" panose="00000500000000000000" pitchFamily="2" charset="-79"/>
+              </a:rPr>
+              <a:t>, A. Maier, and E. </a:t>
+            </a:r>
+            <a:r>
+              <a:rPr lang="en-US" sz="6400" dirty="0" err="1">
+                <a:effectLst/>
+                <a:latin typeface="Frank Ruhl Libre" panose="00000500000000000000" pitchFamily="2" charset="-79"/>
+                <a:ea typeface="Times New Roman" panose="02020603050405020304" pitchFamily="18" charset="0"/>
+                <a:cs typeface="Frank Ruhl Libre" panose="00000500000000000000" pitchFamily="2" charset="-79"/>
+              </a:rPr>
+              <a:t>Angelopoulou</a:t>
+            </a:r>
+            <a:r>
+              <a:rPr lang="en-US" sz="6400" dirty="0">
+                <a:effectLst/>
+                <a:latin typeface="Frank Ruhl Libre" panose="00000500000000000000" pitchFamily="2" charset="-79"/>
+                <a:ea typeface="Times New Roman" panose="02020603050405020304" pitchFamily="18" charset="0"/>
+                <a:cs typeface="Frank Ruhl Libre" panose="00000500000000000000" pitchFamily="2" charset="-79"/>
+              </a:rPr>
+              <a:t>, ‘‘Offline writer identification using convolutional neural network activation features,’’ In Proc. German Conf. Pattern Recognition, 2015, pp. 540–552. DOI:10.1007/978-3-319-24947-6_45.</a:t>
+            </a:r>
+            <a:endParaRPr lang="en-IN" sz="6400" dirty="0">
+              <a:effectLst/>
+              <a:latin typeface="Frank Ruhl Libre" panose="00000500000000000000" pitchFamily="2" charset="-79"/>
+              <a:ea typeface="Times New Roman" panose="02020603050405020304" pitchFamily="18" charset="0"/>
+              <a:cs typeface="Frank Ruhl Libre" panose="00000500000000000000" pitchFamily="2" charset="-79"/>
+            </a:endParaRPr>
+          </a:p>
+          <a:p>
+            <a:pPr marL="0" lvl="0" indent="0" algn="just">
+              <a:lnSpc>
+                <a:spcPct val="107000"/>
+              </a:lnSpc>
+              <a:buNone/>
+            </a:pPr>
+            <a:r>
+              <a:rPr lang="en-US" sz="6400" dirty="0">
+                <a:effectLst/>
+                <a:latin typeface="Frank Ruhl Libre" panose="00000500000000000000" pitchFamily="2" charset="-79"/>
+                <a:ea typeface="Times New Roman" panose="02020603050405020304" pitchFamily="18" charset="0"/>
+                <a:cs typeface="Frank Ruhl Libre" panose="00000500000000000000" pitchFamily="2" charset="-79"/>
+              </a:rPr>
+              <a:t>[9]	A. </a:t>
+            </a:r>
+            <a:r>
+              <a:rPr lang="en-US" sz="6400" dirty="0" err="1">
+                <a:effectLst/>
+                <a:latin typeface="Frank Ruhl Libre" panose="00000500000000000000" pitchFamily="2" charset="-79"/>
+                <a:ea typeface="Times New Roman" panose="02020603050405020304" pitchFamily="18" charset="0"/>
+                <a:cs typeface="Frank Ruhl Libre" panose="00000500000000000000" pitchFamily="2" charset="-79"/>
+              </a:rPr>
+              <a:t>Schlapbach</a:t>
+            </a:r>
+            <a:r>
+              <a:rPr lang="en-US" sz="6400" dirty="0">
+                <a:effectLst/>
+                <a:latin typeface="Frank Ruhl Libre" panose="00000500000000000000" pitchFamily="2" charset="-79"/>
+                <a:ea typeface="Times New Roman" panose="02020603050405020304" pitchFamily="18" charset="0"/>
+                <a:cs typeface="Frank Ruhl Libre" panose="00000500000000000000" pitchFamily="2" charset="-79"/>
+              </a:rPr>
+              <a:t> and H. </a:t>
+            </a:r>
+            <a:r>
+              <a:rPr lang="en-US" sz="6400" dirty="0" err="1">
+                <a:effectLst/>
+                <a:latin typeface="Frank Ruhl Libre" panose="00000500000000000000" pitchFamily="2" charset="-79"/>
+                <a:ea typeface="Times New Roman" panose="02020603050405020304" pitchFamily="18" charset="0"/>
+                <a:cs typeface="Frank Ruhl Libre" panose="00000500000000000000" pitchFamily="2" charset="-79"/>
+              </a:rPr>
+              <a:t>Bunke</a:t>
+            </a:r>
+            <a:r>
+              <a:rPr lang="en-US" sz="6400" dirty="0">
+                <a:effectLst/>
+                <a:latin typeface="Frank Ruhl Libre" panose="00000500000000000000" pitchFamily="2" charset="-79"/>
+                <a:ea typeface="Times New Roman" panose="02020603050405020304" pitchFamily="18" charset="0"/>
+                <a:cs typeface="Frank Ruhl Libre" panose="00000500000000000000" pitchFamily="2" charset="-79"/>
+              </a:rPr>
+              <a:t>, ‘‘Writer identification using an HMM-based handwriting recognition system: To normalize the input or not,’’ in </a:t>
+            </a:r>
+            <a:r>
+              <a:rPr lang="en-US" sz="6400" i="1" dirty="0">
+                <a:effectLst/>
+                <a:latin typeface="Frank Ruhl Libre" panose="00000500000000000000" pitchFamily="2" charset="-79"/>
+                <a:ea typeface="Times New Roman" panose="02020603050405020304" pitchFamily="18" charset="0"/>
+                <a:cs typeface="Frank Ruhl Libre" panose="00000500000000000000" pitchFamily="2" charset="-79"/>
+              </a:rPr>
+              <a:t>Proc. Conf. IGS, 2005</a:t>
+            </a:r>
+            <a:r>
+              <a:rPr lang="en-US" sz="6400" dirty="0">
+                <a:effectLst/>
+                <a:latin typeface="Frank Ruhl Libre" panose="00000500000000000000" pitchFamily="2" charset="-79"/>
+                <a:ea typeface="Times New Roman" panose="02020603050405020304" pitchFamily="18" charset="0"/>
+                <a:cs typeface="Frank Ruhl Libre" panose="00000500000000000000" pitchFamily="2" charset="-79"/>
+              </a:rPr>
+              <a:t>, pp. 138–142.</a:t>
+            </a:r>
+            <a:endParaRPr lang="en-IN" sz="6400" dirty="0">
+              <a:effectLst/>
+              <a:latin typeface="Frank Ruhl Libre" panose="00000500000000000000" pitchFamily="2" charset="-79"/>
+              <a:ea typeface="Times New Roman" panose="02020603050405020304" pitchFamily="18" charset="0"/>
+              <a:cs typeface="Frank Ruhl Libre" panose="00000500000000000000" pitchFamily="2" charset="-79"/>
+            </a:endParaRPr>
+          </a:p>
+          <a:p>
+            <a:pPr marL="0" lvl="0" indent="0" algn="just">
+              <a:lnSpc>
+                <a:spcPct val="107000"/>
+              </a:lnSpc>
+              <a:buNone/>
+            </a:pPr>
+            <a:r>
+              <a:rPr lang="en-US" sz="6400" dirty="0">
+                <a:effectLst/>
+                <a:latin typeface="Frank Ruhl Libre" panose="00000500000000000000" pitchFamily="2" charset="-79"/>
+                <a:ea typeface="Times New Roman" panose="02020603050405020304" pitchFamily="18" charset="0"/>
+                <a:cs typeface="Frank Ruhl Libre" panose="00000500000000000000" pitchFamily="2" charset="-79"/>
+              </a:rPr>
+              <a:t>[10]	X. Wu, Y. Tang and W. Bu, "Offline Text-Independent Writer Identification Based on Scale Invariant Feature Transform," in </a:t>
+            </a:r>
+            <a:r>
+              <a:rPr lang="en-US" sz="6400" i="1" dirty="0">
+                <a:effectLst/>
+                <a:latin typeface="Frank Ruhl Libre" panose="00000500000000000000" pitchFamily="2" charset="-79"/>
+                <a:ea typeface="Times New Roman" panose="02020603050405020304" pitchFamily="18" charset="0"/>
+                <a:cs typeface="Frank Ruhl Libre" panose="00000500000000000000" pitchFamily="2" charset="-79"/>
+              </a:rPr>
+              <a:t>IEEE Transactions on Information Forensics and Security</a:t>
+            </a:r>
+            <a:r>
+              <a:rPr lang="en-US" sz="6400" dirty="0">
+                <a:effectLst/>
+                <a:latin typeface="Frank Ruhl Libre" panose="00000500000000000000" pitchFamily="2" charset="-79"/>
+                <a:ea typeface="Times New Roman" panose="02020603050405020304" pitchFamily="18" charset="0"/>
+                <a:cs typeface="Frank Ruhl Libre" panose="00000500000000000000" pitchFamily="2" charset="-79"/>
+              </a:rPr>
+              <a:t>, vol. 9, no. 3, pp. 526-536, March 2014, DOI: 10.1109/TIFS.2014.2301274.</a:t>
+            </a:r>
+            <a:endParaRPr lang="en-IN" sz="6400" dirty="0">
+              <a:effectLst/>
+              <a:latin typeface="Frank Ruhl Libre" panose="00000500000000000000" pitchFamily="2" charset="-79"/>
+              <a:ea typeface="Times New Roman" panose="02020603050405020304" pitchFamily="18" charset="0"/>
+              <a:cs typeface="Frank Ruhl Libre" panose="00000500000000000000" pitchFamily="2" charset="-79"/>
+            </a:endParaRPr>
+          </a:p>
+          <a:p>
+            <a:pPr marL="0" lvl="0" indent="0" algn="just">
+              <a:lnSpc>
+                <a:spcPct val="107000"/>
+              </a:lnSpc>
+              <a:spcAft>
+                <a:spcPts val="800"/>
+              </a:spcAft>
+              <a:buNone/>
+            </a:pPr>
+            <a:r>
+              <a:rPr lang="en-US" sz="6400" dirty="0">
+                <a:effectLst/>
+                <a:latin typeface="Frank Ruhl Libre" panose="00000500000000000000" pitchFamily="2" charset="-79"/>
+                <a:ea typeface="Times New Roman" panose="02020603050405020304" pitchFamily="18" charset="0"/>
+                <a:cs typeface="Frank Ruhl Libre" panose="00000500000000000000" pitchFamily="2" charset="-79"/>
+              </a:rPr>
+              <a:t>[11]	C. Adak, B. B. Chaudhuri and M. Blumenstein, “An Empirical Study on Writer Identification and Verification from Intra-Variable Individual Handwriting”, </a:t>
+            </a:r>
+            <a:r>
+              <a:rPr lang="en-US" sz="6400" i="1" dirty="0">
+                <a:effectLst/>
+                <a:latin typeface="Frank Ruhl Libre" panose="00000500000000000000" pitchFamily="2" charset="-79"/>
+                <a:ea typeface="Times New Roman" panose="02020603050405020304" pitchFamily="18" charset="0"/>
+                <a:cs typeface="Frank Ruhl Libre" panose="00000500000000000000" pitchFamily="2" charset="-79"/>
+              </a:rPr>
+              <a:t>IEEE Access</a:t>
+            </a:r>
+            <a:r>
+              <a:rPr lang="en-US" sz="6400" dirty="0">
+                <a:effectLst/>
+                <a:latin typeface="Frank Ruhl Libre" panose="00000500000000000000" pitchFamily="2" charset="-79"/>
+                <a:ea typeface="Times New Roman" panose="02020603050405020304" pitchFamily="18" charset="0"/>
+                <a:cs typeface="Frank Ruhl Libre" panose="00000500000000000000" pitchFamily="2" charset="-79"/>
+              </a:rPr>
+              <a:t>, Vol. 7, 2021, pp. 24738-24758, Feb 18, 2019, </a:t>
+            </a:r>
+            <a:r>
+              <a:rPr lang="en-US" sz="6400" dirty="0" err="1">
+                <a:effectLst/>
+                <a:latin typeface="Frank Ruhl Libre" panose="00000500000000000000" pitchFamily="2" charset="-79"/>
+                <a:ea typeface="Times New Roman" panose="02020603050405020304" pitchFamily="18" charset="0"/>
+                <a:cs typeface="Frank Ruhl Libre" panose="00000500000000000000" pitchFamily="2" charset="-79"/>
+              </a:rPr>
+              <a:t>doi</a:t>
+            </a:r>
+            <a:r>
+              <a:rPr lang="en-US" sz="6400" dirty="0">
+                <a:effectLst/>
+                <a:latin typeface="Frank Ruhl Libre" panose="00000500000000000000" pitchFamily="2" charset="-79"/>
+                <a:ea typeface="Times New Roman" panose="02020603050405020304" pitchFamily="18" charset="0"/>
+                <a:cs typeface="Frank Ruhl Libre" panose="00000500000000000000" pitchFamily="2" charset="-79"/>
+              </a:rPr>
+              <a:t>: 10.1109/ACCESS.2019.2899908.</a:t>
+            </a:r>
+          </a:p>
+          <a:p>
+            <a:pPr marL="0" lvl="0" indent="0" algn="just">
+              <a:lnSpc>
+                <a:spcPct val="107000"/>
+              </a:lnSpc>
+              <a:spcAft>
+                <a:spcPts val="800"/>
+              </a:spcAft>
+              <a:buNone/>
+            </a:pPr>
+            <a:r>
+              <a:rPr lang="en-US" sz="6400" dirty="0">
+                <a:latin typeface="Frank Ruhl Libre" panose="00000500000000000000" pitchFamily="2" charset="-79"/>
+                <a:ea typeface="Times New Roman" panose="02020603050405020304" pitchFamily="18" charset="0"/>
+                <a:cs typeface="Frank Ruhl Libre" panose="00000500000000000000" pitchFamily="2" charset="-79"/>
+              </a:rPr>
+              <a:t>[12]	T. Mondal, S. A. Hossain, S. Mondal, R. </a:t>
+            </a:r>
+            <a:r>
+              <a:rPr lang="en-US" sz="6400" dirty="0" err="1">
+                <a:latin typeface="Frank Ruhl Libre" panose="00000500000000000000" pitchFamily="2" charset="-79"/>
+                <a:ea typeface="Times New Roman" panose="02020603050405020304" pitchFamily="18" charset="0"/>
+                <a:cs typeface="Frank Ruhl Libre" panose="00000500000000000000" pitchFamily="2" charset="-79"/>
+              </a:rPr>
+              <a:t>Afroz</a:t>
+            </a:r>
+            <a:r>
+              <a:rPr lang="en-US" sz="6400" dirty="0">
+                <a:latin typeface="Frank Ruhl Libre" panose="00000500000000000000" pitchFamily="2" charset="-79"/>
+                <a:ea typeface="Times New Roman" panose="02020603050405020304" pitchFamily="18" charset="0"/>
+                <a:cs typeface="Frank Ruhl Libre" panose="00000500000000000000" pitchFamily="2" charset="-79"/>
+              </a:rPr>
+              <a:t> and A. Hossain, “Preprocess the handwritten document image for preparing writer recognition”, Government College of Engineering and Leather Technology, Kolkata, India, Project Report, June 2020.</a:t>
+            </a:r>
+            <a:endParaRPr lang="en-US" sz="6400" dirty="0">
+              <a:effectLst/>
+              <a:latin typeface="Frank Ruhl Libre" panose="00000500000000000000" pitchFamily="2" charset="-79"/>
+              <a:ea typeface="Times New Roman" panose="02020603050405020304" pitchFamily="18" charset="0"/>
+              <a:cs typeface="Frank Ruhl Libre" panose="00000500000000000000" pitchFamily="2" charset="-79"/>
+            </a:endParaRPr>
+          </a:p>
+          <a:p>
+            <a:endParaRPr lang="en-IN" dirty="0"/>
+          </a:p>
+        </p:txBody>
+      </p:sp>
+    </p:spTree>
+    <p:extLst>
+      <p:ext uri="{BB962C8B-B14F-4D97-AF65-F5344CB8AC3E}">
+        <p14:creationId xmlns:p14="http://schemas.microsoft.com/office/powerpoint/2010/main" val="3011675431"/>
+      </p:ext>
+    </p:extLst>
+  </p:cSld>
+  <p:clrMapOvr>
+    <a:masterClrMapping/>
+  </p:clrMapOvr>
+</p:sld>
+</file>
+
+<file path=ppt/slides/slide25.xml><?xml version="1.0" encoding="utf-8"?>
 <p:sld xmlns:a="http://schemas.openxmlformats.org/drawingml/2006/main" xmlns:r="http://schemas.openxmlformats.org/officeDocument/2006/relationships" xmlns:p="http://schemas.openxmlformats.org/presentationml/2006/main">
   <p:cSld>
     <p:spTree>
@@ -19506,14 +19882,11 @@
           <a:p>
             <a:pPr algn="ctr"/>
             <a:r>
-              <a:rPr lang="en-IN">
+              <a:rPr lang="en-IN" dirty="0">
                 <a:latin typeface="Garamond" panose="02020404030301010803" pitchFamily="18" charset="0"/>
               </a:rPr>
               <a:t>Thank You</a:t>
             </a:r>
-            <a:endParaRPr lang="en-IN" dirty="0">
-              <a:latin typeface="Garamond" panose="02020404030301010803" pitchFamily="18" charset="0"/>
-            </a:endParaRPr>
           </a:p>
         </p:txBody>
       </p:sp>
@@ -21259,7 +21632,7 @@
                 <a:ea typeface="Times New Roman" panose="02020603050405020304" pitchFamily="18" charset="0"/>
                 <a:cs typeface="Frank Ruhl Libre" panose="00000500000000000000" pitchFamily="2" charset="-79"/>
               </a:rPr>
-              <a:t>ImageNet classification with deep Convolutional Neural Networks</a:t>
+              <a:t>ImageNet classification with deep Convolutional Neural Networks [1]</a:t>
             </a:r>
             <a:endParaRPr lang="en-IN" sz="1800" dirty="0">
               <a:effectLst/>
@@ -21277,7 +21650,7 @@
                 <a:ea typeface="Times New Roman" panose="02020603050405020304" pitchFamily="18" charset="0"/>
                 <a:cs typeface="Frank Ruhl Libre" panose="00000500000000000000" pitchFamily="2" charset="-79"/>
               </a:rPr>
-              <a:t>Very Deep Convolutional Networks for Large-Scale Image Recognition</a:t>
+              <a:t>Very Deep Convolutional Networks for Large-Scale Image Recognition [2]</a:t>
             </a:r>
             <a:endParaRPr lang="en-US" dirty="0">
               <a:latin typeface="Frank Ruhl Libre" panose="00000500000000000000" pitchFamily="2" charset="-79"/>
@@ -21302,7 +21675,7 @@
                 <a:ea typeface="Times New Roman" panose="02020603050405020304" pitchFamily="18" charset="0"/>
                 <a:cs typeface="Frank Ruhl Libre" panose="00000500000000000000" pitchFamily="2" charset="-79"/>
               </a:rPr>
-              <a:t>Automatic Visual Features for Writer Identification: A Deep Learning Approach</a:t>
+              <a:t>Automatic Visual Features for Writer Identification: A Deep Learning Approach [3]</a:t>
             </a:r>
           </a:p>
           <a:p>
@@ -21314,7 +21687,7 @@
                 <a:ea typeface="Times New Roman" panose="02020603050405020304" pitchFamily="18" charset="0"/>
                 <a:cs typeface="Frank Ruhl Libre" panose="00000500000000000000" pitchFamily="2" charset="-79"/>
               </a:rPr>
-              <a:t>Handwritten Character Recognition of South Indian Scripts: A Review</a:t>
+              <a:t>Handwritten Character Recognition of South Indian Scripts: A Review [4]</a:t>
             </a:r>
             <a:endParaRPr lang="en-US" sz="1800" dirty="0">
               <a:latin typeface="Frank Ruhl Libre" panose="00000500000000000000" pitchFamily="2" charset="-79"/>
@@ -21349,7 +21722,7 @@
                 <a:ea typeface="Times New Roman" panose="02020603050405020304" pitchFamily="18" charset="0"/>
                 <a:cs typeface="Frank Ruhl Libre" panose="00000500000000000000" pitchFamily="2" charset="-79"/>
               </a:rPr>
-              <a:t> For Bangla Script</a:t>
+              <a:t> For Bangla Script [5]</a:t>
             </a:r>
           </a:p>
           <a:p>
@@ -21379,7 +21752,7 @@
                 <a:ea typeface="Times New Roman" panose="02020603050405020304" pitchFamily="18" charset="0"/>
                 <a:cs typeface="Frank Ruhl Libre" panose="00000500000000000000" pitchFamily="2" charset="-79"/>
               </a:rPr>
-              <a:t> v1 and Inception v3</a:t>
+              <a:t> v1 and Inception v3 [6]</a:t>
             </a:r>
             <a:endParaRPr lang="en-US" sz="1800" dirty="0">
               <a:latin typeface="Frank Ruhl Libre" panose="00000500000000000000" pitchFamily="2" charset="-79"/>
@@ -21396,7 +21769,7 @@
                 <a:ea typeface="Times New Roman" panose="02020603050405020304" pitchFamily="18" charset="0"/>
                 <a:cs typeface="Frank Ruhl Libre" panose="00000500000000000000" pitchFamily="2" charset="-79"/>
               </a:rPr>
-              <a:t>CNN implementation based on Bangla numeral character recognition</a:t>
+              <a:t>CNN implementation based on Bangla numeral character recognition [7]</a:t>
             </a:r>
             <a:endParaRPr lang="en-US" dirty="0">
               <a:latin typeface="Frank Ruhl Libre" panose="00000500000000000000" pitchFamily="2" charset="-79"/>
@@ -21421,7 +21794,7 @@
                 <a:ea typeface="Times New Roman" panose="02020603050405020304" pitchFamily="18" charset="0"/>
                 <a:cs typeface="Frank Ruhl Libre" panose="00000500000000000000" pitchFamily="2" charset="-79"/>
               </a:rPr>
-              <a:t>Offline writer identification using convolutional neural network activation features</a:t>
+              <a:t>Offline writer identification using convolutional neural network activation features [8]</a:t>
             </a:r>
           </a:p>
           <a:p>
@@ -21433,7 +21806,7 @@
                 <a:ea typeface="Times New Roman" panose="02020603050405020304" pitchFamily="18" charset="0"/>
                 <a:cs typeface="Frank Ruhl Libre" panose="00000500000000000000" pitchFamily="2" charset="-79"/>
               </a:rPr>
-              <a:t>Writer identification using an HMM-based handwriting recognition system: To normalize the input or not</a:t>
+              <a:t>Writer identification using an HMM-based handwriting recognition system: To normalize the input or not [9]</a:t>
             </a:r>
           </a:p>
           <a:p>
@@ -21445,7 +21818,7 @@
                 <a:ea typeface="Times New Roman" panose="02020603050405020304" pitchFamily="18" charset="0"/>
                 <a:cs typeface="Frank Ruhl Libre" panose="00000500000000000000" pitchFamily="2" charset="-79"/>
               </a:rPr>
-              <a:t>Offline Text-Independent Writer Identification Based on Scale Invariant Feature Transform</a:t>
+              <a:t>Offline Text-Independent Writer Identification Based on Scale Invariant Feature Transform [10]</a:t>
             </a:r>
             <a:endParaRPr lang="en-IN" dirty="0">
               <a:latin typeface="Frank Ruhl Libre" panose="00000500000000000000" pitchFamily="2" charset="-79"/>
@@ -22161,7 +22534,7 @@
               <a:rPr lang="en-US" dirty="0">
                 <a:latin typeface="Garamond" panose="02020404030301010803" pitchFamily="18" charset="0"/>
               </a:rPr>
-              <a:t>Summary of Present Work</a:t>
+              <a:t>Summary of Related Work</a:t>
             </a:r>
             <a:endParaRPr lang="en-IN" dirty="0">
               <a:latin typeface="Garamond" panose="02020404030301010803" pitchFamily="18" charset="0"/>
@@ -22185,7 +22558,12 @@
             <p:ph idx="1"/>
           </p:nvPr>
         </p:nvSpPr>
-        <p:spPr/>
+        <p:spPr>
+          <a:xfrm>
+            <a:off x="838200" y="1584660"/>
+            <a:ext cx="10515600" cy="4351338"/>
+          </a:xfrm>
+        </p:spPr>
         <p:txBody>
           <a:bodyPr/>
           <a:lstStyle/>
@@ -22195,16 +22573,7 @@
                 <a:latin typeface="Frank Ruhl Libre" panose="00000500000000000000" pitchFamily="2" charset="-79"/>
                 <a:cs typeface="Frank Ruhl Libre" panose="00000500000000000000" pitchFamily="2" charset="-79"/>
               </a:rPr>
-              <a:t>Lack of Work</a:t>
-            </a:r>
-          </a:p>
-          <a:p>
-            <a:r>
-              <a:rPr lang="en-US" dirty="0">
-                <a:latin typeface="Frank Ruhl Libre" panose="00000500000000000000" pitchFamily="2" charset="-79"/>
-                <a:cs typeface="Frank Ruhl Libre" panose="00000500000000000000" pitchFamily="2" charset="-79"/>
-              </a:rPr>
-              <a:t>Adak et al.</a:t>
+              <a:t>Lack of Work specific to Bangla</a:t>
             </a:r>
           </a:p>
           <a:p>
@@ -22214,42 +22583,6 @@
             </a:endParaRPr>
           </a:p>
           <a:p>
-            <a:pPr marL="0" indent="0">
-              <a:buNone/>
-            </a:pPr>
-            <a:r>
-              <a:rPr lang="en-US" b="1" dirty="0">
-                <a:latin typeface="Frank Ruhl Libre" panose="00000500000000000000" pitchFamily="2" charset="-79"/>
-                <a:cs typeface="Frank Ruhl Libre" panose="00000500000000000000" pitchFamily="2" charset="-79"/>
-              </a:rPr>
-              <a:t>Summary of Adak et al.</a:t>
-            </a:r>
-          </a:p>
-          <a:p>
-            <a:r>
-              <a:rPr lang="en-US" dirty="0">
-                <a:latin typeface="Frank Ruhl Libre" panose="00000500000000000000" pitchFamily="2" charset="-79"/>
-                <a:cs typeface="Frank Ruhl Libre" panose="00000500000000000000" pitchFamily="2" charset="-79"/>
-              </a:rPr>
-              <a:t>High intra-variable handwriting-based writer identification/verification</a:t>
-            </a:r>
-          </a:p>
-          <a:p>
-            <a:r>
-              <a:rPr lang="en-US" dirty="0">
-                <a:latin typeface="Frank Ruhl Libre" panose="00000500000000000000" pitchFamily="2" charset="-79"/>
-                <a:cs typeface="Frank Ruhl Libre" panose="00000500000000000000" pitchFamily="2" charset="-79"/>
-              </a:rPr>
-              <a:t>Both handcrafted and auto-derived feature-based models are considered</a:t>
-            </a:r>
-          </a:p>
-          <a:p>
-            <a:endParaRPr lang="en-US" dirty="0">
-              <a:latin typeface="Frank Ruhl Libre" panose="00000500000000000000" pitchFamily="2" charset="-79"/>
-              <a:cs typeface="Frank Ruhl Libre" panose="00000500000000000000" pitchFamily="2" charset="-79"/>
-            </a:endParaRPr>
-          </a:p>
-          <a:p>
             <a:endParaRPr lang="en-IN" dirty="0">
               <a:latin typeface="Frank Ruhl Libre" panose="00000500000000000000" pitchFamily="2" charset="-79"/>
               <a:cs typeface="Frank Ruhl Libre" panose="00000500000000000000" pitchFamily="2" charset="-79"/>
@@ -22257,6 +22590,683 @@
           </a:p>
         </p:txBody>
       </p:sp>
+      <p:graphicFrame>
+        <p:nvGraphicFramePr>
+          <p:cNvPr id="4" name="Table 4">
+            <a:extLst>
+              <a:ext uri="{FF2B5EF4-FFF2-40B4-BE49-F238E27FC236}">
+                <a16:creationId xmlns:a16="http://schemas.microsoft.com/office/drawing/2014/main" id="{1CC43913-ECD2-4CF6-A09E-7B22DB78CAB9}"/>
+              </a:ext>
+            </a:extLst>
+          </p:cNvPr>
+          <p:cNvGraphicFramePr>
+            <a:graphicFrameLocks noGrp="1"/>
+          </p:cNvGraphicFramePr>
+          <p:nvPr>
+            <p:extLst>
+              <p:ext uri="{D42A27DB-BD31-4B8C-83A1-F6EECF244321}">
+                <p14:modId xmlns:p14="http://schemas.microsoft.com/office/powerpoint/2010/main" val="1313352532"/>
+              </p:ext>
+            </p:extLst>
+          </p:nvPr>
+        </p:nvGraphicFramePr>
+        <p:xfrm>
+          <a:off x="838200" y="2205979"/>
+          <a:ext cx="10515600" cy="4286896"/>
+        </p:xfrm>
+        <a:graphic>
+          <a:graphicData uri="http://schemas.openxmlformats.org/drawingml/2006/table">
+            <a:tbl>
+              <a:tblPr firstRow="1" bandRow="1">
+                <a:tableStyleId>{073A0DAA-6AF3-43AB-8588-CEC1D06C72B9}</a:tableStyleId>
+              </a:tblPr>
+              <a:tblGrid>
+                <a:gridCol w="2466474">
+                  <a:extLst>
+                    <a:ext uri="{9D8B030D-6E8A-4147-A177-3AD203B41FA5}">
+                      <a16:colId xmlns:a16="http://schemas.microsoft.com/office/drawing/2014/main" val="1778172647"/>
+                    </a:ext>
+                  </a:extLst>
+                </a:gridCol>
+                <a:gridCol w="1299410">
+                  <a:extLst>
+                    <a:ext uri="{9D8B030D-6E8A-4147-A177-3AD203B41FA5}">
+                      <a16:colId xmlns:a16="http://schemas.microsoft.com/office/drawing/2014/main" val="687894015"/>
+                    </a:ext>
+                  </a:extLst>
+                </a:gridCol>
+                <a:gridCol w="1668379">
+                  <a:extLst>
+                    <a:ext uri="{9D8B030D-6E8A-4147-A177-3AD203B41FA5}">
+                      <a16:colId xmlns:a16="http://schemas.microsoft.com/office/drawing/2014/main" val="1716077454"/>
+                    </a:ext>
+                  </a:extLst>
+                </a:gridCol>
+                <a:gridCol w="1780674">
+                  <a:extLst>
+                    <a:ext uri="{9D8B030D-6E8A-4147-A177-3AD203B41FA5}">
+                      <a16:colId xmlns:a16="http://schemas.microsoft.com/office/drawing/2014/main" val="949771455"/>
+                    </a:ext>
+                  </a:extLst>
+                </a:gridCol>
+                <a:gridCol w="1548063">
+                  <a:extLst>
+                    <a:ext uri="{9D8B030D-6E8A-4147-A177-3AD203B41FA5}">
+                      <a16:colId xmlns:a16="http://schemas.microsoft.com/office/drawing/2014/main" val="1771089130"/>
+                    </a:ext>
+                  </a:extLst>
+                </a:gridCol>
+                <a:gridCol w="1752600">
+                  <a:extLst>
+                    <a:ext uri="{9D8B030D-6E8A-4147-A177-3AD203B41FA5}">
+                      <a16:colId xmlns:a16="http://schemas.microsoft.com/office/drawing/2014/main" val="863323212"/>
+                    </a:ext>
+                  </a:extLst>
+                </a:gridCol>
+              </a:tblGrid>
+              <a:tr h="629296">
+                <a:tc>
+                  <a:txBody>
+                    <a:bodyPr/>
+                    <a:lstStyle/>
+                    <a:p>
+                      <a:pPr algn="ctr"/>
+                      <a:r>
+                        <a:rPr lang="en-IN" sz="2800" dirty="0">
+                          <a:latin typeface="Garamond" panose="02020404030301010803" pitchFamily="18" charset="0"/>
+                        </a:rPr>
+                        <a:t>Reference</a:t>
+                      </a:r>
+                    </a:p>
+                  </a:txBody>
+                  <a:tcPr/>
+                </a:tc>
+                <a:tc>
+                  <a:txBody>
+                    <a:bodyPr/>
+                    <a:lstStyle/>
+                    <a:p>
+                      <a:pPr algn="ctr"/>
+                      <a:r>
+                        <a:rPr lang="en-IN" sz="2800" dirty="0">
+                          <a:latin typeface="Garamond" panose="02020404030301010803" pitchFamily="18" charset="0"/>
+                        </a:rPr>
+                        <a:t>Year</a:t>
+                      </a:r>
+                    </a:p>
+                  </a:txBody>
+                  <a:tcPr/>
+                </a:tc>
+                <a:tc>
+                  <a:txBody>
+                    <a:bodyPr/>
+                    <a:lstStyle/>
+                    <a:p>
+                      <a:pPr algn="ctr"/>
+                      <a:r>
+                        <a:rPr lang="en-IN" sz="2800" dirty="0">
+                          <a:latin typeface="Garamond" panose="02020404030301010803" pitchFamily="18" charset="0"/>
+                        </a:rPr>
+                        <a:t>Model</a:t>
+                      </a:r>
+                    </a:p>
+                  </a:txBody>
+                  <a:tcPr/>
+                </a:tc>
+                <a:tc>
+                  <a:txBody>
+                    <a:bodyPr/>
+                    <a:lstStyle/>
+                    <a:p>
+                      <a:pPr algn="ctr"/>
+                      <a:r>
+                        <a:rPr lang="en-IN" sz="2800" dirty="0">
+                          <a:latin typeface="Garamond" panose="02020404030301010803" pitchFamily="18" charset="0"/>
+                        </a:rPr>
+                        <a:t>Type</a:t>
+                      </a:r>
+                    </a:p>
+                  </a:txBody>
+                  <a:tcPr/>
+                </a:tc>
+                <a:tc>
+                  <a:txBody>
+                    <a:bodyPr/>
+                    <a:lstStyle/>
+                    <a:p>
+                      <a:pPr algn="ctr"/>
+                      <a:r>
+                        <a:rPr lang="en-IN" sz="2800" dirty="0">
+                          <a:latin typeface="Garamond" panose="02020404030301010803" pitchFamily="18" charset="0"/>
+                        </a:rPr>
+                        <a:t>Dataset</a:t>
+                      </a:r>
+                    </a:p>
+                  </a:txBody>
+                  <a:tcPr/>
+                </a:tc>
+                <a:tc>
+                  <a:txBody>
+                    <a:bodyPr/>
+                    <a:lstStyle/>
+                    <a:p>
+                      <a:pPr algn="ctr"/>
+                      <a:r>
+                        <a:rPr lang="en-IN" sz="2800" dirty="0">
+                          <a:latin typeface="Garamond" panose="02020404030301010803" pitchFamily="18" charset="0"/>
+                        </a:rPr>
+                        <a:t>Result (%)</a:t>
+                      </a:r>
+                    </a:p>
+                  </a:txBody>
+                  <a:tcPr/>
+                </a:tc>
+                <a:extLst>
+                  <a:ext uri="{0D108BD9-81ED-4DB2-BD59-A6C34878D82A}">
+                    <a16:rowId xmlns:a16="http://schemas.microsoft.com/office/drawing/2014/main" val="2379727305"/>
+                  </a:ext>
+                </a:extLst>
+              </a:tr>
+              <a:tr h="629296">
+                <a:tc>
+                  <a:txBody>
+                    <a:bodyPr/>
+                    <a:lstStyle/>
+                    <a:p>
+                      <a:pPr algn="ctr"/>
+                      <a:r>
+                        <a:rPr lang="en-IN" sz="2000" dirty="0">
+                          <a:latin typeface="Frank Ruhl Libre" panose="00000500000000000000" pitchFamily="2" charset="-79"/>
+                          <a:cs typeface="Frank Ruhl Libre" panose="00000500000000000000" pitchFamily="2" charset="-79"/>
+                        </a:rPr>
+                        <a:t>Adak et al. [11]</a:t>
+                      </a:r>
+                    </a:p>
+                  </a:txBody>
+                  <a:tcPr/>
+                </a:tc>
+                <a:tc>
+                  <a:txBody>
+                    <a:bodyPr/>
+                    <a:lstStyle/>
+                    <a:p>
+                      <a:pPr algn="ctr"/>
+                      <a:r>
+                        <a:rPr lang="en-IN" sz="2000" dirty="0">
+                          <a:latin typeface="Frank Ruhl Libre" panose="00000500000000000000" pitchFamily="2" charset="-79"/>
+                          <a:cs typeface="Frank Ruhl Libre" panose="00000500000000000000" pitchFamily="2" charset="-79"/>
+                        </a:rPr>
+                        <a:t>2019</a:t>
+                      </a:r>
+                    </a:p>
+                  </a:txBody>
+                  <a:tcPr/>
+                </a:tc>
+                <a:tc>
+                  <a:txBody>
+                    <a:bodyPr/>
+                    <a:lstStyle/>
+                    <a:p>
+                      <a:pPr algn="ctr"/>
+                      <a:r>
+                        <a:rPr lang="en-IN" sz="2000" dirty="0">
+                          <a:latin typeface="Frank Ruhl Libre" panose="00000500000000000000" pitchFamily="2" charset="-79"/>
+                          <a:cs typeface="Frank Ruhl Libre" panose="00000500000000000000" pitchFamily="2" charset="-79"/>
+                        </a:rPr>
+                        <a:t>VGG16</a:t>
+                      </a:r>
+                    </a:p>
+                  </a:txBody>
+                  <a:tcPr/>
+                </a:tc>
+                <a:tc>
+                  <a:txBody>
+                    <a:bodyPr/>
+                    <a:lstStyle/>
+                    <a:p>
+                      <a:pPr algn="ctr"/>
+                      <a:r>
+                        <a:rPr lang="en-IN" sz="2000" dirty="0">
+                          <a:latin typeface="Frank Ruhl Libre" panose="00000500000000000000" pitchFamily="2" charset="-79"/>
+                          <a:cs typeface="Frank Ruhl Libre" panose="00000500000000000000" pitchFamily="2" charset="-79"/>
+                        </a:rPr>
+                        <a:t>Verification</a:t>
+                      </a:r>
+                    </a:p>
+                  </a:txBody>
+                  <a:tcPr/>
+                </a:tc>
+                <a:tc>
+                  <a:txBody>
+                    <a:bodyPr/>
+                    <a:lstStyle/>
+                    <a:p>
+                      <a:pPr algn="ctr"/>
+                      <a:r>
+                        <a:rPr lang="en-IN" sz="2000" dirty="0">
+                          <a:latin typeface="Frank Ruhl Libre" panose="00000500000000000000" pitchFamily="2" charset="-79"/>
+                          <a:cs typeface="Frank Ruhl Libre" panose="00000500000000000000" pitchFamily="2" charset="-79"/>
+                        </a:rPr>
+                        <a:t>Self Procured</a:t>
+                      </a:r>
+                    </a:p>
+                  </a:txBody>
+                  <a:tcPr/>
+                </a:tc>
+                <a:tc>
+                  <a:txBody>
+                    <a:bodyPr/>
+                    <a:lstStyle/>
+                    <a:p>
+                      <a:pPr algn="ctr"/>
+                      <a:r>
+                        <a:rPr lang="en-IN" sz="2000" dirty="0">
+                          <a:latin typeface="Frank Ruhl Libre" panose="00000500000000000000" pitchFamily="2" charset="-79"/>
+                          <a:cs typeface="Frank Ruhl Libre" panose="00000500000000000000" pitchFamily="2" charset="-79"/>
+                        </a:rPr>
+                        <a:t>97.77</a:t>
+                      </a:r>
+                    </a:p>
+                  </a:txBody>
+                  <a:tcPr/>
+                </a:tc>
+                <a:extLst>
+                  <a:ext uri="{0D108BD9-81ED-4DB2-BD59-A6C34878D82A}">
+                    <a16:rowId xmlns:a16="http://schemas.microsoft.com/office/drawing/2014/main" val="3006821364"/>
+                  </a:ext>
+                </a:extLst>
+              </a:tr>
+              <a:tr h="629296">
+                <a:tc>
+                  <a:txBody>
+                    <a:bodyPr/>
+                    <a:lstStyle/>
+                    <a:p>
+                      <a:pPr algn="ctr"/>
+                      <a:r>
+                        <a:rPr lang="en-IN" sz="2000" dirty="0" err="1">
+                          <a:latin typeface="Frank Ruhl Libre" panose="00000500000000000000" pitchFamily="2" charset="-79"/>
+                          <a:cs typeface="Frank Ruhl Libre" panose="00000500000000000000" pitchFamily="2" charset="-79"/>
+                        </a:rPr>
+                        <a:t>Christlein</a:t>
+                      </a:r>
+                      <a:r>
+                        <a:rPr lang="en-IN" sz="2000" dirty="0">
+                          <a:latin typeface="Frank Ruhl Libre" panose="00000500000000000000" pitchFamily="2" charset="-79"/>
+                          <a:cs typeface="Frank Ruhl Libre" panose="00000500000000000000" pitchFamily="2" charset="-79"/>
+                        </a:rPr>
+                        <a:t> et al. [8]</a:t>
+                      </a:r>
+                    </a:p>
+                  </a:txBody>
+                  <a:tcPr/>
+                </a:tc>
+                <a:tc>
+                  <a:txBody>
+                    <a:bodyPr/>
+                    <a:lstStyle/>
+                    <a:p>
+                      <a:pPr algn="ctr"/>
+                      <a:r>
+                        <a:rPr lang="en-IN" sz="2000" dirty="0">
+                          <a:latin typeface="Frank Ruhl Libre" panose="00000500000000000000" pitchFamily="2" charset="-79"/>
+                          <a:cs typeface="Frank Ruhl Libre" panose="00000500000000000000" pitchFamily="2" charset="-79"/>
+                        </a:rPr>
+                        <a:t>2015</a:t>
+                      </a:r>
+                    </a:p>
+                  </a:txBody>
+                  <a:tcPr/>
+                </a:tc>
+                <a:tc>
+                  <a:txBody>
+                    <a:bodyPr/>
+                    <a:lstStyle/>
+                    <a:p>
+                      <a:pPr algn="ctr"/>
+                      <a:r>
+                        <a:rPr lang="en-IN" sz="2000" dirty="0">
+                          <a:latin typeface="Frank Ruhl Libre" panose="00000500000000000000" pitchFamily="2" charset="-79"/>
+                          <a:cs typeface="Frank Ruhl Libre" panose="00000500000000000000" pitchFamily="2" charset="-79"/>
+                        </a:rPr>
+                        <a:t>CNN (Super Vector encoded)</a:t>
+                      </a:r>
+                    </a:p>
+                  </a:txBody>
+                  <a:tcPr/>
+                </a:tc>
+                <a:tc>
+                  <a:txBody>
+                    <a:bodyPr/>
+                    <a:lstStyle/>
+                    <a:p>
+                      <a:pPr algn="ctr"/>
+                      <a:r>
+                        <a:rPr lang="en-IN" sz="2000" dirty="0">
+                          <a:latin typeface="Frank Ruhl Libre" panose="00000500000000000000" pitchFamily="2" charset="-79"/>
+                          <a:cs typeface="Frank Ruhl Libre" panose="00000500000000000000" pitchFamily="2" charset="-79"/>
+                        </a:rPr>
+                        <a:t>Identification</a:t>
+                      </a:r>
+                    </a:p>
+                  </a:txBody>
+                  <a:tcPr/>
+                </a:tc>
+                <a:tc>
+                  <a:txBody>
+                    <a:bodyPr/>
+                    <a:lstStyle/>
+                    <a:p>
+                      <a:pPr marL="0" marR="0" lvl="0" indent="0" algn="ctr" defTabSz="914400" rtl="0" eaLnBrk="1" fontAlgn="auto" latinLnBrk="0" hangingPunct="1">
+                        <a:lnSpc>
+                          <a:spcPct val="100000"/>
+                        </a:lnSpc>
+                        <a:spcBef>
+                          <a:spcPts val="0"/>
+                        </a:spcBef>
+                        <a:spcAft>
+                          <a:spcPts val="0"/>
+                        </a:spcAft>
+                        <a:buClrTx/>
+                        <a:buSzTx/>
+                        <a:buFontTx/>
+                        <a:buNone/>
+                        <a:tabLst/>
+                        <a:defRPr/>
+                      </a:pPr>
+                      <a:r>
+                        <a:rPr lang="en-IN" sz="2000" dirty="0">
+                          <a:latin typeface="Frank Ruhl Libre" panose="00000500000000000000" pitchFamily="2" charset="-79"/>
+                          <a:cs typeface="Frank Ruhl Libre" panose="00000500000000000000" pitchFamily="2" charset="-79"/>
+                        </a:rPr>
+                        <a:t>Self Procured</a:t>
+                      </a:r>
+                    </a:p>
+                    <a:p>
+                      <a:pPr algn="ctr"/>
+                      <a:endParaRPr lang="en-IN" sz="2000" dirty="0">
+                        <a:latin typeface="Frank Ruhl Libre" panose="00000500000000000000" pitchFamily="2" charset="-79"/>
+                        <a:cs typeface="Frank Ruhl Libre" panose="00000500000000000000" pitchFamily="2" charset="-79"/>
+                      </a:endParaRPr>
+                    </a:p>
+                  </a:txBody>
+                  <a:tcPr/>
+                </a:tc>
+                <a:tc>
+                  <a:txBody>
+                    <a:bodyPr/>
+                    <a:lstStyle/>
+                    <a:p>
+                      <a:pPr algn="ctr"/>
+                      <a:r>
+                        <a:rPr lang="en-IN" sz="2000" dirty="0">
+                          <a:latin typeface="Frank Ruhl Libre" panose="00000500000000000000" pitchFamily="2" charset="-79"/>
+                          <a:cs typeface="Frank Ruhl Libre" panose="00000500000000000000" pitchFamily="2" charset="-79"/>
+                        </a:rPr>
+                        <a:t>88.60</a:t>
+                      </a:r>
+                    </a:p>
+                  </a:txBody>
+                  <a:tcPr/>
+                </a:tc>
+                <a:extLst>
+                  <a:ext uri="{0D108BD9-81ED-4DB2-BD59-A6C34878D82A}">
+                    <a16:rowId xmlns:a16="http://schemas.microsoft.com/office/drawing/2014/main" val="3033881445"/>
+                  </a:ext>
+                </a:extLst>
+              </a:tr>
+              <a:tr h="629296">
+                <a:tc>
+                  <a:txBody>
+                    <a:bodyPr/>
+                    <a:lstStyle/>
+                    <a:p>
+                      <a:pPr algn="ctr"/>
+                      <a:r>
+                        <a:rPr lang="en-IN" sz="2000" dirty="0" err="1">
+                          <a:latin typeface="Frank Ruhl Libre" panose="00000500000000000000" pitchFamily="2" charset="-79"/>
+                          <a:cs typeface="Frank Ruhl Libre" panose="00000500000000000000" pitchFamily="2" charset="-79"/>
+                        </a:rPr>
+                        <a:t>Schlapbach</a:t>
+                      </a:r>
+                      <a:r>
+                        <a:rPr lang="en-IN" sz="2000" dirty="0">
+                          <a:latin typeface="Frank Ruhl Libre" panose="00000500000000000000" pitchFamily="2" charset="-79"/>
+                          <a:cs typeface="Frank Ruhl Libre" panose="00000500000000000000" pitchFamily="2" charset="-79"/>
+                        </a:rPr>
+                        <a:t> et al. [9]</a:t>
+                      </a:r>
+                    </a:p>
+                  </a:txBody>
+                  <a:tcPr/>
+                </a:tc>
+                <a:tc>
+                  <a:txBody>
+                    <a:bodyPr/>
+                    <a:lstStyle/>
+                    <a:p>
+                      <a:pPr algn="ctr"/>
+                      <a:r>
+                        <a:rPr lang="en-IN" sz="2000" dirty="0">
+                          <a:latin typeface="Frank Ruhl Libre" panose="00000500000000000000" pitchFamily="2" charset="-79"/>
+                          <a:cs typeface="Frank Ruhl Libre" panose="00000500000000000000" pitchFamily="2" charset="-79"/>
+                        </a:rPr>
+                        <a:t>2006</a:t>
+                      </a:r>
+                    </a:p>
+                  </a:txBody>
+                  <a:tcPr/>
+                </a:tc>
+                <a:tc>
+                  <a:txBody>
+                    <a:bodyPr/>
+                    <a:lstStyle/>
+                    <a:p>
+                      <a:pPr algn="ctr"/>
+                      <a:r>
+                        <a:rPr lang="en-IN" sz="2000" dirty="0">
+                          <a:latin typeface="Frank Ruhl Libre" panose="00000500000000000000" pitchFamily="2" charset="-79"/>
+                          <a:cs typeface="Frank Ruhl Libre" panose="00000500000000000000" pitchFamily="2" charset="-79"/>
+                        </a:rPr>
+                        <a:t>Hidden Markov Model</a:t>
+                      </a:r>
+                    </a:p>
+                  </a:txBody>
+                  <a:tcPr/>
+                </a:tc>
+                <a:tc>
+                  <a:txBody>
+                    <a:bodyPr/>
+                    <a:lstStyle/>
+                    <a:p>
+                      <a:pPr algn="ctr"/>
+                      <a:r>
+                        <a:rPr lang="en-IN" sz="2000" dirty="0">
+                          <a:latin typeface="Frank Ruhl Libre" panose="00000500000000000000" pitchFamily="2" charset="-79"/>
+                          <a:cs typeface="Frank Ruhl Libre" panose="00000500000000000000" pitchFamily="2" charset="-79"/>
+                        </a:rPr>
+                        <a:t>Identification</a:t>
+                      </a:r>
+                    </a:p>
+                  </a:txBody>
+                  <a:tcPr/>
+                </a:tc>
+                <a:tc>
+                  <a:txBody>
+                    <a:bodyPr/>
+                    <a:lstStyle/>
+                    <a:p>
+                      <a:pPr marL="0" marR="0" lvl="0" indent="0" algn="ctr" defTabSz="914400" rtl="0" eaLnBrk="1" fontAlgn="auto" latinLnBrk="0" hangingPunct="1">
+                        <a:lnSpc>
+                          <a:spcPct val="100000"/>
+                        </a:lnSpc>
+                        <a:spcBef>
+                          <a:spcPts val="0"/>
+                        </a:spcBef>
+                        <a:spcAft>
+                          <a:spcPts val="0"/>
+                        </a:spcAft>
+                        <a:buClrTx/>
+                        <a:buSzTx/>
+                        <a:buFontTx/>
+                        <a:buNone/>
+                        <a:tabLst/>
+                        <a:defRPr/>
+                      </a:pPr>
+                      <a:r>
+                        <a:rPr lang="en-IN" sz="2000" dirty="0">
+                          <a:latin typeface="Frank Ruhl Libre" panose="00000500000000000000" pitchFamily="2" charset="-79"/>
+                          <a:cs typeface="Frank Ruhl Libre" panose="00000500000000000000" pitchFamily="2" charset="-79"/>
+                        </a:rPr>
+                        <a:t>Self Procured</a:t>
+                      </a:r>
+                    </a:p>
+                    <a:p>
+                      <a:pPr algn="ctr"/>
+                      <a:endParaRPr lang="en-IN" sz="2000" dirty="0">
+                        <a:latin typeface="Frank Ruhl Libre" panose="00000500000000000000" pitchFamily="2" charset="-79"/>
+                        <a:cs typeface="Frank Ruhl Libre" panose="00000500000000000000" pitchFamily="2" charset="-79"/>
+                      </a:endParaRPr>
+                    </a:p>
+                  </a:txBody>
+                  <a:tcPr/>
+                </a:tc>
+                <a:tc>
+                  <a:txBody>
+                    <a:bodyPr/>
+                    <a:lstStyle/>
+                    <a:p>
+                      <a:pPr algn="ctr"/>
+                      <a:r>
+                        <a:rPr lang="en-IN" sz="2000" dirty="0">
+                          <a:latin typeface="Frank Ruhl Libre" panose="00000500000000000000" pitchFamily="2" charset="-79"/>
+                          <a:cs typeface="Frank Ruhl Libre" panose="00000500000000000000" pitchFamily="2" charset="-79"/>
+                        </a:rPr>
+                        <a:t>63.12</a:t>
+                      </a:r>
+                    </a:p>
+                  </a:txBody>
+                  <a:tcPr/>
+                </a:tc>
+                <a:extLst>
+                  <a:ext uri="{0D108BD9-81ED-4DB2-BD59-A6C34878D82A}">
+                    <a16:rowId xmlns:a16="http://schemas.microsoft.com/office/drawing/2014/main" val="3909446517"/>
+                  </a:ext>
+                </a:extLst>
+              </a:tr>
+              <a:tr h="629296">
+                <a:tc>
+                  <a:txBody>
+                    <a:bodyPr/>
+                    <a:lstStyle/>
+                    <a:p>
+                      <a:pPr algn="ctr"/>
+                      <a:r>
+                        <a:rPr lang="en-IN" sz="2000" dirty="0">
+                          <a:latin typeface="Frank Ruhl Libre" panose="00000500000000000000" pitchFamily="2" charset="-79"/>
+                          <a:cs typeface="Frank Ruhl Libre" panose="00000500000000000000" pitchFamily="2" charset="-79"/>
+                        </a:rPr>
+                        <a:t>Wu et al. [10]</a:t>
+                      </a:r>
+                    </a:p>
+                  </a:txBody>
+                  <a:tcPr/>
+                </a:tc>
+                <a:tc>
+                  <a:txBody>
+                    <a:bodyPr/>
+                    <a:lstStyle/>
+                    <a:p>
+                      <a:pPr algn="ctr"/>
+                      <a:r>
+                        <a:rPr lang="en-IN" sz="2000" dirty="0">
+                          <a:latin typeface="Frank Ruhl Libre" panose="00000500000000000000" pitchFamily="2" charset="-79"/>
+                          <a:cs typeface="Frank Ruhl Libre" panose="00000500000000000000" pitchFamily="2" charset="-79"/>
+                        </a:rPr>
+                        <a:t>2014</a:t>
+                      </a:r>
+                    </a:p>
+                  </a:txBody>
+                  <a:tcPr/>
+                </a:tc>
+                <a:tc>
+                  <a:txBody>
+                    <a:bodyPr/>
+                    <a:lstStyle/>
+                    <a:p>
+                      <a:pPr algn="ctr"/>
+                      <a:r>
+                        <a:rPr lang="en-IN" sz="2000" dirty="0">
+                          <a:latin typeface="Frank Ruhl Libre" panose="00000500000000000000" pitchFamily="2" charset="-79"/>
+                          <a:cs typeface="Frank Ruhl Libre" panose="00000500000000000000" pitchFamily="2" charset="-79"/>
+                        </a:rPr>
+                        <a:t>SDS + SOH</a:t>
+                      </a:r>
+                    </a:p>
+                  </a:txBody>
+                  <a:tcPr/>
+                </a:tc>
+                <a:tc>
+                  <a:txBody>
+                    <a:bodyPr/>
+                    <a:lstStyle/>
+                    <a:p>
+                      <a:pPr algn="ctr"/>
+                      <a:r>
+                        <a:rPr lang="en-IN" sz="2000" dirty="0">
+                          <a:latin typeface="Frank Ruhl Libre" panose="00000500000000000000" pitchFamily="2" charset="-79"/>
+                          <a:cs typeface="Frank Ruhl Libre" panose="00000500000000000000" pitchFamily="2" charset="-79"/>
+                        </a:rPr>
+                        <a:t>Identification</a:t>
+                      </a:r>
+                    </a:p>
+                  </a:txBody>
+                  <a:tcPr/>
+                </a:tc>
+                <a:tc>
+                  <a:txBody>
+                    <a:bodyPr/>
+                    <a:lstStyle/>
+                    <a:p>
+                      <a:pPr algn="ctr"/>
+                      <a:r>
+                        <a:rPr lang="en-IN" sz="2000" dirty="0">
+                          <a:latin typeface="Frank Ruhl Libre" panose="00000500000000000000" pitchFamily="2" charset="-79"/>
+                          <a:cs typeface="Frank Ruhl Libre" panose="00000500000000000000" pitchFamily="2" charset="-79"/>
+                        </a:rPr>
+                        <a:t>Multiple</a:t>
+                      </a:r>
+                    </a:p>
+                  </a:txBody>
+                  <a:tcPr/>
+                </a:tc>
+                <a:tc>
+                  <a:txBody>
+                    <a:bodyPr/>
+                    <a:lstStyle/>
+                    <a:p>
+                      <a:pPr algn="ctr"/>
+                      <a:r>
+                        <a:rPr lang="en-IN" sz="2000" dirty="0">
+                          <a:latin typeface="Frank Ruhl Libre" panose="00000500000000000000" pitchFamily="2" charset="-79"/>
+                          <a:cs typeface="Frank Ruhl Libre" panose="00000500000000000000" pitchFamily="2" charset="-79"/>
+                        </a:rPr>
+                        <a:t>99.2</a:t>
+                      </a:r>
+                    </a:p>
+                  </a:txBody>
+                  <a:tcPr/>
+                </a:tc>
+                <a:extLst>
+                  <a:ext uri="{0D108BD9-81ED-4DB2-BD59-A6C34878D82A}">
+                    <a16:rowId xmlns:a16="http://schemas.microsoft.com/office/drawing/2014/main" val="3548630442"/>
+                  </a:ext>
+                </a:extLst>
+              </a:tr>
+            </a:tbl>
+          </a:graphicData>
+        </a:graphic>
+      </p:graphicFrame>
     </p:spTree>
     <p:extLst>
       <p:ext uri="{BB962C8B-B14F-4D97-AF65-F5344CB8AC3E}">
@@ -22350,158 +23360,7 @@
                                           </p:stCondLst>
                                         </p:cTn>
                                         <p:tgtEl>
-                                          <p:spTgt spid="3">
-                                            <p:txEl>
-                                              <p:pRg st="1" end="1"/>
-                                            </p:txEl>
-                                          </p:spTgt>
-                                        </p:tgtEl>
-                                        <p:attrNameLst>
-                                          <p:attrName>style.visibility</p:attrName>
-                                        </p:attrNameLst>
-                                      </p:cBhvr>
-                                      <p:to>
-                                        <p:strVal val="visible"/>
-                                      </p:to>
-                                    </p:set>
-                                  </p:childTnLst>
-                                </p:cTn>
-                              </p:par>
-                            </p:childTnLst>
-                          </p:cTn>
-                        </p:par>
-                      </p:childTnLst>
-                    </p:cTn>
-                  </p:par>
-                  <p:par>
-                    <p:cTn id="11" fill="hold">
-                      <p:stCondLst>
-                        <p:cond delay="indefinite"/>
-                      </p:stCondLst>
-                      <p:childTnLst>
-                        <p:par>
-                          <p:cTn id="12" fill="hold">
-                            <p:stCondLst>
-                              <p:cond delay="0"/>
-                            </p:stCondLst>
-                            <p:childTnLst>
-                              <p:par>
-                                <p:cTn id="13" presetID="1" presetClass="entr" presetSubtype="0" fill="hold" nodeType="clickEffect">
-                                  <p:stCondLst>
-                                    <p:cond delay="0"/>
-                                  </p:stCondLst>
-                                  <p:childTnLst>
-                                    <p:set>
-                                      <p:cBhvr>
-                                        <p:cTn id="14" dur="1" fill="hold">
-                                          <p:stCondLst>
-                                            <p:cond delay="0"/>
-                                          </p:stCondLst>
-                                        </p:cTn>
-                                        <p:tgtEl>
-                                          <p:spTgt spid="3">
-                                            <p:txEl>
-                                              <p:pRg st="3" end="3"/>
-                                            </p:txEl>
-                                          </p:spTgt>
-                                        </p:tgtEl>
-                                        <p:attrNameLst>
-                                          <p:attrName>style.visibility</p:attrName>
-                                        </p:attrNameLst>
-                                      </p:cBhvr>
-                                      <p:to>
-                                        <p:strVal val="visible"/>
-                                      </p:to>
-                                    </p:set>
-                                  </p:childTnLst>
-                                </p:cTn>
-                              </p:par>
-                            </p:childTnLst>
-                          </p:cTn>
-                        </p:par>
-                      </p:childTnLst>
-                    </p:cTn>
-                  </p:par>
-                  <p:par>
-                    <p:cTn id="15" fill="hold">
-                      <p:stCondLst>
-                        <p:cond delay="indefinite"/>
-                      </p:stCondLst>
-                      <p:childTnLst>
-                        <p:par>
-                          <p:cTn id="16" fill="hold">
-                            <p:stCondLst>
-                              <p:cond delay="0"/>
-                            </p:stCondLst>
-                            <p:childTnLst>
-                              <p:par>
-                                <p:cTn id="17" presetID="1" presetClass="entr" presetSubtype="0" fill="hold" nodeType="clickEffect">
-                                  <p:stCondLst>
-                                    <p:cond delay="0"/>
-                                  </p:stCondLst>
-                                  <p:childTnLst>
-                                    <p:set>
-                                      <p:cBhvr>
-                                        <p:cTn id="18" dur="1" fill="hold">
-                                          <p:stCondLst>
-                                            <p:cond delay="0"/>
-                                          </p:stCondLst>
-                                        </p:cTn>
-                                        <p:tgtEl>
-                                          <p:spTgt spid="3">
-                                            <p:txEl>
-                                              <p:pRg st="4" end="4"/>
-                                            </p:txEl>
-                                          </p:spTgt>
-                                        </p:tgtEl>
-                                        <p:attrNameLst>
-                                          <p:attrName>style.visibility</p:attrName>
-                                        </p:attrNameLst>
-                                      </p:cBhvr>
-                                      <p:to>
-                                        <p:strVal val="visible"/>
-                                      </p:to>
-                                    </p:set>
-                                  </p:childTnLst>
-                                </p:cTn>
-                              </p:par>
-                            </p:childTnLst>
-                          </p:cTn>
-                        </p:par>
-                      </p:childTnLst>
-                    </p:cTn>
-                  </p:par>
-                  <p:par>
-                    <p:cTn id="19" fill="hold">
-                      <p:stCondLst>
-                        <p:cond delay="indefinite"/>
-                      </p:stCondLst>
-                      <p:childTnLst>
-                        <p:par>
-                          <p:cTn id="20" fill="hold">
-                            <p:stCondLst>
-                              <p:cond delay="0"/>
-                            </p:stCondLst>
-                            <p:childTnLst>
-                              <p:par>
-                                <p:cTn id="21" presetID="1" presetClass="entr" presetSubtype="0" fill="hold" nodeType="clickEffect">
-                                  <p:stCondLst>
-                                    <p:cond delay="0"/>
-                                  </p:stCondLst>
-                                  <p:childTnLst>
-                                    <p:set>
-                                      <p:cBhvr>
-                                        <p:cTn id="22" dur="1" fill="hold">
-                                          <p:stCondLst>
-                                            <p:cond delay="0"/>
-                                          </p:stCondLst>
-                                        </p:cTn>
-                                        <p:tgtEl>
-                                          <p:spTgt spid="3">
-                                            <p:txEl>
-                                              <p:pRg st="5" end="5"/>
-                                            </p:txEl>
-                                          </p:spTgt>
+                                          <p:spTgt spid="4"/>
                                         </p:tgtEl>
                                         <p:attrNameLst>
                                           <p:attrName>style.visibility</p:attrName>

--- a/Documentation/4th Year Project Presentation.pptx
+++ b/Documentation/4th Year Project Presentation.pptx
@@ -15249,7 +15249,7 @@
                 <a:latin typeface="Frank Ruhl Libre" panose="00000500000000000000" pitchFamily="2" charset="-79"/>
                 <a:cs typeface="Frank Ruhl Libre" panose="00000500000000000000" pitchFamily="2" charset="-79"/>
               </a:rPr>
-              <a:t> and Zisserman in 2014</a:t>
+              <a:t> and Zisserman in 2014 [2]</a:t>
             </a:r>
           </a:p>
           <a:p>
@@ -18483,6 +18483,35 @@
                 <a:latin typeface="Frank Ruhl Libre" panose="00000500000000000000" pitchFamily="2" charset="-79"/>
                 <a:cs typeface="Frank Ruhl Libre" panose="00000500000000000000" pitchFamily="2" charset="-79"/>
               </a:rPr>
+              <a:t>Try model with other languages</a:t>
+            </a:r>
+          </a:p>
+          <a:p>
+            <a:r>
+              <a:rPr lang="en-US" dirty="0">
+                <a:latin typeface="Frank Ruhl Libre" panose="00000500000000000000" pitchFamily="2" charset="-79"/>
+                <a:cs typeface="Frank Ruhl Libre" panose="00000500000000000000" pitchFamily="2" charset="-79"/>
+              </a:rPr>
+              <a:t>Try </a:t>
+            </a:r>
+            <a:r>
+              <a:rPr lang="en-US">
+                <a:latin typeface="Frank Ruhl Libre" panose="00000500000000000000" pitchFamily="2" charset="-79"/>
+                <a:cs typeface="Frank Ruhl Libre" panose="00000500000000000000" pitchFamily="2" charset="-79"/>
+              </a:rPr>
+              <a:t>inter-language verification</a:t>
+            </a:r>
+            <a:endParaRPr lang="en-US" dirty="0">
+              <a:latin typeface="Frank Ruhl Libre" panose="00000500000000000000" pitchFamily="2" charset="-79"/>
+              <a:cs typeface="Frank Ruhl Libre" panose="00000500000000000000" pitchFamily="2" charset="-79"/>
+            </a:endParaRPr>
+          </a:p>
+          <a:p>
+            <a:r>
+              <a:rPr lang="en-US" dirty="0">
+                <a:latin typeface="Frank Ruhl Libre" panose="00000500000000000000" pitchFamily="2" charset="-79"/>
+                <a:cs typeface="Frank Ruhl Libre" panose="00000500000000000000" pitchFamily="2" charset="-79"/>
+              </a:rPr>
               <a:t>Compare with other works</a:t>
             </a:r>
             <a:endParaRPr lang="en-IN" dirty="0">
@@ -18784,6 +18813,104 @@
                                           <p:spTgt spid="3">
                                             <p:txEl>
                                               <p:pRg st="5" end="5"/>
+                                            </p:txEl>
+                                          </p:spTgt>
+                                        </p:tgtEl>
+                                        <p:attrNameLst>
+                                          <p:attrName>style.visibility</p:attrName>
+                                        </p:attrNameLst>
+                                      </p:cBhvr>
+                                      <p:to>
+                                        <p:strVal val="visible"/>
+                                      </p:to>
+                                    </p:set>
+                                  </p:childTnLst>
+                                </p:cTn>
+                              </p:par>
+                            </p:childTnLst>
+                          </p:cTn>
+                        </p:par>
+                      </p:childTnLst>
+                    </p:cTn>
+                  </p:par>
+                  <p:par>
+                    <p:cTn id="27" fill="hold">
+                      <p:stCondLst>
+                        <p:cond delay="indefinite"/>
+                      </p:stCondLst>
+                      <p:childTnLst>
+                        <p:par>
+                          <p:cTn id="28" fill="hold">
+                            <p:stCondLst>
+                              <p:cond delay="0"/>
+                            </p:stCondLst>
+                            <p:childTnLst>
+                              <p:par>
+                                <p:cTn id="29" presetID="1" presetClass="entr" presetSubtype="0" fill="hold" grpId="0" nodeType="clickEffect">
+                                  <p:stCondLst>
+                                    <p:cond delay="0"/>
+                                  </p:stCondLst>
+                                  <p:childTnLst>
+                                    <p:set>
+                                      <p:cBhvr>
+                                        <p:cTn id="30" dur="1" fill="hold">
+                                          <p:stCondLst>
+                                            <p:cond delay="0"/>
+                                          </p:stCondLst>
+                                        </p:cTn>
+                                        <p:tgtEl>
+                                          <p:spTgt spid="3">
+                                            <p:txEl>
+                                              <p:pRg st="6" end="6"/>
+                                            </p:txEl>
+                                          </p:spTgt>
+                                        </p:tgtEl>
+                                        <p:attrNameLst>
+                                          <p:attrName>style.visibility</p:attrName>
+                                        </p:attrNameLst>
+                                      </p:cBhvr>
+                                      <p:to>
+                                        <p:strVal val="visible"/>
+                                      </p:to>
+                                    </p:set>
+                                  </p:childTnLst>
+                                </p:cTn>
+                              </p:par>
+                            </p:childTnLst>
+                          </p:cTn>
+                        </p:par>
+                      </p:childTnLst>
+                    </p:cTn>
+                  </p:par>
+                  <p:par>
+                    <p:cTn id="31" fill="hold">
+                      <p:stCondLst>
+                        <p:cond delay="indefinite"/>
+                      </p:stCondLst>
+                      <p:childTnLst>
+                        <p:par>
+                          <p:cTn id="32" fill="hold">
+                            <p:stCondLst>
+                              <p:cond delay="0"/>
+                            </p:stCondLst>
+                            <p:childTnLst>
+                              <p:par>
+                                <p:cTn id="33" presetID="1" presetClass="entr" presetSubtype="0" fill="hold" grpId="0" nodeType="clickEffect">
+                                  <p:stCondLst>
+                                    <p:cond delay="0"/>
+                                  </p:stCondLst>
+                                  <p:childTnLst>
+                                    <p:set>
+                                      <p:cBhvr>
+                                        <p:cTn id="34" dur="1" fill="hold">
+                                          <p:stCondLst>
+                                            <p:cond delay="0"/>
+                                          </p:stCondLst>
+                                        </p:cTn>
+                                        <p:tgtEl>
+                                          <p:spTgt spid="3">
+                                            <p:txEl>
+                                              <p:pRg st="7" end="7"/>
                                             </p:txEl>
                                           </p:spTgt>
                                         </p:tgtEl>
@@ -22525,7 +22652,12 @@
             <p:ph type="title"/>
           </p:nvPr>
         </p:nvSpPr>
-        <p:spPr/>
+        <p:spPr>
+          <a:xfrm>
+            <a:off x="838200" y="6779"/>
+            <a:ext cx="10515600" cy="1325563"/>
+          </a:xfrm>
+        </p:spPr>
         <p:txBody>
           <a:bodyPr/>
           <a:lstStyle/>
@@ -22560,7 +22692,7 @@
         </p:nvSpPr>
         <p:spPr>
           <a:xfrm>
-            <a:off x="838200" y="1584660"/>
+            <a:off x="838200" y="1122277"/>
             <a:ext cx="10515600" cy="4351338"/>
           </a:xfrm>
         </p:spPr>
@@ -22605,13 +22737,13 @@
           <p:nvPr>
             <p:extLst>
               <p:ext uri="{D42A27DB-BD31-4B8C-83A1-F6EECF244321}">
-                <p14:modId xmlns:p14="http://schemas.microsoft.com/office/powerpoint/2010/main" val="1313352532"/>
+                <p14:modId xmlns:p14="http://schemas.microsoft.com/office/powerpoint/2010/main" val="651783239"/>
               </p:ext>
             </p:extLst>
           </p:nvPr>
         </p:nvGraphicFramePr>
         <p:xfrm>
-          <a:off x="838200" y="2205979"/>
+          <a:off x="838200" y="1785850"/>
           <a:ext cx="10515600" cy="4286896"/>
         </p:xfrm>
         <a:graphic>
@@ -23267,6 +23399,45 @@
           </a:graphicData>
         </a:graphic>
       </p:graphicFrame>
+      <p:sp>
+        <p:nvSpPr>
+          <p:cNvPr id="5" name="TextBox 4">
+            <a:extLst>
+              <a:ext uri="{FF2B5EF4-FFF2-40B4-BE49-F238E27FC236}">
+                <a16:creationId xmlns:a16="http://schemas.microsoft.com/office/drawing/2014/main" id="{8BB41426-03C7-4E55-BEC1-9127C3BAB13B}"/>
+              </a:ext>
+            </a:extLst>
+          </p:cNvPr>
+          <p:cNvSpPr txBox="1"/>
+          <p:nvPr/>
+        </p:nvSpPr>
+        <p:spPr>
+          <a:xfrm>
+            <a:off x="4915228" y="6219781"/>
+            <a:ext cx="2361544" cy="369332"/>
+          </a:xfrm>
+          <a:prstGeom prst="rect">
+            <a:avLst/>
+          </a:prstGeom>
+          <a:noFill/>
+        </p:spPr>
+        <p:txBody>
+          <a:bodyPr wrap="none" rtlCol="0">
+            <a:spAutoFit/>
+          </a:bodyPr>
+          <a:lstStyle/>
+          <a:p>
+            <a:pPr algn="ctr"/>
+            <a:r>
+              <a:rPr lang="en-IN" i="1" dirty="0">
+                <a:latin typeface="Frank Ruhl Libre" panose="00000500000000000000" pitchFamily="2" charset="-79"/>
+                <a:cs typeface="Frank Ruhl Libre" panose="00000500000000000000" pitchFamily="2" charset="-79"/>
+              </a:rPr>
+              <a:t>Table 1. Type of Work</a:t>
+            </a:r>
+          </a:p>
+        </p:txBody>
+      </p:sp>
     </p:spTree>
     <p:extLst>
       <p:ext uri="{BB962C8B-B14F-4D97-AF65-F5344CB8AC3E}">
@@ -23373,6 +23544,33 @@
                                   </p:childTnLst>
                                 </p:cTn>
                               </p:par>
+                              <p:par>
+                                <p:cTn id="11" presetID="1" presetClass="entr" presetSubtype="0" fill="hold" grpId="0" nodeType="withEffect">
+                                  <p:stCondLst>
+                                    <p:cond delay="0"/>
+                                  </p:stCondLst>
+                                  <p:childTnLst>
+                                    <p:set>
+                                      <p:cBhvr>
+                                        <p:cTn id="12" dur="1" fill="hold">
+                                          <p:stCondLst>
+                                            <p:cond delay="0"/>
+                                          </p:stCondLst>
+                                        </p:cTn>
+                                        <p:tgtEl>
+                                          <p:spTgt spid="5"/>
+                                        </p:tgtEl>
+                                        <p:attrNameLst>
+                                          <p:attrName>style.visibility</p:attrName>
+                                        </p:attrNameLst>
+                                      </p:cBhvr>
+                                      <p:to>
+                                        <p:strVal val="visible"/>
+                                      </p:to>
+                                    </p:set>
+                                  </p:childTnLst>
+                                </p:cTn>
+                              </p:par>
                             </p:childTnLst>
                           </p:cTn>
                         </p:par>
@@ -23400,6 +23598,9 @@
         </p:cTn>
       </p:par>
     </p:tnLst>
+    <p:bldLst>
+      <p:bldP spid="5" grpId="0"/>
+    </p:bldLst>
   </p:timing>
 </p:sld>
 </file>

--- a/Documentation/4th Year Project Presentation.pptx
+++ b/Documentation/4th Year Project Presentation.pptx
@@ -7818,7 +7818,7 @@
           <a:p>
             <a:fld id="{35183334-D245-4844-9ECA-AD7663113EE6}" type="datetimeFigureOut">
               <a:rPr lang="en-IN" smtClean="0"/>
-              <a:t>29-03-2021</a:t>
+              <a:t>30-03-2021</a:t>
             </a:fld>
             <a:endParaRPr lang="en-IN"/>
           </a:p>
@@ -10138,7 +10138,7 @@
           <a:p>
             <a:fld id="{21D9AB09-D600-4578-8243-21B8A8CCB975}" type="datetimeFigureOut">
               <a:rPr lang="en-IN" smtClean="0"/>
-              <a:t>29-03-2021</a:t>
+              <a:t>30-03-2021</a:t>
             </a:fld>
             <a:endParaRPr lang="en-IN"/>
           </a:p>
@@ -10308,7 +10308,7 @@
           <a:p>
             <a:fld id="{21D9AB09-D600-4578-8243-21B8A8CCB975}" type="datetimeFigureOut">
               <a:rPr lang="en-IN" smtClean="0"/>
-              <a:t>29-03-2021</a:t>
+              <a:t>30-03-2021</a:t>
             </a:fld>
             <a:endParaRPr lang="en-IN"/>
           </a:p>
@@ -10488,7 +10488,7 @@
           <a:p>
             <a:fld id="{21D9AB09-D600-4578-8243-21B8A8CCB975}" type="datetimeFigureOut">
               <a:rPr lang="en-IN" smtClean="0"/>
-              <a:t>29-03-2021</a:t>
+              <a:t>30-03-2021</a:t>
             </a:fld>
             <a:endParaRPr lang="en-IN"/>
           </a:p>
@@ -10658,7 +10658,7 @@
           <a:p>
             <a:fld id="{21D9AB09-D600-4578-8243-21B8A8CCB975}" type="datetimeFigureOut">
               <a:rPr lang="en-IN" smtClean="0"/>
-              <a:t>29-03-2021</a:t>
+              <a:t>30-03-2021</a:t>
             </a:fld>
             <a:endParaRPr lang="en-IN"/>
           </a:p>
@@ -10904,7 +10904,7 @@
           <a:p>
             <a:fld id="{21D9AB09-D600-4578-8243-21B8A8CCB975}" type="datetimeFigureOut">
               <a:rPr lang="en-IN" smtClean="0"/>
-              <a:t>29-03-2021</a:t>
+              <a:t>30-03-2021</a:t>
             </a:fld>
             <a:endParaRPr lang="en-IN"/>
           </a:p>
@@ -11136,7 +11136,7 @@
           <a:p>
             <a:fld id="{21D9AB09-D600-4578-8243-21B8A8CCB975}" type="datetimeFigureOut">
               <a:rPr lang="en-IN" smtClean="0"/>
-              <a:t>29-03-2021</a:t>
+              <a:t>30-03-2021</a:t>
             </a:fld>
             <a:endParaRPr lang="en-IN"/>
           </a:p>
@@ -11503,7 +11503,7 @@
           <a:p>
             <a:fld id="{21D9AB09-D600-4578-8243-21B8A8CCB975}" type="datetimeFigureOut">
               <a:rPr lang="en-IN" smtClean="0"/>
-              <a:t>29-03-2021</a:t>
+              <a:t>30-03-2021</a:t>
             </a:fld>
             <a:endParaRPr lang="en-IN"/>
           </a:p>
@@ -11621,7 +11621,7 @@
           <a:p>
             <a:fld id="{21D9AB09-D600-4578-8243-21B8A8CCB975}" type="datetimeFigureOut">
               <a:rPr lang="en-IN" smtClean="0"/>
-              <a:t>29-03-2021</a:t>
+              <a:t>30-03-2021</a:t>
             </a:fld>
             <a:endParaRPr lang="en-IN"/>
           </a:p>
@@ -11716,7 +11716,7 @@
           <a:p>
             <a:fld id="{21D9AB09-D600-4578-8243-21B8A8CCB975}" type="datetimeFigureOut">
               <a:rPr lang="en-IN" smtClean="0"/>
-              <a:t>29-03-2021</a:t>
+              <a:t>30-03-2021</a:t>
             </a:fld>
             <a:endParaRPr lang="en-IN"/>
           </a:p>
@@ -11993,7 +11993,7 @@
           <a:p>
             <a:fld id="{21D9AB09-D600-4578-8243-21B8A8CCB975}" type="datetimeFigureOut">
               <a:rPr lang="en-IN" smtClean="0"/>
-              <a:t>29-03-2021</a:t>
+              <a:t>30-03-2021</a:t>
             </a:fld>
             <a:endParaRPr lang="en-IN"/>
           </a:p>
@@ -12250,7 +12250,7 @@
           <a:p>
             <a:fld id="{21D9AB09-D600-4578-8243-21B8A8CCB975}" type="datetimeFigureOut">
               <a:rPr lang="en-IN" smtClean="0"/>
-              <a:t>29-03-2021</a:t>
+              <a:t>30-03-2021</a:t>
             </a:fld>
             <a:endParaRPr lang="en-IN"/>
           </a:p>
@@ -12491,7 +12491,7 @@
           <a:p>
             <a:fld id="{21D9AB09-D600-4578-8243-21B8A8CCB975}" type="datetimeFigureOut">
               <a:rPr lang="en-IN" smtClean="0"/>
-              <a:t>29-03-2021</a:t>
+              <a:t>30-03-2021</a:t>
             </a:fld>
             <a:endParaRPr lang="en-IN"/>
           </a:p>
@@ -22737,7 +22737,7 @@
           <p:nvPr>
             <p:extLst>
               <p:ext uri="{D42A27DB-BD31-4B8C-83A1-F6EECF244321}">
-                <p14:modId xmlns:p14="http://schemas.microsoft.com/office/powerpoint/2010/main" val="651783239"/>
+                <p14:modId xmlns:p14="http://schemas.microsoft.com/office/powerpoint/2010/main" val="1038798435"/>
               </p:ext>
             </p:extLst>
           </p:nvPr>
@@ -22811,7 +22811,26 @@
                       </a:r>
                     </a:p>
                   </a:txBody>
-                  <a:tcPr/>
+                  <a:tcPr>
+                    <a:lnL w="12700" cap="flat" cmpd="sng" algn="ctr">
+                      <a:solidFill>
+                        <a:schemeClr val="tx1"/>
+                      </a:solidFill>
+                      <a:prstDash val="solid"/>
+                      <a:round/>
+                      <a:headEnd type="none" w="med" len="med"/>
+                      <a:tailEnd type="none" w="med" len="med"/>
+                    </a:lnL>
+                    <a:lnT w="12700" cap="flat" cmpd="sng" algn="ctr">
+                      <a:solidFill>
+                        <a:schemeClr val="tx1"/>
+                      </a:solidFill>
+                      <a:prstDash val="solid"/>
+                      <a:round/>
+                      <a:headEnd type="none" w="med" len="med"/>
+                      <a:tailEnd type="none" w="med" len="med"/>
+                    </a:lnT>
+                  </a:tcPr>
                 </a:tc>
                 <a:tc>
                   <a:txBody>
@@ -22827,7 +22846,17 @@
                       </a:r>
                     </a:p>
                   </a:txBody>
-                  <a:tcPr/>
+                  <a:tcPr>
+                    <a:lnT w="12700" cap="flat" cmpd="sng" algn="ctr">
+                      <a:solidFill>
+                        <a:schemeClr val="tx1"/>
+                      </a:solidFill>
+                      <a:prstDash val="solid"/>
+                      <a:round/>
+                      <a:headEnd type="none" w="med" len="med"/>
+                      <a:tailEnd type="none" w="med" len="med"/>
+                    </a:lnT>
+                  </a:tcPr>
                 </a:tc>
                 <a:tc>
                   <a:txBody>
@@ -22843,7 +22872,17 @@
                       </a:r>
                     </a:p>
                   </a:txBody>
-                  <a:tcPr/>
+                  <a:tcPr>
+                    <a:lnT w="12700" cap="flat" cmpd="sng" algn="ctr">
+                      <a:solidFill>
+                        <a:schemeClr val="tx1"/>
+                      </a:solidFill>
+                      <a:prstDash val="solid"/>
+                      <a:round/>
+                      <a:headEnd type="none" w="med" len="med"/>
+                      <a:tailEnd type="none" w="med" len="med"/>
+                    </a:lnT>
+                  </a:tcPr>
                 </a:tc>
                 <a:tc>
                   <a:txBody>
@@ -22859,7 +22898,17 @@
                       </a:r>
                     </a:p>
                   </a:txBody>
-                  <a:tcPr/>
+                  <a:tcPr>
+                    <a:lnT w="12700" cap="flat" cmpd="sng" algn="ctr">
+                      <a:solidFill>
+                        <a:schemeClr val="tx1"/>
+                      </a:solidFill>
+                      <a:prstDash val="solid"/>
+                      <a:round/>
+                      <a:headEnd type="none" w="med" len="med"/>
+                      <a:tailEnd type="none" w="med" len="med"/>
+                    </a:lnT>
+                  </a:tcPr>
                 </a:tc>
                 <a:tc>
                   <a:txBody>
@@ -22875,7 +22924,17 @@
                       </a:r>
                     </a:p>
                   </a:txBody>
-                  <a:tcPr/>
+                  <a:tcPr>
+                    <a:lnT w="12700" cap="flat" cmpd="sng" algn="ctr">
+                      <a:solidFill>
+                        <a:schemeClr val="tx1"/>
+                      </a:solidFill>
+                      <a:prstDash val="solid"/>
+                      <a:round/>
+                      <a:headEnd type="none" w="med" len="med"/>
+                      <a:tailEnd type="none" w="med" len="med"/>
+                    </a:lnT>
+                  </a:tcPr>
                 </a:tc>
                 <a:tc>
                   <a:txBody>
@@ -22891,7 +22950,26 @@
                       </a:r>
                     </a:p>
                   </a:txBody>
-                  <a:tcPr/>
+                  <a:tcPr>
+                    <a:lnR w="12700" cap="flat" cmpd="sng" algn="ctr">
+                      <a:solidFill>
+                        <a:schemeClr val="tx1"/>
+                      </a:solidFill>
+                      <a:prstDash val="solid"/>
+                      <a:round/>
+                      <a:headEnd type="none" w="med" len="med"/>
+                      <a:tailEnd type="none" w="med" len="med"/>
+                    </a:lnR>
+                    <a:lnT w="12700" cap="flat" cmpd="sng" algn="ctr">
+                      <a:solidFill>
+                        <a:schemeClr val="tx1"/>
+                      </a:solidFill>
+                      <a:prstDash val="solid"/>
+                      <a:round/>
+                      <a:headEnd type="none" w="med" len="med"/>
+                      <a:tailEnd type="none" w="med" len="med"/>
+                    </a:lnT>
+                  </a:tcPr>
                 </a:tc>
                 <a:extLst>
                   <a:ext uri="{0D108BD9-81ED-4DB2-BD59-A6C34878D82A}">
@@ -22915,7 +22993,17 @@
                       </a:r>
                     </a:p>
                   </a:txBody>
-                  <a:tcPr/>
+                  <a:tcPr>
+                    <a:lnL w="12700" cap="flat" cmpd="sng" algn="ctr">
+                      <a:solidFill>
+                        <a:schemeClr val="tx1"/>
+                      </a:solidFill>
+                      <a:prstDash val="solid"/>
+                      <a:round/>
+                      <a:headEnd type="none" w="med" len="med"/>
+                      <a:tailEnd type="none" w="med" len="med"/>
+                    </a:lnL>
+                  </a:tcPr>
                 </a:tc>
                 <a:tc>
                   <a:txBody>
@@ -23000,7 +23088,17 @@
                       </a:r>
                     </a:p>
                   </a:txBody>
-                  <a:tcPr/>
+                  <a:tcPr>
+                    <a:lnR w="12700" cap="flat" cmpd="sng" algn="ctr">
+                      <a:solidFill>
+                        <a:schemeClr val="tx1"/>
+                      </a:solidFill>
+                      <a:prstDash val="solid"/>
+                      <a:round/>
+                      <a:headEnd type="none" w="med" len="med"/>
+                      <a:tailEnd type="none" w="med" len="med"/>
+                    </a:lnR>
+                  </a:tcPr>
                 </a:tc>
                 <a:extLst>
                   <a:ext uri="{0D108BD9-81ED-4DB2-BD59-A6C34878D82A}">
@@ -23031,7 +23129,17 @@
                       </a:r>
                     </a:p>
                   </a:txBody>
-                  <a:tcPr/>
+                  <a:tcPr>
+                    <a:lnL w="12700" cap="flat" cmpd="sng" algn="ctr">
+                      <a:solidFill>
+                        <a:schemeClr val="tx1"/>
+                      </a:solidFill>
+                      <a:prstDash val="solid"/>
+                      <a:round/>
+                      <a:headEnd type="none" w="med" len="med"/>
+                      <a:tailEnd type="none" w="med" len="med"/>
+                    </a:lnL>
+                  </a:tcPr>
                 </a:tc>
                 <a:tc>
                   <a:txBody>
@@ -23139,7 +23247,17 @@
                       </a:r>
                     </a:p>
                   </a:txBody>
-                  <a:tcPr/>
+                  <a:tcPr>
+                    <a:lnR w="12700" cap="flat" cmpd="sng" algn="ctr">
+                      <a:solidFill>
+                        <a:schemeClr val="tx1"/>
+                      </a:solidFill>
+                      <a:prstDash val="solid"/>
+                      <a:round/>
+                      <a:headEnd type="none" w="med" len="med"/>
+                      <a:tailEnd type="none" w="med" len="med"/>
+                    </a:lnR>
+                  </a:tcPr>
                 </a:tc>
                 <a:extLst>
                   <a:ext uri="{0D108BD9-81ED-4DB2-BD59-A6C34878D82A}">
@@ -23170,7 +23288,17 @@
                       </a:r>
                     </a:p>
                   </a:txBody>
-                  <a:tcPr/>
+                  <a:tcPr>
+                    <a:lnL w="12700" cap="flat" cmpd="sng" algn="ctr">
+                      <a:solidFill>
+                        <a:schemeClr val="tx1"/>
+                      </a:solidFill>
+                      <a:prstDash val="solid"/>
+                      <a:round/>
+                      <a:headEnd type="none" w="med" len="med"/>
+                      <a:tailEnd type="none" w="med" len="med"/>
+                    </a:lnL>
+                  </a:tcPr>
                 </a:tc>
                 <a:tc>
                   <a:txBody>
@@ -23278,7 +23406,17 @@
                       </a:r>
                     </a:p>
                   </a:txBody>
-                  <a:tcPr/>
+                  <a:tcPr>
+                    <a:lnR w="12700" cap="flat" cmpd="sng" algn="ctr">
+                      <a:solidFill>
+                        <a:schemeClr val="tx1"/>
+                      </a:solidFill>
+                      <a:prstDash val="solid"/>
+                      <a:round/>
+                      <a:headEnd type="none" w="med" len="med"/>
+                      <a:tailEnd type="none" w="med" len="med"/>
+                    </a:lnR>
+                  </a:tcPr>
                 </a:tc>
                 <a:extLst>
                   <a:ext uri="{0D108BD9-81ED-4DB2-BD59-A6C34878D82A}">
@@ -23302,7 +23440,26 @@
                       </a:r>
                     </a:p>
                   </a:txBody>
-                  <a:tcPr/>
+                  <a:tcPr>
+                    <a:lnL w="12700" cap="flat" cmpd="sng" algn="ctr">
+                      <a:solidFill>
+                        <a:schemeClr val="tx1"/>
+                      </a:solidFill>
+                      <a:prstDash val="solid"/>
+                      <a:round/>
+                      <a:headEnd type="none" w="med" len="med"/>
+                      <a:tailEnd type="none" w="med" len="med"/>
+                    </a:lnL>
+                    <a:lnB w="12700" cap="flat" cmpd="sng" algn="ctr">
+                      <a:solidFill>
+                        <a:schemeClr val="tx1"/>
+                      </a:solidFill>
+                      <a:prstDash val="solid"/>
+                      <a:round/>
+                      <a:headEnd type="none" w="med" len="med"/>
+                      <a:tailEnd type="none" w="med" len="med"/>
+                    </a:lnB>
+                  </a:tcPr>
                 </a:tc>
                 <a:tc>
                   <a:txBody>
@@ -23319,7 +23476,17 @@
                       </a:r>
                     </a:p>
                   </a:txBody>
-                  <a:tcPr/>
+                  <a:tcPr>
+                    <a:lnB w="12700" cap="flat" cmpd="sng" algn="ctr">
+                      <a:solidFill>
+                        <a:schemeClr val="tx1"/>
+                      </a:solidFill>
+                      <a:prstDash val="solid"/>
+                      <a:round/>
+                      <a:headEnd type="none" w="med" len="med"/>
+                      <a:tailEnd type="none" w="med" len="med"/>
+                    </a:lnB>
+                  </a:tcPr>
                 </a:tc>
                 <a:tc>
                   <a:txBody>
@@ -23336,7 +23503,17 @@
                       </a:r>
                     </a:p>
                   </a:txBody>
-                  <a:tcPr/>
+                  <a:tcPr>
+                    <a:lnB w="12700" cap="flat" cmpd="sng" algn="ctr">
+                      <a:solidFill>
+                        <a:schemeClr val="tx1"/>
+                      </a:solidFill>
+                      <a:prstDash val="solid"/>
+                      <a:round/>
+                      <a:headEnd type="none" w="med" len="med"/>
+                      <a:tailEnd type="none" w="med" len="med"/>
+                    </a:lnB>
+                  </a:tcPr>
                 </a:tc>
                 <a:tc>
                   <a:txBody>
@@ -23353,7 +23530,17 @@
                       </a:r>
                     </a:p>
                   </a:txBody>
-                  <a:tcPr/>
+                  <a:tcPr>
+                    <a:lnB w="12700" cap="flat" cmpd="sng" algn="ctr">
+                      <a:solidFill>
+                        <a:schemeClr val="tx1"/>
+                      </a:solidFill>
+                      <a:prstDash val="solid"/>
+                      <a:round/>
+                      <a:headEnd type="none" w="med" len="med"/>
+                      <a:tailEnd type="none" w="med" len="med"/>
+                    </a:lnB>
+                  </a:tcPr>
                 </a:tc>
                 <a:tc>
                   <a:txBody>
@@ -23370,7 +23557,17 @@
                       </a:r>
                     </a:p>
                   </a:txBody>
-                  <a:tcPr/>
+                  <a:tcPr>
+                    <a:lnB w="12700" cap="flat" cmpd="sng" algn="ctr">
+                      <a:solidFill>
+                        <a:schemeClr val="tx1"/>
+                      </a:solidFill>
+                      <a:prstDash val="solid"/>
+                      <a:round/>
+                      <a:headEnd type="none" w="med" len="med"/>
+                      <a:tailEnd type="none" w="med" len="med"/>
+                    </a:lnB>
+                  </a:tcPr>
                 </a:tc>
                 <a:tc>
                   <a:txBody>
@@ -23387,7 +23584,26 @@
                       </a:r>
                     </a:p>
                   </a:txBody>
-                  <a:tcPr/>
+                  <a:tcPr>
+                    <a:lnR w="12700" cap="flat" cmpd="sng" algn="ctr">
+                      <a:solidFill>
+                        <a:schemeClr val="tx1"/>
+                      </a:solidFill>
+                      <a:prstDash val="solid"/>
+                      <a:round/>
+                      <a:headEnd type="none" w="med" len="med"/>
+                      <a:tailEnd type="none" w="med" len="med"/>
+                    </a:lnR>
+                    <a:lnB w="12700" cap="flat" cmpd="sng" algn="ctr">
+                      <a:solidFill>
+                        <a:schemeClr val="tx1"/>
+                      </a:solidFill>
+                      <a:prstDash val="solid"/>
+                      <a:round/>
+                      <a:headEnd type="none" w="med" len="med"/>
+                      <a:tailEnd type="none" w="med" len="med"/>
+                    </a:lnB>
+                  </a:tcPr>
                 </a:tc>
                 <a:extLst>
                   <a:ext uri="{0D108BD9-81ED-4DB2-BD59-A6C34878D82A}">

--- a/Documentation/4th Year Project Presentation.pptx
+++ b/Documentation/4th Year Project Presentation.pptx
@@ -16142,7 +16142,12 @@
             <p:ph type="title"/>
           </p:nvPr>
         </p:nvSpPr>
-        <p:spPr/>
+        <p:spPr>
+          <a:xfrm>
+            <a:off x="838200" y="216844"/>
+            <a:ext cx="10515600" cy="1325563"/>
+          </a:xfrm>
+        </p:spPr>
         <p:txBody>
           <a:bodyPr/>
           <a:lstStyle/>
@@ -16188,7 +16193,7 @@
         </p:blipFill>
         <p:spPr bwMode="auto">
           <a:xfrm>
-            <a:off x="2233866" y="1825625"/>
+            <a:off x="2233865" y="1393139"/>
             <a:ext cx="7724268" cy="4351338"/>
           </a:xfrm>
           <a:prstGeom prst="rect">
@@ -16206,6 +16211,45 @@
           </a:extLst>
         </p:spPr>
       </p:pic>
+      <p:sp>
+        <p:nvSpPr>
+          <p:cNvPr id="3" name="TextBox 2">
+            <a:extLst>
+              <a:ext uri="{FF2B5EF4-FFF2-40B4-BE49-F238E27FC236}">
+                <a16:creationId xmlns:a16="http://schemas.microsoft.com/office/drawing/2014/main" id="{3E8FF3EE-B9BE-455D-9201-907E25A2BD29}"/>
+              </a:ext>
+            </a:extLst>
+          </p:cNvPr>
+          <p:cNvSpPr txBox="1"/>
+          <p:nvPr/>
+        </p:nvSpPr>
+        <p:spPr>
+          <a:xfrm>
+            <a:off x="4155498" y="5955957"/>
+            <a:ext cx="3881003" cy="400110"/>
+          </a:xfrm>
+          <a:prstGeom prst="rect">
+            <a:avLst/>
+          </a:prstGeom>
+          <a:noFill/>
+        </p:spPr>
+        <p:txBody>
+          <a:bodyPr wrap="square" rtlCol="0">
+            <a:spAutoFit/>
+          </a:bodyPr>
+          <a:lstStyle/>
+          <a:p>
+            <a:pPr algn="ctr"/>
+            <a:r>
+              <a:rPr lang="en-IN" sz="2000" i="1" dirty="0">
+                <a:latin typeface="Frank Ruhl Libre" panose="00000500000000000000" pitchFamily="2" charset="-79"/>
+                <a:cs typeface="Frank Ruhl Libre" panose="00000500000000000000" pitchFamily="2" charset="-79"/>
+              </a:rPr>
+              <a:t>Fig 2. Overview of VGG16 Model</a:t>
+            </a:r>
+          </a:p>
+        </p:txBody>
+      </p:sp>
     </p:spTree>
     <p:extLst>
       <p:ext uri="{BB962C8B-B14F-4D97-AF65-F5344CB8AC3E}">
@@ -16263,6 +16307,33 @@
                                   </p:childTnLst>
                                 </p:cTn>
                               </p:par>
+                              <p:par>
+                                <p:cTn id="7" presetID="1" presetClass="entr" presetSubtype="0" fill="hold" grpId="0" nodeType="withEffect">
+                                  <p:stCondLst>
+                                    <p:cond delay="0"/>
+                                  </p:stCondLst>
+                                  <p:childTnLst>
+                                    <p:set>
+                                      <p:cBhvr>
+                                        <p:cTn id="8" dur="1" fill="hold">
+                                          <p:stCondLst>
+                                            <p:cond delay="0"/>
+                                          </p:stCondLst>
+                                        </p:cTn>
+                                        <p:tgtEl>
+                                          <p:spTgt spid="3"/>
+                                        </p:tgtEl>
+                                        <p:attrNameLst>
+                                          <p:attrName>style.visibility</p:attrName>
+                                        </p:attrNameLst>
+                                      </p:cBhvr>
+                                      <p:to>
+                                        <p:strVal val="visible"/>
+                                      </p:to>
+                                    </p:set>
+                                  </p:childTnLst>
+                                </p:cTn>
+                              </p:par>
                             </p:childTnLst>
                           </p:cTn>
                         </p:par>
@@ -16290,6 +16361,9 @@
         </p:cTn>
       </p:par>
     </p:tnLst>
+    <p:bldLst>
+      <p:bldP spid="3" grpId="0"/>
+    </p:bldLst>
   </p:timing>
 </p:sld>
 </file>

--- a/Documentation/4th Year Project Presentation.pptx
+++ b/Documentation/4th Year Project Presentation.pptx
@@ -8132,13 +8132,7 @@
           <a:p>
             <a:r>
               <a:rPr lang="en-US" dirty="0"/>
-              <a:t>Good afternoon. I am Rahul Roy. I will take over from here and discuss a little about the background of the articles we took reference.</a:t>
-            </a:r>
-          </a:p>
-          <a:p>
-            <a:r>
-              <a:rPr lang="en-US" dirty="0"/>
-              <a:t>To decide what approach we should take to recognize the writer from the handwriting, we decided to survey related literature.</a:t>
+              <a:t>To decide what approach we should take to recognize the writer from the handwriting, we decided to survey related articles.</a:t>
             </a:r>
           </a:p>
           <a:p>
@@ -8161,13 +8155,21 @@
             </a:r>
             <a:r>
               <a:rPr lang="en-US" dirty="0"/>
-              <a:t>  et al in “ImageNet Classification with Deep Convolutional Neural Networks”</a:t>
+              <a:t>  et al.</a:t>
             </a:r>
           </a:p>
           <a:p>
             <a:r>
               <a:rPr lang="en-US" dirty="0"/>
-              <a:t>-Additionally, we referenced the original article “Very Deep Convolutional Networks for Large-Scale Image Recognition” where the VGG16 was first proposed. We will be discussing about VGG16 in details later in this presentation.</a:t>
+              <a:t>-Additionally, we </a:t>
+            </a:r>
+            <a:r>
+              <a:rPr lang="en-US" dirty="0" err="1"/>
+              <a:t>refered</a:t>
+            </a:r>
+            <a:r>
+              <a:rPr lang="en-US" dirty="0"/>
+              <a:t> the original article where the VGG16 was first proposed. We will be discussing about VGG16 in details later in this presentation.</a:t>
             </a:r>
             <a:br>
               <a:rPr lang="en-US" dirty="0"/>
@@ -8184,21 +8186,13 @@
             </a:br>
             <a:r>
               <a:rPr lang="en-US" dirty="0"/>
-              <a:t>-we referred to </a:t>
-            </a:r>
-            <a:r>
-              <a:rPr lang="en-US" dirty="0" err="1"/>
-              <a:t>Rehman</a:t>
-            </a:r>
+              <a:t>-we referred to Rehman et all, which is about Arabic Character Recognition.</a:t>
+            </a:r>
+          </a:p>
+          <a:p>
             <a:r>
               <a:rPr lang="en-US" dirty="0"/>
-              <a:t> et all, which is about Arabic Character Recognition.</a:t>
-            </a:r>
-          </a:p>
-          <a:p>
-            <a:r>
-              <a:rPr lang="en-US" dirty="0"/>
-              <a:t>-we also referred to John et al</a:t>
+              <a:t>-we also referred to John et al, which is about south Indian script recognition.</a:t>
             </a:r>
           </a:p>
           <a:p>
@@ -8220,7 +8214,7 @@
             </a:r>
             <a:r>
               <a:rPr lang="en-US" dirty="0"/>
-              <a:t> et al. proposed a domain specific OCR which classify machine printed as well as handwritten Bangla characters. For feature extraction, they apply Discrete Cosine Transform (DCT) technique over the input image, and for classification, Hidden Markov Model (HMM) was use.</a:t>
+              <a:t> et al. proposed a domain specific OCR which classify machine printed as well as handwritten Bangla characters. For classification, Hidden Markov Model (HMM) was used.</a:t>
             </a:r>
           </a:p>
           <a:p>
@@ -8259,7 +8253,7 @@
             </a:r>
             <a:r>
               <a:rPr lang="en-US" dirty="0"/>
-              <a:t>  et al. in “Offline writer identification using convolutional neural network activation features” attempted author recognition with Convolutional Neural Network.</a:t>
+              <a:t>  et al. attempted author recognition with Convolutional Neural Network.</a:t>
             </a:r>
           </a:p>
           <a:p>
@@ -8273,7 +8267,7 @@
             </a:r>
             <a:r>
               <a:rPr lang="en-US" dirty="0"/>
-              <a:t>  et al. in “Writer identification using an HMM-based handwriting recognition system: To normalize the input or not“ </a:t>
+              <a:t>  et al. </a:t>
             </a:r>
             <a:r>
               <a:rPr lang="en-US" dirty="0" err="1"/>
@@ -8295,7 +8289,7 @@
           <a:p>
             <a:r>
               <a:rPr lang="en-US" dirty="0"/>
-              <a:t>-Lastly, Wu et al. in “Offline Text-Independent Writer Identification Based on Scale Invariant Feature Transform” attempted writer identification on English and Chinese languages</a:t>
+              <a:t>-Lastly, Wu et al. attempted writer identification on English and Chinese languages</a:t>
             </a:r>
           </a:p>
           <a:p>
@@ -8306,9 +8300,6 @@
               <a:rPr lang="en-US" dirty="0"/>
               <a:t>While the works are different from what we are trying achieve, they help us find an appropriate way to approach our problem. </a:t>
             </a:r>
-          </a:p>
-          <a:p>
-            <a:endParaRPr lang="en-IN" dirty="0"/>
           </a:p>
         </p:txBody>
       </p:sp>
@@ -8788,7 +8779,7 @@
             </a:r>
             <a:r>
               <a:rPr lang="en-US" baseline="0" dirty="0"/>
-              <a:t> we will be discussing a summery of the present work which we are referring.</a:t>
+              <a:t> we will be discussing a summery of the works which we are referring.</a:t>
             </a:r>
             <a:endParaRPr lang="en-US" dirty="0"/>
           </a:p>
@@ -8798,13 +8789,36 @@
           <a:p>
             <a:r>
               <a:rPr lang="en-US" dirty="0"/>
-              <a:t>#As mentioned earlier, the work done in the field of Bangla character recognition is very limited. For reference and guidance, we looked into the work of Adak  et al, ”An Empirical Study on Writer Identification and Verification from Intra-Variable </a:t>
-            </a:r>
+              <a:t>#As mentioned earlier, the work done in the field of Bangla character recognition is very limited. For reference and guidance, we looked into the works bellow in a tabular form.</a:t>
+            </a:r>
+          </a:p>
+          <a:p>
+            <a:endParaRPr lang="en-US" dirty="0"/>
           </a:p>
           <a:p>
             <a:r>
               <a:rPr lang="en-US" dirty="0"/>
-              <a:t>Individual Handwriting”</a:t>
+              <a:t>#As it is visible that, these are the authors we took reference of and these are the models they have used,</a:t>
+            </a:r>
+            <a:r>
+              <a:rPr lang="en-US" baseline="0" dirty="0"/>
+              <a:t> </a:t>
+            </a:r>
+            <a:r>
+              <a:rPr lang="en-US" baseline="0" dirty="0" err="1"/>
+              <a:t>Cristlein</a:t>
+            </a:r>
+            <a:r>
+              <a:rPr lang="en-US" baseline="0" dirty="0"/>
+              <a:t> et al., </a:t>
+            </a:r>
+            <a:r>
+              <a:rPr lang="en-US" baseline="0" dirty="0" err="1"/>
+              <a:t>Schlapbach</a:t>
+            </a:r>
+            <a:r>
+              <a:rPr lang="en-US" baseline="0" dirty="0"/>
+              <a:t> et al., and Wu et al. have worked on Identification of Authors and only Adak et al. have worked on verification of Author, but the scope of our project was verification, so we are using the VGG16 model as used by Adak et al and try to improvise it.</a:t>
             </a:r>
             <a:br>
               <a:rPr lang="en-US" dirty="0"/>
@@ -8813,20 +8827,385 @@
               <a:rPr lang="en-US" dirty="0"/>
             </a:br>
             <a:r>
+              <a:rPr lang="en-US" b="1" dirty="0"/>
+              <a:t>CNN</a:t>
+            </a:r>
+            <a:r>
               <a:rPr lang="en-US" dirty="0"/>
-              <a:t>#In the article, high intra-variable handwriting-based writer identification/verification is attempted</a:t>
-            </a:r>
-            <a:br>
+              <a:t>:</a:t>
+            </a:r>
+            <a:r>
+              <a:rPr lang="en-US" baseline="0" dirty="0"/>
+              <a:t> </a:t>
+            </a:r>
+            <a:r>
+              <a:rPr lang="en-US" sz="1200" b="0" i="0" kern="1200" dirty="0">
+                <a:solidFill>
+                  <a:schemeClr val="tx1"/>
+                </a:solidFill>
+                <a:effectLst/>
+                <a:latin typeface="+mn-lt"/>
+                <a:ea typeface="+mn-ea"/>
+                <a:cs typeface="+mn-cs"/>
+              </a:rPr>
+              <a:t>A </a:t>
+            </a:r>
+            <a:r>
+              <a:rPr lang="en-US" sz="1200" b="1" i="0" kern="1200" dirty="0">
+                <a:solidFill>
+                  <a:schemeClr val="tx1"/>
+                </a:solidFill>
+                <a:effectLst/>
+                <a:latin typeface="+mn-lt"/>
+                <a:ea typeface="+mn-ea"/>
+                <a:cs typeface="+mn-cs"/>
+              </a:rPr>
+              <a:t>Convolutional Neural Network also</a:t>
+            </a:r>
+            <a:r>
+              <a:rPr lang="en-US" sz="1200" b="1" i="0" kern="1200" baseline="0" dirty="0">
+                <a:solidFill>
+                  <a:schemeClr val="tx1"/>
+                </a:solidFill>
+                <a:effectLst/>
+                <a:latin typeface="+mn-lt"/>
+                <a:ea typeface="+mn-ea"/>
+                <a:cs typeface="+mn-cs"/>
+              </a:rPr>
+              <a:t> known as </a:t>
+            </a:r>
+            <a:r>
+              <a:rPr lang="en-US" sz="1200" b="1" i="0" kern="1200" dirty="0" err="1">
+                <a:solidFill>
+                  <a:schemeClr val="tx1"/>
+                </a:solidFill>
+                <a:effectLst/>
+                <a:latin typeface="+mn-lt"/>
+                <a:ea typeface="+mn-ea"/>
+                <a:cs typeface="+mn-cs"/>
+              </a:rPr>
+              <a:t>ConvNet</a:t>
+            </a:r>
+            <a:r>
+              <a:rPr lang="en-US" sz="1200" b="0" i="0" kern="1200" dirty="0">
+                <a:solidFill>
+                  <a:schemeClr val="tx1"/>
+                </a:solidFill>
+                <a:effectLst/>
+                <a:latin typeface="+mn-lt"/>
+                <a:ea typeface="+mn-ea"/>
+                <a:cs typeface="+mn-cs"/>
+              </a:rPr>
+              <a:t> is a Deep Learning algorithm which can take in an input image, assign importance to various aspects</a:t>
+            </a:r>
+            <a:r>
+              <a:rPr lang="en-US" sz="1200" b="0" i="0" kern="1200" baseline="0" dirty="0">
+                <a:solidFill>
+                  <a:schemeClr val="tx1"/>
+                </a:solidFill>
+                <a:effectLst/>
+                <a:latin typeface="+mn-lt"/>
+                <a:ea typeface="+mn-ea"/>
+                <a:cs typeface="+mn-cs"/>
+              </a:rPr>
+              <a:t> or </a:t>
+            </a:r>
+            <a:r>
+              <a:rPr lang="en-US" sz="1200" b="0" i="0" kern="1200" dirty="0">
+                <a:solidFill>
+                  <a:schemeClr val="tx1"/>
+                </a:solidFill>
+                <a:effectLst/>
+                <a:latin typeface="+mn-lt"/>
+                <a:ea typeface="+mn-ea"/>
+                <a:cs typeface="+mn-cs"/>
+              </a:rPr>
+              <a:t>objects in the image and be able to differentiate one from the other. Pattern recognition, age detection</a:t>
+            </a:r>
+          </a:p>
+          <a:p>
+            <a:endParaRPr lang="en-US" sz="1200" b="0" i="0" kern="1200" dirty="0">
+              <a:solidFill>
+                <a:schemeClr val="tx1"/>
+              </a:solidFill>
+              <a:effectLst/>
+              <a:latin typeface="+mn-lt"/>
+              <a:ea typeface="+mn-ea"/>
+              <a:cs typeface="+mn-cs"/>
+            </a:endParaRPr>
+          </a:p>
+          <a:p>
+            <a:r>
+              <a:rPr lang="en-US" sz="1200" b="1" i="0" kern="1200" dirty="0">
+                <a:solidFill>
+                  <a:schemeClr val="tx1"/>
+                </a:solidFill>
+                <a:effectLst/>
+                <a:latin typeface="+mn-lt"/>
+                <a:ea typeface="+mn-ea"/>
+                <a:cs typeface="+mn-cs"/>
+              </a:rPr>
+              <a:t>Super vector</a:t>
+            </a:r>
+            <a:r>
+              <a:rPr lang="en-US" sz="1200" b="0" i="0" kern="1200" dirty="0">
+                <a:solidFill>
+                  <a:schemeClr val="tx1"/>
+                </a:solidFill>
+                <a:effectLst/>
+                <a:latin typeface="+mn-lt"/>
+                <a:ea typeface="+mn-ea"/>
+                <a:cs typeface="+mn-cs"/>
+              </a:rPr>
+              <a:t>: Used</a:t>
+            </a:r>
+            <a:r>
+              <a:rPr lang="en-US" sz="1200" b="0" i="0" kern="1200" baseline="0" dirty="0">
+                <a:solidFill>
+                  <a:schemeClr val="tx1"/>
+                </a:solidFill>
+                <a:effectLst/>
+                <a:latin typeface="+mn-lt"/>
+                <a:ea typeface="+mn-ea"/>
+                <a:cs typeface="+mn-cs"/>
+              </a:rPr>
+              <a:t> for</a:t>
+            </a:r>
+            <a:r>
               <a:rPr lang="en-US" dirty="0"/>
-            </a:br>
+              <a:t> more large-scale image categorization. Super vector encoding methods have obtained the state of-the-art performance in several tasks.</a:t>
+            </a:r>
+            <a:r>
+              <a:rPr lang="en-US" baseline="0" dirty="0"/>
+              <a:t> </a:t>
+            </a:r>
+            <a:r>
+              <a:rPr lang="en-US" dirty="0"/>
+              <a:t>super vector encoding helps</a:t>
+            </a:r>
+            <a:r>
+              <a:rPr lang="en-US" baseline="0" dirty="0"/>
+              <a:t> us </a:t>
+            </a:r>
+            <a:r>
+              <a:rPr lang="en-US" dirty="0"/>
+              <a:t>to achieve the powerful performance on computer vision task.</a:t>
+            </a:r>
+          </a:p>
+          <a:p>
             <a:endParaRPr lang="en-US" dirty="0"/>
           </a:p>
           <a:p>
             <a:r>
+              <a:rPr lang="en-IN" sz="1200" b="1" dirty="0">
+                <a:latin typeface="Frank Ruhl Libre" panose="00000500000000000000" pitchFamily="2" charset="-79"/>
+                <a:cs typeface="Frank Ruhl Libre" panose="00000500000000000000" pitchFamily="2" charset="-79"/>
+              </a:rPr>
+              <a:t>Hidden Markov Model</a:t>
+            </a:r>
+            <a:r>
+              <a:rPr lang="en-IN" sz="1200" b="0" dirty="0">
+                <a:latin typeface="Frank Ruhl Libre" panose="00000500000000000000" pitchFamily="2" charset="-79"/>
+                <a:cs typeface="Frank Ruhl Libre" panose="00000500000000000000" pitchFamily="2" charset="-79"/>
+              </a:rPr>
+              <a:t>:</a:t>
+            </a:r>
+            <a:r>
+              <a:rPr lang="en-IN" sz="1200" b="1" dirty="0">
+                <a:latin typeface="Frank Ruhl Libre" panose="00000500000000000000" pitchFamily="2" charset="-79"/>
+                <a:cs typeface="Frank Ruhl Libre" panose="00000500000000000000" pitchFamily="2" charset="-79"/>
+              </a:rPr>
+              <a:t> </a:t>
+            </a:r>
+            <a:r>
+              <a:rPr lang="en-IN" sz="1200" b="0" dirty="0">
+                <a:latin typeface="Frank Ruhl Libre" panose="00000500000000000000" pitchFamily="2" charset="-79"/>
+                <a:cs typeface="Frank Ruhl Libre" panose="00000500000000000000" pitchFamily="2" charset="-79"/>
+              </a:rPr>
+              <a:t>It</a:t>
+            </a:r>
+            <a:r>
+              <a:rPr lang="en-IN" sz="1200" b="0" baseline="0" dirty="0">
+                <a:latin typeface="Frank Ruhl Libre" panose="00000500000000000000" pitchFamily="2" charset="-79"/>
+                <a:cs typeface="Frank Ruhl Libre" panose="00000500000000000000" pitchFamily="2" charset="-79"/>
+              </a:rPr>
+              <a:t> is a combination of Markov chain and a set of observed variables. Used in image processing or natural language processing. Here from the object we can identify the probability of occurring a event (bays theorem). *Transition matrix *observed variables. </a:t>
+            </a:r>
+          </a:p>
+          <a:p>
+            <a:endParaRPr lang="en-IN" sz="1200" b="0" baseline="0" dirty="0">
+              <a:latin typeface="Frank Ruhl Libre" panose="00000500000000000000" pitchFamily="2" charset="-79"/>
+              <a:cs typeface="Frank Ruhl Libre" panose="00000500000000000000" pitchFamily="2" charset="-79"/>
+            </a:endParaRPr>
+          </a:p>
+          <a:p>
+            <a:r>
+              <a:rPr lang="en-IN" sz="1200" b="1" baseline="0" dirty="0">
+                <a:latin typeface="Frank Ruhl Libre" panose="00000500000000000000" pitchFamily="2" charset="-79"/>
+                <a:cs typeface="Frank Ruhl Libre" panose="00000500000000000000" pitchFamily="2" charset="-79"/>
+              </a:rPr>
+              <a:t>Transfer Learning</a:t>
+            </a:r>
+            <a:r>
+              <a:rPr lang="en-IN" sz="1200" b="0" baseline="0" dirty="0">
+                <a:latin typeface="Frank Ruhl Libre" panose="00000500000000000000" pitchFamily="2" charset="-79"/>
+                <a:cs typeface="Frank Ruhl Libre" panose="00000500000000000000" pitchFamily="2" charset="-79"/>
+              </a:rPr>
+              <a:t>: we are borrowing the weights from a previous model, which was trained using a very big data set and by improvising on that model we are going to produce good results on our new task, which contains smaller dataset.</a:t>
+            </a:r>
+          </a:p>
+          <a:p>
+            <a:endParaRPr lang="en-IN" sz="1200" b="0" baseline="0" dirty="0">
+              <a:latin typeface="Frank Ruhl Libre" panose="00000500000000000000" pitchFamily="2" charset="-79"/>
+              <a:cs typeface="Frank Ruhl Libre" panose="00000500000000000000" pitchFamily="2" charset="-79"/>
+            </a:endParaRPr>
+          </a:p>
+          <a:p>
+            <a:r>
+              <a:rPr lang="en-US" sz="1200" b="1" i="0" kern="1200" dirty="0">
+                <a:solidFill>
+                  <a:schemeClr val="tx1"/>
+                </a:solidFill>
+                <a:effectLst/>
+                <a:latin typeface="+mn-lt"/>
+                <a:ea typeface="+mn-ea"/>
+                <a:cs typeface="+mn-cs"/>
+              </a:rPr>
+              <a:t>SIFT descriptor(SDS)</a:t>
+            </a:r>
+            <a:r>
+              <a:rPr lang="en-US" sz="1200" b="0" i="0" kern="1200" dirty="0">
+                <a:solidFill>
+                  <a:schemeClr val="tx1"/>
+                </a:solidFill>
+                <a:effectLst/>
+                <a:latin typeface="+mn-lt"/>
+                <a:ea typeface="+mn-ea"/>
+                <a:cs typeface="+mn-cs"/>
+              </a:rPr>
+              <a:t> is a 3-D spatial histogram of the image gradients in characterizing the appearance of a </a:t>
+            </a:r>
+            <a:r>
+              <a:rPr lang="en-US" sz="1200" b="0" i="0" kern="1200" dirty="0" err="1">
+                <a:solidFill>
+                  <a:schemeClr val="tx1"/>
+                </a:solidFill>
+                <a:effectLst/>
+                <a:latin typeface="+mn-lt"/>
+                <a:ea typeface="+mn-ea"/>
+                <a:cs typeface="+mn-cs"/>
+              </a:rPr>
+              <a:t>keypoint</a:t>
+            </a:r>
+            <a:r>
+              <a:rPr lang="en-US" sz="1200" b="0" i="0" kern="1200" dirty="0">
+                <a:solidFill>
+                  <a:schemeClr val="tx1"/>
+                </a:solidFill>
+                <a:effectLst/>
+                <a:latin typeface="+mn-lt"/>
+                <a:ea typeface="+mn-ea"/>
+                <a:cs typeface="+mn-cs"/>
+              </a:rPr>
+              <a:t>. The gradient at each pixel is regarded as a sample of a three-dimensional elementary feature vector, formed by the pixel location and the gradient orientation.</a:t>
+            </a:r>
+          </a:p>
+          <a:p>
+            <a:endParaRPr lang="en-US" sz="1200" b="0" i="0" kern="1200" baseline="0" dirty="0">
+              <a:solidFill>
+                <a:schemeClr val="tx1"/>
+              </a:solidFill>
+              <a:effectLst/>
+              <a:latin typeface="+mn-lt"/>
+              <a:ea typeface="+mn-ea"/>
+              <a:cs typeface="+mn-cs"/>
+            </a:endParaRPr>
+          </a:p>
+          <a:p>
+            <a:r>
+              <a:rPr lang="en-US" sz="1200" b="1" i="0" kern="1200" baseline="0" dirty="0">
+                <a:solidFill>
+                  <a:schemeClr val="tx1"/>
+                </a:solidFill>
+                <a:effectLst/>
+                <a:latin typeface="+mn-lt"/>
+                <a:ea typeface="+mn-ea"/>
+                <a:cs typeface="+mn-cs"/>
+              </a:rPr>
+              <a:t>SOH</a:t>
+            </a:r>
+            <a:r>
+              <a:rPr lang="en-US" sz="1200" b="0" i="0" kern="1200" baseline="0" dirty="0">
+                <a:solidFill>
+                  <a:schemeClr val="tx1"/>
+                </a:solidFill>
+                <a:effectLst/>
+                <a:latin typeface="+mn-lt"/>
+                <a:ea typeface="+mn-ea"/>
+                <a:cs typeface="+mn-cs"/>
+              </a:rPr>
+              <a:t>: Scale and orientation histogram</a:t>
+            </a:r>
+          </a:p>
+          <a:p>
+            <a:r>
               <a:rPr lang="en-US" dirty="0"/>
-              <a:t>#Both handcrafted and auto-derived feature-based models are considered to study writer identification/verification performance.</a:t>
-            </a:r>
-            <a:endParaRPr lang="en-IN" dirty="0"/>
+              <a:t>Wu et</a:t>
+            </a:r>
+            <a:r>
+              <a:rPr lang="en-US" baseline="0" dirty="0"/>
+              <a:t> al. </a:t>
+            </a:r>
+            <a:r>
+              <a:rPr lang="en-US" dirty="0"/>
+              <a:t>method for automatic offline text-independent writer identification based on SIFT, in which two SIFT features, i.e. SDS and SOH, are extracted from handwriting images to characterize the writer’s individuality</a:t>
+            </a:r>
+            <a:endParaRPr lang="en-IN" sz="1200" b="1" baseline="0" dirty="0">
+              <a:latin typeface="Frank Ruhl Libre" panose="00000500000000000000" pitchFamily="2" charset="-79"/>
+              <a:cs typeface="Frank Ruhl Libre" panose="00000500000000000000" pitchFamily="2" charset="-79"/>
+            </a:endParaRPr>
+          </a:p>
+          <a:p>
+            <a:endParaRPr lang="en-IN" sz="1200" b="0" baseline="0" dirty="0">
+              <a:latin typeface="Frank Ruhl Libre" panose="00000500000000000000" pitchFamily="2" charset="-79"/>
+              <a:cs typeface="Frank Ruhl Libre" panose="00000500000000000000" pitchFamily="2" charset="-79"/>
+            </a:endParaRPr>
+          </a:p>
+          <a:p>
+            <a:r>
+              <a:rPr lang="en-IN" sz="1200" b="1" baseline="0" dirty="0">
+                <a:latin typeface="Frank Ruhl Libre" panose="00000500000000000000" pitchFamily="2" charset="-79"/>
+                <a:cs typeface="Frank Ruhl Libre" panose="00000500000000000000" pitchFamily="2" charset="-79"/>
+              </a:rPr>
+              <a:t>VGG16</a:t>
+            </a:r>
+            <a:r>
+              <a:rPr lang="en-IN" sz="1200" b="0" baseline="0" dirty="0">
+                <a:latin typeface="Frank Ruhl Libre" panose="00000500000000000000" pitchFamily="2" charset="-79"/>
+                <a:cs typeface="Frank Ruhl Libre" panose="00000500000000000000" pitchFamily="2" charset="-79"/>
+              </a:rPr>
+              <a:t>: (</a:t>
+            </a:r>
+            <a:r>
+              <a:rPr lang="en-IN" sz="1200" b="0" i="0" kern="1200" dirty="0">
+                <a:solidFill>
+                  <a:schemeClr val="tx1"/>
+                </a:solidFill>
+                <a:effectLst/>
+                <a:latin typeface="+mn-lt"/>
+                <a:ea typeface="+mn-ea"/>
+                <a:cs typeface="+mn-cs"/>
+              </a:rPr>
+              <a:t>Visual Geometry Group) </a:t>
+            </a:r>
+            <a:r>
+              <a:rPr lang="en-IN" sz="1200" b="0" baseline="0" dirty="0">
+                <a:latin typeface="Frank Ruhl Libre" panose="00000500000000000000" pitchFamily="2" charset="-79"/>
+                <a:cs typeface="Frank Ruhl Libre" panose="00000500000000000000" pitchFamily="2" charset="-79"/>
+              </a:rPr>
+              <a:t>two layers -&gt; 13 Convolutional base, 3 fully connected layers (dense layer). </a:t>
+            </a:r>
+            <a:endParaRPr lang="en-IN" b="1" dirty="0"/>
           </a:p>
         </p:txBody>
       </p:sp>
@@ -8955,24 +9334,6 @@
               <a:t>-We have been provided with an unique dataset which contains writings from 121 volunteers, by our mentors.</a:t>
             </a:r>
           </a:p>
-          <a:p>
-            <a:endParaRPr lang="en-US" dirty="0"/>
-          </a:p>
-          <a:p>
-            <a:r>
-              <a:rPr lang="en-US" dirty="0"/>
-              <a:t>That’s my time, now I will hand over the control to </a:t>
-            </a:r>
-            <a:r>
-              <a:rPr lang="en-US" dirty="0" err="1"/>
-              <a:t>Souporno</a:t>
-            </a:r>
-            <a:r>
-              <a:rPr lang="en-US" dirty="0"/>
-              <a:t> Ghosh and he will discuss more about Collection of Data Set</a:t>
-            </a:r>
-            <a:endParaRPr lang="en-IN" dirty="0"/>
-          </a:p>
         </p:txBody>
       </p:sp>
       <p:sp>
@@ -9056,6 +9417,19 @@
           <a:lstStyle/>
           <a:p>
             <a:r>
+              <a:rPr lang="en-US" dirty="0"/>
+              <a:t>That’s my time, now I will hand over the control to Souporno Ghosh and he will discuss more about Data Set and VGG16</a:t>
+            </a:r>
+            <a:endParaRPr lang="en-IN" dirty="0"/>
+          </a:p>
+          <a:p>
+            <a:endParaRPr lang="en-IN" dirty="0"/>
+          </a:p>
+          <a:p>
+            <a:endParaRPr lang="en-IN" dirty="0"/>
+          </a:p>
+          <a:p>
+            <a:r>
               <a:rPr lang="en-IN" dirty="0"/>
               <a:t>Souporno:</a:t>
             </a:r>
@@ -9068,7 +9442,7 @@
           </a:p>
           <a:p>
             <a:r>
-              <a:rPr lang="en-US" dirty="0"/>
+              <a:rPr lang="en-US"/>
               <a:t>#</a:t>
             </a:r>
             <a:endParaRPr lang="en-IN" dirty="0"/>

--- a/Documentation/4th Year Project Presentation.pptx
+++ b/Documentation/4th Year Project Presentation.pptx
@@ -9561,7 +9561,7 @@
           <a:p>
             <a:r>
               <a:rPr lang="en-IN" dirty="0"/>
-              <a:t># For our project, we will be working on Bangla text only.</a:t>
+              <a:t># Currently, we will be working on Bangla text only.</a:t>
             </a:r>
           </a:p>
           <a:p>
@@ -9692,7 +9692,43 @@
           <a:p>
             <a:r>
               <a:rPr lang="en-US" dirty="0"/>
-              <a:t>[]</a:t>
+              <a:t>[</a:t>
+            </a:r>
+            <a:r>
+              <a:rPr lang="en-IN" dirty="0" err="1"/>
+              <a:t>Tapan</a:t>
+            </a:r>
+            <a:r>
+              <a:rPr lang="en-IN" dirty="0"/>
+              <a:t> Mondal, Suraj Ahmed Hossain, </a:t>
+            </a:r>
+            <a:r>
+              <a:rPr lang="en-IN" dirty="0" err="1"/>
+              <a:t>Spandan</a:t>
+            </a:r>
+            <a:r>
+              <a:rPr lang="en-IN" dirty="0"/>
+              <a:t> Mondal, Raihan </a:t>
+            </a:r>
+            <a:r>
+              <a:rPr lang="en-IN" dirty="0" err="1"/>
+              <a:t>Afroz</a:t>
+            </a:r>
+            <a:r>
+              <a:rPr lang="en-IN" dirty="0"/>
+              <a:t>, </a:t>
+            </a:r>
+            <a:r>
+              <a:rPr lang="en-IN" dirty="0" err="1"/>
+              <a:t>Anowar</a:t>
+            </a:r>
+            <a:r>
+              <a:rPr lang="en-IN" dirty="0"/>
+              <a:t> Hossain</a:t>
+            </a:r>
+            <a:r>
+              <a:rPr lang="en-US" dirty="0"/>
+              <a:t>]</a:t>
             </a:r>
           </a:p>
           <a:p>
@@ -14282,7 +14318,7 @@
                 <a:latin typeface="Frank Ruhl Libre" panose="00000500000000000000" pitchFamily="2" charset="-79"/>
                 <a:cs typeface="Frank Ruhl Libre" panose="00000500000000000000" pitchFamily="2" charset="-79"/>
               </a:rPr>
-              <a:t>Bangla Text only in our project</a:t>
+              <a:t>Bangla Text only in our current work</a:t>
             </a:r>
           </a:p>
           <a:p>

--- a/Documentation/4th Year Project Presentation.pptx
+++ b/Documentation/4th Year Project Presentation.pptx
@@ -5,7 +5,7 @@
     <p:sldMasterId id="2147483731" r:id="rId1"/>
   </p:sldMasterIdLst>
   <p:notesMasterIdLst>
-    <p:notesMasterId r:id="rId27"/>
+    <p:notesMasterId r:id="rId28"/>
   </p:notesMasterIdLst>
   <p:sldIdLst>
     <p:sldId id="256" r:id="rId2"/>
@@ -23,16 +23,17 @@
     <p:sldId id="267" r:id="rId14"/>
     <p:sldId id="291" r:id="rId15"/>
     <p:sldId id="262" r:id="rId16"/>
-    <p:sldId id="268" r:id="rId17"/>
-    <p:sldId id="290" r:id="rId18"/>
-    <p:sldId id="278" r:id="rId19"/>
+    <p:sldId id="295" r:id="rId17"/>
+    <p:sldId id="268" r:id="rId18"/>
+    <p:sldId id="290" r:id="rId19"/>
     <p:sldId id="279" r:id="rId20"/>
     <p:sldId id="270" r:id="rId21"/>
-    <p:sldId id="280" r:id="rId22"/>
-    <p:sldId id="263" r:id="rId23"/>
-    <p:sldId id="292" r:id="rId24"/>
-    <p:sldId id="293" r:id="rId25"/>
-    <p:sldId id="285" r:id="rId26"/>
+    <p:sldId id="294" r:id="rId22"/>
+    <p:sldId id="280" r:id="rId23"/>
+    <p:sldId id="263" r:id="rId24"/>
+    <p:sldId id="292" r:id="rId25"/>
+    <p:sldId id="293" r:id="rId26"/>
+    <p:sldId id="285" r:id="rId27"/>
   </p:sldIdLst>
   <p:sldSz cx="12192000" cy="6858000"/>
   <p:notesSz cx="6858000" cy="9144000"/>
@@ -2394,6 +2395,753 @@
   <dgm:styleLbl name="revTx">
     <dgm:fillClrLst meth="repeat">
       <a:schemeClr val="lt2">
+        <a:alpha val="0"/>
+      </a:schemeClr>
+    </dgm:fillClrLst>
+    <dgm:linClrLst meth="repeat">
+      <a:schemeClr val="dk1">
+        <a:alpha val="0"/>
+      </a:schemeClr>
+    </dgm:linClrLst>
+    <dgm:effectClrLst/>
+    <dgm:txLinClrLst/>
+    <dgm:txFillClrLst meth="repeat">
+      <a:schemeClr val="tx1"/>
+    </dgm:txFillClrLst>
+    <dgm:txEffectClrLst/>
+  </dgm:styleLbl>
+</dgm:colorsDef>
+</file>
+
+<file path=ppt/diagrams/colors3.xml><?xml version="1.0" encoding="utf-8"?>
+<dgm:colorsDef xmlns:dgm="http://schemas.openxmlformats.org/drawingml/2006/diagram" xmlns:a="http://schemas.openxmlformats.org/drawingml/2006/main" uniqueId="urn:microsoft.com/office/officeart/2005/8/colors/accent3_2">
+  <dgm:title val=""/>
+  <dgm:desc val=""/>
+  <dgm:catLst>
+    <dgm:cat type="accent3" pri="11200"/>
+  </dgm:catLst>
+  <dgm:styleLbl name="node0">
+    <dgm:fillClrLst meth="repeat">
+      <a:schemeClr val="accent3"/>
+    </dgm:fillClrLst>
+    <dgm:linClrLst meth="repeat">
+      <a:schemeClr val="lt1"/>
+    </dgm:linClrLst>
+    <dgm:effectClrLst/>
+    <dgm:txLinClrLst/>
+    <dgm:txFillClrLst/>
+    <dgm:txEffectClrLst/>
+  </dgm:styleLbl>
+  <dgm:styleLbl name="node1">
+    <dgm:fillClrLst meth="repeat">
+      <a:schemeClr val="accent3"/>
+    </dgm:fillClrLst>
+    <dgm:linClrLst meth="repeat">
+      <a:schemeClr val="lt1"/>
+    </dgm:linClrLst>
+    <dgm:effectClrLst/>
+    <dgm:txLinClrLst/>
+    <dgm:txFillClrLst/>
+    <dgm:txEffectClrLst/>
+  </dgm:styleLbl>
+  <dgm:styleLbl name="alignNode1">
+    <dgm:fillClrLst meth="repeat">
+      <a:schemeClr val="accent3"/>
+    </dgm:fillClrLst>
+    <dgm:linClrLst meth="repeat">
+      <a:schemeClr val="accent3"/>
+    </dgm:linClrLst>
+    <dgm:effectClrLst/>
+    <dgm:txLinClrLst/>
+    <dgm:txFillClrLst/>
+    <dgm:txEffectClrLst/>
+  </dgm:styleLbl>
+  <dgm:styleLbl name="lnNode1">
+    <dgm:fillClrLst meth="repeat">
+      <a:schemeClr val="accent3"/>
+    </dgm:fillClrLst>
+    <dgm:linClrLst meth="repeat">
+      <a:schemeClr val="lt1"/>
+    </dgm:linClrLst>
+    <dgm:effectClrLst/>
+    <dgm:txLinClrLst/>
+    <dgm:txFillClrLst/>
+    <dgm:txEffectClrLst/>
+  </dgm:styleLbl>
+  <dgm:styleLbl name="vennNode1">
+    <dgm:fillClrLst meth="repeat">
+      <a:schemeClr val="accent3">
+        <a:alpha val="50000"/>
+      </a:schemeClr>
+    </dgm:fillClrLst>
+    <dgm:linClrLst meth="repeat">
+      <a:schemeClr val="lt1"/>
+    </dgm:linClrLst>
+    <dgm:effectClrLst/>
+    <dgm:txLinClrLst/>
+    <dgm:txFillClrLst/>
+    <dgm:txEffectClrLst/>
+  </dgm:styleLbl>
+  <dgm:styleLbl name="node2">
+    <dgm:fillClrLst meth="repeat">
+      <a:schemeClr val="accent3"/>
+    </dgm:fillClrLst>
+    <dgm:linClrLst meth="repeat">
+      <a:schemeClr val="lt1"/>
+    </dgm:linClrLst>
+    <dgm:effectClrLst/>
+    <dgm:txLinClrLst/>
+    <dgm:txFillClrLst/>
+    <dgm:txEffectClrLst/>
+  </dgm:styleLbl>
+  <dgm:styleLbl name="node3">
+    <dgm:fillClrLst meth="repeat">
+      <a:schemeClr val="accent3"/>
+    </dgm:fillClrLst>
+    <dgm:linClrLst meth="repeat">
+      <a:schemeClr val="lt1"/>
+    </dgm:linClrLst>
+    <dgm:effectClrLst/>
+    <dgm:txLinClrLst/>
+    <dgm:txFillClrLst/>
+    <dgm:txEffectClrLst/>
+  </dgm:styleLbl>
+  <dgm:styleLbl name="node4">
+    <dgm:fillClrLst meth="repeat">
+      <a:schemeClr val="accent3"/>
+    </dgm:fillClrLst>
+    <dgm:linClrLst meth="repeat">
+      <a:schemeClr val="lt1"/>
+    </dgm:linClrLst>
+    <dgm:effectClrLst/>
+    <dgm:txLinClrLst/>
+    <dgm:txFillClrLst/>
+    <dgm:txEffectClrLst/>
+  </dgm:styleLbl>
+  <dgm:styleLbl name="fgImgPlace1">
+    <dgm:fillClrLst meth="repeat">
+      <a:schemeClr val="accent3">
+        <a:tint val="50000"/>
+      </a:schemeClr>
+    </dgm:fillClrLst>
+    <dgm:linClrLst meth="repeat">
+      <a:schemeClr val="lt1"/>
+    </dgm:linClrLst>
+    <dgm:effectClrLst/>
+    <dgm:txLinClrLst/>
+    <dgm:txFillClrLst meth="repeat">
+      <a:schemeClr val="lt1"/>
+    </dgm:txFillClrLst>
+    <dgm:txEffectClrLst/>
+  </dgm:styleLbl>
+  <dgm:styleLbl name="alignImgPlace1">
+    <dgm:fillClrLst meth="repeat">
+      <a:schemeClr val="accent3">
+        <a:tint val="50000"/>
+      </a:schemeClr>
+    </dgm:fillClrLst>
+    <dgm:linClrLst meth="repeat">
+      <a:schemeClr val="lt1"/>
+    </dgm:linClrLst>
+    <dgm:effectClrLst/>
+    <dgm:txLinClrLst/>
+    <dgm:txFillClrLst meth="repeat">
+      <a:schemeClr val="lt1"/>
+    </dgm:txFillClrLst>
+    <dgm:txEffectClrLst/>
+  </dgm:styleLbl>
+  <dgm:styleLbl name="bgImgPlace1">
+    <dgm:fillClrLst meth="repeat">
+      <a:schemeClr val="accent3">
+        <a:tint val="50000"/>
+      </a:schemeClr>
+    </dgm:fillClrLst>
+    <dgm:linClrLst meth="repeat">
+      <a:schemeClr val="lt1"/>
+    </dgm:linClrLst>
+    <dgm:effectClrLst/>
+    <dgm:txLinClrLst/>
+    <dgm:txFillClrLst meth="repeat">
+      <a:schemeClr val="lt1"/>
+    </dgm:txFillClrLst>
+    <dgm:txEffectClrLst/>
+  </dgm:styleLbl>
+  <dgm:styleLbl name="sibTrans2D1">
+    <dgm:fillClrLst meth="repeat">
+      <a:schemeClr val="accent3">
+        <a:tint val="60000"/>
+      </a:schemeClr>
+    </dgm:fillClrLst>
+    <dgm:linClrLst meth="repeat">
+      <a:schemeClr val="accent3">
+        <a:tint val="60000"/>
+      </a:schemeClr>
+    </dgm:linClrLst>
+    <dgm:effectClrLst/>
+    <dgm:txLinClrLst/>
+    <dgm:txFillClrLst/>
+    <dgm:txEffectClrLst/>
+  </dgm:styleLbl>
+  <dgm:styleLbl name="fgSibTrans2D1">
+    <dgm:fillClrLst meth="repeat">
+      <a:schemeClr val="accent3">
+        <a:tint val="60000"/>
+      </a:schemeClr>
+    </dgm:fillClrLst>
+    <dgm:linClrLst meth="repeat">
+      <a:schemeClr val="accent3">
+        <a:tint val="60000"/>
+      </a:schemeClr>
+    </dgm:linClrLst>
+    <dgm:effectClrLst/>
+    <dgm:txLinClrLst/>
+    <dgm:txFillClrLst/>
+    <dgm:txEffectClrLst/>
+  </dgm:styleLbl>
+  <dgm:styleLbl name="bgSibTrans2D1">
+    <dgm:fillClrLst meth="repeat">
+      <a:schemeClr val="accent3">
+        <a:tint val="60000"/>
+      </a:schemeClr>
+    </dgm:fillClrLst>
+    <dgm:linClrLst meth="repeat">
+      <a:schemeClr val="accent3">
+        <a:tint val="60000"/>
+      </a:schemeClr>
+    </dgm:linClrLst>
+    <dgm:effectClrLst/>
+    <dgm:txLinClrLst/>
+    <dgm:txFillClrLst/>
+    <dgm:txEffectClrLst/>
+  </dgm:styleLbl>
+  <dgm:styleLbl name="sibTrans1D1">
+    <dgm:fillClrLst meth="repeat">
+      <a:schemeClr val="accent3"/>
+    </dgm:fillClrLst>
+    <dgm:linClrLst meth="repeat">
+      <a:schemeClr val="accent3"/>
+    </dgm:linClrLst>
+    <dgm:effectClrLst/>
+    <dgm:txLinClrLst/>
+    <dgm:txFillClrLst meth="repeat">
+      <a:schemeClr val="tx1"/>
+    </dgm:txFillClrLst>
+    <dgm:txEffectClrLst/>
+  </dgm:styleLbl>
+  <dgm:styleLbl name="callout">
+    <dgm:fillClrLst meth="repeat">
+      <a:schemeClr val="accent3"/>
+    </dgm:fillClrLst>
+    <dgm:linClrLst meth="repeat">
+      <a:schemeClr val="accent3">
+        <a:tint val="50000"/>
+      </a:schemeClr>
+    </dgm:linClrLst>
+    <dgm:effectClrLst/>
+    <dgm:txLinClrLst/>
+    <dgm:txFillClrLst meth="repeat">
+      <a:schemeClr val="tx1"/>
+    </dgm:txFillClrLst>
+    <dgm:txEffectClrLst/>
+  </dgm:styleLbl>
+  <dgm:styleLbl name="asst0">
+    <dgm:fillClrLst meth="repeat">
+      <a:schemeClr val="accent3"/>
+    </dgm:fillClrLst>
+    <dgm:linClrLst meth="repeat">
+      <a:schemeClr val="lt1"/>
+    </dgm:linClrLst>
+    <dgm:effectClrLst/>
+    <dgm:txLinClrLst/>
+    <dgm:txFillClrLst/>
+    <dgm:txEffectClrLst/>
+  </dgm:styleLbl>
+  <dgm:styleLbl name="asst1">
+    <dgm:fillClrLst meth="repeat">
+      <a:schemeClr val="accent3"/>
+    </dgm:fillClrLst>
+    <dgm:linClrLst meth="repeat">
+      <a:schemeClr val="lt1"/>
+    </dgm:linClrLst>
+    <dgm:effectClrLst/>
+    <dgm:txLinClrLst/>
+    <dgm:txFillClrLst/>
+    <dgm:txEffectClrLst/>
+  </dgm:styleLbl>
+  <dgm:styleLbl name="asst2">
+    <dgm:fillClrLst meth="repeat">
+      <a:schemeClr val="accent3"/>
+    </dgm:fillClrLst>
+    <dgm:linClrLst meth="repeat">
+      <a:schemeClr val="lt1"/>
+    </dgm:linClrLst>
+    <dgm:effectClrLst/>
+    <dgm:txLinClrLst/>
+    <dgm:txFillClrLst/>
+    <dgm:txEffectClrLst/>
+  </dgm:styleLbl>
+  <dgm:styleLbl name="asst3">
+    <dgm:fillClrLst meth="repeat">
+      <a:schemeClr val="accent3"/>
+    </dgm:fillClrLst>
+    <dgm:linClrLst meth="repeat">
+      <a:schemeClr val="lt1"/>
+    </dgm:linClrLst>
+    <dgm:effectClrLst/>
+    <dgm:txLinClrLst/>
+    <dgm:txFillClrLst/>
+    <dgm:txEffectClrLst/>
+  </dgm:styleLbl>
+  <dgm:styleLbl name="asst4">
+    <dgm:fillClrLst meth="repeat">
+      <a:schemeClr val="accent3"/>
+    </dgm:fillClrLst>
+    <dgm:linClrLst meth="repeat">
+      <a:schemeClr val="lt1"/>
+    </dgm:linClrLst>
+    <dgm:effectClrLst/>
+    <dgm:txLinClrLst/>
+    <dgm:txFillClrLst/>
+    <dgm:txEffectClrLst/>
+  </dgm:styleLbl>
+  <dgm:styleLbl name="parChTrans2D1">
+    <dgm:fillClrLst meth="repeat">
+      <a:schemeClr val="accent3">
+        <a:tint val="60000"/>
+      </a:schemeClr>
+    </dgm:fillClrLst>
+    <dgm:linClrLst meth="repeat">
+      <a:schemeClr val="accent3">
+        <a:tint val="60000"/>
+      </a:schemeClr>
+    </dgm:linClrLst>
+    <dgm:effectClrLst/>
+    <dgm:txLinClrLst/>
+    <dgm:txFillClrLst meth="repeat">
+      <a:schemeClr val="lt1"/>
+    </dgm:txFillClrLst>
+    <dgm:txEffectClrLst/>
+  </dgm:styleLbl>
+  <dgm:styleLbl name="parChTrans2D2">
+    <dgm:fillClrLst meth="repeat">
+      <a:schemeClr val="accent3"/>
+    </dgm:fillClrLst>
+    <dgm:linClrLst meth="repeat">
+      <a:schemeClr val="accent3"/>
+    </dgm:linClrLst>
+    <dgm:effectClrLst/>
+    <dgm:txLinClrLst/>
+    <dgm:txFillClrLst meth="repeat">
+      <a:schemeClr val="lt1"/>
+    </dgm:txFillClrLst>
+    <dgm:txEffectClrLst/>
+  </dgm:styleLbl>
+  <dgm:styleLbl name="parChTrans2D3">
+    <dgm:fillClrLst meth="repeat">
+      <a:schemeClr val="accent3"/>
+    </dgm:fillClrLst>
+    <dgm:linClrLst meth="repeat">
+      <a:schemeClr val="accent3"/>
+    </dgm:linClrLst>
+    <dgm:effectClrLst/>
+    <dgm:txLinClrLst/>
+    <dgm:txFillClrLst meth="repeat">
+      <a:schemeClr val="lt1"/>
+    </dgm:txFillClrLst>
+    <dgm:txEffectClrLst/>
+  </dgm:styleLbl>
+  <dgm:styleLbl name="parChTrans2D4">
+    <dgm:fillClrLst meth="repeat">
+      <a:schemeClr val="accent3"/>
+    </dgm:fillClrLst>
+    <dgm:linClrLst meth="repeat">
+      <a:schemeClr val="accent3"/>
+    </dgm:linClrLst>
+    <dgm:effectClrLst/>
+    <dgm:txLinClrLst/>
+    <dgm:txFillClrLst meth="repeat">
+      <a:schemeClr val="lt1"/>
+    </dgm:txFillClrLst>
+    <dgm:txEffectClrLst/>
+  </dgm:styleLbl>
+  <dgm:styleLbl name="parChTrans1D1">
+    <dgm:fillClrLst meth="repeat">
+      <a:schemeClr val="accent3"/>
+    </dgm:fillClrLst>
+    <dgm:linClrLst meth="repeat">
+      <a:schemeClr val="accent3">
+        <a:shade val="60000"/>
+      </a:schemeClr>
+    </dgm:linClrLst>
+    <dgm:effectClrLst/>
+    <dgm:txLinClrLst/>
+    <dgm:txFillClrLst meth="repeat">
+      <a:schemeClr val="tx1"/>
+    </dgm:txFillClrLst>
+    <dgm:txEffectClrLst/>
+  </dgm:styleLbl>
+  <dgm:styleLbl name="parChTrans1D2">
+    <dgm:fillClrLst meth="repeat">
+      <a:schemeClr val="accent3"/>
+    </dgm:fillClrLst>
+    <dgm:linClrLst meth="repeat">
+      <a:schemeClr val="accent3">
+        <a:shade val="60000"/>
+      </a:schemeClr>
+    </dgm:linClrLst>
+    <dgm:effectClrLst/>
+    <dgm:txLinClrLst/>
+    <dgm:txFillClrLst meth="repeat">
+      <a:schemeClr val="tx1"/>
+    </dgm:txFillClrLst>
+    <dgm:txEffectClrLst/>
+  </dgm:styleLbl>
+  <dgm:styleLbl name="parChTrans1D3">
+    <dgm:fillClrLst meth="repeat">
+      <a:schemeClr val="accent3"/>
+    </dgm:fillClrLst>
+    <dgm:linClrLst meth="repeat">
+      <a:schemeClr val="accent3">
+        <a:shade val="80000"/>
+      </a:schemeClr>
+    </dgm:linClrLst>
+    <dgm:effectClrLst/>
+    <dgm:txLinClrLst/>
+    <dgm:txFillClrLst meth="repeat">
+      <a:schemeClr val="tx1"/>
+    </dgm:txFillClrLst>
+    <dgm:txEffectClrLst/>
+  </dgm:styleLbl>
+  <dgm:styleLbl name="parChTrans1D4">
+    <dgm:fillClrLst meth="repeat">
+      <a:schemeClr val="accent3"/>
+    </dgm:fillClrLst>
+    <dgm:linClrLst meth="repeat">
+      <a:schemeClr val="accent3">
+        <a:shade val="80000"/>
+      </a:schemeClr>
+    </dgm:linClrLst>
+    <dgm:effectClrLst/>
+    <dgm:txLinClrLst/>
+    <dgm:txFillClrLst meth="repeat">
+      <a:schemeClr val="tx1"/>
+    </dgm:txFillClrLst>
+    <dgm:txEffectClrLst/>
+  </dgm:styleLbl>
+  <dgm:styleLbl name="fgAcc1">
+    <dgm:fillClrLst meth="repeat">
+      <a:schemeClr val="lt1">
+        <a:alpha val="90000"/>
+      </a:schemeClr>
+    </dgm:fillClrLst>
+    <dgm:linClrLst meth="repeat">
+      <a:schemeClr val="accent3"/>
+    </dgm:linClrLst>
+    <dgm:effectClrLst/>
+    <dgm:txLinClrLst/>
+    <dgm:txFillClrLst meth="repeat">
+      <a:schemeClr val="dk1"/>
+    </dgm:txFillClrLst>
+    <dgm:txEffectClrLst/>
+  </dgm:styleLbl>
+  <dgm:styleLbl name="conFgAcc1">
+    <dgm:fillClrLst meth="repeat">
+      <a:schemeClr val="lt1">
+        <a:alpha val="90000"/>
+      </a:schemeClr>
+    </dgm:fillClrLst>
+    <dgm:linClrLst meth="repeat">
+      <a:schemeClr val="accent3"/>
+    </dgm:linClrLst>
+    <dgm:effectClrLst/>
+    <dgm:txLinClrLst/>
+    <dgm:txFillClrLst meth="repeat">
+      <a:schemeClr val="dk1"/>
+    </dgm:txFillClrLst>
+    <dgm:txEffectClrLst/>
+  </dgm:styleLbl>
+  <dgm:styleLbl name="alignAcc1">
+    <dgm:fillClrLst meth="repeat">
+      <a:schemeClr val="lt1">
+        <a:alpha val="90000"/>
+      </a:schemeClr>
+    </dgm:fillClrLst>
+    <dgm:linClrLst meth="repeat">
+      <a:schemeClr val="accent3"/>
+    </dgm:linClrLst>
+    <dgm:effectClrLst/>
+    <dgm:txLinClrLst/>
+    <dgm:txFillClrLst meth="repeat">
+      <a:schemeClr val="dk1"/>
+    </dgm:txFillClrLst>
+    <dgm:txEffectClrLst/>
+  </dgm:styleLbl>
+  <dgm:styleLbl name="trAlignAcc1">
+    <dgm:fillClrLst meth="repeat">
+      <a:schemeClr val="lt1">
+        <a:alpha val="40000"/>
+      </a:schemeClr>
+    </dgm:fillClrLst>
+    <dgm:linClrLst meth="repeat">
+      <a:schemeClr val="accent3"/>
+    </dgm:linClrLst>
+    <dgm:effectClrLst/>
+    <dgm:txLinClrLst/>
+    <dgm:txFillClrLst meth="repeat">
+      <a:schemeClr val="dk1"/>
+    </dgm:txFillClrLst>
+    <dgm:txEffectClrLst/>
+  </dgm:styleLbl>
+  <dgm:styleLbl name="bgAcc1">
+    <dgm:fillClrLst meth="repeat">
+      <a:schemeClr val="lt1">
+        <a:alpha val="90000"/>
+      </a:schemeClr>
+    </dgm:fillClrLst>
+    <dgm:linClrLst meth="repeat">
+      <a:schemeClr val="accent3"/>
+    </dgm:linClrLst>
+    <dgm:effectClrLst/>
+    <dgm:txLinClrLst/>
+    <dgm:txFillClrLst meth="repeat">
+      <a:schemeClr val="dk1"/>
+    </dgm:txFillClrLst>
+    <dgm:txEffectClrLst/>
+  </dgm:styleLbl>
+  <dgm:styleLbl name="solidFgAcc1">
+    <dgm:fillClrLst meth="repeat">
+      <a:schemeClr val="lt1"/>
+    </dgm:fillClrLst>
+    <dgm:linClrLst meth="repeat">
+      <a:schemeClr val="accent3"/>
+    </dgm:linClrLst>
+    <dgm:effectClrLst/>
+    <dgm:txLinClrLst/>
+    <dgm:txFillClrLst meth="repeat">
+      <a:schemeClr val="dk1"/>
+    </dgm:txFillClrLst>
+    <dgm:txEffectClrLst/>
+  </dgm:styleLbl>
+  <dgm:styleLbl name="solidAlignAcc1">
+    <dgm:fillClrLst meth="repeat">
+      <a:schemeClr val="lt1"/>
+    </dgm:fillClrLst>
+    <dgm:linClrLst meth="repeat">
+      <a:schemeClr val="accent3"/>
+    </dgm:linClrLst>
+    <dgm:effectClrLst/>
+    <dgm:txLinClrLst/>
+    <dgm:txFillClrLst meth="repeat">
+      <a:schemeClr val="dk1"/>
+    </dgm:txFillClrLst>
+    <dgm:txEffectClrLst/>
+  </dgm:styleLbl>
+  <dgm:styleLbl name="solidBgAcc1">
+    <dgm:fillClrLst meth="repeat">
+      <a:schemeClr val="lt1"/>
+    </dgm:fillClrLst>
+    <dgm:linClrLst meth="repeat">
+      <a:schemeClr val="accent3"/>
+    </dgm:linClrLst>
+    <dgm:effectClrLst/>
+    <dgm:txLinClrLst/>
+    <dgm:txFillClrLst meth="repeat">
+      <a:schemeClr val="dk1"/>
+    </dgm:txFillClrLst>
+    <dgm:txEffectClrLst/>
+  </dgm:styleLbl>
+  <dgm:styleLbl name="fgAccFollowNode1">
+    <dgm:fillClrLst meth="repeat">
+      <a:schemeClr val="accent3">
+        <a:alpha val="90000"/>
+        <a:tint val="40000"/>
+      </a:schemeClr>
+    </dgm:fillClrLst>
+    <dgm:linClrLst meth="repeat">
+      <a:schemeClr val="accent3">
+        <a:alpha val="90000"/>
+        <a:tint val="40000"/>
+      </a:schemeClr>
+    </dgm:linClrLst>
+    <dgm:effectClrLst/>
+    <dgm:txLinClrLst/>
+    <dgm:txFillClrLst meth="repeat">
+      <a:schemeClr val="dk1"/>
+    </dgm:txFillClrLst>
+    <dgm:txEffectClrLst/>
+  </dgm:styleLbl>
+  <dgm:styleLbl name="alignAccFollowNode1">
+    <dgm:fillClrLst meth="repeat">
+      <a:schemeClr val="accent3">
+        <a:alpha val="90000"/>
+        <a:tint val="40000"/>
+      </a:schemeClr>
+    </dgm:fillClrLst>
+    <dgm:linClrLst meth="repeat">
+      <a:schemeClr val="accent3">
+        <a:alpha val="90000"/>
+        <a:tint val="40000"/>
+      </a:schemeClr>
+    </dgm:linClrLst>
+    <dgm:effectClrLst/>
+    <dgm:txLinClrLst/>
+    <dgm:txFillClrLst meth="repeat">
+      <a:schemeClr val="dk1"/>
+    </dgm:txFillClrLst>
+    <dgm:txEffectClrLst/>
+  </dgm:styleLbl>
+  <dgm:styleLbl name="bgAccFollowNode1">
+    <dgm:fillClrLst meth="repeat">
+      <a:schemeClr val="accent3">
+        <a:alpha val="90000"/>
+        <a:tint val="40000"/>
+      </a:schemeClr>
+    </dgm:fillClrLst>
+    <dgm:linClrLst meth="repeat">
+      <a:schemeClr val="accent3">
+        <a:alpha val="90000"/>
+        <a:tint val="40000"/>
+      </a:schemeClr>
+    </dgm:linClrLst>
+    <dgm:effectClrLst/>
+    <dgm:txLinClrLst/>
+    <dgm:txFillClrLst meth="repeat">
+      <a:schemeClr val="dk1"/>
+    </dgm:txFillClrLst>
+    <dgm:txEffectClrLst/>
+  </dgm:styleLbl>
+  <dgm:styleLbl name="fgAcc0">
+    <dgm:fillClrLst meth="repeat">
+      <a:schemeClr val="lt1">
+        <a:alpha val="90000"/>
+      </a:schemeClr>
+    </dgm:fillClrLst>
+    <dgm:linClrLst meth="repeat">
+      <a:schemeClr val="accent3"/>
+    </dgm:linClrLst>
+    <dgm:effectClrLst/>
+    <dgm:txLinClrLst/>
+    <dgm:txFillClrLst meth="repeat">
+      <a:schemeClr val="dk1"/>
+    </dgm:txFillClrLst>
+    <dgm:txEffectClrLst/>
+  </dgm:styleLbl>
+  <dgm:styleLbl name="fgAcc2">
+    <dgm:fillClrLst meth="repeat">
+      <a:schemeClr val="lt1">
+        <a:alpha val="90000"/>
+      </a:schemeClr>
+    </dgm:fillClrLst>
+    <dgm:linClrLst meth="repeat">
+      <a:schemeClr val="accent3"/>
+    </dgm:linClrLst>
+    <dgm:effectClrLst/>
+    <dgm:txLinClrLst/>
+    <dgm:txFillClrLst meth="repeat">
+      <a:schemeClr val="dk1"/>
+    </dgm:txFillClrLst>
+    <dgm:txEffectClrLst/>
+  </dgm:styleLbl>
+  <dgm:styleLbl name="fgAcc3">
+    <dgm:fillClrLst meth="repeat">
+      <a:schemeClr val="lt1">
+        <a:alpha val="90000"/>
+      </a:schemeClr>
+    </dgm:fillClrLst>
+    <dgm:linClrLst meth="repeat">
+      <a:schemeClr val="accent3"/>
+    </dgm:linClrLst>
+    <dgm:effectClrLst/>
+    <dgm:txLinClrLst/>
+    <dgm:txFillClrLst meth="repeat">
+      <a:schemeClr val="dk1"/>
+    </dgm:txFillClrLst>
+    <dgm:txEffectClrLst/>
+  </dgm:styleLbl>
+  <dgm:styleLbl name="fgAcc4">
+    <dgm:fillClrLst meth="repeat">
+      <a:schemeClr val="lt1">
+        <a:alpha val="90000"/>
+      </a:schemeClr>
+    </dgm:fillClrLst>
+    <dgm:linClrLst meth="repeat">
+      <a:schemeClr val="accent3"/>
+    </dgm:linClrLst>
+    <dgm:effectClrLst/>
+    <dgm:txLinClrLst/>
+    <dgm:txFillClrLst meth="repeat">
+      <a:schemeClr val="dk1"/>
+    </dgm:txFillClrLst>
+    <dgm:txEffectClrLst/>
+  </dgm:styleLbl>
+  <dgm:styleLbl name="bgShp">
+    <dgm:fillClrLst meth="repeat">
+      <a:schemeClr val="accent3">
+        <a:tint val="40000"/>
+      </a:schemeClr>
+    </dgm:fillClrLst>
+    <dgm:linClrLst meth="repeat">
+      <a:schemeClr val="accent3"/>
+    </dgm:linClrLst>
+    <dgm:effectClrLst/>
+    <dgm:txLinClrLst/>
+    <dgm:txFillClrLst meth="repeat">
+      <a:schemeClr val="dk1"/>
+    </dgm:txFillClrLst>
+    <dgm:txEffectClrLst/>
+  </dgm:styleLbl>
+  <dgm:styleLbl name="dkBgShp">
+    <dgm:fillClrLst meth="repeat">
+      <a:schemeClr val="accent3">
+        <a:shade val="80000"/>
+      </a:schemeClr>
+    </dgm:fillClrLst>
+    <dgm:linClrLst meth="repeat">
+      <a:schemeClr val="accent3"/>
+    </dgm:linClrLst>
+    <dgm:effectClrLst/>
+    <dgm:txLinClrLst/>
+    <dgm:txFillClrLst meth="repeat">
+      <a:schemeClr val="lt1"/>
+    </dgm:txFillClrLst>
+    <dgm:txEffectClrLst/>
+  </dgm:styleLbl>
+  <dgm:styleLbl name="trBgShp">
+    <dgm:fillClrLst meth="repeat">
+      <a:schemeClr val="accent3">
+        <a:tint val="50000"/>
+        <a:alpha val="40000"/>
+      </a:schemeClr>
+    </dgm:fillClrLst>
+    <dgm:linClrLst meth="repeat">
+      <a:schemeClr val="accent3"/>
+    </dgm:linClrLst>
+    <dgm:effectClrLst/>
+    <dgm:txLinClrLst/>
+    <dgm:txFillClrLst meth="repeat">
+      <a:schemeClr val="lt1"/>
+    </dgm:txFillClrLst>
+    <dgm:txEffectClrLst/>
+  </dgm:styleLbl>
+  <dgm:styleLbl name="fgShp">
+    <dgm:fillClrLst meth="repeat">
+      <a:schemeClr val="accent3">
+        <a:tint val="60000"/>
+      </a:schemeClr>
+    </dgm:fillClrLst>
+    <dgm:linClrLst meth="repeat">
+      <a:schemeClr val="lt1"/>
+    </dgm:linClrLst>
+    <dgm:effectClrLst/>
+    <dgm:txLinClrLst/>
+    <dgm:txFillClrLst meth="repeat">
+      <a:schemeClr val="dk1"/>
+    </dgm:txFillClrLst>
+    <dgm:txEffectClrLst/>
+  </dgm:styleLbl>
+  <dgm:styleLbl name="revTx">
+    <dgm:fillClrLst meth="repeat">
+      <a:schemeClr val="lt1">
         <a:alpha val="0"/>
       </a:schemeClr>
     </dgm:fillClrLst>
@@ -3946,6 +4694,397 @@
 </dgm:dataModel>
 </file>
 
+<file path=ppt/diagrams/data3.xml><?xml version="1.0" encoding="utf-8"?>
+<dgm:dataModel xmlns:dgm="http://schemas.openxmlformats.org/drawingml/2006/diagram" xmlns:a="http://schemas.openxmlformats.org/drawingml/2006/main">
+  <dgm:ptLst>
+    <dgm:pt modelId="{04301E78-9D88-413A-9E63-0A418F3FDA7C}" type="doc">
+      <dgm:prSet loTypeId="urn:microsoft.com/office/officeart/2005/8/layout/process1" loCatId="process" qsTypeId="urn:microsoft.com/office/officeart/2005/8/quickstyle/simple1" qsCatId="simple" csTypeId="urn:microsoft.com/office/officeart/2005/8/colors/accent3_2" csCatId="accent3" phldr="1"/>
+      <dgm:spPr/>
+    </dgm:pt>
+    <dgm:pt modelId="{6F26262C-3B11-4EDD-BFCC-705D34CB650C}">
+      <dgm:prSet phldrT="[Text]" custT="1"/>
+      <dgm:spPr>
+        <a:solidFill>
+          <a:schemeClr val="bg2">
+            <a:lumMod val="10000"/>
+          </a:schemeClr>
+        </a:solidFill>
+        <a:ln>
+          <a:solidFill>
+            <a:schemeClr val="tx1"/>
+          </a:solidFill>
+        </a:ln>
+      </dgm:spPr>
+      <dgm:t>
+        <a:bodyPr/>
+        <a:lstStyle/>
+        <a:p>
+          <a:r>
+            <a:rPr lang="en-IN" sz="2800" dirty="0">
+              <a:latin typeface="Frank Ruhl Libre" panose="00000500000000000000" pitchFamily="2" charset="-79"/>
+              <a:cs typeface="Frank Ruhl Libre" panose="00000500000000000000" pitchFamily="2" charset="-79"/>
+            </a:rPr>
+            <a:t>Raw Tiff Images</a:t>
+          </a:r>
+        </a:p>
+      </dgm:t>
+    </dgm:pt>
+    <dgm:pt modelId="{EEE759E7-F891-42E1-B177-3816F8C4ED44}" type="parTrans" cxnId="{5B206A2B-C787-4B96-BF09-FAD783D5ABE9}">
+      <dgm:prSet/>
+      <dgm:spPr/>
+      <dgm:t>
+        <a:bodyPr/>
+        <a:lstStyle/>
+        <a:p>
+          <a:endParaRPr lang="en-IN"/>
+        </a:p>
+      </dgm:t>
+    </dgm:pt>
+    <dgm:pt modelId="{2541A299-355D-49FF-AD8B-084A413CE0BF}" type="sibTrans" cxnId="{5B206A2B-C787-4B96-BF09-FAD783D5ABE9}">
+      <dgm:prSet/>
+      <dgm:spPr/>
+      <dgm:t>
+        <a:bodyPr/>
+        <a:lstStyle/>
+        <a:p>
+          <a:endParaRPr lang="en-IN"/>
+        </a:p>
+      </dgm:t>
+    </dgm:pt>
+    <dgm:pt modelId="{83CD00CD-F99C-470C-AD53-83777B118B9B}">
+      <dgm:prSet phldrT="[Text]" custT="1"/>
+      <dgm:spPr>
+        <a:solidFill>
+          <a:schemeClr val="bg2">
+            <a:lumMod val="50000"/>
+          </a:schemeClr>
+        </a:solidFill>
+        <a:ln>
+          <a:solidFill>
+            <a:schemeClr val="tx1"/>
+          </a:solidFill>
+        </a:ln>
+      </dgm:spPr>
+      <dgm:t>
+        <a:bodyPr/>
+        <a:lstStyle/>
+        <a:p>
+          <a:r>
+            <a:rPr lang="en-IN" sz="2800" dirty="0">
+              <a:latin typeface="Frank Ruhl Libre" panose="00000500000000000000" pitchFamily="2" charset="-79"/>
+              <a:cs typeface="Frank Ruhl Libre" panose="00000500000000000000" pitchFamily="2" charset="-79"/>
+            </a:rPr>
+            <a:t>Normalisation</a:t>
+          </a:r>
+          <a:endParaRPr lang="en-IN" sz="1800" dirty="0">
+            <a:latin typeface="Frank Ruhl Libre" panose="00000500000000000000" pitchFamily="2" charset="-79"/>
+            <a:cs typeface="Frank Ruhl Libre" panose="00000500000000000000" pitchFamily="2" charset="-79"/>
+          </a:endParaRPr>
+        </a:p>
+      </dgm:t>
+    </dgm:pt>
+    <dgm:pt modelId="{7A79AEBE-57A7-4F74-B2AE-A24EC1B2FE09}" type="parTrans" cxnId="{3BA6B986-DBE6-47AD-835E-682142B38BC7}">
+      <dgm:prSet/>
+      <dgm:spPr/>
+      <dgm:t>
+        <a:bodyPr/>
+        <a:lstStyle/>
+        <a:p>
+          <a:endParaRPr lang="en-IN"/>
+        </a:p>
+      </dgm:t>
+    </dgm:pt>
+    <dgm:pt modelId="{6A6E6F89-5CB2-454D-B7F4-D68C21911F5D}" type="sibTrans" cxnId="{3BA6B986-DBE6-47AD-835E-682142B38BC7}">
+      <dgm:prSet/>
+      <dgm:spPr/>
+      <dgm:t>
+        <a:bodyPr/>
+        <a:lstStyle/>
+        <a:p>
+          <a:endParaRPr lang="en-IN"/>
+        </a:p>
+      </dgm:t>
+    </dgm:pt>
+    <dgm:pt modelId="{203CDC8F-B6D4-4DB1-9981-A5D1ECC22911}">
+      <dgm:prSet phldrT="[Text]" custT="1"/>
+      <dgm:spPr>
+        <a:solidFill>
+          <a:schemeClr val="bg2">
+            <a:lumMod val="50000"/>
+          </a:schemeClr>
+        </a:solidFill>
+        <a:ln>
+          <a:solidFill>
+            <a:schemeClr val="tx1"/>
+          </a:solidFill>
+        </a:ln>
+      </dgm:spPr>
+      <dgm:t>
+        <a:bodyPr/>
+        <a:lstStyle/>
+        <a:p>
+          <a:r>
+            <a:rPr lang="en-IN" sz="1800" dirty="0">
+              <a:latin typeface="Frank Ruhl Libre" panose="00000500000000000000" pitchFamily="2" charset="-79"/>
+              <a:cs typeface="Frank Ruhl Libre" panose="00000500000000000000" pitchFamily="2" charset="-79"/>
+            </a:rPr>
+            <a:t>Expansion of dimensions from 3D array to 2D array</a:t>
+          </a:r>
+        </a:p>
+      </dgm:t>
+    </dgm:pt>
+    <dgm:pt modelId="{3CD7475B-37B4-404B-81E9-A1C64CF0F584}" type="parTrans" cxnId="{F40994E2-FD9C-45BF-8D09-F7337FC8CAC6}">
+      <dgm:prSet/>
+      <dgm:spPr/>
+      <dgm:t>
+        <a:bodyPr/>
+        <a:lstStyle/>
+        <a:p>
+          <a:endParaRPr lang="en-IN"/>
+        </a:p>
+      </dgm:t>
+    </dgm:pt>
+    <dgm:pt modelId="{3FBA3F25-A64B-4BE8-AF43-9A6C6E9DA7FB}" type="sibTrans" cxnId="{F40994E2-FD9C-45BF-8D09-F7337FC8CAC6}">
+      <dgm:prSet/>
+      <dgm:spPr/>
+      <dgm:t>
+        <a:bodyPr/>
+        <a:lstStyle/>
+        <a:p>
+          <a:endParaRPr lang="en-IN"/>
+        </a:p>
+      </dgm:t>
+    </dgm:pt>
+    <dgm:pt modelId="{5B40DB01-3F1B-4CCC-B8FF-5C01B04A0C77}">
+      <dgm:prSet phldrT="[Text]" custT="1"/>
+      <dgm:spPr>
+        <a:solidFill>
+          <a:schemeClr val="bg2">
+            <a:lumMod val="50000"/>
+          </a:schemeClr>
+        </a:solidFill>
+        <a:ln>
+          <a:solidFill>
+            <a:schemeClr val="tx1"/>
+          </a:solidFill>
+        </a:ln>
+      </dgm:spPr>
+      <dgm:t>
+        <a:bodyPr/>
+        <a:lstStyle/>
+        <a:p>
+          <a:r>
+            <a:rPr lang="en-IN" sz="2400" dirty="0">
+              <a:latin typeface="Frank Ruhl Libre" panose="00000500000000000000" pitchFamily="2" charset="-79"/>
+              <a:cs typeface="Frank Ruhl Libre" panose="00000500000000000000" pitchFamily="2" charset="-79"/>
+            </a:rPr>
+            <a:t>Resizing</a:t>
+          </a:r>
+          <a:endParaRPr lang="en-IN" sz="1800" dirty="0">
+            <a:latin typeface="Frank Ruhl Libre" panose="00000500000000000000" pitchFamily="2" charset="-79"/>
+            <a:cs typeface="Frank Ruhl Libre" panose="00000500000000000000" pitchFamily="2" charset="-79"/>
+          </a:endParaRPr>
+        </a:p>
+      </dgm:t>
+    </dgm:pt>
+    <dgm:pt modelId="{4B777E40-1FAE-439A-A7F2-484A8478193B}" type="parTrans" cxnId="{5859D19E-FCCB-4582-AEBC-0FF45D222571}">
+      <dgm:prSet/>
+      <dgm:spPr/>
+      <dgm:t>
+        <a:bodyPr/>
+        <a:lstStyle/>
+        <a:p>
+          <a:endParaRPr lang="en-IN"/>
+        </a:p>
+      </dgm:t>
+    </dgm:pt>
+    <dgm:pt modelId="{26036FA2-FE3E-42B9-85B5-F5BEF970CF10}" type="sibTrans" cxnId="{5859D19E-FCCB-4582-AEBC-0FF45D222571}">
+      <dgm:prSet/>
+      <dgm:spPr/>
+      <dgm:t>
+        <a:bodyPr/>
+        <a:lstStyle/>
+        <a:p>
+          <a:endParaRPr lang="en-IN"/>
+        </a:p>
+      </dgm:t>
+    </dgm:pt>
+    <dgm:pt modelId="{D2E7E420-AB7B-4ED9-B455-AA5366CB0930}">
+      <dgm:prSet phldrT="[Text]" custT="1"/>
+      <dgm:spPr>
+        <a:solidFill>
+          <a:schemeClr val="bg2">
+            <a:lumMod val="10000"/>
+          </a:schemeClr>
+        </a:solidFill>
+        <a:ln>
+          <a:solidFill>
+            <a:schemeClr val="tx1"/>
+          </a:solidFill>
+        </a:ln>
+      </dgm:spPr>
+      <dgm:t>
+        <a:bodyPr/>
+        <a:lstStyle/>
+        <a:p>
+          <a:r>
+            <a:rPr lang="en-IN" sz="2000" dirty="0">
+              <a:latin typeface="Frank Ruhl Libre" panose="00000500000000000000" pitchFamily="2" charset="-79"/>
+              <a:cs typeface="Frank Ruhl Libre" panose="00000500000000000000" pitchFamily="2" charset="-79"/>
+            </a:rPr>
+            <a:t>224 x 222 RGB Image</a:t>
+          </a:r>
+        </a:p>
+      </dgm:t>
+    </dgm:pt>
+    <dgm:pt modelId="{1D670FC0-F9D8-4AE5-AA0F-3F5E34DBA1A1}" type="sibTrans" cxnId="{38130618-48F1-4497-8503-5E64372E030B}">
+      <dgm:prSet/>
+      <dgm:spPr/>
+      <dgm:t>
+        <a:bodyPr/>
+        <a:lstStyle/>
+        <a:p>
+          <a:endParaRPr lang="en-IN"/>
+        </a:p>
+      </dgm:t>
+    </dgm:pt>
+    <dgm:pt modelId="{ADD2B275-D655-4BE8-B3EC-DA38CDF19005}" type="parTrans" cxnId="{38130618-48F1-4497-8503-5E64372E030B}">
+      <dgm:prSet/>
+      <dgm:spPr/>
+      <dgm:t>
+        <a:bodyPr/>
+        <a:lstStyle/>
+        <a:p>
+          <a:endParaRPr lang="en-IN"/>
+        </a:p>
+      </dgm:t>
+    </dgm:pt>
+    <dgm:pt modelId="{560001B6-A50D-4A3A-AA50-FF951BFD5EF4}" type="pres">
+      <dgm:prSet presAssocID="{04301E78-9D88-413A-9E63-0A418F3FDA7C}" presName="Name0" presStyleCnt="0">
+        <dgm:presLayoutVars>
+          <dgm:dir/>
+          <dgm:resizeHandles val="exact"/>
+        </dgm:presLayoutVars>
+      </dgm:prSet>
+      <dgm:spPr/>
+    </dgm:pt>
+    <dgm:pt modelId="{8D39F71D-70C2-41F3-A074-201A632FF019}" type="pres">
+      <dgm:prSet presAssocID="{6F26262C-3B11-4EDD-BFCC-705D34CB650C}" presName="node" presStyleLbl="node1" presStyleIdx="0" presStyleCnt="5" custScaleY="180266">
+        <dgm:presLayoutVars>
+          <dgm:bulletEnabled val="1"/>
+        </dgm:presLayoutVars>
+      </dgm:prSet>
+      <dgm:spPr/>
+    </dgm:pt>
+    <dgm:pt modelId="{83CD4C3B-2D52-477D-9FAC-7CFCB8C2668B}" type="pres">
+      <dgm:prSet presAssocID="{2541A299-355D-49FF-AD8B-084A413CE0BF}" presName="sibTrans" presStyleLbl="sibTrans2D1" presStyleIdx="0" presStyleCnt="4"/>
+      <dgm:spPr/>
+    </dgm:pt>
+    <dgm:pt modelId="{3CF2DAC5-BA81-4814-83B5-845CB653E40B}" type="pres">
+      <dgm:prSet presAssocID="{2541A299-355D-49FF-AD8B-084A413CE0BF}" presName="connectorText" presStyleLbl="sibTrans2D1" presStyleIdx="0" presStyleCnt="4"/>
+      <dgm:spPr/>
+    </dgm:pt>
+    <dgm:pt modelId="{93639E22-A88A-4BC9-99C1-36A9D9F960B5}" type="pres">
+      <dgm:prSet presAssocID="{83CD00CD-F99C-470C-AD53-83777B118B9B}" presName="node" presStyleLbl="node1" presStyleIdx="1" presStyleCnt="5" custScaleY="180266">
+        <dgm:presLayoutVars>
+          <dgm:bulletEnabled val="1"/>
+        </dgm:presLayoutVars>
+      </dgm:prSet>
+      <dgm:spPr/>
+    </dgm:pt>
+    <dgm:pt modelId="{AFB16C15-36BC-49F3-9E0C-816E5F0E95D1}" type="pres">
+      <dgm:prSet presAssocID="{6A6E6F89-5CB2-454D-B7F4-D68C21911F5D}" presName="sibTrans" presStyleLbl="sibTrans2D1" presStyleIdx="1" presStyleCnt="4"/>
+      <dgm:spPr/>
+    </dgm:pt>
+    <dgm:pt modelId="{0AC887F7-930C-42DF-A944-240B85E73FB5}" type="pres">
+      <dgm:prSet presAssocID="{6A6E6F89-5CB2-454D-B7F4-D68C21911F5D}" presName="connectorText" presStyleLbl="sibTrans2D1" presStyleIdx="1" presStyleCnt="4"/>
+      <dgm:spPr/>
+    </dgm:pt>
+    <dgm:pt modelId="{8B400A85-D0D8-45AE-A4C2-F6D3E2AACFB4}" type="pres">
+      <dgm:prSet presAssocID="{5B40DB01-3F1B-4CCC-B8FF-5C01B04A0C77}" presName="node" presStyleLbl="node1" presStyleIdx="2" presStyleCnt="5" custScaleY="180266">
+        <dgm:presLayoutVars>
+          <dgm:bulletEnabled val="1"/>
+        </dgm:presLayoutVars>
+      </dgm:prSet>
+      <dgm:spPr/>
+    </dgm:pt>
+    <dgm:pt modelId="{01E5DCC6-093E-4096-8DC3-325AF9829412}" type="pres">
+      <dgm:prSet presAssocID="{26036FA2-FE3E-42B9-85B5-F5BEF970CF10}" presName="sibTrans" presStyleLbl="sibTrans2D1" presStyleIdx="2" presStyleCnt="4"/>
+      <dgm:spPr/>
+    </dgm:pt>
+    <dgm:pt modelId="{EE1C2EC5-B11E-483D-A935-73350507AEDA}" type="pres">
+      <dgm:prSet presAssocID="{26036FA2-FE3E-42B9-85B5-F5BEF970CF10}" presName="connectorText" presStyleLbl="sibTrans2D1" presStyleIdx="2" presStyleCnt="4"/>
+      <dgm:spPr/>
+    </dgm:pt>
+    <dgm:pt modelId="{FBD43B6F-9D2F-48C8-BB26-D5ECE430BEA5}" type="pres">
+      <dgm:prSet presAssocID="{203CDC8F-B6D4-4DB1-9981-A5D1ECC22911}" presName="node" presStyleLbl="node1" presStyleIdx="3" presStyleCnt="5" custScaleY="180266">
+        <dgm:presLayoutVars>
+          <dgm:bulletEnabled val="1"/>
+        </dgm:presLayoutVars>
+      </dgm:prSet>
+      <dgm:spPr/>
+    </dgm:pt>
+    <dgm:pt modelId="{8D308BC2-5FCD-4B99-B4A5-FD989C4E5ABA}" type="pres">
+      <dgm:prSet presAssocID="{3FBA3F25-A64B-4BE8-AF43-9A6C6E9DA7FB}" presName="sibTrans" presStyleLbl="sibTrans2D1" presStyleIdx="3" presStyleCnt="4"/>
+      <dgm:spPr/>
+    </dgm:pt>
+    <dgm:pt modelId="{4A859896-CA5F-4BB7-96C3-521D19554421}" type="pres">
+      <dgm:prSet presAssocID="{3FBA3F25-A64B-4BE8-AF43-9A6C6E9DA7FB}" presName="connectorText" presStyleLbl="sibTrans2D1" presStyleIdx="3" presStyleCnt="4"/>
+      <dgm:spPr/>
+    </dgm:pt>
+    <dgm:pt modelId="{EB418920-7118-46EB-B44E-DEF18D07DB66}" type="pres">
+      <dgm:prSet presAssocID="{D2E7E420-AB7B-4ED9-B455-AA5366CB0930}" presName="node" presStyleLbl="node1" presStyleIdx="4" presStyleCnt="5" custScaleY="180266">
+        <dgm:presLayoutVars>
+          <dgm:bulletEnabled val="1"/>
+        </dgm:presLayoutVars>
+      </dgm:prSet>
+      <dgm:spPr/>
+    </dgm:pt>
+  </dgm:ptLst>
+  <dgm:cxnLst>
+    <dgm:cxn modelId="{A5488D0F-A048-4608-9792-01F7D1BB7D73}" type="presOf" srcId="{6A6E6F89-5CB2-454D-B7F4-D68C21911F5D}" destId="{AFB16C15-36BC-49F3-9E0C-816E5F0E95D1}" srcOrd="0" destOrd="0" presId="urn:microsoft.com/office/officeart/2005/8/layout/process1"/>
+    <dgm:cxn modelId="{38130618-48F1-4497-8503-5E64372E030B}" srcId="{04301E78-9D88-413A-9E63-0A418F3FDA7C}" destId="{D2E7E420-AB7B-4ED9-B455-AA5366CB0930}" srcOrd="4" destOrd="0" parTransId="{ADD2B275-D655-4BE8-B3EC-DA38CDF19005}" sibTransId="{1D670FC0-F9D8-4AE5-AA0F-3F5E34DBA1A1}"/>
+    <dgm:cxn modelId="{546F151D-039B-4B45-99CB-E719D2A7C82B}" type="presOf" srcId="{D2E7E420-AB7B-4ED9-B455-AA5366CB0930}" destId="{EB418920-7118-46EB-B44E-DEF18D07DB66}" srcOrd="0" destOrd="0" presId="urn:microsoft.com/office/officeart/2005/8/layout/process1"/>
+    <dgm:cxn modelId="{CAB28C2A-669C-4C33-8A32-88A503254F7E}" type="presOf" srcId="{3FBA3F25-A64B-4BE8-AF43-9A6C6E9DA7FB}" destId="{4A859896-CA5F-4BB7-96C3-521D19554421}" srcOrd="1" destOrd="0" presId="urn:microsoft.com/office/officeart/2005/8/layout/process1"/>
+    <dgm:cxn modelId="{581B9D2A-DA46-42D9-BF89-6EAABA1FC29F}" type="presOf" srcId="{04301E78-9D88-413A-9E63-0A418F3FDA7C}" destId="{560001B6-A50D-4A3A-AA50-FF951BFD5EF4}" srcOrd="0" destOrd="0" presId="urn:microsoft.com/office/officeart/2005/8/layout/process1"/>
+    <dgm:cxn modelId="{5B206A2B-C787-4B96-BF09-FAD783D5ABE9}" srcId="{04301E78-9D88-413A-9E63-0A418F3FDA7C}" destId="{6F26262C-3B11-4EDD-BFCC-705D34CB650C}" srcOrd="0" destOrd="0" parTransId="{EEE759E7-F891-42E1-B177-3816F8C4ED44}" sibTransId="{2541A299-355D-49FF-AD8B-084A413CE0BF}"/>
+    <dgm:cxn modelId="{57F1E732-6005-4032-9065-06702D628DFF}" type="presOf" srcId="{203CDC8F-B6D4-4DB1-9981-A5D1ECC22911}" destId="{FBD43B6F-9D2F-48C8-BB26-D5ECE430BEA5}" srcOrd="0" destOrd="0" presId="urn:microsoft.com/office/officeart/2005/8/layout/process1"/>
+    <dgm:cxn modelId="{A7C58D46-45A9-46C1-A69F-278BAB62C105}" type="presOf" srcId="{26036FA2-FE3E-42B9-85B5-F5BEF970CF10}" destId="{EE1C2EC5-B11E-483D-A935-73350507AEDA}" srcOrd="1" destOrd="0" presId="urn:microsoft.com/office/officeart/2005/8/layout/process1"/>
+    <dgm:cxn modelId="{6E6FAD6A-F2CE-452D-AF7D-41F0863FA517}" type="presOf" srcId="{2541A299-355D-49FF-AD8B-084A413CE0BF}" destId="{3CF2DAC5-BA81-4814-83B5-845CB653E40B}" srcOrd="1" destOrd="0" presId="urn:microsoft.com/office/officeart/2005/8/layout/process1"/>
+    <dgm:cxn modelId="{D7A58E50-9433-4DD7-8E50-E486156ECBB9}" type="presOf" srcId="{83CD00CD-F99C-470C-AD53-83777B118B9B}" destId="{93639E22-A88A-4BC9-99C1-36A9D9F960B5}" srcOrd="0" destOrd="0" presId="urn:microsoft.com/office/officeart/2005/8/layout/process1"/>
+    <dgm:cxn modelId="{B3BB3155-7A6F-429A-B5E0-D2F8E5217356}" type="presOf" srcId="{2541A299-355D-49FF-AD8B-084A413CE0BF}" destId="{83CD4C3B-2D52-477D-9FAC-7CFCB8C2668B}" srcOrd="0" destOrd="0" presId="urn:microsoft.com/office/officeart/2005/8/layout/process1"/>
+    <dgm:cxn modelId="{3BA6B986-DBE6-47AD-835E-682142B38BC7}" srcId="{04301E78-9D88-413A-9E63-0A418F3FDA7C}" destId="{83CD00CD-F99C-470C-AD53-83777B118B9B}" srcOrd="1" destOrd="0" parTransId="{7A79AEBE-57A7-4F74-B2AE-A24EC1B2FE09}" sibTransId="{6A6E6F89-5CB2-454D-B7F4-D68C21911F5D}"/>
+    <dgm:cxn modelId="{0973E288-0612-4A63-8253-EB9A55A0E57C}" type="presOf" srcId="{6F26262C-3B11-4EDD-BFCC-705D34CB650C}" destId="{8D39F71D-70C2-41F3-A074-201A632FF019}" srcOrd="0" destOrd="0" presId="urn:microsoft.com/office/officeart/2005/8/layout/process1"/>
+    <dgm:cxn modelId="{53391599-E3C0-4BD8-A1DC-59C1C884B0CD}" type="presOf" srcId="{3FBA3F25-A64B-4BE8-AF43-9A6C6E9DA7FB}" destId="{8D308BC2-5FCD-4B99-B4A5-FD989C4E5ABA}" srcOrd="0" destOrd="0" presId="urn:microsoft.com/office/officeart/2005/8/layout/process1"/>
+    <dgm:cxn modelId="{5859D19E-FCCB-4582-AEBC-0FF45D222571}" srcId="{04301E78-9D88-413A-9E63-0A418F3FDA7C}" destId="{5B40DB01-3F1B-4CCC-B8FF-5C01B04A0C77}" srcOrd="2" destOrd="0" parTransId="{4B777E40-1FAE-439A-A7F2-484A8478193B}" sibTransId="{26036FA2-FE3E-42B9-85B5-F5BEF970CF10}"/>
+    <dgm:cxn modelId="{1F33B4C5-FD13-4F5C-97B5-4923121F871E}" type="presOf" srcId="{5B40DB01-3F1B-4CCC-B8FF-5C01B04A0C77}" destId="{8B400A85-D0D8-45AE-A4C2-F6D3E2AACFB4}" srcOrd="0" destOrd="0" presId="urn:microsoft.com/office/officeart/2005/8/layout/process1"/>
+    <dgm:cxn modelId="{CC92CFCC-CEBC-4AA9-A665-6D6FA6CEA9E8}" type="presOf" srcId="{26036FA2-FE3E-42B9-85B5-F5BEF970CF10}" destId="{01E5DCC6-093E-4096-8DC3-325AF9829412}" srcOrd="0" destOrd="0" presId="urn:microsoft.com/office/officeart/2005/8/layout/process1"/>
+    <dgm:cxn modelId="{66A325DC-7041-4545-B758-14AFCA07D770}" type="presOf" srcId="{6A6E6F89-5CB2-454D-B7F4-D68C21911F5D}" destId="{0AC887F7-930C-42DF-A944-240B85E73FB5}" srcOrd="1" destOrd="0" presId="urn:microsoft.com/office/officeart/2005/8/layout/process1"/>
+    <dgm:cxn modelId="{F40994E2-FD9C-45BF-8D09-F7337FC8CAC6}" srcId="{04301E78-9D88-413A-9E63-0A418F3FDA7C}" destId="{203CDC8F-B6D4-4DB1-9981-A5D1ECC22911}" srcOrd="3" destOrd="0" parTransId="{3CD7475B-37B4-404B-81E9-A1C64CF0F584}" sibTransId="{3FBA3F25-A64B-4BE8-AF43-9A6C6E9DA7FB}"/>
+    <dgm:cxn modelId="{B5F8E576-F335-40EC-85BF-A02069FCF3A5}" type="presParOf" srcId="{560001B6-A50D-4A3A-AA50-FF951BFD5EF4}" destId="{8D39F71D-70C2-41F3-A074-201A632FF019}" srcOrd="0" destOrd="0" presId="urn:microsoft.com/office/officeart/2005/8/layout/process1"/>
+    <dgm:cxn modelId="{B81F951C-1A63-4D43-971A-3BB384DB7C14}" type="presParOf" srcId="{560001B6-A50D-4A3A-AA50-FF951BFD5EF4}" destId="{83CD4C3B-2D52-477D-9FAC-7CFCB8C2668B}" srcOrd="1" destOrd="0" presId="urn:microsoft.com/office/officeart/2005/8/layout/process1"/>
+    <dgm:cxn modelId="{AD815AE1-8599-497C-9878-FDD510598445}" type="presParOf" srcId="{83CD4C3B-2D52-477D-9FAC-7CFCB8C2668B}" destId="{3CF2DAC5-BA81-4814-83B5-845CB653E40B}" srcOrd="0" destOrd="0" presId="urn:microsoft.com/office/officeart/2005/8/layout/process1"/>
+    <dgm:cxn modelId="{679954FD-491A-4726-9EE8-447A11B756F8}" type="presParOf" srcId="{560001B6-A50D-4A3A-AA50-FF951BFD5EF4}" destId="{93639E22-A88A-4BC9-99C1-36A9D9F960B5}" srcOrd="2" destOrd="0" presId="urn:microsoft.com/office/officeart/2005/8/layout/process1"/>
+    <dgm:cxn modelId="{205CB566-1DF0-486C-B1D0-D8FE34885185}" type="presParOf" srcId="{560001B6-A50D-4A3A-AA50-FF951BFD5EF4}" destId="{AFB16C15-36BC-49F3-9E0C-816E5F0E95D1}" srcOrd="3" destOrd="0" presId="urn:microsoft.com/office/officeart/2005/8/layout/process1"/>
+    <dgm:cxn modelId="{70BB78A2-2944-429E-8AE9-00DF2E69843B}" type="presParOf" srcId="{AFB16C15-36BC-49F3-9E0C-816E5F0E95D1}" destId="{0AC887F7-930C-42DF-A944-240B85E73FB5}" srcOrd="0" destOrd="0" presId="urn:microsoft.com/office/officeart/2005/8/layout/process1"/>
+    <dgm:cxn modelId="{3553C1B7-4212-46F4-BCF5-76CEA05870F6}" type="presParOf" srcId="{560001B6-A50D-4A3A-AA50-FF951BFD5EF4}" destId="{8B400A85-D0D8-45AE-A4C2-F6D3E2AACFB4}" srcOrd="4" destOrd="0" presId="urn:microsoft.com/office/officeart/2005/8/layout/process1"/>
+    <dgm:cxn modelId="{DDFFEC55-98D0-4185-B470-E4619F62B035}" type="presParOf" srcId="{560001B6-A50D-4A3A-AA50-FF951BFD5EF4}" destId="{01E5DCC6-093E-4096-8DC3-325AF9829412}" srcOrd="5" destOrd="0" presId="urn:microsoft.com/office/officeart/2005/8/layout/process1"/>
+    <dgm:cxn modelId="{CABEDE99-1231-4E46-A8A6-25B1F7FCAD14}" type="presParOf" srcId="{01E5DCC6-093E-4096-8DC3-325AF9829412}" destId="{EE1C2EC5-B11E-483D-A935-73350507AEDA}" srcOrd="0" destOrd="0" presId="urn:microsoft.com/office/officeart/2005/8/layout/process1"/>
+    <dgm:cxn modelId="{BD172C57-10DC-47BB-827F-2B4EA380DB46}" type="presParOf" srcId="{560001B6-A50D-4A3A-AA50-FF951BFD5EF4}" destId="{FBD43B6F-9D2F-48C8-BB26-D5ECE430BEA5}" srcOrd="6" destOrd="0" presId="urn:microsoft.com/office/officeart/2005/8/layout/process1"/>
+    <dgm:cxn modelId="{C5E9E193-1C1B-4696-BDE6-91362A7CBD9F}" type="presParOf" srcId="{560001B6-A50D-4A3A-AA50-FF951BFD5EF4}" destId="{8D308BC2-5FCD-4B99-B4A5-FD989C4E5ABA}" srcOrd="7" destOrd="0" presId="urn:microsoft.com/office/officeart/2005/8/layout/process1"/>
+    <dgm:cxn modelId="{A2A5ACB8-7C04-480E-90C6-C4C016F05CE2}" type="presParOf" srcId="{8D308BC2-5FCD-4B99-B4A5-FD989C4E5ABA}" destId="{4A859896-CA5F-4BB7-96C3-521D19554421}" srcOrd="0" destOrd="0" presId="urn:microsoft.com/office/officeart/2005/8/layout/process1"/>
+    <dgm:cxn modelId="{EE8E1249-0CF4-4BFB-B770-02BB04D6B87D}" type="presParOf" srcId="{560001B6-A50D-4A3A-AA50-FF951BFD5EF4}" destId="{EB418920-7118-46EB-B44E-DEF18D07DB66}" srcOrd="8" destOrd="0" presId="urn:microsoft.com/office/officeart/2005/8/layout/process1"/>
+  </dgm:cxnLst>
+  <dgm:bg/>
+  <dgm:whole/>
+  <dgm:extLst>
+    <a:ext uri="http://schemas.microsoft.com/office/drawing/2008/diagram">
+      <dsp:dataModelExt xmlns:dsp="http://schemas.microsoft.com/office/drawing/2008/diagram" relId="rId6" minVer="http://schemas.openxmlformats.org/drawingml/2006/diagram"/>
+    </a:ext>
+  </dgm:extLst>
+</dgm:dataModel>
+</file>
+
 <file path=ppt/diagrams/drawing1.xml><?xml version="1.0" encoding="utf-8"?>
 <dsp:drawing xmlns:dgm="http://schemas.openxmlformats.org/drawingml/2006/diagram" xmlns:dsp="http://schemas.microsoft.com/office/drawing/2008/diagram" xmlns:a="http://schemas.openxmlformats.org/drawingml/2006/main">
   <dsp:spTree>
@@ -5360,6 +6499,681 @@
 </dsp:drawing>
 </file>
 
+<file path=ppt/diagrams/drawing3.xml><?xml version="1.0" encoding="utf-8"?>
+<dsp:drawing xmlns:dgm="http://schemas.openxmlformats.org/drawingml/2006/diagram" xmlns:dsp="http://schemas.microsoft.com/office/drawing/2008/diagram" xmlns:a="http://schemas.openxmlformats.org/drawingml/2006/main">
+  <dsp:spTree>
+    <dsp:nvGrpSpPr>
+      <dsp:cNvPr id="0" name=""/>
+      <dsp:cNvGrpSpPr/>
+    </dsp:nvGrpSpPr>
+    <dsp:grpSpPr/>
+    <dsp:sp modelId="{8D39F71D-70C2-41F3-A074-201A632FF019}">
+      <dsp:nvSpPr>
+        <dsp:cNvPr id="0" name=""/>
+        <dsp:cNvSpPr/>
+      </dsp:nvSpPr>
+      <dsp:spPr>
+        <a:xfrm>
+          <a:off x="10264" y="743335"/>
+          <a:ext cx="1590162" cy="2864667"/>
+        </a:xfrm>
+        <a:prstGeom prst="roundRect">
+          <a:avLst>
+            <a:gd name="adj" fmla="val 10000"/>
+          </a:avLst>
+        </a:prstGeom>
+        <a:solidFill>
+          <a:schemeClr val="bg2">
+            <a:lumMod val="10000"/>
+          </a:schemeClr>
+        </a:solidFill>
+        <a:ln w="12700" cap="flat" cmpd="sng" algn="ctr">
+          <a:solidFill>
+            <a:schemeClr val="tx1"/>
+          </a:solidFill>
+          <a:prstDash val="solid"/>
+          <a:miter lim="800000"/>
+        </a:ln>
+        <a:effectLst/>
+      </dsp:spPr>
+      <dsp:style>
+        <a:lnRef idx="2">
+          <a:scrgbClr r="0" g="0" b="0"/>
+        </a:lnRef>
+        <a:fillRef idx="1">
+          <a:scrgbClr r="0" g="0" b="0"/>
+        </a:fillRef>
+        <a:effectRef idx="0">
+          <a:scrgbClr r="0" g="0" b="0"/>
+        </a:effectRef>
+        <a:fontRef idx="minor">
+          <a:schemeClr val="lt1"/>
+        </a:fontRef>
+      </dsp:style>
+      <dsp:txBody>
+        <a:bodyPr spcFirstLastPara="0" vert="horz" wrap="square" lIns="106680" tIns="106680" rIns="106680" bIns="106680" numCol="1" spcCol="1270" anchor="ctr" anchorCtr="0">
+          <a:noAutofit/>
+        </a:bodyPr>
+        <a:lstStyle/>
+        <a:p>
+          <a:pPr marL="0" lvl="0" indent="0" algn="ctr" defTabSz="1244600">
+            <a:lnSpc>
+              <a:spcPct val="90000"/>
+            </a:lnSpc>
+            <a:spcBef>
+              <a:spcPct val="0"/>
+            </a:spcBef>
+            <a:spcAft>
+              <a:spcPct val="35000"/>
+            </a:spcAft>
+            <a:buNone/>
+          </a:pPr>
+          <a:r>
+            <a:rPr lang="en-IN" sz="2800" kern="1200" dirty="0">
+              <a:latin typeface="Frank Ruhl Libre" panose="00000500000000000000" pitchFamily="2" charset="-79"/>
+              <a:cs typeface="Frank Ruhl Libre" panose="00000500000000000000" pitchFamily="2" charset="-79"/>
+            </a:rPr>
+            <a:t>Raw Tiff Images</a:t>
+          </a:r>
+        </a:p>
+      </dsp:txBody>
+      <dsp:txXfrm>
+        <a:off x="56838" y="789909"/>
+        <a:ext cx="1497014" cy="2771519"/>
+      </dsp:txXfrm>
+    </dsp:sp>
+    <dsp:sp modelId="{83CD4C3B-2D52-477D-9FAC-7CFCB8C2668B}">
+      <dsp:nvSpPr>
+        <dsp:cNvPr id="0" name=""/>
+        <dsp:cNvSpPr/>
+      </dsp:nvSpPr>
+      <dsp:spPr>
+        <a:xfrm>
+          <a:off x="1759442" y="1978488"/>
+          <a:ext cx="337114" cy="394360"/>
+        </a:xfrm>
+        <a:prstGeom prst="rightArrow">
+          <a:avLst>
+            <a:gd name="adj1" fmla="val 60000"/>
+            <a:gd name="adj2" fmla="val 50000"/>
+          </a:avLst>
+        </a:prstGeom>
+        <a:solidFill>
+          <a:schemeClr val="accent3">
+            <a:tint val="60000"/>
+            <a:hueOff val="0"/>
+            <a:satOff val="0"/>
+            <a:lumOff val="0"/>
+            <a:alphaOff val="0"/>
+          </a:schemeClr>
+        </a:solidFill>
+        <a:ln>
+          <a:noFill/>
+        </a:ln>
+        <a:effectLst/>
+      </dsp:spPr>
+      <dsp:style>
+        <a:lnRef idx="0">
+          <a:scrgbClr r="0" g="0" b="0"/>
+        </a:lnRef>
+        <a:fillRef idx="1">
+          <a:scrgbClr r="0" g="0" b="0"/>
+        </a:fillRef>
+        <a:effectRef idx="0">
+          <a:scrgbClr r="0" g="0" b="0"/>
+        </a:effectRef>
+        <a:fontRef idx="minor">
+          <a:schemeClr val="lt1"/>
+        </a:fontRef>
+      </dsp:style>
+      <dsp:txBody>
+        <a:bodyPr spcFirstLastPara="0" vert="horz" wrap="square" lIns="0" tIns="0" rIns="0" bIns="0" numCol="1" spcCol="1270" anchor="ctr" anchorCtr="0">
+          <a:noAutofit/>
+        </a:bodyPr>
+        <a:lstStyle/>
+        <a:p>
+          <a:pPr marL="0" lvl="0" indent="0" algn="ctr" defTabSz="711200">
+            <a:lnSpc>
+              <a:spcPct val="90000"/>
+            </a:lnSpc>
+            <a:spcBef>
+              <a:spcPct val="0"/>
+            </a:spcBef>
+            <a:spcAft>
+              <a:spcPct val="35000"/>
+            </a:spcAft>
+            <a:buNone/>
+          </a:pPr>
+          <a:endParaRPr lang="en-IN" sz="1600" kern="1200"/>
+        </a:p>
+      </dsp:txBody>
+      <dsp:txXfrm>
+        <a:off x="1759442" y="2057360"/>
+        <a:ext cx="235980" cy="236616"/>
+      </dsp:txXfrm>
+    </dsp:sp>
+    <dsp:sp modelId="{93639E22-A88A-4BC9-99C1-36A9D9F960B5}">
+      <dsp:nvSpPr>
+        <dsp:cNvPr id="0" name=""/>
+        <dsp:cNvSpPr/>
+      </dsp:nvSpPr>
+      <dsp:spPr>
+        <a:xfrm>
+          <a:off x="2236491" y="743335"/>
+          <a:ext cx="1590162" cy="2864667"/>
+        </a:xfrm>
+        <a:prstGeom prst="roundRect">
+          <a:avLst>
+            <a:gd name="adj" fmla="val 10000"/>
+          </a:avLst>
+        </a:prstGeom>
+        <a:solidFill>
+          <a:schemeClr val="bg2">
+            <a:lumMod val="50000"/>
+          </a:schemeClr>
+        </a:solidFill>
+        <a:ln w="12700" cap="flat" cmpd="sng" algn="ctr">
+          <a:solidFill>
+            <a:schemeClr val="tx1"/>
+          </a:solidFill>
+          <a:prstDash val="solid"/>
+          <a:miter lim="800000"/>
+        </a:ln>
+        <a:effectLst/>
+      </dsp:spPr>
+      <dsp:style>
+        <a:lnRef idx="2">
+          <a:scrgbClr r="0" g="0" b="0"/>
+        </a:lnRef>
+        <a:fillRef idx="1">
+          <a:scrgbClr r="0" g="0" b="0"/>
+        </a:fillRef>
+        <a:effectRef idx="0">
+          <a:scrgbClr r="0" g="0" b="0"/>
+        </a:effectRef>
+        <a:fontRef idx="minor">
+          <a:schemeClr val="lt1"/>
+        </a:fontRef>
+      </dsp:style>
+      <dsp:txBody>
+        <a:bodyPr spcFirstLastPara="0" vert="horz" wrap="square" lIns="106680" tIns="106680" rIns="106680" bIns="106680" numCol="1" spcCol="1270" anchor="ctr" anchorCtr="0">
+          <a:noAutofit/>
+        </a:bodyPr>
+        <a:lstStyle/>
+        <a:p>
+          <a:pPr marL="0" lvl="0" indent="0" algn="ctr" defTabSz="1244600">
+            <a:lnSpc>
+              <a:spcPct val="90000"/>
+            </a:lnSpc>
+            <a:spcBef>
+              <a:spcPct val="0"/>
+            </a:spcBef>
+            <a:spcAft>
+              <a:spcPct val="35000"/>
+            </a:spcAft>
+            <a:buNone/>
+          </a:pPr>
+          <a:r>
+            <a:rPr lang="en-IN" sz="2800" kern="1200" dirty="0">
+              <a:latin typeface="Frank Ruhl Libre" panose="00000500000000000000" pitchFamily="2" charset="-79"/>
+              <a:cs typeface="Frank Ruhl Libre" panose="00000500000000000000" pitchFamily="2" charset="-79"/>
+            </a:rPr>
+            <a:t>Normalisation</a:t>
+          </a:r>
+          <a:endParaRPr lang="en-IN" sz="1800" kern="1200" dirty="0">
+            <a:latin typeface="Frank Ruhl Libre" panose="00000500000000000000" pitchFamily="2" charset="-79"/>
+            <a:cs typeface="Frank Ruhl Libre" panose="00000500000000000000" pitchFamily="2" charset="-79"/>
+          </a:endParaRPr>
+        </a:p>
+      </dsp:txBody>
+      <dsp:txXfrm>
+        <a:off x="2283065" y="789909"/>
+        <a:ext cx="1497014" cy="2771519"/>
+      </dsp:txXfrm>
+    </dsp:sp>
+    <dsp:sp modelId="{AFB16C15-36BC-49F3-9E0C-816E5F0E95D1}">
+      <dsp:nvSpPr>
+        <dsp:cNvPr id="0" name=""/>
+        <dsp:cNvSpPr/>
+      </dsp:nvSpPr>
+      <dsp:spPr>
+        <a:xfrm>
+          <a:off x="3985670" y="1978488"/>
+          <a:ext cx="337114" cy="394360"/>
+        </a:xfrm>
+        <a:prstGeom prst="rightArrow">
+          <a:avLst>
+            <a:gd name="adj1" fmla="val 60000"/>
+            <a:gd name="adj2" fmla="val 50000"/>
+          </a:avLst>
+        </a:prstGeom>
+        <a:solidFill>
+          <a:schemeClr val="accent3">
+            <a:tint val="60000"/>
+            <a:hueOff val="0"/>
+            <a:satOff val="0"/>
+            <a:lumOff val="0"/>
+            <a:alphaOff val="0"/>
+          </a:schemeClr>
+        </a:solidFill>
+        <a:ln>
+          <a:noFill/>
+        </a:ln>
+        <a:effectLst/>
+      </dsp:spPr>
+      <dsp:style>
+        <a:lnRef idx="0">
+          <a:scrgbClr r="0" g="0" b="0"/>
+        </a:lnRef>
+        <a:fillRef idx="1">
+          <a:scrgbClr r="0" g="0" b="0"/>
+        </a:fillRef>
+        <a:effectRef idx="0">
+          <a:scrgbClr r="0" g="0" b="0"/>
+        </a:effectRef>
+        <a:fontRef idx="minor">
+          <a:schemeClr val="lt1"/>
+        </a:fontRef>
+      </dsp:style>
+      <dsp:txBody>
+        <a:bodyPr spcFirstLastPara="0" vert="horz" wrap="square" lIns="0" tIns="0" rIns="0" bIns="0" numCol="1" spcCol="1270" anchor="ctr" anchorCtr="0">
+          <a:noAutofit/>
+        </a:bodyPr>
+        <a:lstStyle/>
+        <a:p>
+          <a:pPr marL="0" lvl="0" indent="0" algn="ctr" defTabSz="711200">
+            <a:lnSpc>
+              <a:spcPct val="90000"/>
+            </a:lnSpc>
+            <a:spcBef>
+              <a:spcPct val="0"/>
+            </a:spcBef>
+            <a:spcAft>
+              <a:spcPct val="35000"/>
+            </a:spcAft>
+            <a:buNone/>
+          </a:pPr>
+          <a:endParaRPr lang="en-IN" sz="1600" kern="1200"/>
+        </a:p>
+      </dsp:txBody>
+      <dsp:txXfrm>
+        <a:off x="3985670" y="2057360"/>
+        <a:ext cx="235980" cy="236616"/>
+      </dsp:txXfrm>
+    </dsp:sp>
+    <dsp:sp modelId="{8B400A85-D0D8-45AE-A4C2-F6D3E2AACFB4}">
+      <dsp:nvSpPr>
+        <dsp:cNvPr id="0" name=""/>
+        <dsp:cNvSpPr/>
+      </dsp:nvSpPr>
+      <dsp:spPr>
+        <a:xfrm>
+          <a:off x="4462718" y="743335"/>
+          <a:ext cx="1590162" cy="2864667"/>
+        </a:xfrm>
+        <a:prstGeom prst="roundRect">
+          <a:avLst>
+            <a:gd name="adj" fmla="val 10000"/>
+          </a:avLst>
+        </a:prstGeom>
+        <a:solidFill>
+          <a:schemeClr val="bg2">
+            <a:lumMod val="50000"/>
+          </a:schemeClr>
+        </a:solidFill>
+        <a:ln w="12700" cap="flat" cmpd="sng" algn="ctr">
+          <a:solidFill>
+            <a:schemeClr val="tx1"/>
+          </a:solidFill>
+          <a:prstDash val="solid"/>
+          <a:miter lim="800000"/>
+        </a:ln>
+        <a:effectLst/>
+      </dsp:spPr>
+      <dsp:style>
+        <a:lnRef idx="2">
+          <a:scrgbClr r="0" g="0" b="0"/>
+        </a:lnRef>
+        <a:fillRef idx="1">
+          <a:scrgbClr r="0" g="0" b="0"/>
+        </a:fillRef>
+        <a:effectRef idx="0">
+          <a:scrgbClr r="0" g="0" b="0"/>
+        </a:effectRef>
+        <a:fontRef idx="minor">
+          <a:schemeClr val="lt1"/>
+        </a:fontRef>
+      </dsp:style>
+      <dsp:txBody>
+        <a:bodyPr spcFirstLastPara="0" vert="horz" wrap="square" lIns="91440" tIns="91440" rIns="91440" bIns="91440" numCol="1" spcCol="1270" anchor="ctr" anchorCtr="0">
+          <a:noAutofit/>
+        </a:bodyPr>
+        <a:lstStyle/>
+        <a:p>
+          <a:pPr marL="0" lvl="0" indent="0" algn="ctr" defTabSz="1066800">
+            <a:lnSpc>
+              <a:spcPct val="90000"/>
+            </a:lnSpc>
+            <a:spcBef>
+              <a:spcPct val="0"/>
+            </a:spcBef>
+            <a:spcAft>
+              <a:spcPct val="35000"/>
+            </a:spcAft>
+            <a:buNone/>
+          </a:pPr>
+          <a:r>
+            <a:rPr lang="en-IN" sz="2400" kern="1200" dirty="0">
+              <a:latin typeface="Frank Ruhl Libre" panose="00000500000000000000" pitchFamily="2" charset="-79"/>
+              <a:cs typeface="Frank Ruhl Libre" panose="00000500000000000000" pitchFamily="2" charset="-79"/>
+            </a:rPr>
+            <a:t>Resizing</a:t>
+          </a:r>
+          <a:endParaRPr lang="en-IN" sz="1800" kern="1200" dirty="0">
+            <a:latin typeface="Frank Ruhl Libre" panose="00000500000000000000" pitchFamily="2" charset="-79"/>
+            <a:cs typeface="Frank Ruhl Libre" panose="00000500000000000000" pitchFamily="2" charset="-79"/>
+          </a:endParaRPr>
+        </a:p>
+      </dsp:txBody>
+      <dsp:txXfrm>
+        <a:off x="4509292" y="789909"/>
+        <a:ext cx="1497014" cy="2771519"/>
+      </dsp:txXfrm>
+    </dsp:sp>
+    <dsp:sp modelId="{01E5DCC6-093E-4096-8DC3-325AF9829412}">
+      <dsp:nvSpPr>
+        <dsp:cNvPr id="0" name=""/>
+        <dsp:cNvSpPr/>
+      </dsp:nvSpPr>
+      <dsp:spPr>
+        <a:xfrm>
+          <a:off x="6211897" y="1978488"/>
+          <a:ext cx="337114" cy="394360"/>
+        </a:xfrm>
+        <a:prstGeom prst="rightArrow">
+          <a:avLst>
+            <a:gd name="adj1" fmla="val 60000"/>
+            <a:gd name="adj2" fmla="val 50000"/>
+          </a:avLst>
+        </a:prstGeom>
+        <a:solidFill>
+          <a:schemeClr val="accent3">
+            <a:tint val="60000"/>
+            <a:hueOff val="0"/>
+            <a:satOff val="0"/>
+            <a:lumOff val="0"/>
+            <a:alphaOff val="0"/>
+          </a:schemeClr>
+        </a:solidFill>
+        <a:ln>
+          <a:noFill/>
+        </a:ln>
+        <a:effectLst/>
+      </dsp:spPr>
+      <dsp:style>
+        <a:lnRef idx="0">
+          <a:scrgbClr r="0" g="0" b="0"/>
+        </a:lnRef>
+        <a:fillRef idx="1">
+          <a:scrgbClr r="0" g="0" b="0"/>
+        </a:fillRef>
+        <a:effectRef idx="0">
+          <a:scrgbClr r="0" g="0" b="0"/>
+        </a:effectRef>
+        <a:fontRef idx="minor">
+          <a:schemeClr val="lt1"/>
+        </a:fontRef>
+      </dsp:style>
+      <dsp:txBody>
+        <a:bodyPr spcFirstLastPara="0" vert="horz" wrap="square" lIns="0" tIns="0" rIns="0" bIns="0" numCol="1" spcCol="1270" anchor="ctr" anchorCtr="0">
+          <a:noAutofit/>
+        </a:bodyPr>
+        <a:lstStyle/>
+        <a:p>
+          <a:pPr marL="0" lvl="0" indent="0" algn="ctr" defTabSz="711200">
+            <a:lnSpc>
+              <a:spcPct val="90000"/>
+            </a:lnSpc>
+            <a:spcBef>
+              <a:spcPct val="0"/>
+            </a:spcBef>
+            <a:spcAft>
+              <a:spcPct val="35000"/>
+            </a:spcAft>
+            <a:buNone/>
+          </a:pPr>
+          <a:endParaRPr lang="en-IN" sz="1600" kern="1200"/>
+        </a:p>
+      </dsp:txBody>
+      <dsp:txXfrm>
+        <a:off x="6211897" y="2057360"/>
+        <a:ext cx="235980" cy="236616"/>
+      </dsp:txXfrm>
+    </dsp:sp>
+    <dsp:sp modelId="{FBD43B6F-9D2F-48C8-BB26-D5ECE430BEA5}">
+      <dsp:nvSpPr>
+        <dsp:cNvPr id="0" name=""/>
+        <dsp:cNvSpPr/>
+      </dsp:nvSpPr>
+      <dsp:spPr>
+        <a:xfrm>
+          <a:off x="6688946" y="743335"/>
+          <a:ext cx="1590162" cy="2864667"/>
+        </a:xfrm>
+        <a:prstGeom prst="roundRect">
+          <a:avLst>
+            <a:gd name="adj" fmla="val 10000"/>
+          </a:avLst>
+        </a:prstGeom>
+        <a:solidFill>
+          <a:schemeClr val="bg2">
+            <a:lumMod val="50000"/>
+          </a:schemeClr>
+        </a:solidFill>
+        <a:ln w="12700" cap="flat" cmpd="sng" algn="ctr">
+          <a:solidFill>
+            <a:schemeClr val="tx1"/>
+          </a:solidFill>
+          <a:prstDash val="solid"/>
+          <a:miter lim="800000"/>
+        </a:ln>
+        <a:effectLst/>
+      </dsp:spPr>
+      <dsp:style>
+        <a:lnRef idx="2">
+          <a:scrgbClr r="0" g="0" b="0"/>
+        </a:lnRef>
+        <a:fillRef idx="1">
+          <a:scrgbClr r="0" g="0" b="0"/>
+        </a:fillRef>
+        <a:effectRef idx="0">
+          <a:scrgbClr r="0" g="0" b="0"/>
+        </a:effectRef>
+        <a:fontRef idx="minor">
+          <a:schemeClr val="lt1"/>
+        </a:fontRef>
+      </dsp:style>
+      <dsp:txBody>
+        <a:bodyPr spcFirstLastPara="0" vert="horz" wrap="square" lIns="68580" tIns="68580" rIns="68580" bIns="68580" numCol="1" spcCol="1270" anchor="ctr" anchorCtr="0">
+          <a:noAutofit/>
+        </a:bodyPr>
+        <a:lstStyle/>
+        <a:p>
+          <a:pPr marL="0" lvl="0" indent="0" algn="ctr" defTabSz="800100">
+            <a:lnSpc>
+              <a:spcPct val="90000"/>
+            </a:lnSpc>
+            <a:spcBef>
+              <a:spcPct val="0"/>
+            </a:spcBef>
+            <a:spcAft>
+              <a:spcPct val="35000"/>
+            </a:spcAft>
+            <a:buNone/>
+          </a:pPr>
+          <a:r>
+            <a:rPr lang="en-IN" sz="1800" kern="1200" dirty="0">
+              <a:latin typeface="Frank Ruhl Libre" panose="00000500000000000000" pitchFamily="2" charset="-79"/>
+              <a:cs typeface="Frank Ruhl Libre" panose="00000500000000000000" pitchFamily="2" charset="-79"/>
+            </a:rPr>
+            <a:t>Expansion of dimensions from 3D array to 2D array</a:t>
+          </a:r>
+        </a:p>
+      </dsp:txBody>
+      <dsp:txXfrm>
+        <a:off x="6735520" y="789909"/>
+        <a:ext cx="1497014" cy="2771519"/>
+      </dsp:txXfrm>
+    </dsp:sp>
+    <dsp:sp modelId="{8D308BC2-5FCD-4B99-B4A5-FD989C4E5ABA}">
+      <dsp:nvSpPr>
+        <dsp:cNvPr id="0" name=""/>
+        <dsp:cNvSpPr/>
+      </dsp:nvSpPr>
+      <dsp:spPr>
+        <a:xfrm>
+          <a:off x="8438124" y="1978488"/>
+          <a:ext cx="337114" cy="394360"/>
+        </a:xfrm>
+        <a:prstGeom prst="rightArrow">
+          <a:avLst>
+            <a:gd name="adj1" fmla="val 60000"/>
+            <a:gd name="adj2" fmla="val 50000"/>
+          </a:avLst>
+        </a:prstGeom>
+        <a:solidFill>
+          <a:schemeClr val="accent3">
+            <a:tint val="60000"/>
+            <a:hueOff val="0"/>
+            <a:satOff val="0"/>
+            <a:lumOff val="0"/>
+            <a:alphaOff val="0"/>
+          </a:schemeClr>
+        </a:solidFill>
+        <a:ln>
+          <a:noFill/>
+        </a:ln>
+        <a:effectLst/>
+      </dsp:spPr>
+      <dsp:style>
+        <a:lnRef idx="0">
+          <a:scrgbClr r="0" g="0" b="0"/>
+        </a:lnRef>
+        <a:fillRef idx="1">
+          <a:scrgbClr r="0" g="0" b="0"/>
+        </a:fillRef>
+        <a:effectRef idx="0">
+          <a:scrgbClr r="0" g="0" b="0"/>
+        </a:effectRef>
+        <a:fontRef idx="minor">
+          <a:schemeClr val="lt1"/>
+        </a:fontRef>
+      </dsp:style>
+      <dsp:txBody>
+        <a:bodyPr spcFirstLastPara="0" vert="horz" wrap="square" lIns="0" tIns="0" rIns="0" bIns="0" numCol="1" spcCol="1270" anchor="ctr" anchorCtr="0">
+          <a:noAutofit/>
+        </a:bodyPr>
+        <a:lstStyle/>
+        <a:p>
+          <a:pPr marL="0" lvl="0" indent="0" algn="ctr" defTabSz="711200">
+            <a:lnSpc>
+              <a:spcPct val="90000"/>
+            </a:lnSpc>
+            <a:spcBef>
+              <a:spcPct val="0"/>
+            </a:spcBef>
+            <a:spcAft>
+              <a:spcPct val="35000"/>
+            </a:spcAft>
+            <a:buNone/>
+          </a:pPr>
+          <a:endParaRPr lang="en-IN" sz="1600" kern="1200"/>
+        </a:p>
+      </dsp:txBody>
+      <dsp:txXfrm>
+        <a:off x="8438124" y="2057360"/>
+        <a:ext cx="235980" cy="236616"/>
+      </dsp:txXfrm>
+    </dsp:sp>
+    <dsp:sp modelId="{EB418920-7118-46EB-B44E-DEF18D07DB66}">
+      <dsp:nvSpPr>
+        <dsp:cNvPr id="0" name=""/>
+        <dsp:cNvSpPr/>
+      </dsp:nvSpPr>
+      <dsp:spPr>
+        <a:xfrm>
+          <a:off x="8915173" y="743335"/>
+          <a:ext cx="1590162" cy="2864667"/>
+        </a:xfrm>
+        <a:prstGeom prst="roundRect">
+          <a:avLst>
+            <a:gd name="adj" fmla="val 10000"/>
+          </a:avLst>
+        </a:prstGeom>
+        <a:solidFill>
+          <a:schemeClr val="bg2">
+            <a:lumMod val="10000"/>
+          </a:schemeClr>
+        </a:solidFill>
+        <a:ln w="12700" cap="flat" cmpd="sng" algn="ctr">
+          <a:solidFill>
+            <a:schemeClr val="tx1"/>
+          </a:solidFill>
+          <a:prstDash val="solid"/>
+          <a:miter lim="800000"/>
+        </a:ln>
+        <a:effectLst/>
+      </dsp:spPr>
+      <dsp:style>
+        <a:lnRef idx="2">
+          <a:scrgbClr r="0" g="0" b="0"/>
+        </a:lnRef>
+        <a:fillRef idx="1">
+          <a:scrgbClr r="0" g="0" b="0"/>
+        </a:fillRef>
+        <a:effectRef idx="0">
+          <a:scrgbClr r="0" g="0" b="0"/>
+        </a:effectRef>
+        <a:fontRef idx="minor">
+          <a:schemeClr val="lt1"/>
+        </a:fontRef>
+      </dsp:style>
+      <dsp:txBody>
+        <a:bodyPr spcFirstLastPara="0" vert="horz" wrap="square" lIns="76200" tIns="76200" rIns="76200" bIns="76200" numCol="1" spcCol="1270" anchor="ctr" anchorCtr="0">
+          <a:noAutofit/>
+        </a:bodyPr>
+        <a:lstStyle/>
+        <a:p>
+          <a:pPr marL="0" lvl="0" indent="0" algn="ctr" defTabSz="889000">
+            <a:lnSpc>
+              <a:spcPct val="90000"/>
+            </a:lnSpc>
+            <a:spcBef>
+              <a:spcPct val="0"/>
+            </a:spcBef>
+            <a:spcAft>
+              <a:spcPct val="35000"/>
+            </a:spcAft>
+            <a:buNone/>
+          </a:pPr>
+          <a:r>
+            <a:rPr lang="en-IN" sz="2000" kern="1200" dirty="0">
+              <a:latin typeface="Frank Ruhl Libre" panose="00000500000000000000" pitchFamily="2" charset="-79"/>
+              <a:cs typeface="Frank Ruhl Libre" panose="00000500000000000000" pitchFamily="2" charset="-79"/>
+            </a:rPr>
+            <a:t>224 x 222 RGB Image</a:t>
+          </a:r>
+        </a:p>
+      </dsp:txBody>
+      <dsp:txXfrm>
+        <a:off x="8961747" y="789909"/>
+        <a:ext cx="1497014" cy="2771519"/>
+      </dsp:txXfrm>
+    </dsp:sp>
+  </dsp:spTree>
+</dsp:drawing>
+</file>
+
 <file path=ppt/diagrams/layout1.xml><?xml version="1.0" encoding="utf-8"?>
 <dgm:layoutDef xmlns:dgm="http://schemas.openxmlformats.org/drawingml/2006/diagram" xmlns:a="http://schemas.openxmlformats.org/drawingml/2006/main" uniqueId="urn:microsoft.com/office/officeart/2005/8/layout/hProcess9">
   <dgm:title val=""/>
@@ -5668,6 +7482,152 @@
 </dgm:layoutDef>
 </file>
 
+<file path=ppt/diagrams/layout3.xml><?xml version="1.0" encoding="utf-8"?>
+<dgm:layoutDef xmlns:dgm="http://schemas.openxmlformats.org/drawingml/2006/diagram" xmlns:a="http://schemas.openxmlformats.org/drawingml/2006/main" uniqueId="urn:microsoft.com/office/officeart/2005/8/layout/process1">
+  <dgm:title val=""/>
+  <dgm:desc val=""/>
+  <dgm:catLst>
+    <dgm:cat type="process" pri="1000"/>
+    <dgm:cat type="convert" pri="15000"/>
+  </dgm:catLst>
+  <dgm:sampData useDef="1">
+    <dgm:dataModel>
+      <dgm:ptLst/>
+      <dgm:bg/>
+      <dgm:whole/>
+    </dgm:dataModel>
+  </dgm:sampData>
+  <dgm:styleData>
+    <dgm:dataModel>
+      <dgm:ptLst>
+        <dgm:pt modelId="0" type="doc"/>
+        <dgm:pt modelId="1"/>
+        <dgm:pt modelId="2"/>
+      </dgm:ptLst>
+      <dgm:cxnLst>
+        <dgm:cxn modelId="3" srcId="0" destId="1" srcOrd="0" destOrd="0"/>
+        <dgm:cxn modelId="4" srcId="0" destId="2" srcOrd="1" destOrd="0"/>
+      </dgm:cxnLst>
+      <dgm:bg/>
+      <dgm:whole/>
+    </dgm:dataModel>
+  </dgm:styleData>
+  <dgm:clrData>
+    <dgm:dataModel>
+      <dgm:ptLst>
+        <dgm:pt modelId="0" type="doc"/>
+        <dgm:pt modelId="1"/>
+        <dgm:pt modelId="2"/>
+        <dgm:pt modelId="3"/>
+        <dgm:pt modelId="4"/>
+      </dgm:ptLst>
+      <dgm:cxnLst>
+        <dgm:cxn modelId="5" srcId="0" destId="1" srcOrd="0" destOrd="0"/>
+        <dgm:cxn modelId="6" srcId="0" destId="2" srcOrd="1" destOrd="0"/>
+        <dgm:cxn modelId="7" srcId="0" destId="3" srcOrd="2" destOrd="0"/>
+        <dgm:cxn modelId="8" srcId="0" destId="4" srcOrd="3" destOrd="0"/>
+      </dgm:cxnLst>
+      <dgm:bg/>
+      <dgm:whole/>
+    </dgm:dataModel>
+  </dgm:clrData>
+  <dgm:layoutNode name="Name0">
+    <dgm:varLst>
+      <dgm:dir/>
+      <dgm:resizeHandles val="exact"/>
+    </dgm:varLst>
+    <dgm:choose name="Name1">
+      <dgm:if name="Name2" func="var" arg="dir" op="equ" val="norm">
+        <dgm:alg type="lin"/>
+      </dgm:if>
+      <dgm:else name="Name3">
+        <dgm:alg type="lin">
+          <dgm:param type="linDir" val="fromR"/>
+        </dgm:alg>
+      </dgm:else>
+    </dgm:choose>
+    <dgm:shape xmlns:r="http://schemas.openxmlformats.org/officeDocument/2006/relationships" r:blip="">
+      <dgm:adjLst/>
+    </dgm:shape>
+    <dgm:presOf/>
+    <dgm:constrLst>
+      <dgm:constr type="w" for="ch" ptType="node" refType="w"/>
+      <dgm:constr type="h" for="ch" ptType="node" op="equ"/>
+      <dgm:constr type="primFontSz" for="ch" ptType="node" op="equ" val="65"/>
+      <dgm:constr type="w" for="ch" ptType="sibTrans" refType="w" refFor="ch" refPtType="node" op="equ" fact="0.4"/>
+      <dgm:constr type="h" for="ch" ptType="sibTrans" op="equ"/>
+      <dgm:constr type="primFontSz" for="des" forName="connectorText" op="equ" val="55"/>
+      <dgm:constr type="primFontSz" for="des" forName="connectorText" refType="primFontSz" refFor="ch" refPtType="node" op="lte" fact="0.8"/>
+    </dgm:constrLst>
+    <dgm:ruleLst/>
+    <dgm:forEach name="nodesForEach" axis="ch" ptType="node">
+      <dgm:layoutNode name="node">
+        <dgm:varLst>
+          <dgm:bulletEnabled val="1"/>
+        </dgm:varLst>
+        <dgm:alg type="tx"/>
+        <dgm:shape xmlns:r="http://schemas.openxmlformats.org/officeDocument/2006/relationships" type="roundRect" r:blip="">
+          <dgm:adjLst>
+            <dgm:adj idx="1" val="0.1"/>
+          </dgm:adjLst>
+        </dgm:shape>
+        <dgm:presOf axis="desOrSelf" ptType="node"/>
+        <dgm:constrLst>
+          <dgm:constr type="h" refType="w" fact="0.6"/>
+          <dgm:constr type="tMarg" refType="primFontSz" fact="0.3"/>
+          <dgm:constr type="bMarg" refType="primFontSz" fact="0.3"/>
+          <dgm:constr type="lMarg" refType="primFontSz" fact="0.3"/>
+          <dgm:constr type="rMarg" refType="primFontSz" fact="0.3"/>
+        </dgm:constrLst>
+        <dgm:ruleLst>
+          <dgm:rule type="primFontSz" val="18" fact="NaN" max="NaN"/>
+          <dgm:rule type="h" val="NaN" fact="1.5" max="NaN"/>
+          <dgm:rule type="primFontSz" val="5" fact="NaN" max="NaN"/>
+          <dgm:rule type="h" val="INF" fact="NaN" max="NaN"/>
+        </dgm:ruleLst>
+      </dgm:layoutNode>
+      <dgm:forEach name="sibTransForEach" axis="followSib" ptType="sibTrans" cnt="1">
+        <dgm:layoutNode name="sibTrans">
+          <dgm:alg type="conn">
+            <dgm:param type="begPts" val="auto"/>
+            <dgm:param type="endPts" val="auto"/>
+          </dgm:alg>
+          <dgm:shape xmlns:r="http://schemas.openxmlformats.org/officeDocument/2006/relationships" type="conn" r:blip="">
+            <dgm:adjLst/>
+          </dgm:shape>
+          <dgm:presOf axis="self"/>
+          <dgm:constrLst>
+            <dgm:constr type="h" refType="w" fact="0.62"/>
+            <dgm:constr type="connDist"/>
+            <dgm:constr type="begPad" refType="connDist" fact="0.25"/>
+            <dgm:constr type="endPad" refType="connDist" fact="0.22"/>
+          </dgm:constrLst>
+          <dgm:ruleLst/>
+          <dgm:layoutNode name="connectorText">
+            <dgm:alg type="tx">
+              <dgm:param type="autoTxRot" val="grav"/>
+            </dgm:alg>
+            <dgm:shape xmlns:r="http://schemas.openxmlformats.org/officeDocument/2006/relationships" type="conn" r:blip="" hideGeom="1">
+              <dgm:adjLst/>
+            </dgm:shape>
+            <dgm:presOf axis="self"/>
+            <dgm:constrLst>
+              <dgm:constr type="lMarg"/>
+              <dgm:constr type="rMarg"/>
+              <dgm:constr type="tMarg"/>
+              <dgm:constr type="bMarg"/>
+            </dgm:constrLst>
+            <dgm:ruleLst>
+              <dgm:rule type="primFontSz" val="5" fact="NaN" max="NaN"/>
+            </dgm:ruleLst>
+          </dgm:layoutNode>
+        </dgm:layoutNode>
+      </dgm:forEach>
+    </dgm:forEach>
+  </dgm:layoutNode>
+</dgm:layoutDef>
+</file>
+
 <file path=ppt/diagrams/quickStyle1.xml><?xml version="1.0" encoding="utf-8"?>
 <dgm:styleDef xmlns:dgm="http://schemas.openxmlformats.org/drawingml/2006/diagram" xmlns:a="http://schemas.openxmlformats.org/drawingml/2006/main" uniqueId="urn:microsoft.com/office/officeart/2005/8/quickstyle/simple1">
   <dgm:title val=""/>
@@ -6703,6 +8663,1040 @@
 </file>
 
 <file path=ppt/diagrams/quickStyle2.xml><?xml version="1.0" encoding="utf-8"?>
+<dgm:styleDef xmlns:dgm="http://schemas.openxmlformats.org/drawingml/2006/diagram" xmlns:a="http://schemas.openxmlformats.org/drawingml/2006/main" uniqueId="urn:microsoft.com/office/officeart/2005/8/quickstyle/simple1">
+  <dgm:title val=""/>
+  <dgm:desc val=""/>
+  <dgm:catLst>
+    <dgm:cat type="simple" pri="10100"/>
+  </dgm:catLst>
+  <dgm:scene3d>
+    <a:camera prst="orthographicFront"/>
+    <a:lightRig rig="threePt" dir="t"/>
+  </dgm:scene3d>
+  <dgm:styleLbl name="node0">
+    <dgm:scene3d>
+      <a:camera prst="orthographicFront"/>
+      <a:lightRig rig="threePt" dir="t"/>
+    </dgm:scene3d>
+    <dgm:sp3d/>
+    <dgm:txPr/>
+    <dgm:style>
+      <a:lnRef idx="2">
+        <a:scrgbClr r="0" g="0" b="0"/>
+      </a:lnRef>
+      <a:fillRef idx="1">
+        <a:scrgbClr r="0" g="0" b="0"/>
+      </a:fillRef>
+      <a:effectRef idx="0">
+        <a:scrgbClr r="0" g="0" b="0"/>
+      </a:effectRef>
+      <a:fontRef idx="minor">
+        <a:schemeClr val="lt1"/>
+      </a:fontRef>
+    </dgm:style>
+  </dgm:styleLbl>
+  <dgm:styleLbl name="lnNode1">
+    <dgm:scene3d>
+      <a:camera prst="orthographicFront"/>
+      <a:lightRig rig="threePt" dir="t"/>
+    </dgm:scene3d>
+    <dgm:sp3d/>
+    <dgm:txPr/>
+    <dgm:style>
+      <a:lnRef idx="2">
+        <a:scrgbClr r="0" g="0" b="0"/>
+      </a:lnRef>
+      <a:fillRef idx="1">
+        <a:scrgbClr r="0" g="0" b="0"/>
+      </a:fillRef>
+      <a:effectRef idx="0">
+        <a:scrgbClr r="0" g="0" b="0"/>
+      </a:effectRef>
+      <a:fontRef idx="minor">
+        <a:schemeClr val="lt1"/>
+      </a:fontRef>
+    </dgm:style>
+  </dgm:styleLbl>
+  <dgm:styleLbl name="vennNode1">
+    <dgm:scene3d>
+      <a:camera prst="orthographicFront"/>
+      <a:lightRig rig="threePt" dir="t"/>
+    </dgm:scene3d>
+    <dgm:sp3d/>
+    <dgm:txPr/>
+    <dgm:style>
+      <a:lnRef idx="2">
+        <a:scrgbClr r="0" g="0" b="0"/>
+      </a:lnRef>
+      <a:fillRef idx="1">
+        <a:scrgbClr r="0" g="0" b="0"/>
+      </a:fillRef>
+      <a:effectRef idx="0">
+        <a:scrgbClr r="0" g="0" b="0"/>
+      </a:effectRef>
+      <a:fontRef idx="minor">
+        <a:schemeClr val="tx1"/>
+      </a:fontRef>
+    </dgm:style>
+  </dgm:styleLbl>
+  <dgm:styleLbl name="alignNode1">
+    <dgm:scene3d>
+      <a:camera prst="orthographicFront"/>
+      <a:lightRig rig="threePt" dir="t"/>
+    </dgm:scene3d>
+    <dgm:sp3d/>
+    <dgm:txPr/>
+    <dgm:style>
+      <a:lnRef idx="2">
+        <a:scrgbClr r="0" g="0" b="0"/>
+      </a:lnRef>
+      <a:fillRef idx="1">
+        <a:scrgbClr r="0" g="0" b="0"/>
+      </a:fillRef>
+      <a:effectRef idx="0">
+        <a:scrgbClr r="0" g="0" b="0"/>
+      </a:effectRef>
+      <a:fontRef idx="minor">
+        <a:schemeClr val="lt1"/>
+      </a:fontRef>
+    </dgm:style>
+  </dgm:styleLbl>
+  <dgm:styleLbl name="node1">
+    <dgm:scene3d>
+      <a:camera prst="orthographicFront"/>
+      <a:lightRig rig="threePt" dir="t"/>
+    </dgm:scene3d>
+    <dgm:sp3d/>
+    <dgm:txPr/>
+    <dgm:style>
+      <a:lnRef idx="2">
+        <a:scrgbClr r="0" g="0" b="0"/>
+      </a:lnRef>
+      <a:fillRef idx="1">
+        <a:scrgbClr r="0" g="0" b="0"/>
+      </a:fillRef>
+      <a:effectRef idx="0">
+        <a:scrgbClr r="0" g="0" b="0"/>
+      </a:effectRef>
+      <a:fontRef idx="minor">
+        <a:schemeClr val="lt1"/>
+      </a:fontRef>
+    </dgm:style>
+  </dgm:styleLbl>
+  <dgm:styleLbl name="node2">
+    <dgm:scene3d>
+      <a:camera prst="orthographicFront"/>
+      <a:lightRig rig="threePt" dir="t"/>
+    </dgm:scene3d>
+    <dgm:sp3d/>
+    <dgm:txPr/>
+    <dgm:style>
+      <a:lnRef idx="2">
+        <a:scrgbClr r="0" g="0" b="0"/>
+      </a:lnRef>
+      <a:fillRef idx="1">
+        <a:scrgbClr r="0" g="0" b="0"/>
+      </a:fillRef>
+      <a:effectRef idx="0">
+        <a:scrgbClr r="0" g="0" b="0"/>
+      </a:effectRef>
+      <a:fontRef idx="minor">
+        <a:schemeClr val="lt1"/>
+      </a:fontRef>
+    </dgm:style>
+  </dgm:styleLbl>
+  <dgm:styleLbl name="node3">
+    <dgm:scene3d>
+      <a:camera prst="orthographicFront"/>
+      <a:lightRig rig="threePt" dir="t"/>
+    </dgm:scene3d>
+    <dgm:sp3d/>
+    <dgm:txPr/>
+    <dgm:style>
+      <a:lnRef idx="2">
+        <a:scrgbClr r="0" g="0" b="0"/>
+      </a:lnRef>
+      <a:fillRef idx="1">
+        <a:scrgbClr r="0" g="0" b="0"/>
+      </a:fillRef>
+      <a:effectRef idx="0">
+        <a:scrgbClr r="0" g="0" b="0"/>
+      </a:effectRef>
+      <a:fontRef idx="minor">
+        <a:schemeClr val="lt1"/>
+      </a:fontRef>
+    </dgm:style>
+  </dgm:styleLbl>
+  <dgm:styleLbl name="node4">
+    <dgm:scene3d>
+      <a:camera prst="orthographicFront"/>
+      <a:lightRig rig="threePt" dir="t"/>
+    </dgm:scene3d>
+    <dgm:sp3d/>
+    <dgm:txPr/>
+    <dgm:style>
+      <a:lnRef idx="2">
+        <a:scrgbClr r="0" g="0" b="0"/>
+      </a:lnRef>
+      <a:fillRef idx="1">
+        <a:scrgbClr r="0" g="0" b="0"/>
+      </a:fillRef>
+      <a:effectRef idx="0">
+        <a:scrgbClr r="0" g="0" b="0"/>
+      </a:effectRef>
+      <a:fontRef idx="minor">
+        <a:schemeClr val="lt1"/>
+      </a:fontRef>
+    </dgm:style>
+  </dgm:styleLbl>
+  <dgm:styleLbl name="fgImgPlace1">
+    <dgm:scene3d>
+      <a:camera prst="orthographicFront"/>
+      <a:lightRig rig="threePt" dir="t"/>
+    </dgm:scene3d>
+    <dgm:sp3d/>
+    <dgm:txPr/>
+    <dgm:style>
+      <a:lnRef idx="2">
+        <a:scrgbClr r="0" g="0" b="0"/>
+      </a:lnRef>
+      <a:fillRef idx="1">
+        <a:scrgbClr r="0" g="0" b="0"/>
+      </a:fillRef>
+      <a:effectRef idx="0">
+        <a:scrgbClr r="0" g="0" b="0"/>
+      </a:effectRef>
+      <a:fontRef idx="minor"/>
+    </dgm:style>
+  </dgm:styleLbl>
+  <dgm:styleLbl name="alignImgPlace1">
+    <dgm:scene3d>
+      <a:camera prst="orthographicFront"/>
+      <a:lightRig rig="threePt" dir="t"/>
+    </dgm:scene3d>
+    <dgm:sp3d/>
+    <dgm:txPr/>
+    <dgm:style>
+      <a:lnRef idx="2">
+        <a:scrgbClr r="0" g="0" b="0"/>
+      </a:lnRef>
+      <a:fillRef idx="1">
+        <a:scrgbClr r="0" g="0" b="0"/>
+      </a:fillRef>
+      <a:effectRef idx="0">
+        <a:scrgbClr r="0" g="0" b="0"/>
+      </a:effectRef>
+      <a:fontRef idx="minor"/>
+    </dgm:style>
+  </dgm:styleLbl>
+  <dgm:styleLbl name="bgImgPlace1">
+    <dgm:scene3d>
+      <a:camera prst="orthographicFront"/>
+      <a:lightRig rig="threePt" dir="t"/>
+    </dgm:scene3d>
+    <dgm:sp3d/>
+    <dgm:txPr/>
+    <dgm:style>
+      <a:lnRef idx="2">
+        <a:scrgbClr r="0" g="0" b="0"/>
+      </a:lnRef>
+      <a:fillRef idx="1">
+        <a:scrgbClr r="0" g="0" b="0"/>
+      </a:fillRef>
+      <a:effectRef idx="0">
+        <a:scrgbClr r="0" g="0" b="0"/>
+      </a:effectRef>
+      <a:fontRef idx="minor"/>
+    </dgm:style>
+  </dgm:styleLbl>
+  <dgm:styleLbl name="sibTrans2D1">
+    <dgm:scene3d>
+      <a:camera prst="orthographicFront"/>
+      <a:lightRig rig="threePt" dir="t"/>
+    </dgm:scene3d>
+    <dgm:sp3d/>
+    <dgm:txPr/>
+    <dgm:style>
+      <a:lnRef idx="0">
+        <a:scrgbClr r="0" g="0" b="0"/>
+      </a:lnRef>
+      <a:fillRef idx="1">
+        <a:scrgbClr r="0" g="0" b="0"/>
+      </a:fillRef>
+      <a:effectRef idx="0">
+        <a:scrgbClr r="0" g="0" b="0"/>
+      </a:effectRef>
+      <a:fontRef idx="minor">
+        <a:schemeClr val="lt1"/>
+      </a:fontRef>
+    </dgm:style>
+  </dgm:styleLbl>
+  <dgm:styleLbl name="fgSibTrans2D1">
+    <dgm:scene3d>
+      <a:camera prst="orthographicFront"/>
+      <a:lightRig rig="threePt" dir="t"/>
+    </dgm:scene3d>
+    <dgm:sp3d/>
+    <dgm:txPr/>
+    <dgm:style>
+      <a:lnRef idx="0">
+        <a:scrgbClr r="0" g="0" b="0"/>
+      </a:lnRef>
+      <a:fillRef idx="1">
+        <a:scrgbClr r="0" g="0" b="0"/>
+      </a:fillRef>
+      <a:effectRef idx="0">
+        <a:scrgbClr r="0" g="0" b="0"/>
+      </a:effectRef>
+      <a:fontRef idx="minor">
+        <a:schemeClr val="lt1"/>
+      </a:fontRef>
+    </dgm:style>
+  </dgm:styleLbl>
+  <dgm:styleLbl name="bgSibTrans2D1">
+    <dgm:scene3d>
+      <a:camera prst="orthographicFront"/>
+      <a:lightRig rig="threePt" dir="t"/>
+    </dgm:scene3d>
+    <dgm:sp3d/>
+    <dgm:txPr/>
+    <dgm:style>
+      <a:lnRef idx="0">
+        <a:scrgbClr r="0" g="0" b="0"/>
+      </a:lnRef>
+      <a:fillRef idx="1">
+        <a:scrgbClr r="0" g="0" b="0"/>
+      </a:fillRef>
+      <a:effectRef idx="0">
+        <a:scrgbClr r="0" g="0" b="0"/>
+      </a:effectRef>
+      <a:fontRef idx="minor">
+        <a:schemeClr val="lt1"/>
+      </a:fontRef>
+    </dgm:style>
+  </dgm:styleLbl>
+  <dgm:styleLbl name="sibTrans1D1">
+    <dgm:scene3d>
+      <a:camera prst="orthographicFront"/>
+      <a:lightRig rig="threePt" dir="t"/>
+    </dgm:scene3d>
+    <dgm:sp3d/>
+    <dgm:txPr/>
+    <dgm:style>
+      <a:lnRef idx="1">
+        <a:scrgbClr r="0" g="0" b="0"/>
+      </a:lnRef>
+      <a:fillRef idx="0">
+        <a:scrgbClr r="0" g="0" b="0"/>
+      </a:fillRef>
+      <a:effectRef idx="0">
+        <a:scrgbClr r="0" g="0" b="0"/>
+      </a:effectRef>
+      <a:fontRef idx="minor"/>
+    </dgm:style>
+  </dgm:styleLbl>
+  <dgm:styleLbl name="callout">
+    <dgm:scene3d>
+      <a:camera prst="orthographicFront"/>
+      <a:lightRig rig="threePt" dir="t"/>
+    </dgm:scene3d>
+    <dgm:sp3d/>
+    <dgm:txPr/>
+    <dgm:style>
+      <a:lnRef idx="2">
+        <a:scrgbClr r="0" g="0" b="0"/>
+      </a:lnRef>
+      <a:fillRef idx="1">
+        <a:scrgbClr r="0" g="0" b="0"/>
+      </a:fillRef>
+      <a:effectRef idx="0">
+        <a:scrgbClr r="0" g="0" b="0"/>
+      </a:effectRef>
+      <a:fontRef idx="minor"/>
+    </dgm:style>
+  </dgm:styleLbl>
+  <dgm:styleLbl name="asst0">
+    <dgm:scene3d>
+      <a:camera prst="orthographicFront"/>
+      <a:lightRig rig="threePt" dir="t"/>
+    </dgm:scene3d>
+    <dgm:sp3d/>
+    <dgm:txPr/>
+    <dgm:style>
+      <a:lnRef idx="2">
+        <a:scrgbClr r="0" g="0" b="0"/>
+      </a:lnRef>
+      <a:fillRef idx="1">
+        <a:scrgbClr r="0" g="0" b="0"/>
+      </a:fillRef>
+      <a:effectRef idx="0">
+        <a:scrgbClr r="0" g="0" b="0"/>
+      </a:effectRef>
+      <a:fontRef idx="minor">
+        <a:schemeClr val="lt1"/>
+      </a:fontRef>
+    </dgm:style>
+  </dgm:styleLbl>
+  <dgm:styleLbl name="asst1">
+    <dgm:scene3d>
+      <a:camera prst="orthographicFront"/>
+      <a:lightRig rig="threePt" dir="t"/>
+    </dgm:scene3d>
+    <dgm:sp3d/>
+    <dgm:txPr/>
+    <dgm:style>
+      <a:lnRef idx="2">
+        <a:scrgbClr r="0" g="0" b="0"/>
+      </a:lnRef>
+      <a:fillRef idx="1">
+        <a:scrgbClr r="0" g="0" b="0"/>
+      </a:fillRef>
+      <a:effectRef idx="0">
+        <a:scrgbClr r="0" g="0" b="0"/>
+      </a:effectRef>
+      <a:fontRef idx="minor">
+        <a:schemeClr val="lt1"/>
+      </a:fontRef>
+    </dgm:style>
+  </dgm:styleLbl>
+  <dgm:styleLbl name="asst2">
+    <dgm:scene3d>
+      <a:camera prst="orthographicFront"/>
+      <a:lightRig rig="threePt" dir="t"/>
+    </dgm:scene3d>
+    <dgm:sp3d/>
+    <dgm:txPr/>
+    <dgm:style>
+      <a:lnRef idx="2">
+        <a:scrgbClr r="0" g="0" b="0"/>
+      </a:lnRef>
+      <a:fillRef idx="1">
+        <a:scrgbClr r="0" g="0" b="0"/>
+      </a:fillRef>
+      <a:effectRef idx="0">
+        <a:scrgbClr r="0" g="0" b="0"/>
+      </a:effectRef>
+      <a:fontRef idx="minor">
+        <a:schemeClr val="lt1"/>
+      </a:fontRef>
+    </dgm:style>
+  </dgm:styleLbl>
+  <dgm:styleLbl name="asst3">
+    <dgm:scene3d>
+      <a:camera prst="orthographicFront"/>
+      <a:lightRig rig="threePt" dir="t"/>
+    </dgm:scene3d>
+    <dgm:sp3d/>
+    <dgm:txPr/>
+    <dgm:style>
+      <a:lnRef idx="2">
+        <a:scrgbClr r="0" g="0" b="0"/>
+      </a:lnRef>
+      <a:fillRef idx="1">
+        <a:scrgbClr r="0" g="0" b="0"/>
+      </a:fillRef>
+      <a:effectRef idx="0">
+        <a:scrgbClr r="0" g="0" b="0"/>
+      </a:effectRef>
+      <a:fontRef idx="minor">
+        <a:schemeClr val="lt1"/>
+      </a:fontRef>
+    </dgm:style>
+  </dgm:styleLbl>
+  <dgm:styleLbl name="asst4">
+    <dgm:scene3d>
+      <a:camera prst="orthographicFront"/>
+      <a:lightRig rig="threePt" dir="t"/>
+    </dgm:scene3d>
+    <dgm:sp3d/>
+    <dgm:txPr/>
+    <dgm:style>
+      <a:lnRef idx="2">
+        <a:scrgbClr r="0" g="0" b="0"/>
+      </a:lnRef>
+      <a:fillRef idx="1">
+        <a:scrgbClr r="0" g="0" b="0"/>
+      </a:fillRef>
+      <a:effectRef idx="0">
+        <a:scrgbClr r="0" g="0" b="0"/>
+      </a:effectRef>
+      <a:fontRef idx="minor">
+        <a:schemeClr val="lt1"/>
+      </a:fontRef>
+    </dgm:style>
+  </dgm:styleLbl>
+  <dgm:styleLbl name="parChTrans2D1">
+    <dgm:scene3d>
+      <a:camera prst="orthographicFront"/>
+      <a:lightRig rig="threePt" dir="t"/>
+    </dgm:scene3d>
+    <dgm:sp3d/>
+    <dgm:txPr/>
+    <dgm:style>
+      <a:lnRef idx="2">
+        <a:scrgbClr r="0" g="0" b="0"/>
+      </a:lnRef>
+      <a:fillRef idx="1">
+        <a:scrgbClr r="0" g="0" b="0"/>
+      </a:fillRef>
+      <a:effectRef idx="0">
+        <a:scrgbClr r="0" g="0" b="0"/>
+      </a:effectRef>
+      <a:fontRef idx="minor">
+        <a:schemeClr val="lt1"/>
+      </a:fontRef>
+    </dgm:style>
+  </dgm:styleLbl>
+  <dgm:styleLbl name="parChTrans2D2">
+    <dgm:scene3d>
+      <a:camera prst="orthographicFront"/>
+      <a:lightRig rig="threePt" dir="t"/>
+    </dgm:scene3d>
+    <dgm:sp3d/>
+    <dgm:txPr/>
+    <dgm:style>
+      <a:lnRef idx="2">
+        <a:scrgbClr r="0" g="0" b="0"/>
+      </a:lnRef>
+      <a:fillRef idx="1">
+        <a:scrgbClr r="0" g="0" b="0"/>
+      </a:fillRef>
+      <a:effectRef idx="0">
+        <a:scrgbClr r="0" g="0" b="0"/>
+      </a:effectRef>
+      <a:fontRef idx="minor">
+        <a:schemeClr val="lt1"/>
+      </a:fontRef>
+    </dgm:style>
+  </dgm:styleLbl>
+  <dgm:styleLbl name="parChTrans2D3">
+    <dgm:scene3d>
+      <a:camera prst="orthographicFront"/>
+      <a:lightRig rig="threePt" dir="t"/>
+    </dgm:scene3d>
+    <dgm:sp3d/>
+    <dgm:txPr/>
+    <dgm:style>
+      <a:lnRef idx="2">
+        <a:scrgbClr r="0" g="0" b="0"/>
+      </a:lnRef>
+      <a:fillRef idx="1">
+        <a:scrgbClr r="0" g="0" b="0"/>
+      </a:fillRef>
+      <a:effectRef idx="0">
+        <a:scrgbClr r="0" g="0" b="0"/>
+      </a:effectRef>
+      <a:fontRef idx="minor">
+        <a:schemeClr val="lt1"/>
+      </a:fontRef>
+    </dgm:style>
+  </dgm:styleLbl>
+  <dgm:styleLbl name="parChTrans2D4">
+    <dgm:scene3d>
+      <a:camera prst="orthographicFront"/>
+      <a:lightRig rig="threePt" dir="t"/>
+    </dgm:scene3d>
+    <dgm:sp3d/>
+    <dgm:txPr/>
+    <dgm:style>
+      <a:lnRef idx="2">
+        <a:scrgbClr r="0" g="0" b="0"/>
+      </a:lnRef>
+      <a:fillRef idx="1">
+        <a:scrgbClr r="0" g="0" b="0"/>
+      </a:fillRef>
+      <a:effectRef idx="0">
+        <a:scrgbClr r="0" g="0" b="0"/>
+      </a:effectRef>
+      <a:fontRef idx="minor">
+        <a:schemeClr val="lt1"/>
+      </a:fontRef>
+    </dgm:style>
+  </dgm:styleLbl>
+  <dgm:styleLbl name="parChTrans1D1">
+    <dgm:scene3d>
+      <a:camera prst="orthographicFront"/>
+      <a:lightRig rig="threePt" dir="t"/>
+    </dgm:scene3d>
+    <dgm:sp3d/>
+    <dgm:txPr/>
+    <dgm:style>
+      <a:lnRef idx="2">
+        <a:scrgbClr r="0" g="0" b="0"/>
+      </a:lnRef>
+      <a:fillRef idx="0">
+        <a:scrgbClr r="0" g="0" b="0"/>
+      </a:fillRef>
+      <a:effectRef idx="0">
+        <a:scrgbClr r="0" g="0" b="0"/>
+      </a:effectRef>
+      <a:fontRef idx="minor"/>
+    </dgm:style>
+  </dgm:styleLbl>
+  <dgm:styleLbl name="parChTrans1D2">
+    <dgm:scene3d>
+      <a:camera prst="orthographicFront"/>
+      <a:lightRig rig="threePt" dir="t"/>
+    </dgm:scene3d>
+    <dgm:sp3d/>
+    <dgm:txPr/>
+    <dgm:style>
+      <a:lnRef idx="2">
+        <a:scrgbClr r="0" g="0" b="0"/>
+      </a:lnRef>
+      <a:fillRef idx="0">
+        <a:scrgbClr r="0" g="0" b="0"/>
+      </a:fillRef>
+      <a:effectRef idx="0">
+        <a:scrgbClr r="0" g="0" b="0"/>
+      </a:effectRef>
+      <a:fontRef idx="minor"/>
+    </dgm:style>
+  </dgm:styleLbl>
+  <dgm:styleLbl name="parChTrans1D3">
+    <dgm:scene3d>
+      <a:camera prst="orthographicFront"/>
+      <a:lightRig rig="threePt" dir="t"/>
+    </dgm:scene3d>
+    <dgm:sp3d/>
+    <dgm:txPr/>
+    <dgm:style>
+      <a:lnRef idx="2">
+        <a:scrgbClr r="0" g="0" b="0"/>
+      </a:lnRef>
+      <a:fillRef idx="0">
+        <a:scrgbClr r="0" g="0" b="0"/>
+      </a:fillRef>
+      <a:effectRef idx="0">
+        <a:scrgbClr r="0" g="0" b="0"/>
+      </a:effectRef>
+      <a:fontRef idx="minor"/>
+    </dgm:style>
+  </dgm:styleLbl>
+  <dgm:styleLbl name="parChTrans1D4">
+    <dgm:scene3d>
+      <a:camera prst="orthographicFront"/>
+      <a:lightRig rig="threePt" dir="t"/>
+    </dgm:scene3d>
+    <dgm:sp3d/>
+    <dgm:txPr/>
+    <dgm:style>
+      <a:lnRef idx="2">
+        <a:scrgbClr r="0" g="0" b="0"/>
+      </a:lnRef>
+      <a:fillRef idx="0">
+        <a:scrgbClr r="0" g="0" b="0"/>
+      </a:fillRef>
+      <a:effectRef idx="0">
+        <a:scrgbClr r="0" g="0" b="0"/>
+      </a:effectRef>
+      <a:fontRef idx="minor"/>
+    </dgm:style>
+  </dgm:styleLbl>
+  <dgm:styleLbl name="fgAcc1">
+    <dgm:scene3d>
+      <a:camera prst="orthographicFront"/>
+      <a:lightRig rig="threePt" dir="t"/>
+    </dgm:scene3d>
+    <dgm:sp3d/>
+    <dgm:txPr/>
+    <dgm:style>
+      <a:lnRef idx="2">
+        <a:scrgbClr r="0" g="0" b="0"/>
+      </a:lnRef>
+      <a:fillRef idx="1">
+        <a:scrgbClr r="0" g="0" b="0"/>
+      </a:fillRef>
+      <a:effectRef idx="0">
+        <a:scrgbClr r="0" g="0" b="0"/>
+      </a:effectRef>
+      <a:fontRef idx="minor"/>
+    </dgm:style>
+  </dgm:styleLbl>
+  <dgm:styleLbl name="conFgAcc1">
+    <dgm:scene3d>
+      <a:camera prst="orthographicFront"/>
+      <a:lightRig rig="threePt" dir="t"/>
+    </dgm:scene3d>
+    <dgm:sp3d/>
+    <dgm:txPr/>
+    <dgm:style>
+      <a:lnRef idx="2">
+        <a:scrgbClr r="0" g="0" b="0"/>
+      </a:lnRef>
+      <a:fillRef idx="1">
+        <a:scrgbClr r="0" g="0" b="0"/>
+      </a:fillRef>
+      <a:effectRef idx="0">
+        <a:scrgbClr r="0" g="0" b="0"/>
+      </a:effectRef>
+      <a:fontRef idx="minor"/>
+    </dgm:style>
+  </dgm:styleLbl>
+  <dgm:styleLbl name="alignAcc1">
+    <dgm:scene3d>
+      <a:camera prst="orthographicFront"/>
+      <a:lightRig rig="threePt" dir="t"/>
+    </dgm:scene3d>
+    <dgm:sp3d/>
+    <dgm:txPr/>
+    <dgm:style>
+      <a:lnRef idx="2">
+        <a:scrgbClr r="0" g="0" b="0"/>
+      </a:lnRef>
+      <a:fillRef idx="1">
+        <a:scrgbClr r="0" g="0" b="0"/>
+      </a:fillRef>
+      <a:effectRef idx="0">
+        <a:scrgbClr r="0" g="0" b="0"/>
+      </a:effectRef>
+      <a:fontRef idx="minor"/>
+    </dgm:style>
+  </dgm:styleLbl>
+  <dgm:styleLbl name="trAlignAcc1">
+    <dgm:scene3d>
+      <a:camera prst="orthographicFront"/>
+      <a:lightRig rig="threePt" dir="t"/>
+    </dgm:scene3d>
+    <dgm:sp3d/>
+    <dgm:txPr/>
+    <dgm:style>
+      <a:lnRef idx="1">
+        <a:scrgbClr r="0" g="0" b="0"/>
+      </a:lnRef>
+      <a:fillRef idx="1">
+        <a:scrgbClr r="0" g="0" b="0"/>
+      </a:fillRef>
+      <a:effectRef idx="0">
+        <a:scrgbClr r="0" g="0" b="0"/>
+      </a:effectRef>
+      <a:fontRef idx="minor"/>
+    </dgm:style>
+  </dgm:styleLbl>
+  <dgm:styleLbl name="bgAcc1">
+    <dgm:scene3d>
+      <a:camera prst="orthographicFront"/>
+      <a:lightRig rig="threePt" dir="t"/>
+    </dgm:scene3d>
+    <dgm:sp3d/>
+    <dgm:txPr/>
+    <dgm:style>
+      <a:lnRef idx="2">
+        <a:scrgbClr r="0" g="0" b="0"/>
+      </a:lnRef>
+      <a:fillRef idx="1">
+        <a:scrgbClr r="0" g="0" b="0"/>
+      </a:fillRef>
+      <a:effectRef idx="0">
+        <a:scrgbClr r="0" g="0" b="0"/>
+      </a:effectRef>
+      <a:fontRef idx="minor"/>
+    </dgm:style>
+  </dgm:styleLbl>
+  <dgm:styleLbl name="solidFgAcc1">
+    <dgm:scene3d>
+      <a:camera prst="orthographicFront"/>
+      <a:lightRig rig="threePt" dir="t"/>
+    </dgm:scene3d>
+    <dgm:sp3d/>
+    <dgm:txPr/>
+    <dgm:style>
+      <a:lnRef idx="2">
+        <a:scrgbClr r="0" g="0" b="0"/>
+      </a:lnRef>
+      <a:fillRef idx="1">
+        <a:scrgbClr r="0" g="0" b="0"/>
+      </a:fillRef>
+      <a:effectRef idx="0">
+        <a:scrgbClr r="0" g="0" b="0"/>
+      </a:effectRef>
+      <a:fontRef idx="minor"/>
+    </dgm:style>
+  </dgm:styleLbl>
+  <dgm:styleLbl name="solidAlignAcc1">
+    <dgm:scene3d>
+      <a:camera prst="orthographicFront"/>
+      <a:lightRig rig="threePt" dir="t"/>
+    </dgm:scene3d>
+    <dgm:sp3d/>
+    <dgm:txPr/>
+    <dgm:style>
+      <a:lnRef idx="2">
+        <a:scrgbClr r="0" g="0" b="0"/>
+      </a:lnRef>
+      <a:fillRef idx="1">
+        <a:scrgbClr r="0" g="0" b="0"/>
+      </a:fillRef>
+      <a:effectRef idx="0">
+        <a:scrgbClr r="0" g="0" b="0"/>
+      </a:effectRef>
+      <a:fontRef idx="minor"/>
+    </dgm:style>
+  </dgm:styleLbl>
+  <dgm:styleLbl name="solidBgAcc1">
+    <dgm:scene3d>
+      <a:camera prst="orthographicFront"/>
+      <a:lightRig rig="threePt" dir="t"/>
+    </dgm:scene3d>
+    <dgm:sp3d/>
+    <dgm:txPr/>
+    <dgm:style>
+      <a:lnRef idx="2">
+        <a:scrgbClr r="0" g="0" b="0"/>
+      </a:lnRef>
+      <a:fillRef idx="1">
+        <a:scrgbClr r="0" g="0" b="0"/>
+      </a:fillRef>
+      <a:effectRef idx="0">
+        <a:scrgbClr r="0" g="0" b="0"/>
+      </a:effectRef>
+      <a:fontRef idx="minor"/>
+    </dgm:style>
+  </dgm:styleLbl>
+  <dgm:styleLbl name="fgAccFollowNode1">
+    <dgm:scene3d>
+      <a:camera prst="orthographicFront"/>
+      <a:lightRig rig="threePt" dir="t"/>
+    </dgm:scene3d>
+    <dgm:sp3d/>
+    <dgm:txPr/>
+    <dgm:style>
+      <a:lnRef idx="2">
+        <a:scrgbClr r="0" g="0" b="0"/>
+      </a:lnRef>
+      <a:fillRef idx="1">
+        <a:scrgbClr r="0" g="0" b="0"/>
+      </a:fillRef>
+      <a:effectRef idx="0">
+        <a:scrgbClr r="0" g="0" b="0"/>
+      </a:effectRef>
+      <a:fontRef idx="minor"/>
+    </dgm:style>
+  </dgm:styleLbl>
+  <dgm:styleLbl name="alignAccFollowNode1">
+    <dgm:scene3d>
+      <a:camera prst="orthographicFront"/>
+      <a:lightRig rig="threePt" dir="t"/>
+    </dgm:scene3d>
+    <dgm:sp3d/>
+    <dgm:txPr/>
+    <dgm:style>
+      <a:lnRef idx="2">
+        <a:scrgbClr r="0" g="0" b="0"/>
+      </a:lnRef>
+      <a:fillRef idx="1">
+        <a:scrgbClr r="0" g="0" b="0"/>
+      </a:fillRef>
+      <a:effectRef idx="0">
+        <a:scrgbClr r="0" g="0" b="0"/>
+      </a:effectRef>
+      <a:fontRef idx="minor"/>
+    </dgm:style>
+  </dgm:styleLbl>
+  <dgm:styleLbl name="bgAccFollowNode1">
+    <dgm:scene3d>
+      <a:camera prst="orthographicFront"/>
+      <a:lightRig rig="threePt" dir="t"/>
+    </dgm:scene3d>
+    <dgm:sp3d/>
+    <dgm:txPr/>
+    <dgm:style>
+      <a:lnRef idx="2">
+        <a:scrgbClr r="0" g="0" b="0"/>
+      </a:lnRef>
+      <a:fillRef idx="1">
+        <a:scrgbClr r="0" g="0" b="0"/>
+      </a:fillRef>
+      <a:effectRef idx="0">
+        <a:scrgbClr r="0" g="0" b="0"/>
+      </a:effectRef>
+      <a:fontRef idx="minor"/>
+    </dgm:style>
+  </dgm:styleLbl>
+  <dgm:styleLbl name="fgAcc0">
+    <dgm:scene3d>
+      <a:camera prst="orthographicFront"/>
+      <a:lightRig rig="threePt" dir="t"/>
+    </dgm:scene3d>
+    <dgm:sp3d/>
+    <dgm:txPr/>
+    <dgm:style>
+      <a:lnRef idx="2">
+        <a:scrgbClr r="0" g="0" b="0"/>
+      </a:lnRef>
+      <a:fillRef idx="1">
+        <a:scrgbClr r="0" g="0" b="0"/>
+      </a:fillRef>
+      <a:effectRef idx="0">
+        <a:scrgbClr r="0" g="0" b="0"/>
+      </a:effectRef>
+      <a:fontRef idx="minor"/>
+    </dgm:style>
+  </dgm:styleLbl>
+  <dgm:styleLbl name="fgAcc2">
+    <dgm:scene3d>
+      <a:camera prst="orthographicFront"/>
+      <a:lightRig rig="threePt" dir="t"/>
+    </dgm:scene3d>
+    <dgm:sp3d/>
+    <dgm:txPr/>
+    <dgm:style>
+      <a:lnRef idx="2">
+        <a:scrgbClr r="0" g="0" b="0"/>
+      </a:lnRef>
+      <a:fillRef idx="1">
+        <a:scrgbClr r="0" g="0" b="0"/>
+      </a:fillRef>
+      <a:effectRef idx="0">
+        <a:scrgbClr r="0" g="0" b="0"/>
+      </a:effectRef>
+      <a:fontRef idx="minor"/>
+    </dgm:style>
+  </dgm:styleLbl>
+  <dgm:styleLbl name="fgAcc3">
+    <dgm:scene3d>
+      <a:camera prst="orthographicFront"/>
+      <a:lightRig rig="threePt" dir="t"/>
+    </dgm:scene3d>
+    <dgm:sp3d/>
+    <dgm:txPr/>
+    <dgm:style>
+      <a:lnRef idx="2">
+        <a:scrgbClr r="0" g="0" b="0"/>
+      </a:lnRef>
+      <a:fillRef idx="1">
+        <a:scrgbClr r="0" g="0" b="0"/>
+      </a:fillRef>
+      <a:effectRef idx="0">
+        <a:scrgbClr r="0" g="0" b="0"/>
+      </a:effectRef>
+      <a:fontRef idx="minor"/>
+    </dgm:style>
+  </dgm:styleLbl>
+  <dgm:styleLbl name="fgAcc4">
+    <dgm:scene3d>
+      <a:camera prst="orthographicFront"/>
+      <a:lightRig rig="threePt" dir="t"/>
+    </dgm:scene3d>
+    <dgm:sp3d/>
+    <dgm:txPr/>
+    <dgm:style>
+      <a:lnRef idx="2">
+        <a:scrgbClr r="0" g="0" b="0"/>
+      </a:lnRef>
+      <a:fillRef idx="1">
+        <a:scrgbClr r="0" g="0" b="0"/>
+      </a:fillRef>
+      <a:effectRef idx="0">
+        <a:scrgbClr r="0" g="0" b="0"/>
+      </a:effectRef>
+      <a:fontRef idx="minor"/>
+    </dgm:style>
+  </dgm:styleLbl>
+  <dgm:styleLbl name="bgShp">
+    <dgm:scene3d>
+      <a:camera prst="orthographicFront"/>
+      <a:lightRig rig="threePt" dir="t"/>
+    </dgm:scene3d>
+    <dgm:sp3d/>
+    <dgm:txPr/>
+    <dgm:style>
+      <a:lnRef idx="0">
+        <a:scrgbClr r="0" g="0" b="0"/>
+      </a:lnRef>
+      <a:fillRef idx="1">
+        <a:scrgbClr r="0" g="0" b="0"/>
+      </a:fillRef>
+      <a:effectRef idx="0">
+        <a:scrgbClr r="0" g="0" b="0"/>
+      </a:effectRef>
+      <a:fontRef idx="minor"/>
+    </dgm:style>
+  </dgm:styleLbl>
+  <dgm:styleLbl name="dkBgShp">
+    <dgm:scene3d>
+      <a:camera prst="orthographicFront"/>
+      <a:lightRig rig="threePt" dir="t"/>
+    </dgm:scene3d>
+    <dgm:sp3d/>
+    <dgm:txPr/>
+    <dgm:style>
+      <a:lnRef idx="0">
+        <a:scrgbClr r="0" g="0" b="0"/>
+      </a:lnRef>
+      <a:fillRef idx="1">
+        <a:scrgbClr r="0" g="0" b="0"/>
+      </a:fillRef>
+      <a:effectRef idx="0">
+        <a:scrgbClr r="0" g="0" b="0"/>
+      </a:effectRef>
+      <a:fontRef idx="minor"/>
+    </dgm:style>
+  </dgm:styleLbl>
+  <dgm:styleLbl name="trBgShp">
+    <dgm:scene3d>
+      <a:camera prst="orthographicFront"/>
+      <a:lightRig rig="threePt" dir="t"/>
+    </dgm:scene3d>
+    <dgm:sp3d/>
+    <dgm:txPr/>
+    <dgm:style>
+      <a:lnRef idx="0">
+        <a:scrgbClr r="0" g="0" b="0"/>
+      </a:lnRef>
+      <a:fillRef idx="1">
+        <a:scrgbClr r="0" g="0" b="0"/>
+      </a:fillRef>
+      <a:effectRef idx="0">
+        <a:scrgbClr r="0" g="0" b="0"/>
+      </a:effectRef>
+      <a:fontRef idx="minor"/>
+    </dgm:style>
+  </dgm:styleLbl>
+  <dgm:styleLbl name="fgShp">
+    <dgm:scene3d>
+      <a:camera prst="orthographicFront"/>
+      <a:lightRig rig="threePt" dir="t"/>
+    </dgm:scene3d>
+    <dgm:sp3d/>
+    <dgm:txPr/>
+    <dgm:style>
+      <a:lnRef idx="2">
+        <a:scrgbClr r="0" g="0" b="0"/>
+      </a:lnRef>
+      <a:fillRef idx="1">
+        <a:scrgbClr r="0" g="0" b="0"/>
+      </a:fillRef>
+      <a:effectRef idx="0">
+        <a:scrgbClr r="0" g="0" b="0"/>
+      </a:effectRef>
+      <a:fontRef idx="minor"/>
+    </dgm:style>
+  </dgm:styleLbl>
+  <dgm:styleLbl name="revTx">
+    <dgm:scene3d>
+      <a:camera prst="orthographicFront"/>
+      <a:lightRig rig="threePt" dir="t"/>
+    </dgm:scene3d>
+    <dgm:sp3d/>
+    <dgm:txPr/>
+    <dgm:style>
+      <a:lnRef idx="0">
+        <a:scrgbClr r="0" g="0" b="0"/>
+      </a:lnRef>
+      <a:fillRef idx="0">
+        <a:scrgbClr r="0" g="0" b="0"/>
+      </a:fillRef>
+      <a:effectRef idx="0">
+        <a:scrgbClr r="0" g="0" b="0"/>
+      </a:effectRef>
+      <a:fontRef idx="minor"/>
+    </dgm:style>
+  </dgm:styleLbl>
+</dgm:styleDef>
+</file>
+
+<file path=ppt/diagrams/quickStyle3.xml><?xml version="1.0" encoding="utf-8"?>
 <dgm:styleDef xmlns:dgm="http://schemas.openxmlformats.org/drawingml/2006/diagram" xmlns:a="http://schemas.openxmlformats.org/drawingml/2006/main" uniqueId="urn:microsoft.com/office/officeart/2005/8/quickstyle/simple1">
   <dgm:title val=""/>
   <dgm:desc val=""/>
@@ -8383,6 +11377,12 @@
           <a:bodyPr/>
           <a:lstStyle/>
           <a:p>
+            <a:r>
+              <a:rPr lang="en-US" dirty="0"/>
+              <a:t>However, despite VGG16 model’s high accuracy, simplicity and popularity for image recognition, it has a couple of unfortunate drawbacks.</a:t>
+            </a:r>
+          </a:p>
+          <a:p>
             <a:pPr marL="0" marR="0" lvl="0" indent="0" algn="l" defTabSz="914400" rtl="0" eaLnBrk="1" fontAlgn="auto" latinLnBrk="0" hangingPunct="1">
               <a:lnSpc>
                 <a:spcPct val="100000"/>
@@ -8401,12 +11401,16 @@
               <a:defRPr/>
             </a:pPr>
             <a:r>
-              <a:rPr lang="en-IN" sz="1200" dirty="0">
+              <a:rPr lang="en-US" dirty="0"/>
+              <a:t># </a:t>
+            </a:r>
+            <a:r>
+              <a:rPr lang="en-IN" sz="1800" dirty="0">
                 <a:effectLst/>
                 <a:latin typeface="Times New Roman" panose="02020603050405020304" pitchFamily="18" charset="0"/>
                 <a:ea typeface="Times New Roman" panose="02020603050405020304" pitchFamily="18" charset="0"/>
               </a:rPr>
-              <a:t>Now, I’ll hand over control to Soumya. He will discuss more on the model’s architecture, extracting features and what we will have to do after this.</a:t>
+              <a:t>The model is very slow to train. The original VGG model was trained for 2 to 3 weeks on an NVidia Titan GPU.</a:t>
             </a:r>
           </a:p>
           <a:p>
@@ -8428,13 +11432,64 @@
               <a:defRPr/>
             </a:pPr>
             <a:r>
-              <a:rPr lang="en-IN" sz="1200" dirty="0">
+              <a:rPr lang="en-IN" sz="1800" dirty="0">
+                <a:effectLst/>
+                <a:latin typeface="Times New Roman" panose="02020603050405020304" pitchFamily="18" charset="0"/>
+                <a:ea typeface="Times New Roman" panose="02020603050405020304" pitchFamily="18" charset="0"/>
+              </a:rPr>
+              <a:t># The model also has very big weights. The size of VGG16 trained ImageNet weights is five hundred and twenty eight MB. So, it takes quite a lot of disk space and bandwidth that makes it inefficient with respect to space.</a:t>
+            </a:r>
+          </a:p>
+          <a:p>
+            <a:pPr marL="0" marR="0" lvl="0" indent="0" algn="l" defTabSz="914400" rtl="0" eaLnBrk="1" fontAlgn="auto" latinLnBrk="0" hangingPunct="1">
+              <a:lnSpc>
+                <a:spcPct val="100000"/>
+              </a:lnSpc>
+              <a:spcBef>
+                <a:spcPts val="0"/>
+              </a:spcBef>
+              <a:spcAft>
+                <a:spcPts val="0"/>
+              </a:spcAft>
+              <a:buClrTx/>
+              <a:buSzTx/>
+              <a:buFontTx/>
+              <a:buNone/>
+              <a:tabLst/>
+              <a:defRPr/>
+            </a:pPr>
+            <a:r>
+              <a:rPr lang="en-IN" sz="1800" dirty="0">
                 <a:effectLst/>
                 <a:latin typeface="Times New Roman" panose="02020603050405020304" pitchFamily="18" charset="0"/>
                 <a:ea typeface="Times New Roman" panose="02020603050405020304" pitchFamily="18" charset="0"/>
               </a:rPr>
               <a:t>#</a:t>
             </a:r>
+          </a:p>
+          <a:p>
+            <a:pPr marL="0" marR="0" lvl="0" indent="0" algn="l" defTabSz="914400" rtl="0" eaLnBrk="1" fontAlgn="auto" latinLnBrk="0" hangingPunct="1">
+              <a:lnSpc>
+                <a:spcPct val="100000"/>
+              </a:lnSpc>
+              <a:spcBef>
+                <a:spcPts val="0"/>
+              </a:spcBef>
+              <a:spcAft>
+                <a:spcPts val="0"/>
+              </a:spcAft>
+              <a:buClrTx/>
+              <a:buSzTx/>
+              <a:buFontTx/>
+              <a:buNone/>
+              <a:tabLst/>
+              <a:defRPr/>
+            </a:pPr>
+            <a:endParaRPr lang="en-IN" sz="1800" dirty="0">
+              <a:effectLst/>
+              <a:latin typeface="Times New Roman" panose="02020603050405020304" pitchFamily="18" charset="0"/>
+              <a:ea typeface="Times New Roman" panose="02020603050405020304" pitchFamily="18" charset="0"/>
+            </a:endParaRPr>
           </a:p>
           <a:p>
             <a:endParaRPr lang="en-IN" dirty="0"/>
@@ -8467,7 +11522,7 @@
     </p:spTree>
     <p:extLst>
       <p:ext uri="{BB962C8B-B14F-4D97-AF65-F5344CB8AC3E}">
-        <p14:creationId xmlns:p14="http://schemas.microsoft.com/office/powerpoint/2010/main" val="1259981314"/>
+        <p14:creationId xmlns:p14="http://schemas.microsoft.com/office/powerpoint/2010/main" val="654931584"/>
       </p:ext>
     </p:extLst>
   </p:cSld>
@@ -8521,6 +11576,60 @@
           <a:bodyPr/>
           <a:lstStyle/>
           <a:p>
+            <a:pPr marL="0" marR="0" lvl="0" indent="0" algn="l" defTabSz="914400" rtl="0" eaLnBrk="1" fontAlgn="auto" latinLnBrk="0" hangingPunct="1">
+              <a:lnSpc>
+                <a:spcPct val="100000"/>
+              </a:lnSpc>
+              <a:spcBef>
+                <a:spcPts val="0"/>
+              </a:spcBef>
+              <a:spcAft>
+                <a:spcPts val="0"/>
+              </a:spcAft>
+              <a:buClrTx/>
+              <a:buSzTx/>
+              <a:buFontTx/>
+              <a:buNone/>
+              <a:tabLst/>
+              <a:defRPr/>
+            </a:pPr>
+            <a:r>
+              <a:rPr lang="en-IN" sz="1200" dirty="0">
+                <a:effectLst/>
+                <a:latin typeface="Times New Roman" panose="02020603050405020304" pitchFamily="18" charset="0"/>
+                <a:ea typeface="Times New Roman" panose="02020603050405020304" pitchFamily="18" charset="0"/>
+              </a:rPr>
+              <a:t>Now, I’ll hand over control to Soumya. He will discuss more on the model’s architecture, extracting features and what we will have to do after this.</a:t>
+            </a:r>
+          </a:p>
+          <a:p>
+            <a:pPr marL="0" marR="0" lvl="0" indent="0" algn="l" defTabSz="914400" rtl="0" eaLnBrk="1" fontAlgn="auto" latinLnBrk="0" hangingPunct="1">
+              <a:lnSpc>
+                <a:spcPct val="100000"/>
+              </a:lnSpc>
+              <a:spcBef>
+                <a:spcPts val="0"/>
+              </a:spcBef>
+              <a:spcAft>
+                <a:spcPts val="0"/>
+              </a:spcAft>
+              <a:buClrTx/>
+              <a:buSzTx/>
+              <a:buFontTx/>
+              <a:buNone/>
+              <a:tabLst/>
+              <a:defRPr/>
+            </a:pPr>
+            <a:r>
+              <a:rPr lang="en-IN" sz="1200" dirty="0">
+                <a:effectLst/>
+                <a:latin typeface="Times New Roman" panose="02020603050405020304" pitchFamily="18" charset="0"/>
+                <a:ea typeface="Times New Roman" panose="02020603050405020304" pitchFamily="18" charset="0"/>
+              </a:rPr>
+              <a:t>#</a:t>
+            </a:r>
+          </a:p>
+          <a:p>
             <a:endParaRPr lang="en-IN" dirty="0"/>
           </a:p>
         </p:txBody>
@@ -8551,7 +11660,7 @@
     </p:spTree>
     <p:extLst>
       <p:ext uri="{BB962C8B-B14F-4D97-AF65-F5344CB8AC3E}">
-        <p14:creationId xmlns:p14="http://schemas.microsoft.com/office/powerpoint/2010/main" val="1666022349"/>
+        <p14:creationId xmlns:p14="http://schemas.microsoft.com/office/powerpoint/2010/main" val="1259981314"/>
       </p:ext>
     </p:extLst>
   </p:cSld>
@@ -8710,7 +11819,7 @@
           <a:p>
             <a:fld id="{E0460530-21AB-4667-8DDF-0CFD1A19A456}" type="slidenum">
               <a:rPr lang="en-IN" smtClean="0"/>
-              <a:t>22</a:t>
+              <a:t>23</a:t>
             </a:fld>
             <a:endParaRPr lang="en-IN"/>
           </a:p>
@@ -9331,7 +12440,7 @@
           <a:p>
             <a:r>
               <a:rPr lang="en-US" dirty="0"/>
-              <a:t>-We have been provided with an unique dataset which contains writings from 121 volunteers, by our mentors.</a:t>
+              <a:t>-We have an unique dataset which contains writings from 100 volunteers.</a:t>
             </a:r>
           </a:p>
         </p:txBody>
@@ -9442,7 +12551,7 @@
           </a:p>
           <a:p>
             <a:r>
-              <a:rPr lang="en-US"/>
+              <a:rPr lang="en-US" dirty="0"/>
               <a:t>#</a:t>
             </a:r>
             <a:endParaRPr lang="en-IN" dirty="0"/>
@@ -9537,7 +12646,7 @@
           <a:p>
             <a:r>
               <a:rPr lang="en-US" dirty="0"/>
-              <a:t># The original Dataset had 121 volunteers. </a:t>
+              <a:t># The original Dataset had 100 volunteers. </a:t>
             </a:r>
           </a:p>
           <a:p>
@@ -9737,7 +12846,7 @@
           <a:p>
             <a:r>
               <a:rPr lang="en-US" dirty="0"/>
-              <a:t># The segmented images were then organized into folders in the following way.</a:t>
+              <a:t># The segmented images were then organized in the following way.</a:t>
             </a:r>
           </a:p>
           <a:p>
@@ -9760,13 +12869,13 @@
           <a:p>
             <a:r>
               <a:rPr lang="en-US" dirty="0"/>
-              <a:t># Every folder has data for a pair of authors. </a:t>
+              <a:t># Every folder has data for an authors. There is also data for another author that will be used for verification with the current author.</a:t>
             </a:r>
           </a:p>
           <a:p>
             <a:r>
               <a:rPr lang="en-US" dirty="0"/>
-              <a:t># There are five sets of data for each of the author pairs.</a:t>
+              <a:t># There are five sets of data for each of the author.</a:t>
             </a:r>
           </a:p>
           <a:p>
@@ -9790,13 +12899,7 @@
           <a:p>
             <a:r>
               <a:rPr lang="en-US" dirty="0"/>
-              <a:t># There are five data sets in total.</a:t>
-            </a:r>
-          </a:p>
-          <a:p>
-            <a:r>
-              <a:rPr lang="en-US" dirty="0"/>
-              <a:t>#</a:t>
+              <a:t># Since we aim to attempt inter-language verification, we will also add the language code to the obtained CSV file from the feature matrix corresponding to a author. #</a:t>
             </a:r>
           </a:p>
           <a:p>
@@ -10082,6 +13185,60 @@
               <a:t># It has 92.7% accuracy on top 5 accuracy tests with the </a:t>
             </a:r>
             <a:r>
+              <a:rPr lang="en-IN" sz="2800" b="0" i="0" u="none" dirty="0">
+                <a:solidFill>
+                  <a:schemeClr val="tx1"/>
+                </a:solidFill>
+                <a:effectLst/>
+                <a:latin typeface="Helvetica" panose="020B0604020202020204" pitchFamily="34" charset="0"/>
+                <a:hlinkClick r:id="rId3">
+                  <a:extLst>
+                    <a:ext uri="{A12FA001-AC4F-418D-AE19-62706E023703}">
+                      <ahyp:hlinkClr xmlns:ahyp="http://schemas.microsoft.com/office/drawing/2018/hyperlinkcolor" val="tx"/>
+                    </a:ext>
+                  </a:extLst>
+                </a:hlinkClick>
+              </a:rPr>
+              <a:t>ImageNet Large Scale Visual Recognition Challenge (ILSVRC</a:t>
+            </a:r>
+            <a:r>
+              <a:rPr lang="en-IN" sz="2800" b="0" i="0" u="none" dirty="0">
+                <a:solidFill>
+                  <a:srgbClr val="0563C1"/>
+                </a:solidFill>
+                <a:effectLst/>
+                <a:latin typeface="Helvetica" panose="020B0604020202020204" pitchFamily="34" charset="0"/>
+                <a:hlinkClick r:id="rId3">
+                  <a:extLst>
+                    <a:ext uri="{A12FA001-AC4F-418D-AE19-62706E023703}">
+                      <ahyp:hlinkClr xmlns:ahyp="http://schemas.microsoft.com/office/drawing/2018/hyperlinkcolor" val="tx"/>
+                    </a:ext>
+                  </a:extLst>
+                </a:hlinkClick>
+              </a:rPr>
+              <a:t>)</a:t>
+            </a:r>
+            <a:r>
+              <a:rPr lang="en-IN" sz="2800" b="0" i="0" u="none" dirty="0">
+                <a:solidFill>
+                  <a:srgbClr val="333333"/>
+                </a:solidFill>
+                <a:effectLst/>
+                <a:latin typeface="Helvetica" panose="020B0604020202020204" pitchFamily="34" charset="0"/>
+              </a:rPr>
+              <a:t> </a:t>
+            </a:r>
+            <a:r>
+              <a:rPr lang="en-IN" sz="1800" b="0" i="0" u="none" dirty="0">
+                <a:solidFill>
+                  <a:srgbClr val="333333"/>
+                </a:solidFill>
+                <a:effectLst/>
+                <a:latin typeface="Times New Roman" panose="02020603050405020304" pitchFamily="18" charset="0"/>
+              </a:rPr>
+              <a:t>subset of </a:t>
+            </a:r>
+            <a:r>
               <a:rPr lang="en-IN" sz="1800" dirty="0" err="1">
                 <a:effectLst/>
                 <a:latin typeface="Times New Roman" panose="02020603050405020304" pitchFamily="18" charset="0"/>
@@ -10095,7 +13252,32 @@
                 <a:latin typeface="Times New Roman" panose="02020603050405020304" pitchFamily="18" charset="0"/>
                 <a:ea typeface="Times New Roman" panose="02020603050405020304" pitchFamily="18" charset="0"/>
               </a:rPr>
-              <a:t> database</a:t>
+              <a:t> database, which contains </a:t>
+            </a:r>
+            <a:r>
+              <a:rPr lang="en-IN" sz="2800" b="0" i="0" dirty="0">
+                <a:solidFill>
+                  <a:srgbClr val="666666"/>
+                </a:solidFill>
+                <a:effectLst/>
+                <a:latin typeface="Helvetica" panose="020B0604020202020204" pitchFamily="34" charset="0"/>
+              </a:rPr>
+              <a:t>150,000 images and </a:t>
+            </a:r>
+            <a:r>
+              <a:rPr lang="en-IN" sz="2800" b="0" i="0" dirty="0">
+                <a:effectLst/>
+                <a:latin typeface="Inter"/>
+              </a:rPr>
+              <a:t>1000 object categories</a:t>
+            </a:r>
+            <a:r>
+              <a:rPr lang="en-IN" sz="1800" dirty="0">
+                <a:effectLst/>
+                <a:latin typeface="Times New Roman" panose="02020603050405020304" pitchFamily="18" charset="0"/>
+                <a:ea typeface="Times New Roman" panose="02020603050405020304" pitchFamily="18" charset="0"/>
+              </a:rPr>
+              <a:t>.</a:t>
             </a:r>
           </a:p>
           <a:p>
@@ -10105,7 +13287,7 @@
             </a:r>
             <a:r>
               <a:rPr lang="en-IN" sz="4000" dirty="0"/>
-              <a:t>ImageNet Large Scale Visual Recognition Challenge</a:t>
+              <a:t>ImageNet Large Scale Visual Recognition Challenge, that is ILSVRC 2014</a:t>
             </a:r>
             <a:r>
               <a:rPr lang="en-US" sz="2800" dirty="0"/>
@@ -10262,121 +13444,6 @@
           <a:bodyPr/>
           <a:lstStyle/>
           <a:p>
-            <a:r>
-              <a:rPr lang="en-US" dirty="0"/>
-              <a:t>Now, while VGG16 is highly accurate and hence very popular for image recognition, it has a couple of unfortunate drawbacks.</a:t>
-            </a:r>
-          </a:p>
-          <a:p>
-            <a:pPr marL="0" marR="0" lvl="0" indent="0" algn="l" defTabSz="914400" rtl="0" eaLnBrk="1" fontAlgn="auto" latinLnBrk="0" hangingPunct="1">
-              <a:lnSpc>
-                <a:spcPct val="100000"/>
-              </a:lnSpc>
-              <a:spcBef>
-                <a:spcPts val="0"/>
-              </a:spcBef>
-              <a:spcAft>
-                <a:spcPts val="0"/>
-              </a:spcAft>
-              <a:buClrTx/>
-              <a:buSzTx/>
-              <a:buFontTx/>
-              <a:buNone/>
-              <a:tabLst/>
-              <a:defRPr/>
-            </a:pPr>
-            <a:r>
-              <a:rPr lang="en-US" dirty="0"/>
-              <a:t># </a:t>
-            </a:r>
-            <a:r>
-              <a:rPr lang="en-IN" sz="1800" dirty="0">
-                <a:effectLst/>
-                <a:latin typeface="Times New Roman" panose="02020603050405020304" pitchFamily="18" charset="0"/>
-                <a:ea typeface="Times New Roman" panose="02020603050405020304" pitchFamily="18" charset="0"/>
-              </a:rPr>
-              <a:t>The model is very slow to train. The original VGG model was trained for 2 to 3 weeks on an NVidia Titan GPU.</a:t>
-            </a:r>
-          </a:p>
-          <a:p>
-            <a:pPr marL="0" marR="0" lvl="0" indent="0" algn="l" defTabSz="914400" rtl="0" eaLnBrk="1" fontAlgn="auto" latinLnBrk="0" hangingPunct="1">
-              <a:lnSpc>
-                <a:spcPct val="100000"/>
-              </a:lnSpc>
-              <a:spcBef>
-                <a:spcPts val="0"/>
-              </a:spcBef>
-              <a:spcAft>
-                <a:spcPts val="0"/>
-              </a:spcAft>
-              <a:buClrTx/>
-              <a:buSzTx/>
-              <a:buFontTx/>
-              <a:buNone/>
-              <a:tabLst/>
-              <a:defRPr/>
-            </a:pPr>
-            <a:r>
-              <a:rPr lang="en-IN" sz="1800" dirty="0">
-                <a:effectLst/>
-                <a:latin typeface="Times New Roman" panose="02020603050405020304" pitchFamily="18" charset="0"/>
-                <a:ea typeface="Times New Roman" panose="02020603050405020304" pitchFamily="18" charset="0"/>
-              </a:rPr>
-              <a:t># The model also has very big weights. The size of VGG16 trained ImageNet weights is five hundred and twenty eight MB. So, it takes quite a lot of disk space and bandwidth that makes it inefficient with respect to space.</a:t>
-            </a:r>
-          </a:p>
-          <a:p>
-            <a:pPr marL="0" marR="0" lvl="0" indent="0" algn="l" defTabSz="914400" rtl="0" eaLnBrk="1" fontAlgn="auto" latinLnBrk="0" hangingPunct="1">
-              <a:lnSpc>
-                <a:spcPct val="100000"/>
-              </a:lnSpc>
-              <a:spcBef>
-                <a:spcPts val="0"/>
-              </a:spcBef>
-              <a:spcAft>
-                <a:spcPts val="0"/>
-              </a:spcAft>
-              <a:buClrTx/>
-              <a:buSzTx/>
-              <a:buFontTx/>
-              <a:buNone/>
-              <a:tabLst/>
-              <a:defRPr/>
-            </a:pPr>
-            <a:r>
-              <a:rPr lang="en-IN" sz="1800" dirty="0">
-                <a:effectLst/>
-                <a:latin typeface="Times New Roman" panose="02020603050405020304" pitchFamily="18" charset="0"/>
-                <a:ea typeface="Times New Roman" panose="02020603050405020304" pitchFamily="18" charset="0"/>
-              </a:rPr>
-              <a:t>#</a:t>
-            </a:r>
-          </a:p>
-          <a:p>
-            <a:pPr marL="0" marR="0" lvl="0" indent="0" algn="l" defTabSz="914400" rtl="0" eaLnBrk="1" fontAlgn="auto" latinLnBrk="0" hangingPunct="1">
-              <a:lnSpc>
-                <a:spcPct val="100000"/>
-              </a:lnSpc>
-              <a:spcBef>
-                <a:spcPts val="0"/>
-              </a:spcBef>
-              <a:spcAft>
-                <a:spcPts val="0"/>
-              </a:spcAft>
-              <a:buClrTx/>
-              <a:buSzTx/>
-              <a:buFontTx/>
-              <a:buNone/>
-              <a:tabLst/>
-              <a:defRPr/>
-            </a:pPr>
-            <a:endParaRPr lang="en-IN" sz="1800" dirty="0">
-              <a:effectLst/>
-              <a:latin typeface="Times New Roman" panose="02020603050405020304" pitchFamily="18" charset="0"/>
-              <a:ea typeface="Times New Roman" panose="02020603050405020304" pitchFamily="18" charset="0"/>
-            </a:endParaRPr>
-          </a:p>
-          <a:p>
             <a:endParaRPr lang="en-IN" dirty="0"/>
           </a:p>
         </p:txBody>
@@ -10407,7 +13474,7 @@
     </p:spTree>
     <p:extLst>
       <p:ext uri="{BB962C8B-B14F-4D97-AF65-F5344CB8AC3E}">
-        <p14:creationId xmlns:p14="http://schemas.microsoft.com/office/powerpoint/2010/main" val="654931584"/>
+        <p14:creationId xmlns:p14="http://schemas.microsoft.com/office/powerpoint/2010/main" val="1356186986"/>
       </p:ext>
     </p:extLst>
   </p:cSld>
@@ -13865,7 +16932,7 @@
                 <a:latin typeface="Frank Ruhl Libre" panose="00000500000000000000" pitchFamily="2" charset="-79"/>
                 <a:cs typeface="Frank Ruhl Libre" panose="00000500000000000000" pitchFamily="2" charset="-79"/>
               </a:rPr>
-              <a:t>Unique Dataset with 121 volunteers</a:t>
+              <a:t>Unique Dataset with 100 volunteers</a:t>
             </a:r>
           </a:p>
           <a:p>
@@ -14282,7 +17349,7 @@
                 <a:latin typeface="Frank Ruhl Libre" panose="00000500000000000000" pitchFamily="2" charset="-79"/>
                 <a:cs typeface="Frank Ruhl Libre" panose="00000500000000000000" pitchFamily="2" charset="-79"/>
               </a:rPr>
-              <a:t>121 volunteers</a:t>
+              <a:t>100 volunteers</a:t>
             </a:r>
           </a:p>
           <a:p>
@@ -14694,7 +17761,7 @@
         </p:spPr>
         <p:txBody>
           <a:bodyPr>
-            <a:normAutofit fontScale="92500" lnSpcReduction="20000"/>
+            <a:normAutofit fontScale="85000" lnSpcReduction="20000"/>
           </a:bodyPr>
           <a:lstStyle/>
           <a:p>
@@ -14721,7 +17788,7 @@
                 <a:latin typeface="Frank Ruhl Libre" panose="00000500000000000000" pitchFamily="2" charset="-79"/>
                 <a:cs typeface="Frank Ruhl Libre" panose="00000500000000000000" pitchFamily="2" charset="-79"/>
               </a:rPr>
-              <a:t>Folder </a:t>
+              <a:t>Data Set </a:t>
             </a:r>
             <a:r>
               <a:rPr lang="en-IN" b="1" dirty="0">
@@ -14746,7 +17813,7 @@
                 <a:latin typeface="Frank Ruhl Libre" panose="00000500000000000000" pitchFamily="2" charset="-79"/>
                 <a:cs typeface="Frank Ruhl Libre" panose="00000500000000000000" pitchFamily="2" charset="-79"/>
               </a:rPr>
-              <a:t>Each Dataset has 20 Folders</a:t>
+              <a:t>Each Dataset has 20 Subsets</a:t>
             </a:r>
           </a:p>
           <a:p>
@@ -14755,7 +17822,7 @@
                 <a:latin typeface="Frank Ruhl Libre" panose="00000500000000000000" pitchFamily="2" charset="-79"/>
                 <a:cs typeface="Frank Ruhl Libre" panose="00000500000000000000" pitchFamily="2" charset="-79"/>
               </a:rPr>
-              <a:t>Every Folder has Data for 2 Authors</a:t>
+              <a:t>Every Subset has Data for one Author; Another author for verification</a:t>
             </a:r>
           </a:p>
           <a:p>
@@ -14764,7 +17831,7 @@
                 <a:latin typeface="Frank Ruhl Libre" panose="00000500000000000000" pitchFamily="2" charset="-79"/>
                 <a:cs typeface="Frank Ruhl Libre" panose="00000500000000000000" pitchFamily="2" charset="-79"/>
               </a:rPr>
-              <a:t>5 Sets of Data for Each Author Pair</a:t>
+              <a:t>5 Sets of Data for Each Author</a:t>
             </a:r>
           </a:p>
           <a:p>
@@ -14800,7 +17867,7 @@
                 <a:latin typeface="Frank Ruhl Libre" panose="00000500000000000000" pitchFamily="2" charset="-79"/>
                 <a:cs typeface="Frank Ruhl Libre" panose="00000500000000000000" pitchFamily="2" charset="-79"/>
               </a:rPr>
-              <a:t>5 Data Sets in Total</a:t>
+              <a:t>&lt;Language code&gt; will be added to the stored feature matrix</a:t>
             </a:r>
           </a:p>
           <a:p>
@@ -15668,7 +18735,7 @@
                 <a:latin typeface="Frank Ruhl Libre" panose="00000500000000000000" pitchFamily="2" charset="-79"/>
                 <a:cs typeface="Frank Ruhl Libre" panose="00000500000000000000" pitchFamily="2" charset="-79"/>
               </a:rPr>
-              <a:t>92.7% accuracy with the ImageNet Database</a:t>
+              <a:t>92.7% accuracy with the ILSVRC subset of ImageNet Database</a:t>
             </a:r>
           </a:p>
           <a:p>
@@ -16203,6 +19270,118 @@
           <p:cNvPr id="2" name="Title 1">
             <a:extLst>
               <a:ext uri="{FF2B5EF4-FFF2-40B4-BE49-F238E27FC236}">
+                <a16:creationId xmlns:a16="http://schemas.microsoft.com/office/drawing/2014/main" id="{C325C40A-6E0E-49D1-8B2A-DB9902815EC7}"/>
+              </a:ext>
+            </a:extLst>
+          </p:cNvPr>
+          <p:cNvSpPr>
+            <a:spLocks noGrp="1"/>
+          </p:cNvSpPr>
+          <p:nvPr>
+            <p:ph type="title"/>
+          </p:nvPr>
+        </p:nvSpPr>
+        <p:spPr/>
+        <p:txBody>
+          <a:bodyPr/>
+          <a:lstStyle/>
+          <a:p>
+            <a:r>
+              <a:rPr lang="en-IN" dirty="0">
+                <a:latin typeface="Garamond" panose="02020404030301010803" pitchFamily="18" charset="0"/>
+              </a:rPr>
+              <a:t>Benefits of VGG16</a:t>
+            </a:r>
+          </a:p>
+        </p:txBody>
+      </p:sp>
+      <p:sp>
+        <p:nvSpPr>
+          <p:cNvPr id="3" name="Content Placeholder 2">
+            <a:extLst>
+              <a:ext uri="{FF2B5EF4-FFF2-40B4-BE49-F238E27FC236}">
+                <a16:creationId xmlns:a16="http://schemas.microsoft.com/office/drawing/2014/main" id="{016608B8-DD35-4D60-B8AC-7347CB7F42CF}"/>
+              </a:ext>
+            </a:extLst>
+          </p:cNvPr>
+          <p:cNvSpPr>
+            <a:spLocks noGrp="1"/>
+          </p:cNvSpPr>
+          <p:nvPr>
+            <p:ph idx="1"/>
+          </p:nvPr>
+        </p:nvSpPr>
+        <p:spPr/>
+        <p:txBody>
+          <a:bodyPr/>
+          <a:lstStyle/>
+          <a:p>
+            <a:r>
+              <a:rPr lang="en-IN" dirty="0">
+                <a:latin typeface="Frank Ruhl Libre" panose="00000500000000000000" pitchFamily="2" charset="-79"/>
+                <a:cs typeface="Frank Ruhl Libre" panose="00000500000000000000" pitchFamily="2" charset="-79"/>
+              </a:rPr>
+              <a:t>Very accurate</a:t>
+            </a:r>
+          </a:p>
+          <a:p>
+            <a:r>
+              <a:rPr lang="en-IN" dirty="0">
+                <a:latin typeface="Frank Ruhl Libre" panose="00000500000000000000" pitchFamily="2" charset="-79"/>
+                <a:cs typeface="Frank Ruhl Libre" panose="00000500000000000000" pitchFamily="2" charset="-79"/>
+              </a:rPr>
+              <a:t>Simple and Uniform</a:t>
+            </a:r>
+          </a:p>
+          <a:p>
+            <a:r>
+              <a:rPr lang="en-IN" dirty="0">
+                <a:latin typeface="Frank Ruhl Libre" panose="00000500000000000000" pitchFamily="2" charset="-79"/>
+                <a:cs typeface="Frank Ruhl Libre" panose="00000500000000000000" pitchFamily="2" charset="-79"/>
+              </a:rPr>
+              <a:t>Popular </a:t>
+            </a:r>
+          </a:p>
+          <a:p>
+            <a:endParaRPr lang="en-IN" dirty="0"/>
+          </a:p>
+        </p:txBody>
+      </p:sp>
+    </p:spTree>
+    <p:extLst>
+      <p:ext uri="{BB962C8B-B14F-4D97-AF65-F5344CB8AC3E}">
+        <p14:creationId xmlns:p14="http://schemas.microsoft.com/office/powerpoint/2010/main" val="1962225173"/>
+      </p:ext>
+    </p:extLst>
+  </p:cSld>
+  <p:clrMapOvr>
+    <a:masterClrMapping/>
+  </p:clrMapOvr>
+</p:sld>
+</file>
+
+<file path=ppt/slides/slide17.xml><?xml version="1.0" encoding="utf-8"?>
+<p:sld xmlns:a="http://schemas.openxmlformats.org/drawingml/2006/main" xmlns:r="http://schemas.openxmlformats.org/officeDocument/2006/relationships" xmlns:p="http://schemas.openxmlformats.org/presentationml/2006/main">
+  <p:cSld>
+    <p:spTree>
+      <p:nvGrpSpPr>
+        <p:cNvPr id="1" name=""/>
+        <p:cNvGrpSpPr/>
+        <p:nvPr/>
+      </p:nvGrpSpPr>
+      <p:grpSpPr>
+        <a:xfrm>
+          <a:off x="0" y="0"/>
+          <a:ext cx="0" cy="0"/>
+          <a:chOff x="0" y="0"/>
+          <a:chExt cx="0" cy="0"/>
+        </a:xfrm>
+      </p:grpSpPr>
+      <p:sp>
+        <p:nvSpPr>
+          <p:cNvPr id="2" name="Title 1">
+            <a:extLst>
+              <a:ext uri="{FF2B5EF4-FFF2-40B4-BE49-F238E27FC236}">
                 <a16:creationId xmlns:a16="http://schemas.microsoft.com/office/drawing/2014/main" id="{412A804F-D373-469B-BF0E-330FEF49775D}"/>
               </a:ext>
             </a:extLst>
@@ -16419,7 +19598,7 @@
 </p:sld>
 </file>
 
-<file path=ppt/slides/slide17.xml><?xml version="1.0" encoding="utf-8"?>
+<file path=ppt/slides/slide18.xml><?xml version="1.0" encoding="utf-8"?>
 <p:sld xmlns:a="http://schemas.openxmlformats.org/drawingml/2006/main" xmlns:r="http://schemas.openxmlformats.org/officeDocument/2006/relationships" xmlns:p="http://schemas.openxmlformats.org/presentationml/2006/main">
   <p:cSld>
     <p:spTree>
@@ -16516,265 +19695,6 @@
   <p:clrMapOvr>
     <a:masterClrMapping/>
   </p:clrMapOvr>
-</p:sld>
-</file>
-
-<file path=ppt/slides/slide18.xml><?xml version="1.0" encoding="utf-8"?>
-<p:sld xmlns:a="http://schemas.openxmlformats.org/drawingml/2006/main" xmlns:r="http://schemas.openxmlformats.org/officeDocument/2006/relationships" xmlns:p="http://schemas.openxmlformats.org/presentationml/2006/main">
-  <p:cSld>
-    <p:spTree>
-      <p:nvGrpSpPr>
-        <p:cNvPr id="1" name=""/>
-        <p:cNvGrpSpPr/>
-        <p:nvPr/>
-      </p:nvGrpSpPr>
-      <p:grpSpPr>
-        <a:xfrm>
-          <a:off x="0" y="0"/>
-          <a:ext cx="0" cy="0"/>
-          <a:chOff x="0" y="0"/>
-          <a:chExt cx="0" cy="0"/>
-        </a:xfrm>
-      </p:grpSpPr>
-      <p:sp>
-        <p:nvSpPr>
-          <p:cNvPr id="2" name="Title 1">
-            <a:extLst>
-              <a:ext uri="{FF2B5EF4-FFF2-40B4-BE49-F238E27FC236}">
-                <a16:creationId xmlns:a16="http://schemas.microsoft.com/office/drawing/2014/main" id="{CE51A40E-D0D7-4759-8855-FADCCCD95BC4}"/>
-              </a:ext>
-            </a:extLst>
-          </p:cNvPr>
-          <p:cNvSpPr>
-            <a:spLocks noGrp="1"/>
-          </p:cNvSpPr>
-          <p:nvPr>
-            <p:ph type="title"/>
-          </p:nvPr>
-        </p:nvSpPr>
-        <p:spPr>
-          <a:xfrm>
-            <a:off x="838200" y="216844"/>
-            <a:ext cx="10515600" cy="1325563"/>
-          </a:xfrm>
-        </p:spPr>
-        <p:txBody>
-          <a:bodyPr/>
-          <a:lstStyle/>
-          <a:p>
-            <a:r>
-              <a:rPr lang="en-IN" dirty="0">
-                <a:latin typeface="Garamond" panose="02020404030301010803" pitchFamily="18" charset="0"/>
-              </a:rPr>
-              <a:t>Architecture of VGG16 Model</a:t>
-            </a:r>
-            <a:endParaRPr lang="en-IN" dirty="0"/>
-          </a:p>
-        </p:txBody>
-      </p:sp>
-      <p:pic>
-        <p:nvPicPr>
-          <p:cNvPr id="1026" name="Picture 2" descr="vgg16">
-            <a:extLst>
-              <a:ext uri="{FF2B5EF4-FFF2-40B4-BE49-F238E27FC236}">
-                <a16:creationId xmlns:a16="http://schemas.microsoft.com/office/drawing/2014/main" id="{D0B9762A-1318-40FE-A2A3-0CDFED3799FE}"/>
-              </a:ext>
-            </a:extLst>
-          </p:cNvPr>
-          <p:cNvPicPr>
-            <a:picLocks noGrp="1" noChangeAspect="1" noChangeArrowheads="1"/>
-          </p:cNvPicPr>
-          <p:nvPr>
-            <p:ph idx="1"/>
-          </p:nvPr>
-        </p:nvPicPr>
-        <p:blipFill>
-          <a:blip r:embed="rId3">
-            <a:extLst>
-              <a:ext uri="{28A0092B-C50C-407E-A947-70E740481C1C}">
-                <a14:useLocalDpi xmlns:a14="http://schemas.microsoft.com/office/drawing/2010/main" val="0"/>
-              </a:ext>
-            </a:extLst>
-          </a:blip>
-          <a:srcRect/>
-          <a:stretch>
-            <a:fillRect/>
-          </a:stretch>
-        </p:blipFill>
-        <p:spPr bwMode="auto">
-          <a:xfrm>
-            <a:off x="2233865" y="1393139"/>
-            <a:ext cx="7724268" cy="4351338"/>
-          </a:xfrm>
-          <a:prstGeom prst="rect">
-            <a:avLst/>
-          </a:prstGeom>
-          <a:noFill/>
-          <a:extLst>
-            <a:ext uri="{909E8E84-426E-40DD-AFC4-6F175D3DCCD1}">
-              <a14:hiddenFill xmlns:a14="http://schemas.microsoft.com/office/drawing/2010/main">
-                <a:solidFill>
-                  <a:srgbClr val="FFFFFF"/>
-                </a:solidFill>
-              </a14:hiddenFill>
-            </a:ext>
-          </a:extLst>
-        </p:spPr>
-      </p:pic>
-      <p:sp>
-        <p:nvSpPr>
-          <p:cNvPr id="3" name="TextBox 2">
-            <a:extLst>
-              <a:ext uri="{FF2B5EF4-FFF2-40B4-BE49-F238E27FC236}">
-                <a16:creationId xmlns:a16="http://schemas.microsoft.com/office/drawing/2014/main" id="{3E8FF3EE-B9BE-455D-9201-907E25A2BD29}"/>
-              </a:ext>
-            </a:extLst>
-          </p:cNvPr>
-          <p:cNvSpPr txBox="1"/>
-          <p:nvPr/>
-        </p:nvSpPr>
-        <p:spPr>
-          <a:xfrm>
-            <a:off x="4155498" y="5955957"/>
-            <a:ext cx="3881003" cy="400110"/>
-          </a:xfrm>
-          <a:prstGeom prst="rect">
-            <a:avLst/>
-          </a:prstGeom>
-          <a:noFill/>
-        </p:spPr>
-        <p:txBody>
-          <a:bodyPr wrap="square" rtlCol="0">
-            <a:spAutoFit/>
-          </a:bodyPr>
-          <a:lstStyle/>
-          <a:p>
-            <a:pPr algn="ctr"/>
-            <a:r>
-              <a:rPr lang="en-IN" sz="2000" i="1" dirty="0">
-                <a:latin typeface="Frank Ruhl Libre" panose="00000500000000000000" pitchFamily="2" charset="-79"/>
-                <a:cs typeface="Frank Ruhl Libre" panose="00000500000000000000" pitchFamily="2" charset="-79"/>
-              </a:rPr>
-              <a:t>Fig 2. Overview of VGG16 Model</a:t>
-            </a:r>
-          </a:p>
-        </p:txBody>
-      </p:sp>
-    </p:spTree>
-    <p:extLst>
-      <p:ext uri="{BB962C8B-B14F-4D97-AF65-F5344CB8AC3E}">
-        <p14:creationId xmlns:p14="http://schemas.microsoft.com/office/powerpoint/2010/main" val="3810235705"/>
-      </p:ext>
-    </p:extLst>
-  </p:cSld>
-  <p:clrMapOvr>
-    <a:masterClrMapping/>
-  </p:clrMapOvr>
-  <p:timing>
-    <p:tnLst>
-      <p:par>
-        <p:cTn id="1" dur="indefinite" restart="never" nodeType="tmRoot">
-          <p:childTnLst>
-            <p:seq concurrent="1" nextAc="seek">
-              <p:cTn id="2" dur="indefinite" nodeType="mainSeq">
-                <p:childTnLst>
-                  <p:par>
-                    <p:cTn id="3" fill="hold">
-                      <p:stCondLst>
-                        <p:cond delay="indefinite"/>
-                      </p:stCondLst>
-                      <p:childTnLst>
-                        <p:par>
-                          <p:cTn id="4" fill="hold">
-                            <p:stCondLst>
-                              <p:cond delay="0"/>
-                            </p:stCondLst>
-                            <p:childTnLst>
-                              <p:par>
-                                <p:cTn id="5" presetID="1" presetClass="entr" presetSubtype="0" fill="hold" nodeType="clickEffect">
-                                  <p:stCondLst>
-                                    <p:cond delay="0"/>
-                                  </p:stCondLst>
-                                  <p:childTnLst>
-                                    <p:set>
-                                      <p:cBhvr>
-                                        <p:cTn id="6" dur="1" fill="hold">
-                                          <p:stCondLst>
-                                            <p:cond delay="0"/>
-                                          </p:stCondLst>
-                                        </p:cTn>
-                                        <p:tgtEl>
-                                          <p:spTgt spid="1026"/>
-                                        </p:tgtEl>
-                                        <p:attrNameLst>
-                                          <p:attrName>style.visibility</p:attrName>
-                                        </p:attrNameLst>
-                                      </p:cBhvr>
-                                      <p:to>
-                                        <p:strVal val="visible"/>
-                                      </p:to>
-                                    </p:set>
-                                  </p:childTnLst>
-                                </p:cTn>
-                              </p:par>
-                              <p:par>
-                                <p:cTn id="7" presetID="1" presetClass="entr" presetSubtype="0" fill="hold" grpId="0" nodeType="withEffect">
-                                  <p:stCondLst>
-                                    <p:cond delay="0"/>
-                                  </p:stCondLst>
-                                  <p:childTnLst>
-                                    <p:set>
-                                      <p:cBhvr>
-                                        <p:cTn id="8" dur="1" fill="hold">
-                                          <p:stCondLst>
-                                            <p:cond delay="0"/>
-                                          </p:stCondLst>
-                                        </p:cTn>
-                                        <p:tgtEl>
-                                          <p:spTgt spid="3"/>
-                                        </p:tgtEl>
-                                        <p:attrNameLst>
-                                          <p:attrName>style.visibility</p:attrName>
-                                        </p:attrNameLst>
-                                      </p:cBhvr>
-                                      <p:to>
-                                        <p:strVal val="visible"/>
-                                      </p:to>
-                                    </p:set>
-                                  </p:childTnLst>
-                                </p:cTn>
-                              </p:par>
-                            </p:childTnLst>
-                          </p:cTn>
-                        </p:par>
-                      </p:childTnLst>
-                    </p:cTn>
-                  </p:par>
-                </p:childTnLst>
-              </p:cTn>
-              <p:prevCondLst>
-                <p:cond evt="onPrev" delay="0">
-                  <p:tgtEl>
-                    <p:sldTgt/>
-                  </p:tgtEl>
-                </p:cond>
-              </p:prevCondLst>
-              <p:nextCondLst>
-                <p:cond evt="onNext" delay="0">
-                  <p:tgtEl>
-                    <p:sldTgt/>
-                  </p:tgtEl>
-                </p:cond>
-              </p:nextCondLst>
-            </p:seq>
-          </p:childTnLst>
-        </p:cTn>
-      </p:par>
-    </p:tnLst>
-    <p:bldLst>
-      <p:bldP spid="3" grpId="0"/>
-    </p:bldLst>
-  </p:timing>
 </p:sld>
 </file>
 
@@ -18559,6 +21479,503 @@
           <p:cNvPr id="2" name="Title 1">
             <a:extLst>
               <a:ext uri="{FF2B5EF4-FFF2-40B4-BE49-F238E27FC236}">
+                <a16:creationId xmlns:a16="http://schemas.microsoft.com/office/drawing/2014/main" id="{F7258F8C-ABA3-4DD3-AA44-CB347DC3305E}"/>
+              </a:ext>
+            </a:extLst>
+          </p:cNvPr>
+          <p:cNvSpPr>
+            <a:spLocks noGrp="1"/>
+          </p:cNvSpPr>
+          <p:nvPr>
+            <p:ph type="title"/>
+          </p:nvPr>
+        </p:nvSpPr>
+        <p:spPr/>
+        <p:txBody>
+          <a:bodyPr/>
+          <a:lstStyle/>
+          <a:p>
+            <a:r>
+              <a:rPr lang="en-IN" dirty="0">
+                <a:latin typeface="Garamond" panose="02020404030301010803" pitchFamily="18" charset="0"/>
+              </a:rPr>
+              <a:t>Image Pre-processing</a:t>
+            </a:r>
+          </a:p>
+        </p:txBody>
+      </p:sp>
+      <p:graphicFrame>
+        <p:nvGraphicFramePr>
+          <p:cNvPr id="4" name="Content Placeholder 3">
+            <a:extLst>
+              <a:ext uri="{FF2B5EF4-FFF2-40B4-BE49-F238E27FC236}">
+                <a16:creationId xmlns:a16="http://schemas.microsoft.com/office/drawing/2014/main" id="{BEFD82BE-A453-4704-A02C-0E30EFC67745}"/>
+              </a:ext>
+            </a:extLst>
+          </p:cNvPr>
+          <p:cNvGraphicFramePr>
+            <a:graphicFrameLocks noGrp="1"/>
+          </p:cNvGraphicFramePr>
+          <p:nvPr>
+            <p:ph idx="1"/>
+            <p:extLst>
+              <p:ext uri="{D42A27DB-BD31-4B8C-83A1-F6EECF244321}">
+                <p14:modId xmlns:p14="http://schemas.microsoft.com/office/powerpoint/2010/main" val="2952024971"/>
+              </p:ext>
+            </p:extLst>
+          </p:nvPr>
+        </p:nvGraphicFramePr>
+        <p:xfrm>
+          <a:off x="838200" y="1429794"/>
+          <a:ext cx="10515600" cy="4351338"/>
+        </p:xfrm>
+        <a:graphic>
+          <a:graphicData uri="http://schemas.openxmlformats.org/drawingml/2006/diagram">
+            <dgm:relIds xmlns:dgm="http://schemas.openxmlformats.org/drawingml/2006/diagram" xmlns:r="http://schemas.openxmlformats.org/officeDocument/2006/relationships" r:dm="rId2" r:lo="rId3" r:qs="rId4" r:cs="rId5"/>
+          </a:graphicData>
+        </a:graphic>
+      </p:graphicFrame>
+    </p:spTree>
+    <p:extLst>
+      <p:ext uri="{BB962C8B-B14F-4D97-AF65-F5344CB8AC3E}">
+        <p14:creationId xmlns:p14="http://schemas.microsoft.com/office/powerpoint/2010/main" val="2469712927"/>
+      </p:ext>
+    </p:extLst>
+  </p:cSld>
+  <p:clrMapOvr>
+    <a:masterClrMapping/>
+  </p:clrMapOvr>
+  <p:timing>
+    <p:tnLst>
+      <p:par>
+        <p:cTn id="1" dur="indefinite" restart="never" nodeType="tmRoot">
+          <p:childTnLst>
+            <p:seq concurrent="1" nextAc="seek">
+              <p:cTn id="2" dur="indefinite" nodeType="mainSeq">
+                <p:childTnLst>
+                  <p:par>
+                    <p:cTn id="3" fill="hold">
+                      <p:stCondLst>
+                        <p:cond delay="indefinite"/>
+                      </p:stCondLst>
+                      <p:childTnLst>
+                        <p:par>
+                          <p:cTn id="4" fill="hold">
+                            <p:stCondLst>
+                              <p:cond delay="0"/>
+                            </p:stCondLst>
+                            <p:childTnLst>
+                              <p:par>
+                                <p:cTn id="5" presetID="1" presetClass="entr" presetSubtype="0" fill="hold" grpId="0" nodeType="clickEffect">
+                                  <p:stCondLst>
+                                    <p:cond delay="0"/>
+                                  </p:stCondLst>
+                                  <p:childTnLst>
+                                    <p:set>
+                                      <p:cBhvr>
+                                        <p:cTn id="6" dur="1" fill="hold">
+                                          <p:stCondLst>
+                                            <p:cond delay="0"/>
+                                          </p:stCondLst>
+                                        </p:cTn>
+                                        <p:tgtEl>
+                                          <p:spTgt spid="4">
+                                            <p:graphicEl>
+                                              <a:dgm id="{8D39F71D-70C2-41F3-A074-201A632FF019}"/>
+                                            </p:graphicEl>
+                                          </p:spTgt>
+                                        </p:tgtEl>
+                                        <p:attrNameLst>
+                                          <p:attrName>style.visibility</p:attrName>
+                                        </p:attrNameLst>
+                                      </p:cBhvr>
+                                      <p:to>
+                                        <p:strVal val="visible"/>
+                                      </p:to>
+                                    </p:set>
+                                  </p:childTnLst>
+                                </p:cTn>
+                              </p:par>
+                            </p:childTnLst>
+                          </p:cTn>
+                        </p:par>
+                      </p:childTnLst>
+                    </p:cTn>
+                  </p:par>
+                  <p:par>
+                    <p:cTn id="7" fill="hold">
+                      <p:stCondLst>
+                        <p:cond delay="indefinite"/>
+                      </p:stCondLst>
+                      <p:childTnLst>
+                        <p:par>
+                          <p:cTn id="8" fill="hold">
+                            <p:stCondLst>
+                              <p:cond delay="0"/>
+                            </p:stCondLst>
+                            <p:childTnLst>
+                              <p:par>
+                                <p:cTn id="9" presetID="1" presetClass="entr" presetSubtype="0" fill="hold" grpId="0" nodeType="clickEffect">
+                                  <p:stCondLst>
+                                    <p:cond delay="0"/>
+                                  </p:stCondLst>
+                                  <p:childTnLst>
+                                    <p:set>
+                                      <p:cBhvr>
+                                        <p:cTn id="10" dur="1" fill="hold">
+                                          <p:stCondLst>
+                                            <p:cond delay="0"/>
+                                          </p:stCondLst>
+                                        </p:cTn>
+                                        <p:tgtEl>
+                                          <p:spTgt spid="4">
+                                            <p:graphicEl>
+                                              <a:dgm id="{83CD4C3B-2D52-477D-9FAC-7CFCB8C2668B}"/>
+                                            </p:graphicEl>
+                                          </p:spTgt>
+                                        </p:tgtEl>
+                                        <p:attrNameLst>
+                                          <p:attrName>style.visibility</p:attrName>
+                                        </p:attrNameLst>
+                                      </p:cBhvr>
+                                      <p:to>
+                                        <p:strVal val="visible"/>
+                                      </p:to>
+                                    </p:set>
+                                  </p:childTnLst>
+                                </p:cTn>
+                              </p:par>
+                              <p:par>
+                                <p:cTn id="11" presetID="1" presetClass="entr" presetSubtype="0" fill="hold" grpId="0" nodeType="withEffect">
+                                  <p:stCondLst>
+                                    <p:cond delay="0"/>
+                                  </p:stCondLst>
+                                  <p:childTnLst>
+                                    <p:set>
+                                      <p:cBhvr>
+                                        <p:cTn id="12" dur="1" fill="hold">
+                                          <p:stCondLst>
+                                            <p:cond delay="0"/>
+                                          </p:stCondLst>
+                                        </p:cTn>
+                                        <p:tgtEl>
+                                          <p:spTgt spid="4">
+                                            <p:graphicEl>
+                                              <a:dgm id="{93639E22-A88A-4BC9-99C1-36A9D9F960B5}"/>
+                                            </p:graphicEl>
+                                          </p:spTgt>
+                                        </p:tgtEl>
+                                        <p:attrNameLst>
+                                          <p:attrName>style.visibility</p:attrName>
+                                        </p:attrNameLst>
+                                      </p:cBhvr>
+                                      <p:to>
+                                        <p:strVal val="visible"/>
+                                      </p:to>
+                                    </p:set>
+                                  </p:childTnLst>
+                                </p:cTn>
+                              </p:par>
+                            </p:childTnLst>
+                          </p:cTn>
+                        </p:par>
+                      </p:childTnLst>
+                    </p:cTn>
+                  </p:par>
+                  <p:par>
+                    <p:cTn id="13" fill="hold">
+                      <p:stCondLst>
+                        <p:cond delay="indefinite"/>
+                      </p:stCondLst>
+                      <p:childTnLst>
+                        <p:par>
+                          <p:cTn id="14" fill="hold">
+                            <p:stCondLst>
+                              <p:cond delay="0"/>
+                            </p:stCondLst>
+                            <p:childTnLst>
+                              <p:par>
+                                <p:cTn id="15" presetID="1" presetClass="entr" presetSubtype="0" fill="hold" grpId="0" nodeType="clickEffect">
+                                  <p:stCondLst>
+                                    <p:cond delay="0"/>
+                                  </p:stCondLst>
+                                  <p:childTnLst>
+                                    <p:set>
+                                      <p:cBhvr>
+                                        <p:cTn id="16" dur="1" fill="hold">
+                                          <p:stCondLst>
+                                            <p:cond delay="0"/>
+                                          </p:stCondLst>
+                                        </p:cTn>
+                                        <p:tgtEl>
+                                          <p:spTgt spid="4">
+                                            <p:graphicEl>
+                                              <a:dgm id="{AFB16C15-36BC-49F3-9E0C-816E5F0E95D1}"/>
+                                            </p:graphicEl>
+                                          </p:spTgt>
+                                        </p:tgtEl>
+                                        <p:attrNameLst>
+                                          <p:attrName>style.visibility</p:attrName>
+                                        </p:attrNameLst>
+                                      </p:cBhvr>
+                                      <p:to>
+                                        <p:strVal val="visible"/>
+                                      </p:to>
+                                    </p:set>
+                                  </p:childTnLst>
+                                </p:cTn>
+                              </p:par>
+                              <p:par>
+                                <p:cTn id="17" presetID="1" presetClass="entr" presetSubtype="0" fill="hold" grpId="0" nodeType="withEffect">
+                                  <p:stCondLst>
+                                    <p:cond delay="0"/>
+                                  </p:stCondLst>
+                                  <p:childTnLst>
+                                    <p:set>
+                                      <p:cBhvr>
+                                        <p:cTn id="18" dur="1" fill="hold">
+                                          <p:stCondLst>
+                                            <p:cond delay="0"/>
+                                          </p:stCondLst>
+                                        </p:cTn>
+                                        <p:tgtEl>
+                                          <p:spTgt spid="4">
+                                            <p:graphicEl>
+                                              <a:dgm id="{8B400A85-D0D8-45AE-A4C2-F6D3E2AACFB4}"/>
+                                            </p:graphicEl>
+                                          </p:spTgt>
+                                        </p:tgtEl>
+                                        <p:attrNameLst>
+                                          <p:attrName>style.visibility</p:attrName>
+                                        </p:attrNameLst>
+                                      </p:cBhvr>
+                                      <p:to>
+                                        <p:strVal val="visible"/>
+                                      </p:to>
+                                    </p:set>
+                                  </p:childTnLst>
+                                </p:cTn>
+                              </p:par>
+                            </p:childTnLst>
+                          </p:cTn>
+                        </p:par>
+                      </p:childTnLst>
+                    </p:cTn>
+                  </p:par>
+                  <p:par>
+                    <p:cTn id="19" fill="hold">
+                      <p:stCondLst>
+                        <p:cond delay="indefinite"/>
+                      </p:stCondLst>
+                      <p:childTnLst>
+                        <p:par>
+                          <p:cTn id="20" fill="hold">
+                            <p:stCondLst>
+                              <p:cond delay="0"/>
+                            </p:stCondLst>
+                            <p:childTnLst>
+                              <p:par>
+                                <p:cTn id="21" presetID="1" presetClass="entr" presetSubtype="0" fill="hold" grpId="0" nodeType="clickEffect">
+                                  <p:stCondLst>
+                                    <p:cond delay="0"/>
+                                  </p:stCondLst>
+                                  <p:childTnLst>
+                                    <p:set>
+                                      <p:cBhvr>
+                                        <p:cTn id="22" dur="1" fill="hold">
+                                          <p:stCondLst>
+                                            <p:cond delay="0"/>
+                                          </p:stCondLst>
+                                        </p:cTn>
+                                        <p:tgtEl>
+                                          <p:spTgt spid="4">
+                                            <p:graphicEl>
+                                              <a:dgm id="{01E5DCC6-093E-4096-8DC3-325AF9829412}"/>
+                                            </p:graphicEl>
+                                          </p:spTgt>
+                                        </p:tgtEl>
+                                        <p:attrNameLst>
+                                          <p:attrName>style.visibility</p:attrName>
+                                        </p:attrNameLst>
+                                      </p:cBhvr>
+                                      <p:to>
+                                        <p:strVal val="visible"/>
+                                      </p:to>
+                                    </p:set>
+                                  </p:childTnLst>
+                                </p:cTn>
+                              </p:par>
+                              <p:par>
+                                <p:cTn id="23" presetID="1" presetClass="entr" presetSubtype="0" fill="hold" grpId="0" nodeType="withEffect">
+                                  <p:stCondLst>
+                                    <p:cond delay="0"/>
+                                  </p:stCondLst>
+                                  <p:childTnLst>
+                                    <p:set>
+                                      <p:cBhvr>
+                                        <p:cTn id="24" dur="1" fill="hold">
+                                          <p:stCondLst>
+                                            <p:cond delay="0"/>
+                                          </p:stCondLst>
+                                        </p:cTn>
+                                        <p:tgtEl>
+                                          <p:spTgt spid="4">
+                                            <p:graphicEl>
+                                              <a:dgm id="{FBD43B6F-9D2F-48C8-BB26-D5ECE430BEA5}"/>
+                                            </p:graphicEl>
+                                          </p:spTgt>
+                                        </p:tgtEl>
+                                        <p:attrNameLst>
+                                          <p:attrName>style.visibility</p:attrName>
+                                        </p:attrNameLst>
+                                      </p:cBhvr>
+                                      <p:to>
+                                        <p:strVal val="visible"/>
+                                      </p:to>
+                                    </p:set>
+                                  </p:childTnLst>
+                                </p:cTn>
+                              </p:par>
+                            </p:childTnLst>
+                          </p:cTn>
+                        </p:par>
+                      </p:childTnLst>
+                    </p:cTn>
+                  </p:par>
+                  <p:par>
+                    <p:cTn id="25" fill="hold">
+                      <p:stCondLst>
+                        <p:cond delay="indefinite"/>
+                      </p:stCondLst>
+                      <p:childTnLst>
+                        <p:par>
+                          <p:cTn id="26" fill="hold">
+                            <p:stCondLst>
+                              <p:cond delay="0"/>
+                            </p:stCondLst>
+                            <p:childTnLst>
+                              <p:par>
+                                <p:cTn id="27" presetID="1" presetClass="entr" presetSubtype="0" fill="hold" grpId="0" nodeType="clickEffect">
+                                  <p:stCondLst>
+                                    <p:cond delay="0"/>
+                                  </p:stCondLst>
+                                  <p:childTnLst>
+                                    <p:set>
+                                      <p:cBhvr>
+                                        <p:cTn id="28" dur="1" fill="hold">
+                                          <p:stCondLst>
+                                            <p:cond delay="0"/>
+                                          </p:stCondLst>
+                                        </p:cTn>
+                                        <p:tgtEl>
+                                          <p:spTgt spid="4">
+                                            <p:graphicEl>
+                                              <a:dgm id="{8D308BC2-5FCD-4B99-B4A5-FD989C4E5ABA}"/>
+                                            </p:graphicEl>
+                                          </p:spTgt>
+                                        </p:tgtEl>
+                                        <p:attrNameLst>
+                                          <p:attrName>style.visibility</p:attrName>
+                                        </p:attrNameLst>
+                                      </p:cBhvr>
+                                      <p:to>
+                                        <p:strVal val="visible"/>
+                                      </p:to>
+                                    </p:set>
+                                  </p:childTnLst>
+                                </p:cTn>
+                              </p:par>
+                              <p:par>
+                                <p:cTn id="29" presetID="1" presetClass="entr" presetSubtype="0" fill="hold" grpId="0" nodeType="withEffect">
+                                  <p:stCondLst>
+                                    <p:cond delay="0"/>
+                                  </p:stCondLst>
+                                  <p:childTnLst>
+                                    <p:set>
+                                      <p:cBhvr>
+                                        <p:cTn id="30" dur="1" fill="hold">
+                                          <p:stCondLst>
+                                            <p:cond delay="0"/>
+                                          </p:stCondLst>
+                                        </p:cTn>
+                                        <p:tgtEl>
+                                          <p:spTgt spid="4">
+                                            <p:graphicEl>
+                                              <a:dgm id="{EB418920-7118-46EB-B44E-DEF18D07DB66}"/>
+                                            </p:graphicEl>
+                                          </p:spTgt>
+                                        </p:tgtEl>
+                                        <p:attrNameLst>
+                                          <p:attrName>style.visibility</p:attrName>
+                                        </p:attrNameLst>
+                                      </p:cBhvr>
+                                      <p:to>
+                                        <p:strVal val="visible"/>
+                                      </p:to>
+                                    </p:set>
+                                  </p:childTnLst>
+                                </p:cTn>
+                              </p:par>
+                            </p:childTnLst>
+                          </p:cTn>
+                        </p:par>
+                      </p:childTnLst>
+                    </p:cTn>
+                  </p:par>
+                </p:childTnLst>
+              </p:cTn>
+              <p:prevCondLst>
+                <p:cond evt="onPrev" delay="0">
+                  <p:tgtEl>
+                    <p:sldTgt/>
+                  </p:tgtEl>
+                </p:cond>
+              </p:prevCondLst>
+              <p:nextCondLst>
+                <p:cond evt="onNext" delay="0">
+                  <p:tgtEl>
+                    <p:sldTgt/>
+                  </p:tgtEl>
+                </p:cond>
+              </p:nextCondLst>
+            </p:seq>
+          </p:childTnLst>
+        </p:cTn>
+      </p:par>
+    </p:tnLst>
+    <p:bldLst>
+      <p:bldGraphic spid="4" grpId="0">
+        <p:bldSub>
+          <a:bldDgm bld="one"/>
+        </p:bldSub>
+      </p:bldGraphic>
+    </p:bldLst>
+  </p:timing>
+</p:sld>
+</file>
+
+<file path=ppt/slides/slide22.xml><?xml version="1.0" encoding="utf-8"?>
+<p:sld xmlns:a="http://schemas.openxmlformats.org/drawingml/2006/main" xmlns:r="http://schemas.openxmlformats.org/officeDocument/2006/relationships" xmlns:p="http://schemas.openxmlformats.org/presentationml/2006/main">
+  <p:cSld>
+    <p:spTree>
+      <p:nvGrpSpPr>
+        <p:cNvPr id="1" name=""/>
+        <p:cNvGrpSpPr/>
+        <p:nvPr/>
+      </p:nvGrpSpPr>
+      <p:grpSpPr>
+        <a:xfrm>
+          <a:off x="0" y="0"/>
+          <a:ext cx="0" cy="0"/>
+          <a:chOff x="0" y="0"/>
+          <a:chExt cx="0" cy="0"/>
+        </a:xfrm>
+      </p:grpSpPr>
+      <p:sp>
+        <p:nvSpPr>
+          <p:cNvPr id="2" name="Title 1">
+            <a:extLst>
+              <a:ext uri="{FF2B5EF4-FFF2-40B4-BE49-F238E27FC236}">
                 <a16:creationId xmlns:a16="http://schemas.microsoft.com/office/drawing/2014/main" id="{5A81B017-AA8B-472D-8B72-92C728D97214}"/>
               </a:ext>
             </a:extLst>
@@ -18646,6 +22063,15 @@
                 <a:cs typeface="Frank Ruhl Libre" panose="00000500000000000000" pitchFamily="2" charset="-79"/>
               </a:rPr>
               <a:t> </a:t>
+            </a:r>
+          </a:p>
+          <a:p>
+            <a:r>
+              <a:rPr lang="en-IN" dirty="0">
+                <a:latin typeface="Frank Ruhl Libre" panose="00000500000000000000" pitchFamily="2" charset="-79"/>
+                <a:cs typeface="Frank Ruhl Libre" panose="00000500000000000000" pitchFamily="2" charset="-79"/>
+              </a:rPr>
+              <a:t>Consolidated each author</a:t>
             </a:r>
           </a:p>
           <a:p>
@@ -18821,6 +22247,55 @@
                       </p:childTnLst>
                     </p:cTn>
                   </p:par>
+                  <p:par>
+                    <p:cTn id="15" fill="hold">
+                      <p:stCondLst>
+                        <p:cond delay="indefinite"/>
+                      </p:stCondLst>
+                      <p:childTnLst>
+                        <p:par>
+                          <p:cTn id="16" fill="hold">
+                            <p:stCondLst>
+                              <p:cond delay="0"/>
+                            </p:stCondLst>
+                            <p:childTnLst>
+                              <p:par>
+                                <p:cTn id="17" presetID="1" presetClass="entr" presetSubtype="0" fill="hold" nodeType="clickEffect">
+                                  <p:stCondLst>
+                                    <p:cond delay="0"/>
+                                  </p:stCondLst>
+                                  <p:childTnLst>
+                                    <p:set>
+                                      <p:cBhvr>
+                                        <p:cTn id="18" dur="1" fill="hold">
+                                          <p:stCondLst>
+                                            <p:cond delay="0"/>
+                                          </p:stCondLst>
+                                        </p:cTn>
+                                        <p:tgtEl>
+                                          <p:spTgt spid="3">
+                                            <p:txEl>
+                                              <p:pRg st="3" end="3"/>
+                                            </p:txEl>
+                                          </p:spTgt>
+                                        </p:tgtEl>
+                                        <p:attrNameLst>
+                                          <p:attrName>style.visibility</p:attrName>
+                                        </p:attrNameLst>
+                                      </p:cBhvr>
+                                      <p:to>
+                                        <p:strVal val="visible"/>
+                                      </p:to>
+                                    </p:set>
+                                  </p:childTnLst>
+                                </p:cTn>
+                              </p:par>
+                            </p:childTnLst>
+                          </p:cTn>
+                        </p:par>
+                      </p:childTnLst>
+                    </p:cTn>
+                  </p:par>
                 </p:childTnLst>
               </p:cTn>
               <p:prevCondLst>
@@ -18846,7 +22321,7 @@
 </p:sld>
 </file>
 
-<file path=ppt/slides/slide22.xml><?xml version="1.0" encoding="utf-8"?>
+<file path=ppt/slides/slide23.xml><?xml version="1.0" encoding="utf-8"?>
 <p:sld xmlns:a="http://schemas.openxmlformats.org/drawingml/2006/main" xmlns:r="http://schemas.openxmlformats.org/officeDocument/2006/relationships" xmlns:p="http://schemas.openxmlformats.org/presentationml/2006/main">
   <p:cSld>
     <p:spTree>
@@ -19443,7 +22918,7 @@
 </p:sld>
 </file>
 
-<file path=ppt/slides/slide23.xml><?xml version="1.0" encoding="utf-8"?>
+<file path=ppt/slides/slide24.xml><?xml version="1.0" encoding="utf-8"?>
 <p:sld xmlns:a="http://schemas.openxmlformats.org/drawingml/2006/main" xmlns:r="http://schemas.openxmlformats.org/officeDocument/2006/relationships" xmlns:p="http://schemas.openxmlformats.org/presentationml/2006/main">
   <p:cSld>
     <p:spTree>
@@ -19992,7 +23467,7 @@
 </p:sld>
 </file>
 
-<file path=ppt/slides/slide24.xml><?xml version="1.0" encoding="utf-8"?>
+<file path=ppt/slides/slide25.xml><?xml version="1.0" encoding="utf-8"?>
 <p:sld xmlns:a="http://schemas.openxmlformats.org/drawingml/2006/main" xmlns:r="http://schemas.openxmlformats.org/officeDocument/2006/relationships" xmlns:p="http://schemas.openxmlformats.org/presentationml/2006/main">
   <p:cSld>
     <p:spTree>
@@ -20448,7 +23923,7 @@
 </p:sld>
 </file>
 
-<file path=ppt/slides/slide25.xml><?xml version="1.0" encoding="utf-8"?>
+<file path=ppt/slides/slide26.xml><?xml version="1.0" encoding="utf-8"?>
 <p:sld xmlns:a="http://schemas.openxmlformats.org/drawingml/2006/main" xmlns:r="http://schemas.openxmlformats.org/officeDocument/2006/relationships" xmlns:p="http://schemas.openxmlformats.org/presentationml/2006/main">
   <p:cSld>
     <p:spTree>

--- a/Documentation/4th Year Project Presentation.pptx
+++ b/Documentation/4th Year Project Presentation.pptx
@@ -4588,7 +4588,7 @@
       <dgm:spPr/>
     </dgm:pt>
     <dgm:pt modelId="{AD8B0F8D-AAE5-4F60-A41D-93EC1E6ABB5E}" type="pres">
-      <dgm:prSet presAssocID="{337FD376-597B-46EA-8BC5-A6417A98E269}" presName="textNode" presStyleLbl="node1" presStyleIdx="4" presStyleCnt="9" custLinFactX="-100000" custLinFactNeighborX="-100899">
+      <dgm:prSet presAssocID="{337FD376-597B-46EA-8BC5-A6417A98E269}" presName="textNode" presStyleLbl="node1" presStyleIdx="4" presStyleCnt="9" custLinFactX="-100000" custLinFactNeighborX="-100899" custLinFactNeighborY="-54">
         <dgm:presLayoutVars>
           <dgm:bulletEnabled val="1"/>
         </dgm:presLayoutVars>
@@ -4624,7 +4624,7 @@
       <dgm:spPr/>
     </dgm:pt>
     <dgm:pt modelId="{34B7AA53-A65D-427C-AF67-E094BBB0A8A8}" type="pres">
-      <dgm:prSet presAssocID="{52701CF7-45AD-428B-A965-2CF347B75CDC}" presName="textNode" presStyleLbl="node1" presStyleIdx="7" presStyleCnt="9" custLinFactX="-100000" custLinFactNeighborX="-100899">
+      <dgm:prSet presAssocID="{52701CF7-45AD-428B-A965-2CF347B75CDC}" presName="textNode" presStyleLbl="node1" presStyleIdx="7" presStyleCnt="9" custLinFactX="-100000" custLinFactNeighborX="-100899" custLinFactNeighborY="-54">
         <dgm:presLayoutVars>
           <dgm:bulletEnabled val="1"/>
         </dgm:presLayoutVars>
@@ -6158,7 +6158,7 @@
       </dsp:nvSpPr>
       <dsp:spPr>
         <a:xfrm>
-          <a:off x="3524315" y="1305401"/>
+          <a:off x="3524315" y="1304461"/>
           <a:ext cx="1118052" cy="1740535"/>
         </a:xfrm>
         <a:prstGeom prst="roundRect">
@@ -6217,7 +6217,7 @@
         </a:p>
       </dsp:txBody>
       <dsp:txXfrm>
-        <a:off x="3578894" y="1359980"/>
+        <a:off x="3578894" y="1359040"/>
         <a:ext cx="1008894" cy="1631377"/>
       </dsp:txXfrm>
     </dsp:sp>
@@ -6368,7 +6368,7 @@
       </dsp:nvSpPr>
       <dsp:spPr>
         <a:xfrm>
-          <a:off x="7046181" y="1305401"/>
+          <a:off x="7046181" y="1304461"/>
           <a:ext cx="1118052" cy="1740535"/>
         </a:xfrm>
         <a:prstGeom prst="roundRect">
@@ -6424,7 +6424,7 @@
         </a:p>
       </dsp:txBody>
       <dsp:txXfrm>
-        <a:off x="7100760" y="1359980"/>
+        <a:off x="7100760" y="1359040"/>
         <a:ext cx="1008894" cy="1631377"/>
       </dsp:txXfrm>
     </dsp:sp>
@@ -10812,7 +10812,7 @@
           <a:p>
             <a:fld id="{35183334-D245-4844-9ECA-AD7663113EE6}" type="datetimeFigureOut">
               <a:rPr lang="en-IN" smtClean="0"/>
-              <a:t>30-03-2021</a:t>
+              <a:t>03-05-2021</a:t>
             </a:fld>
             <a:endParaRPr lang="en-IN"/>
           </a:p>
@@ -11798,6 +11798,101 @@
           <a:bodyPr/>
           <a:lstStyle/>
           <a:p>
+            <a:r>
+              <a:rPr lang="en-IN" dirty="0"/>
+              <a:t>Time, number of authors for each language and extracted feature dimension number csv file and English and </a:t>
+            </a:r>
+            <a:r>
+              <a:rPr lang="en-IN" dirty="0" err="1"/>
+              <a:t>bangla</a:t>
+            </a:r>
+            <a:r>
+              <a:rPr lang="en-IN" dirty="0"/>
+              <a:t> </a:t>
+            </a:r>
+          </a:p>
+        </p:txBody>
+      </p:sp>
+      <p:sp>
+        <p:nvSpPr>
+          <p:cNvPr id="4" name="Slide Number Placeholder 3"/>
+          <p:cNvSpPr>
+            <a:spLocks noGrp="1"/>
+          </p:cNvSpPr>
+          <p:nvPr>
+            <p:ph type="sldNum" sz="quarter" idx="5"/>
+          </p:nvPr>
+        </p:nvSpPr>
+        <p:spPr/>
+        <p:txBody>
+          <a:bodyPr/>
+          <a:lstStyle/>
+          <a:p>
+            <a:fld id="{E0460530-21AB-4667-8DDF-0CFD1A19A456}" type="slidenum">
+              <a:rPr lang="en-IN" smtClean="0"/>
+              <a:t>22</a:t>
+            </a:fld>
+            <a:endParaRPr lang="en-IN"/>
+          </a:p>
+        </p:txBody>
+      </p:sp>
+    </p:spTree>
+    <p:extLst>
+      <p:ext uri="{BB962C8B-B14F-4D97-AF65-F5344CB8AC3E}">
+        <p14:creationId xmlns:p14="http://schemas.microsoft.com/office/powerpoint/2010/main" val="2103486126"/>
+      </p:ext>
+    </p:extLst>
+  </p:cSld>
+  <p:clrMapOvr>
+    <a:masterClrMapping/>
+  </p:clrMapOvr>
+</p:notes>
+</file>
+
+<file path=ppt/notesSlides/notesSlide14.xml><?xml version="1.0" encoding="utf-8"?>
+<p:notes xmlns:a="http://schemas.openxmlformats.org/drawingml/2006/main" xmlns:r="http://schemas.openxmlformats.org/officeDocument/2006/relationships" xmlns:p="http://schemas.openxmlformats.org/presentationml/2006/main">
+  <p:cSld>
+    <p:spTree>
+      <p:nvGrpSpPr>
+        <p:cNvPr id="1" name=""/>
+        <p:cNvGrpSpPr/>
+        <p:nvPr/>
+      </p:nvGrpSpPr>
+      <p:grpSpPr>
+        <a:xfrm>
+          <a:off x="0" y="0"/>
+          <a:ext cx="0" cy="0"/>
+          <a:chOff x="0" y="0"/>
+          <a:chExt cx="0" cy="0"/>
+        </a:xfrm>
+      </p:grpSpPr>
+      <p:sp>
+        <p:nvSpPr>
+          <p:cNvPr id="2" name="Slide Image Placeholder 1"/>
+          <p:cNvSpPr>
+            <a:spLocks noGrp="1" noRot="1" noChangeAspect="1"/>
+          </p:cNvSpPr>
+          <p:nvPr>
+            <p:ph type="sldImg"/>
+          </p:nvPr>
+        </p:nvSpPr>
+        <p:spPr/>
+      </p:sp>
+      <p:sp>
+        <p:nvSpPr>
+          <p:cNvPr id="3" name="Notes Placeholder 2"/>
+          <p:cNvSpPr>
+            <a:spLocks noGrp="1"/>
+          </p:cNvSpPr>
+          <p:nvPr>
+            <p:ph type="body" idx="1"/>
+          </p:nvPr>
+        </p:nvSpPr>
+        <p:spPr/>
+        <p:txBody>
+          <a:bodyPr/>
+          <a:lstStyle/>
+          <a:p>
             <a:endParaRPr lang="en-IN" dirty="0"/>
           </a:p>
         </p:txBody>
@@ -12863,13 +12958,21 @@
             </a:r>
             <a:r>
               <a:rPr lang="en-US" dirty="0"/>
-              <a:t> has 20 folders. </a:t>
+              <a:t> has 20 subsets. </a:t>
             </a:r>
           </a:p>
           <a:p>
             <a:r>
               <a:rPr lang="en-US" dirty="0"/>
-              <a:t># Every folder has data for an authors. There is also data for another author that will be used for verification with the current author.</a:t>
+              <a:t># </a:t>
+            </a:r>
+            <a:r>
+              <a:rPr lang="en-US"/>
+              <a:t>Every subset </a:t>
+            </a:r>
+            <a:r>
+              <a:rPr lang="en-US" dirty="0"/>
+              <a:t>has data for an authors. There is also data for another author that will be used for verification with the current author.</a:t>
             </a:r>
           </a:p>
           <a:p>
@@ -13444,7 +13547,104 @@
           <a:bodyPr/>
           <a:lstStyle/>
           <a:p>
-            <a:endParaRPr lang="en-IN" dirty="0"/>
+            <a:r>
+              <a:rPr lang="en-US" dirty="0"/>
+              <a:t>We chose VGG16 because it has certain benefits over other models.</a:t>
+            </a:r>
+          </a:p>
+          <a:p>
+            <a:r>
+              <a:rPr lang="en-US" dirty="0"/>
+              <a:t># VGG16 has very high accuracy. As mentioned earlier, </a:t>
+            </a:r>
+            <a:r>
+              <a:rPr lang="en-IN" sz="1200" dirty="0">
+                <a:effectLst/>
+                <a:latin typeface="Times New Roman" panose="02020603050405020304" pitchFamily="18" charset="0"/>
+              </a:rPr>
+              <a:t>i</a:t>
+            </a:r>
+            <a:r>
+              <a:rPr lang="en-IN" sz="1200" dirty="0">
+                <a:effectLst/>
+                <a:latin typeface="Times New Roman" panose="02020603050405020304" pitchFamily="18" charset="0"/>
+                <a:ea typeface="Times New Roman" panose="02020603050405020304" pitchFamily="18" charset="0"/>
+              </a:rPr>
+              <a:t>t has 92.7% accuracy on top 5 accuracy tests with the </a:t>
+            </a:r>
+            <a:r>
+              <a:rPr lang="en-IN" sz="1800" b="0" i="0" u="none" dirty="0">
+                <a:solidFill>
+                  <a:schemeClr val="tx1"/>
+                </a:solidFill>
+                <a:effectLst/>
+                <a:latin typeface="Helvetica" panose="020B0604020202020204" pitchFamily="34" charset="0"/>
+              </a:rPr>
+              <a:t>ILSVRC</a:t>
+            </a:r>
+            <a:r>
+              <a:rPr lang="en-IN" sz="1800" b="0" i="0" u="none" dirty="0">
+                <a:solidFill>
+                  <a:srgbClr val="333333"/>
+                </a:solidFill>
+                <a:effectLst/>
+                <a:latin typeface="Helvetica" panose="020B0604020202020204" pitchFamily="34" charset="0"/>
+              </a:rPr>
+              <a:t> </a:t>
+            </a:r>
+            <a:r>
+              <a:rPr lang="en-IN" sz="1200" b="0" i="0" u="none" dirty="0">
+                <a:solidFill>
+                  <a:srgbClr val="333333"/>
+                </a:solidFill>
+                <a:effectLst/>
+                <a:latin typeface="Times New Roman" panose="02020603050405020304" pitchFamily="18" charset="0"/>
+              </a:rPr>
+              <a:t>subset of </a:t>
+            </a:r>
+            <a:r>
+              <a:rPr lang="en-IN" sz="1200" dirty="0" err="1">
+                <a:effectLst/>
+                <a:latin typeface="Times New Roman" panose="02020603050405020304" pitchFamily="18" charset="0"/>
+                <a:ea typeface="Times New Roman" panose="02020603050405020304" pitchFamily="18" charset="0"/>
+              </a:rPr>
+              <a:t>Imagenet</a:t>
+            </a:r>
+            <a:r>
+              <a:rPr lang="en-IN" sz="1200" dirty="0">
+                <a:effectLst/>
+                <a:latin typeface="Times New Roman" panose="02020603050405020304" pitchFamily="18" charset="0"/>
+                <a:ea typeface="Times New Roman" panose="02020603050405020304" pitchFamily="18" charset="0"/>
+              </a:rPr>
+              <a:t> database.</a:t>
+            </a:r>
+          </a:p>
+          <a:p>
+            <a:r>
+              <a:rPr lang="en-IN" sz="1200" dirty="0">
+                <a:effectLst/>
+                <a:latin typeface="Times New Roman" panose="02020603050405020304" pitchFamily="18" charset="0"/>
+              </a:rPr>
+              <a:t># VGG16 has a uniform layer structure. Its simplicity and uniformity makes it easier to customise for handwriting recognition.</a:t>
+            </a:r>
+          </a:p>
+          <a:p>
+            <a:r>
+              <a:rPr lang="en-IN" sz="1200" dirty="0">
+                <a:effectLst/>
+                <a:latin typeface="Times New Roman" panose="02020603050405020304" pitchFamily="18" charset="0"/>
+              </a:rPr>
+              <a:t># VGG16 is also a highly popular algorithm. It is a go to for image recognition algorithms.</a:t>
+            </a:r>
+          </a:p>
+          <a:p>
+            <a:r>
+              <a:rPr lang="en-IN" sz="1200" dirty="0">
+                <a:effectLst/>
+                <a:latin typeface="Times New Roman" panose="02020603050405020304" pitchFamily="18" charset="0"/>
+              </a:rPr>
+              <a:t>#</a:t>
+            </a:r>
           </a:p>
         </p:txBody>
       </p:sp>
@@ -13615,7 +13815,7 @@
           <a:p>
             <a:fld id="{21D9AB09-D600-4578-8243-21B8A8CCB975}" type="datetimeFigureOut">
               <a:rPr lang="en-IN" smtClean="0"/>
-              <a:t>30-03-2021</a:t>
+              <a:t>03-05-2021</a:t>
             </a:fld>
             <a:endParaRPr lang="en-IN"/>
           </a:p>
@@ -13785,7 +13985,7 @@
           <a:p>
             <a:fld id="{21D9AB09-D600-4578-8243-21B8A8CCB975}" type="datetimeFigureOut">
               <a:rPr lang="en-IN" smtClean="0"/>
-              <a:t>30-03-2021</a:t>
+              <a:t>03-05-2021</a:t>
             </a:fld>
             <a:endParaRPr lang="en-IN"/>
           </a:p>
@@ -13965,7 +14165,7 @@
           <a:p>
             <a:fld id="{21D9AB09-D600-4578-8243-21B8A8CCB975}" type="datetimeFigureOut">
               <a:rPr lang="en-IN" smtClean="0"/>
-              <a:t>30-03-2021</a:t>
+              <a:t>03-05-2021</a:t>
             </a:fld>
             <a:endParaRPr lang="en-IN"/>
           </a:p>
@@ -14135,7 +14335,7 @@
           <a:p>
             <a:fld id="{21D9AB09-D600-4578-8243-21B8A8CCB975}" type="datetimeFigureOut">
               <a:rPr lang="en-IN" smtClean="0"/>
-              <a:t>30-03-2021</a:t>
+              <a:t>03-05-2021</a:t>
             </a:fld>
             <a:endParaRPr lang="en-IN"/>
           </a:p>
@@ -14381,7 +14581,7 @@
           <a:p>
             <a:fld id="{21D9AB09-D600-4578-8243-21B8A8CCB975}" type="datetimeFigureOut">
               <a:rPr lang="en-IN" smtClean="0"/>
-              <a:t>30-03-2021</a:t>
+              <a:t>03-05-2021</a:t>
             </a:fld>
             <a:endParaRPr lang="en-IN"/>
           </a:p>
@@ -14613,7 +14813,7 @@
           <a:p>
             <a:fld id="{21D9AB09-D600-4578-8243-21B8A8CCB975}" type="datetimeFigureOut">
               <a:rPr lang="en-IN" smtClean="0"/>
-              <a:t>30-03-2021</a:t>
+              <a:t>03-05-2021</a:t>
             </a:fld>
             <a:endParaRPr lang="en-IN"/>
           </a:p>
@@ -14980,7 +15180,7 @@
           <a:p>
             <a:fld id="{21D9AB09-D600-4578-8243-21B8A8CCB975}" type="datetimeFigureOut">
               <a:rPr lang="en-IN" smtClean="0"/>
-              <a:t>30-03-2021</a:t>
+              <a:t>03-05-2021</a:t>
             </a:fld>
             <a:endParaRPr lang="en-IN"/>
           </a:p>
@@ -15098,7 +15298,7 @@
           <a:p>
             <a:fld id="{21D9AB09-D600-4578-8243-21B8A8CCB975}" type="datetimeFigureOut">
               <a:rPr lang="en-IN" smtClean="0"/>
-              <a:t>30-03-2021</a:t>
+              <a:t>03-05-2021</a:t>
             </a:fld>
             <a:endParaRPr lang="en-IN"/>
           </a:p>
@@ -15193,7 +15393,7 @@
           <a:p>
             <a:fld id="{21D9AB09-D600-4578-8243-21B8A8CCB975}" type="datetimeFigureOut">
               <a:rPr lang="en-IN" smtClean="0"/>
-              <a:t>30-03-2021</a:t>
+              <a:t>03-05-2021</a:t>
             </a:fld>
             <a:endParaRPr lang="en-IN"/>
           </a:p>
@@ -15470,7 +15670,7 @@
           <a:p>
             <a:fld id="{21D9AB09-D600-4578-8243-21B8A8CCB975}" type="datetimeFigureOut">
               <a:rPr lang="en-IN" smtClean="0"/>
-              <a:t>30-03-2021</a:t>
+              <a:t>03-05-2021</a:t>
             </a:fld>
             <a:endParaRPr lang="en-IN"/>
           </a:p>
@@ -15727,7 +15927,7 @@
           <a:p>
             <a:fld id="{21D9AB09-D600-4578-8243-21B8A8CCB975}" type="datetimeFigureOut">
               <a:rPr lang="en-IN" smtClean="0"/>
-              <a:t>30-03-2021</a:t>
+              <a:t>03-05-2021</a:t>
             </a:fld>
             <a:endParaRPr lang="en-IN"/>
           </a:p>
@@ -15968,7 +16168,7 @@
           <a:p>
             <a:fld id="{21D9AB09-D600-4578-8243-21B8A8CCB975}" type="datetimeFigureOut">
               <a:rPr lang="en-IN" smtClean="0"/>
-              <a:t>30-03-2021</a:t>
+              <a:t>03-05-2021</a:t>
             </a:fld>
             <a:endParaRPr lang="en-IN"/>
           </a:p>
@@ -16932,7 +17132,7 @@
                 <a:latin typeface="Frank Ruhl Libre" panose="00000500000000000000" pitchFamily="2" charset="-79"/>
                 <a:cs typeface="Frank Ruhl Libre" panose="00000500000000000000" pitchFamily="2" charset="-79"/>
               </a:rPr>
-              <a:t>Unique Dataset with 100 volunteers</a:t>
+              <a:t>Unique Dataset with 100+ volunteers</a:t>
             </a:r>
           </a:p>
           <a:p>
@@ -17385,7 +17585,7 @@
                 <a:latin typeface="Frank Ruhl Libre" panose="00000500000000000000" pitchFamily="2" charset="-79"/>
                 <a:cs typeface="Frank Ruhl Libre" panose="00000500000000000000" pitchFamily="2" charset="-79"/>
               </a:rPr>
-              <a:t>Bangla Text only in our current work</a:t>
+              <a:t>Bangla and English Text only in our current work</a:t>
             </a:r>
           </a:p>
           <a:p>
@@ -20372,7 +20572,7 @@
             <p:ph idx="1"/>
             <p:extLst>
               <p:ext uri="{D42A27DB-BD31-4B8C-83A1-F6EECF244321}">
-                <p14:modId xmlns:p14="http://schemas.microsoft.com/office/powerpoint/2010/main" val="988192226"/>
+                <p14:modId xmlns:p14="http://schemas.microsoft.com/office/powerpoint/2010/main" val="2032814861"/>
               </p:ext>
             </p:extLst>
           </p:nvPr>
@@ -20509,7 +20709,7 @@
         </p:nvSpPr>
         <p:spPr>
           <a:xfrm>
-            <a:off x="2023840" y="3130094"/>
+            <a:off x="1957800" y="3130094"/>
             <a:ext cx="1119600" cy="1742400"/>
           </a:xfrm>
           <a:prstGeom prst="roundRect">
@@ -20581,7 +20781,7 @@
         </p:nvSpPr>
         <p:spPr>
           <a:xfrm>
-            <a:off x="838200" y="3130094"/>
+            <a:off x="749300" y="3130094"/>
             <a:ext cx="1119600" cy="1742400"/>
           </a:xfrm>
           <a:prstGeom prst="roundRect">
@@ -20681,7 +20881,7 @@
                             </p:stCondLst>
                             <p:childTnLst>
                               <p:par>
-                                <p:cTn id="5" presetID="26" presetClass="emph" presetSubtype="0" fill="hold" grpId="1" nodeType="clickEffect">
+                                <p:cTn id="5" presetID="26" presetClass="emph" presetSubtype="0" fill="hold" grpId="5" nodeType="clickEffect">
                                   <p:stCondLst>
                                     <p:cond delay="0"/>
                                   </p:stCondLst>
@@ -20689,40 +20889,6 @@
                                     <p:animEffect transition="out" filter="fade">
                                       <p:cBhvr>
                                         <p:cTn id="6" dur="500" tmFilter="0, 0; .2, .5; .8, .5; 1, 0"/>
-                                        <p:tgtEl>
-                                          <p:spTgt spid="7">
-                                            <p:graphicEl>
-                                              <a:dgm id="{34B7AA53-A65D-427C-AF67-E094BBB0A8A8}"/>
-                                            </p:graphicEl>
-                                          </p:spTgt>
-                                        </p:tgtEl>
-                                      </p:cBhvr>
-                                    </p:animEffect>
-                                    <p:animScale>
-                                      <p:cBhvr>
-                                        <p:cTn id="7" dur="250" autoRev="1" fill="hold"/>
-                                        <p:tgtEl>
-                                          <p:spTgt spid="7">
-                                            <p:graphicEl>
-                                              <a:dgm id="{34B7AA53-A65D-427C-AF67-E094BBB0A8A8}"/>
-                                            </p:graphicEl>
-                                          </p:spTgt>
-                                        </p:tgtEl>
-                                      </p:cBhvr>
-                                      <p:by x="105000" y="105000"/>
-                                    </p:animScale>
-                                  </p:childTnLst>
-                                </p:cTn>
-                              </p:par>
-                              <p:par>
-                                <p:cTn id="8" presetID="26" presetClass="emph" presetSubtype="0" fill="hold" grpId="5" nodeType="withEffect">
-                                  <p:stCondLst>
-                                    <p:cond delay="0"/>
-                                  </p:stCondLst>
-                                  <p:childTnLst>
-                                    <p:animEffect transition="out" filter="fade">
-                                      <p:cBhvr>
-                                        <p:cTn id="9" dur="500" tmFilter="0, 0; .2, .5; .8, .5; 1, 0"/>
                                         <p:tgtEl>
                                           <p:spTgt spid="7">
                                             <p:graphicEl>
@@ -20734,7 +20900,7 @@
                                     </p:animEffect>
                                     <p:animScale>
                                       <p:cBhvr>
-                                        <p:cTn id="10" dur="250" autoRev="1" fill="hold"/>
+                                        <p:cTn id="7" dur="250" autoRev="1" fill="hold"/>
                                         <p:tgtEl>
                                           <p:spTgt spid="7">
                                             <p:graphicEl>
@@ -20752,54 +20918,20 @@
                           </p:cTn>
                         </p:par>
                         <p:par>
-                          <p:cTn id="11" fill="hold">
+                          <p:cTn id="8" fill="hold">
                             <p:stCondLst>
                               <p:cond delay="500"/>
                             </p:stCondLst>
                             <p:childTnLst>
                               <p:par>
-                                <p:cTn id="12" presetID="26" presetClass="emph" presetSubtype="0" fill="hold" grpId="2" nodeType="afterEffect">
+                                <p:cTn id="9" presetID="26" presetClass="emph" presetSubtype="0" fill="hold" grpId="2" nodeType="afterEffect">
                                   <p:stCondLst>
                                     <p:cond delay="0"/>
                                   </p:stCondLst>
                                   <p:childTnLst>
                                     <p:animEffect transition="out" filter="fade">
                                       <p:cBhvr>
-                                        <p:cTn id="13" dur="500" tmFilter="0, 0; .2, .5; .8, .5; 1, 0"/>
-                                        <p:tgtEl>
-                                          <p:spTgt spid="7">
-                                            <p:graphicEl>
-                                              <a:dgm id="{34B7AA53-A65D-427C-AF67-E094BBB0A8A8}"/>
-                                            </p:graphicEl>
-                                          </p:spTgt>
-                                        </p:tgtEl>
-                                      </p:cBhvr>
-                                    </p:animEffect>
-                                    <p:animScale>
-                                      <p:cBhvr>
-                                        <p:cTn id="14" dur="250" autoRev="1" fill="hold"/>
-                                        <p:tgtEl>
-                                          <p:spTgt spid="7">
-                                            <p:graphicEl>
-                                              <a:dgm id="{34B7AA53-A65D-427C-AF67-E094BBB0A8A8}"/>
-                                            </p:graphicEl>
-                                          </p:spTgt>
-                                        </p:tgtEl>
-                                      </p:cBhvr>
-                                      <p:by x="105000" y="105000"/>
-                                    </p:animScale>
-                                  </p:childTnLst>
-                                </p:cTn>
-                              </p:par>
-                              <p:par>
-                                <p:cTn id="15" presetID="26" presetClass="emph" presetSubtype="0" fill="hold" grpId="2" nodeType="withEffect">
-                                  <p:stCondLst>
-                                    <p:cond delay="0"/>
-                                  </p:stCondLst>
-                                  <p:childTnLst>
-                                    <p:animEffect transition="out" filter="fade">
-                                      <p:cBhvr>
-                                        <p:cTn id="16" dur="500" tmFilter="0, 0; .2, .5; .8, .5; 1, 0"/>
+                                        <p:cTn id="10" dur="500" tmFilter="0, 0; .2, .5; .8, .5; 1, 0"/>
                                         <p:tgtEl>
                                           <p:spTgt spid="7">
                                             <p:graphicEl>
@@ -20811,7 +20943,7 @@
                                     </p:animEffect>
                                     <p:animScale>
                                       <p:cBhvr>
-                                        <p:cTn id="17" dur="250" autoRev="1" fill="hold"/>
+                                        <p:cTn id="11" dur="250" autoRev="1" fill="hold"/>
                                         <p:tgtEl>
                                           <p:spTgt spid="7">
                                             <p:graphicEl>
@@ -20829,54 +20961,20 @@
                           </p:cTn>
                         </p:par>
                         <p:par>
-                          <p:cTn id="18" fill="hold">
+                          <p:cTn id="12" fill="hold">
                             <p:stCondLst>
                               <p:cond delay="1000"/>
                             </p:stCondLst>
                             <p:childTnLst>
                               <p:par>
-                                <p:cTn id="19" presetID="26" presetClass="emph" presetSubtype="0" fill="hold" grpId="6" nodeType="afterEffect">
+                                <p:cTn id="13" presetID="26" presetClass="emph" presetSubtype="0" fill="hold" grpId="6" nodeType="afterEffect">
                                   <p:stCondLst>
                                     <p:cond delay="0"/>
                                   </p:stCondLst>
                                   <p:childTnLst>
                                     <p:animEffect transition="out" filter="fade">
                                       <p:cBhvr>
-                                        <p:cTn id="20" dur="500" tmFilter="0, 0; .2, .5; .8, .5; 1, 0"/>
-                                        <p:tgtEl>
-                                          <p:spTgt spid="7">
-                                            <p:graphicEl>
-                                              <a:dgm id="{34B7AA53-A65D-427C-AF67-E094BBB0A8A8}"/>
-                                            </p:graphicEl>
-                                          </p:spTgt>
-                                        </p:tgtEl>
-                                      </p:cBhvr>
-                                    </p:animEffect>
-                                    <p:animScale>
-                                      <p:cBhvr>
-                                        <p:cTn id="21" dur="250" autoRev="1" fill="hold"/>
-                                        <p:tgtEl>
-                                          <p:spTgt spid="7">
-                                            <p:graphicEl>
-                                              <a:dgm id="{34B7AA53-A65D-427C-AF67-E094BBB0A8A8}"/>
-                                            </p:graphicEl>
-                                          </p:spTgt>
-                                        </p:tgtEl>
-                                      </p:cBhvr>
-                                      <p:by x="105000" y="105000"/>
-                                    </p:animScale>
-                                  </p:childTnLst>
-                                </p:cTn>
-                              </p:par>
-                              <p:par>
-                                <p:cTn id="22" presetID="26" presetClass="emph" presetSubtype="0" fill="hold" grpId="6" nodeType="withEffect">
-                                  <p:stCondLst>
-                                    <p:cond delay="0"/>
-                                  </p:stCondLst>
-                                  <p:childTnLst>
-                                    <p:animEffect transition="out" filter="fade">
-                                      <p:cBhvr>
-                                        <p:cTn id="23" dur="500" tmFilter="0, 0; .2, .5; .8, .5; 1, 0"/>
+                                        <p:cTn id="14" dur="500" tmFilter="0, 0; .2, .5; .8, .5; 1, 0"/>
                                         <p:tgtEl>
                                           <p:spTgt spid="7">
                                             <p:graphicEl>
@@ -20888,7 +20986,7 @@
                                     </p:animEffect>
                                     <p:animScale>
                                       <p:cBhvr>
-                                        <p:cTn id="24" dur="250" autoRev="1" fill="hold"/>
+                                        <p:cTn id="15" dur="250" autoRev="1" fill="hold"/>
                                         <p:tgtEl>
                                           <p:spTgt spid="7">
                                             <p:graphicEl>
@@ -20902,64 +21000,15 @@
                                   </p:childTnLst>
                                 </p:cTn>
                               </p:par>
-                            </p:childTnLst>
-                          </p:cTn>
-                        </p:par>
-                      </p:childTnLst>
-                    </p:cTn>
-                  </p:par>
-                  <p:par>
-                    <p:cTn id="25" fill="hold">
-                      <p:stCondLst>
-                        <p:cond delay="indefinite"/>
-                      </p:stCondLst>
-                      <p:childTnLst>
-                        <p:par>
-                          <p:cTn id="26" fill="hold">
-                            <p:stCondLst>
-                              <p:cond delay="0"/>
-                            </p:stCondLst>
-                            <p:childTnLst>
                               <p:par>
-                                <p:cTn id="27" presetID="1" presetClass="exit" presetSubtype="0" fill="hold" grpId="0" nodeType="clickEffect">
+                                <p:cTn id="16" presetID="1" presetClass="exit" presetSubtype="0" fill="hold" grpId="0" nodeType="withEffect">
                                   <p:stCondLst>
                                     <p:cond delay="0"/>
                                   </p:stCondLst>
                                   <p:childTnLst>
                                     <p:set>
                                       <p:cBhvr>
-                                        <p:cTn id="28" dur="1" fill="hold">
-                                          <p:stCondLst>
-                                            <p:cond delay="0"/>
-                                          </p:stCondLst>
-                                        </p:cTn>
-                                        <p:tgtEl>
-                                          <p:spTgt spid="7">
-                                            <p:graphicEl>
-                                              <a:dgm id="{34B7AA53-A65D-427C-AF67-E094BBB0A8A8}"/>
-                                            </p:graphicEl>
-                                          </p:spTgt>
-                                        </p:tgtEl>
-                                        <p:attrNameLst>
-                                          <p:attrName>style.visibility</p:attrName>
-                                        </p:attrNameLst>
-                                      </p:cBhvr>
-                                      <p:to>
-                                        <p:strVal val="hidden"/>
-                                      </p:to>
-                                    </p:set>
-                                  </p:childTnLst>
-                                </p:cTn>
-                              </p:par>
-                              <p:par>
-                                <p:cTn id="29" presetID="1" presetClass="exit" presetSubtype="0" fill="hold" grpId="0" nodeType="withEffect">
-                                  <p:stCondLst>
-                                    <p:cond delay="0"/>
-                                  </p:stCondLst>
-                                  <p:childTnLst>
-                                    <p:set>
-                                      <p:cBhvr>
-                                        <p:cTn id="30" dur="1" fill="hold">
+                                        <p:cTn id="17" dur="1" fill="hold">
                                           <p:stCondLst>
                                             <p:cond delay="0"/>
                                           </p:stCondLst>
@@ -20983,14 +21032,14 @@
                                 </p:cTn>
                               </p:par>
                               <p:par>
-                                <p:cTn id="31" presetID="1" presetClass="exit" presetSubtype="0" fill="hold" grpId="7" nodeType="withEffect">
+                                <p:cTn id="18" presetID="1" presetClass="exit" presetSubtype="0" fill="hold" grpId="7" nodeType="withEffect">
                                   <p:stCondLst>
                                     <p:cond delay="0"/>
                                   </p:stCondLst>
                                   <p:childTnLst>
                                     <p:set>
                                       <p:cBhvr>
-                                        <p:cTn id="32" dur="1" fill="hold">
+                                        <p:cTn id="19" dur="1" fill="hold">
                                           <p:stCondLst>
                                             <p:cond delay="0"/>
                                           </p:stCondLst>
@@ -21014,14 +21063,14 @@
                                 </p:cTn>
                               </p:par>
                               <p:par>
-                                <p:cTn id="33" presetID="1" presetClass="entr" presetSubtype="0" fill="hold" grpId="0" nodeType="withEffect">
+                                <p:cTn id="20" presetID="1" presetClass="entr" presetSubtype="0" fill="hold" grpId="0" nodeType="withEffect">
                                   <p:stCondLst>
                                     <p:cond delay="0"/>
                                   </p:stCondLst>
                                   <p:childTnLst>
                                     <p:set>
                                       <p:cBhvr>
-                                        <p:cTn id="34" dur="1" fill="hold">
+                                        <p:cTn id="21" dur="1" fill="hold">
                                           <p:stCondLst>
                                             <p:cond delay="0"/>
                                           </p:stCondLst>
@@ -21047,26 +21096,26 @@
                     </p:cTn>
                   </p:par>
                   <p:par>
-                    <p:cTn id="35" fill="hold">
+                    <p:cTn id="22" fill="hold">
                       <p:stCondLst>
                         <p:cond delay="indefinite"/>
                       </p:stCondLst>
                       <p:childTnLst>
                         <p:par>
-                          <p:cTn id="36" fill="hold">
+                          <p:cTn id="23" fill="hold">
                             <p:stCondLst>
                               <p:cond delay="0"/>
                             </p:stCondLst>
                             <p:childTnLst>
                               <p:par>
-                                <p:cTn id="37" presetID="42" presetClass="path" presetSubtype="0" accel="50000" decel="50000" fill="hold" grpId="8" nodeType="clickEffect">
+                                <p:cTn id="24" presetID="42" presetClass="path" presetSubtype="0" accel="50000" decel="50000" fill="hold" grpId="8" nodeType="clickEffect">
                                   <p:stCondLst>
                                     <p:cond delay="0"/>
                                   </p:stCondLst>
                                   <p:childTnLst>
-                                    <p:animMotion origin="layout" path="M 0 -3.33333E-6 L 0.19245 -0.00185 " pathEditMode="relative" rAng="0" ptsTypes="AA">
+                                    <p:animMotion origin="layout" path="M 0 -3.33333E-6 L 0.0918 -3.33333E-6 " pathEditMode="relative" rAng="0" ptsTypes="AA">
                                       <p:cBhvr>
-                                        <p:cTn id="38" dur="500" fill="hold"/>
+                                        <p:cTn id="25" dur="500" fill="hold"/>
                                         <p:tgtEl>
                                           <p:spTgt spid="7">
                                             <p:graphicEl>
@@ -21079,20 +21128,20 @@
                                           <p:attrName>ppt_y</p:attrName>
                                         </p:attrNameLst>
                                       </p:cBhvr>
-                                      <p:rCtr x="9622" y="-93"/>
+                                      <p:rCtr x="4583" y="0"/>
                                     </p:animMotion>
                                   </p:childTnLst>
                                 </p:cTn>
                               </p:par>
                               <p:par>
-                                <p:cTn id="39" presetID="42" presetClass="path" presetSubtype="0" accel="50000" decel="50000" fill="hold" grpId="8" nodeType="withEffect">
+                                <p:cTn id="26" presetID="42" presetClass="path" presetSubtype="0" accel="50000" decel="50000" fill="hold" grpId="8" nodeType="withEffect">
                                   <p:stCondLst>
                                     <p:cond delay="0"/>
                                   </p:stCondLst>
                                   <p:childTnLst>
-                                    <p:animMotion origin="layout" path="M 0 -3.33333E-6 L 0.19336 -0.00046 " pathEditMode="relative" rAng="0" ptsTypes="AA">
+                                    <p:animMotion origin="layout" path="M 0 -3.33333E-6 L 0.0918 -3.33333E-6 " pathEditMode="relative" rAng="0" ptsTypes="AA">
                                       <p:cBhvr>
-                                        <p:cTn id="40" dur="500" fill="hold"/>
+                                        <p:cTn id="27" dur="500" fill="hold"/>
                                         <p:tgtEl>
                                           <p:spTgt spid="7">
                                             <p:graphicEl>
@@ -21105,20 +21154,20 @@
                                           <p:attrName>ppt_y</p:attrName>
                                         </p:attrNameLst>
                                       </p:cBhvr>
-                                      <p:rCtr x="9661" y="-23"/>
+                                      <p:rCtr x="4583" y="0"/>
                                     </p:animMotion>
                                   </p:childTnLst>
                                 </p:cTn>
                               </p:par>
                               <p:par>
-                                <p:cTn id="41" presetID="42" presetClass="path" presetSubtype="0" accel="50000" decel="50000" fill="hold" grpId="8" nodeType="withEffect">
+                                <p:cTn id="28" presetID="42" presetClass="path" presetSubtype="0" accel="50000" decel="50000" fill="hold" grpId="8" nodeType="withEffect">
                                   <p:stCondLst>
                                     <p:cond delay="0"/>
                                   </p:stCondLst>
                                   <p:childTnLst>
-                                    <p:animMotion origin="layout" path="M 0 -3.33333E-6 L 0.19245 -0.00046 " pathEditMode="relative" rAng="0" ptsTypes="AA">
+                                    <p:animMotion origin="layout" path="M 0 -3.33333E-6 L 0.0918 0.0007 " pathEditMode="relative" rAng="0" ptsTypes="AA">
                                       <p:cBhvr>
-                                        <p:cTn id="42" dur="500" fill="hold"/>
+                                        <p:cTn id="29" dur="500" fill="hold"/>
                                         <p:tgtEl>
                                           <p:spTgt spid="7">
                                             <p:graphicEl>
@@ -21131,20 +21180,20 @@
                                           <p:attrName>ppt_y</p:attrName>
                                         </p:attrNameLst>
                                       </p:cBhvr>
-                                      <p:rCtr x="9622" y="-23"/>
+                                      <p:rCtr x="4583" y="23"/>
                                     </p:animMotion>
                                   </p:childTnLst>
                                 </p:cTn>
                               </p:par>
                               <p:par>
-                                <p:cTn id="43" presetID="42" presetClass="path" presetSubtype="0" accel="50000" decel="50000" fill="hold" grpId="8" nodeType="withEffect">
+                                <p:cTn id="30" presetID="42" presetClass="path" presetSubtype="0" accel="50000" decel="50000" fill="hold" grpId="8" nodeType="withEffect">
                                   <p:stCondLst>
                                     <p:cond delay="0"/>
                                   </p:stCondLst>
                                   <p:childTnLst>
-                                    <p:animMotion origin="layout" path="M 0 -3.33333E-6 L 0.19336 -0.00046 " pathEditMode="relative" rAng="0" ptsTypes="AA">
+                                    <p:animMotion origin="layout" path="M 0 -3.33333E-6 L 0.0918 0.0007 " pathEditMode="relative" rAng="0" ptsTypes="AA">
                                       <p:cBhvr>
-                                        <p:cTn id="44" dur="500" fill="hold"/>
+                                        <p:cTn id="31" dur="500" fill="hold"/>
                                         <p:tgtEl>
                                           <p:spTgt spid="7">
                                             <p:graphicEl>
@@ -21157,20 +21206,20 @@
                                           <p:attrName>ppt_y</p:attrName>
                                         </p:attrNameLst>
                                       </p:cBhvr>
-                                      <p:rCtr x="9661" y="-23"/>
+                                      <p:rCtr x="4583" y="23"/>
                                     </p:animMotion>
                                   </p:childTnLst>
                                 </p:cTn>
                               </p:par>
                               <p:par>
-                                <p:cTn id="45" presetID="42" presetClass="path" presetSubtype="0" accel="50000" decel="50000" fill="hold" grpId="8" nodeType="withEffect">
+                                <p:cTn id="32" presetID="42" presetClass="path" presetSubtype="0" accel="50000" decel="50000" fill="hold" grpId="8" nodeType="withEffect">
                                   <p:stCondLst>
                                     <p:cond delay="0"/>
                                   </p:stCondLst>
                                   <p:childTnLst>
-                                    <p:animMotion origin="layout" path="M 0 -3.33333E-6 L 0.19245 -0.00046 " pathEditMode="relative" rAng="0" ptsTypes="AA">
+                                    <p:animMotion origin="layout" path="M 0 -3.33333E-6 L 0.0918 0.0007 " pathEditMode="relative" rAng="0" ptsTypes="AA">
                                       <p:cBhvr>
-                                        <p:cTn id="46" dur="500" fill="hold"/>
+                                        <p:cTn id="33" dur="500" fill="hold"/>
                                         <p:tgtEl>
                                           <p:spTgt spid="7">
                                             <p:graphicEl>
@@ -21183,20 +21232,20 @@
                                           <p:attrName>ppt_y</p:attrName>
                                         </p:attrNameLst>
                                       </p:cBhvr>
-                                      <p:rCtr x="9622" y="-23"/>
+                                      <p:rCtr x="4583" y="23"/>
                                     </p:animMotion>
                                   </p:childTnLst>
                                 </p:cTn>
                               </p:par>
                               <p:par>
-                                <p:cTn id="47" presetID="42" presetClass="path" presetSubtype="0" accel="50000" decel="50000" fill="hold" grpId="8" nodeType="withEffect">
+                                <p:cTn id="34" presetID="42" presetClass="path" presetSubtype="0" accel="50000" decel="50000" fill="hold" grpId="8" nodeType="withEffect">
                                   <p:stCondLst>
                                     <p:cond delay="0"/>
                                   </p:stCondLst>
                                   <p:childTnLst>
-                                    <p:animMotion origin="layout" path="M 0 -3.33333E-6 L 0.19245 -0.00046 " pathEditMode="relative" rAng="0" ptsTypes="AA">
+                                    <p:animMotion origin="layout" path="M 0 -3.33333E-6 L 0.0918 0.00047 " pathEditMode="relative" rAng="0" ptsTypes="AA">
                                       <p:cBhvr>
-                                        <p:cTn id="48" dur="500" fill="hold"/>
+                                        <p:cTn id="35" dur="500" fill="hold"/>
                                         <p:tgtEl>
                                           <p:spTgt spid="7">
                                             <p:graphicEl>
@@ -21209,20 +21258,20 @@
                                           <p:attrName>ppt_y</p:attrName>
                                         </p:attrNameLst>
                                       </p:cBhvr>
-                                      <p:rCtr x="9622" y="-23"/>
+                                      <p:rCtr x="4583" y="23"/>
                                     </p:animMotion>
                                   </p:childTnLst>
                                 </p:cTn>
                               </p:par>
                               <p:par>
-                                <p:cTn id="49" presetID="42" presetClass="path" presetSubtype="0" accel="50000" decel="50000" fill="hold" grpId="8" nodeType="withEffect">
+                                <p:cTn id="36" presetID="42" presetClass="path" presetSubtype="0" accel="50000" decel="50000" fill="hold" grpId="8" nodeType="withEffect">
                                   <p:stCondLst>
                                     <p:cond delay="0"/>
                                   </p:stCondLst>
                                   <p:childTnLst>
-                                    <p:animMotion origin="layout" path="M 0 -3.33333E-6 L 0.19245 -0.00046 " pathEditMode="relative" rAng="0" ptsTypes="AA">
+                                    <p:animMotion origin="layout" path="M 0.00273 -0.00231 L 0.09063 -0.00185 " pathEditMode="relative" rAng="0" ptsTypes="AA">
                                       <p:cBhvr>
-                                        <p:cTn id="50" dur="500" fill="hold"/>
+                                        <p:cTn id="37" dur="500" fill="hold"/>
                                         <p:tgtEl>
                                           <p:spTgt spid="7">
                                             <p:graphicEl>
@@ -21235,7 +21284,33 @@
                                           <p:attrName>ppt_y</p:attrName>
                                         </p:attrNameLst>
                                       </p:cBhvr>
-                                      <p:rCtr x="9622" y="-23"/>
+                                      <p:rCtr x="4388" y="23"/>
+                                    </p:animMotion>
+                                  </p:childTnLst>
+                                </p:cTn>
+                              </p:par>
+                              <p:par>
+                                <p:cTn id="38" presetID="42" presetClass="path" presetSubtype="0" accel="50000" decel="50000" fill="hold" grpId="9" nodeType="withEffect">
+                                  <p:stCondLst>
+                                    <p:cond delay="0"/>
+                                  </p:stCondLst>
+                                  <p:childTnLst>
+                                    <p:animMotion origin="layout" path="M 0 -3.33333E-6 L 0.0918 0.0007 " pathEditMode="relative" rAng="0" ptsTypes="AA">
+                                      <p:cBhvr>
+                                        <p:cTn id="39" dur="500" fill="hold"/>
+                                        <p:tgtEl>
+                                          <p:spTgt spid="7">
+                                            <p:graphicEl>
+                                              <a:dgm id="{34B7AA53-A65D-427C-AF67-E094BBB0A8A8}"/>
+                                            </p:graphicEl>
+                                          </p:spTgt>
+                                        </p:tgtEl>
+                                        <p:attrNameLst>
+                                          <p:attrName>ppt_x</p:attrName>
+                                          <p:attrName>ppt_y</p:attrName>
+                                        </p:attrNameLst>
+                                      </p:cBhvr>
+                                      <p:rCtr x="4583" y="23"/>
                                     </p:animMotion>
                                   </p:childTnLst>
                                 </p:cTn>
@@ -21244,20 +21319,20 @@
                           </p:cTn>
                         </p:par>
                         <p:par>
-                          <p:cTn id="51" fill="hold">
+                          <p:cTn id="40" fill="hold">
                             <p:stCondLst>
                               <p:cond delay="500"/>
                             </p:stCondLst>
                             <p:childTnLst>
                               <p:par>
-                                <p:cTn id="52" presetID="1" presetClass="entr" presetSubtype="0" fill="hold" grpId="0" nodeType="afterEffect">
+                                <p:cTn id="41" presetID="1" presetClass="entr" presetSubtype="0" fill="hold" grpId="0" nodeType="afterEffect">
                                   <p:stCondLst>
                                     <p:cond delay="0"/>
                                   </p:stCondLst>
                                   <p:childTnLst>
                                     <p:set>
                                       <p:cBhvr>
-                                        <p:cTn id="53" dur="1" fill="hold">
+                                        <p:cTn id="42" dur="1" fill="hold">
                                           <p:stCondLst>
                                             <p:cond delay="0"/>
                                           </p:stCondLst>
@@ -21280,20 +21355,20 @@
                           </p:cTn>
                         </p:par>
                         <p:par>
-                          <p:cTn id="54" fill="hold">
+                          <p:cTn id="43" fill="hold">
                             <p:stCondLst>
                               <p:cond delay="500"/>
                             </p:stCondLst>
                             <p:childTnLst>
                               <p:par>
-                                <p:cTn id="55" presetID="1" presetClass="entr" presetSubtype="0" fill="hold" grpId="0" nodeType="afterEffect">
+                                <p:cTn id="44" presetID="1" presetClass="entr" presetSubtype="0" fill="hold" grpId="0" nodeType="afterEffect">
                                   <p:stCondLst>
                                     <p:cond delay="0"/>
                                   </p:stCondLst>
                                   <p:childTnLst>
                                     <p:set>
                                       <p:cBhvr>
-                                        <p:cTn id="56" dur="1" fill="hold">
+                                        <p:cTn id="45" dur="1" fill="hold">
                                           <p:stCondLst>
                                             <p:cond delay="0"/>
                                           </p:stCondLst>
@@ -21312,6 +21387,37 @@
                                   </p:childTnLst>
                                 </p:cTn>
                               </p:par>
+                              <p:par>
+                                <p:cTn id="46" presetID="1" presetClass="exit" presetSubtype="0" fill="hold" grpId="10" nodeType="withEffect">
+                                  <p:stCondLst>
+                                    <p:cond delay="0"/>
+                                  </p:stCondLst>
+                                  <p:childTnLst>
+                                    <p:set>
+                                      <p:cBhvr>
+                                        <p:cTn id="47" dur="1" fill="hold">
+                                          <p:stCondLst>
+                                            <p:cond delay="0"/>
+                                          </p:stCondLst>
+                                        </p:cTn>
+                                        <p:tgtEl>
+                                          <p:spTgt spid="7">
+                                            <p:graphicEl>
+                                              <a:dgm id="{A90B5234-9E99-4CF9-B3DE-EECB06B1CB86}"/>
+                                            </p:graphicEl>
+                                          </p:spTgt>
+                                        </p:tgtEl>
+                                        <p:attrNameLst>
+                                          <p:attrName>style.visibility</p:attrName>
+                                        </p:attrNameLst>
+                                      </p:cBhvr>
+                                      <p:to>
+                                        <p:strVal val="hidden"/>
+                                      </p:to>
+                                    </p:set>
+                                  </p:childTnLst>
+                                </p:cTn>
+                              </p:par>
                             </p:childTnLst>
                           </p:cTn>
                         </p:par>
@@ -21319,26 +21425,26 @@
                     </p:cTn>
                   </p:par>
                   <p:par>
-                    <p:cTn id="57" fill="hold">
+                    <p:cTn id="48" fill="hold">
                       <p:stCondLst>
                         <p:cond delay="indefinite"/>
                       </p:stCondLst>
                       <p:childTnLst>
                         <p:par>
-                          <p:cTn id="58" fill="hold">
+                          <p:cTn id="49" fill="hold">
                             <p:stCondLst>
                               <p:cond delay="0"/>
                             </p:stCondLst>
                             <p:childTnLst>
                               <p:par>
-                                <p:cTn id="59" presetID="1" presetClass="exit" presetSubtype="0" fill="hold" grpId="1" nodeType="clickEffect">
+                                <p:cTn id="50" presetID="1" presetClass="exit" presetSubtype="0" fill="hold" grpId="1" nodeType="clickEffect">
                                   <p:stCondLst>
                                     <p:cond delay="0"/>
                                   </p:stCondLst>
                                   <p:childTnLst>
                                     <p:set>
                                       <p:cBhvr>
-                                        <p:cTn id="60" dur="1" fill="hold">
+                                        <p:cTn id="51" dur="1" fill="hold">
                                           <p:stCondLst>
                                             <p:cond delay="0"/>
                                           </p:stCondLst>
@@ -21358,14 +21464,14 @@
                                 </p:cTn>
                               </p:par>
                               <p:par>
-                                <p:cTn id="61" presetID="1" presetClass="entr" presetSubtype="0" fill="hold" grpId="0" nodeType="withEffect">
+                                <p:cTn id="52" presetID="1" presetClass="entr" presetSubtype="0" fill="hold" grpId="0" nodeType="withEffect">
                                   <p:stCondLst>
                                     <p:cond delay="0"/>
                                   </p:stCondLst>
                                   <p:childTnLst>
                                     <p:set>
                                       <p:cBhvr>
-                                        <p:cTn id="62" dur="1" fill="hold">
+                                        <p:cTn id="53" dur="1" fill="hold">
                                           <p:stCondLst>
                                             <p:cond delay="0"/>
                                           </p:stCondLst>
@@ -21412,17 +21518,12 @@
       </p:par>
     </p:tnLst>
     <p:bldLst>
-      <p:bldGraphic spid="7" grpId="0">
+      <p:bldGraphic spid="7" grpId="0" uiExpand="1">
         <p:bldSub>
           <a:bldDgm bld="one"/>
         </p:bldSub>
       </p:bldGraphic>
-      <p:bldGraphic spid="7" grpId="1" uiExpand="1">
-        <p:bldSub>
-          <a:bldDgm bld="one"/>
-        </p:bldSub>
-      </p:bldGraphic>
-      <p:bldGraphic spid="7" grpId="2">
+      <p:bldGraphic spid="7" grpId="2" uiExpand="1">
         <p:bldSub>
           <a:bldDgm bld="one"/>
         </p:bldSub>
@@ -21432,7 +21533,7 @@
           <a:bldDgm bld="one"/>
         </p:bldSub>
       </p:bldGraphic>
-      <p:bldGraphic spid="7" grpId="6">
+      <p:bldGraphic spid="7" grpId="6" uiExpand="1">
         <p:bldSub>
           <a:bldDgm bld="one"/>
         </p:bldSub>
@@ -21442,7 +21543,17 @@
           <a:bldDgm bld="one"/>
         </p:bldSub>
       </p:bldGraphic>
-      <p:bldGraphic spid="7" grpId="8">
+      <p:bldGraphic spid="7" grpId="8" uiExpand="1">
+        <p:bldSub>
+          <a:bldDgm bld="one"/>
+        </p:bldSub>
+      </p:bldGraphic>
+      <p:bldGraphic spid="7" grpId="9" uiExpand="1">
+        <p:bldSub>
+          <a:bldDgm bld="one"/>
+        </p:bldSub>
+      </p:bldGraphic>
+      <p:bldGraphic spid="7" grpId="10" uiExpand="1">
         <p:bldSub>
           <a:bldDgm bld="one"/>
         </p:bldSub>
@@ -22022,31 +22133,15 @@
         </p:nvSpPr>
         <p:spPr>
           <a:xfrm>
-            <a:off x="838200" y="2684477"/>
+            <a:off x="838200" y="2140192"/>
             <a:ext cx="10515600" cy="3492486"/>
           </a:xfrm>
         </p:spPr>
         <p:txBody>
-          <a:bodyPr/>
+          <a:bodyPr>
+            <a:normAutofit fontScale="92500" lnSpcReduction="20000"/>
+          </a:bodyPr>
           <a:lstStyle/>
-          <a:p>
-            <a:r>
-              <a:rPr lang="en-US" dirty="0">
-                <a:latin typeface="Frank Ruhl Libre" panose="00000500000000000000" pitchFamily="2" charset="-79"/>
-                <a:cs typeface="Frank Ruhl Libre" panose="00000500000000000000" pitchFamily="2" charset="-79"/>
-              </a:rPr>
-              <a:t>1 x 7 x 7 x 512</a:t>
-            </a:r>
-          </a:p>
-          <a:p>
-            <a:r>
-              <a:rPr lang="en-US" dirty="0">
-                <a:latin typeface="Frank Ruhl Libre" panose="00000500000000000000" pitchFamily="2" charset="-79"/>
-                <a:cs typeface="Frank Ruhl Libre" panose="00000500000000000000" pitchFamily="2" charset="-79"/>
-              </a:rPr>
-              <a:t>Flattened</a:t>
-            </a:r>
-          </a:p>
           <a:p>
             <a:r>
               <a:rPr lang="en-IN" dirty="0">
@@ -22055,7 +22150,7 @@
                 <a:ea typeface="Times New Roman" panose="02020603050405020304" pitchFamily="18" charset="0"/>
                 <a:cs typeface="Frank Ruhl Libre" panose="00000500000000000000" pitchFamily="2" charset="-79"/>
               </a:rPr>
-              <a:t>25088 x 1</a:t>
+              <a:t>4096 x 1</a:t>
             </a:r>
             <a:r>
               <a:rPr lang="en-US" dirty="0">
@@ -22071,8 +22166,80 @@
                 <a:latin typeface="Frank Ruhl Libre" panose="00000500000000000000" pitchFamily="2" charset="-79"/>
                 <a:cs typeface="Frank Ruhl Libre" panose="00000500000000000000" pitchFamily="2" charset="-79"/>
               </a:rPr>
-              <a:t>Consolidated each author</a:t>
-            </a:r>
+              <a:t>Consolidated each set</a:t>
+            </a:r>
+          </a:p>
+          <a:p>
+            <a:r>
+              <a:rPr lang="en-IN" dirty="0">
+                <a:latin typeface="Frank Ruhl Libre" panose="00000500000000000000" pitchFamily="2" charset="-79"/>
+                <a:cs typeface="Frank Ruhl Libre" panose="00000500000000000000" pitchFamily="2" charset="-79"/>
+              </a:rPr>
+              <a:t>Number of Authors</a:t>
+            </a:r>
+          </a:p>
+          <a:p>
+            <a:pPr lvl="1"/>
+            <a:r>
+              <a:rPr lang="en-IN" dirty="0">
+                <a:latin typeface="Frank Ruhl Libre" panose="00000500000000000000" pitchFamily="2" charset="-79"/>
+                <a:cs typeface="Frank Ruhl Libre" panose="00000500000000000000" pitchFamily="2" charset="-79"/>
+              </a:rPr>
+              <a:t>Bengali = 100</a:t>
+            </a:r>
+          </a:p>
+          <a:p>
+            <a:pPr lvl="1"/>
+            <a:r>
+              <a:rPr lang="en-IN" dirty="0">
+                <a:latin typeface="Frank Ruhl Libre" panose="00000500000000000000" pitchFamily="2" charset="-79"/>
+                <a:cs typeface="Frank Ruhl Libre" panose="00000500000000000000" pitchFamily="2" charset="-79"/>
+              </a:rPr>
+              <a:t>English = 101</a:t>
+            </a:r>
+          </a:p>
+          <a:p>
+            <a:r>
+              <a:rPr lang="en-IN" dirty="0">
+                <a:latin typeface="Frank Ruhl Libre" panose="00000500000000000000" pitchFamily="2" charset="-79"/>
+                <a:cs typeface="Frank Ruhl Libre" panose="00000500000000000000" pitchFamily="2" charset="-79"/>
+              </a:rPr>
+              <a:t>5 sets of extracted features for each author</a:t>
+            </a:r>
+          </a:p>
+          <a:p>
+            <a:r>
+              <a:rPr lang="en-IN" dirty="0">
+                <a:latin typeface="Frank Ruhl Libre" panose="00000500000000000000" pitchFamily="2" charset="-79"/>
+                <a:cs typeface="Frank Ruhl Libre" panose="00000500000000000000" pitchFamily="2" charset="-79"/>
+              </a:rPr>
+              <a:t>Set contains 4096 x r</a:t>
+            </a:r>
+          </a:p>
+          <a:p>
+            <a:pPr lvl="1"/>
+            <a:r>
+              <a:rPr lang="en-IN" dirty="0">
+                <a:latin typeface="Frank Ruhl Libre" panose="00000500000000000000" pitchFamily="2" charset="-79"/>
+                <a:cs typeface="Frank Ruhl Libre" panose="00000500000000000000" pitchFamily="2" charset="-79"/>
+              </a:rPr>
+              <a:t>r = number of rows = number of images in each set</a:t>
+            </a:r>
+          </a:p>
+          <a:p>
+            <a:r>
+              <a:rPr lang="en-IN" dirty="0">
+                <a:latin typeface="Frank Ruhl Libre" panose="00000500000000000000" pitchFamily="2" charset="-79"/>
+                <a:cs typeface="Frank Ruhl Libre" panose="00000500000000000000" pitchFamily="2" charset="-79"/>
+              </a:rPr>
+              <a:t>Feature extraction time = 2 hours 14 minutes 17 seconds (approx.)</a:t>
+            </a:r>
+          </a:p>
+          <a:p>
+            <a:endParaRPr lang="en-IN" dirty="0">
+              <a:latin typeface="Frank Ruhl Libre" panose="00000500000000000000" pitchFamily="2" charset="-79"/>
+              <a:cs typeface="Frank Ruhl Libre" panose="00000500000000000000" pitchFamily="2" charset="-79"/>
+            </a:endParaRPr>
           </a:p>
           <a:p>
             <a:endParaRPr lang="en-IN" dirty="0">
@@ -22276,6 +22443,251 @@
                                           <p:spTgt spid="3">
                                             <p:txEl>
                                               <p:pRg st="3" end="3"/>
+                                            </p:txEl>
+                                          </p:spTgt>
+                                        </p:tgtEl>
+                                        <p:attrNameLst>
+                                          <p:attrName>style.visibility</p:attrName>
+                                        </p:attrNameLst>
+                                      </p:cBhvr>
+                                      <p:to>
+                                        <p:strVal val="visible"/>
+                                      </p:to>
+                                    </p:set>
+                                  </p:childTnLst>
+                                </p:cTn>
+                              </p:par>
+                            </p:childTnLst>
+                          </p:cTn>
+                        </p:par>
+                      </p:childTnLst>
+                    </p:cTn>
+                  </p:par>
+                  <p:par>
+                    <p:cTn id="19" fill="hold">
+                      <p:stCondLst>
+                        <p:cond delay="indefinite"/>
+                      </p:stCondLst>
+                      <p:childTnLst>
+                        <p:par>
+                          <p:cTn id="20" fill="hold">
+                            <p:stCondLst>
+                              <p:cond delay="0"/>
+                            </p:stCondLst>
+                            <p:childTnLst>
+                              <p:par>
+                                <p:cTn id="21" presetID="1" presetClass="entr" presetSubtype="0" fill="hold" nodeType="clickEffect">
+                                  <p:stCondLst>
+                                    <p:cond delay="0"/>
+                                  </p:stCondLst>
+                                  <p:childTnLst>
+                                    <p:set>
+                                      <p:cBhvr>
+                                        <p:cTn id="22" dur="1" fill="hold">
+                                          <p:stCondLst>
+                                            <p:cond delay="0"/>
+                                          </p:stCondLst>
+                                        </p:cTn>
+                                        <p:tgtEl>
+                                          <p:spTgt spid="3">
+                                            <p:txEl>
+                                              <p:pRg st="4" end="4"/>
+                                            </p:txEl>
+                                          </p:spTgt>
+                                        </p:tgtEl>
+                                        <p:attrNameLst>
+                                          <p:attrName>style.visibility</p:attrName>
+                                        </p:attrNameLst>
+                                      </p:cBhvr>
+                                      <p:to>
+                                        <p:strVal val="visible"/>
+                                      </p:to>
+                                    </p:set>
+                                  </p:childTnLst>
+                                </p:cTn>
+                              </p:par>
+                            </p:childTnLst>
+                          </p:cTn>
+                        </p:par>
+                      </p:childTnLst>
+                    </p:cTn>
+                  </p:par>
+                  <p:par>
+                    <p:cTn id="23" fill="hold">
+                      <p:stCondLst>
+                        <p:cond delay="indefinite"/>
+                      </p:stCondLst>
+                      <p:childTnLst>
+                        <p:par>
+                          <p:cTn id="24" fill="hold">
+                            <p:stCondLst>
+                              <p:cond delay="0"/>
+                            </p:stCondLst>
+                            <p:childTnLst>
+                              <p:par>
+                                <p:cTn id="25" presetID="1" presetClass="entr" presetSubtype="0" fill="hold" nodeType="clickEffect">
+                                  <p:stCondLst>
+                                    <p:cond delay="0"/>
+                                  </p:stCondLst>
+                                  <p:childTnLst>
+                                    <p:set>
+                                      <p:cBhvr>
+                                        <p:cTn id="26" dur="1" fill="hold">
+                                          <p:stCondLst>
+                                            <p:cond delay="0"/>
+                                          </p:stCondLst>
+                                        </p:cTn>
+                                        <p:tgtEl>
+                                          <p:spTgt spid="3">
+                                            <p:txEl>
+                                              <p:pRg st="5" end="5"/>
+                                            </p:txEl>
+                                          </p:spTgt>
+                                        </p:tgtEl>
+                                        <p:attrNameLst>
+                                          <p:attrName>style.visibility</p:attrName>
+                                        </p:attrNameLst>
+                                      </p:cBhvr>
+                                      <p:to>
+                                        <p:strVal val="visible"/>
+                                      </p:to>
+                                    </p:set>
+                                  </p:childTnLst>
+                                </p:cTn>
+                              </p:par>
+                            </p:childTnLst>
+                          </p:cTn>
+                        </p:par>
+                      </p:childTnLst>
+                    </p:cTn>
+                  </p:par>
+                  <p:par>
+                    <p:cTn id="27" fill="hold">
+                      <p:stCondLst>
+                        <p:cond delay="indefinite"/>
+                      </p:stCondLst>
+                      <p:childTnLst>
+                        <p:par>
+                          <p:cTn id="28" fill="hold">
+                            <p:stCondLst>
+                              <p:cond delay="0"/>
+                            </p:stCondLst>
+                            <p:childTnLst>
+                              <p:par>
+                                <p:cTn id="29" presetID="1" presetClass="entr" presetSubtype="0" fill="hold" nodeType="clickEffect">
+                                  <p:stCondLst>
+                                    <p:cond delay="0"/>
+                                  </p:stCondLst>
+                                  <p:childTnLst>
+                                    <p:set>
+                                      <p:cBhvr>
+                                        <p:cTn id="30" dur="1" fill="hold">
+                                          <p:stCondLst>
+                                            <p:cond delay="0"/>
+                                          </p:stCondLst>
+                                        </p:cTn>
+                                        <p:tgtEl>
+                                          <p:spTgt spid="3">
+                                            <p:txEl>
+                                              <p:pRg st="6" end="6"/>
+                                            </p:txEl>
+                                          </p:spTgt>
+                                        </p:tgtEl>
+                                        <p:attrNameLst>
+                                          <p:attrName>style.visibility</p:attrName>
+                                        </p:attrNameLst>
+                                      </p:cBhvr>
+                                      <p:to>
+                                        <p:strVal val="visible"/>
+                                      </p:to>
+                                    </p:set>
+                                  </p:childTnLst>
+                                </p:cTn>
+                              </p:par>
+                            </p:childTnLst>
+                          </p:cTn>
+                        </p:par>
+                      </p:childTnLst>
+                    </p:cTn>
+                  </p:par>
+                  <p:par>
+                    <p:cTn id="31" fill="hold">
+                      <p:stCondLst>
+                        <p:cond delay="indefinite"/>
+                      </p:stCondLst>
+                      <p:childTnLst>
+                        <p:par>
+                          <p:cTn id="32" fill="hold">
+                            <p:stCondLst>
+                              <p:cond delay="0"/>
+                            </p:stCondLst>
+                            <p:childTnLst>
+                              <p:par>
+                                <p:cTn id="33" presetID="1" presetClass="entr" presetSubtype="0" fill="hold" nodeType="clickEffect">
+                                  <p:stCondLst>
+                                    <p:cond delay="0"/>
+                                  </p:stCondLst>
+                                  <p:childTnLst>
+                                    <p:set>
+                                      <p:cBhvr>
+                                        <p:cTn id="34" dur="1" fill="hold">
+                                          <p:stCondLst>
+                                            <p:cond delay="0"/>
+                                          </p:stCondLst>
+                                        </p:cTn>
+                                        <p:tgtEl>
+                                          <p:spTgt spid="3">
+                                            <p:txEl>
+                                              <p:pRg st="7" end="7"/>
+                                            </p:txEl>
+                                          </p:spTgt>
+                                        </p:tgtEl>
+                                        <p:attrNameLst>
+                                          <p:attrName>style.visibility</p:attrName>
+                                        </p:attrNameLst>
+                                      </p:cBhvr>
+                                      <p:to>
+                                        <p:strVal val="visible"/>
+                                      </p:to>
+                                    </p:set>
+                                  </p:childTnLst>
+                                </p:cTn>
+                              </p:par>
+                            </p:childTnLst>
+                          </p:cTn>
+                        </p:par>
+                      </p:childTnLst>
+                    </p:cTn>
+                  </p:par>
+                  <p:par>
+                    <p:cTn id="35" fill="hold">
+                      <p:stCondLst>
+                        <p:cond delay="indefinite"/>
+                      </p:stCondLst>
+                      <p:childTnLst>
+                        <p:par>
+                          <p:cTn id="36" fill="hold">
+                            <p:stCondLst>
+                              <p:cond delay="0"/>
+                            </p:stCondLst>
+                            <p:childTnLst>
+                              <p:par>
+                                <p:cTn id="37" presetID="1" presetClass="entr" presetSubtype="0" fill="hold" nodeType="clickEffect">
+                                  <p:stCondLst>
+                                    <p:cond delay="0"/>
+                                  </p:stCondLst>
+                                  <p:childTnLst>
+                                    <p:set>
+                                      <p:cBhvr>
+                                        <p:cTn id="38" dur="1" fill="hold">
+                                          <p:stCondLst>
+                                            <p:cond delay="0"/>
+                                          </p:stCondLst>
+                                        </p:cTn>
+                                        <p:tgtEl>
+                                          <p:spTgt spid="3">
+                                            <p:txEl>
+                                              <p:pRg st="8" end="8"/>
                                             </p:txEl>
                                           </p:spTgt>
                                         </p:tgtEl>

--- a/Documentation/4th Year Project Presentation.pptx
+++ b/Documentation/4th Year Project Presentation.pptx
@@ -4932,7 +4932,21 @@
               <a:latin typeface="Frank Ruhl Libre" panose="00000500000000000000" pitchFamily="2" charset="-79"/>
               <a:cs typeface="Frank Ruhl Libre" panose="00000500000000000000" pitchFamily="2" charset="-79"/>
             </a:rPr>
-            <a:t>224 x 222 RGB Image</a:t>
+            <a:t>224 </a:t>
+          </a:r>
+          <a:r>
+            <a:rPr lang="en-IN" sz="2000">
+              <a:latin typeface="Frank Ruhl Libre" panose="00000500000000000000" pitchFamily="2" charset="-79"/>
+              <a:cs typeface="Frank Ruhl Libre" panose="00000500000000000000" pitchFamily="2" charset="-79"/>
+            </a:rPr>
+            <a:t>x 224 </a:t>
+          </a:r>
+          <a:r>
+            <a:rPr lang="en-IN" sz="2000" dirty="0">
+              <a:latin typeface="Frank Ruhl Libre" panose="00000500000000000000" pitchFamily="2" charset="-79"/>
+              <a:cs typeface="Frank Ruhl Libre" panose="00000500000000000000" pitchFamily="2" charset="-79"/>
+            </a:rPr>
+            <a:t>RGB Image</a:t>
           </a:r>
         </a:p>
       </dgm:t>
@@ -7161,7 +7175,21 @@
               <a:latin typeface="Frank Ruhl Libre" panose="00000500000000000000" pitchFamily="2" charset="-79"/>
               <a:cs typeface="Frank Ruhl Libre" panose="00000500000000000000" pitchFamily="2" charset="-79"/>
             </a:rPr>
-            <a:t>224 x 222 RGB Image</a:t>
+            <a:t>224 </a:t>
+          </a:r>
+          <a:r>
+            <a:rPr lang="en-IN" sz="2000" kern="1200">
+              <a:latin typeface="Frank Ruhl Libre" panose="00000500000000000000" pitchFamily="2" charset="-79"/>
+              <a:cs typeface="Frank Ruhl Libre" panose="00000500000000000000" pitchFamily="2" charset="-79"/>
+            </a:rPr>
+            <a:t>x 224 </a:t>
+          </a:r>
+          <a:r>
+            <a:rPr lang="en-IN" sz="2000" kern="1200" dirty="0">
+              <a:latin typeface="Frank Ruhl Libre" panose="00000500000000000000" pitchFamily="2" charset="-79"/>
+              <a:cs typeface="Frank Ruhl Libre" panose="00000500000000000000" pitchFamily="2" charset="-79"/>
+            </a:rPr>
+            <a:t>RGB Image</a:t>
           </a:r>
         </a:p>
       </dsp:txBody>
@@ -10812,7 +10840,7 @@
           <a:p>
             <a:fld id="{35183334-D245-4844-9ECA-AD7663113EE6}" type="datetimeFigureOut">
               <a:rPr lang="en-IN" smtClean="0"/>
-              <a:t>03-05-2021</a:t>
+              <a:t>06-05-2021</a:t>
             </a:fld>
             <a:endParaRPr lang="en-IN"/>
           </a:p>
@@ -13815,7 +13843,7 @@
           <a:p>
             <a:fld id="{21D9AB09-D600-4578-8243-21B8A8CCB975}" type="datetimeFigureOut">
               <a:rPr lang="en-IN" smtClean="0"/>
-              <a:t>03-05-2021</a:t>
+              <a:t>06-05-2021</a:t>
             </a:fld>
             <a:endParaRPr lang="en-IN"/>
           </a:p>
@@ -13985,7 +14013,7 @@
           <a:p>
             <a:fld id="{21D9AB09-D600-4578-8243-21B8A8CCB975}" type="datetimeFigureOut">
               <a:rPr lang="en-IN" smtClean="0"/>
-              <a:t>03-05-2021</a:t>
+              <a:t>06-05-2021</a:t>
             </a:fld>
             <a:endParaRPr lang="en-IN"/>
           </a:p>
@@ -14165,7 +14193,7 @@
           <a:p>
             <a:fld id="{21D9AB09-D600-4578-8243-21B8A8CCB975}" type="datetimeFigureOut">
               <a:rPr lang="en-IN" smtClean="0"/>
-              <a:t>03-05-2021</a:t>
+              <a:t>06-05-2021</a:t>
             </a:fld>
             <a:endParaRPr lang="en-IN"/>
           </a:p>
@@ -14335,7 +14363,7 @@
           <a:p>
             <a:fld id="{21D9AB09-D600-4578-8243-21B8A8CCB975}" type="datetimeFigureOut">
               <a:rPr lang="en-IN" smtClean="0"/>
-              <a:t>03-05-2021</a:t>
+              <a:t>06-05-2021</a:t>
             </a:fld>
             <a:endParaRPr lang="en-IN"/>
           </a:p>
@@ -14581,7 +14609,7 @@
           <a:p>
             <a:fld id="{21D9AB09-D600-4578-8243-21B8A8CCB975}" type="datetimeFigureOut">
               <a:rPr lang="en-IN" smtClean="0"/>
-              <a:t>03-05-2021</a:t>
+              <a:t>06-05-2021</a:t>
             </a:fld>
             <a:endParaRPr lang="en-IN"/>
           </a:p>
@@ -14813,7 +14841,7 @@
           <a:p>
             <a:fld id="{21D9AB09-D600-4578-8243-21B8A8CCB975}" type="datetimeFigureOut">
               <a:rPr lang="en-IN" smtClean="0"/>
-              <a:t>03-05-2021</a:t>
+              <a:t>06-05-2021</a:t>
             </a:fld>
             <a:endParaRPr lang="en-IN"/>
           </a:p>
@@ -15180,7 +15208,7 @@
           <a:p>
             <a:fld id="{21D9AB09-D600-4578-8243-21B8A8CCB975}" type="datetimeFigureOut">
               <a:rPr lang="en-IN" smtClean="0"/>
-              <a:t>03-05-2021</a:t>
+              <a:t>06-05-2021</a:t>
             </a:fld>
             <a:endParaRPr lang="en-IN"/>
           </a:p>
@@ -15298,7 +15326,7 @@
           <a:p>
             <a:fld id="{21D9AB09-D600-4578-8243-21B8A8CCB975}" type="datetimeFigureOut">
               <a:rPr lang="en-IN" smtClean="0"/>
-              <a:t>03-05-2021</a:t>
+              <a:t>06-05-2021</a:t>
             </a:fld>
             <a:endParaRPr lang="en-IN"/>
           </a:p>
@@ -15393,7 +15421,7 @@
           <a:p>
             <a:fld id="{21D9AB09-D600-4578-8243-21B8A8CCB975}" type="datetimeFigureOut">
               <a:rPr lang="en-IN" smtClean="0"/>
-              <a:t>03-05-2021</a:t>
+              <a:t>06-05-2021</a:t>
             </a:fld>
             <a:endParaRPr lang="en-IN"/>
           </a:p>
@@ -15670,7 +15698,7 @@
           <a:p>
             <a:fld id="{21D9AB09-D600-4578-8243-21B8A8CCB975}" type="datetimeFigureOut">
               <a:rPr lang="en-IN" smtClean="0"/>
-              <a:t>03-05-2021</a:t>
+              <a:t>06-05-2021</a:t>
             </a:fld>
             <a:endParaRPr lang="en-IN"/>
           </a:p>
@@ -15927,7 +15955,7 @@
           <a:p>
             <a:fld id="{21D9AB09-D600-4578-8243-21B8A8CCB975}" type="datetimeFigureOut">
               <a:rPr lang="en-IN" smtClean="0"/>
-              <a:t>03-05-2021</a:t>
+              <a:t>06-05-2021</a:t>
             </a:fld>
             <a:endParaRPr lang="en-IN"/>
           </a:p>
@@ -16168,7 +16196,7 @@
           <a:p>
             <a:fld id="{21D9AB09-D600-4578-8243-21B8A8CCB975}" type="datetimeFigureOut">
               <a:rPr lang="en-IN" smtClean="0"/>
-              <a:t>03-05-2021</a:t>
+              <a:t>06-05-2021</a:t>
             </a:fld>
             <a:endParaRPr lang="en-IN"/>
           </a:p>
@@ -21631,7 +21659,7 @@
             <p:ph idx="1"/>
             <p:extLst>
               <p:ext uri="{D42A27DB-BD31-4B8C-83A1-F6EECF244321}">
-                <p14:modId xmlns:p14="http://schemas.microsoft.com/office/powerpoint/2010/main" val="2952024971"/>
+                <p14:modId xmlns:p14="http://schemas.microsoft.com/office/powerpoint/2010/main" val="4293945100"/>
               </p:ext>
             </p:extLst>
           </p:nvPr>
@@ -22809,15 +22837,6 @@
                 <a:latin typeface="Frank Ruhl Libre" panose="00000500000000000000" pitchFamily="2" charset="-79"/>
                 <a:cs typeface="Frank Ruhl Libre" panose="00000500000000000000" pitchFamily="2" charset="-79"/>
               </a:rPr>
-              <a:t>Loop through all the training and test sets to extract features</a:t>
-            </a:r>
-          </a:p>
-          <a:p>
-            <a:r>
-              <a:rPr lang="en-US" dirty="0">
-                <a:latin typeface="Frank Ruhl Libre" panose="00000500000000000000" pitchFamily="2" charset="-79"/>
-                <a:cs typeface="Frank Ruhl Libre" panose="00000500000000000000" pitchFamily="2" charset="-79"/>
-              </a:rPr>
               <a:t>Update the model</a:t>
             </a:r>
           </a:p>
@@ -22863,19 +22882,8 @@
                 <a:latin typeface="Frank Ruhl Libre" panose="00000500000000000000" pitchFamily="2" charset="-79"/>
                 <a:cs typeface="Frank Ruhl Libre" panose="00000500000000000000" pitchFamily="2" charset="-79"/>
               </a:rPr>
-              <a:t>Try </a:t>
-            </a:r>
-            <a:r>
-              <a:rPr lang="en-US">
-                <a:latin typeface="Frank Ruhl Libre" panose="00000500000000000000" pitchFamily="2" charset="-79"/>
-                <a:cs typeface="Frank Ruhl Libre" panose="00000500000000000000" pitchFamily="2" charset="-79"/>
-              </a:rPr>
-              <a:t>inter-language verification</a:t>
-            </a:r>
-            <a:endParaRPr lang="en-US" dirty="0">
-              <a:latin typeface="Frank Ruhl Libre" panose="00000500000000000000" pitchFamily="2" charset="-79"/>
-              <a:cs typeface="Frank Ruhl Libre" panose="00000500000000000000" pitchFamily="2" charset="-79"/>
-            </a:endParaRPr>
+              <a:t>Try inter-language verification</a:t>
+            </a:r>
           </a:p>
           <a:p>
             <a:r>
@@ -23233,55 +23241,6 @@
                                           <p:spTgt spid="3">
                                             <p:txEl>
                                               <p:pRg st="6" end="6"/>
-                                            </p:txEl>
-                                          </p:spTgt>
-                                        </p:tgtEl>
-                                        <p:attrNameLst>
-                                          <p:attrName>style.visibility</p:attrName>
-                                        </p:attrNameLst>
-                                      </p:cBhvr>
-                                      <p:to>
-                                        <p:strVal val="visible"/>
-                                      </p:to>
-                                    </p:set>
-                                  </p:childTnLst>
-                                </p:cTn>
-                              </p:par>
-                            </p:childTnLst>
-                          </p:cTn>
-                        </p:par>
-                      </p:childTnLst>
-                    </p:cTn>
-                  </p:par>
-                  <p:par>
-                    <p:cTn id="31" fill="hold">
-                      <p:stCondLst>
-                        <p:cond delay="indefinite"/>
-                      </p:stCondLst>
-                      <p:childTnLst>
-                        <p:par>
-                          <p:cTn id="32" fill="hold">
-                            <p:stCondLst>
-                              <p:cond delay="0"/>
-                            </p:stCondLst>
-                            <p:childTnLst>
-                              <p:par>
-                                <p:cTn id="33" presetID="1" presetClass="entr" presetSubtype="0" fill="hold" grpId="0" nodeType="clickEffect">
-                                  <p:stCondLst>
-                                    <p:cond delay="0"/>
-                                  </p:stCondLst>
-                                  <p:childTnLst>
-                                    <p:set>
-                                      <p:cBhvr>
-                                        <p:cTn id="34" dur="1" fill="hold">
-                                          <p:stCondLst>
-                                            <p:cond delay="0"/>
-                                          </p:stCondLst>
-                                        </p:cTn>
-                                        <p:tgtEl>
-                                          <p:spTgt spid="3">
-                                            <p:txEl>
-                                              <p:pRg st="7" end="7"/>
                                             </p:txEl>
                                           </p:spTgt>
                                         </p:tgtEl>

--- a/Documentation/4th Year Project Presentation.pptx
+++ b/Documentation/4th Year Project Presentation.pptx
@@ -4624,7 +4624,7 @@
       <dgm:spPr/>
     </dgm:pt>
     <dgm:pt modelId="{34B7AA53-A65D-427C-AF67-E094BBB0A8A8}" type="pres">
-      <dgm:prSet presAssocID="{52701CF7-45AD-428B-A965-2CF347B75CDC}" presName="textNode" presStyleLbl="node1" presStyleIdx="7" presStyleCnt="9" custLinFactX="-100000" custLinFactNeighborX="-100899" custLinFactNeighborY="-54">
+      <dgm:prSet presAssocID="{52701CF7-45AD-428B-A965-2CF347B75CDC}" presName="textNode" presStyleLbl="node1" presStyleIdx="7" presStyleCnt="9" custScaleY="100215" custLinFactX="-100000" custLinFactNeighborX="-100899" custLinFactNeighborY="-54">
         <dgm:presLayoutVars>
           <dgm:bulletEnabled val="1"/>
         </dgm:presLayoutVars>
@@ -6382,8 +6382,8 @@
       </dsp:nvSpPr>
       <dsp:spPr>
         <a:xfrm>
-          <a:off x="7046181" y="1304461"/>
-          <a:ext cx="1118052" cy="1740535"/>
+          <a:off x="7046181" y="1302590"/>
+          <a:ext cx="1118052" cy="1744277"/>
         </a:xfrm>
         <a:prstGeom prst="roundRect">
           <a:avLst/>
@@ -6438,8 +6438,8 @@
         </a:p>
       </dsp:txBody>
       <dsp:txXfrm>
-        <a:off x="7100760" y="1359040"/>
-        <a:ext cx="1008894" cy="1631377"/>
+        <a:off x="7100760" y="1357169"/>
+        <a:ext cx="1008894" cy="1635119"/>
       </dsp:txXfrm>
     </dsp:sp>
     <dsp:sp modelId="{E7CDB7BA-C1AA-4C9F-8313-4DFD5ED03041}">
@@ -11826,18 +11826,7 @@
           <a:bodyPr/>
           <a:lstStyle/>
           <a:p>
-            <a:r>
-              <a:rPr lang="en-IN" dirty="0"/>
-              <a:t>Time, number of authors for each language and extracted feature dimension number csv file and English and </a:t>
-            </a:r>
-            <a:r>
-              <a:rPr lang="en-IN" dirty="0" err="1"/>
-              <a:t>bangla</a:t>
-            </a:r>
-            <a:r>
-              <a:rPr lang="en-IN" dirty="0"/>
-              <a:t> </a:t>
-            </a:r>
+            <a:endParaRPr lang="en-IN" dirty="0"/>
           </a:p>
         </p:txBody>
       </p:sp>
@@ -12769,19 +12758,19 @@
           <a:p>
             <a:r>
               <a:rPr lang="en-US" dirty="0"/>
-              <a:t># The original Dataset had 100 volunteers. </a:t>
+              <a:t># The original Dataset had 100 plus volunteers. </a:t>
             </a:r>
           </a:p>
           <a:p>
             <a:r>
               <a:rPr lang="en-US" dirty="0"/>
-              <a:t># There were 3 languages: English, Hindi and Bangla. </a:t>
+              <a:t># The dataset had 3 languages: English, Hindi and Bangla. </a:t>
             </a:r>
           </a:p>
           <a:p>
             <a:r>
               <a:rPr lang="en-US" dirty="0"/>
-              <a:t># The dataset contains handwritten passages. </a:t>
+              <a:t># It initially contained handwritten passages. </a:t>
             </a:r>
           </a:p>
           <a:p>
@@ -12793,7 +12782,7 @@
           <a:p>
             <a:r>
               <a:rPr lang="en-IN" dirty="0"/>
-              <a:t># Currently, we will be working on Bangla text only.</a:t>
+              <a:t># Currently, we will be working on Bangla and English text only.</a:t>
             </a:r>
           </a:p>
           <a:p>
@@ -12978,59 +12967,49 @@
           <a:p>
             <a:r>
               <a:rPr lang="en-US" dirty="0"/>
-              <a:t># Every </a:t>
-            </a:r>
-            <a:r>
-              <a:rPr lang="en-US" dirty="0" err="1"/>
-              <a:t>DataSet</a:t>
-            </a:r>
+              <a:t># Every Dataset has 20 subsets. </a:t>
+            </a:r>
+          </a:p>
+          <a:p>
             <a:r>
               <a:rPr lang="en-US" dirty="0"/>
-              <a:t> has 20 subsets. </a:t>
+              <a:t># Every subset has data for an authors. There is also data for another author that will be used for verification with the current author.</a:t>
+            </a:r>
+          </a:p>
+          <a:p>
+            <a:r>
+              <a:rPr lang="en-US" dirty="0"/>
+              <a:t># There are five sets of data for each of the author.</a:t>
+            </a:r>
+          </a:p>
+          <a:p>
+            <a:r>
+              <a:rPr lang="en-US" dirty="0"/>
+              <a:t># The five sets are divided into three training sets and two testing sets.</a:t>
+            </a:r>
+          </a:p>
+          <a:p>
+            <a:r>
+              <a:rPr lang="en-US" dirty="0"/>
+              <a:t># The images are stored as dot tiff files, that is Tag Image File Format.</a:t>
+            </a:r>
+          </a:p>
+          <a:p>
+            <a:r>
+              <a:rPr lang="en-US" dirty="0"/>
+              <a:t># The format of labels of images is Author Code underscore Set Number underscore Image Number. So the first image of the first set of the first author number is labeled as 0000_01_0.tiff.</a:t>
+            </a:r>
+          </a:p>
+          <a:p>
+            <a:r>
+              <a:rPr lang="en-US" dirty="0"/>
+              <a:t># Since we aim to attempt inter-language verification, we have also add the language code to the obtained CSV file from the feature matrix corresponding to a author. </a:t>
             </a:r>
           </a:p>
           <a:p>
             <a:r>
               <a:rPr lang="en-US" dirty="0"/>
               <a:t># </a:t>
-            </a:r>
-            <a:r>
-              <a:rPr lang="en-US"/>
-              <a:t>Every subset </a:t>
-            </a:r>
-            <a:r>
-              <a:rPr lang="en-US" dirty="0"/>
-              <a:t>has data for an authors. There is also data for another author that will be used for verification with the current author.</a:t>
-            </a:r>
-          </a:p>
-          <a:p>
-            <a:r>
-              <a:rPr lang="en-US" dirty="0"/>
-              <a:t># There are five sets of data for each of the author.</a:t>
-            </a:r>
-          </a:p>
-          <a:p>
-            <a:r>
-              <a:rPr lang="en-US" dirty="0"/>
-              <a:t># The five sets are divided into three training sets and two testing sets.</a:t>
-            </a:r>
-          </a:p>
-          <a:p>
-            <a:r>
-              <a:rPr lang="en-US" dirty="0"/>
-              <a:t># The images are stored as dot tiff files, that is Tag Image File Format.</a:t>
-            </a:r>
-          </a:p>
-          <a:p>
-            <a:r>
-              <a:rPr lang="en-US" dirty="0"/>
-              <a:t># The format of labels of images is Author Code underscore Set Number underscore Image Number. So the first image of the first set of the first author number is labeled as 0000_01_0.tiff.</a:t>
-            </a:r>
-          </a:p>
-          <a:p>
-            <a:r>
-              <a:rPr lang="en-US" dirty="0"/>
-              <a:t># Since we aim to attempt inter-language verification, we will also add the language code to the obtained CSV file from the feature matrix corresponding to a author. #</a:t>
             </a:r>
           </a:p>
           <a:p>
@@ -13662,7 +13641,7 @@
                 <a:effectLst/>
                 <a:latin typeface="Times New Roman" panose="02020603050405020304" pitchFamily="18" charset="0"/>
               </a:rPr>
-              <a:t># VGG16 is also a highly popular algorithm. It is a go to for image recognition algorithms.</a:t>
+              <a:t># VGG16 is also a highly popular algorithm. It is a go-to model for image recognition problems, including handwriting recognition.</a:t>
             </a:r>
           </a:p>
           <a:p>
@@ -17452,7 +17431,7 @@
               <a:rPr lang="en-IN" dirty="0">
                 <a:latin typeface="Garamond" panose="02020404030301010803" pitchFamily="18" charset="0"/>
               </a:rPr>
-              <a:t>Presenter: Souporno Ghosh</a:t>
+              <a:t>Next Presenter: Souporno Ghosh</a:t>
             </a:r>
           </a:p>
         </p:txBody>
@@ -17577,7 +17556,7 @@
                 <a:latin typeface="Frank Ruhl Libre" panose="00000500000000000000" pitchFamily="2" charset="-79"/>
                 <a:cs typeface="Frank Ruhl Libre" panose="00000500000000000000" pitchFamily="2" charset="-79"/>
               </a:rPr>
-              <a:t>100 volunteers</a:t>
+              <a:t>100+ volunteers</a:t>
             </a:r>
           </a:p>
           <a:p>
@@ -17989,7 +17968,7 @@
         </p:spPr>
         <p:txBody>
           <a:bodyPr>
-            <a:normAutofit fontScale="85000" lnSpcReduction="20000"/>
+            <a:normAutofit fontScale="77500" lnSpcReduction="20000"/>
           </a:bodyPr>
           <a:lstStyle/>
           <a:p>
@@ -18095,7 +18074,16 @@
                 <a:latin typeface="Frank Ruhl Libre" panose="00000500000000000000" pitchFamily="2" charset="-79"/>
                 <a:cs typeface="Frank Ruhl Libre" panose="00000500000000000000" pitchFamily="2" charset="-79"/>
               </a:rPr>
-              <a:t>&lt;Language code&gt; will be added to the stored feature matrix</a:t>
+              <a:t>&lt;Language code&gt; added to the stored feature matrix</a:t>
+            </a:r>
+          </a:p>
+          <a:p>
+            <a:r>
+              <a:rPr lang="en-US" dirty="0">
+                <a:latin typeface="Frank Ruhl Libre" panose="00000500000000000000" pitchFamily="2" charset="-79"/>
+                <a:cs typeface="Frank Ruhl Libre" panose="00000500000000000000" pitchFamily="2" charset="-79"/>
+              </a:rPr>
+              <a:t>CSV File Name Format: &lt;Author Code&gt;_&lt;Language Code&gt;_&lt;Set Number&gt;</a:t>
             </a:r>
           </a:p>
           <a:p>
@@ -18583,6 +18571,55 @@
                       </p:childTnLst>
                     </p:cTn>
                   </p:par>
+                  <p:par>
+                    <p:cTn id="39" fill="hold">
+                      <p:stCondLst>
+                        <p:cond delay="indefinite"/>
+                      </p:stCondLst>
+                      <p:childTnLst>
+                        <p:par>
+                          <p:cTn id="40" fill="hold">
+                            <p:stCondLst>
+                              <p:cond delay="0"/>
+                            </p:stCondLst>
+                            <p:childTnLst>
+                              <p:par>
+                                <p:cTn id="41" presetID="1" presetClass="entr" presetSubtype="0" fill="hold" grpId="0" nodeType="clickEffect">
+                                  <p:stCondLst>
+                                    <p:cond delay="0"/>
+                                  </p:stCondLst>
+                                  <p:childTnLst>
+                                    <p:set>
+                                      <p:cBhvr>
+                                        <p:cTn id="42" dur="1" fill="hold">
+                                          <p:stCondLst>
+                                            <p:cond delay="0"/>
+                                          </p:stCondLst>
+                                        </p:cTn>
+                                        <p:tgtEl>
+                                          <p:spTgt spid="3">
+                                            <p:txEl>
+                                              <p:pRg st="11" end="11"/>
+                                            </p:txEl>
+                                          </p:spTgt>
+                                        </p:tgtEl>
+                                        <p:attrNameLst>
+                                          <p:attrName>style.visibility</p:attrName>
+                                        </p:attrNameLst>
+                                      </p:cBhvr>
+                                      <p:to>
+                                        <p:strVal val="visible"/>
+                                      </p:to>
+                                    </p:set>
+                                  </p:childTnLst>
+                                </p:cTn>
+                              </p:par>
+                            </p:childTnLst>
+                          </p:cTn>
+                        </p:par>
+                      </p:childTnLst>
+                    </p:cTn>
+                  </p:par>
                 </p:childTnLst>
               </p:cTn>
               <p:prevCondLst>
@@ -19865,10 +19902,16 @@
           <a:lstStyle/>
           <a:p>
             <a:r>
+              <a:rPr lang="en-IN">
+                <a:latin typeface="Garamond" panose="02020404030301010803" pitchFamily="18" charset="0"/>
+              </a:rPr>
+              <a:t>Next Presenter</a:t>
+            </a:r>
+            <a:r>
               <a:rPr lang="en-IN" dirty="0">
                 <a:latin typeface="Garamond" panose="02020404030301010803" pitchFamily="18" charset="0"/>
               </a:rPr>
-              <a:t>Presenter: Soumya </a:t>
+              <a:t>: Soumya </a:t>
             </a:r>
             <a:r>
               <a:rPr lang="en-IN" dirty="0" err="1">
@@ -20464,7 +20507,7 @@
               <a:rPr lang="en-IN" dirty="0">
                 <a:latin typeface="Garamond" panose="02020404030301010803" pitchFamily="18" charset="0"/>
               </a:rPr>
-              <a:t>Presenter: </a:t>
+              <a:t>Next Presenter: </a:t>
             </a:r>
             <a:r>
               <a:rPr lang="en-IN" dirty="0" err="1">
@@ -20600,7 +20643,7 @@
             <p:ph idx="1"/>
             <p:extLst>
               <p:ext uri="{D42A27DB-BD31-4B8C-83A1-F6EECF244321}">
-                <p14:modId xmlns:p14="http://schemas.microsoft.com/office/powerpoint/2010/main" val="2032814861"/>
+                <p14:modId xmlns:p14="http://schemas.microsoft.com/office/powerpoint/2010/main" val="2962934668"/>
               </p:ext>
             </p:extLst>
           </p:nvPr>
@@ -22185,7 +22228,7 @@
                 <a:latin typeface="Frank Ruhl Libre" panose="00000500000000000000" pitchFamily="2" charset="-79"/>
                 <a:cs typeface="Frank Ruhl Libre" panose="00000500000000000000" pitchFamily="2" charset="-79"/>
               </a:rPr>
-              <a:t> </a:t>
+              <a:t> per image</a:t>
             </a:r>
           </a:p>
           <a:p>
@@ -22194,7 +22237,7 @@
                 <a:latin typeface="Frank Ruhl Libre" panose="00000500000000000000" pitchFamily="2" charset="-79"/>
                 <a:cs typeface="Frank Ruhl Libre" panose="00000500000000000000" pitchFamily="2" charset="-79"/>
               </a:rPr>
-              <a:t>Consolidated each set</a:t>
+              <a:t>Consolidated Features for each Set of Images</a:t>
             </a:r>
           </a:p>
           <a:p>
@@ -22241,7 +22284,7 @@
                 <a:latin typeface="Frank Ruhl Libre" panose="00000500000000000000" pitchFamily="2" charset="-79"/>
                 <a:cs typeface="Frank Ruhl Libre" panose="00000500000000000000" pitchFamily="2" charset="-79"/>
               </a:rPr>
-              <a:t>Set contains 4096 x r</a:t>
+              <a:t>Each Extracted Feature Matrix for a Set contains 4096 x r</a:t>
             </a:r>
           </a:p>
           <a:p>
@@ -22436,33 +22479,15 @@
                                   </p:childTnLst>
                                 </p:cTn>
                               </p:par>
-                            </p:childTnLst>
-                          </p:cTn>
-                        </p:par>
-                      </p:childTnLst>
-                    </p:cTn>
-                  </p:par>
-                  <p:par>
-                    <p:cTn id="15" fill="hold">
-                      <p:stCondLst>
-                        <p:cond delay="indefinite"/>
-                      </p:stCondLst>
-                      <p:childTnLst>
-                        <p:par>
-                          <p:cTn id="16" fill="hold">
-                            <p:stCondLst>
-                              <p:cond delay="0"/>
-                            </p:stCondLst>
-                            <p:childTnLst>
                               <p:par>
-                                <p:cTn id="17" presetID="1" presetClass="entr" presetSubtype="0" fill="hold" nodeType="clickEffect">
+                                <p:cTn id="15" presetID="1" presetClass="entr" presetSubtype="0" fill="hold" nodeType="withEffect">
                                   <p:stCondLst>
                                     <p:cond delay="0"/>
                                   </p:stCondLst>
                                   <p:childTnLst>
                                     <p:set>
                                       <p:cBhvr>
-                                        <p:cTn id="18" dur="1" fill="hold">
+                                        <p:cTn id="16" dur="1" fill="hold">
                                           <p:stCondLst>
                                             <p:cond delay="0"/>
                                           </p:stCondLst>
@@ -22492,26 +22517,26 @@
                     </p:cTn>
                   </p:par>
                   <p:par>
-                    <p:cTn id="19" fill="hold">
+                    <p:cTn id="17" fill="hold">
                       <p:stCondLst>
                         <p:cond delay="indefinite"/>
                       </p:stCondLst>
                       <p:childTnLst>
                         <p:par>
-                          <p:cTn id="20" fill="hold">
+                          <p:cTn id="18" fill="hold">
                             <p:stCondLst>
                               <p:cond delay="0"/>
                             </p:stCondLst>
                             <p:childTnLst>
                               <p:par>
-                                <p:cTn id="21" presetID="1" presetClass="entr" presetSubtype="0" fill="hold" nodeType="clickEffect">
+                                <p:cTn id="19" presetID="1" presetClass="entr" presetSubtype="0" fill="hold" nodeType="clickEffect">
                                   <p:stCondLst>
                                     <p:cond delay="0"/>
                                   </p:stCondLst>
                                   <p:childTnLst>
                                     <p:set>
                                       <p:cBhvr>
-                                        <p:cTn id="22" dur="1" fill="hold">
+                                        <p:cTn id="20" dur="1" fill="hold">
                                           <p:stCondLst>
                                             <p:cond delay="0"/>
                                           </p:stCondLst>
@@ -22541,26 +22566,26 @@
                     </p:cTn>
                   </p:par>
                   <p:par>
-                    <p:cTn id="23" fill="hold">
+                    <p:cTn id="21" fill="hold">
                       <p:stCondLst>
                         <p:cond delay="indefinite"/>
                       </p:stCondLst>
                       <p:childTnLst>
                         <p:par>
-                          <p:cTn id="24" fill="hold">
+                          <p:cTn id="22" fill="hold">
                             <p:stCondLst>
                               <p:cond delay="0"/>
                             </p:stCondLst>
                             <p:childTnLst>
                               <p:par>
-                                <p:cTn id="25" presetID="1" presetClass="entr" presetSubtype="0" fill="hold" nodeType="clickEffect">
+                                <p:cTn id="23" presetID="1" presetClass="entr" presetSubtype="0" fill="hold" nodeType="clickEffect">
                                   <p:stCondLst>
                                     <p:cond delay="0"/>
                                   </p:stCondLst>
                                   <p:childTnLst>
                                     <p:set>
                                       <p:cBhvr>
-                                        <p:cTn id="26" dur="1" fill="hold">
+                                        <p:cTn id="24" dur="1" fill="hold">
                                           <p:stCondLst>
                                             <p:cond delay="0"/>
                                           </p:stCondLst>
@@ -22590,26 +22615,26 @@
                     </p:cTn>
                   </p:par>
                   <p:par>
-                    <p:cTn id="27" fill="hold">
+                    <p:cTn id="25" fill="hold">
                       <p:stCondLst>
                         <p:cond delay="indefinite"/>
                       </p:stCondLst>
                       <p:childTnLst>
                         <p:par>
-                          <p:cTn id="28" fill="hold">
+                          <p:cTn id="26" fill="hold">
                             <p:stCondLst>
                               <p:cond delay="0"/>
                             </p:stCondLst>
                             <p:childTnLst>
                               <p:par>
-                                <p:cTn id="29" presetID="1" presetClass="entr" presetSubtype="0" fill="hold" nodeType="clickEffect">
+                                <p:cTn id="27" presetID="1" presetClass="entr" presetSubtype="0" fill="hold" nodeType="clickEffect">
                                   <p:stCondLst>
                                     <p:cond delay="0"/>
                                   </p:stCondLst>
                                   <p:childTnLst>
                                     <p:set>
                                       <p:cBhvr>
-                                        <p:cTn id="30" dur="1" fill="hold">
+                                        <p:cTn id="28" dur="1" fill="hold">
                                           <p:stCondLst>
                                             <p:cond delay="0"/>
                                           </p:stCondLst>
@@ -22639,26 +22664,26 @@
                     </p:cTn>
                   </p:par>
                   <p:par>
-                    <p:cTn id="31" fill="hold">
+                    <p:cTn id="29" fill="hold">
                       <p:stCondLst>
                         <p:cond delay="indefinite"/>
                       </p:stCondLst>
                       <p:childTnLst>
                         <p:par>
-                          <p:cTn id="32" fill="hold">
+                          <p:cTn id="30" fill="hold">
                             <p:stCondLst>
                               <p:cond delay="0"/>
                             </p:stCondLst>
                             <p:childTnLst>
                               <p:par>
-                                <p:cTn id="33" presetID="1" presetClass="entr" presetSubtype="0" fill="hold" nodeType="clickEffect">
+                                <p:cTn id="31" presetID="1" presetClass="entr" presetSubtype="0" fill="hold" nodeType="clickEffect">
                                   <p:stCondLst>
                                     <p:cond delay="0"/>
                                   </p:stCondLst>
                                   <p:childTnLst>
                                     <p:set>
                                       <p:cBhvr>
-                                        <p:cTn id="34" dur="1" fill="hold">
+                                        <p:cTn id="32" dur="1" fill="hold">
                                           <p:stCondLst>
                                             <p:cond delay="0"/>
                                           </p:stCondLst>
@@ -22688,26 +22713,26 @@
                     </p:cTn>
                   </p:par>
                   <p:par>
-                    <p:cTn id="35" fill="hold">
+                    <p:cTn id="33" fill="hold">
                       <p:stCondLst>
                         <p:cond delay="indefinite"/>
                       </p:stCondLst>
                       <p:childTnLst>
                         <p:par>
-                          <p:cTn id="36" fill="hold">
+                          <p:cTn id="34" fill="hold">
                             <p:stCondLst>
                               <p:cond delay="0"/>
                             </p:stCondLst>
                             <p:childTnLst>
                               <p:par>
-                                <p:cTn id="37" presetID="1" presetClass="entr" presetSubtype="0" fill="hold" nodeType="clickEffect">
+                                <p:cTn id="35" presetID="1" presetClass="entr" presetSubtype="0" fill="hold" nodeType="clickEffect">
                                   <p:stCondLst>
                                     <p:cond delay="0"/>
                                   </p:stCondLst>
                                   <p:childTnLst>
                                     <p:set>
                                       <p:cBhvr>
-                                        <p:cTn id="38" dur="1" fill="hold">
+                                        <p:cTn id="36" dur="1" fill="hold">
                                           <p:stCondLst>
                                             <p:cond delay="0"/>
                                           </p:stCondLst>
@@ -22837,7 +22862,7 @@
                 <a:latin typeface="Frank Ruhl Libre" panose="00000500000000000000" pitchFamily="2" charset="-79"/>
                 <a:cs typeface="Frank Ruhl Libre" panose="00000500000000000000" pitchFamily="2" charset="-79"/>
               </a:rPr>
-              <a:t>Update the model</a:t>
+              <a:t>Update the model for Handwriting Recognition</a:t>
             </a:r>
           </a:p>
           <a:p>
@@ -25945,7 +25970,7 @@
               <a:rPr lang="en-IN" dirty="0">
                 <a:latin typeface="Garamond" panose="02020404030301010803" pitchFamily="18" charset="0"/>
               </a:rPr>
-              <a:t>Presenter: Rahul Roy</a:t>
+              <a:t>Next Presenter: Rahul Roy</a:t>
             </a:r>
           </a:p>
         </p:txBody>

--- a/Documentation/4th Year Project Presentation.pptx
+++ b/Documentation/4th Year Project Presentation.pptx
@@ -5,7 +5,7 @@
     <p:sldMasterId id="2147483731" r:id="rId1"/>
   </p:sldMasterIdLst>
   <p:notesMasterIdLst>
-    <p:notesMasterId r:id="rId28"/>
+    <p:notesMasterId r:id="rId29"/>
   </p:notesMasterIdLst>
   <p:sldIdLst>
     <p:sldId id="256" r:id="rId2"/>
@@ -22,18 +22,19 @@
     <p:sldId id="261" r:id="rId13"/>
     <p:sldId id="267" r:id="rId14"/>
     <p:sldId id="291" r:id="rId15"/>
-    <p:sldId id="262" r:id="rId16"/>
-    <p:sldId id="295" r:id="rId17"/>
-    <p:sldId id="268" r:id="rId18"/>
-    <p:sldId id="290" r:id="rId19"/>
-    <p:sldId id="279" r:id="rId20"/>
-    <p:sldId id="270" r:id="rId21"/>
-    <p:sldId id="294" r:id="rId22"/>
-    <p:sldId id="280" r:id="rId23"/>
-    <p:sldId id="263" r:id="rId24"/>
-    <p:sldId id="292" r:id="rId25"/>
-    <p:sldId id="293" r:id="rId26"/>
-    <p:sldId id="285" r:id="rId27"/>
+    <p:sldId id="296" r:id="rId16"/>
+    <p:sldId id="262" r:id="rId17"/>
+    <p:sldId id="295" r:id="rId18"/>
+    <p:sldId id="268" r:id="rId19"/>
+    <p:sldId id="290" r:id="rId20"/>
+    <p:sldId id="279" r:id="rId21"/>
+    <p:sldId id="270" r:id="rId22"/>
+    <p:sldId id="294" r:id="rId23"/>
+    <p:sldId id="280" r:id="rId24"/>
+    <p:sldId id="263" r:id="rId25"/>
+    <p:sldId id="292" r:id="rId26"/>
+    <p:sldId id="293" r:id="rId27"/>
+    <p:sldId id="285" r:id="rId28"/>
   </p:sldIdLst>
   <p:sldSz cx="12192000" cy="6858000"/>
   <p:notesSz cx="6858000" cy="9144000"/>
@@ -10840,7 +10841,7 @@
           <a:p>
             <a:fld id="{35183334-D245-4844-9ECA-AD7663113EE6}" type="datetimeFigureOut">
               <a:rPr lang="en-IN" smtClean="0"/>
-              <a:t>06-05-2021</a:t>
+              <a:t>07-05-2021</a:t>
             </a:fld>
             <a:endParaRPr lang="en-IN"/>
           </a:p>
@@ -11407,120 +11408,102 @@
           <a:p>
             <a:r>
               <a:rPr lang="en-US" dirty="0"/>
-              <a:t>However, despite VGG16 model’s high accuracy, simplicity and popularity for image recognition, it has a couple of unfortunate drawbacks.</a:t>
-            </a:r>
-          </a:p>
-          <a:p>
-            <a:pPr marL="0" marR="0" lvl="0" indent="0" algn="l" defTabSz="914400" rtl="0" eaLnBrk="1" fontAlgn="auto" latinLnBrk="0" hangingPunct="1">
-              <a:lnSpc>
-                <a:spcPct val="100000"/>
-              </a:lnSpc>
-              <a:spcBef>
-                <a:spcPts val="0"/>
-              </a:spcBef>
-              <a:spcAft>
-                <a:spcPts val="0"/>
-              </a:spcAft>
-              <a:buClrTx/>
-              <a:buSzTx/>
-              <a:buFontTx/>
-              <a:buNone/>
-              <a:tabLst/>
-              <a:defRPr/>
-            </a:pPr>
+              <a:t>We chose VGG16 because it has certain benefits over other models.</a:t>
+            </a:r>
+          </a:p>
+          <a:p>
             <a:r>
               <a:rPr lang="en-US" dirty="0"/>
-              <a:t># </a:t>
-            </a:r>
-            <a:r>
-              <a:rPr lang="en-IN" sz="1800" dirty="0">
+              <a:t># VGG16 has very high accuracy. As mentioned earlier, </a:t>
+            </a:r>
+            <a:r>
+              <a:rPr lang="en-IN" sz="1200" dirty="0">
+                <a:effectLst/>
+                <a:latin typeface="Times New Roman" panose="02020603050405020304" pitchFamily="18" charset="0"/>
+              </a:rPr>
+              <a:t>i</a:t>
+            </a:r>
+            <a:r>
+              <a:rPr lang="en-IN" sz="1200" dirty="0">
                 <a:effectLst/>
                 <a:latin typeface="Times New Roman" panose="02020603050405020304" pitchFamily="18" charset="0"/>
                 <a:ea typeface="Times New Roman" panose="02020603050405020304" pitchFamily="18" charset="0"/>
               </a:rPr>
-              <a:t>The model is very slow to train. The original VGG model was trained for 2 to 3 weeks on an NVidia Titan GPU.</a:t>
-            </a:r>
-          </a:p>
-          <a:p>
-            <a:pPr marL="0" marR="0" lvl="0" indent="0" algn="l" defTabSz="914400" rtl="0" eaLnBrk="1" fontAlgn="auto" latinLnBrk="0" hangingPunct="1">
-              <a:lnSpc>
-                <a:spcPct val="100000"/>
-              </a:lnSpc>
-              <a:spcBef>
-                <a:spcPts val="0"/>
-              </a:spcBef>
-              <a:spcAft>
-                <a:spcPts val="0"/>
-              </a:spcAft>
-              <a:buClrTx/>
-              <a:buSzTx/>
-              <a:buFontTx/>
-              <a:buNone/>
-              <a:tabLst/>
-              <a:defRPr/>
-            </a:pPr>
-            <a:r>
-              <a:rPr lang="en-IN" sz="1800" dirty="0">
+              <a:t>t has 92.7% accuracy on top 5 accuracy tests with the </a:t>
+            </a:r>
+            <a:r>
+              <a:rPr lang="en-IN" sz="1800" b="0" i="0" u="none" dirty="0">
+                <a:solidFill>
+                  <a:schemeClr val="tx1"/>
+                </a:solidFill>
+                <a:effectLst/>
+                <a:latin typeface="Helvetica" panose="020B0604020202020204" pitchFamily="34" charset="0"/>
+              </a:rPr>
+              <a:t>ILSVRC</a:t>
+            </a:r>
+            <a:r>
+              <a:rPr lang="en-IN" sz="1800" b="0" i="0" u="none" dirty="0">
+                <a:solidFill>
+                  <a:srgbClr val="333333"/>
+                </a:solidFill>
+                <a:effectLst/>
+                <a:latin typeface="Helvetica" panose="020B0604020202020204" pitchFamily="34" charset="0"/>
+              </a:rPr>
+              <a:t> </a:t>
+            </a:r>
+            <a:r>
+              <a:rPr lang="en-IN" sz="1200" b="0" i="0" u="none" dirty="0">
+                <a:solidFill>
+                  <a:srgbClr val="333333"/>
+                </a:solidFill>
+                <a:effectLst/>
+                <a:latin typeface="Times New Roman" panose="02020603050405020304" pitchFamily="18" charset="0"/>
+              </a:rPr>
+              <a:t>subset of </a:t>
+            </a:r>
+            <a:r>
+              <a:rPr lang="en-IN" sz="1200" dirty="0" err="1">
                 <a:effectLst/>
                 <a:latin typeface="Times New Roman" panose="02020603050405020304" pitchFamily="18" charset="0"/>
                 <a:ea typeface="Times New Roman" panose="02020603050405020304" pitchFamily="18" charset="0"/>
               </a:rPr>
-              <a:t># The model also has very big weights. The size of VGG16 trained ImageNet weights is five hundred and twenty eight MB. So, it takes quite a lot of disk space and bandwidth that makes it inefficient with respect to space.</a:t>
-            </a:r>
-          </a:p>
-          <a:p>
-            <a:pPr marL="0" marR="0" lvl="0" indent="0" algn="l" defTabSz="914400" rtl="0" eaLnBrk="1" fontAlgn="auto" latinLnBrk="0" hangingPunct="1">
-              <a:lnSpc>
-                <a:spcPct val="100000"/>
-              </a:lnSpc>
-              <a:spcBef>
-                <a:spcPts val="0"/>
-              </a:spcBef>
-              <a:spcAft>
-                <a:spcPts val="0"/>
-              </a:spcAft>
-              <a:buClrTx/>
-              <a:buSzTx/>
-              <a:buFontTx/>
-              <a:buNone/>
-              <a:tabLst/>
-              <a:defRPr/>
-            </a:pPr>
-            <a:r>
-              <a:rPr lang="en-IN" sz="1800" dirty="0">
+              <a:t>Imagenet</a:t>
+            </a:r>
+            <a:r>
+              <a:rPr lang="en-IN" sz="1200" dirty="0">
                 <a:effectLst/>
                 <a:latin typeface="Times New Roman" panose="02020603050405020304" pitchFamily="18" charset="0"/>
                 <a:ea typeface="Times New Roman" panose="02020603050405020304" pitchFamily="18" charset="0"/>
               </a:rPr>
+              <a:t> database.</a:t>
+            </a:r>
+          </a:p>
+          <a:p>
+            <a:r>
+              <a:rPr lang="en-IN" sz="1200" dirty="0">
+                <a:effectLst/>
+                <a:latin typeface="Times New Roman" panose="02020603050405020304" pitchFamily="18" charset="0"/>
+              </a:rPr>
+              <a:t># VGG16 has a uniform layer structure. Its simplicity and uniformity makes it easier to customise for handwriting recognition.</a:t>
+            </a:r>
+          </a:p>
+          <a:p>
+            <a:r>
+              <a:rPr lang="en-IN" sz="1200" dirty="0">
+                <a:effectLst/>
+                <a:latin typeface="Times New Roman" panose="02020603050405020304" pitchFamily="18" charset="0"/>
+              </a:rPr>
+              <a:t># VGG16 is also a highly popular algorithm. It is a go-to model for image recognition problems, including handwriting recognition.</a:t>
+            </a:r>
+          </a:p>
+          <a:p>
+            <a:r>
+              <a:rPr lang="en-IN" sz="1200" dirty="0">
+                <a:effectLst/>
+                <a:latin typeface="Times New Roman" panose="02020603050405020304" pitchFamily="18" charset="0"/>
+              </a:rPr>
               <a:t>#</a:t>
             </a:r>
-          </a:p>
-          <a:p>
-            <a:pPr marL="0" marR="0" lvl="0" indent="0" algn="l" defTabSz="914400" rtl="0" eaLnBrk="1" fontAlgn="auto" latinLnBrk="0" hangingPunct="1">
-              <a:lnSpc>
-                <a:spcPct val="100000"/>
-              </a:lnSpc>
-              <a:spcBef>
-                <a:spcPts val="0"/>
-              </a:spcBef>
-              <a:spcAft>
-                <a:spcPts val="0"/>
-              </a:spcAft>
-              <a:buClrTx/>
-              <a:buSzTx/>
-              <a:buFontTx/>
-              <a:buNone/>
-              <a:tabLst/>
-              <a:defRPr/>
-            </a:pPr>
-            <a:endParaRPr lang="en-IN" sz="1800" dirty="0">
-              <a:effectLst/>
-              <a:latin typeface="Times New Roman" panose="02020603050405020304" pitchFamily="18" charset="0"/>
-              <a:ea typeface="Times New Roman" panose="02020603050405020304" pitchFamily="18" charset="0"/>
-            </a:endParaRPr>
-          </a:p>
-          <a:p>
-            <a:endParaRPr lang="en-IN" dirty="0"/>
           </a:p>
         </p:txBody>
       </p:sp>
@@ -11550,7 +11533,7 @@
     </p:spTree>
     <p:extLst>
       <p:ext uri="{BB962C8B-B14F-4D97-AF65-F5344CB8AC3E}">
-        <p14:creationId xmlns:p14="http://schemas.microsoft.com/office/powerpoint/2010/main" val="654931584"/>
+        <p14:creationId xmlns:p14="http://schemas.microsoft.com/office/powerpoint/2010/main" val="1356186986"/>
       </p:ext>
     </p:extLst>
   </p:cSld>
@@ -11604,6 +11587,12 @@
           <a:bodyPr/>
           <a:lstStyle/>
           <a:p>
+            <a:r>
+              <a:rPr lang="en-US" dirty="0"/>
+              <a:t>However, despite VGG16 model’s high accuracy, simplicity and popularity for image recognition, it has a couple of unfortunate drawbacks.</a:t>
+            </a:r>
+          </a:p>
+          <a:p>
             <a:pPr marL="0" marR="0" lvl="0" indent="0" algn="l" defTabSz="914400" rtl="0" eaLnBrk="1" fontAlgn="auto" latinLnBrk="0" hangingPunct="1">
               <a:lnSpc>
                 <a:spcPct val="100000"/>
@@ -11622,12 +11611,16 @@
               <a:defRPr/>
             </a:pPr>
             <a:r>
-              <a:rPr lang="en-IN" sz="1200" dirty="0">
+              <a:rPr lang="en-US" dirty="0"/>
+              <a:t># </a:t>
+            </a:r>
+            <a:r>
+              <a:rPr lang="en-IN" sz="1800" dirty="0">
                 <a:effectLst/>
                 <a:latin typeface="Times New Roman" panose="02020603050405020304" pitchFamily="18" charset="0"/>
                 <a:ea typeface="Times New Roman" panose="02020603050405020304" pitchFamily="18" charset="0"/>
               </a:rPr>
-              <a:t>Now, I’ll hand over control to Soumya. He will discuss more on the model’s architecture, extracting features and what we will have to do after this.</a:t>
+              <a:t>The model is very slow to train. The original VGG model was trained for 2 to 3 weeks on an NVidia Titan GPU. It is for the same reason that it took more than 2 hours to extract features for handwriting recognition on our laptops that lack a GPU</a:t>
             </a:r>
           </a:p>
           <a:p>
@@ -11649,13 +11642,64 @@
               <a:defRPr/>
             </a:pPr>
             <a:r>
-              <a:rPr lang="en-IN" sz="1200" dirty="0">
+              <a:rPr lang="en-IN" sz="1800" dirty="0">
+                <a:effectLst/>
+                <a:latin typeface="Times New Roman" panose="02020603050405020304" pitchFamily="18" charset="0"/>
+                <a:ea typeface="Times New Roman" panose="02020603050405020304" pitchFamily="18" charset="0"/>
+              </a:rPr>
+              <a:t># The model also has very big weights. The size of VGG16 trained ImageNet weights is five hundred and twenty eight MB. So, it takes quite a lot of disk space and bandwidth that makes it inefficient with respect to space.</a:t>
+            </a:r>
+          </a:p>
+          <a:p>
+            <a:pPr marL="0" marR="0" lvl="0" indent="0" algn="l" defTabSz="914400" rtl="0" eaLnBrk="1" fontAlgn="auto" latinLnBrk="0" hangingPunct="1">
+              <a:lnSpc>
+                <a:spcPct val="100000"/>
+              </a:lnSpc>
+              <a:spcBef>
+                <a:spcPts val="0"/>
+              </a:spcBef>
+              <a:spcAft>
+                <a:spcPts val="0"/>
+              </a:spcAft>
+              <a:buClrTx/>
+              <a:buSzTx/>
+              <a:buFontTx/>
+              <a:buNone/>
+              <a:tabLst/>
+              <a:defRPr/>
+            </a:pPr>
+            <a:r>
+              <a:rPr lang="en-IN" sz="1800" dirty="0">
                 <a:effectLst/>
                 <a:latin typeface="Times New Roman" panose="02020603050405020304" pitchFamily="18" charset="0"/>
                 <a:ea typeface="Times New Roman" panose="02020603050405020304" pitchFamily="18" charset="0"/>
               </a:rPr>
               <a:t>#</a:t>
             </a:r>
+          </a:p>
+          <a:p>
+            <a:pPr marL="0" marR="0" lvl="0" indent="0" algn="l" defTabSz="914400" rtl="0" eaLnBrk="1" fontAlgn="auto" latinLnBrk="0" hangingPunct="1">
+              <a:lnSpc>
+                <a:spcPct val="100000"/>
+              </a:lnSpc>
+              <a:spcBef>
+                <a:spcPts val="0"/>
+              </a:spcBef>
+              <a:spcAft>
+                <a:spcPts val="0"/>
+              </a:spcAft>
+              <a:buClrTx/>
+              <a:buSzTx/>
+              <a:buFontTx/>
+              <a:buNone/>
+              <a:tabLst/>
+              <a:defRPr/>
+            </a:pPr>
+            <a:endParaRPr lang="en-IN" sz="1800" dirty="0">
+              <a:effectLst/>
+              <a:latin typeface="Times New Roman" panose="02020603050405020304" pitchFamily="18" charset="0"/>
+              <a:ea typeface="Times New Roman" panose="02020603050405020304" pitchFamily="18" charset="0"/>
+            </a:endParaRPr>
           </a:p>
           <a:p>
             <a:endParaRPr lang="en-IN" dirty="0"/>
@@ -11688,7 +11732,7 @@
     </p:spTree>
     <p:extLst>
       <p:ext uri="{BB962C8B-B14F-4D97-AF65-F5344CB8AC3E}">
-        <p14:creationId xmlns:p14="http://schemas.microsoft.com/office/powerpoint/2010/main" val="1259981314"/>
+        <p14:creationId xmlns:p14="http://schemas.microsoft.com/office/powerpoint/2010/main" val="654931584"/>
       </p:ext>
     </p:extLst>
   </p:cSld>
@@ -11742,6 +11786,94 @@
           <a:bodyPr/>
           <a:lstStyle/>
           <a:p>
+            <a:pPr marL="0" marR="0" lvl="0" indent="0" algn="l" defTabSz="914400" rtl="0" eaLnBrk="1" fontAlgn="auto" latinLnBrk="0" hangingPunct="1">
+              <a:lnSpc>
+                <a:spcPct val="100000"/>
+              </a:lnSpc>
+              <a:spcBef>
+                <a:spcPts val="0"/>
+              </a:spcBef>
+              <a:spcAft>
+                <a:spcPts val="0"/>
+              </a:spcAft>
+              <a:buClrTx/>
+              <a:buSzTx/>
+              <a:buFontTx/>
+              <a:buNone/>
+              <a:tabLst/>
+              <a:defRPr/>
+            </a:pPr>
+            <a:r>
+              <a:rPr lang="en-IN" sz="1200" dirty="0">
+                <a:effectLst/>
+                <a:latin typeface="Times New Roman" panose="02020603050405020304" pitchFamily="18" charset="0"/>
+                <a:ea typeface="Times New Roman" panose="02020603050405020304" pitchFamily="18" charset="0"/>
+              </a:rPr>
+              <a:t>(Now, I’ll hand over control to Soumya. He will discuss more on the model’s architecture, extracting features and what we will have to do after this.</a:t>
+            </a:r>
+          </a:p>
+          <a:p>
+            <a:pPr marL="0" marR="0" lvl="0" indent="0" algn="l" defTabSz="914400" rtl="0" eaLnBrk="1" fontAlgn="auto" latinLnBrk="0" hangingPunct="1">
+              <a:lnSpc>
+                <a:spcPct val="100000"/>
+              </a:lnSpc>
+              <a:spcBef>
+                <a:spcPts val="0"/>
+              </a:spcBef>
+              <a:spcAft>
+                <a:spcPts val="0"/>
+              </a:spcAft>
+              <a:buClrTx/>
+              <a:buSzTx/>
+              <a:buFontTx/>
+              <a:buNone/>
+              <a:tabLst/>
+              <a:defRPr/>
+            </a:pPr>
+            <a:r>
+              <a:rPr lang="en-IN" sz="1200" dirty="0">
+                <a:effectLst/>
+                <a:latin typeface="Times New Roman" panose="02020603050405020304" pitchFamily="18" charset="0"/>
+                <a:ea typeface="Times New Roman" panose="02020603050405020304" pitchFamily="18" charset="0"/>
+              </a:rPr>
+              <a:t>#)</a:t>
+            </a:r>
+          </a:p>
+          <a:p>
+            <a:endParaRPr lang="en-IN" dirty="0"/>
+          </a:p>
+          <a:p>
+            <a:pPr marL="0" marR="0" lvl="0" indent="0" algn="l" defTabSz="914400" rtl="0" eaLnBrk="1" fontAlgn="auto" latinLnBrk="0" hangingPunct="1">
+              <a:lnSpc>
+                <a:spcPct val="100000"/>
+              </a:lnSpc>
+              <a:spcBef>
+                <a:spcPts val="0"/>
+              </a:spcBef>
+              <a:spcAft>
+                <a:spcPts val="0"/>
+              </a:spcAft>
+              <a:buClrTx/>
+              <a:buSzTx/>
+              <a:buFontTx/>
+              <a:buNone/>
+              <a:tabLst/>
+              <a:defRPr/>
+            </a:pPr>
+            <a:r>
+              <a:rPr lang="en-IN" dirty="0"/>
+              <a:t>Now, I would have handed over the control to Soumya, but he is absent due to medical reasons. He will be discussing more on </a:t>
+            </a:r>
+            <a:r>
+              <a:rPr lang="en-IN" sz="1200" dirty="0">
+                <a:effectLst/>
+                <a:latin typeface="Times New Roman" panose="02020603050405020304" pitchFamily="18" charset="0"/>
+                <a:ea typeface="Times New Roman" panose="02020603050405020304" pitchFamily="18" charset="0"/>
+              </a:rPr>
+              <a:t>the model’s architecture, extracting features and what we will have to do after this on a later date. Thank you for sitting down with us and listening to our presentation.</a:t>
+            </a:r>
+          </a:p>
+          <a:p>
             <a:endParaRPr lang="en-IN" dirty="0"/>
           </a:p>
         </p:txBody>
@@ -11763,7 +11895,7 @@
           <a:p>
             <a:fld id="{E0460530-21AB-4667-8DDF-0CFD1A19A456}" type="slidenum">
               <a:rPr lang="en-IN" smtClean="0"/>
-              <a:t>20</a:t>
+              <a:t>19</a:t>
             </a:fld>
             <a:endParaRPr lang="en-IN"/>
           </a:p>
@@ -11772,7 +11904,7 @@
     </p:spTree>
     <p:extLst>
       <p:ext uri="{BB962C8B-B14F-4D97-AF65-F5344CB8AC3E}">
-        <p14:creationId xmlns:p14="http://schemas.microsoft.com/office/powerpoint/2010/main" val="2003245128"/>
+        <p14:creationId xmlns:p14="http://schemas.microsoft.com/office/powerpoint/2010/main" val="1259981314"/>
       </p:ext>
     </p:extLst>
   </p:cSld>
@@ -11847,7 +11979,7 @@
           <a:p>
             <a:fld id="{E0460530-21AB-4667-8DDF-0CFD1A19A456}" type="slidenum">
               <a:rPr lang="en-IN" smtClean="0"/>
-              <a:t>22</a:t>
+              <a:t>21</a:t>
             </a:fld>
             <a:endParaRPr lang="en-IN"/>
           </a:p>
@@ -11856,7 +11988,7 @@
     </p:spTree>
     <p:extLst>
       <p:ext uri="{BB962C8B-B14F-4D97-AF65-F5344CB8AC3E}">
-        <p14:creationId xmlns:p14="http://schemas.microsoft.com/office/powerpoint/2010/main" val="2103486126"/>
+        <p14:creationId xmlns:p14="http://schemas.microsoft.com/office/powerpoint/2010/main" val="2003245128"/>
       </p:ext>
     </p:extLst>
   </p:cSld>
@@ -11932,6 +12064,90 @@
             <a:fld id="{E0460530-21AB-4667-8DDF-0CFD1A19A456}" type="slidenum">
               <a:rPr lang="en-IN" smtClean="0"/>
               <a:t>23</a:t>
+            </a:fld>
+            <a:endParaRPr lang="en-IN"/>
+          </a:p>
+        </p:txBody>
+      </p:sp>
+    </p:spTree>
+    <p:extLst>
+      <p:ext uri="{BB962C8B-B14F-4D97-AF65-F5344CB8AC3E}">
+        <p14:creationId xmlns:p14="http://schemas.microsoft.com/office/powerpoint/2010/main" val="2103486126"/>
+      </p:ext>
+    </p:extLst>
+  </p:cSld>
+  <p:clrMapOvr>
+    <a:masterClrMapping/>
+  </p:clrMapOvr>
+</p:notes>
+</file>
+
+<file path=ppt/notesSlides/notesSlide15.xml><?xml version="1.0" encoding="utf-8"?>
+<p:notes xmlns:a="http://schemas.openxmlformats.org/drawingml/2006/main" xmlns:r="http://schemas.openxmlformats.org/officeDocument/2006/relationships" xmlns:p="http://schemas.openxmlformats.org/presentationml/2006/main">
+  <p:cSld>
+    <p:spTree>
+      <p:nvGrpSpPr>
+        <p:cNvPr id="1" name=""/>
+        <p:cNvGrpSpPr/>
+        <p:nvPr/>
+      </p:nvGrpSpPr>
+      <p:grpSpPr>
+        <a:xfrm>
+          <a:off x="0" y="0"/>
+          <a:ext cx="0" cy="0"/>
+          <a:chOff x="0" y="0"/>
+          <a:chExt cx="0" cy="0"/>
+        </a:xfrm>
+      </p:grpSpPr>
+      <p:sp>
+        <p:nvSpPr>
+          <p:cNvPr id="2" name="Slide Image Placeholder 1"/>
+          <p:cNvSpPr>
+            <a:spLocks noGrp="1" noRot="1" noChangeAspect="1"/>
+          </p:cNvSpPr>
+          <p:nvPr>
+            <p:ph type="sldImg"/>
+          </p:nvPr>
+        </p:nvSpPr>
+        <p:spPr/>
+      </p:sp>
+      <p:sp>
+        <p:nvSpPr>
+          <p:cNvPr id="3" name="Notes Placeholder 2"/>
+          <p:cNvSpPr>
+            <a:spLocks noGrp="1"/>
+          </p:cNvSpPr>
+          <p:nvPr>
+            <p:ph type="body" idx="1"/>
+          </p:nvPr>
+        </p:nvSpPr>
+        <p:spPr/>
+        <p:txBody>
+          <a:bodyPr/>
+          <a:lstStyle/>
+          <a:p>
+            <a:endParaRPr lang="en-IN" dirty="0"/>
+          </a:p>
+        </p:txBody>
+      </p:sp>
+      <p:sp>
+        <p:nvSpPr>
+          <p:cNvPr id="4" name="Slide Number Placeholder 3"/>
+          <p:cNvSpPr>
+            <a:spLocks noGrp="1"/>
+          </p:cNvSpPr>
+          <p:nvPr>
+            <p:ph type="sldNum" sz="quarter" idx="5"/>
+          </p:nvPr>
+        </p:nvSpPr>
+        <p:spPr/>
+        <p:txBody>
+          <a:bodyPr/>
+          <a:lstStyle/>
+          <a:p>
+            <a:fld id="{E0460530-21AB-4667-8DDF-0CFD1A19A456}" type="slidenum">
+              <a:rPr lang="en-IN" smtClean="0"/>
+              <a:t>24</a:t>
             </a:fld>
             <a:endParaRPr lang="en-IN"/>
           </a:p>
@@ -12758,7 +12974,7 @@
           <a:p>
             <a:r>
               <a:rPr lang="en-US" dirty="0"/>
-              <a:t># The original Dataset had 100 plus volunteers. </a:t>
+              <a:t># The original Dataset had more than 100 volunteers. </a:t>
             </a:r>
           </a:p>
           <a:p>
@@ -12881,7 +13097,7 @@
           <a:p>
             <a:r>
               <a:rPr lang="en-US" dirty="0"/>
-              <a:t># The images were segmented into word sized images. Segmentation was done as a final year project by Mondal et al in 2020 in the project titled “</a:t>
+              <a:t># The images of the handwritten passages were segmented into word sized images. Segmentation was done as a final year project by Mondal et al in 2020 in the project titled “</a:t>
             </a:r>
             <a:r>
               <a:rPr lang="en-US" sz="1800" dirty="0">
@@ -12893,8 +13109,11 @@
             </a:r>
             <a:r>
               <a:rPr lang="en-US" dirty="0"/>
-              <a:t>”. </a:t>
-            </a:r>
+              <a:t>”.  The Exact methodology will be discussed later in the presentation.</a:t>
+            </a:r>
+          </a:p>
+          <a:p>
+            <a:endParaRPr lang="en-US" dirty="0"/>
           </a:p>
           <a:p>
             <a:r>
@@ -12973,13 +13192,19 @@
           <a:p>
             <a:r>
               <a:rPr lang="en-US" dirty="0"/>
-              <a:t># Every subset has data for an authors. There is also data for another author that will be used for verification with the current author.</a:t>
+              <a:t># Every subset has data for one writer along with data for another writer that will be used for verification with the later.</a:t>
             </a:r>
           </a:p>
           <a:p>
             <a:r>
               <a:rPr lang="en-US" dirty="0"/>
-              <a:t># There are five sets of data for each of the author.</a:t>
+              <a:t># We have 100 writers for Bangla and 101 for English</a:t>
+            </a:r>
+          </a:p>
+          <a:p>
+            <a:r>
+              <a:rPr lang="en-US" dirty="0"/>
+              <a:t># There are five sets of data for each of the writer.</a:t>
             </a:r>
           </a:p>
           <a:p>
@@ -12991,28 +13216,20 @@
           <a:p>
             <a:r>
               <a:rPr lang="en-US" dirty="0"/>
-              <a:t># The images are stored as dot tiff files, that is Tag Image File Format.</a:t>
+              <a:t># The images are stored as dot TIFF files, that is Tag Image File Format.</a:t>
             </a:r>
           </a:p>
           <a:p>
             <a:r>
               <a:rPr lang="en-US" dirty="0"/>
-              <a:t># The format of labels of images is Author Code underscore Set Number underscore Image Number. So the first image of the first set of the first author number is labeled as 0000_01_0.tiff.</a:t>
+              <a:t># The format of labels of images is Writer Code underscore Set Number underscore Image Number. So the first image of the first set of the first author number is labeled as 0000_01_0.tiff.</a:t>
             </a:r>
           </a:p>
           <a:p>
             <a:r>
               <a:rPr lang="en-US" dirty="0"/>
-              <a:t># Since we aim to attempt inter-language verification, we have also add the language code to the obtained CSV file from the feature matrix corresponding to a author. </a:t>
-            </a:r>
-          </a:p>
-          <a:p>
-            <a:r>
-              <a:rPr lang="en-US" dirty="0"/>
-              <a:t># </a:t>
-            </a:r>
-          </a:p>
-          <a:p>
+              <a:t>#</a:t>
+            </a:r>
             <a:endParaRPr lang="en-IN" dirty="0"/>
           </a:p>
           <a:p>
@@ -13116,7 +13333,7 @@
             </a:r>
             <a:r>
               <a:rPr lang="en-IN" dirty="0"/>
-              <a:t>. Fun fact: It says ”</a:t>
+              <a:t>. (Fun fact: It says ”</a:t>
             </a:r>
             <a:r>
               <a:rPr lang="en-IN" dirty="0" err="1"/>
@@ -13132,7 +13349,7 @@
             </a:r>
             <a:r>
               <a:rPr lang="en-IN" dirty="0"/>
-              <a:t>”, which means “In a city” in Bangla.</a:t>
+              <a:t>”, which means “In a city” in Bangla.)</a:t>
             </a:r>
           </a:p>
           <a:p>
@@ -13224,253 +13441,84 @@
           <a:lstStyle/>
           <a:p>
             <a:r>
-              <a:rPr lang="en-IN" dirty="0"/>
-              <a:t>Now we shall talk about VGG16, since it is the primary neural network model that we will be using in our project.</a:t>
-            </a:r>
-          </a:p>
-          <a:p>
-            <a:r>
-              <a:rPr lang="en-IN" dirty="0"/>
-              <a:t># The VGG16 model was first proposed by </a:t>
-            </a:r>
-            <a:r>
-              <a:rPr lang="en-IN" sz="1800" dirty="0">
-                <a:effectLst/>
-                <a:latin typeface="Times New Roman" panose="02020603050405020304" pitchFamily="18" charset="0"/>
-                <a:ea typeface="Times New Roman" panose="02020603050405020304" pitchFamily="18" charset="0"/>
-              </a:rPr>
-              <a:t>Karen </a:t>
-            </a:r>
-            <a:r>
-              <a:rPr lang="en-IN" sz="1800" dirty="0" err="1">
-                <a:effectLst/>
-                <a:latin typeface="Times New Roman" panose="02020603050405020304" pitchFamily="18" charset="0"/>
-                <a:ea typeface="Times New Roman" panose="02020603050405020304" pitchFamily="18" charset="0"/>
-              </a:rPr>
-              <a:t>Simonyan</a:t>
-            </a:r>
-            <a:r>
-              <a:rPr lang="en-IN" sz="1800" dirty="0">
-                <a:effectLst/>
-                <a:latin typeface="Times New Roman" panose="02020603050405020304" pitchFamily="18" charset="0"/>
-                <a:ea typeface="Times New Roman" panose="02020603050405020304" pitchFamily="18" charset="0"/>
-              </a:rPr>
-              <a:t> and Andrew Zisserman of Oxford University’s </a:t>
-            </a:r>
-            <a:r>
-              <a:rPr lang="en-US" sz="4000" dirty="0">
-                <a:latin typeface="Frank Ruhl Hofshi" panose="00000500000000000000" pitchFamily="50" charset="-79"/>
-                <a:cs typeface="Frank Ruhl Hofshi" panose="00000500000000000000" pitchFamily="50" charset="-79"/>
-              </a:rPr>
-              <a:t>Visual Geometry Group Lab</a:t>
-            </a:r>
-            <a:r>
-              <a:rPr lang="en-IN" sz="1800" dirty="0">
-                <a:effectLst/>
-                <a:latin typeface="Times New Roman" panose="02020603050405020304" pitchFamily="18" charset="0"/>
-                <a:ea typeface="Times New Roman" panose="02020603050405020304" pitchFamily="18" charset="0"/>
-              </a:rPr>
-              <a:t> </a:t>
-            </a:r>
-            <a:r>
-              <a:rPr lang="en-IN" dirty="0"/>
-              <a:t>in a scholarly article titled </a:t>
-            </a:r>
-            <a:r>
-              <a:rPr lang="en-IN" sz="1800" dirty="0">
-                <a:effectLst/>
-                <a:latin typeface="Times New Roman" panose="02020603050405020304" pitchFamily="18" charset="0"/>
-                <a:ea typeface="Times New Roman" panose="02020603050405020304" pitchFamily="18" charset="0"/>
-              </a:rPr>
-              <a:t>"Very Deep Networks for Large Scale Image Recognition“ in 2014.</a:t>
-            </a:r>
-          </a:p>
-          <a:p>
-            <a:r>
-              <a:rPr lang="en-IN" sz="1800" dirty="0">
-                <a:effectLst/>
-                <a:latin typeface="Times New Roman" panose="02020603050405020304" pitchFamily="18" charset="0"/>
-                <a:ea typeface="Times New Roman" panose="02020603050405020304" pitchFamily="18" charset="0"/>
-              </a:rPr>
-              <a:t># It has 92.7% accuracy on top 5 accuracy tests with the </a:t>
-            </a:r>
-            <a:r>
-              <a:rPr lang="en-IN" sz="2800" b="0" i="0" u="none" dirty="0">
-                <a:solidFill>
-                  <a:schemeClr val="tx1"/>
-                </a:solidFill>
-                <a:effectLst/>
-                <a:latin typeface="Helvetica" panose="020B0604020202020204" pitchFamily="34" charset="0"/>
-                <a:hlinkClick r:id="rId3">
-                  <a:extLst>
-                    <a:ext uri="{A12FA001-AC4F-418D-AE19-62706E023703}">
-                      <ahyp:hlinkClr xmlns:ahyp="http://schemas.microsoft.com/office/drawing/2018/hyperlinkcolor" val="tx"/>
-                    </a:ext>
-                  </a:extLst>
-                </a:hlinkClick>
-              </a:rPr>
-              <a:t>ImageNet Large Scale Visual Recognition Challenge (ILSVRC</a:t>
-            </a:r>
-            <a:r>
-              <a:rPr lang="en-IN" sz="2800" b="0" i="0" u="none" dirty="0">
-                <a:solidFill>
-                  <a:srgbClr val="0563C1"/>
-                </a:solidFill>
-                <a:effectLst/>
-                <a:latin typeface="Helvetica" panose="020B0604020202020204" pitchFamily="34" charset="0"/>
-                <a:hlinkClick r:id="rId3">
-                  <a:extLst>
-                    <a:ext uri="{A12FA001-AC4F-418D-AE19-62706E023703}">
-                      <ahyp:hlinkClr xmlns:ahyp="http://schemas.microsoft.com/office/drawing/2018/hyperlinkcolor" val="tx"/>
-                    </a:ext>
-                  </a:extLst>
-                </a:hlinkClick>
-              </a:rPr>
-              <a:t>)</a:t>
-            </a:r>
-            <a:r>
-              <a:rPr lang="en-IN" sz="2800" b="0" i="0" u="none" dirty="0">
-                <a:solidFill>
-                  <a:srgbClr val="333333"/>
-                </a:solidFill>
-                <a:effectLst/>
-                <a:latin typeface="Helvetica" panose="020B0604020202020204" pitchFamily="34" charset="0"/>
-              </a:rPr>
-              <a:t> </a:t>
-            </a:r>
-            <a:r>
-              <a:rPr lang="en-IN" sz="1800" b="0" i="0" u="none" dirty="0">
-                <a:solidFill>
-                  <a:srgbClr val="333333"/>
-                </a:solidFill>
-                <a:effectLst/>
-                <a:latin typeface="Times New Roman" panose="02020603050405020304" pitchFamily="18" charset="0"/>
-              </a:rPr>
-              <a:t>subset of </a:t>
-            </a:r>
-            <a:r>
-              <a:rPr lang="en-IN" sz="1800" dirty="0" err="1">
-                <a:effectLst/>
-                <a:latin typeface="Times New Roman" panose="02020603050405020304" pitchFamily="18" charset="0"/>
-                <a:ea typeface="Times New Roman" panose="02020603050405020304" pitchFamily="18" charset="0"/>
-              </a:rPr>
-              <a:t>Imagenet</a:t>
-            </a:r>
-            <a:r>
-              <a:rPr lang="en-IN" sz="1800" dirty="0">
-                <a:effectLst/>
-                <a:latin typeface="Times New Roman" panose="02020603050405020304" pitchFamily="18" charset="0"/>
-                <a:ea typeface="Times New Roman" panose="02020603050405020304" pitchFamily="18" charset="0"/>
-              </a:rPr>
-              <a:t> database, which contains </a:t>
-            </a:r>
-            <a:r>
-              <a:rPr lang="en-IN" sz="2800" b="0" i="0" dirty="0">
-                <a:solidFill>
-                  <a:srgbClr val="666666"/>
-                </a:solidFill>
-                <a:effectLst/>
-                <a:latin typeface="Helvetica" panose="020B0604020202020204" pitchFamily="34" charset="0"/>
-              </a:rPr>
-              <a:t>150,000 images and </a:t>
-            </a:r>
-            <a:r>
-              <a:rPr lang="en-IN" sz="2800" b="0" i="0" dirty="0">
-                <a:effectLst/>
-                <a:latin typeface="Inter"/>
-              </a:rPr>
-              <a:t>1000 object categories</a:t>
-            </a:r>
-            <a:r>
-              <a:rPr lang="en-IN" sz="1800" dirty="0">
-                <a:effectLst/>
-                <a:latin typeface="Times New Roman" panose="02020603050405020304" pitchFamily="18" charset="0"/>
-                <a:ea typeface="Times New Roman" panose="02020603050405020304" pitchFamily="18" charset="0"/>
-              </a:rPr>
-              <a:t>.</a:t>
-            </a:r>
-          </a:p>
-          <a:p>
-            <a:r>
-              <a:rPr lang="en-US" sz="2800" dirty="0"/>
-              <a:t># This model won the first and second place in 2014 </a:t>
-            </a:r>
-            <a:r>
-              <a:rPr lang="en-IN" sz="4000" dirty="0"/>
-              <a:t>ImageNet Large Scale Visual Recognition Challenge, that is ILSVRC 2014</a:t>
-            </a:r>
-            <a:r>
-              <a:rPr lang="en-US" sz="2800" dirty="0"/>
-              <a:t>.</a:t>
-            </a:r>
-          </a:p>
-          <a:p>
-            <a:r>
-              <a:rPr lang="en-US" sz="2800" dirty="0">
-                <a:effectLst/>
-                <a:latin typeface="Times New Roman" panose="02020603050405020304" pitchFamily="18" charset="0"/>
-                <a:ea typeface="Times New Roman" panose="02020603050405020304" pitchFamily="18" charset="0"/>
-              </a:rPr>
-              <a:t># The VGG in the name stands for Visual Geometry Group, which is the name of the laboratory where the model was conceived</a:t>
-            </a:r>
-            <a:r>
-              <a:rPr lang="en-IN" sz="1800" dirty="0">
-                <a:effectLst/>
-                <a:latin typeface="Times New Roman" panose="02020603050405020304" pitchFamily="18" charset="0"/>
-                <a:ea typeface="Times New Roman" panose="02020603050405020304" pitchFamily="18" charset="0"/>
-              </a:rPr>
-              <a:t>.</a:t>
-            </a:r>
-          </a:p>
-          <a:p>
-            <a:r>
-              <a:rPr lang="en-IN" sz="1800" dirty="0">
-                <a:effectLst/>
-                <a:latin typeface="Times New Roman" panose="02020603050405020304" pitchFamily="18" charset="0"/>
-                <a:ea typeface="Times New Roman" panose="02020603050405020304" pitchFamily="18" charset="0"/>
-              </a:rPr>
-              <a:t># The 16 in the name signifies the 16 Neural Network Layers.</a:t>
-            </a:r>
-            <a:br>
-              <a:rPr lang="en-IN" sz="1800" dirty="0">
-                <a:effectLst/>
-                <a:latin typeface="Times New Roman" panose="02020603050405020304" pitchFamily="18" charset="0"/>
-                <a:ea typeface="Times New Roman" panose="02020603050405020304" pitchFamily="18" charset="0"/>
-              </a:rPr>
-            </a:br>
-            <a:r>
-              <a:rPr lang="en-IN" sz="1800" dirty="0">
-                <a:effectLst/>
-                <a:latin typeface="Times New Roman" panose="02020603050405020304" pitchFamily="18" charset="0"/>
-                <a:ea typeface="Times New Roman" panose="02020603050405020304" pitchFamily="18" charset="0"/>
-              </a:rPr>
-              <a:t># Out of these Layers 13 are Convolutional Networks and 3 are Densely connected Networks.</a:t>
-            </a:r>
-          </a:p>
-          <a:p>
-            <a:r>
-              <a:rPr lang="en-IN" sz="1800" dirty="0">
-                <a:effectLst/>
-                <a:latin typeface="Times New Roman" panose="02020603050405020304" pitchFamily="18" charset="0"/>
-                <a:ea typeface="Times New Roman" panose="02020603050405020304" pitchFamily="18" charset="0"/>
-              </a:rPr>
-              <a:t># The model takes 224 cross 224 images in RGB channels as an input.</a:t>
-            </a:r>
-          </a:p>
-          <a:p>
-            <a:r>
-              <a:rPr lang="en-IN" sz="1800" dirty="0">
-                <a:effectLst/>
-                <a:latin typeface="Times New Roman" panose="02020603050405020304" pitchFamily="18" charset="0"/>
-                <a:ea typeface="Times New Roman" panose="02020603050405020304" pitchFamily="18" charset="0"/>
-              </a:rPr>
+              <a:rPr lang="en-US" dirty="0"/>
+              <a:t>Now, before we will be predicting and verifying the writers, we will need to extract necessary features such as contours, angles, lines, slopes, curvature, dimensions, et cetera. We will discuss the exact methodology for the feature extraction a little later in the presentation. However, we will discuss the organization of the extracted feature sets now</a:t>
+            </a:r>
+          </a:p>
+          <a:p>
+            <a:r>
+              <a:rPr lang="en-US" dirty="0"/>
+              <a:t># The extracted features will be stored as Comma Separated Values i.e. CSV files.</a:t>
+            </a:r>
+          </a:p>
+          <a:p>
+            <a:r>
+              <a:rPr lang="en-US" dirty="0"/>
+              <a:t># Since we aim to attempt inter-language verification, we have added the language code to the CSV file obtained for the obtained feature matrix corresponding to a writer. </a:t>
+            </a:r>
+          </a:p>
+          <a:p>
+            <a:r>
+              <a:rPr lang="en-US" dirty="0"/>
+              <a:t># Language code for Bangla is 11 and Language code for English is 00</a:t>
+            </a:r>
+          </a:p>
+          <a:p>
+            <a:pPr marL="0" marR="0" lvl="0" indent="0" algn="l" defTabSz="914400" rtl="0" eaLnBrk="1" fontAlgn="auto" latinLnBrk="0" hangingPunct="1">
+              <a:lnSpc>
+                <a:spcPct val="100000"/>
+              </a:lnSpc>
+              <a:spcBef>
+                <a:spcPts val="0"/>
+              </a:spcBef>
+              <a:spcAft>
+                <a:spcPts val="0"/>
+              </a:spcAft>
+              <a:buClrTx/>
+              <a:buSzTx/>
+              <a:buFontTx/>
+              <a:buNone/>
+              <a:tabLst/>
+              <a:defRPr/>
+            </a:pPr>
+            <a:r>
+              <a:rPr lang="en-US" dirty="0"/>
+              <a:t># </a:t>
+            </a:r>
+            <a:r>
+              <a:rPr lang="en-US" sz="1200" dirty="0"/>
+              <a:t>The format of the File Names of the stored CSV files is Author Code </a:t>
+            </a:r>
+            <a:r>
+              <a:rPr lang="en-US" dirty="0"/>
+              <a:t>underscore Language Code underscore Set Number. So, the CSV file for the first set of Bangla Language written by the first writer is 0000_11_0.csv.</a:t>
+            </a:r>
+          </a:p>
+          <a:p>
+            <a:pPr marL="0" marR="0" lvl="0" indent="0" algn="l" defTabSz="914400" rtl="0" eaLnBrk="1" fontAlgn="auto" latinLnBrk="0" hangingPunct="1">
+              <a:lnSpc>
+                <a:spcPct val="100000"/>
+              </a:lnSpc>
+              <a:spcBef>
+                <a:spcPts val="0"/>
+              </a:spcBef>
+              <a:spcAft>
+                <a:spcPts val="0"/>
+              </a:spcAft>
+              <a:buClrTx/>
+              <a:buSzTx/>
+              <a:buFontTx/>
+              <a:buNone/>
+              <a:tabLst/>
+              <a:defRPr/>
+            </a:pPr>
+            <a:r>
+              <a:rPr lang="en-US" sz="1200" dirty="0"/>
               <a:t>#</a:t>
             </a:r>
-            <a:endParaRPr lang="en-US" sz="2800" dirty="0">
-              <a:effectLst/>
-              <a:latin typeface="Times New Roman" panose="02020603050405020304" pitchFamily="18" charset="0"/>
-              <a:ea typeface="Times New Roman" panose="02020603050405020304" pitchFamily="18" charset="0"/>
-            </a:endParaRPr>
+          </a:p>
+          <a:p>
+            <a:endParaRPr lang="en-IN" dirty="0"/>
           </a:p>
         </p:txBody>
       </p:sp>
@@ -13500,7 +13548,7 @@
     </p:spTree>
     <p:extLst>
       <p:ext uri="{BB962C8B-B14F-4D97-AF65-F5344CB8AC3E}">
-        <p14:creationId xmlns:p14="http://schemas.microsoft.com/office/powerpoint/2010/main" val="1568027492"/>
+        <p14:creationId xmlns:p14="http://schemas.microsoft.com/office/powerpoint/2010/main" val="12511309"/>
       </p:ext>
     </p:extLst>
   </p:cSld>
@@ -13555,42 +13603,96 @@
           <a:lstStyle/>
           <a:p>
             <a:r>
-              <a:rPr lang="en-US" dirty="0"/>
-              <a:t>We chose VGG16 because it has certain benefits over other models.</a:t>
-            </a:r>
-          </a:p>
-          <a:p>
-            <a:r>
-              <a:rPr lang="en-US" dirty="0"/>
-              <a:t># VGG16 has very high accuracy. As mentioned earlier, </a:t>
-            </a:r>
-            <a:r>
-              <a:rPr lang="en-IN" sz="1200" dirty="0">
-                <a:effectLst/>
-                <a:latin typeface="Times New Roman" panose="02020603050405020304" pitchFamily="18" charset="0"/>
-              </a:rPr>
-              <a:t>i</a:t>
-            </a:r>
-            <a:r>
-              <a:rPr lang="en-IN" sz="1200" dirty="0">
+              <a:rPr lang="en-IN" dirty="0"/>
+              <a:t>Now we shall talk about VGG16, since it is the primary neural network model that we will be using in our project.</a:t>
+            </a:r>
+          </a:p>
+          <a:p>
+            <a:r>
+              <a:rPr lang="en-IN" dirty="0"/>
+              <a:t># The VGG16 model was first proposed by </a:t>
+            </a:r>
+            <a:r>
+              <a:rPr lang="en-IN" sz="1800" dirty="0">
                 <a:effectLst/>
                 <a:latin typeface="Times New Roman" panose="02020603050405020304" pitchFamily="18" charset="0"/>
                 <a:ea typeface="Times New Roman" panose="02020603050405020304" pitchFamily="18" charset="0"/>
               </a:rPr>
-              <a:t>t has 92.7% accuracy on top 5 accuracy tests with the </a:t>
-            </a:r>
-            <a:r>
-              <a:rPr lang="en-IN" sz="1800" b="0" i="0" u="none" dirty="0">
+              <a:t>Karen Simonyan and Andrew Zisserman of Oxford University’s </a:t>
+            </a:r>
+            <a:r>
+              <a:rPr lang="en-US" sz="4000" dirty="0">
+                <a:latin typeface="Frank Ruhl Hofshi" panose="00000500000000000000" pitchFamily="50" charset="-79"/>
+                <a:cs typeface="Frank Ruhl Hofshi" panose="00000500000000000000" pitchFamily="50" charset="-79"/>
+              </a:rPr>
+              <a:t>Visual Geometry Group Lab</a:t>
+            </a:r>
+            <a:r>
+              <a:rPr lang="en-IN" sz="1800" dirty="0">
+                <a:effectLst/>
+                <a:latin typeface="Times New Roman" panose="02020603050405020304" pitchFamily="18" charset="0"/>
+                <a:ea typeface="Times New Roman" panose="02020603050405020304" pitchFamily="18" charset="0"/>
+              </a:rPr>
+              <a:t> </a:t>
+            </a:r>
+            <a:r>
+              <a:rPr lang="en-IN" dirty="0"/>
+              <a:t>in a scholarly article titled </a:t>
+            </a:r>
+            <a:r>
+              <a:rPr lang="en-IN" sz="1800" dirty="0">
+                <a:effectLst/>
+                <a:latin typeface="Times New Roman" panose="02020603050405020304" pitchFamily="18" charset="0"/>
+                <a:ea typeface="Times New Roman" panose="02020603050405020304" pitchFamily="18" charset="0"/>
+              </a:rPr>
+              <a:t>"Very Deep Networks for Large Scale Image Recognition“ in 2014.</a:t>
+            </a:r>
+          </a:p>
+          <a:p>
+            <a:r>
+              <a:rPr lang="en-IN" sz="1800" dirty="0">
+                <a:effectLst/>
+                <a:latin typeface="Times New Roman" panose="02020603050405020304" pitchFamily="18" charset="0"/>
+                <a:ea typeface="Times New Roman" panose="02020603050405020304" pitchFamily="18" charset="0"/>
+              </a:rPr>
+              <a:t># It has 92.7% accuracy on top 5 accuracy tests with the </a:t>
+            </a:r>
+            <a:r>
+              <a:rPr lang="en-IN" sz="2800" b="0" i="0" u="none" dirty="0">
                 <a:solidFill>
                   <a:schemeClr val="tx1"/>
                 </a:solidFill>
                 <a:effectLst/>
                 <a:latin typeface="Helvetica" panose="020B0604020202020204" pitchFamily="34" charset="0"/>
+                <a:hlinkClick r:id="rId3">
+                  <a:extLst>
+                    <a:ext uri="{A12FA001-AC4F-418D-AE19-62706E023703}">
+                      <ahyp:hlinkClr xmlns:ahyp="http://schemas.microsoft.com/office/drawing/2018/hyperlinkcolor" val="tx"/>
+                    </a:ext>
+                  </a:extLst>
+                </a:hlinkClick>
               </a:rPr>
-              <a:t>ILSVRC</a:t>
-            </a:r>
-            <a:r>
-              <a:rPr lang="en-IN" sz="1800" b="0" i="0" u="none" dirty="0">
+              <a:t>ImageNet Large Scale Visual Recognition Challenge (ILSVRC</a:t>
+            </a:r>
+            <a:r>
+              <a:rPr lang="en-IN" sz="2800" b="0" i="0" u="none" dirty="0">
+                <a:solidFill>
+                  <a:srgbClr val="0563C1"/>
+                </a:solidFill>
+                <a:effectLst/>
+                <a:latin typeface="Helvetica" panose="020B0604020202020204" pitchFamily="34" charset="0"/>
+                <a:hlinkClick r:id="rId3">
+                  <a:extLst>
+                    <a:ext uri="{A12FA001-AC4F-418D-AE19-62706E023703}">
+                      <ahyp:hlinkClr xmlns:ahyp="http://schemas.microsoft.com/office/drawing/2018/hyperlinkcolor" val="tx"/>
+                    </a:ext>
+                  </a:extLst>
+                </a:hlinkClick>
+              </a:rPr>
+              <a:t>)</a:t>
+            </a:r>
+            <a:r>
+              <a:rPr lang="en-IN" sz="2800" b="0" i="0" u="none" dirty="0">
                 <a:solidFill>
                   <a:srgbClr val="333333"/>
                 </a:solidFill>
@@ -13600,7 +13702,7 @@
               <a:t> </a:t>
             </a:r>
             <a:r>
-              <a:rPr lang="en-IN" sz="1200" b="0" i="0" u="none" dirty="0">
+              <a:rPr lang="en-IN" sz="1800" b="0" i="0" u="none" dirty="0">
                 <a:solidFill>
                   <a:srgbClr val="333333"/>
                 </a:solidFill>
@@ -13610,48 +13712,137 @@
               <a:t>subset of </a:t>
             </a:r>
             <a:r>
-              <a:rPr lang="en-IN" sz="1200" dirty="0" err="1">
+              <a:rPr lang="en-IN" sz="1800" dirty="0">
                 <a:effectLst/>
                 <a:latin typeface="Times New Roman" panose="02020603050405020304" pitchFamily="18" charset="0"/>
                 <a:ea typeface="Times New Roman" panose="02020603050405020304" pitchFamily="18" charset="0"/>
               </a:rPr>
-              <a:t>Imagenet</a:t>
-            </a:r>
-            <a:r>
-              <a:rPr lang="en-IN" sz="1200" dirty="0">
+              <a:t>ImageNet database, which contains </a:t>
+            </a:r>
+            <a:r>
+              <a:rPr lang="en-IN" sz="2800" b="0" i="0" dirty="0">
+                <a:solidFill>
+                  <a:srgbClr val="666666"/>
+                </a:solidFill>
+                <a:effectLst/>
+                <a:latin typeface="Helvetica" panose="020B0604020202020204" pitchFamily="34" charset="0"/>
+              </a:rPr>
+              <a:t>150,000 images and </a:t>
+            </a:r>
+            <a:r>
+              <a:rPr lang="en-IN" sz="2800" b="0" i="0" dirty="0">
+                <a:effectLst/>
+                <a:latin typeface="Inter"/>
+              </a:rPr>
+              <a:t>1000 object categories</a:t>
+            </a:r>
+            <a:r>
+              <a:rPr lang="en-IN" sz="1800" dirty="0">
                 <a:effectLst/>
                 <a:latin typeface="Times New Roman" panose="02020603050405020304" pitchFamily="18" charset="0"/>
                 <a:ea typeface="Times New Roman" panose="02020603050405020304" pitchFamily="18" charset="0"/>
               </a:rPr>
-              <a:t> database.</a:t>
-            </a:r>
-          </a:p>
-          <a:p>
-            <a:r>
-              <a:rPr lang="en-IN" sz="1200" dirty="0">
+              <a:t>.</a:t>
+            </a:r>
+          </a:p>
+          <a:p>
+            <a:r>
+              <a:rPr lang="en-US" sz="2800" dirty="0"/>
+              <a:t># This model won the first and second place in 2014 </a:t>
+            </a:r>
+            <a:r>
+              <a:rPr lang="en-IN" sz="4000" dirty="0"/>
+              <a:t>ImageNet Large Scale Visual Recognition Challenge, that is ILSVRC 2014</a:t>
+            </a:r>
+            <a:r>
+              <a:rPr lang="en-US" sz="2800" dirty="0"/>
+              <a:t>.</a:t>
+            </a:r>
+          </a:p>
+          <a:p>
+            <a:r>
+              <a:rPr lang="en-US" sz="2800" dirty="0">
                 <a:effectLst/>
                 <a:latin typeface="Times New Roman" panose="02020603050405020304" pitchFamily="18" charset="0"/>
+                <a:ea typeface="Times New Roman" panose="02020603050405020304" pitchFamily="18" charset="0"/>
               </a:rPr>
-              <a:t># VGG16 has a uniform layer structure. Its simplicity and uniformity makes it easier to customise for handwriting recognition.</a:t>
-            </a:r>
-          </a:p>
-          <a:p>
-            <a:r>
-              <a:rPr lang="en-IN" sz="1200" dirty="0">
+              <a:t># The VGG in the name stands for Visual Geometry Group, which is the name of the laboratory where the model was conceived</a:t>
+            </a:r>
+            <a:r>
+              <a:rPr lang="en-IN" sz="1800" dirty="0">
                 <a:effectLst/>
                 <a:latin typeface="Times New Roman" panose="02020603050405020304" pitchFamily="18" charset="0"/>
+                <a:ea typeface="Times New Roman" panose="02020603050405020304" pitchFamily="18" charset="0"/>
               </a:rPr>
-              <a:t># VGG16 is also a highly popular algorithm. It is a go-to model for image recognition problems, including handwriting recognition.</a:t>
-            </a:r>
-          </a:p>
-          <a:p>
-            <a:r>
-              <a:rPr lang="en-IN" sz="1200" dirty="0">
+              <a:t>.</a:t>
+            </a:r>
+          </a:p>
+          <a:p>
+            <a:r>
+              <a:rPr lang="en-IN" sz="1800" dirty="0">
                 <a:effectLst/>
                 <a:latin typeface="Times New Roman" panose="02020603050405020304" pitchFamily="18" charset="0"/>
+                <a:ea typeface="Times New Roman" panose="02020603050405020304" pitchFamily="18" charset="0"/>
+              </a:rPr>
+              <a:t># The 16 in the name signifies the 16 Neural Network Layers.</a:t>
+            </a:r>
+            <a:br>
+              <a:rPr lang="en-IN" sz="1800" dirty="0">
+                <a:effectLst/>
+                <a:latin typeface="Times New Roman" panose="02020603050405020304" pitchFamily="18" charset="0"/>
+                <a:ea typeface="Times New Roman" panose="02020603050405020304" pitchFamily="18" charset="0"/>
+              </a:rPr>
+            </a:br>
+            <a:r>
+              <a:rPr lang="en-IN" sz="1800" dirty="0">
+                <a:effectLst/>
+                <a:latin typeface="Times New Roman" panose="02020603050405020304" pitchFamily="18" charset="0"/>
+                <a:ea typeface="Times New Roman" panose="02020603050405020304" pitchFamily="18" charset="0"/>
+              </a:rPr>
+              <a:t># Out of these Layers 13 are Convolutional Networks and 3 are Densely connected Networks.</a:t>
+            </a:r>
+          </a:p>
+          <a:p>
+            <a:r>
+              <a:rPr lang="en-IN" sz="1800" dirty="0">
+                <a:effectLst/>
+                <a:latin typeface="Times New Roman" panose="02020603050405020304" pitchFamily="18" charset="0"/>
+                <a:ea typeface="Times New Roman" panose="02020603050405020304" pitchFamily="18" charset="0"/>
+              </a:rPr>
+              <a:t># The model takes 224 cross 224 images in RGB channels as an input.</a:t>
+            </a:r>
+          </a:p>
+          <a:p>
+            <a:pPr marL="0" marR="0" lvl="0" indent="0" algn="l" defTabSz="914400" rtl="0" eaLnBrk="1" fontAlgn="auto" latinLnBrk="0" hangingPunct="1">
+              <a:lnSpc>
+                <a:spcPct val="100000"/>
+              </a:lnSpc>
+              <a:spcBef>
+                <a:spcPts val="0"/>
+              </a:spcBef>
+              <a:spcAft>
+                <a:spcPts val="0"/>
+              </a:spcAft>
+              <a:buClrTx/>
+              <a:buSzTx/>
+              <a:buFontTx/>
+              <a:buNone/>
+              <a:tabLst/>
+              <a:defRPr/>
+            </a:pPr>
+            <a:r>
+              <a:rPr lang="en-IN" sz="1800" dirty="0">
+                <a:effectLst/>
+                <a:latin typeface="Times New Roman" panose="02020603050405020304" pitchFamily="18" charset="0"/>
+                <a:ea typeface="Times New Roman" panose="02020603050405020304" pitchFamily="18" charset="0"/>
               </a:rPr>
               <a:t>#</a:t>
             </a:r>
+            <a:endParaRPr lang="en-US" sz="2800" dirty="0">
+              <a:effectLst/>
+              <a:latin typeface="Times New Roman" panose="02020603050405020304" pitchFamily="18" charset="0"/>
+              <a:ea typeface="Times New Roman" panose="02020603050405020304" pitchFamily="18" charset="0"/>
+            </a:endParaRPr>
           </a:p>
         </p:txBody>
       </p:sp>
@@ -13681,7 +13872,7 @@
     </p:spTree>
     <p:extLst>
       <p:ext uri="{BB962C8B-B14F-4D97-AF65-F5344CB8AC3E}">
-        <p14:creationId xmlns:p14="http://schemas.microsoft.com/office/powerpoint/2010/main" val="1356186986"/>
+        <p14:creationId xmlns:p14="http://schemas.microsoft.com/office/powerpoint/2010/main" val="1568027492"/>
       </p:ext>
     </p:extLst>
   </p:cSld>
@@ -13822,7 +14013,7 @@
           <a:p>
             <a:fld id="{21D9AB09-D600-4578-8243-21B8A8CCB975}" type="datetimeFigureOut">
               <a:rPr lang="en-IN" smtClean="0"/>
-              <a:t>06-05-2021</a:t>
+              <a:t>07-05-2021</a:t>
             </a:fld>
             <a:endParaRPr lang="en-IN"/>
           </a:p>
@@ -13992,7 +14183,7 @@
           <a:p>
             <a:fld id="{21D9AB09-D600-4578-8243-21B8A8CCB975}" type="datetimeFigureOut">
               <a:rPr lang="en-IN" smtClean="0"/>
-              <a:t>06-05-2021</a:t>
+              <a:t>07-05-2021</a:t>
             </a:fld>
             <a:endParaRPr lang="en-IN"/>
           </a:p>
@@ -14172,7 +14363,7 @@
           <a:p>
             <a:fld id="{21D9AB09-D600-4578-8243-21B8A8CCB975}" type="datetimeFigureOut">
               <a:rPr lang="en-IN" smtClean="0"/>
-              <a:t>06-05-2021</a:t>
+              <a:t>07-05-2021</a:t>
             </a:fld>
             <a:endParaRPr lang="en-IN"/>
           </a:p>
@@ -14342,7 +14533,7 @@
           <a:p>
             <a:fld id="{21D9AB09-D600-4578-8243-21B8A8CCB975}" type="datetimeFigureOut">
               <a:rPr lang="en-IN" smtClean="0"/>
-              <a:t>06-05-2021</a:t>
+              <a:t>07-05-2021</a:t>
             </a:fld>
             <a:endParaRPr lang="en-IN"/>
           </a:p>
@@ -14588,7 +14779,7 @@
           <a:p>
             <a:fld id="{21D9AB09-D600-4578-8243-21B8A8CCB975}" type="datetimeFigureOut">
               <a:rPr lang="en-IN" smtClean="0"/>
-              <a:t>06-05-2021</a:t>
+              <a:t>07-05-2021</a:t>
             </a:fld>
             <a:endParaRPr lang="en-IN"/>
           </a:p>
@@ -14820,7 +15011,7 @@
           <a:p>
             <a:fld id="{21D9AB09-D600-4578-8243-21B8A8CCB975}" type="datetimeFigureOut">
               <a:rPr lang="en-IN" smtClean="0"/>
-              <a:t>06-05-2021</a:t>
+              <a:t>07-05-2021</a:t>
             </a:fld>
             <a:endParaRPr lang="en-IN"/>
           </a:p>
@@ -15187,7 +15378,7 @@
           <a:p>
             <a:fld id="{21D9AB09-D600-4578-8243-21B8A8CCB975}" type="datetimeFigureOut">
               <a:rPr lang="en-IN" smtClean="0"/>
-              <a:t>06-05-2021</a:t>
+              <a:t>07-05-2021</a:t>
             </a:fld>
             <a:endParaRPr lang="en-IN"/>
           </a:p>
@@ -15305,7 +15496,7 @@
           <a:p>
             <a:fld id="{21D9AB09-D600-4578-8243-21B8A8CCB975}" type="datetimeFigureOut">
               <a:rPr lang="en-IN" smtClean="0"/>
-              <a:t>06-05-2021</a:t>
+              <a:t>07-05-2021</a:t>
             </a:fld>
             <a:endParaRPr lang="en-IN"/>
           </a:p>
@@ -15400,7 +15591,7 @@
           <a:p>
             <a:fld id="{21D9AB09-D600-4578-8243-21B8A8CCB975}" type="datetimeFigureOut">
               <a:rPr lang="en-IN" smtClean="0"/>
-              <a:t>06-05-2021</a:t>
+              <a:t>07-05-2021</a:t>
             </a:fld>
             <a:endParaRPr lang="en-IN"/>
           </a:p>
@@ -15677,7 +15868,7 @@
           <a:p>
             <a:fld id="{21D9AB09-D600-4578-8243-21B8A8CCB975}" type="datetimeFigureOut">
               <a:rPr lang="en-IN" smtClean="0"/>
-              <a:t>06-05-2021</a:t>
+              <a:t>07-05-2021</a:t>
             </a:fld>
             <a:endParaRPr lang="en-IN"/>
           </a:p>
@@ -15934,7 +16125,7 @@
           <a:p>
             <a:fld id="{21D9AB09-D600-4578-8243-21B8A8CCB975}" type="datetimeFigureOut">
               <a:rPr lang="en-IN" smtClean="0"/>
-              <a:t>06-05-2021</a:t>
+              <a:t>07-05-2021</a:t>
             </a:fld>
             <a:endParaRPr lang="en-IN"/>
           </a:p>
@@ -16175,7 +16366,7 @@
           <a:p>
             <a:fld id="{21D9AB09-D600-4578-8243-21B8A8CCB975}" type="datetimeFigureOut">
               <a:rPr lang="en-IN" smtClean="0"/>
-              <a:t>06-05-2021</a:t>
+              <a:t>07-05-2021</a:t>
             </a:fld>
             <a:endParaRPr lang="en-IN"/>
           </a:p>
@@ -17968,7 +18159,7 @@
         </p:spPr>
         <p:txBody>
           <a:bodyPr>
-            <a:normAutofit fontScale="77500" lnSpcReduction="20000"/>
+            <a:normAutofit fontScale="85000" lnSpcReduction="20000"/>
           </a:bodyPr>
           <a:lstStyle/>
           <a:p>
@@ -18029,8 +18220,21 @@
                 <a:latin typeface="Frank Ruhl Libre" panose="00000500000000000000" pitchFamily="2" charset="-79"/>
                 <a:cs typeface="Frank Ruhl Libre" panose="00000500000000000000" pitchFamily="2" charset="-79"/>
               </a:rPr>
-              <a:t>Every Subset has Data for one Author; Another author for verification</a:t>
-            </a:r>
+              <a:t>Every Subset has Data for one Writer; Another writer for verification</a:t>
+            </a:r>
+          </a:p>
+          <a:p>
+            <a:r>
+              <a:rPr lang="en-IN" dirty="0">
+                <a:latin typeface="Frank Ruhl Libre" panose="00000500000000000000" pitchFamily="2" charset="-79"/>
+                <a:cs typeface="Frank Ruhl Libre" panose="00000500000000000000" pitchFamily="2" charset="-79"/>
+              </a:rPr>
+              <a:t>Number of writers: 100 for Bangla, 101 for English</a:t>
+            </a:r>
+            <a:endParaRPr lang="en-US" dirty="0">
+              <a:latin typeface="Frank Ruhl Libre" panose="00000500000000000000" pitchFamily="2" charset="-79"/>
+              <a:cs typeface="Frank Ruhl Libre" panose="00000500000000000000" pitchFamily="2" charset="-79"/>
+            </a:endParaRPr>
           </a:p>
           <a:p>
             <a:r>
@@ -18065,25 +18269,7 @@
                 <a:latin typeface="Frank Ruhl Libre" panose="00000500000000000000" pitchFamily="2" charset="-79"/>
                 <a:cs typeface="Frank Ruhl Libre" panose="00000500000000000000" pitchFamily="2" charset="-79"/>
               </a:rPr>
-              <a:t>Format: &lt;Author Code&gt;_&lt;Set Number&gt;_&lt;Image Number&gt;</a:t>
-            </a:r>
-          </a:p>
-          <a:p>
-            <a:r>
-              <a:rPr lang="en-US" dirty="0">
-                <a:latin typeface="Frank Ruhl Libre" panose="00000500000000000000" pitchFamily="2" charset="-79"/>
-                <a:cs typeface="Frank Ruhl Libre" panose="00000500000000000000" pitchFamily="2" charset="-79"/>
-              </a:rPr>
-              <a:t>&lt;Language code&gt; added to the stored feature matrix</a:t>
-            </a:r>
-          </a:p>
-          <a:p>
-            <a:r>
-              <a:rPr lang="en-US" dirty="0">
-                <a:latin typeface="Frank Ruhl Libre" panose="00000500000000000000" pitchFamily="2" charset="-79"/>
-                <a:cs typeface="Frank Ruhl Libre" panose="00000500000000000000" pitchFamily="2" charset="-79"/>
-              </a:rPr>
-              <a:t>CSV File Name Format: &lt;Author Code&gt;_&lt;Language Code&gt;_&lt;Set Number&gt;</a:t>
+              <a:t>Format: &lt;Writer Code&gt;_&lt;Set Number&gt;_&lt;Image Number&gt;</a:t>
             </a:r>
           </a:p>
           <a:p>
@@ -18571,55 +18757,6 @@
                       </p:childTnLst>
                     </p:cTn>
                   </p:par>
-                  <p:par>
-                    <p:cTn id="39" fill="hold">
-                      <p:stCondLst>
-                        <p:cond delay="indefinite"/>
-                      </p:stCondLst>
-                      <p:childTnLst>
-                        <p:par>
-                          <p:cTn id="40" fill="hold">
-                            <p:stCondLst>
-                              <p:cond delay="0"/>
-                            </p:stCondLst>
-                            <p:childTnLst>
-                              <p:par>
-                                <p:cTn id="41" presetID="1" presetClass="entr" presetSubtype="0" fill="hold" grpId="0" nodeType="clickEffect">
-                                  <p:stCondLst>
-                                    <p:cond delay="0"/>
-                                  </p:stCondLst>
-                                  <p:childTnLst>
-                                    <p:set>
-                                      <p:cBhvr>
-                                        <p:cTn id="42" dur="1" fill="hold">
-                                          <p:stCondLst>
-                                            <p:cond delay="0"/>
-                                          </p:stCondLst>
-                                        </p:cTn>
-                                        <p:tgtEl>
-                                          <p:spTgt spid="3">
-                                            <p:txEl>
-                                              <p:pRg st="11" end="11"/>
-                                            </p:txEl>
-                                          </p:spTgt>
-                                        </p:tgtEl>
-                                        <p:attrNameLst>
-                                          <p:attrName>style.visibility</p:attrName>
-                                        </p:attrNameLst>
-                                      </p:cBhvr>
-                                      <p:to>
-                                        <p:strVal val="visible"/>
-                                      </p:to>
-                                    </p:set>
-                                  </p:childTnLst>
-                                </p:cTn>
-                              </p:par>
-                            </p:childTnLst>
-                          </p:cTn>
-                        </p:par>
-                      </p:childTnLst>
-                    </p:cTn>
-                  </p:par>
                 </p:childTnLst>
               </p:cTn>
               <p:prevCondLst>
@@ -18642,7 +18779,7 @@
       </p:par>
     </p:tnLst>
     <p:bldLst>
-      <p:bldP spid="3" grpId="0" build="p"/>
+      <p:bldP spid="3" grpId="0" uiExpand="1" build="p"/>
     </p:bldLst>
   </p:timing>
 </p:sld>
@@ -18897,6 +19034,396 @@
 </file>
 
 <file path=ppt/slides/slide15.xml><?xml version="1.0" encoding="utf-8"?>
+<p:sld xmlns:a="http://schemas.openxmlformats.org/drawingml/2006/main" xmlns:r="http://schemas.openxmlformats.org/officeDocument/2006/relationships" xmlns:p="http://schemas.openxmlformats.org/presentationml/2006/main">
+  <p:cSld>
+    <p:spTree>
+      <p:nvGrpSpPr>
+        <p:cNvPr id="1" name=""/>
+        <p:cNvGrpSpPr/>
+        <p:nvPr/>
+      </p:nvGrpSpPr>
+      <p:grpSpPr>
+        <a:xfrm>
+          <a:off x="0" y="0"/>
+          <a:ext cx="0" cy="0"/>
+          <a:chOff x="0" y="0"/>
+          <a:chExt cx="0" cy="0"/>
+        </a:xfrm>
+      </p:grpSpPr>
+      <p:sp>
+        <p:nvSpPr>
+          <p:cNvPr id="2" name="Title 1">
+            <a:extLst>
+              <a:ext uri="{FF2B5EF4-FFF2-40B4-BE49-F238E27FC236}">
+                <a16:creationId xmlns:a16="http://schemas.microsoft.com/office/drawing/2014/main" id="{D1943DDD-BCFB-47DD-8E78-FA91AFC52B6D}"/>
+              </a:ext>
+            </a:extLst>
+          </p:cNvPr>
+          <p:cNvSpPr>
+            <a:spLocks noGrp="1"/>
+          </p:cNvSpPr>
+          <p:nvPr>
+            <p:ph type="title"/>
+          </p:nvPr>
+        </p:nvSpPr>
+        <p:spPr/>
+        <p:txBody>
+          <a:bodyPr/>
+          <a:lstStyle/>
+          <a:p>
+            <a:r>
+              <a:rPr lang="en-US" dirty="0">
+                <a:latin typeface="Garamond" panose="02020404030301010803" pitchFamily="18" charset="0"/>
+              </a:rPr>
+              <a:t>Organization of Extracted Feature Set</a:t>
+            </a:r>
+            <a:endParaRPr lang="en-IN" dirty="0"/>
+          </a:p>
+        </p:txBody>
+      </p:sp>
+      <p:sp>
+        <p:nvSpPr>
+          <p:cNvPr id="3" name="Content Placeholder 2">
+            <a:extLst>
+              <a:ext uri="{FF2B5EF4-FFF2-40B4-BE49-F238E27FC236}">
+                <a16:creationId xmlns:a16="http://schemas.microsoft.com/office/drawing/2014/main" id="{9AE02E70-B98E-41F3-9DDA-2E830BF97D96}"/>
+              </a:ext>
+            </a:extLst>
+          </p:cNvPr>
+          <p:cNvSpPr>
+            <a:spLocks noGrp="1"/>
+          </p:cNvSpPr>
+          <p:nvPr>
+            <p:ph idx="1"/>
+          </p:nvPr>
+        </p:nvSpPr>
+        <p:spPr/>
+        <p:txBody>
+          <a:bodyPr/>
+          <a:lstStyle/>
+          <a:p>
+            <a:r>
+              <a:rPr lang="en-US" dirty="0">
+                <a:latin typeface="Frank Ruhl Libre" panose="00000500000000000000" pitchFamily="2" charset="-79"/>
+                <a:cs typeface="Frank Ruhl Libre" panose="00000500000000000000" pitchFamily="2" charset="-79"/>
+              </a:rPr>
+              <a:t>Extracted features stored as CSV files</a:t>
+            </a:r>
+          </a:p>
+          <a:p>
+            <a:r>
+              <a:rPr lang="en-US" dirty="0">
+                <a:latin typeface="Frank Ruhl Libre" panose="00000500000000000000" pitchFamily="2" charset="-79"/>
+                <a:cs typeface="Frank Ruhl Libre" panose="00000500000000000000" pitchFamily="2" charset="-79"/>
+              </a:rPr>
+              <a:t>&lt;Language code&gt; added to the stored feature matrix</a:t>
+            </a:r>
+          </a:p>
+          <a:p>
+            <a:pPr lvl="1"/>
+            <a:r>
+              <a:rPr lang="en-US" dirty="0">
+                <a:latin typeface="Frank Ruhl Libre" panose="00000500000000000000" pitchFamily="2" charset="-79"/>
+                <a:cs typeface="Frank Ruhl Libre" panose="00000500000000000000" pitchFamily="2" charset="-79"/>
+              </a:rPr>
+              <a:t>Language Code for Bangla: 11</a:t>
+            </a:r>
+          </a:p>
+          <a:p>
+            <a:pPr lvl="1"/>
+            <a:r>
+              <a:rPr lang="en-US" dirty="0">
+                <a:latin typeface="Frank Ruhl Libre" panose="00000500000000000000" pitchFamily="2" charset="-79"/>
+                <a:cs typeface="Frank Ruhl Libre" panose="00000500000000000000" pitchFamily="2" charset="-79"/>
+              </a:rPr>
+              <a:t>Language Code for English: 00</a:t>
+            </a:r>
+          </a:p>
+          <a:p>
+            <a:r>
+              <a:rPr lang="en-US" dirty="0">
+                <a:latin typeface="Frank Ruhl Libre" panose="00000500000000000000" pitchFamily="2" charset="-79"/>
+                <a:cs typeface="Frank Ruhl Libre" panose="00000500000000000000" pitchFamily="2" charset="-79"/>
+              </a:rPr>
+              <a:t>CSV File Name Format: &lt;Writer Code&gt;_&lt;Language Code&gt;_&lt;Set Number&gt;</a:t>
+            </a:r>
+          </a:p>
+          <a:p>
+            <a:endParaRPr lang="en-IN" dirty="0"/>
+          </a:p>
+        </p:txBody>
+      </p:sp>
+    </p:spTree>
+    <p:extLst>
+      <p:ext uri="{BB962C8B-B14F-4D97-AF65-F5344CB8AC3E}">
+        <p14:creationId xmlns:p14="http://schemas.microsoft.com/office/powerpoint/2010/main" val="744188599"/>
+      </p:ext>
+    </p:extLst>
+  </p:cSld>
+  <p:clrMapOvr>
+    <a:masterClrMapping/>
+  </p:clrMapOvr>
+  <p:timing>
+    <p:tnLst>
+      <p:par>
+        <p:cTn id="1" dur="indefinite" restart="never" nodeType="tmRoot">
+          <p:childTnLst>
+            <p:seq concurrent="1" nextAc="seek">
+              <p:cTn id="2" dur="indefinite" nodeType="mainSeq">
+                <p:childTnLst>
+                  <p:par>
+                    <p:cTn id="3" fill="hold">
+                      <p:stCondLst>
+                        <p:cond delay="indefinite"/>
+                      </p:stCondLst>
+                      <p:childTnLst>
+                        <p:par>
+                          <p:cTn id="4" fill="hold">
+                            <p:stCondLst>
+                              <p:cond delay="0"/>
+                            </p:stCondLst>
+                            <p:childTnLst>
+                              <p:par>
+                                <p:cTn id="5" presetID="1" presetClass="entr" presetSubtype="0" fill="hold" nodeType="clickEffect">
+                                  <p:stCondLst>
+                                    <p:cond delay="0"/>
+                                  </p:stCondLst>
+                                  <p:childTnLst>
+                                    <p:set>
+                                      <p:cBhvr>
+                                        <p:cTn id="6" dur="1" fill="hold">
+                                          <p:stCondLst>
+                                            <p:cond delay="0"/>
+                                          </p:stCondLst>
+                                        </p:cTn>
+                                        <p:tgtEl>
+                                          <p:spTgt spid="3">
+                                            <p:txEl>
+                                              <p:pRg st="0" end="0"/>
+                                            </p:txEl>
+                                          </p:spTgt>
+                                        </p:tgtEl>
+                                        <p:attrNameLst>
+                                          <p:attrName>style.visibility</p:attrName>
+                                        </p:attrNameLst>
+                                      </p:cBhvr>
+                                      <p:to>
+                                        <p:strVal val="visible"/>
+                                      </p:to>
+                                    </p:set>
+                                  </p:childTnLst>
+                                </p:cTn>
+                              </p:par>
+                            </p:childTnLst>
+                          </p:cTn>
+                        </p:par>
+                      </p:childTnLst>
+                    </p:cTn>
+                  </p:par>
+                  <p:par>
+                    <p:cTn id="7" fill="hold">
+                      <p:stCondLst>
+                        <p:cond delay="indefinite"/>
+                      </p:stCondLst>
+                      <p:childTnLst>
+                        <p:par>
+                          <p:cTn id="8" fill="hold">
+                            <p:stCondLst>
+                              <p:cond delay="0"/>
+                            </p:stCondLst>
+                            <p:childTnLst>
+                              <p:par>
+                                <p:cTn id="9" presetID="1" presetClass="entr" presetSubtype="0" fill="hold" nodeType="clickEffect">
+                                  <p:stCondLst>
+                                    <p:cond delay="0"/>
+                                  </p:stCondLst>
+                                  <p:childTnLst>
+                                    <p:set>
+                                      <p:cBhvr>
+                                        <p:cTn id="10" dur="1" fill="hold">
+                                          <p:stCondLst>
+                                            <p:cond delay="0"/>
+                                          </p:stCondLst>
+                                        </p:cTn>
+                                        <p:tgtEl>
+                                          <p:spTgt spid="3">
+                                            <p:txEl>
+                                              <p:pRg st="1" end="1"/>
+                                            </p:txEl>
+                                          </p:spTgt>
+                                        </p:tgtEl>
+                                        <p:attrNameLst>
+                                          <p:attrName>style.visibility</p:attrName>
+                                        </p:attrNameLst>
+                                      </p:cBhvr>
+                                      <p:to>
+                                        <p:strVal val="visible"/>
+                                      </p:to>
+                                    </p:set>
+                                  </p:childTnLst>
+                                </p:cTn>
+                              </p:par>
+                            </p:childTnLst>
+                          </p:cTn>
+                        </p:par>
+                      </p:childTnLst>
+                    </p:cTn>
+                  </p:par>
+                  <p:par>
+                    <p:cTn id="11" fill="hold">
+                      <p:stCondLst>
+                        <p:cond delay="indefinite"/>
+                      </p:stCondLst>
+                      <p:childTnLst>
+                        <p:par>
+                          <p:cTn id="12" fill="hold">
+                            <p:stCondLst>
+                              <p:cond delay="0"/>
+                            </p:stCondLst>
+                            <p:childTnLst>
+                              <p:par>
+                                <p:cTn id="13" presetID="1" presetClass="entr" presetSubtype="0" fill="hold" nodeType="clickEffect">
+                                  <p:stCondLst>
+                                    <p:cond delay="0"/>
+                                  </p:stCondLst>
+                                  <p:childTnLst>
+                                    <p:set>
+                                      <p:cBhvr>
+                                        <p:cTn id="14" dur="1" fill="hold">
+                                          <p:stCondLst>
+                                            <p:cond delay="0"/>
+                                          </p:stCondLst>
+                                        </p:cTn>
+                                        <p:tgtEl>
+                                          <p:spTgt spid="3">
+                                            <p:txEl>
+                                              <p:pRg st="2" end="2"/>
+                                            </p:txEl>
+                                          </p:spTgt>
+                                        </p:tgtEl>
+                                        <p:attrNameLst>
+                                          <p:attrName>style.visibility</p:attrName>
+                                        </p:attrNameLst>
+                                      </p:cBhvr>
+                                      <p:to>
+                                        <p:strVal val="visible"/>
+                                      </p:to>
+                                    </p:set>
+                                  </p:childTnLst>
+                                </p:cTn>
+                              </p:par>
+                              <p:par>
+                                <p:cTn id="15" presetID="1" presetClass="entr" presetSubtype="0" fill="hold" nodeType="withEffect">
+                                  <p:stCondLst>
+                                    <p:cond delay="0"/>
+                                  </p:stCondLst>
+                                  <p:childTnLst>
+                                    <p:set>
+                                      <p:cBhvr>
+                                        <p:cTn id="16" dur="1" fill="hold">
+                                          <p:stCondLst>
+                                            <p:cond delay="0"/>
+                                          </p:stCondLst>
+                                        </p:cTn>
+                                        <p:tgtEl>
+                                          <p:spTgt spid="3">
+                                            <p:txEl>
+                                              <p:pRg st="3" end="3"/>
+                                            </p:txEl>
+                                          </p:spTgt>
+                                        </p:tgtEl>
+                                        <p:attrNameLst>
+                                          <p:attrName>style.visibility</p:attrName>
+                                        </p:attrNameLst>
+                                      </p:cBhvr>
+                                      <p:to>
+                                        <p:strVal val="visible"/>
+                                      </p:to>
+                                    </p:set>
+                                  </p:childTnLst>
+                                </p:cTn>
+                              </p:par>
+                            </p:childTnLst>
+                          </p:cTn>
+                        </p:par>
+                      </p:childTnLst>
+                    </p:cTn>
+                  </p:par>
+                  <p:par>
+                    <p:cTn id="17" fill="hold">
+                      <p:stCondLst>
+                        <p:cond delay="indefinite"/>
+                      </p:stCondLst>
+                      <p:childTnLst>
+                        <p:par>
+                          <p:cTn id="18" fill="hold">
+                            <p:stCondLst>
+                              <p:cond delay="0"/>
+                            </p:stCondLst>
+                            <p:childTnLst>
+                              <p:par>
+                                <p:cTn id="19" presetID="1" presetClass="entr" presetSubtype="0" fill="hold" nodeType="clickEffect">
+                                  <p:stCondLst>
+                                    <p:cond delay="0"/>
+                                  </p:stCondLst>
+                                  <p:childTnLst>
+                                    <p:set>
+                                      <p:cBhvr>
+                                        <p:cTn id="20" dur="1" fill="hold">
+                                          <p:stCondLst>
+                                            <p:cond delay="0"/>
+                                          </p:stCondLst>
+                                        </p:cTn>
+                                        <p:tgtEl>
+                                          <p:spTgt spid="3">
+                                            <p:txEl>
+                                              <p:pRg st="4" end="4"/>
+                                            </p:txEl>
+                                          </p:spTgt>
+                                        </p:tgtEl>
+                                        <p:attrNameLst>
+                                          <p:attrName>style.visibility</p:attrName>
+                                        </p:attrNameLst>
+                                      </p:cBhvr>
+                                      <p:to>
+                                        <p:strVal val="visible"/>
+                                      </p:to>
+                                    </p:set>
+                                  </p:childTnLst>
+                                </p:cTn>
+                              </p:par>
+                            </p:childTnLst>
+                          </p:cTn>
+                        </p:par>
+                      </p:childTnLst>
+                    </p:cTn>
+                  </p:par>
+                </p:childTnLst>
+              </p:cTn>
+              <p:prevCondLst>
+                <p:cond evt="onPrev" delay="0">
+                  <p:tgtEl>
+                    <p:sldTgt/>
+                  </p:tgtEl>
+                </p:cond>
+              </p:prevCondLst>
+              <p:nextCondLst>
+                <p:cond evt="onNext" delay="0">
+                  <p:tgtEl>
+                    <p:sldTgt/>
+                  </p:tgtEl>
+                </p:cond>
+              </p:nextCondLst>
+            </p:seq>
+          </p:childTnLst>
+        </p:cTn>
+      </p:par>
+    </p:tnLst>
+  </p:timing>
+</p:sld>
+</file>
+
+<file path=ppt/slides/slide16.xml><?xml version="1.0" encoding="utf-8"?>
 <p:sld xmlns:a="http://schemas.openxmlformats.org/drawingml/2006/main" xmlns:r="http://schemas.openxmlformats.org/officeDocument/2006/relationships" xmlns:p="http://schemas.openxmlformats.org/presentationml/2006/main">
   <p:cSld>
     <p:spTree>
@@ -19513,7 +20040,7 @@
 </p:sld>
 </file>
 
-<file path=ppt/slides/slide16.xml><?xml version="1.0" encoding="utf-8"?>
+<file path=ppt/slides/slide17.xml><?xml version="1.0" encoding="utf-8"?>
 <p:sld xmlns:a="http://schemas.openxmlformats.org/drawingml/2006/main" xmlns:r="http://schemas.openxmlformats.org/officeDocument/2006/relationships" xmlns:p="http://schemas.openxmlformats.org/presentationml/2006/main">
   <p:cSld>
     <p:spTree>
@@ -19622,10 +20149,187 @@
   <p:clrMapOvr>
     <a:masterClrMapping/>
   </p:clrMapOvr>
+  <p:timing>
+    <p:tnLst>
+      <p:par>
+        <p:cTn id="1" dur="indefinite" restart="never" nodeType="tmRoot">
+          <p:childTnLst>
+            <p:seq concurrent="1" nextAc="seek">
+              <p:cTn id="2" dur="indefinite" nodeType="mainSeq">
+                <p:childTnLst>
+                  <p:par>
+                    <p:cTn id="3" fill="hold">
+                      <p:stCondLst>
+                        <p:cond delay="indefinite"/>
+                      </p:stCondLst>
+                      <p:childTnLst>
+                        <p:par>
+                          <p:cTn id="4" fill="hold">
+                            <p:stCondLst>
+                              <p:cond delay="0"/>
+                            </p:stCondLst>
+                            <p:childTnLst>
+                              <p:par>
+                                <p:cTn id="5" presetID="1" presetClass="entr" presetSubtype="0" fill="hold" nodeType="clickEffect">
+                                  <p:stCondLst>
+                                    <p:cond delay="0"/>
+                                  </p:stCondLst>
+                                  <p:childTnLst>
+                                    <p:set>
+                                      <p:cBhvr>
+                                        <p:cTn id="6" dur="1" fill="hold">
+                                          <p:stCondLst>
+                                            <p:cond delay="0"/>
+                                          </p:stCondLst>
+                                        </p:cTn>
+                                        <p:tgtEl>
+                                          <p:spTgt spid="3">
+                                            <p:txEl>
+                                              <p:pRg st="0" end="0"/>
+                                            </p:txEl>
+                                          </p:spTgt>
+                                        </p:tgtEl>
+                                        <p:attrNameLst>
+                                          <p:attrName>style.visibility</p:attrName>
+                                        </p:attrNameLst>
+                                      </p:cBhvr>
+                                      <p:to>
+                                        <p:strVal val="visible"/>
+                                      </p:to>
+                                    </p:set>
+                                  </p:childTnLst>
+                                </p:cTn>
+                              </p:par>
+                            </p:childTnLst>
+                          </p:cTn>
+                        </p:par>
+                      </p:childTnLst>
+                    </p:cTn>
+                  </p:par>
+                  <p:par>
+                    <p:cTn id="7" fill="hold">
+                      <p:stCondLst>
+                        <p:cond delay="indefinite"/>
+                      </p:stCondLst>
+                      <p:childTnLst>
+                        <p:par>
+                          <p:cTn id="8" fill="hold">
+                            <p:stCondLst>
+                              <p:cond delay="0"/>
+                            </p:stCondLst>
+                            <p:childTnLst>
+                              <p:par>
+                                <p:cTn id="9" presetID="1" presetClass="entr" presetSubtype="0" fill="hold" nodeType="clickEffect">
+                                  <p:stCondLst>
+                                    <p:cond delay="0"/>
+                                  </p:stCondLst>
+                                  <p:childTnLst>
+                                    <p:set>
+                                      <p:cBhvr>
+                                        <p:cTn id="10" dur="1" fill="hold">
+                                          <p:stCondLst>
+                                            <p:cond delay="0"/>
+                                          </p:stCondLst>
+                                        </p:cTn>
+                                        <p:tgtEl>
+                                          <p:spTgt spid="3">
+                                            <p:txEl>
+                                              <p:pRg st="1" end="1"/>
+                                            </p:txEl>
+                                          </p:spTgt>
+                                        </p:tgtEl>
+                                        <p:attrNameLst>
+                                          <p:attrName>style.visibility</p:attrName>
+                                        </p:attrNameLst>
+                                      </p:cBhvr>
+                                      <p:to>
+                                        <p:strVal val="visible"/>
+                                      </p:to>
+                                    </p:set>
+                                  </p:childTnLst>
+                                </p:cTn>
+                              </p:par>
+                            </p:childTnLst>
+                          </p:cTn>
+                        </p:par>
+                      </p:childTnLst>
+                    </p:cTn>
+                  </p:par>
+                  <p:par>
+                    <p:cTn id="11" fill="hold">
+                      <p:stCondLst>
+                        <p:cond delay="indefinite"/>
+                      </p:stCondLst>
+                      <p:childTnLst>
+                        <p:par>
+                          <p:cTn id="12" fill="hold">
+                            <p:stCondLst>
+                              <p:cond delay="0"/>
+                            </p:stCondLst>
+                            <p:childTnLst>
+                              <p:par>
+                                <p:cTn id="13" presetID="1" presetClass="entr" presetSubtype="0" fill="hold" nodeType="clickEffect">
+                                  <p:stCondLst>
+                                    <p:cond delay="0"/>
+                                  </p:stCondLst>
+                                  <p:childTnLst>
+                                    <p:set>
+                                      <p:cBhvr>
+                                        <p:cTn id="14" dur="1" fill="hold">
+                                          <p:stCondLst>
+                                            <p:cond delay="0"/>
+                                          </p:stCondLst>
+                                        </p:cTn>
+                                        <p:tgtEl>
+                                          <p:spTgt spid="3">
+                                            <p:txEl>
+                                              <p:pRg st="2" end="2"/>
+                                            </p:txEl>
+                                          </p:spTgt>
+                                        </p:tgtEl>
+                                        <p:attrNameLst>
+                                          <p:attrName>style.visibility</p:attrName>
+                                        </p:attrNameLst>
+                                      </p:cBhvr>
+                                      <p:to>
+                                        <p:strVal val="visible"/>
+                                      </p:to>
+                                    </p:set>
+                                  </p:childTnLst>
+                                </p:cTn>
+                              </p:par>
+                            </p:childTnLst>
+                          </p:cTn>
+                        </p:par>
+                      </p:childTnLst>
+                    </p:cTn>
+                  </p:par>
+                </p:childTnLst>
+              </p:cTn>
+              <p:prevCondLst>
+                <p:cond evt="onPrev" delay="0">
+                  <p:tgtEl>
+                    <p:sldTgt/>
+                  </p:tgtEl>
+                </p:cond>
+              </p:prevCondLst>
+              <p:nextCondLst>
+                <p:cond evt="onNext" delay="0">
+                  <p:tgtEl>
+                    <p:sldTgt/>
+                  </p:tgtEl>
+                </p:cond>
+              </p:nextCondLst>
+            </p:seq>
+          </p:childTnLst>
+        </p:cTn>
+      </p:par>
+    </p:tnLst>
+  </p:timing>
 </p:sld>
 </file>
 
-<file path=ppt/slides/slide17.xml><?xml version="1.0" encoding="utf-8"?>
+<file path=ppt/slides/slide18.xml><?xml version="1.0" encoding="utf-8"?>
 <p:sld xmlns:a="http://schemas.openxmlformats.org/drawingml/2006/main" xmlns:r="http://schemas.openxmlformats.org/officeDocument/2006/relationships" xmlns:p="http://schemas.openxmlformats.org/presentationml/2006/main">
   <p:cSld>
     <p:spTree>
@@ -19863,7 +20567,7 @@
 </p:sld>
 </file>
 
-<file path=ppt/slides/slide18.xml><?xml version="1.0" encoding="utf-8"?>
+<file path=ppt/slides/slide19.xml><?xml version="1.0" encoding="utf-8"?>
 <p:sld xmlns:a="http://schemas.openxmlformats.org/drawingml/2006/main" xmlns:r="http://schemas.openxmlformats.org/officeDocument/2006/relationships" xmlns:p="http://schemas.openxmlformats.org/presentationml/2006/main">
   <p:cSld>
     <p:spTree>
@@ -19969,7 +20673,119 @@
 </p:sld>
 </file>
 
-<file path=ppt/slides/slide19.xml><?xml version="1.0" encoding="utf-8"?>
+<file path=ppt/slides/slide2.xml><?xml version="1.0" encoding="utf-8"?>
+<p:sld xmlns:a="http://schemas.openxmlformats.org/drawingml/2006/main" xmlns:r="http://schemas.openxmlformats.org/officeDocument/2006/relationships" xmlns:p="http://schemas.openxmlformats.org/presentationml/2006/main">
+  <p:cSld>
+    <p:spTree>
+      <p:nvGrpSpPr>
+        <p:cNvPr id="1" name=""/>
+        <p:cNvGrpSpPr/>
+        <p:nvPr/>
+      </p:nvGrpSpPr>
+      <p:grpSpPr>
+        <a:xfrm>
+          <a:off x="0" y="0"/>
+          <a:ext cx="0" cy="0"/>
+          <a:chOff x="0" y="0"/>
+          <a:chExt cx="0" cy="0"/>
+        </a:xfrm>
+      </p:grpSpPr>
+      <p:sp>
+        <p:nvSpPr>
+          <p:cNvPr id="2" name="Title 1">
+            <a:extLst>
+              <a:ext uri="{FF2B5EF4-FFF2-40B4-BE49-F238E27FC236}">
+                <a16:creationId xmlns:a16="http://schemas.microsoft.com/office/drawing/2014/main" id="{D05353AF-E2C1-4CFA-A936-D3C1C864F3C1}"/>
+              </a:ext>
+            </a:extLst>
+          </p:cNvPr>
+          <p:cNvSpPr>
+            <a:spLocks noGrp="1"/>
+          </p:cNvSpPr>
+          <p:nvPr>
+            <p:ph type="title"/>
+          </p:nvPr>
+        </p:nvSpPr>
+        <p:spPr/>
+        <p:txBody>
+          <a:bodyPr/>
+          <a:lstStyle/>
+          <a:p>
+            <a:r>
+              <a:rPr lang="en-IN" dirty="0">
+                <a:latin typeface="Garamond" panose="02020404030301010803" pitchFamily="18" charset="0"/>
+              </a:rPr>
+              <a:t>Next Presenter: </a:t>
+            </a:r>
+            <a:r>
+              <a:rPr lang="en-IN" dirty="0" err="1">
+                <a:latin typeface="Garamond" panose="02020404030301010803" pitchFamily="18" charset="0"/>
+              </a:rPr>
+              <a:t>Sharanya</a:t>
+            </a:r>
+            <a:r>
+              <a:rPr lang="en-IN" dirty="0">
+                <a:latin typeface="Garamond" panose="02020404030301010803" pitchFamily="18" charset="0"/>
+              </a:rPr>
+              <a:t> </a:t>
+            </a:r>
+            <a:r>
+              <a:rPr lang="en-IN" dirty="0" err="1">
+                <a:latin typeface="Garamond" panose="02020404030301010803" pitchFamily="18" charset="0"/>
+              </a:rPr>
+              <a:t>Saha</a:t>
+            </a:r>
+            <a:endParaRPr lang="en-IN" dirty="0">
+              <a:latin typeface="Garamond" panose="02020404030301010803" pitchFamily="18" charset="0"/>
+            </a:endParaRPr>
+          </a:p>
+        </p:txBody>
+      </p:sp>
+      <p:sp>
+        <p:nvSpPr>
+          <p:cNvPr id="3" name="Text Placeholder 2">
+            <a:extLst>
+              <a:ext uri="{FF2B5EF4-FFF2-40B4-BE49-F238E27FC236}">
+                <a16:creationId xmlns:a16="http://schemas.microsoft.com/office/drawing/2014/main" id="{EB9E7E25-708B-4040-9DB2-B698355EB3F2}"/>
+              </a:ext>
+            </a:extLst>
+          </p:cNvPr>
+          <p:cNvSpPr>
+            <a:spLocks noGrp="1"/>
+          </p:cNvSpPr>
+          <p:nvPr>
+            <p:ph type="body" idx="1"/>
+          </p:nvPr>
+        </p:nvSpPr>
+        <p:spPr/>
+        <p:txBody>
+          <a:bodyPr/>
+          <a:lstStyle/>
+          <a:p>
+            <a:r>
+              <a:rPr lang="en-IN" dirty="0">
+                <a:latin typeface="Frank Ruhl Libre" panose="00000500000000000000" pitchFamily="2" charset="-79"/>
+                <a:cs typeface="Frank Ruhl Libre" panose="00000500000000000000" pitchFamily="2" charset="-79"/>
+              </a:rPr>
+              <a:t>Motivation, Software Used, Hardware Used, Significance of Hardware</a:t>
+            </a:r>
+          </a:p>
+        </p:txBody>
+      </p:sp>
+    </p:spTree>
+    <p:extLst>
+      <p:ext uri="{BB962C8B-B14F-4D97-AF65-F5344CB8AC3E}">
+        <p14:creationId xmlns:p14="http://schemas.microsoft.com/office/powerpoint/2010/main" val="510334689"/>
+      </p:ext>
+    </p:extLst>
+  </p:cSld>
+  <p:clrMapOvr>
+    <a:masterClrMapping/>
+  </p:clrMapOvr>
+</p:sld>
+</file>
+
+<file path=ppt/slides/slide20.xml><?xml version="1.0" encoding="utf-8"?>
 <p:sld xmlns:a="http://schemas.openxmlformats.org/drawingml/2006/main" xmlns:r="http://schemas.openxmlformats.org/officeDocument/2006/relationships" xmlns:p="http://schemas.openxmlformats.org/presentationml/2006/main">
   <p:cSld>
     <p:spTree>
@@ -20033,7 +20849,7 @@
             <p:ph idx="1"/>
             <p:extLst>
               <p:ext uri="{D42A27DB-BD31-4B8C-83A1-F6EECF244321}">
-                <p14:modId xmlns:p14="http://schemas.microsoft.com/office/powerpoint/2010/main" val="2390518283"/>
+                <p14:modId xmlns:p14="http://schemas.microsoft.com/office/powerpoint/2010/main" val="1250411667"/>
               </p:ext>
             </p:extLst>
           </p:nvPr>
@@ -20465,119 +21281,7 @@
 </p:sld>
 </file>
 
-<file path=ppt/slides/slide2.xml><?xml version="1.0" encoding="utf-8"?>
-<p:sld xmlns:a="http://schemas.openxmlformats.org/drawingml/2006/main" xmlns:r="http://schemas.openxmlformats.org/officeDocument/2006/relationships" xmlns:p="http://schemas.openxmlformats.org/presentationml/2006/main">
-  <p:cSld>
-    <p:spTree>
-      <p:nvGrpSpPr>
-        <p:cNvPr id="1" name=""/>
-        <p:cNvGrpSpPr/>
-        <p:nvPr/>
-      </p:nvGrpSpPr>
-      <p:grpSpPr>
-        <a:xfrm>
-          <a:off x="0" y="0"/>
-          <a:ext cx="0" cy="0"/>
-          <a:chOff x="0" y="0"/>
-          <a:chExt cx="0" cy="0"/>
-        </a:xfrm>
-      </p:grpSpPr>
-      <p:sp>
-        <p:nvSpPr>
-          <p:cNvPr id="2" name="Title 1">
-            <a:extLst>
-              <a:ext uri="{FF2B5EF4-FFF2-40B4-BE49-F238E27FC236}">
-                <a16:creationId xmlns:a16="http://schemas.microsoft.com/office/drawing/2014/main" id="{D05353AF-E2C1-4CFA-A936-D3C1C864F3C1}"/>
-              </a:ext>
-            </a:extLst>
-          </p:cNvPr>
-          <p:cNvSpPr>
-            <a:spLocks noGrp="1"/>
-          </p:cNvSpPr>
-          <p:nvPr>
-            <p:ph type="title"/>
-          </p:nvPr>
-        </p:nvSpPr>
-        <p:spPr/>
-        <p:txBody>
-          <a:bodyPr/>
-          <a:lstStyle/>
-          <a:p>
-            <a:r>
-              <a:rPr lang="en-IN" dirty="0">
-                <a:latin typeface="Garamond" panose="02020404030301010803" pitchFamily="18" charset="0"/>
-              </a:rPr>
-              <a:t>Next Presenter: </a:t>
-            </a:r>
-            <a:r>
-              <a:rPr lang="en-IN" dirty="0" err="1">
-                <a:latin typeface="Garamond" panose="02020404030301010803" pitchFamily="18" charset="0"/>
-              </a:rPr>
-              <a:t>Sharanya</a:t>
-            </a:r>
-            <a:r>
-              <a:rPr lang="en-IN" dirty="0">
-                <a:latin typeface="Garamond" panose="02020404030301010803" pitchFamily="18" charset="0"/>
-              </a:rPr>
-              <a:t> </a:t>
-            </a:r>
-            <a:r>
-              <a:rPr lang="en-IN" dirty="0" err="1">
-                <a:latin typeface="Garamond" panose="02020404030301010803" pitchFamily="18" charset="0"/>
-              </a:rPr>
-              <a:t>Saha</a:t>
-            </a:r>
-            <a:endParaRPr lang="en-IN" dirty="0">
-              <a:latin typeface="Garamond" panose="02020404030301010803" pitchFamily="18" charset="0"/>
-            </a:endParaRPr>
-          </a:p>
-        </p:txBody>
-      </p:sp>
-      <p:sp>
-        <p:nvSpPr>
-          <p:cNvPr id="3" name="Text Placeholder 2">
-            <a:extLst>
-              <a:ext uri="{FF2B5EF4-FFF2-40B4-BE49-F238E27FC236}">
-                <a16:creationId xmlns:a16="http://schemas.microsoft.com/office/drawing/2014/main" id="{EB9E7E25-708B-4040-9DB2-B698355EB3F2}"/>
-              </a:ext>
-            </a:extLst>
-          </p:cNvPr>
-          <p:cNvSpPr>
-            <a:spLocks noGrp="1"/>
-          </p:cNvSpPr>
-          <p:nvPr>
-            <p:ph type="body" idx="1"/>
-          </p:nvPr>
-        </p:nvSpPr>
-        <p:spPr/>
-        <p:txBody>
-          <a:bodyPr/>
-          <a:lstStyle/>
-          <a:p>
-            <a:r>
-              <a:rPr lang="en-IN" dirty="0">
-                <a:latin typeface="Frank Ruhl Libre" panose="00000500000000000000" pitchFamily="2" charset="-79"/>
-                <a:cs typeface="Frank Ruhl Libre" panose="00000500000000000000" pitchFamily="2" charset="-79"/>
-              </a:rPr>
-              <a:t>Motivation, Software Used, Hardware Used, Significance of Hardware</a:t>
-            </a:r>
-          </a:p>
-        </p:txBody>
-      </p:sp>
-    </p:spTree>
-    <p:extLst>
-      <p:ext uri="{BB962C8B-B14F-4D97-AF65-F5344CB8AC3E}">
-        <p14:creationId xmlns:p14="http://schemas.microsoft.com/office/powerpoint/2010/main" val="510334689"/>
-      </p:ext>
-    </p:extLst>
-  </p:cSld>
-  <p:clrMapOvr>
-    <a:masterClrMapping/>
-  </p:clrMapOvr>
-</p:sld>
-</file>
-
-<file path=ppt/slides/slide20.xml><?xml version="1.0" encoding="utf-8"?>
+<file path=ppt/slides/slide21.xml><?xml version="1.0" encoding="utf-8"?>
 <p:sld xmlns:a="http://schemas.openxmlformats.org/drawingml/2006/main" xmlns:r="http://schemas.openxmlformats.org/officeDocument/2006/relationships" xmlns:p="http://schemas.openxmlformats.org/presentationml/2006/main">
   <p:cSld>
     <p:spTree>
@@ -21071,15 +21775,33 @@
                                   </p:childTnLst>
                                 </p:cTn>
                               </p:par>
+                            </p:childTnLst>
+                          </p:cTn>
+                        </p:par>
+                      </p:childTnLst>
+                    </p:cTn>
+                  </p:par>
+                  <p:par>
+                    <p:cTn id="16" fill="hold">
+                      <p:stCondLst>
+                        <p:cond delay="indefinite"/>
+                      </p:stCondLst>
+                      <p:childTnLst>
+                        <p:par>
+                          <p:cTn id="17" fill="hold">
+                            <p:stCondLst>
+                              <p:cond delay="0"/>
+                            </p:stCondLst>
+                            <p:childTnLst>
                               <p:par>
-                                <p:cTn id="16" presetID="1" presetClass="exit" presetSubtype="0" fill="hold" grpId="0" nodeType="withEffect">
+                                <p:cTn id="18" presetID="1" presetClass="exit" presetSubtype="0" fill="hold" grpId="0" nodeType="clickEffect">
                                   <p:stCondLst>
                                     <p:cond delay="0"/>
                                   </p:stCondLst>
                                   <p:childTnLst>
                                     <p:set>
                                       <p:cBhvr>
-                                        <p:cTn id="17" dur="1" fill="hold">
+                                        <p:cTn id="19" dur="1" fill="hold">
                                           <p:stCondLst>
                                             <p:cond delay="0"/>
                                           </p:stCondLst>
@@ -21103,14 +21825,14 @@
                                 </p:cTn>
                               </p:par>
                               <p:par>
-                                <p:cTn id="18" presetID="1" presetClass="exit" presetSubtype="0" fill="hold" grpId="7" nodeType="withEffect">
+                                <p:cTn id="20" presetID="1" presetClass="exit" presetSubtype="0" fill="hold" grpId="7" nodeType="withEffect">
                                   <p:stCondLst>
                                     <p:cond delay="0"/>
                                   </p:stCondLst>
                                   <p:childTnLst>
                                     <p:set>
                                       <p:cBhvr>
-                                        <p:cTn id="19" dur="1" fill="hold">
+                                        <p:cTn id="21" dur="1" fill="hold">
                                           <p:stCondLst>
                                             <p:cond delay="0"/>
                                           </p:stCondLst>
@@ -21134,14 +21856,14 @@
                                 </p:cTn>
                               </p:par>
                               <p:par>
-                                <p:cTn id="20" presetID="1" presetClass="entr" presetSubtype="0" fill="hold" grpId="0" nodeType="withEffect">
+                                <p:cTn id="22" presetID="1" presetClass="entr" presetSubtype="0" fill="hold" grpId="0" nodeType="withEffect">
                                   <p:stCondLst>
                                     <p:cond delay="0"/>
                                   </p:stCondLst>
                                   <p:childTnLst>
                                     <p:set>
                                       <p:cBhvr>
-                                        <p:cTn id="21" dur="1" fill="hold">
+                                        <p:cTn id="23" dur="1" fill="hold">
                                           <p:stCondLst>
                                             <p:cond delay="0"/>
                                           </p:stCondLst>
@@ -21167,45 +21889,19 @@
                     </p:cTn>
                   </p:par>
                   <p:par>
-                    <p:cTn id="22" fill="hold">
+                    <p:cTn id="24" fill="hold">
                       <p:stCondLst>
                         <p:cond delay="indefinite"/>
                       </p:stCondLst>
                       <p:childTnLst>
                         <p:par>
-                          <p:cTn id="23" fill="hold">
+                          <p:cTn id="25" fill="hold">
                             <p:stCondLst>
                               <p:cond delay="0"/>
                             </p:stCondLst>
                             <p:childTnLst>
                               <p:par>
-                                <p:cTn id="24" presetID="42" presetClass="path" presetSubtype="0" accel="50000" decel="50000" fill="hold" grpId="8" nodeType="clickEffect">
-                                  <p:stCondLst>
-                                    <p:cond delay="0"/>
-                                  </p:stCondLst>
-                                  <p:childTnLst>
-                                    <p:animMotion origin="layout" path="M 0 -3.33333E-6 L 0.0918 -3.33333E-6 " pathEditMode="relative" rAng="0" ptsTypes="AA">
-                                      <p:cBhvr>
-                                        <p:cTn id="25" dur="500" fill="hold"/>
-                                        <p:tgtEl>
-                                          <p:spTgt spid="7">
-                                            <p:graphicEl>
-                                              <a:dgm id="{A90B5234-9E99-4CF9-B3DE-EECB06B1CB86}"/>
-                                            </p:graphicEl>
-                                          </p:spTgt>
-                                        </p:tgtEl>
-                                        <p:attrNameLst>
-                                          <p:attrName>ppt_x</p:attrName>
-                                          <p:attrName>ppt_y</p:attrName>
-                                        </p:attrNameLst>
-                                      </p:cBhvr>
-                                      <p:rCtr x="4583" y="0"/>
-                                    </p:animMotion>
-                                  </p:childTnLst>
-                                </p:cTn>
-                              </p:par>
-                              <p:par>
-                                <p:cTn id="26" presetID="42" presetClass="path" presetSubtype="0" accel="50000" decel="50000" fill="hold" grpId="8" nodeType="withEffect">
+                                <p:cTn id="26" presetID="42" presetClass="path" presetSubtype="0" accel="50000" decel="50000" fill="hold" grpId="8" nodeType="clickEffect">
                                   <p:stCondLst>
                                     <p:cond delay="0"/>
                                   </p:stCondLst>
@@ -21216,7 +21912,7 @@
                                         <p:tgtEl>
                                           <p:spTgt spid="7">
                                             <p:graphicEl>
-                                              <a:dgm id="{49F7626A-BFFE-4DF6-99F2-5D5FD64550D2}"/>
+                                              <a:dgm id="{A90B5234-9E99-4CF9-B3DE-EECB06B1CB86}"/>
                                             </p:graphicEl>
                                           </p:spTgt>
                                         </p:tgtEl>
@@ -21236,13 +21932,13 @@
                                     <p:cond delay="0"/>
                                   </p:stCondLst>
                                   <p:childTnLst>
-                                    <p:animMotion origin="layout" path="M 0 -3.33333E-6 L 0.0918 0.0007 " pathEditMode="relative" rAng="0" ptsTypes="AA">
+                                    <p:animMotion origin="layout" path="M 0 -3.33333E-6 L 0.0918 -3.33333E-6 " pathEditMode="relative" rAng="0" ptsTypes="AA">
                                       <p:cBhvr>
                                         <p:cTn id="29" dur="500" fill="hold"/>
                                         <p:tgtEl>
                                           <p:spTgt spid="7">
                                             <p:graphicEl>
-                                              <a:dgm id="{773C2485-C07B-4416-945B-E0AC8917480F}"/>
+                                              <a:dgm id="{49F7626A-BFFE-4DF6-99F2-5D5FD64550D2}"/>
                                             </p:graphicEl>
                                           </p:spTgt>
                                         </p:tgtEl>
@@ -21251,7 +21947,7 @@
                                           <p:attrName>ppt_y</p:attrName>
                                         </p:attrNameLst>
                                       </p:cBhvr>
-                                      <p:rCtr x="4583" y="23"/>
+                                      <p:rCtr x="4583" y="0"/>
                                     </p:animMotion>
                                   </p:childTnLst>
                                 </p:cTn>
@@ -21268,7 +21964,7 @@
                                         <p:tgtEl>
                                           <p:spTgt spid="7">
                                             <p:graphicEl>
-                                              <a:dgm id="{02CECB3B-8336-4FE6-B4CE-C312AAD0F583}"/>
+                                              <a:dgm id="{773C2485-C07B-4416-945B-E0AC8917480F}"/>
                                             </p:graphicEl>
                                           </p:spTgt>
                                         </p:tgtEl>
@@ -21294,7 +21990,7 @@
                                         <p:tgtEl>
                                           <p:spTgt spid="7">
                                             <p:graphicEl>
-                                              <a:dgm id="{AD8B0F8D-AAE5-4F60-A41D-93EC1E6ABB5E}"/>
+                                              <a:dgm id="{02CECB3B-8336-4FE6-B4CE-C312AAD0F583}"/>
                                             </p:graphicEl>
                                           </p:spTgt>
                                         </p:tgtEl>
@@ -21314,13 +22010,13 @@
                                     <p:cond delay="0"/>
                                   </p:stCondLst>
                                   <p:childTnLst>
-                                    <p:animMotion origin="layout" path="M 0 -3.33333E-6 L 0.0918 0.00047 " pathEditMode="relative" rAng="0" ptsTypes="AA">
+                                    <p:animMotion origin="layout" path="M 0 -3.33333E-6 L 0.0918 0.0007 " pathEditMode="relative" rAng="0" ptsTypes="AA">
                                       <p:cBhvr>
                                         <p:cTn id="35" dur="500" fill="hold"/>
                                         <p:tgtEl>
                                           <p:spTgt spid="7">
                                             <p:graphicEl>
-                                              <a:dgm id="{CD4E6B0E-CFDA-4812-A9AF-D4830B79426A}"/>
+                                              <a:dgm id="{AD8B0F8D-AAE5-4F60-A41D-93EC1E6ABB5E}"/>
                                             </p:graphicEl>
                                           </p:spTgt>
                                         </p:tgtEl>
@@ -21340,9 +22036,35 @@
                                     <p:cond delay="0"/>
                                   </p:stCondLst>
                                   <p:childTnLst>
+                                    <p:animMotion origin="layout" path="M 0 -3.33333E-6 L 0.0918 0.00047 " pathEditMode="relative" rAng="0" ptsTypes="AA">
+                                      <p:cBhvr>
+                                        <p:cTn id="37" dur="500" fill="hold"/>
+                                        <p:tgtEl>
+                                          <p:spTgt spid="7">
+                                            <p:graphicEl>
+                                              <a:dgm id="{CD4E6B0E-CFDA-4812-A9AF-D4830B79426A}"/>
+                                            </p:graphicEl>
+                                          </p:spTgt>
+                                        </p:tgtEl>
+                                        <p:attrNameLst>
+                                          <p:attrName>ppt_x</p:attrName>
+                                          <p:attrName>ppt_y</p:attrName>
+                                        </p:attrNameLst>
+                                      </p:cBhvr>
+                                      <p:rCtr x="4583" y="23"/>
+                                    </p:animMotion>
+                                  </p:childTnLst>
+                                </p:cTn>
+                              </p:par>
+                              <p:par>
+                                <p:cTn id="38" presetID="42" presetClass="path" presetSubtype="0" accel="50000" decel="50000" fill="hold" grpId="8" nodeType="withEffect">
+                                  <p:stCondLst>
+                                    <p:cond delay="0"/>
+                                  </p:stCondLst>
+                                  <p:childTnLst>
                                     <p:animMotion origin="layout" path="M 0.00273 -0.00231 L 0.09063 -0.00185 " pathEditMode="relative" rAng="0" ptsTypes="AA">
                                       <p:cBhvr>
-                                        <p:cTn id="37" dur="500" fill="hold"/>
+                                        <p:cTn id="39" dur="500" fill="hold"/>
                                         <p:tgtEl>
                                           <p:spTgt spid="7">
                                             <p:graphicEl>
@@ -21361,14 +22083,14 @@
                                 </p:cTn>
                               </p:par>
                               <p:par>
-                                <p:cTn id="38" presetID="42" presetClass="path" presetSubtype="0" accel="50000" decel="50000" fill="hold" grpId="9" nodeType="withEffect">
+                                <p:cTn id="40" presetID="42" presetClass="path" presetSubtype="0" accel="50000" decel="50000" fill="hold" grpId="9" nodeType="withEffect">
                                   <p:stCondLst>
                                     <p:cond delay="0"/>
                                   </p:stCondLst>
                                   <p:childTnLst>
                                     <p:animMotion origin="layout" path="M 0 -3.33333E-6 L 0.0918 0.0007 " pathEditMode="relative" rAng="0" ptsTypes="AA">
                                       <p:cBhvr>
-                                        <p:cTn id="39" dur="500" fill="hold"/>
+                                        <p:cTn id="41" dur="500" fill="hold"/>
                                         <p:tgtEl>
                                           <p:spTgt spid="7">
                                             <p:graphicEl>
@@ -21390,20 +22112,20 @@
                           </p:cTn>
                         </p:par>
                         <p:par>
-                          <p:cTn id="40" fill="hold">
+                          <p:cTn id="42" fill="hold">
                             <p:stCondLst>
                               <p:cond delay="500"/>
                             </p:stCondLst>
                             <p:childTnLst>
                               <p:par>
-                                <p:cTn id="41" presetID="1" presetClass="entr" presetSubtype="0" fill="hold" grpId="0" nodeType="afterEffect">
+                                <p:cTn id="43" presetID="1" presetClass="entr" presetSubtype="0" fill="hold" grpId="0" nodeType="afterEffect">
                                   <p:stCondLst>
                                     <p:cond delay="0"/>
                                   </p:stCondLst>
                                   <p:childTnLst>
                                     <p:set>
                                       <p:cBhvr>
-                                        <p:cTn id="42" dur="1" fill="hold">
+                                        <p:cTn id="44" dur="1" fill="hold">
                                           <p:stCondLst>
                                             <p:cond delay="0"/>
                                           </p:stCondLst>
@@ -21426,20 +22148,20 @@
                           </p:cTn>
                         </p:par>
                         <p:par>
-                          <p:cTn id="43" fill="hold">
+                          <p:cTn id="45" fill="hold">
                             <p:stCondLst>
                               <p:cond delay="500"/>
                             </p:stCondLst>
                             <p:childTnLst>
                               <p:par>
-                                <p:cTn id="44" presetID="1" presetClass="entr" presetSubtype="0" fill="hold" grpId="0" nodeType="afterEffect">
+                                <p:cTn id="46" presetID="1" presetClass="entr" presetSubtype="0" fill="hold" grpId="0" nodeType="afterEffect">
                                   <p:stCondLst>
                                     <p:cond delay="0"/>
                                   </p:stCondLst>
                                   <p:childTnLst>
                                     <p:set>
                                       <p:cBhvr>
-                                        <p:cTn id="45" dur="1" fill="hold">
+                                        <p:cTn id="47" dur="1" fill="hold">
                                           <p:stCondLst>
                                             <p:cond delay="0"/>
                                           </p:stCondLst>
@@ -21459,14 +22181,14 @@
                                 </p:cTn>
                               </p:par>
                               <p:par>
-                                <p:cTn id="46" presetID="1" presetClass="exit" presetSubtype="0" fill="hold" grpId="10" nodeType="withEffect">
+                                <p:cTn id="48" presetID="1" presetClass="exit" presetSubtype="0" fill="hold" grpId="10" nodeType="withEffect">
                                   <p:stCondLst>
                                     <p:cond delay="0"/>
                                   </p:stCondLst>
                                   <p:childTnLst>
                                     <p:set>
                                       <p:cBhvr>
-                                        <p:cTn id="47" dur="1" fill="hold">
+                                        <p:cTn id="49" dur="1" fill="hold">
                                           <p:stCondLst>
                                             <p:cond delay="0"/>
                                           </p:stCondLst>
@@ -21496,26 +22218,26 @@
                     </p:cTn>
                   </p:par>
                   <p:par>
-                    <p:cTn id="48" fill="hold">
+                    <p:cTn id="50" fill="hold">
                       <p:stCondLst>
                         <p:cond delay="indefinite"/>
                       </p:stCondLst>
                       <p:childTnLst>
                         <p:par>
-                          <p:cTn id="49" fill="hold">
+                          <p:cTn id="51" fill="hold">
                             <p:stCondLst>
                               <p:cond delay="0"/>
                             </p:stCondLst>
                             <p:childTnLst>
                               <p:par>
-                                <p:cTn id="50" presetID="1" presetClass="exit" presetSubtype="0" fill="hold" grpId="1" nodeType="clickEffect">
+                                <p:cTn id="52" presetID="1" presetClass="exit" presetSubtype="0" fill="hold" grpId="1" nodeType="clickEffect">
                                   <p:stCondLst>
                                     <p:cond delay="0"/>
                                   </p:stCondLst>
                                   <p:childTnLst>
                                     <p:set>
                                       <p:cBhvr>
-                                        <p:cTn id="51" dur="1" fill="hold">
+                                        <p:cTn id="53" dur="1" fill="hold">
                                           <p:stCondLst>
                                             <p:cond delay="0"/>
                                           </p:stCondLst>
@@ -21535,14 +22257,14 @@
                                 </p:cTn>
                               </p:par>
                               <p:par>
-                                <p:cTn id="52" presetID="1" presetClass="entr" presetSubtype="0" fill="hold" grpId="0" nodeType="withEffect">
+                                <p:cTn id="54" presetID="1" presetClass="entr" presetSubtype="0" fill="hold" grpId="0" nodeType="withEffect">
                                   <p:stCondLst>
                                     <p:cond delay="0"/>
                                   </p:stCondLst>
                                   <p:childTnLst>
                                     <p:set>
                                       <p:cBhvr>
-                                        <p:cTn id="53" dur="1" fill="hold">
+                                        <p:cTn id="55" dur="1" fill="hold">
                                           <p:stCondLst>
                                             <p:cond delay="0"/>
                                           </p:stCondLst>
@@ -21639,7 +22361,7 @@
 </p:sld>
 </file>
 
-<file path=ppt/slides/slide21.xml><?xml version="1.0" encoding="utf-8"?>
+<file path=ppt/slides/slide22.xml><?xml version="1.0" encoding="utf-8"?>
 <p:sld xmlns:a="http://schemas.openxmlformats.org/drawingml/2006/main" xmlns:r="http://schemas.openxmlformats.org/officeDocument/2006/relationships" xmlns:p="http://schemas.openxmlformats.org/presentationml/2006/main">
   <p:cSld>
     <p:spTree>
@@ -22136,7 +22858,7 @@
 </p:sld>
 </file>
 
-<file path=ppt/slides/slide22.xml><?xml version="1.0" encoding="utf-8"?>
+<file path=ppt/slides/slide23.xml><?xml version="1.0" encoding="utf-8"?>
 <p:sld xmlns:a="http://schemas.openxmlformats.org/drawingml/2006/main" xmlns:r="http://schemas.openxmlformats.org/officeDocument/2006/relationships" xmlns:p="http://schemas.openxmlformats.org/presentationml/2006/main">
   <p:cSld>
     <p:spTree>
@@ -22210,7 +22932,7 @@
         </p:spPr>
         <p:txBody>
           <a:bodyPr>
-            <a:normAutofit fontScale="92500" lnSpcReduction="20000"/>
+            <a:normAutofit/>
           </a:bodyPr>
           <a:lstStyle/>
           <a:p>
@@ -22221,7 +22943,7 @@
                 <a:ea typeface="Times New Roman" panose="02020603050405020304" pitchFamily="18" charset="0"/>
                 <a:cs typeface="Frank Ruhl Libre" panose="00000500000000000000" pitchFamily="2" charset="-79"/>
               </a:rPr>
-              <a:t>4096 x 1</a:t>
+              <a:t>Dimensions: 4096 x 1</a:t>
             </a:r>
             <a:r>
               <a:rPr lang="en-US" dirty="0">
@@ -22246,45 +22968,16 @@
                 <a:latin typeface="Frank Ruhl Libre" panose="00000500000000000000" pitchFamily="2" charset="-79"/>
                 <a:cs typeface="Frank Ruhl Libre" panose="00000500000000000000" pitchFamily="2" charset="-79"/>
               </a:rPr>
-              <a:t>Number of Authors</a:t>
-            </a:r>
-          </a:p>
-          <a:p>
-            <a:pPr lvl="1"/>
+              <a:t>5 sets of extracted features for each author</a:t>
+            </a:r>
+          </a:p>
+          <a:p>
             <a:r>
               <a:rPr lang="en-IN" dirty="0">
                 <a:latin typeface="Frank Ruhl Libre" panose="00000500000000000000" pitchFamily="2" charset="-79"/>
                 <a:cs typeface="Frank Ruhl Libre" panose="00000500000000000000" pitchFamily="2" charset="-79"/>
               </a:rPr>
-              <a:t>Bengali = 100</a:t>
-            </a:r>
-          </a:p>
-          <a:p>
-            <a:pPr lvl="1"/>
-            <a:r>
-              <a:rPr lang="en-IN" dirty="0">
-                <a:latin typeface="Frank Ruhl Libre" panose="00000500000000000000" pitchFamily="2" charset="-79"/>
-                <a:cs typeface="Frank Ruhl Libre" panose="00000500000000000000" pitchFamily="2" charset="-79"/>
-              </a:rPr>
-              <a:t>English = 101</a:t>
-            </a:r>
-          </a:p>
-          <a:p>
-            <a:r>
-              <a:rPr lang="en-IN" dirty="0">
-                <a:latin typeface="Frank Ruhl Libre" panose="00000500000000000000" pitchFamily="2" charset="-79"/>
-                <a:cs typeface="Frank Ruhl Libre" panose="00000500000000000000" pitchFamily="2" charset="-79"/>
-              </a:rPr>
-              <a:t>5 sets of extracted features for each author</a:t>
-            </a:r>
-          </a:p>
-          <a:p>
-            <a:r>
-              <a:rPr lang="en-IN" dirty="0">
-                <a:latin typeface="Frank Ruhl Libre" panose="00000500000000000000" pitchFamily="2" charset="-79"/>
-                <a:cs typeface="Frank Ruhl Libre" panose="00000500000000000000" pitchFamily="2" charset="-79"/>
-              </a:rPr>
-              <a:t>Each Extracted Feature Matrix for a Set contains 4096 x r</a:t>
+              <a:t>Dimensions for Each Extracted Feature Matrix for a Set: 4096 x r</a:t>
             </a:r>
           </a:p>
           <a:p>
@@ -22479,15 +23172,33 @@
                                   </p:childTnLst>
                                 </p:cTn>
                               </p:par>
+                            </p:childTnLst>
+                          </p:cTn>
+                        </p:par>
+                      </p:childTnLst>
+                    </p:cTn>
+                  </p:par>
+                  <p:par>
+                    <p:cTn id="15" fill="hold">
+                      <p:stCondLst>
+                        <p:cond delay="indefinite"/>
+                      </p:stCondLst>
+                      <p:childTnLst>
+                        <p:par>
+                          <p:cTn id="16" fill="hold">
+                            <p:stCondLst>
+                              <p:cond delay="0"/>
+                            </p:stCondLst>
+                            <p:childTnLst>
                               <p:par>
-                                <p:cTn id="15" presetID="1" presetClass="entr" presetSubtype="0" fill="hold" nodeType="withEffect">
+                                <p:cTn id="17" presetID="1" presetClass="entr" presetSubtype="0" fill="hold" nodeType="clickEffect">
                                   <p:stCondLst>
                                     <p:cond delay="0"/>
                                   </p:stCondLst>
                                   <p:childTnLst>
                                     <p:set>
                                       <p:cBhvr>
-                                        <p:cTn id="16" dur="1" fill="hold">
+                                        <p:cTn id="18" dur="1" fill="hold">
                                           <p:stCondLst>
                                             <p:cond delay="0"/>
                                           </p:stCondLst>
@@ -22517,26 +23228,26 @@
                     </p:cTn>
                   </p:par>
                   <p:par>
-                    <p:cTn id="17" fill="hold">
+                    <p:cTn id="19" fill="hold">
                       <p:stCondLst>
                         <p:cond delay="indefinite"/>
                       </p:stCondLst>
                       <p:childTnLst>
                         <p:par>
-                          <p:cTn id="18" fill="hold">
+                          <p:cTn id="20" fill="hold">
                             <p:stCondLst>
                               <p:cond delay="0"/>
                             </p:stCondLst>
                             <p:childTnLst>
                               <p:par>
-                                <p:cTn id="19" presetID="1" presetClass="entr" presetSubtype="0" fill="hold" nodeType="clickEffect">
+                                <p:cTn id="21" presetID="1" presetClass="entr" presetSubtype="0" fill="hold" nodeType="clickEffect">
                                   <p:stCondLst>
                                     <p:cond delay="0"/>
                                   </p:stCondLst>
                                   <p:childTnLst>
                                     <p:set>
                                       <p:cBhvr>
-                                        <p:cTn id="20" dur="1" fill="hold">
+                                        <p:cTn id="22" dur="1" fill="hold">
                                           <p:stCondLst>
                                             <p:cond delay="0"/>
                                           </p:stCondLst>
@@ -22566,26 +23277,26 @@
                     </p:cTn>
                   </p:par>
                   <p:par>
-                    <p:cTn id="21" fill="hold">
+                    <p:cTn id="23" fill="hold">
                       <p:stCondLst>
                         <p:cond delay="indefinite"/>
                       </p:stCondLst>
                       <p:childTnLst>
                         <p:par>
-                          <p:cTn id="22" fill="hold">
+                          <p:cTn id="24" fill="hold">
                             <p:stCondLst>
                               <p:cond delay="0"/>
                             </p:stCondLst>
                             <p:childTnLst>
                               <p:par>
-                                <p:cTn id="23" presetID="1" presetClass="entr" presetSubtype="0" fill="hold" nodeType="clickEffect">
+                                <p:cTn id="25" presetID="1" presetClass="entr" presetSubtype="0" fill="hold" nodeType="clickEffect">
                                   <p:stCondLst>
                                     <p:cond delay="0"/>
                                   </p:stCondLst>
                                   <p:childTnLst>
                                     <p:set>
                                       <p:cBhvr>
-                                        <p:cTn id="24" dur="1" fill="hold">
+                                        <p:cTn id="26" dur="1" fill="hold">
                                           <p:stCondLst>
                                             <p:cond delay="0"/>
                                           </p:stCondLst>
@@ -22594,153 +23305,6 @@
                                           <p:spTgt spid="3">
                                             <p:txEl>
                                               <p:pRg st="5" end="5"/>
-                                            </p:txEl>
-                                          </p:spTgt>
-                                        </p:tgtEl>
-                                        <p:attrNameLst>
-                                          <p:attrName>style.visibility</p:attrName>
-                                        </p:attrNameLst>
-                                      </p:cBhvr>
-                                      <p:to>
-                                        <p:strVal val="visible"/>
-                                      </p:to>
-                                    </p:set>
-                                  </p:childTnLst>
-                                </p:cTn>
-                              </p:par>
-                            </p:childTnLst>
-                          </p:cTn>
-                        </p:par>
-                      </p:childTnLst>
-                    </p:cTn>
-                  </p:par>
-                  <p:par>
-                    <p:cTn id="25" fill="hold">
-                      <p:stCondLst>
-                        <p:cond delay="indefinite"/>
-                      </p:stCondLst>
-                      <p:childTnLst>
-                        <p:par>
-                          <p:cTn id="26" fill="hold">
-                            <p:stCondLst>
-                              <p:cond delay="0"/>
-                            </p:stCondLst>
-                            <p:childTnLst>
-                              <p:par>
-                                <p:cTn id="27" presetID="1" presetClass="entr" presetSubtype="0" fill="hold" nodeType="clickEffect">
-                                  <p:stCondLst>
-                                    <p:cond delay="0"/>
-                                  </p:stCondLst>
-                                  <p:childTnLst>
-                                    <p:set>
-                                      <p:cBhvr>
-                                        <p:cTn id="28" dur="1" fill="hold">
-                                          <p:stCondLst>
-                                            <p:cond delay="0"/>
-                                          </p:stCondLst>
-                                        </p:cTn>
-                                        <p:tgtEl>
-                                          <p:spTgt spid="3">
-                                            <p:txEl>
-                                              <p:pRg st="6" end="6"/>
-                                            </p:txEl>
-                                          </p:spTgt>
-                                        </p:tgtEl>
-                                        <p:attrNameLst>
-                                          <p:attrName>style.visibility</p:attrName>
-                                        </p:attrNameLst>
-                                      </p:cBhvr>
-                                      <p:to>
-                                        <p:strVal val="visible"/>
-                                      </p:to>
-                                    </p:set>
-                                  </p:childTnLst>
-                                </p:cTn>
-                              </p:par>
-                            </p:childTnLst>
-                          </p:cTn>
-                        </p:par>
-                      </p:childTnLst>
-                    </p:cTn>
-                  </p:par>
-                  <p:par>
-                    <p:cTn id="29" fill="hold">
-                      <p:stCondLst>
-                        <p:cond delay="indefinite"/>
-                      </p:stCondLst>
-                      <p:childTnLst>
-                        <p:par>
-                          <p:cTn id="30" fill="hold">
-                            <p:stCondLst>
-                              <p:cond delay="0"/>
-                            </p:stCondLst>
-                            <p:childTnLst>
-                              <p:par>
-                                <p:cTn id="31" presetID="1" presetClass="entr" presetSubtype="0" fill="hold" nodeType="clickEffect">
-                                  <p:stCondLst>
-                                    <p:cond delay="0"/>
-                                  </p:stCondLst>
-                                  <p:childTnLst>
-                                    <p:set>
-                                      <p:cBhvr>
-                                        <p:cTn id="32" dur="1" fill="hold">
-                                          <p:stCondLst>
-                                            <p:cond delay="0"/>
-                                          </p:stCondLst>
-                                        </p:cTn>
-                                        <p:tgtEl>
-                                          <p:spTgt spid="3">
-                                            <p:txEl>
-                                              <p:pRg st="7" end="7"/>
-                                            </p:txEl>
-                                          </p:spTgt>
-                                        </p:tgtEl>
-                                        <p:attrNameLst>
-                                          <p:attrName>style.visibility</p:attrName>
-                                        </p:attrNameLst>
-                                      </p:cBhvr>
-                                      <p:to>
-                                        <p:strVal val="visible"/>
-                                      </p:to>
-                                    </p:set>
-                                  </p:childTnLst>
-                                </p:cTn>
-                              </p:par>
-                            </p:childTnLst>
-                          </p:cTn>
-                        </p:par>
-                      </p:childTnLst>
-                    </p:cTn>
-                  </p:par>
-                  <p:par>
-                    <p:cTn id="33" fill="hold">
-                      <p:stCondLst>
-                        <p:cond delay="indefinite"/>
-                      </p:stCondLst>
-                      <p:childTnLst>
-                        <p:par>
-                          <p:cTn id="34" fill="hold">
-                            <p:stCondLst>
-                              <p:cond delay="0"/>
-                            </p:stCondLst>
-                            <p:childTnLst>
-                              <p:par>
-                                <p:cTn id="35" presetID="1" presetClass="entr" presetSubtype="0" fill="hold" nodeType="clickEffect">
-                                  <p:stCondLst>
-                                    <p:cond delay="0"/>
-                                  </p:stCondLst>
-                                  <p:childTnLst>
-                                    <p:set>
-                                      <p:cBhvr>
-                                        <p:cTn id="36" dur="1" fill="hold">
-                                          <p:stCondLst>
-                                            <p:cond delay="0"/>
-                                          </p:stCondLst>
-                                        </p:cTn>
-                                        <p:tgtEl>
-                                          <p:spTgt spid="3">
-                                            <p:txEl>
-                                              <p:pRg st="8" end="8"/>
                                             </p:txEl>
                                           </p:spTgt>
                                         </p:tgtEl>
@@ -22786,7 +23350,7 @@
 </p:sld>
 </file>
 
-<file path=ppt/slides/slide23.xml><?xml version="1.0" encoding="utf-8"?>
+<file path=ppt/slides/slide24.xml><?xml version="1.0" encoding="utf-8"?>
 <p:sld xmlns:a="http://schemas.openxmlformats.org/drawingml/2006/main" xmlns:r="http://schemas.openxmlformats.org/officeDocument/2006/relationships" xmlns:p="http://schemas.openxmlformats.org/presentationml/2006/main">
   <p:cSld>
     <p:spTree>
@@ -23314,7 +23878,7 @@
 </p:sld>
 </file>
 
-<file path=ppt/slides/slide24.xml><?xml version="1.0" encoding="utf-8"?>
+<file path=ppt/slides/slide25.xml><?xml version="1.0" encoding="utf-8"?>
 <p:sld xmlns:a="http://schemas.openxmlformats.org/drawingml/2006/main" xmlns:r="http://schemas.openxmlformats.org/officeDocument/2006/relationships" xmlns:p="http://schemas.openxmlformats.org/presentationml/2006/main">
   <p:cSld>
     <p:spTree>
@@ -23506,25 +24070,7 @@
                 <a:ea typeface="Times New Roman" panose="02020603050405020304" pitchFamily="18" charset="0"/>
                 <a:cs typeface="Frank Ruhl Libre" panose="00000500000000000000" pitchFamily="2" charset="-79"/>
               </a:rPr>
-              <a:t>[2]	K. </a:t>
-            </a:r>
-            <a:r>
-              <a:rPr lang="en-IN" sz="1900" dirty="0" err="1">
-                <a:effectLst/>
-                <a:latin typeface="Frank Ruhl Libre" panose="00000500000000000000" pitchFamily="2" charset="-79"/>
-                <a:ea typeface="Times New Roman" panose="02020603050405020304" pitchFamily="18" charset="0"/>
-                <a:cs typeface="Frank Ruhl Libre" panose="00000500000000000000" pitchFamily="2" charset="-79"/>
-              </a:rPr>
-              <a:t>Simonyan</a:t>
-            </a:r>
-            <a:r>
-              <a:rPr lang="en-IN" sz="1900" dirty="0">
-                <a:effectLst/>
-                <a:latin typeface="Frank Ruhl Libre" panose="00000500000000000000" pitchFamily="2" charset="-79"/>
-                <a:ea typeface="Times New Roman" panose="02020603050405020304" pitchFamily="18" charset="0"/>
-                <a:cs typeface="Frank Ruhl Libre" panose="00000500000000000000" pitchFamily="2" charset="-79"/>
-              </a:rPr>
-              <a:t> and A. Zisserman, “Very Deep Convolutional Networks for Large-Scale Image Recognition”, in </a:t>
+              <a:t>[2]	K. Simonyan and A. Zisserman, “Very Deep Convolutional Networks for Large-Scale Image Recognition”, in </a:t>
             </a:r>
             <a:r>
               <a:rPr lang="en-IN" sz="1900" i="1" dirty="0">
@@ -23863,7 +24409,7 @@
 </p:sld>
 </file>
 
-<file path=ppt/slides/slide25.xml><?xml version="1.0" encoding="utf-8"?>
+<file path=ppt/slides/slide26.xml><?xml version="1.0" encoding="utf-8"?>
 <p:sld xmlns:a="http://schemas.openxmlformats.org/drawingml/2006/main" xmlns:r="http://schemas.openxmlformats.org/officeDocument/2006/relationships" xmlns:p="http://schemas.openxmlformats.org/presentationml/2006/main">
   <p:cSld>
     <p:spTree>
@@ -24319,7 +24865,7 @@
 </p:sld>
 </file>
 
-<file path=ppt/slides/slide26.xml><?xml version="1.0" encoding="utf-8"?>
+<file path=ppt/slides/slide27.xml><?xml version="1.0" encoding="utf-8"?>
 <p:sld xmlns:a="http://schemas.openxmlformats.org/drawingml/2006/main" xmlns:r="http://schemas.openxmlformats.org/officeDocument/2006/relationships" xmlns:p="http://schemas.openxmlformats.org/presentationml/2006/main">
   <p:cSld>
     <p:spTree>

--- a/Documentation/4th Year Project Presentation.pptx
+++ b/Documentation/4th Year Project Presentation.pptx
@@ -12768,7 +12768,7 @@
           <a:p>
             <a:r>
               <a:rPr lang="en-US" dirty="0"/>
-              <a:t>-We have an unique dataset which contains writings from 100 volunteers.</a:t>
+              <a:t>-We have an unique dataset which contains writings from more than 100 volunteers.</a:t>
             </a:r>
           </a:p>
         </p:txBody>
@@ -13109,7 +13109,7 @@
             </a:r>
             <a:r>
               <a:rPr lang="en-US" dirty="0"/>
-              <a:t>”.  The Exact methodology will be discussed later in the presentation.</a:t>
+              <a:t>”.  The Exact methodology of additional image preprocessing will be discussed later in the presentation.</a:t>
             </a:r>
           </a:p>
           <a:p>
@@ -13192,7 +13192,7 @@
           <a:p>
             <a:r>
               <a:rPr lang="en-US" dirty="0"/>
-              <a:t># Every subset has data for one writer along with data for another writer that will be used for verification with the later.</a:t>
+              <a:t># Every subset has data for one writer along with data for another writer that will be used for verification with the former.</a:t>
             </a:r>
           </a:p>
           <a:p>
@@ -13809,7 +13809,7 @@
                 <a:latin typeface="Times New Roman" panose="02020603050405020304" pitchFamily="18" charset="0"/>
                 <a:ea typeface="Times New Roman" panose="02020603050405020304" pitchFamily="18" charset="0"/>
               </a:rPr>
-              <a:t># The model takes 224 cross 224 images in RGB channels as an input.</a:t>
+              <a:t># The model takes 224 cross 224 pixel images in RGB channels as an input.</a:t>
             </a:r>
           </a:p>
           <a:p>

--- a/Documentation/4th Year Project Presentation.pptx
+++ b/Documentation/4th Year Project Presentation.pptx
@@ -12874,7 +12874,7 @@
           <a:p>
             <a:r>
               <a:rPr lang="en-US" dirty="0"/>
-              <a:t>Good afternoon. Thank you, Rahul. I am Souporno and I will take over from here. As Rahul Mentioned, I’ll take a little about the dataset and a little about the VGG16 model.</a:t>
+              <a:t>Good evening. Thank you, Rahul. I am Souporno and I will take over from here. As Rahul Mentioned, I’ll take a little about the dataset and a little about the VGG16 model.</a:t>
             </a:r>
           </a:p>
           <a:p>

--- a/Documentation/4th Year Project Presentation.pptx
+++ b/Documentation/4th Year Project Presentation.pptx
@@ -27,9 +27,9 @@
     <p:sldId id="295" r:id="rId18"/>
     <p:sldId id="268" r:id="rId19"/>
     <p:sldId id="290" r:id="rId20"/>
-    <p:sldId id="279" r:id="rId21"/>
-    <p:sldId id="270" r:id="rId22"/>
-    <p:sldId id="294" r:id="rId23"/>
+    <p:sldId id="294" r:id="rId21"/>
+    <p:sldId id="279" r:id="rId22"/>
+    <p:sldId id="270" r:id="rId23"/>
     <p:sldId id="280" r:id="rId24"/>
     <p:sldId id="263" r:id="rId25"/>
     <p:sldId id="292" r:id="rId26"/>
@@ -913,42 +913,42 @@
 </file>
 
 <file path=ppt/diagrams/colors1.xml><?xml version="1.0" encoding="utf-8"?>
-<dgm:colorsDef xmlns:dgm="http://schemas.openxmlformats.org/drawingml/2006/diagram" xmlns:a="http://schemas.openxmlformats.org/drawingml/2006/main" uniqueId="urn:microsoft.com/office/officeart/2005/8/colors/accent0_3">
+<dgm:colorsDef xmlns:dgm="http://schemas.openxmlformats.org/drawingml/2006/diagram" xmlns:a="http://schemas.openxmlformats.org/drawingml/2006/main" uniqueId="urn:microsoft.com/office/officeart/2005/8/colors/accent3_2">
   <dgm:title val=""/>
   <dgm:desc val=""/>
   <dgm:catLst>
-    <dgm:cat type="mainScheme" pri="10300"/>
+    <dgm:cat type="accent3" pri="11200"/>
   </dgm:catLst>
   <dgm:styleLbl name="node0">
     <dgm:fillClrLst meth="repeat">
-      <a:schemeClr val="dk2"/>
+      <a:schemeClr val="accent3"/>
     </dgm:fillClrLst>
     <dgm:linClrLst meth="repeat">
-      <a:schemeClr val="lt2"/>
+      <a:schemeClr val="lt1"/>
     </dgm:linClrLst>
     <dgm:effectClrLst/>
     <dgm:txLinClrLst/>
     <dgm:txFillClrLst/>
     <dgm:txEffectClrLst/>
   </dgm:styleLbl>
-  <dgm:styleLbl name="alignNode1">
+  <dgm:styleLbl name="node1">
     <dgm:fillClrLst meth="repeat">
-      <a:schemeClr val="dk2"/>
+      <a:schemeClr val="accent3"/>
     </dgm:fillClrLst>
     <dgm:linClrLst meth="repeat">
-      <a:schemeClr val="dk2"/>
+      <a:schemeClr val="lt1"/>
     </dgm:linClrLst>
     <dgm:effectClrLst/>
     <dgm:txLinClrLst/>
     <dgm:txFillClrLst/>
     <dgm:txEffectClrLst/>
   </dgm:styleLbl>
-  <dgm:styleLbl name="node1">
+  <dgm:styleLbl name="alignNode1">
     <dgm:fillClrLst meth="repeat">
-      <a:schemeClr val="dk2"/>
+      <a:schemeClr val="accent3"/>
     </dgm:fillClrLst>
     <dgm:linClrLst meth="repeat">
-      <a:schemeClr val="lt2"/>
+      <a:schemeClr val="accent3"/>
     </dgm:linClrLst>
     <dgm:effectClrLst/>
     <dgm:txLinClrLst/>
@@ -957,10 +957,10 @@
   </dgm:styleLbl>
   <dgm:styleLbl name="lnNode1">
     <dgm:fillClrLst meth="repeat">
-      <a:schemeClr val="dk2"/>
+      <a:schemeClr val="accent3"/>
     </dgm:fillClrLst>
     <dgm:linClrLst meth="repeat">
-      <a:schemeClr val="lt2"/>
+      <a:schemeClr val="lt1"/>
     </dgm:linClrLst>
     <dgm:effectClrLst/>
     <dgm:txLinClrLst/>
@@ -969,12 +969,12 @@
   </dgm:styleLbl>
   <dgm:styleLbl name="vennNode1">
     <dgm:fillClrLst meth="repeat">
-      <a:schemeClr val="dk2">
+      <a:schemeClr val="accent3">
         <a:alpha val="50000"/>
       </a:schemeClr>
     </dgm:fillClrLst>
     <dgm:linClrLst meth="repeat">
-      <a:schemeClr val="lt2"/>
+      <a:schemeClr val="lt1"/>
     </dgm:linClrLst>
     <dgm:effectClrLst/>
     <dgm:txLinClrLst/>
@@ -983,10 +983,10 @@
   </dgm:styleLbl>
   <dgm:styleLbl name="node2">
     <dgm:fillClrLst meth="repeat">
-      <a:schemeClr val="dk2"/>
+      <a:schemeClr val="accent3"/>
     </dgm:fillClrLst>
     <dgm:linClrLst meth="repeat">
-      <a:schemeClr val="lt2"/>
+      <a:schemeClr val="lt1"/>
     </dgm:linClrLst>
     <dgm:effectClrLst/>
     <dgm:txLinClrLst/>
@@ -995,10 +995,10 @@
   </dgm:styleLbl>
   <dgm:styleLbl name="node3">
     <dgm:fillClrLst meth="repeat">
-      <a:schemeClr val="dk2"/>
+      <a:schemeClr val="accent3"/>
     </dgm:fillClrLst>
     <dgm:linClrLst meth="repeat">
-      <a:schemeClr val="lt2"/>
+      <a:schemeClr val="lt1"/>
     </dgm:linClrLst>
     <dgm:effectClrLst/>
     <dgm:txLinClrLst/>
@@ -1007,10 +1007,10 @@
   </dgm:styleLbl>
   <dgm:styleLbl name="node4">
     <dgm:fillClrLst meth="repeat">
-      <a:schemeClr val="dk2"/>
+      <a:schemeClr val="accent3"/>
     </dgm:fillClrLst>
     <dgm:linClrLst meth="repeat">
-      <a:schemeClr val="lt2"/>
+      <a:schemeClr val="lt1"/>
     </dgm:linClrLst>
     <dgm:effectClrLst/>
     <dgm:txLinClrLst/>
@@ -1019,64 +1019,60 @@
   </dgm:styleLbl>
   <dgm:styleLbl name="fgImgPlace1">
     <dgm:fillClrLst meth="repeat">
-      <a:schemeClr val="dk2">
+      <a:schemeClr val="accent3">
         <a:tint val="50000"/>
       </a:schemeClr>
     </dgm:fillClrLst>
     <dgm:linClrLst meth="repeat">
-      <a:schemeClr val="lt2"/>
+      <a:schemeClr val="lt1"/>
     </dgm:linClrLst>
     <dgm:effectClrLst/>
     <dgm:txLinClrLst/>
     <dgm:txFillClrLst meth="repeat">
-      <a:schemeClr val="lt2"/>
+      <a:schemeClr val="lt1"/>
     </dgm:txFillClrLst>
     <dgm:txEffectClrLst/>
   </dgm:styleLbl>
   <dgm:styleLbl name="alignImgPlace1">
     <dgm:fillClrLst meth="repeat">
-      <a:schemeClr val="dk2">
+      <a:schemeClr val="accent3">
         <a:tint val="50000"/>
       </a:schemeClr>
     </dgm:fillClrLst>
     <dgm:linClrLst meth="repeat">
-      <a:schemeClr val="dk2">
-        <a:shade val="80000"/>
-      </a:schemeClr>
+      <a:schemeClr val="lt1"/>
     </dgm:linClrLst>
     <dgm:effectClrLst/>
     <dgm:txLinClrLst/>
     <dgm:txFillClrLst meth="repeat">
-      <a:schemeClr val="lt2"/>
+      <a:schemeClr val="lt1"/>
     </dgm:txFillClrLst>
     <dgm:txEffectClrLst/>
   </dgm:styleLbl>
   <dgm:styleLbl name="bgImgPlace1">
     <dgm:fillClrLst meth="repeat">
-      <a:schemeClr val="dk2">
+      <a:schemeClr val="accent3">
         <a:tint val="50000"/>
       </a:schemeClr>
     </dgm:fillClrLst>
     <dgm:linClrLst meth="repeat">
-      <a:schemeClr val="dk2">
-        <a:shade val="80000"/>
-      </a:schemeClr>
+      <a:schemeClr val="lt1"/>
     </dgm:linClrLst>
     <dgm:effectClrLst/>
     <dgm:txLinClrLst/>
     <dgm:txFillClrLst meth="repeat">
-      <a:schemeClr val="lt2"/>
+      <a:schemeClr val="lt1"/>
     </dgm:txFillClrLst>
     <dgm:txEffectClrLst/>
   </dgm:styleLbl>
   <dgm:styleLbl name="sibTrans2D1">
     <dgm:fillClrLst meth="repeat">
-      <a:schemeClr val="dk2">
+      <a:schemeClr val="accent3">
         <a:tint val="60000"/>
       </a:schemeClr>
     </dgm:fillClrLst>
     <dgm:linClrLst meth="repeat">
-      <a:schemeClr val="dk2">
+      <a:schemeClr val="accent3">
         <a:tint val="60000"/>
       </a:schemeClr>
     </dgm:linClrLst>
@@ -1087,12 +1083,12 @@
   </dgm:styleLbl>
   <dgm:styleLbl name="fgSibTrans2D1">
     <dgm:fillClrLst meth="repeat">
-      <a:schemeClr val="dk2">
+      <a:schemeClr val="accent3">
         <a:tint val="60000"/>
       </a:schemeClr>
     </dgm:fillClrLst>
     <dgm:linClrLst meth="repeat">
-      <a:schemeClr val="dk2">
+      <a:schemeClr val="accent3">
         <a:tint val="60000"/>
       </a:schemeClr>
     </dgm:linClrLst>
@@ -1103,12 +1099,12 @@
   </dgm:styleLbl>
   <dgm:styleLbl name="bgSibTrans2D1">
     <dgm:fillClrLst meth="repeat">
-      <a:schemeClr val="dk2">
+      <a:schemeClr val="accent3">
         <a:tint val="60000"/>
       </a:schemeClr>
     </dgm:fillClrLst>
     <dgm:linClrLst meth="repeat">
-      <a:schemeClr val="dk2">
+      <a:schemeClr val="accent3">
         <a:tint val="60000"/>
       </a:schemeClr>
     </dgm:linClrLst>
@@ -1119,40 +1115,40 @@
   </dgm:styleLbl>
   <dgm:styleLbl name="sibTrans1D1">
     <dgm:fillClrLst meth="repeat">
-      <a:schemeClr val="dk2"/>
+      <a:schemeClr val="accent3"/>
     </dgm:fillClrLst>
     <dgm:linClrLst meth="repeat">
-      <a:schemeClr val="dk2"/>
+      <a:schemeClr val="accent3"/>
     </dgm:linClrLst>
     <dgm:effectClrLst/>
     <dgm:txLinClrLst/>
     <dgm:txFillClrLst meth="repeat">
-      <a:schemeClr val="lt2"/>
+      <a:schemeClr val="tx1"/>
     </dgm:txFillClrLst>
     <dgm:txEffectClrLst/>
   </dgm:styleLbl>
   <dgm:styleLbl name="callout">
     <dgm:fillClrLst meth="repeat">
-      <a:schemeClr val="dk2"/>
+      <a:schemeClr val="accent3"/>
     </dgm:fillClrLst>
     <dgm:linClrLst meth="repeat">
-      <a:schemeClr val="dk2">
+      <a:schemeClr val="accent3">
         <a:tint val="50000"/>
       </a:schemeClr>
     </dgm:linClrLst>
     <dgm:effectClrLst/>
     <dgm:txLinClrLst/>
     <dgm:txFillClrLst meth="repeat">
-      <a:schemeClr val="lt2"/>
+      <a:schemeClr val="tx1"/>
     </dgm:txFillClrLst>
     <dgm:txEffectClrLst/>
   </dgm:styleLbl>
   <dgm:styleLbl name="asst0">
     <dgm:fillClrLst meth="repeat">
-      <a:schemeClr val="dk2"/>
+      <a:schemeClr val="accent3"/>
     </dgm:fillClrLst>
     <dgm:linClrLst meth="repeat">
-      <a:schemeClr val="lt2"/>
+      <a:schemeClr val="lt1"/>
     </dgm:linClrLst>
     <dgm:effectClrLst/>
     <dgm:txLinClrLst/>
@@ -1161,10 +1157,10 @@
   </dgm:styleLbl>
   <dgm:styleLbl name="asst1">
     <dgm:fillClrLst meth="repeat">
-      <a:schemeClr val="dk2"/>
+      <a:schemeClr val="accent3"/>
     </dgm:fillClrLst>
     <dgm:linClrLst meth="repeat">
-      <a:schemeClr val="lt2"/>
+      <a:schemeClr val="lt1"/>
     </dgm:linClrLst>
     <dgm:effectClrLst/>
     <dgm:txLinClrLst/>
@@ -1173,10 +1169,10 @@
   </dgm:styleLbl>
   <dgm:styleLbl name="asst2">
     <dgm:fillClrLst meth="repeat">
-      <a:schemeClr val="dk2"/>
+      <a:schemeClr val="accent3"/>
     </dgm:fillClrLst>
     <dgm:linClrLst meth="repeat">
-      <a:schemeClr val="lt2"/>
+      <a:schemeClr val="lt1"/>
     </dgm:linClrLst>
     <dgm:effectClrLst/>
     <dgm:txLinClrLst/>
@@ -1185,10 +1181,10 @@
   </dgm:styleLbl>
   <dgm:styleLbl name="asst3">
     <dgm:fillClrLst meth="repeat">
-      <a:schemeClr val="dk2"/>
+      <a:schemeClr val="accent3"/>
     </dgm:fillClrLst>
     <dgm:linClrLst meth="repeat">
-      <a:schemeClr val="lt2"/>
+      <a:schemeClr val="lt1"/>
     </dgm:linClrLst>
     <dgm:effectClrLst/>
     <dgm:txLinClrLst/>
@@ -1197,10 +1193,10 @@
   </dgm:styleLbl>
   <dgm:styleLbl name="asst4">
     <dgm:fillClrLst meth="repeat">
-      <a:schemeClr val="dk2"/>
+      <a:schemeClr val="accent3"/>
     </dgm:fillClrLst>
     <dgm:linClrLst meth="repeat">
-      <a:schemeClr val="lt2"/>
+      <a:schemeClr val="lt1"/>
     </dgm:linClrLst>
     <dgm:effectClrLst/>
     <dgm:txLinClrLst/>
@@ -1209,70 +1205,70 @@
   </dgm:styleLbl>
   <dgm:styleLbl name="parChTrans2D1">
     <dgm:fillClrLst meth="repeat">
-      <a:schemeClr val="dk2">
+      <a:schemeClr val="accent3">
         <a:tint val="60000"/>
       </a:schemeClr>
     </dgm:fillClrLst>
     <dgm:linClrLst meth="repeat">
-      <a:schemeClr val="dk2">
+      <a:schemeClr val="accent3">
         <a:tint val="60000"/>
       </a:schemeClr>
     </dgm:linClrLst>
     <dgm:effectClrLst/>
     <dgm:txLinClrLst/>
     <dgm:txFillClrLst meth="repeat">
-      <a:schemeClr val="lt2"/>
+      <a:schemeClr val="lt1"/>
     </dgm:txFillClrLst>
     <dgm:txEffectClrLst/>
   </dgm:styleLbl>
   <dgm:styleLbl name="parChTrans2D2">
     <dgm:fillClrLst meth="repeat">
-      <a:schemeClr val="dk2"/>
+      <a:schemeClr val="accent3"/>
     </dgm:fillClrLst>
     <dgm:linClrLst meth="repeat">
-      <a:schemeClr val="dk2"/>
+      <a:schemeClr val="accent3"/>
     </dgm:linClrLst>
     <dgm:effectClrLst/>
     <dgm:txLinClrLst/>
     <dgm:txFillClrLst meth="repeat">
-      <a:schemeClr val="lt2"/>
+      <a:schemeClr val="lt1"/>
     </dgm:txFillClrLst>
     <dgm:txEffectClrLst/>
   </dgm:styleLbl>
   <dgm:styleLbl name="parChTrans2D3">
     <dgm:fillClrLst meth="repeat">
-      <a:schemeClr val="dk2"/>
+      <a:schemeClr val="accent3"/>
     </dgm:fillClrLst>
     <dgm:linClrLst meth="repeat">
-      <a:schemeClr val="dk2"/>
+      <a:schemeClr val="accent3"/>
     </dgm:linClrLst>
     <dgm:effectClrLst/>
     <dgm:txLinClrLst/>
     <dgm:txFillClrLst meth="repeat">
-      <a:schemeClr val="lt2"/>
+      <a:schemeClr val="lt1"/>
     </dgm:txFillClrLst>
     <dgm:txEffectClrLst/>
   </dgm:styleLbl>
   <dgm:styleLbl name="parChTrans2D4">
     <dgm:fillClrLst meth="repeat">
-      <a:schemeClr val="dk2"/>
+      <a:schemeClr val="accent3"/>
     </dgm:fillClrLst>
     <dgm:linClrLst meth="repeat">
-      <a:schemeClr val="dk2"/>
+      <a:schemeClr val="accent3"/>
     </dgm:linClrLst>
     <dgm:effectClrLst/>
     <dgm:txLinClrLst/>
     <dgm:txFillClrLst meth="repeat">
-      <a:schemeClr val="lt2"/>
+      <a:schemeClr val="lt1"/>
     </dgm:txFillClrLst>
     <dgm:txEffectClrLst/>
   </dgm:styleLbl>
   <dgm:styleLbl name="parChTrans1D1">
     <dgm:fillClrLst meth="repeat">
-      <a:schemeClr val="dk2"/>
+      <a:schemeClr val="accent3"/>
     </dgm:fillClrLst>
     <dgm:linClrLst meth="repeat">
-      <a:schemeClr val="dk2">
+      <a:schemeClr val="accent3">
         <a:shade val="60000"/>
       </a:schemeClr>
     </dgm:linClrLst>
@@ -1285,10 +1281,10 @@
   </dgm:styleLbl>
   <dgm:styleLbl name="parChTrans1D2">
     <dgm:fillClrLst meth="repeat">
-      <a:schemeClr val="dk2"/>
+      <a:schemeClr val="accent3"/>
     </dgm:fillClrLst>
     <dgm:linClrLst meth="repeat">
-      <a:schemeClr val="dk2">
+      <a:schemeClr val="accent3">
         <a:shade val="60000"/>
       </a:schemeClr>
     </dgm:linClrLst>
@@ -1301,10 +1297,10 @@
   </dgm:styleLbl>
   <dgm:styleLbl name="parChTrans1D3">
     <dgm:fillClrLst meth="repeat">
-      <a:schemeClr val="dk2"/>
+      <a:schemeClr val="accent3"/>
     </dgm:fillClrLst>
     <dgm:linClrLst meth="repeat">
-      <a:schemeClr val="dk2">
+      <a:schemeClr val="accent3">
         <a:shade val="80000"/>
       </a:schemeClr>
     </dgm:linClrLst>
@@ -1317,10 +1313,10 @@
   </dgm:styleLbl>
   <dgm:styleLbl name="parChTrans1D4">
     <dgm:fillClrLst meth="repeat">
-      <a:schemeClr val="dk2"/>
+      <a:schemeClr val="accent3"/>
     </dgm:fillClrLst>
     <dgm:linClrLst meth="repeat">
-      <a:schemeClr val="dk2">
+      <a:schemeClr val="accent3">
         <a:shade val="80000"/>
       </a:schemeClr>
     </dgm:linClrLst>
@@ -1333,12 +1329,12 @@
   </dgm:styleLbl>
   <dgm:styleLbl name="fgAcc1">
     <dgm:fillClrLst meth="repeat">
-      <a:schemeClr val="lt2">
+      <a:schemeClr val="lt1">
         <a:alpha val="90000"/>
       </a:schemeClr>
     </dgm:fillClrLst>
     <dgm:linClrLst meth="repeat">
-      <a:schemeClr val="dk2"/>
+      <a:schemeClr val="accent3"/>
     </dgm:linClrLst>
     <dgm:effectClrLst/>
     <dgm:txLinClrLst/>
@@ -1349,12 +1345,12 @@
   </dgm:styleLbl>
   <dgm:styleLbl name="conFgAcc1">
     <dgm:fillClrLst meth="repeat">
-      <a:schemeClr val="lt2">
+      <a:schemeClr val="lt1">
         <a:alpha val="90000"/>
       </a:schemeClr>
     </dgm:fillClrLst>
     <dgm:linClrLst meth="repeat">
-      <a:schemeClr val="dk2"/>
+      <a:schemeClr val="accent3"/>
     </dgm:linClrLst>
     <dgm:effectClrLst/>
     <dgm:txLinClrLst/>
@@ -1365,12 +1361,12 @@
   </dgm:styleLbl>
   <dgm:styleLbl name="alignAcc1">
     <dgm:fillClrLst meth="repeat">
-      <a:schemeClr val="lt2">
+      <a:schemeClr val="lt1">
         <a:alpha val="90000"/>
       </a:schemeClr>
     </dgm:fillClrLst>
     <dgm:linClrLst meth="repeat">
-      <a:schemeClr val="dk2"/>
+      <a:schemeClr val="accent3"/>
     </dgm:linClrLst>
     <dgm:effectClrLst/>
     <dgm:txLinClrLst/>
@@ -1381,12 +1377,12 @@
   </dgm:styleLbl>
   <dgm:styleLbl name="trAlignAcc1">
     <dgm:fillClrLst meth="repeat">
-      <a:schemeClr val="lt2">
+      <a:schemeClr val="lt1">
         <a:alpha val="40000"/>
       </a:schemeClr>
     </dgm:fillClrLst>
     <dgm:linClrLst meth="repeat">
-      <a:schemeClr val="dk2"/>
+      <a:schemeClr val="accent3"/>
     </dgm:linClrLst>
     <dgm:effectClrLst/>
     <dgm:txLinClrLst/>
@@ -1397,12 +1393,12 @@
   </dgm:styleLbl>
   <dgm:styleLbl name="bgAcc1">
     <dgm:fillClrLst meth="repeat">
-      <a:schemeClr val="lt2">
+      <a:schemeClr val="lt1">
         <a:alpha val="90000"/>
       </a:schemeClr>
     </dgm:fillClrLst>
     <dgm:linClrLst meth="repeat">
-      <a:schemeClr val="dk2"/>
+      <a:schemeClr val="accent3"/>
     </dgm:linClrLst>
     <dgm:effectClrLst/>
     <dgm:txLinClrLst/>
@@ -1413,10 +1409,10 @@
   </dgm:styleLbl>
   <dgm:styleLbl name="solidFgAcc1">
     <dgm:fillClrLst meth="repeat">
-      <a:schemeClr val="lt2"/>
+      <a:schemeClr val="lt1"/>
     </dgm:fillClrLst>
     <dgm:linClrLst meth="repeat">
-      <a:schemeClr val="dk2"/>
+      <a:schemeClr val="accent3"/>
     </dgm:linClrLst>
     <dgm:effectClrLst/>
     <dgm:txLinClrLst/>
@@ -1427,10 +1423,10 @@
   </dgm:styleLbl>
   <dgm:styleLbl name="solidAlignAcc1">
     <dgm:fillClrLst meth="repeat">
-      <a:schemeClr val="lt2"/>
+      <a:schemeClr val="lt1"/>
     </dgm:fillClrLst>
     <dgm:linClrLst meth="repeat">
-      <a:schemeClr val="dk2"/>
+      <a:schemeClr val="accent3"/>
     </dgm:linClrLst>
     <dgm:effectClrLst/>
     <dgm:txLinClrLst/>
@@ -1441,10 +1437,10 @@
   </dgm:styleLbl>
   <dgm:styleLbl name="solidBgAcc1">
     <dgm:fillClrLst meth="repeat">
-      <a:schemeClr val="lt2"/>
+      <a:schemeClr val="lt1"/>
     </dgm:fillClrLst>
     <dgm:linClrLst meth="repeat">
-      <a:schemeClr val="dk2"/>
+      <a:schemeClr val="accent3"/>
     </dgm:linClrLst>
     <dgm:effectClrLst/>
     <dgm:txLinClrLst/>
@@ -1455,13 +1451,13 @@
   </dgm:styleLbl>
   <dgm:styleLbl name="fgAccFollowNode1">
     <dgm:fillClrLst meth="repeat">
-      <a:schemeClr val="dk2">
+      <a:schemeClr val="accent3">
         <a:alpha val="90000"/>
         <a:tint val="40000"/>
       </a:schemeClr>
     </dgm:fillClrLst>
     <dgm:linClrLst meth="repeat">
-      <a:schemeClr val="dk2">
+      <a:schemeClr val="accent3">
         <a:alpha val="90000"/>
         <a:tint val="40000"/>
       </a:schemeClr>
@@ -1475,13 +1471,13 @@
   </dgm:styleLbl>
   <dgm:styleLbl name="alignAccFollowNode1">
     <dgm:fillClrLst meth="repeat">
-      <a:schemeClr val="dk2">
+      <a:schemeClr val="accent3">
         <a:alpha val="90000"/>
         <a:tint val="40000"/>
       </a:schemeClr>
     </dgm:fillClrLst>
     <dgm:linClrLst meth="repeat">
-      <a:schemeClr val="dk2">
+      <a:schemeClr val="accent3">
         <a:alpha val="90000"/>
         <a:tint val="40000"/>
       </a:schemeClr>
@@ -1495,13 +1491,13 @@
   </dgm:styleLbl>
   <dgm:styleLbl name="bgAccFollowNode1">
     <dgm:fillClrLst meth="repeat">
-      <a:schemeClr val="dk2">
+      <a:schemeClr val="accent3">
         <a:alpha val="90000"/>
         <a:tint val="40000"/>
       </a:schemeClr>
     </dgm:fillClrLst>
     <dgm:linClrLst meth="repeat">
-      <a:schemeClr val="dk2">
+      <a:schemeClr val="accent3">
         <a:alpha val="90000"/>
         <a:tint val="40000"/>
       </a:schemeClr>
@@ -1515,12 +1511,12 @@
   </dgm:styleLbl>
   <dgm:styleLbl name="fgAcc0">
     <dgm:fillClrLst meth="repeat">
-      <a:schemeClr val="lt2">
+      <a:schemeClr val="lt1">
         <a:alpha val="90000"/>
       </a:schemeClr>
     </dgm:fillClrLst>
     <dgm:linClrLst meth="repeat">
-      <a:schemeClr val="dk2"/>
+      <a:schemeClr val="accent3"/>
     </dgm:linClrLst>
     <dgm:effectClrLst/>
     <dgm:txLinClrLst/>
@@ -1531,12 +1527,12 @@
   </dgm:styleLbl>
   <dgm:styleLbl name="fgAcc2">
     <dgm:fillClrLst meth="repeat">
-      <a:schemeClr val="lt2">
+      <a:schemeClr val="lt1">
         <a:alpha val="90000"/>
       </a:schemeClr>
     </dgm:fillClrLst>
     <dgm:linClrLst meth="repeat">
-      <a:schemeClr val="dk2"/>
+      <a:schemeClr val="accent3"/>
     </dgm:linClrLst>
     <dgm:effectClrLst/>
     <dgm:txLinClrLst/>
@@ -1547,12 +1543,12 @@
   </dgm:styleLbl>
   <dgm:styleLbl name="fgAcc3">
     <dgm:fillClrLst meth="repeat">
-      <a:schemeClr val="lt2">
+      <a:schemeClr val="lt1">
         <a:alpha val="90000"/>
       </a:schemeClr>
     </dgm:fillClrLst>
     <dgm:linClrLst meth="repeat">
-      <a:schemeClr val="dk2"/>
+      <a:schemeClr val="accent3"/>
     </dgm:linClrLst>
     <dgm:effectClrLst/>
     <dgm:txLinClrLst/>
@@ -1563,12 +1559,12 @@
   </dgm:styleLbl>
   <dgm:styleLbl name="fgAcc4">
     <dgm:fillClrLst meth="repeat">
-      <a:schemeClr val="lt2">
+      <a:schemeClr val="lt1">
         <a:alpha val="90000"/>
       </a:schemeClr>
     </dgm:fillClrLst>
     <dgm:linClrLst meth="repeat">
-      <a:schemeClr val="dk2"/>
+      <a:schemeClr val="accent3"/>
     </dgm:linClrLst>
     <dgm:effectClrLst/>
     <dgm:txLinClrLst/>
@@ -1579,12 +1575,12 @@
   </dgm:styleLbl>
   <dgm:styleLbl name="bgShp">
     <dgm:fillClrLst meth="repeat">
-      <a:schemeClr val="dk2">
+      <a:schemeClr val="accent3">
         <a:tint val="40000"/>
       </a:schemeClr>
     </dgm:fillClrLst>
     <dgm:linClrLst meth="repeat">
-      <a:schemeClr val="dk2"/>
+      <a:schemeClr val="accent3"/>
     </dgm:linClrLst>
     <dgm:effectClrLst/>
     <dgm:txLinClrLst/>
@@ -1595,12 +1591,12 @@
   </dgm:styleLbl>
   <dgm:styleLbl name="dkBgShp">
     <dgm:fillClrLst meth="repeat">
-      <a:schemeClr val="dk2">
+      <a:schemeClr val="accent3">
         <a:shade val="80000"/>
       </a:schemeClr>
     </dgm:fillClrLst>
     <dgm:linClrLst meth="repeat">
-      <a:schemeClr val="dk2"/>
+      <a:schemeClr val="accent3"/>
     </dgm:linClrLst>
     <dgm:effectClrLst/>
     <dgm:txLinClrLst/>
@@ -1611,13 +1607,13 @@
   </dgm:styleLbl>
   <dgm:styleLbl name="trBgShp">
     <dgm:fillClrLst meth="repeat">
-      <a:schemeClr val="dk2">
+      <a:schemeClr val="accent3">
         <a:tint val="50000"/>
         <a:alpha val="40000"/>
       </a:schemeClr>
     </dgm:fillClrLst>
     <dgm:linClrLst meth="repeat">
-      <a:schemeClr val="dk2"/>
+      <a:schemeClr val="accent3"/>
     </dgm:linClrLst>
     <dgm:effectClrLst/>
     <dgm:txLinClrLst/>
@@ -1628,12 +1624,12 @@
   </dgm:styleLbl>
   <dgm:styleLbl name="fgShp">
     <dgm:fillClrLst meth="repeat">
-      <a:schemeClr val="dk2">
+      <a:schemeClr val="accent3">
         <a:tint val="60000"/>
       </a:schemeClr>
     </dgm:fillClrLst>
     <dgm:linClrLst meth="repeat">
-      <a:schemeClr val="lt2"/>
+      <a:schemeClr val="lt1"/>
     </dgm:linClrLst>
     <dgm:effectClrLst/>
     <dgm:txLinClrLst/>
@@ -1644,7 +1640,7 @@
   </dgm:styleLbl>
   <dgm:styleLbl name="revTx">
     <dgm:fillClrLst meth="repeat">
-      <a:schemeClr val="lt2">
+      <a:schemeClr val="lt1">
         <a:alpha val="0"/>
       </a:schemeClr>
     </dgm:fillClrLst>
@@ -2415,42 +2411,42 @@
 </file>
 
 <file path=ppt/diagrams/colors3.xml><?xml version="1.0" encoding="utf-8"?>
-<dgm:colorsDef xmlns:dgm="http://schemas.openxmlformats.org/drawingml/2006/diagram" xmlns:a="http://schemas.openxmlformats.org/drawingml/2006/main" uniqueId="urn:microsoft.com/office/officeart/2005/8/colors/accent3_2">
+<dgm:colorsDef xmlns:dgm="http://schemas.openxmlformats.org/drawingml/2006/diagram" xmlns:a="http://schemas.openxmlformats.org/drawingml/2006/main" uniqueId="urn:microsoft.com/office/officeart/2005/8/colors/accent0_3">
   <dgm:title val=""/>
   <dgm:desc val=""/>
   <dgm:catLst>
-    <dgm:cat type="accent3" pri="11200"/>
+    <dgm:cat type="mainScheme" pri="10300"/>
   </dgm:catLst>
   <dgm:styleLbl name="node0">
     <dgm:fillClrLst meth="repeat">
-      <a:schemeClr val="accent3"/>
+      <a:schemeClr val="dk2"/>
     </dgm:fillClrLst>
     <dgm:linClrLst meth="repeat">
-      <a:schemeClr val="lt1"/>
+      <a:schemeClr val="lt2"/>
     </dgm:linClrLst>
     <dgm:effectClrLst/>
     <dgm:txLinClrLst/>
     <dgm:txFillClrLst/>
     <dgm:txEffectClrLst/>
   </dgm:styleLbl>
-  <dgm:styleLbl name="node1">
+  <dgm:styleLbl name="alignNode1">
     <dgm:fillClrLst meth="repeat">
-      <a:schemeClr val="accent3"/>
+      <a:schemeClr val="dk2"/>
     </dgm:fillClrLst>
     <dgm:linClrLst meth="repeat">
-      <a:schemeClr val="lt1"/>
+      <a:schemeClr val="dk2"/>
     </dgm:linClrLst>
     <dgm:effectClrLst/>
     <dgm:txLinClrLst/>
     <dgm:txFillClrLst/>
     <dgm:txEffectClrLst/>
   </dgm:styleLbl>
-  <dgm:styleLbl name="alignNode1">
+  <dgm:styleLbl name="node1">
     <dgm:fillClrLst meth="repeat">
-      <a:schemeClr val="accent3"/>
+      <a:schemeClr val="dk2"/>
     </dgm:fillClrLst>
     <dgm:linClrLst meth="repeat">
-      <a:schemeClr val="accent3"/>
+      <a:schemeClr val="lt2"/>
     </dgm:linClrLst>
     <dgm:effectClrLst/>
     <dgm:txLinClrLst/>
@@ -2459,10 +2455,10 @@
   </dgm:styleLbl>
   <dgm:styleLbl name="lnNode1">
     <dgm:fillClrLst meth="repeat">
-      <a:schemeClr val="accent3"/>
+      <a:schemeClr val="dk2"/>
     </dgm:fillClrLst>
     <dgm:linClrLst meth="repeat">
-      <a:schemeClr val="lt1"/>
+      <a:schemeClr val="lt2"/>
     </dgm:linClrLst>
     <dgm:effectClrLst/>
     <dgm:txLinClrLst/>
@@ -2471,12 +2467,12 @@
   </dgm:styleLbl>
   <dgm:styleLbl name="vennNode1">
     <dgm:fillClrLst meth="repeat">
-      <a:schemeClr val="accent3">
+      <a:schemeClr val="dk2">
         <a:alpha val="50000"/>
       </a:schemeClr>
     </dgm:fillClrLst>
     <dgm:linClrLst meth="repeat">
-      <a:schemeClr val="lt1"/>
+      <a:schemeClr val="lt2"/>
     </dgm:linClrLst>
     <dgm:effectClrLst/>
     <dgm:txLinClrLst/>
@@ -2485,10 +2481,10 @@
   </dgm:styleLbl>
   <dgm:styleLbl name="node2">
     <dgm:fillClrLst meth="repeat">
-      <a:schemeClr val="accent3"/>
+      <a:schemeClr val="dk2"/>
     </dgm:fillClrLst>
     <dgm:linClrLst meth="repeat">
-      <a:schemeClr val="lt1"/>
+      <a:schemeClr val="lt2"/>
     </dgm:linClrLst>
     <dgm:effectClrLst/>
     <dgm:txLinClrLst/>
@@ -2497,10 +2493,10 @@
   </dgm:styleLbl>
   <dgm:styleLbl name="node3">
     <dgm:fillClrLst meth="repeat">
-      <a:schemeClr val="accent3"/>
+      <a:schemeClr val="dk2"/>
     </dgm:fillClrLst>
     <dgm:linClrLst meth="repeat">
-      <a:schemeClr val="lt1"/>
+      <a:schemeClr val="lt2"/>
     </dgm:linClrLst>
     <dgm:effectClrLst/>
     <dgm:txLinClrLst/>
@@ -2509,10 +2505,10 @@
   </dgm:styleLbl>
   <dgm:styleLbl name="node4">
     <dgm:fillClrLst meth="repeat">
-      <a:schemeClr val="accent3"/>
+      <a:schemeClr val="dk2"/>
     </dgm:fillClrLst>
     <dgm:linClrLst meth="repeat">
-      <a:schemeClr val="lt1"/>
+      <a:schemeClr val="lt2"/>
     </dgm:linClrLst>
     <dgm:effectClrLst/>
     <dgm:txLinClrLst/>
@@ -2521,60 +2517,64 @@
   </dgm:styleLbl>
   <dgm:styleLbl name="fgImgPlace1">
     <dgm:fillClrLst meth="repeat">
-      <a:schemeClr val="accent3">
+      <a:schemeClr val="dk2">
         <a:tint val="50000"/>
       </a:schemeClr>
     </dgm:fillClrLst>
     <dgm:linClrLst meth="repeat">
-      <a:schemeClr val="lt1"/>
+      <a:schemeClr val="lt2"/>
     </dgm:linClrLst>
     <dgm:effectClrLst/>
     <dgm:txLinClrLst/>
     <dgm:txFillClrLst meth="repeat">
-      <a:schemeClr val="lt1"/>
+      <a:schemeClr val="lt2"/>
     </dgm:txFillClrLst>
     <dgm:txEffectClrLst/>
   </dgm:styleLbl>
   <dgm:styleLbl name="alignImgPlace1">
     <dgm:fillClrLst meth="repeat">
-      <a:schemeClr val="accent3">
+      <a:schemeClr val="dk2">
         <a:tint val="50000"/>
       </a:schemeClr>
     </dgm:fillClrLst>
     <dgm:linClrLst meth="repeat">
-      <a:schemeClr val="lt1"/>
+      <a:schemeClr val="dk2">
+        <a:shade val="80000"/>
+      </a:schemeClr>
     </dgm:linClrLst>
     <dgm:effectClrLst/>
     <dgm:txLinClrLst/>
     <dgm:txFillClrLst meth="repeat">
-      <a:schemeClr val="lt1"/>
+      <a:schemeClr val="lt2"/>
     </dgm:txFillClrLst>
     <dgm:txEffectClrLst/>
   </dgm:styleLbl>
   <dgm:styleLbl name="bgImgPlace1">
     <dgm:fillClrLst meth="repeat">
-      <a:schemeClr val="accent3">
+      <a:schemeClr val="dk2">
         <a:tint val="50000"/>
       </a:schemeClr>
     </dgm:fillClrLst>
     <dgm:linClrLst meth="repeat">
-      <a:schemeClr val="lt1"/>
+      <a:schemeClr val="dk2">
+        <a:shade val="80000"/>
+      </a:schemeClr>
     </dgm:linClrLst>
     <dgm:effectClrLst/>
     <dgm:txLinClrLst/>
     <dgm:txFillClrLst meth="repeat">
-      <a:schemeClr val="lt1"/>
+      <a:schemeClr val="lt2"/>
     </dgm:txFillClrLst>
     <dgm:txEffectClrLst/>
   </dgm:styleLbl>
   <dgm:styleLbl name="sibTrans2D1">
     <dgm:fillClrLst meth="repeat">
-      <a:schemeClr val="accent3">
+      <a:schemeClr val="dk2">
         <a:tint val="60000"/>
       </a:schemeClr>
     </dgm:fillClrLst>
     <dgm:linClrLst meth="repeat">
-      <a:schemeClr val="accent3">
+      <a:schemeClr val="dk2">
         <a:tint val="60000"/>
       </a:schemeClr>
     </dgm:linClrLst>
@@ -2585,12 +2585,12 @@
   </dgm:styleLbl>
   <dgm:styleLbl name="fgSibTrans2D1">
     <dgm:fillClrLst meth="repeat">
-      <a:schemeClr val="accent3">
+      <a:schemeClr val="dk2">
         <a:tint val="60000"/>
       </a:schemeClr>
     </dgm:fillClrLst>
     <dgm:linClrLst meth="repeat">
-      <a:schemeClr val="accent3">
+      <a:schemeClr val="dk2">
         <a:tint val="60000"/>
       </a:schemeClr>
     </dgm:linClrLst>
@@ -2601,12 +2601,12 @@
   </dgm:styleLbl>
   <dgm:styleLbl name="bgSibTrans2D1">
     <dgm:fillClrLst meth="repeat">
-      <a:schemeClr val="accent3">
+      <a:schemeClr val="dk2">
         <a:tint val="60000"/>
       </a:schemeClr>
     </dgm:fillClrLst>
     <dgm:linClrLst meth="repeat">
-      <a:schemeClr val="accent3">
+      <a:schemeClr val="dk2">
         <a:tint val="60000"/>
       </a:schemeClr>
     </dgm:linClrLst>
@@ -2617,40 +2617,40 @@
   </dgm:styleLbl>
   <dgm:styleLbl name="sibTrans1D1">
     <dgm:fillClrLst meth="repeat">
-      <a:schemeClr val="accent3"/>
+      <a:schemeClr val="dk2"/>
     </dgm:fillClrLst>
     <dgm:linClrLst meth="repeat">
-      <a:schemeClr val="accent3"/>
+      <a:schemeClr val="dk2"/>
     </dgm:linClrLst>
     <dgm:effectClrLst/>
     <dgm:txLinClrLst/>
     <dgm:txFillClrLst meth="repeat">
-      <a:schemeClr val="tx1"/>
+      <a:schemeClr val="lt2"/>
     </dgm:txFillClrLst>
     <dgm:txEffectClrLst/>
   </dgm:styleLbl>
   <dgm:styleLbl name="callout">
     <dgm:fillClrLst meth="repeat">
-      <a:schemeClr val="accent3"/>
+      <a:schemeClr val="dk2"/>
     </dgm:fillClrLst>
     <dgm:linClrLst meth="repeat">
-      <a:schemeClr val="accent3">
+      <a:schemeClr val="dk2">
         <a:tint val="50000"/>
       </a:schemeClr>
     </dgm:linClrLst>
     <dgm:effectClrLst/>
     <dgm:txLinClrLst/>
     <dgm:txFillClrLst meth="repeat">
-      <a:schemeClr val="tx1"/>
+      <a:schemeClr val="lt2"/>
     </dgm:txFillClrLst>
     <dgm:txEffectClrLst/>
   </dgm:styleLbl>
   <dgm:styleLbl name="asst0">
     <dgm:fillClrLst meth="repeat">
-      <a:schemeClr val="accent3"/>
+      <a:schemeClr val="dk2"/>
     </dgm:fillClrLst>
     <dgm:linClrLst meth="repeat">
-      <a:schemeClr val="lt1"/>
+      <a:schemeClr val="lt2"/>
     </dgm:linClrLst>
     <dgm:effectClrLst/>
     <dgm:txLinClrLst/>
@@ -2659,10 +2659,10 @@
   </dgm:styleLbl>
   <dgm:styleLbl name="asst1">
     <dgm:fillClrLst meth="repeat">
-      <a:schemeClr val="accent3"/>
+      <a:schemeClr val="dk2"/>
     </dgm:fillClrLst>
     <dgm:linClrLst meth="repeat">
-      <a:schemeClr val="lt1"/>
+      <a:schemeClr val="lt2"/>
     </dgm:linClrLst>
     <dgm:effectClrLst/>
     <dgm:txLinClrLst/>
@@ -2671,10 +2671,10 @@
   </dgm:styleLbl>
   <dgm:styleLbl name="asst2">
     <dgm:fillClrLst meth="repeat">
-      <a:schemeClr val="accent3"/>
+      <a:schemeClr val="dk2"/>
     </dgm:fillClrLst>
     <dgm:linClrLst meth="repeat">
-      <a:schemeClr val="lt1"/>
+      <a:schemeClr val="lt2"/>
     </dgm:linClrLst>
     <dgm:effectClrLst/>
     <dgm:txLinClrLst/>
@@ -2683,10 +2683,10 @@
   </dgm:styleLbl>
   <dgm:styleLbl name="asst3">
     <dgm:fillClrLst meth="repeat">
-      <a:schemeClr val="accent3"/>
+      <a:schemeClr val="dk2"/>
     </dgm:fillClrLst>
     <dgm:linClrLst meth="repeat">
-      <a:schemeClr val="lt1"/>
+      <a:schemeClr val="lt2"/>
     </dgm:linClrLst>
     <dgm:effectClrLst/>
     <dgm:txLinClrLst/>
@@ -2695,10 +2695,10 @@
   </dgm:styleLbl>
   <dgm:styleLbl name="asst4">
     <dgm:fillClrLst meth="repeat">
-      <a:schemeClr val="accent3"/>
+      <a:schemeClr val="dk2"/>
     </dgm:fillClrLst>
     <dgm:linClrLst meth="repeat">
-      <a:schemeClr val="lt1"/>
+      <a:schemeClr val="lt2"/>
     </dgm:linClrLst>
     <dgm:effectClrLst/>
     <dgm:txLinClrLst/>
@@ -2707,70 +2707,70 @@
   </dgm:styleLbl>
   <dgm:styleLbl name="parChTrans2D1">
     <dgm:fillClrLst meth="repeat">
-      <a:schemeClr val="accent3">
+      <a:schemeClr val="dk2">
         <a:tint val="60000"/>
       </a:schemeClr>
     </dgm:fillClrLst>
     <dgm:linClrLst meth="repeat">
-      <a:schemeClr val="accent3">
+      <a:schemeClr val="dk2">
         <a:tint val="60000"/>
       </a:schemeClr>
     </dgm:linClrLst>
     <dgm:effectClrLst/>
     <dgm:txLinClrLst/>
     <dgm:txFillClrLst meth="repeat">
-      <a:schemeClr val="lt1"/>
+      <a:schemeClr val="lt2"/>
     </dgm:txFillClrLst>
     <dgm:txEffectClrLst/>
   </dgm:styleLbl>
   <dgm:styleLbl name="parChTrans2D2">
     <dgm:fillClrLst meth="repeat">
-      <a:schemeClr val="accent3"/>
+      <a:schemeClr val="dk2"/>
     </dgm:fillClrLst>
     <dgm:linClrLst meth="repeat">
-      <a:schemeClr val="accent3"/>
+      <a:schemeClr val="dk2"/>
     </dgm:linClrLst>
     <dgm:effectClrLst/>
     <dgm:txLinClrLst/>
     <dgm:txFillClrLst meth="repeat">
-      <a:schemeClr val="lt1"/>
+      <a:schemeClr val="lt2"/>
     </dgm:txFillClrLst>
     <dgm:txEffectClrLst/>
   </dgm:styleLbl>
   <dgm:styleLbl name="parChTrans2D3">
     <dgm:fillClrLst meth="repeat">
-      <a:schemeClr val="accent3"/>
+      <a:schemeClr val="dk2"/>
     </dgm:fillClrLst>
     <dgm:linClrLst meth="repeat">
-      <a:schemeClr val="accent3"/>
+      <a:schemeClr val="dk2"/>
     </dgm:linClrLst>
     <dgm:effectClrLst/>
     <dgm:txLinClrLst/>
     <dgm:txFillClrLst meth="repeat">
-      <a:schemeClr val="lt1"/>
+      <a:schemeClr val="lt2"/>
     </dgm:txFillClrLst>
     <dgm:txEffectClrLst/>
   </dgm:styleLbl>
   <dgm:styleLbl name="parChTrans2D4">
     <dgm:fillClrLst meth="repeat">
-      <a:schemeClr val="accent3"/>
+      <a:schemeClr val="dk2"/>
     </dgm:fillClrLst>
     <dgm:linClrLst meth="repeat">
-      <a:schemeClr val="accent3"/>
+      <a:schemeClr val="dk2"/>
     </dgm:linClrLst>
     <dgm:effectClrLst/>
     <dgm:txLinClrLst/>
     <dgm:txFillClrLst meth="repeat">
-      <a:schemeClr val="lt1"/>
+      <a:schemeClr val="lt2"/>
     </dgm:txFillClrLst>
     <dgm:txEffectClrLst/>
   </dgm:styleLbl>
   <dgm:styleLbl name="parChTrans1D1">
     <dgm:fillClrLst meth="repeat">
-      <a:schemeClr val="accent3"/>
+      <a:schemeClr val="dk2"/>
     </dgm:fillClrLst>
     <dgm:linClrLst meth="repeat">
-      <a:schemeClr val="accent3">
+      <a:schemeClr val="dk2">
         <a:shade val="60000"/>
       </a:schemeClr>
     </dgm:linClrLst>
@@ -2783,10 +2783,10 @@
   </dgm:styleLbl>
   <dgm:styleLbl name="parChTrans1D2">
     <dgm:fillClrLst meth="repeat">
-      <a:schemeClr val="accent3"/>
+      <a:schemeClr val="dk2"/>
     </dgm:fillClrLst>
     <dgm:linClrLst meth="repeat">
-      <a:schemeClr val="accent3">
+      <a:schemeClr val="dk2">
         <a:shade val="60000"/>
       </a:schemeClr>
     </dgm:linClrLst>
@@ -2799,10 +2799,10 @@
   </dgm:styleLbl>
   <dgm:styleLbl name="parChTrans1D3">
     <dgm:fillClrLst meth="repeat">
-      <a:schemeClr val="accent3"/>
+      <a:schemeClr val="dk2"/>
     </dgm:fillClrLst>
     <dgm:linClrLst meth="repeat">
-      <a:schemeClr val="accent3">
+      <a:schemeClr val="dk2">
         <a:shade val="80000"/>
       </a:schemeClr>
     </dgm:linClrLst>
@@ -2815,10 +2815,10 @@
   </dgm:styleLbl>
   <dgm:styleLbl name="parChTrans1D4">
     <dgm:fillClrLst meth="repeat">
-      <a:schemeClr val="accent3"/>
+      <a:schemeClr val="dk2"/>
     </dgm:fillClrLst>
     <dgm:linClrLst meth="repeat">
-      <a:schemeClr val="accent3">
+      <a:schemeClr val="dk2">
         <a:shade val="80000"/>
       </a:schemeClr>
     </dgm:linClrLst>
@@ -2831,12 +2831,12 @@
   </dgm:styleLbl>
   <dgm:styleLbl name="fgAcc1">
     <dgm:fillClrLst meth="repeat">
-      <a:schemeClr val="lt1">
+      <a:schemeClr val="lt2">
         <a:alpha val="90000"/>
       </a:schemeClr>
     </dgm:fillClrLst>
     <dgm:linClrLst meth="repeat">
-      <a:schemeClr val="accent3"/>
+      <a:schemeClr val="dk2"/>
     </dgm:linClrLst>
     <dgm:effectClrLst/>
     <dgm:txLinClrLst/>
@@ -2847,12 +2847,12 @@
   </dgm:styleLbl>
   <dgm:styleLbl name="conFgAcc1">
     <dgm:fillClrLst meth="repeat">
-      <a:schemeClr val="lt1">
+      <a:schemeClr val="lt2">
         <a:alpha val="90000"/>
       </a:schemeClr>
     </dgm:fillClrLst>
     <dgm:linClrLst meth="repeat">
-      <a:schemeClr val="accent3"/>
+      <a:schemeClr val="dk2"/>
     </dgm:linClrLst>
     <dgm:effectClrLst/>
     <dgm:txLinClrLst/>
@@ -2863,12 +2863,12 @@
   </dgm:styleLbl>
   <dgm:styleLbl name="alignAcc1">
     <dgm:fillClrLst meth="repeat">
-      <a:schemeClr val="lt1">
+      <a:schemeClr val="lt2">
         <a:alpha val="90000"/>
       </a:schemeClr>
     </dgm:fillClrLst>
     <dgm:linClrLst meth="repeat">
-      <a:schemeClr val="accent3"/>
+      <a:schemeClr val="dk2"/>
     </dgm:linClrLst>
     <dgm:effectClrLst/>
     <dgm:txLinClrLst/>
@@ -2879,12 +2879,12 @@
   </dgm:styleLbl>
   <dgm:styleLbl name="trAlignAcc1">
     <dgm:fillClrLst meth="repeat">
-      <a:schemeClr val="lt1">
+      <a:schemeClr val="lt2">
         <a:alpha val="40000"/>
       </a:schemeClr>
     </dgm:fillClrLst>
     <dgm:linClrLst meth="repeat">
-      <a:schemeClr val="accent3"/>
+      <a:schemeClr val="dk2"/>
     </dgm:linClrLst>
     <dgm:effectClrLst/>
     <dgm:txLinClrLst/>
@@ -2895,12 +2895,12 @@
   </dgm:styleLbl>
   <dgm:styleLbl name="bgAcc1">
     <dgm:fillClrLst meth="repeat">
-      <a:schemeClr val="lt1">
+      <a:schemeClr val="lt2">
         <a:alpha val="90000"/>
       </a:schemeClr>
     </dgm:fillClrLst>
     <dgm:linClrLst meth="repeat">
-      <a:schemeClr val="accent3"/>
+      <a:schemeClr val="dk2"/>
     </dgm:linClrLst>
     <dgm:effectClrLst/>
     <dgm:txLinClrLst/>
@@ -2911,10 +2911,10 @@
   </dgm:styleLbl>
   <dgm:styleLbl name="solidFgAcc1">
     <dgm:fillClrLst meth="repeat">
-      <a:schemeClr val="lt1"/>
+      <a:schemeClr val="lt2"/>
     </dgm:fillClrLst>
     <dgm:linClrLst meth="repeat">
-      <a:schemeClr val="accent3"/>
+      <a:schemeClr val="dk2"/>
     </dgm:linClrLst>
     <dgm:effectClrLst/>
     <dgm:txLinClrLst/>
@@ -2925,10 +2925,10 @@
   </dgm:styleLbl>
   <dgm:styleLbl name="solidAlignAcc1">
     <dgm:fillClrLst meth="repeat">
-      <a:schemeClr val="lt1"/>
+      <a:schemeClr val="lt2"/>
     </dgm:fillClrLst>
     <dgm:linClrLst meth="repeat">
-      <a:schemeClr val="accent3"/>
+      <a:schemeClr val="dk2"/>
     </dgm:linClrLst>
     <dgm:effectClrLst/>
     <dgm:txLinClrLst/>
@@ -2939,10 +2939,10 @@
   </dgm:styleLbl>
   <dgm:styleLbl name="solidBgAcc1">
     <dgm:fillClrLst meth="repeat">
-      <a:schemeClr val="lt1"/>
+      <a:schemeClr val="lt2"/>
     </dgm:fillClrLst>
     <dgm:linClrLst meth="repeat">
-      <a:schemeClr val="accent3"/>
+      <a:schemeClr val="dk2"/>
     </dgm:linClrLst>
     <dgm:effectClrLst/>
     <dgm:txLinClrLst/>
@@ -2953,13 +2953,13 @@
   </dgm:styleLbl>
   <dgm:styleLbl name="fgAccFollowNode1">
     <dgm:fillClrLst meth="repeat">
-      <a:schemeClr val="accent3">
+      <a:schemeClr val="dk2">
         <a:alpha val="90000"/>
         <a:tint val="40000"/>
       </a:schemeClr>
     </dgm:fillClrLst>
     <dgm:linClrLst meth="repeat">
-      <a:schemeClr val="accent3">
+      <a:schemeClr val="dk2">
         <a:alpha val="90000"/>
         <a:tint val="40000"/>
       </a:schemeClr>
@@ -2973,13 +2973,13 @@
   </dgm:styleLbl>
   <dgm:styleLbl name="alignAccFollowNode1">
     <dgm:fillClrLst meth="repeat">
-      <a:schemeClr val="accent3">
+      <a:schemeClr val="dk2">
         <a:alpha val="90000"/>
         <a:tint val="40000"/>
       </a:schemeClr>
     </dgm:fillClrLst>
     <dgm:linClrLst meth="repeat">
-      <a:schemeClr val="accent3">
+      <a:schemeClr val="dk2">
         <a:alpha val="90000"/>
         <a:tint val="40000"/>
       </a:schemeClr>
@@ -2993,13 +2993,13 @@
   </dgm:styleLbl>
   <dgm:styleLbl name="bgAccFollowNode1">
     <dgm:fillClrLst meth="repeat">
-      <a:schemeClr val="accent3">
+      <a:schemeClr val="dk2">
         <a:alpha val="90000"/>
         <a:tint val="40000"/>
       </a:schemeClr>
     </dgm:fillClrLst>
     <dgm:linClrLst meth="repeat">
-      <a:schemeClr val="accent3">
+      <a:schemeClr val="dk2">
         <a:alpha val="90000"/>
         <a:tint val="40000"/>
       </a:schemeClr>
@@ -3013,12 +3013,12 @@
   </dgm:styleLbl>
   <dgm:styleLbl name="fgAcc0">
     <dgm:fillClrLst meth="repeat">
-      <a:schemeClr val="lt1">
+      <a:schemeClr val="lt2">
         <a:alpha val="90000"/>
       </a:schemeClr>
     </dgm:fillClrLst>
     <dgm:linClrLst meth="repeat">
-      <a:schemeClr val="accent3"/>
+      <a:schemeClr val="dk2"/>
     </dgm:linClrLst>
     <dgm:effectClrLst/>
     <dgm:txLinClrLst/>
@@ -3029,12 +3029,12 @@
   </dgm:styleLbl>
   <dgm:styleLbl name="fgAcc2">
     <dgm:fillClrLst meth="repeat">
-      <a:schemeClr val="lt1">
+      <a:schemeClr val="lt2">
         <a:alpha val="90000"/>
       </a:schemeClr>
     </dgm:fillClrLst>
     <dgm:linClrLst meth="repeat">
-      <a:schemeClr val="accent3"/>
+      <a:schemeClr val="dk2"/>
     </dgm:linClrLst>
     <dgm:effectClrLst/>
     <dgm:txLinClrLst/>
@@ -3045,12 +3045,12 @@
   </dgm:styleLbl>
   <dgm:styleLbl name="fgAcc3">
     <dgm:fillClrLst meth="repeat">
-      <a:schemeClr val="lt1">
+      <a:schemeClr val="lt2">
         <a:alpha val="90000"/>
       </a:schemeClr>
     </dgm:fillClrLst>
     <dgm:linClrLst meth="repeat">
-      <a:schemeClr val="accent3"/>
+      <a:schemeClr val="dk2"/>
     </dgm:linClrLst>
     <dgm:effectClrLst/>
     <dgm:txLinClrLst/>
@@ -3061,12 +3061,12 @@
   </dgm:styleLbl>
   <dgm:styleLbl name="fgAcc4">
     <dgm:fillClrLst meth="repeat">
-      <a:schemeClr val="lt1">
+      <a:schemeClr val="lt2">
         <a:alpha val="90000"/>
       </a:schemeClr>
     </dgm:fillClrLst>
     <dgm:linClrLst meth="repeat">
-      <a:schemeClr val="accent3"/>
+      <a:schemeClr val="dk2"/>
     </dgm:linClrLst>
     <dgm:effectClrLst/>
     <dgm:txLinClrLst/>
@@ -3077,12 +3077,12 @@
   </dgm:styleLbl>
   <dgm:styleLbl name="bgShp">
     <dgm:fillClrLst meth="repeat">
-      <a:schemeClr val="accent3">
+      <a:schemeClr val="dk2">
         <a:tint val="40000"/>
       </a:schemeClr>
     </dgm:fillClrLst>
     <dgm:linClrLst meth="repeat">
-      <a:schemeClr val="accent3"/>
+      <a:schemeClr val="dk2"/>
     </dgm:linClrLst>
     <dgm:effectClrLst/>
     <dgm:txLinClrLst/>
@@ -3093,12 +3093,12 @@
   </dgm:styleLbl>
   <dgm:styleLbl name="dkBgShp">
     <dgm:fillClrLst meth="repeat">
-      <a:schemeClr val="accent3">
+      <a:schemeClr val="dk2">
         <a:shade val="80000"/>
       </a:schemeClr>
     </dgm:fillClrLst>
     <dgm:linClrLst meth="repeat">
-      <a:schemeClr val="accent3"/>
+      <a:schemeClr val="dk2"/>
     </dgm:linClrLst>
     <dgm:effectClrLst/>
     <dgm:txLinClrLst/>
@@ -3109,13 +3109,13 @@
   </dgm:styleLbl>
   <dgm:styleLbl name="trBgShp">
     <dgm:fillClrLst meth="repeat">
-      <a:schemeClr val="accent3">
+      <a:schemeClr val="dk2">
         <a:tint val="50000"/>
         <a:alpha val="40000"/>
       </a:schemeClr>
     </dgm:fillClrLst>
     <dgm:linClrLst meth="repeat">
-      <a:schemeClr val="accent3"/>
+      <a:schemeClr val="dk2"/>
     </dgm:linClrLst>
     <dgm:effectClrLst/>
     <dgm:txLinClrLst/>
@@ -3126,12 +3126,12 @@
   </dgm:styleLbl>
   <dgm:styleLbl name="fgShp">
     <dgm:fillClrLst meth="repeat">
-      <a:schemeClr val="accent3">
+      <a:schemeClr val="dk2">
         <a:tint val="60000"/>
       </a:schemeClr>
     </dgm:fillClrLst>
     <dgm:linClrLst meth="repeat">
-      <a:schemeClr val="lt1"/>
+      <a:schemeClr val="lt2"/>
     </dgm:linClrLst>
     <dgm:effectClrLst/>
     <dgm:txLinClrLst/>
@@ -3142,7 +3142,7 @@
   </dgm:styleLbl>
   <dgm:styleLbl name="revTx">
     <dgm:fillClrLst meth="repeat">
-      <a:schemeClr val="lt1">
+      <a:schemeClr val="lt2">
         <a:alpha val="0"/>
       </a:schemeClr>
     </dgm:fillClrLst>
@@ -3162,6 +3162,411 @@
 </file>
 
 <file path=ppt/diagrams/data1.xml><?xml version="1.0" encoding="utf-8"?>
+<dgm:dataModel xmlns:dgm="http://schemas.openxmlformats.org/drawingml/2006/diagram" xmlns:a="http://schemas.openxmlformats.org/drawingml/2006/main">
+  <dgm:ptLst>
+    <dgm:pt modelId="{04301E78-9D88-413A-9E63-0A418F3FDA7C}" type="doc">
+      <dgm:prSet loTypeId="urn:microsoft.com/office/officeart/2005/8/layout/process1" loCatId="process" qsTypeId="urn:microsoft.com/office/officeart/2005/8/quickstyle/simple1" qsCatId="simple" csTypeId="urn:microsoft.com/office/officeart/2005/8/colors/accent3_2" csCatId="accent3" phldr="1"/>
+      <dgm:spPr/>
+    </dgm:pt>
+    <dgm:pt modelId="{6F26262C-3B11-4EDD-BFCC-705D34CB650C}">
+      <dgm:prSet phldrT="[Text]" custT="1"/>
+      <dgm:spPr>
+        <a:solidFill>
+          <a:schemeClr val="bg2">
+            <a:lumMod val="10000"/>
+          </a:schemeClr>
+        </a:solidFill>
+        <a:ln>
+          <a:solidFill>
+            <a:schemeClr val="tx1"/>
+          </a:solidFill>
+        </a:ln>
+      </dgm:spPr>
+      <dgm:t>
+        <a:bodyPr/>
+        <a:lstStyle/>
+        <a:p>
+          <a:r>
+            <a:rPr lang="en-IN" sz="2800" dirty="0">
+              <a:latin typeface="Frank Ruhl Libre" panose="00000500000000000000" pitchFamily="2" charset="-79"/>
+              <a:cs typeface="Frank Ruhl Libre" panose="00000500000000000000" pitchFamily="2" charset="-79"/>
+            </a:rPr>
+            <a:t>Raw Tiff Images</a:t>
+          </a:r>
+        </a:p>
+      </dgm:t>
+    </dgm:pt>
+    <dgm:pt modelId="{EEE759E7-F891-42E1-B177-3816F8C4ED44}" type="parTrans" cxnId="{5B206A2B-C787-4B96-BF09-FAD783D5ABE9}">
+      <dgm:prSet/>
+      <dgm:spPr/>
+      <dgm:t>
+        <a:bodyPr/>
+        <a:lstStyle/>
+        <a:p>
+          <a:endParaRPr lang="en-IN"/>
+        </a:p>
+      </dgm:t>
+    </dgm:pt>
+    <dgm:pt modelId="{2541A299-355D-49FF-AD8B-084A413CE0BF}" type="sibTrans" cxnId="{5B206A2B-C787-4B96-BF09-FAD783D5ABE9}">
+      <dgm:prSet/>
+      <dgm:spPr/>
+      <dgm:t>
+        <a:bodyPr/>
+        <a:lstStyle/>
+        <a:p>
+          <a:endParaRPr lang="en-IN"/>
+        </a:p>
+      </dgm:t>
+    </dgm:pt>
+    <dgm:pt modelId="{83CD00CD-F99C-470C-AD53-83777B118B9B}">
+      <dgm:prSet phldrT="[Text]" custT="1"/>
+      <dgm:spPr>
+        <a:solidFill>
+          <a:schemeClr val="bg2">
+            <a:lumMod val="50000"/>
+          </a:schemeClr>
+        </a:solidFill>
+        <a:ln>
+          <a:solidFill>
+            <a:schemeClr val="tx1"/>
+          </a:solidFill>
+        </a:ln>
+      </dgm:spPr>
+      <dgm:t>
+        <a:bodyPr/>
+        <a:lstStyle/>
+        <a:p>
+          <a:r>
+            <a:rPr lang="en-IN" sz="2800" dirty="0">
+              <a:latin typeface="Frank Ruhl Libre" panose="00000500000000000000" pitchFamily="2" charset="-79"/>
+              <a:cs typeface="Frank Ruhl Libre" panose="00000500000000000000" pitchFamily="2" charset="-79"/>
+            </a:rPr>
+            <a:t>Normalisation</a:t>
+          </a:r>
+          <a:endParaRPr lang="en-IN" sz="1800" dirty="0">
+            <a:latin typeface="Frank Ruhl Libre" panose="00000500000000000000" pitchFamily="2" charset="-79"/>
+            <a:cs typeface="Frank Ruhl Libre" panose="00000500000000000000" pitchFamily="2" charset="-79"/>
+          </a:endParaRPr>
+        </a:p>
+      </dgm:t>
+    </dgm:pt>
+    <dgm:pt modelId="{7A79AEBE-57A7-4F74-B2AE-A24EC1B2FE09}" type="parTrans" cxnId="{3BA6B986-DBE6-47AD-835E-682142B38BC7}">
+      <dgm:prSet/>
+      <dgm:spPr/>
+      <dgm:t>
+        <a:bodyPr/>
+        <a:lstStyle/>
+        <a:p>
+          <a:endParaRPr lang="en-IN"/>
+        </a:p>
+      </dgm:t>
+    </dgm:pt>
+    <dgm:pt modelId="{6A6E6F89-5CB2-454D-B7F4-D68C21911F5D}" type="sibTrans" cxnId="{3BA6B986-DBE6-47AD-835E-682142B38BC7}">
+      <dgm:prSet/>
+      <dgm:spPr/>
+      <dgm:t>
+        <a:bodyPr/>
+        <a:lstStyle/>
+        <a:p>
+          <a:endParaRPr lang="en-IN"/>
+        </a:p>
+      </dgm:t>
+    </dgm:pt>
+    <dgm:pt modelId="{203CDC8F-B6D4-4DB1-9981-A5D1ECC22911}">
+      <dgm:prSet phldrT="[Text]" custT="1"/>
+      <dgm:spPr>
+        <a:solidFill>
+          <a:schemeClr val="bg2">
+            <a:lumMod val="50000"/>
+          </a:schemeClr>
+        </a:solidFill>
+        <a:ln>
+          <a:solidFill>
+            <a:schemeClr val="tx1"/>
+          </a:solidFill>
+        </a:ln>
+      </dgm:spPr>
+      <dgm:t>
+        <a:bodyPr/>
+        <a:lstStyle/>
+        <a:p>
+          <a:r>
+            <a:rPr lang="en-IN" sz="1800" dirty="0">
+              <a:latin typeface="Frank Ruhl Libre" panose="00000500000000000000" pitchFamily="2" charset="-79"/>
+              <a:cs typeface="Frank Ruhl Libre" panose="00000500000000000000" pitchFamily="2" charset="-79"/>
+            </a:rPr>
+            <a:t>Expansion of dimensions from 3D array to 2D array</a:t>
+          </a:r>
+        </a:p>
+      </dgm:t>
+    </dgm:pt>
+    <dgm:pt modelId="{3CD7475B-37B4-404B-81E9-A1C64CF0F584}" type="parTrans" cxnId="{F40994E2-FD9C-45BF-8D09-F7337FC8CAC6}">
+      <dgm:prSet/>
+      <dgm:spPr/>
+      <dgm:t>
+        <a:bodyPr/>
+        <a:lstStyle/>
+        <a:p>
+          <a:endParaRPr lang="en-IN"/>
+        </a:p>
+      </dgm:t>
+    </dgm:pt>
+    <dgm:pt modelId="{3FBA3F25-A64B-4BE8-AF43-9A6C6E9DA7FB}" type="sibTrans" cxnId="{F40994E2-FD9C-45BF-8D09-F7337FC8CAC6}">
+      <dgm:prSet/>
+      <dgm:spPr/>
+      <dgm:t>
+        <a:bodyPr/>
+        <a:lstStyle/>
+        <a:p>
+          <a:endParaRPr lang="en-IN"/>
+        </a:p>
+      </dgm:t>
+    </dgm:pt>
+    <dgm:pt modelId="{5B40DB01-3F1B-4CCC-B8FF-5C01B04A0C77}">
+      <dgm:prSet phldrT="[Text]" custT="1"/>
+      <dgm:spPr>
+        <a:solidFill>
+          <a:schemeClr val="bg2">
+            <a:lumMod val="50000"/>
+          </a:schemeClr>
+        </a:solidFill>
+        <a:ln>
+          <a:solidFill>
+            <a:schemeClr val="tx1"/>
+          </a:solidFill>
+        </a:ln>
+      </dgm:spPr>
+      <dgm:t>
+        <a:bodyPr/>
+        <a:lstStyle/>
+        <a:p>
+          <a:r>
+            <a:rPr lang="en-IN" sz="2400" dirty="0">
+              <a:latin typeface="Frank Ruhl Libre" panose="00000500000000000000" pitchFamily="2" charset="-79"/>
+              <a:cs typeface="Frank Ruhl Libre" panose="00000500000000000000" pitchFamily="2" charset="-79"/>
+            </a:rPr>
+            <a:t>Resizing</a:t>
+          </a:r>
+          <a:endParaRPr lang="en-IN" sz="1800" dirty="0">
+            <a:latin typeface="Frank Ruhl Libre" panose="00000500000000000000" pitchFamily="2" charset="-79"/>
+            <a:cs typeface="Frank Ruhl Libre" panose="00000500000000000000" pitchFamily="2" charset="-79"/>
+          </a:endParaRPr>
+        </a:p>
+      </dgm:t>
+    </dgm:pt>
+    <dgm:pt modelId="{4B777E40-1FAE-439A-A7F2-484A8478193B}" type="parTrans" cxnId="{5859D19E-FCCB-4582-AEBC-0FF45D222571}">
+      <dgm:prSet/>
+      <dgm:spPr/>
+      <dgm:t>
+        <a:bodyPr/>
+        <a:lstStyle/>
+        <a:p>
+          <a:endParaRPr lang="en-IN"/>
+        </a:p>
+      </dgm:t>
+    </dgm:pt>
+    <dgm:pt modelId="{26036FA2-FE3E-42B9-85B5-F5BEF970CF10}" type="sibTrans" cxnId="{5859D19E-FCCB-4582-AEBC-0FF45D222571}">
+      <dgm:prSet/>
+      <dgm:spPr/>
+      <dgm:t>
+        <a:bodyPr/>
+        <a:lstStyle/>
+        <a:p>
+          <a:endParaRPr lang="en-IN"/>
+        </a:p>
+      </dgm:t>
+    </dgm:pt>
+    <dgm:pt modelId="{D2E7E420-AB7B-4ED9-B455-AA5366CB0930}">
+      <dgm:prSet phldrT="[Text]" custT="1"/>
+      <dgm:spPr>
+        <a:solidFill>
+          <a:schemeClr val="bg2">
+            <a:lumMod val="10000"/>
+          </a:schemeClr>
+        </a:solidFill>
+        <a:ln>
+          <a:solidFill>
+            <a:schemeClr val="tx1"/>
+          </a:solidFill>
+        </a:ln>
+      </dgm:spPr>
+      <dgm:t>
+        <a:bodyPr/>
+        <a:lstStyle/>
+        <a:p>
+          <a:r>
+            <a:rPr lang="en-IN" sz="2000" dirty="0">
+              <a:latin typeface="Frank Ruhl Libre" panose="00000500000000000000" pitchFamily="2" charset="-79"/>
+              <a:cs typeface="Frank Ruhl Libre" panose="00000500000000000000" pitchFamily="2" charset="-79"/>
+            </a:rPr>
+            <a:t>224 </a:t>
+          </a:r>
+          <a:r>
+            <a:rPr lang="en-IN" sz="2000">
+              <a:latin typeface="Frank Ruhl Libre" panose="00000500000000000000" pitchFamily="2" charset="-79"/>
+              <a:cs typeface="Frank Ruhl Libre" panose="00000500000000000000" pitchFamily="2" charset="-79"/>
+            </a:rPr>
+            <a:t>x 224 </a:t>
+          </a:r>
+          <a:r>
+            <a:rPr lang="en-IN" sz="2000" dirty="0">
+              <a:latin typeface="Frank Ruhl Libre" panose="00000500000000000000" pitchFamily="2" charset="-79"/>
+              <a:cs typeface="Frank Ruhl Libre" panose="00000500000000000000" pitchFamily="2" charset="-79"/>
+            </a:rPr>
+            <a:t>RGB Image</a:t>
+          </a:r>
+        </a:p>
+      </dgm:t>
+    </dgm:pt>
+    <dgm:pt modelId="{1D670FC0-F9D8-4AE5-AA0F-3F5E34DBA1A1}" type="sibTrans" cxnId="{38130618-48F1-4497-8503-5E64372E030B}">
+      <dgm:prSet/>
+      <dgm:spPr/>
+      <dgm:t>
+        <a:bodyPr/>
+        <a:lstStyle/>
+        <a:p>
+          <a:endParaRPr lang="en-IN"/>
+        </a:p>
+      </dgm:t>
+    </dgm:pt>
+    <dgm:pt modelId="{ADD2B275-D655-4BE8-B3EC-DA38CDF19005}" type="parTrans" cxnId="{38130618-48F1-4497-8503-5E64372E030B}">
+      <dgm:prSet/>
+      <dgm:spPr/>
+      <dgm:t>
+        <a:bodyPr/>
+        <a:lstStyle/>
+        <a:p>
+          <a:endParaRPr lang="en-IN"/>
+        </a:p>
+      </dgm:t>
+    </dgm:pt>
+    <dgm:pt modelId="{560001B6-A50D-4A3A-AA50-FF951BFD5EF4}" type="pres">
+      <dgm:prSet presAssocID="{04301E78-9D88-413A-9E63-0A418F3FDA7C}" presName="Name0" presStyleCnt="0">
+        <dgm:presLayoutVars>
+          <dgm:dir/>
+          <dgm:resizeHandles val="exact"/>
+        </dgm:presLayoutVars>
+      </dgm:prSet>
+      <dgm:spPr/>
+    </dgm:pt>
+    <dgm:pt modelId="{8D39F71D-70C2-41F3-A074-201A632FF019}" type="pres">
+      <dgm:prSet presAssocID="{6F26262C-3B11-4EDD-BFCC-705D34CB650C}" presName="node" presStyleLbl="node1" presStyleIdx="0" presStyleCnt="5" custScaleY="180266">
+        <dgm:presLayoutVars>
+          <dgm:bulletEnabled val="1"/>
+        </dgm:presLayoutVars>
+      </dgm:prSet>
+      <dgm:spPr/>
+    </dgm:pt>
+    <dgm:pt modelId="{83CD4C3B-2D52-477D-9FAC-7CFCB8C2668B}" type="pres">
+      <dgm:prSet presAssocID="{2541A299-355D-49FF-AD8B-084A413CE0BF}" presName="sibTrans" presStyleLbl="sibTrans2D1" presStyleIdx="0" presStyleCnt="4"/>
+      <dgm:spPr/>
+    </dgm:pt>
+    <dgm:pt modelId="{3CF2DAC5-BA81-4814-83B5-845CB653E40B}" type="pres">
+      <dgm:prSet presAssocID="{2541A299-355D-49FF-AD8B-084A413CE0BF}" presName="connectorText" presStyleLbl="sibTrans2D1" presStyleIdx="0" presStyleCnt="4"/>
+      <dgm:spPr/>
+    </dgm:pt>
+    <dgm:pt modelId="{93639E22-A88A-4BC9-99C1-36A9D9F960B5}" type="pres">
+      <dgm:prSet presAssocID="{83CD00CD-F99C-470C-AD53-83777B118B9B}" presName="node" presStyleLbl="node1" presStyleIdx="1" presStyleCnt="5" custScaleY="180266">
+        <dgm:presLayoutVars>
+          <dgm:bulletEnabled val="1"/>
+        </dgm:presLayoutVars>
+      </dgm:prSet>
+      <dgm:spPr/>
+    </dgm:pt>
+    <dgm:pt modelId="{AFB16C15-36BC-49F3-9E0C-816E5F0E95D1}" type="pres">
+      <dgm:prSet presAssocID="{6A6E6F89-5CB2-454D-B7F4-D68C21911F5D}" presName="sibTrans" presStyleLbl="sibTrans2D1" presStyleIdx="1" presStyleCnt="4"/>
+      <dgm:spPr/>
+    </dgm:pt>
+    <dgm:pt modelId="{0AC887F7-930C-42DF-A944-240B85E73FB5}" type="pres">
+      <dgm:prSet presAssocID="{6A6E6F89-5CB2-454D-B7F4-D68C21911F5D}" presName="connectorText" presStyleLbl="sibTrans2D1" presStyleIdx="1" presStyleCnt="4"/>
+      <dgm:spPr/>
+    </dgm:pt>
+    <dgm:pt modelId="{8B400A85-D0D8-45AE-A4C2-F6D3E2AACFB4}" type="pres">
+      <dgm:prSet presAssocID="{5B40DB01-3F1B-4CCC-B8FF-5C01B04A0C77}" presName="node" presStyleLbl="node1" presStyleIdx="2" presStyleCnt="5" custScaleY="180266">
+        <dgm:presLayoutVars>
+          <dgm:bulletEnabled val="1"/>
+        </dgm:presLayoutVars>
+      </dgm:prSet>
+      <dgm:spPr/>
+    </dgm:pt>
+    <dgm:pt modelId="{01E5DCC6-093E-4096-8DC3-325AF9829412}" type="pres">
+      <dgm:prSet presAssocID="{26036FA2-FE3E-42B9-85B5-F5BEF970CF10}" presName="sibTrans" presStyleLbl="sibTrans2D1" presStyleIdx="2" presStyleCnt="4"/>
+      <dgm:spPr/>
+    </dgm:pt>
+    <dgm:pt modelId="{EE1C2EC5-B11E-483D-A935-73350507AEDA}" type="pres">
+      <dgm:prSet presAssocID="{26036FA2-FE3E-42B9-85B5-F5BEF970CF10}" presName="connectorText" presStyleLbl="sibTrans2D1" presStyleIdx="2" presStyleCnt="4"/>
+      <dgm:spPr/>
+    </dgm:pt>
+    <dgm:pt modelId="{FBD43B6F-9D2F-48C8-BB26-D5ECE430BEA5}" type="pres">
+      <dgm:prSet presAssocID="{203CDC8F-B6D4-4DB1-9981-A5D1ECC22911}" presName="node" presStyleLbl="node1" presStyleIdx="3" presStyleCnt="5" custScaleY="180266">
+        <dgm:presLayoutVars>
+          <dgm:bulletEnabled val="1"/>
+        </dgm:presLayoutVars>
+      </dgm:prSet>
+      <dgm:spPr/>
+    </dgm:pt>
+    <dgm:pt modelId="{8D308BC2-5FCD-4B99-B4A5-FD989C4E5ABA}" type="pres">
+      <dgm:prSet presAssocID="{3FBA3F25-A64B-4BE8-AF43-9A6C6E9DA7FB}" presName="sibTrans" presStyleLbl="sibTrans2D1" presStyleIdx="3" presStyleCnt="4"/>
+      <dgm:spPr/>
+    </dgm:pt>
+    <dgm:pt modelId="{4A859896-CA5F-4BB7-96C3-521D19554421}" type="pres">
+      <dgm:prSet presAssocID="{3FBA3F25-A64B-4BE8-AF43-9A6C6E9DA7FB}" presName="connectorText" presStyleLbl="sibTrans2D1" presStyleIdx="3" presStyleCnt="4"/>
+      <dgm:spPr/>
+    </dgm:pt>
+    <dgm:pt modelId="{EB418920-7118-46EB-B44E-DEF18D07DB66}" type="pres">
+      <dgm:prSet presAssocID="{D2E7E420-AB7B-4ED9-B455-AA5366CB0930}" presName="node" presStyleLbl="node1" presStyleIdx="4" presStyleCnt="5" custScaleY="180266">
+        <dgm:presLayoutVars>
+          <dgm:bulletEnabled val="1"/>
+        </dgm:presLayoutVars>
+      </dgm:prSet>
+      <dgm:spPr/>
+    </dgm:pt>
+  </dgm:ptLst>
+  <dgm:cxnLst>
+    <dgm:cxn modelId="{A5488D0F-A048-4608-9792-01F7D1BB7D73}" type="presOf" srcId="{6A6E6F89-5CB2-454D-B7F4-D68C21911F5D}" destId="{AFB16C15-36BC-49F3-9E0C-816E5F0E95D1}" srcOrd="0" destOrd="0" presId="urn:microsoft.com/office/officeart/2005/8/layout/process1"/>
+    <dgm:cxn modelId="{38130618-48F1-4497-8503-5E64372E030B}" srcId="{04301E78-9D88-413A-9E63-0A418F3FDA7C}" destId="{D2E7E420-AB7B-4ED9-B455-AA5366CB0930}" srcOrd="4" destOrd="0" parTransId="{ADD2B275-D655-4BE8-B3EC-DA38CDF19005}" sibTransId="{1D670FC0-F9D8-4AE5-AA0F-3F5E34DBA1A1}"/>
+    <dgm:cxn modelId="{546F151D-039B-4B45-99CB-E719D2A7C82B}" type="presOf" srcId="{D2E7E420-AB7B-4ED9-B455-AA5366CB0930}" destId="{EB418920-7118-46EB-B44E-DEF18D07DB66}" srcOrd="0" destOrd="0" presId="urn:microsoft.com/office/officeart/2005/8/layout/process1"/>
+    <dgm:cxn modelId="{CAB28C2A-669C-4C33-8A32-88A503254F7E}" type="presOf" srcId="{3FBA3F25-A64B-4BE8-AF43-9A6C6E9DA7FB}" destId="{4A859896-CA5F-4BB7-96C3-521D19554421}" srcOrd="1" destOrd="0" presId="urn:microsoft.com/office/officeart/2005/8/layout/process1"/>
+    <dgm:cxn modelId="{581B9D2A-DA46-42D9-BF89-6EAABA1FC29F}" type="presOf" srcId="{04301E78-9D88-413A-9E63-0A418F3FDA7C}" destId="{560001B6-A50D-4A3A-AA50-FF951BFD5EF4}" srcOrd="0" destOrd="0" presId="urn:microsoft.com/office/officeart/2005/8/layout/process1"/>
+    <dgm:cxn modelId="{5B206A2B-C787-4B96-BF09-FAD783D5ABE9}" srcId="{04301E78-9D88-413A-9E63-0A418F3FDA7C}" destId="{6F26262C-3B11-4EDD-BFCC-705D34CB650C}" srcOrd="0" destOrd="0" parTransId="{EEE759E7-F891-42E1-B177-3816F8C4ED44}" sibTransId="{2541A299-355D-49FF-AD8B-084A413CE0BF}"/>
+    <dgm:cxn modelId="{57F1E732-6005-4032-9065-06702D628DFF}" type="presOf" srcId="{203CDC8F-B6D4-4DB1-9981-A5D1ECC22911}" destId="{FBD43B6F-9D2F-48C8-BB26-D5ECE430BEA5}" srcOrd="0" destOrd="0" presId="urn:microsoft.com/office/officeart/2005/8/layout/process1"/>
+    <dgm:cxn modelId="{A7C58D46-45A9-46C1-A69F-278BAB62C105}" type="presOf" srcId="{26036FA2-FE3E-42B9-85B5-F5BEF970CF10}" destId="{EE1C2EC5-B11E-483D-A935-73350507AEDA}" srcOrd="1" destOrd="0" presId="urn:microsoft.com/office/officeart/2005/8/layout/process1"/>
+    <dgm:cxn modelId="{6E6FAD6A-F2CE-452D-AF7D-41F0863FA517}" type="presOf" srcId="{2541A299-355D-49FF-AD8B-084A413CE0BF}" destId="{3CF2DAC5-BA81-4814-83B5-845CB653E40B}" srcOrd="1" destOrd="0" presId="urn:microsoft.com/office/officeart/2005/8/layout/process1"/>
+    <dgm:cxn modelId="{D7A58E50-9433-4DD7-8E50-E486156ECBB9}" type="presOf" srcId="{83CD00CD-F99C-470C-AD53-83777B118B9B}" destId="{93639E22-A88A-4BC9-99C1-36A9D9F960B5}" srcOrd="0" destOrd="0" presId="urn:microsoft.com/office/officeart/2005/8/layout/process1"/>
+    <dgm:cxn modelId="{B3BB3155-7A6F-429A-B5E0-D2F8E5217356}" type="presOf" srcId="{2541A299-355D-49FF-AD8B-084A413CE0BF}" destId="{83CD4C3B-2D52-477D-9FAC-7CFCB8C2668B}" srcOrd="0" destOrd="0" presId="urn:microsoft.com/office/officeart/2005/8/layout/process1"/>
+    <dgm:cxn modelId="{3BA6B986-DBE6-47AD-835E-682142B38BC7}" srcId="{04301E78-9D88-413A-9E63-0A418F3FDA7C}" destId="{83CD00CD-F99C-470C-AD53-83777B118B9B}" srcOrd="1" destOrd="0" parTransId="{7A79AEBE-57A7-4F74-B2AE-A24EC1B2FE09}" sibTransId="{6A6E6F89-5CB2-454D-B7F4-D68C21911F5D}"/>
+    <dgm:cxn modelId="{0973E288-0612-4A63-8253-EB9A55A0E57C}" type="presOf" srcId="{6F26262C-3B11-4EDD-BFCC-705D34CB650C}" destId="{8D39F71D-70C2-41F3-A074-201A632FF019}" srcOrd="0" destOrd="0" presId="urn:microsoft.com/office/officeart/2005/8/layout/process1"/>
+    <dgm:cxn modelId="{53391599-E3C0-4BD8-A1DC-59C1C884B0CD}" type="presOf" srcId="{3FBA3F25-A64B-4BE8-AF43-9A6C6E9DA7FB}" destId="{8D308BC2-5FCD-4B99-B4A5-FD989C4E5ABA}" srcOrd="0" destOrd="0" presId="urn:microsoft.com/office/officeart/2005/8/layout/process1"/>
+    <dgm:cxn modelId="{5859D19E-FCCB-4582-AEBC-0FF45D222571}" srcId="{04301E78-9D88-413A-9E63-0A418F3FDA7C}" destId="{5B40DB01-3F1B-4CCC-B8FF-5C01B04A0C77}" srcOrd="2" destOrd="0" parTransId="{4B777E40-1FAE-439A-A7F2-484A8478193B}" sibTransId="{26036FA2-FE3E-42B9-85B5-F5BEF970CF10}"/>
+    <dgm:cxn modelId="{1F33B4C5-FD13-4F5C-97B5-4923121F871E}" type="presOf" srcId="{5B40DB01-3F1B-4CCC-B8FF-5C01B04A0C77}" destId="{8B400A85-D0D8-45AE-A4C2-F6D3E2AACFB4}" srcOrd="0" destOrd="0" presId="urn:microsoft.com/office/officeart/2005/8/layout/process1"/>
+    <dgm:cxn modelId="{CC92CFCC-CEBC-4AA9-A665-6D6FA6CEA9E8}" type="presOf" srcId="{26036FA2-FE3E-42B9-85B5-F5BEF970CF10}" destId="{01E5DCC6-093E-4096-8DC3-325AF9829412}" srcOrd="0" destOrd="0" presId="urn:microsoft.com/office/officeart/2005/8/layout/process1"/>
+    <dgm:cxn modelId="{66A325DC-7041-4545-B758-14AFCA07D770}" type="presOf" srcId="{6A6E6F89-5CB2-454D-B7F4-D68C21911F5D}" destId="{0AC887F7-930C-42DF-A944-240B85E73FB5}" srcOrd="1" destOrd="0" presId="urn:microsoft.com/office/officeart/2005/8/layout/process1"/>
+    <dgm:cxn modelId="{F40994E2-FD9C-45BF-8D09-F7337FC8CAC6}" srcId="{04301E78-9D88-413A-9E63-0A418F3FDA7C}" destId="{203CDC8F-B6D4-4DB1-9981-A5D1ECC22911}" srcOrd="3" destOrd="0" parTransId="{3CD7475B-37B4-404B-81E9-A1C64CF0F584}" sibTransId="{3FBA3F25-A64B-4BE8-AF43-9A6C6E9DA7FB}"/>
+    <dgm:cxn modelId="{B5F8E576-F335-40EC-85BF-A02069FCF3A5}" type="presParOf" srcId="{560001B6-A50D-4A3A-AA50-FF951BFD5EF4}" destId="{8D39F71D-70C2-41F3-A074-201A632FF019}" srcOrd="0" destOrd="0" presId="urn:microsoft.com/office/officeart/2005/8/layout/process1"/>
+    <dgm:cxn modelId="{B81F951C-1A63-4D43-971A-3BB384DB7C14}" type="presParOf" srcId="{560001B6-A50D-4A3A-AA50-FF951BFD5EF4}" destId="{83CD4C3B-2D52-477D-9FAC-7CFCB8C2668B}" srcOrd="1" destOrd="0" presId="urn:microsoft.com/office/officeart/2005/8/layout/process1"/>
+    <dgm:cxn modelId="{AD815AE1-8599-497C-9878-FDD510598445}" type="presParOf" srcId="{83CD4C3B-2D52-477D-9FAC-7CFCB8C2668B}" destId="{3CF2DAC5-BA81-4814-83B5-845CB653E40B}" srcOrd="0" destOrd="0" presId="urn:microsoft.com/office/officeart/2005/8/layout/process1"/>
+    <dgm:cxn modelId="{679954FD-491A-4726-9EE8-447A11B756F8}" type="presParOf" srcId="{560001B6-A50D-4A3A-AA50-FF951BFD5EF4}" destId="{93639E22-A88A-4BC9-99C1-36A9D9F960B5}" srcOrd="2" destOrd="0" presId="urn:microsoft.com/office/officeart/2005/8/layout/process1"/>
+    <dgm:cxn modelId="{205CB566-1DF0-486C-B1D0-D8FE34885185}" type="presParOf" srcId="{560001B6-A50D-4A3A-AA50-FF951BFD5EF4}" destId="{AFB16C15-36BC-49F3-9E0C-816E5F0E95D1}" srcOrd="3" destOrd="0" presId="urn:microsoft.com/office/officeart/2005/8/layout/process1"/>
+    <dgm:cxn modelId="{70BB78A2-2944-429E-8AE9-00DF2E69843B}" type="presParOf" srcId="{AFB16C15-36BC-49F3-9E0C-816E5F0E95D1}" destId="{0AC887F7-930C-42DF-A944-240B85E73FB5}" srcOrd="0" destOrd="0" presId="urn:microsoft.com/office/officeart/2005/8/layout/process1"/>
+    <dgm:cxn modelId="{3553C1B7-4212-46F4-BCF5-76CEA05870F6}" type="presParOf" srcId="{560001B6-A50D-4A3A-AA50-FF951BFD5EF4}" destId="{8B400A85-D0D8-45AE-A4C2-F6D3E2AACFB4}" srcOrd="4" destOrd="0" presId="urn:microsoft.com/office/officeart/2005/8/layout/process1"/>
+    <dgm:cxn modelId="{DDFFEC55-98D0-4185-B470-E4619F62B035}" type="presParOf" srcId="{560001B6-A50D-4A3A-AA50-FF951BFD5EF4}" destId="{01E5DCC6-093E-4096-8DC3-325AF9829412}" srcOrd="5" destOrd="0" presId="urn:microsoft.com/office/officeart/2005/8/layout/process1"/>
+    <dgm:cxn modelId="{CABEDE99-1231-4E46-A8A6-25B1F7FCAD14}" type="presParOf" srcId="{01E5DCC6-093E-4096-8DC3-325AF9829412}" destId="{EE1C2EC5-B11E-483D-A935-73350507AEDA}" srcOrd="0" destOrd="0" presId="urn:microsoft.com/office/officeart/2005/8/layout/process1"/>
+    <dgm:cxn modelId="{BD172C57-10DC-47BB-827F-2B4EA380DB46}" type="presParOf" srcId="{560001B6-A50D-4A3A-AA50-FF951BFD5EF4}" destId="{FBD43B6F-9D2F-48C8-BB26-D5ECE430BEA5}" srcOrd="6" destOrd="0" presId="urn:microsoft.com/office/officeart/2005/8/layout/process1"/>
+    <dgm:cxn modelId="{C5E9E193-1C1B-4696-BDE6-91362A7CBD9F}" type="presParOf" srcId="{560001B6-A50D-4A3A-AA50-FF951BFD5EF4}" destId="{8D308BC2-5FCD-4B99-B4A5-FD989C4E5ABA}" srcOrd="7" destOrd="0" presId="urn:microsoft.com/office/officeart/2005/8/layout/process1"/>
+    <dgm:cxn modelId="{A2A5ACB8-7C04-480E-90C6-C4C016F05CE2}" type="presParOf" srcId="{8D308BC2-5FCD-4B99-B4A5-FD989C4E5ABA}" destId="{4A859896-CA5F-4BB7-96C3-521D19554421}" srcOrd="0" destOrd="0" presId="urn:microsoft.com/office/officeart/2005/8/layout/process1"/>
+    <dgm:cxn modelId="{EE8E1249-0CF4-4BFB-B770-02BB04D6B87D}" type="presParOf" srcId="{560001B6-A50D-4A3A-AA50-FF951BFD5EF4}" destId="{EB418920-7118-46EB-B44E-DEF18D07DB66}" srcOrd="8" destOrd="0" presId="urn:microsoft.com/office/officeart/2005/8/layout/process1"/>
+  </dgm:cxnLst>
+  <dgm:bg/>
+  <dgm:whole/>
+  <dgm:extLst>
+    <a:ext uri="http://schemas.microsoft.com/office/drawing/2008/diagram">
+      <dsp:dataModelExt xmlns:dsp="http://schemas.microsoft.com/office/drawing/2008/diagram" relId="rId6" minVer="http://schemas.openxmlformats.org/drawingml/2006/diagram"/>
+    </a:ext>
+  </dgm:extLst>
+</dgm:dataModel>
+</file>
+
+<file path=ppt/diagrams/data2.xml><?xml version="1.0" encoding="utf-8"?>
 <dgm:dataModel xmlns:dgm="http://schemas.openxmlformats.org/drawingml/2006/diagram" xmlns:a="http://schemas.openxmlformats.org/drawingml/2006/main">
   <dgm:ptLst>
     <dgm:pt modelId="{65B37088-E418-43C8-9A39-16EC65816C28}" type="doc">
@@ -3928,7 +4333,7 @@
 </dgm:dataModel>
 </file>
 
-<file path=ppt/diagrams/data2.xml><?xml version="1.0" encoding="utf-8"?>
+<file path=ppt/diagrams/data3.xml><?xml version="1.0" encoding="utf-8"?>
 <dgm:dataModel xmlns:dgm="http://schemas.openxmlformats.org/drawingml/2006/diagram" xmlns:a="http://schemas.openxmlformats.org/drawingml/2006/main">
   <dgm:ptLst>
     <dgm:pt modelId="{65B37088-E418-43C8-9A39-16EC65816C28}" type="doc">
@@ -4695,412 +5100,696 @@
 </dgm:dataModel>
 </file>
 
-<file path=ppt/diagrams/data3.xml><?xml version="1.0" encoding="utf-8"?>
-<dgm:dataModel xmlns:dgm="http://schemas.openxmlformats.org/drawingml/2006/diagram" xmlns:a="http://schemas.openxmlformats.org/drawingml/2006/main">
-  <dgm:ptLst>
-    <dgm:pt modelId="{04301E78-9D88-413A-9E63-0A418F3FDA7C}" type="doc">
-      <dgm:prSet loTypeId="urn:microsoft.com/office/officeart/2005/8/layout/process1" loCatId="process" qsTypeId="urn:microsoft.com/office/officeart/2005/8/quickstyle/simple1" qsCatId="simple" csTypeId="urn:microsoft.com/office/officeart/2005/8/colors/accent3_2" csCatId="accent3" phldr="1"/>
-      <dgm:spPr/>
-    </dgm:pt>
-    <dgm:pt modelId="{6F26262C-3B11-4EDD-BFCC-705D34CB650C}">
-      <dgm:prSet phldrT="[Text]" custT="1"/>
-      <dgm:spPr>
+<file path=ppt/diagrams/drawing1.xml><?xml version="1.0" encoding="utf-8"?>
+<dsp:drawing xmlns:dgm="http://schemas.openxmlformats.org/drawingml/2006/diagram" xmlns:dsp="http://schemas.microsoft.com/office/drawing/2008/diagram" xmlns:a="http://schemas.openxmlformats.org/drawingml/2006/main">
+  <dsp:spTree>
+    <dsp:nvGrpSpPr>
+      <dsp:cNvPr id="0" name=""/>
+      <dsp:cNvGrpSpPr/>
+    </dsp:nvGrpSpPr>
+    <dsp:grpSpPr/>
+    <dsp:sp modelId="{8D39F71D-70C2-41F3-A074-201A632FF019}">
+      <dsp:nvSpPr>
+        <dsp:cNvPr id="0" name=""/>
+        <dsp:cNvSpPr/>
+      </dsp:nvSpPr>
+      <dsp:spPr>
+        <a:xfrm>
+          <a:off x="10264" y="743335"/>
+          <a:ext cx="1590162" cy="2864667"/>
+        </a:xfrm>
+        <a:prstGeom prst="roundRect">
+          <a:avLst>
+            <a:gd name="adj" fmla="val 10000"/>
+          </a:avLst>
+        </a:prstGeom>
         <a:solidFill>
           <a:schemeClr val="bg2">
             <a:lumMod val="10000"/>
           </a:schemeClr>
         </a:solidFill>
-        <a:ln>
+        <a:ln w="12700" cap="flat" cmpd="sng" algn="ctr">
           <a:solidFill>
             <a:schemeClr val="tx1"/>
           </a:solidFill>
+          <a:prstDash val="solid"/>
+          <a:miter lim="800000"/>
         </a:ln>
-      </dgm:spPr>
-      <dgm:t>
-        <a:bodyPr/>
+        <a:effectLst/>
+      </dsp:spPr>
+      <dsp:style>
+        <a:lnRef idx="2">
+          <a:scrgbClr r="0" g="0" b="0"/>
+        </a:lnRef>
+        <a:fillRef idx="1">
+          <a:scrgbClr r="0" g="0" b="0"/>
+        </a:fillRef>
+        <a:effectRef idx="0">
+          <a:scrgbClr r="0" g="0" b="0"/>
+        </a:effectRef>
+        <a:fontRef idx="minor">
+          <a:schemeClr val="lt1"/>
+        </a:fontRef>
+      </dsp:style>
+      <dsp:txBody>
+        <a:bodyPr spcFirstLastPara="0" vert="horz" wrap="square" lIns="106680" tIns="106680" rIns="106680" bIns="106680" numCol="1" spcCol="1270" anchor="ctr" anchorCtr="0">
+          <a:noAutofit/>
+        </a:bodyPr>
         <a:lstStyle/>
         <a:p>
+          <a:pPr marL="0" lvl="0" indent="0" algn="ctr" defTabSz="1244600">
+            <a:lnSpc>
+              <a:spcPct val="90000"/>
+            </a:lnSpc>
+            <a:spcBef>
+              <a:spcPct val="0"/>
+            </a:spcBef>
+            <a:spcAft>
+              <a:spcPct val="35000"/>
+            </a:spcAft>
+            <a:buNone/>
+          </a:pPr>
           <a:r>
-            <a:rPr lang="en-IN" sz="2800" dirty="0">
+            <a:rPr lang="en-IN" sz="2800" kern="1200" dirty="0">
               <a:latin typeface="Frank Ruhl Libre" panose="00000500000000000000" pitchFamily="2" charset="-79"/>
               <a:cs typeface="Frank Ruhl Libre" panose="00000500000000000000" pitchFamily="2" charset="-79"/>
             </a:rPr>
             <a:t>Raw Tiff Images</a:t>
           </a:r>
         </a:p>
-      </dgm:t>
-    </dgm:pt>
-    <dgm:pt modelId="{EEE759E7-F891-42E1-B177-3816F8C4ED44}" type="parTrans" cxnId="{5B206A2B-C787-4B96-BF09-FAD783D5ABE9}">
-      <dgm:prSet/>
-      <dgm:spPr/>
-      <dgm:t>
-        <a:bodyPr/>
+      </dsp:txBody>
+      <dsp:txXfrm>
+        <a:off x="56838" y="789909"/>
+        <a:ext cx="1497014" cy="2771519"/>
+      </dsp:txXfrm>
+    </dsp:sp>
+    <dsp:sp modelId="{83CD4C3B-2D52-477D-9FAC-7CFCB8C2668B}">
+      <dsp:nvSpPr>
+        <dsp:cNvPr id="0" name=""/>
+        <dsp:cNvSpPr/>
+      </dsp:nvSpPr>
+      <dsp:spPr>
+        <a:xfrm>
+          <a:off x="1759442" y="1978488"/>
+          <a:ext cx="337114" cy="394360"/>
+        </a:xfrm>
+        <a:prstGeom prst="rightArrow">
+          <a:avLst>
+            <a:gd name="adj1" fmla="val 60000"/>
+            <a:gd name="adj2" fmla="val 50000"/>
+          </a:avLst>
+        </a:prstGeom>
+        <a:solidFill>
+          <a:schemeClr val="accent3">
+            <a:tint val="60000"/>
+            <a:hueOff val="0"/>
+            <a:satOff val="0"/>
+            <a:lumOff val="0"/>
+            <a:alphaOff val="0"/>
+          </a:schemeClr>
+        </a:solidFill>
+        <a:ln>
+          <a:noFill/>
+        </a:ln>
+        <a:effectLst/>
+      </dsp:spPr>
+      <dsp:style>
+        <a:lnRef idx="0">
+          <a:scrgbClr r="0" g="0" b="0"/>
+        </a:lnRef>
+        <a:fillRef idx="1">
+          <a:scrgbClr r="0" g="0" b="0"/>
+        </a:fillRef>
+        <a:effectRef idx="0">
+          <a:scrgbClr r="0" g="0" b="0"/>
+        </a:effectRef>
+        <a:fontRef idx="minor">
+          <a:schemeClr val="lt1"/>
+        </a:fontRef>
+      </dsp:style>
+      <dsp:txBody>
+        <a:bodyPr spcFirstLastPara="0" vert="horz" wrap="square" lIns="0" tIns="0" rIns="0" bIns="0" numCol="1" spcCol="1270" anchor="ctr" anchorCtr="0">
+          <a:noAutofit/>
+        </a:bodyPr>
         <a:lstStyle/>
         <a:p>
-          <a:endParaRPr lang="en-IN"/>
+          <a:pPr marL="0" lvl="0" indent="0" algn="ctr" defTabSz="711200">
+            <a:lnSpc>
+              <a:spcPct val="90000"/>
+            </a:lnSpc>
+            <a:spcBef>
+              <a:spcPct val="0"/>
+            </a:spcBef>
+            <a:spcAft>
+              <a:spcPct val="35000"/>
+            </a:spcAft>
+            <a:buNone/>
+          </a:pPr>
+          <a:endParaRPr lang="en-IN" sz="1600" kern="1200"/>
         </a:p>
-      </dgm:t>
-    </dgm:pt>
-    <dgm:pt modelId="{2541A299-355D-49FF-AD8B-084A413CE0BF}" type="sibTrans" cxnId="{5B206A2B-C787-4B96-BF09-FAD783D5ABE9}">
-      <dgm:prSet/>
-      <dgm:spPr/>
-      <dgm:t>
-        <a:bodyPr/>
-        <a:lstStyle/>
-        <a:p>
-          <a:endParaRPr lang="en-IN"/>
-        </a:p>
-      </dgm:t>
-    </dgm:pt>
-    <dgm:pt modelId="{83CD00CD-F99C-470C-AD53-83777B118B9B}">
-      <dgm:prSet phldrT="[Text]" custT="1"/>
-      <dgm:spPr>
+      </dsp:txBody>
+      <dsp:txXfrm>
+        <a:off x="1759442" y="2057360"/>
+        <a:ext cx="235980" cy="236616"/>
+      </dsp:txXfrm>
+    </dsp:sp>
+    <dsp:sp modelId="{93639E22-A88A-4BC9-99C1-36A9D9F960B5}">
+      <dsp:nvSpPr>
+        <dsp:cNvPr id="0" name=""/>
+        <dsp:cNvSpPr/>
+      </dsp:nvSpPr>
+      <dsp:spPr>
+        <a:xfrm>
+          <a:off x="2236491" y="743335"/>
+          <a:ext cx="1590162" cy="2864667"/>
+        </a:xfrm>
+        <a:prstGeom prst="roundRect">
+          <a:avLst>
+            <a:gd name="adj" fmla="val 10000"/>
+          </a:avLst>
+        </a:prstGeom>
         <a:solidFill>
           <a:schemeClr val="bg2">
             <a:lumMod val="50000"/>
           </a:schemeClr>
         </a:solidFill>
-        <a:ln>
+        <a:ln w="12700" cap="flat" cmpd="sng" algn="ctr">
           <a:solidFill>
             <a:schemeClr val="tx1"/>
           </a:solidFill>
+          <a:prstDash val="solid"/>
+          <a:miter lim="800000"/>
         </a:ln>
-      </dgm:spPr>
-      <dgm:t>
-        <a:bodyPr/>
+        <a:effectLst/>
+      </dsp:spPr>
+      <dsp:style>
+        <a:lnRef idx="2">
+          <a:scrgbClr r="0" g="0" b="0"/>
+        </a:lnRef>
+        <a:fillRef idx="1">
+          <a:scrgbClr r="0" g="0" b="0"/>
+        </a:fillRef>
+        <a:effectRef idx="0">
+          <a:scrgbClr r="0" g="0" b="0"/>
+        </a:effectRef>
+        <a:fontRef idx="minor">
+          <a:schemeClr val="lt1"/>
+        </a:fontRef>
+      </dsp:style>
+      <dsp:txBody>
+        <a:bodyPr spcFirstLastPara="0" vert="horz" wrap="square" lIns="106680" tIns="106680" rIns="106680" bIns="106680" numCol="1" spcCol="1270" anchor="ctr" anchorCtr="0">
+          <a:noAutofit/>
+        </a:bodyPr>
         <a:lstStyle/>
         <a:p>
+          <a:pPr marL="0" lvl="0" indent="0" algn="ctr" defTabSz="1244600">
+            <a:lnSpc>
+              <a:spcPct val="90000"/>
+            </a:lnSpc>
+            <a:spcBef>
+              <a:spcPct val="0"/>
+            </a:spcBef>
+            <a:spcAft>
+              <a:spcPct val="35000"/>
+            </a:spcAft>
+            <a:buNone/>
+          </a:pPr>
           <a:r>
-            <a:rPr lang="en-IN" sz="2800" dirty="0">
+            <a:rPr lang="en-IN" sz="2800" kern="1200" dirty="0">
               <a:latin typeface="Frank Ruhl Libre" panose="00000500000000000000" pitchFamily="2" charset="-79"/>
               <a:cs typeface="Frank Ruhl Libre" panose="00000500000000000000" pitchFamily="2" charset="-79"/>
             </a:rPr>
             <a:t>Normalisation</a:t>
           </a:r>
-          <a:endParaRPr lang="en-IN" sz="1800" dirty="0">
+          <a:endParaRPr lang="en-IN" sz="1800" kern="1200" dirty="0">
             <a:latin typeface="Frank Ruhl Libre" panose="00000500000000000000" pitchFamily="2" charset="-79"/>
             <a:cs typeface="Frank Ruhl Libre" panose="00000500000000000000" pitchFamily="2" charset="-79"/>
           </a:endParaRPr>
         </a:p>
-      </dgm:t>
-    </dgm:pt>
-    <dgm:pt modelId="{7A79AEBE-57A7-4F74-B2AE-A24EC1B2FE09}" type="parTrans" cxnId="{3BA6B986-DBE6-47AD-835E-682142B38BC7}">
-      <dgm:prSet/>
-      <dgm:spPr/>
-      <dgm:t>
-        <a:bodyPr/>
+      </dsp:txBody>
+      <dsp:txXfrm>
+        <a:off x="2283065" y="789909"/>
+        <a:ext cx="1497014" cy="2771519"/>
+      </dsp:txXfrm>
+    </dsp:sp>
+    <dsp:sp modelId="{AFB16C15-36BC-49F3-9E0C-816E5F0E95D1}">
+      <dsp:nvSpPr>
+        <dsp:cNvPr id="0" name=""/>
+        <dsp:cNvSpPr/>
+      </dsp:nvSpPr>
+      <dsp:spPr>
+        <a:xfrm>
+          <a:off x="3985670" y="1978488"/>
+          <a:ext cx="337114" cy="394360"/>
+        </a:xfrm>
+        <a:prstGeom prst="rightArrow">
+          <a:avLst>
+            <a:gd name="adj1" fmla="val 60000"/>
+            <a:gd name="adj2" fmla="val 50000"/>
+          </a:avLst>
+        </a:prstGeom>
+        <a:solidFill>
+          <a:schemeClr val="accent3">
+            <a:tint val="60000"/>
+            <a:hueOff val="0"/>
+            <a:satOff val="0"/>
+            <a:lumOff val="0"/>
+            <a:alphaOff val="0"/>
+          </a:schemeClr>
+        </a:solidFill>
+        <a:ln>
+          <a:noFill/>
+        </a:ln>
+        <a:effectLst/>
+      </dsp:spPr>
+      <dsp:style>
+        <a:lnRef idx="0">
+          <a:scrgbClr r="0" g="0" b="0"/>
+        </a:lnRef>
+        <a:fillRef idx="1">
+          <a:scrgbClr r="0" g="0" b="0"/>
+        </a:fillRef>
+        <a:effectRef idx="0">
+          <a:scrgbClr r="0" g="0" b="0"/>
+        </a:effectRef>
+        <a:fontRef idx="minor">
+          <a:schemeClr val="lt1"/>
+        </a:fontRef>
+      </dsp:style>
+      <dsp:txBody>
+        <a:bodyPr spcFirstLastPara="0" vert="horz" wrap="square" lIns="0" tIns="0" rIns="0" bIns="0" numCol="1" spcCol="1270" anchor="ctr" anchorCtr="0">
+          <a:noAutofit/>
+        </a:bodyPr>
         <a:lstStyle/>
         <a:p>
-          <a:endParaRPr lang="en-IN"/>
+          <a:pPr marL="0" lvl="0" indent="0" algn="ctr" defTabSz="711200">
+            <a:lnSpc>
+              <a:spcPct val="90000"/>
+            </a:lnSpc>
+            <a:spcBef>
+              <a:spcPct val="0"/>
+            </a:spcBef>
+            <a:spcAft>
+              <a:spcPct val="35000"/>
+            </a:spcAft>
+            <a:buNone/>
+          </a:pPr>
+          <a:endParaRPr lang="en-IN" sz="1600" kern="1200"/>
         </a:p>
-      </dgm:t>
-    </dgm:pt>
-    <dgm:pt modelId="{6A6E6F89-5CB2-454D-B7F4-D68C21911F5D}" type="sibTrans" cxnId="{3BA6B986-DBE6-47AD-835E-682142B38BC7}">
-      <dgm:prSet/>
-      <dgm:spPr/>
-      <dgm:t>
-        <a:bodyPr/>
-        <a:lstStyle/>
-        <a:p>
-          <a:endParaRPr lang="en-IN"/>
-        </a:p>
-      </dgm:t>
-    </dgm:pt>
-    <dgm:pt modelId="{203CDC8F-B6D4-4DB1-9981-A5D1ECC22911}">
-      <dgm:prSet phldrT="[Text]" custT="1"/>
-      <dgm:spPr>
+      </dsp:txBody>
+      <dsp:txXfrm>
+        <a:off x="3985670" y="2057360"/>
+        <a:ext cx="235980" cy="236616"/>
+      </dsp:txXfrm>
+    </dsp:sp>
+    <dsp:sp modelId="{8B400A85-D0D8-45AE-A4C2-F6D3E2AACFB4}">
+      <dsp:nvSpPr>
+        <dsp:cNvPr id="0" name=""/>
+        <dsp:cNvSpPr/>
+      </dsp:nvSpPr>
+      <dsp:spPr>
+        <a:xfrm>
+          <a:off x="4462718" y="743335"/>
+          <a:ext cx="1590162" cy="2864667"/>
+        </a:xfrm>
+        <a:prstGeom prst="roundRect">
+          <a:avLst>
+            <a:gd name="adj" fmla="val 10000"/>
+          </a:avLst>
+        </a:prstGeom>
         <a:solidFill>
           <a:schemeClr val="bg2">
             <a:lumMod val="50000"/>
           </a:schemeClr>
         </a:solidFill>
-        <a:ln>
+        <a:ln w="12700" cap="flat" cmpd="sng" algn="ctr">
           <a:solidFill>
             <a:schemeClr val="tx1"/>
           </a:solidFill>
+          <a:prstDash val="solid"/>
+          <a:miter lim="800000"/>
         </a:ln>
-      </dgm:spPr>
-      <dgm:t>
-        <a:bodyPr/>
+        <a:effectLst/>
+      </dsp:spPr>
+      <dsp:style>
+        <a:lnRef idx="2">
+          <a:scrgbClr r="0" g="0" b="0"/>
+        </a:lnRef>
+        <a:fillRef idx="1">
+          <a:scrgbClr r="0" g="0" b="0"/>
+        </a:fillRef>
+        <a:effectRef idx="0">
+          <a:scrgbClr r="0" g="0" b="0"/>
+        </a:effectRef>
+        <a:fontRef idx="minor">
+          <a:schemeClr val="lt1"/>
+        </a:fontRef>
+      </dsp:style>
+      <dsp:txBody>
+        <a:bodyPr spcFirstLastPara="0" vert="horz" wrap="square" lIns="91440" tIns="91440" rIns="91440" bIns="91440" numCol="1" spcCol="1270" anchor="ctr" anchorCtr="0">
+          <a:noAutofit/>
+        </a:bodyPr>
         <a:lstStyle/>
         <a:p>
+          <a:pPr marL="0" lvl="0" indent="0" algn="ctr" defTabSz="1066800">
+            <a:lnSpc>
+              <a:spcPct val="90000"/>
+            </a:lnSpc>
+            <a:spcBef>
+              <a:spcPct val="0"/>
+            </a:spcBef>
+            <a:spcAft>
+              <a:spcPct val="35000"/>
+            </a:spcAft>
+            <a:buNone/>
+          </a:pPr>
           <a:r>
-            <a:rPr lang="en-IN" sz="1800" dirty="0">
+            <a:rPr lang="en-IN" sz="2400" kern="1200" dirty="0">
+              <a:latin typeface="Frank Ruhl Libre" panose="00000500000000000000" pitchFamily="2" charset="-79"/>
+              <a:cs typeface="Frank Ruhl Libre" panose="00000500000000000000" pitchFamily="2" charset="-79"/>
+            </a:rPr>
+            <a:t>Resizing</a:t>
+          </a:r>
+          <a:endParaRPr lang="en-IN" sz="1800" kern="1200" dirty="0">
+            <a:latin typeface="Frank Ruhl Libre" panose="00000500000000000000" pitchFamily="2" charset="-79"/>
+            <a:cs typeface="Frank Ruhl Libre" panose="00000500000000000000" pitchFamily="2" charset="-79"/>
+          </a:endParaRPr>
+        </a:p>
+      </dsp:txBody>
+      <dsp:txXfrm>
+        <a:off x="4509292" y="789909"/>
+        <a:ext cx="1497014" cy="2771519"/>
+      </dsp:txXfrm>
+    </dsp:sp>
+    <dsp:sp modelId="{01E5DCC6-093E-4096-8DC3-325AF9829412}">
+      <dsp:nvSpPr>
+        <dsp:cNvPr id="0" name=""/>
+        <dsp:cNvSpPr/>
+      </dsp:nvSpPr>
+      <dsp:spPr>
+        <a:xfrm>
+          <a:off x="6211897" y="1978488"/>
+          <a:ext cx="337114" cy="394360"/>
+        </a:xfrm>
+        <a:prstGeom prst="rightArrow">
+          <a:avLst>
+            <a:gd name="adj1" fmla="val 60000"/>
+            <a:gd name="adj2" fmla="val 50000"/>
+          </a:avLst>
+        </a:prstGeom>
+        <a:solidFill>
+          <a:schemeClr val="accent3">
+            <a:tint val="60000"/>
+            <a:hueOff val="0"/>
+            <a:satOff val="0"/>
+            <a:lumOff val="0"/>
+            <a:alphaOff val="0"/>
+          </a:schemeClr>
+        </a:solidFill>
+        <a:ln>
+          <a:noFill/>
+        </a:ln>
+        <a:effectLst/>
+      </dsp:spPr>
+      <dsp:style>
+        <a:lnRef idx="0">
+          <a:scrgbClr r="0" g="0" b="0"/>
+        </a:lnRef>
+        <a:fillRef idx="1">
+          <a:scrgbClr r="0" g="0" b="0"/>
+        </a:fillRef>
+        <a:effectRef idx="0">
+          <a:scrgbClr r="0" g="0" b="0"/>
+        </a:effectRef>
+        <a:fontRef idx="minor">
+          <a:schemeClr val="lt1"/>
+        </a:fontRef>
+      </dsp:style>
+      <dsp:txBody>
+        <a:bodyPr spcFirstLastPara="0" vert="horz" wrap="square" lIns="0" tIns="0" rIns="0" bIns="0" numCol="1" spcCol="1270" anchor="ctr" anchorCtr="0">
+          <a:noAutofit/>
+        </a:bodyPr>
+        <a:lstStyle/>
+        <a:p>
+          <a:pPr marL="0" lvl="0" indent="0" algn="ctr" defTabSz="711200">
+            <a:lnSpc>
+              <a:spcPct val="90000"/>
+            </a:lnSpc>
+            <a:spcBef>
+              <a:spcPct val="0"/>
+            </a:spcBef>
+            <a:spcAft>
+              <a:spcPct val="35000"/>
+            </a:spcAft>
+            <a:buNone/>
+          </a:pPr>
+          <a:endParaRPr lang="en-IN" sz="1600" kern="1200"/>
+        </a:p>
+      </dsp:txBody>
+      <dsp:txXfrm>
+        <a:off x="6211897" y="2057360"/>
+        <a:ext cx="235980" cy="236616"/>
+      </dsp:txXfrm>
+    </dsp:sp>
+    <dsp:sp modelId="{FBD43B6F-9D2F-48C8-BB26-D5ECE430BEA5}">
+      <dsp:nvSpPr>
+        <dsp:cNvPr id="0" name=""/>
+        <dsp:cNvSpPr/>
+      </dsp:nvSpPr>
+      <dsp:spPr>
+        <a:xfrm>
+          <a:off x="6688946" y="743335"/>
+          <a:ext cx="1590162" cy="2864667"/>
+        </a:xfrm>
+        <a:prstGeom prst="roundRect">
+          <a:avLst>
+            <a:gd name="adj" fmla="val 10000"/>
+          </a:avLst>
+        </a:prstGeom>
+        <a:solidFill>
+          <a:schemeClr val="bg2">
+            <a:lumMod val="50000"/>
+          </a:schemeClr>
+        </a:solidFill>
+        <a:ln w="12700" cap="flat" cmpd="sng" algn="ctr">
+          <a:solidFill>
+            <a:schemeClr val="tx1"/>
+          </a:solidFill>
+          <a:prstDash val="solid"/>
+          <a:miter lim="800000"/>
+        </a:ln>
+        <a:effectLst/>
+      </dsp:spPr>
+      <dsp:style>
+        <a:lnRef idx="2">
+          <a:scrgbClr r="0" g="0" b="0"/>
+        </a:lnRef>
+        <a:fillRef idx="1">
+          <a:scrgbClr r="0" g="0" b="0"/>
+        </a:fillRef>
+        <a:effectRef idx="0">
+          <a:scrgbClr r="0" g="0" b="0"/>
+        </a:effectRef>
+        <a:fontRef idx="minor">
+          <a:schemeClr val="lt1"/>
+        </a:fontRef>
+      </dsp:style>
+      <dsp:txBody>
+        <a:bodyPr spcFirstLastPara="0" vert="horz" wrap="square" lIns="68580" tIns="68580" rIns="68580" bIns="68580" numCol="1" spcCol="1270" anchor="ctr" anchorCtr="0">
+          <a:noAutofit/>
+        </a:bodyPr>
+        <a:lstStyle/>
+        <a:p>
+          <a:pPr marL="0" lvl="0" indent="0" algn="ctr" defTabSz="800100">
+            <a:lnSpc>
+              <a:spcPct val="90000"/>
+            </a:lnSpc>
+            <a:spcBef>
+              <a:spcPct val="0"/>
+            </a:spcBef>
+            <a:spcAft>
+              <a:spcPct val="35000"/>
+            </a:spcAft>
+            <a:buNone/>
+          </a:pPr>
+          <a:r>
+            <a:rPr lang="en-IN" sz="1800" kern="1200" dirty="0">
               <a:latin typeface="Frank Ruhl Libre" panose="00000500000000000000" pitchFamily="2" charset="-79"/>
               <a:cs typeface="Frank Ruhl Libre" panose="00000500000000000000" pitchFamily="2" charset="-79"/>
             </a:rPr>
             <a:t>Expansion of dimensions from 3D array to 2D array</a:t>
           </a:r>
         </a:p>
-      </dgm:t>
-    </dgm:pt>
-    <dgm:pt modelId="{3CD7475B-37B4-404B-81E9-A1C64CF0F584}" type="parTrans" cxnId="{F40994E2-FD9C-45BF-8D09-F7337FC8CAC6}">
-      <dgm:prSet/>
-      <dgm:spPr/>
-      <dgm:t>
-        <a:bodyPr/>
-        <a:lstStyle/>
-        <a:p>
-          <a:endParaRPr lang="en-IN"/>
-        </a:p>
-      </dgm:t>
-    </dgm:pt>
-    <dgm:pt modelId="{3FBA3F25-A64B-4BE8-AF43-9A6C6E9DA7FB}" type="sibTrans" cxnId="{F40994E2-FD9C-45BF-8D09-F7337FC8CAC6}">
-      <dgm:prSet/>
-      <dgm:spPr/>
-      <dgm:t>
-        <a:bodyPr/>
-        <a:lstStyle/>
-        <a:p>
-          <a:endParaRPr lang="en-IN"/>
-        </a:p>
-      </dgm:t>
-    </dgm:pt>
-    <dgm:pt modelId="{5B40DB01-3F1B-4CCC-B8FF-5C01B04A0C77}">
-      <dgm:prSet phldrT="[Text]" custT="1"/>
-      <dgm:spPr>
+      </dsp:txBody>
+      <dsp:txXfrm>
+        <a:off x="6735520" y="789909"/>
+        <a:ext cx="1497014" cy="2771519"/>
+      </dsp:txXfrm>
+    </dsp:sp>
+    <dsp:sp modelId="{8D308BC2-5FCD-4B99-B4A5-FD989C4E5ABA}">
+      <dsp:nvSpPr>
+        <dsp:cNvPr id="0" name=""/>
+        <dsp:cNvSpPr/>
+      </dsp:nvSpPr>
+      <dsp:spPr>
+        <a:xfrm>
+          <a:off x="8438124" y="1978488"/>
+          <a:ext cx="337114" cy="394360"/>
+        </a:xfrm>
+        <a:prstGeom prst="rightArrow">
+          <a:avLst>
+            <a:gd name="adj1" fmla="val 60000"/>
+            <a:gd name="adj2" fmla="val 50000"/>
+          </a:avLst>
+        </a:prstGeom>
         <a:solidFill>
-          <a:schemeClr val="bg2">
-            <a:lumMod val="50000"/>
+          <a:schemeClr val="accent3">
+            <a:tint val="60000"/>
+            <a:hueOff val="0"/>
+            <a:satOff val="0"/>
+            <a:lumOff val="0"/>
+            <a:alphaOff val="0"/>
           </a:schemeClr>
         </a:solidFill>
         <a:ln>
-          <a:solidFill>
-            <a:schemeClr val="tx1"/>
-          </a:solidFill>
+          <a:noFill/>
         </a:ln>
-      </dgm:spPr>
-      <dgm:t>
-        <a:bodyPr/>
+        <a:effectLst/>
+      </dsp:spPr>
+      <dsp:style>
+        <a:lnRef idx="0">
+          <a:scrgbClr r="0" g="0" b="0"/>
+        </a:lnRef>
+        <a:fillRef idx="1">
+          <a:scrgbClr r="0" g="0" b="0"/>
+        </a:fillRef>
+        <a:effectRef idx="0">
+          <a:scrgbClr r="0" g="0" b="0"/>
+        </a:effectRef>
+        <a:fontRef idx="minor">
+          <a:schemeClr val="lt1"/>
+        </a:fontRef>
+      </dsp:style>
+      <dsp:txBody>
+        <a:bodyPr spcFirstLastPara="0" vert="horz" wrap="square" lIns="0" tIns="0" rIns="0" bIns="0" numCol="1" spcCol="1270" anchor="ctr" anchorCtr="0">
+          <a:noAutofit/>
+        </a:bodyPr>
         <a:lstStyle/>
         <a:p>
-          <a:r>
-            <a:rPr lang="en-IN" sz="2400" dirty="0">
-              <a:latin typeface="Frank Ruhl Libre" panose="00000500000000000000" pitchFamily="2" charset="-79"/>
-              <a:cs typeface="Frank Ruhl Libre" panose="00000500000000000000" pitchFamily="2" charset="-79"/>
-            </a:rPr>
-            <a:t>Resizing</a:t>
-          </a:r>
-          <a:endParaRPr lang="en-IN" sz="1800" dirty="0">
-            <a:latin typeface="Frank Ruhl Libre" panose="00000500000000000000" pitchFamily="2" charset="-79"/>
-            <a:cs typeface="Frank Ruhl Libre" panose="00000500000000000000" pitchFamily="2" charset="-79"/>
-          </a:endParaRPr>
+          <a:pPr marL="0" lvl="0" indent="0" algn="ctr" defTabSz="711200">
+            <a:lnSpc>
+              <a:spcPct val="90000"/>
+            </a:lnSpc>
+            <a:spcBef>
+              <a:spcPct val="0"/>
+            </a:spcBef>
+            <a:spcAft>
+              <a:spcPct val="35000"/>
+            </a:spcAft>
+            <a:buNone/>
+          </a:pPr>
+          <a:endParaRPr lang="en-IN" sz="1600" kern="1200"/>
         </a:p>
-      </dgm:t>
-    </dgm:pt>
-    <dgm:pt modelId="{4B777E40-1FAE-439A-A7F2-484A8478193B}" type="parTrans" cxnId="{5859D19E-FCCB-4582-AEBC-0FF45D222571}">
-      <dgm:prSet/>
-      <dgm:spPr/>
-      <dgm:t>
-        <a:bodyPr/>
-        <a:lstStyle/>
-        <a:p>
-          <a:endParaRPr lang="en-IN"/>
-        </a:p>
-      </dgm:t>
-    </dgm:pt>
-    <dgm:pt modelId="{26036FA2-FE3E-42B9-85B5-F5BEF970CF10}" type="sibTrans" cxnId="{5859D19E-FCCB-4582-AEBC-0FF45D222571}">
-      <dgm:prSet/>
-      <dgm:spPr/>
-      <dgm:t>
-        <a:bodyPr/>
-        <a:lstStyle/>
-        <a:p>
-          <a:endParaRPr lang="en-IN"/>
-        </a:p>
-      </dgm:t>
-    </dgm:pt>
-    <dgm:pt modelId="{D2E7E420-AB7B-4ED9-B455-AA5366CB0930}">
-      <dgm:prSet phldrT="[Text]" custT="1"/>
-      <dgm:spPr>
+      </dsp:txBody>
+      <dsp:txXfrm>
+        <a:off x="8438124" y="2057360"/>
+        <a:ext cx="235980" cy="236616"/>
+      </dsp:txXfrm>
+    </dsp:sp>
+    <dsp:sp modelId="{EB418920-7118-46EB-B44E-DEF18D07DB66}">
+      <dsp:nvSpPr>
+        <dsp:cNvPr id="0" name=""/>
+        <dsp:cNvSpPr/>
+      </dsp:nvSpPr>
+      <dsp:spPr>
+        <a:xfrm>
+          <a:off x="8915173" y="743335"/>
+          <a:ext cx="1590162" cy="2864667"/>
+        </a:xfrm>
+        <a:prstGeom prst="roundRect">
+          <a:avLst>
+            <a:gd name="adj" fmla="val 10000"/>
+          </a:avLst>
+        </a:prstGeom>
         <a:solidFill>
           <a:schemeClr val="bg2">
             <a:lumMod val="10000"/>
           </a:schemeClr>
         </a:solidFill>
-        <a:ln>
+        <a:ln w="12700" cap="flat" cmpd="sng" algn="ctr">
           <a:solidFill>
             <a:schemeClr val="tx1"/>
           </a:solidFill>
+          <a:prstDash val="solid"/>
+          <a:miter lim="800000"/>
         </a:ln>
-      </dgm:spPr>
-      <dgm:t>
-        <a:bodyPr/>
+        <a:effectLst/>
+      </dsp:spPr>
+      <dsp:style>
+        <a:lnRef idx="2">
+          <a:scrgbClr r="0" g="0" b="0"/>
+        </a:lnRef>
+        <a:fillRef idx="1">
+          <a:scrgbClr r="0" g="0" b="0"/>
+        </a:fillRef>
+        <a:effectRef idx="0">
+          <a:scrgbClr r="0" g="0" b="0"/>
+        </a:effectRef>
+        <a:fontRef idx="minor">
+          <a:schemeClr val="lt1"/>
+        </a:fontRef>
+      </dsp:style>
+      <dsp:txBody>
+        <a:bodyPr spcFirstLastPara="0" vert="horz" wrap="square" lIns="76200" tIns="76200" rIns="76200" bIns="76200" numCol="1" spcCol="1270" anchor="ctr" anchorCtr="0">
+          <a:noAutofit/>
+        </a:bodyPr>
         <a:lstStyle/>
         <a:p>
+          <a:pPr marL="0" lvl="0" indent="0" algn="ctr" defTabSz="889000">
+            <a:lnSpc>
+              <a:spcPct val="90000"/>
+            </a:lnSpc>
+            <a:spcBef>
+              <a:spcPct val="0"/>
+            </a:spcBef>
+            <a:spcAft>
+              <a:spcPct val="35000"/>
+            </a:spcAft>
+            <a:buNone/>
+          </a:pPr>
           <a:r>
-            <a:rPr lang="en-IN" sz="2000" dirty="0">
+            <a:rPr lang="en-IN" sz="2000" kern="1200" dirty="0">
               <a:latin typeface="Frank Ruhl Libre" panose="00000500000000000000" pitchFamily="2" charset="-79"/>
               <a:cs typeface="Frank Ruhl Libre" panose="00000500000000000000" pitchFamily="2" charset="-79"/>
             </a:rPr>
             <a:t>224 </a:t>
           </a:r>
           <a:r>
-            <a:rPr lang="en-IN" sz="2000">
+            <a:rPr lang="en-IN" sz="2000" kern="1200">
               <a:latin typeface="Frank Ruhl Libre" panose="00000500000000000000" pitchFamily="2" charset="-79"/>
               <a:cs typeface="Frank Ruhl Libre" panose="00000500000000000000" pitchFamily="2" charset="-79"/>
             </a:rPr>
             <a:t>x 224 </a:t>
           </a:r>
           <a:r>
-            <a:rPr lang="en-IN" sz="2000" dirty="0">
+            <a:rPr lang="en-IN" sz="2000" kern="1200" dirty="0">
               <a:latin typeface="Frank Ruhl Libre" panose="00000500000000000000" pitchFamily="2" charset="-79"/>
               <a:cs typeface="Frank Ruhl Libre" panose="00000500000000000000" pitchFamily="2" charset="-79"/>
             </a:rPr>
             <a:t>RGB Image</a:t>
           </a:r>
         </a:p>
-      </dgm:t>
-    </dgm:pt>
-    <dgm:pt modelId="{1D670FC0-F9D8-4AE5-AA0F-3F5E34DBA1A1}" type="sibTrans" cxnId="{38130618-48F1-4497-8503-5E64372E030B}">
-      <dgm:prSet/>
-      <dgm:spPr/>
-      <dgm:t>
-        <a:bodyPr/>
-        <a:lstStyle/>
-        <a:p>
-          <a:endParaRPr lang="en-IN"/>
-        </a:p>
-      </dgm:t>
-    </dgm:pt>
-    <dgm:pt modelId="{ADD2B275-D655-4BE8-B3EC-DA38CDF19005}" type="parTrans" cxnId="{38130618-48F1-4497-8503-5E64372E030B}">
-      <dgm:prSet/>
-      <dgm:spPr/>
-      <dgm:t>
-        <a:bodyPr/>
-        <a:lstStyle/>
-        <a:p>
-          <a:endParaRPr lang="en-IN"/>
-        </a:p>
-      </dgm:t>
-    </dgm:pt>
-    <dgm:pt modelId="{560001B6-A50D-4A3A-AA50-FF951BFD5EF4}" type="pres">
-      <dgm:prSet presAssocID="{04301E78-9D88-413A-9E63-0A418F3FDA7C}" presName="Name0" presStyleCnt="0">
-        <dgm:presLayoutVars>
-          <dgm:dir/>
-          <dgm:resizeHandles val="exact"/>
-        </dgm:presLayoutVars>
-      </dgm:prSet>
-      <dgm:spPr/>
-    </dgm:pt>
-    <dgm:pt modelId="{8D39F71D-70C2-41F3-A074-201A632FF019}" type="pres">
-      <dgm:prSet presAssocID="{6F26262C-3B11-4EDD-BFCC-705D34CB650C}" presName="node" presStyleLbl="node1" presStyleIdx="0" presStyleCnt="5" custScaleY="180266">
-        <dgm:presLayoutVars>
-          <dgm:bulletEnabled val="1"/>
-        </dgm:presLayoutVars>
-      </dgm:prSet>
-      <dgm:spPr/>
-    </dgm:pt>
-    <dgm:pt modelId="{83CD4C3B-2D52-477D-9FAC-7CFCB8C2668B}" type="pres">
-      <dgm:prSet presAssocID="{2541A299-355D-49FF-AD8B-084A413CE0BF}" presName="sibTrans" presStyleLbl="sibTrans2D1" presStyleIdx="0" presStyleCnt="4"/>
-      <dgm:spPr/>
-    </dgm:pt>
-    <dgm:pt modelId="{3CF2DAC5-BA81-4814-83B5-845CB653E40B}" type="pres">
-      <dgm:prSet presAssocID="{2541A299-355D-49FF-AD8B-084A413CE0BF}" presName="connectorText" presStyleLbl="sibTrans2D1" presStyleIdx="0" presStyleCnt="4"/>
-      <dgm:spPr/>
-    </dgm:pt>
-    <dgm:pt modelId="{93639E22-A88A-4BC9-99C1-36A9D9F960B5}" type="pres">
-      <dgm:prSet presAssocID="{83CD00CD-F99C-470C-AD53-83777B118B9B}" presName="node" presStyleLbl="node1" presStyleIdx="1" presStyleCnt="5" custScaleY="180266">
-        <dgm:presLayoutVars>
-          <dgm:bulletEnabled val="1"/>
-        </dgm:presLayoutVars>
-      </dgm:prSet>
-      <dgm:spPr/>
-    </dgm:pt>
-    <dgm:pt modelId="{AFB16C15-36BC-49F3-9E0C-816E5F0E95D1}" type="pres">
-      <dgm:prSet presAssocID="{6A6E6F89-5CB2-454D-B7F4-D68C21911F5D}" presName="sibTrans" presStyleLbl="sibTrans2D1" presStyleIdx="1" presStyleCnt="4"/>
-      <dgm:spPr/>
-    </dgm:pt>
-    <dgm:pt modelId="{0AC887F7-930C-42DF-A944-240B85E73FB5}" type="pres">
-      <dgm:prSet presAssocID="{6A6E6F89-5CB2-454D-B7F4-D68C21911F5D}" presName="connectorText" presStyleLbl="sibTrans2D1" presStyleIdx="1" presStyleCnt="4"/>
-      <dgm:spPr/>
-    </dgm:pt>
-    <dgm:pt modelId="{8B400A85-D0D8-45AE-A4C2-F6D3E2AACFB4}" type="pres">
-      <dgm:prSet presAssocID="{5B40DB01-3F1B-4CCC-B8FF-5C01B04A0C77}" presName="node" presStyleLbl="node1" presStyleIdx="2" presStyleCnt="5" custScaleY="180266">
-        <dgm:presLayoutVars>
-          <dgm:bulletEnabled val="1"/>
-        </dgm:presLayoutVars>
-      </dgm:prSet>
-      <dgm:spPr/>
-    </dgm:pt>
-    <dgm:pt modelId="{01E5DCC6-093E-4096-8DC3-325AF9829412}" type="pres">
-      <dgm:prSet presAssocID="{26036FA2-FE3E-42B9-85B5-F5BEF970CF10}" presName="sibTrans" presStyleLbl="sibTrans2D1" presStyleIdx="2" presStyleCnt="4"/>
-      <dgm:spPr/>
-    </dgm:pt>
-    <dgm:pt modelId="{EE1C2EC5-B11E-483D-A935-73350507AEDA}" type="pres">
-      <dgm:prSet presAssocID="{26036FA2-FE3E-42B9-85B5-F5BEF970CF10}" presName="connectorText" presStyleLbl="sibTrans2D1" presStyleIdx="2" presStyleCnt="4"/>
-      <dgm:spPr/>
-    </dgm:pt>
-    <dgm:pt modelId="{FBD43B6F-9D2F-48C8-BB26-D5ECE430BEA5}" type="pres">
-      <dgm:prSet presAssocID="{203CDC8F-B6D4-4DB1-9981-A5D1ECC22911}" presName="node" presStyleLbl="node1" presStyleIdx="3" presStyleCnt="5" custScaleY="180266">
-        <dgm:presLayoutVars>
-          <dgm:bulletEnabled val="1"/>
-        </dgm:presLayoutVars>
-      </dgm:prSet>
-      <dgm:spPr/>
-    </dgm:pt>
-    <dgm:pt modelId="{8D308BC2-5FCD-4B99-B4A5-FD989C4E5ABA}" type="pres">
-      <dgm:prSet presAssocID="{3FBA3F25-A64B-4BE8-AF43-9A6C6E9DA7FB}" presName="sibTrans" presStyleLbl="sibTrans2D1" presStyleIdx="3" presStyleCnt="4"/>
-      <dgm:spPr/>
-    </dgm:pt>
-    <dgm:pt modelId="{4A859896-CA5F-4BB7-96C3-521D19554421}" type="pres">
-      <dgm:prSet presAssocID="{3FBA3F25-A64B-4BE8-AF43-9A6C6E9DA7FB}" presName="connectorText" presStyleLbl="sibTrans2D1" presStyleIdx="3" presStyleCnt="4"/>
-      <dgm:spPr/>
-    </dgm:pt>
-    <dgm:pt modelId="{EB418920-7118-46EB-B44E-DEF18D07DB66}" type="pres">
-      <dgm:prSet presAssocID="{D2E7E420-AB7B-4ED9-B455-AA5366CB0930}" presName="node" presStyleLbl="node1" presStyleIdx="4" presStyleCnt="5" custScaleY="180266">
-        <dgm:presLayoutVars>
-          <dgm:bulletEnabled val="1"/>
-        </dgm:presLayoutVars>
-      </dgm:prSet>
-      <dgm:spPr/>
-    </dgm:pt>
-  </dgm:ptLst>
-  <dgm:cxnLst>
-    <dgm:cxn modelId="{A5488D0F-A048-4608-9792-01F7D1BB7D73}" type="presOf" srcId="{6A6E6F89-5CB2-454D-B7F4-D68C21911F5D}" destId="{AFB16C15-36BC-49F3-9E0C-816E5F0E95D1}" srcOrd="0" destOrd="0" presId="urn:microsoft.com/office/officeart/2005/8/layout/process1"/>
-    <dgm:cxn modelId="{38130618-48F1-4497-8503-5E64372E030B}" srcId="{04301E78-9D88-413A-9E63-0A418F3FDA7C}" destId="{D2E7E420-AB7B-4ED9-B455-AA5366CB0930}" srcOrd="4" destOrd="0" parTransId="{ADD2B275-D655-4BE8-B3EC-DA38CDF19005}" sibTransId="{1D670FC0-F9D8-4AE5-AA0F-3F5E34DBA1A1}"/>
-    <dgm:cxn modelId="{546F151D-039B-4B45-99CB-E719D2A7C82B}" type="presOf" srcId="{D2E7E420-AB7B-4ED9-B455-AA5366CB0930}" destId="{EB418920-7118-46EB-B44E-DEF18D07DB66}" srcOrd="0" destOrd="0" presId="urn:microsoft.com/office/officeart/2005/8/layout/process1"/>
-    <dgm:cxn modelId="{CAB28C2A-669C-4C33-8A32-88A503254F7E}" type="presOf" srcId="{3FBA3F25-A64B-4BE8-AF43-9A6C6E9DA7FB}" destId="{4A859896-CA5F-4BB7-96C3-521D19554421}" srcOrd="1" destOrd="0" presId="urn:microsoft.com/office/officeart/2005/8/layout/process1"/>
-    <dgm:cxn modelId="{581B9D2A-DA46-42D9-BF89-6EAABA1FC29F}" type="presOf" srcId="{04301E78-9D88-413A-9E63-0A418F3FDA7C}" destId="{560001B6-A50D-4A3A-AA50-FF951BFD5EF4}" srcOrd="0" destOrd="0" presId="urn:microsoft.com/office/officeart/2005/8/layout/process1"/>
-    <dgm:cxn modelId="{5B206A2B-C787-4B96-BF09-FAD783D5ABE9}" srcId="{04301E78-9D88-413A-9E63-0A418F3FDA7C}" destId="{6F26262C-3B11-4EDD-BFCC-705D34CB650C}" srcOrd="0" destOrd="0" parTransId="{EEE759E7-F891-42E1-B177-3816F8C4ED44}" sibTransId="{2541A299-355D-49FF-AD8B-084A413CE0BF}"/>
-    <dgm:cxn modelId="{57F1E732-6005-4032-9065-06702D628DFF}" type="presOf" srcId="{203CDC8F-B6D4-4DB1-9981-A5D1ECC22911}" destId="{FBD43B6F-9D2F-48C8-BB26-D5ECE430BEA5}" srcOrd="0" destOrd="0" presId="urn:microsoft.com/office/officeart/2005/8/layout/process1"/>
-    <dgm:cxn modelId="{A7C58D46-45A9-46C1-A69F-278BAB62C105}" type="presOf" srcId="{26036FA2-FE3E-42B9-85B5-F5BEF970CF10}" destId="{EE1C2EC5-B11E-483D-A935-73350507AEDA}" srcOrd="1" destOrd="0" presId="urn:microsoft.com/office/officeart/2005/8/layout/process1"/>
-    <dgm:cxn modelId="{6E6FAD6A-F2CE-452D-AF7D-41F0863FA517}" type="presOf" srcId="{2541A299-355D-49FF-AD8B-084A413CE0BF}" destId="{3CF2DAC5-BA81-4814-83B5-845CB653E40B}" srcOrd="1" destOrd="0" presId="urn:microsoft.com/office/officeart/2005/8/layout/process1"/>
-    <dgm:cxn modelId="{D7A58E50-9433-4DD7-8E50-E486156ECBB9}" type="presOf" srcId="{83CD00CD-F99C-470C-AD53-83777B118B9B}" destId="{93639E22-A88A-4BC9-99C1-36A9D9F960B5}" srcOrd="0" destOrd="0" presId="urn:microsoft.com/office/officeart/2005/8/layout/process1"/>
-    <dgm:cxn modelId="{B3BB3155-7A6F-429A-B5E0-D2F8E5217356}" type="presOf" srcId="{2541A299-355D-49FF-AD8B-084A413CE0BF}" destId="{83CD4C3B-2D52-477D-9FAC-7CFCB8C2668B}" srcOrd="0" destOrd="0" presId="urn:microsoft.com/office/officeart/2005/8/layout/process1"/>
-    <dgm:cxn modelId="{3BA6B986-DBE6-47AD-835E-682142B38BC7}" srcId="{04301E78-9D88-413A-9E63-0A418F3FDA7C}" destId="{83CD00CD-F99C-470C-AD53-83777B118B9B}" srcOrd="1" destOrd="0" parTransId="{7A79AEBE-57A7-4F74-B2AE-A24EC1B2FE09}" sibTransId="{6A6E6F89-5CB2-454D-B7F4-D68C21911F5D}"/>
-    <dgm:cxn modelId="{0973E288-0612-4A63-8253-EB9A55A0E57C}" type="presOf" srcId="{6F26262C-3B11-4EDD-BFCC-705D34CB650C}" destId="{8D39F71D-70C2-41F3-A074-201A632FF019}" srcOrd="0" destOrd="0" presId="urn:microsoft.com/office/officeart/2005/8/layout/process1"/>
-    <dgm:cxn modelId="{53391599-E3C0-4BD8-A1DC-59C1C884B0CD}" type="presOf" srcId="{3FBA3F25-A64B-4BE8-AF43-9A6C6E9DA7FB}" destId="{8D308BC2-5FCD-4B99-B4A5-FD989C4E5ABA}" srcOrd="0" destOrd="0" presId="urn:microsoft.com/office/officeart/2005/8/layout/process1"/>
-    <dgm:cxn modelId="{5859D19E-FCCB-4582-AEBC-0FF45D222571}" srcId="{04301E78-9D88-413A-9E63-0A418F3FDA7C}" destId="{5B40DB01-3F1B-4CCC-B8FF-5C01B04A0C77}" srcOrd="2" destOrd="0" parTransId="{4B777E40-1FAE-439A-A7F2-484A8478193B}" sibTransId="{26036FA2-FE3E-42B9-85B5-F5BEF970CF10}"/>
-    <dgm:cxn modelId="{1F33B4C5-FD13-4F5C-97B5-4923121F871E}" type="presOf" srcId="{5B40DB01-3F1B-4CCC-B8FF-5C01B04A0C77}" destId="{8B400A85-D0D8-45AE-A4C2-F6D3E2AACFB4}" srcOrd="0" destOrd="0" presId="urn:microsoft.com/office/officeart/2005/8/layout/process1"/>
-    <dgm:cxn modelId="{CC92CFCC-CEBC-4AA9-A665-6D6FA6CEA9E8}" type="presOf" srcId="{26036FA2-FE3E-42B9-85B5-F5BEF970CF10}" destId="{01E5DCC6-093E-4096-8DC3-325AF9829412}" srcOrd="0" destOrd="0" presId="urn:microsoft.com/office/officeart/2005/8/layout/process1"/>
-    <dgm:cxn modelId="{66A325DC-7041-4545-B758-14AFCA07D770}" type="presOf" srcId="{6A6E6F89-5CB2-454D-B7F4-D68C21911F5D}" destId="{0AC887F7-930C-42DF-A944-240B85E73FB5}" srcOrd="1" destOrd="0" presId="urn:microsoft.com/office/officeart/2005/8/layout/process1"/>
-    <dgm:cxn modelId="{F40994E2-FD9C-45BF-8D09-F7337FC8CAC6}" srcId="{04301E78-9D88-413A-9E63-0A418F3FDA7C}" destId="{203CDC8F-B6D4-4DB1-9981-A5D1ECC22911}" srcOrd="3" destOrd="0" parTransId="{3CD7475B-37B4-404B-81E9-A1C64CF0F584}" sibTransId="{3FBA3F25-A64B-4BE8-AF43-9A6C6E9DA7FB}"/>
-    <dgm:cxn modelId="{B5F8E576-F335-40EC-85BF-A02069FCF3A5}" type="presParOf" srcId="{560001B6-A50D-4A3A-AA50-FF951BFD5EF4}" destId="{8D39F71D-70C2-41F3-A074-201A632FF019}" srcOrd="0" destOrd="0" presId="urn:microsoft.com/office/officeart/2005/8/layout/process1"/>
-    <dgm:cxn modelId="{B81F951C-1A63-4D43-971A-3BB384DB7C14}" type="presParOf" srcId="{560001B6-A50D-4A3A-AA50-FF951BFD5EF4}" destId="{83CD4C3B-2D52-477D-9FAC-7CFCB8C2668B}" srcOrd="1" destOrd="0" presId="urn:microsoft.com/office/officeart/2005/8/layout/process1"/>
-    <dgm:cxn modelId="{AD815AE1-8599-497C-9878-FDD510598445}" type="presParOf" srcId="{83CD4C3B-2D52-477D-9FAC-7CFCB8C2668B}" destId="{3CF2DAC5-BA81-4814-83B5-845CB653E40B}" srcOrd="0" destOrd="0" presId="urn:microsoft.com/office/officeart/2005/8/layout/process1"/>
-    <dgm:cxn modelId="{679954FD-491A-4726-9EE8-447A11B756F8}" type="presParOf" srcId="{560001B6-A50D-4A3A-AA50-FF951BFD5EF4}" destId="{93639E22-A88A-4BC9-99C1-36A9D9F960B5}" srcOrd="2" destOrd="0" presId="urn:microsoft.com/office/officeart/2005/8/layout/process1"/>
-    <dgm:cxn modelId="{205CB566-1DF0-486C-B1D0-D8FE34885185}" type="presParOf" srcId="{560001B6-A50D-4A3A-AA50-FF951BFD5EF4}" destId="{AFB16C15-36BC-49F3-9E0C-816E5F0E95D1}" srcOrd="3" destOrd="0" presId="urn:microsoft.com/office/officeart/2005/8/layout/process1"/>
-    <dgm:cxn modelId="{70BB78A2-2944-429E-8AE9-00DF2E69843B}" type="presParOf" srcId="{AFB16C15-36BC-49F3-9E0C-816E5F0E95D1}" destId="{0AC887F7-930C-42DF-A944-240B85E73FB5}" srcOrd="0" destOrd="0" presId="urn:microsoft.com/office/officeart/2005/8/layout/process1"/>
-    <dgm:cxn modelId="{3553C1B7-4212-46F4-BCF5-76CEA05870F6}" type="presParOf" srcId="{560001B6-A50D-4A3A-AA50-FF951BFD5EF4}" destId="{8B400A85-D0D8-45AE-A4C2-F6D3E2AACFB4}" srcOrd="4" destOrd="0" presId="urn:microsoft.com/office/officeart/2005/8/layout/process1"/>
-    <dgm:cxn modelId="{DDFFEC55-98D0-4185-B470-E4619F62B035}" type="presParOf" srcId="{560001B6-A50D-4A3A-AA50-FF951BFD5EF4}" destId="{01E5DCC6-093E-4096-8DC3-325AF9829412}" srcOrd="5" destOrd="0" presId="urn:microsoft.com/office/officeart/2005/8/layout/process1"/>
-    <dgm:cxn modelId="{CABEDE99-1231-4E46-A8A6-25B1F7FCAD14}" type="presParOf" srcId="{01E5DCC6-093E-4096-8DC3-325AF9829412}" destId="{EE1C2EC5-B11E-483D-A935-73350507AEDA}" srcOrd="0" destOrd="0" presId="urn:microsoft.com/office/officeart/2005/8/layout/process1"/>
-    <dgm:cxn modelId="{BD172C57-10DC-47BB-827F-2B4EA380DB46}" type="presParOf" srcId="{560001B6-A50D-4A3A-AA50-FF951BFD5EF4}" destId="{FBD43B6F-9D2F-48C8-BB26-D5ECE430BEA5}" srcOrd="6" destOrd="0" presId="urn:microsoft.com/office/officeart/2005/8/layout/process1"/>
-    <dgm:cxn modelId="{C5E9E193-1C1B-4696-BDE6-91362A7CBD9F}" type="presParOf" srcId="{560001B6-A50D-4A3A-AA50-FF951BFD5EF4}" destId="{8D308BC2-5FCD-4B99-B4A5-FD989C4E5ABA}" srcOrd="7" destOrd="0" presId="urn:microsoft.com/office/officeart/2005/8/layout/process1"/>
-    <dgm:cxn modelId="{A2A5ACB8-7C04-480E-90C6-C4C016F05CE2}" type="presParOf" srcId="{8D308BC2-5FCD-4B99-B4A5-FD989C4E5ABA}" destId="{4A859896-CA5F-4BB7-96C3-521D19554421}" srcOrd="0" destOrd="0" presId="urn:microsoft.com/office/officeart/2005/8/layout/process1"/>
-    <dgm:cxn modelId="{EE8E1249-0CF4-4BFB-B770-02BB04D6B87D}" type="presParOf" srcId="{560001B6-A50D-4A3A-AA50-FF951BFD5EF4}" destId="{EB418920-7118-46EB-B44E-DEF18D07DB66}" srcOrd="8" destOrd="0" presId="urn:microsoft.com/office/officeart/2005/8/layout/process1"/>
-  </dgm:cxnLst>
-  <dgm:bg/>
-  <dgm:whole/>
-  <dgm:extLst>
-    <a:ext uri="http://schemas.microsoft.com/office/drawing/2008/diagram">
-      <dsp:dataModelExt xmlns:dsp="http://schemas.microsoft.com/office/drawing/2008/diagram" relId="rId6" minVer="http://schemas.openxmlformats.org/drawingml/2006/diagram"/>
-    </a:ext>
-  </dgm:extLst>
-</dgm:dataModel>
+      </dsp:txBody>
+      <dsp:txXfrm>
+        <a:off x="8961747" y="789909"/>
+        <a:ext cx="1497014" cy="2771519"/>
+      </dsp:txXfrm>
+    </dsp:sp>
+  </dsp:spTree>
+</dsp:drawing>
 </file>
 
-<file path=ppt/diagrams/drawing1.xml><?xml version="1.0" encoding="utf-8"?>
+<file path=ppt/diagrams/drawing2.xml><?xml version="1.0" encoding="utf-8"?>
 <dsp:drawing xmlns:dgm="http://schemas.openxmlformats.org/drawingml/2006/diagram" xmlns:dsp="http://schemas.microsoft.com/office/drawing/2008/diagram" xmlns:a="http://schemas.openxmlformats.org/drawingml/2006/main">
   <dsp:spTree>
     <dsp:nvGrpSpPr>
@@ -5807,7 +6496,7 @@
 </dsp:drawing>
 </file>
 
-<file path=ppt/diagrams/drawing2.xml><?xml version="1.0" encoding="utf-8"?>
+<file path=ppt/diagrams/drawing3.xml><?xml version="1.0" encoding="utf-8"?>
 <dsp:drawing xmlns:dgm="http://schemas.openxmlformats.org/drawingml/2006/diagram" xmlns:dsp="http://schemas.microsoft.com/office/drawing/2008/diagram" xmlns:a="http://schemas.openxmlformats.org/drawingml/2006/main">
   <dsp:spTree>
     <dsp:nvGrpSpPr>
@@ -6514,702 +7203,13 @@
 </dsp:drawing>
 </file>
 
-<file path=ppt/diagrams/drawing3.xml><?xml version="1.0" encoding="utf-8"?>
-<dsp:drawing xmlns:dgm="http://schemas.openxmlformats.org/drawingml/2006/diagram" xmlns:dsp="http://schemas.microsoft.com/office/drawing/2008/diagram" xmlns:a="http://schemas.openxmlformats.org/drawingml/2006/main">
-  <dsp:spTree>
-    <dsp:nvGrpSpPr>
-      <dsp:cNvPr id="0" name=""/>
-      <dsp:cNvGrpSpPr/>
-    </dsp:nvGrpSpPr>
-    <dsp:grpSpPr/>
-    <dsp:sp modelId="{8D39F71D-70C2-41F3-A074-201A632FF019}">
-      <dsp:nvSpPr>
-        <dsp:cNvPr id="0" name=""/>
-        <dsp:cNvSpPr/>
-      </dsp:nvSpPr>
-      <dsp:spPr>
-        <a:xfrm>
-          <a:off x="10264" y="743335"/>
-          <a:ext cx="1590162" cy="2864667"/>
-        </a:xfrm>
-        <a:prstGeom prst="roundRect">
-          <a:avLst>
-            <a:gd name="adj" fmla="val 10000"/>
-          </a:avLst>
-        </a:prstGeom>
-        <a:solidFill>
-          <a:schemeClr val="bg2">
-            <a:lumMod val="10000"/>
-          </a:schemeClr>
-        </a:solidFill>
-        <a:ln w="12700" cap="flat" cmpd="sng" algn="ctr">
-          <a:solidFill>
-            <a:schemeClr val="tx1"/>
-          </a:solidFill>
-          <a:prstDash val="solid"/>
-          <a:miter lim="800000"/>
-        </a:ln>
-        <a:effectLst/>
-      </dsp:spPr>
-      <dsp:style>
-        <a:lnRef idx="2">
-          <a:scrgbClr r="0" g="0" b="0"/>
-        </a:lnRef>
-        <a:fillRef idx="1">
-          <a:scrgbClr r="0" g="0" b="0"/>
-        </a:fillRef>
-        <a:effectRef idx="0">
-          <a:scrgbClr r="0" g="0" b="0"/>
-        </a:effectRef>
-        <a:fontRef idx="minor">
-          <a:schemeClr val="lt1"/>
-        </a:fontRef>
-      </dsp:style>
-      <dsp:txBody>
-        <a:bodyPr spcFirstLastPara="0" vert="horz" wrap="square" lIns="106680" tIns="106680" rIns="106680" bIns="106680" numCol="1" spcCol="1270" anchor="ctr" anchorCtr="0">
-          <a:noAutofit/>
-        </a:bodyPr>
-        <a:lstStyle/>
-        <a:p>
-          <a:pPr marL="0" lvl="0" indent="0" algn="ctr" defTabSz="1244600">
-            <a:lnSpc>
-              <a:spcPct val="90000"/>
-            </a:lnSpc>
-            <a:spcBef>
-              <a:spcPct val="0"/>
-            </a:spcBef>
-            <a:spcAft>
-              <a:spcPct val="35000"/>
-            </a:spcAft>
-            <a:buNone/>
-          </a:pPr>
-          <a:r>
-            <a:rPr lang="en-IN" sz="2800" kern="1200" dirty="0">
-              <a:latin typeface="Frank Ruhl Libre" panose="00000500000000000000" pitchFamily="2" charset="-79"/>
-              <a:cs typeface="Frank Ruhl Libre" panose="00000500000000000000" pitchFamily="2" charset="-79"/>
-            </a:rPr>
-            <a:t>Raw Tiff Images</a:t>
-          </a:r>
-        </a:p>
-      </dsp:txBody>
-      <dsp:txXfrm>
-        <a:off x="56838" y="789909"/>
-        <a:ext cx="1497014" cy="2771519"/>
-      </dsp:txXfrm>
-    </dsp:sp>
-    <dsp:sp modelId="{83CD4C3B-2D52-477D-9FAC-7CFCB8C2668B}">
-      <dsp:nvSpPr>
-        <dsp:cNvPr id="0" name=""/>
-        <dsp:cNvSpPr/>
-      </dsp:nvSpPr>
-      <dsp:spPr>
-        <a:xfrm>
-          <a:off x="1759442" y="1978488"/>
-          <a:ext cx="337114" cy="394360"/>
-        </a:xfrm>
-        <a:prstGeom prst="rightArrow">
-          <a:avLst>
-            <a:gd name="adj1" fmla="val 60000"/>
-            <a:gd name="adj2" fmla="val 50000"/>
-          </a:avLst>
-        </a:prstGeom>
-        <a:solidFill>
-          <a:schemeClr val="accent3">
-            <a:tint val="60000"/>
-            <a:hueOff val="0"/>
-            <a:satOff val="0"/>
-            <a:lumOff val="0"/>
-            <a:alphaOff val="0"/>
-          </a:schemeClr>
-        </a:solidFill>
-        <a:ln>
-          <a:noFill/>
-        </a:ln>
-        <a:effectLst/>
-      </dsp:spPr>
-      <dsp:style>
-        <a:lnRef idx="0">
-          <a:scrgbClr r="0" g="0" b="0"/>
-        </a:lnRef>
-        <a:fillRef idx="1">
-          <a:scrgbClr r="0" g="0" b="0"/>
-        </a:fillRef>
-        <a:effectRef idx="0">
-          <a:scrgbClr r="0" g="0" b="0"/>
-        </a:effectRef>
-        <a:fontRef idx="minor">
-          <a:schemeClr val="lt1"/>
-        </a:fontRef>
-      </dsp:style>
-      <dsp:txBody>
-        <a:bodyPr spcFirstLastPara="0" vert="horz" wrap="square" lIns="0" tIns="0" rIns="0" bIns="0" numCol="1" spcCol="1270" anchor="ctr" anchorCtr="0">
-          <a:noAutofit/>
-        </a:bodyPr>
-        <a:lstStyle/>
-        <a:p>
-          <a:pPr marL="0" lvl="0" indent="0" algn="ctr" defTabSz="711200">
-            <a:lnSpc>
-              <a:spcPct val="90000"/>
-            </a:lnSpc>
-            <a:spcBef>
-              <a:spcPct val="0"/>
-            </a:spcBef>
-            <a:spcAft>
-              <a:spcPct val="35000"/>
-            </a:spcAft>
-            <a:buNone/>
-          </a:pPr>
-          <a:endParaRPr lang="en-IN" sz="1600" kern="1200"/>
-        </a:p>
-      </dsp:txBody>
-      <dsp:txXfrm>
-        <a:off x="1759442" y="2057360"/>
-        <a:ext cx="235980" cy="236616"/>
-      </dsp:txXfrm>
-    </dsp:sp>
-    <dsp:sp modelId="{93639E22-A88A-4BC9-99C1-36A9D9F960B5}">
-      <dsp:nvSpPr>
-        <dsp:cNvPr id="0" name=""/>
-        <dsp:cNvSpPr/>
-      </dsp:nvSpPr>
-      <dsp:spPr>
-        <a:xfrm>
-          <a:off x="2236491" y="743335"/>
-          <a:ext cx="1590162" cy="2864667"/>
-        </a:xfrm>
-        <a:prstGeom prst="roundRect">
-          <a:avLst>
-            <a:gd name="adj" fmla="val 10000"/>
-          </a:avLst>
-        </a:prstGeom>
-        <a:solidFill>
-          <a:schemeClr val="bg2">
-            <a:lumMod val="50000"/>
-          </a:schemeClr>
-        </a:solidFill>
-        <a:ln w="12700" cap="flat" cmpd="sng" algn="ctr">
-          <a:solidFill>
-            <a:schemeClr val="tx1"/>
-          </a:solidFill>
-          <a:prstDash val="solid"/>
-          <a:miter lim="800000"/>
-        </a:ln>
-        <a:effectLst/>
-      </dsp:spPr>
-      <dsp:style>
-        <a:lnRef idx="2">
-          <a:scrgbClr r="0" g="0" b="0"/>
-        </a:lnRef>
-        <a:fillRef idx="1">
-          <a:scrgbClr r="0" g="0" b="0"/>
-        </a:fillRef>
-        <a:effectRef idx="0">
-          <a:scrgbClr r="0" g="0" b="0"/>
-        </a:effectRef>
-        <a:fontRef idx="minor">
-          <a:schemeClr val="lt1"/>
-        </a:fontRef>
-      </dsp:style>
-      <dsp:txBody>
-        <a:bodyPr spcFirstLastPara="0" vert="horz" wrap="square" lIns="106680" tIns="106680" rIns="106680" bIns="106680" numCol="1" spcCol="1270" anchor="ctr" anchorCtr="0">
-          <a:noAutofit/>
-        </a:bodyPr>
-        <a:lstStyle/>
-        <a:p>
-          <a:pPr marL="0" lvl="0" indent="0" algn="ctr" defTabSz="1244600">
-            <a:lnSpc>
-              <a:spcPct val="90000"/>
-            </a:lnSpc>
-            <a:spcBef>
-              <a:spcPct val="0"/>
-            </a:spcBef>
-            <a:spcAft>
-              <a:spcPct val="35000"/>
-            </a:spcAft>
-            <a:buNone/>
-          </a:pPr>
-          <a:r>
-            <a:rPr lang="en-IN" sz="2800" kern="1200" dirty="0">
-              <a:latin typeface="Frank Ruhl Libre" panose="00000500000000000000" pitchFamily="2" charset="-79"/>
-              <a:cs typeface="Frank Ruhl Libre" panose="00000500000000000000" pitchFamily="2" charset="-79"/>
-            </a:rPr>
-            <a:t>Normalisation</a:t>
-          </a:r>
-          <a:endParaRPr lang="en-IN" sz="1800" kern="1200" dirty="0">
-            <a:latin typeface="Frank Ruhl Libre" panose="00000500000000000000" pitchFamily="2" charset="-79"/>
-            <a:cs typeface="Frank Ruhl Libre" panose="00000500000000000000" pitchFamily="2" charset="-79"/>
-          </a:endParaRPr>
-        </a:p>
-      </dsp:txBody>
-      <dsp:txXfrm>
-        <a:off x="2283065" y="789909"/>
-        <a:ext cx="1497014" cy="2771519"/>
-      </dsp:txXfrm>
-    </dsp:sp>
-    <dsp:sp modelId="{AFB16C15-36BC-49F3-9E0C-816E5F0E95D1}">
-      <dsp:nvSpPr>
-        <dsp:cNvPr id="0" name=""/>
-        <dsp:cNvSpPr/>
-      </dsp:nvSpPr>
-      <dsp:spPr>
-        <a:xfrm>
-          <a:off x="3985670" y="1978488"/>
-          <a:ext cx="337114" cy="394360"/>
-        </a:xfrm>
-        <a:prstGeom prst="rightArrow">
-          <a:avLst>
-            <a:gd name="adj1" fmla="val 60000"/>
-            <a:gd name="adj2" fmla="val 50000"/>
-          </a:avLst>
-        </a:prstGeom>
-        <a:solidFill>
-          <a:schemeClr val="accent3">
-            <a:tint val="60000"/>
-            <a:hueOff val="0"/>
-            <a:satOff val="0"/>
-            <a:lumOff val="0"/>
-            <a:alphaOff val="0"/>
-          </a:schemeClr>
-        </a:solidFill>
-        <a:ln>
-          <a:noFill/>
-        </a:ln>
-        <a:effectLst/>
-      </dsp:spPr>
-      <dsp:style>
-        <a:lnRef idx="0">
-          <a:scrgbClr r="0" g="0" b="0"/>
-        </a:lnRef>
-        <a:fillRef idx="1">
-          <a:scrgbClr r="0" g="0" b="0"/>
-        </a:fillRef>
-        <a:effectRef idx="0">
-          <a:scrgbClr r="0" g="0" b="0"/>
-        </a:effectRef>
-        <a:fontRef idx="minor">
-          <a:schemeClr val="lt1"/>
-        </a:fontRef>
-      </dsp:style>
-      <dsp:txBody>
-        <a:bodyPr spcFirstLastPara="0" vert="horz" wrap="square" lIns="0" tIns="0" rIns="0" bIns="0" numCol="1" spcCol="1270" anchor="ctr" anchorCtr="0">
-          <a:noAutofit/>
-        </a:bodyPr>
-        <a:lstStyle/>
-        <a:p>
-          <a:pPr marL="0" lvl="0" indent="0" algn="ctr" defTabSz="711200">
-            <a:lnSpc>
-              <a:spcPct val="90000"/>
-            </a:lnSpc>
-            <a:spcBef>
-              <a:spcPct val="0"/>
-            </a:spcBef>
-            <a:spcAft>
-              <a:spcPct val="35000"/>
-            </a:spcAft>
-            <a:buNone/>
-          </a:pPr>
-          <a:endParaRPr lang="en-IN" sz="1600" kern="1200"/>
-        </a:p>
-      </dsp:txBody>
-      <dsp:txXfrm>
-        <a:off x="3985670" y="2057360"/>
-        <a:ext cx="235980" cy="236616"/>
-      </dsp:txXfrm>
-    </dsp:sp>
-    <dsp:sp modelId="{8B400A85-D0D8-45AE-A4C2-F6D3E2AACFB4}">
-      <dsp:nvSpPr>
-        <dsp:cNvPr id="0" name=""/>
-        <dsp:cNvSpPr/>
-      </dsp:nvSpPr>
-      <dsp:spPr>
-        <a:xfrm>
-          <a:off x="4462718" y="743335"/>
-          <a:ext cx="1590162" cy="2864667"/>
-        </a:xfrm>
-        <a:prstGeom prst="roundRect">
-          <a:avLst>
-            <a:gd name="adj" fmla="val 10000"/>
-          </a:avLst>
-        </a:prstGeom>
-        <a:solidFill>
-          <a:schemeClr val="bg2">
-            <a:lumMod val="50000"/>
-          </a:schemeClr>
-        </a:solidFill>
-        <a:ln w="12700" cap="flat" cmpd="sng" algn="ctr">
-          <a:solidFill>
-            <a:schemeClr val="tx1"/>
-          </a:solidFill>
-          <a:prstDash val="solid"/>
-          <a:miter lim="800000"/>
-        </a:ln>
-        <a:effectLst/>
-      </dsp:spPr>
-      <dsp:style>
-        <a:lnRef idx="2">
-          <a:scrgbClr r="0" g="0" b="0"/>
-        </a:lnRef>
-        <a:fillRef idx="1">
-          <a:scrgbClr r="0" g="0" b="0"/>
-        </a:fillRef>
-        <a:effectRef idx="0">
-          <a:scrgbClr r="0" g="0" b="0"/>
-        </a:effectRef>
-        <a:fontRef idx="minor">
-          <a:schemeClr val="lt1"/>
-        </a:fontRef>
-      </dsp:style>
-      <dsp:txBody>
-        <a:bodyPr spcFirstLastPara="0" vert="horz" wrap="square" lIns="91440" tIns="91440" rIns="91440" bIns="91440" numCol="1" spcCol="1270" anchor="ctr" anchorCtr="0">
-          <a:noAutofit/>
-        </a:bodyPr>
-        <a:lstStyle/>
-        <a:p>
-          <a:pPr marL="0" lvl="0" indent="0" algn="ctr" defTabSz="1066800">
-            <a:lnSpc>
-              <a:spcPct val="90000"/>
-            </a:lnSpc>
-            <a:spcBef>
-              <a:spcPct val="0"/>
-            </a:spcBef>
-            <a:spcAft>
-              <a:spcPct val="35000"/>
-            </a:spcAft>
-            <a:buNone/>
-          </a:pPr>
-          <a:r>
-            <a:rPr lang="en-IN" sz="2400" kern="1200" dirty="0">
-              <a:latin typeface="Frank Ruhl Libre" panose="00000500000000000000" pitchFamily="2" charset="-79"/>
-              <a:cs typeface="Frank Ruhl Libre" panose="00000500000000000000" pitchFamily="2" charset="-79"/>
-            </a:rPr>
-            <a:t>Resizing</a:t>
-          </a:r>
-          <a:endParaRPr lang="en-IN" sz="1800" kern="1200" dirty="0">
-            <a:latin typeface="Frank Ruhl Libre" panose="00000500000000000000" pitchFamily="2" charset="-79"/>
-            <a:cs typeface="Frank Ruhl Libre" panose="00000500000000000000" pitchFamily="2" charset="-79"/>
-          </a:endParaRPr>
-        </a:p>
-      </dsp:txBody>
-      <dsp:txXfrm>
-        <a:off x="4509292" y="789909"/>
-        <a:ext cx="1497014" cy="2771519"/>
-      </dsp:txXfrm>
-    </dsp:sp>
-    <dsp:sp modelId="{01E5DCC6-093E-4096-8DC3-325AF9829412}">
-      <dsp:nvSpPr>
-        <dsp:cNvPr id="0" name=""/>
-        <dsp:cNvSpPr/>
-      </dsp:nvSpPr>
-      <dsp:spPr>
-        <a:xfrm>
-          <a:off x="6211897" y="1978488"/>
-          <a:ext cx="337114" cy="394360"/>
-        </a:xfrm>
-        <a:prstGeom prst="rightArrow">
-          <a:avLst>
-            <a:gd name="adj1" fmla="val 60000"/>
-            <a:gd name="adj2" fmla="val 50000"/>
-          </a:avLst>
-        </a:prstGeom>
-        <a:solidFill>
-          <a:schemeClr val="accent3">
-            <a:tint val="60000"/>
-            <a:hueOff val="0"/>
-            <a:satOff val="0"/>
-            <a:lumOff val="0"/>
-            <a:alphaOff val="0"/>
-          </a:schemeClr>
-        </a:solidFill>
-        <a:ln>
-          <a:noFill/>
-        </a:ln>
-        <a:effectLst/>
-      </dsp:spPr>
-      <dsp:style>
-        <a:lnRef idx="0">
-          <a:scrgbClr r="0" g="0" b="0"/>
-        </a:lnRef>
-        <a:fillRef idx="1">
-          <a:scrgbClr r="0" g="0" b="0"/>
-        </a:fillRef>
-        <a:effectRef idx="0">
-          <a:scrgbClr r="0" g="0" b="0"/>
-        </a:effectRef>
-        <a:fontRef idx="minor">
-          <a:schemeClr val="lt1"/>
-        </a:fontRef>
-      </dsp:style>
-      <dsp:txBody>
-        <a:bodyPr spcFirstLastPara="0" vert="horz" wrap="square" lIns="0" tIns="0" rIns="0" bIns="0" numCol="1" spcCol="1270" anchor="ctr" anchorCtr="0">
-          <a:noAutofit/>
-        </a:bodyPr>
-        <a:lstStyle/>
-        <a:p>
-          <a:pPr marL="0" lvl="0" indent="0" algn="ctr" defTabSz="711200">
-            <a:lnSpc>
-              <a:spcPct val="90000"/>
-            </a:lnSpc>
-            <a:spcBef>
-              <a:spcPct val="0"/>
-            </a:spcBef>
-            <a:spcAft>
-              <a:spcPct val="35000"/>
-            </a:spcAft>
-            <a:buNone/>
-          </a:pPr>
-          <a:endParaRPr lang="en-IN" sz="1600" kern="1200"/>
-        </a:p>
-      </dsp:txBody>
-      <dsp:txXfrm>
-        <a:off x="6211897" y="2057360"/>
-        <a:ext cx="235980" cy="236616"/>
-      </dsp:txXfrm>
-    </dsp:sp>
-    <dsp:sp modelId="{FBD43B6F-9D2F-48C8-BB26-D5ECE430BEA5}">
-      <dsp:nvSpPr>
-        <dsp:cNvPr id="0" name=""/>
-        <dsp:cNvSpPr/>
-      </dsp:nvSpPr>
-      <dsp:spPr>
-        <a:xfrm>
-          <a:off x="6688946" y="743335"/>
-          <a:ext cx="1590162" cy="2864667"/>
-        </a:xfrm>
-        <a:prstGeom prst="roundRect">
-          <a:avLst>
-            <a:gd name="adj" fmla="val 10000"/>
-          </a:avLst>
-        </a:prstGeom>
-        <a:solidFill>
-          <a:schemeClr val="bg2">
-            <a:lumMod val="50000"/>
-          </a:schemeClr>
-        </a:solidFill>
-        <a:ln w="12700" cap="flat" cmpd="sng" algn="ctr">
-          <a:solidFill>
-            <a:schemeClr val="tx1"/>
-          </a:solidFill>
-          <a:prstDash val="solid"/>
-          <a:miter lim="800000"/>
-        </a:ln>
-        <a:effectLst/>
-      </dsp:spPr>
-      <dsp:style>
-        <a:lnRef idx="2">
-          <a:scrgbClr r="0" g="0" b="0"/>
-        </a:lnRef>
-        <a:fillRef idx="1">
-          <a:scrgbClr r="0" g="0" b="0"/>
-        </a:fillRef>
-        <a:effectRef idx="0">
-          <a:scrgbClr r="0" g="0" b="0"/>
-        </a:effectRef>
-        <a:fontRef idx="minor">
-          <a:schemeClr val="lt1"/>
-        </a:fontRef>
-      </dsp:style>
-      <dsp:txBody>
-        <a:bodyPr spcFirstLastPara="0" vert="horz" wrap="square" lIns="68580" tIns="68580" rIns="68580" bIns="68580" numCol="1" spcCol="1270" anchor="ctr" anchorCtr="0">
-          <a:noAutofit/>
-        </a:bodyPr>
-        <a:lstStyle/>
-        <a:p>
-          <a:pPr marL="0" lvl="0" indent="0" algn="ctr" defTabSz="800100">
-            <a:lnSpc>
-              <a:spcPct val="90000"/>
-            </a:lnSpc>
-            <a:spcBef>
-              <a:spcPct val="0"/>
-            </a:spcBef>
-            <a:spcAft>
-              <a:spcPct val="35000"/>
-            </a:spcAft>
-            <a:buNone/>
-          </a:pPr>
-          <a:r>
-            <a:rPr lang="en-IN" sz="1800" kern="1200" dirty="0">
-              <a:latin typeface="Frank Ruhl Libre" panose="00000500000000000000" pitchFamily="2" charset="-79"/>
-              <a:cs typeface="Frank Ruhl Libre" panose="00000500000000000000" pitchFamily="2" charset="-79"/>
-            </a:rPr>
-            <a:t>Expansion of dimensions from 3D array to 2D array</a:t>
-          </a:r>
-        </a:p>
-      </dsp:txBody>
-      <dsp:txXfrm>
-        <a:off x="6735520" y="789909"/>
-        <a:ext cx="1497014" cy="2771519"/>
-      </dsp:txXfrm>
-    </dsp:sp>
-    <dsp:sp modelId="{8D308BC2-5FCD-4B99-B4A5-FD989C4E5ABA}">
-      <dsp:nvSpPr>
-        <dsp:cNvPr id="0" name=""/>
-        <dsp:cNvSpPr/>
-      </dsp:nvSpPr>
-      <dsp:spPr>
-        <a:xfrm>
-          <a:off x="8438124" y="1978488"/>
-          <a:ext cx="337114" cy="394360"/>
-        </a:xfrm>
-        <a:prstGeom prst="rightArrow">
-          <a:avLst>
-            <a:gd name="adj1" fmla="val 60000"/>
-            <a:gd name="adj2" fmla="val 50000"/>
-          </a:avLst>
-        </a:prstGeom>
-        <a:solidFill>
-          <a:schemeClr val="accent3">
-            <a:tint val="60000"/>
-            <a:hueOff val="0"/>
-            <a:satOff val="0"/>
-            <a:lumOff val="0"/>
-            <a:alphaOff val="0"/>
-          </a:schemeClr>
-        </a:solidFill>
-        <a:ln>
-          <a:noFill/>
-        </a:ln>
-        <a:effectLst/>
-      </dsp:spPr>
-      <dsp:style>
-        <a:lnRef idx="0">
-          <a:scrgbClr r="0" g="0" b="0"/>
-        </a:lnRef>
-        <a:fillRef idx="1">
-          <a:scrgbClr r="0" g="0" b="0"/>
-        </a:fillRef>
-        <a:effectRef idx="0">
-          <a:scrgbClr r="0" g="0" b="0"/>
-        </a:effectRef>
-        <a:fontRef idx="minor">
-          <a:schemeClr val="lt1"/>
-        </a:fontRef>
-      </dsp:style>
-      <dsp:txBody>
-        <a:bodyPr spcFirstLastPara="0" vert="horz" wrap="square" lIns="0" tIns="0" rIns="0" bIns="0" numCol="1" spcCol="1270" anchor="ctr" anchorCtr="0">
-          <a:noAutofit/>
-        </a:bodyPr>
-        <a:lstStyle/>
-        <a:p>
-          <a:pPr marL="0" lvl="0" indent="0" algn="ctr" defTabSz="711200">
-            <a:lnSpc>
-              <a:spcPct val="90000"/>
-            </a:lnSpc>
-            <a:spcBef>
-              <a:spcPct val="0"/>
-            </a:spcBef>
-            <a:spcAft>
-              <a:spcPct val="35000"/>
-            </a:spcAft>
-            <a:buNone/>
-          </a:pPr>
-          <a:endParaRPr lang="en-IN" sz="1600" kern="1200"/>
-        </a:p>
-      </dsp:txBody>
-      <dsp:txXfrm>
-        <a:off x="8438124" y="2057360"/>
-        <a:ext cx="235980" cy="236616"/>
-      </dsp:txXfrm>
-    </dsp:sp>
-    <dsp:sp modelId="{EB418920-7118-46EB-B44E-DEF18D07DB66}">
-      <dsp:nvSpPr>
-        <dsp:cNvPr id="0" name=""/>
-        <dsp:cNvSpPr/>
-      </dsp:nvSpPr>
-      <dsp:spPr>
-        <a:xfrm>
-          <a:off x="8915173" y="743335"/>
-          <a:ext cx="1590162" cy="2864667"/>
-        </a:xfrm>
-        <a:prstGeom prst="roundRect">
-          <a:avLst>
-            <a:gd name="adj" fmla="val 10000"/>
-          </a:avLst>
-        </a:prstGeom>
-        <a:solidFill>
-          <a:schemeClr val="bg2">
-            <a:lumMod val="10000"/>
-          </a:schemeClr>
-        </a:solidFill>
-        <a:ln w="12700" cap="flat" cmpd="sng" algn="ctr">
-          <a:solidFill>
-            <a:schemeClr val="tx1"/>
-          </a:solidFill>
-          <a:prstDash val="solid"/>
-          <a:miter lim="800000"/>
-        </a:ln>
-        <a:effectLst/>
-      </dsp:spPr>
-      <dsp:style>
-        <a:lnRef idx="2">
-          <a:scrgbClr r="0" g="0" b="0"/>
-        </a:lnRef>
-        <a:fillRef idx="1">
-          <a:scrgbClr r="0" g="0" b="0"/>
-        </a:fillRef>
-        <a:effectRef idx="0">
-          <a:scrgbClr r="0" g="0" b="0"/>
-        </a:effectRef>
-        <a:fontRef idx="minor">
-          <a:schemeClr val="lt1"/>
-        </a:fontRef>
-      </dsp:style>
-      <dsp:txBody>
-        <a:bodyPr spcFirstLastPara="0" vert="horz" wrap="square" lIns="76200" tIns="76200" rIns="76200" bIns="76200" numCol="1" spcCol="1270" anchor="ctr" anchorCtr="0">
-          <a:noAutofit/>
-        </a:bodyPr>
-        <a:lstStyle/>
-        <a:p>
-          <a:pPr marL="0" lvl="0" indent="0" algn="ctr" defTabSz="889000">
-            <a:lnSpc>
-              <a:spcPct val="90000"/>
-            </a:lnSpc>
-            <a:spcBef>
-              <a:spcPct val="0"/>
-            </a:spcBef>
-            <a:spcAft>
-              <a:spcPct val="35000"/>
-            </a:spcAft>
-            <a:buNone/>
-          </a:pPr>
-          <a:r>
-            <a:rPr lang="en-IN" sz="2000" kern="1200" dirty="0">
-              <a:latin typeface="Frank Ruhl Libre" panose="00000500000000000000" pitchFamily="2" charset="-79"/>
-              <a:cs typeface="Frank Ruhl Libre" panose="00000500000000000000" pitchFamily="2" charset="-79"/>
-            </a:rPr>
-            <a:t>224 </a:t>
-          </a:r>
-          <a:r>
-            <a:rPr lang="en-IN" sz="2000" kern="1200">
-              <a:latin typeface="Frank Ruhl Libre" panose="00000500000000000000" pitchFamily="2" charset="-79"/>
-              <a:cs typeface="Frank Ruhl Libre" panose="00000500000000000000" pitchFamily="2" charset="-79"/>
-            </a:rPr>
-            <a:t>x 224 </a:t>
-          </a:r>
-          <a:r>
-            <a:rPr lang="en-IN" sz="2000" kern="1200" dirty="0">
-              <a:latin typeface="Frank Ruhl Libre" panose="00000500000000000000" pitchFamily="2" charset="-79"/>
-              <a:cs typeface="Frank Ruhl Libre" panose="00000500000000000000" pitchFamily="2" charset="-79"/>
-            </a:rPr>
-            <a:t>RGB Image</a:t>
-          </a:r>
-        </a:p>
-      </dsp:txBody>
-      <dsp:txXfrm>
-        <a:off x="8961747" y="789909"/>
-        <a:ext cx="1497014" cy="2771519"/>
-      </dsp:txXfrm>
-    </dsp:sp>
-  </dsp:spTree>
-</dsp:drawing>
-</file>
-
 <file path=ppt/diagrams/layout1.xml><?xml version="1.0" encoding="utf-8"?>
-<dgm:layoutDef xmlns:dgm="http://schemas.openxmlformats.org/drawingml/2006/diagram" xmlns:a="http://schemas.openxmlformats.org/drawingml/2006/main" uniqueId="urn:microsoft.com/office/officeart/2005/8/layout/hProcess9">
+<dgm:layoutDef xmlns:dgm="http://schemas.openxmlformats.org/drawingml/2006/diagram" xmlns:a="http://schemas.openxmlformats.org/drawingml/2006/main" uniqueId="urn:microsoft.com/office/officeart/2005/8/layout/process1">
   <dgm:title val=""/>
   <dgm:desc val=""/>
   <dgm:catLst>
-    <dgm:cat type="process" pri="5000"/>
-    <dgm:cat type="convert" pri="13000"/>
+    <dgm:cat type="process" pri="1000"/>
+    <dgm:cat type="convert" pri="15000"/>
   </dgm:catLst>
   <dgm:sampData useDef="1">
     <dgm:dataModel>
@@ -7252,107 +7252,99 @@
       <dgm:whole/>
     </dgm:dataModel>
   </dgm:clrData>
-  <dgm:layoutNode name="CompostProcess">
+  <dgm:layoutNode name="Name0">
     <dgm:varLst>
       <dgm:dir/>
       <dgm:resizeHandles val="exact"/>
     </dgm:varLst>
-    <dgm:alg type="composite">
-      <dgm:param type="horzAlign" val="ctr"/>
-      <dgm:param type="vertAlign" val="mid"/>
-    </dgm:alg>
+    <dgm:choose name="Name1">
+      <dgm:if name="Name2" func="var" arg="dir" op="equ" val="norm">
+        <dgm:alg type="lin"/>
+      </dgm:if>
+      <dgm:else name="Name3">
+        <dgm:alg type="lin">
+          <dgm:param type="linDir" val="fromR"/>
+        </dgm:alg>
+      </dgm:else>
+    </dgm:choose>
     <dgm:shape xmlns:r="http://schemas.openxmlformats.org/officeDocument/2006/relationships" r:blip="">
       <dgm:adjLst/>
     </dgm:shape>
     <dgm:presOf/>
     <dgm:constrLst>
-      <dgm:constr type="w" for="ch" forName="arrow" refType="w" fact="0.85"/>
-      <dgm:constr type="h" for="ch" forName="arrow" refType="h"/>
-      <dgm:constr type="ctrX" for="ch" forName="arrow" refType="w" fact="0.5"/>
-      <dgm:constr type="ctrY" for="ch" forName="arrow" refType="h" fact="0.5"/>
-      <dgm:constr type="w" for="ch" forName="linearProcess" refType="w"/>
-      <dgm:constr type="h" for="ch" forName="linearProcess" refType="h" fact="0.4"/>
-      <dgm:constr type="ctrX" for="ch" forName="linearProcess" refType="w" fact="0.5"/>
-      <dgm:constr type="ctrY" for="ch" forName="linearProcess" refType="h" fact="0.5"/>
+      <dgm:constr type="w" for="ch" ptType="node" refType="w"/>
+      <dgm:constr type="h" for="ch" ptType="node" op="equ"/>
+      <dgm:constr type="primFontSz" for="ch" ptType="node" op="equ" val="65"/>
+      <dgm:constr type="w" for="ch" ptType="sibTrans" refType="w" refFor="ch" refPtType="node" op="equ" fact="0.4"/>
+      <dgm:constr type="h" for="ch" ptType="sibTrans" op="equ"/>
+      <dgm:constr type="primFontSz" for="des" forName="connectorText" op="equ" val="55"/>
+      <dgm:constr type="primFontSz" for="des" forName="connectorText" refType="primFontSz" refFor="ch" refPtType="node" op="lte" fact="0.8"/>
     </dgm:constrLst>
     <dgm:ruleLst/>
-    <dgm:layoutNode name="arrow" styleLbl="bgShp">
-      <dgm:alg type="sp"/>
-      <dgm:choose name="Name0">
-        <dgm:if name="Name1" func="var" arg="dir" op="equ" val="norm">
-          <dgm:shape xmlns:r="http://schemas.openxmlformats.org/officeDocument/2006/relationships" type="rightArrow" r:blip="">
+    <dgm:forEach name="nodesForEach" axis="ch" ptType="node">
+      <dgm:layoutNode name="node">
+        <dgm:varLst>
+          <dgm:bulletEnabled val="1"/>
+        </dgm:varLst>
+        <dgm:alg type="tx"/>
+        <dgm:shape xmlns:r="http://schemas.openxmlformats.org/officeDocument/2006/relationships" type="roundRect" r:blip="">
+          <dgm:adjLst>
+            <dgm:adj idx="1" val="0.1"/>
+          </dgm:adjLst>
+        </dgm:shape>
+        <dgm:presOf axis="desOrSelf" ptType="node"/>
+        <dgm:constrLst>
+          <dgm:constr type="h" refType="w" fact="0.6"/>
+          <dgm:constr type="tMarg" refType="primFontSz" fact="0.3"/>
+          <dgm:constr type="bMarg" refType="primFontSz" fact="0.3"/>
+          <dgm:constr type="lMarg" refType="primFontSz" fact="0.3"/>
+          <dgm:constr type="rMarg" refType="primFontSz" fact="0.3"/>
+        </dgm:constrLst>
+        <dgm:ruleLst>
+          <dgm:rule type="primFontSz" val="18" fact="NaN" max="NaN"/>
+          <dgm:rule type="h" val="NaN" fact="1.5" max="NaN"/>
+          <dgm:rule type="primFontSz" val="5" fact="NaN" max="NaN"/>
+          <dgm:rule type="h" val="INF" fact="NaN" max="NaN"/>
+        </dgm:ruleLst>
+      </dgm:layoutNode>
+      <dgm:forEach name="sibTransForEach" axis="followSib" ptType="sibTrans" cnt="1">
+        <dgm:layoutNode name="sibTrans">
+          <dgm:alg type="conn">
+            <dgm:param type="begPts" val="auto"/>
+            <dgm:param type="endPts" val="auto"/>
+          </dgm:alg>
+          <dgm:shape xmlns:r="http://schemas.openxmlformats.org/officeDocument/2006/relationships" type="conn" r:blip="">
             <dgm:adjLst/>
           </dgm:shape>
-        </dgm:if>
-        <dgm:else name="Name2">
-          <dgm:shape xmlns:r="http://schemas.openxmlformats.org/officeDocument/2006/relationships" type="leftArrow" r:blip="">
-            <dgm:adjLst/>
-          </dgm:shape>
-        </dgm:else>
-      </dgm:choose>
-      <dgm:presOf/>
-      <dgm:constrLst/>
-      <dgm:ruleLst/>
-    </dgm:layoutNode>
-    <dgm:layoutNode name="linearProcess">
-      <dgm:choose name="Name3">
-        <dgm:if name="Name4" func="var" arg="dir" op="equ" val="norm">
-          <dgm:alg type="lin"/>
-        </dgm:if>
-        <dgm:else name="Name5">
-          <dgm:alg type="lin">
-            <dgm:param type="linDir" val="fromR"/>
-          </dgm:alg>
-        </dgm:else>
-      </dgm:choose>
-      <dgm:shape xmlns:r="http://schemas.openxmlformats.org/officeDocument/2006/relationships" r:blip="">
-        <dgm:adjLst/>
-      </dgm:shape>
-      <dgm:presOf/>
-      <dgm:constrLst>
-        <dgm:constr type="userA" for="ch" ptType="node" refType="w"/>
-        <dgm:constr type="h" for="ch" ptType="node" refType="h"/>
-        <dgm:constr type="w" for="ch" ptType="node" op="equ"/>
-        <dgm:constr type="w" for="ch" forName="sibTrans" refType="w" fact="0.05"/>
-        <dgm:constr type="primFontSz" for="ch" ptType="node" op="equ" val="65"/>
-      </dgm:constrLst>
-      <dgm:ruleLst/>
-      <dgm:forEach name="Name6" axis="ch" ptType="node">
-        <dgm:layoutNode name="textNode" styleLbl="node1">
-          <dgm:varLst>
-            <dgm:bulletEnabled val="1"/>
-          </dgm:varLst>
-          <dgm:alg type="tx"/>
-          <dgm:shape xmlns:r="http://schemas.openxmlformats.org/officeDocument/2006/relationships" type="roundRect" r:blip="">
-            <dgm:adjLst/>
-          </dgm:shape>
-          <dgm:presOf axis="desOrSelf" ptType="node"/>
+          <dgm:presOf axis="self"/>
           <dgm:constrLst>
-            <dgm:constr type="userA"/>
-            <dgm:constr type="w" refType="userA" fact="0.3"/>
-            <dgm:constr type="tMarg" refType="primFontSz" fact="0.3"/>
-            <dgm:constr type="bMarg" refType="primFontSz" fact="0.3"/>
-            <dgm:constr type="lMarg" refType="primFontSz" fact="0.3"/>
-            <dgm:constr type="rMarg" refType="primFontSz" fact="0.3"/>
+            <dgm:constr type="h" refType="w" fact="0.62"/>
+            <dgm:constr type="connDist"/>
+            <dgm:constr type="begPad" refType="connDist" fact="0.25"/>
+            <dgm:constr type="endPad" refType="connDist" fact="0.22"/>
           </dgm:constrLst>
-          <dgm:ruleLst>
-            <dgm:rule type="w" val="NaN" fact="1" max="NaN"/>
-            <dgm:rule type="primFontSz" val="5" fact="NaN" max="NaN"/>
-          </dgm:ruleLst>
-        </dgm:layoutNode>
-        <dgm:forEach name="Name7" axis="followSib" ptType="sibTrans" cnt="1">
-          <dgm:layoutNode name="sibTrans">
-            <dgm:alg type="sp"/>
-            <dgm:shape xmlns:r="http://schemas.openxmlformats.org/officeDocument/2006/relationships" r:blip="">
+          <dgm:ruleLst/>
+          <dgm:layoutNode name="connectorText">
+            <dgm:alg type="tx">
+              <dgm:param type="autoTxRot" val="grav"/>
+            </dgm:alg>
+            <dgm:shape xmlns:r="http://schemas.openxmlformats.org/officeDocument/2006/relationships" type="conn" r:blip="" hideGeom="1">
               <dgm:adjLst/>
             </dgm:shape>
-            <dgm:presOf/>
-            <dgm:constrLst/>
-            <dgm:ruleLst/>
+            <dgm:presOf axis="self"/>
+            <dgm:constrLst>
+              <dgm:constr type="lMarg"/>
+              <dgm:constr type="rMarg"/>
+              <dgm:constr type="tMarg"/>
+              <dgm:constr type="bMarg"/>
+            </dgm:constrLst>
+            <dgm:ruleLst>
+              <dgm:rule type="primFontSz" val="5" fact="NaN" max="NaN"/>
+            </dgm:ruleLst>
           </dgm:layoutNode>
-        </dgm:forEach>
+        </dgm:layoutNode>
       </dgm:forEach>
-    </dgm:layoutNode>
+    </dgm:forEach>
   </dgm:layoutNode>
 </dgm:layoutDef>
 </file>
@@ -7512,12 +7504,12 @@
 </file>
 
 <file path=ppt/diagrams/layout3.xml><?xml version="1.0" encoding="utf-8"?>
-<dgm:layoutDef xmlns:dgm="http://schemas.openxmlformats.org/drawingml/2006/diagram" xmlns:a="http://schemas.openxmlformats.org/drawingml/2006/main" uniqueId="urn:microsoft.com/office/officeart/2005/8/layout/process1">
+<dgm:layoutDef xmlns:dgm="http://schemas.openxmlformats.org/drawingml/2006/diagram" xmlns:a="http://schemas.openxmlformats.org/drawingml/2006/main" uniqueId="urn:microsoft.com/office/officeart/2005/8/layout/hProcess9">
   <dgm:title val=""/>
   <dgm:desc val=""/>
   <dgm:catLst>
-    <dgm:cat type="process" pri="1000"/>
-    <dgm:cat type="convert" pri="15000"/>
+    <dgm:cat type="process" pri="5000"/>
+    <dgm:cat type="convert" pri="13000"/>
   </dgm:catLst>
   <dgm:sampData useDef="1">
     <dgm:dataModel>
@@ -7560,99 +7552,107 @@
       <dgm:whole/>
     </dgm:dataModel>
   </dgm:clrData>
-  <dgm:layoutNode name="Name0">
+  <dgm:layoutNode name="CompostProcess">
     <dgm:varLst>
       <dgm:dir/>
       <dgm:resizeHandles val="exact"/>
     </dgm:varLst>
-    <dgm:choose name="Name1">
-      <dgm:if name="Name2" func="var" arg="dir" op="equ" val="norm">
-        <dgm:alg type="lin"/>
-      </dgm:if>
-      <dgm:else name="Name3">
-        <dgm:alg type="lin">
-          <dgm:param type="linDir" val="fromR"/>
-        </dgm:alg>
-      </dgm:else>
-    </dgm:choose>
+    <dgm:alg type="composite">
+      <dgm:param type="horzAlign" val="ctr"/>
+      <dgm:param type="vertAlign" val="mid"/>
+    </dgm:alg>
     <dgm:shape xmlns:r="http://schemas.openxmlformats.org/officeDocument/2006/relationships" r:blip="">
       <dgm:adjLst/>
     </dgm:shape>
     <dgm:presOf/>
     <dgm:constrLst>
-      <dgm:constr type="w" for="ch" ptType="node" refType="w"/>
-      <dgm:constr type="h" for="ch" ptType="node" op="equ"/>
-      <dgm:constr type="primFontSz" for="ch" ptType="node" op="equ" val="65"/>
-      <dgm:constr type="w" for="ch" ptType="sibTrans" refType="w" refFor="ch" refPtType="node" op="equ" fact="0.4"/>
-      <dgm:constr type="h" for="ch" ptType="sibTrans" op="equ"/>
-      <dgm:constr type="primFontSz" for="des" forName="connectorText" op="equ" val="55"/>
-      <dgm:constr type="primFontSz" for="des" forName="connectorText" refType="primFontSz" refFor="ch" refPtType="node" op="lte" fact="0.8"/>
+      <dgm:constr type="w" for="ch" forName="arrow" refType="w" fact="0.85"/>
+      <dgm:constr type="h" for="ch" forName="arrow" refType="h"/>
+      <dgm:constr type="ctrX" for="ch" forName="arrow" refType="w" fact="0.5"/>
+      <dgm:constr type="ctrY" for="ch" forName="arrow" refType="h" fact="0.5"/>
+      <dgm:constr type="w" for="ch" forName="linearProcess" refType="w"/>
+      <dgm:constr type="h" for="ch" forName="linearProcess" refType="h" fact="0.4"/>
+      <dgm:constr type="ctrX" for="ch" forName="linearProcess" refType="w" fact="0.5"/>
+      <dgm:constr type="ctrY" for="ch" forName="linearProcess" refType="h" fact="0.5"/>
     </dgm:constrLst>
     <dgm:ruleLst/>
-    <dgm:forEach name="nodesForEach" axis="ch" ptType="node">
-      <dgm:layoutNode name="node">
-        <dgm:varLst>
-          <dgm:bulletEnabled val="1"/>
-        </dgm:varLst>
-        <dgm:alg type="tx"/>
-        <dgm:shape xmlns:r="http://schemas.openxmlformats.org/officeDocument/2006/relationships" type="roundRect" r:blip="">
-          <dgm:adjLst>
-            <dgm:adj idx="1" val="0.1"/>
-          </dgm:adjLst>
-        </dgm:shape>
-        <dgm:presOf axis="desOrSelf" ptType="node"/>
-        <dgm:constrLst>
-          <dgm:constr type="h" refType="w" fact="0.6"/>
-          <dgm:constr type="tMarg" refType="primFontSz" fact="0.3"/>
-          <dgm:constr type="bMarg" refType="primFontSz" fact="0.3"/>
-          <dgm:constr type="lMarg" refType="primFontSz" fact="0.3"/>
-          <dgm:constr type="rMarg" refType="primFontSz" fact="0.3"/>
-        </dgm:constrLst>
-        <dgm:ruleLst>
-          <dgm:rule type="primFontSz" val="18" fact="NaN" max="NaN"/>
-          <dgm:rule type="h" val="NaN" fact="1.5" max="NaN"/>
-          <dgm:rule type="primFontSz" val="5" fact="NaN" max="NaN"/>
-          <dgm:rule type="h" val="INF" fact="NaN" max="NaN"/>
-        </dgm:ruleLst>
-      </dgm:layoutNode>
-      <dgm:forEach name="sibTransForEach" axis="followSib" ptType="sibTrans" cnt="1">
-        <dgm:layoutNode name="sibTrans">
-          <dgm:alg type="conn">
-            <dgm:param type="begPts" val="auto"/>
-            <dgm:param type="endPts" val="auto"/>
-          </dgm:alg>
-          <dgm:shape xmlns:r="http://schemas.openxmlformats.org/officeDocument/2006/relationships" type="conn" r:blip="">
+    <dgm:layoutNode name="arrow" styleLbl="bgShp">
+      <dgm:alg type="sp"/>
+      <dgm:choose name="Name0">
+        <dgm:if name="Name1" func="var" arg="dir" op="equ" val="norm">
+          <dgm:shape xmlns:r="http://schemas.openxmlformats.org/officeDocument/2006/relationships" type="rightArrow" r:blip="">
             <dgm:adjLst/>
           </dgm:shape>
-          <dgm:presOf axis="self"/>
+        </dgm:if>
+        <dgm:else name="Name2">
+          <dgm:shape xmlns:r="http://schemas.openxmlformats.org/officeDocument/2006/relationships" type="leftArrow" r:blip="">
+            <dgm:adjLst/>
+          </dgm:shape>
+        </dgm:else>
+      </dgm:choose>
+      <dgm:presOf/>
+      <dgm:constrLst/>
+      <dgm:ruleLst/>
+    </dgm:layoutNode>
+    <dgm:layoutNode name="linearProcess">
+      <dgm:choose name="Name3">
+        <dgm:if name="Name4" func="var" arg="dir" op="equ" val="norm">
+          <dgm:alg type="lin"/>
+        </dgm:if>
+        <dgm:else name="Name5">
+          <dgm:alg type="lin">
+            <dgm:param type="linDir" val="fromR"/>
+          </dgm:alg>
+        </dgm:else>
+      </dgm:choose>
+      <dgm:shape xmlns:r="http://schemas.openxmlformats.org/officeDocument/2006/relationships" r:blip="">
+        <dgm:adjLst/>
+      </dgm:shape>
+      <dgm:presOf/>
+      <dgm:constrLst>
+        <dgm:constr type="userA" for="ch" ptType="node" refType="w"/>
+        <dgm:constr type="h" for="ch" ptType="node" refType="h"/>
+        <dgm:constr type="w" for="ch" ptType="node" op="equ"/>
+        <dgm:constr type="w" for="ch" forName="sibTrans" refType="w" fact="0.05"/>
+        <dgm:constr type="primFontSz" for="ch" ptType="node" op="equ" val="65"/>
+      </dgm:constrLst>
+      <dgm:ruleLst/>
+      <dgm:forEach name="Name6" axis="ch" ptType="node">
+        <dgm:layoutNode name="textNode" styleLbl="node1">
+          <dgm:varLst>
+            <dgm:bulletEnabled val="1"/>
+          </dgm:varLst>
+          <dgm:alg type="tx"/>
+          <dgm:shape xmlns:r="http://schemas.openxmlformats.org/officeDocument/2006/relationships" type="roundRect" r:blip="">
+            <dgm:adjLst/>
+          </dgm:shape>
+          <dgm:presOf axis="desOrSelf" ptType="node"/>
           <dgm:constrLst>
-            <dgm:constr type="h" refType="w" fact="0.62"/>
-            <dgm:constr type="connDist"/>
-            <dgm:constr type="begPad" refType="connDist" fact="0.25"/>
-            <dgm:constr type="endPad" refType="connDist" fact="0.22"/>
+            <dgm:constr type="userA"/>
+            <dgm:constr type="w" refType="userA" fact="0.3"/>
+            <dgm:constr type="tMarg" refType="primFontSz" fact="0.3"/>
+            <dgm:constr type="bMarg" refType="primFontSz" fact="0.3"/>
+            <dgm:constr type="lMarg" refType="primFontSz" fact="0.3"/>
+            <dgm:constr type="rMarg" refType="primFontSz" fact="0.3"/>
           </dgm:constrLst>
-          <dgm:ruleLst/>
-          <dgm:layoutNode name="connectorText">
-            <dgm:alg type="tx">
-              <dgm:param type="autoTxRot" val="grav"/>
-            </dgm:alg>
-            <dgm:shape xmlns:r="http://schemas.openxmlformats.org/officeDocument/2006/relationships" type="conn" r:blip="" hideGeom="1">
+          <dgm:ruleLst>
+            <dgm:rule type="w" val="NaN" fact="1" max="NaN"/>
+            <dgm:rule type="primFontSz" val="5" fact="NaN" max="NaN"/>
+          </dgm:ruleLst>
+        </dgm:layoutNode>
+        <dgm:forEach name="Name7" axis="followSib" ptType="sibTrans" cnt="1">
+          <dgm:layoutNode name="sibTrans">
+            <dgm:alg type="sp"/>
+            <dgm:shape xmlns:r="http://schemas.openxmlformats.org/officeDocument/2006/relationships" r:blip="">
               <dgm:adjLst/>
             </dgm:shape>
-            <dgm:presOf axis="self"/>
-            <dgm:constrLst>
-              <dgm:constr type="lMarg"/>
-              <dgm:constr type="rMarg"/>
-              <dgm:constr type="tMarg"/>
-              <dgm:constr type="bMarg"/>
-            </dgm:constrLst>
-            <dgm:ruleLst>
-              <dgm:rule type="primFontSz" val="5" fact="NaN" max="NaN"/>
-            </dgm:ruleLst>
+            <dgm:presOf/>
+            <dgm:constrLst/>
+            <dgm:ruleLst/>
           </dgm:layoutNode>
-        </dgm:layoutNode>
+        </dgm:forEach>
       </dgm:forEach>
-    </dgm:forEach>
+    </dgm:layoutNode>
   </dgm:layoutNode>
 </dgm:layoutDef>
 </file>
@@ -11979,7 +11979,7 @@
           <a:p>
             <a:fld id="{E0460530-21AB-4667-8DDF-0CFD1A19A456}" type="slidenum">
               <a:rPr lang="en-IN" smtClean="0"/>
-              <a:t>21</a:t>
+              <a:t>22</a:t>
             </a:fld>
             <a:endParaRPr lang="en-IN"/>
           </a:p>
@@ -12980,7 +12980,7 @@
           <a:p>
             <a:r>
               <a:rPr lang="en-US" dirty="0"/>
-              <a:t># The dataset had 3 languages: English, Hindi and Bangla. </a:t>
+              <a:t># The dataset had 2 languages: English and Bangla. </a:t>
             </a:r>
           </a:p>
           <a:p>
@@ -12992,16 +12992,8 @@
           <a:p>
             <a:r>
               <a:rPr lang="en-US" dirty="0"/>
-              <a:t># The passages were then scanned into digital images.</a:t>
-            </a:r>
-          </a:p>
-          <a:p>
-            <a:r>
-              <a:rPr lang="en-IN" dirty="0"/>
-              <a:t># Currently, we will be working on Bangla and English text only.</a:t>
-            </a:r>
-          </a:p>
-          <a:p>
+              <a:t># The passages were then scanned into digital images. </a:t>
+            </a:r>
             <a:r>
               <a:rPr lang="en-IN" dirty="0"/>
               <a:t>#</a:t>
@@ -13216,6 +13208,12 @@
           <a:p>
             <a:r>
               <a:rPr lang="en-US" dirty="0"/>
+              <a:t># Each set has an average of 43 images.</a:t>
+            </a:r>
+          </a:p>
+          <a:p>
+            <a:r>
+              <a:rPr lang="en-US" dirty="0"/>
               <a:t># The images are stored as dot TIFF files, that is Tag Image File Format.</a:t>
             </a:r>
           </a:p>
@@ -13333,23 +13331,7 @@
             </a:r>
             <a:r>
               <a:rPr lang="en-IN" dirty="0"/>
-              <a:t>. (Fun fact: It says ”</a:t>
-            </a:r>
-            <a:r>
-              <a:rPr lang="en-IN" dirty="0" err="1"/>
-              <a:t>ekti</a:t>
-            </a:r>
-            <a:r>
-              <a:rPr lang="en-IN" dirty="0"/>
-              <a:t> </a:t>
-            </a:r>
-            <a:r>
-              <a:rPr lang="en-IN" dirty="0" err="1"/>
-              <a:t>shohore</a:t>
-            </a:r>
-            <a:r>
-              <a:rPr lang="en-IN" dirty="0"/>
-              <a:t>”, which means “In a city” in Bangla.)</a:t>
+              <a:t>. </a:t>
             </a:r>
           </a:p>
           <a:p>
@@ -13658,7 +13640,7 @@
               <a:t># It has 92.7% accuracy on top 5 accuracy tests with the </a:t>
             </a:r>
             <a:r>
-              <a:rPr lang="en-IN" sz="2800" b="0" i="0" u="none" dirty="0">
+              <a:rPr lang="en-IN" sz="2800" b="0" i="0" u="sng" dirty="0">
                 <a:solidFill>
                   <a:schemeClr val="tx1"/>
                 </a:solidFill>
@@ -13675,7 +13657,7 @@
               <a:t>ImageNet Large Scale Visual Recognition Challenge (ILSVRC</a:t>
             </a:r>
             <a:r>
-              <a:rPr lang="en-IN" sz="2800" b="0" i="0" u="none" dirty="0">
+              <a:rPr lang="en-IN" sz="2800" b="0" i="0" u="sng" dirty="0">
                 <a:solidFill>
                   <a:srgbClr val="0563C1"/>
                 </a:solidFill>
@@ -13692,7 +13674,7 @@
               <a:t>)</a:t>
             </a:r>
             <a:r>
-              <a:rPr lang="en-IN" sz="2800" b="0" i="0" u="none" dirty="0">
+              <a:rPr lang="en-IN" sz="2800" b="0" i="0" u="sng" dirty="0">
                 <a:solidFill>
                   <a:srgbClr val="333333"/>
                 </a:solidFill>
@@ -17756,7 +17738,7 @@
                 <a:latin typeface="Frank Ruhl Libre" panose="00000500000000000000" pitchFamily="2" charset="-79"/>
                 <a:cs typeface="Frank Ruhl Libre" panose="00000500000000000000" pitchFamily="2" charset="-79"/>
               </a:rPr>
-              <a:t>3 Language: English, Hindi, Bangla</a:t>
+              <a:t>2 Language: English, Bangla</a:t>
             </a:r>
           </a:p>
           <a:p>
@@ -17776,21 +17758,6 @@
               </a:rPr>
               <a:t>Passages scanned into images</a:t>
             </a:r>
-          </a:p>
-          <a:p>
-            <a:r>
-              <a:rPr lang="en-US" dirty="0">
-                <a:latin typeface="Frank Ruhl Libre" panose="00000500000000000000" pitchFamily="2" charset="-79"/>
-                <a:cs typeface="Frank Ruhl Libre" panose="00000500000000000000" pitchFamily="2" charset="-79"/>
-              </a:rPr>
-              <a:t>Bangla and English Text only in our current work</a:t>
-            </a:r>
-          </a:p>
-          <a:p>
-            <a:endParaRPr lang="en-US" dirty="0">
-              <a:latin typeface="Frank Ruhl Libre" panose="00000500000000000000" pitchFamily="2" charset="-79"/>
-              <a:cs typeface="Frank Ruhl Libre" panose="00000500000000000000" pitchFamily="2" charset="-79"/>
-            </a:endParaRPr>
           </a:p>
         </p:txBody>
       </p:sp>
@@ -18008,55 +17975,6 @@
                       </p:childTnLst>
                     </p:cTn>
                   </p:par>
-                  <p:par>
-                    <p:cTn id="19" fill="hold">
-                      <p:stCondLst>
-                        <p:cond delay="indefinite"/>
-                      </p:stCondLst>
-                      <p:childTnLst>
-                        <p:par>
-                          <p:cTn id="20" fill="hold">
-                            <p:stCondLst>
-                              <p:cond delay="0"/>
-                            </p:stCondLst>
-                            <p:childTnLst>
-                              <p:par>
-                                <p:cTn id="21" presetID="1" presetClass="entr" presetSubtype="0" fill="hold" grpId="0" nodeType="clickEffect">
-                                  <p:stCondLst>
-                                    <p:cond delay="0"/>
-                                  </p:stCondLst>
-                                  <p:childTnLst>
-                                    <p:set>
-                                      <p:cBhvr>
-                                        <p:cTn id="22" dur="1" fill="hold">
-                                          <p:stCondLst>
-                                            <p:cond delay="0"/>
-                                          </p:stCondLst>
-                                        </p:cTn>
-                                        <p:tgtEl>
-                                          <p:spTgt spid="3">
-                                            <p:txEl>
-                                              <p:pRg st="4" end="4"/>
-                                            </p:txEl>
-                                          </p:spTgt>
-                                        </p:tgtEl>
-                                        <p:attrNameLst>
-                                          <p:attrName>style.visibility</p:attrName>
-                                        </p:attrNameLst>
-                                      </p:cBhvr>
-                                      <p:to>
-                                        <p:strVal val="visible"/>
-                                      </p:to>
-                                    </p:set>
-                                  </p:childTnLst>
-                                </p:cTn>
-                              </p:par>
-                            </p:childTnLst>
-                          </p:cTn>
-                        </p:par>
-                      </p:childTnLst>
-                    </p:cTn>
-                  </p:par>
                 </p:childTnLst>
               </p:cTn>
               <p:prevCondLst>
@@ -18159,7 +18077,7 @@
         </p:spPr>
         <p:txBody>
           <a:bodyPr>
-            <a:normAutofit fontScale="85000" lnSpcReduction="20000"/>
+            <a:normAutofit fontScale="77500" lnSpcReduction="20000"/>
           </a:bodyPr>
           <a:lstStyle/>
           <a:p>
@@ -18252,6 +18170,15 @@
                 <a:cs typeface="Frank Ruhl Libre" panose="00000500000000000000" pitchFamily="2" charset="-79"/>
               </a:rPr>
               <a:t>3 Training Sets and 2 Testing Sets</a:t>
+            </a:r>
+          </a:p>
+          <a:p>
+            <a:r>
+              <a:rPr lang="en-US" dirty="0">
+                <a:latin typeface="Frank Ruhl Libre" panose="00000500000000000000" pitchFamily="2" charset="-79"/>
+                <a:cs typeface="Frank Ruhl Libre" panose="00000500000000000000" pitchFamily="2" charset="-79"/>
+              </a:rPr>
+              <a:t>Average 43 images per Set</a:t>
             </a:r>
           </a:p>
           <a:p>
@@ -18757,6 +18684,55 @@
                       </p:childTnLst>
                     </p:cTn>
                   </p:par>
+                  <p:par>
+                    <p:cTn id="39" fill="hold">
+                      <p:stCondLst>
+                        <p:cond delay="indefinite"/>
+                      </p:stCondLst>
+                      <p:childTnLst>
+                        <p:par>
+                          <p:cTn id="40" fill="hold">
+                            <p:stCondLst>
+                              <p:cond delay="0"/>
+                            </p:stCondLst>
+                            <p:childTnLst>
+                              <p:par>
+                                <p:cTn id="41" presetID="1" presetClass="entr" presetSubtype="0" fill="hold" grpId="0" nodeType="clickEffect">
+                                  <p:stCondLst>
+                                    <p:cond delay="0"/>
+                                  </p:stCondLst>
+                                  <p:childTnLst>
+                                    <p:set>
+                                      <p:cBhvr>
+                                        <p:cTn id="42" dur="1" fill="hold">
+                                          <p:stCondLst>
+                                            <p:cond delay="0"/>
+                                          </p:stCondLst>
+                                        </p:cTn>
+                                        <p:tgtEl>
+                                          <p:spTgt spid="3">
+                                            <p:txEl>
+                                              <p:pRg st="11" end="11"/>
+                                            </p:txEl>
+                                          </p:spTgt>
+                                        </p:tgtEl>
+                                        <p:attrNameLst>
+                                          <p:attrName>style.visibility</p:attrName>
+                                        </p:attrNameLst>
+                                      </p:cBhvr>
+                                      <p:to>
+                                        <p:strVal val="visible"/>
+                                      </p:to>
+                                    </p:set>
+                                  </p:childTnLst>
+                                </p:cTn>
+                              </p:par>
+                            </p:childTnLst>
+                          </p:cTn>
+                        </p:par>
+                      </p:childTnLst>
+                    </p:cTn>
+                  </p:par>
                 </p:childTnLst>
               </p:cTn>
               <p:prevCondLst>
@@ -20807,6 +20783,503 @@
           <p:cNvPr id="2" name="Title 1">
             <a:extLst>
               <a:ext uri="{FF2B5EF4-FFF2-40B4-BE49-F238E27FC236}">
+                <a16:creationId xmlns:a16="http://schemas.microsoft.com/office/drawing/2014/main" id="{F7258F8C-ABA3-4DD3-AA44-CB347DC3305E}"/>
+              </a:ext>
+            </a:extLst>
+          </p:cNvPr>
+          <p:cNvSpPr>
+            <a:spLocks noGrp="1"/>
+          </p:cNvSpPr>
+          <p:nvPr>
+            <p:ph type="title"/>
+          </p:nvPr>
+        </p:nvSpPr>
+        <p:spPr/>
+        <p:txBody>
+          <a:bodyPr/>
+          <a:lstStyle/>
+          <a:p>
+            <a:r>
+              <a:rPr lang="en-IN" dirty="0">
+                <a:latin typeface="Garamond" panose="02020404030301010803" pitchFamily="18" charset="0"/>
+              </a:rPr>
+              <a:t>Image Pre-processing</a:t>
+            </a:r>
+          </a:p>
+        </p:txBody>
+      </p:sp>
+      <p:graphicFrame>
+        <p:nvGraphicFramePr>
+          <p:cNvPr id="4" name="Content Placeholder 3">
+            <a:extLst>
+              <a:ext uri="{FF2B5EF4-FFF2-40B4-BE49-F238E27FC236}">
+                <a16:creationId xmlns:a16="http://schemas.microsoft.com/office/drawing/2014/main" id="{BEFD82BE-A453-4704-A02C-0E30EFC67745}"/>
+              </a:ext>
+            </a:extLst>
+          </p:cNvPr>
+          <p:cNvGraphicFramePr>
+            <a:graphicFrameLocks noGrp="1"/>
+          </p:cNvGraphicFramePr>
+          <p:nvPr>
+            <p:ph idx="1"/>
+            <p:extLst>
+              <p:ext uri="{D42A27DB-BD31-4B8C-83A1-F6EECF244321}">
+                <p14:modId xmlns:p14="http://schemas.microsoft.com/office/powerpoint/2010/main" val="4293945100"/>
+              </p:ext>
+            </p:extLst>
+          </p:nvPr>
+        </p:nvGraphicFramePr>
+        <p:xfrm>
+          <a:off x="838200" y="1429794"/>
+          <a:ext cx="10515600" cy="4351338"/>
+        </p:xfrm>
+        <a:graphic>
+          <a:graphicData uri="http://schemas.openxmlformats.org/drawingml/2006/diagram">
+            <dgm:relIds xmlns:dgm="http://schemas.openxmlformats.org/drawingml/2006/diagram" xmlns:r="http://schemas.openxmlformats.org/officeDocument/2006/relationships" r:dm="rId2" r:lo="rId3" r:qs="rId4" r:cs="rId5"/>
+          </a:graphicData>
+        </a:graphic>
+      </p:graphicFrame>
+    </p:spTree>
+    <p:extLst>
+      <p:ext uri="{BB962C8B-B14F-4D97-AF65-F5344CB8AC3E}">
+        <p14:creationId xmlns:p14="http://schemas.microsoft.com/office/powerpoint/2010/main" val="2469712927"/>
+      </p:ext>
+    </p:extLst>
+  </p:cSld>
+  <p:clrMapOvr>
+    <a:masterClrMapping/>
+  </p:clrMapOvr>
+  <p:timing>
+    <p:tnLst>
+      <p:par>
+        <p:cTn id="1" dur="indefinite" restart="never" nodeType="tmRoot">
+          <p:childTnLst>
+            <p:seq concurrent="1" nextAc="seek">
+              <p:cTn id="2" dur="indefinite" nodeType="mainSeq">
+                <p:childTnLst>
+                  <p:par>
+                    <p:cTn id="3" fill="hold">
+                      <p:stCondLst>
+                        <p:cond delay="indefinite"/>
+                      </p:stCondLst>
+                      <p:childTnLst>
+                        <p:par>
+                          <p:cTn id="4" fill="hold">
+                            <p:stCondLst>
+                              <p:cond delay="0"/>
+                            </p:stCondLst>
+                            <p:childTnLst>
+                              <p:par>
+                                <p:cTn id="5" presetID="1" presetClass="entr" presetSubtype="0" fill="hold" grpId="0" nodeType="clickEffect">
+                                  <p:stCondLst>
+                                    <p:cond delay="0"/>
+                                  </p:stCondLst>
+                                  <p:childTnLst>
+                                    <p:set>
+                                      <p:cBhvr>
+                                        <p:cTn id="6" dur="1" fill="hold">
+                                          <p:stCondLst>
+                                            <p:cond delay="0"/>
+                                          </p:stCondLst>
+                                        </p:cTn>
+                                        <p:tgtEl>
+                                          <p:spTgt spid="4">
+                                            <p:graphicEl>
+                                              <a:dgm id="{8D39F71D-70C2-41F3-A074-201A632FF019}"/>
+                                            </p:graphicEl>
+                                          </p:spTgt>
+                                        </p:tgtEl>
+                                        <p:attrNameLst>
+                                          <p:attrName>style.visibility</p:attrName>
+                                        </p:attrNameLst>
+                                      </p:cBhvr>
+                                      <p:to>
+                                        <p:strVal val="visible"/>
+                                      </p:to>
+                                    </p:set>
+                                  </p:childTnLst>
+                                </p:cTn>
+                              </p:par>
+                            </p:childTnLst>
+                          </p:cTn>
+                        </p:par>
+                      </p:childTnLst>
+                    </p:cTn>
+                  </p:par>
+                  <p:par>
+                    <p:cTn id="7" fill="hold">
+                      <p:stCondLst>
+                        <p:cond delay="indefinite"/>
+                      </p:stCondLst>
+                      <p:childTnLst>
+                        <p:par>
+                          <p:cTn id="8" fill="hold">
+                            <p:stCondLst>
+                              <p:cond delay="0"/>
+                            </p:stCondLst>
+                            <p:childTnLst>
+                              <p:par>
+                                <p:cTn id="9" presetID="1" presetClass="entr" presetSubtype="0" fill="hold" grpId="0" nodeType="clickEffect">
+                                  <p:stCondLst>
+                                    <p:cond delay="0"/>
+                                  </p:stCondLst>
+                                  <p:childTnLst>
+                                    <p:set>
+                                      <p:cBhvr>
+                                        <p:cTn id="10" dur="1" fill="hold">
+                                          <p:stCondLst>
+                                            <p:cond delay="0"/>
+                                          </p:stCondLst>
+                                        </p:cTn>
+                                        <p:tgtEl>
+                                          <p:spTgt spid="4">
+                                            <p:graphicEl>
+                                              <a:dgm id="{83CD4C3B-2D52-477D-9FAC-7CFCB8C2668B}"/>
+                                            </p:graphicEl>
+                                          </p:spTgt>
+                                        </p:tgtEl>
+                                        <p:attrNameLst>
+                                          <p:attrName>style.visibility</p:attrName>
+                                        </p:attrNameLst>
+                                      </p:cBhvr>
+                                      <p:to>
+                                        <p:strVal val="visible"/>
+                                      </p:to>
+                                    </p:set>
+                                  </p:childTnLst>
+                                </p:cTn>
+                              </p:par>
+                              <p:par>
+                                <p:cTn id="11" presetID="1" presetClass="entr" presetSubtype="0" fill="hold" grpId="0" nodeType="withEffect">
+                                  <p:stCondLst>
+                                    <p:cond delay="0"/>
+                                  </p:stCondLst>
+                                  <p:childTnLst>
+                                    <p:set>
+                                      <p:cBhvr>
+                                        <p:cTn id="12" dur="1" fill="hold">
+                                          <p:stCondLst>
+                                            <p:cond delay="0"/>
+                                          </p:stCondLst>
+                                        </p:cTn>
+                                        <p:tgtEl>
+                                          <p:spTgt spid="4">
+                                            <p:graphicEl>
+                                              <a:dgm id="{93639E22-A88A-4BC9-99C1-36A9D9F960B5}"/>
+                                            </p:graphicEl>
+                                          </p:spTgt>
+                                        </p:tgtEl>
+                                        <p:attrNameLst>
+                                          <p:attrName>style.visibility</p:attrName>
+                                        </p:attrNameLst>
+                                      </p:cBhvr>
+                                      <p:to>
+                                        <p:strVal val="visible"/>
+                                      </p:to>
+                                    </p:set>
+                                  </p:childTnLst>
+                                </p:cTn>
+                              </p:par>
+                            </p:childTnLst>
+                          </p:cTn>
+                        </p:par>
+                      </p:childTnLst>
+                    </p:cTn>
+                  </p:par>
+                  <p:par>
+                    <p:cTn id="13" fill="hold">
+                      <p:stCondLst>
+                        <p:cond delay="indefinite"/>
+                      </p:stCondLst>
+                      <p:childTnLst>
+                        <p:par>
+                          <p:cTn id="14" fill="hold">
+                            <p:stCondLst>
+                              <p:cond delay="0"/>
+                            </p:stCondLst>
+                            <p:childTnLst>
+                              <p:par>
+                                <p:cTn id="15" presetID="1" presetClass="entr" presetSubtype="0" fill="hold" grpId="0" nodeType="clickEffect">
+                                  <p:stCondLst>
+                                    <p:cond delay="0"/>
+                                  </p:stCondLst>
+                                  <p:childTnLst>
+                                    <p:set>
+                                      <p:cBhvr>
+                                        <p:cTn id="16" dur="1" fill="hold">
+                                          <p:stCondLst>
+                                            <p:cond delay="0"/>
+                                          </p:stCondLst>
+                                        </p:cTn>
+                                        <p:tgtEl>
+                                          <p:spTgt spid="4">
+                                            <p:graphicEl>
+                                              <a:dgm id="{AFB16C15-36BC-49F3-9E0C-816E5F0E95D1}"/>
+                                            </p:graphicEl>
+                                          </p:spTgt>
+                                        </p:tgtEl>
+                                        <p:attrNameLst>
+                                          <p:attrName>style.visibility</p:attrName>
+                                        </p:attrNameLst>
+                                      </p:cBhvr>
+                                      <p:to>
+                                        <p:strVal val="visible"/>
+                                      </p:to>
+                                    </p:set>
+                                  </p:childTnLst>
+                                </p:cTn>
+                              </p:par>
+                              <p:par>
+                                <p:cTn id="17" presetID="1" presetClass="entr" presetSubtype="0" fill="hold" grpId="0" nodeType="withEffect">
+                                  <p:stCondLst>
+                                    <p:cond delay="0"/>
+                                  </p:stCondLst>
+                                  <p:childTnLst>
+                                    <p:set>
+                                      <p:cBhvr>
+                                        <p:cTn id="18" dur="1" fill="hold">
+                                          <p:stCondLst>
+                                            <p:cond delay="0"/>
+                                          </p:stCondLst>
+                                        </p:cTn>
+                                        <p:tgtEl>
+                                          <p:spTgt spid="4">
+                                            <p:graphicEl>
+                                              <a:dgm id="{8B400A85-D0D8-45AE-A4C2-F6D3E2AACFB4}"/>
+                                            </p:graphicEl>
+                                          </p:spTgt>
+                                        </p:tgtEl>
+                                        <p:attrNameLst>
+                                          <p:attrName>style.visibility</p:attrName>
+                                        </p:attrNameLst>
+                                      </p:cBhvr>
+                                      <p:to>
+                                        <p:strVal val="visible"/>
+                                      </p:to>
+                                    </p:set>
+                                  </p:childTnLst>
+                                </p:cTn>
+                              </p:par>
+                            </p:childTnLst>
+                          </p:cTn>
+                        </p:par>
+                      </p:childTnLst>
+                    </p:cTn>
+                  </p:par>
+                  <p:par>
+                    <p:cTn id="19" fill="hold">
+                      <p:stCondLst>
+                        <p:cond delay="indefinite"/>
+                      </p:stCondLst>
+                      <p:childTnLst>
+                        <p:par>
+                          <p:cTn id="20" fill="hold">
+                            <p:stCondLst>
+                              <p:cond delay="0"/>
+                            </p:stCondLst>
+                            <p:childTnLst>
+                              <p:par>
+                                <p:cTn id="21" presetID="1" presetClass="entr" presetSubtype="0" fill="hold" grpId="0" nodeType="clickEffect">
+                                  <p:stCondLst>
+                                    <p:cond delay="0"/>
+                                  </p:stCondLst>
+                                  <p:childTnLst>
+                                    <p:set>
+                                      <p:cBhvr>
+                                        <p:cTn id="22" dur="1" fill="hold">
+                                          <p:stCondLst>
+                                            <p:cond delay="0"/>
+                                          </p:stCondLst>
+                                        </p:cTn>
+                                        <p:tgtEl>
+                                          <p:spTgt spid="4">
+                                            <p:graphicEl>
+                                              <a:dgm id="{01E5DCC6-093E-4096-8DC3-325AF9829412}"/>
+                                            </p:graphicEl>
+                                          </p:spTgt>
+                                        </p:tgtEl>
+                                        <p:attrNameLst>
+                                          <p:attrName>style.visibility</p:attrName>
+                                        </p:attrNameLst>
+                                      </p:cBhvr>
+                                      <p:to>
+                                        <p:strVal val="visible"/>
+                                      </p:to>
+                                    </p:set>
+                                  </p:childTnLst>
+                                </p:cTn>
+                              </p:par>
+                              <p:par>
+                                <p:cTn id="23" presetID="1" presetClass="entr" presetSubtype="0" fill="hold" grpId="0" nodeType="withEffect">
+                                  <p:stCondLst>
+                                    <p:cond delay="0"/>
+                                  </p:stCondLst>
+                                  <p:childTnLst>
+                                    <p:set>
+                                      <p:cBhvr>
+                                        <p:cTn id="24" dur="1" fill="hold">
+                                          <p:stCondLst>
+                                            <p:cond delay="0"/>
+                                          </p:stCondLst>
+                                        </p:cTn>
+                                        <p:tgtEl>
+                                          <p:spTgt spid="4">
+                                            <p:graphicEl>
+                                              <a:dgm id="{FBD43B6F-9D2F-48C8-BB26-D5ECE430BEA5}"/>
+                                            </p:graphicEl>
+                                          </p:spTgt>
+                                        </p:tgtEl>
+                                        <p:attrNameLst>
+                                          <p:attrName>style.visibility</p:attrName>
+                                        </p:attrNameLst>
+                                      </p:cBhvr>
+                                      <p:to>
+                                        <p:strVal val="visible"/>
+                                      </p:to>
+                                    </p:set>
+                                  </p:childTnLst>
+                                </p:cTn>
+                              </p:par>
+                            </p:childTnLst>
+                          </p:cTn>
+                        </p:par>
+                      </p:childTnLst>
+                    </p:cTn>
+                  </p:par>
+                  <p:par>
+                    <p:cTn id="25" fill="hold">
+                      <p:stCondLst>
+                        <p:cond delay="indefinite"/>
+                      </p:stCondLst>
+                      <p:childTnLst>
+                        <p:par>
+                          <p:cTn id="26" fill="hold">
+                            <p:stCondLst>
+                              <p:cond delay="0"/>
+                            </p:stCondLst>
+                            <p:childTnLst>
+                              <p:par>
+                                <p:cTn id="27" presetID="1" presetClass="entr" presetSubtype="0" fill="hold" grpId="0" nodeType="clickEffect">
+                                  <p:stCondLst>
+                                    <p:cond delay="0"/>
+                                  </p:stCondLst>
+                                  <p:childTnLst>
+                                    <p:set>
+                                      <p:cBhvr>
+                                        <p:cTn id="28" dur="1" fill="hold">
+                                          <p:stCondLst>
+                                            <p:cond delay="0"/>
+                                          </p:stCondLst>
+                                        </p:cTn>
+                                        <p:tgtEl>
+                                          <p:spTgt spid="4">
+                                            <p:graphicEl>
+                                              <a:dgm id="{8D308BC2-5FCD-4B99-B4A5-FD989C4E5ABA}"/>
+                                            </p:graphicEl>
+                                          </p:spTgt>
+                                        </p:tgtEl>
+                                        <p:attrNameLst>
+                                          <p:attrName>style.visibility</p:attrName>
+                                        </p:attrNameLst>
+                                      </p:cBhvr>
+                                      <p:to>
+                                        <p:strVal val="visible"/>
+                                      </p:to>
+                                    </p:set>
+                                  </p:childTnLst>
+                                </p:cTn>
+                              </p:par>
+                              <p:par>
+                                <p:cTn id="29" presetID="1" presetClass="entr" presetSubtype="0" fill="hold" grpId="0" nodeType="withEffect">
+                                  <p:stCondLst>
+                                    <p:cond delay="0"/>
+                                  </p:stCondLst>
+                                  <p:childTnLst>
+                                    <p:set>
+                                      <p:cBhvr>
+                                        <p:cTn id="30" dur="1" fill="hold">
+                                          <p:stCondLst>
+                                            <p:cond delay="0"/>
+                                          </p:stCondLst>
+                                        </p:cTn>
+                                        <p:tgtEl>
+                                          <p:spTgt spid="4">
+                                            <p:graphicEl>
+                                              <a:dgm id="{EB418920-7118-46EB-B44E-DEF18D07DB66}"/>
+                                            </p:graphicEl>
+                                          </p:spTgt>
+                                        </p:tgtEl>
+                                        <p:attrNameLst>
+                                          <p:attrName>style.visibility</p:attrName>
+                                        </p:attrNameLst>
+                                      </p:cBhvr>
+                                      <p:to>
+                                        <p:strVal val="visible"/>
+                                      </p:to>
+                                    </p:set>
+                                  </p:childTnLst>
+                                </p:cTn>
+                              </p:par>
+                            </p:childTnLst>
+                          </p:cTn>
+                        </p:par>
+                      </p:childTnLst>
+                    </p:cTn>
+                  </p:par>
+                </p:childTnLst>
+              </p:cTn>
+              <p:prevCondLst>
+                <p:cond evt="onPrev" delay="0">
+                  <p:tgtEl>
+                    <p:sldTgt/>
+                  </p:tgtEl>
+                </p:cond>
+              </p:prevCondLst>
+              <p:nextCondLst>
+                <p:cond evt="onNext" delay="0">
+                  <p:tgtEl>
+                    <p:sldTgt/>
+                  </p:tgtEl>
+                </p:cond>
+              </p:nextCondLst>
+            </p:seq>
+          </p:childTnLst>
+        </p:cTn>
+      </p:par>
+    </p:tnLst>
+    <p:bldLst>
+      <p:bldGraphic spid="4" grpId="0">
+        <p:bldSub>
+          <a:bldDgm bld="one"/>
+        </p:bldSub>
+      </p:bldGraphic>
+    </p:bldLst>
+  </p:timing>
+</p:sld>
+</file>
+
+<file path=ppt/slides/slide21.xml><?xml version="1.0" encoding="utf-8"?>
+<p:sld xmlns:a="http://schemas.openxmlformats.org/drawingml/2006/main" xmlns:r="http://schemas.openxmlformats.org/officeDocument/2006/relationships" xmlns:p="http://schemas.openxmlformats.org/presentationml/2006/main">
+  <p:cSld>
+    <p:spTree>
+      <p:nvGrpSpPr>
+        <p:cNvPr id="1" name=""/>
+        <p:cNvGrpSpPr/>
+        <p:nvPr/>
+      </p:nvGrpSpPr>
+      <p:grpSpPr>
+        <a:xfrm>
+          <a:off x="0" y="0"/>
+          <a:ext cx="0" cy="0"/>
+          <a:chOff x="0" y="0"/>
+          <a:chExt cx="0" cy="0"/>
+        </a:xfrm>
+      </p:grpSpPr>
+      <p:sp>
+        <p:nvSpPr>
+          <p:cNvPr id="2" name="Title 1">
+            <a:extLst>
+              <a:ext uri="{FF2B5EF4-FFF2-40B4-BE49-F238E27FC236}">
                 <a16:creationId xmlns:a16="http://schemas.microsoft.com/office/drawing/2014/main" id="{A34ECD71-1A3F-4744-BCDD-532A7F7A12C4}"/>
               </a:ext>
             </a:extLst>
@@ -21281,7 +21754,7 @@
 </p:sld>
 </file>
 
-<file path=ppt/slides/slide21.xml><?xml version="1.0" encoding="utf-8"?>
+<file path=ppt/slides/slide22.xml><?xml version="1.0" encoding="utf-8"?>
 <p:sld xmlns:a="http://schemas.openxmlformats.org/drawingml/2006/main" xmlns:r="http://schemas.openxmlformats.org/officeDocument/2006/relationships" xmlns:p="http://schemas.openxmlformats.org/presentationml/2006/main">
   <p:cSld>
     <p:spTree>
@@ -22356,503 +22829,6 @@
       <p:bldP spid="11" grpId="0" animBg="1"/>
       <p:bldP spid="5" grpId="0" animBg="1"/>
       <p:bldP spid="6" grpId="0" animBg="1"/>
-    </p:bldLst>
-  </p:timing>
-</p:sld>
-</file>
-
-<file path=ppt/slides/slide22.xml><?xml version="1.0" encoding="utf-8"?>
-<p:sld xmlns:a="http://schemas.openxmlformats.org/drawingml/2006/main" xmlns:r="http://schemas.openxmlformats.org/officeDocument/2006/relationships" xmlns:p="http://schemas.openxmlformats.org/presentationml/2006/main">
-  <p:cSld>
-    <p:spTree>
-      <p:nvGrpSpPr>
-        <p:cNvPr id="1" name=""/>
-        <p:cNvGrpSpPr/>
-        <p:nvPr/>
-      </p:nvGrpSpPr>
-      <p:grpSpPr>
-        <a:xfrm>
-          <a:off x="0" y="0"/>
-          <a:ext cx="0" cy="0"/>
-          <a:chOff x="0" y="0"/>
-          <a:chExt cx="0" cy="0"/>
-        </a:xfrm>
-      </p:grpSpPr>
-      <p:sp>
-        <p:nvSpPr>
-          <p:cNvPr id="2" name="Title 1">
-            <a:extLst>
-              <a:ext uri="{FF2B5EF4-FFF2-40B4-BE49-F238E27FC236}">
-                <a16:creationId xmlns:a16="http://schemas.microsoft.com/office/drawing/2014/main" id="{F7258F8C-ABA3-4DD3-AA44-CB347DC3305E}"/>
-              </a:ext>
-            </a:extLst>
-          </p:cNvPr>
-          <p:cNvSpPr>
-            <a:spLocks noGrp="1"/>
-          </p:cNvSpPr>
-          <p:nvPr>
-            <p:ph type="title"/>
-          </p:nvPr>
-        </p:nvSpPr>
-        <p:spPr/>
-        <p:txBody>
-          <a:bodyPr/>
-          <a:lstStyle/>
-          <a:p>
-            <a:r>
-              <a:rPr lang="en-IN" dirty="0">
-                <a:latin typeface="Garamond" panose="02020404030301010803" pitchFamily="18" charset="0"/>
-              </a:rPr>
-              <a:t>Image Pre-processing</a:t>
-            </a:r>
-          </a:p>
-        </p:txBody>
-      </p:sp>
-      <p:graphicFrame>
-        <p:nvGraphicFramePr>
-          <p:cNvPr id="4" name="Content Placeholder 3">
-            <a:extLst>
-              <a:ext uri="{FF2B5EF4-FFF2-40B4-BE49-F238E27FC236}">
-                <a16:creationId xmlns:a16="http://schemas.microsoft.com/office/drawing/2014/main" id="{BEFD82BE-A453-4704-A02C-0E30EFC67745}"/>
-              </a:ext>
-            </a:extLst>
-          </p:cNvPr>
-          <p:cNvGraphicFramePr>
-            <a:graphicFrameLocks noGrp="1"/>
-          </p:cNvGraphicFramePr>
-          <p:nvPr>
-            <p:ph idx="1"/>
-            <p:extLst>
-              <p:ext uri="{D42A27DB-BD31-4B8C-83A1-F6EECF244321}">
-                <p14:modId xmlns:p14="http://schemas.microsoft.com/office/powerpoint/2010/main" val="4293945100"/>
-              </p:ext>
-            </p:extLst>
-          </p:nvPr>
-        </p:nvGraphicFramePr>
-        <p:xfrm>
-          <a:off x="838200" y="1429794"/>
-          <a:ext cx="10515600" cy="4351338"/>
-        </p:xfrm>
-        <a:graphic>
-          <a:graphicData uri="http://schemas.openxmlformats.org/drawingml/2006/diagram">
-            <dgm:relIds xmlns:dgm="http://schemas.openxmlformats.org/drawingml/2006/diagram" xmlns:r="http://schemas.openxmlformats.org/officeDocument/2006/relationships" r:dm="rId2" r:lo="rId3" r:qs="rId4" r:cs="rId5"/>
-          </a:graphicData>
-        </a:graphic>
-      </p:graphicFrame>
-    </p:spTree>
-    <p:extLst>
-      <p:ext uri="{BB962C8B-B14F-4D97-AF65-F5344CB8AC3E}">
-        <p14:creationId xmlns:p14="http://schemas.microsoft.com/office/powerpoint/2010/main" val="2469712927"/>
-      </p:ext>
-    </p:extLst>
-  </p:cSld>
-  <p:clrMapOvr>
-    <a:masterClrMapping/>
-  </p:clrMapOvr>
-  <p:timing>
-    <p:tnLst>
-      <p:par>
-        <p:cTn id="1" dur="indefinite" restart="never" nodeType="tmRoot">
-          <p:childTnLst>
-            <p:seq concurrent="1" nextAc="seek">
-              <p:cTn id="2" dur="indefinite" nodeType="mainSeq">
-                <p:childTnLst>
-                  <p:par>
-                    <p:cTn id="3" fill="hold">
-                      <p:stCondLst>
-                        <p:cond delay="indefinite"/>
-                      </p:stCondLst>
-                      <p:childTnLst>
-                        <p:par>
-                          <p:cTn id="4" fill="hold">
-                            <p:stCondLst>
-                              <p:cond delay="0"/>
-                            </p:stCondLst>
-                            <p:childTnLst>
-                              <p:par>
-                                <p:cTn id="5" presetID="1" presetClass="entr" presetSubtype="0" fill="hold" grpId="0" nodeType="clickEffect">
-                                  <p:stCondLst>
-                                    <p:cond delay="0"/>
-                                  </p:stCondLst>
-                                  <p:childTnLst>
-                                    <p:set>
-                                      <p:cBhvr>
-                                        <p:cTn id="6" dur="1" fill="hold">
-                                          <p:stCondLst>
-                                            <p:cond delay="0"/>
-                                          </p:stCondLst>
-                                        </p:cTn>
-                                        <p:tgtEl>
-                                          <p:spTgt spid="4">
-                                            <p:graphicEl>
-                                              <a:dgm id="{8D39F71D-70C2-41F3-A074-201A632FF019}"/>
-                                            </p:graphicEl>
-                                          </p:spTgt>
-                                        </p:tgtEl>
-                                        <p:attrNameLst>
-                                          <p:attrName>style.visibility</p:attrName>
-                                        </p:attrNameLst>
-                                      </p:cBhvr>
-                                      <p:to>
-                                        <p:strVal val="visible"/>
-                                      </p:to>
-                                    </p:set>
-                                  </p:childTnLst>
-                                </p:cTn>
-                              </p:par>
-                            </p:childTnLst>
-                          </p:cTn>
-                        </p:par>
-                      </p:childTnLst>
-                    </p:cTn>
-                  </p:par>
-                  <p:par>
-                    <p:cTn id="7" fill="hold">
-                      <p:stCondLst>
-                        <p:cond delay="indefinite"/>
-                      </p:stCondLst>
-                      <p:childTnLst>
-                        <p:par>
-                          <p:cTn id="8" fill="hold">
-                            <p:stCondLst>
-                              <p:cond delay="0"/>
-                            </p:stCondLst>
-                            <p:childTnLst>
-                              <p:par>
-                                <p:cTn id="9" presetID="1" presetClass="entr" presetSubtype="0" fill="hold" grpId="0" nodeType="clickEffect">
-                                  <p:stCondLst>
-                                    <p:cond delay="0"/>
-                                  </p:stCondLst>
-                                  <p:childTnLst>
-                                    <p:set>
-                                      <p:cBhvr>
-                                        <p:cTn id="10" dur="1" fill="hold">
-                                          <p:stCondLst>
-                                            <p:cond delay="0"/>
-                                          </p:stCondLst>
-                                        </p:cTn>
-                                        <p:tgtEl>
-                                          <p:spTgt spid="4">
-                                            <p:graphicEl>
-                                              <a:dgm id="{83CD4C3B-2D52-477D-9FAC-7CFCB8C2668B}"/>
-                                            </p:graphicEl>
-                                          </p:spTgt>
-                                        </p:tgtEl>
-                                        <p:attrNameLst>
-                                          <p:attrName>style.visibility</p:attrName>
-                                        </p:attrNameLst>
-                                      </p:cBhvr>
-                                      <p:to>
-                                        <p:strVal val="visible"/>
-                                      </p:to>
-                                    </p:set>
-                                  </p:childTnLst>
-                                </p:cTn>
-                              </p:par>
-                              <p:par>
-                                <p:cTn id="11" presetID="1" presetClass="entr" presetSubtype="0" fill="hold" grpId="0" nodeType="withEffect">
-                                  <p:stCondLst>
-                                    <p:cond delay="0"/>
-                                  </p:stCondLst>
-                                  <p:childTnLst>
-                                    <p:set>
-                                      <p:cBhvr>
-                                        <p:cTn id="12" dur="1" fill="hold">
-                                          <p:stCondLst>
-                                            <p:cond delay="0"/>
-                                          </p:stCondLst>
-                                        </p:cTn>
-                                        <p:tgtEl>
-                                          <p:spTgt spid="4">
-                                            <p:graphicEl>
-                                              <a:dgm id="{93639E22-A88A-4BC9-99C1-36A9D9F960B5}"/>
-                                            </p:graphicEl>
-                                          </p:spTgt>
-                                        </p:tgtEl>
-                                        <p:attrNameLst>
-                                          <p:attrName>style.visibility</p:attrName>
-                                        </p:attrNameLst>
-                                      </p:cBhvr>
-                                      <p:to>
-                                        <p:strVal val="visible"/>
-                                      </p:to>
-                                    </p:set>
-                                  </p:childTnLst>
-                                </p:cTn>
-                              </p:par>
-                            </p:childTnLst>
-                          </p:cTn>
-                        </p:par>
-                      </p:childTnLst>
-                    </p:cTn>
-                  </p:par>
-                  <p:par>
-                    <p:cTn id="13" fill="hold">
-                      <p:stCondLst>
-                        <p:cond delay="indefinite"/>
-                      </p:stCondLst>
-                      <p:childTnLst>
-                        <p:par>
-                          <p:cTn id="14" fill="hold">
-                            <p:stCondLst>
-                              <p:cond delay="0"/>
-                            </p:stCondLst>
-                            <p:childTnLst>
-                              <p:par>
-                                <p:cTn id="15" presetID="1" presetClass="entr" presetSubtype="0" fill="hold" grpId="0" nodeType="clickEffect">
-                                  <p:stCondLst>
-                                    <p:cond delay="0"/>
-                                  </p:stCondLst>
-                                  <p:childTnLst>
-                                    <p:set>
-                                      <p:cBhvr>
-                                        <p:cTn id="16" dur="1" fill="hold">
-                                          <p:stCondLst>
-                                            <p:cond delay="0"/>
-                                          </p:stCondLst>
-                                        </p:cTn>
-                                        <p:tgtEl>
-                                          <p:spTgt spid="4">
-                                            <p:graphicEl>
-                                              <a:dgm id="{AFB16C15-36BC-49F3-9E0C-816E5F0E95D1}"/>
-                                            </p:graphicEl>
-                                          </p:spTgt>
-                                        </p:tgtEl>
-                                        <p:attrNameLst>
-                                          <p:attrName>style.visibility</p:attrName>
-                                        </p:attrNameLst>
-                                      </p:cBhvr>
-                                      <p:to>
-                                        <p:strVal val="visible"/>
-                                      </p:to>
-                                    </p:set>
-                                  </p:childTnLst>
-                                </p:cTn>
-                              </p:par>
-                              <p:par>
-                                <p:cTn id="17" presetID="1" presetClass="entr" presetSubtype="0" fill="hold" grpId="0" nodeType="withEffect">
-                                  <p:stCondLst>
-                                    <p:cond delay="0"/>
-                                  </p:stCondLst>
-                                  <p:childTnLst>
-                                    <p:set>
-                                      <p:cBhvr>
-                                        <p:cTn id="18" dur="1" fill="hold">
-                                          <p:stCondLst>
-                                            <p:cond delay="0"/>
-                                          </p:stCondLst>
-                                        </p:cTn>
-                                        <p:tgtEl>
-                                          <p:spTgt spid="4">
-                                            <p:graphicEl>
-                                              <a:dgm id="{8B400A85-D0D8-45AE-A4C2-F6D3E2AACFB4}"/>
-                                            </p:graphicEl>
-                                          </p:spTgt>
-                                        </p:tgtEl>
-                                        <p:attrNameLst>
-                                          <p:attrName>style.visibility</p:attrName>
-                                        </p:attrNameLst>
-                                      </p:cBhvr>
-                                      <p:to>
-                                        <p:strVal val="visible"/>
-                                      </p:to>
-                                    </p:set>
-                                  </p:childTnLst>
-                                </p:cTn>
-                              </p:par>
-                            </p:childTnLst>
-                          </p:cTn>
-                        </p:par>
-                      </p:childTnLst>
-                    </p:cTn>
-                  </p:par>
-                  <p:par>
-                    <p:cTn id="19" fill="hold">
-                      <p:stCondLst>
-                        <p:cond delay="indefinite"/>
-                      </p:stCondLst>
-                      <p:childTnLst>
-                        <p:par>
-                          <p:cTn id="20" fill="hold">
-                            <p:stCondLst>
-                              <p:cond delay="0"/>
-                            </p:stCondLst>
-                            <p:childTnLst>
-                              <p:par>
-                                <p:cTn id="21" presetID="1" presetClass="entr" presetSubtype="0" fill="hold" grpId="0" nodeType="clickEffect">
-                                  <p:stCondLst>
-                                    <p:cond delay="0"/>
-                                  </p:stCondLst>
-                                  <p:childTnLst>
-                                    <p:set>
-                                      <p:cBhvr>
-                                        <p:cTn id="22" dur="1" fill="hold">
-                                          <p:stCondLst>
-                                            <p:cond delay="0"/>
-                                          </p:stCondLst>
-                                        </p:cTn>
-                                        <p:tgtEl>
-                                          <p:spTgt spid="4">
-                                            <p:graphicEl>
-                                              <a:dgm id="{01E5DCC6-093E-4096-8DC3-325AF9829412}"/>
-                                            </p:graphicEl>
-                                          </p:spTgt>
-                                        </p:tgtEl>
-                                        <p:attrNameLst>
-                                          <p:attrName>style.visibility</p:attrName>
-                                        </p:attrNameLst>
-                                      </p:cBhvr>
-                                      <p:to>
-                                        <p:strVal val="visible"/>
-                                      </p:to>
-                                    </p:set>
-                                  </p:childTnLst>
-                                </p:cTn>
-                              </p:par>
-                              <p:par>
-                                <p:cTn id="23" presetID="1" presetClass="entr" presetSubtype="0" fill="hold" grpId="0" nodeType="withEffect">
-                                  <p:stCondLst>
-                                    <p:cond delay="0"/>
-                                  </p:stCondLst>
-                                  <p:childTnLst>
-                                    <p:set>
-                                      <p:cBhvr>
-                                        <p:cTn id="24" dur="1" fill="hold">
-                                          <p:stCondLst>
-                                            <p:cond delay="0"/>
-                                          </p:stCondLst>
-                                        </p:cTn>
-                                        <p:tgtEl>
-                                          <p:spTgt spid="4">
-                                            <p:graphicEl>
-                                              <a:dgm id="{FBD43B6F-9D2F-48C8-BB26-D5ECE430BEA5}"/>
-                                            </p:graphicEl>
-                                          </p:spTgt>
-                                        </p:tgtEl>
-                                        <p:attrNameLst>
-                                          <p:attrName>style.visibility</p:attrName>
-                                        </p:attrNameLst>
-                                      </p:cBhvr>
-                                      <p:to>
-                                        <p:strVal val="visible"/>
-                                      </p:to>
-                                    </p:set>
-                                  </p:childTnLst>
-                                </p:cTn>
-                              </p:par>
-                            </p:childTnLst>
-                          </p:cTn>
-                        </p:par>
-                      </p:childTnLst>
-                    </p:cTn>
-                  </p:par>
-                  <p:par>
-                    <p:cTn id="25" fill="hold">
-                      <p:stCondLst>
-                        <p:cond delay="indefinite"/>
-                      </p:stCondLst>
-                      <p:childTnLst>
-                        <p:par>
-                          <p:cTn id="26" fill="hold">
-                            <p:stCondLst>
-                              <p:cond delay="0"/>
-                            </p:stCondLst>
-                            <p:childTnLst>
-                              <p:par>
-                                <p:cTn id="27" presetID="1" presetClass="entr" presetSubtype="0" fill="hold" grpId="0" nodeType="clickEffect">
-                                  <p:stCondLst>
-                                    <p:cond delay="0"/>
-                                  </p:stCondLst>
-                                  <p:childTnLst>
-                                    <p:set>
-                                      <p:cBhvr>
-                                        <p:cTn id="28" dur="1" fill="hold">
-                                          <p:stCondLst>
-                                            <p:cond delay="0"/>
-                                          </p:stCondLst>
-                                        </p:cTn>
-                                        <p:tgtEl>
-                                          <p:spTgt spid="4">
-                                            <p:graphicEl>
-                                              <a:dgm id="{8D308BC2-5FCD-4B99-B4A5-FD989C4E5ABA}"/>
-                                            </p:graphicEl>
-                                          </p:spTgt>
-                                        </p:tgtEl>
-                                        <p:attrNameLst>
-                                          <p:attrName>style.visibility</p:attrName>
-                                        </p:attrNameLst>
-                                      </p:cBhvr>
-                                      <p:to>
-                                        <p:strVal val="visible"/>
-                                      </p:to>
-                                    </p:set>
-                                  </p:childTnLst>
-                                </p:cTn>
-                              </p:par>
-                              <p:par>
-                                <p:cTn id="29" presetID="1" presetClass="entr" presetSubtype="0" fill="hold" grpId="0" nodeType="withEffect">
-                                  <p:stCondLst>
-                                    <p:cond delay="0"/>
-                                  </p:stCondLst>
-                                  <p:childTnLst>
-                                    <p:set>
-                                      <p:cBhvr>
-                                        <p:cTn id="30" dur="1" fill="hold">
-                                          <p:stCondLst>
-                                            <p:cond delay="0"/>
-                                          </p:stCondLst>
-                                        </p:cTn>
-                                        <p:tgtEl>
-                                          <p:spTgt spid="4">
-                                            <p:graphicEl>
-                                              <a:dgm id="{EB418920-7118-46EB-B44E-DEF18D07DB66}"/>
-                                            </p:graphicEl>
-                                          </p:spTgt>
-                                        </p:tgtEl>
-                                        <p:attrNameLst>
-                                          <p:attrName>style.visibility</p:attrName>
-                                        </p:attrNameLst>
-                                      </p:cBhvr>
-                                      <p:to>
-                                        <p:strVal val="visible"/>
-                                      </p:to>
-                                    </p:set>
-                                  </p:childTnLst>
-                                </p:cTn>
-                              </p:par>
-                            </p:childTnLst>
-                          </p:cTn>
-                        </p:par>
-                      </p:childTnLst>
-                    </p:cTn>
-                  </p:par>
-                </p:childTnLst>
-              </p:cTn>
-              <p:prevCondLst>
-                <p:cond evt="onPrev" delay="0">
-                  <p:tgtEl>
-                    <p:sldTgt/>
-                  </p:tgtEl>
-                </p:cond>
-              </p:prevCondLst>
-              <p:nextCondLst>
-                <p:cond evt="onNext" delay="0">
-                  <p:tgtEl>
-                    <p:sldTgt/>
-                  </p:tgtEl>
-                </p:cond>
-              </p:nextCondLst>
-            </p:seq>
-          </p:childTnLst>
-        </p:cTn>
-      </p:par>
-    </p:tnLst>
-    <p:bldLst>
-      <p:bldGraphic spid="4" grpId="0">
-        <p:bldSub>
-          <a:bldDgm bld="one"/>
-        </p:bldSub>
-      </p:bldGraphic>
     </p:bldLst>
   </p:timing>
 </p:sld>
